--- a/Game_Design/2019184003 김 선아 장르 제안서.pptx
+++ b/Game_Design/2019184003 김 선아 장르 제안서.pptx
@@ -262,7 +262,7 @@
           <a:p>
             <a:fld id="{E2CF5178-EA5D-4D99-A2BC-F1725EA1756D}" type="datetimeFigureOut">
               <a:rPr lang="ko-KR" altLang="en-US" smtClean="0"/>
-              <a:t>2022-09-21</a:t>
+              <a:t>2022-09-22</a:t>
             </a:fld>
             <a:endParaRPr lang="ko-KR" altLang="en-US"/>
           </a:p>
@@ -432,7 +432,7 @@
           <a:p>
             <a:fld id="{E2CF5178-EA5D-4D99-A2BC-F1725EA1756D}" type="datetimeFigureOut">
               <a:rPr lang="ko-KR" altLang="en-US" smtClean="0"/>
-              <a:t>2022-09-21</a:t>
+              <a:t>2022-09-22</a:t>
             </a:fld>
             <a:endParaRPr lang="ko-KR" altLang="en-US"/>
           </a:p>
@@ -612,7 +612,7 @@
           <a:p>
             <a:fld id="{E2CF5178-EA5D-4D99-A2BC-F1725EA1756D}" type="datetimeFigureOut">
               <a:rPr lang="ko-KR" altLang="en-US" smtClean="0"/>
-              <a:t>2022-09-21</a:t>
+              <a:t>2022-09-22</a:t>
             </a:fld>
             <a:endParaRPr lang="ko-KR" altLang="en-US"/>
           </a:p>
@@ -782,7 +782,7 @@
           <a:p>
             <a:fld id="{E2CF5178-EA5D-4D99-A2BC-F1725EA1756D}" type="datetimeFigureOut">
               <a:rPr lang="ko-KR" altLang="en-US" smtClean="0"/>
-              <a:t>2022-09-21</a:t>
+              <a:t>2022-09-22</a:t>
             </a:fld>
             <a:endParaRPr lang="ko-KR" altLang="en-US"/>
           </a:p>
@@ -1028,7 +1028,7 @@
           <a:p>
             <a:fld id="{E2CF5178-EA5D-4D99-A2BC-F1725EA1756D}" type="datetimeFigureOut">
               <a:rPr lang="ko-KR" altLang="en-US" smtClean="0"/>
-              <a:t>2022-09-21</a:t>
+              <a:t>2022-09-22</a:t>
             </a:fld>
             <a:endParaRPr lang="ko-KR" altLang="en-US"/>
           </a:p>
@@ -1260,7 +1260,7 @@
           <a:p>
             <a:fld id="{E2CF5178-EA5D-4D99-A2BC-F1725EA1756D}" type="datetimeFigureOut">
               <a:rPr lang="ko-KR" altLang="en-US" smtClean="0"/>
-              <a:t>2022-09-21</a:t>
+              <a:t>2022-09-22</a:t>
             </a:fld>
             <a:endParaRPr lang="ko-KR" altLang="en-US"/>
           </a:p>
@@ -1627,7 +1627,7 @@
           <a:p>
             <a:fld id="{E2CF5178-EA5D-4D99-A2BC-F1725EA1756D}" type="datetimeFigureOut">
               <a:rPr lang="ko-KR" altLang="en-US" smtClean="0"/>
-              <a:t>2022-09-21</a:t>
+              <a:t>2022-09-22</a:t>
             </a:fld>
             <a:endParaRPr lang="ko-KR" altLang="en-US"/>
           </a:p>
@@ -1745,7 +1745,7 @@
           <a:p>
             <a:fld id="{E2CF5178-EA5D-4D99-A2BC-F1725EA1756D}" type="datetimeFigureOut">
               <a:rPr lang="ko-KR" altLang="en-US" smtClean="0"/>
-              <a:t>2022-09-21</a:t>
+              <a:t>2022-09-22</a:t>
             </a:fld>
             <a:endParaRPr lang="ko-KR" altLang="en-US"/>
           </a:p>
@@ -1840,7 +1840,7 @@
           <a:p>
             <a:fld id="{E2CF5178-EA5D-4D99-A2BC-F1725EA1756D}" type="datetimeFigureOut">
               <a:rPr lang="ko-KR" altLang="en-US" smtClean="0"/>
-              <a:t>2022-09-21</a:t>
+              <a:t>2022-09-22</a:t>
             </a:fld>
             <a:endParaRPr lang="ko-KR" altLang="en-US"/>
           </a:p>
@@ -2117,7 +2117,7 @@
           <a:p>
             <a:fld id="{E2CF5178-EA5D-4D99-A2BC-F1725EA1756D}" type="datetimeFigureOut">
               <a:rPr lang="ko-KR" altLang="en-US" smtClean="0"/>
-              <a:t>2022-09-21</a:t>
+              <a:t>2022-09-22</a:t>
             </a:fld>
             <a:endParaRPr lang="ko-KR" altLang="en-US"/>
           </a:p>
@@ -2374,7 +2374,7 @@
           <a:p>
             <a:fld id="{E2CF5178-EA5D-4D99-A2BC-F1725EA1756D}" type="datetimeFigureOut">
               <a:rPr lang="ko-KR" altLang="en-US" smtClean="0"/>
-              <a:t>2022-09-21</a:t>
+              <a:t>2022-09-22</a:t>
             </a:fld>
             <a:endParaRPr lang="ko-KR" altLang="en-US"/>
           </a:p>
@@ -2587,7 +2587,7 @@
           <a:p>
             <a:fld id="{E2CF5178-EA5D-4D99-A2BC-F1725EA1756D}" type="datetimeFigureOut">
               <a:rPr lang="ko-KR" altLang="en-US" smtClean="0"/>
-              <a:t>2022-09-21</a:t>
+              <a:t>2022-09-22</a:t>
             </a:fld>
             <a:endParaRPr lang="ko-KR" altLang="en-US"/>
           </a:p>
@@ -3547,6 +3547,700 @@
           </a:p>
         </p:txBody>
       </p:sp>
+      <p:pic>
+        <p:nvPicPr>
+          <p:cNvPr id="1026" name="Picture 2">
+            <a:extLst>
+              <a:ext uri="{FF2B5EF4-FFF2-40B4-BE49-F238E27FC236}">
+                <a16:creationId xmlns:a16="http://schemas.microsoft.com/office/drawing/2014/main" id="{8A842A41-F646-76D6-B42E-D5DD4A884CE5}"/>
+              </a:ext>
+            </a:extLst>
+          </p:cNvPr>
+          <p:cNvPicPr>
+            <a:picLocks noChangeAspect="1" noChangeArrowheads="1"/>
+          </p:cNvPicPr>
+          <p:nvPr/>
+        </p:nvPicPr>
+        <p:blipFill rotWithShape="1">
+          <a:blip r:embed="rId2">
+            <a:extLst>
+              <a:ext uri="{BEBA8EAE-BF5A-486C-A8C5-ECC9F3942E4B}">
+                <a14:imgProps xmlns:a14="http://schemas.microsoft.com/office/drawing/2010/main">
+                  <a14:imgLayer r:embed="rId3">
+                    <a14:imgEffect>
+                      <a14:backgroundRemoval t="7343" b="74126" l="0" r="97727"/>
+                    </a14:imgEffect>
+                  </a14:imgLayer>
+                </a14:imgProps>
+              </a:ext>
+              <a:ext uri="{28A0092B-C50C-407E-A947-70E740481C1C}">
+                <a14:useLocalDpi xmlns:a14="http://schemas.microsoft.com/office/drawing/2010/main" val="0"/>
+              </a:ext>
+            </a:extLst>
+          </a:blip>
+          <a:srcRect t="27150" b="25146"/>
+          <a:stretch/>
+        </p:blipFill>
+        <p:spPr bwMode="auto">
+          <a:xfrm>
+            <a:off x="1919037" y="925976"/>
+            <a:ext cx="8353926" cy="3985142"/>
+          </a:xfrm>
+          <a:prstGeom prst="rect">
+            <a:avLst/>
+          </a:prstGeom>
+          <a:noFill/>
+          <a:extLst>
+            <a:ext uri="{909E8E84-426E-40DD-AFC4-6F175D3DCCD1}">
+              <a14:hiddenFill xmlns:a14="http://schemas.microsoft.com/office/drawing/2010/main">
+                <a:solidFill>
+                  <a:srgbClr val="FFFFFF"/>
+                </a:solidFill>
+              </a14:hiddenFill>
+            </a:ext>
+          </a:extLst>
+        </p:spPr>
+      </p:pic>
+      <p:sp>
+        <p:nvSpPr>
+          <p:cNvPr id="3" name="사각형: 둥근 모서리 2">
+            <a:extLst>
+              <a:ext uri="{FF2B5EF4-FFF2-40B4-BE49-F238E27FC236}">
+                <a16:creationId xmlns:a16="http://schemas.microsoft.com/office/drawing/2014/main" id="{9224A4DD-1280-583F-ACEF-A0DD7BD8BAC9}"/>
+              </a:ext>
+            </a:extLst>
+          </p:cNvPr>
+          <p:cNvSpPr/>
+          <p:nvPr/>
+        </p:nvSpPr>
+        <p:spPr>
+          <a:xfrm>
+            <a:off x="3571970" y="2317827"/>
+            <a:ext cx="504000" cy="504000"/>
+          </a:xfrm>
+          <a:prstGeom prst="roundRect">
+            <a:avLst/>
+          </a:prstGeom>
+          <a:solidFill>
+            <a:srgbClr val="FFC000">
+              <a:alpha val="40000"/>
+            </a:srgbClr>
+          </a:solidFill>
+          <a:ln>
+            <a:noFill/>
+          </a:ln>
+        </p:spPr>
+        <p:style>
+          <a:lnRef idx="2">
+            <a:schemeClr val="accent1">
+              <a:shade val="50000"/>
+            </a:schemeClr>
+          </a:lnRef>
+          <a:fillRef idx="1">
+            <a:schemeClr val="accent1"/>
+          </a:fillRef>
+          <a:effectRef idx="0">
+            <a:schemeClr val="accent1"/>
+          </a:effectRef>
+          <a:fontRef idx="minor">
+            <a:schemeClr val="lt1"/>
+          </a:fontRef>
+        </p:style>
+        <p:txBody>
+          <a:bodyPr rtlCol="0" anchor="ctr"/>
+          <a:lstStyle/>
+          <a:p>
+            <a:pPr algn="ctr"/>
+            <a:endParaRPr lang="ko-KR" altLang="en-US"/>
+          </a:p>
+        </p:txBody>
+      </p:sp>
+      <p:sp>
+        <p:nvSpPr>
+          <p:cNvPr id="4" name="사각형: 둥근 모서리 3">
+            <a:extLst>
+              <a:ext uri="{FF2B5EF4-FFF2-40B4-BE49-F238E27FC236}">
+                <a16:creationId xmlns:a16="http://schemas.microsoft.com/office/drawing/2014/main" id="{BD53039B-5DEF-2FB3-8929-0953F1F18FD4}"/>
+              </a:ext>
+            </a:extLst>
+          </p:cNvPr>
+          <p:cNvSpPr/>
+          <p:nvPr/>
+        </p:nvSpPr>
+        <p:spPr>
+          <a:xfrm>
+            <a:off x="3175730" y="2831987"/>
+            <a:ext cx="504000" cy="504000"/>
+          </a:xfrm>
+          <a:prstGeom prst="roundRect">
+            <a:avLst/>
+          </a:prstGeom>
+          <a:solidFill>
+            <a:srgbClr val="FFC000">
+              <a:alpha val="40000"/>
+            </a:srgbClr>
+          </a:solidFill>
+          <a:ln>
+            <a:noFill/>
+          </a:ln>
+        </p:spPr>
+        <p:style>
+          <a:lnRef idx="2">
+            <a:schemeClr val="accent1">
+              <a:shade val="50000"/>
+            </a:schemeClr>
+          </a:lnRef>
+          <a:fillRef idx="1">
+            <a:schemeClr val="accent1"/>
+          </a:fillRef>
+          <a:effectRef idx="0">
+            <a:schemeClr val="accent1"/>
+          </a:effectRef>
+          <a:fontRef idx="minor">
+            <a:schemeClr val="lt1"/>
+          </a:fontRef>
+        </p:style>
+        <p:txBody>
+          <a:bodyPr rtlCol="0" anchor="ctr"/>
+          <a:lstStyle/>
+          <a:p>
+            <a:pPr algn="ctr"/>
+            <a:endParaRPr lang="ko-KR" altLang="en-US"/>
+          </a:p>
+        </p:txBody>
+      </p:sp>
+      <p:sp>
+        <p:nvSpPr>
+          <p:cNvPr id="5" name="사각형: 둥근 모서리 4">
+            <a:extLst>
+              <a:ext uri="{FF2B5EF4-FFF2-40B4-BE49-F238E27FC236}">
+                <a16:creationId xmlns:a16="http://schemas.microsoft.com/office/drawing/2014/main" id="{6E2C2755-0D45-2D38-FE89-DAAC5F47D5F1}"/>
+              </a:ext>
+            </a:extLst>
+          </p:cNvPr>
+          <p:cNvSpPr/>
+          <p:nvPr/>
+        </p:nvSpPr>
+        <p:spPr>
+          <a:xfrm>
+            <a:off x="3716750" y="2831987"/>
+            <a:ext cx="504000" cy="504000"/>
+          </a:xfrm>
+          <a:prstGeom prst="roundRect">
+            <a:avLst/>
+          </a:prstGeom>
+          <a:solidFill>
+            <a:srgbClr val="FFC000">
+              <a:alpha val="40000"/>
+            </a:srgbClr>
+          </a:solidFill>
+          <a:ln>
+            <a:noFill/>
+          </a:ln>
+        </p:spPr>
+        <p:style>
+          <a:lnRef idx="2">
+            <a:schemeClr val="accent1">
+              <a:shade val="50000"/>
+            </a:schemeClr>
+          </a:lnRef>
+          <a:fillRef idx="1">
+            <a:schemeClr val="accent1"/>
+          </a:fillRef>
+          <a:effectRef idx="0">
+            <a:schemeClr val="accent1"/>
+          </a:effectRef>
+          <a:fontRef idx="minor">
+            <a:schemeClr val="lt1"/>
+          </a:fontRef>
+        </p:style>
+        <p:txBody>
+          <a:bodyPr rtlCol="0" anchor="ctr"/>
+          <a:lstStyle/>
+          <a:p>
+            <a:pPr algn="ctr"/>
+            <a:endParaRPr lang="ko-KR" altLang="en-US"/>
+          </a:p>
+        </p:txBody>
+      </p:sp>
+      <p:sp>
+        <p:nvSpPr>
+          <p:cNvPr id="6" name="사각형: 둥근 모서리 5">
+            <a:extLst>
+              <a:ext uri="{FF2B5EF4-FFF2-40B4-BE49-F238E27FC236}">
+                <a16:creationId xmlns:a16="http://schemas.microsoft.com/office/drawing/2014/main" id="{110F7627-F2DD-A9B1-4B98-06FEB96A05D4}"/>
+              </a:ext>
+            </a:extLst>
+          </p:cNvPr>
+          <p:cNvSpPr/>
+          <p:nvPr/>
+        </p:nvSpPr>
+        <p:spPr>
+          <a:xfrm>
+            <a:off x="4257770" y="2831987"/>
+            <a:ext cx="504000" cy="504000"/>
+          </a:xfrm>
+          <a:prstGeom prst="roundRect">
+            <a:avLst/>
+          </a:prstGeom>
+          <a:solidFill>
+            <a:srgbClr val="FFC000">
+              <a:alpha val="40000"/>
+            </a:srgbClr>
+          </a:solidFill>
+          <a:ln>
+            <a:noFill/>
+          </a:ln>
+        </p:spPr>
+        <p:style>
+          <a:lnRef idx="2">
+            <a:schemeClr val="accent1">
+              <a:shade val="50000"/>
+            </a:schemeClr>
+          </a:lnRef>
+          <a:fillRef idx="1">
+            <a:schemeClr val="accent1"/>
+          </a:fillRef>
+          <a:effectRef idx="0">
+            <a:schemeClr val="accent1"/>
+          </a:effectRef>
+          <a:fontRef idx="minor">
+            <a:schemeClr val="lt1"/>
+          </a:fontRef>
+        </p:style>
+        <p:txBody>
+          <a:bodyPr rtlCol="0" anchor="ctr"/>
+          <a:lstStyle/>
+          <a:p>
+            <a:pPr algn="ctr"/>
+            <a:endParaRPr lang="ko-KR" altLang="en-US"/>
+          </a:p>
+        </p:txBody>
+      </p:sp>
+      <p:sp>
+        <p:nvSpPr>
+          <p:cNvPr id="7" name="사각형: 둥근 모서리 6">
+            <a:extLst>
+              <a:ext uri="{FF2B5EF4-FFF2-40B4-BE49-F238E27FC236}">
+                <a16:creationId xmlns:a16="http://schemas.microsoft.com/office/drawing/2014/main" id="{716ABDEA-8758-9AD8-A7EC-A33C863C9EB0}"/>
+              </a:ext>
+            </a:extLst>
+          </p:cNvPr>
+          <p:cNvSpPr/>
+          <p:nvPr/>
+        </p:nvSpPr>
+        <p:spPr>
+          <a:xfrm>
+            <a:off x="2779490" y="1800492"/>
+            <a:ext cx="504000" cy="504000"/>
+          </a:xfrm>
+          <a:prstGeom prst="roundRect">
+            <a:avLst/>
+          </a:prstGeom>
+          <a:solidFill>
+            <a:srgbClr val="FF0000">
+              <a:alpha val="40000"/>
+            </a:srgbClr>
+          </a:solidFill>
+          <a:ln>
+            <a:noFill/>
+          </a:ln>
+        </p:spPr>
+        <p:style>
+          <a:lnRef idx="2">
+            <a:schemeClr val="accent1">
+              <a:shade val="50000"/>
+            </a:schemeClr>
+          </a:lnRef>
+          <a:fillRef idx="1">
+            <a:schemeClr val="accent1"/>
+          </a:fillRef>
+          <a:effectRef idx="0">
+            <a:schemeClr val="accent1"/>
+          </a:effectRef>
+          <a:fontRef idx="minor">
+            <a:schemeClr val="lt1"/>
+          </a:fontRef>
+        </p:style>
+        <p:txBody>
+          <a:bodyPr rtlCol="0" anchor="ctr"/>
+          <a:lstStyle/>
+          <a:p>
+            <a:pPr algn="ctr"/>
+            <a:endParaRPr lang="ko-KR" altLang="en-US"/>
+          </a:p>
+        </p:txBody>
+      </p:sp>
+      <p:sp>
+        <p:nvSpPr>
+          <p:cNvPr id="8" name="사각형: 둥근 모서리 7">
+            <a:extLst>
+              <a:ext uri="{FF2B5EF4-FFF2-40B4-BE49-F238E27FC236}">
+                <a16:creationId xmlns:a16="http://schemas.microsoft.com/office/drawing/2014/main" id="{5B2488FF-546C-C097-60B0-87DF72DF6912}"/>
+              </a:ext>
+            </a:extLst>
+          </p:cNvPr>
+          <p:cNvSpPr/>
+          <p:nvPr/>
+        </p:nvSpPr>
+        <p:spPr>
+          <a:xfrm>
+            <a:off x="3316160" y="1799846"/>
+            <a:ext cx="504000" cy="504000"/>
+          </a:xfrm>
+          <a:prstGeom prst="roundRect">
+            <a:avLst/>
+          </a:prstGeom>
+          <a:solidFill>
+            <a:srgbClr val="FF0000">
+              <a:alpha val="40000"/>
+            </a:srgbClr>
+          </a:solidFill>
+          <a:ln>
+            <a:noFill/>
+          </a:ln>
+        </p:spPr>
+        <p:style>
+          <a:lnRef idx="2">
+            <a:schemeClr val="accent1">
+              <a:shade val="50000"/>
+            </a:schemeClr>
+          </a:lnRef>
+          <a:fillRef idx="1">
+            <a:schemeClr val="accent1"/>
+          </a:fillRef>
+          <a:effectRef idx="0">
+            <a:schemeClr val="accent1"/>
+          </a:effectRef>
+          <a:fontRef idx="minor">
+            <a:schemeClr val="lt1"/>
+          </a:fontRef>
+        </p:style>
+        <p:txBody>
+          <a:bodyPr rtlCol="0" anchor="ctr"/>
+          <a:lstStyle/>
+          <a:p>
+            <a:pPr algn="ctr"/>
+            <a:endParaRPr lang="ko-KR" altLang="en-US"/>
+          </a:p>
+        </p:txBody>
+      </p:sp>
+      <p:sp>
+        <p:nvSpPr>
+          <p:cNvPr id="9" name="사각형: 둥근 모서리 8">
+            <a:extLst>
+              <a:ext uri="{FF2B5EF4-FFF2-40B4-BE49-F238E27FC236}">
+                <a16:creationId xmlns:a16="http://schemas.microsoft.com/office/drawing/2014/main" id="{A930A052-3423-AE5E-7118-71C6D5FEF24A}"/>
+              </a:ext>
+            </a:extLst>
+          </p:cNvPr>
+          <p:cNvSpPr/>
+          <p:nvPr/>
+        </p:nvSpPr>
+        <p:spPr>
+          <a:xfrm>
+            <a:off x="3850925" y="1799846"/>
+            <a:ext cx="504000" cy="504000"/>
+          </a:xfrm>
+          <a:prstGeom prst="roundRect">
+            <a:avLst/>
+          </a:prstGeom>
+          <a:solidFill>
+            <a:srgbClr val="FF0000">
+              <a:alpha val="40000"/>
+            </a:srgbClr>
+          </a:solidFill>
+          <a:ln>
+            <a:noFill/>
+          </a:ln>
+        </p:spPr>
+        <p:style>
+          <a:lnRef idx="2">
+            <a:schemeClr val="accent1">
+              <a:shade val="50000"/>
+            </a:schemeClr>
+          </a:lnRef>
+          <a:fillRef idx="1">
+            <a:schemeClr val="accent1"/>
+          </a:fillRef>
+          <a:effectRef idx="0">
+            <a:schemeClr val="accent1"/>
+          </a:effectRef>
+          <a:fontRef idx="minor">
+            <a:schemeClr val="lt1"/>
+          </a:fontRef>
+        </p:style>
+        <p:txBody>
+          <a:bodyPr rtlCol="0" anchor="ctr"/>
+          <a:lstStyle/>
+          <a:p>
+            <a:pPr algn="ctr"/>
+            <a:endParaRPr lang="ko-KR" altLang="en-US"/>
+          </a:p>
+        </p:txBody>
+      </p:sp>
+      <p:sp>
+        <p:nvSpPr>
+          <p:cNvPr id="10" name="TextBox 9">
+            <a:extLst>
+              <a:ext uri="{FF2B5EF4-FFF2-40B4-BE49-F238E27FC236}">
+                <a16:creationId xmlns:a16="http://schemas.microsoft.com/office/drawing/2014/main" id="{A923B3FC-B30A-09C9-831D-6D0A48CE15DB}"/>
+              </a:ext>
+            </a:extLst>
+          </p:cNvPr>
+          <p:cNvSpPr txBox="1"/>
+          <p:nvPr/>
+        </p:nvSpPr>
+        <p:spPr>
+          <a:xfrm>
+            <a:off x="1919037" y="4670316"/>
+            <a:ext cx="8518359" cy="1438855"/>
+          </a:xfrm>
+          <a:prstGeom prst="rect">
+            <a:avLst/>
+          </a:prstGeom>
+          <a:noFill/>
+        </p:spPr>
+        <p:txBody>
+          <a:bodyPr wrap="square" rtlCol="0">
+            <a:spAutoFit/>
+          </a:bodyPr>
+          <a:lstStyle/>
+          <a:p>
+            <a:pPr>
+              <a:lnSpc>
+                <a:spcPct val="150000"/>
+              </a:lnSpc>
+            </a:pPr>
+            <a:r>
+              <a:rPr lang="ko-KR" altLang="en-US" sz="2000" dirty="0">
+                <a:latin typeface="G마켓 산스 TTF Light" panose="02000000000000000000" pitchFamily="2" charset="-127"/>
+                <a:ea typeface="G마켓 산스 TTF Light" panose="02000000000000000000" pitchFamily="2" charset="-127"/>
+              </a:rPr>
+              <a:t>플레이어 이동</a:t>
+            </a:r>
+            <a:r>
+              <a:rPr lang="en-US" altLang="ko-KR" sz="2000" dirty="0">
+                <a:latin typeface="G마켓 산스 TTF Light" panose="02000000000000000000" pitchFamily="2" charset="-127"/>
+                <a:ea typeface="G마켓 산스 TTF Light" panose="02000000000000000000" pitchFamily="2" charset="-127"/>
+              </a:rPr>
+              <a:t>	| W, A, S, D (</a:t>
+            </a:r>
+            <a:r>
+              <a:rPr lang="ko-KR" altLang="en-US" sz="2000" dirty="0">
+                <a:latin typeface="G마켓 산스 TTF Light" panose="02000000000000000000" pitchFamily="2" charset="-127"/>
+                <a:ea typeface="G마켓 산스 TTF Light" panose="02000000000000000000" pitchFamily="2" charset="-127"/>
+              </a:rPr>
+              <a:t>상</a:t>
+            </a:r>
+            <a:r>
+              <a:rPr lang="en-US" altLang="ko-KR" sz="2000" dirty="0">
+                <a:latin typeface="G마켓 산스 TTF Light" panose="02000000000000000000" pitchFamily="2" charset="-127"/>
+                <a:ea typeface="G마켓 산스 TTF Light" panose="02000000000000000000" pitchFamily="2" charset="-127"/>
+              </a:rPr>
+              <a:t>, </a:t>
+            </a:r>
+            <a:r>
+              <a:rPr lang="ko-KR" altLang="en-US" sz="2000" dirty="0">
+                <a:latin typeface="G마켓 산스 TTF Light" panose="02000000000000000000" pitchFamily="2" charset="-127"/>
+                <a:ea typeface="G마켓 산스 TTF Light" panose="02000000000000000000" pitchFamily="2" charset="-127"/>
+              </a:rPr>
+              <a:t>좌</a:t>
+            </a:r>
+            <a:r>
+              <a:rPr lang="en-US" altLang="ko-KR" sz="2000" dirty="0">
+                <a:latin typeface="G마켓 산스 TTF Light" panose="02000000000000000000" pitchFamily="2" charset="-127"/>
+                <a:ea typeface="G마켓 산스 TTF Light" panose="02000000000000000000" pitchFamily="2" charset="-127"/>
+              </a:rPr>
+              <a:t>, </a:t>
+            </a:r>
+            <a:r>
+              <a:rPr lang="ko-KR" altLang="en-US" sz="2000" dirty="0">
+                <a:latin typeface="G마켓 산스 TTF Light" panose="02000000000000000000" pitchFamily="2" charset="-127"/>
+                <a:ea typeface="G마켓 산스 TTF Light" panose="02000000000000000000" pitchFamily="2" charset="-127"/>
+              </a:rPr>
+              <a:t>하</a:t>
+            </a:r>
+            <a:r>
+              <a:rPr lang="en-US" altLang="ko-KR" sz="2000" dirty="0">
+                <a:latin typeface="G마켓 산스 TTF Light" panose="02000000000000000000" pitchFamily="2" charset="-127"/>
+                <a:ea typeface="G마켓 산스 TTF Light" panose="02000000000000000000" pitchFamily="2" charset="-127"/>
+              </a:rPr>
+              <a:t>, </a:t>
+            </a:r>
+            <a:r>
+              <a:rPr lang="ko-KR" altLang="en-US" sz="2000" dirty="0">
+                <a:latin typeface="G마켓 산스 TTF Light" panose="02000000000000000000" pitchFamily="2" charset="-127"/>
+                <a:ea typeface="G마켓 산스 TTF Light" panose="02000000000000000000" pitchFamily="2" charset="-127"/>
+              </a:rPr>
+              <a:t>우 </a:t>
+            </a:r>
+            <a:r>
+              <a:rPr lang="en-US" altLang="ko-KR" sz="2000" dirty="0">
+                <a:latin typeface="G마켓 산스 TTF Light" panose="02000000000000000000" pitchFamily="2" charset="-127"/>
+                <a:ea typeface="G마켓 산스 TTF Light" panose="02000000000000000000" pitchFamily="2" charset="-127"/>
+              </a:rPr>
+              <a:t>)</a:t>
+            </a:r>
+          </a:p>
+          <a:p>
+            <a:pPr>
+              <a:lnSpc>
+                <a:spcPct val="150000"/>
+              </a:lnSpc>
+            </a:pPr>
+            <a:r>
+              <a:rPr lang="ko-KR" altLang="en-US" sz="2000" dirty="0">
+                <a:latin typeface="G마켓 산스 TTF Light" panose="02000000000000000000" pitchFamily="2" charset="-127"/>
+                <a:ea typeface="G마켓 산스 TTF Light" panose="02000000000000000000" pitchFamily="2" charset="-127"/>
+              </a:rPr>
+              <a:t>무기 변경</a:t>
+            </a:r>
+            <a:r>
+              <a:rPr lang="en-US" altLang="ko-KR" sz="2000" dirty="0">
+                <a:latin typeface="G마켓 산스 TTF Light" panose="02000000000000000000" pitchFamily="2" charset="-127"/>
+                <a:ea typeface="G마켓 산스 TTF Light" panose="02000000000000000000" pitchFamily="2" charset="-127"/>
+              </a:rPr>
+              <a:t>		| 1, 2, 3 (1</a:t>
+            </a:r>
+            <a:r>
+              <a:rPr lang="ko-KR" altLang="en-US" sz="2000" dirty="0">
+                <a:latin typeface="G마켓 산스 TTF Light" panose="02000000000000000000" pitchFamily="2" charset="-127"/>
+                <a:ea typeface="G마켓 산스 TTF Light" panose="02000000000000000000" pitchFamily="2" charset="-127"/>
+              </a:rPr>
+              <a:t>을 누르면 </a:t>
+            </a:r>
+            <a:r>
+              <a:rPr lang="en-US" altLang="ko-KR" sz="2000" dirty="0">
+                <a:latin typeface="G마켓 산스 TTF Light" panose="02000000000000000000" pitchFamily="2" charset="-127"/>
+                <a:ea typeface="G마켓 산스 TTF Light" panose="02000000000000000000" pitchFamily="2" charset="-127"/>
+              </a:rPr>
+              <a:t>1</a:t>
+            </a:r>
+            <a:r>
+              <a:rPr lang="ko-KR" altLang="en-US" sz="2000" dirty="0">
+                <a:latin typeface="G마켓 산스 TTF Light" panose="02000000000000000000" pitchFamily="2" charset="-127"/>
+                <a:ea typeface="G마켓 산스 TTF Light" panose="02000000000000000000" pitchFamily="2" charset="-127"/>
+              </a:rPr>
+              <a:t>번 무기</a:t>
+            </a:r>
+            <a:r>
+              <a:rPr lang="en-US" altLang="ko-KR" sz="2000" dirty="0">
+                <a:latin typeface="G마켓 산스 TTF Light" panose="02000000000000000000" pitchFamily="2" charset="-127"/>
+                <a:ea typeface="G마켓 산스 TTF Light" panose="02000000000000000000" pitchFamily="2" charset="-127"/>
+              </a:rPr>
+              <a:t>, 2</a:t>
+            </a:r>
+            <a:r>
+              <a:rPr lang="ko-KR" altLang="en-US" sz="2000" dirty="0">
+                <a:latin typeface="G마켓 산스 TTF Light" panose="02000000000000000000" pitchFamily="2" charset="-127"/>
+                <a:ea typeface="G마켓 산스 TTF Light" panose="02000000000000000000" pitchFamily="2" charset="-127"/>
+              </a:rPr>
+              <a:t>를 누르면 </a:t>
+            </a:r>
+            <a:r>
+              <a:rPr lang="en-US" altLang="ko-KR" sz="2000" dirty="0">
+                <a:latin typeface="G마켓 산스 TTF Light" panose="02000000000000000000" pitchFamily="2" charset="-127"/>
+                <a:ea typeface="G마켓 산스 TTF Light" panose="02000000000000000000" pitchFamily="2" charset="-127"/>
+              </a:rPr>
+              <a:t>2</a:t>
+            </a:r>
+            <a:r>
+              <a:rPr lang="ko-KR" altLang="en-US" sz="2000" dirty="0">
+                <a:latin typeface="G마켓 산스 TTF Light" panose="02000000000000000000" pitchFamily="2" charset="-127"/>
+                <a:ea typeface="G마켓 산스 TTF Light" panose="02000000000000000000" pitchFamily="2" charset="-127"/>
+              </a:rPr>
+              <a:t>번 무기</a:t>
+            </a:r>
+            <a:r>
+              <a:rPr lang="en-US" altLang="ko-KR" sz="2000" dirty="0">
+                <a:latin typeface="G마켓 산스 TTF Light" panose="02000000000000000000" pitchFamily="2" charset="-127"/>
+                <a:ea typeface="G마켓 산스 TTF Light" panose="02000000000000000000" pitchFamily="2" charset="-127"/>
+              </a:rPr>
+              <a:t>)</a:t>
+            </a:r>
+          </a:p>
+          <a:p>
+            <a:pPr>
+              <a:lnSpc>
+                <a:spcPct val="150000"/>
+              </a:lnSpc>
+            </a:pPr>
+            <a:r>
+              <a:rPr lang="ko-KR" altLang="en-US" sz="2000" dirty="0">
+                <a:latin typeface="G마켓 산스 TTF Light" panose="02000000000000000000" pitchFamily="2" charset="-127"/>
+                <a:ea typeface="G마켓 산스 TTF Light" panose="02000000000000000000" pitchFamily="2" charset="-127"/>
+              </a:rPr>
+              <a:t>아이템 줍기</a:t>
+            </a:r>
+            <a:r>
+              <a:rPr lang="en-US" altLang="ko-KR" sz="2000" dirty="0">
+                <a:latin typeface="G마켓 산스 TTF Light" panose="02000000000000000000" pitchFamily="2" charset="-127"/>
+                <a:ea typeface="G마켓 산스 TTF Light" panose="02000000000000000000" pitchFamily="2" charset="-127"/>
+              </a:rPr>
+              <a:t>		| Q</a:t>
+            </a:r>
+            <a:endParaRPr lang="ko-KR" altLang="en-US" sz="2000" dirty="0">
+              <a:latin typeface="G마켓 산스 TTF Light" panose="02000000000000000000" pitchFamily="2" charset="-127"/>
+              <a:ea typeface="G마켓 산스 TTF Light" panose="02000000000000000000" pitchFamily="2" charset="-127"/>
+            </a:endParaRPr>
+          </a:p>
+        </p:txBody>
+      </p:sp>
+      <p:sp>
+        <p:nvSpPr>
+          <p:cNvPr id="11" name="사각형: 둥근 모서리 10">
+            <a:extLst>
+              <a:ext uri="{FF2B5EF4-FFF2-40B4-BE49-F238E27FC236}">
+                <a16:creationId xmlns:a16="http://schemas.microsoft.com/office/drawing/2014/main" id="{71CE780D-7A91-D6A2-DE6F-C04C79C6AEAA}"/>
+              </a:ext>
+            </a:extLst>
+          </p:cNvPr>
+          <p:cNvSpPr/>
+          <p:nvPr/>
+        </p:nvSpPr>
+        <p:spPr>
+          <a:xfrm>
+            <a:off x="3044920" y="2317816"/>
+            <a:ext cx="504000" cy="504000"/>
+          </a:xfrm>
+          <a:prstGeom prst="roundRect">
+            <a:avLst/>
+          </a:prstGeom>
+          <a:solidFill>
+            <a:srgbClr val="0070C0">
+              <a:alpha val="40000"/>
+            </a:srgbClr>
+          </a:solidFill>
+          <a:ln>
+            <a:noFill/>
+          </a:ln>
+        </p:spPr>
+        <p:style>
+          <a:lnRef idx="2">
+            <a:schemeClr val="accent1">
+              <a:shade val="50000"/>
+            </a:schemeClr>
+          </a:lnRef>
+          <a:fillRef idx="1">
+            <a:schemeClr val="accent1"/>
+          </a:fillRef>
+          <a:effectRef idx="0">
+            <a:schemeClr val="accent1"/>
+          </a:effectRef>
+          <a:fontRef idx="minor">
+            <a:schemeClr val="lt1"/>
+          </a:fontRef>
+        </p:style>
+        <p:txBody>
+          <a:bodyPr rtlCol="0" anchor="ctr"/>
+          <a:lstStyle/>
+          <a:p>
+            <a:pPr algn="ctr"/>
+            <a:endParaRPr lang="ko-KR" altLang="en-US"/>
+          </a:p>
+        </p:txBody>
+      </p:sp>
     </p:spTree>
     <p:extLst>
       <p:ext uri="{BB962C8B-B14F-4D97-AF65-F5344CB8AC3E}">
@@ -3758,9 +4452,7 @@
           <a:prstGeom prst="rect">
             <a:avLst/>
           </a:prstGeom>
-          <a:solidFill>
-            <a:schemeClr val="bg1"/>
-          </a:solidFill>
+          <a:noFill/>
           <a:ln w="28575">
             <a:solidFill>
               <a:srgbClr val="A3BCBD"/>
@@ -3843,6 +4535,431 @@
           </a:p>
         </p:txBody>
       </p:sp>
+      <p:sp>
+        <p:nvSpPr>
+          <p:cNvPr id="4" name="사각형: 둥근 모서리 3">
+            <a:extLst>
+              <a:ext uri="{FF2B5EF4-FFF2-40B4-BE49-F238E27FC236}">
+                <a16:creationId xmlns:a16="http://schemas.microsoft.com/office/drawing/2014/main" id="{85325A8B-CBDF-BB16-0A30-9A48FD39CB0E}"/>
+              </a:ext>
+            </a:extLst>
+          </p:cNvPr>
+          <p:cNvSpPr/>
+          <p:nvPr/>
+        </p:nvSpPr>
+        <p:spPr>
+          <a:xfrm>
+            <a:off x="1005601" y="2529000"/>
+            <a:ext cx="1800000" cy="1800000"/>
+          </a:xfrm>
+          <a:prstGeom prst="roundRect">
+            <a:avLst/>
+          </a:prstGeom>
+          <a:solidFill>
+            <a:srgbClr val="B1C6C7"/>
+          </a:solidFill>
+          <a:ln>
+            <a:noFill/>
+          </a:ln>
+        </p:spPr>
+        <p:style>
+          <a:lnRef idx="2">
+            <a:schemeClr val="accent1">
+              <a:shade val="50000"/>
+            </a:schemeClr>
+          </a:lnRef>
+          <a:fillRef idx="1">
+            <a:schemeClr val="accent1"/>
+          </a:fillRef>
+          <a:effectRef idx="0">
+            <a:schemeClr val="accent1"/>
+          </a:effectRef>
+          <a:fontRef idx="minor">
+            <a:schemeClr val="lt1"/>
+          </a:fontRef>
+        </p:style>
+        <p:txBody>
+          <a:bodyPr rtlCol="0" anchor="ctr"/>
+          <a:lstStyle/>
+          <a:p>
+            <a:pPr algn="ctr"/>
+            <a:endParaRPr lang="ko-KR" altLang="en-US"/>
+          </a:p>
+        </p:txBody>
+      </p:sp>
+      <p:pic>
+        <p:nvPicPr>
+          <p:cNvPr id="1030" name="Picture 6" descr="It’s finally here. Bicep is in Visual Studio!">
+            <a:extLst>
+              <a:ext uri="{FF2B5EF4-FFF2-40B4-BE49-F238E27FC236}">
+                <a16:creationId xmlns:a16="http://schemas.microsoft.com/office/drawing/2014/main" id="{459F292C-C88B-3A3E-68C1-8BF873151D30}"/>
+              </a:ext>
+            </a:extLst>
+          </p:cNvPr>
+          <p:cNvPicPr>
+            <a:picLocks noChangeAspect="1" noChangeArrowheads="1"/>
+          </p:cNvPicPr>
+          <p:nvPr/>
+        </p:nvPicPr>
+        <p:blipFill rotWithShape="1">
+          <a:blip r:embed="rId2">
+            <a:extLst>
+              <a:ext uri="{BEBA8EAE-BF5A-486C-A8C5-ECC9F3942E4B}">
+                <a14:imgProps xmlns:a14="http://schemas.microsoft.com/office/drawing/2010/main">
+                  <a14:imgLayer r:embed="rId3">
+                    <a14:imgEffect>
+                      <a14:backgroundRemoval t="17429" b="83714" l="27679" r="73750"/>
+                    </a14:imgEffect>
+                  </a14:imgLayer>
+                </a14:imgProps>
+              </a:ext>
+              <a:ext uri="{28A0092B-C50C-407E-A947-70E740481C1C}">
+                <a14:useLocalDpi xmlns:a14="http://schemas.microsoft.com/office/drawing/2010/main" val="0"/>
+              </a:ext>
+            </a:extLst>
+          </a:blip>
+          <a:srcRect l="27444" t="15955" r="24136" b="11864"/>
+          <a:stretch/>
+        </p:blipFill>
+        <p:spPr bwMode="auto">
+          <a:xfrm>
+            <a:off x="1253405" y="2780007"/>
+            <a:ext cx="1393172" cy="1297986"/>
+          </a:xfrm>
+          <a:prstGeom prst="rect">
+            <a:avLst/>
+          </a:prstGeom>
+          <a:noFill/>
+          <a:extLst>
+            <a:ext uri="{909E8E84-426E-40DD-AFC4-6F175D3DCCD1}">
+              <a14:hiddenFill xmlns:a14="http://schemas.microsoft.com/office/drawing/2010/main">
+                <a:solidFill>
+                  <a:srgbClr val="FFFFFF"/>
+                </a:solidFill>
+              </a14:hiddenFill>
+            </a:ext>
+          </a:extLst>
+        </p:spPr>
+      </p:pic>
+      <p:sp>
+        <p:nvSpPr>
+          <p:cNvPr id="6" name="사각형: 둥근 모서리 5">
+            <a:extLst>
+              <a:ext uri="{FF2B5EF4-FFF2-40B4-BE49-F238E27FC236}">
+                <a16:creationId xmlns:a16="http://schemas.microsoft.com/office/drawing/2014/main" id="{B146143F-70F2-311B-A313-41E70057244B}"/>
+              </a:ext>
+            </a:extLst>
+          </p:cNvPr>
+          <p:cNvSpPr/>
+          <p:nvPr/>
+        </p:nvSpPr>
+        <p:spPr>
+          <a:xfrm>
+            <a:off x="3768548" y="2529000"/>
+            <a:ext cx="1800000" cy="1800000"/>
+          </a:xfrm>
+          <a:prstGeom prst="roundRect">
+            <a:avLst/>
+          </a:prstGeom>
+          <a:solidFill>
+            <a:srgbClr val="B1C6C7"/>
+          </a:solidFill>
+          <a:ln>
+            <a:noFill/>
+          </a:ln>
+        </p:spPr>
+        <p:style>
+          <a:lnRef idx="2">
+            <a:schemeClr val="accent1">
+              <a:shade val="50000"/>
+            </a:schemeClr>
+          </a:lnRef>
+          <a:fillRef idx="1">
+            <a:schemeClr val="accent1"/>
+          </a:fillRef>
+          <a:effectRef idx="0">
+            <a:schemeClr val="accent1"/>
+          </a:effectRef>
+          <a:fontRef idx="minor">
+            <a:schemeClr val="lt1"/>
+          </a:fontRef>
+        </p:style>
+        <p:txBody>
+          <a:bodyPr rtlCol="0" anchor="ctr"/>
+          <a:lstStyle/>
+          <a:p>
+            <a:pPr algn="ctr"/>
+            <a:endParaRPr lang="ko-KR" altLang="en-US"/>
+          </a:p>
+        </p:txBody>
+      </p:sp>
+      <p:pic>
+        <p:nvPicPr>
+          <p:cNvPr id="1032" name="Picture 8">
+            <a:extLst>
+              <a:ext uri="{FF2B5EF4-FFF2-40B4-BE49-F238E27FC236}">
+                <a16:creationId xmlns:a16="http://schemas.microsoft.com/office/drawing/2014/main" id="{9FB82E99-BCF7-BE89-1587-3715BAE6D968}"/>
+              </a:ext>
+            </a:extLst>
+          </p:cNvPr>
+          <p:cNvPicPr>
+            <a:picLocks noChangeAspect="1" noChangeArrowheads="1"/>
+          </p:cNvPicPr>
+          <p:nvPr/>
+        </p:nvPicPr>
+        <p:blipFill>
+          <a:blip r:embed="rId4">
+            <a:extLst>
+              <a:ext uri="{BEBA8EAE-BF5A-486C-A8C5-ECC9F3942E4B}">
+                <a14:imgProps xmlns:a14="http://schemas.microsoft.com/office/drawing/2010/main">
+                  <a14:imgLayer r:embed="rId5">
+                    <a14:imgEffect>
+                      <a14:backgroundRemoval t="0" b="100000" l="0" r="100000">
+                        <a14:foregroundMark x1="49580" y1="47899" x2="49580" y2="47899"/>
+                        <a14:foregroundMark x1="37815" y1="97479" x2="40336" y2="87395"/>
+                        <a14:foregroundMark x1="40336" y1="87395" x2="40336" y2="87395"/>
+                        <a14:foregroundMark x1="39496" y1="87395" x2="19328" y2="78992"/>
+                        <a14:foregroundMark x1="19328" y1="78992" x2="19328" y2="78992"/>
+                        <a14:foregroundMark x1="39496" y1="89076" x2="45378" y2="97479"/>
+                        <a14:foregroundMark x1="43697" y1="97479" x2="61345" y2="97479"/>
+                        <a14:foregroundMark x1="61345" y1="97479" x2="59664" y2="76471"/>
+                        <a14:foregroundMark x1="58824" y1="72269" x2="78992" y2="63866"/>
+                        <a14:foregroundMark x1="78992" y1="63866" x2="80672" y2="42857"/>
+                        <a14:foregroundMark x1="80672" y1="42857" x2="77311" y2="23529"/>
+                        <a14:foregroundMark x1="76471" y1="23529" x2="62185" y2="28571"/>
+                        <a14:foregroundMark x1="61345" y1="28571" x2="55462" y2="25210"/>
+                        <a14:foregroundMark x1="55462" y1="25210" x2="37815" y2="28571"/>
+                        <a14:foregroundMark x1="37815" y1="28571" x2="26050" y2="22689"/>
+                        <a14:foregroundMark x1="26050" y1="22689" x2="26050" y2="22689"/>
+                      </a14:backgroundRemoval>
+                    </a14:imgEffect>
+                  </a14:imgLayer>
+                </a14:imgProps>
+              </a:ext>
+              <a:ext uri="{28A0092B-C50C-407E-A947-70E740481C1C}">
+                <a14:useLocalDpi xmlns:a14="http://schemas.microsoft.com/office/drawing/2010/main" val="0"/>
+              </a:ext>
+            </a:extLst>
+          </a:blip>
+          <a:srcRect/>
+          <a:stretch>
+            <a:fillRect/>
+          </a:stretch>
+        </p:blipFill>
+        <p:spPr bwMode="auto">
+          <a:xfrm>
+            <a:off x="4101810" y="2862262"/>
+            <a:ext cx="1133475" cy="1133475"/>
+          </a:xfrm>
+          <a:prstGeom prst="rect">
+            <a:avLst/>
+          </a:prstGeom>
+          <a:noFill/>
+          <a:extLst>
+            <a:ext uri="{909E8E84-426E-40DD-AFC4-6F175D3DCCD1}">
+              <a14:hiddenFill xmlns:a14="http://schemas.microsoft.com/office/drawing/2010/main">
+                <a:solidFill>
+                  <a:srgbClr val="FFFFFF"/>
+                </a:solidFill>
+              </a14:hiddenFill>
+            </a:ext>
+          </a:extLst>
+        </p:spPr>
+      </p:pic>
+      <p:sp>
+        <p:nvSpPr>
+          <p:cNvPr id="8" name="사각형: 둥근 모서리 7">
+            <a:extLst>
+              <a:ext uri="{FF2B5EF4-FFF2-40B4-BE49-F238E27FC236}">
+                <a16:creationId xmlns:a16="http://schemas.microsoft.com/office/drawing/2014/main" id="{068BD12D-5022-3E59-BEAB-5A0F1D92FDF0}"/>
+              </a:ext>
+            </a:extLst>
+          </p:cNvPr>
+          <p:cNvSpPr/>
+          <p:nvPr/>
+        </p:nvSpPr>
+        <p:spPr>
+          <a:xfrm>
+            <a:off x="6398922" y="2558526"/>
+            <a:ext cx="1800000" cy="1800000"/>
+          </a:xfrm>
+          <a:prstGeom prst="roundRect">
+            <a:avLst/>
+          </a:prstGeom>
+          <a:solidFill>
+            <a:srgbClr val="B1C6C7"/>
+          </a:solidFill>
+          <a:ln>
+            <a:noFill/>
+          </a:ln>
+        </p:spPr>
+        <p:style>
+          <a:lnRef idx="2">
+            <a:schemeClr val="accent1">
+              <a:shade val="50000"/>
+            </a:schemeClr>
+          </a:lnRef>
+          <a:fillRef idx="1">
+            <a:schemeClr val="accent1"/>
+          </a:fillRef>
+          <a:effectRef idx="0">
+            <a:schemeClr val="accent1"/>
+          </a:effectRef>
+          <a:fontRef idx="minor">
+            <a:schemeClr val="lt1"/>
+          </a:fontRef>
+        </p:style>
+        <p:txBody>
+          <a:bodyPr rtlCol="0" anchor="ctr"/>
+          <a:lstStyle/>
+          <a:p>
+            <a:pPr algn="ctr"/>
+            <a:endParaRPr lang="ko-KR" altLang="en-US"/>
+          </a:p>
+        </p:txBody>
+      </p:sp>
+      <p:pic>
+        <p:nvPicPr>
+          <p:cNvPr id="7" name="Google Shape;179;p23">
+            <a:extLst>
+              <a:ext uri="{FF2B5EF4-FFF2-40B4-BE49-F238E27FC236}">
+                <a16:creationId xmlns:a16="http://schemas.microsoft.com/office/drawing/2014/main" id="{B3B70556-3D22-EAB9-6F1E-6445BB8DA7DE}"/>
+              </a:ext>
+            </a:extLst>
+          </p:cNvPr>
+          <p:cNvPicPr preferRelativeResize="0"/>
+          <p:nvPr/>
+        </p:nvPicPr>
+        <p:blipFill>
+          <a:blip r:embed="rId6">
+            <a:alphaModFix/>
+            <a:extLst>
+              <a:ext uri="{BEBA8EAE-BF5A-486C-A8C5-ECC9F3942E4B}">
+                <a14:imgProps xmlns:a14="http://schemas.microsoft.com/office/drawing/2010/main">
+                  <a14:imgLayer r:embed="rId7">
+                    <a14:imgEffect>
+                      <a14:backgroundRemoval t="10000" b="90000" l="10000" r="90000"/>
+                    </a14:imgEffect>
+                  </a14:imgLayer>
+                </a14:imgProps>
+              </a:ext>
+            </a:extLst>
+          </a:blip>
+          <a:stretch>
+            <a:fillRect/>
+          </a:stretch>
+        </p:blipFill>
+        <p:spPr>
+          <a:xfrm>
+            <a:off x="6526743" y="2857092"/>
+            <a:ext cx="1684789" cy="1202868"/>
+          </a:xfrm>
+          <a:prstGeom prst="rect">
+            <a:avLst/>
+          </a:prstGeom>
+          <a:noFill/>
+          <a:ln>
+            <a:noFill/>
+          </a:ln>
+        </p:spPr>
+      </p:pic>
+      <p:sp>
+        <p:nvSpPr>
+          <p:cNvPr id="14" name="사각형: 둥근 모서리 13">
+            <a:extLst>
+              <a:ext uri="{FF2B5EF4-FFF2-40B4-BE49-F238E27FC236}">
+                <a16:creationId xmlns:a16="http://schemas.microsoft.com/office/drawing/2014/main" id="{A4AB25C1-A64C-A547-D971-997119092A07}"/>
+              </a:ext>
+            </a:extLst>
+          </p:cNvPr>
+          <p:cNvSpPr/>
+          <p:nvPr/>
+        </p:nvSpPr>
+        <p:spPr>
+          <a:xfrm>
+            <a:off x="9178168" y="2558526"/>
+            <a:ext cx="1800000" cy="1800000"/>
+          </a:xfrm>
+          <a:prstGeom prst="roundRect">
+            <a:avLst/>
+          </a:prstGeom>
+          <a:solidFill>
+            <a:srgbClr val="B1C6C7"/>
+          </a:solidFill>
+          <a:ln>
+            <a:noFill/>
+          </a:ln>
+        </p:spPr>
+        <p:style>
+          <a:lnRef idx="2">
+            <a:schemeClr val="accent1">
+              <a:shade val="50000"/>
+            </a:schemeClr>
+          </a:lnRef>
+          <a:fillRef idx="1">
+            <a:schemeClr val="accent1"/>
+          </a:fillRef>
+          <a:effectRef idx="0">
+            <a:schemeClr val="accent1"/>
+          </a:effectRef>
+          <a:fontRef idx="minor">
+            <a:schemeClr val="lt1"/>
+          </a:fontRef>
+        </p:style>
+        <p:txBody>
+          <a:bodyPr rtlCol="0" anchor="ctr"/>
+          <a:lstStyle/>
+          <a:p>
+            <a:pPr algn="ctr"/>
+            <a:endParaRPr lang="ko-KR" altLang="en-US"/>
+          </a:p>
+        </p:txBody>
+      </p:sp>
+      <p:pic>
+        <p:nvPicPr>
+          <p:cNvPr id="1034" name="Picture 10">
+            <a:extLst>
+              <a:ext uri="{FF2B5EF4-FFF2-40B4-BE49-F238E27FC236}">
+                <a16:creationId xmlns:a16="http://schemas.microsoft.com/office/drawing/2014/main" id="{D707EB6E-6821-FE36-631C-06876683DBCF}"/>
+              </a:ext>
+            </a:extLst>
+          </p:cNvPr>
+          <p:cNvPicPr>
+            <a:picLocks noChangeAspect="1" noChangeArrowheads="1"/>
+          </p:cNvPicPr>
+          <p:nvPr/>
+        </p:nvPicPr>
+        <p:blipFill rotWithShape="1">
+          <a:blip r:embed="rId8">
+            <a:extLst>
+              <a:ext uri="{28A0092B-C50C-407E-A947-70E740481C1C}">
+                <a14:useLocalDpi xmlns:a14="http://schemas.microsoft.com/office/drawing/2010/main" val="0"/>
+              </a:ext>
+            </a:extLst>
+          </a:blip>
+          <a:srcRect r="86176" b="-8378"/>
+          <a:stretch/>
+        </p:blipFill>
+        <p:spPr bwMode="auto">
+          <a:xfrm>
+            <a:off x="9626165" y="3076334"/>
+            <a:ext cx="1066565" cy="919403"/>
+          </a:xfrm>
+          <a:prstGeom prst="rect">
+            <a:avLst/>
+          </a:prstGeom>
+          <a:noFill/>
+          <a:extLst>
+            <a:ext uri="{909E8E84-426E-40DD-AFC4-6F175D3DCCD1}">
+              <a14:hiddenFill xmlns:a14="http://schemas.microsoft.com/office/drawing/2010/main">
+                <a:solidFill>
+                  <a:srgbClr val="FFFFFF"/>
+                </a:solidFill>
+              </a14:hiddenFill>
+            </a:ext>
+          </a:extLst>
+        </p:spPr>
+      </p:pic>
     </p:spTree>
     <p:extLst>
       <p:ext uri="{BB962C8B-B14F-4D97-AF65-F5344CB8AC3E}">

--- a/Game_Design/2019184003 김 선아 장르 제안서.pptx
+++ b/Game_Design/2019184003 김 선아 장르 제안서.pptx
@@ -1,30 +1,31 @@
 
 <file path=ppt/presentation.xml><?xml version="1.0" encoding="utf-8"?>
-<p:presentation xmlns:a="http://schemas.openxmlformats.org/drawingml/2006/main" xmlns:r="http://schemas.openxmlformats.org/officeDocument/2006/relationships" xmlns:p="http://schemas.openxmlformats.org/presentationml/2006/main" saveSubsetFonts="1">
+<p:presentation xmlns:a="http://schemas.openxmlformats.org/drawingml/2006/main" xmlns:r="http://schemas.openxmlformats.org/officeDocument/2006/relationships" xmlns:p="http://schemas.openxmlformats.org/presentationml/2006/main">
   <p:sldMasterIdLst>
-    <p:sldMasterId id="2147483660" r:id="rId1"/>
+    <p:sldMasterId id="2147483648" r:id="rId1"/>
   </p:sldMasterIdLst>
   <p:sldIdLst>
-    <p:sldId id="256" r:id="rId2"/>
-    <p:sldId id="259" r:id="rId3"/>
-    <p:sldId id="266" r:id="rId4"/>
-    <p:sldId id="260" r:id="rId5"/>
-    <p:sldId id="267" r:id="rId6"/>
-    <p:sldId id="268" r:id="rId7"/>
-    <p:sldId id="274" r:id="rId8"/>
-    <p:sldId id="269" r:id="rId9"/>
-    <p:sldId id="276" r:id="rId10"/>
-    <p:sldId id="275" r:id="rId11"/>
-    <p:sldId id="277" r:id="rId12"/>
-    <p:sldId id="272" r:id="rId13"/>
-    <p:sldId id="273" r:id="rId14"/>
-    <p:sldId id="271" r:id="rId15"/>
-    <p:sldId id="279" r:id="rId16"/>
-    <p:sldId id="278" r:id="rId17"/>
-    <p:sldId id="264" r:id="rId18"/>
-    <p:sldId id="280" r:id="rId19"/>
-    <p:sldId id="281" r:id="rId20"/>
-    <p:sldId id="262" r:id="rId21"/>
+    <p:sldId id="256" r:id="rId3"/>
+    <p:sldId id="259" r:id="rId4"/>
+    <p:sldId id="266" r:id="rId5"/>
+    <p:sldId id="260" r:id="rId6"/>
+    <p:sldId id="267" r:id="rId7"/>
+    <p:sldId id="268" r:id="rId8"/>
+    <p:sldId id="274" r:id="rId9"/>
+    <p:sldId id="269" r:id="rId10"/>
+    <p:sldId id="276" r:id="rId11"/>
+    <p:sldId id="290" r:id="rId12"/>
+    <p:sldId id="289" r:id="rId13"/>
+    <p:sldId id="277" r:id="rId14"/>
+    <p:sldId id="272" r:id="rId15"/>
+    <p:sldId id="273" r:id="rId16"/>
+    <p:sldId id="271" r:id="rId17"/>
+    <p:sldId id="279" r:id="rId18"/>
+    <p:sldId id="278" r:id="rId19"/>
+    <p:sldId id="264" r:id="rId20"/>
+    <p:sldId id="280" r:id="rId21"/>
+    <p:sldId id="281" r:id="rId22"/>
+    <p:sldId id="262" r:id="rId23"/>
   </p:sldIdLst>
   <p:sldSz cx="12192000" cy="6858000"/>
   <p:notesSz cx="6858000" cy="9144000"/>
@@ -123,11 +124,6 @@
       </a:defRPr>
     </a:lvl9pPr>
   </p:defaultTextStyle>
-  <p:extLst>
-    <p:ext uri="{EFAFB233-063F-42B5-8137-9DF3F51BA10A}">
-      <p15:sldGuideLst xmlns:p15="http://schemas.microsoft.com/office/powerpoint/2012/main"/>
-    </p:ext>
-  </p:extLst>
 </p:presentation>
 </file>
 
@@ -155,7 +151,7 @@
             <a:spLocks noGrp="1"/>
           </p:cNvSpPr>
           <p:nvPr>
-            <p:ph type="ctrTitle"/>
+            <p:ph type="ctrTitle" hasCustomPrompt="1"/>
           </p:nvPr>
         </p:nvSpPr>
         <p:spPr>
@@ -187,7 +183,7 @@
             <a:spLocks noGrp="1"/>
           </p:cNvSpPr>
           <p:nvPr>
-            <p:ph type="subTitle" idx="1"/>
+            <p:ph type="subTitle" idx="1" hasCustomPrompt="1"/>
           </p:nvPr>
         </p:nvSpPr>
         <p:spPr>
@@ -262,7 +258,6 @@
           <a:p>
             <a:fld id="{E2CF5178-EA5D-4D99-A2BC-F1725EA1756D}" type="datetimeFigureOut">
               <a:rPr lang="ko-KR" altLang="en-US" smtClean="0"/>
-              <a:t>2022-09-22</a:t>
             </a:fld>
             <a:endParaRPr lang="ko-KR" altLang="en-US"/>
           </a:p>
@@ -304,18 +299,12 @@
           <a:p>
             <a:fld id="{91B27CC0-69B9-4142-A9E6-868B02BEFE50}" type="slidenum">
               <a:rPr lang="ko-KR" altLang="en-US" smtClean="0"/>
-              <a:t>‹#›</a:t>
             </a:fld>
             <a:endParaRPr lang="ko-KR" altLang="en-US"/>
           </a:p>
         </p:txBody>
       </p:sp>
     </p:spTree>
-    <p:extLst>
-      <p:ext uri="{BB962C8B-B14F-4D97-AF65-F5344CB8AC3E}">
-        <p14:creationId xmlns:p14="http://schemas.microsoft.com/office/powerpoint/2010/main" val="4030548060"/>
-      </p:ext>
-    </p:extLst>
   </p:cSld>
   <p:clrMapOvr>
     <a:masterClrMapping/>
@@ -347,7 +336,7 @@
             <a:spLocks noGrp="1"/>
           </p:cNvSpPr>
           <p:nvPr>
-            <p:ph type="title"/>
+            <p:ph type="title" hasCustomPrompt="1"/>
           </p:nvPr>
         </p:nvSpPr>
         <p:spPr/>
@@ -370,7 +359,7 @@
             <a:spLocks noGrp="1"/>
           </p:cNvSpPr>
           <p:nvPr>
-            <p:ph type="body" orient="vert" idx="1"/>
+            <p:ph type="body" orient="vert" idx="1" hasCustomPrompt="1"/>
           </p:nvPr>
         </p:nvSpPr>
         <p:spPr/>
@@ -383,6 +372,7 @@
               <a:rPr lang="ko-KR" altLang="en-US"/>
               <a:t>마스터 텍스트 스타일을 편집하려면 클릭</a:t>
             </a:r>
+            <a:endParaRPr lang="ko-KR" altLang="en-US"/>
           </a:p>
           <a:p>
             <a:pPr lvl="1"/>
@@ -390,6 +380,7 @@
               <a:rPr lang="ko-KR" altLang="en-US"/>
               <a:t>두 번째 수준</a:t>
             </a:r>
+            <a:endParaRPr lang="ko-KR" altLang="en-US"/>
           </a:p>
           <a:p>
             <a:pPr lvl="2"/>
@@ -397,6 +388,7 @@
               <a:rPr lang="ko-KR" altLang="en-US"/>
               <a:t>세 번째 수준</a:t>
             </a:r>
+            <a:endParaRPr lang="ko-KR" altLang="en-US"/>
           </a:p>
           <a:p>
             <a:pPr lvl="3"/>
@@ -404,6 +396,7 @@
               <a:rPr lang="ko-KR" altLang="en-US"/>
               <a:t>네 번째 수준</a:t>
             </a:r>
+            <a:endParaRPr lang="ko-KR" altLang="en-US"/>
           </a:p>
           <a:p>
             <a:pPr lvl="4"/>
@@ -432,7 +425,6 @@
           <a:p>
             <a:fld id="{E2CF5178-EA5D-4D99-A2BC-F1725EA1756D}" type="datetimeFigureOut">
               <a:rPr lang="ko-KR" altLang="en-US" smtClean="0"/>
-              <a:t>2022-09-22</a:t>
             </a:fld>
             <a:endParaRPr lang="ko-KR" altLang="en-US"/>
           </a:p>
@@ -474,18 +466,12 @@
           <a:p>
             <a:fld id="{91B27CC0-69B9-4142-A9E6-868B02BEFE50}" type="slidenum">
               <a:rPr lang="ko-KR" altLang="en-US" smtClean="0"/>
-              <a:t>‹#›</a:t>
             </a:fld>
             <a:endParaRPr lang="ko-KR" altLang="en-US"/>
           </a:p>
         </p:txBody>
       </p:sp>
     </p:spTree>
-    <p:extLst>
-      <p:ext uri="{BB962C8B-B14F-4D97-AF65-F5344CB8AC3E}">
-        <p14:creationId xmlns:p14="http://schemas.microsoft.com/office/powerpoint/2010/main" val="3774406433"/>
-      </p:ext>
-    </p:extLst>
   </p:cSld>
   <p:clrMapOvr>
     <a:masterClrMapping/>
@@ -517,7 +503,7 @@
             <a:spLocks noGrp="1"/>
           </p:cNvSpPr>
           <p:nvPr>
-            <p:ph type="title" orient="vert"/>
+            <p:ph type="title" orient="vert" hasCustomPrompt="1"/>
           </p:nvPr>
         </p:nvSpPr>
         <p:spPr>
@@ -545,7 +531,7 @@
             <a:spLocks noGrp="1"/>
           </p:cNvSpPr>
           <p:nvPr>
-            <p:ph type="body" orient="vert" idx="1"/>
+            <p:ph type="body" orient="vert" idx="1" hasCustomPrompt="1"/>
           </p:nvPr>
         </p:nvSpPr>
         <p:spPr>
@@ -563,6 +549,7 @@
               <a:rPr lang="ko-KR" altLang="en-US"/>
               <a:t>마스터 텍스트 스타일을 편집하려면 클릭</a:t>
             </a:r>
+            <a:endParaRPr lang="ko-KR" altLang="en-US"/>
           </a:p>
           <a:p>
             <a:pPr lvl="1"/>
@@ -570,6 +557,7 @@
               <a:rPr lang="ko-KR" altLang="en-US"/>
               <a:t>두 번째 수준</a:t>
             </a:r>
+            <a:endParaRPr lang="ko-KR" altLang="en-US"/>
           </a:p>
           <a:p>
             <a:pPr lvl="2"/>
@@ -577,6 +565,7 @@
               <a:rPr lang="ko-KR" altLang="en-US"/>
               <a:t>세 번째 수준</a:t>
             </a:r>
+            <a:endParaRPr lang="ko-KR" altLang="en-US"/>
           </a:p>
           <a:p>
             <a:pPr lvl="3"/>
@@ -584,6 +573,7 @@
               <a:rPr lang="ko-KR" altLang="en-US"/>
               <a:t>네 번째 수준</a:t>
             </a:r>
+            <a:endParaRPr lang="ko-KR" altLang="en-US"/>
           </a:p>
           <a:p>
             <a:pPr lvl="4"/>
@@ -612,7 +602,6 @@
           <a:p>
             <a:fld id="{E2CF5178-EA5D-4D99-A2BC-F1725EA1756D}" type="datetimeFigureOut">
               <a:rPr lang="ko-KR" altLang="en-US" smtClean="0"/>
-              <a:t>2022-09-22</a:t>
             </a:fld>
             <a:endParaRPr lang="ko-KR" altLang="en-US"/>
           </a:p>
@@ -654,18 +643,12 @@
           <a:p>
             <a:fld id="{91B27CC0-69B9-4142-A9E6-868B02BEFE50}" type="slidenum">
               <a:rPr lang="ko-KR" altLang="en-US" smtClean="0"/>
-              <a:t>‹#›</a:t>
             </a:fld>
             <a:endParaRPr lang="ko-KR" altLang="en-US"/>
           </a:p>
         </p:txBody>
       </p:sp>
     </p:spTree>
-    <p:extLst>
-      <p:ext uri="{BB962C8B-B14F-4D97-AF65-F5344CB8AC3E}">
-        <p14:creationId xmlns:p14="http://schemas.microsoft.com/office/powerpoint/2010/main" val="87363761"/>
-      </p:ext>
-    </p:extLst>
   </p:cSld>
   <p:clrMapOvr>
     <a:masterClrMapping/>
@@ -697,7 +680,7 @@
             <a:spLocks noGrp="1"/>
           </p:cNvSpPr>
           <p:nvPr>
-            <p:ph type="title"/>
+            <p:ph type="title" hasCustomPrompt="1"/>
           </p:nvPr>
         </p:nvSpPr>
         <p:spPr/>
@@ -720,7 +703,7 @@
             <a:spLocks noGrp="1"/>
           </p:cNvSpPr>
           <p:nvPr>
-            <p:ph idx="1"/>
+            <p:ph idx="1" hasCustomPrompt="1"/>
           </p:nvPr>
         </p:nvSpPr>
         <p:spPr/>
@@ -733,6 +716,7 @@
               <a:rPr lang="ko-KR" altLang="en-US"/>
               <a:t>마스터 텍스트 스타일을 편집하려면 클릭</a:t>
             </a:r>
+            <a:endParaRPr lang="ko-KR" altLang="en-US"/>
           </a:p>
           <a:p>
             <a:pPr lvl="1"/>
@@ -740,6 +724,7 @@
               <a:rPr lang="ko-KR" altLang="en-US"/>
               <a:t>두 번째 수준</a:t>
             </a:r>
+            <a:endParaRPr lang="ko-KR" altLang="en-US"/>
           </a:p>
           <a:p>
             <a:pPr lvl="2"/>
@@ -747,6 +732,7 @@
               <a:rPr lang="ko-KR" altLang="en-US"/>
               <a:t>세 번째 수준</a:t>
             </a:r>
+            <a:endParaRPr lang="ko-KR" altLang="en-US"/>
           </a:p>
           <a:p>
             <a:pPr lvl="3"/>
@@ -754,6 +740,7 @@
               <a:rPr lang="ko-KR" altLang="en-US"/>
               <a:t>네 번째 수준</a:t>
             </a:r>
+            <a:endParaRPr lang="ko-KR" altLang="en-US"/>
           </a:p>
           <a:p>
             <a:pPr lvl="4"/>
@@ -782,7 +769,6 @@
           <a:p>
             <a:fld id="{E2CF5178-EA5D-4D99-A2BC-F1725EA1756D}" type="datetimeFigureOut">
               <a:rPr lang="ko-KR" altLang="en-US" smtClean="0"/>
-              <a:t>2022-09-22</a:t>
             </a:fld>
             <a:endParaRPr lang="ko-KR" altLang="en-US"/>
           </a:p>
@@ -824,18 +810,12 @@
           <a:p>
             <a:fld id="{91B27CC0-69B9-4142-A9E6-868B02BEFE50}" type="slidenum">
               <a:rPr lang="ko-KR" altLang="en-US" smtClean="0"/>
-              <a:t>‹#›</a:t>
             </a:fld>
             <a:endParaRPr lang="ko-KR" altLang="en-US"/>
           </a:p>
         </p:txBody>
       </p:sp>
     </p:spTree>
-    <p:extLst>
-      <p:ext uri="{BB962C8B-B14F-4D97-AF65-F5344CB8AC3E}">
-        <p14:creationId xmlns:p14="http://schemas.microsoft.com/office/powerpoint/2010/main" val="3900540562"/>
-      </p:ext>
-    </p:extLst>
   </p:cSld>
   <p:clrMapOvr>
     <a:masterClrMapping/>
@@ -867,7 +847,7 @@
             <a:spLocks noGrp="1"/>
           </p:cNvSpPr>
           <p:nvPr>
-            <p:ph type="title"/>
+            <p:ph type="title" hasCustomPrompt="1"/>
           </p:nvPr>
         </p:nvSpPr>
         <p:spPr>
@@ -899,7 +879,7 @@
             <a:spLocks noGrp="1"/>
           </p:cNvSpPr>
           <p:nvPr>
-            <p:ph type="body" idx="1"/>
+            <p:ph type="body" idx="1" hasCustomPrompt="1"/>
           </p:nvPr>
         </p:nvSpPr>
         <p:spPr>
@@ -1008,6 +988,7 @@
               <a:rPr lang="ko-KR" altLang="en-US"/>
               <a:t>마스터 텍스트 스타일을 편집하려면 클릭</a:t>
             </a:r>
+            <a:endParaRPr lang="ko-KR" altLang="en-US"/>
           </a:p>
         </p:txBody>
       </p:sp>
@@ -1028,7 +1009,6 @@
           <a:p>
             <a:fld id="{E2CF5178-EA5D-4D99-A2BC-F1725EA1756D}" type="datetimeFigureOut">
               <a:rPr lang="ko-KR" altLang="en-US" smtClean="0"/>
-              <a:t>2022-09-22</a:t>
             </a:fld>
             <a:endParaRPr lang="ko-KR" altLang="en-US"/>
           </a:p>
@@ -1070,18 +1050,12 @@
           <a:p>
             <a:fld id="{91B27CC0-69B9-4142-A9E6-868B02BEFE50}" type="slidenum">
               <a:rPr lang="ko-KR" altLang="en-US" smtClean="0"/>
-              <a:t>‹#›</a:t>
             </a:fld>
             <a:endParaRPr lang="ko-KR" altLang="en-US"/>
           </a:p>
         </p:txBody>
       </p:sp>
     </p:spTree>
-    <p:extLst>
-      <p:ext uri="{BB962C8B-B14F-4D97-AF65-F5344CB8AC3E}">
-        <p14:creationId xmlns:p14="http://schemas.microsoft.com/office/powerpoint/2010/main" val="1635361186"/>
-      </p:ext>
-    </p:extLst>
   </p:cSld>
   <p:clrMapOvr>
     <a:masterClrMapping/>
@@ -1113,7 +1087,7 @@
             <a:spLocks noGrp="1"/>
           </p:cNvSpPr>
           <p:nvPr>
-            <p:ph type="title"/>
+            <p:ph type="title" hasCustomPrompt="1"/>
           </p:nvPr>
         </p:nvSpPr>
         <p:spPr/>
@@ -1136,7 +1110,7 @@
             <a:spLocks noGrp="1"/>
           </p:cNvSpPr>
           <p:nvPr>
-            <p:ph sz="half" idx="1"/>
+            <p:ph sz="half" idx="1" hasCustomPrompt="1"/>
           </p:nvPr>
         </p:nvSpPr>
         <p:spPr>
@@ -1154,6 +1128,7 @@
               <a:rPr lang="ko-KR" altLang="en-US"/>
               <a:t>마스터 텍스트 스타일을 편집하려면 클릭</a:t>
             </a:r>
+            <a:endParaRPr lang="ko-KR" altLang="en-US"/>
           </a:p>
           <a:p>
             <a:pPr lvl="1"/>
@@ -1161,6 +1136,7 @@
               <a:rPr lang="ko-KR" altLang="en-US"/>
               <a:t>두 번째 수준</a:t>
             </a:r>
+            <a:endParaRPr lang="ko-KR" altLang="en-US"/>
           </a:p>
           <a:p>
             <a:pPr lvl="2"/>
@@ -1168,6 +1144,7 @@
               <a:rPr lang="ko-KR" altLang="en-US"/>
               <a:t>세 번째 수준</a:t>
             </a:r>
+            <a:endParaRPr lang="ko-KR" altLang="en-US"/>
           </a:p>
           <a:p>
             <a:pPr lvl="3"/>
@@ -1175,6 +1152,7 @@
               <a:rPr lang="ko-KR" altLang="en-US"/>
               <a:t>네 번째 수준</a:t>
             </a:r>
+            <a:endParaRPr lang="ko-KR" altLang="en-US"/>
           </a:p>
           <a:p>
             <a:pPr lvl="4"/>
@@ -1193,7 +1171,7 @@
             <a:spLocks noGrp="1"/>
           </p:cNvSpPr>
           <p:nvPr>
-            <p:ph sz="half" idx="2"/>
+            <p:ph sz="half" idx="2" hasCustomPrompt="1"/>
           </p:nvPr>
         </p:nvSpPr>
         <p:spPr>
@@ -1211,6 +1189,7 @@
               <a:rPr lang="ko-KR" altLang="en-US"/>
               <a:t>마스터 텍스트 스타일을 편집하려면 클릭</a:t>
             </a:r>
+            <a:endParaRPr lang="ko-KR" altLang="en-US"/>
           </a:p>
           <a:p>
             <a:pPr lvl="1"/>
@@ -1218,6 +1197,7 @@
               <a:rPr lang="ko-KR" altLang="en-US"/>
               <a:t>두 번째 수준</a:t>
             </a:r>
+            <a:endParaRPr lang="ko-KR" altLang="en-US"/>
           </a:p>
           <a:p>
             <a:pPr lvl="2"/>
@@ -1225,6 +1205,7 @@
               <a:rPr lang="ko-KR" altLang="en-US"/>
               <a:t>세 번째 수준</a:t>
             </a:r>
+            <a:endParaRPr lang="ko-KR" altLang="en-US"/>
           </a:p>
           <a:p>
             <a:pPr lvl="3"/>
@@ -1232,6 +1213,7 @@
               <a:rPr lang="ko-KR" altLang="en-US"/>
               <a:t>네 번째 수준</a:t>
             </a:r>
+            <a:endParaRPr lang="ko-KR" altLang="en-US"/>
           </a:p>
           <a:p>
             <a:pPr lvl="4"/>
@@ -1260,7 +1242,6 @@
           <a:p>
             <a:fld id="{E2CF5178-EA5D-4D99-A2BC-F1725EA1756D}" type="datetimeFigureOut">
               <a:rPr lang="ko-KR" altLang="en-US" smtClean="0"/>
-              <a:t>2022-09-22</a:t>
             </a:fld>
             <a:endParaRPr lang="ko-KR" altLang="en-US"/>
           </a:p>
@@ -1302,18 +1283,12 @@
           <a:p>
             <a:fld id="{91B27CC0-69B9-4142-A9E6-868B02BEFE50}" type="slidenum">
               <a:rPr lang="ko-KR" altLang="en-US" smtClean="0"/>
-              <a:t>‹#›</a:t>
             </a:fld>
             <a:endParaRPr lang="ko-KR" altLang="en-US"/>
           </a:p>
         </p:txBody>
       </p:sp>
     </p:spTree>
-    <p:extLst>
-      <p:ext uri="{BB962C8B-B14F-4D97-AF65-F5344CB8AC3E}">
-        <p14:creationId xmlns:p14="http://schemas.microsoft.com/office/powerpoint/2010/main" val="2272352826"/>
-      </p:ext>
-    </p:extLst>
   </p:cSld>
   <p:clrMapOvr>
     <a:masterClrMapping/>
@@ -1345,7 +1320,7 @@
             <a:spLocks noGrp="1"/>
           </p:cNvSpPr>
           <p:nvPr>
-            <p:ph type="title"/>
+            <p:ph type="title" hasCustomPrompt="1"/>
           </p:nvPr>
         </p:nvSpPr>
         <p:spPr>
@@ -1373,7 +1348,7 @@
             <a:spLocks noGrp="1"/>
           </p:cNvSpPr>
           <p:nvPr>
-            <p:ph type="body" idx="1"/>
+            <p:ph type="body" idx="1" hasCustomPrompt="1"/>
           </p:nvPr>
         </p:nvSpPr>
         <p:spPr>
@@ -1428,6 +1403,7 @@
               <a:rPr lang="ko-KR" altLang="en-US"/>
               <a:t>마스터 텍스트 스타일을 편집하려면 클릭</a:t>
             </a:r>
+            <a:endParaRPr lang="ko-KR" altLang="en-US"/>
           </a:p>
         </p:txBody>
       </p:sp>
@@ -1438,7 +1414,7 @@
             <a:spLocks noGrp="1"/>
           </p:cNvSpPr>
           <p:nvPr>
-            <p:ph sz="half" idx="2"/>
+            <p:ph sz="half" idx="2" hasCustomPrompt="1"/>
           </p:nvPr>
         </p:nvSpPr>
         <p:spPr>
@@ -1456,6 +1432,7 @@
               <a:rPr lang="ko-KR" altLang="en-US"/>
               <a:t>마스터 텍스트 스타일을 편집하려면 클릭</a:t>
             </a:r>
+            <a:endParaRPr lang="ko-KR" altLang="en-US"/>
           </a:p>
           <a:p>
             <a:pPr lvl="1"/>
@@ -1463,6 +1440,7 @@
               <a:rPr lang="ko-KR" altLang="en-US"/>
               <a:t>두 번째 수준</a:t>
             </a:r>
+            <a:endParaRPr lang="ko-KR" altLang="en-US"/>
           </a:p>
           <a:p>
             <a:pPr lvl="2"/>
@@ -1470,6 +1448,7 @@
               <a:rPr lang="ko-KR" altLang="en-US"/>
               <a:t>세 번째 수준</a:t>
             </a:r>
+            <a:endParaRPr lang="ko-KR" altLang="en-US"/>
           </a:p>
           <a:p>
             <a:pPr lvl="3"/>
@@ -1477,6 +1456,7 @@
               <a:rPr lang="ko-KR" altLang="en-US"/>
               <a:t>네 번째 수준</a:t>
             </a:r>
+            <a:endParaRPr lang="ko-KR" altLang="en-US"/>
           </a:p>
           <a:p>
             <a:pPr lvl="4"/>
@@ -1495,7 +1475,7 @@
             <a:spLocks noGrp="1"/>
           </p:cNvSpPr>
           <p:nvPr>
-            <p:ph type="body" sz="quarter" idx="3"/>
+            <p:ph type="body" sz="quarter" idx="3" hasCustomPrompt="1"/>
           </p:nvPr>
         </p:nvSpPr>
         <p:spPr>
@@ -1550,6 +1530,7 @@
               <a:rPr lang="ko-KR" altLang="en-US"/>
               <a:t>마스터 텍스트 스타일을 편집하려면 클릭</a:t>
             </a:r>
+            <a:endParaRPr lang="ko-KR" altLang="en-US"/>
           </a:p>
         </p:txBody>
       </p:sp>
@@ -1560,7 +1541,7 @@
             <a:spLocks noGrp="1"/>
           </p:cNvSpPr>
           <p:nvPr>
-            <p:ph sz="quarter" idx="4"/>
+            <p:ph sz="quarter" idx="4" hasCustomPrompt="1"/>
           </p:nvPr>
         </p:nvSpPr>
         <p:spPr>
@@ -1578,6 +1559,7 @@
               <a:rPr lang="ko-KR" altLang="en-US"/>
               <a:t>마스터 텍스트 스타일을 편집하려면 클릭</a:t>
             </a:r>
+            <a:endParaRPr lang="ko-KR" altLang="en-US"/>
           </a:p>
           <a:p>
             <a:pPr lvl="1"/>
@@ -1585,6 +1567,7 @@
               <a:rPr lang="ko-KR" altLang="en-US"/>
               <a:t>두 번째 수준</a:t>
             </a:r>
+            <a:endParaRPr lang="ko-KR" altLang="en-US"/>
           </a:p>
           <a:p>
             <a:pPr lvl="2"/>
@@ -1592,6 +1575,7 @@
               <a:rPr lang="ko-KR" altLang="en-US"/>
               <a:t>세 번째 수준</a:t>
             </a:r>
+            <a:endParaRPr lang="ko-KR" altLang="en-US"/>
           </a:p>
           <a:p>
             <a:pPr lvl="3"/>
@@ -1599,6 +1583,7 @@
               <a:rPr lang="ko-KR" altLang="en-US"/>
               <a:t>네 번째 수준</a:t>
             </a:r>
+            <a:endParaRPr lang="ko-KR" altLang="en-US"/>
           </a:p>
           <a:p>
             <a:pPr lvl="4"/>
@@ -1627,7 +1612,6 @@
           <a:p>
             <a:fld id="{E2CF5178-EA5D-4D99-A2BC-F1725EA1756D}" type="datetimeFigureOut">
               <a:rPr lang="ko-KR" altLang="en-US" smtClean="0"/>
-              <a:t>2022-09-22</a:t>
             </a:fld>
             <a:endParaRPr lang="ko-KR" altLang="en-US"/>
           </a:p>
@@ -1669,18 +1653,12 @@
           <a:p>
             <a:fld id="{91B27CC0-69B9-4142-A9E6-868B02BEFE50}" type="slidenum">
               <a:rPr lang="ko-KR" altLang="en-US" smtClean="0"/>
-              <a:t>‹#›</a:t>
             </a:fld>
             <a:endParaRPr lang="ko-KR" altLang="en-US"/>
           </a:p>
         </p:txBody>
       </p:sp>
     </p:spTree>
-    <p:extLst>
-      <p:ext uri="{BB962C8B-B14F-4D97-AF65-F5344CB8AC3E}">
-        <p14:creationId xmlns:p14="http://schemas.microsoft.com/office/powerpoint/2010/main" val="2480890768"/>
-      </p:ext>
-    </p:extLst>
   </p:cSld>
   <p:clrMapOvr>
     <a:masterClrMapping/>
@@ -1712,7 +1690,7 @@
             <a:spLocks noGrp="1"/>
           </p:cNvSpPr>
           <p:nvPr>
-            <p:ph type="title"/>
+            <p:ph type="title" hasCustomPrompt="1"/>
           </p:nvPr>
         </p:nvSpPr>
         <p:spPr/>
@@ -1745,7 +1723,6 @@
           <a:p>
             <a:fld id="{E2CF5178-EA5D-4D99-A2BC-F1725EA1756D}" type="datetimeFigureOut">
               <a:rPr lang="ko-KR" altLang="en-US" smtClean="0"/>
-              <a:t>2022-09-22</a:t>
             </a:fld>
             <a:endParaRPr lang="ko-KR" altLang="en-US"/>
           </a:p>
@@ -1787,18 +1764,12 @@
           <a:p>
             <a:fld id="{91B27CC0-69B9-4142-A9E6-868B02BEFE50}" type="slidenum">
               <a:rPr lang="ko-KR" altLang="en-US" smtClean="0"/>
-              <a:t>‹#›</a:t>
             </a:fld>
             <a:endParaRPr lang="ko-KR" altLang="en-US"/>
           </a:p>
         </p:txBody>
       </p:sp>
     </p:spTree>
-    <p:extLst>
-      <p:ext uri="{BB962C8B-B14F-4D97-AF65-F5344CB8AC3E}">
-        <p14:creationId xmlns:p14="http://schemas.microsoft.com/office/powerpoint/2010/main" val="137383567"/>
-      </p:ext>
-    </p:extLst>
   </p:cSld>
   <p:clrMapOvr>
     <a:masterClrMapping/>
@@ -1840,7 +1811,6 @@
           <a:p>
             <a:fld id="{E2CF5178-EA5D-4D99-A2BC-F1725EA1756D}" type="datetimeFigureOut">
               <a:rPr lang="ko-KR" altLang="en-US" smtClean="0"/>
-              <a:t>2022-09-22</a:t>
             </a:fld>
             <a:endParaRPr lang="ko-KR" altLang="en-US"/>
           </a:p>
@@ -1882,18 +1852,12 @@
           <a:p>
             <a:fld id="{91B27CC0-69B9-4142-A9E6-868B02BEFE50}" type="slidenum">
               <a:rPr lang="ko-KR" altLang="en-US" smtClean="0"/>
-              <a:t>‹#›</a:t>
             </a:fld>
             <a:endParaRPr lang="ko-KR" altLang="en-US"/>
           </a:p>
         </p:txBody>
       </p:sp>
     </p:spTree>
-    <p:extLst>
-      <p:ext uri="{BB962C8B-B14F-4D97-AF65-F5344CB8AC3E}">
-        <p14:creationId xmlns:p14="http://schemas.microsoft.com/office/powerpoint/2010/main" val="3028887962"/>
-      </p:ext>
-    </p:extLst>
   </p:cSld>
   <p:clrMapOvr>
     <a:masterClrMapping/>
@@ -1925,7 +1889,7 @@
             <a:spLocks noGrp="1"/>
           </p:cNvSpPr>
           <p:nvPr>
-            <p:ph type="title"/>
+            <p:ph type="title" hasCustomPrompt="1"/>
           </p:nvPr>
         </p:nvSpPr>
         <p:spPr>
@@ -1957,7 +1921,7 @@
             <a:spLocks noGrp="1"/>
           </p:cNvSpPr>
           <p:nvPr>
-            <p:ph idx="1"/>
+            <p:ph idx="1" hasCustomPrompt="1"/>
           </p:nvPr>
         </p:nvSpPr>
         <p:spPr>
@@ -2003,6 +1967,7 @@
               <a:rPr lang="ko-KR" altLang="en-US"/>
               <a:t>마스터 텍스트 스타일을 편집하려면 클릭</a:t>
             </a:r>
+            <a:endParaRPr lang="ko-KR" altLang="en-US"/>
           </a:p>
           <a:p>
             <a:pPr lvl="1"/>
@@ -2010,6 +1975,7 @@
               <a:rPr lang="ko-KR" altLang="en-US"/>
               <a:t>두 번째 수준</a:t>
             </a:r>
+            <a:endParaRPr lang="ko-KR" altLang="en-US"/>
           </a:p>
           <a:p>
             <a:pPr lvl="2"/>
@@ -2017,6 +1983,7 @@
               <a:rPr lang="ko-KR" altLang="en-US"/>
               <a:t>세 번째 수준</a:t>
             </a:r>
+            <a:endParaRPr lang="ko-KR" altLang="en-US"/>
           </a:p>
           <a:p>
             <a:pPr lvl="3"/>
@@ -2024,6 +1991,7 @@
               <a:rPr lang="ko-KR" altLang="en-US"/>
               <a:t>네 번째 수준</a:t>
             </a:r>
+            <a:endParaRPr lang="ko-KR" altLang="en-US"/>
           </a:p>
           <a:p>
             <a:pPr lvl="4"/>
@@ -2042,7 +2010,7 @@
             <a:spLocks noGrp="1"/>
           </p:cNvSpPr>
           <p:nvPr>
-            <p:ph type="body" sz="half" idx="2"/>
+            <p:ph type="body" sz="half" idx="2" hasCustomPrompt="1"/>
           </p:nvPr>
         </p:nvSpPr>
         <p:spPr>
@@ -2097,6 +2065,7 @@
               <a:rPr lang="ko-KR" altLang="en-US"/>
               <a:t>마스터 텍스트 스타일을 편집하려면 클릭</a:t>
             </a:r>
+            <a:endParaRPr lang="ko-KR" altLang="en-US"/>
           </a:p>
         </p:txBody>
       </p:sp>
@@ -2117,7 +2086,6 @@
           <a:p>
             <a:fld id="{E2CF5178-EA5D-4D99-A2BC-F1725EA1756D}" type="datetimeFigureOut">
               <a:rPr lang="ko-KR" altLang="en-US" smtClean="0"/>
-              <a:t>2022-09-22</a:t>
             </a:fld>
             <a:endParaRPr lang="ko-KR" altLang="en-US"/>
           </a:p>
@@ -2159,18 +2127,12 @@
           <a:p>
             <a:fld id="{91B27CC0-69B9-4142-A9E6-868B02BEFE50}" type="slidenum">
               <a:rPr lang="ko-KR" altLang="en-US" smtClean="0"/>
-              <a:t>‹#›</a:t>
             </a:fld>
             <a:endParaRPr lang="ko-KR" altLang="en-US"/>
           </a:p>
         </p:txBody>
       </p:sp>
     </p:spTree>
-    <p:extLst>
-      <p:ext uri="{BB962C8B-B14F-4D97-AF65-F5344CB8AC3E}">
-        <p14:creationId xmlns:p14="http://schemas.microsoft.com/office/powerpoint/2010/main" val="2129666748"/>
-      </p:ext>
-    </p:extLst>
   </p:cSld>
   <p:clrMapOvr>
     <a:masterClrMapping/>
@@ -2202,7 +2164,7 @@
             <a:spLocks noGrp="1"/>
           </p:cNvSpPr>
           <p:nvPr>
-            <p:ph type="title"/>
+            <p:ph type="title" hasCustomPrompt="1"/>
           </p:nvPr>
         </p:nvSpPr>
         <p:spPr>
@@ -2234,7 +2196,7 @@
             <a:spLocks noGrp="1" noChangeAspect="1"/>
           </p:cNvSpPr>
           <p:nvPr>
-            <p:ph type="pic" idx="1"/>
+            <p:ph type="pic" idx="1" hasCustomPrompt="1"/>
           </p:nvPr>
         </p:nvSpPr>
         <p:spPr>
@@ -2299,7 +2261,7 @@
             <a:spLocks noGrp="1"/>
           </p:cNvSpPr>
           <p:nvPr>
-            <p:ph type="body" sz="half" idx="2"/>
+            <p:ph type="body" sz="half" idx="2" hasCustomPrompt="1"/>
           </p:nvPr>
         </p:nvSpPr>
         <p:spPr>
@@ -2354,6 +2316,7 @@
               <a:rPr lang="ko-KR" altLang="en-US"/>
               <a:t>마스터 텍스트 스타일을 편집하려면 클릭</a:t>
             </a:r>
+            <a:endParaRPr lang="ko-KR" altLang="en-US"/>
           </a:p>
         </p:txBody>
       </p:sp>
@@ -2374,7 +2337,6 @@
           <a:p>
             <a:fld id="{E2CF5178-EA5D-4D99-A2BC-F1725EA1756D}" type="datetimeFigureOut">
               <a:rPr lang="ko-KR" altLang="en-US" smtClean="0"/>
-              <a:t>2022-09-22</a:t>
             </a:fld>
             <a:endParaRPr lang="ko-KR" altLang="en-US"/>
           </a:p>
@@ -2416,18 +2378,12 @@
           <a:p>
             <a:fld id="{91B27CC0-69B9-4142-A9E6-868B02BEFE50}" type="slidenum">
               <a:rPr lang="ko-KR" altLang="en-US" smtClean="0"/>
-              <a:t>‹#›</a:t>
             </a:fld>
             <a:endParaRPr lang="ko-KR" altLang="en-US"/>
           </a:p>
         </p:txBody>
       </p:sp>
     </p:spTree>
-    <p:extLst>
-      <p:ext uri="{BB962C8B-B14F-4D97-AF65-F5344CB8AC3E}">
-        <p14:creationId xmlns:p14="http://schemas.microsoft.com/office/powerpoint/2010/main" val="1047410666"/>
-      </p:ext>
-    </p:extLst>
   </p:cSld>
   <p:clrMapOvr>
     <a:masterClrMapping/>
@@ -2520,6 +2476,7 @@
               <a:rPr lang="ko-KR" altLang="en-US"/>
               <a:t>마스터 텍스트 스타일을 편집하려면 클릭</a:t>
             </a:r>
+            <a:endParaRPr lang="ko-KR" altLang="en-US"/>
           </a:p>
           <a:p>
             <a:pPr lvl="1"/>
@@ -2527,6 +2484,7 @@
               <a:rPr lang="ko-KR" altLang="en-US"/>
               <a:t>두 번째 수준</a:t>
             </a:r>
+            <a:endParaRPr lang="ko-KR" altLang="en-US"/>
           </a:p>
           <a:p>
             <a:pPr lvl="2"/>
@@ -2534,6 +2492,7 @@
               <a:rPr lang="ko-KR" altLang="en-US"/>
               <a:t>세 번째 수준</a:t>
             </a:r>
+            <a:endParaRPr lang="ko-KR" altLang="en-US"/>
           </a:p>
           <a:p>
             <a:pPr lvl="3"/>
@@ -2541,6 +2500,7 @@
               <a:rPr lang="ko-KR" altLang="en-US"/>
               <a:t>네 번째 수준</a:t>
             </a:r>
+            <a:endParaRPr lang="ko-KR" altLang="en-US"/>
           </a:p>
           <a:p>
             <a:pPr lvl="4"/>
@@ -2587,7 +2547,6 @@
           <a:p>
             <a:fld id="{E2CF5178-EA5D-4D99-A2BC-F1725EA1756D}" type="datetimeFigureOut">
               <a:rPr lang="ko-KR" altLang="en-US" smtClean="0"/>
-              <a:t>2022-09-22</a:t>
             </a:fld>
             <a:endParaRPr lang="ko-KR" altLang="en-US"/>
           </a:p>
@@ -2665,32 +2624,26 @@
           <a:p>
             <a:fld id="{91B27CC0-69B9-4142-A9E6-868B02BEFE50}" type="slidenum">
               <a:rPr lang="ko-KR" altLang="en-US" smtClean="0"/>
-              <a:t>‹#›</a:t>
             </a:fld>
             <a:endParaRPr lang="ko-KR" altLang="en-US"/>
           </a:p>
         </p:txBody>
       </p:sp>
     </p:spTree>
-    <p:extLst>
-      <p:ext uri="{BB962C8B-B14F-4D97-AF65-F5344CB8AC3E}">
-        <p14:creationId xmlns:p14="http://schemas.microsoft.com/office/powerpoint/2010/main" val="1173060240"/>
-      </p:ext>
-    </p:extLst>
   </p:cSld>
   <p:clrMap bg1="lt1" tx1="dk1" bg2="lt2" tx2="dk2" accent1="accent1" accent2="accent2" accent3="accent3" accent4="accent4" accent5="accent5" accent6="accent6" hlink="hlink" folHlink="folHlink"/>
   <p:sldLayoutIdLst>
-    <p:sldLayoutId id="2147483661" r:id="rId1"/>
-    <p:sldLayoutId id="2147483662" r:id="rId2"/>
-    <p:sldLayoutId id="2147483663" r:id="rId3"/>
-    <p:sldLayoutId id="2147483664" r:id="rId4"/>
-    <p:sldLayoutId id="2147483665" r:id="rId5"/>
-    <p:sldLayoutId id="2147483666" r:id="rId6"/>
-    <p:sldLayoutId id="2147483667" r:id="rId7"/>
-    <p:sldLayoutId id="2147483668" r:id="rId8"/>
-    <p:sldLayoutId id="2147483669" r:id="rId9"/>
-    <p:sldLayoutId id="2147483670" r:id="rId10"/>
-    <p:sldLayoutId id="2147483671" r:id="rId11"/>
+    <p:sldLayoutId id="2147483649" r:id="rId1"/>
+    <p:sldLayoutId id="2147483650" r:id="rId2"/>
+    <p:sldLayoutId id="2147483651" r:id="rId3"/>
+    <p:sldLayoutId id="2147483652" r:id="rId4"/>
+    <p:sldLayoutId id="2147483653" r:id="rId5"/>
+    <p:sldLayoutId id="2147483654" r:id="rId6"/>
+    <p:sldLayoutId id="2147483655" r:id="rId7"/>
+    <p:sldLayoutId id="2147483656" r:id="rId8"/>
+    <p:sldLayoutId id="2147483657" r:id="rId9"/>
+    <p:sldLayoutId id="2147483658" r:id="rId10"/>
+    <p:sldLayoutId id="2147483659" r:id="rId11"/>
   </p:sldLayoutIdLst>
   <p:txStyles>
     <p:titleStyle>
@@ -3002,13 +2955,7 @@
       </p:grpSpPr>
       <p:sp>
         <p:nvSpPr>
-          <p:cNvPr id="15" name="직사각형 14">
-            <a:extLst>
-              <a:ext uri="{FF2B5EF4-FFF2-40B4-BE49-F238E27FC236}">
-                <a16:creationId xmlns:a16="http://schemas.microsoft.com/office/drawing/2014/main" id="{8A47EC21-B0E7-41E9-A316-8791FAADD044}"/>
-              </a:ext>
-            </a:extLst>
-          </p:cNvPr>
+          <p:cNvPr id="15" name="직사각형 14"/>
           <p:cNvSpPr/>
           <p:nvPr/>
         </p:nvSpPr>
@@ -3054,13 +3001,7 @@
       </p:sp>
       <p:sp>
         <p:nvSpPr>
-          <p:cNvPr id="5" name="TextBox 4">
-            <a:extLst>
-              <a:ext uri="{FF2B5EF4-FFF2-40B4-BE49-F238E27FC236}">
-                <a16:creationId xmlns:a16="http://schemas.microsoft.com/office/drawing/2014/main" id="{91B44C33-0DDE-4BEB-A84E-45EA0C988372}"/>
-              </a:ext>
-            </a:extLst>
-          </p:cNvPr>
+          <p:cNvPr id="5" name="TextBox 4"/>
           <p:cNvSpPr txBox="1"/>
           <p:nvPr/>
         </p:nvSpPr>
@@ -3104,13 +3045,7 @@
       </p:sp>
       <p:sp>
         <p:nvSpPr>
-          <p:cNvPr id="19" name="직사각형 18">
-            <a:extLst>
-              <a:ext uri="{FF2B5EF4-FFF2-40B4-BE49-F238E27FC236}">
-                <a16:creationId xmlns:a16="http://schemas.microsoft.com/office/drawing/2014/main" id="{2E890796-8474-4F30-8303-67D502294A52}"/>
-              </a:ext>
-            </a:extLst>
-          </p:cNvPr>
+          <p:cNvPr id="19" name="직사각형 18"/>
           <p:cNvSpPr/>
           <p:nvPr/>
         </p:nvSpPr>
@@ -3163,13 +3098,7 @@
       </p:sp>
       <p:sp>
         <p:nvSpPr>
-          <p:cNvPr id="18" name="TextBox 17">
-            <a:extLst>
-              <a:ext uri="{FF2B5EF4-FFF2-40B4-BE49-F238E27FC236}">
-                <a16:creationId xmlns:a16="http://schemas.microsoft.com/office/drawing/2014/main" id="{BC6B889D-6283-4B7F-8672-D8F2209C56F5}"/>
-              </a:ext>
-            </a:extLst>
-          </p:cNvPr>
+          <p:cNvPr id="18" name="TextBox 17"/>
           <p:cNvSpPr txBox="1"/>
           <p:nvPr/>
         </p:nvSpPr>
@@ -3218,15 +3147,17 @@
               </a:rPr>
               <a:t>부제도 써볼까요</a:t>
             </a:r>
+            <a:endParaRPr lang="ko-KR" altLang="en-US" sz="4400" dirty="0">
+              <a:solidFill>
+                <a:schemeClr val="bg1"/>
+              </a:solidFill>
+              <a:latin typeface="여기어때 잘난체" panose="020B0600000101010101" pitchFamily="50" charset="-127"/>
+              <a:ea typeface="여기어때 잘난체" panose="020B0600000101010101" pitchFamily="50" charset="-127"/>
+            </a:endParaRPr>
           </a:p>
         </p:txBody>
       </p:sp>
     </p:spTree>
-    <p:extLst>
-      <p:ext uri="{BB962C8B-B14F-4D97-AF65-F5344CB8AC3E}">
-        <p14:creationId xmlns:p14="http://schemas.microsoft.com/office/powerpoint/2010/main" val="585567371"/>
-      </p:ext>
-    </p:extLst>
   </p:cSld>
   <p:clrMapOvr>
     <a:masterClrMapping/>
@@ -3261,13 +3192,7 @@
       </p:grpSpPr>
       <p:sp>
         <p:nvSpPr>
-          <p:cNvPr id="15" name="직사각형 14">
-            <a:extLst>
-              <a:ext uri="{FF2B5EF4-FFF2-40B4-BE49-F238E27FC236}">
-                <a16:creationId xmlns:a16="http://schemas.microsoft.com/office/drawing/2014/main" id="{8A47EC21-B0E7-41E9-A316-8791FAADD044}"/>
-              </a:ext>
-            </a:extLst>
-          </p:cNvPr>
+          <p:cNvPr id="15" name="직사각형 14"/>
           <p:cNvSpPr/>
           <p:nvPr/>
         </p:nvSpPr>
@@ -3315,20 +3240,14 @@
       </p:sp>
       <p:sp>
         <p:nvSpPr>
-          <p:cNvPr id="18" name="TextBox 17">
-            <a:extLst>
-              <a:ext uri="{FF2B5EF4-FFF2-40B4-BE49-F238E27FC236}">
-                <a16:creationId xmlns:a16="http://schemas.microsoft.com/office/drawing/2014/main" id="{BC6B889D-6283-4B7F-8672-D8F2209C56F5}"/>
-              </a:ext>
-            </a:extLst>
-          </p:cNvPr>
+          <p:cNvPr id="18" name="TextBox 17"/>
           <p:cNvSpPr txBox="1"/>
           <p:nvPr/>
         </p:nvSpPr>
         <p:spPr>
           <a:xfrm>
             <a:off x="469900" y="260991"/>
-            <a:ext cx="6692900" cy="584775"/>
+            <a:ext cx="6692900" cy="583565"/>
           </a:xfrm>
           <a:prstGeom prst="rect">
             <a:avLst/>
@@ -3379,17 +3298,1461 @@
                 <a:latin typeface="여기어때 잘난체" panose="020B0600000101010101" pitchFamily="50" charset="-127"/>
                 <a:ea typeface="여기어때 잘난체" panose="020B0600000101010101" pitchFamily="50" charset="-127"/>
               </a:rPr>
-              <a:t>몬스터 및 자연물</a:t>
-            </a:r>
+              <a:t>몬스터</a:t>
+            </a:r>
+            <a:endParaRPr lang="ko-KR" altLang="en-US" sz="3200" dirty="0">
+              <a:solidFill>
+                <a:schemeClr val="bg1"/>
+              </a:solidFill>
+              <a:latin typeface="여기어때 잘난체" panose="020B0600000101010101" pitchFamily="50" charset="-127"/>
+              <a:ea typeface="여기어때 잘난체" panose="020B0600000101010101" pitchFamily="50" charset="-127"/>
+            </a:endParaRPr>
+          </a:p>
+        </p:txBody>
+      </p:sp>
+      <p:pic>
+        <p:nvPicPr>
+          <p:cNvPr id="100" name="Picture 99"/>
+          <p:cNvPicPr/>
+          <p:nvPr/>
+        </p:nvPicPr>
+        <p:blipFill>
+          <a:blip r:embed="rId1"/>
+          <a:stretch>
+            <a:fillRect/>
+          </a:stretch>
+        </p:blipFill>
+        <p:spPr>
+          <a:xfrm>
+            <a:off x="469583" y="1067118"/>
+            <a:ext cx="2143125" cy="2143125"/>
+          </a:xfrm>
+          <a:prstGeom prst="rect">
+            <a:avLst/>
+          </a:prstGeom>
+          <a:noFill/>
+          <a:ln w="9525">
+            <a:noFill/>
+          </a:ln>
+        </p:spPr>
+      </p:pic>
+      <p:sp>
+        <p:nvSpPr>
+          <p:cNvPr id="138" name="Google Shape;138;p21"/>
+          <p:cNvSpPr txBox="1"/>
+          <p:nvPr/>
+        </p:nvSpPr>
+        <p:spPr>
+          <a:xfrm>
+            <a:off x="2522855" y="1209040"/>
+            <a:ext cx="3111500" cy="2001520"/>
+          </a:xfrm>
+          <a:prstGeom prst="rect">
+            <a:avLst/>
+          </a:prstGeom>
+          <a:noFill/>
+          <a:ln>
+            <a:noFill/>
+          </a:ln>
+        </p:spPr>
+        <p:txBody>
+          <a:bodyPr spcFirstLastPara="1" wrap="square" lIns="91425" tIns="91425" rIns="91425" bIns="91425" anchor="t" anchorCtr="0">
+            <a:noAutofit/>
+          </a:bodyPr>
+          <a:p>
+            <a:pPr indent="0">
+              <a:spcBef>
+                <a:spcPts val="0"/>
+              </a:spcBef>
+              <a:spcAft>
+                <a:spcPts val="0"/>
+              </a:spcAft>
+              <a:buNone/>
+            </a:pPr>
+            <a:r>
+              <a:rPr lang="en-US" sz="1200">
+                <a:latin typeface="맑은 고딕" panose="020B0503020000020004" charset="-127"/>
+                <a:ea typeface="맑은 고딕" panose="020B0503020000020004" charset="-127"/>
+                <a:cs typeface="맑은 고딕" panose="020B0503020000020004" charset="-127"/>
+                <a:sym typeface="맑은 고딕" panose="020B0503020000020004" charset="-127"/>
+              </a:rPr>
+              <a:t>        </a:t>
+            </a:r>
+            <a:r>
+              <a:rPr lang="ko-KR" altLang="en-US" sz="1600" b="1">
+                <a:latin typeface="맑은 고딕" panose="020B0503020000020004" charset="-127"/>
+                <a:ea typeface="맑은 고딕" panose="020B0503020000020004" charset="-127"/>
+                <a:cs typeface="맑은 고딕" panose="020B0503020000020004" charset="-127"/>
+                <a:sym typeface="맑은 고딕" panose="020B0503020000020004" charset="-127"/>
+              </a:rPr>
+              <a:t>고블린</a:t>
+            </a:r>
+            <a:endParaRPr sz="1600" b="1">
+              <a:latin typeface="맑은 고딕" panose="020B0503020000020004" charset="-127"/>
+              <a:ea typeface="맑은 고딕" panose="020B0503020000020004" charset="-127"/>
+              <a:cs typeface="맑은 고딕" panose="020B0503020000020004" charset="-127"/>
+              <a:sym typeface="맑은 고딕" panose="020B0503020000020004" charset="-127"/>
+            </a:endParaRPr>
+          </a:p>
+          <a:p>
+            <a:pPr indent="0">
+              <a:spcBef>
+                <a:spcPts val="0"/>
+              </a:spcBef>
+              <a:spcAft>
+                <a:spcPts val="0"/>
+              </a:spcAft>
+              <a:buNone/>
+            </a:pPr>
+            <a:endParaRPr sz="1200">
+              <a:latin typeface="맑은 고딕" panose="020B0503020000020004" charset="-127"/>
+              <a:ea typeface="맑은 고딕" panose="020B0503020000020004" charset="-127"/>
+              <a:cs typeface="맑은 고딕" panose="020B0503020000020004" charset="-127"/>
+              <a:sym typeface="맑은 고딕" panose="020B0503020000020004" charset="-127"/>
+            </a:endParaRPr>
+          </a:p>
+          <a:p>
+            <a:pPr indent="0">
+              <a:spcBef>
+                <a:spcPts val="0"/>
+              </a:spcBef>
+              <a:spcAft>
+                <a:spcPts val="0"/>
+              </a:spcAft>
+              <a:buNone/>
+            </a:pPr>
+            <a:r>
+              <a:rPr lang="en-US" sz="1300">
+                <a:latin typeface="맑은 고딕" panose="020B0503020000020004" charset="-127"/>
+                <a:ea typeface="맑은 고딕" panose="020B0503020000020004" charset="-127"/>
+                <a:cs typeface="맑은 고딕" panose="020B0503020000020004" charset="-127"/>
+                <a:sym typeface="맑은 고딕" panose="020B0503020000020004" charset="-127"/>
+              </a:rPr>
+              <a:t>- 키 : 100cm</a:t>
+            </a:r>
+            <a:endParaRPr sz="1300">
+              <a:latin typeface="맑은 고딕" panose="020B0503020000020004" charset="-127"/>
+              <a:ea typeface="맑은 고딕" panose="020B0503020000020004" charset="-127"/>
+              <a:cs typeface="맑은 고딕" panose="020B0503020000020004" charset="-127"/>
+              <a:sym typeface="맑은 고딕" panose="020B0503020000020004" charset="-127"/>
+            </a:endParaRPr>
+          </a:p>
+          <a:p>
+            <a:pPr indent="0">
+              <a:spcBef>
+                <a:spcPts val="0"/>
+              </a:spcBef>
+              <a:spcAft>
+                <a:spcPts val="0"/>
+              </a:spcAft>
+              <a:buNone/>
+            </a:pPr>
+            <a:r>
+              <a:rPr lang="en-US" sz="1300">
+                <a:latin typeface="맑은 고딕" panose="020B0503020000020004" charset="-127"/>
+                <a:ea typeface="맑은 고딕" panose="020B0503020000020004" charset="-127"/>
+                <a:cs typeface="맑은 고딕" panose="020B0503020000020004" charset="-127"/>
+                <a:sym typeface="맑은 고딕" panose="020B0503020000020004" charset="-127"/>
+              </a:rPr>
+              <a:t>- 이동속도 : 1km/h</a:t>
+            </a:r>
+            <a:endParaRPr sz="1300">
+              <a:latin typeface="맑은 고딕" panose="020B0503020000020004" charset="-127"/>
+              <a:ea typeface="맑은 고딕" panose="020B0503020000020004" charset="-127"/>
+              <a:cs typeface="맑은 고딕" panose="020B0503020000020004" charset="-127"/>
+              <a:sym typeface="맑은 고딕" panose="020B0503020000020004" charset="-127"/>
+            </a:endParaRPr>
+          </a:p>
+          <a:p>
+            <a:pPr indent="0">
+              <a:spcBef>
+                <a:spcPts val="0"/>
+              </a:spcBef>
+              <a:spcAft>
+                <a:spcPts val="0"/>
+              </a:spcAft>
+              <a:buNone/>
+            </a:pPr>
+            <a:r>
+              <a:rPr lang="en-US" sz="1300">
+                <a:latin typeface="맑은 고딕" panose="020B0503020000020004" charset="-127"/>
+                <a:ea typeface="맑은 고딕" panose="020B0503020000020004" charset="-127"/>
+                <a:cs typeface="맑은 고딕" panose="020B0503020000020004" charset="-127"/>
+                <a:sym typeface="맑은 고딕" panose="020B0503020000020004" charset="-127"/>
+              </a:rPr>
+              <a:t>- 체력 : 100</a:t>
+            </a:r>
+            <a:endParaRPr lang="en-US" sz="1300">
+              <a:latin typeface="맑은 고딕" panose="020B0503020000020004" charset="-127"/>
+              <a:ea typeface="맑은 고딕" panose="020B0503020000020004" charset="-127"/>
+              <a:cs typeface="맑은 고딕" panose="020B0503020000020004" charset="-127"/>
+              <a:sym typeface="맑은 고딕" panose="020B0503020000020004" charset="-127"/>
+            </a:endParaRPr>
+          </a:p>
+          <a:p>
+            <a:pPr indent="0">
+              <a:spcBef>
+                <a:spcPts val="0"/>
+              </a:spcBef>
+              <a:spcAft>
+                <a:spcPts val="0"/>
+              </a:spcAft>
+              <a:buNone/>
+            </a:pPr>
+            <a:r>
+              <a:rPr lang="en-US" sz="1300">
+                <a:latin typeface="맑은 고딕" panose="020B0503020000020004" charset="-127"/>
+                <a:ea typeface="맑은 고딕" panose="020B0503020000020004" charset="-127"/>
+                <a:cs typeface="맑은 고딕" panose="020B0503020000020004" charset="-127"/>
+                <a:sym typeface="맑은 고딕" panose="020B0503020000020004" charset="-127"/>
+              </a:rPr>
+              <a:t>- </a:t>
+            </a:r>
+            <a:r>
+              <a:rPr lang="ko-KR" altLang="en-US" sz="1300">
+                <a:latin typeface="맑은 고딕" panose="020B0503020000020004" charset="-127"/>
+                <a:ea typeface="맑은 고딕" panose="020B0503020000020004" charset="-127"/>
+                <a:cs typeface="맑은 고딕" panose="020B0503020000020004" charset="-127"/>
+                <a:sym typeface="맑은 고딕" panose="020B0503020000020004" charset="-127"/>
+              </a:rPr>
+              <a:t>공격속도</a:t>
+            </a:r>
+            <a:r>
+              <a:rPr lang="en-US" altLang="ko-KR" sz="1300">
+                <a:latin typeface="맑은 고딕" panose="020B0503020000020004" charset="-127"/>
+                <a:ea typeface="맑은 고딕" panose="020B0503020000020004" charset="-127"/>
+                <a:cs typeface="맑은 고딕" panose="020B0503020000020004" charset="-127"/>
+                <a:sym typeface="맑은 고딕" panose="020B0503020000020004" charset="-127"/>
+              </a:rPr>
+              <a:t> : 1</a:t>
+            </a:r>
+            <a:r>
+              <a:rPr lang="ko-KR" altLang="en-US" sz="1300">
+                <a:latin typeface="맑은 고딕" panose="020B0503020000020004" charset="-127"/>
+                <a:ea typeface="맑은 고딕" panose="020B0503020000020004" charset="-127"/>
+                <a:cs typeface="맑은 고딕" panose="020B0503020000020004" charset="-127"/>
+                <a:sym typeface="맑은 고딕" panose="020B0503020000020004" charset="-127"/>
+              </a:rPr>
+              <a:t>초에</a:t>
+            </a:r>
+            <a:r>
+              <a:rPr lang="en-US" altLang="ko-KR" sz="1300">
+                <a:latin typeface="맑은 고딕" panose="020B0503020000020004" charset="-127"/>
+                <a:ea typeface="맑은 고딕" panose="020B0503020000020004" charset="-127"/>
+                <a:cs typeface="맑은 고딕" panose="020B0503020000020004" charset="-127"/>
+                <a:sym typeface="맑은 고딕" panose="020B0503020000020004" charset="-127"/>
+              </a:rPr>
+              <a:t> 1</a:t>
+            </a:r>
+            <a:r>
+              <a:rPr lang="ko-KR" altLang="en-US" sz="1300">
+                <a:latin typeface="맑은 고딕" panose="020B0503020000020004" charset="-127"/>
+                <a:ea typeface="맑은 고딕" panose="020B0503020000020004" charset="-127"/>
+                <a:cs typeface="맑은 고딕" panose="020B0503020000020004" charset="-127"/>
+                <a:sym typeface="맑은 고딕" panose="020B0503020000020004" charset="-127"/>
+              </a:rPr>
+              <a:t>번</a:t>
+            </a:r>
+            <a:endParaRPr sz="1300">
+              <a:latin typeface="맑은 고딕" panose="020B0503020000020004" charset="-127"/>
+              <a:ea typeface="맑은 고딕" panose="020B0503020000020004" charset="-127"/>
+              <a:cs typeface="맑은 고딕" panose="020B0503020000020004" charset="-127"/>
+              <a:sym typeface="맑은 고딕" panose="020B0503020000020004" charset="-127"/>
+            </a:endParaRPr>
+          </a:p>
+          <a:p>
+            <a:pPr indent="0">
+              <a:spcBef>
+                <a:spcPts val="0"/>
+              </a:spcBef>
+              <a:spcAft>
+                <a:spcPts val="0"/>
+              </a:spcAft>
+              <a:buNone/>
+            </a:pPr>
+            <a:r>
+              <a:rPr lang="en-US" sz="1300">
+                <a:latin typeface="맑은 고딕" panose="020B0503020000020004" charset="-127"/>
+                <a:ea typeface="맑은 고딕" panose="020B0503020000020004" charset="-127"/>
+                <a:cs typeface="맑은 고딕" panose="020B0503020000020004" charset="-127"/>
+                <a:sym typeface="맑은 고딕" panose="020B0503020000020004" charset="-127"/>
+              </a:rPr>
+              <a:t>- 데미지 : 20</a:t>
+            </a:r>
+            <a:endParaRPr sz="1300">
+              <a:latin typeface="맑은 고딕" panose="020B0503020000020004" charset="-127"/>
+              <a:ea typeface="맑은 고딕" panose="020B0503020000020004" charset="-127"/>
+              <a:cs typeface="맑은 고딕" panose="020B0503020000020004" charset="-127"/>
+              <a:sym typeface="맑은 고딕" panose="020B0503020000020004" charset="-127"/>
+            </a:endParaRPr>
+          </a:p>
+          <a:p>
+            <a:pPr indent="0">
+              <a:spcBef>
+                <a:spcPts val="0"/>
+              </a:spcBef>
+              <a:spcAft>
+                <a:spcPts val="0"/>
+              </a:spcAft>
+              <a:buNone/>
+            </a:pPr>
+            <a:r>
+              <a:rPr lang="en-US" sz="1300">
+                <a:latin typeface="맑은 고딕" panose="020B0503020000020004" charset="-127"/>
+                <a:ea typeface="맑은 고딕" panose="020B0503020000020004" charset="-127"/>
+                <a:cs typeface="맑은 고딕" panose="020B0503020000020004" charset="-127"/>
+                <a:sym typeface="맑은 고딕" panose="020B0503020000020004" charset="-127"/>
+              </a:rPr>
+              <a:t>- 애니메이션 4종(Idle, </a:t>
+            </a:r>
+            <a:r>
+              <a:rPr lang="ko-KR" altLang="en-US" sz="1300">
+                <a:latin typeface="맑은 고딕" panose="020B0503020000020004" charset="-127"/>
+                <a:ea typeface="맑은 고딕" panose="020B0503020000020004" charset="-127"/>
+                <a:cs typeface="맑은 고딕" panose="020B0503020000020004" charset="-127"/>
+                <a:sym typeface="맑은 고딕" panose="020B0503020000020004" charset="-127"/>
+              </a:rPr>
+              <a:t>이동</a:t>
+            </a:r>
+            <a:r>
+              <a:rPr lang="en-US" altLang="ko-KR" sz="1300">
+                <a:latin typeface="맑은 고딕" panose="020B0503020000020004" charset="-127"/>
+                <a:ea typeface="맑은 고딕" panose="020B0503020000020004" charset="-127"/>
+                <a:cs typeface="맑은 고딕" panose="020B0503020000020004" charset="-127"/>
+                <a:sym typeface="맑은 고딕" panose="020B0503020000020004" charset="-127"/>
+              </a:rPr>
+              <a:t>, </a:t>
+            </a:r>
+            <a:r>
+              <a:rPr lang="ko-KR" altLang="en-US" sz="1300">
+                <a:latin typeface="맑은 고딕" panose="020B0503020000020004" charset="-127"/>
+                <a:ea typeface="맑은 고딕" panose="020B0503020000020004" charset="-127"/>
+                <a:cs typeface="맑은 고딕" panose="020B0503020000020004" charset="-127"/>
+                <a:sym typeface="맑은 고딕" panose="020B0503020000020004" charset="-127"/>
+              </a:rPr>
+              <a:t>공격</a:t>
+            </a:r>
+            <a:r>
+              <a:rPr lang="en-US" altLang="ko-KR" sz="1300">
+                <a:latin typeface="맑은 고딕" panose="020B0503020000020004" charset="-127"/>
+                <a:ea typeface="맑은 고딕" panose="020B0503020000020004" charset="-127"/>
+                <a:cs typeface="맑은 고딕" panose="020B0503020000020004" charset="-127"/>
+                <a:sym typeface="맑은 고딕" panose="020B0503020000020004" charset="-127"/>
+              </a:rPr>
+              <a:t>, </a:t>
+            </a:r>
+            <a:r>
+              <a:rPr lang="ko-KR" altLang="en-US" sz="1300">
+                <a:latin typeface="맑은 고딕" panose="020B0503020000020004" charset="-127"/>
+                <a:ea typeface="맑은 고딕" panose="020B0503020000020004" charset="-127"/>
+                <a:cs typeface="맑은 고딕" panose="020B0503020000020004" charset="-127"/>
+                <a:sym typeface="맑은 고딕" panose="020B0503020000020004" charset="-127"/>
+              </a:rPr>
+              <a:t>사망</a:t>
+            </a:r>
+            <a:r>
+              <a:rPr lang="en-US" altLang="ko-KR" sz="1300">
+                <a:latin typeface="맑은 고딕" panose="020B0503020000020004" charset="-127"/>
+                <a:ea typeface="맑은 고딕" panose="020B0503020000020004" charset="-127"/>
+                <a:cs typeface="맑은 고딕" panose="020B0503020000020004" charset="-127"/>
+                <a:sym typeface="맑은 고딕" panose="020B0503020000020004" charset="-127"/>
+              </a:rPr>
+              <a:t>)</a:t>
+            </a:r>
+            <a:r>
+              <a:rPr lang="en-US" sz="1200">
+                <a:latin typeface="맑은 고딕" panose="020B0503020000020004" charset="-127"/>
+                <a:ea typeface="맑은 고딕" panose="020B0503020000020004" charset="-127"/>
+                <a:cs typeface="맑은 고딕" panose="020B0503020000020004" charset="-127"/>
+                <a:sym typeface="맑은 고딕" panose="020B0503020000020004" charset="-127"/>
+              </a:rPr>
+              <a:t> </a:t>
+            </a:r>
+            <a:endParaRPr sz="1200">
+              <a:latin typeface="맑은 고딕" panose="020B0503020000020004" charset="-127"/>
+              <a:ea typeface="맑은 고딕" panose="020B0503020000020004" charset="-127"/>
+              <a:cs typeface="맑은 고딕" panose="020B0503020000020004" charset="-127"/>
+              <a:sym typeface="맑은 고딕" panose="020B0503020000020004" charset="-127"/>
+            </a:endParaRPr>
+          </a:p>
+        </p:txBody>
+      </p:sp>
+      <p:pic>
+        <p:nvPicPr>
+          <p:cNvPr id="102" name="Picture 101"/>
+          <p:cNvPicPr/>
+          <p:nvPr/>
+        </p:nvPicPr>
+        <p:blipFill>
+          <a:blip r:embed="rId2"/>
+          <a:stretch>
+            <a:fillRect/>
+          </a:stretch>
+        </p:blipFill>
+        <p:spPr>
+          <a:xfrm>
+            <a:off x="5769610" y="943610"/>
+            <a:ext cx="2186305" cy="2390775"/>
+          </a:xfrm>
+          <a:prstGeom prst="rect">
+            <a:avLst/>
+          </a:prstGeom>
+          <a:noFill/>
+          <a:ln w="9525">
+            <a:noFill/>
+          </a:ln>
+        </p:spPr>
+      </p:pic>
+      <p:sp>
+        <p:nvSpPr>
+          <p:cNvPr id="2" name="Google Shape;138;p21"/>
+          <p:cNvSpPr txBox="1"/>
+          <p:nvPr/>
+        </p:nvSpPr>
+        <p:spPr>
+          <a:xfrm>
+            <a:off x="8091170" y="1209040"/>
+            <a:ext cx="3211195" cy="1859915"/>
+          </a:xfrm>
+          <a:prstGeom prst="rect">
+            <a:avLst/>
+          </a:prstGeom>
+          <a:noFill/>
+          <a:ln>
+            <a:noFill/>
+          </a:ln>
+        </p:spPr>
+        <p:txBody>
+          <a:bodyPr spcFirstLastPara="1" wrap="square" lIns="91425" tIns="91425" rIns="91425" bIns="91425" anchor="t" anchorCtr="0">
+            <a:noAutofit/>
+          </a:bodyPr>
+          <a:p>
+            <a:pPr indent="0">
+              <a:spcBef>
+                <a:spcPts val="0"/>
+              </a:spcBef>
+              <a:spcAft>
+                <a:spcPts val="0"/>
+              </a:spcAft>
+              <a:buNone/>
+            </a:pPr>
+            <a:r>
+              <a:rPr lang="en-US" sz="1200">
+                <a:latin typeface="맑은 고딕" panose="020B0503020000020004" charset="-127"/>
+                <a:ea typeface="맑은 고딕" panose="020B0503020000020004" charset="-127"/>
+                <a:cs typeface="맑은 고딕" panose="020B0503020000020004" charset="-127"/>
+                <a:sym typeface="맑은 고딕" panose="020B0503020000020004" charset="-127"/>
+              </a:rPr>
+              <a:t>        </a:t>
+            </a:r>
+            <a:r>
+              <a:rPr lang="ko-KR" altLang="en-US" sz="1600" b="1">
+                <a:latin typeface="맑은 고딕" panose="020B0503020000020004" charset="-127"/>
+                <a:ea typeface="맑은 고딕" panose="020B0503020000020004" charset="-127"/>
+                <a:cs typeface="맑은 고딕" panose="020B0503020000020004" charset="-127"/>
+                <a:sym typeface="맑은 고딕" panose="020B0503020000020004" charset="-127"/>
+              </a:rPr>
+              <a:t>오거</a:t>
+            </a:r>
+            <a:endParaRPr sz="1600" b="1">
+              <a:latin typeface="맑은 고딕" panose="020B0503020000020004" charset="-127"/>
+              <a:ea typeface="맑은 고딕" panose="020B0503020000020004" charset="-127"/>
+              <a:cs typeface="맑은 고딕" panose="020B0503020000020004" charset="-127"/>
+              <a:sym typeface="맑은 고딕" panose="020B0503020000020004" charset="-127"/>
+            </a:endParaRPr>
+          </a:p>
+          <a:p>
+            <a:pPr indent="0">
+              <a:spcBef>
+                <a:spcPts val="0"/>
+              </a:spcBef>
+              <a:spcAft>
+                <a:spcPts val="0"/>
+              </a:spcAft>
+              <a:buNone/>
+            </a:pPr>
+            <a:endParaRPr sz="1200">
+              <a:latin typeface="맑은 고딕" panose="020B0503020000020004" charset="-127"/>
+              <a:ea typeface="맑은 고딕" panose="020B0503020000020004" charset="-127"/>
+              <a:cs typeface="맑은 고딕" panose="020B0503020000020004" charset="-127"/>
+              <a:sym typeface="맑은 고딕" panose="020B0503020000020004" charset="-127"/>
+            </a:endParaRPr>
+          </a:p>
+          <a:p>
+            <a:pPr indent="0">
+              <a:spcBef>
+                <a:spcPts val="0"/>
+              </a:spcBef>
+              <a:spcAft>
+                <a:spcPts val="0"/>
+              </a:spcAft>
+              <a:buNone/>
+            </a:pPr>
+            <a:r>
+              <a:rPr lang="en-US" sz="1300">
+                <a:latin typeface="맑은 고딕" panose="020B0503020000020004" charset="-127"/>
+                <a:ea typeface="맑은 고딕" panose="020B0503020000020004" charset="-127"/>
+                <a:cs typeface="맑은 고딕" panose="020B0503020000020004" charset="-127"/>
+                <a:sym typeface="맑은 고딕" panose="020B0503020000020004" charset="-127"/>
+              </a:rPr>
+              <a:t>- 키 : 200cm</a:t>
+            </a:r>
+            <a:endParaRPr sz="1300">
+              <a:latin typeface="맑은 고딕" panose="020B0503020000020004" charset="-127"/>
+              <a:ea typeface="맑은 고딕" panose="020B0503020000020004" charset="-127"/>
+              <a:cs typeface="맑은 고딕" panose="020B0503020000020004" charset="-127"/>
+              <a:sym typeface="맑은 고딕" panose="020B0503020000020004" charset="-127"/>
+            </a:endParaRPr>
+          </a:p>
+          <a:p>
+            <a:pPr indent="0">
+              <a:spcBef>
+                <a:spcPts val="0"/>
+              </a:spcBef>
+              <a:spcAft>
+                <a:spcPts val="0"/>
+              </a:spcAft>
+              <a:buNone/>
+            </a:pPr>
+            <a:r>
+              <a:rPr lang="en-US" sz="1300">
+                <a:latin typeface="맑은 고딕" panose="020B0503020000020004" charset="-127"/>
+                <a:ea typeface="맑은 고딕" panose="020B0503020000020004" charset="-127"/>
+                <a:cs typeface="맑은 고딕" panose="020B0503020000020004" charset="-127"/>
+                <a:sym typeface="맑은 고딕" panose="020B0503020000020004" charset="-127"/>
+              </a:rPr>
+              <a:t>- 이동속도 : 0.7km/h</a:t>
+            </a:r>
+            <a:endParaRPr sz="1300">
+              <a:latin typeface="맑은 고딕" panose="020B0503020000020004" charset="-127"/>
+              <a:ea typeface="맑은 고딕" panose="020B0503020000020004" charset="-127"/>
+              <a:cs typeface="맑은 고딕" panose="020B0503020000020004" charset="-127"/>
+              <a:sym typeface="맑은 고딕" panose="020B0503020000020004" charset="-127"/>
+            </a:endParaRPr>
+          </a:p>
+          <a:p>
+            <a:pPr indent="0">
+              <a:spcBef>
+                <a:spcPts val="0"/>
+              </a:spcBef>
+              <a:spcAft>
+                <a:spcPts val="0"/>
+              </a:spcAft>
+              <a:buNone/>
+            </a:pPr>
+            <a:r>
+              <a:rPr lang="en-US" sz="1300">
+                <a:latin typeface="맑은 고딕" panose="020B0503020000020004" charset="-127"/>
+                <a:ea typeface="맑은 고딕" panose="020B0503020000020004" charset="-127"/>
+                <a:cs typeface="맑은 고딕" panose="020B0503020000020004" charset="-127"/>
+                <a:sym typeface="맑은 고딕" panose="020B0503020000020004" charset="-127"/>
+              </a:rPr>
+              <a:t>- 체력 : 300</a:t>
+            </a:r>
+            <a:endParaRPr lang="en-US" sz="1300">
+              <a:latin typeface="맑은 고딕" panose="020B0503020000020004" charset="-127"/>
+              <a:ea typeface="맑은 고딕" panose="020B0503020000020004" charset="-127"/>
+              <a:cs typeface="맑은 고딕" panose="020B0503020000020004" charset="-127"/>
+              <a:sym typeface="맑은 고딕" panose="020B0503020000020004" charset="-127"/>
+            </a:endParaRPr>
+          </a:p>
+          <a:p>
+            <a:pPr indent="0">
+              <a:spcBef>
+                <a:spcPts val="0"/>
+              </a:spcBef>
+              <a:spcAft>
+                <a:spcPts val="0"/>
+              </a:spcAft>
+              <a:buNone/>
+            </a:pPr>
+            <a:r>
+              <a:rPr lang="en-US" sz="1300">
+                <a:latin typeface="맑은 고딕" panose="020B0503020000020004" charset="-127"/>
+                <a:ea typeface="맑은 고딕" panose="020B0503020000020004" charset="-127"/>
+                <a:cs typeface="맑은 고딕" panose="020B0503020000020004" charset="-127"/>
+                <a:sym typeface="맑은 고딕" panose="020B0503020000020004" charset="-127"/>
+              </a:rPr>
+              <a:t>- </a:t>
+            </a:r>
+            <a:r>
+              <a:rPr lang="ko-KR" altLang="en-US" sz="1300">
+                <a:latin typeface="맑은 고딕" panose="020B0503020000020004" charset="-127"/>
+                <a:ea typeface="맑은 고딕" panose="020B0503020000020004" charset="-127"/>
+                <a:cs typeface="맑은 고딕" panose="020B0503020000020004" charset="-127"/>
+                <a:sym typeface="맑은 고딕" panose="020B0503020000020004" charset="-127"/>
+              </a:rPr>
+              <a:t>공격속도</a:t>
+            </a:r>
+            <a:r>
+              <a:rPr lang="en-US" altLang="ko-KR" sz="1300">
+                <a:latin typeface="맑은 고딕" panose="020B0503020000020004" charset="-127"/>
+                <a:ea typeface="맑은 고딕" panose="020B0503020000020004" charset="-127"/>
+                <a:cs typeface="맑은 고딕" panose="020B0503020000020004" charset="-127"/>
+                <a:sym typeface="맑은 고딕" panose="020B0503020000020004" charset="-127"/>
+              </a:rPr>
+              <a:t> : 2.5</a:t>
+            </a:r>
+            <a:r>
+              <a:rPr lang="ko-KR" altLang="en-US" sz="1300">
+                <a:latin typeface="맑은 고딕" panose="020B0503020000020004" charset="-127"/>
+                <a:ea typeface="맑은 고딕" panose="020B0503020000020004" charset="-127"/>
+                <a:cs typeface="맑은 고딕" panose="020B0503020000020004" charset="-127"/>
+                <a:sym typeface="맑은 고딕" panose="020B0503020000020004" charset="-127"/>
+              </a:rPr>
+              <a:t>초에</a:t>
+            </a:r>
+            <a:r>
+              <a:rPr lang="en-US" altLang="ko-KR" sz="1300">
+                <a:latin typeface="맑은 고딕" panose="020B0503020000020004" charset="-127"/>
+                <a:ea typeface="맑은 고딕" panose="020B0503020000020004" charset="-127"/>
+                <a:cs typeface="맑은 고딕" panose="020B0503020000020004" charset="-127"/>
+                <a:sym typeface="맑은 고딕" panose="020B0503020000020004" charset="-127"/>
+              </a:rPr>
+              <a:t> 1</a:t>
+            </a:r>
+            <a:r>
+              <a:rPr lang="ko-KR" altLang="en-US" sz="1300">
+                <a:latin typeface="맑은 고딕" panose="020B0503020000020004" charset="-127"/>
+                <a:ea typeface="맑은 고딕" panose="020B0503020000020004" charset="-127"/>
+                <a:cs typeface="맑은 고딕" panose="020B0503020000020004" charset="-127"/>
+                <a:sym typeface="맑은 고딕" panose="020B0503020000020004" charset="-127"/>
+              </a:rPr>
+              <a:t>번</a:t>
+            </a:r>
+            <a:endParaRPr sz="1300">
+              <a:latin typeface="맑은 고딕" panose="020B0503020000020004" charset="-127"/>
+              <a:ea typeface="맑은 고딕" panose="020B0503020000020004" charset="-127"/>
+              <a:cs typeface="맑은 고딕" panose="020B0503020000020004" charset="-127"/>
+              <a:sym typeface="맑은 고딕" panose="020B0503020000020004" charset="-127"/>
+            </a:endParaRPr>
+          </a:p>
+          <a:p>
+            <a:pPr indent="0">
+              <a:spcBef>
+                <a:spcPts val="0"/>
+              </a:spcBef>
+              <a:spcAft>
+                <a:spcPts val="0"/>
+              </a:spcAft>
+              <a:buNone/>
+            </a:pPr>
+            <a:r>
+              <a:rPr lang="en-US" sz="1300">
+                <a:latin typeface="맑은 고딕" panose="020B0503020000020004" charset="-127"/>
+                <a:ea typeface="맑은 고딕" panose="020B0503020000020004" charset="-127"/>
+                <a:cs typeface="맑은 고딕" panose="020B0503020000020004" charset="-127"/>
+                <a:sym typeface="맑은 고딕" panose="020B0503020000020004" charset="-127"/>
+              </a:rPr>
+              <a:t>- 데미지 : 50</a:t>
+            </a:r>
+            <a:endParaRPr sz="1300">
+              <a:latin typeface="맑은 고딕" panose="020B0503020000020004" charset="-127"/>
+              <a:ea typeface="맑은 고딕" panose="020B0503020000020004" charset="-127"/>
+              <a:cs typeface="맑은 고딕" panose="020B0503020000020004" charset="-127"/>
+              <a:sym typeface="맑은 고딕" panose="020B0503020000020004" charset="-127"/>
+            </a:endParaRPr>
+          </a:p>
+          <a:p>
+            <a:pPr indent="0">
+              <a:spcBef>
+                <a:spcPts val="0"/>
+              </a:spcBef>
+              <a:spcAft>
+                <a:spcPts val="0"/>
+              </a:spcAft>
+              <a:buNone/>
+            </a:pPr>
+            <a:r>
+              <a:rPr lang="en-US" sz="1300">
+                <a:latin typeface="맑은 고딕" panose="020B0503020000020004" charset="-127"/>
+                <a:ea typeface="맑은 고딕" panose="020B0503020000020004" charset="-127"/>
+                <a:cs typeface="맑은 고딕" panose="020B0503020000020004" charset="-127"/>
+                <a:sym typeface="맑은 고딕" panose="020B0503020000020004" charset="-127"/>
+              </a:rPr>
+              <a:t>- </a:t>
+            </a:r>
+            <a:r>
+              <a:rPr lang="en-US" sz="1300">
+                <a:latin typeface="맑은 고딕" panose="020B0503020000020004" charset="-127"/>
+                <a:ea typeface="맑은 고딕" panose="020B0503020000020004" charset="-127"/>
+                <a:cs typeface="맑은 고딕" panose="020B0503020000020004" charset="-127"/>
+                <a:sym typeface="맑은 고딕" panose="020B0503020000020004" charset="-127"/>
+              </a:rPr>
+              <a:t>애니메이션 4종(Idle, </a:t>
+            </a:r>
+            <a:r>
+              <a:rPr lang="ko-KR" altLang="en-US" sz="1300">
+                <a:latin typeface="맑은 고딕" panose="020B0503020000020004" charset="-127"/>
+                <a:ea typeface="맑은 고딕" panose="020B0503020000020004" charset="-127"/>
+                <a:cs typeface="맑은 고딕" panose="020B0503020000020004" charset="-127"/>
+                <a:sym typeface="맑은 고딕" panose="020B0503020000020004" charset="-127"/>
+              </a:rPr>
+              <a:t>이동</a:t>
+            </a:r>
+            <a:r>
+              <a:rPr lang="en-US" altLang="ko-KR" sz="1300">
+                <a:latin typeface="맑은 고딕" panose="020B0503020000020004" charset="-127"/>
+                <a:ea typeface="맑은 고딕" panose="020B0503020000020004" charset="-127"/>
+                <a:cs typeface="맑은 고딕" panose="020B0503020000020004" charset="-127"/>
+                <a:sym typeface="맑은 고딕" panose="020B0503020000020004" charset="-127"/>
+              </a:rPr>
+              <a:t>, </a:t>
+            </a:r>
+            <a:r>
+              <a:rPr lang="ko-KR" altLang="en-US" sz="1300">
+                <a:latin typeface="맑은 고딕" panose="020B0503020000020004" charset="-127"/>
+                <a:ea typeface="맑은 고딕" panose="020B0503020000020004" charset="-127"/>
+                <a:cs typeface="맑은 고딕" panose="020B0503020000020004" charset="-127"/>
+                <a:sym typeface="맑은 고딕" panose="020B0503020000020004" charset="-127"/>
+              </a:rPr>
+              <a:t>공격</a:t>
+            </a:r>
+            <a:r>
+              <a:rPr lang="en-US" altLang="ko-KR" sz="1300">
+                <a:latin typeface="맑은 고딕" panose="020B0503020000020004" charset="-127"/>
+                <a:ea typeface="맑은 고딕" panose="020B0503020000020004" charset="-127"/>
+                <a:cs typeface="맑은 고딕" panose="020B0503020000020004" charset="-127"/>
+                <a:sym typeface="맑은 고딕" panose="020B0503020000020004" charset="-127"/>
+              </a:rPr>
+              <a:t>, </a:t>
+            </a:r>
+            <a:r>
+              <a:rPr lang="ko-KR" altLang="en-US" sz="1300">
+                <a:latin typeface="맑은 고딕" panose="020B0503020000020004" charset="-127"/>
+                <a:ea typeface="맑은 고딕" panose="020B0503020000020004" charset="-127"/>
+                <a:cs typeface="맑은 고딕" panose="020B0503020000020004" charset="-127"/>
+                <a:sym typeface="맑은 고딕" panose="020B0503020000020004" charset="-127"/>
+              </a:rPr>
+              <a:t>사망</a:t>
+            </a:r>
+            <a:r>
+              <a:rPr lang="en-US" altLang="ko-KR" sz="1300">
+                <a:latin typeface="맑은 고딕" panose="020B0503020000020004" charset="-127"/>
+                <a:ea typeface="맑은 고딕" panose="020B0503020000020004" charset="-127"/>
+                <a:cs typeface="맑은 고딕" panose="020B0503020000020004" charset="-127"/>
+                <a:sym typeface="맑은 고딕" panose="020B0503020000020004" charset="-127"/>
+              </a:rPr>
+              <a:t>)</a:t>
+            </a:r>
+            <a:r>
+              <a:rPr lang="en-US" sz="1200">
+                <a:latin typeface="맑은 고딕" panose="020B0503020000020004" charset="-127"/>
+                <a:ea typeface="맑은 고딕" panose="020B0503020000020004" charset="-127"/>
+                <a:cs typeface="맑은 고딕" panose="020B0503020000020004" charset="-127"/>
+                <a:sym typeface="맑은 고딕" panose="020B0503020000020004" charset="-127"/>
+              </a:rPr>
+              <a:t> </a:t>
+            </a:r>
+            <a:endParaRPr sz="1200">
+              <a:latin typeface="맑은 고딕" panose="020B0503020000020004" charset="-127"/>
+              <a:ea typeface="맑은 고딕" panose="020B0503020000020004" charset="-127"/>
+              <a:cs typeface="맑은 고딕" panose="020B0503020000020004" charset="-127"/>
+              <a:sym typeface="맑은 고딕" panose="020B0503020000020004" charset="-127"/>
+            </a:endParaRPr>
+          </a:p>
+        </p:txBody>
+      </p:sp>
+      <p:pic>
+        <p:nvPicPr>
+          <p:cNvPr id="103" name="Picture 102"/>
+          <p:cNvPicPr/>
+          <p:nvPr/>
+        </p:nvPicPr>
+        <p:blipFill>
+          <a:blip r:embed="rId3"/>
+          <a:stretch>
+            <a:fillRect/>
+          </a:stretch>
+        </p:blipFill>
+        <p:spPr>
+          <a:xfrm>
+            <a:off x="6298248" y="3743643"/>
+            <a:ext cx="1800225" cy="2543175"/>
+          </a:xfrm>
+          <a:prstGeom prst="rect">
+            <a:avLst/>
+          </a:prstGeom>
+          <a:noFill/>
+          <a:ln w="9525">
+            <a:noFill/>
+          </a:ln>
+        </p:spPr>
+      </p:pic>
+      <p:sp>
+        <p:nvSpPr>
+          <p:cNvPr id="3" name="Google Shape;138;p21"/>
+          <p:cNvSpPr txBox="1"/>
+          <p:nvPr/>
+        </p:nvSpPr>
+        <p:spPr>
+          <a:xfrm>
+            <a:off x="8472805" y="4085590"/>
+            <a:ext cx="2829560" cy="1996440"/>
+          </a:xfrm>
+          <a:prstGeom prst="rect">
+            <a:avLst/>
+          </a:prstGeom>
+          <a:noFill/>
+          <a:ln>
+            <a:noFill/>
+          </a:ln>
+        </p:spPr>
+        <p:txBody>
+          <a:bodyPr spcFirstLastPara="1" wrap="square" lIns="91425" tIns="91425" rIns="91425" bIns="91425" anchor="t" anchorCtr="0">
+            <a:noAutofit/>
+          </a:bodyPr>
+          <a:p>
+            <a:pPr indent="0">
+              <a:spcBef>
+                <a:spcPts val="0"/>
+              </a:spcBef>
+              <a:spcAft>
+                <a:spcPts val="0"/>
+              </a:spcAft>
+              <a:buNone/>
+            </a:pPr>
+            <a:r>
+              <a:rPr lang="en-US" sz="1200">
+                <a:latin typeface="맑은 고딕" panose="020B0503020000020004" charset="-127"/>
+                <a:ea typeface="맑은 고딕" panose="020B0503020000020004" charset="-127"/>
+                <a:cs typeface="맑은 고딕" panose="020B0503020000020004" charset="-127"/>
+                <a:sym typeface="맑은 고딕" panose="020B0503020000020004" charset="-127"/>
+              </a:rPr>
+              <a:t>        </a:t>
+            </a:r>
+            <a:r>
+              <a:rPr lang="ko-KR" altLang="en-US" sz="1600" b="1">
+                <a:latin typeface="맑은 고딕" panose="020B0503020000020004" charset="-127"/>
+                <a:ea typeface="맑은 고딕" panose="020B0503020000020004" charset="-127"/>
+                <a:cs typeface="맑은 고딕" panose="020B0503020000020004" charset="-127"/>
+                <a:sym typeface="맑은 고딕" panose="020B0503020000020004" charset="-127"/>
+              </a:rPr>
+              <a:t>골렘</a:t>
+            </a:r>
+            <a:endParaRPr sz="1600" b="1">
+              <a:latin typeface="맑은 고딕" panose="020B0503020000020004" charset="-127"/>
+              <a:ea typeface="맑은 고딕" panose="020B0503020000020004" charset="-127"/>
+              <a:cs typeface="맑은 고딕" panose="020B0503020000020004" charset="-127"/>
+              <a:sym typeface="맑은 고딕" panose="020B0503020000020004" charset="-127"/>
+            </a:endParaRPr>
+          </a:p>
+          <a:p>
+            <a:pPr indent="0">
+              <a:spcBef>
+                <a:spcPts val="0"/>
+              </a:spcBef>
+              <a:spcAft>
+                <a:spcPts val="0"/>
+              </a:spcAft>
+              <a:buNone/>
+            </a:pPr>
+            <a:endParaRPr sz="1200">
+              <a:latin typeface="맑은 고딕" panose="020B0503020000020004" charset="-127"/>
+              <a:ea typeface="맑은 고딕" panose="020B0503020000020004" charset="-127"/>
+              <a:cs typeface="맑은 고딕" panose="020B0503020000020004" charset="-127"/>
+              <a:sym typeface="맑은 고딕" panose="020B0503020000020004" charset="-127"/>
+            </a:endParaRPr>
+          </a:p>
+          <a:p>
+            <a:pPr indent="0">
+              <a:spcBef>
+                <a:spcPts val="0"/>
+              </a:spcBef>
+              <a:spcAft>
+                <a:spcPts val="0"/>
+              </a:spcAft>
+              <a:buNone/>
+            </a:pPr>
+            <a:r>
+              <a:rPr lang="en-US" sz="1300">
+                <a:latin typeface="맑은 고딕" panose="020B0503020000020004" charset="-127"/>
+                <a:ea typeface="맑은 고딕" panose="020B0503020000020004" charset="-127"/>
+                <a:cs typeface="맑은 고딕" panose="020B0503020000020004" charset="-127"/>
+                <a:sym typeface="맑은 고딕" panose="020B0503020000020004" charset="-127"/>
+              </a:rPr>
+              <a:t>- 키 : 400cm</a:t>
+            </a:r>
+            <a:endParaRPr sz="1300">
+              <a:latin typeface="맑은 고딕" panose="020B0503020000020004" charset="-127"/>
+              <a:ea typeface="맑은 고딕" panose="020B0503020000020004" charset="-127"/>
+              <a:cs typeface="맑은 고딕" panose="020B0503020000020004" charset="-127"/>
+              <a:sym typeface="맑은 고딕" panose="020B0503020000020004" charset="-127"/>
+            </a:endParaRPr>
+          </a:p>
+          <a:p>
+            <a:pPr indent="0">
+              <a:spcBef>
+                <a:spcPts val="0"/>
+              </a:spcBef>
+              <a:spcAft>
+                <a:spcPts val="0"/>
+              </a:spcAft>
+              <a:buNone/>
+            </a:pPr>
+            <a:r>
+              <a:rPr lang="en-US" sz="1300">
+                <a:latin typeface="맑은 고딕" panose="020B0503020000020004" charset="-127"/>
+                <a:ea typeface="맑은 고딕" panose="020B0503020000020004" charset="-127"/>
+                <a:cs typeface="맑은 고딕" panose="020B0503020000020004" charset="-127"/>
+                <a:sym typeface="맑은 고딕" panose="020B0503020000020004" charset="-127"/>
+              </a:rPr>
+              <a:t>- 이동속도 : 0.5km/h</a:t>
+            </a:r>
+            <a:endParaRPr sz="1300">
+              <a:latin typeface="맑은 고딕" panose="020B0503020000020004" charset="-127"/>
+              <a:ea typeface="맑은 고딕" panose="020B0503020000020004" charset="-127"/>
+              <a:cs typeface="맑은 고딕" panose="020B0503020000020004" charset="-127"/>
+              <a:sym typeface="맑은 고딕" panose="020B0503020000020004" charset="-127"/>
+            </a:endParaRPr>
+          </a:p>
+          <a:p>
+            <a:pPr indent="0">
+              <a:spcBef>
+                <a:spcPts val="0"/>
+              </a:spcBef>
+              <a:spcAft>
+                <a:spcPts val="0"/>
+              </a:spcAft>
+              <a:buNone/>
+            </a:pPr>
+            <a:r>
+              <a:rPr lang="en-US" sz="1300">
+                <a:latin typeface="맑은 고딕" panose="020B0503020000020004" charset="-127"/>
+                <a:ea typeface="맑은 고딕" panose="020B0503020000020004" charset="-127"/>
+                <a:cs typeface="맑은 고딕" panose="020B0503020000020004" charset="-127"/>
+                <a:sym typeface="맑은 고딕" panose="020B0503020000020004" charset="-127"/>
+              </a:rPr>
+              <a:t>- 체력 : 500</a:t>
+            </a:r>
+            <a:endParaRPr lang="en-US" sz="1300">
+              <a:latin typeface="맑은 고딕" panose="020B0503020000020004" charset="-127"/>
+              <a:ea typeface="맑은 고딕" panose="020B0503020000020004" charset="-127"/>
+              <a:cs typeface="맑은 고딕" panose="020B0503020000020004" charset="-127"/>
+              <a:sym typeface="맑은 고딕" panose="020B0503020000020004" charset="-127"/>
+            </a:endParaRPr>
+          </a:p>
+          <a:p>
+            <a:pPr indent="0">
+              <a:spcBef>
+                <a:spcPts val="0"/>
+              </a:spcBef>
+              <a:spcAft>
+                <a:spcPts val="0"/>
+              </a:spcAft>
+              <a:buNone/>
+            </a:pPr>
+            <a:r>
+              <a:rPr lang="en-US" sz="1300">
+                <a:latin typeface="맑은 고딕" panose="020B0503020000020004" charset="-127"/>
+                <a:ea typeface="맑은 고딕" panose="020B0503020000020004" charset="-127"/>
+                <a:cs typeface="맑은 고딕" panose="020B0503020000020004" charset="-127"/>
+                <a:sym typeface="맑은 고딕" panose="020B0503020000020004" charset="-127"/>
+              </a:rPr>
+              <a:t>- </a:t>
+            </a:r>
+            <a:r>
+              <a:rPr lang="ko-KR" altLang="en-US" sz="1300">
+                <a:latin typeface="맑은 고딕" panose="020B0503020000020004" charset="-127"/>
+                <a:ea typeface="맑은 고딕" panose="020B0503020000020004" charset="-127"/>
+                <a:cs typeface="맑은 고딕" panose="020B0503020000020004" charset="-127"/>
+                <a:sym typeface="맑은 고딕" panose="020B0503020000020004" charset="-127"/>
+              </a:rPr>
+              <a:t>데미지</a:t>
+            </a:r>
+            <a:r>
+              <a:rPr lang="en-US" altLang="ko-KR" sz="1300">
+                <a:latin typeface="맑은 고딕" panose="020B0503020000020004" charset="-127"/>
+                <a:ea typeface="맑은 고딕" panose="020B0503020000020004" charset="-127"/>
+                <a:cs typeface="맑은 고딕" panose="020B0503020000020004" charset="-127"/>
+                <a:sym typeface="맑은 고딕" panose="020B0503020000020004" charset="-127"/>
+              </a:rPr>
+              <a:t> : 100</a:t>
+            </a:r>
+            <a:endParaRPr lang="en-US" sz="1300">
+              <a:latin typeface="맑은 고딕" panose="020B0503020000020004" charset="-127"/>
+              <a:ea typeface="맑은 고딕" panose="020B0503020000020004" charset="-127"/>
+              <a:cs typeface="맑은 고딕" panose="020B0503020000020004" charset="-127"/>
+              <a:sym typeface="맑은 고딕" panose="020B0503020000020004" charset="-127"/>
+            </a:endParaRPr>
+          </a:p>
+          <a:p>
+            <a:pPr indent="0">
+              <a:spcBef>
+                <a:spcPts val="0"/>
+              </a:spcBef>
+              <a:spcAft>
+                <a:spcPts val="0"/>
+              </a:spcAft>
+              <a:buNone/>
+            </a:pPr>
+            <a:r>
+              <a:rPr lang="en-US" sz="1300">
+                <a:latin typeface="맑은 고딕" panose="020B0503020000020004" charset="-127"/>
+                <a:ea typeface="맑은 고딕" panose="020B0503020000020004" charset="-127"/>
+                <a:cs typeface="맑은 고딕" panose="020B0503020000020004" charset="-127"/>
+                <a:sym typeface="맑은 고딕" panose="020B0503020000020004" charset="-127"/>
+              </a:rPr>
+              <a:t>- 애니메이션 5종(Idle, </a:t>
+            </a:r>
+            <a:r>
+              <a:rPr lang="ko-KR" altLang="en-US" sz="1300">
+                <a:latin typeface="맑은 고딕" panose="020B0503020000020004" charset="-127"/>
+                <a:ea typeface="맑은 고딕" panose="020B0503020000020004" charset="-127"/>
+                <a:cs typeface="맑은 고딕" panose="020B0503020000020004" charset="-127"/>
+                <a:sym typeface="맑은 고딕" panose="020B0503020000020004" charset="-127"/>
+              </a:rPr>
+              <a:t>이동</a:t>
+            </a:r>
+            <a:r>
+              <a:rPr lang="en-US" altLang="ko-KR" sz="1300">
+                <a:latin typeface="맑은 고딕" panose="020B0503020000020004" charset="-127"/>
+                <a:ea typeface="맑은 고딕" panose="020B0503020000020004" charset="-127"/>
+                <a:cs typeface="맑은 고딕" panose="020B0503020000020004" charset="-127"/>
+                <a:sym typeface="맑은 고딕" panose="020B0503020000020004" charset="-127"/>
+              </a:rPr>
+              <a:t>, </a:t>
+            </a:r>
+            <a:r>
+              <a:rPr lang="ko-KR" altLang="en-US" sz="1300">
+                <a:latin typeface="맑은 고딕" panose="020B0503020000020004" charset="-127"/>
+                <a:ea typeface="맑은 고딕" panose="020B0503020000020004" charset="-127"/>
+                <a:cs typeface="맑은 고딕" panose="020B0503020000020004" charset="-127"/>
+                <a:sym typeface="맑은 고딕" panose="020B0503020000020004" charset="-127"/>
+              </a:rPr>
+              <a:t>공격</a:t>
+            </a:r>
+            <a:r>
+              <a:rPr lang="en-US" altLang="ko-KR" sz="1300">
+                <a:latin typeface="맑은 고딕" panose="020B0503020000020004" charset="-127"/>
+                <a:ea typeface="맑은 고딕" panose="020B0503020000020004" charset="-127"/>
+                <a:cs typeface="맑은 고딕" panose="020B0503020000020004" charset="-127"/>
+                <a:sym typeface="맑은 고딕" panose="020B0503020000020004" charset="-127"/>
+              </a:rPr>
+              <a:t> 1, </a:t>
+            </a:r>
+            <a:r>
+              <a:rPr lang="ko-KR" altLang="en-US" sz="1300">
+                <a:latin typeface="맑은 고딕" panose="020B0503020000020004" charset="-127"/>
+                <a:ea typeface="맑은 고딕" panose="020B0503020000020004" charset="-127"/>
+                <a:cs typeface="맑은 고딕" panose="020B0503020000020004" charset="-127"/>
+                <a:sym typeface="맑은 고딕" panose="020B0503020000020004" charset="-127"/>
+              </a:rPr>
+              <a:t>공격</a:t>
+            </a:r>
+            <a:r>
+              <a:rPr lang="en-US" altLang="ko-KR" sz="1300">
+                <a:latin typeface="맑은 고딕" panose="020B0503020000020004" charset="-127"/>
+                <a:ea typeface="맑은 고딕" panose="020B0503020000020004" charset="-127"/>
+                <a:cs typeface="맑은 고딕" panose="020B0503020000020004" charset="-127"/>
+                <a:sym typeface="맑은 고딕" panose="020B0503020000020004" charset="-127"/>
+              </a:rPr>
+              <a:t> 2, </a:t>
+            </a:r>
+            <a:r>
+              <a:rPr lang="ko-KR" altLang="en-US" sz="1300">
+                <a:latin typeface="맑은 고딕" panose="020B0503020000020004" charset="-127"/>
+                <a:ea typeface="맑은 고딕" panose="020B0503020000020004" charset="-127"/>
+                <a:cs typeface="맑은 고딕" panose="020B0503020000020004" charset="-127"/>
+                <a:sym typeface="맑은 고딕" panose="020B0503020000020004" charset="-127"/>
+              </a:rPr>
+              <a:t>사망</a:t>
+            </a:r>
+            <a:r>
+              <a:rPr lang="en-US" altLang="ko-KR" sz="1300">
+                <a:latin typeface="맑은 고딕" panose="020B0503020000020004" charset="-127"/>
+                <a:ea typeface="맑은 고딕" panose="020B0503020000020004" charset="-127"/>
+                <a:cs typeface="맑은 고딕" panose="020B0503020000020004" charset="-127"/>
+                <a:sym typeface="맑은 고딕" panose="020B0503020000020004" charset="-127"/>
+              </a:rPr>
+              <a:t>)</a:t>
+            </a:r>
+            <a:r>
+              <a:rPr lang="en-US" sz="1200">
+                <a:latin typeface="맑은 고딕" panose="020B0503020000020004" charset="-127"/>
+                <a:ea typeface="맑은 고딕" panose="020B0503020000020004" charset="-127"/>
+                <a:cs typeface="맑은 고딕" panose="020B0503020000020004" charset="-127"/>
+                <a:sym typeface="맑은 고딕" panose="020B0503020000020004" charset="-127"/>
+              </a:rPr>
+              <a:t> </a:t>
+            </a:r>
+            <a:endParaRPr sz="1200">
+              <a:latin typeface="맑은 고딕" panose="020B0503020000020004" charset="-127"/>
+              <a:ea typeface="맑은 고딕" panose="020B0503020000020004" charset="-127"/>
+              <a:cs typeface="맑은 고딕" panose="020B0503020000020004" charset="-127"/>
+              <a:sym typeface="맑은 고딕" panose="020B0503020000020004" charset="-127"/>
+            </a:endParaRPr>
+          </a:p>
+        </p:txBody>
+      </p:sp>
+      <p:pic>
+        <p:nvPicPr>
+          <p:cNvPr id="104" name="Picture 103"/>
+          <p:cNvPicPr/>
+          <p:nvPr/>
+        </p:nvPicPr>
+        <p:blipFill>
+          <a:blip r:embed="rId4"/>
+          <a:stretch>
+            <a:fillRect/>
+          </a:stretch>
+        </p:blipFill>
+        <p:spPr>
+          <a:xfrm>
+            <a:off x="718185" y="4085590"/>
+            <a:ext cx="1957070" cy="2047875"/>
+          </a:xfrm>
+          <a:prstGeom prst="rect">
+            <a:avLst/>
+          </a:prstGeom>
+          <a:noFill/>
+          <a:ln w="9525">
+            <a:noFill/>
+          </a:ln>
+        </p:spPr>
+      </p:pic>
+      <p:sp>
+        <p:nvSpPr>
+          <p:cNvPr id="4" name="Google Shape;138;p21"/>
+          <p:cNvSpPr txBox="1"/>
+          <p:nvPr/>
+        </p:nvSpPr>
+        <p:spPr>
+          <a:xfrm>
+            <a:off x="2613025" y="4015105"/>
+            <a:ext cx="3111500" cy="2001520"/>
+          </a:xfrm>
+          <a:prstGeom prst="rect">
+            <a:avLst/>
+          </a:prstGeom>
+          <a:noFill/>
+          <a:ln>
+            <a:noFill/>
+          </a:ln>
+        </p:spPr>
+        <p:txBody>
+          <a:bodyPr spcFirstLastPara="1" wrap="square" lIns="91425" tIns="91425" rIns="91425" bIns="91425" anchor="t" anchorCtr="0">
+            <a:noAutofit/>
+          </a:bodyPr>
+          <a:p>
+            <a:pPr indent="0">
+              <a:spcBef>
+                <a:spcPts val="0"/>
+              </a:spcBef>
+              <a:spcAft>
+                <a:spcPts val="0"/>
+              </a:spcAft>
+              <a:buNone/>
+            </a:pPr>
+            <a:r>
+              <a:rPr lang="en-US" sz="1200">
+                <a:latin typeface="맑은 고딕" panose="020B0503020000020004" charset="-127"/>
+                <a:ea typeface="맑은 고딕" panose="020B0503020000020004" charset="-127"/>
+                <a:cs typeface="맑은 고딕" panose="020B0503020000020004" charset="-127"/>
+                <a:sym typeface="맑은 고딕" panose="020B0503020000020004" charset="-127"/>
+              </a:rPr>
+              <a:t>       </a:t>
+            </a:r>
+            <a:r>
+              <a:rPr lang="ko-KR" altLang="en-US" sz="1600" b="1">
+                <a:latin typeface="맑은 고딕" panose="020B0503020000020004" charset="-127"/>
+                <a:ea typeface="맑은 고딕" panose="020B0503020000020004" charset="-127"/>
+                <a:cs typeface="맑은 고딕" panose="020B0503020000020004" charset="-127"/>
+                <a:sym typeface="맑은 고딕" panose="020B0503020000020004" charset="-127"/>
+              </a:rPr>
+              <a:t>스켈레톤</a:t>
+            </a:r>
+            <a:endParaRPr sz="1600" b="1">
+              <a:latin typeface="맑은 고딕" panose="020B0503020000020004" charset="-127"/>
+              <a:ea typeface="맑은 고딕" panose="020B0503020000020004" charset="-127"/>
+              <a:cs typeface="맑은 고딕" panose="020B0503020000020004" charset="-127"/>
+              <a:sym typeface="맑은 고딕" panose="020B0503020000020004" charset="-127"/>
+            </a:endParaRPr>
+          </a:p>
+          <a:p>
+            <a:pPr indent="0">
+              <a:spcBef>
+                <a:spcPts val="0"/>
+              </a:spcBef>
+              <a:spcAft>
+                <a:spcPts val="0"/>
+              </a:spcAft>
+              <a:buNone/>
+            </a:pPr>
+            <a:endParaRPr sz="1200">
+              <a:latin typeface="맑은 고딕" panose="020B0503020000020004" charset="-127"/>
+              <a:ea typeface="맑은 고딕" panose="020B0503020000020004" charset="-127"/>
+              <a:cs typeface="맑은 고딕" panose="020B0503020000020004" charset="-127"/>
+              <a:sym typeface="맑은 고딕" panose="020B0503020000020004" charset="-127"/>
+            </a:endParaRPr>
+          </a:p>
+          <a:p>
+            <a:pPr indent="0">
+              <a:spcBef>
+                <a:spcPts val="0"/>
+              </a:spcBef>
+              <a:spcAft>
+                <a:spcPts val="0"/>
+              </a:spcAft>
+              <a:buNone/>
+            </a:pPr>
+            <a:r>
+              <a:rPr lang="en-US" sz="1300">
+                <a:latin typeface="맑은 고딕" panose="020B0503020000020004" charset="-127"/>
+                <a:ea typeface="맑은 고딕" panose="020B0503020000020004" charset="-127"/>
+                <a:cs typeface="맑은 고딕" panose="020B0503020000020004" charset="-127"/>
+                <a:sym typeface="맑은 고딕" panose="020B0503020000020004" charset="-127"/>
+              </a:rPr>
+              <a:t>- 키 : 160cm</a:t>
+            </a:r>
+            <a:endParaRPr sz="1300">
+              <a:latin typeface="맑은 고딕" panose="020B0503020000020004" charset="-127"/>
+              <a:ea typeface="맑은 고딕" panose="020B0503020000020004" charset="-127"/>
+              <a:cs typeface="맑은 고딕" panose="020B0503020000020004" charset="-127"/>
+              <a:sym typeface="맑은 고딕" panose="020B0503020000020004" charset="-127"/>
+            </a:endParaRPr>
+          </a:p>
+          <a:p>
+            <a:pPr indent="0">
+              <a:spcBef>
+                <a:spcPts val="0"/>
+              </a:spcBef>
+              <a:spcAft>
+                <a:spcPts val="0"/>
+              </a:spcAft>
+              <a:buNone/>
+            </a:pPr>
+            <a:r>
+              <a:rPr lang="en-US" sz="1300">
+                <a:latin typeface="맑은 고딕" panose="020B0503020000020004" charset="-127"/>
+                <a:ea typeface="맑은 고딕" panose="020B0503020000020004" charset="-127"/>
+                <a:cs typeface="맑은 고딕" panose="020B0503020000020004" charset="-127"/>
+                <a:sym typeface="맑은 고딕" panose="020B0503020000020004" charset="-127"/>
+              </a:rPr>
+              <a:t>- 이동속도 : 1km/h</a:t>
+            </a:r>
+            <a:endParaRPr sz="1300">
+              <a:latin typeface="맑은 고딕" panose="020B0503020000020004" charset="-127"/>
+              <a:ea typeface="맑은 고딕" panose="020B0503020000020004" charset="-127"/>
+              <a:cs typeface="맑은 고딕" panose="020B0503020000020004" charset="-127"/>
+              <a:sym typeface="맑은 고딕" panose="020B0503020000020004" charset="-127"/>
+            </a:endParaRPr>
+          </a:p>
+          <a:p>
+            <a:pPr indent="0">
+              <a:spcBef>
+                <a:spcPts val="0"/>
+              </a:spcBef>
+              <a:spcAft>
+                <a:spcPts val="0"/>
+              </a:spcAft>
+              <a:buNone/>
+            </a:pPr>
+            <a:r>
+              <a:rPr lang="en-US" sz="1300">
+                <a:latin typeface="맑은 고딕" panose="020B0503020000020004" charset="-127"/>
+                <a:ea typeface="맑은 고딕" panose="020B0503020000020004" charset="-127"/>
+                <a:cs typeface="맑은 고딕" panose="020B0503020000020004" charset="-127"/>
+                <a:sym typeface="맑은 고딕" panose="020B0503020000020004" charset="-127"/>
+              </a:rPr>
+              <a:t>- 체력 : 150</a:t>
+            </a:r>
+            <a:endParaRPr lang="en-US" sz="1300">
+              <a:latin typeface="맑은 고딕" panose="020B0503020000020004" charset="-127"/>
+              <a:ea typeface="맑은 고딕" panose="020B0503020000020004" charset="-127"/>
+              <a:cs typeface="맑은 고딕" panose="020B0503020000020004" charset="-127"/>
+              <a:sym typeface="맑은 고딕" panose="020B0503020000020004" charset="-127"/>
+            </a:endParaRPr>
+          </a:p>
+          <a:p>
+            <a:pPr indent="0">
+              <a:spcBef>
+                <a:spcPts val="0"/>
+              </a:spcBef>
+              <a:spcAft>
+                <a:spcPts val="0"/>
+              </a:spcAft>
+              <a:buNone/>
+            </a:pPr>
+            <a:r>
+              <a:rPr lang="en-US" sz="1300">
+                <a:latin typeface="맑은 고딕" panose="020B0503020000020004" charset="-127"/>
+                <a:ea typeface="맑은 고딕" panose="020B0503020000020004" charset="-127"/>
+                <a:cs typeface="맑은 고딕" panose="020B0503020000020004" charset="-127"/>
+                <a:sym typeface="맑은 고딕" panose="020B0503020000020004" charset="-127"/>
+              </a:rPr>
+              <a:t>- </a:t>
+            </a:r>
+            <a:r>
+              <a:rPr lang="ko-KR" altLang="en-US" sz="1300">
+                <a:latin typeface="맑은 고딕" panose="020B0503020000020004" charset="-127"/>
+                <a:ea typeface="맑은 고딕" panose="020B0503020000020004" charset="-127"/>
+                <a:cs typeface="맑은 고딕" panose="020B0503020000020004" charset="-127"/>
+                <a:sym typeface="맑은 고딕" panose="020B0503020000020004" charset="-127"/>
+              </a:rPr>
+              <a:t>공격속도</a:t>
+            </a:r>
+            <a:r>
+              <a:rPr lang="en-US" altLang="ko-KR" sz="1300">
+                <a:latin typeface="맑은 고딕" panose="020B0503020000020004" charset="-127"/>
+                <a:ea typeface="맑은 고딕" panose="020B0503020000020004" charset="-127"/>
+                <a:cs typeface="맑은 고딕" panose="020B0503020000020004" charset="-127"/>
+                <a:sym typeface="맑은 고딕" panose="020B0503020000020004" charset="-127"/>
+              </a:rPr>
+              <a:t> : 1</a:t>
+            </a:r>
+            <a:r>
+              <a:rPr lang="ko-KR" altLang="en-US" sz="1300">
+                <a:latin typeface="맑은 고딕" panose="020B0503020000020004" charset="-127"/>
+                <a:ea typeface="맑은 고딕" panose="020B0503020000020004" charset="-127"/>
+                <a:cs typeface="맑은 고딕" panose="020B0503020000020004" charset="-127"/>
+                <a:sym typeface="맑은 고딕" panose="020B0503020000020004" charset="-127"/>
+              </a:rPr>
+              <a:t>초에</a:t>
+            </a:r>
+            <a:r>
+              <a:rPr lang="en-US" altLang="ko-KR" sz="1300">
+                <a:latin typeface="맑은 고딕" panose="020B0503020000020004" charset="-127"/>
+                <a:ea typeface="맑은 고딕" panose="020B0503020000020004" charset="-127"/>
+                <a:cs typeface="맑은 고딕" panose="020B0503020000020004" charset="-127"/>
+                <a:sym typeface="맑은 고딕" panose="020B0503020000020004" charset="-127"/>
+              </a:rPr>
+              <a:t> 1</a:t>
+            </a:r>
+            <a:r>
+              <a:rPr lang="ko-KR" altLang="en-US" sz="1300">
+                <a:latin typeface="맑은 고딕" panose="020B0503020000020004" charset="-127"/>
+                <a:ea typeface="맑은 고딕" panose="020B0503020000020004" charset="-127"/>
+                <a:cs typeface="맑은 고딕" panose="020B0503020000020004" charset="-127"/>
+                <a:sym typeface="맑은 고딕" panose="020B0503020000020004" charset="-127"/>
+              </a:rPr>
+              <a:t>번</a:t>
+            </a:r>
+            <a:endParaRPr sz="1300">
+              <a:latin typeface="맑은 고딕" panose="020B0503020000020004" charset="-127"/>
+              <a:ea typeface="맑은 고딕" panose="020B0503020000020004" charset="-127"/>
+              <a:cs typeface="맑은 고딕" panose="020B0503020000020004" charset="-127"/>
+              <a:sym typeface="맑은 고딕" panose="020B0503020000020004" charset="-127"/>
+            </a:endParaRPr>
+          </a:p>
+          <a:p>
+            <a:pPr indent="0">
+              <a:spcBef>
+                <a:spcPts val="0"/>
+              </a:spcBef>
+              <a:spcAft>
+                <a:spcPts val="0"/>
+              </a:spcAft>
+              <a:buNone/>
+            </a:pPr>
+            <a:r>
+              <a:rPr lang="en-US" sz="1300">
+                <a:latin typeface="맑은 고딕" panose="020B0503020000020004" charset="-127"/>
+                <a:ea typeface="맑은 고딕" panose="020B0503020000020004" charset="-127"/>
+                <a:cs typeface="맑은 고딕" panose="020B0503020000020004" charset="-127"/>
+                <a:sym typeface="맑은 고딕" panose="020B0503020000020004" charset="-127"/>
+              </a:rPr>
+              <a:t>- 데미지 : 30</a:t>
+            </a:r>
+            <a:endParaRPr sz="1300">
+              <a:latin typeface="맑은 고딕" panose="020B0503020000020004" charset="-127"/>
+              <a:ea typeface="맑은 고딕" panose="020B0503020000020004" charset="-127"/>
+              <a:cs typeface="맑은 고딕" panose="020B0503020000020004" charset="-127"/>
+              <a:sym typeface="맑은 고딕" panose="020B0503020000020004" charset="-127"/>
+            </a:endParaRPr>
+          </a:p>
+          <a:p>
+            <a:pPr indent="0">
+              <a:spcBef>
+                <a:spcPts val="0"/>
+              </a:spcBef>
+              <a:spcAft>
+                <a:spcPts val="0"/>
+              </a:spcAft>
+              <a:buNone/>
+            </a:pPr>
+            <a:r>
+              <a:rPr lang="en-US" sz="1300">
+                <a:latin typeface="맑은 고딕" panose="020B0503020000020004" charset="-127"/>
+                <a:ea typeface="맑은 고딕" panose="020B0503020000020004" charset="-127"/>
+                <a:cs typeface="맑은 고딕" panose="020B0503020000020004" charset="-127"/>
+                <a:sym typeface="맑은 고딕" panose="020B0503020000020004" charset="-127"/>
+              </a:rPr>
+              <a:t>- 애니메이션 4종(Idle, </a:t>
+            </a:r>
+            <a:r>
+              <a:rPr lang="ko-KR" altLang="en-US" sz="1300">
+                <a:latin typeface="맑은 고딕" panose="020B0503020000020004" charset="-127"/>
+                <a:ea typeface="맑은 고딕" panose="020B0503020000020004" charset="-127"/>
+                <a:cs typeface="맑은 고딕" panose="020B0503020000020004" charset="-127"/>
+                <a:sym typeface="맑은 고딕" panose="020B0503020000020004" charset="-127"/>
+              </a:rPr>
+              <a:t>이동</a:t>
+            </a:r>
+            <a:r>
+              <a:rPr lang="en-US" altLang="ko-KR" sz="1300">
+                <a:latin typeface="맑은 고딕" panose="020B0503020000020004" charset="-127"/>
+                <a:ea typeface="맑은 고딕" panose="020B0503020000020004" charset="-127"/>
+                <a:cs typeface="맑은 고딕" panose="020B0503020000020004" charset="-127"/>
+                <a:sym typeface="맑은 고딕" panose="020B0503020000020004" charset="-127"/>
+              </a:rPr>
+              <a:t>, </a:t>
+            </a:r>
+            <a:r>
+              <a:rPr lang="ko-KR" altLang="en-US" sz="1300">
+                <a:latin typeface="맑은 고딕" panose="020B0503020000020004" charset="-127"/>
+                <a:ea typeface="맑은 고딕" panose="020B0503020000020004" charset="-127"/>
+                <a:cs typeface="맑은 고딕" panose="020B0503020000020004" charset="-127"/>
+                <a:sym typeface="맑은 고딕" panose="020B0503020000020004" charset="-127"/>
+              </a:rPr>
+              <a:t>공격</a:t>
+            </a:r>
+            <a:r>
+              <a:rPr lang="en-US" altLang="ko-KR" sz="1300">
+                <a:latin typeface="맑은 고딕" panose="020B0503020000020004" charset="-127"/>
+                <a:ea typeface="맑은 고딕" panose="020B0503020000020004" charset="-127"/>
+                <a:cs typeface="맑은 고딕" panose="020B0503020000020004" charset="-127"/>
+                <a:sym typeface="맑은 고딕" panose="020B0503020000020004" charset="-127"/>
+              </a:rPr>
+              <a:t>, </a:t>
+            </a:r>
+            <a:r>
+              <a:rPr lang="ko-KR" altLang="en-US" sz="1300">
+                <a:latin typeface="맑은 고딕" panose="020B0503020000020004" charset="-127"/>
+                <a:ea typeface="맑은 고딕" panose="020B0503020000020004" charset="-127"/>
+                <a:cs typeface="맑은 고딕" panose="020B0503020000020004" charset="-127"/>
+                <a:sym typeface="맑은 고딕" panose="020B0503020000020004" charset="-127"/>
+              </a:rPr>
+              <a:t>사망</a:t>
+            </a:r>
+            <a:r>
+              <a:rPr lang="en-US" altLang="ko-KR" sz="1300">
+                <a:latin typeface="맑은 고딕" panose="020B0503020000020004" charset="-127"/>
+                <a:ea typeface="맑은 고딕" panose="020B0503020000020004" charset="-127"/>
+                <a:cs typeface="맑은 고딕" panose="020B0503020000020004" charset="-127"/>
+                <a:sym typeface="맑은 고딕" panose="020B0503020000020004" charset="-127"/>
+              </a:rPr>
+              <a:t>)</a:t>
+            </a:r>
+            <a:r>
+              <a:rPr lang="en-US" sz="1200">
+                <a:latin typeface="맑은 고딕" panose="020B0503020000020004" charset="-127"/>
+                <a:ea typeface="맑은 고딕" panose="020B0503020000020004" charset="-127"/>
+                <a:cs typeface="맑은 고딕" panose="020B0503020000020004" charset="-127"/>
+                <a:sym typeface="맑은 고딕" panose="020B0503020000020004" charset="-127"/>
+              </a:rPr>
+              <a:t> </a:t>
+            </a:r>
+            <a:endParaRPr sz="1200">
+              <a:latin typeface="맑은 고딕" panose="020B0503020000020004" charset="-127"/>
+              <a:ea typeface="맑은 고딕" panose="020B0503020000020004" charset="-127"/>
+              <a:cs typeface="맑은 고딕" panose="020B0503020000020004" charset="-127"/>
+              <a:sym typeface="맑은 고딕" panose="020B0503020000020004" charset="-127"/>
+            </a:endParaRPr>
           </a:p>
         </p:txBody>
       </p:sp>
     </p:spTree>
-    <p:extLst>
-      <p:ext uri="{BB962C8B-B14F-4D97-AF65-F5344CB8AC3E}">
-        <p14:creationId xmlns:p14="http://schemas.microsoft.com/office/powerpoint/2010/main" val="668342960"/>
-      </p:ext>
-    </p:extLst>
   </p:cSld>
   <p:clrMapOvr>
     <a:masterClrMapping/>
@@ -3424,13 +4787,7 @@
       </p:grpSpPr>
       <p:sp>
         <p:nvSpPr>
-          <p:cNvPr id="15" name="직사각형 14">
-            <a:extLst>
-              <a:ext uri="{FF2B5EF4-FFF2-40B4-BE49-F238E27FC236}">
-                <a16:creationId xmlns:a16="http://schemas.microsoft.com/office/drawing/2014/main" id="{8A47EC21-B0E7-41E9-A316-8791FAADD044}"/>
-              </a:ext>
-            </a:extLst>
-          </p:cNvPr>
+          <p:cNvPr id="15" name="직사각형 14"/>
           <p:cNvSpPr/>
           <p:nvPr/>
         </p:nvSpPr>
@@ -3478,13 +4835,2911 @@
       </p:sp>
       <p:sp>
         <p:nvSpPr>
-          <p:cNvPr id="18" name="TextBox 17">
-            <a:extLst>
-              <a:ext uri="{FF2B5EF4-FFF2-40B4-BE49-F238E27FC236}">
-                <a16:creationId xmlns:a16="http://schemas.microsoft.com/office/drawing/2014/main" id="{BC6B889D-6283-4B7F-8672-D8F2209C56F5}"/>
-              </a:ext>
-            </a:extLst>
-          </p:cNvPr>
+          <p:cNvPr id="18" name="TextBox 17"/>
+          <p:cNvSpPr txBox="1"/>
+          <p:nvPr/>
+        </p:nvSpPr>
+        <p:spPr>
+          <a:xfrm>
+            <a:off x="469900" y="260991"/>
+            <a:ext cx="6692900" cy="583565"/>
+          </a:xfrm>
+          <a:prstGeom prst="rect">
+            <a:avLst/>
+          </a:prstGeom>
+          <a:noFill/>
+        </p:spPr>
+        <p:txBody>
+          <a:bodyPr wrap="square" rtlCol="0">
+            <a:spAutoFit/>
+          </a:bodyPr>
+          <a:lstStyle/>
+          <a:p>
+            <a:r>
+              <a:rPr lang="en-US" altLang="ko-KR" sz="3200" dirty="0">
+                <a:solidFill>
+                  <a:schemeClr val="bg1"/>
+                </a:solidFill>
+                <a:latin typeface="여기어때 잘난체" panose="020B0600000101010101" pitchFamily="50" charset="-127"/>
+                <a:ea typeface="여기어때 잘난체" panose="020B0600000101010101" pitchFamily="50" charset="-127"/>
+              </a:rPr>
+              <a:t>02. </a:t>
+            </a:r>
+            <a:r>
+              <a:rPr lang="ko-KR" altLang="en-US" sz="3200" dirty="0">
+                <a:solidFill>
+                  <a:schemeClr val="bg1"/>
+                </a:solidFill>
+                <a:latin typeface="여기어때 잘난체" panose="020B0600000101010101" pitchFamily="50" charset="-127"/>
+                <a:ea typeface="여기어때 잘난체" panose="020B0600000101010101" pitchFamily="50" charset="-127"/>
+              </a:rPr>
+              <a:t>게임 소개 </a:t>
+            </a:r>
+            <a:r>
+              <a:rPr lang="en-US" altLang="ko-KR" sz="3200" dirty="0">
+                <a:solidFill>
+                  <a:schemeClr val="bg1"/>
+                </a:solidFill>
+                <a:latin typeface="여기어때 잘난체" panose="020B0600000101010101" pitchFamily="50" charset="-127"/>
+                <a:ea typeface="여기어때 잘난체" panose="020B0600000101010101" pitchFamily="50" charset="-127"/>
+              </a:rPr>
+              <a:t>– </a:t>
+            </a:r>
+            <a:r>
+              <a:rPr lang="ko-KR" altLang="en-US" sz="3200" dirty="0">
+                <a:solidFill>
+                  <a:schemeClr val="bg1"/>
+                </a:solidFill>
+                <a:latin typeface="여기어때 잘난체" panose="020B0600000101010101" pitchFamily="50" charset="-127"/>
+                <a:ea typeface="여기어때 잘난체" panose="020B0600000101010101" pitchFamily="50" charset="-127"/>
+              </a:rPr>
+              <a:t>퍼즐</a:t>
+            </a:r>
+            <a:endParaRPr lang="ko-KR" altLang="en-US" sz="3200" dirty="0">
+              <a:solidFill>
+                <a:schemeClr val="bg1"/>
+              </a:solidFill>
+              <a:latin typeface="여기어때 잘난체" panose="020B0600000101010101" pitchFamily="50" charset="-127"/>
+              <a:ea typeface="여기어때 잘난체" panose="020B0600000101010101" pitchFamily="50" charset="-127"/>
+            </a:endParaRPr>
+          </a:p>
+        </p:txBody>
+      </p:sp>
+      <p:graphicFrame>
+        <p:nvGraphicFramePr>
+          <p:cNvPr id="14" name="Object 13"/>
+          <p:cNvGraphicFramePr/>
+          <p:nvPr/>
+        </p:nvGraphicFramePr>
+        <p:xfrm>
+          <a:off x="786765" y="5812155"/>
+          <a:ext cx="448310" cy="429260"/>
+        </p:xfrm>
+        <a:graphic>
+          <a:graphicData uri="http://schemas.openxmlformats.org/presentationml/2006/ole">
+            <mc:AlternateContent xmlns:mc="http://schemas.openxmlformats.org/markup-compatibility/2006">
+              <mc:Choice xmlns:v="urn:schemas-microsoft-com:vml" Requires="v">
+                <p:oleObj spid="_x0000_s16" name="" r:id="rId1" imgW="447675" imgH="428625" progId="Paint.Picture">
+                  <p:embed/>
+                </p:oleObj>
+              </mc:Choice>
+              <mc:Fallback>
+                <p:oleObj name="" r:id="rId1" imgW="447675" imgH="428625" progId="Paint.Picture">
+                  <p:embed/>
+                  <p:pic>
+                    <p:nvPicPr>
+                      <p:cNvPr id="0" name="Picture 2"/>
+                      <p:cNvPicPr/>
+                      <p:nvPr/>
+                    </p:nvPicPr>
+                    <p:blipFill>
+                      <a:blip r:embed="rId2"/>
+                      <a:stretch>
+                        <a:fillRect/>
+                      </a:stretch>
+                    </p:blipFill>
+                    <p:spPr>
+                      <a:xfrm>
+                        <a:off x="786765" y="5812155"/>
+                        <a:ext cx="448310" cy="429260"/>
+                      </a:xfrm>
+                      <a:prstGeom prst="rect">
+                        <a:avLst/>
+                      </a:prstGeom>
+                    </p:spPr>
+                  </p:pic>
+                </p:oleObj>
+              </mc:Fallback>
+            </mc:AlternateContent>
+          </a:graphicData>
+        </a:graphic>
+      </p:graphicFrame>
+      <p:sp>
+        <p:nvSpPr>
+          <p:cNvPr id="20" name="Google Shape;138;p21"/>
+          <p:cNvSpPr txBox="1"/>
+          <p:nvPr/>
+        </p:nvSpPr>
+        <p:spPr>
+          <a:xfrm>
+            <a:off x="1251585" y="5803900"/>
+            <a:ext cx="1220470" cy="445770"/>
+          </a:xfrm>
+          <a:prstGeom prst="rect">
+            <a:avLst/>
+          </a:prstGeom>
+          <a:noFill/>
+          <a:ln>
+            <a:noFill/>
+          </a:ln>
+        </p:spPr>
+        <p:txBody>
+          <a:bodyPr spcFirstLastPara="1" wrap="square" lIns="91425" tIns="91425" rIns="91425" bIns="91425" anchor="t" anchorCtr="0">
+            <a:noAutofit/>
+          </a:bodyPr>
+          <a:p>
+            <a:pPr indent="0">
+              <a:spcBef>
+                <a:spcPts val="0"/>
+              </a:spcBef>
+              <a:spcAft>
+                <a:spcPts val="0"/>
+              </a:spcAft>
+              <a:buNone/>
+            </a:pPr>
+            <a:r>
+              <a:rPr lang="en-US" altLang="ko-KR" sz="1600">
+                <a:latin typeface="맑은 고딕" panose="020B0503020000020004" charset="-127"/>
+                <a:ea typeface="맑은 고딕" panose="020B0503020000020004" charset="-127"/>
+                <a:cs typeface="맑은 고딕" panose="020B0503020000020004" charset="-127"/>
+                <a:sym typeface="맑은 고딕" panose="020B0503020000020004" charset="-127"/>
+              </a:rPr>
+              <a:t>: </a:t>
+            </a:r>
+            <a:r>
+              <a:rPr lang="ko-KR" altLang="en-US" sz="1600">
+                <a:latin typeface="맑은 고딕" panose="020B0503020000020004" charset="-127"/>
+                <a:ea typeface="맑은 고딕" panose="020B0503020000020004" charset="-127"/>
+                <a:cs typeface="맑은 고딕" panose="020B0503020000020004" charset="-127"/>
+                <a:sym typeface="맑은 고딕" panose="020B0503020000020004" charset="-127"/>
+              </a:rPr>
+              <a:t>플레이어</a:t>
+            </a:r>
+            <a:endParaRPr sz="1600">
+              <a:latin typeface="맑은 고딕" panose="020B0503020000020004" charset="-127"/>
+              <a:ea typeface="맑은 고딕" panose="020B0503020000020004" charset="-127"/>
+              <a:cs typeface="맑은 고딕" panose="020B0503020000020004" charset="-127"/>
+              <a:sym typeface="맑은 고딕" panose="020B0503020000020004" charset="-127"/>
+            </a:endParaRPr>
+          </a:p>
+          <a:p>
+            <a:pPr indent="0">
+              <a:spcBef>
+                <a:spcPts val="0"/>
+              </a:spcBef>
+              <a:spcAft>
+                <a:spcPts val="0"/>
+              </a:spcAft>
+              <a:buNone/>
+            </a:pPr>
+            <a:r>
+              <a:rPr lang="en-US" sz="1200">
+                <a:latin typeface="맑은 고딕" panose="020B0503020000020004" charset="-127"/>
+                <a:ea typeface="맑은 고딕" panose="020B0503020000020004" charset="-127"/>
+                <a:cs typeface="맑은 고딕" panose="020B0503020000020004" charset="-127"/>
+                <a:sym typeface="맑은 고딕" panose="020B0503020000020004" charset="-127"/>
+              </a:rPr>
+              <a:t> </a:t>
+            </a:r>
+            <a:endParaRPr sz="1200">
+              <a:latin typeface="맑은 고딕" panose="020B0503020000020004" charset="-127"/>
+              <a:ea typeface="맑은 고딕" panose="020B0503020000020004" charset="-127"/>
+              <a:cs typeface="맑은 고딕" panose="020B0503020000020004" charset="-127"/>
+              <a:sym typeface="맑은 고딕" panose="020B0503020000020004" charset="-127"/>
+            </a:endParaRPr>
+          </a:p>
+        </p:txBody>
+      </p:sp>
+      <p:sp>
+        <p:nvSpPr>
+          <p:cNvPr id="21" name="Google Shape;138;p21"/>
+          <p:cNvSpPr txBox="1"/>
+          <p:nvPr/>
+        </p:nvSpPr>
+        <p:spPr>
+          <a:xfrm>
+            <a:off x="2904490" y="5803900"/>
+            <a:ext cx="1656715" cy="445770"/>
+          </a:xfrm>
+          <a:prstGeom prst="rect">
+            <a:avLst/>
+          </a:prstGeom>
+          <a:noFill/>
+          <a:ln>
+            <a:noFill/>
+          </a:ln>
+        </p:spPr>
+        <p:txBody>
+          <a:bodyPr spcFirstLastPara="1" wrap="square" lIns="91425" tIns="91425" rIns="91425" bIns="91425" anchor="t" anchorCtr="0">
+            <a:noAutofit/>
+          </a:bodyPr>
+          <a:p>
+            <a:pPr indent="0">
+              <a:spcBef>
+                <a:spcPts val="0"/>
+              </a:spcBef>
+              <a:spcAft>
+                <a:spcPts val="0"/>
+              </a:spcAft>
+              <a:buNone/>
+            </a:pPr>
+            <a:r>
+              <a:rPr lang="en-US" altLang="ko-KR" sz="1600">
+                <a:latin typeface="맑은 고딕" panose="020B0503020000020004" charset="-127"/>
+                <a:ea typeface="맑은 고딕" panose="020B0503020000020004" charset="-127"/>
+                <a:cs typeface="맑은 고딕" panose="020B0503020000020004" charset="-127"/>
+                <a:sym typeface="맑은 고딕" panose="020B0503020000020004" charset="-127"/>
+              </a:rPr>
+              <a:t>: </a:t>
+            </a:r>
+            <a:r>
+              <a:rPr lang="ko-KR" altLang="en-US" sz="1600">
+                <a:latin typeface="맑은 고딕" panose="020B0503020000020004" charset="-127"/>
+                <a:ea typeface="맑은 고딕" panose="020B0503020000020004" charset="-127"/>
+                <a:cs typeface="맑은 고딕" panose="020B0503020000020004" charset="-127"/>
+                <a:sym typeface="맑은 고딕" panose="020B0503020000020004" charset="-127"/>
+              </a:rPr>
+              <a:t>비석</a:t>
+            </a:r>
+            <a:r>
+              <a:rPr lang="en-US" altLang="ko-KR" sz="1600">
+                <a:latin typeface="맑은 고딕" panose="020B0503020000020004" charset="-127"/>
+                <a:ea typeface="맑은 고딕" panose="020B0503020000020004" charset="-127"/>
+                <a:cs typeface="맑은 고딕" panose="020B0503020000020004" charset="-127"/>
+                <a:sym typeface="맑은 고딕" panose="020B0503020000020004" charset="-127"/>
+              </a:rPr>
+              <a:t> </a:t>
+            </a:r>
+            <a:r>
+              <a:rPr lang="ko-KR" altLang="en-US" sz="1600">
+                <a:latin typeface="맑은 고딕" panose="020B0503020000020004" charset="-127"/>
+                <a:ea typeface="맑은 고딕" panose="020B0503020000020004" charset="-127"/>
+                <a:cs typeface="맑은 고딕" panose="020B0503020000020004" charset="-127"/>
+                <a:sym typeface="맑은 고딕" panose="020B0503020000020004" charset="-127"/>
+              </a:rPr>
+              <a:t>오브젝트</a:t>
+            </a:r>
+            <a:endParaRPr sz="1600">
+              <a:latin typeface="맑은 고딕" panose="020B0503020000020004" charset="-127"/>
+              <a:ea typeface="맑은 고딕" panose="020B0503020000020004" charset="-127"/>
+              <a:cs typeface="맑은 고딕" panose="020B0503020000020004" charset="-127"/>
+              <a:sym typeface="맑은 고딕" panose="020B0503020000020004" charset="-127"/>
+            </a:endParaRPr>
+          </a:p>
+          <a:p>
+            <a:pPr indent="0">
+              <a:spcBef>
+                <a:spcPts val="0"/>
+              </a:spcBef>
+              <a:spcAft>
+                <a:spcPts val="0"/>
+              </a:spcAft>
+              <a:buNone/>
+            </a:pPr>
+            <a:r>
+              <a:rPr lang="en-US" sz="1200">
+                <a:latin typeface="맑은 고딕" panose="020B0503020000020004" charset="-127"/>
+                <a:ea typeface="맑은 고딕" panose="020B0503020000020004" charset="-127"/>
+                <a:cs typeface="맑은 고딕" panose="020B0503020000020004" charset="-127"/>
+                <a:sym typeface="맑은 고딕" panose="020B0503020000020004" charset="-127"/>
+              </a:rPr>
+              <a:t> </a:t>
+            </a:r>
+            <a:endParaRPr sz="1200">
+              <a:latin typeface="맑은 고딕" panose="020B0503020000020004" charset="-127"/>
+              <a:ea typeface="맑은 고딕" panose="020B0503020000020004" charset="-127"/>
+              <a:cs typeface="맑은 고딕" panose="020B0503020000020004" charset="-127"/>
+              <a:sym typeface="맑은 고딕" panose="020B0503020000020004" charset="-127"/>
+            </a:endParaRPr>
+          </a:p>
+        </p:txBody>
+      </p:sp>
+      <p:graphicFrame>
+        <p:nvGraphicFramePr>
+          <p:cNvPr id="22" name="Object 21"/>
+          <p:cNvGraphicFramePr/>
+          <p:nvPr/>
+        </p:nvGraphicFramePr>
+        <p:xfrm>
+          <a:off x="1770380" y="3002915"/>
+          <a:ext cx="361950" cy="343535"/>
+        </p:xfrm>
+        <a:graphic>
+          <a:graphicData uri="http://schemas.openxmlformats.org/presentationml/2006/ole">
+            <mc:AlternateContent xmlns:mc="http://schemas.openxmlformats.org/markup-compatibility/2006">
+              <mc:Choice xmlns:v="urn:schemas-microsoft-com:vml" Requires="v">
+                <p:oleObj spid="_x0000_s23" name="" r:id="rId3" imgW="361950" imgH="342900" progId="Paint.Picture">
+                  <p:embed/>
+                </p:oleObj>
+              </mc:Choice>
+              <mc:Fallback>
+                <p:oleObj name="" r:id="rId3" imgW="361950" imgH="342900" progId="Paint.Picture">
+                  <p:embed/>
+                  <p:pic>
+                    <p:nvPicPr>
+                      <p:cNvPr id="0" name="Picture 22"/>
+                      <p:cNvPicPr/>
+                      <p:nvPr/>
+                    </p:nvPicPr>
+                    <p:blipFill>
+                      <a:blip r:embed="rId4"/>
+                      <a:stretch>
+                        <a:fillRect/>
+                      </a:stretch>
+                    </p:blipFill>
+                    <p:spPr>
+                      <a:xfrm>
+                        <a:off x="1770380" y="3002915"/>
+                        <a:ext cx="361950" cy="343535"/>
+                      </a:xfrm>
+                      <a:prstGeom prst="rect">
+                        <a:avLst/>
+                      </a:prstGeom>
+                    </p:spPr>
+                  </p:pic>
+                </p:oleObj>
+              </mc:Fallback>
+            </mc:AlternateContent>
+          </a:graphicData>
+        </a:graphic>
+      </p:graphicFrame>
+      <p:graphicFrame>
+        <p:nvGraphicFramePr>
+          <p:cNvPr id="34" name="Object 33"/>
+          <p:cNvGraphicFramePr/>
+          <p:nvPr/>
+        </p:nvGraphicFramePr>
+        <p:xfrm>
+          <a:off x="2498090" y="5855018"/>
+          <a:ext cx="361950" cy="343535"/>
+        </p:xfrm>
+        <a:graphic>
+          <a:graphicData uri="http://schemas.openxmlformats.org/presentationml/2006/ole">
+            <mc:AlternateContent xmlns:mc="http://schemas.openxmlformats.org/markup-compatibility/2006">
+              <mc:Choice xmlns:v="urn:schemas-microsoft-com:vml" Requires="v">
+                <p:oleObj spid="_x0000_s35" name="" r:id="rId5" imgW="361950" imgH="342900" progId="Paint.Picture">
+                  <p:embed/>
+                </p:oleObj>
+              </mc:Choice>
+              <mc:Fallback>
+                <p:oleObj name="" r:id="rId5" imgW="361950" imgH="342900" progId="Paint.Picture">
+                  <p:embed/>
+                  <p:pic>
+                    <p:nvPicPr>
+                      <p:cNvPr id="0" name="Picture 24"/>
+                      <p:cNvPicPr/>
+                      <p:nvPr/>
+                    </p:nvPicPr>
+                    <p:blipFill>
+                      <a:blip r:embed="rId6"/>
+                      <a:stretch>
+                        <a:fillRect/>
+                      </a:stretch>
+                    </p:blipFill>
+                    <p:spPr>
+                      <a:xfrm>
+                        <a:off x="2498090" y="5855018"/>
+                        <a:ext cx="361950" cy="343535"/>
+                      </a:xfrm>
+                      <a:prstGeom prst="rect">
+                        <a:avLst/>
+                      </a:prstGeom>
+                    </p:spPr>
+                  </p:pic>
+                </p:oleObj>
+              </mc:Fallback>
+            </mc:AlternateContent>
+          </a:graphicData>
+        </a:graphic>
+      </p:graphicFrame>
+      <p:sp>
+        <p:nvSpPr>
+          <p:cNvPr id="36" name="Google Shape;138;p21"/>
+          <p:cNvSpPr txBox="1"/>
+          <p:nvPr/>
+        </p:nvSpPr>
+        <p:spPr>
+          <a:xfrm>
+            <a:off x="601345" y="4031615"/>
+            <a:ext cx="2698750" cy="859155"/>
+          </a:xfrm>
+          <a:prstGeom prst="rect">
+            <a:avLst/>
+          </a:prstGeom>
+          <a:noFill/>
+          <a:ln>
+            <a:noFill/>
+          </a:ln>
+        </p:spPr>
+        <p:txBody>
+          <a:bodyPr spcFirstLastPara="1" wrap="square" lIns="91425" tIns="91425" rIns="91425" bIns="91425" anchor="t" anchorCtr="0">
+            <a:noAutofit/>
+          </a:bodyPr>
+          <a:p>
+            <a:pPr indent="0">
+              <a:spcBef>
+                <a:spcPts val="0"/>
+              </a:spcBef>
+              <a:spcAft>
+                <a:spcPts val="0"/>
+              </a:spcAft>
+              <a:buNone/>
+            </a:pPr>
+            <a:r>
+              <a:rPr lang="ko-KR" altLang="en-US" sz="1200">
+                <a:latin typeface="맑은 고딕" panose="020B0503020000020004" charset="-127"/>
+                <a:ea typeface="맑은 고딕" panose="020B0503020000020004" charset="-127"/>
+                <a:cs typeface="맑은 고딕" panose="020B0503020000020004" charset="-127"/>
+                <a:sym typeface="맑은 고딕" panose="020B0503020000020004" charset="-127"/>
+              </a:rPr>
+              <a:t>닫힌</a:t>
+            </a:r>
+            <a:r>
+              <a:rPr lang="en-US" altLang="ko-KR" sz="1200">
+                <a:latin typeface="맑은 고딕" panose="020B0503020000020004" charset="-127"/>
+                <a:ea typeface="맑은 고딕" panose="020B0503020000020004" charset="-127"/>
+                <a:cs typeface="맑은 고딕" panose="020B0503020000020004" charset="-127"/>
+                <a:sym typeface="맑은 고딕" panose="020B0503020000020004" charset="-127"/>
+              </a:rPr>
+              <a:t> </a:t>
+            </a:r>
+            <a:r>
+              <a:rPr lang="ko-KR" altLang="en-US" sz="1200">
+                <a:latin typeface="맑은 고딕" panose="020B0503020000020004" charset="-127"/>
+                <a:ea typeface="맑은 고딕" panose="020B0503020000020004" charset="-127"/>
+                <a:cs typeface="맑은 고딕" panose="020B0503020000020004" charset="-127"/>
+                <a:sym typeface="맑은 고딕" panose="020B0503020000020004" charset="-127"/>
+              </a:rPr>
+              <a:t>문</a:t>
+            </a:r>
+            <a:r>
+              <a:rPr lang="en-US" altLang="ko-KR" sz="1200">
+                <a:latin typeface="맑은 고딕" panose="020B0503020000020004" charset="-127"/>
+                <a:ea typeface="맑은 고딕" panose="020B0503020000020004" charset="-127"/>
+                <a:cs typeface="맑은 고딕" panose="020B0503020000020004" charset="-127"/>
+                <a:sym typeface="맑은 고딕" panose="020B0503020000020004" charset="-127"/>
+              </a:rPr>
+              <a:t> </a:t>
+            </a:r>
+            <a:r>
+              <a:rPr lang="ko-KR" altLang="en-US" sz="1200">
+                <a:latin typeface="맑은 고딕" panose="020B0503020000020004" charset="-127"/>
+                <a:ea typeface="맑은 고딕" panose="020B0503020000020004" charset="-127"/>
+                <a:cs typeface="맑은 고딕" panose="020B0503020000020004" charset="-127"/>
+                <a:sym typeface="맑은 고딕" panose="020B0503020000020004" charset="-127"/>
+              </a:rPr>
+              <a:t>앞에</a:t>
+            </a:r>
+            <a:r>
+              <a:rPr lang="en-US" altLang="ko-KR" sz="1200">
+                <a:latin typeface="맑은 고딕" panose="020B0503020000020004" charset="-127"/>
+                <a:ea typeface="맑은 고딕" panose="020B0503020000020004" charset="-127"/>
+                <a:cs typeface="맑은 고딕" panose="020B0503020000020004" charset="-127"/>
+                <a:sym typeface="맑은 고딕" panose="020B0503020000020004" charset="-127"/>
+              </a:rPr>
+              <a:t> </a:t>
+            </a:r>
+            <a:r>
+              <a:rPr lang="ko-KR" altLang="en-US" sz="1200">
+                <a:latin typeface="맑은 고딕" panose="020B0503020000020004" charset="-127"/>
+                <a:ea typeface="맑은 고딕" panose="020B0503020000020004" charset="-127"/>
+                <a:cs typeface="맑은 고딕" panose="020B0503020000020004" charset="-127"/>
+                <a:sym typeface="맑은 고딕" panose="020B0503020000020004" charset="-127"/>
+              </a:rPr>
+              <a:t>다섯</a:t>
+            </a:r>
+            <a:r>
+              <a:rPr lang="en-US" altLang="ko-KR" sz="1200">
+                <a:latin typeface="맑은 고딕" panose="020B0503020000020004" charset="-127"/>
+                <a:ea typeface="맑은 고딕" panose="020B0503020000020004" charset="-127"/>
+                <a:cs typeface="맑은 고딕" panose="020B0503020000020004" charset="-127"/>
+                <a:sym typeface="맑은 고딕" panose="020B0503020000020004" charset="-127"/>
+              </a:rPr>
+              <a:t> </a:t>
+            </a:r>
+            <a:r>
+              <a:rPr lang="ko-KR" altLang="en-US" sz="1200">
+                <a:latin typeface="맑은 고딕" panose="020B0503020000020004" charset="-127"/>
+                <a:ea typeface="맑은 고딕" panose="020B0503020000020004" charset="-127"/>
+                <a:cs typeface="맑은 고딕" panose="020B0503020000020004" charset="-127"/>
+                <a:sym typeface="맑은 고딕" panose="020B0503020000020004" charset="-127"/>
+              </a:rPr>
+              <a:t>개의</a:t>
+            </a:r>
+            <a:r>
+              <a:rPr lang="en-US" altLang="ko-KR" sz="1200">
+                <a:latin typeface="맑은 고딕" panose="020B0503020000020004" charset="-127"/>
+                <a:ea typeface="맑은 고딕" panose="020B0503020000020004" charset="-127"/>
+                <a:cs typeface="맑은 고딕" panose="020B0503020000020004" charset="-127"/>
+                <a:sym typeface="맑은 고딕" panose="020B0503020000020004" charset="-127"/>
+              </a:rPr>
+              <a:t> </a:t>
+            </a:r>
+            <a:r>
+              <a:rPr lang="ko-KR" altLang="en-US" sz="1200">
+                <a:latin typeface="맑은 고딕" panose="020B0503020000020004" charset="-127"/>
+                <a:ea typeface="맑은 고딕" panose="020B0503020000020004" charset="-127"/>
+                <a:cs typeface="맑은 고딕" panose="020B0503020000020004" charset="-127"/>
+                <a:sym typeface="맑은 고딕" panose="020B0503020000020004" charset="-127"/>
+              </a:rPr>
+              <a:t>비석</a:t>
+            </a:r>
+            <a:r>
+              <a:rPr lang="en-US" altLang="ko-KR" sz="1200">
+                <a:latin typeface="맑은 고딕" panose="020B0503020000020004" charset="-127"/>
+                <a:ea typeface="맑은 고딕" panose="020B0503020000020004" charset="-127"/>
+                <a:cs typeface="맑은 고딕" panose="020B0503020000020004" charset="-127"/>
+                <a:sym typeface="맑은 고딕" panose="020B0503020000020004" charset="-127"/>
+              </a:rPr>
+              <a:t> </a:t>
+            </a:r>
+            <a:r>
+              <a:rPr lang="ko-KR" altLang="en-US" sz="1200">
+                <a:latin typeface="맑은 고딕" panose="020B0503020000020004" charset="-127"/>
+                <a:ea typeface="맑은 고딕" panose="020B0503020000020004" charset="-127"/>
+                <a:cs typeface="맑은 고딕" panose="020B0503020000020004" charset="-127"/>
+                <a:sym typeface="맑은 고딕" panose="020B0503020000020004" charset="-127"/>
+              </a:rPr>
+              <a:t>오브젝트가</a:t>
+            </a:r>
+            <a:r>
+              <a:rPr lang="en-US" altLang="ko-KR" sz="1200">
+                <a:latin typeface="맑은 고딕" panose="020B0503020000020004" charset="-127"/>
+                <a:ea typeface="맑은 고딕" panose="020B0503020000020004" charset="-127"/>
+                <a:cs typeface="맑은 고딕" panose="020B0503020000020004" charset="-127"/>
+                <a:sym typeface="맑은 고딕" panose="020B0503020000020004" charset="-127"/>
+              </a:rPr>
+              <a:t> </a:t>
+            </a:r>
+            <a:r>
+              <a:rPr lang="ko-KR" altLang="en-US" sz="1200">
+                <a:latin typeface="맑은 고딕" panose="020B0503020000020004" charset="-127"/>
+                <a:ea typeface="맑은 고딕" panose="020B0503020000020004" charset="-127"/>
+                <a:cs typeface="맑은 고딕" panose="020B0503020000020004" charset="-127"/>
+                <a:sym typeface="맑은 고딕" panose="020B0503020000020004" charset="-127"/>
+              </a:rPr>
+              <a:t>배치되어</a:t>
+            </a:r>
+            <a:r>
+              <a:rPr lang="en-US" altLang="ko-KR" sz="1200">
+                <a:latin typeface="맑은 고딕" panose="020B0503020000020004" charset="-127"/>
+                <a:ea typeface="맑은 고딕" panose="020B0503020000020004" charset="-127"/>
+                <a:cs typeface="맑은 고딕" panose="020B0503020000020004" charset="-127"/>
+                <a:sym typeface="맑은 고딕" panose="020B0503020000020004" charset="-127"/>
+              </a:rPr>
+              <a:t> </a:t>
+            </a:r>
+            <a:r>
+              <a:rPr lang="ko-KR" altLang="en-US" sz="1200">
+                <a:latin typeface="맑은 고딕" panose="020B0503020000020004" charset="-127"/>
+                <a:ea typeface="맑은 고딕" panose="020B0503020000020004" charset="-127"/>
+                <a:cs typeface="맑은 고딕" panose="020B0503020000020004" charset="-127"/>
+                <a:sym typeface="맑은 고딕" panose="020B0503020000020004" charset="-127"/>
+              </a:rPr>
+              <a:t>있다</a:t>
+            </a:r>
+            <a:r>
+              <a:rPr lang="en-US" altLang="ko-KR" sz="1200">
+                <a:latin typeface="맑은 고딕" panose="020B0503020000020004" charset="-127"/>
+                <a:ea typeface="맑은 고딕" panose="020B0503020000020004" charset="-127"/>
+                <a:cs typeface="맑은 고딕" panose="020B0503020000020004" charset="-127"/>
+                <a:sym typeface="맑은 고딕" panose="020B0503020000020004" charset="-127"/>
+              </a:rPr>
+              <a:t>.</a:t>
+            </a:r>
+            <a:endParaRPr lang="en-US" altLang="ko-KR" sz="1200">
+              <a:latin typeface="맑은 고딕" panose="020B0503020000020004" charset="-127"/>
+              <a:ea typeface="맑은 고딕" panose="020B0503020000020004" charset="-127"/>
+              <a:cs typeface="맑은 고딕" panose="020B0503020000020004" charset="-127"/>
+              <a:sym typeface="맑은 고딕" panose="020B0503020000020004" charset="-127"/>
+            </a:endParaRPr>
+          </a:p>
+        </p:txBody>
+      </p:sp>
+      <p:pic>
+        <p:nvPicPr>
+          <p:cNvPr id="105" name="Picture 104"/>
+          <p:cNvPicPr/>
+          <p:nvPr/>
+        </p:nvPicPr>
+        <p:blipFill>
+          <a:blip r:embed="rId7"/>
+          <a:stretch>
+            <a:fillRect/>
+          </a:stretch>
+        </p:blipFill>
+        <p:spPr>
+          <a:xfrm>
+            <a:off x="3690620" y="3288665"/>
+            <a:ext cx="558800" cy="603250"/>
+          </a:xfrm>
+          <a:prstGeom prst="rect">
+            <a:avLst/>
+          </a:prstGeom>
+          <a:noFill/>
+          <a:ln w="9525">
+            <a:noFill/>
+          </a:ln>
+        </p:spPr>
+      </p:pic>
+      <p:graphicFrame>
+        <p:nvGraphicFramePr>
+          <p:cNvPr id="37" name="Object 36"/>
+          <p:cNvGraphicFramePr/>
+          <p:nvPr/>
+        </p:nvGraphicFramePr>
+        <p:xfrm>
+          <a:off x="4732020" y="5855018"/>
+          <a:ext cx="361950" cy="343535"/>
+        </p:xfrm>
+        <a:graphic>
+          <a:graphicData uri="http://schemas.openxmlformats.org/presentationml/2006/ole">
+            <mc:AlternateContent xmlns:mc="http://schemas.openxmlformats.org/markup-compatibility/2006">
+              <mc:Choice xmlns:v="urn:schemas-microsoft-com:vml" Requires="v">
+                <p:oleObj spid="_x0000_s38" name="" r:id="rId8" imgW="361950" imgH="342900" progId="Paint.Picture">
+                  <p:embed/>
+                </p:oleObj>
+              </mc:Choice>
+              <mc:Fallback>
+                <p:oleObj name="" r:id="rId8" imgW="361950" imgH="342900" progId="Paint.Picture">
+                  <p:embed/>
+                  <p:pic>
+                    <p:nvPicPr>
+                      <p:cNvPr id="0" name="Picture 37"/>
+                      <p:cNvPicPr/>
+                      <p:nvPr/>
+                    </p:nvPicPr>
+                    <p:blipFill>
+                      <a:blip r:embed="rId9"/>
+                      <a:stretch>
+                        <a:fillRect/>
+                      </a:stretch>
+                    </p:blipFill>
+                    <p:spPr>
+                      <a:xfrm>
+                        <a:off x="4732020" y="5855018"/>
+                        <a:ext cx="361950" cy="343535"/>
+                      </a:xfrm>
+                      <a:prstGeom prst="rect">
+                        <a:avLst/>
+                      </a:prstGeom>
+                    </p:spPr>
+                  </p:pic>
+                </p:oleObj>
+              </mc:Fallback>
+            </mc:AlternateContent>
+          </a:graphicData>
+        </a:graphic>
+      </p:graphicFrame>
+      <p:sp>
+        <p:nvSpPr>
+          <p:cNvPr id="39" name="Google Shape;138;p21"/>
+          <p:cNvSpPr txBox="1"/>
+          <p:nvPr/>
+        </p:nvSpPr>
+        <p:spPr>
+          <a:xfrm>
+            <a:off x="5168900" y="5803900"/>
+            <a:ext cx="2455545" cy="445770"/>
+          </a:xfrm>
+          <a:prstGeom prst="rect">
+            <a:avLst/>
+          </a:prstGeom>
+          <a:noFill/>
+          <a:ln>
+            <a:noFill/>
+          </a:ln>
+        </p:spPr>
+        <p:txBody>
+          <a:bodyPr spcFirstLastPara="1" wrap="square" lIns="91425" tIns="91425" rIns="91425" bIns="91425" anchor="t" anchorCtr="0">
+            <a:noAutofit/>
+          </a:bodyPr>
+          <a:p>
+            <a:pPr indent="0">
+              <a:spcBef>
+                <a:spcPts val="0"/>
+              </a:spcBef>
+              <a:spcAft>
+                <a:spcPts val="0"/>
+              </a:spcAft>
+              <a:buNone/>
+            </a:pPr>
+            <a:r>
+              <a:rPr lang="en-US" altLang="ko-KR" sz="1600">
+                <a:latin typeface="맑은 고딕" panose="020B0503020000020004" charset="-127"/>
+                <a:ea typeface="맑은 고딕" panose="020B0503020000020004" charset="-127"/>
+                <a:cs typeface="맑은 고딕" panose="020B0503020000020004" charset="-127"/>
+                <a:sym typeface="맑은 고딕" panose="020B0503020000020004" charset="-127"/>
+              </a:rPr>
+              <a:t>: </a:t>
+            </a:r>
+            <a:r>
+              <a:rPr lang="ko-KR" altLang="en-US" sz="1600">
+                <a:latin typeface="맑은 고딕" panose="020B0503020000020004" charset="-127"/>
+                <a:ea typeface="맑은 고딕" panose="020B0503020000020004" charset="-127"/>
+                <a:cs typeface="맑은 고딕" panose="020B0503020000020004" charset="-127"/>
+                <a:sym typeface="맑은 고딕" panose="020B0503020000020004" charset="-127"/>
+              </a:rPr>
+              <a:t>비석</a:t>
+            </a:r>
+            <a:r>
+              <a:rPr lang="en-US" altLang="ko-KR" sz="1600">
+                <a:latin typeface="맑은 고딕" panose="020B0503020000020004" charset="-127"/>
+                <a:ea typeface="맑은 고딕" panose="020B0503020000020004" charset="-127"/>
+                <a:cs typeface="맑은 고딕" panose="020B0503020000020004" charset="-127"/>
+                <a:sym typeface="맑은 고딕" panose="020B0503020000020004" charset="-127"/>
+              </a:rPr>
+              <a:t> </a:t>
+            </a:r>
+            <a:r>
+              <a:rPr lang="ko-KR" altLang="en-US" sz="1600">
+                <a:latin typeface="맑은 고딕" panose="020B0503020000020004" charset="-127"/>
+                <a:ea typeface="맑은 고딕" panose="020B0503020000020004" charset="-127"/>
+                <a:cs typeface="맑은 고딕" panose="020B0503020000020004" charset="-127"/>
+                <a:sym typeface="맑은 고딕" panose="020B0503020000020004" charset="-127"/>
+              </a:rPr>
+              <a:t>오브젝트</a:t>
+            </a:r>
+            <a:r>
+              <a:rPr lang="en-US" altLang="ko-KR" sz="1600">
+                <a:latin typeface="맑은 고딕" panose="020B0503020000020004" charset="-127"/>
+                <a:ea typeface="맑은 고딕" panose="020B0503020000020004" charset="-127"/>
+                <a:cs typeface="맑은 고딕" panose="020B0503020000020004" charset="-127"/>
+                <a:sym typeface="맑은 고딕" panose="020B0503020000020004" charset="-127"/>
+              </a:rPr>
+              <a:t>(</a:t>
+            </a:r>
+            <a:r>
+              <a:rPr lang="ko-KR" altLang="en-US" sz="1600">
+                <a:latin typeface="맑은 고딕" panose="020B0503020000020004" charset="-127"/>
+                <a:ea typeface="맑은 고딕" panose="020B0503020000020004" charset="-127"/>
+                <a:cs typeface="맑은 고딕" panose="020B0503020000020004" charset="-127"/>
+                <a:sym typeface="맑은 고딕" panose="020B0503020000020004" charset="-127"/>
+              </a:rPr>
+              <a:t>활성화</a:t>
+            </a:r>
+            <a:r>
+              <a:rPr lang="en-US" altLang="ko-KR" sz="1600">
+                <a:latin typeface="맑은 고딕" panose="020B0503020000020004" charset="-127"/>
+                <a:ea typeface="맑은 고딕" panose="020B0503020000020004" charset="-127"/>
+                <a:cs typeface="맑은 고딕" panose="020B0503020000020004" charset="-127"/>
+                <a:sym typeface="맑은 고딕" panose="020B0503020000020004" charset="-127"/>
+              </a:rPr>
+              <a:t>)</a:t>
+            </a:r>
+            <a:endParaRPr sz="1600">
+              <a:latin typeface="맑은 고딕" panose="020B0503020000020004" charset="-127"/>
+              <a:ea typeface="맑은 고딕" panose="020B0503020000020004" charset="-127"/>
+              <a:cs typeface="맑은 고딕" panose="020B0503020000020004" charset="-127"/>
+              <a:sym typeface="맑은 고딕" panose="020B0503020000020004" charset="-127"/>
+            </a:endParaRPr>
+          </a:p>
+          <a:p>
+            <a:pPr indent="0">
+              <a:spcBef>
+                <a:spcPts val="0"/>
+              </a:spcBef>
+              <a:spcAft>
+                <a:spcPts val="0"/>
+              </a:spcAft>
+              <a:buNone/>
+            </a:pPr>
+            <a:r>
+              <a:rPr lang="en-US" sz="1200">
+                <a:latin typeface="맑은 고딕" panose="020B0503020000020004" charset="-127"/>
+                <a:ea typeface="맑은 고딕" panose="020B0503020000020004" charset="-127"/>
+                <a:cs typeface="맑은 고딕" panose="020B0503020000020004" charset="-127"/>
+                <a:sym typeface="맑은 고딕" panose="020B0503020000020004" charset="-127"/>
+              </a:rPr>
+              <a:t> </a:t>
+            </a:r>
+            <a:endParaRPr sz="1200">
+              <a:latin typeface="맑은 고딕" panose="020B0503020000020004" charset="-127"/>
+              <a:ea typeface="맑은 고딕" panose="020B0503020000020004" charset="-127"/>
+              <a:cs typeface="맑은 고딕" panose="020B0503020000020004" charset="-127"/>
+              <a:sym typeface="맑은 고딕" panose="020B0503020000020004" charset="-127"/>
+            </a:endParaRPr>
+          </a:p>
+        </p:txBody>
+      </p:sp>
+      <p:graphicFrame>
+        <p:nvGraphicFramePr>
+          <p:cNvPr id="117" name="Object 116"/>
+          <p:cNvGraphicFramePr/>
+          <p:nvPr/>
+        </p:nvGraphicFramePr>
+        <p:xfrm>
+          <a:off x="691515" y="1425575"/>
+          <a:ext cx="2456815" cy="594995"/>
+        </p:xfrm>
+        <a:graphic>
+          <a:graphicData uri="http://schemas.openxmlformats.org/presentationml/2006/ole">
+            <mc:AlternateContent xmlns:mc="http://schemas.openxmlformats.org/markup-compatibility/2006">
+              <mc:Choice xmlns:v="urn:schemas-microsoft-com:vml" Requires="v">
+                <p:oleObj spid="_x0000_s118" name="" r:id="rId10" imgW="2352675" imgH="409575" progId="Paint.Picture">
+                  <p:embed/>
+                </p:oleObj>
+              </mc:Choice>
+              <mc:Fallback>
+                <p:oleObj name="" r:id="rId10" imgW="2352675" imgH="409575" progId="Paint.Picture">
+                  <p:embed/>
+                  <p:pic>
+                    <p:nvPicPr>
+                      <p:cNvPr id="0" name="Picture 117"/>
+                      <p:cNvPicPr/>
+                      <p:nvPr/>
+                    </p:nvPicPr>
+                    <p:blipFill>
+                      <a:blip r:embed="rId11"/>
+                      <a:stretch>
+                        <a:fillRect/>
+                      </a:stretch>
+                    </p:blipFill>
+                    <p:spPr>
+                      <a:xfrm>
+                        <a:off x="691515" y="1425575"/>
+                        <a:ext cx="2456815" cy="594995"/>
+                      </a:xfrm>
+                      <a:prstGeom prst="rect">
+                        <a:avLst/>
+                      </a:prstGeom>
+                    </p:spPr>
+                  </p:pic>
+                </p:oleObj>
+              </mc:Fallback>
+            </mc:AlternateContent>
+          </a:graphicData>
+        </a:graphic>
+      </p:graphicFrame>
+      <p:graphicFrame>
+        <p:nvGraphicFramePr>
+          <p:cNvPr id="131" name="Object 130"/>
+          <p:cNvGraphicFramePr/>
+          <p:nvPr/>
+        </p:nvGraphicFramePr>
+        <p:xfrm>
+          <a:off x="7699375" y="5821680"/>
+          <a:ext cx="1267460" cy="410210"/>
+        </p:xfrm>
+        <a:graphic>
+          <a:graphicData uri="http://schemas.openxmlformats.org/presentationml/2006/ole">
+            <mc:AlternateContent xmlns:mc="http://schemas.openxmlformats.org/markup-compatibility/2006">
+              <mc:Choice xmlns:v="urn:schemas-microsoft-com:vml" Requires="v">
+                <p:oleObj spid="_x0000_s132" name="" r:id="rId12" imgW="2352675" imgH="409575" progId="Paint.Picture">
+                  <p:embed/>
+                </p:oleObj>
+              </mc:Choice>
+              <mc:Fallback>
+                <p:oleObj name="" r:id="rId12" imgW="2352675" imgH="409575" progId="Paint.Picture">
+                  <p:embed/>
+                  <p:pic>
+                    <p:nvPicPr>
+                      <p:cNvPr id="0" name="Picture 117"/>
+                      <p:cNvPicPr/>
+                      <p:nvPr/>
+                    </p:nvPicPr>
+                    <p:blipFill>
+                      <a:blip r:embed="rId11"/>
+                      <a:stretch>
+                        <a:fillRect/>
+                      </a:stretch>
+                    </p:blipFill>
+                    <p:spPr>
+                      <a:xfrm>
+                        <a:off x="7699375" y="5821680"/>
+                        <a:ext cx="1267460" cy="410210"/>
+                      </a:xfrm>
+                      <a:prstGeom prst="rect">
+                        <a:avLst/>
+                      </a:prstGeom>
+                    </p:spPr>
+                  </p:pic>
+                </p:oleObj>
+              </mc:Fallback>
+            </mc:AlternateContent>
+          </a:graphicData>
+        </a:graphic>
+      </p:graphicFrame>
+      <p:sp>
+        <p:nvSpPr>
+          <p:cNvPr id="133" name="Google Shape;138;p21"/>
+          <p:cNvSpPr txBox="1"/>
+          <p:nvPr/>
+        </p:nvSpPr>
+        <p:spPr>
+          <a:xfrm>
+            <a:off x="8966835" y="5803900"/>
+            <a:ext cx="2455545" cy="445770"/>
+          </a:xfrm>
+          <a:prstGeom prst="rect">
+            <a:avLst/>
+          </a:prstGeom>
+          <a:noFill/>
+          <a:ln>
+            <a:noFill/>
+          </a:ln>
+        </p:spPr>
+        <p:txBody>
+          <a:bodyPr spcFirstLastPara="1" wrap="square" lIns="91425" tIns="91425" rIns="91425" bIns="91425" anchor="t" anchorCtr="0">
+            <a:noAutofit/>
+          </a:bodyPr>
+          <a:p>
+            <a:pPr indent="0">
+              <a:spcBef>
+                <a:spcPts val="0"/>
+              </a:spcBef>
+              <a:spcAft>
+                <a:spcPts val="0"/>
+              </a:spcAft>
+              <a:buNone/>
+            </a:pPr>
+            <a:r>
+              <a:rPr lang="en-US" altLang="ko-KR" sz="1600">
+                <a:latin typeface="맑은 고딕" panose="020B0503020000020004" charset="-127"/>
+                <a:ea typeface="맑은 고딕" panose="020B0503020000020004" charset="-127"/>
+                <a:cs typeface="맑은 고딕" panose="020B0503020000020004" charset="-127"/>
+                <a:sym typeface="맑은 고딕" panose="020B0503020000020004" charset="-127"/>
+              </a:rPr>
+              <a:t>: </a:t>
+            </a:r>
+            <a:r>
+              <a:rPr lang="ko-KR" altLang="en-US" sz="1600">
+                <a:latin typeface="맑은 고딕" panose="020B0503020000020004" charset="-127"/>
+                <a:ea typeface="맑은 고딕" panose="020B0503020000020004" charset="-127"/>
+                <a:cs typeface="맑은 고딕" panose="020B0503020000020004" charset="-127"/>
+                <a:sym typeface="맑은 고딕" panose="020B0503020000020004" charset="-127"/>
+              </a:rPr>
+              <a:t>문</a:t>
+            </a:r>
+            <a:r>
+              <a:rPr lang="en-US" altLang="ko-KR" sz="1600">
+                <a:latin typeface="맑은 고딕" panose="020B0503020000020004" charset="-127"/>
+                <a:ea typeface="맑은 고딕" panose="020B0503020000020004" charset="-127"/>
+                <a:cs typeface="맑은 고딕" panose="020B0503020000020004" charset="-127"/>
+                <a:sym typeface="맑은 고딕" panose="020B0503020000020004" charset="-127"/>
+              </a:rPr>
+              <a:t> </a:t>
+            </a:r>
+            <a:endParaRPr sz="1600">
+              <a:latin typeface="맑은 고딕" panose="020B0503020000020004" charset="-127"/>
+              <a:ea typeface="맑은 고딕" panose="020B0503020000020004" charset="-127"/>
+              <a:cs typeface="맑은 고딕" panose="020B0503020000020004" charset="-127"/>
+              <a:sym typeface="맑은 고딕" panose="020B0503020000020004" charset="-127"/>
+            </a:endParaRPr>
+          </a:p>
+          <a:p>
+            <a:pPr indent="0">
+              <a:spcBef>
+                <a:spcPts val="0"/>
+              </a:spcBef>
+              <a:spcAft>
+                <a:spcPts val="0"/>
+              </a:spcAft>
+              <a:buNone/>
+            </a:pPr>
+            <a:r>
+              <a:rPr lang="en-US" sz="1200">
+                <a:latin typeface="맑은 고딕" panose="020B0503020000020004" charset="-127"/>
+                <a:ea typeface="맑은 고딕" panose="020B0503020000020004" charset="-127"/>
+                <a:cs typeface="맑은 고딕" panose="020B0503020000020004" charset="-127"/>
+                <a:sym typeface="맑은 고딕" panose="020B0503020000020004" charset="-127"/>
+              </a:rPr>
+              <a:t> </a:t>
+            </a:r>
+            <a:endParaRPr sz="1200">
+              <a:latin typeface="맑은 고딕" panose="020B0503020000020004" charset="-127"/>
+              <a:ea typeface="맑은 고딕" panose="020B0503020000020004" charset="-127"/>
+              <a:cs typeface="맑은 고딕" panose="020B0503020000020004" charset="-127"/>
+              <a:sym typeface="맑은 고딕" panose="020B0503020000020004" charset="-127"/>
+            </a:endParaRPr>
+          </a:p>
+        </p:txBody>
+      </p:sp>
+      <p:grpSp>
+        <p:nvGrpSpPr>
+          <p:cNvPr id="169" name="Group 168"/>
+          <p:cNvGrpSpPr/>
+          <p:nvPr/>
+        </p:nvGrpSpPr>
+        <p:grpSpPr>
+          <a:xfrm>
+            <a:off x="701040" y="2193290"/>
+            <a:ext cx="2499360" cy="337820"/>
+            <a:chOff x="1104" y="3454"/>
+            <a:chExt cx="3936" cy="532"/>
+          </a:xfrm>
+        </p:grpSpPr>
+        <p:graphicFrame>
+          <p:nvGraphicFramePr>
+            <p:cNvPr id="28" name="Object 27"/>
+            <p:cNvGraphicFramePr/>
+            <p:nvPr/>
+          </p:nvGraphicFramePr>
+          <p:xfrm>
+            <a:off x="1104" y="3454"/>
+            <a:ext cx="537" cy="532"/>
+          </p:xfrm>
+          <a:graphic>
+            <a:graphicData uri="http://schemas.openxmlformats.org/presentationml/2006/ole">
+              <mc:AlternateContent xmlns:mc="http://schemas.openxmlformats.org/markup-compatibility/2006">
+                <mc:Choice xmlns:v="urn:schemas-microsoft-com:vml" Requires="v">
+                  <p:oleObj spid="_x0000_s29" name="" r:id="rId13" imgW="361950" imgH="342900" progId="Paint.Picture">
+                    <p:embed/>
+                  </p:oleObj>
+                </mc:Choice>
+                <mc:Fallback>
+                  <p:oleObj name="" r:id="rId13" imgW="361950" imgH="342900" progId="Paint.Picture">
+                    <p:embed/>
+                    <p:pic>
+                      <p:nvPicPr>
+                        <p:cNvPr id="0" name="Picture 28"/>
+                        <p:cNvPicPr/>
+                        <p:nvPr/>
+                      </p:nvPicPr>
+                      <p:blipFill>
+                        <a:blip r:embed="rId6"/>
+                        <a:stretch>
+                          <a:fillRect/>
+                        </a:stretch>
+                      </p:blipFill>
+                      <p:spPr>
+                        <a:xfrm>
+                          <a:off x="1104" y="3454"/>
+                          <a:ext cx="537" cy="532"/>
+                        </a:xfrm>
+                        <a:prstGeom prst="rect">
+                          <a:avLst/>
+                        </a:prstGeom>
+                      </p:spPr>
+                    </p:pic>
+                  </p:oleObj>
+                </mc:Fallback>
+              </mc:AlternateContent>
+            </a:graphicData>
+          </a:graphic>
+        </p:graphicFrame>
+        <p:graphicFrame>
+          <p:nvGraphicFramePr>
+            <p:cNvPr id="161" name="Object 160"/>
+            <p:cNvGraphicFramePr/>
+            <p:nvPr/>
+          </p:nvGraphicFramePr>
+          <p:xfrm>
+            <a:off x="3654" y="3454"/>
+            <a:ext cx="537" cy="532"/>
+          </p:xfrm>
+          <a:graphic>
+            <a:graphicData uri="http://schemas.openxmlformats.org/presentationml/2006/ole">
+              <mc:AlternateContent xmlns:mc="http://schemas.openxmlformats.org/markup-compatibility/2006">
+                <mc:Choice xmlns:v="urn:schemas-microsoft-com:vml" Requires="v">
+                  <p:oleObj spid="_x0000_s162" name="" r:id="rId14" imgW="361950" imgH="342900" progId="Paint.Picture">
+                    <p:embed/>
+                  </p:oleObj>
+                </mc:Choice>
+                <mc:Fallback>
+                  <p:oleObj name="" r:id="rId14" imgW="361950" imgH="342900" progId="Paint.Picture">
+                    <p:embed/>
+                    <p:pic>
+                      <p:nvPicPr>
+                        <p:cNvPr id="0" name="Picture 28"/>
+                        <p:cNvPicPr/>
+                        <p:nvPr/>
+                      </p:nvPicPr>
+                      <p:blipFill>
+                        <a:blip r:embed="rId6"/>
+                        <a:stretch>
+                          <a:fillRect/>
+                        </a:stretch>
+                      </p:blipFill>
+                      <p:spPr>
+                        <a:xfrm>
+                          <a:off x="3654" y="3454"/>
+                          <a:ext cx="537" cy="532"/>
+                        </a:xfrm>
+                        <a:prstGeom prst="rect">
+                          <a:avLst/>
+                        </a:prstGeom>
+                      </p:spPr>
+                    </p:pic>
+                  </p:oleObj>
+                </mc:Fallback>
+              </mc:AlternateContent>
+            </a:graphicData>
+          </a:graphic>
+        </p:graphicFrame>
+        <p:graphicFrame>
+          <p:nvGraphicFramePr>
+            <p:cNvPr id="163" name="Object 162"/>
+            <p:cNvGraphicFramePr/>
+            <p:nvPr/>
+          </p:nvGraphicFramePr>
+          <p:xfrm>
+            <a:off x="4504" y="3454"/>
+            <a:ext cx="537" cy="532"/>
+          </p:xfrm>
+          <a:graphic>
+            <a:graphicData uri="http://schemas.openxmlformats.org/presentationml/2006/ole">
+              <mc:AlternateContent xmlns:mc="http://schemas.openxmlformats.org/markup-compatibility/2006">
+                <mc:Choice xmlns:v="urn:schemas-microsoft-com:vml" Requires="v">
+                  <p:oleObj spid="_x0000_s164" name="" r:id="rId15" imgW="361950" imgH="342900" progId="Paint.Picture">
+                    <p:embed/>
+                  </p:oleObj>
+                </mc:Choice>
+                <mc:Fallback>
+                  <p:oleObj name="" r:id="rId15" imgW="361950" imgH="342900" progId="Paint.Picture">
+                    <p:embed/>
+                    <p:pic>
+                      <p:nvPicPr>
+                        <p:cNvPr id="0" name="Picture 28"/>
+                        <p:cNvPicPr/>
+                        <p:nvPr/>
+                      </p:nvPicPr>
+                      <p:blipFill>
+                        <a:blip r:embed="rId6"/>
+                        <a:stretch>
+                          <a:fillRect/>
+                        </a:stretch>
+                      </p:blipFill>
+                      <p:spPr>
+                        <a:xfrm>
+                          <a:off x="4504" y="3454"/>
+                          <a:ext cx="537" cy="532"/>
+                        </a:xfrm>
+                        <a:prstGeom prst="rect">
+                          <a:avLst/>
+                        </a:prstGeom>
+                      </p:spPr>
+                    </p:pic>
+                  </p:oleObj>
+                </mc:Fallback>
+              </mc:AlternateContent>
+            </a:graphicData>
+          </a:graphic>
+        </p:graphicFrame>
+        <p:graphicFrame>
+          <p:nvGraphicFramePr>
+            <p:cNvPr id="165" name="Object 164"/>
+            <p:cNvGraphicFramePr/>
+            <p:nvPr/>
+          </p:nvGraphicFramePr>
+          <p:xfrm>
+            <a:off x="1954" y="3454"/>
+            <a:ext cx="537" cy="532"/>
+          </p:xfrm>
+          <a:graphic>
+            <a:graphicData uri="http://schemas.openxmlformats.org/presentationml/2006/ole">
+              <mc:AlternateContent xmlns:mc="http://schemas.openxmlformats.org/markup-compatibility/2006">
+                <mc:Choice xmlns:v="urn:schemas-microsoft-com:vml" Requires="v">
+                  <p:oleObj spid="_x0000_s166" name="" r:id="rId16" imgW="361950" imgH="342900" progId="Paint.Picture">
+                    <p:embed/>
+                  </p:oleObj>
+                </mc:Choice>
+                <mc:Fallback>
+                  <p:oleObj name="" r:id="rId16" imgW="361950" imgH="342900" progId="Paint.Picture">
+                    <p:embed/>
+                    <p:pic>
+                      <p:nvPicPr>
+                        <p:cNvPr id="0" name="Picture 28"/>
+                        <p:cNvPicPr/>
+                        <p:nvPr/>
+                      </p:nvPicPr>
+                      <p:blipFill>
+                        <a:blip r:embed="rId6"/>
+                        <a:stretch>
+                          <a:fillRect/>
+                        </a:stretch>
+                      </p:blipFill>
+                      <p:spPr>
+                        <a:xfrm>
+                          <a:off x="1954" y="3454"/>
+                          <a:ext cx="537" cy="532"/>
+                        </a:xfrm>
+                        <a:prstGeom prst="rect">
+                          <a:avLst/>
+                        </a:prstGeom>
+                      </p:spPr>
+                    </p:pic>
+                  </p:oleObj>
+                </mc:Fallback>
+              </mc:AlternateContent>
+            </a:graphicData>
+          </a:graphic>
+        </p:graphicFrame>
+        <p:graphicFrame>
+          <p:nvGraphicFramePr>
+            <p:cNvPr id="167" name="Object 166"/>
+            <p:cNvGraphicFramePr/>
+            <p:nvPr/>
+          </p:nvGraphicFramePr>
+          <p:xfrm>
+            <a:off x="2804" y="3454"/>
+            <a:ext cx="537" cy="532"/>
+          </p:xfrm>
+          <a:graphic>
+            <a:graphicData uri="http://schemas.openxmlformats.org/presentationml/2006/ole">
+              <mc:AlternateContent xmlns:mc="http://schemas.openxmlformats.org/markup-compatibility/2006">
+                <mc:Choice xmlns:v="urn:schemas-microsoft-com:vml" Requires="v">
+                  <p:oleObj spid="_x0000_s168" name="" r:id="rId17" imgW="361950" imgH="342900" progId="Paint.Picture">
+                    <p:embed/>
+                  </p:oleObj>
+                </mc:Choice>
+                <mc:Fallback>
+                  <p:oleObj name="" r:id="rId17" imgW="361950" imgH="342900" progId="Paint.Picture">
+                    <p:embed/>
+                    <p:pic>
+                      <p:nvPicPr>
+                        <p:cNvPr id="0" name="Picture 28"/>
+                        <p:cNvPicPr/>
+                        <p:nvPr/>
+                      </p:nvPicPr>
+                      <p:blipFill>
+                        <a:blip r:embed="rId6"/>
+                        <a:stretch>
+                          <a:fillRect/>
+                        </a:stretch>
+                      </p:blipFill>
+                      <p:spPr>
+                        <a:xfrm>
+                          <a:off x="2804" y="3454"/>
+                          <a:ext cx="537" cy="532"/>
+                        </a:xfrm>
+                        <a:prstGeom prst="rect">
+                          <a:avLst/>
+                        </a:prstGeom>
+                      </p:spPr>
+                    </p:pic>
+                  </p:oleObj>
+                </mc:Fallback>
+              </mc:AlternateContent>
+            </a:graphicData>
+          </a:graphic>
+        </p:graphicFrame>
+      </p:grpSp>
+      <p:graphicFrame>
+        <p:nvGraphicFramePr>
+          <p:cNvPr id="170" name="Object 169"/>
+          <p:cNvGraphicFramePr/>
+          <p:nvPr/>
+        </p:nvGraphicFramePr>
+        <p:xfrm>
+          <a:off x="5807710" y="3025775"/>
+          <a:ext cx="361950" cy="343535"/>
+        </p:xfrm>
+        <a:graphic>
+          <a:graphicData uri="http://schemas.openxmlformats.org/presentationml/2006/ole">
+            <mc:AlternateContent xmlns:mc="http://schemas.openxmlformats.org/markup-compatibility/2006">
+              <mc:Choice xmlns:v="urn:schemas-microsoft-com:vml" Requires="v">
+                <p:oleObj spid="_x0000_s171" name="" r:id="rId18" imgW="361950" imgH="342900" progId="Paint.Picture">
+                  <p:embed/>
+                </p:oleObj>
+              </mc:Choice>
+              <mc:Fallback>
+                <p:oleObj name="" r:id="rId18" imgW="361950" imgH="342900" progId="Paint.Picture">
+                  <p:embed/>
+                  <p:pic>
+                    <p:nvPicPr>
+                      <p:cNvPr id="0" name="Picture 22"/>
+                      <p:cNvPicPr/>
+                      <p:nvPr/>
+                    </p:nvPicPr>
+                    <p:blipFill>
+                      <a:blip r:embed="rId4"/>
+                      <a:stretch>
+                        <a:fillRect/>
+                      </a:stretch>
+                    </p:blipFill>
+                    <p:spPr>
+                      <a:xfrm>
+                        <a:off x="5807710" y="3025775"/>
+                        <a:ext cx="361950" cy="343535"/>
+                      </a:xfrm>
+                      <a:prstGeom prst="rect">
+                        <a:avLst/>
+                      </a:prstGeom>
+                    </p:spPr>
+                  </p:pic>
+                </p:oleObj>
+              </mc:Fallback>
+            </mc:AlternateContent>
+          </a:graphicData>
+        </a:graphic>
+      </p:graphicFrame>
+      <p:sp>
+        <p:nvSpPr>
+          <p:cNvPr id="172" name="Google Shape;138;p21"/>
+          <p:cNvSpPr txBox="1"/>
+          <p:nvPr/>
+        </p:nvSpPr>
+        <p:spPr>
+          <a:xfrm>
+            <a:off x="4615815" y="4031615"/>
+            <a:ext cx="2911475" cy="984885"/>
+          </a:xfrm>
+          <a:prstGeom prst="rect">
+            <a:avLst/>
+          </a:prstGeom>
+          <a:noFill/>
+          <a:ln>
+            <a:noFill/>
+          </a:ln>
+        </p:spPr>
+        <p:txBody>
+          <a:bodyPr spcFirstLastPara="1" wrap="square" lIns="91425" tIns="91425" rIns="91425" bIns="91425" anchor="t" anchorCtr="0">
+            <a:noAutofit/>
+          </a:bodyPr>
+          <a:p>
+            <a:pPr indent="0">
+              <a:spcBef>
+                <a:spcPts val="0"/>
+              </a:spcBef>
+              <a:spcAft>
+                <a:spcPts val="0"/>
+              </a:spcAft>
+              <a:buNone/>
+            </a:pPr>
+            <a:r>
+              <a:rPr lang="ko-KR" sz="1200">
+                <a:latin typeface="맑은 고딕" panose="020B0503020000020004" charset="-127"/>
+                <a:ea typeface="맑은 고딕" panose="020B0503020000020004" charset="-127"/>
+                <a:cs typeface="맑은 고딕" panose="020B0503020000020004" charset="-127"/>
+                <a:sym typeface="맑은 고딕" panose="020B0503020000020004" charset="-127"/>
+              </a:rPr>
+              <a:t>플레이어가</a:t>
+            </a:r>
+            <a:r>
+              <a:rPr lang="en-US" altLang="ko-KR" sz="1200">
+                <a:latin typeface="맑은 고딕" panose="020B0503020000020004" charset="-127"/>
+                <a:ea typeface="맑은 고딕" panose="020B0503020000020004" charset="-127"/>
+                <a:cs typeface="맑은 고딕" panose="020B0503020000020004" charset="-127"/>
+                <a:sym typeface="맑은 고딕" panose="020B0503020000020004" charset="-127"/>
+              </a:rPr>
+              <a:t> </a:t>
+            </a:r>
+            <a:r>
+              <a:rPr lang="ko-KR" altLang="en-US" sz="1200">
+                <a:latin typeface="맑은 고딕" panose="020B0503020000020004" charset="-127"/>
+                <a:ea typeface="맑은 고딕" panose="020B0503020000020004" charset="-127"/>
+                <a:cs typeface="맑은 고딕" panose="020B0503020000020004" charset="-127"/>
+                <a:sym typeface="맑은 고딕" panose="020B0503020000020004" charset="-127"/>
+              </a:rPr>
+              <a:t>무기를</a:t>
+            </a:r>
+            <a:r>
+              <a:rPr lang="en-US" altLang="ko-KR" sz="1200">
+                <a:latin typeface="맑은 고딕" panose="020B0503020000020004" charset="-127"/>
+                <a:ea typeface="맑은 고딕" panose="020B0503020000020004" charset="-127"/>
+                <a:cs typeface="맑은 고딕" panose="020B0503020000020004" charset="-127"/>
+                <a:sym typeface="맑은 고딕" panose="020B0503020000020004" charset="-127"/>
+              </a:rPr>
+              <a:t> </a:t>
+            </a:r>
+            <a:r>
+              <a:rPr lang="ko-KR" altLang="en-US" sz="1200">
+                <a:latin typeface="맑은 고딕" panose="020B0503020000020004" charset="-127"/>
+                <a:ea typeface="맑은 고딕" panose="020B0503020000020004" charset="-127"/>
+                <a:cs typeface="맑은 고딕" panose="020B0503020000020004" charset="-127"/>
+                <a:sym typeface="맑은 고딕" panose="020B0503020000020004" charset="-127"/>
+              </a:rPr>
+              <a:t>사용해</a:t>
+            </a:r>
+            <a:r>
+              <a:rPr lang="en-US" altLang="ko-KR" sz="1200">
+                <a:latin typeface="맑은 고딕" panose="020B0503020000020004" charset="-127"/>
+                <a:ea typeface="맑은 고딕" panose="020B0503020000020004" charset="-127"/>
+                <a:cs typeface="맑은 고딕" panose="020B0503020000020004" charset="-127"/>
+                <a:sym typeface="맑은 고딕" panose="020B0503020000020004" charset="-127"/>
+              </a:rPr>
+              <a:t> </a:t>
+            </a:r>
+            <a:r>
+              <a:rPr lang="ko-KR" altLang="en-US" sz="1200">
+                <a:latin typeface="맑은 고딕" panose="020B0503020000020004" charset="-127"/>
+                <a:ea typeface="맑은 고딕" panose="020B0503020000020004" charset="-127"/>
+                <a:cs typeface="맑은 고딕" panose="020B0503020000020004" charset="-127"/>
+                <a:sym typeface="맑은 고딕" panose="020B0503020000020004" charset="-127"/>
+              </a:rPr>
+              <a:t>비석을</a:t>
+            </a:r>
+            <a:r>
+              <a:rPr lang="en-US" altLang="ko-KR" sz="1200">
+                <a:latin typeface="맑은 고딕" panose="020B0503020000020004" charset="-127"/>
+                <a:ea typeface="맑은 고딕" panose="020B0503020000020004" charset="-127"/>
+                <a:cs typeface="맑은 고딕" panose="020B0503020000020004" charset="-127"/>
+                <a:sym typeface="맑은 고딕" panose="020B0503020000020004" charset="-127"/>
+              </a:rPr>
+              <a:t> </a:t>
+            </a:r>
+            <a:r>
+              <a:rPr lang="ko-KR" altLang="en-US" sz="1200">
+                <a:latin typeface="맑은 고딕" panose="020B0503020000020004" charset="-127"/>
+                <a:ea typeface="맑은 고딕" panose="020B0503020000020004" charset="-127"/>
+                <a:cs typeface="맑은 고딕" panose="020B0503020000020004" charset="-127"/>
+                <a:sym typeface="맑은 고딕" panose="020B0503020000020004" charset="-127"/>
+              </a:rPr>
+              <a:t>타격하면</a:t>
+            </a:r>
+            <a:r>
+              <a:rPr lang="en-US" altLang="ko-KR" sz="1200">
+                <a:latin typeface="맑은 고딕" panose="020B0503020000020004" charset="-127"/>
+                <a:ea typeface="맑은 고딕" panose="020B0503020000020004" charset="-127"/>
+                <a:cs typeface="맑은 고딕" panose="020B0503020000020004" charset="-127"/>
+                <a:sym typeface="맑은 고딕" panose="020B0503020000020004" charset="-127"/>
+              </a:rPr>
+              <a:t> </a:t>
+            </a:r>
+            <a:r>
+              <a:rPr lang="ko-KR" altLang="en-US" sz="1200">
+                <a:latin typeface="맑은 고딕" panose="020B0503020000020004" charset="-127"/>
+                <a:ea typeface="맑은 고딕" panose="020B0503020000020004" charset="-127"/>
+                <a:cs typeface="맑은 고딕" panose="020B0503020000020004" charset="-127"/>
+                <a:sym typeface="맑은 고딕" panose="020B0503020000020004" charset="-127"/>
+              </a:rPr>
+              <a:t>비석이</a:t>
+            </a:r>
+            <a:r>
+              <a:rPr lang="en-US" altLang="ko-KR" sz="1200">
+                <a:latin typeface="맑은 고딕" panose="020B0503020000020004" charset="-127"/>
+                <a:ea typeface="맑은 고딕" panose="020B0503020000020004" charset="-127"/>
+                <a:cs typeface="맑은 고딕" panose="020B0503020000020004" charset="-127"/>
+                <a:sym typeface="맑은 고딕" panose="020B0503020000020004" charset="-127"/>
+              </a:rPr>
+              <a:t> </a:t>
+            </a:r>
+            <a:r>
+              <a:rPr lang="ko-KR" altLang="en-US" sz="1200">
+                <a:latin typeface="맑은 고딕" panose="020B0503020000020004" charset="-127"/>
+                <a:ea typeface="맑은 고딕" panose="020B0503020000020004" charset="-127"/>
+                <a:cs typeface="맑은 고딕" panose="020B0503020000020004" charset="-127"/>
+                <a:sym typeface="맑은 고딕" panose="020B0503020000020004" charset="-127"/>
+              </a:rPr>
+              <a:t>활성화되며</a:t>
+            </a:r>
+            <a:r>
+              <a:rPr lang="en-US" altLang="ko-KR" sz="1200">
+                <a:latin typeface="맑은 고딕" panose="020B0503020000020004" charset="-127"/>
+                <a:ea typeface="맑은 고딕" panose="020B0503020000020004" charset="-127"/>
+                <a:cs typeface="맑은 고딕" panose="020B0503020000020004" charset="-127"/>
+                <a:sym typeface="맑은 고딕" panose="020B0503020000020004" charset="-127"/>
+              </a:rPr>
+              <a:t> </a:t>
+            </a:r>
+            <a:r>
+              <a:rPr lang="ko-KR" altLang="en-US" sz="1200">
+                <a:latin typeface="맑은 고딕" panose="020B0503020000020004" charset="-127"/>
+                <a:ea typeface="맑은 고딕" panose="020B0503020000020004" charset="-127"/>
+                <a:cs typeface="맑은 고딕" panose="020B0503020000020004" charset="-127"/>
+                <a:sym typeface="맑은 고딕" panose="020B0503020000020004" charset="-127"/>
+              </a:rPr>
+              <a:t>색이</a:t>
+            </a:r>
+            <a:r>
+              <a:rPr lang="en-US" altLang="ko-KR" sz="1200">
+                <a:latin typeface="맑은 고딕" panose="020B0503020000020004" charset="-127"/>
+                <a:ea typeface="맑은 고딕" panose="020B0503020000020004" charset="-127"/>
+                <a:cs typeface="맑은 고딕" panose="020B0503020000020004" charset="-127"/>
+                <a:sym typeface="맑은 고딕" panose="020B0503020000020004" charset="-127"/>
+              </a:rPr>
+              <a:t> </a:t>
+            </a:r>
+            <a:r>
+              <a:rPr lang="ko-KR" altLang="en-US" sz="1200">
+                <a:latin typeface="맑은 고딕" panose="020B0503020000020004" charset="-127"/>
+                <a:ea typeface="맑은 고딕" panose="020B0503020000020004" charset="-127"/>
+                <a:cs typeface="맑은 고딕" panose="020B0503020000020004" charset="-127"/>
+                <a:sym typeface="맑은 고딕" panose="020B0503020000020004" charset="-127"/>
+              </a:rPr>
+              <a:t>변한다</a:t>
+            </a:r>
+            <a:r>
+              <a:rPr lang="en-US" altLang="ko-KR" sz="1200">
+                <a:latin typeface="맑은 고딕" panose="020B0503020000020004" charset="-127"/>
+                <a:ea typeface="맑은 고딕" panose="020B0503020000020004" charset="-127"/>
+                <a:cs typeface="맑은 고딕" panose="020B0503020000020004" charset="-127"/>
+                <a:sym typeface="맑은 고딕" panose="020B0503020000020004" charset="-127"/>
+              </a:rPr>
+              <a:t>.</a:t>
+            </a:r>
+            <a:endParaRPr lang="en-US" altLang="ko-KR" sz="1200">
+              <a:latin typeface="맑은 고딕" panose="020B0503020000020004" charset="-127"/>
+              <a:ea typeface="맑은 고딕" panose="020B0503020000020004" charset="-127"/>
+              <a:cs typeface="맑은 고딕" panose="020B0503020000020004" charset="-127"/>
+              <a:sym typeface="맑은 고딕" panose="020B0503020000020004" charset="-127"/>
+            </a:endParaRPr>
+          </a:p>
+          <a:p>
+            <a:pPr indent="0">
+              <a:spcBef>
+                <a:spcPts val="0"/>
+              </a:spcBef>
+              <a:spcAft>
+                <a:spcPts val="0"/>
+              </a:spcAft>
+              <a:buNone/>
+            </a:pPr>
+            <a:r>
+              <a:rPr lang="ko-KR" altLang="en-US" sz="1200">
+                <a:latin typeface="맑은 고딕" panose="020B0503020000020004" charset="-127"/>
+                <a:ea typeface="맑은 고딕" panose="020B0503020000020004" charset="-127"/>
+                <a:cs typeface="맑은 고딕" panose="020B0503020000020004" charset="-127"/>
+                <a:sym typeface="맑은 고딕" panose="020B0503020000020004" charset="-127"/>
+              </a:rPr>
+              <a:t>순서에</a:t>
+            </a:r>
+            <a:r>
+              <a:rPr lang="en-US" altLang="ko-KR" sz="1200">
+                <a:latin typeface="맑은 고딕" panose="020B0503020000020004" charset="-127"/>
+                <a:ea typeface="맑은 고딕" panose="020B0503020000020004" charset="-127"/>
+                <a:cs typeface="맑은 고딕" panose="020B0503020000020004" charset="-127"/>
+                <a:sym typeface="맑은 고딕" panose="020B0503020000020004" charset="-127"/>
+              </a:rPr>
+              <a:t> </a:t>
+            </a:r>
+            <a:r>
+              <a:rPr lang="ko-KR" altLang="en-US" sz="1200">
+                <a:latin typeface="맑은 고딕" panose="020B0503020000020004" charset="-127"/>
+                <a:ea typeface="맑은 고딕" panose="020B0503020000020004" charset="-127"/>
+                <a:cs typeface="맑은 고딕" panose="020B0503020000020004" charset="-127"/>
+                <a:sym typeface="맑은 고딕" panose="020B0503020000020004" charset="-127"/>
+              </a:rPr>
+              <a:t>맞지</a:t>
+            </a:r>
+            <a:r>
+              <a:rPr lang="en-US" altLang="ko-KR" sz="1200">
+                <a:latin typeface="맑은 고딕" panose="020B0503020000020004" charset="-127"/>
+                <a:ea typeface="맑은 고딕" panose="020B0503020000020004" charset="-127"/>
+                <a:cs typeface="맑은 고딕" panose="020B0503020000020004" charset="-127"/>
+                <a:sym typeface="맑은 고딕" panose="020B0503020000020004" charset="-127"/>
+              </a:rPr>
+              <a:t> </a:t>
+            </a:r>
+            <a:r>
+              <a:rPr lang="ko-KR" altLang="en-US" sz="1200">
+                <a:latin typeface="맑은 고딕" panose="020B0503020000020004" charset="-127"/>
+                <a:ea typeface="맑은 고딕" panose="020B0503020000020004" charset="-127"/>
+                <a:cs typeface="맑은 고딕" panose="020B0503020000020004" charset="-127"/>
+                <a:sym typeface="맑은 고딕" panose="020B0503020000020004" charset="-127"/>
+              </a:rPr>
+              <a:t>않게</a:t>
+            </a:r>
+            <a:r>
+              <a:rPr lang="en-US" altLang="ko-KR" sz="1200">
+                <a:latin typeface="맑은 고딕" panose="020B0503020000020004" charset="-127"/>
+                <a:ea typeface="맑은 고딕" panose="020B0503020000020004" charset="-127"/>
+                <a:cs typeface="맑은 고딕" panose="020B0503020000020004" charset="-127"/>
+                <a:sym typeface="맑은 고딕" panose="020B0503020000020004" charset="-127"/>
+              </a:rPr>
+              <a:t> </a:t>
+            </a:r>
+            <a:r>
+              <a:rPr lang="ko-KR" altLang="en-US" sz="1200">
+                <a:latin typeface="맑은 고딕" panose="020B0503020000020004" charset="-127"/>
+                <a:ea typeface="맑은 고딕" panose="020B0503020000020004" charset="-127"/>
+                <a:cs typeface="맑은 고딕" panose="020B0503020000020004" charset="-127"/>
+                <a:sym typeface="맑은 고딕" panose="020B0503020000020004" charset="-127"/>
+              </a:rPr>
+              <a:t>타격할</a:t>
+            </a:r>
+            <a:r>
+              <a:rPr lang="en-US" altLang="ko-KR" sz="1200">
+                <a:latin typeface="맑은 고딕" panose="020B0503020000020004" charset="-127"/>
+                <a:ea typeface="맑은 고딕" panose="020B0503020000020004" charset="-127"/>
+                <a:cs typeface="맑은 고딕" panose="020B0503020000020004" charset="-127"/>
+                <a:sym typeface="맑은 고딕" panose="020B0503020000020004" charset="-127"/>
+              </a:rPr>
+              <a:t> </a:t>
+            </a:r>
+            <a:r>
+              <a:rPr lang="ko-KR" altLang="en-US" sz="1200">
+                <a:latin typeface="맑은 고딕" panose="020B0503020000020004" charset="-127"/>
+                <a:ea typeface="맑은 고딕" panose="020B0503020000020004" charset="-127"/>
+                <a:cs typeface="맑은 고딕" panose="020B0503020000020004" charset="-127"/>
+                <a:sym typeface="맑은 고딕" panose="020B0503020000020004" charset="-127"/>
+              </a:rPr>
+              <a:t>경우</a:t>
+            </a:r>
+            <a:r>
+              <a:rPr lang="en-US" altLang="ko-KR" sz="1200">
+                <a:latin typeface="맑은 고딕" panose="020B0503020000020004" charset="-127"/>
+                <a:ea typeface="맑은 고딕" panose="020B0503020000020004" charset="-127"/>
+                <a:cs typeface="맑은 고딕" panose="020B0503020000020004" charset="-127"/>
+                <a:sym typeface="맑은 고딕" panose="020B0503020000020004" charset="-127"/>
+              </a:rPr>
+              <a:t> </a:t>
+            </a:r>
+            <a:r>
+              <a:rPr lang="ko-KR" altLang="en-US" sz="1200">
+                <a:latin typeface="맑은 고딕" panose="020B0503020000020004" charset="-127"/>
+                <a:ea typeface="맑은 고딕" panose="020B0503020000020004" charset="-127"/>
+                <a:cs typeface="맑은 고딕" panose="020B0503020000020004" charset="-127"/>
+                <a:sym typeface="맑은 고딕" panose="020B0503020000020004" charset="-127"/>
+              </a:rPr>
+              <a:t>활성화되지</a:t>
+            </a:r>
+            <a:r>
+              <a:rPr lang="en-US" altLang="ko-KR" sz="1200">
+                <a:latin typeface="맑은 고딕" panose="020B0503020000020004" charset="-127"/>
+                <a:ea typeface="맑은 고딕" panose="020B0503020000020004" charset="-127"/>
+                <a:cs typeface="맑은 고딕" panose="020B0503020000020004" charset="-127"/>
+                <a:sym typeface="맑은 고딕" panose="020B0503020000020004" charset="-127"/>
+              </a:rPr>
+              <a:t> </a:t>
+            </a:r>
+            <a:r>
+              <a:rPr lang="ko-KR" altLang="en-US" sz="1200">
+                <a:latin typeface="맑은 고딕" panose="020B0503020000020004" charset="-127"/>
+                <a:ea typeface="맑은 고딕" panose="020B0503020000020004" charset="-127"/>
+                <a:cs typeface="맑은 고딕" panose="020B0503020000020004" charset="-127"/>
+                <a:sym typeface="맑은 고딕" panose="020B0503020000020004" charset="-127"/>
+              </a:rPr>
+              <a:t>않는다</a:t>
+            </a:r>
+            <a:r>
+              <a:rPr lang="en-US" altLang="ko-KR" sz="1200">
+                <a:latin typeface="맑은 고딕" panose="020B0503020000020004" charset="-127"/>
+                <a:ea typeface="맑은 고딕" panose="020B0503020000020004" charset="-127"/>
+                <a:cs typeface="맑은 고딕" panose="020B0503020000020004" charset="-127"/>
+                <a:sym typeface="맑은 고딕" panose="020B0503020000020004" charset="-127"/>
+              </a:rPr>
+              <a:t>.</a:t>
+            </a:r>
+            <a:endParaRPr lang="en-US" altLang="ko-KR" sz="1200">
+              <a:latin typeface="맑은 고딕" panose="020B0503020000020004" charset="-127"/>
+              <a:ea typeface="맑은 고딕" panose="020B0503020000020004" charset="-127"/>
+              <a:cs typeface="맑은 고딕" panose="020B0503020000020004" charset="-127"/>
+              <a:sym typeface="맑은 고딕" panose="020B0503020000020004" charset="-127"/>
+            </a:endParaRPr>
+          </a:p>
+        </p:txBody>
+      </p:sp>
+      <p:graphicFrame>
+        <p:nvGraphicFramePr>
+          <p:cNvPr id="173" name="Object 172"/>
+          <p:cNvGraphicFramePr/>
+          <p:nvPr/>
+        </p:nvGraphicFramePr>
+        <p:xfrm>
+          <a:off x="4705985" y="1425575"/>
+          <a:ext cx="2510155" cy="594995"/>
+        </p:xfrm>
+        <a:graphic>
+          <a:graphicData uri="http://schemas.openxmlformats.org/presentationml/2006/ole">
+            <mc:AlternateContent xmlns:mc="http://schemas.openxmlformats.org/markup-compatibility/2006">
+              <mc:Choice xmlns:v="urn:schemas-microsoft-com:vml" Requires="v">
+                <p:oleObj spid="_x0000_s174" name="" r:id="rId19" imgW="2352675" imgH="409575" progId="Paint.Picture">
+                  <p:embed/>
+                </p:oleObj>
+              </mc:Choice>
+              <mc:Fallback>
+                <p:oleObj name="" r:id="rId19" imgW="2352675" imgH="409575" progId="Paint.Picture">
+                  <p:embed/>
+                  <p:pic>
+                    <p:nvPicPr>
+                      <p:cNvPr id="0" name="Picture 117"/>
+                      <p:cNvPicPr/>
+                      <p:nvPr/>
+                    </p:nvPicPr>
+                    <p:blipFill>
+                      <a:blip r:embed="rId11"/>
+                      <a:stretch>
+                        <a:fillRect/>
+                      </a:stretch>
+                    </p:blipFill>
+                    <p:spPr>
+                      <a:xfrm>
+                        <a:off x="4705985" y="1425575"/>
+                        <a:ext cx="2510155" cy="594995"/>
+                      </a:xfrm>
+                      <a:prstGeom prst="rect">
+                        <a:avLst/>
+                      </a:prstGeom>
+                    </p:spPr>
+                  </p:pic>
+                </p:oleObj>
+              </mc:Fallback>
+            </mc:AlternateContent>
+          </a:graphicData>
+        </a:graphic>
+      </p:graphicFrame>
+      <p:grpSp>
+        <p:nvGrpSpPr>
+          <p:cNvPr id="175" name="Group 174"/>
+          <p:cNvGrpSpPr/>
+          <p:nvPr/>
+        </p:nvGrpSpPr>
+        <p:grpSpPr>
+          <a:xfrm>
+            <a:off x="4715510" y="2193290"/>
+            <a:ext cx="2499995" cy="337820"/>
+            <a:chOff x="1104" y="3454"/>
+            <a:chExt cx="3937" cy="532"/>
+          </a:xfrm>
+        </p:grpSpPr>
+        <p:graphicFrame>
+          <p:nvGraphicFramePr>
+            <p:cNvPr id="176" name="Object 175"/>
+            <p:cNvGraphicFramePr/>
+            <p:nvPr/>
+          </p:nvGraphicFramePr>
+          <p:xfrm>
+            <a:off x="1104" y="3454"/>
+            <a:ext cx="537" cy="532"/>
+          </p:xfrm>
+          <a:graphic>
+            <a:graphicData uri="http://schemas.openxmlformats.org/presentationml/2006/ole">
+              <mc:AlternateContent xmlns:mc="http://schemas.openxmlformats.org/markup-compatibility/2006">
+                <mc:Choice xmlns:v="urn:schemas-microsoft-com:vml" Requires="v">
+                  <p:oleObj spid="_x0000_s177" name="" r:id="rId20" imgW="361950" imgH="342900" progId="Paint.Picture">
+                    <p:embed/>
+                  </p:oleObj>
+                </mc:Choice>
+                <mc:Fallback>
+                  <p:oleObj name="" r:id="rId20" imgW="361950" imgH="342900" progId="Paint.Picture">
+                    <p:embed/>
+                    <p:pic>
+                      <p:nvPicPr>
+                        <p:cNvPr id="0" name="Picture 28"/>
+                        <p:cNvPicPr/>
+                        <p:nvPr/>
+                      </p:nvPicPr>
+                      <p:blipFill>
+                        <a:blip r:embed="rId6"/>
+                        <a:stretch>
+                          <a:fillRect/>
+                        </a:stretch>
+                      </p:blipFill>
+                      <p:spPr>
+                        <a:xfrm>
+                          <a:off x="1104" y="3454"/>
+                          <a:ext cx="537" cy="532"/>
+                        </a:xfrm>
+                        <a:prstGeom prst="rect">
+                          <a:avLst/>
+                        </a:prstGeom>
+                      </p:spPr>
+                    </p:pic>
+                  </p:oleObj>
+                </mc:Fallback>
+              </mc:AlternateContent>
+            </a:graphicData>
+          </a:graphic>
+        </p:graphicFrame>
+        <p:graphicFrame>
+          <p:nvGraphicFramePr>
+            <p:cNvPr id="178" name="Object 177"/>
+            <p:cNvGraphicFramePr/>
+            <p:nvPr/>
+          </p:nvGraphicFramePr>
+          <p:xfrm>
+            <a:off x="3654" y="3454"/>
+            <a:ext cx="537" cy="532"/>
+          </p:xfrm>
+          <a:graphic>
+            <a:graphicData uri="http://schemas.openxmlformats.org/presentationml/2006/ole">
+              <mc:AlternateContent xmlns:mc="http://schemas.openxmlformats.org/markup-compatibility/2006">
+                <mc:Choice xmlns:v="urn:schemas-microsoft-com:vml" Requires="v">
+                  <p:oleObj spid="_x0000_s179" name="" r:id="rId21" imgW="361950" imgH="342900" progId="Paint.Picture">
+                    <p:embed/>
+                  </p:oleObj>
+                </mc:Choice>
+                <mc:Fallback>
+                  <p:oleObj name="" r:id="rId21" imgW="361950" imgH="342900" progId="Paint.Picture">
+                    <p:embed/>
+                    <p:pic>
+                      <p:nvPicPr>
+                        <p:cNvPr id="0" name="Picture 28"/>
+                        <p:cNvPicPr/>
+                        <p:nvPr/>
+                      </p:nvPicPr>
+                      <p:blipFill>
+                        <a:blip r:embed="rId6"/>
+                        <a:stretch>
+                          <a:fillRect/>
+                        </a:stretch>
+                      </p:blipFill>
+                      <p:spPr>
+                        <a:xfrm>
+                          <a:off x="3654" y="3454"/>
+                          <a:ext cx="537" cy="532"/>
+                        </a:xfrm>
+                        <a:prstGeom prst="rect">
+                          <a:avLst/>
+                        </a:prstGeom>
+                      </p:spPr>
+                    </p:pic>
+                  </p:oleObj>
+                </mc:Fallback>
+              </mc:AlternateContent>
+            </a:graphicData>
+          </a:graphic>
+        </p:graphicFrame>
+        <p:graphicFrame>
+          <p:nvGraphicFramePr>
+            <p:cNvPr id="180" name="Object 179"/>
+            <p:cNvGraphicFramePr/>
+            <p:nvPr/>
+          </p:nvGraphicFramePr>
+          <p:xfrm>
+            <a:off x="4504" y="3454"/>
+            <a:ext cx="537" cy="532"/>
+          </p:xfrm>
+          <a:graphic>
+            <a:graphicData uri="http://schemas.openxmlformats.org/presentationml/2006/ole">
+              <mc:AlternateContent xmlns:mc="http://schemas.openxmlformats.org/markup-compatibility/2006">
+                <mc:Choice xmlns:v="urn:schemas-microsoft-com:vml" Requires="v">
+                  <p:oleObj spid="_x0000_s181" name="" r:id="rId22" imgW="361950" imgH="342900" progId="Paint.Picture">
+                    <p:embed/>
+                  </p:oleObj>
+                </mc:Choice>
+                <mc:Fallback>
+                  <p:oleObj name="" r:id="rId22" imgW="361950" imgH="342900" progId="Paint.Picture">
+                    <p:embed/>
+                    <p:pic>
+                      <p:nvPicPr>
+                        <p:cNvPr id="0" name="Picture 28"/>
+                        <p:cNvPicPr/>
+                        <p:nvPr/>
+                      </p:nvPicPr>
+                      <p:blipFill>
+                        <a:blip r:embed="rId6"/>
+                        <a:stretch>
+                          <a:fillRect/>
+                        </a:stretch>
+                      </p:blipFill>
+                      <p:spPr>
+                        <a:xfrm>
+                          <a:off x="4504" y="3454"/>
+                          <a:ext cx="537" cy="532"/>
+                        </a:xfrm>
+                        <a:prstGeom prst="rect">
+                          <a:avLst/>
+                        </a:prstGeom>
+                      </p:spPr>
+                    </p:pic>
+                  </p:oleObj>
+                </mc:Fallback>
+              </mc:AlternateContent>
+            </a:graphicData>
+          </a:graphic>
+        </p:graphicFrame>
+        <p:graphicFrame>
+          <p:nvGraphicFramePr>
+            <p:cNvPr id="182" name="Object 181"/>
+            <p:cNvGraphicFramePr/>
+            <p:nvPr/>
+          </p:nvGraphicFramePr>
+          <p:xfrm>
+            <a:off x="1954" y="3454"/>
+            <a:ext cx="537" cy="532"/>
+          </p:xfrm>
+          <a:graphic>
+            <a:graphicData uri="http://schemas.openxmlformats.org/presentationml/2006/ole">
+              <mc:AlternateContent xmlns:mc="http://schemas.openxmlformats.org/markup-compatibility/2006">
+                <mc:Choice xmlns:v="urn:schemas-microsoft-com:vml" Requires="v">
+                  <p:oleObj spid="_x0000_s183" name="" r:id="rId23" imgW="361950" imgH="342900" progId="Paint.Picture">
+                    <p:embed/>
+                  </p:oleObj>
+                </mc:Choice>
+                <mc:Fallback>
+                  <p:oleObj name="" r:id="rId23" imgW="361950" imgH="342900" progId="Paint.Picture">
+                    <p:embed/>
+                    <p:pic>
+                      <p:nvPicPr>
+                        <p:cNvPr id="0" name="Picture 28"/>
+                        <p:cNvPicPr/>
+                        <p:nvPr/>
+                      </p:nvPicPr>
+                      <p:blipFill>
+                        <a:blip r:embed="rId6"/>
+                        <a:stretch>
+                          <a:fillRect/>
+                        </a:stretch>
+                      </p:blipFill>
+                      <p:spPr>
+                        <a:xfrm>
+                          <a:off x="1954" y="3454"/>
+                          <a:ext cx="537" cy="532"/>
+                        </a:xfrm>
+                        <a:prstGeom prst="rect">
+                          <a:avLst/>
+                        </a:prstGeom>
+                      </p:spPr>
+                    </p:pic>
+                  </p:oleObj>
+                </mc:Fallback>
+              </mc:AlternateContent>
+            </a:graphicData>
+          </a:graphic>
+        </p:graphicFrame>
+      </p:grpSp>
+      <p:graphicFrame>
+        <p:nvGraphicFramePr>
+          <p:cNvPr id="186" name="Object 185"/>
+          <p:cNvGraphicFramePr/>
+          <p:nvPr/>
+        </p:nvGraphicFramePr>
+        <p:xfrm>
+          <a:off x="9662795" y="3152140"/>
+          <a:ext cx="361950" cy="343535"/>
+        </p:xfrm>
+        <a:graphic>
+          <a:graphicData uri="http://schemas.openxmlformats.org/presentationml/2006/ole">
+            <mc:AlternateContent xmlns:mc="http://schemas.openxmlformats.org/markup-compatibility/2006">
+              <mc:Choice xmlns:v="urn:schemas-microsoft-com:vml" Requires="v">
+                <p:oleObj spid="_x0000_s187" name="" r:id="rId24" imgW="361950" imgH="342900" progId="Paint.Picture">
+                  <p:embed/>
+                </p:oleObj>
+              </mc:Choice>
+              <mc:Fallback>
+                <p:oleObj name="" r:id="rId24" imgW="361950" imgH="342900" progId="Paint.Picture">
+                  <p:embed/>
+                  <p:pic>
+                    <p:nvPicPr>
+                      <p:cNvPr id="0" name="Picture 22"/>
+                      <p:cNvPicPr/>
+                      <p:nvPr/>
+                    </p:nvPicPr>
+                    <p:blipFill>
+                      <a:blip r:embed="rId4"/>
+                      <a:stretch>
+                        <a:fillRect/>
+                      </a:stretch>
+                    </p:blipFill>
+                    <p:spPr>
+                      <a:xfrm>
+                        <a:off x="9662795" y="3152140"/>
+                        <a:ext cx="361950" cy="343535"/>
+                      </a:xfrm>
+                      <a:prstGeom prst="rect">
+                        <a:avLst/>
+                      </a:prstGeom>
+                    </p:spPr>
+                  </p:pic>
+                </p:oleObj>
+              </mc:Fallback>
+            </mc:AlternateContent>
+          </a:graphicData>
+        </a:graphic>
+      </p:graphicFrame>
+      <p:sp>
+        <p:nvSpPr>
+          <p:cNvPr id="188" name="Google Shape;138;p21"/>
+          <p:cNvSpPr txBox="1"/>
+          <p:nvPr/>
+        </p:nvSpPr>
+        <p:spPr>
+          <a:xfrm>
+            <a:off x="8525510" y="4031615"/>
+            <a:ext cx="2897505" cy="751205"/>
+          </a:xfrm>
+          <a:prstGeom prst="rect">
+            <a:avLst/>
+          </a:prstGeom>
+          <a:noFill/>
+          <a:ln>
+            <a:noFill/>
+          </a:ln>
+        </p:spPr>
+        <p:txBody>
+          <a:bodyPr spcFirstLastPara="1" wrap="square" lIns="91425" tIns="91425" rIns="91425" bIns="91425" anchor="t" anchorCtr="0">
+            <a:noAutofit/>
+          </a:bodyPr>
+          <a:p>
+            <a:pPr indent="0">
+              <a:spcBef>
+                <a:spcPts val="0"/>
+              </a:spcBef>
+              <a:spcAft>
+                <a:spcPts val="0"/>
+              </a:spcAft>
+              <a:buNone/>
+            </a:pPr>
+            <a:r>
+              <a:rPr lang="ko-KR" altLang="en-US" sz="1200">
+                <a:latin typeface="맑은 고딕" panose="020B0503020000020004" charset="-127"/>
+                <a:ea typeface="맑은 고딕" panose="020B0503020000020004" charset="-127"/>
+                <a:cs typeface="맑은 고딕" panose="020B0503020000020004" charset="-127"/>
+                <a:sym typeface="맑은 고딕" panose="020B0503020000020004" charset="-127"/>
+              </a:rPr>
+              <a:t>비석을</a:t>
+            </a:r>
+            <a:r>
+              <a:rPr lang="en-US" altLang="ko-KR" sz="1200">
+                <a:latin typeface="맑은 고딕" panose="020B0503020000020004" charset="-127"/>
+                <a:ea typeface="맑은 고딕" panose="020B0503020000020004" charset="-127"/>
+                <a:cs typeface="맑은 고딕" panose="020B0503020000020004" charset="-127"/>
+                <a:sym typeface="맑은 고딕" panose="020B0503020000020004" charset="-127"/>
+              </a:rPr>
+              <a:t> </a:t>
+            </a:r>
+            <a:r>
+              <a:rPr lang="ko-KR" altLang="en-US" sz="1200">
+                <a:latin typeface="맑은 고딕" panose="020B0503020000020004" charset="-127"/>
+                <a:ea typeface="맑은 고딕" panose="020B0503020000020004" charset="-127"/>
+                <a:cs typeface="맑은 고딕" panose="020B0503020000020004" charset="-127"/>
+                <a:sym typeface="맑은 고딕" panose="020B0503020000020004" charset="-127"/>
+              </a:rPr>
+              <a:t>모두</a:t>
+            </a:r>
+            <a:r>
+              <a:rPr lang="en-US" altLang="ko-KR" sz="1200">
+                <a:latin typeface="맑은 고딕" panose="020B0503020000020004" charset="-127"/>
+                <a:ea typeface="맑은 고딕" panose="020B0503020000020004" charset="-127"/>
+                <a:cs typeface="맑은 고딕" panose="020B0503020000020004" charset="-127"/>
+                <a:sym typeface="맑은 고딕" panose="020B0503020000020004" charset="-127"/>
+              </a:rPr>
+              <a:t> </a:t>
+            </a:r>
+            <a:r>
+              <a:rPr lang="ko-KR" altLang="en-US" sz="1200">
+                <a:latin typeface="맑은 고딕" panose="020B0503020000020004" charset="-127"/>
+                <a:ea typeface="맑은 고딕" panose="020B0503020000020004" charset="-127"/>
+                <a:cs typeface="맑은 고딕" panose="020B0503020000020004" charset="-127"/>
+                <a:sym typeface="맑은 고딕" panose="020B0503020000020004" charset="-127"/>
+              </a:rPr>
+              <a:t>활성화하면</a:t>
+            </a:r>
+            <a:r>
+              <a:rPr lang="en-US" altLang="ko-KR" sz="1200">
+                <a:latin typeface="맑은 고딕" panose="020B0503020000020004" charset="-127"/>
+                <a:ea typeface="맑은 고딕" panose="020B0503020000020004" charset="-127"/>
+                <a:cs typeface="맑은 고딕" panose="020B0503020000020004" charset="-127"/>
+                <a:sym typeface="맑은 고딕" panose="020B0503020000020004" charset="-127"/>
+              </a:rPr>
+              <a:t> </a:t>
+            </a:r>
+            <a:r>
+              <a:rPr lang="ko-KR" altLang="en-US" sz="1200">
+                <a:latin typeface="맑은 고딕" panose="020B0503020000020004" charset="-127"/>
+                <a:ea typeface="맑은 고딕" panose="020B0503020000020004" charset="-127"/>
+                <a:cs typeface="맑은 고딕" panose="020B0503020000020004" charset="-127"/>
+                <a:sym typeface="맑은 고딕" panose="020B0503020000020004" charset="-127"/>
+              </a:rPr>
+              <a:t>문이</a:t>
+            </a:r>
+            <a:r>
+              <a:rPr lang="en-US" altLang="ko-KR" sz="1200">
+                <a:latin typeface="맑은 고딕" panose="020B0503020000020004" charset="-127"/>
+                <a:ea typeface="맑은 고딕" panose="020B0503020000020004" charset="-127"/>
+                <a:cs typeface="맑은 고딕" panose="020B0503020000020004" charset="-127"/>
+                <a:sym typeface="맑은 고딕" panose="020B0503020000020004" charset="-127"/>
+              </a:rPr>
+              <a:t> </a:t>
+            </a:r>
+            <a:r>
+              <a:rPr lang="ko-KR" altLang="en-US" sz="1200">
+                <a:latin typeface="맑은 고딕" panose="020B0503020000020004" charset="-127"/>
+                <a:ea typeface="맑은 고딕" panose="020B0503020000020004" charset="-127"/>
+                <a:cs typeface="맑은 고딕" panose="020B0503020000020004" charset="-127"/>
+                <a:sym typeface="맑은 고딕" panose="020B0503020000020004" charset="-127"/>
+              </a:rPr>
+              <a:t>열려</a:t>
+            </a:r>
+            <a:r>
+              <a:rPr lang="en-US" altLang="ko-KR" sz="1200">
+                <a:latin typeface="맑은 고딕" panose="020B0503020000020004" charset="-127"/>
+                <a:ea typeface="맑은 고딕" panose="020B0503020000020004" charset="-127"/>
+                <a:cs typeface="맑은 고딕" panose="020B0503020000020004" charset="-127"/>
+                <a:sym typeface="맑은 고딕" panose="020B0503020000020004" charset="-127"/>
+              </a:rPr>
+              <a:t> </a:t>
+            </a:r>
+            <a:r>
+              <a:rPr lang="ko-KR" altLang="en-US" sz="1200">
+                <a:latin typeface="맑은 고딕" panose="020B0503020000020004" charset="-127"/>
+                <a:ea typeface="맑은 고딕" panose="020B0503020000020004" charset="-127"/>
+                <a:cs typeface="맑은 고딕" panose="020B0503020000020004" charset="-127"/>
+                <a:sym typeface="맑은 고딕" panose="020B0503020000020004" charset="-127"/>
+              </a:rPr>
+              <a:t>다음</a:t>
+            </a:r>
+            <a:r>
+              <a:rPr lang="en-US" altLang="ko-KR" sz="1200">
+                <a:latin typeface="맑은 고딕" panose="020B0503020000020004" charset="-127"/>
+                <a:ea typeface="맑은 고딕" panose="020B0503020000020004" charset="-127"/>
+                <a:cs typeface="맑은 고딕" panose="020B0503020000020004" charset="-127"/>
+                <a:sym typeface="맑은 고딕" panose="020B0503020000020004" charset="-127"/>
+              </a:rPr>
+              <a:t> </a:t>
+            </a:r>
+            <a:r>
+              <a:rPr lang="ko-KR" altLang="en-US" sz="1200">
+                <a:latin typeface="맑은 고딕" panose="020B0503020000020004" charset="-127"/>
+                <a:ea typeface="맑은 고딕" panose="020B0503020000020004" charset="-127"/>
+                <a:cs typeface="맑은 고딕" panose="020B0503020000020004" charset="-127"/>
+                <a:sym typeface="맑은 고딕" panose="020B0503020000020004" charset="-127"/>
+              </a:rPr>
+              <a:t>스테이지로</a:t>
+            </a:r>
+            <a:r>
+              <a:rPr lang="en-US" altLang="ko-KR" sz="1200">
+                <a:latin typeface="맑은 고딕" panose="020B0503020000020004" charset="-127"/>
+                <a:ea typeface="맑은 고딕" panose="020B0503020000020004" charset="-127"/>
+                <a:cs typeface="맑은 고딕" panose="020B0503020000020004" charset="-127"/>
+                <a:sym typeface="맑은 고딕" panose="020B0503020000020004" charset="-127"/>
+              </a:rPr>
+              <a:t> </a:t>
+            </a:r>
+            <a:r>
+              <a:rPr lang="ko-KR" altLang="en-US" sz="1200">
+                <a:latin typeface="맑은 고딕" panose="020B0503020000020004" charset="-127"/>
+                <a:ea typeface="맑은 고딕" panose="020B0503020000020004" charset="-127"/>
+                <a:cs typeface="맑은 고딕" panose="020B0503020000020004" charset="-127"/>
+                <a:sym typeface="맑은 고딕" panose="020B0503020000020004" charset="-127"/>
+              </a:rPr>
+              <a:t>진입이</a:t>
+            </a:r>
+            <a:r>
+              <a:rPr lang="en-US" altLang="ko-KR" sz="1200">
+                <a:latin typeface="맑은 고딕" panose="020B0503020000020004" charset="-127"/>
+                <a:ea typeface="맑은 고딕" panose="020B0503020000020004" charset="-127"/>
+                <a:cs typeface="맑은 고딕" panose="020B0503020000020004" charset="-127"/>
+                <a:sym typeface="맑은 고딕" panose="020B0503020000020004" charset="-127"/>
+              </a:rPr>
+              <a:t> </a:t>
+            </a:r>
+            <a:r>
+              <a:rPr lang="ko-KR" altLang="en-US" sz="1200">
+                <a:latin typeface="맑은 고딕" panose="020B0503020000020004" charset="-127"/>
+                <a:ea typeface="맑은 고딕" panose="020B0503020000020004" charset="-127"/>
+                <a:cs typeface="맑은 고딕" panose="020B0503020000020004" charset="-127"/>
+                <a:sym typeface="맑은 고딕" panose="020B0503020000020004" charset="-127"/>
+              </a:rPr>
+              <a:t>가능해진다</a:t>
+            </a:r>
+            <a:r>
+              <a:rPr lang="en-US" altLang="ko-KR" sz="1200">
+                <a:latin typeface="맑은 고딕" panose="020B0503020000020004" charset="-127"/>
+                <a:ea typeface="맑은 고딕" panose="020B0503020000020004" charset="-127"/>
+                <a:cs typeface="맑은 고딕" panose="020B0503020000020004" charset="-127"/>
+                <a:sym typeface="맑은 고딕" panose="020B0503020000020004" charset="-127"/>
+              </a:rPr>
+              <a:t>.</a:t>
+            </a:r>
+            <a:endParaRPr lang="en-US" altLang="ko-KR" sz="1200">
+              <a:latin typeface="맑은 고딕" panose="020B0503020000020004" charset="-127"/>
+              <a:ea typeface="맑은 고딕" panose="020B0503020000020004" charset="-127"/>
+              <a:cs typeface="맑은 고딕" panose="020B0503020000020004" charset="-127"/>
+              <a:sym typeface="맑은 고딕" panose="020B0503020000020004" charset="-127"/>
+            </a:endParaRPr>
+          </a:p>
+        </p:txBody>
+      </p:sp>
+      <p:pic>
+        <p:nvPicPr>
+          <p:cNvPr id="202" name="Picture 201"/>
+          <p:cNvPicPr/>
+          <p:nvPr/>
+        </p:nvPicPr>
+        <p:blipFill>
+          <a:blip r:embed="rId7"/>
+          <a:stretch>
+            <a:fillRect/>
+          </a:stretch>
+        </p:blipFill>
+        <p:spPr>
+          <a:xfrm>
+            <a:off x="7940040" y="3288665"/>
+            <a:ext cx="558800" cy="603250"/>
+          </a:xfrm>
+          <a:prstGeom prst="rect">
+            <a:avLst/>
+          </a:prstGeom>
+          <a:noFill/>
+          <a:ln w="9525">
+            <a:noFill/>
+          </a:ln>
+        </p:spPr>
+      </p:pic>
+      <p:graphicFrame>
+        <p:nvGraphicFramePr>
+          <p:cNvPr id="203" name="Object 202"/>
+          <p:cNvGraphicFramePr/>
+          <p:nvPr/>
+        </p:nvGraphicFramePr>
+        <p:xfrm>
+          <a:off x="5784215" y="2192973"/>
+          <a:ext cx="361950" cy="343535"/>
+        </p:xfrm>
+        <a:graphic>
+          <a:graphicData uri="http://schemas.openxmlformats.org/presentationml/2006/ole">
+            <mc:AlternateContent xmlns:mc="http://schemas.openxmlformats.org/markup-compatibility/2006">
+              <mc:Choice xmlns:v="urn:schemas-microsoft-com:vml" Requires="v">
+                <p:oleObj spid="_x0000_s204" name="" r:id="rId25" imgW="361950" imgH="342900" progId="Paint.Picture">
+                  <p:embed/>
+                </p:oleObj>
+              </mc:Choice>
+              <mc:Fallback>
+                <p:oleObj name="" r:id="rId25" imgW="361950" imgH="342900" progId="Paint.Picture">
+                  <p:embed/>
+                  <p:pic>
+                    <p:nvPicPr>
+                      <p:cNvPr id="0" name="Picture 37"/>
+                      <p:cNvPicPr/>
+                      <p:nvPr/>
+                    </p:nvPicPr>
+                    <p:blipFill>
+                      <a:blip r:embed="rId9"/>
+                      <a:stretch>
+                        <a:fillRect/>
+                      </a:stretch>
+                    </p:blipFill>
+                    <p:spPr>
+                      <a:xfrm>
+                        <a:off x="5784215" y="2192973"/>
+                        <a:ext cx="361950" cy="343535"/>
+                      </a:xfrm>
+                      <a:prstGeom prst="rect">
+                        <a:avLst/>
+                      </a:prstGeom>
+                    </p:spPr>
+                  </p:pic>
+                </p:oleObj>
+              </mc:Fallback>
+            </mc:AlternateContent>
+          </a:graphicData>
+        </a:graphic>
+      </p:graphicFrame>
+      <p:graphicFrame>
+        <p:nvGraphicFramePr>
+          <p:cNvPr id="205" name="Object 204"/>
+          <p:cNvGraphicFramePr/>
+          <p:nvPr/>
+        </p:nvGraphicFramePr>
+        <p:xfrm>
+          <a:off x="8572500" y="1419860"/>
+          <a:ext cx="924560" cy="600710"/>
+        </p:xfrm>
+        <a:graphic>
+          <a:graphicData uri="http://schemas.openxmlformats.org/presentationml/2006/ole">
+            <mc:AlternateContent xmlns:mc="http://schemas.openxmlformats.org/markup-compatibility/2006">
+              <mc:Choice xmlns:v="urn:schemas-microsoft-com:vml" Requires="v">
+                <p:oleObj spid="_x0000_s206" name="" r:id="rId26" imgW="923925" imgH="600075" progId="Paint.Picture">
+                  <p:embed/>
+                </p:oleObj>
+              </mc:Choice>
+              <mc:Fallback>
+                <p:oleObj name="" r:id="rId26" imgW="923925" imgH="600075" progId="Paint.Picture">
+                  <p:embed/>
+                  <p:pic>
+                    <p:nvPicPr>
+                      <p:cNvPr id="0" name="Picture 205"/>
+                      <p:cNvPicPr/>
+                      <p:nvPr/>
+                    </p:nvPicPr>
+                    <p:blipFill>
+                      <a:blip r:embed="rId27"/>
+                      <a:stretch>
+                        <a:fillRect/>
+                      </a:stretch>
+                    </p:blipFill>
+                    <p:spPr>
+                      <a:xfrm>
+                        <a:off x="8572500" y="1419860"/>
+                        <a:ext cx="924560" cy="600710"/>
+                      </a:xfrm>
+                      <a:prstGeom prst="rect">
+                        <a:avLst/>
+                      </a:prstGeom>
+                    </p:spPr>
+                  </p:pic>
+                </p:oleObj>
+              </mc:Fallback>
+            </mc:AlternateContent>
+          </a:graphicData>
+        </a:graphic>
+      </p:graphicFrame>
+      <p:graphicFrame>
+        <p:nvGraphicFramePr>
+          <p:cNvPr id="209" name="Object 208"/>
+          <p:cNvGraphicFramePr/>
+          <p:nvPr/>
+        </p:nvGraphicFramePr>
+        <p:xfrm>
+          <a:off x="10259060" y="1425575"/>
+          <a:ext cx="924560" cy="600710"/>
+        </p:xfrm>
+        <a:graphic>
+          <a:graphicData uri="http://schemas.openxmlformats.org/presentationml/2006/ole">
+            <mc:AlternateContent xmlns:mc="http://schemas.openxmlformats.org/markup-compatibility/2006">
+              <mc:Choice xmlns:v="urn:schemas-microsoft-com:vml" Requires="v">
+                <p:oleObj spid="_x0000_s210" name="" r:id="rId28" imgW="923925" imgH="600075" progId="Paint.Picture">
+                  <p:embed/>
+                </p:oleObj>
+              </mc:Choice>
+              <mc:Fallback>
+                <p:oleObj name="" r:id="rId28" imgW="923925" imgH="600075" progId="Paint.Picture">
+                  <p:embed/>
+                  <p:pic>
+                    <p:nvPicPr>
+                      <p:cNvPr id="0" name="Picture 209"/>
+                      <p:cNvPicPr/>
+                      <p:nvPr/>
+                    </p:nvPicPr>
+                    <p:blipFill>
+                      <a:blip r:embed="rId27"/>
+                      <a:stretch>
+                        <a:fillRect/>
+                      </a:stretch>
+                    </p:blipFill>
+                    <p:spPr>
+                      <a:xfrm>
+                        <a:off x="10259060" y="1425575"/>
+                        <a:ext cx="924560" cy="600710"/>
+                      </a:xfrm>
+                      <a:prstGeom prst="rect">
+                        <a:avLst/>
+                      </a:prstGeom>
+                    </p:spPr>
+                  </p:pic>
+                </p:oleObj>
+              </mc:Fallback>
+            </mc:AlternateContent>
+          </a:graphicData>
+        </a:graphic>
+      </p:graphicFrame>
+      <p:graphicFrame>
+        <p:nvGraphicFramePr>
+          <p:cNvPr id="211" name="Object 210"/>
+          <p:cNvGraphicFramePr/>
+          <p:nvPr/>
+        </p:nvGraphicFramePr>
+        <p:xfrm>
+          <a:off x="8602345" y="2187258"/>
+          <a:ext cx="361950" cy="343535"/>
+        </p:xfrm>
+        <a:graphic>
+          <a:graphicData uri="http://schemas.openxmlformats.org/presentationml/2006/ole">
+            <mc:AlternateContent xmlns:mc="http://schemas.openxmlformats.org/markup-compatibility/2006">
+              <mc:Choice xmlns:v="urn:schemas-microsoft-com:vml" Requires="v">
+                <p:oleObj spid="_x0000_s212" name="" r:id="rId29" imgW="361950" imgH="342900" progId="Paint.Picture">
+                  <p:embed/>
+                </p:oleObj>
+              </mc:Choice>
+              <mc:Fallback>
+                <p:oleObj name="" r:id="rId29" imgW="361950" imgH="342900" progId="Paint.Picture">
+                  <p:embed/>
+                  <p:pic>
+                    <p:nvPicPr>
+                      <p:cNvPr id="0" name="Picture 37"/>
+                      <p:cNvPicPr/>
+                      <p:nvPr/>
+                    </p:nvPicPr>
+                    <p:blipFill>
+                      <a:blip r:embed="rId9"/>
+                      <a:stretch>
+                        <a:fillRect/>
+                      </a:stretch>
+                    </p:blipFill>
+                    <p:spPr>
+                      <a:xfrm>
+                        <a:off x="8602345" y="2187258"/>
+                        <a:ext cx="361950" cy="343535"/>
+                      </a:xfrm>
+                      <a:prstGeom prst="rect">
+                        <a:avLst/>
+                      </a:prstGeom>
+                    </p:spPr>
+                  </p:pic>
+                </p:oleObj>
+              </mc:Fallback>
+            </mc:AlternateContent>
+          </a:graphicData>
+        </a:graphic>
+      </p:graphicFrame>
+      <p:graphicFrame>
+        <p:nvGraphicFramePr>
+          <p:cNvPr id="213" name="Object 212"/>
+          <p:cNvGraphicFramePr/>
+          <p:nvPr/>
+        </p:nvGraphicFramePr>
+        <p:xfrm>
+          <a:off x="9135110" y="2192973"/>
+          <a:ext cx="361950" cy="343535"/>
+        </p:xfrm>
+        <a:graphic>
+          <a:graphicData uri="http://schemas.openxmlformats.org/presentationml/2006/ole">
+            <mc:AlternateContent xmlns:mc="http://schemas.openxmlformats.org/markup-compatibility/2006">
+              <mc:Choice xmlns:v="urn:schemas-microsoft-com:vml" Requires="v">
+                <p:oleObj spid="_x0000_s214" name="" r:id="rId30" imgW="361950" imgH="342900" progId="Paint.Picture">
+                  <p:embed/>
+                </p:oleObj>
+              </mc:Choice>
+              <mc:Fallback>
+                <p:oleObj name="" r:id="rId30" imgW="361950" imgH="342900" progId="Paint.Picture">
+                  <p:embed/>
+                  <p:pic>
+                    <p:nvPicPr>
+                      <p:cNvPr id="0" name="Picture 37"/>
+                      <p:cNvPicPr/>
+                      <p:nvPr/>
+                    </p:nvPicPr>
+                    <p:blipFill>
+                      <a:blip r:embed="rId9"/>
+                      <a:stretch>
+                        <a:fillRect/>
+                      </a:stretch>
+                    </p:blipFill>
+                    <p:spPr>
+                      <a:xfrm>
+                        <a:off x="9135110" y="2192973"/>
+                        <a:ext cx="361950" cy="343535"/>
+                      </a:xfrm>
+                      <a:prstGeom prst="rect">
+                        <a:avLst/>
+                      </a:prstGeom>
+                    </p:spPr>
+                  </p:pic>
+                </p:oleObj>
+              </mc:Fallback>
+            </mc:AlternateContent>
+          </a:graphicData>
+        </a:graphic>
+      </p:graphicFrame>
+      <p:graphicFrame>
+        <p:nvGraphicFramePr>
+          <p:cNvPr id="215" name="Object 214"/>
+          <p:cNvGraphicFramePr/>
+          <p:nvPr/>
+        </p:nvGraphicFramePr>
+        <p:xfrm>
+          <a:off x="9697085" y="2192973"/>
+          <a:ext cx="361950" cy="343535"/>
+        </p:xfrm>
+        <a:graphic>
+          <a:graphicData uri="http://schemas.openxmlformats.org/presentationml/2006/ole">
+            <mc:AlternateContent xmlns:mc="http://schemas.openxmlformats.org/markup-compatibility/2006">
+              <mc:Choice xmlns:v="urn:schemas-microsoft-com:vml" Requires="v">
+                <p:oleObj spid="_x0000_s216" name="" r:id="rId31" imgW="361950" imgH="342900" progId="Paint.Picture">
+                  <p:embed/>
+                </p:oleObj>
+              </mc:Choice>
+              <mc:Fallback>
+                <p:oleObj name="" r:id="rId31" imgW="361950" imgH="342900" progId="Paint.Picture">
+                  <p:embed/>
+                  <p:pic>
+                    <p:nvPicPr>
+                      <p:cNvPr id="0" name="Picture 37"/>
+                      <p:cNvPicPr/>
+                      <p:nvPr/>
+                    </p:nvPicPr>
+                    <p:blipFill>
+                      <a:blip r:embed="rId9"/>
+                      <a:stretch>
+                        <a:fillRect/>
+                      </a:stretch>
+                    </p:blipFill>
+                    <p:spPr>
+                      <a:xfrm>
+                        <a:off x="9697085" y="2192973"/>
+                        <a:ext cx="361950" cy="343535"/>
+                      </a:xfrm>
+                      <a:prstGeom prst="rect">
+                        <a:avLst/>
+                      </a:prstGeom>
+                    </p:spPr>
+                  </p:pic>
+                </p:oleObj>
+              </mc:Fallback>
+            </mc:AlternateContent>
+          </a:graphicData>
+        </a:graphic>
+      </p:graphicFrame>
+      <p:graphicFrame>
+        <p:nvGraphicFramePr>
+          <p:cNvPr id="217" name="Object 216"/>
+          <p:cNvGraphicFramePr/>
+          <p:nvPr/>
+        </p:nvGraphicFramePr>
+        <p:xfrm>
+          <a:off x="10259060" y="2192973"/>
+          <a:ext cx="361950" cy="343535"/>
+        </p:xfrm>
+        <a:graphic>
+          <a:graphicData uri="http://schemas.openxmlformats.org/presentationml/2006/ole">
+            <mc:AlternateContent xmlns:mc="http://schemas.openxmlformats.org/markup-compatibility/2006">
+              <mc:Choice xmlns:v="urn:schemas-microsoft-com:vml" Requires="v">
+                <p:oleObj spid="_x0000_s218" name="" r:id="rId32" imgW="361950" imgH="342900" progId="Paint.Picture">
+                  <p:embed/>
+                </p:oleObj>
+              </mc:Choice>
+              <mc:Fallback>
+                <p:oleObj name="" r:id="rId32" imgW="361950" imgH="342900" progId="Paint.Picture">
+                  <p:embed/>
+                  <p:pic>
+                    <p:nvPicPr>
+                      <p:cNvPr id="0" name="Picture 37"/>
+                      <p:cNvPicPr/>
+                      <p:nvPr/>
+                    </p:nvPicPr>
+                    <p:blipFill>
+                      <a:blip r:embed="rId9"/>
+                      <a:stretch>
+                        <a:fillRect/>
+                      </a:stretch>
+                    </p:blipFill>
+                    <p:spPr>
+                      <a:xfrm>
+                        <a:off x="10259060" y="2192973"/>
+                        <a:ext cx="361950" cy="343535"/>
+                      </a:xfrm>
+                      <a:prstGeom prst="rect">
+                        <a:avLst/>
+                      </a:prstGeom>
+                    </p:spPr>
+                  </p:pic>
+                </p:oleObj>
+              </mc:Fallback>
+            </mc:AlternateContent>
+          </a:graphicData>
+        </a:graphic>
+      </p:graphicFrame>
+      <p:graphicFrame>
+        <p:nvGraphicFramePr>
+          <p:cNvPr id="219" name="Object 218"/>
+          <p:cNvGraphicFramePr/>
+          <p:nvPr/>
+        </p:nvGraphicFramePr>
+        <p:xfrm>
+          <a:off x="10821035" y="2192973"/>
+          <a:ext cx="361950" cy="343535"/>
+        </p:xfrm>
+        <a:graphic>
+          <a:graphicData uri="http://schemas.openxmlformats.org/presentationml/2006/ole">
+            <mc:AlternateContent xmlns:mc="http://schemas.openxmlformats.org/markup-compatibility/2006">
+              <mc:Choice xmlns:v="urn:schemas-microsoft-com:vml" Requires="v">
+                <p:oleObj spid="_x0000_s220" name="" r:id="rId33" imgW="361950" imgH="342900" progId="Paint.Picture">
+                  <p:embed/>
+                </p:oleObj>
+              </mc:Choice>
+              <mc:Fallback>
+                <p:oleObj name="" r:id="rId33" imgW="361950" imgH="342900" progId="Paint.Picture">
+                  <p:embed/>
+                  <p:pic>
+                    <p:nvPicPr>
+                      <p:cNvPr id="0" name="Picture 37"/>
+                      <p:cNvPicPr/>
+                      <p:nvPr/>
+                    </p:nvPicPr>
+                    <p:blipFill>
+                      <a:blip r:embed="rId9"/>
+                      <a:stretch>
+                        <a:fillRect/>
+                      </a:stretch>
+                    </p:blipFill>
+                    <p:spPr>
+                      <a:xfrm>
+                        <a:off x="10821035" y="2192973"/>
+                        <a:ext cx="361950" cy="343535"/>
+                      </a:xfrm>
+                      <a:prstGeom prst="rect">
+                        <a:avLst/>
+                      </a:prstGeom>
+                    </p:spPr>
+                  </p:pic>
+                </p:oleObj>
+              </mc:Fallback>
+            </mc:AlternateContent>
+          </a:graphicData>
+        </a:graphic>
+      </p:graphicFrame>
+      <p:graphicFrame>
+        <p:nvGraphicFramePr>
+          <p:cNvPr id="221" name="Object 220"/>
+          <p:cNvGraphicFramePr/>
+          <p:nvPr/>
+        </p:nvGraphicFramePr>
+        <p:xfrm>
+          <a:off x="8573135" y="2187258"/>
+          <a:ext cx="361950" cy="343535"/>
+        </p:xfrm>
+        <a:graphic>
+          <a:graphicData uri="http://schemas.openxmlformats.org/presentationml/2006/ole">
+            <mc:AlternateContent xmlns:mc="http://schemas.openxmlformats.org/markup-compatibility/2006">
+              <mc:Choice xmlns:v="urn:schemas-microsoft-com:vml" Requires="v">
+                <p:oleObj spid="_x0000_s222" name="" r:id="rId34" imgW="361950" imgH="342900" progId="Paint.Picture">
+                  <p:embed/>
+                </p:oleObj>
+              </mc:Choice>
+              <mc:Fallback>
+                <p:oleObj name="" r:id="rId34" imgW="361950" imgH="342900" progId="Paint.Picture">
+                  <p:embed/>
+                  <p:pic>
+                    <p:nvPicPr>
+                      <p:cNvPr id="0" name="Picture 37"/>
+                      <p:cNvPicPr/>
+                      <p:nvPr/>
+                    </p:nvPicPr>
+                    <p:blipFill>
+                      <a:blip r:embed="rId9"/>
+                      <a:stretch>
+                        <a:fillRect/>
+                      </a:stretch>
+                    </p:blipFill>
+                    <p:spPr>
+                      <a:xfrm>
+                        <a:off x="8573135" y="2187258"/>
+                        <a:ext cx="361950" cy="343535"/>
+                      </a:xfrm>
+                      <a:prstGeom prst="rect">
+                        <a:avLst/>
+                      </a:prstGeom>
+                    </p:spPr>
+                  </p:pic>
+                </p:oleObj>
+              </mc:Fallback>
+            </mc:AlternateContent>
+          </a:graphicData>
+        </a:graphic>
+      </p:graphicFrame>
+      <p:graphicFrame>
+        <p:nvGraphicFramePr>
+          <p:cNvPr id="223" name="Object 222"/>
+          <p:cNvGraphicFramePr/>
+          <p:nvPr/>
+        </p:nvGraphicFramePr>
+        <p:xfrm>
+          <a:off x="9135110" y="2192973"/>
+          <a:ext cx="361950" cy="343535"/>
+        </p:xfrm>
+        <a:graphic>
+          <a:graphicData uri="http://schemas.openxmlformats.org/presentationml/2006/ole">
+            <mc:AlternateContent xmlns:mc="http://schemas.openxmlformats.org/markup-compatibility/2006">
+              <mc:Choice xmlns:v="urn:schemas-microsoft-com:vml" Requires="v">
+                <p:oleObj spid="_x0000_s224" name="" r:id="rId35" imgW="361950" imgH="342900" progId="Paint.Picture">
+                  <p:embed/>
+                </p:oleObj>
+              </mc:Choice>
+              <mc:Fallback>
+                <p:oleObj name="" r:id="rId35" imgW="361950" imgH="342900" progId="Paint.Picture">
+                  <p:embed/>
+                  <p:pic>
+                    <p:nvPicPr>
+                      <p:cNvPr id="0" name="Picture 37"/>
+                      <p:cNvPicPr/>
+                      <p:nvPr/>
+                    </p:nvPicPr>
+                    <p:blipFill>
+                      <a:blip r:embed="rId9"/>
+                      <a:stretch>
+                        <a:fillRect/>
+                      </a:stretch>
+                    </p:blipFill>
+                    <p:spPr>
+                      <a:xfrm>
+                        <a:off x="9135110" y="2192973"/>
+                        <a:ext cx="361950" cy="343535"/>
+                      </a:xfrm>
+                      <a:prstGeom prst="rect">
+                        <a:avLst/>
+                      </a:prstGeom>
+                    </p:spPr>
+                  </p:pic>
+                </p:oleObj>
+              </mc:Fallback>
+            </mc:AlternateContent>
+          </a:graphicData>
+        </a:graphic>
+      </p:graphicFrame>
+      <p:graphicFrame>
+        <p:nvGraphicFramePr>
+          <p:cNvPr id="227" name="Object 226"/>
+          <p:cNvGraphicFramePr/>
+          <p:nvPr/>
+        </p:nvGraphicFramePr>
+        <p:xfrm>
+          <a:off x="5596255" y="2634615"/>
+          <a:ext cx="448310" cy="361950"/>
+        </p:xfrm>
+        <a:graphic>
+          <a:graphicData uri="http://schemas.openxmlformats.org/presentationml/2006/ole">
+            <mc:AlternateContent xmlns:mc="http://schemas.openxmlformats.org/markup-compatibility/2006">
+              <mc:Choice xmlns:v="urn:schemas-microsoft-com:vml" Requires="v">
+                <p:oleObj spid="_x0000_s228" name="" r:id="rId36" imgW="447675" imgH="361950" progId="Paint.Picture">
+                  <p:embed/>
+                </p:oleObj>
+              </mc:Choice>
+              <mc:Fallback>
+                <p:oleObj name="" r:id="rId36" imgW="447675" imgH="361950" progId="Paint.Picture">
+                  <p:embed/>
+                  <p:pic>
+                    <p:nvPicPr>
+                      <p:cNvPr id="0" name="Picture 227"/>
+                      <p:cNvPicPr/>
+                      <p:nvPr/>
+                    </p:nvPicPr>
+                    <p:blipFill>
+                      <a:blip r:embed="rId37"/>
+                      <a:stretch>
+                        <a:fillRect/>
+                      </a:stretch>
+                    </p:blipFill>
+                    <p:spPr>
+                      <a:xfrm>
+                        <a:off x="5596255" y="2634615"/>
+                        <a:ext cx="448310" cy="361950"/>
+                      </a:xfrm>
+                      <a:prstGeom prst="rect">
+                        <a:avLst/>
+                      </a:prstGeom>
+                    </p:spPr>
+                  </p:pic>
+                </p:oleObj>
+              </mc:Fallback>
+            </mc:AlternateContent>
+          </a:graphicData>
+        </a:graphic>
+      </p:graphicFrame>
+      <p:sp>
+        <p:nvSpPr>
+          <p:cNvPr id="229" name="Google Shape;138;p21"/>
+          <p:cNvSpPr txBox="1"/>
+          <p:nvPr/>
+        </p:nvSpPr>
+        <p:spPr>
+          <a:xfrm>
+            <a:off x="5967730" y="2558415"/>
+            <a:ext cx="801370" cy="445770"/>
+          </a:xfrm>
+          <a:prstGeom prst="rect">
+            <a:avLst/>
+          </a:prstGeom>
+          <a:noFill/>
+          <a:ln>
+            <a:noFill/>
+          </a:ln>
+        </p:spPr>
+        <p:txBody>
+          <a:bodyPr spcFirstLastPara="1" wrap="square" lIns="91425" tIns="91425" rIns="91425" bIns="91425" anchor="t" anchorCtr="0">
+            <a:noAutofit/>
+          </a:bodyPr>
+          <a:p>
+            <a:pPr indent="0">
+              <a:spcBef>
+                <a:spcPts val="0"/>
+              </a:spcBef>
+              <a:spcAft>
+                <a:spcPts val="0"/>
+              </a:spcAft>
+              <a:buNone/>
+            </a:pPr>
+            <a:r>
+              <a:rPr lang="en-US" sz="1400">
+                <a:latin typeface="Agency FB" panose="020B0503020202020204" charset="0"/>
+                <a:ea typeface="맑은 고딕" panose="020B0503020000020004" charset="-127"/>
+                <a:cs typeface="Agency FB" panose="020B0503020202020204" charset="0"/>
+                <a:sym typeface="맑은 고딕" panose="020B0503020000020004" charset="-127"/>
+              </a:rPr>
+              <a:t>Attack!</a:t>
+            </a:r>
+            <a:endParaRPr sz="1400">
+              <a:latin typeface="Agency FB" panose="020B0503020202020204" charset="0"/>
+              <a:ea typeface="맑은 고딕" panose="020B0503020000020004" charset="-127"/>
+              <a:cs typeface="Agency FB" panose="020B0503020202020204" charset="0"/>
+              <a:sym typeface="맑은 고딕" panose="020B0503020000020004" charset="-127"/>
+            </a:endParaRPr>
+          </a:p>
+          <a:p>
+            <a:pPr indent="0">
+              <a:spcBef>
+                <a:spcPts val="0"/>
+              </a:spcBef>
+              <a:spcAft>
+                <a:spcPts val="0"/>
+              </a:spcAft>
+              <a:buNone/>
+            </a:pPr>
+            <a:r>
+              <a:rPr lang="en-US" sz="1400">
+                <a:latin typeface="Agency FB" panose="020B0503020202020204" charset="0"/>
+                <a:ea typeface="맑은 고딕" panose="020B0503020000020004" charset="-127"/>
+                <a:cs typeface="Agency FB" panose="020B0503020202020204" charset="0"/>
+                <a:sym typeface="맑은 고딕" panose="020B0503020000020004" charset="-127"/>
+              </a:rPr>
+              <a:t> </a:t>
+            </a:r>
+            <a:endParaRPr sz="1400">
+              <a:latin typeface="Agency FB" panose="020B0503020202020204" charset="0"/>
+              <a:ea typeface="맑은 고딕" panose="020B0503020000020004" charset="-127"/>
+              <a:cs typeface="Agency FB" panose="020B0503020202020204" charset="0"/>
+              <a:sym typeface="맑은 고딕" panose="020B0503020000020004" charset="-127"/>
+            </a:endParaRPr>
+          </a:p>
+        </p:txBody>
+      </p:sp>
+    </p:spTree>
+  </p:cSld>
+  <p:clrMapOvr>
+    <a:masterClrMapping/>
+  </p:clrMapOvr>
+</p:sld>
+</file>
+
+<file path=ppt/slides/slide12.xml><?xml version="1.0" encoding="utf-8"?>
+<p:sld xmlns:a="http://schemas.openxmlformats.org/drawingml/2006/main" xmlns:r="http://schemas.openxmlformats.org/officeDocument/2006/relationships" xmlns:p="http://schemas.openxmlformats.org/presentationml/2006/main">
+  <p:cSld>
+    <p:bg>
+      <p:bgPr>
+        <a:solidFill>
+          <a:srgbClr val="8BA9AB"/>
+        </a:solidFill>
+        <a:effectLst/>
+      </p:bgPr>
+    </p:bg>
+    <p:spTree>
+      <p:nvGrpSpPr>
+        <p:cNvPr id="1" name=""/>
+        <p:cNvGrpSpPr/>
+        <p:nvPr/>
+      </p:nvGrpSpPr>
+      <p:grpSpPr>
+        <a:xfrm>
+          <a:off x="0" y="0"/>
+          <a:ext cx="0" cy="0"/>
+          <a:chOff x="0" y="0"/>
+          <a:chExt cx="0" cy="0"/>
+        </a:xfrm>
+      </p:grpSpPr>
+      <p:sp>
+        <p:nvSpPr>
+          <p:cNvPr id="15" name="직사각형 14"/>
+          <p:cNvSpPr/>
+          <p:nvPr/>
+        </p:nvSpPr>
+        <p:spPr>
+          <a:xfrm>
+            <a:off x="469900" y="925976"/>
+            <a:ext cx="11226800" cy="5617119"/>
+          </a:xfrm>
+          <a:prstGeom prst="rect">
+            <a:avLst/>
+          </a:prstGeom>
+          <a:solidFill>
+            <a:schemeClr val="bg1"/>
+          </a:solidFill>
+          <a:ln w="28575">
+            <a:solidFill>
+              <a:srgbClr val="A3BCBD"/>
+            </a:solidFill>
+          </a:ln>
+        </p:spPr>
+        <p:style>
+          <a:lnRef idx="2">
+            <a:schemeClr val="accent1">
+              <a:shade val="50000"/>
+            </a:schemeClr>
+          </a:lnRef>
+          <a:fillRef idx="1">
+            <a:schemeClr val="accent1"/>
+          </a:fillRef>
+          <a:effectRef idx="0">
+            <a:schemeClr val="accent1"/>
+          </a:effectRef>
+          <a:fontRef idx="minor">
+            <a:schemeClr val="lt1"/>
+          </a:fontRef>
+        </p:style>
+        <p:txBody>
+          <a:bodyPr rtlCol="0" anchor="ctr"/>
+          <a:lstStyle/>
+          <a:p>
+            <a:pPr algn="ctr"/>
+            <a:endParaRPr lang="ko-KR" altLang="en-US"/>
+          </a:p>
+        </p:txBody>
+      </p:sp>
+      <p:sp>
+        <p:nvSpPr>
+          <p:cNvPr id="18" name="TextBox 17"/>
           <p:cNvSpPr txBox="1"/>
           <p:nvPr/>
         </p:nvSpPr>
@@ -3544,29 +7799,30 @@
               </a:rPr>
               <a:t>조작법</a:t>
             </a:r>
+            <a:endParaRPr lang="ko-KR" altLang="en-US" sz="3200" dirty="0">
+              <a:solidFill>
+                <a:schemeClr val="bg1"/>
+              </a:solidFill>
+              <a:latin typeface="여기어때 잘난체" panose="020B0600000101010101" pitchFamily="50" charset="-127"/>
+              <a:ea typeface="여기어때 잘난체" panose="020B0600000101010101" pitchFamily="50" charset="-127"/>
+            </a:endParaRPr>
           </a:p>
         </p:txBody>
       </p:sp>
       <p:pic>
         <p:nvPicPr>
-          <p:cNvPr id="1026" name="Picture 2">
-            <a:extLst>
-              <a:ext uri="{FF2B5EF4-FFF2-40B4-BE49-F238E27FC236}">
-                <a16:creationId xmlns:a16="http://schemas.microsoft.com/office/drawing/2014/main" id="{8A842A41-F646-76D6-B42E-D5DD4A884CE5}"/>
-              </a:ext>
-            </a:extLst>
-          </p:cNvPr>
+          <p:cNvPr id="1026" name="Picture 2"/>
           <p:cNvPicPr>
             <a:picLocks noChangeAspect="1" noChangeArrowheads="1"/>
           </p:cNvPicPr>
           <p:nvPr/>
         </p:nvPicPr>
         <p:blipFill rotWithShape="1">
-          <a:blip r:embed="rId2">
+          <a:blip r:embed="rId1">
             <a:extLst>
               <a:ext uri="{BEBA8EAE-BF5A-486C-A8C5-ECC9F3942E4B}">
                 <a14:imgProps xmlns:a14="http://schemas.microsoft.com/office/drawing/2010/main">
-                  <a14:imgLayer r:embed="rId3">
+                  <a14:imgLayer r:embed="rId2">
                     <a14:imgEffect>
                       <a14:backgroundRemoval t="7343" b="74126" l="0" r="97727"/>
                     </a14:imgEffect>
@@ -3579,7 +7835,9 @@
             </a:extLst>
           </a:blip>
           <a:srcRect t="27150" b="25146"/>
-          <a:stretch/>
+          <a:stretch>
+            <a:fillRect/>
+          </a:stretch>
         </p:blipFill>
         <p:spPr bwMode="auto">
           <a:xfrm>
@@ -3603,13 +7861,7 @@
       </p:pic>
       <p:sp>
         <p:nvSpPr>
-          <p:cNvPr id="3" name="사각형: 둥근 모서리 2">
-            <a:extLst>
-              <a:ext uri="{FF2B5EF4-FFF2-40B4-BE49-F238E27FC236}">
-                <a16:creationId xmlns:a16="http://schemas.microsoft.com/office/drawing/2014/main" id="{9224A4DD-1280-583F-ACEF-A0DD7BD8BAC9}"/>
-              </a:ext>
-            </a:extLst>
-          </p:cNvPr>
+          <p:cNvPr id="3" name="사각형: 둥근 모서리 2"/>
           <p:cNvSpPr/>
           <p:nvPr/>
         </p:nvSpPr>
@@ -3657,13 +7909,7 @@
       </p:sp>
       <p:sp>
         <p:nvSpPr>
-          <p:cNvPr id="4" name="사각형: 둥근 모서리 3">
-            <a:extLst>
-              <a:ext uri="{FF2B5EF4-FFF2-40B4-BE49-F238E27FC236}">
-                <a16:creationId xmlns:a16="http://schemas.microsoft.com/office/drawing/2014/main" id="{BD53039B-5DEF-2FB3-8929-0953F1F18FD4}"/>
-              </a:ext>
-            </a:extLst>
-          </p:cNvPr>
+          <p:cNvPr id="4" name="사각형: 둥근 모서리 3"/>
           <p:cNvSpPr/>
           <p:nvPr/>
         </p:nvSpPr>
@@ -3711,13 +7957,7 @@
       </p:sp>
       <p:sp>
         <p:nvSpPr>
-          <p:cNvPr id="5" name="사각형: 둥근 모서리 4">
-            <a:extLst>
-              <a:ext uri="{FF2B5EF4-FFF2-40B4-BE49-F238E27FC236}">
-                <a16:creationId xmlns:a16="http://schemas.microsoft.com/office/drawing/2014/main" id="{6E2C2755-0D45-2D38-FE89-DAAC5F47D5F1}"/>
-              </a:ext>
-            </a:extLst>
-          </p:cNvPr>
+          <p:cNvPr id="5" name="사각형: 둥근 모서리 4"/>
           <p:cNvSpPr/>
           <p:nvPr/>
         </p:nvSpPr>
@@ -3765,13 +8005,7 @@
       </p:sp>
       <p:sp>
         <p:nvSpPr>
-          <p:cNvPr id="6" name="사각형: 둥근 모서리 5">
-            <a:extLst>
-              <a:ext uri="{FF2B5EF4-FFF2-40B4-BE49-F238E27FC236}">
-                <a16:creationId xmlns:a16="http://schemas.microsoft.com/office/drawing/2014/main" id="{110F7627-F2DD-A9B1-4B98-06FEB96A05D4}"/>
-              </a:ext>
-            </a:extLst>
-          </p:cNvPr>
+          <p:cNvPr id="6" name="사각형: 둥근 모서리 5"/>
           <p:cNvSpPr/>
           <p:nvPr/>
         </p:nvSpPr>
@@ -3819,13 +8053,7 @@
       </p:sp>
       <p:sp>
         <p:nvSpPr>
-          <p:cNvPr id="7" name="사각형: 둥근 모서리 6">
-            <a:extLst>
-              <a:ext uri="{FF2B5EF4-FFF2-40B4-BE49-F238E27FC236}">
-                <a16:creationId xmlns:a16="http://schemas.microsoft.com/office/drawing/2014/main" id="{716ABDEA-8758-9AD8-A7EC-A33C863C9EB0}"/>
-              </a:ext>
-            </a:extLst>
-          </p:cNvPr>
+          <p:cNvPr id="7" name="사각형: 둥근 모서리 6"/>
           <p:cNvSpPr/>
           <p:nvPr/>
         </p:nvSpPr>
@@ -3873,13 +8101,7 @@
       </p:sp>
       <p:sp>
         <p:nvSpPr>
-          <p:cNvPr id="8" name="사각형: 둥근 모서리 7">
-            <a:extLst>
-              <a:ext uri="{FF2B5EF4-FFF2-40B4-BE49-F238E27FC236}">
-                <a16:creationId xmlns:a16="http://schemas.microsoft.com/office/drawing/2014/main" id="{5B2488FF-546C-C097-60B0-87DF72DF6912}"/>
-              </a:ext>
-            </a:extLst>
-          </p:cNvPr>
+          <p:cNvPr id="8" name="사각형: 둥근 모서리 7"/>
           <p:cNvSpPr/>
           <p:nvPr/>
         </p:nvSpPr>
@@ -3927,13 +8149,7 @@
       </p:sp>
       <p:sp>
         <p:nvSpPr>
-          <p:cNvPr id="9" name="사각형: 둥근 모서리 8">
-            <a:extLst>
-              <a:ext uri="{FF2B5EF4-FFF2-40B4-BE49-F238E27FC236}">
-                <a16:creationId xmlns:a16="http://schemas.microsoft.com/office/drawing/2014/main" id="{A930A052-3423-AE5E-7118-71C6D5FEF24A}"/>
-              </a:ext>
-            </a:extLst>
-          </p:cNvPr>
+          <p:cNvPr id="9" name="사각형: 둥근 모서리 8"/>
           <p:cNvSpPr/>
           <p:nvPr/>
         </p:nvSpPr>
@@ -3981,13 +8197,7 @@
       </p:sp>
       <p:sp>
         <p:nvSpPr>
-          <p:cNvPr id="10" name="TextBox 9">
-            <a:extLst>
-              <a:ext uri="{FF2B5EF4-FFF2-40B4-BE49-F238E27FC236}">
-                <a16:creationId xmlns:a16="http://schemas.microsoft.com/office/drawing/2014/main" id="{A923B3FC-B30A-09C9-831D-6D0A48CE15DB}"/>
-              </a:ext>
-            </a:extLst>
-          </p:cNvPr>
+          <p:cNvPr id="10" name="TextBox 9"/>
           <p:cNvSpPr txBox="1"/>
           <p:nvPr/>
         </p:nvSpPr>
@@ -4082,6 +8292,10 @@
               </a:rPr>
               <a:t>)</a:t>
             </a:r>
+            <a:endParaRPr lang="en-US" altLang="ko-KR" sz="2000" dirty="0">
+              <a:latin typeface="G마켓 산스 TTF Light" panose="02000000000000000000" pitchFamily="2" charset="-127"/>
+              <a:ea typeface="G마켓 산스 TTF Light" panose="02000000000000000000" pitchFamily="2" charset="-127"/>
+            </a:endParaRPr>
           </a:p>
           <a:p>
             <a:pPr>
@@ -4159,6 +8373,10 @@
               </a:rPr>
               <a:t>)</a:t>
             </a:r>
+            <a:endParaRPr lang="en-US" altLang="ko-KR" sz="2000" dirty="0">
+              <a:latin typeface="G마켓 산스 TTF Light" panose="02000000000000000000" pitchFamily="2" charset="-127"/>
+              <a:ea typeface="G마켓 산스 TTF Light" panose="02000000000000000000" pitchFamily="2" charset="-127"/>
+            </a:endParaRPr>
           </a:p>
           <a:p>
             <a:pPr>
@@ -4189,13 +8407,7 @@
       </p:sp>
       <p:sp>
         <p:nvSpPr>
-          <p:cNvPr id="11" name="사각형: 둥근 모서리 10">
-            <a:extLst>
-              <a:ext uri="{FF2B5EF4-FFF2-40B4-BE49-F238E27FC236}">
-                <a16:creationId xmlns:a16="http://schemas.microsoft.com/office/drawing/2014/main" id="{71CE780D-7A91-D6A2-DE6F-C04C79C6AEAA}"/>
-              </a:ext>
-            </a:extLst>
-          </p:cNvPr>
+          <p:cNvPr id="11" name="사각형: 둥근 모서리 10"/>
           <p:cNvSpPr/>
           <p:nvPr/>
         </p:nvSpPr>
@@ -4242,11 +8454,6 @@
         </p:txBody>
       </p:sp>
     </p:spTree>
-    <p:extLst>
-      <p:ext uri="{BB962C8B-B14F-4D97-AF65-F5344CB8AC3E}">
-        <p14:creationId xmlns:p14="http://schemas.microsoft.com/office/powerpoint/2010/main" val="72109856"/>
-      </p:ext>
-    </p:extLst>
   </p:cSld>
   <p:clrMapOvr>
     <a:masterClrMapping/>
@@ -4254,7 +8461,7 @@
 </p:sld>
 </file>
 
-<file path=ppt/slides/slide12.xml><?xml version="1.0" encoding="utf-8"?>
+<file path=ppt/slides/slide13.xml><?xml version="1.0" encoding="utf-8"?>
 <p:sld xmlns:a="http://schemas.openxmlformats.org/drawingml/2006/main" xmlns:r="http://schemas.openxmlformats.org/officeDocument/2006/relationships" xmlns:p="http://schemas.openxmlformats.org/presentationml/2006/main">
   <p:cSld>
     <p:bg>
@@ -4281,13 +8488,7 @@
       </p:grpSpPr>
       <p:sp>
         <p:nvSpPr>
-          <p:cNvPr id="15" name="직사각형 14">
-            <a:extLst>
-              <a:ext uri="{FF2B5EF4-FFF2-40B4-BE49-F238E27FC236}">
-                <a16:creationId xmlns:a16="http://schemas.microsoft.com/office/drawing/2014/main" id="{8A47EC21-B0E7-41E9-A316-8791FAADD044}"/>
-              </a:ext>
-            </a:extLst>
-          </p:cNvPr>
+          <p:cNvPr id="15" name="직사각형 14"/>
           <p:cNvSpPr/>
           <p:nvPr/>
         </p:nvSpPr>
@@ -4333,13 +8534,7 @@
       </p:sp>
       <p:sp>
         <p:nvSpPr>
-          <p:cNvPr id="2" name="TextBox 1">
-            <a:extLst>
-              <a:ext uri="{FF2B5EF4-FFF2-40B4-BE49-F238E27FC236}">
-                <a16:creationId xmlns:a16="http://schemas.microsoft.com/office/drawing/2014/main" id="{7B1D606B-08B1-EDFE-5BB3-54A81FA56665}"/>
-              </a:ext>
-            </a:extLst>
-          </p:cNvPr>
+          <p:cNvPr id="2" name="TextBox 1"/>
           <p:cNvSpPr txBox="1"/>
           <p:nvPr/>
         </p:nvSpPr>
@@ -4395,11 +8590,6 @@
         </p:txBody>
       </p:sp>
     </p:spTree>
-    <p:extLst>
-      <p:ext uri="{BB962C8B-B14F-4D97-AF65-F5344CB8AC3E}">
-        <p14:creationId xmlns:p14="http://schemas.microsoft.com/office/powerpoint/2010/main" val="3064633398"/>
-      </p:ext>
-    </p:extLst>
   </p:cSld>
   <p:clrMapOvr>
     <a:masterClrMapping/>
@@ -4407,7 +8597,7 @@
 </p:sld>
 </file>
 
-<file path=ppt/slides/slide13.xml><?xml version="1.0" encoding="utf-8"?>
+<file path=ppt/slides/slide14.xml><?xml version="1.0" encoding="utf-8"?>
 <p:sld xmlns:a="http://schemas.openxmlformats.org/drawingml/2006/main" xmlns:r="http://schemas.openxmlformats.org/officeDocument/2006/relationships" xmlns:p="http://schemas.openxmlformats.org/presentationml/2006/main">
   <p:cSld>
     <p:bg>
@@ -4434,13 +8624,7 @@
       </p:grpSpPr>
       <p:sp>
         <p:nvSpPr>
-          <p:cNvPr id="15" name="직사각형 14">
-            <a:extLst>
-              <a:ext uri="{FF2B5EF4-FFF2-40B4-BE49-F238E27FC236}">
-                <a16:creationId xmlns:a16="http://schemas.microsoft.com/office/drawing/2014/main" id="{8A47EC21-B0E7-41E9-A316-8791FAADD044}"/>
-              </a:ext>
-            </a:extLst>
-          </p:cNvPr>
+          <p:cNvPr id="15" name="직사각형 14"/>
           <p:cNvSpPr/>
           <p:nvPr/>
         </p:nvSpPr>
@@ -4486,13 +8670,7 @@
       </p:sp>
       <p:sp>
         <p:nvSpPr>
-          <p:cNvPr id="18" name="TextBox 17">
-            <a:extLst>
-              <a:ext uri="{FF2B5EF4-FFF2-40B4-BE49-F238E27FC236}">
-                <a16:creationId xmlns:a16="http://schemas.microsoft.com/office/drawing/2014/main" id="{BC6B889D-6283-4B7F-8672-D8F2209C56F5}"/>
-              </a:ext>
-            </a:extLst>
-          </p:cNvPr>
+          <p:cNvPr id="18" name="TextBox 17"/>
           <p:cNvSpPr txBox="1"/>
           <p:nvPr/>
         </p:nvSpPr>
@@ -4532,18 +8710,19 @@
               </a:rPr>
               <a:t>개발 환경</a:t>
             </a:r>
-          </a:p>
-        </p:txBody>
-      </p:sp>
-      <p:sp>
-        <p:nvSpPr>
-          <p:cNvPr id="4" name="사각형: 둥근 모서리 3">
-            <a:extLst>
-              <a:ext uri="{FF2B5EF4-FFF2-40B4-BE49-F238E27FC236}">
-                <a16:creationId xmlns:a16="http://schemas.microsoft.com/office/drawing/2014/main" id="{85325A8B-CBDF-BB16-0A30-9A48FD39CB0E}"/>
-              </a:ext>
-            </a:extLst>
-          </p:cNvPr>
+            <a:endParaRPr lang="ko-KR" altLang="en-US" sz="3200" dirty="0">
+              <a:solidFill>
+                <a:srgbClr val="8BA9AB"/>
+              </a:solidFill>
+              <a:latin typeface="여기어때 잘난체" panose="020B0600000101010101" pitchFamily="50" charset="-127"/>
+              <a:ea typeface="여기어때 잘난체" panose="020B0600000101010101" pitchFamily="50" charset="-127"/>
+            </a:endParaRPr>
+          </a:p>
+        </p:txBody>
+      </p:sp>
+      <p:sp>
+        <p:nvSpPr>
+          <p:cNvPr id="4" name="사각형: 둥근 모서리 3"/>
           <p:cNvSpPr/>
           <p:nvPr/>
         </p:nvSpPr>
@@ -4589,24 +8768,18 @@
       </p:sp>
       <p:pic>
         <p:nvPicPr>
-          <p:cNvPr id="1030" name="Picture 6" descr="It’s finally here. Bicep is in Visual Studio!">
-            <a:extLst>
-              <a:ext uri="{FF2B5EF4-FFF2-40B4-BE49-F238E27FC236}">
-                <a16:creationId xmlns:a16="http://schemas.microsoft.com/office/drawing/2014/main" id="{459F292C-C88B-3A3E-68C1-8BF873151D30}"/>
-              </a:ext>
-            </a:extLst>
-          </p:cNvPr>
+          <p:cNvPr id="1030" name="Picture 6" descr="It’s finally here. Bicep is in Visual Studio!"/>
           <p:cNvPicPr>
             <a:picLocks noChangeAspect="1" noChangeArrowheads="1"/>
           </p:cNvPicPr>
           <p:nvPr/>
         </p:nvPicPr>
         <p:blipFill rotWithShape="1">
-          <a:blip r:embed="rId2">
+          <a:blip r:embed="rId1">
             <a:extLst>
               <a:ext uri="{BEBA8EAE-BF5A-486C-A8C5-ECC9F3942E4B}">
                 <a14:imgProps xmlns:a14="http://schemas.microsoft.com/office/drawing/2010/main">
-                  <a14:imgLayer r:embed="rId3">
+                  <a14:imgLayer r:embed="rId2">
                     <a14:imgEffect>
                       <a14:backgroundRemoval t="17429" b="83714" l="27679" r="73750"/>
                     </a14:imgEffect>
@@ -4619,7 +8792,9 @@
             </a:extLst>
           </a:blip>
           <a:srcRect l="27444" t="15955" r="24136" b="11864"/>
-          <a:stretch/>
+          <a:stretch>
+            <a:fillRect/>
+          </a:stretch>
         </p:blipFill>
         <p:spPr bwMode="auto">
           <a:xfrm>
@@ -4643,13 +8818,7 @@
       </p:pic>
       <p:sp>
         <p:nvSpPr>
-          <p:cNvPr id="6" name="사각형: 둥근 모서리 5">
-            <a:extLst>
-              <a:ext uri="{FF2B5EF4-FFF2-40B4-BE49-F238E27FC236}">
-                <a16:creationId xmlns:a16="http://schemas.microsoft.com/office/drawing/2014/main" id="{B146143F-70F2-311B-A313-41E70057244B}"/>
-              </a:ext>
-            </a:extLst>
-          </p:cNvPr>
+          <p:cNvPr id="6" name="사각형: 둥근 모서리 5"/>
           <p:cNvSpPr/>
           <p:nvPr/>
         </p:nvSpPr>
@@ -4695,24 +8864,18 @@
       </p:sp>
       <p:pic>
         <p:nvPicPr>
-          <p:cNvPr id="1032" name="Picture 8">
-            <a:extLst>
-              <a:ext uri="{FF2B5EF4-FFF2-40B4-BE49-F238E27FC236}">
-                <a16:creationId xmlns:a16="http://schemas.microsoft.com/office/drawing/2014/main" id="{9FB82E99-BCF7-BE89-1587-3715BAE6D968}"/>
-              </a:ext>
-            </a:extLst>
-          </p:cNvPr>
+          <p:cNvPr id="1032" name="Picture 8"/>
           <p:cNvPicPr>
             <a:picLocks noChangeAspect="1" noChangeArrowheads="1"/>
           </p:cNvPicPr>
           <p:nvPr/>
         </p:nvPicPr>
         <p:blipFill>
-          <a:blip r:embed="rId4">
+          <a:blip r:embed="rId3">
             <a:extLst>
               <a:ext uri="{BEBA8EAE-BF5A-486C-A8C5-ECC9F3942E4B}">
                 <a14:imgProps xmlns:a14="http://schemas.microsoft.com/office/drawing/2010/main">
-                  <a14:imgLayer r:embed="rId5">
+                  <a14:imgLayer r:embed="rId4">
                     <a14:imgEffect>
                       <a14:backgroundRemoval t="0" b="100000" l="0" r="100000">
                         <a14:foregroundMark x1="49580" y1="47899" x2="49580" y2="47899"/>
@@ -4768,13 +8931,7 @@
       </p:pic>
       <p:sp>
         <p:nvSpPr>
-          <p:cNvPr id="8" name="사각형: 둥근 모서리 7">
-            <a:extLst>
-              <a:ext uri="{FF2B5EF4-FFF2-40B4-BE49-F238E27FC236}">
-                <a16:creationId xmlns:a16="http://schemas.microsoft.com/office/drawing/2014/main" id="{068BD12D-5022-3E59-BEAB-5A0F1D92FDF0}"/>
-              </a:ext>
-            </a:extLst>
-          </p:cNvPr>
+          <p:cNvPr id="8" name="사각형: 둥근 모서리 7"/>
           <p:cNvSpPr/>
           <p:nvPr/>
         </p:nvSpPr>
@@ -4820,23 +8977,16 @@
       </p:sp>
       <p:pic>
         <p:nvPicPr>
-          <p:cNvPr id="7" name="Google Shape;179;p23">
-            <a:extLst>
-              <a:ext uri="{FF2B5EF4-FFF2-40B4-BE49-F238E27FC236}">
-                <a16:creationId xmlns:a16="http://schemas.microsoft.com/office/drawing/2014/main" id="{B3B70556-3D22-EAB9-6F1E-6445BB8DA7DE}"/>
-              </a:ext>
-            </a:extLst>
-          </p:cNvPr>
+          <p:cNvPr id="7" name="Google Shape;179;p23"/>
           <p:cNvPicPr preferRelativeResize="0"/>
           <p:nvPr/>
         </p:nvPicPr>
         <p:blipFill>
-          <a:blip r:embed="rId6">
-            <a:alphaModFix/>
+          <a:blip r:embed="rId5">
             <a:extLst>
               <a:ext uri="{BEBA8EAE-BF5A-486C-A8C5-ECC9F3942E4B}">
                 <a14:imgProps xmlns:a14="http://schemas.microsoft.com/office/drawing/2010/main">
-                  <a14:imgLayer r:embed="rId7">
+                  <a14:imgLayer r:embed="rId6">
                     <a14:imgEffect>
                       <a14:backgroundRemoval t="10000" b="90000" l="10000" r="90000"/>
                     </a14:imgEffect>
@@ -4865,13 +9015,7 @@
       </p:pic>
       <p:sp>
         <p:nvSpPr>
-          <p:cNvPr id="14" name="사각형: 둥근 모서리 13">
-            <a:extLst>
-              <a:ext uri="{FF2B5EF4-FFF2-40B4-BE49-F238E27FC236}">
-                <a16:creationId xmlns:a16="http://schemas.microsoft.com/office/drawing/2014/main" id="{A4AB25C1-A64C-A547-D971-997119092A07}"/>
-              </a:ext>
-            </a:extLst>
-          </p:cNvPr>
+          <p:cNvPr id="14" name="사각형: 둥근 모서리 13"/>
           <p:cNvSpPr/>
           <p:nvPr/>
         </p:nvSpPr>
@@ -4917,20 +9061,14 @@
       </p:sp>
       <p:pic>
         <p:nvPicPr>
-          <p:cNvPr id="1034" name="Picture 10">
-            <a:extLst>
-              <a:ext uri="{FF2B5EF4-FFF2-40B4-BE49-F238E27FC236}">
-                <a16:creationId xmlns:a16="http://schemas.microsoft.com/office/drawing/2014/main" id="{D707EB6E-6821-FE36-631C-06876683DBCF}"/>
-              </a:ext>
-            </a:extLst>
-          </p:cNvPr>
+          <p:cNvPr id="1034" name="Picture 10"/>
           <p:cNvPicPr>
             <a:picLocks noChangeAspect="1" noChangeArrowheads="1"/>
           </p:cNvPicPr>
           <p:nvPr/>
         </p:nvPicPr>
         <p:blipFill rotWithShape="1">
-          <a:blip r:embed="rId8">
+          <a:blip r:embed="rId7">
             <a:extLst>
               <a:ext uri="{28A0092B-C50C-407E-A947-70E740481C1C}">
                 <a14:useLocalDpi xmlns:a14="http://schemas.microsoft.com/office/drawing/2010/main" val="0"/>
@@ -4938,7 +9076,9 @@
             </a:extLst>
           </a:blip>
           <a:srcRect r="86176" b="-8378"/>
-          <a:stretch/>
+          <a:stretch>
+            <a:fillRect/>
+          </a:stretch>
         </p:blipFill>
         <p:spPr bwMode="auto">
           <a:xfrm>
@@ -4961,184 +9101,6 @@
         </p:spPr>
       </p:pic>
     </p:spTree>
-    <p:extLst>
-      <p:ext uri="{BB962C8B-B14F-4D97-AF65-F5344CB8AC3E}">
-        <p14:creationId xmlns:p14="http://schemas.microsoft.com/office/powerpoint/2010/main" val="4129116540"/>
-      </p:ext>
-    </p:extLst>
-  </p:cSld>
-  <p:clrMapOvr>
-    <a:masterClrMapping/>
-  </p:clrMapOvr>
-</p:sld>
-</file>
-
-<file path=ppt/slides/slide14.xml><?xml version="1.0" encoding="utf-8"?>
-<p:sld xmlns:a="http://schemas.openxmlformats.org/drawingml/2006/main" xmlns:r="http://schemas.openxmlformats.org/officeDocument/2006/relationships" xmlns:p="http://schemas.openxmlformats.org/presentationml/2006/main">
-  <p:cSld>
-    <p:bg>
-      <p:bgPr>
-        <a:solidFill>
-          <a:srgbClr val="8BA9AB"/>
-        </a:solidFill>
-        <a:effectLst/>
-      </p:bgPr>
-    </p:bg>
-    <p:spTree>
-      <p:nvGrpSpPr>
-        <p:cNvPr id="1" name=""/>
-        <p:cNvGrpSpPr/>
-        <p:nvPr/>
-      </p:nvGrpSpPr>
-      <p:grpSpPr>
-        <a:xfrm>
-          <a:off x="0" y="0"/>
-          <a:ext cx="0" cy="0"/>
-          <a:chOff x="0" y="0"/>
-          <a:chExt cx="0" cy="0"/>
-        </a:xfrm>
-      </p:grpSpPr>
-      <p:sp>
-        <p:nvSpPr>
-          <p:cNvPr id="15" name="직사각형 14">
-            <a:extLst>
-              <a:ext uri="{FF2B5EF4-FFF2-40B4-BE49-F238E27FC236}">
-                <a16:creationId xmlns:a16="http://schemas.microsoft.com/office/drawing/2014/main" id="{8A47EC21-B0E7-41E9-A316-8791FAADD044}"/>
-              </a:ext>
-            </a:extLst>
-          </p:cNvPr>
-          <p:cNvSpPr/>
-          <p:nvPr/>
-        </p:nvSpPr>
-        <p:spPr>
-          <a:xfrm>
-            <a:off x="482600" y="349957"/>
-            <a:ext cx="11226800" cy="6158085"/>
-          </a:xfrm>
-          <a:prstGeom prst="rect">
-            <a:avLst/>
-          </a:prstGeom>
-          <a:noFill/>
-          <a:ln w="28575">
-            <a:solidFill>
-              <a:schemeClr val="bg1"/>
-            </a:solidFill>
-          </a:ln>
-        </p:spPr>
-        <p:style>
-          <a:lnRef idx="2">
-            <a:schemeClr val="accent1">
-              <a:shade val="50000"/>
-            </a:schemeClr>
-          </a:lnRef>
-          <a:fillRef idx="1">
-            <a:schemeClr val="accent1"/>
-          </a:fillRef>
-          <a:effectRef idx="0">
-            <a:schemeClr val="accent1"/>
-          </a:effectRef>
-          <a:fontRef idx="minor">
-            <a:schemeClr val="lt1"/>
-          </a:fontRef>
-        </p:style>
-        <p:txBody>
-          <a:bodyPr rtlCol="0" anchor="ctr"/>
-          <a:lstStyle/>
-          <a:p>
-            <a:pPr algn="ctr"/>
-            <a:endParaRPr lang="ko-KR" altLang="en-US"/>
-          </a:p>
-        </p:txBody>
-      </p:sp>
-      <p:sp>
-        <p:nvSpPr>
-          <p:cNvPr id="2" name="TextBox 1">
-            <a:extLst>
-              <a:ext uri="{FF2B5EF4-FFF2-40B4-BE49-F238E27FC236}">
-                <a16:creationId xmlns:a16="http://schemas.microsoft.com/office/drawing/2014/main" id="{7B1D606B-08B1-EDFE-5BB3-54A81FA56665}"/>
-              </a:ext>
-            </a:extLst>
-          </p:cNvPr>
-          <p:cNvSpPr txBox="1"/>
-          <p:nvPr/>
-        </p:nvSpPr>
-        <p:spPr>
-          <a:xfrm>
-            <a:off x="1917566" y="1978669"/>
-            <a:ext cx="8770754" cy="2880340"/>
-          </a:xfrm>
-          <a:prstGeom prst="rect">
-            <a:avLst/>
-          </a:prstGeom>
-          <a:noFill/>
-        </p:spPr>
-        <p:txBody>
-          <a:bodyPr wrap="square" rtlCol="0">
-            <a:spAutoFit/>
-          </a:bodyPr>
-          <a:lstStyle/>
-          <a:p>
-            <a:pPr>
-              <a:lnSpc>
-                <a:spcPct val="150000"/>
-              </a:lnSpc>
-            </a:pPr>
-            <a:r>
-              <a:rPr lang="en-US" altLang="ko-KR" sz="6600" dirty="0">
-                <a:solidFill>
-                  <a:schemeClr val="bg1"/>
-                </a:solidFill>
-                <a:latin typeface="여기어때 잘난체" panose="020B0600000101010101" pitchFamily="50" charset="-127"/>
-                <a:ea typeface="여기어때 잘난체" panose="020B0600000101010101" pitchFamily="50" charset="-127"/>
-              </a:rPr>
-              <a:t>04. </a:t>
-            </a:r>
-            <a:r>
-              <a:rPr lang="ko-KR" altLang="en-US" sz="6600" dirty="0">
-                <a:solidFill>
-                  <a:schemeClr val="bg1"/>
-                </a:solidFill>
-                <a:latin typeface="여기어때 잘난체" panose="020B0600000101010101" pitchFamily="50" charset="-127"/>
-                <a:ea typeface="여기어때 잘난체" panose="020B0600000101010101" pitchFamily="50" charset="-127"/>
-              </a:rPr>
-              <a:t>기술적 요소와 </a:t>
-            </a:r>
-            <a:r>
-              <a:rPr lang="en-US" altLang="ko-KR" sz="6600" dirty="0">
-                <a:solidFill>
-                  <a:schemeClr val="bg1"/>
-                </a:solidFill>
-                <a:latin typeface="여기어때 잘난체" panose="020B0600000101010101" pitchFamily="50" charset="-127"/>
-                <a:ea typeface="여기어때 잘난체" panose="020B0600000101010101" pitchFamily="50" charset="-127"/>
-              </a:rPr>
-              <a:t>				         </a:t>
-            </a:r>
-            <a:r>
-              <a:rPr lang="ko-KR" altLang="en-US" sz="6600" dirty="0">
-                <a:solidFill>
-                  <a:schemeClr val="bg1"/>
-                </a:solidFill>
-                <a:latin typeface="여기어때 잘난체" panose="020B0600000101010101" pitchFamily="50" charset="-127"/>
-                <a:ea typeface="여기어때 잘난체" panose="020B0600000101010101" pitchFamily="50" charset="-127"/>
-              </a:rPr>
-              <a:t>중점 연구 분야</a:t>
-            </a:r>
-            <a:endParaRPr lang="en-US" altLang="ko-KR" sz="6600" dirty="0">
-              <a:solidFill>
-                <a:schemeClr val="bg1"/>
-              </a:solidFill>
-              <a:latin typeface="여기어때 잘난체" panose="020B0600000101010101" pitchFamily="50" charset="-127"/>
-              <a:ea typeface="여기어때 잘난체" panose="020B0600000101010101" pitchFamily="50" charset="-127"/>
-            </a:endParaRPr>
-          </a:p>
-        </p:txBody>
-      </p:sp>
-    </p:spTree>
-    <p:extLst>
-      <p:ext uri="{BB962C8B-B14F-4D97-AF65-F5344CB8AC3E}">
-        <p14:creationId xmlns:p14="http://schemas.microsoft.com/office/powerpoint/2010/main" val="3616881211"/>
-      </p:ext>
-    </p:extLst>
   </p:cSld>
   <p:clrMapOvr>
     <a:masterClrMapping/>
@@ -5173,13 +9135,163 @@
       </p:grpSpPr>
       <p:sp>
         <p:nvSpPr>
-          <p:cNvPr id="15" name="직사각형 14">
-            <a:extLst>
-              <a:ext uri="{FF2B5EF4-FFF2-40B4-BE49-F238E27FC236}">
-                <a16:creationId xmlns:a16="http://schemas.microsoft.com/office/drawing/2014/main" id="{8A47EC21-B0E7-41E9-A316-8791FAADD044}"/>
-              </a:ext>
-            </a:extLst>
-          </p:cNvPr>
+          <p:cNvPr id="15" name="직사각형 14"/>
+          <p:cNvSpPr/>
+          <p:nvPr/>
+        </p:nvSpPr>
+        <p:spPr>
+          <a:xfrm>
+            <a:off x="482600" y="349957"/>
+            <a:ext cx="11226800" cy="6158085"/>
+          </a:xfrm>
+          <a:prstGeom prst="rect">
+            <a:avLst/>
+          </a:prstGeom>
+          <a:noFill/>
+          <a:ln w="28575">
+            <a:solidFill>
+              <a:schemeClr val="bg1"/>
+            </a:solidFill>
+          </a:ln>
+        </p:spPr>
+        <p:style>
+          <a:lnRef idx="2">
+            <a:schemeClr val="accent1">
+              <a:shade val="50000"/>
+            </a:schemeClr>
+          </a:lnRef>
+          <a:fillRef idx="1">
+            <a:schemeClr val="accent1"/>
+          </a:fillRef>
+          <a:effectRef idx="0">
+            <a:schemeClr val="accent1"/>
+          </a:effectRef>
+          <a:fontRef idx="minor">
+            <a:schemeClr val="lt1"/>
+          </a:fontRef>
+        </p:style>
+        <p:txBody>
+          <a:bodyPr rtlCol="0" anchor="ctr"/>
+          <a:lstStyle/>
+          <a:p>
+            <a:pPr algn="ctr"/>
+            <a:endParaRPr lang="ko-KR" altLang="en-US"/>
+          </a:p>
+        </p:txBody>
+      </p:sp>
+      <p:sp>
+        <p:nvSpPr>
+          <p:cNvPr id="2" name="TextBox 1"/>
+          <p:cNvSpPr txBox="1"/>
+          <p:nvPr/>
+        </p:nvSpPr>
+        <p:spPr>
+          <a:xfrm>
+            <a:off x="1917566" y="1978669"/>
+            <a:ext cx="8770754" cy="2880340"/>
+          </a:xfrm>
+          <a:prstGeom prst="rect">
+            <a:avLst/>
+          </a:prstGeom>
+          <a:noFill/>
+        </p:spPr>
+        <p:txBody>
+          <a:bodyPr wrap="square" rtlCol="0">
+            <a:spAutoFit/>
+          </a:bodyPr>
+          <a:lstStyle/>
+          <a:p>
+            <a:pPr>
+              <a:lnSpc>
+                <a:spcPct val="150000"/>
+              </a:lnSpc>
+            </a:pPr>
+            <a:r>
+              <a:rPr lang="en-US" altLang="ko-KR" sz="6600" dirty="0">
+                <a:solidFill>
+                  <a:schemeClr val="bg1"/>
+                </a:solidFill>
+                <a:latin typeface="여기어때 잘난체" panose="020B0600000101010101" pitchFamily="50" charset="-127"/>
+                <a:ea typeface="여기어때 잘난체" panose="020B0600000101010101" pitchFamily="50" charset="-127"/>
+              </a:rPr>
+              <a:t>04. </a:t>
+            </a:r>
+            <a:r>
+              <a:rPr lang="ko-KR" altLang="en-US" sz="6600" dirty="0">
+                <a:solidFill>
+                  <a:schemeClr val="bg1"/>
+                </a:solidFill>
+                <a:latin typeface="여기어때 잘난체" panose="020B0600000101010101" pitchFamily="50" charset="-127"/>
+                <a:ea typeface="여기어때 잘난체" panose="020B0600000101010101" pitchFamily="50" charset="-127"/>
+              </a:rPr>
+              <a:t>기술적 요소와 </a:t>
+            </a:r>
+            <a:r>
+              <a:rPr lang="en-US" altLang="ko-KR" sz="6600" dirty="0">
+                <a:solidFill>
+                  <a:schemeClr val="bg1"/>
+                </a:solidFill>
+                <a:latin typeface="여기어때 잘난체" panose="020B0600000101010101" pitchFamily="50" charset="-127"/>
+                <a:ea typeface="여기어때 잘난체" panose="020B0600000101010101" pitchFamily="50" charset="-127"/>
+              </a:rPr>
+              <a:t>				         </a:t>
+            </a:r>
+            <a:r>
+              <a:rPr lang="ko-KR" altLang="en-US" sz="6600" dirty="0">
+                <a:solidFill>
+                  <a:schemeClr val="bg1"/>
+                </a:solidFill>
+                <a:latin typeface="여기어때 잘난체" panose="020B0600000101010101" pitchFamily="50" charset="-127"/>
+                <a:ea typeface="여기어때 잘난체" panose="020B0600000101010101" pitchFamily="50" charset="-127"/>
+              </a:rPr>
+              <a:t>중점 연구 분야</a:t>
+            </a:r>
+            <a:endParaRPr lang="en-US" altLang="ko-KR" sz="6600" dirty="0">
+              <a:solidFill>
+                <a:schemeClr val="bg1"/>
+              </a:solidFill>
+              <a:latin typeface="여기어때 잘난체" panose="020B0600000101010101" pitchFamily="50" charset="-127"/>
+              <a:ea typeface="여기어때 잘난체" panose="020B0600000101010101" pitchFamily="50" charset="-127"/>
+            </a:endParaRPr>
+          </a:p>
+        </p:txBody>
+      </p:sp>
+    </p:spTree>
+  </p:cSld>
+  <p:clrMapOvr>
+    <a:masterClrMapping/>
+  </p:clrMapOvr>
+</p:sld>
+</file>
+
+<file path=ppt/slides/slide16.xml><?xml version="1.0" encoding="utf-8"?>
+<p:sld xmlns:a="http://schemas.openxmlformats.org/drawingml/2006/main" xmlns:r="http://schemas.openxmlformats.org/officeDocument/2006/relationships" xmlns:p="http://schemas.openxmlformats.org/presentationml/2006/main">
+  <p:cSld>
+    <p:bg>
+      <p:bgPr>
+        <a:solidFill>
+          <a:srgbClr val="8BA9AB"/>
+        </a:solidFill>
+        <a:effectLst/>
+      </p:bgPr>
+    </p:bg>
+    <p:spTree>
+      <p:nvGrpSpPr>
+        <p:cNvPr id="1" name=""/>
+        <p:cNvGrpSpPr/>
+        <p:nvPr/>
+      </p:nvGrpSpPr>
+      <p:grpSpPr>
+        <a:xfrm>
+          <a:off x="0" y="0"/>
+          <a:ext cx="0" cy="0"/>
+          <a:chOff x="0" y="0"/>
+          <a:chExt cx="0" cy="0"/>
+        </a:xfrm>
+      </p:grpSpPr>
+      <p:sp>
+        <p:nvSpPr>
+          <p:cNvPr id="15" name="직사각형 14"/>
           <p:cNvSpPr/>
           <p:nvPr/>
         </p:nvSpPr>
@@ -5227,13 +9339,7 @@
       </p:sp>
       <p:sp>
         <p:nvSpPr>
-          <p:cNvPr id="18" name="TextBox 17">
-            <a:extLst>
-              <a:ext uri="{FF2B5EF4-FFF2-40B4-BE49-F238E27FC236}">
-                <a16:creationId xmlns:a16="http://schemas.microsoft.com/office/drawing/2014/main" id="{BC6B889D-6283-4B7F-8672-D8F2209C56F5}"/>
-              </a:ext>
-            </a:extLst>
-          </p:cNvPr>
+          <p:cNvPr id="18" name="TextBox 17"/>
           <p:cNvSpPr txBox="1"/>
           <p:nvPr/>
         </p:nvSpPr>
@@ -5273,15 +9379,17 @@
               </a:rPr>
               <a:t>기술적 요소와 중점 연구 분야</a:t>
             </a:r>
+            <a:endParaRPr lang="ko-KR" altLang="en-US" sz="3200" dirty="0">
+              <a:solidFill>
+                <a:schemeClr val="bg1"/>
+              </a:solidFill>
+              <a:latin typeface="여기어때 잘난체" panose="020B0600000101010101" pitchFamily="50" charset="-127"/>
+              <a:ea typeface="여기어때 잘난체" panose="020B0600000101010101" pitchFamily="50" charset="-127"/>
+            </a:endParaRPr>
           </a:p>
         </p:txBody>
       </p:sp>
     </p:spTree>
-    <p:extLst>
-      <p:ext uri="{BB962C8B-B14F-4D97-AF65-F5344CB8AC3E}">
-        <p14:creationId xmlns:p14="http://schemas.microsoft.com/office/powerpoint/2010/main" val="2233896213"/>
-      </p:ext>
-    </p:extLst>
   </p:cSld>
   <p:clrMapOvr>
     <a:masterClrMapping/>
@@ -5289,7 +9397,7 @@
 </p:sld>
 </file>
 
-<file path=ppt/slides/slide16.xml><?xml version="1.0" encoding="utf-8"?>
+<file path=ppt/slides/slide17.xml><?xml version="1.0" encoding="utf-8"?>
 <p:sld xmlns:a="http://schemas.openxmlformats.org/drawingml/2006/main" xmlns:r="http://schemas.openxmlformats.org/officeDocument/2006/relationships" xmlns:p="http://schemas.openxmlformats.org/presentationml/2006/main">
   <p:cSld>
     <p:bg>
@@ -5316,13 +9424,7 @@
       </p:grpSpPr>
       <p:sp>
         <p:nvSpPr>
-          <p:cNvPr id="15" name="직사각형 14">
-            <a:extLst>
-              <a:ext uri="{FF2B5EF4-FFF2-40B4-BE49-F238E27FC236}">
-                <a16:creationId xmlns:a16="http://schemas.microsoft.com/office/drawing/2014/main" id="{8A47EC21-B0E7-41E9-A316-8791FAADD044}"/>
-              </a:ext>
-            </a:extLst>
-          </p:cNvPr>
+          <p:cNvPr id="15" name="직사각형 14"/>
           <p:cNvSpPr/>
           <p:nvPr/>
         </p:nvSpPr>
@@ -5368,13 +9470,7 @@
       </p:sp>
       <p:sp>
         <p:nvSpPr>
-          <p:cNvPr id="2" name="TextBox 1">
-            <a:extLst>
-              <a:ext uri="{FF2B5EF4-FFF2-40B4-BE49-F238E27FC236}">
-                <a16:creationId xmlns:a16="http://schemas.microsoft.com/office/drawing/2014/main" id="{7B1D606B-08B1-EDFE-5BB3-54A81FA56665}"/>
-              </a:ext>
-            </a:extLst>
-          </p:cNvPr>
+          <p:cNvPr id="2" name="TextBox 1"/>
           <p:cNvSpPr txBox="1"/>
           <p:nvPr/>
         </p:nvSpPr>
@@ -5430,11 +9526,6 @@
         </p:txBody>
       </p:sp>
     </p:spTree>
-    <p:extLst>
-      <p:ext uri="{BB962C8B-B14F-4D97-AF65-F5344CB8AC3E}">
-        <p14:creationId xmlns:p14="http://schemas.microsoft.com/office/powerpoint/2010/main" val="3085646968"/>
-      </p:ext>
-    </p:extLst>
   </p:cSld>
   <p:clrMapOvr>
     <a:masterClrMapping/>
@@ -5442,7 +9533,7 @@
 </p:sld>
 </file>
 
-<file path=ppt/slides/slide17.xml><?xml version="1.0" encoding="utf-8"?>
+<file path=ppt/slides/slide18.xml><?xml version="1.0" encoding="utf-8"?>
 <p:sld xmlns:a="http://schemas.openxmlformats.org/drawingml/2006/main" xmlns:r="http://schemas.openxmlformats.org/officeDocument/2006/relationships" xmlns:p="http://schemas.openxmlformats.org/presentationml/2006/main">
   <p:cSld>
     <p:spTree>
@@ -5461,13 +9552,7 @@
       </p:grpSpPr>
       <p:sp>
         <p:nvSpPr>
-          <p:cNvPr id="13" name="TextBox 12">
-            <a:extLst>
-              <a:ext uri="{FF2B5EF4-FFF2-40B4-BE49-F238E27FC236}">
-                <a16:creationId xmlns:a16="http://schemas.microsoft.com/office/drawing/2014/main" id="{47D1F61E-EC4F-4A40-9B5F-638A91D20E99}"/>
-              </a:ext>
-            </a:extLst>
-          </p:cNvPr>
+          <p:cNvPr id="13" name="TextBox 12"/>
           <p:cNvSpPr txBox="1"/>
           <p:nvPr/>
         </p:nvSpPr>
@@ -5507,25 +9592,26 @@
               </a:rPr>
               <a:t>타 게임과 비교</a:t>
             </a:r>
+            <a:endParaRPr lang="ko-KR" altLang="en-US" sz="3200" dirty="0">
+              <a:solidFill>
+                <a:srgbClr val="8BA9AB"/>
+              </a:solidFill>
+              <a:latin typeface="여기어때 잘난체" panose="020B0600000101010101" pitchFamily="50" charset="-127"/>
+              <a:ea typeface="여기어때 잘난체" panose="020B0600000101010101" pitchFamily="50" charset="-127"/>
+            </a:endParaRPr>
           </a:p>
         </p:txBody>
       </p:sp>
       <p:pic>
         <p:nvPicPr>
-          <p:cNvPr id="1026" name="Picture 2" descr="휴먼: 폴 플랫 (Human: Fall Flat)">
-            <a:extLst>
-              <a:ext uri="{FF2B5EF4-FFF2-40B4-BE49-F238E27FC236}">
-                <a16:creationId xmlns:a16="http://schemas.microsoft.com/office/drawing/2014/main" id="{604F595E-4CCD-B508-3500-48B5E78553BB}"/>
-              </a:ext>
-            </a:extLst>
-          </p:cNvPr>
+          <p:cNvPr id="1026" name="Picture 2" descr="휴먼: 폴 플랫 (Human: Fall Flat)"/>
           <p:cNvPicPr>
             <a:picLocks noChangeAspect="1" noChangeArrowheads="1"/>
           </p:cNvPicPr>
           <p:nvPr/>
         </p:nvPicPr>
         <p:blipFill>
-          <a:blip r:embed="rId2">
+          <a:blip r:embed="rId1">
             <a:extLst>
               <a:ext uri="{28A0092B-C50C-407E-A947-70E740481C1C}">
                 <a14:useLocalDpi xmlns:a14="http://schemas.microsoft.com/office/drawing/2010/main" val="0"/>
@@ -5559,23 +9645,11 @@
       </p:pic>
       <p:graphicFrame>
         <p:nvGraphicFramePr>
-          <p:cNvPr id="2" name="표 3">
-            <a:extLst>
-              <a:ext uri="{FF2B5EF4-FFF2-40B4-BE49-F238E27FC236}">
-                <a16:creationId xmlns:a16="http://schemas.microsoft.com/office/drawing/2014/main" id="{BEB2D015-8D2A-2464-497A-A73A450A04CD}"/>
-              </a:ext>
-            </a:extLst>
-          </p:cNvPr>
+          <p:cNvPr id="2" name="표 3"/>
           <p:cNvGraphicFramePr>
             <a:graphicFrameLocks noGrp="1"/>
           </p:cNvGraphicFramePr>
-          <p:nvPr>
-            <p:extLst>
-              <p:ext uri="{D42A27DB-BD31-4B8C-83A1-F6EECF244321}">
-                <p14:modId xmlns:p14="http://schemas.microsoft.com/office/powerpoint/2010/main" val="3934481439"/>
-              </p:ext>
-            </p:extLst>
-          </p:nvPr>
+          <p:nvPr/>
         </p:nvGraphicFramePr>
         <p:xfrm>
           <a:off x="4273333" y="1819922"/>
@@ -5588,27 +9662,9 @@
                 <a:tableStyleId>{5C22544A-7EE6-4342-B048-85BDC9FD1C3A}</a:tableStyleId>
               </a:tblPr>
               <a:tblGrid>
-                <a:gridCol w="1357148">
-                  <a:extLst>
-                    <a:ext uri="{9D8B030D-6E8A-4147-A177-3AD203B41FA5}">
-                      <a16:colId xmlns:a16="http://schemas.microsoft.com/office/drawing/2014/main" val="2823426906"/>
-                    </a:ext>
-                  </a:extLst>
-                </a:gridCol>
-                <a:gridCol w="3034125">
-                  <a:extLst>
-                    <a:ext uri="{9D8B030D-6E8A-4147-A177-3AD203B41FA5}">
-                      <a16:colId xmlns:a16="http://schemas.microsoft.com/office/drawing/2014/main" val="1508043737"/>
-                    </a:ext>
-                  </a:extLst>
-                </a:gridCol>
-                <a:gridCol w="3258106">
-                  <a:extLst>
-                    <a:ext uri="{9D8B030D-6E8A-4147-A177-3AD203B41FA5}">
-                      <a16:colId xmlns:a16="http://schemas.microsoft.com/office/drawing/2014/main" val="3995569401"/>
-                    </a:ext>
-                  </a:extLst>
-                </a:gridCol>
+                <a:gridCol w="1357148"/>
+                <a:gridCol w="3034125"/>
+                <a:gridCol w="3258106"/>
               </a:tblGrid>
               <a:tr h="430092">
                 <a:tc>
@@ -5667,6 +9723,13 @@
                         </a:rPr>
                         <a:t>유사점</a:t>
                       </a:r>
+                      <a:endParaRPr lang="ko-KR" altLang="en-US" b="0" dirty="0">
+                        <a:solidFill>
+                          <a:schemeClr val="tx1"/>
+                        </a:solidFill>
+                        <a:latin typeface="G마켓 산스 TTF Medium" panose="02000000000000000000" pitchFamily="2" charset="-127"/>
+                        <a:ea typeface="G마켓 산스 TTF Medium" panose="02000000000000000000" pitchFamily="2" charset="-127"/>
+                      </a:endParaRPr>
                     </a:p>
                   </a:txBody>
                   <a:tcPr anchor="ctr">
@@ -5700,6 +9763,13 @@
                         </a:rPr>
                         <a:t>개선하고 싶은 점</a:t>
                       </a:r>
+                      <a:endParaRPr lang="ko-KR" altLang="en-US" b="0" dirty="0">
+                        <a:solidFill>
+                          <a:schemeClr val="tx1"/>
+                        </a:solidFill>
+                        <a:latin typeface="G마켓 산스 TTF Medium" panose="02000000000000000000" pitchFamily="2" charset="-127"/>
+                        <a:ea typeface="G마켓 산스 TTF Medium" panose="02000000000000000000" pitchFamily="2" charset="-127"/>
+                      </a:endParaRPr>
                     </a:p>
                   </a:txBody>
                   <a:tcPr anchor="ctr">
@@ -5717,11 +9787,6 @@
                     </a:solidFill>
                   </a:tcPr>
                 </a:tc>
-                <a:extLst>
-                  <a:ext uri="{0D108BD9-81ED-4DB2-BD59-A6C34878D82A}">
-                    <a16:rowId xmlns:a16="http://schemas.microsoft.com/office/drawing/2014/main" val="3282512283"/>
-                  </a:ext>
-                </a:extLst>
               </a:tr>
               <a:tr h="2094737">
                 <a:tc>
@@ -5744,6 +9809,13 @@
                         </a:rPr>
                         <a:t>휴먼 폴 플랫</a:t>
                       </a:r>
+                      <a:endParaRPr lang="ko-KR" altLang="en-US" sz="1600" b="0" dirty="0">
+                        <a:solidFill>
+                          <a:schemeClr val="tx1"/>
+                        </a:solidFill>
+                        <a:latin typeface="G마켓 산스 TTF Medium" panose="02000000000000000000" pitchFamily="2" charset="-127"/>
+                        <a:ea typeface="G마켓 산스 TTF Medium" panose="02000000000000000000" pitchFamily="2" charset="-127"/>
+                      </a:endParaRPr>
                     </a:p>
                   </a:txBody>
                   <a:tcPr anchor="ctr">
@@ -5913,6 +9985,13 @@
                         </a:rPr>
                         <a:t>단순히 길을 이동하는 것 뿐만이 아니라 몬스터를 추가 시켜 전투가 가능하게끔 컨텐츠 추가</a:t>
                       </a:r>
+                      <a:endParaRPr lang="ko-KR" altLang="en-US" sz="1200" b="0" dirty="0">
+                        <a:solidFill>
+                          <a:schemeClr val="tx1"/>
+                        </a:solidFill>
+                        <a:latin typeface="G마켓 산스 TTF Light" panose="02000000000000000000" pitchFamily="2" charset="-127"/>
+                        <a:ea typeface="G마켓 산스 TTF Light" panose="02000000000000000000" pitchFamily="2" charset="-127"/>
+                      </a:endParaRPr>
                     </a:p>
                   </a:txBody>
                   <a:tcPr anchor="ctr">
@@ -5957,11 +10036,6 @@
                     </a:solidFill>
                   </a:tcPr>
                 </a:tc>
-                <a:extLst>
-                  <a:ext uri="{0D108BD9-81ED-4DB2-BD59-A6C34878D82A}">
-                    <a16:rowId xmlns:a16="http://schemas.microsoft.com/office/drawing/2014/main" val="30030088"/>
-                  </a:ext>
-                </a:extLst>
               </a:tr>
               <a:tr h="2094737">
                 <a:tc>
@@ -6157,11 +10231,6 @@
                     </a:solidFill>
                   </a:tcPr>
                 </a:tc>
-                <a:extLst>
-                  <a:ext uri="{0D108BD9-81ED-4DB2-BD59-A6C34878D82A}">
-                    <a16:rowId xmlns:a16="http://schemas.microsoft.com/office/drawing/2014/main" val="1045126401"/>
-                  </a:ext>
-                </a:extLst>
               </a:tr>
             </a:tbl>
           </a:graphicData>
@@ -6169,13 +10238,7 @@
       </p:graphicFrame>
       <p:sp>
         <p:nvSpPr>
-          <p:cNvPr id="5" name="TextBox 4">
-            <a:extLst>
-              <a:ext uri="{FF2B5EF4-FFF2-40B4-BE49-F238E27FC236}">
-                <a16:creationId xmlns:a16="http://schemas.microsoft.com/office/drawing/2014/main" id="{00719D95-B889-7FC0-748B-480224DC4A46}"/>
-              </a:ext>
-            </a:extLst>
-          </p:cNvPr>
+          <p:cNvPr id="5" name="TextBox 4"/>
           <p:cNvSpPr txBox="1"/>
           <p:nvPr/>
         </p:nvSpPr>
@@ -6244,168 +10307,14 @@
               </a:rPr>
               <a:t> </a:t>
             </a:r>
+            <a:endParaRPr lang="ko-KR" altLang="en-US" sz="1200" dirty="0">
+              <a:latin typeface="G마켓 산스 TTF Light" panose="02000000000000000000" pitchFamily="2" charset="-127"/>
+              <a:ea typeface="G마켓 산스 TTF Light" panose="02000000000000000000" pitchFamily="2" charset="-127"/>
+            </a:endParaRPr>
           </a:p>
         </p:txBody>
       </p:sp>
     </p:spTree>
-    <p:extLst>
-      <p:ext uri="{BB962C8B-B14F-4D97-AF65-F5344CB8AC3E}">
-        <p14:creationId xmlns:p14="http://schemas.microsoft.com/office/powerpoint/2010/main" val="1981313042"/>
-      </p:ext>
-    </p:extLst>
-  </p:cSld>
-  <p:clrMapOvr>
-    <a:masterClrMapping/>
-  </p:clrMapOvr>
-</p:sld>
-</file>
-
-<file path=ppt/slides/slide18.xml><?xml version="1.0" encoding="utf-8"?>
-<p:sld xmlns:a="http://schemas.openxmlformats.org/drawingml/2006/main" xmlns:r="http://schemas.openxmlformats.org/officeDocument/2006/relationships" xmlns:p="http://schemas.openxmlformats.org/presentationml/2006/main">
-  <p:cSld>
-    <p:bg>
-      <p:bgPr>
-        <a:solidFill>
-          <a:srgbClr val="8BA9AB"/>
-        </a:solidFill>
-        <a:effectLst/>
-      </p:bgPr>
-    </p:bg>
-    <p:spTree>
-      <p:nvGrpSpPr>
-        <p:cNvPr id="1" name=""/>
-        <p:cNvGrpSpPr/>
-        <p:nvPr/>
-      </p:nvGrpSpPr>
-      <p:grpSpPr>
-        <a:xfrm>
-          <a:off x="0" y="0"/>
-          <a:ext cx="0" cy="0"/>
-          <a:chOff x="0" y="0"/>
-          <a:chExt cx="0" cy="0"/>
-        </a:xfrm>
-      </p:grpSpPr>
-      <p:sp>
-        <p:nvSpPr>
-          <p:cNvPr id="15" name="직사각형 14">
-            <a:extLst>
-              <a:ext uri="{FF2B5EF4-FFF2-40B4-BE49-F238E27FC236}">
-                <a16:creationId xmlns:a16="http://schemas.microsoft.com/office/drawing/2014/main" id="{8A47EC21-B0E7-41E9-A316-8791FAADD044}"/>
-              </a:ext>
-            </a:extLst>
-          </p:cNvPr>
-          <p:cNvSpPr/>
-          <p:nvPr/>
-        </p:nvSpPr>
-        <p:spPr>
-          <a:xfrm>
-            <a:off x="482600" y="349957"/>
-            <a:ext cx="11226800" cy="6158085"/>
-          </a:xfrm>
-          <a:prstGeom prst="rect">
-            <a:avLst/>
-          </a:prstGeom>
-          <a:noFill/>
-          <a:ln w="28575">
-            <a:solidFill>
-              <a:schemeClr val="bg1"/>
-            </a:solidFill>
-          </a:ln>
-        </p:spPr>
-        <p:style>
-          <a:lnRef idx="2">
-            <a:schemeClr val="accent1">
-              <a:shade val="50000"/>
-            </a:schemeClr>
-          </a:lnRef>
-          <a:fillRef idx="1">
-            <a:schemeClr val="accent1"/>
-          </a:fillRef>
-          <a:effectRef idx="0">
-            <a:schemeClr val="accent1"/>
-          </a:effectRef>
-          <a:fontRef idx="minor">
-            <a:schemeClr val="lt1"/>
-          </a:fontRef>
-        </p:style>
-        <p:txBody>
-          <a:bodyPr rtlCol="0" anchor="ctr"/>
-          <a:lstStyle/>
-          <a:p>
-            <a:pPr algn="ctr"/>
-            <a:endParaRPr lang="ko-KR" altLang="en-US"/>
-          </a:p>
-        </p:txBody>
-      </p:sp>
-      <p:sp>
-        <p:nvSpPr>
-          <p:cNvPr id="2" name="TextBox 1">
-            <a:extLst>
-              <a:ext uri="{FF2B5EF4-FFF2-40B4-BE49-F238E27FC236}">
-                <a16:creationId xmlns:a16="http://schemas.microsoft.com/office/drawing/2014/main" id="{7B1D606B-08B1-EDFE-5BB3-54A81FA56665}"/>
-              </a:ext>
-            </a:extLst>
-          </p:cNvPr>
-          <p:cNvSpPr txBox="1"/>
-          <p:nvPr/>
-        </p:nvSpPr>
-        <p:spPr>
-          <a:xfrm>
-            <a:off x="3357211" y="2750576"/>
-            <a:ext cx="5477577" cy="1356846"/>
-          </a:xfrm>
-          <a:prstGeom prst="rect">
-            <a:avLst/>
-          </a:prstGeom>
-          <a:noFill/>
-        </p:spPr>
-        <p:txBody>
-          <a:bodyPr wrap="square" rtlCol="0">
-            <a:spAutoFit/>
-          </a:bodyPr>
-          <a:lstStyle/>
-          <a:p>
-            <a:pPr>
-              <a:lnSpc>
-                <a:spcPct val="150000"/>
-              </a:lnSpc>
-            </a:pPr>
-            <a:r>
-              <a:rPr lang="en-US" altLang="ko-KR" sz="6600" dirty="0">
-                <a:solidFill>
-                  <a:schemeClr val="bg1"/>
-                </a:solidFill>
-                <a:latin typeface="여기어때 잘난체" panose="020B0600000101010101" pitchFamily="50" charset="-127"/>
-                <a:ea typeface="여기어때 잘난체" panose="020B0600000101010101" pitchFamily="50" charset="-127"/>
-              </a:rPr>
-              <a:t>06. </a:t>
-            </a:r>
-            <a:r>
-              <a:rPr lang="ko-KR" altLang="en-US" sz="6600" dirty="0">
-                <a:solidFill>
-                  <a:schemeClr val="bg1"/>
-                </a:solidFill>
-                <a:latin typeface="여기어때 잘난체" panose="020B0600000101010101" pitchFamily="50" charset="-127"/>
-                <a:ea typeface="여기어때 잘난체" panose="020B0600000101010101" pitchFamily="50" charset="-127"/>
-              </a:rPr>
-              <a:t>개발 일정</a:t>
-            </a:r>
-            <a:endParaRPr lang="en-US" altLang="ko-KR" sz="6600" dirty="0">
-              <a:solidFill>
-                <a:schemeClr val="bg1"/>
-              </a:solidFill>
-              <a:latin typeface="여기어때 잘난체" panose="020B0600000101010101" pitchFamily="50" charset="-127"/>
-              <a:ea typeface="여기어때 잘난체" panose="020B0600000101010101" pitchFamily="50" charset="-127"/>
-            </a:endParaRPr>
-          </a:p>
-        </p:txBody>
-      </p:sp>
-    </p:spTree>
-    <p:extLst>
-      <p:ext uri="{BB962C8B-B14F-4D97-AF65-F5344CB8AC3E}">
-        <p14:creationId xmlns:p14="http://schemas.microsoft.com/office/powerpoint/2010/main" val="1071784406"/>
-      </p:ext>
-    </p:extLst>
   </p:cSld>
   <p:clrMapOvr>
     <a:masterClrMapping/>
@@ -6440,13 +10349,545 @@
       </p:grpSpPr>
       <p:sp>
         <p:nvSpPr>
-          <p:cNvPr id="15" name="직사각형 14">
-            <a:extLst>
-              <a:ext uri="{FF2B5EF4-FFF2-40B4-BE49-F238E27FC236}">
-                <a16:creationId xmlns:a16="http://schemas.microsoft.com/office/drawing/2014/main" id="{8A47EC21-B0E7-41E9-A316-8791FAADD044}"/>
-              </a:ext>
-            </a:extLst>
-          </p:cNvPr>
+          <p:cNvPr id="15" name="직사각형 14"/>
+          <p:cNvSpPr/>
+          <p:nvPr/>
+        </p:nvSpPr>
+        <p:spPr>
+          <a:xfrm>
+            <a:off x="482600" y="349957"/>
+            <a:ext cx="11226800" cy="6158085"/>
+          </a:xfrm>
+          <a:prstGeom prst="rect">
+            <a:avLst/>
+          </a:prstGeom>
+          <a:noFill/>
+          <a:ln w="28575">
+            <a:solidFill>
+              <a:schemeClr val="bg1"/>
+            </a:solidFill>
+          </a:ln>
+        </p:spPr>
+        <p:style>
+          <a:lnRef idx="2">
+            <a:schemeClr val="accent1">
+              <a:shade val="50000"/>
+            </a:schemeClr>
+          </a:lnRef>
+          <a:fillRef idx="1">
+            <a:schemeClr val="accent1"/>
+          </a:fillRef>
+          <a:effectRef idx="0">
+            <a:schemeClr val="accent1"/>
+          </a:effectRef>
+          <a:fontRef idx="minor">
+            <a:schemeClr val="lt1"/>
+          </a:fontRef>
+        </p:style>
+        <p:txBody>
+          <a:bodyPr rtlCol="0" anchor="ctr"/>
+          <a:lstStyle/>
+          <a:p>
+            <a:pPr algn="ctr"/>
+            <a:endParaRPr lang="ko-KR" altLang="en-US"/>
+          </a:p>
+        </p:txBody>
+      </p:sp>
+      <p:sp>
+        <p:nvSpPr>
+          <p:cNvPr id="2" name="TextBox 1"/>
+          <p:cNvSpPr txBox="1"/>
+          <p:nvPr/>
+        </p:nvSpPr>
+        <p:spPr>
+          <a:xfrm>
+            <a:off x="3357211" y="2750576"/>
+            <a:ext cx="5477577" cy="1356846"/>
+          </a:xfrm>
+          <a:prstGeom prst="rect">
+            <a:avLst/>
+          </a:prstGeom>
+          <a:noFill/>
+        </p:spPr>
+        <p:txBody>
+          <a:bodyPr wrap="square" rtlCol="0">
+            <a:spAutoFit/>
+          </a:bodyPr>
+          <a:lstStyle/>
+          <a:p>
+            <a:pPr>
+              <a:lnSpc>
+                <a:spcPct val="150000"/>
+              </a:lnSpc>
+            </a:pPr>
+            <a:r>
+              <a:rPr lang="en-US" altLang="ko-KR" sz="6600" dirty="0">
+                <a:solidFill>
+                  <a:schemeClr val="bg1"/>
+                </a:solidFill>
+                <a:latin typeface="여기어때 잘난체" panose="020B0600000101010101" pitchFamily="50" charset="-127"/>
+                <a:ea typeface="여기어때 잘난체" panose="020B0600000101010101" pitchFamily="50" charset="-127"/>
+              </a:rPr>
+              <a:t>06. </a:t>
+            </a:r>
+            <a:r>
+              <a:rPr lang="ko-KR" altLang="en-US" sz="6600" dirty="0">
+                <a:solidFill>
+                  <a:schemeClr val="bg1"/>
+                </a:solidFill>
+                <a:latin typeface="여기어때 잘난체" panose="020B0600000101010101" pitchFamily="50" charset="-127"/>
+                <a:ea typeface="여기어때 잘난체" panose="020B0600000101010101" pitchFamily="50" charset="-127"/>
+              </a:rPr>
+              <a:t>개발 일정</a:t>
+            </a:r>
+            <a:endParaRPr lang="en-US" altLang="ko-KR" sz="6600" dirty="0">
+              <a:solidFill>
+                <a:schemeClr val="bg1"/>
+              </a:solidFill>
+              <a:latin typeface="여기어때 잘난체" panose="020B0600000101010101" pitchFamily="50" charset="-127"/>
+              <a:ea typeface="여기어때 잘난체" panose="020B0600000101010101" pitchFamily="50" charset="-127"/>
+            </a:endParaRPr>
+          </a:p>
+        </p:txBody>
+      </p:sp>
+    </p:spTree>
+  </p:cSld>
+  <p:clrMapOvr>
+    <a:masterClrMapping/>
+  </p:clrMapOvr>
+</p:sld>
+</file>
+
+<file path=ppt/slides/slide2.xml><?xml version="1.0" encoding="utf-8"?>
+<p:sld xmlns:a="http://schemas.openxmlformats.org/drawingml/2006/main" xmlns:r="http://schemas.openxmlformats.org/officeDocument/2006/relationships" xmlns:p="http://schemas.openxmlformats.org/presentationml/2006/main">
+  <p:cSld>
+    <p:bg>
+      <p:bgPr>
+        <a:solidFill>
+          <a:srgbClr val="8BA9AB"/>
+        </a:solidFill>
+        <a:effectLst/>
+      </p:bgPr>
+    </p:bg>
+    <p:spTree>
+      <p:nvGrpSpPr>
+        <p:cNvPr id="1" name=""/>
+        <p:cNvGrpSpPr/>
+        <p:nvPr/>
+      </p:nvGrpSpPr>
+      <p:grpSpPr>
+        <a:xfrm>
+          <a:off x="0" y="0"/>
+          <a:ext cx="0" cy="0"/>
+          <a:chOff x="0" y="0"/>
+          <a:chExt cx="0" cy="0"/>
+        </a:xfrm>
+      </p:grpSpPr>
+      <p:sp>
+        <p:nvSpPr>
+          <p:cNvPr id="15" name="직사각형 14"/>
+          <p:cNvSpPr/>
+          <p:nvPr/>
+        </p:nvSpPr>
+        <p:spPr>
+          <a:xfrm>
+            <a:off x="469900" y="1123376"/>
+            <a:ext cx="11226800" cy="5339509"/>
+          </a:xfrm>
+          <a:prstGeom prst="rect">
+            <a:avLst/>
+          </a:prstGeom>
+          <a:noFill/>
+          <a:ln w="28575">
+            <a:solidFill>
+              <a:schemeClr val="bg1"/>
+            </a:solidFill>
+          </a:ln>
+        </p:spPr>
+        <p:style>
+          <a:lnRef idx="2">
+            <a:schemeClr val="accent1">
+              <a:shade val="50000"/>
+            </a:schemeClr>
+          </a:lnRef>
+          <a:fillRef idx="1">
+            <a:schemeClr val="accent1"/>
+          </a:fillRef>
+          <a:effectRef idx="0">
+            <a:schemeClr val="accent1"/>
+          </a:effectRef>
+          <a:fontRef idx="minor">
+            <a:schemeClr val="lt1"/>
+          </a:fontRef>
+        </p:style>
+        <p:txBody>
+          <a:bodyPr rtlCol="0" anchor="ctr"/>
+          <a:lstStyle/>
+          <a:p>
+            <a:pPr algn="ctr"/>
+            <a:endParaRPr lang="ko-KR" altLang="en-US"/>
+          </a:p>
+        </p:txBody>
+      </p:sp>
+      <p:sp>
+        <p:nvSpPr>
+          <p:cNvPr id="18" name="TextBox 17"/>
+          <p:cNvSpPr txBox="1"/>
+          <p:nvPr/>
+        </p:nvSpPr>
+        <p:spPr>
+          <a:xfrm>
+            <a:off x="469900" y="260991"/>
+            <a:ext cx="4273753" cy="769441"/>
+          </a:xfrm>
+          <a:prstGeom prst="rect">
+            <a:avLst/>
+          </a:prstGeom>
+          <a:noFill/>
+        </p:spPr>
+        <p:txBody>
+          <a:bodyPr wrap="square" rtlCol="0">
+            <a:spAutoFit/>
+          </a:bodyPr>
+          <a:lstStyle/>
+          <a:p>
+            <a:r>
+              <a:rPr lang="ko-KR" altLang="en-US" sz="4400" dirty="0">
+                <a:solidFill>
+                  <a:schemeClr val="bg1"/>
+                </a:solidFill>
+                <a:latin typeface="여기어때 잘난체" panose="020B0600000101010101" pitchFamily="50" charset="-127"/>
+                <a:ea typeface="여기어때 잘난체" panose="020B0600000101010101" pitchFamily="50" charset="-127"/>
+              </a:rPr>
+              <a:t>목차</a:t>
+            </a:r>
+            <a:endParaRPr lang="ko-KR" altLang="en-US" sz="4400" dirty="0">
+              <a:solidFill>
+                <a:schemeClr val="bg1"/>
+              </a:solidFill>
+              <a:latin typeface="여기어때 잘난체" panose="020B0600000101010101" pitchFamily="50" charset="-127"/>
+              <a:ea typeface="여기어때 잘난체" panose="020B0600000101010101" pitchFamily="50" charset="-127"/>
+            </a:endParaRPr>
+          </a:p>
+        </p:txBody>
+      </p:sp>
+      <p:sp>
+        <p:nvSpPr>
+          <p:cNvPr id="21" name="TextBox 20"/>
+          <p:cNvSpPr txBox="1"/>
+          <p:nvPr/>
+        </p:nvSpPr>
+        <p:spPr>
+          <a:xfrm>
+            <a:off x="9434046" y="691878"/>
+            <a:ext cx="2313454" cy="338554"/>
+          </a:xfrm>
+          <a:prstGeom prst="rect">
+            <a:avLst/>
+          </a:prstGeom>
+          <a:noFill/>
+        </p:spPr>
+        <p:txBody>
+          <a:bodyPr wrap="none" rtlCol="0">
+            <a:spAutoFit/>
+          </a:bodyPr>
+          <a:lstStyle/>
+          <a:p>
+            <a:pPr algn="r"/>
+            <a:r>
+              <a:rPr lang="ko-KR" altLang="en-US" sz="1600" dirty="0">
+                <a:solidFill>
+                  <a:schemeClr val="bg1"/>
+                </a:solidFill>
+                <a:latin typeface="에스코어 드림 4 Regular" panose="020B0503030302020204" pitchFamily="34" charset="-127"/>
+                <a:ea typeface="에스코어 드림 4 Regular" panose="020B0503030302020204" pitchFamily="34" charset="-127"/>
+              </a:rPr>
+              <a:t>부제 </a:t>
+            </a:r>
+            <a:r>
+              <a:rPr lang="en-US" altLang="ko-KR" sz="1600" dirty="0">
+                <a:solidFill>
+                  <a:schemeClr val="bg1"/>
+                </a:solidFill>
+                <a:latin typeface="에스코어 드림 4 Regular" panose="020B0503030302020204" pitchFamily="34" charset="-127"/>
+                <a:ea typeface="에스코어 드림 4 Regular" panose="020B0503030302020204" pitchFamily="34" charset="-127"/>
+              </a:rPr>
+              <a:t>/ </a:t>
+            </a:r>
+            <a:r>
+              <a:rPr lang="ko-KR" altLang="en-US" sz="1600" dirty="0">
+                <a:solidFill>
+                  <a:schemeClr val="bg1"/>
+                </a:solidFill>
+                <a:latin typeface="에스코어 드림 4 Regular" panose="020B0503030302020204" pitchFamily="34" charset="-127"/>
+                <a:ea typeface="에스코어 드림 4 Regular" panose="020B0503030302020204" pitchFamily="34" charset="-127"/>
+              </a:rPr>
+              <a:t>추가내용은 여기</a:t>
+            </a:r>
+            <a:endParaRPr lang="ko-KR" altLang="en-US" sz="1600" dirty="0">
+              <a:solidFill>
+                <a:schemeClr val="bg1"/>
+              </a:solidFill>
+              <a:latin typeface="에스코어 드림 4 Regular" panose="020B0503030302020204" pitchFamily="34" charset="-127"/>
+              <a:ea typeface="에스코어 드림 4 Regular" panose="020B0503030302020204" pitchFamily="34" charset="-127"/>
+            </a:endParaRPr>
+          </a:p>
+        </p:txBody>
+      </p:sp>
+      <p:sp>
+        <p:nvSpPr>
+          <p:cNvPr id="2" name="TextBox 1"/>
+          <p:cNvSpPr txBox="1"/>
+          <p:nvPr/>
+        </p:nvSpPr>
+        <p:spPr>
+          <a:xfrm>
+            <a:off x="832722" y="1513981"/>
+            <a:ext cx="5358063" cy="3924151"/>
+          </a:xfrm>
+          <a:prstGeom prst="rect">
+            <a:avLst/>
+          </a:prstGeom>
+          <a:noFill/>
+        </p:spPr>
+        <p:txBody>
+          <a:bodyPr wrap="square" rtlCol="0">
+            <a:spAutoFit/>
+          </a:bodyPr>
+          <a:lstStyle/>
+          <a:p>
+            <a:pPr marL="342900" indent="-342900">
+              <a:lnSpc>
+                <a:spcPct val="150000"/>
+              </a:lnSpc>
+              <a:buAutoNum type="arabicPeriod"/>
+            </a:pPr>
+            <a:r>
+              <a:rPr lang="ko-KR" altLang="en-US" sz="2400" dirty="0">
+                <a:solidFill>
+                  <a:schemeClr val="bg1"/>
+                </a:solidFill>
+                <a:latin typeface="G마켓 산스 TTF Medium" panose="02000000000000000000" pitchFamily="2" charset="-127"/>
+                <a:ea typeface="G마켓 산스 TTF Medium" panose="02000000000000000000" pitchFamily="2" charset="-127"/>
+              </a:rPr>
+              <a:t>연구 목적</a:t>
+            </a:r>
+            <a:endParaRPr lang="en-US" altLang="ko-KR" sz="2400" dirty="0">
+              <a:solidFill>
+                <a:schemeClr val="bg1"/>
+              </a:solidFill>
+              <a:latin typeface="G마켓 산스 TTF Medium" panose="02000000000000000000" pitchFamily="2" charset="-127"/>
+              <a:ea typeface="G마켓 산스 TTF Medium" panose="02000000000000000000" pitchFamily="2" charset="-127"/>
+            </a:endParaRPr>
+          </a:p>
+          <a:p>
+            <a:pPr marL="342900" indent="-342900">
+              <a:lnSpc>
+                <a:spcPct val="150000"/>
+              </a:lnSpc>
+              <a:buAutoNum type="arabicPeriod"/>
+            </a:pPr>
+            <a:r>
+              <a:rPr lang="ko-KR" altLang="en-US" sz="2400" dirty="0">
+                <a:solidFill>
+                  <a:schemeClr val="bg1"/>
+                </a:solidFill>
+                <a:latin typeface="G마켓 산스 TTF Medium" panose="02000000000000000000" pitchFamily="2" charset="-127"/>
+                <a:ea typeface="G마켓 산스 TTF Medium" panose="02000000000000000000" pitchFamily="2" charset="-127"/>
+              </a:rPr>
+              <a:t>게임 소개</a:t>
+            </a:r>
+            <a:endParaRPr lang="en-US" altLang="ko-KR" sz="2400" dirty="0">
+              <a:solidFill>
+                <a:schemeClr val="bg1"/>
+              </a:solidFill>
+              <a:latin typeface="G마켓 산스 TTF Medium" panose="02000000000000000000" pitchFamily="2" charset="-127"/>
+              <a:ea typeface="G마켓 산스 TTF Medium" panose="02000000000000000000" pitchFamily="2" charset="-127"/>
+            </a:endParaRPr>
+          </a:p>
+          <a:p>
+            <a:pPr marL="342900" indent="-342900">
+              <a:lnSpc>
+                <a:spcPct val="150000"/>
+              </a:lnSpc>
+              <a:buAutoNum type="arabicPeriod"/>
+            </a:pPr>
+            <a:r>
+              <a:rPr lang="ko-KR" altLang="en-US" sz="2400" dirty="0">
+                <a:solidFill>
+                  <a:schemeClr val="bg1"/>
+                </a:solidFill>
+                <a:latin typeface="G마켓 산스 TTF Medium" panose="02000000000000000000" pitchFamily="2" charset="-127"/>
+                <a:ea typeface="G마켓 산스 TTF Medium" panose="02000000000000000000" pitchFamily="2" charset="-127"/>
+              </a:rPr>
+              <a:t>개발환경</a:t>
+            </a:r>
+            <a:endParaRPr lang="en-US" altLang="ko-KR" sz="2400" dirty="0">
+              <a:solidFill>
+                <a:schemeClr val="bg1"/>
+              </a:solidFill>
+              <a:latin typeface="G마켓 산스 TTF Medium" panose="02000000000000000000" pitchFamily="2" charset="-127"/>
+              <a:ea typeface="G마켓 산스 TTF Medium" panose="02000000000000000000" pitchFamily="2" charset="-127"/>
+            </a:endParaRPr>
+          </a:p>
+          <a:p>
+            <a:pPr marL="342900" indent="-342900">
+              <a:lnSpc>
+                <a:spcPct val="150000"/>
+              </a:lnSpc>
+              <a:buFontTx/>
+              <a:buAutoNum type="arabicPeriod"/>
+            </a:pPr>
+            <a:r>
+              <a:rPr lang="ko-KR" altLang="en-US" sz="2400" dirty="0">
+                <a:solidFill>
+                  <a:schemeClr val="bg1"/>
+                </a:solidFill>
+                <a:latin typeface="G마켓 산스 TTF Medium" panose="02000000000000000000" pitchFamily="2" charset="-127"/>
+                <a:ea typeface="G마켓 산스 TTF Medium" panose="02000000000000000000" pitchFamily="2" charset="-127"/>
+              </a:rPr>
+              <a:t>기술적 요소와 중점 연구분야</a:t>
+            </a:r>
+            <a:endParaRPr lang="en-US" altLang="ko-KR" sz="2400" dirty="0">
+              <a:solidFill>
+                <a:schemeClr val="bg1"/>
+              </a:solidFill>
+              <a:latin typeface="G마켓 산스 TTF Medium" panose="02000000000000000000" pitchFamily="2" charset="-127"/>
+              <a:ea typeface="G마켓 산스 TTF Medium" panose="02000000000000000000" pitchFamily="2" charset="-127"/>
+            </a:endParaRPr>
+          </a:p>
+          <a:p>
+            <a:pPr marL="342900" indent="-342900">
+              <a:lnSpc>
+                <a:spcPct val="150000"/>
+              </a:lnSpc>
+              <a:buFontTx/>
+              <a:buAutoNum type="arabicPeriod"/>
+            </a:pPr>
+            <a:r>
+              <a:rPr lang="ko-KR" altLang="en-US" sz="2400" dirty="0">
+                <a:solidFill>
+                  <a:schemeClr val="bg1"/>
+                </a:solidFill>
+                <a:latin typeface="G마켓 산스 TTF Medium" panose="02000000000000000000" pitchFamily="2" charset="-127"/>
+                <a:ea typeface="G마켓 산스 TTF Medium" panose="02000000000000000000" pitchFamily="2" charset="-127"/>
+              </a:rPr>
+              <a:t>타 게임과 비교</a:t>
+            </a:r>
+            <a:endParaRPr lang="en-US" altLang="ko-KR" sz="2400" dirty="0">
+              <a:solidFill>
+                <a:schemeClr val="bg1"/>
+              </a:solidFill>
+              <a:latin typeface="G마켓 산스 TTF Medium" panose="02000000000000000000" pitchFamily="2" charset="-127"/>
+              <a:ea typeface="G마켓 산스 TTF Medium" panose="02000000000000000000" pitchFamily="2" charset="-127"/>
+            </a:endParaRPr>
+          </a:p>
+          <a:p>
+            <a:pPr>
+              <a:lnSpc>
+                <a:spcPct val="150000"/>
+              </a:lnSpc>
+            </a:pPr>
+            <a:r>
+              <a:rPr lang="en-US" altLang="ko-KR" sz="2400" dirty="0">
+                <a:solidFill>
+                  <a:schemeClr val="bg1"/>
+                </a:solidFill>
+                <a:latin typeface="G마켓 산스 TTF Medium" panose="02000000000000000000" pitchFamily="2" charset="-127"/>
+                <a:ea typeface="G마켓 산스 TTF Medium" panose="02000000000000000000" pitchFamily="2" charset="-127"/>
+              </a:rPr>
+              <a:t>5. </a:t>
+            </a:r>
+            <a:r>
+              <a:rPr lang="ko-KR" altLang="en-US" sz="2400" dirty="0">
+                <a:solidFill>
+                  <a:schemeClr val="bg1"/>
+                </a:solidFill>
+                <a:latin typeface="G마켓 산스 TTF Medium" panose="02000000000000000000" pitchFamily="2" charset="-127"/>
+                <a:ea typeface="G마켓 산스 TTF Medium" panose="02000000000000000000" pitchFamily="2" charset="-127"/>
+              </a:rPr>
+              <a:t>참고문헌</a:t>
+            </a:r>
+            <a:endParaRPr lang="en-US" altLang="ko-KR" sz="2400" dirty="0">
+              <a:solidFill>
+                <a:schemeClr val="bg1"/>
+              </a:solidFill>
+              <a:latin typeface="G마켓 산스 TTF Medium" panose="02000000000000000000" pitchFamily="2" charset="-127"/>
+              <a:ea typeface="G마켓 산스 TTF Medium" panose="02000000000000000000" pitchFamily="2" charset="-127"/>
+            </a:endParaRPr>
+          </a:p>
+          <a:p>
+            <a:pPr>
+              <a:lnSpc>
+                <a:spcPct val="150000"/>
+              </a:lnSpc>
+            </a:pPr>
+            <a:r>
+              <a:rPr lang="en-US" altLang="ko-KR" sz="2400" dirty="0">
+                <a:solidFill>
+                  <a:schemeClr val="bg1"/>
+                </a:solidFill>
+                <a:latin typeface="G마켓 산스 TTF Medium" panose="02000000000000000000" pitchFamily="2" charset="-127"/>
+                <a:ea typeface="G마켓 산스 TTF Medium" panose="02000000000000000000" pitchFamily="2" charset="-127"/>
+              </a:rPr>
+              <a:t>6. </a:t>
+            </a:r>
+            <a:r>
+              <a:rPr lang="ko-KR" altLang="en-US" sz="2400">
+                <a:solidFill>
+                  <a:schemeClr val="bg1"/>
+                </a:solidFill>
+                <a:latin typeface="G마켓 산스 TTF Medium" panose="02000000000000000000" pitchFamily="2" charset="-127"/>
+                <a:ea typeface="G마켓 산스 TTF Medium" panose="02000000000000000000" pitchFamily="2" charset="-127"/>
+              </a:rPr>
+              <a:t>개발 일정</a:t>
+            </a:r>
+            <a:endParaRPr lang="ko-KR" altLang="en-US" sz="2400" dirty="0">
+              <a:solidFill>
+                <a:schemeClr val="bg1"/>
+              </a:solidFill>
+              <a:latin typeface="G마켓 산스 TTF Medium" panose="02000000000000000000" pitchFamily="2" charset="-127"/>
+              <a:ea typeface="G마켓 산스 TTF Medium" panose="02000000000000000000" pitchFamily="2" charset="-127"/>
+            </a:endParaRPr>
+          </a:p>
+        </p:txBody>
+      </p:sp>
+    </p:spTree>
+  </p:cSld>
+  <p:clrMapOvr>
+    <a:masterClrMapping/>
+  </p:clrMapOvr>
+</p:sld>
+</file>
+
+<file path=ppt/slides/slide20.xml><?xml version="1.0" encoding="utf-8"?>
+<p:sld xmlns:a="http://schemas.openxmlformats.org/drawingml/2006/main" xmlns:r="http://schemas.openxmlformats.org/officeDocument/2006/relationships" xmlns:p="http://schemas.openxmlformats.org/presentationml/2006/main">
+  <p:cSld>
+    <p:bg>
+      <p:bgPr>
+        <a:solidFill>
+          <a:srgbClr val="8BA9AB"/>
+        </a:solidFill>
+        <a:effectLst/>
+      </p:bgPr>
+    </p:bg>
+    <p:spTree>
+      <p:nvGrpSpPr>
+        <p:cNvPr id="1" name=""/>
+        <p:cNvGrpSpPr/>
+        <p:nvPr/>
+      </p:nvGrpSpPr>
+      <p:grpSpPr>
+        <a:xfrm>
+          <a:off x="0" y="0"/>
+          <a:ext cx="0" cy="0"/>
+          <a:chOff x="0" y="0"/>
+          <a:chExt cx="0" cy="0"/>
+        </a:xfrm>
+      </p:grpSpPr>
+      <p:sp>
+        <p:nvSpPr>
+          <p:cNvPr id="15" name="직사각형 14"/>
           <p:cNvSpPr/>
           <p:nvPr/>
         </p:nvSpPr>
@@ -6494,13 +10935,7 @@
       </p:sp>
       <p:sp>
         <p:nvSpPr>
-          <p:cNvPr id="18" name="TextBox 17">
-            <a:extLst>
-              <a:ext uri="{FF2B5EF4-FFF2-40B4-BE49-F238E27FC236}">
-                <a16:creationId xmlns:a16="http://schemas.microsoft.com/office/drawing/2014/main" id="{BC6B889D-6283-4B7F-8672-D8F2209C56F5}"/>
-              </a:ext>
-            </a:extLst>
-          </p:cNvPr>
+          <p:cNvPr id="18" name="TextBox 17"/>
           <p:cNvSpPr txBox="1"/>
           <p:nvPr/>
         </p:nvSpPr>
@@ -6540,15 +10975,17 @@
               </a:rPr>
               <a:t>개발 일정</a:t>
             </a:r>
+            <a:endParaRPr lang="ko-KR" altLang="en-US" sz="3200" dirty="0">
+              <a:solidFill>
+                <a:schemeClr val="bg1"/>
+              </a:solidFill>
+              <a:latin typeface="여기어때 잘난체" panose="020B0600000101010101" pitchFamily="50" charset="-127"/>
+              <a:ea typeface="여기어때 잘난체" panose="020B0600000101010101" pitchFamily="50" charset="-127"/>
+            </a:endParaRPr>
           </a:p>
         </p:txBody>
       </p:sp>
     </p:spTree>
-    <p:extLst>
-      <p:ext uri="{BB962C8B-B14F-4D97-AF65-F5344CB8AC3E}">
-        <p14:creationId xmlns:p14="http://schemas.microsoft.com/office/powerpoint/2010/main" val="2029649840"/>
-      </p:ext>
-    </p:extLst>
   </p:cSld>
   <p:clrMapOvr>
     <a:masterClrMapping/>
@@ -6556,424 +10993,7 @@
 </p:sld>
 </file>
 
-<file path=ppt/slides/slide2.xml><?xml version="1.0" encoding="utf-8"?>
-<p:sld xmlns:a="http://schemas.openxmlformats.org/drawingml/2006/main" xmlns:r="http://schemas.openxmlformats.org/officeDocument/2006/relationships" xmlns:p="http://schemas.openxmlformats.org/presentationml/2006/main">
-  <p:cSld>
-    <p:bg>
-      <p:bgPr>
-        <a:solidFill>
-          <a:srgbClr val="8BA9AB"/>
-        </a:solidFill>
-        <a:effectLst/>
-      </p:bgPr>
-    </p:bg>
-    <p:spTree>
-      <p:nvGrpSpPr>
-        <p:cNvPr id="1" name=""/>
-        <p:cNvGrpSpPr/>
-        <p:nvPr/>
-      </p:nvGrpSpPr>
-      <p:grpSpPr>
-        <a:xfrm>
-          <a:off x="0" y="0"/>
-          <a:ext cx="0" cy="0"/>
-          <a:chOff x="0" y="0"/>
-          <a:chExt cx="0" cy="0"/>
-        </a:xfrm>
-      </p:grpSpPr>
-      <p:sp>
-        <p:nvSpPr>
-          <p:cNvPr id="15" name="직사각형 14">
-            <a:extLst>
-              <a:ext uri="{FF2B5EF4-FFF2-40B4-BE49-F238E27FC236}">
-                <a16:creationId xmlns:a16="http://schemas.microsoft.com/office/drawing/2014/main" id="{8A47EC21-B0E7-41E9-A316-8791FAADD044}"/>
-              </a:ext>
-            </a:extLst>
-          </p:cNvPr>
-          <p:cNvSpPr/>
-          <p:nvPr/>
-        </p:nvSpPr>
-        <p:spPr>
-          <a:xfrm>
-            <a:off x="469900" y="1123376"/>
-            <a:ext cx="11226800" cy="5339509"/>
-          </a:xfrm>
-          <a:prstGeom prst="rect">
-            <a:avLst/>
-          </a:prstGeom>
-          <a:noFill/>
-          <a:ln w="28575">
-            <a:solidFill>
-              <a:schemeClr val="bg1"/>
-            </a:solidFill>
-          </a:ln>
-        </p:spPr>
-        <p:style>
-          <a:lnRef idx="2">
-            <a:schemeClr val="accent1">
-              <a:shade val="50000"/>
-            </a:schemeClr>
-          </a:lnRef>
-          <a:fillRef idx="1">
-            <a:schemeClr val="accent1"/>
-          </a:fillRef>
-          <a:effectRef idx="0">
-            <a:schemeClr val="accent1"/>
-          </a:effectRef>
-          <a:fontRef idx="minor">
-            <a:schemeClr val="lt1"/>
-          </a:fontRef>
-        </p:style>
-        <p:txBody>
-          <a:bodyPr rtlCol="0" anchor="ctr"/>
-          <a:lstStyle/>
-          <a:p>
-            <a:pPr algn="ctr"/>
-            <a:endParaRPr lang="ko-KR" altLang="en-US"/>
-          </a:p>
-        </p:txBody>
-      </p:sp>
-      <p:sp>
-        <p:nvSpPr>
-          <p:cNvPr id="18" name="TextBox 17">
-            <a:extLst>
-              <a:ext uri="{FF2B5EF4-FFF2-40B4-BE49-F238E27FC236}">
-                <a16:creationId xmlns:a16="http://schemas.microsoft.com/office/drawing/2014/main" id="{BC6B889D-6283-4B7F-8672-D8F2209C56F5}"/>
-              </a:ext>
-            </a:extLst>
-          </p:cNvPr>
-          <p:cNvSpPr txBox="1"/>
-          <p:nvPr/>
-        </p:nvSpPr>
-        <p:spPr>
-          <a:xfrm>
-            <a:off x="469900" y="260991"/>
-            <a:ext cx="4273753" cy="769441"/>
-          </a:xfrm>
-          <a:prstGeom prst="rect">
-            <a:avLst/>
-          </a:prstGeom>
-          <a:noFill/>
-        </p:spPr>
-        <p:txBody>
-          <a:bodyPr wrap="square" rtlCol="0">
-            <a:spAutoFit/>
-          </a:bodyPr>
-          <a:lstStyle/>
-          <a:p>
-            <a:r>
-              <a:rPr lang="ko-KR" altLang="en-US" sz="4400" dirty="0">
-                <a:solidFill>
-                  <a:schemeClr val="bg1"/>
-                </a:solidFill>
-                <a:latin typeface="여기어때 잘난체" panose="020B0600000101010101" pitchFamily="50" charset="-127"/>
-                <a:ea typeface="여기어때 잘난체" panose="020B0600000101010101" pitchFamily="50" charset="-127"/>
-              </a:rPr>
-              <a:t>목차</a:t>
-            </a:r>
-          </a:p>
-        </p:txBody>
-      </p:sp>
-      <p:sp>
-        <p:nvSpPr>
-          <p:cNvPr id="21" name="TextBox 20">
-            <a:extLst>
-              <a:ext uri="{FF2B5EF4-FFF2-40B4-BE49-F238E27FC236}">
-                <a16:creationId xmlns:a16="http://schemas.microsoft.com/office/drawing/2014/main" id="{9022C3C8-D39B-42DF-8353-40B2E9E79A6B}"/>
-              </a:ext>
-            </a:extLst>
-          </p:cNvPr>
-          <p:cNvSpPr txBox="1"/>
-          <p:nvPr/>
-        </p:nvSpPr>
-        <p:spPr>
-          <a:xfrm>
-            <a:off x="9434046" y="691878"/>
-            <a:ext cx="2313454" cy="338554"/>
-          </a:xfrm>
-          <a:prstGeom prst="rect">
-            <a:avLst/>
-          </a:prstGeom>
-          <a:noFill/>
-        </p:spPr>
-        <p:txBody>
-          <a:bodyPr wrap="none" rtlCol="0">
-            <a:spAutoFit/>
-          </a:bodyPr>
-          <a:lstStyle/>
-          <a:p>
-            <a:pPr algn="r"/>
-            <a:r>
-              <a:rPr lang="ko-KR" altLang="en-US" sz="1600" dirty="0">
-                <a:solidFill>
-                  <a:schemeClr val="bg1"/>
-                </a:solidFill>
-                <a:latin typeface="에스코어 드림 4 Regular" panose="020B0503030302020204" pitchFamily="34" charset="-127"/>
-                <a:ea typeface="에스코어 드림 4 Regular" panose="020B0503030302020204" pitchFamily="34" charset="-127"/>
-              </a:rPr>
-              <a:t>부제 </a:t>
-            </a:r>
-            <a:r>
-              <a:rPr lang="en-US" altLang="ko-KR" sz="1600" dirty="0">
-                <a:solidFill>
-                  <a:schemeClr val="bg1"/>
-                </a:solidFill>
-                <a:latin typeface="에스코어 드림 4 Regular" panose="020B0503030302020204" pitchFamily="34" charset="-127"/>
-                <a:ea typeface="에스코어 드림 4 Regular" panose="020B0503030302020204" pitchFamily="34" charset="-127"/>
-              </a:rPr>
-              <a:t>/ </a:t>
-            </a:r>
-            <a:r>
-              <a:rPr lang="ko-KR" altLang="en-US" sz="1600" dirty="0">
-                <a:solidFill>
-                  <a:schemeClr val="bg1"/>
-                </a:solidFill>
-                <a:latin typeface="에스코어 드림 4 Regular" panose="020B0503030302020204" pitchFamily="34" charset="-127"/>
-                <a:ea typeface="에스코어 드림 4 Regular" panose="020B0503030302020204" pitchFamily="34" charset="-127"/>
-              </a:rPr>
-              <a:t>추가내용은 여기</a:t>
-            </a:r>
-          </a:p>
-        </p:txBody>
-      </p:sp>
-      <p:sp>
-        <p:nvSpPr>
-          <p:cNvPr id="2" name="TextBox 1">
-            <a:extLst>
-              <a:ext uri="{FF2B5EF4-FFF2-40B4-BE49-F238E27FC236}">
-                <a16:creationId xmlns:a16="http://schemas.microsoft.com/office/drawing/2014/main" id="{7B1D606B-08B1-EDFE-5BB3-54A81FA56665}"/>
-              </a:ext>
-            </a:extLst>
-          </p:cNvPr>
-          <p:cNvSpPr txBox="1"/>
-          <p:nvPr/>
-        </p:nvSpPr>
-        <p:spPr>
-          <a:xfrm>
-            <a:off x="832722" y="1513981"/>
-            <a:ext cx="5358063" cy="3924151"/>
-          </a:xfrm>
-          <a:prstGeom prst="rect">
-            <a:avLst/>
-          </a:prstGeom>
-          <a:noFill/>
-        </p:spPr>
-        <p:txBody>
-          <a:bodyPr wrap="square" rtlCol="0">
-            <a:spAutoFit/>
-          </a:bodyPr>
-          <a:lstStyle/>
-          <a:p>
-            <a:pPr marL="342900" indent="-342900">
-              <a:lnSpc>
-                <a:spcPct val="150000"/>
-              </a:lnSpc>
-              <a:buAutoNum type="arabicPeriod"/>
-            </a:pPr>
-            <a:r>
-              <a:rPr lang="ko-KR" altLang="en-US" sz="2400" dirty="0">
-                <a:solidFill>
-                  <a:schemeClr val="bg1"/>
-                </a:solidFill>
-                <a:latin typeface="G마켓 산스 TTF Medium" panose="02000000000000000000" pitchFamily="2" charset="-127"/>
-                <a:ea typeface="G마켓 산스 TTF Medium" panose="02000000000000000000" pitchFamily="2" charset="-127"/>
-              </a:rPr>
-              <a:t>연구 목적</a:t>
-            </a:r>
-            <a:endParaRPr lang="en-US" altLang="ko-KR" sz="2400" dirty="0">
-              <a:solidFill>
-                <a:schemeClr val="bg1"/>
-              </a:solidFill>
-              <a:latin typeface="G마켓 산스 TTF Medium" panose="02000000000000000000" pitchFamily="2" charset="-127"/>
-              <a:ea typeface="G마켓 산스 TTF Medium" panose="02000000000000000000" pitchFamily="2" charset="-127"/>
-            </a:endParaRPr>
-          </a:p>
-          <a:p>
-            <a:pPr marL="342900" indent="-342900">
-              <a:lnSpc>
-                <a:spcPct val="150000"/>
-              </a:lnSpc>
-              <a:buAutoNum type="arabicPeriod"/>
-            </a:pPr>
-            <a:r>
-              <a:rPr lang="ko-KR" altLang="en-US" sz="2400" dirty="0">
-                <a:solidFill>
-                  <a:schemeClr val="bg1"/>
-                </a:solidFill>
-                <a:latin typeface="G마켓 산스 TTF Medium" panose="02000000000000000000" pitchFamily="2" charset="-127"/>
-                <a:ea typeface="G마켓 산스 TTF Medium" panose="02000000000000000000" pitchFamily="2" charset="-127"/>
-              </a:rPr>
-              <a:t>게임 소개</a:t>
-            </a:r>
-            <a:endParaRPr lang="en-US" altLang="ko-KR" sz="2400" dirty="0">
-              <a:solidFill>
-                <a:schemeClr val="bg1"/>
-              </a:solidFill>
-              <a:latin typeface="G마켓 산스 TTF Medium" panose="02000000000000000000" pitchFamily="2" charset="-127"/>
-              <a:ea typeface="G마켓 산스 TTF Medium" panose="02000000000000000000" pitchFamily="2" charset="-127"/>
-            </a:endParaRPr>
-          </a:p>
-          <a:p>
-            <a:pPr marL="342900" indent="-342900">
-              <a:lnSpc>
-                <a:spcPct val="150000"/>
-              </a:lnSpc>
-              <a:buAutoNum type="arabicPeriod"/>
-            </a:pPr>
-            <a:r>
-              <a:rPr lang="ko-KR" altLang="en-US" sz="2400" dirty="0">
-                <a:solidFill>
-                  <a:schemeClr val="bg1"/>
-                </a:solidFill>
-                <a:latin typeface="G마켓 산스 TTF Medium" panose="02000000000000000000" pitchFamily="2" charset="-127"/>
-                <a:ea typeface="G마켓 산스 TTF Medium" panose="02000000000000000000" pitchFamily="2" charset="-127"/>
-              </a:rPr>
-              <a:t>개발환경</a:t>
-            </a:r>
-            <a:endParaRPr lang="en-US" altLang="ko-KR" sz="2400" dirty="0">
-              <a:solidFill>
-                <a:schemeClr val="bg1"/>
-              </a:solidFill>
-              <a:latin typeface="G마켓 산스 TTF Medium" panose="02000000000000000000" pitchFamily="2" charset="-127"/>
-              <a:ea typeface="G마켓 산스 TTF Medium" panose="02000000000000000000" pitchFamily="2" charset="-127"/>
-            </a:endParaRPr>
-          </a:p>
-          <a:p>
-            <a:pPr marL="342900" indent="-342900">
-              <a:lnSpc>
-                <a:spcPct val="150000"/>
-              </a:lnSpc>
-              <a:buFontTx/>
-              <a:buAutoNum type="arabicPeriod"/>
-            </a:pPr>
-            <a:r>
-              <a:rPr lang="ko-KR" altLang="en-US" sz="2400" dirty="0">
-                <a:solidFill>
-                  <a:schemeClr val="bg1"/>
-                </a:solidFill>
-                <a:latin typeface="G마켓 산스 TTF Medium" panose="02000000000000000000" pitchFamily="2" charset="-127"/>
-                <a:ea typeface="G마켓 산스 TTF Medium" panose="02000000000000000000" pitchFamily="2" charset="-127"/>
-              </a:rPr>
-              <a:t>기술적 요소와 중점 연구분야</a:t>
-            </a:r>
-            <a:endParaRPr lang="en-US" altLang="ko-KR" sz="2400" dirty="0">
-              <a:solidFill>
-                <a:schemeClr val="bg1"/>
-              </a:solidFill>
-              <a:latin typeface="G마켓 산스 TTF Medium" panose="02000000000000000000" pitchFamily="2" charset="-127"/>
-              <a:ea typeface="G마켓 산스 TTF Medium" panose="02000000000000000000" pitchFamily="2" charset="-127"/>
-            </a:endParaRPr>
-          </a:p>
-          <a:p>
-            <a:pPr marL="342900" indent="-342900">
-              <a:lnSpc>
-                <a:spcPct val="150000"/>
-              </a:lnSpc>
-              <a:buFontTx/>
-              <a:buAutoNum type="arabicPeriod"/>
-            </a:pPr>
-            <a:r>
-              <a:rPr lang="ko-KR" altLang="en-US" sz="2400" dirty="0">
-                <a:solidFill>
-                  <a:schemeClr val="bg1"/>
-                </a:solidFill>
-                <a:latin typeface="G마켓 산스 TTF Medium" panose="02000000000000000000" pitchFamily="2" charset="-127"/>
-                <a:ea typeface="G마켓 산스 TTF Medium" panose="02000000000000000000" pitchFamily="2" charset="-127"/>
-              </a:rPr>
-              <a:t>타 게임과 비교</a:t>
-            </a:r>
-            <a:endParaRPr lang="en-US" altLang="ko-KR" sz="2400" dirty="0">
-              <a:solidFill>
-                <a:schemeClr val="bg1"/>
-              </a:solidFill>
-              <a:latin typeface="G마켓 산스 TTF Medium" panose="02000000000000000000" pitchFamily="2" charset="-127"/>
-              <a:ea typeface="G마켓 산스 TTF Medium" panose="02000000000000000000" pitchFamily="2" charset="-127"/>
-            </a:endParaRPr>
-          </a:p>
-          <a:p>
-            <a:pPr>
-              <a:lnSpc>
-                <a:spcPct val="150000"/>
-              </a:lnSpc>
-            </a:pPr>
-            <a:r>
-              <a:rPr lang="en-US" altLang="ko-KR" sz="2400" dirty="0">
-                <a:solidFill>
-                  <a:schemeClr val="bg1"/>
-                </a:solidFill>
-                <a:latin typeface="G마켓 산스 TTF Medium" panose="02000000000000000000" pitchFamily="2" charset="-127"/>
-                <a:ea typeface="G마켓 산스 TTF Medium" panose="02000000000000000000" pitchFamily="2" charset="-127"/>
-              </a:rPr>
-              <a:t>5. </a:t>
-            </a:r>
-            <a:r>
-              <a:rPr lang="ko-KR" altLang="en-US" sz="2400" dirty="0">
-                <a:solidFill>
-                  <a:schemeClr val="bg1"/>
-                </a:solidFill>
-                <a:latin typeface="G마켓 산스 TTF Medium" panose="02000000000000000000" pitchFamily="2" charset="-127"/>
-                <a:ea typeface="G마켓 산스 TTF Medium" panose="02000000000000000000" pitchFamily="2" charset="-127"/>
-              </a:rPr>
-              <a:t>참고문헌</a:t>
-            </a:r>
-            <a:endParaRPr lang="en-US" altLang="ko-KR" sz="2400" dirty="0">
-              <a:solidFill>
-                <a:schemeClr val="bg1"/>
-              </a:solidFill>
-              <a:latin typeface="G마켓 산스 TTF Medium" panose="02000000000000000000" pitchFamily="2" charset="-127"/>
-              <a:ea typeface="G마켓 산스 TTF Medium" panose="02000000000000000000" pitchFamily="2" charset="-127"/>
-            </a:endParaRPr>
-          </a:p>
-          <a:p>
-            <a:pPr>
-              <a:lnSpc>
-                <a:spcPct val="150000"/>
-              </a:lnSpc>
-            </a:pPr>
-            <a:r>
-              <a:rPr lang="en-US" altLang="ko-KR" sz="2400" dirty="0">
-                <a:solidFill>
-                  <a:schemeClr val="bg1"/>
-                </a:solidFill>
-                <a:latin typeface="G마켓 산스 TTF Medium" panose="02000000000000000000" pitchFamily="2" charset="-127"/>
-                <a:ea typeface="G마켓 산스 TTF Medium" panose="02000000000000000000" pitchFamily="2" charset="-127"/>
-              </a:rPr>
-              <a:t>6. </a:t>
-            </a:r>
-            <a:r>
-              <a:rPr lang="ko-KR" altLang="en-US" sz="2400">
-                <a:solidFill>
-                  <a:schemeClr val="bg1"/>
-                </a:solidFill>
-                <a:latin typeface="G마켓 산스 TTF Medium" panose="02000000000000000000" pitchFamily="2" charset="-127"/>
-                <a:ea typeface="G마켓 산스 TTF Medium" panose="02000000000000000000" pitchFamily="2" charset="-127"/>
-              </a:rPr>
-              <a:t>개발 일정</a:t>
-            </a:r>
-            <a:endParaRPr lang="ko-KR" altLang="en-US" sz="2400" dirty="0">
-              <a:solidFill>
-                <a:schemeClr val="bg1"/>
-              </a:solidFill>
-              <a:latin typeface="G마켓 산스 TTF Medium" panose="02000000000000000000" pitchFamily="2" charset="-127"/>
-              <a:ea typeface="G마켓 산스 TTF Medium" panose="02000000000000000000" pitchFamily="2" charset="-127"/>
-            </a:endParaRPr>
-          </a:p>
-        </p:txBody>
-      </p:sp>
-    </p:spTree>
-    <p:extLst>
-      <p:ext uri="{BB962C8B-B14F-4D97-AF65-F5344CB8AC3E}">
-        <p14:creationId xmlns:p14="http://schemas.microsoft.com/office/powerpoint/2010/main" val="4007878298"/>
-      </p:ext>
-    </p:extLst>
-  </p:cSld>
-  <p:clrMapOvr>
-    <a:masterClrMapping/>
-  </p:clrMapOvr>
-</p:sld>
-</file>
-
-<file path=ppt/slides/slide20.xml><?xml version="1.0" encoding="utf-8"?>
+<file path=ppt/slides/slide21.xml><?xml version="1.0" encoding="utf-8"?>
 <p:sld xmlns:a="http://schemas.openxmlformats.org/drawingml/2006/main" xmlns:r="http://schemas.openxmlformats.org/officeDocument/2006/relationships" xmlns:p="http://schemas.openxmlformats.org/presentationml/2006/main">
   <p:cSld>
     <p:bg>
@@ -7000,13 +11020,7 @@
       </p:grpSpPr>
       <p:grpSp>
         <p:nvGrpSpPr>
-          <p:cNvPr id="14" name="그룹 13">
-            <a:extLst>
-              <a:ext uri="{FF2B5EF4-FFF2-40B4-BE49-F238E27FC236}">
-                <a16:creationId xmlns:a16="http://schemas.microsoft.com/office/drawing/2014/main" id="{396B73CE-F800-4A1D-AE24-9D8E12DDA712}"/>
-              </a:ext>
-            </a:extLst>
-          </p:cNvPr>
+          <p:cNvPr id="14" name="그룹 13"/>
           <p:cNvGrpSpPr/>
           <p:nvPr/>
         </p:nvGrpSpPr>
@@ -7020,13 +11034,7 @@
         </p:grpSpPr>
         <p:sp>
           <p:nvSpPr>
-            <p:cNvPr id="21" name="직사각형 20">
-              <a:extLst>
-                <a:ext uri="{FF2B5EF4-FFF2-40B4-BE49-F238E27FC236}">
-                  <a16:creationId xmlns:a16="http://schemas.microsoft.com/office/drawing/2014/main" id="{50BA65FB-7E08-41E7-A78D-7AFB3E109FE8}"/>
-                </a:ext>
-              </a:extLst>
-            </p:cNvPr>
+            <p:cNvPr id="21" name="직사각형 20"/>
             <p:cNvSpPr/>
             <p:nvPr/>
           </p:nvSpPr>
@@ -7074,13 +11082,7 @@
         </p:sp>
         <p:sp>
           <p:nvSpPr>
-            <p:cNvPr id="20" name="직사각형 19">
-              <a:extLst>
-                <a:ext uri="{FF2B5EF4-FFF2-40B4-BE49-F238E27FC236}">
-                  <a16:creationId xmlns:a16="http://schemas.microsoft.com/office/drawing/2014/main" id="{7238623C-05F9-43A9-97A5-B63E9AF83BE9}"/>
-                </a:ext>
-              </a:extLst>
-            </p:cNvPr>
+            <p:cNvPr id="20" name="직사각형 19"/>
             <p:cNvSpPr/>
             <p:nvPr/>
           </p:nvSpPr>
@@ -7133,13 +11135,7 @@
         </p:sp>
         <p:sp>
           <p:nvSpPr>
-            <p:cNvPr id="18" name="TextBox 17">
-              <a:extLst>
-                <a:ext uri="{FF2B5EF4-FFF2-40B4-BE49-F238E27FC236}">
-                  <a16:creationId xmlns:a16="http://schemas.microsoft.com/office/drawing/2014/main" id="{BC6B889D-6283-4B7F-8672-D8F2209C56F5}"/>
-                </a:ext>
-              </a:extLst>
-            </p:cNvPr>
+            <p:cNvPr id="18" name="TextBox 17"/>
             <p:cNvSpPr txBox="1"/>
             <p:nvPr/>
           </p:nvSpPr>
@@ -7169,16 +11165,18 @@
                 </a:rPr>
                 <a:t>참고문헌</a:t>
               </a:r>
+              <a:endParaRPr lang="ko-KR" altLang="en-US" sz="4000" dirty="0">
+                <a:solidFill>
+                  <a:schemeClr val="bg1"/>
+                </a:solidFill>
+                <a:latin typeface="여기어때 잘난체" panose="020B0600000101010101" pitchFamily="50" charset="-127"/>
+                <a:ea typeface="여기어때 잘난체" panose="020B0600000101010101" pitchFamily="50" charset="-127"/>
+              </a:endParaRPr>
             </a:p>
           </p:txBody>
         </p:sp>
       </p:grpSp>
     </p:spTree>
-    <p:extLst>
-      <p:ext uri="{BB962C8B-B14F-4D97-AF65-F5344CB8AC3E}">
-        <p14:creationId xmlns:p14="http://schemas.microsoft.com/office/powerpoint/2010/main" val="3477088188"/>
-      </p:ext>
-    </p:extLst>
   </p:cSld>
   <p:clrMapOvr>
     <a:masterClrMapping/>
@@ -7213,13 +11211,7 @@
       </p:grpSpPr>
       <p:sp>
         <p:nvSpPr>
-          <p:cNvPr id="15" name="직사각형 14">
-            <a:extLst>
-              <a:ext uri="{FF2B5EF4-FFF2-40B4-BE49-F238E27FC236}">
-                <a16:creationId xmlns:a16="http://schemas.microsoft.com/office/drawing/2014/main" id="{8A47EC21-B0E7-41E9-A316-8791FAADD044}"/>
-              </a:ext>
-            </a:extLst>
-          </p:cNvPr>
+          <p:cNvPr id="15" name="직사각형 14"/>
           <p:cNvSpPr/>
           <p:nvPr/>
         </p:nvSpPr>
@@ -7265,13 +11257,7 @@
       </p:sp>
       <p:sp>
         <p:nvSpPr>
-          <p:cNvPr id="2" name="TextBox 1">
-            <a:extLst>
-              <a:ext uri="{FF2B5EF4-FFF2-40B4-BE49-F238E27FC236}">
-                <a16:creationId xmlns:a16="http://schemas.microsoft.com/office/drawing/2014/main" id="{7B1D606B-08B1-EDFE-5BB3-54A81FA56665}"/>
-              </a:ext>
-            </a:extLst>
-          </p:cNvPr>
+          <p:cNvPr id="2" name="TextBox 1"/>
           <p:cNvSpPr txBox="1"/>
           <p:nvPr/>
         </p:nvSpPr>
@@ -7327,11 +11313,6 @@
         </p:txBody>
       </p:sp>
     </p:spTree>
-    <p:extLst>
-      <p:ext uri="{BB962C8B-B14F-4D97-AF65-F5344CB8AC3E}">
-        <p14:creationId xmlns:p14="http://schemas.microsoft.com/office/powerpoint/2010/main" val="2039568472"/>
-      </p:ext>
-    </p:extLst>
   </p:cSld>
   <p:clrMapOvr>
     <a:masterClrMapping/>
@@ -7366,13 +11347,7 @@
       </p:grpSpPr>
       <p:sp>
         <p:nvSpPr>
-          <p:cNvPr id="15" name="직사각형 14">
-            <a:extLst>
-              <a:ext uri="{FF2B5EF4-FFF2-40B4-BE49-F238E27FC236}">
-                <a16:creationId xmlns:a16="http://schemas.microsoft.com/office/drawing/2014/main" id="{8A47EC21-B0E7-41E9-A316-8791FAADD044}"/>
-              </a:ext>
-            </a:extLst>
-          </p:cNvPr>
+          <p:cNvPr id="15" name="직사각형 14"/>
           <p:cNvSpPr/>
           <p:nvPr/>
         </p:nvSpPr>
@@ -7420,13 +11395,7 @@
       </p:sp>
       <p:sp>
         <p:nvSpPr>
-          <p:cNvPr id="18" name="TextBox 17">
-            <a:extLst>
-              <a:ext uri="{FF2B5EF4-FFF2-40B4-BE49-F238E27FC236}">
-                <a16:creationId xmlns:a16="http://schemas.microsoft.com/office/drawing/2014/main" id="{BC6B889D-6283-4B7F-8672-D8F2209C56F5}"/>
-              </a:ext>
-            </a:extLst>
-          </p:cNvPr>
+          <p:cNvPr id="18" name="TextBox 17"/>
           <p:cNvSpPr txBox="1"/>
           <p:nvPr/>
         </p:nvSpPr>
@@ -7466,18 +11435,19 @@
               </a:rPr>
               <a:t>연구목적</a:t>
             </a:r>
-          </a:p>
-        </p:txBody>
-      </p:sp>
-      <p:sp>
-        <p:nvSpPr>
-          <p:cNvPr id="2" name="TextBox 1">
-            <a:extLst>
-              <a:ext uri="{FF2B5EF4-FFF2-40B4-BE49-F238E27FC236}">
-                <a16:creationId xmlns:a16="http://schemas.microsoft.com/office/drawing/2014/main" id="{90681DFC-7825-B27F-CDE3-7A215212CAF2}"/>
-              </a:ext>
-            </a:extLst>
-          </p:cNvPr>
+            <a:endParaRPr lang="ko-KR" altLang="en-US" sz="3200" dirty="0">
+              <a:solidFill>
+                <a:schemeClr val="bg1"/>
+              </a:solidFill>
+              <a:latin typeface="여기어때 잘난체" panose="020B0600000101010101" pitchFamily="50" charset="-127"/>
+              <a:ea typeface="여기어때 잘난체" panose="020B0600000101010101" pitchFamily="50" charset="-127"/>
+            </a:endParaRPr>
+          </a:p>
+        </p:txBody>
+      </p:sp>
+      <p:sp>
+        <p:nvSpPr>
+          <p:cNvPr id="2" name="TextBox 1"/>
           <p:cNvSpPr txBox="1"/>
           <p:nvPr/>
         </p:nvSpPr>
@@ -7525,18 +11495,16 @@
               </a:rPr>
               <a:t>에 대한 이해 </a:t>
             </a:r>
-          </a:p>
-        </p:txBody>
-      </p:sp>
-      <p:sp>
-        <p:nvSpPr>
-          <p:cNvPr id="3" name="TextBox 2">
-            <a:extLst>
-              <a:ext uri="{FF2B5EF4-FFF2-40B4-BE49-F238E27FC236}">
-                <a16:creationId xmlns:a16="http://schemas.microsoft.com/office/drawing/2014/main" id="{4B9C2B75-B77D-6A45-895F-A74357F6CD0B}"/>
-              </a:ext>
-            </a:extLst>
-          </p:cNvPr>
+            <a:endParaRPr lang="ko-KR" altLang="en-US" sz="2000" dirty="0">
+              <a:latin typeface="G마켓 산스 TTF Light" panose="02000000000000000000" pitchFamily="2" charset="-127"/>
+              <a:ea typeface="G마켓 산스 TTF Light" panose="02000000000000000000" pitchFamily="2" charset="-127"/>
+            </a:endParaRPr>
+          </a:p>
+        </p:txBody>
+      </p:sp>
+      <p:sp>
+        <p:nvSpPr>
+          <p:cNvPr id="3" name="TextBox 2"/>
           <p:cNvSpPr txBox="1"/>
           <p:nvPr/>
         </p:nvSpPr>
@@ -7584,18 +11552,16 @@
               </a:rPr>
               <a:t>게임을 제작</a:t>
             </a:r>
-          </a:p>
-        </p:txBody>
-      </p:sp>
-      <p:sp>
-        <p:nvSpPr>
-          <p:cNvPr id="4" name="TextBox 3">
-            <a:extLst>
-              <a:ext uri="{FF2B5EF4-FFF2-40B4-BE49-F238E27FC236}">
-                <a16:creationId xmlns:a16="http://schemas.microsoft.com/office/drawing/2014/main" id="{3DC856D3-1FE1-6674-A5D7-68014DAFC5BF}"/>
-              </a:ext>
-            </a:extLst>
-          </p:cNvPr>
+            <a:endParaRPr lang="ko-KR" altLang="en-US" sz="2800" dirty="0">
+              <a:latin typeface="G마켓 산스 TTF Medium" panose="02000000000000000000" pitchFamily="2" charset="-127"/>
+              <a:ea typeface="G마켓 산스 TTF Medium" panose="02000000000000000000" pitchFamily="2" charset="-127"/>
+            </a:endParaRPr>
+          </a:p>
+        </p:txBody>
+      </p:sp>
+      <p:sp>
+        <p:nvSpPr>
+          <p:cNvPr id="4" name="TextBox 3"/>
           <p:cNvSpPr txBox="1"/>
           <p:nvPr/>
         </p:nvSpPr>
@@ -7681,18 +11647,16 @@
               </a:rPr>
               <a:t>모델 애니메이션에 대한 이해</a:t>
             </a:r>
-          </a:p>
-        </p:txBody>
-      </p:sp>
-      <p:sp>
-        <p:nvSpPr>
-          <p:cNvPr id="5" name="TextBox 4">
-            <a:extLst>
-              <a:ext uri="{FF2B5EF4-FFF2-40B4-BE49-F238E27FC236}">
-                <a16:creationId xmlns:a16="http://schemas.microsoft.com/office/drawing/2014/main" id="{3C29A9BF-4DA5-6D55-8B5A-88B3F778045F}"/>
-              </a:ext>
-            </a:extLst>
-          </p:cNvPr>
+            <a:endParaRPr lang="ko-KR" altLang="en-US" sz="2000" dirty="0">
+              <a:latin typeface="G마켓 산스 TTF Light" panose="02000000000000000000" pitchFamily="2" charset="-127"/>
+              <a:ea typeface="G마켓 산스 TTF Light" panose="02000000000000000000" pitchFamily="2" charset="-127"/>
+            </a:endParaRPr>
+          </a:p>
+        </p:txBody>
+      </p:sp>
+      <p:sp>
+        <p:nvSpPr>
+          <p:cNvPr id="5" name="TextBox 4"/>
           <p:cNvSpPr txBox="1"/>
           <p:nvPr/>
         </p:nvSpPr>
@@ -7719,15 +11683,14 @@
               </a:rPr>
               <a:t>그래픽 처리 장치를 활용</a:t>
             </a:r>
+            <a:endParaRPr lang="ko-KR" altLang="en-US" sz="2800" dirty="0">
+              <a:latin typeface="G마켓 산스 TTF Medium" panose="02000000000000000000" pitchFamily="2" charset="-127"/>
+              <a:ea typeface="G마켓 산스 TTF Medium" panose="02000000000000000000" pitchFamily="2" charset="-127"/>
+            </a:endParaRPr>
           </a:p>
         </p:txBody>
       </p:sp>
     </p:spTree>
-    <p:extLst>
-      <p:ext uri="{BB962C8B-B14F-4D97-AF65-F5344CB8AC3E}">
-        <p14:creationId xmlns:p14="http://schemas.microsoft.com/office/powerpoint/2010/main" val="959963826"/>
-      </p:ext>
-    </p:extLst>
   </p:cSld>
   <p:clrMapOvr>
     <a:masterClrMapping/>
@@ -7762,13 +11725,7 @@
       </p:grpSpPr>
       <p:sp>
         <p:nvSpPr>
-          <p:cNvPr id="15" name="직사각형 14">
-            <a:extLst>
-              <a:ext uri="{FF2B5EF4-FFF2-40B4-BE49-F238E27FC236}">
-                <a16:creationId xmlns:a16="http://schemas.microsoft.com/office/drawing/2014/main" id="{8A47EC21-B0E7-41E9-A316-8791FAADD044}"/>
-              </a:ext>
-            </a:extLst>
-          </p:cNvPr>
+          <p:cNvPr id="15" name="직사각형 14"/>
           <p:cNvSpPr/>
           <p:nvPr/>
         </p:nvSpPr>
@@ -7814,13 +11771,7 @@
       </p:sp>
       <p:sp>
         <p:nvSpPr>
-          <p:cNvPr id="2" name="TextBox 1">
-            <a:extLst>
-              <a:ext uri="{FF2B5EF4-FFF2-40B4-BE49-F238E27FC236}">
-                <a16:creationId xmlns:a16="http://schemas.microsoft.com/office/drawing/2014/main" id="{7B1D606B-08B1-EDFE-5BB3-54A81FA56665}"/>
-              </a:ext>
-            </a:extLst>
-          </p:cNvPr>
+          <p:cNvPr id="2" name="TextBox 1"/>
           <p:cNvSpPr txBox="1"/>
           <p:nvPr/>
         </p:nvSpPr>
@@ -7876,11 +11827,6 @@
         </p:txBody>
       </p:sp>
     </p:spTree>
-    <p:extLst>
-      <p:ext uri="{BB962C8B-B14F-4D97-AF65-F5344CB8AC3E}">
-        <p14:creationId xmlns:p14="http://schemas.microsoft.com/office/powerpoint/2010/main" val="2615462370"/>
-      </p:ext>
-    </p:extLst>
   </p:cSld>
   <p:clrMapOvr>
     <a:masterClrMapping/>
@@ -7915,13 +11861,7 @@
       </p:grpSpPr>
       <p:sp>
         <p:nvSpPr>
-          <p:cNvPr id="15" name="직사각형 14">
-            <a:extLst>
-              <a:ext uri="{FF2B5EF4-FFF2-40B4-BE49-F238E27FC236}">
-                <a16:creationId xmlns:a16="http://schemas.microsoft.com/office/drawing/2014/main" id="{8A47EC21-B0E7-41E9-A316-8791FAADD044}"/>
-              </a:ext>
-            </a:extLst>
-          </p:cNvPr>
+          <p:cNvPr id="15" name="직사각형 14"/>
           <p:cNvSpPr/>
           <p:nvPr/>
         </p:nvSpPr>
@@ -7969,13 +11909,7 @@
       </p:sp>
       <p:sp>
         <p:nvSpPr>
-          <p:cNvPr id="18" name="TextBox 17">
-            <a:extLst>
-              <a:ext uri="{FF2B5EF4-FFF2-40B4-BE49-F238E27FC236}">
-                <a16:creationId xmlns:a16="http://schemas.microsoft.com/office/drawing/2014/main" id="{BC6B889D-6283-4B7F-8672-D8F2209C56F5}"/>
-              </a:ext>
-            </a:extLst>
-          </p:cNvPr>
+          <p:cNvPr id="18" name="TextBox 17"/>
           <p:cNvSpPr txBox="1"/>
           <p:nvPr/>
         </p:nvSpPr>
@@ -8035,18 +11969,19 @@
               </a:rPr>
               <a:t>장르 및 컨셉</a:t>
             </a:r>
-          </a:p>
-        </p:txBody>
-      </p:sp>
-      <p:sp>
-        <p:nvSpPr>
-          <p:cNvPr id="3" name="TextBox 2">
-            <a:extLst>
-              <a:ext uri="{FF2B5EF4-FFF2-40B4-BE49-F238E27FC236}">
-                <a16:creationId xmlns:a16="http://schemas.microsoft.com/office/drawing/2014/main" id="{22893B50-8D69-1C29-841F-1BC244DEB221}"/>
-              </a:ext>
-            </a:extLst>
-          </p:cNvPr>
+            <a:endParaRPr lang="ko-KR" altLang="en-US" sz="3200" dirty="0">
+              <a:solidFill>
+                <a:schemeClr val="bg1"/>
+              </a:solidFill>
+              <a:latin typeface="여기어때 잘난체" panose="020B0600000101010101" pitchFamily="50" charset="-127"/>
+              <a:ea typeface="여기어때 잘난체" panose="020B0600000101010101" pitchFamily="50" charset="-127"/>
+            </a:endParaRPr>
+          </a:p>
+        </p:txBody>
+      </p:sp>
+      <p:sp>
+        <p:nvSpPr>
+          <p:cNvPr id="3" name="TextBox 2"/>
           <p:cNvSpPr txBox="1"/>
           <p:nvPr/>
         </p:nvSpPr>
@@ -8099,6 +12034,10 @@
               </a:rPr>
               <a:t>RPG</a:t>
             </a:r>
+            <a:endParaRPr lang="en-US" altLang="ko-KR" dirty="0">
+              <a:latin typeface="G마켓 산스 TTF Medium" panose="02000000000000000000" pitchFamily="2" charset="-127"/>
+              <a:ea typeface="G마켓 산스 TTF Medium" panose="02000000000000000000" pitchFamily="2" charset="-127"/>
+            </a:endParaRPr>
           </a:p>
           <a:p>
             <a:pPr>
@@ -8191,6 +12130,10 @@
               </a:rPr>
               <a:t>.</a:t>
             </a:r>
+            <a:endParaRPr lang="en-US" altLang="ko-KR" dirty="0">
+              <a:latin typeface="G마켓 산스 TTF Medium" panose="02000000000000000000" pitchFamily="2" charset="-127"/>
+              <a:ea typeface="G마켓 산스 TTF Medium" panose="02000000000000000000" pitchFamily="2" charset="-127"/>
+            </a:endParaRPr>
           </a:p>
           <a:p>
             <a:pPr>
@@ -8219,6 +12162,10 @@
               </a:rPr>
               <a:t>.</a:t>
             </a:r>
+            <a:endParaRPr lang="en-US" altLang="ko-KR" dirty="0">
+              <a:latin typeface="G마켓 산스 TTF Medium" panose="02000000000000000000" pitchFamily="2" charset="-127"/>
+              <a:ea typeface="G마켓 산스 TTF Medium" panose="02000000000000000000" pitchFamily="2" charset="-127"/>
+            </a:endParaRPr>
           </a:p>
           <a:p>
             <a:pPr>
@@ -8261,6 +12208,10 @@
               </a:rPr>
               <a:t>.</a:t>
             </a:r>
+            <a:endParaRPr lang="en-US" altLang="ko-KR" dirty="0">
+              <a:latin typeface="G마켓 산스 TTF Medium" panose="02000000000000000000" pitchFamily="2" charset="-127"/>
+              <a:ea typeface="G마켓 산스 TTF Medium" panose="02000000000000000000" pitchFamily="2" charset="-127"/>
+            </a:endParaRPr>
           </a:p>
           <a:p>
             <a:pPr>
@@ -8289,6 +12240,10 @@
               </a:rPr>
               <a:t>.</a:t>
             </a:r>
+            <a:endParaRPr lang="en-US" altLang="ko-KR" dirty="0">
+              <a:latin typeface="G마켓 산스 TTF Medium" panose="02000000000000000000" pitchFamily="2" charset="-127"/>
+              <a:ea typeface="G마켓 산스 TTF Medium" panose="02000000000000000000" pitchFamily="2" charset="-127"/>
+            </a:endParaRPr>
           </a:p>
           <a:p>
             <a:pPr>
@@ -8304,11 +12259,6 @@
         </p:txBody>
       </p:sp>
     </p:spTree>
-    <p:extLst>
-      <p:ext uri="{BB962C8B-B14F-4D97-AF65-F5344CB8AC3E}">
-        <p14:creationId xmlns:p14="http://schemas.microsoft.com/office/powerpoint/2010/main" val="3160082993"/>
-      </p:ext>
-    </p:extLst>
   </p:cSld>
   <p:clrMapOvr>
     <a:masterClrMapping/>
@@ -8343,13 +12293,7 @@
       </p:grpSpPr>
       <p:sp>
         <p:nvSpPr>
-          <p:cNvPr id="15" name="직사각형 14">
-            <a:extLst>
-              <a:ext uri="{FF2B5EF4-FFF2-40B4-BE49-F238E27FC236}">
-                <a16:creationId xmlns:a16="http://schemas.microsoft.com/office/drawing/2014/main" id="{8A47EC21-B0E7-41E9-A316-8791FAADD044}"/>
-              </a:ext>
-            </a:extLst>
-          </p:cNvPr>
+          <p:cNvPr id="15" name="직사각형 14"/>
           <p:cNvSpPr/>
           <p:nvPr/>
         </p:nvSpPr>
@@ -8397,13 +12341,7 @@
       </p:sp>
       <p:sp>
         <p:nvSpPr>
-          <p:cNvPr id="18" name="TextBox 17">
-            <a:extLst>
-              <a:ext uri="{FF2B5EF4-FFF2-40B4-BE49-F238E27FC236}">
-                <a16:creationId xmlns:a16="http://schemas.microsoft.com/office/drawing/2014/main" id="{BC6B889D-6283-4B7F-8672-D8F2209C56F5}"/>
-              </a:ext>
-            </a:extLst>
-          </p:cNvPr>
+          <p:cNvPr id="18" name="TextBox 17"/>
           <p:cNvSpPr txBox="1"/>
           <p:nvPr/>
         </p:nvSpPr>
@@ -8463,18 +12401,19 @@
               </a:rPr>
               <a:t>게임 흐름도</a:t>
             </a:r>
-          </a:p>
-        </p:txBody>
-      </p:sp>
-      <p:sp>
-        <p:nvSpPr>
-          <p:cNvPr id="3" name="TextBox 2">
-            <a:extLst>
-              <a:ext uri="{FF2B5EF4-FFF2-40B4-BE49-F238E27FC236}">
-                <a16:creationId xmlns:a16="http://schemas.microsoft.com/office/drawing/2014/main" id="{22893B50-8D69-1C29-841F-1BC244DEB221}"/>
-              </a:ext>
-            </a:extLst>
-          </p:cNvPr>
+            <a:endParaRPr lang="ko-KR" altLang="en-US" sz="3200" dirty="0">
+              <a:solidFill>
+                <a:schemeClr val="bg1"/>
+              </a:solidFill>
+              <a:latin typeface="여기어때 잘난체" panose="020B0600000101010101" pitchFamily="50" charset="-127"/>
+              <a:ea typeface="여기어때 잘난체" panose="020B0600000101010101" pitchFamily="50" charset="-127"/>
+            </a:endParaRPr>
+          </a:p>
+        </p:txBody>
+      </p:sp>
+      <p:sp>
+        <p:nvSpPr>
+          <p:cNvPr id="3" name="TextBox 2"/>
           <p:cNvSpPr txBox="1"/>
           <p:nvPr/>
         </p:nvSpPr>
@@ -8563,13 +12502,7 @@
       </p:sp>
       <p:sp>
         <p:nvSpPr>
-          <p:cNvPr id="6" name="TextBox 5">
-            <a:extLst>
-              <a:ext uri="{FF2B5EF4-FFF2-40B4-BE49-F238E27FC236}">
-                <a16:creationId xmlns:a16="http://schemas.microsoft.com/office/drawing/2014/main" id="{79315056-4920-9B12-ADF7-747C5731EF0C}"/>
-              </a:ext>
-            </a:extLst>
-          </p:cNvPr>
+          <p:cNvPr id="6" name="TextBox 5"/>
           <p:cNvSpPr txBox="1"/>
           <p:nvPr/>
         </p:nvSpPr>
@@ -8622,13 +12555,7 @@
       </p:sp>
       <p:sp>
         <p:nvSpPr>
-          <p:cNvPr id="8" name="TextBox 7">
-            <a:extLst>
-              <a:ext uri="{FF2B5EF4-FFF2-40B4-BE49-F238E27FC236}">
-                <a16:creationId xmlns:a16="http://schemas.microsoft.com/office/drawing/2014/main" id="{65E054FF-7C02-C04B-A8A3-30CF453D64ED}"/>
-              </a:ext>
-            </a:extLst>
-          </p:cNvPr>
+          <p:cNvPr id="8" name="TextBox 7"/>
           <p:cNvSpPr txBox="1"/>
           <p:nvPr/>
         </p:nvSpPr>
@@ -8692,16 +12619,8 @@
       </p:sp>
       <p:cxnSp>
         <p:nvCxnSpPr>
-          <p:cNvPr id="10" name="직선 화살표 연결선 9">
-            <a:extLst>
-              <a:ext uri="{FF2B5EF4-FFF2-40B4-BE49-F238E27FC236}">
-                <a16:creationId xmlns:a16="http://schemas.microsoft.com/office/drawing/2014/main" id="{277EE4A8-1D8A-4383-AC78-C5DF4275D6B2}"/>
-              </a:ext>
-            </a:extLst>
-          </p:cNvPr>
-          <p:cNvCxnSpPr>
-            <a:cxnSpLocks/>
-          </p:cNvCxnSpPr>
+          <p:cNvPr id="10" name="직선 화살표 연결선 9"/>
+          <p:cNvCxnSpPr/>
           <p:nvPr/>
         </p:nvCxnSpPr>
         <p:spPr>
@@ -8736,13 +12655,7 @@
       </p:cxnSp>
       <p:sp>
         <p:nvSpPr>
-          <p:cNvPr id="16" name="타원 15">
-            <a:extLst>
-              <a:ext uri="{FF2B5EF4-FFF2-40B4-BE49-F238E27FC236}">
-                <a16:creationId xmlns:a16="http://schemas.microsoft.com/office/drawing/2014/main" id="{8764B53F-E117-7BB5-61BA-8CBE952F1CD3}"/>
-              </a:ext>
-            </a:extLst>
-          </p:cNvPr>
+          <p:cNvPr id="16" name="타원 15"/>
           <p:cNvSpPr>
             <a:spLocks noChangeAspect="1"/>
           </p:cNvSpPr>
@@ -8790,13 +12703,7 @@
       </p:sp>
       <p:sp>
         <p:nvSpPr>
-          <p:cNvPr id="17" name="타원 16">
-            <a:extLst>
-              <a:ext uri="{FF2B5EF4-FFF2-40B4-BE49-F238E27FC236}">
-                <a16:creationId xmlns:a16="http://schemas.microsoft.com/office/drawing/2014/main" id="{5D7C5B11-36F9-894E-A068-469E4709A360}"/>
-              </a:ext>
-            </a:extLst>
-          </p:cNvPr>
+          <p:cNvPr id="17" name="타원 16"/>
           <p:cNvSpPr>
             <a:spLocks noChangeAspect="1"/>
           </p:cNvSpPr>
@@ -8844,13 +12751,7 @@
       </p:sp>
       <p:sp>
         <p:nvSpPr>
-          <p:cNvPr id="20" name="타원 19">
-            <a:extLst>
-              <a:ext uri="{FF2B5EF4-FFF2-40B4-BE49-F238E27FC236}">
-                <a16:creationId xmlns:a16="http://schemas.microsoft.com/office/drawing/2014/main" id="{B1BCA141-BC55-68CF-1C73-BA98CE605ACB}"/>
-              </a:ext>
-            </a:extLst>
-          </p:cNvPr>
+          <p:cNvPr id="20" name="타원 19"/>
           <p:cNvSpPr>
             <a:spLocks noChangeAspect="1"/>
           </p:cNvSpPr>
@@ -8898,13 +12799,7 @@
       </p:sp>
       <p:sp>
         <p:nvSpPr>
-          <p:cNvPr id="23" name="TextBox 22">
-            <a:extLst>
-              <a:ext uri="{FF2B5EF4-FFF2-40B4-BE49-F238E27FC236}">
-                <a16:creationId xmlns:a16="http://schemas.microsoft.com/office/drawing/2014/main" id="{3A5269FC-1EA2-368B-B797-AD8E4EBA5BBF}"/>
-              </a:ext>
-            </a:extLst>
-          </p:cNvPr>
+          <p:cNvPr id="23" name="TextBox 22"/>
           <p:cNvSpPr txBox="1"/>
           <p:nvPr/>
         </p:nvSpPr>
@@ -8949,11 +12844,6 @@
         </p:txBody>
       </p:sp>
     </p:spTree>
-    <p:extLst>
-      <p:ext uri="{BB962C8B-B14F-4D97-AF65-F5344CB8AC3E}">
-        <p14:creationId xmlns:p14="http://schemas.microsoft.com/office/powerpoint/2010/main" val="2599564626"/>
-      </p:ext>
-    </p:extLst>
   </p:cSld>
   <p:clrMapOvr>
     <a:masterClrMapping/>
@@ -8988,13 +12878,7 @@
       </p:grpSpPr>
       <p:sp>
         <p:nvSpPr>
-          <p:cNvPr id="15" name="직사각형 14">
-            <a:extLst>
-              <a:ext uri="{FF2B5EF4-FFF2-40B4-BE49-F238E27FC236}">
-                <a16:creationId xmlns:a16="http://schemas.microsoft.com/office/drawing/2014/main" id="{8A47EC21-B0E7-41E9-A316-8791FAADD044}"/>
-              </a:ext>
-            </a:extLst>
-          </p:cNvPr>
+          <p:cNvPr id="15" name="직사각형 14"/>
           <p:cNvSpPr/>
           <p:nvPr/>
         </p:nvSpPr>
@@ -9042,13 +12926,7 @@
       </p:sp>
       <p:sp>
         <p:nvSpPr>
-          <p:cNvPr id="18" name="TextBox 17">
-            <a:extLst>
-              <a:ext uri="{FF2B5EF4-FFF2-40B4-BE49-F238E27FC236}">
-                <a16:creationId xmlns:a16="http://schemas.microsoft.com/office/drawing/2014/main" id="{BC6B889D-6283-4B7F-8672-D8F2209C56F5}"/>
-              </a:ext>
-            </a:extLst>
-          </p:cNvPr>
+          <p:cNvPr id="18" name="TextBox 17"/>
           <p:cNvSpPr txBox="1"/>
           <p:nvPr/>
         </p:nvSpPr>
@@ -9108,15 +12986,17 @@
               </a:rPr>
               <a:t>게임 월드 </a:t>
             </a:r>
+            <a:endParaRPr lang="ko-KR" altLang="en-US" sz="3200" dirty="0">
+              <a:solidFill>
+                <a:schemeClr val="bg1"/>
+              </a:solidFill>
+              <a:latin typeface="여기어때 잘난체" panose="020B0600000101010101" pitchFamily="50" charset="-127"/>
+              <a:ea typeface="여기어때 잘난체" panose="020B0600000101010101" pitchFamily="50" charset="-127"/>
+            </a:endParaRPr>
           </a:p>
         </p:txBody>
       </p:sp>
     </p:spTree>
-    <p:extLst>
-      <p:ext uri="{BB962C8B-B14F-4D97-AF65-F5344CB8AC3E}">
-        <p14:creationId xmlns:p14="http://schemas.microsoft.com/office/powerpoint/2010/main" val="4134140299"/>
-      </p:ext>
-    </p:extLst>
   </p:cSld>
   <p:clrMapOvr>
     <a:masterClrMapping/>
@@ -9151,13 +13031,7 @@
       </p:grpSpPr>
       <p:sp>
         <p:nvSpPr>
-          <p:cNvPr id="15" name="직사각형 14">
-            <a:extLst>
-              <a:ext uri="{FF2B5EF4-FFF2-40B4-BE49-F238E27FC236}">
-                <a16:creationId xmlns:a16="http://schemas.microsoft.com/office/drawing/2014/main" id="{8A47EC21-B0E7-41E9-A316-8791FAADD044}"/>
-              </a:ext>
-            </a:extLst>
-          </p:cNvPr>
+          <p:cNvPr id="15" name="직사각형 14"/>
           <p:cNvSpPr/>
           <p:nvPr/>
         </p:nvSpPr>
@@ -9205,13 +13079,7 @@
       </p:sp>
       <p:sp>
         <p:nvSpPr>
-          <p:cNvPr id="18" name="TextBox 17">
-            <a:extLst>
-              <a:ext uri="{FF2B5EF4-FFF2-40B4-BE49-F238E27FC236}">
-                <a16:creationId xmlns:a16="http://schemas.microsoft.com/office/drawing/2014/main" id="{BC6B889D-6283-4B7F-8672-D8F2209C56F5}"/>
-              </a:ext>
-            </a:extLst>
-          </p:cNvPr>
+          <p:cNvPr id="18" name="TextBox 17"/>
           <p:cNvSpPr txBox="1"/>
           <p:nvPr/>
         </p:nvSpPr>
@@ -9271,15 +13139,17 @@
               </a:rPr>
               <a:t>게임 플레이어 </a:t>
             </a:r>
+            <a:endParaRPr lang="ko-KR" altLang="en-US" sz="3200" dirty="0">
+              <a:solidFill>
+                <a:schemeClr val="bg1"/>
+              </a:solidFill>
+              <a:latin typeface="여기어때 잘난체" panose="020B0600000101010101" pitchFamily="50" charset="-127"/>
+              <a:ea typeface="여기어때 잘난체" panose="020B0600000101010101" pitchFamily="50" charset="-127"/>
+            </a:endParaRPr>
           </a:p>
         </p:txBody>
       </p:sp>
     </p:spTree>
-    <p:extLst>
-      <p:ext uri="{BB962C8B-B14F-4D97-AF65-F5344CB8AC3E}">
-        <p14:creationId xmlns:p14="http://schemas.microsoft.com/office/powerpoint/2010/main" val="1256522033"/>
-      </p:ext>
-    </p:extLst>
   </p:cSld>
   <p:clrMapOvr>
     <a:masterClrMapping/>
@@ -9330,7 +13200,7 @@
     </a:clrScheme>
     <a:fontScheme name="Office 테마">
       <a:majorFont>
-        <a:latin typeface="Calibri Light" panose="020F0302020204030204"/>
+        <a:latin typeface="Calibri Light"/>
         <a:ea typeface=""/>
         <a:cs typeface=""/>
         <a:font script="Jpan" typeface="游ゴシック Light"/>
@@ -9365,7 +13235,7 @@
         <a:font script="Geor" typeface="Sylfaen"/>
       </a:majorFont>
       <a:minorFont>
-        <a:latin typeface="Calibri" panose="020F0502020204030204"/>
+        <a:latin typeface="Calibri"/>
         <a:ea typeface=""/>
         <a:cs typeface=""/>
         <a:font script="Jpan" typeface="游ゴシック"/>
@@ -9538,8 +13408,6 @@
       </a:bgFillStyleLst>
     </a:fmtScheme>
   </a:themeElements>
-  <a:objectDefaults/>
-  <a:extraClrSchemeLst/>
   <a:extLst>
     <a:ext uri="{05A4C25C-085E-4340-85A3-A5531E510DB2}">
       <thm15:themeFamily xmlns:thm15="http://schemas.microsoft.com/office/thememl/2012/main" name="Office Theme" id="{62F939B6-93AF-4DB8-9C6B-D6C7DFDC589F}" vid="{4A3C46E8-61CC-4603-A589-7422A47A8E4A}"/>

--- a/Game_Design/2019184003 김 선아 장르 제안서.pptx
+++ b/Game_Design/2019184003 김 선아 장르 제안서.pptx
@@ -5,14 +5,15 @@
     <p:sldMasterId id="2147483648" r:id="rId1"/>
   </p:sldMasterIdLst>
   <p:sldIdLst>
-    <p:sldId id="256" r:id="rId3"/>
-    <p:sldId id="259" r:id="rId4"/>
-    <p:sldId id="266" r:id="rId5"/>
-    <p:sldId id="260" r:id="rId6"/>
-    <p:sldId id="267" r:id="rId7"/>
-    <p:sldId id="268" r:id="rId8"/>
-    <p:sldId id="274" r:id="rId9"/>
-    <p:sldId id="269" r:id="rId10"/>
+    <p:sldId id="256" r:id="rId2"/>
+    <p:sldId id="259" r:id="rId3"/>
+    <p:sldId id="266" r:id="rId4"/>
+    <p:sldId id="260" r:id="rId5"/>
+    <p:sldId id="267" r:id="rId6"/>
+    <p:sldId id="268" r:id="rId7"/>
+    <p:sldId id="274" r:id="rId8"/>
+    <p:sldId id="269" r:id="rId9"/>
+    <p:sldId id="291" r:id="rId10"/>
     <p:sldId id="276" r:id="rId11"/>
     <p:sldId id="290" r:id="rId12"/>
     <p:sldId id="289" r:id="rId13"/>
@@ -124,6 +125,11 @@
       </a:defRPr>
     </a:lvl9pPr>
   </p:defaultTextStyle>
+  <p:extLst>
+    <p:ext uri="{EFAFB233-063F-42B5-8137-9DF3F51BA10A}">
+      <p15:sldGuideLst xmlns:p15="http://schemas.microsoft.com/office/powerpoint/2012/main"/>
+    </p:ext>
+  </p:extLst>
 </p:presentation>
 </file>
 
@@ -258,6 +264,7 @@
           <a:p>
             <a:fld id="{E2CF5178-EA5D-4D99-A2BC-F1725EA1756D}" type="datetimeFigureOut">
               <a:rPr lang="ko-KR" altLang="en-US" smtClean="0"/>
+              <a:t>2022-09-23</a:t>
             </a:fld>
             <a:endParaRPr lang="ko-KR" altLang="en-US"/>
           </a:p>
@@ -299,6 +306,7 @@
           <a:p>
             <a:fld id="{91B27CC0-69B9-4142-A9E6-868B02BEFE50}" type="slidenum">
               <a:rPr lang="ko-KR" altLang="en-US" smtClean="0"/>
+              <a:t>‹#›</a:t>
             </a:fld>
             <a:endParaRPr lang="ko-KR" altLang="en-US"/>
           </a:p>
@@ -372,7 +380,6 @@
               <a:rPr lang="ko-KR" altLang="en-US"/>
               <a:t>마스터 텍스트 스타일을 편집하려면 클릭</a:t>
             </a:r>
-            <a:endParaRPr lang="ko-KR" altLang="en-US"/>
           </a:p>
           <a:p>
             <a:pPr lvl="1"/>
@@ -380,7 +387,6 @@
               <a:rPr lang="ko-KR" altLang="en-US"/>
               <a:t>두 번째 수준</a:t>
             </a:r>
-            <a:endParaRPr lang="ko-KR" altLang="en-US"/>
           </a:p>
           <a:p>
             <a:pPr lvl="2"/>
@@ -388,7 +394,6 @@
               <a:rPr lang="ko-KR" altLang="en-US"/>
               <a:t>세 번째 수준</a:t>
             </a:r>
-            <a:endParaRPr lang="ko-KR" altLang="en-US"/>
           </a:p>
           <a:p>
             <a:pPr lvl="3"/>
@@ -396,7 +401,6 @@
               <a:rPr lang="ko-KR" altLang="en-US"/>
               <a:t>네 번째 수준</a:t>
             </a:r>
-            <a:endParaRPr lang="ko-KR" altLang="en-US"/>
           </a:p>
           <a:p>
             <a:pPr lvl="4"/>
@@ -425,6 +429,7 @@
           <a:p>
             <a:fld id="{E2CF5178-EA5D-4D99-A2BC-F1725EA1756D}" type="datetimeFigureOut">
               <a:rPr lang="ko-KR" altLang="en-US" smtClean="0"/>
+              <a:t>2022-09-23</a:t>
             </a:fld>
             <a:endParaRPr lang="ko-KR" altLang="en-US"/>
           </a:p>
@@ -466,6 +471,7 @@
           <a:p>
             <a:fld id="{91B27CC0-69B9-4142-A9E6-868B02BEFE50}" type="slidenum">
               <a:rPr lang="ko-KR" altLang="en-US" smtClean="0"/>
+              <a:t>‹#›</a:t>
             </a:fld>
             <a:endParaRPr lang="ko-KR" altLang="en-US"/>
           </a:p>
@@ -549,7 +555,6 @@
               <a:rPr lang="ko-KR" altLang="en-US"/>
               <a:t>마스터 텍스트 스타일을 편집하려면 클릭</a:t>
             </a:r>
-            <a:endParaRPr lang="ko-KR" altLang="en-US"/>
           </a:p>
           <a:p>
             <a:pPr lvl="1"/>
@@ -557,7 +562,6 @@
               <a:rPr lang="ko-KR" altLang="en-US"/>
               <a:t>두 번째 수준</a:t>
             </a:r>
-            <a:endParaRPr lang="ko-KR" altLang="en-US"/>
           </a:p>
           <a:p>
             <a:pPr lvl="2"/>
@@ -565,7 +569,6 @@
               <a:rPr lang="ko-KR" altLang="en-US"/>
               <a:t>세 번째 수준</a:t>
             </a:r>
-            <a:endParaRPr lang="ko-KR" altLang="en-US"/>
           </a:p>
           <a:p>
             <a:pPr lvl="3"/>
@@ -573,7 +576,6 @@
               <a:rPr lang="ko-KR" altLang="en-US"/>
               <a:t>네 번째 수준</a:t>
             </a:r>
-            <a:endParaRPr lang="ko-KR" altLang="en-US"/>
           </a:p>
           <a:p>
             <a:pPr lvl="4"/>
@@ -602,6 +604,7 @@
           <a:p>
             <a:fld id="{E2CF5178-EA5D-4D99-A2BC-F1725EA1756D}" type="datetimeFigureOut">
               <a:rPr lang="ko-KR" altLang="en-US" smtClean="0"/>
+              <a:t>2022-09-23</a:t>
             </a:fld>
             <a:endParaRPr lang="ko-KR" altLang="en-US"/>
           </a:p>
@@ -643,6 +646,7 @@
           <a:p>
             <a:fld id="{91B27CC0-69B9-4142-A9E6-868B02BEFE50}" type="slidenum">
               <a:rPr lang="ko-KR" altLang="en-US" smtClean="0"/>
+              <a:t>‹#›</a:t>
             </a:fld>
             <a:endParaRPr lang="ko-KR" altLang="en-US"/>
           </a:p>
@@ -716,7 +720,6 @@
               <a:rPr lang="ko-KR" altLang="en-US"/>
               <a:t>마스터 텍스트 스타일을 편집하려면 클릭</a:t>
             </a:r>
-            <a:endParaRPr lang="ko-KR" altLang="en-US"/>
           </a:p>
           <a:p>
             <a:pPr lvl="1"/>
@@ -724,7 +727,6 @@
               <a:rPr lang="ko-KR" altLang="en-US"/>
               <a:t>두 번째 수준</a:t>
             </a:r>
-            <a:endParaRPr lang="ko-KR" altLang="en-US"/>
           </a:p>
           <a:p>
             <a:pPr lvl="2"/>
@@ -732,7 +734,6 @@
               <a:rPr lang="ko-KR" altLang="en-US"/>
               <a:t>세 번째 수준</a:t>
             </a:r>
-            <a:endParaRPr lang="ko-KR" altLang="en-US"/>
           </a:p>
           <a:p>
             <a:pPr lvl="3"/>
@@ -740,7 +741,6 @@
               <a:rPr lang="ko-KR" altLang="en-US"/>
               <a:t>네 번째 수준</a:t>
             </a:r>
-            <a:endParaRPr lang="ko-KR" altLang="en-US"/>
           </a:p>
           <a:p>
             <a:pPr lvl="4"/>
@@ -769,6 +769,7 @@
           <a:p>
             <a:fld id="{E2CF5178-EA5D-4D99-A2BC-F1725EA1756D}" type="datetimeFigureOut">
               <a:rPr lang="ko-KR" altLang="en-US" smtClean="0"/>
+              <a:t>2022-09-23</a:t>
             </a:fld>
             <a:endParaRPr lang="ko-KR" altLang="en-US"/>
           </a:p>
@@ -810,6 +811,7 @@
           <a:p>
             <a:fld id="{91B27CC0-69B9-4142-A9E6-868B02BEFE50}" type="slidenum">
               <a:rPr lang="ko-KR" altLang="en-US" smtClean="0"/>
+              <a:t>‹#›</a:t>
             </a:fld>
             <a:endParaRPr lang="ko-KR" altLang="en-US"/>
           </a:p>
@@ -988,7 +990,6 @@
               <a:rPr lang="ko-KR" altLang="en-US"/>
               <a:t>마스터 텍스트 스타일을 편집하려면 클릭</a:t>
             </a:r>
-            <a:endParaRPr lang="ko-KR" altLang="en-US"/>
           </a:p>
         </p:txBody>
       </p:sp>
@@ -1009,6 +1010,7 @@
           <a:p>
             <a:fld id="{E2CF5178-EA5D-4D99-A2BC-F1725EA1756D}" type="datetimeFigureOut">
               <a:rPr lang="ko-KR" altLang="en-US" smtClean="0"/>
+              <a:t>2022-09-23</a:t>
             </a:fld>
             <a:endParaRPr lang="ko-KR" altLang="en-US"/>
           </a:p>
@@ -1050,6 +1052,7 @@
           <a:p>
             <a:fld id="{91B27CC0-69B9-4142-A9E6-868B02BEFE50}" type="slidenum">
               <a:rPr lang="ko-KR" altLang="en-US" smtClean="0"/>
+              <a:t>‹#›</a:t>
             </a:fld>
             <a:endParaRPr lang="ko-KR" altLang="en-US"/>
           </a:p>
@@ -1128,7 +1131,6 @@
               <a:rPr lang="ko-KR" altLang="en-US"/>
               <a:t>마스터 텍스트 스타일을 편집하려면 클릭</a:t>
             </a:r>
-            <a:endParaRPr lang="ko-KR" altLang="en-US"/>
           </a:p>
           <a:p>
             <a:pPr lvl="1"/>
@@ -1136,7 +1138,6 @@
               <a:rPr lang="ko-KR" altLang="en-US"/>
               <a:t>두 번째 수준</a:t>
             </a:r>
-            <a:endParaRPr lang="ko-KR" altLang="en-US"/>
           </a:p>
           <a:p>
             <a:pPr lvl="2"/>
@@ -1144,7 +1145,6 @@
               <a:rPr lang="ko-KR" altLang="en-US"/>
               <a:t>세 번째 수준</a:t>
             </a:r>
-            <a:endParaRPr lang="ko-KR" altLang="en-US"/>
           </a:p>
           <a:p>
             <a:pPr lvl="3"/>
@@ -1152,7 +1152,6 @@
               <a:rPr lang="ko-KR" altLang="en-US"/>
               <a:t>네 번째 수준</a:t>
             </a:r>
-            <a:endParaRPr lang="ko-KR" altLang="en-US"/>
           </a:p>
           <a:p>
             <a:pPr lvl="4"/>
@@ -1189,7 +1188,6 @@
               <a:rPr lang="ko-KR" altLang="en-US"/>
               <a:t>마스터 텍스트 스타일을 편집하려면 클릭</a:t>
             </a:r>
-            <a:endParaRPr lang="ko-KR" altLang="en-US"/>
           </a:p>
           <a:p>
             <a:pPr lvl="1"/>
@@ -1197,7 +1195,6 @@
               <a:rPr lang="ko-KR" altLang="en-US"/>
               <a:t>두 번째 수준</a:t>
             </a:r>
-            <a:endParaRPr lang="ko-KR" altLang="en-US"/>
           </a:p>
           <a:p>
             <a:pPr lvl="2"/>
@@ -1205,7 +1202,6 @@
               <a:rPr lang="ko-KR" altLang="en-US"/>
               <a:t>세 번째 수준</a:t>
             </a:r>
-            <a:endParaRPr lang="ko-KR" altLang="en-US"/>
           </a:p>
           <a:p>
             <a:pPr lvl="3"/>
@@ -1213,7 +1209,6 @@
               <a:rPr lang="ko-KR" altLang="en-US"/>
               <a:t>네 번째 수준</a:t>
             </a:r>
-            <a:endParaRPr lang="ko-KR" altLang="en-US"/>
           </a:p>
           <a:p>
             <a:pPr lvl="4"/>
@@ -1242,6 +1237,7 @@
           <a:p>
             <a:fld id="{E2CF5178-EA5D-4D99-A2BC-F1725EA1756D}" type="datetimeFigureOut">
               <a:rPr lang="ko-KR" altLang="en-US" smtClean="0"/>
+              <a:t>2022-09-23</a:t>
             </a:fld>
             <a:endParaRPr lang="ko-KR" altLang="en-US"/>
           </a:p>
@@ -1283,6 +1279,7 @@
           <a:p>
             <a:fld id="{91B27CC0-69B9-4142-A9E6-868B02BEFE50}" type="slidenum">
               <a:rPr lang="ko-KR" altLang="en-US" smtClean="0"/>
+              <a:t>‹#›</a:t>
             </a:fld>
             <a:endParaRPr lang="ko-KR" altLang="en-US"/>
           </a:p>
@@ -1403,7 +1400,6 @@
               <a:rPr lang="ko-KR" altLang="en-US"/>
               <a:t>마스터 텍스트 스타일을 편집하려면 클릭</a:t>
             </a:r>
-            <a:endParaRPr lang="ko-KR" altLang="en-US"/>
           </a:p>
         </p:txBody>
       </p:sp>
@@ -1432,7 +1428,6 @@
               <a:rPr lang="ko-KR" altLang="en-US"/>
               <a:t>마스터 텍스트 스타일을 편집하려면 클릭</a:t>
             </a:r>
-            <a:endParaRPr lang="ko-KR" altLang="en-US"/>
           </a:p>
           <a:p>
             <a:pPr lvl="1"/>
@@ -1440,7 +1435,6 @@
               <a:rPr lang="ko-KR" altLang="en-US"/>
               <a:t>두 번째 수준</a:t>
             </a:r>
-            <a:endParaRPr lang="ko-KR" altLang="en-US"/>
           </a:p>
           <a:p>
             <a:pPr lvl="2"/>
@@ -1448,7 +1442,6 @@
               <a:rPr lang="ko-KR" altLang="en-US"/>
               <a:t>세 번째 수준</a:t>
             </a:r>
-            <a:endParaRPr lang="ko-KR" altLang="en-US"/>
           </a:p>
           <a:p>
             <a:pPr lvl="3"/>
@@ -1456,7 +1449,6 @@
               <a:rPr lang="ko-KR" altLang="en-US"/>
               <a:t>네 번째 수준</a:t>
             </a:r>
-            <a:endParaRPr lang="ko-KR" altLang="en-US"/>
           </a:p>
           <a:p>
             <a:pPr lvl="4"/>
@@ -1530,7 +1522,6 @@
               <a:rPr lang="ko-KR" altLang="en-US"/>
               <a:t>마스터 텍스트 스타일을 편집하려면 클릭</a:t>
             </a:r>
-            <a:endParaRPr lang="ko-KR" altLang="en-US"/>
           </a:p>
         </p:txBody>
       </p:sp>
@@ -1559,7 +1550,6 @@
               <a:rPr lang="ko-KR" altLang="en-US"/>
               <a:t>마스터 텍스트 스타일을 편집하려면 클릭</a:t>
             </a:r>
-            <a:endParaRPr lang="ko-KR" altLang="en-US"/>
           </a:p>
           <a:p>
             <a:pPr lvl="1"/>
@@ -1567,7 +1557,6 @@
               <a:rPr lang="ko-KR" altLang="en-US"/>
               <a:t>두 번째 수준</a:t>
             </a:r>
-            <a:endParaRPr lang="ko-KR" altLang="en-US"/>
           </a:p>
           <a:p>
             <a:pPr lvl="2"/>
@@ -1575,7 +1564,6 @@
               <a:rPr lang="ko-KR" altLang="en-US"/>
               <a:t>세 번째 수준</a:t>
             </a:r>
-            <a:endParaRPr lang="ko-KR" altLang="en-US"/>
           </a:p>
           <a:p>
             <a:pPr lvl="3"/>
@@ -1583,7 +1571,6 @@
               <a:rPr lang="ko-KR" altLang="en-US"/>
               <a:t>네 번째 수준</a:t>
             </a:r>
-            <a:endParaRPr lang="ko-KR" altLang="en-US"/>
           </a:p>
           <a:p>
             <a:pPr lvl="4"/>
@@ -1612,6 +1599,7 @@
           <a:p>
             <a:fld id="{E2CF5178-EA5D-4D99-A2BC-F1725EA1756D}" type="datetimeFigureOut">
               <a:rPr lang="ko-KR" altLang="en-US" smtClean="0"/>
+              <a:t>2022-09-23</a:t>
             </a:fld>
             <a:endParaRPr lang="ko-KR" altLang="en-US"/>
           </a:p>
@@ -1653,6 +1641,7 @@
           <a:p>
             <a:fld id="{91B27CC0-69B9-4142-A9E6-868B02BEFE50}" type="slidenum">
               <a:rPr lang="ko-KR" altLang="en-US" smtClean="0"/>
+              <a:t>‹#›</a:t>
             </a:fld>
             <a:endParaRPr lang="ko-KR" altLang="en-US"/>
           </a:p>
@@ -1723,6 +1712,7 @@
           <a:p>
             <a:fld id="{E2CF5178-EA5D-4D99-A2BC-F1725EA1756D}" type="datetimeFigureOut">
               <a:rPr lang="ko-KR" altLang="en-US" smtClean="0"/>
+              <a:t>2022-09-23</a:t>
             </a:fld>
             <a:endParaRPr lang="ko-KR" altLang="en-US"/>
           </a:p>
@@ -1764,6 +1754,7 @@
           <a:p>
             <a:fld id="{91B27CC0-69B9-4142-A9E6-868B02BEFE50}" type="slidenum">
               <a:rPr lang="ko-KR" altLang="en-US" smtClean="0"/>
+              <a:t>‹#›</a:t>
             </a:fld>
             <a:endParaRPr lang="ko-KR" altLang="en-US"/>
           </a:p>
@@ -1811,6 +1802,7 @@
           <a:p>
             <a:fld id="{E2CF5178-EA5D-4D99-A2BC-F1725EA1756D}" type="datetimeFigureOut">
               <a:rPr lang="ko-KR" altLang="en-US" smtClean="0"/>
+              <a:t>2022-09-23</a:t>
             </a:fld>
             <a:endParaRPr lang="ko-KR" altLang="en-US"/>
           </a:p>
@@ -1852,6 +1844,7 @@
           <a:p>
             <a:fld id="{91B27CC0-69B9-4142-A9E6-868B02BEFE50}" type="slidenum">
               <a:rPr lang="ko-KR" altLang="en-US" smtClean="0"/>
+              <a:t>‹#›</a:t>
             </a:fld>
             <a:endParaRPr lang="ko-KR" altLang="en-US"/>
           </a:p>
@@ -1967,7 +1960,6 @@
               <a:rPr lang="ko-KR" altLang="en-US"/>
               <a:t>마스터 텍스트 스타일을 편집하려면 클릭</a:t>
             </a:r>
-            <a:endParaRPr lang="ko-KR" altLang="en-US"/>
           </a:p>
           <a:p>
             <a:pPr lvl="1"/>
@@ -1975,7 +1967,6 @@
               <a:rPr lang="ko-KR" altLang="en-US"/>
               <a:t>두 번째 수준</a:t>
             </a:r>
-            <a:endParaRPr lang="ko-KR" altLang="en-US"/>
           </a:p>
           <a:p>
             <a:pPr lvl="2"/>
@@ -1983,7 +1974,6 @@
               <a:rPr lang="ko-KR" altLang="en-US"/>
               <a:t>세 번째 수준</a:t>
             </a:r>
-            <a:endParaRPr lang="ko-KR" altLang="en-US"/>
           </a:p>
           <a:p>
             <a:pPr lvl="3"/>
@@ -1991,7 +1981,6 @@
               <a:rPr lang="ko-KR" altLang="en-US"/>
               <a:t>네 번째 수준</a:t>
             </a:r>
-            <a:endParaRPr lang="ko-KR" altLang="en-US"/>
           </a:p>
           <a:p>
             <a:pPr lvl="4"/>
@@ -2065,7 +2054,6 @@
               <a:rPr lang="ko-KR" altLang="en-US"/>
               <a:t>마스터 텍스트 스타일을 편집하려면 클릭</a:t>
             </a:r>
-            <a:endParaRPr lang="ko-KR" altLang="en-US"/>
           </a:p>
         </p:txBody>
       </p:sp>
@@ -2086,6 +2074,7 @@
           <a:p>
             <a:fld id="{E2CF5178-EA5D-4D99-A2BC-F1725EA1756D}" type="datetimeFigureOut">
               <a:rPr lang="ko-KR" altLang="en-US" smtClean="0"/>
+              <a:t>2022-09-23</a:t>
             </a:fld>
             <a:endParaRPr lang="ko-KR" altLang="en-US"/>
           </a:p>
@@ -2127,6 +2116,7 @@
           <a:p>
             <a:fld id="{91B27CC0-69B9-4142-A9E6-868B02BEFE50}" type="slidenum">
               <a:rPr lang="ko-KR" altLang="en-US" smtClean="0"/>
+              <a:t>‹#›</a:t>
             </a:fld>
             <a:endParaRPr lang="ko-KR" altLang="en-US"/>
           </a:p>
@@ -2316,7 +2306,6 @@
               <a:rPr lang="ko-KR" altLang="en-US"/>
               <a:t>마스터 텍스트 스타일을 편집하려면 클릭</a:t>
             </a:r>
-            <a:endParaRPr lang="ko-KR" altLang="en-US"/>
           </a:p>
         </p:txBody>
       </p:sp>
@@ -2337,6 +2326,7 @@
           <a:p>
             <a:fld id="{E2CF5178-EA5D-4D99-A2BC-F1725EA1756D}" type="datetimeFigureOut">
               <a:rPr lang="ko-KR" altLang="en-US" smtClean="0"/>
+              <a:t>2022-09-23</a:t>
             </a:fld>
             <a:endParaRPr lang="ko-KR" altLang="en-US"/>
           </a:p>
@@ -2378,6 +2368,7 @@
           <a:p>
             <a:fld id="{91B27CC0-69B9-4142-A9E6-868B02BEFE50}" type="slidenum">
               <a:rPr lang="ko-KR" altLang="en-US" smtClean="0"/>
+              <a:t>‹#›</a:t>
             </a:fld>
             <a:endParaRPr lang="ko-KR" altLang="en-US"/>
           </a:p>
@@ -2476,7 +2467,6 @@
               <a:rPr lang="ko-KR" altLang="en-US"/>
               <a:t>마스터 텍스트 스타일을 편집하려면 클릭</a:t>
             </a:r>
-            <a:endParaRPr lang="ko-KR" altLang="en-US"/>
           </a:p>
           <a:p>
             <a:pPr lvl="1"/>
@@ -2484,7 +2474,6 @@
               <a:rPr lang="ko-KR" altLang="en-US"/>
               <a:t>두 번째 수준</a:t>
             </a:r>
-            <a:endParaRPr lang="ko-KR" altLang="en-US"/>
           </a:p>
           <a:p>
             <a:pPr lvl="2"/>
@@ -2492,7 +2481,6 @@
               <a:rPr lang="ko-KR" altLang="en-US"/>
               <a:t>세 번째 수준</a:t>
             </a:r>
-            <a:endParaRPr lang="ko-KR" altLang="en-US"/>
           </a:p>
           <a:p>
             <a:pPr lvl="3"/>
@@ -2500,7 +2488,6 @@
               <a:rPr lang="ko-KR" altLang="en-US"/>
               <a:t>네 번째 수준</a:t>
             </a:r>
-            <a:endParaRPr lang="ko-KR" altLang="en-US"/>
           </a:p>
           <a:p>
             <a:pPr lvl="4"/>
@@ -2547,6 +2534,7 @@
           <a:p>
             <a:fld id="{E2CF5178-EA5D-4D99-A2BC-F1725EA1756D}" type="datetimeFigureOut">
               <a:rPr lang="ko-KR" altLang="en-US" smtClean="0"/>
+              <a:t>2022-09-23</a:t>
             </a:fld>
             <a:endParaRPr lang="ko-KR" altLang="en-US"/>
           </a:p>
@@ -2624,6 +2612,7 @@
           <a:p>
             <a:fld id="{91B27CC0-69B9-4142-A9E6-868B02BEFE50}" type="slidenum">
               <a:rPr lang="ko-KR" altLang="en-US" smtClean="0"/>
+              <a:t>‹#›</a:t>
             </a:fld>
             <a:endParaRPr lang="ko-KR" altLang="en-US"/>
           </a:p>
@@ -3147,13 +3136,6 @@
               </a:rPr>
               <a:t>부제도 써볼까요</a:t>
             </a:r>
-            <a:endParaRPr lang="ko-KR" altLang="en-US" sz="4400" dirty="0">
-              <a:solidFill>
-                <a:schemeClr val="bg1"/>
-              </a:solidFill>
-              <a:latin typeface="여기어때 잘난체" panose="020B0600000101010101" pitchFamily="50" charset="-127"/>
-              <a:ea typeface="여기어때 잘난체" panose="020B0600000101010101" pitchFamily="50" charset="-127"/>
-            </a:endParaRPr>
           </a:p>
         </p:txBody>
       </p:sp>
@@ -3247,7 +3229,7 @@
         <p:spPr>
           <a:xfrm>
             <a:off x="469900" y="260991"/>
-            <a:ext cx="6692900" cy="583565"/>
+            <a:ext cx="6692900" cy="584775"/>
           </a:xfrm>
           <a:prstGeom prst="rect">
             <a:avLst/>
@@ -3298,1457 +3280,8 @@
                 <a:latin typeface="여기어때 잘난체" panose="020B0600000101010101" pitchFamily="50" charset="-127"/>
                 <a:ea typeface="여기어때 잘난체" panose="020B0600000101010101" pitchFamily="50" charset="-127"/>
               </a:rPr>
-              <a:t>몬스터</a:t>
-            </a:r>
-            <a:endParaRPr lang="ko-KR" altLang="en-US" sz="3200" dirty="0">
-              <a:solidFill>
-                <a:schemeClr val="bg1"/>
-              </a:solidFill>
-              <a:latin typeface="여기어때 잘난체" panose="020B0600000101010101" pitchFamily="50" charset="-127"/>
-              <a:ea typeface="여기어때 잘난체" panose="020B0600000101010101" pitchFamily="50" charset="-127"/>
-            </a:endParaRPr>
-          </a:p>
-        </p:txBody>
-      </p:sp>
-      <p:pic>
-        <p:nvPicPr>
-          <p:cNvPr id="100" name="Picture 99"/>
-          <p:cNvPicPr/>
-          <p:nvPr/>
-        </p:nvPicPr>
-        <p:blipFill>
-          <a:blip r:embed="rId1"/>
-          <a:stretch>
-            <a:fillRect/>
-          </a:stretch>
-        </p:blipFill>
-        <p:spPr>
-          <a:xfrm>
-            <a:off x="469583" y="1067118"/>
-            <a:ext cx="2143125" cy="2143125"/>
-          </a:xfrm>
-          <a:prstGeom prst="rect">
-            <a:avLst/>
-          </a:prstGeom>
-          <a:noFill/>
-          <a:ln w="9525">
-            <a:noFill/>
-          </a:ln>
-        </p:spPr>
-      </p:pic>
-      <p:sp>
-        <p:nvSpPr>
-          <p:cNvPr id="138" name="Google Shape;138;p21"/>
-          <p:cNvSpPr txBox="1"/>
-          <p:nvPr/>
-        </p:nvSpPr>
-        <p:spPr>
-          <a:xfrm>
-            <a:off x="2522855" y="1209040"/>
-            <a:ext cx="3111500" cy="2001520"/>
-          </a:xfrm>
-          <a:prstGeom prst="rect">
-            <a:avLst/>
-          </a:prstGeom>
-          <a:noFill/>
-          <a:ln>
-            <a:noFill/>
-          </a:ln>
-        </p:spPr>
-        <p:txBody>
-          <a:bodyPr spcFirstLastPara="1" wrap="square" lIns="91425" tIns="91425" rIns="91425" bIns="91425" anchor="t" anchorCtr="0">
-            <a:noAutofit/>
-          </a:bodyPr>
-          <a:p>
-            <a:pPr indent="0">
-              <a:spcBef>
-                <a:spcPts val="0"/>
-              </a:spcBef>
-              <a:spcAft>
-                <a:spcPts val="0"/>
-              </a:spcAft>
-              <a:buNone/>
-            </a:pPr>
-            <a:r>
-              <a:rPr lang="en-US" sz="1200">
-                <a:latin typeface="맑은 고딕" panose="020B0503020000020004" charset="-127"/>
-                <a:ea typeface="맑은 고딕" panose="020B0503020000020004" charset="-127"/>
-                <a:cs typeface="맑은 고딕" panose="020B0503020000020004" charset="-127"/>
-                <a:sym typeface="맑은 고딕" panose="020B0503020000020004" charset="-127"/>
-              </a:rPr>
-              <a:t>        </a:t>
-            </a:r>
-            <a:r>
-              <a:rPr lang="ko-KR" altLang="en-US" sz="1600" b="1">
-                <a:latin typeface="맑은 고딕" panose="020B0503020000020004" charset="-127"/>
-                <a:ea typeface="맑은 고딕" panose="020B0503020000020004" charset="-127"/>
-                <a:cs typeface="맑은 고딕" panose="020B0503020000020004" charset="-127"/>
-                <a:sym typeface="맑은 고딕" panose="020B0503020000020004" charset="-127"/>
-              </a:rPr>
-              <a:t>고블린</a:t>
-            </a:r>
-            <a:endParaRPr sz="1600" b="1">
-              <a:latin typeface="맑은 고딕" panose="020B0503020000020004" charset="-127"/>
-              <a:ea typeface="맑은 고딕" panose="020B0503020000020004" charset="-127"/>
-              <a:cs typeface="맑은 고딕" panose="020B0503020000020004" charset="-127"/>
-              <a:sym typeface="맑은 고딕" panose="020B0503020000020004" charset="-127"/>
-            </a:endParaRPr>
-          </a:p>
-          <a:p>
-            <a:pPr indent="0">
-              <a:spcBef>
-                <a:spcPts val="0"/>
-              </a:spcBef>
-              <a:spcAft>
-                <a:spcPts val="0"/>
-              </a:spcAft>
-              <a:buNone/>
-            </a:pPr>
-            <a:endParaRPr sz="1200">
-              <a:latin typeface="맑은 고딕" panose="020B0503020000020004" charset="-127"/>
-              <a:ea typeface="맑은 고딕" panose="020B0503020000020004" charset="-127"/>
-              <a:cs typeface="맑은 고딕" panose="020B0503020000020004" charset="-127"/>
-              <a:sym typeface="맑은 고딕" panose="020B0503020000020004" charset="-127"/>
-            </a:endParaRPr>
-          </a:p>
-          <a:p>
-            <a:pPr indent="0">
-              <a:spcBef>
-                <a:spcPts val="0"/>
-              </a:spcBef>
-              <a:spcAft>
-                <a:spcPts val="0"/>
-              </a:spcAft>
-              <a:buNone/>
-            </a:pPr>
-            <a:r>
-              <a:rPr lang="en-US" sz="1300">
-                <a:latin typeface="맑은 고딕" panose="020B0503020000020004" charset="-127"/>
-                <a:ea typeface="맑은 고딕" panose="020B0503020000020004" charset="-127"/>
-                <a:cs typeface="맑은 고딕" panose="020B0503020000020004" charset="-127"/>
-                <a:sym typeface="맑은 고딕" panose="020B0503020000020004" charset="-127"/>
-              </a:rPr>
-              <a:t>- 키 : 100cm</a:t>
-            </a:r>
-            <a:endParaRPr sz="1300">
-              <a:latin typeface="맑은 고딕" panose="020B0503020000020004" charset="-127"/>
-              <a:ea typeface="맑은 고딕" panose="020B0503020000020004" charset="-127"/>
-              <a:cs typeface="맑은 고딕" panose="020B0503020000020004" charset="-127"/>
-              <a:sym typeface="맑은 고딕" panose="020B0503020000020004" charset="-127"/>
-            </a:endParaRPr>
-          </a:p>
-          <a:p>
-            <a:pPr indent="0">
-              <a:spcBef>
-                <a:spcPts val="0"/>
-              </a:spcBef>
-              <a:spcAft>
-                <a:spcPts val="0"/>
-              </a:spcAft>
-              <a:buNone/>
-            </a:pPr>
-            <a:r>
-              <a:rPr lang="en-US" sz="1300">
-                <a:latin typeface="맑은 고딕" panose="020B0503020000020004" charset="-127"/>
-                <a:ea typeface="맑은 고딕" panose="020B0503020000020004" charset="-127"/>
-                <a:cs typeface="맑은 고딕" panose="020B0503020000020004" charset="-127"/>
-                <a:sym typeface="맑은 고딕" panose="020B0503020000020004" charset="-127"/>
-              </a:rPr>
-              <a:t>- 이동속도 : 1km/h</a:t>
-            </a:r>
-            <a:endParaRPr sz="1300">
-              <a:latin typeface="맑은 고딕" panose="020B0503020000020004" charset="-127"/>
-              <a:ea typeface="맑은 고딕" panose="020B0503020000020004" charset="-127"/>
-              <a:cs typeface="맑은 고딕" panose="020B0503020000020004" charset="-127"/>
-              <a:sym typeface="맑은 고딕" panose="020B0503020000020004" charset="-127"/>
-            </a:endParaRPr>
-          </a:p>
-          <a:p>
-            <a:pPr indent="0">
-              <a:spcBef>
-                <a:spcPts val="0"/>
-              </a:spcBef>
-              <a:spcAft>
-                <a:spcPts val="0"/>
-              </a:spcAft>
-              <a:buNone/>
-            </a:pPr>
-            <a:r>
-              <a:rPr lang="en-US" sz="1300">
-                <a:latin typeface="맑은 고딕" panose="020B0503020000020004" charset="-127"/>
-                <a:ea typeface="맑은 고딕" panose="020B0503020000020004" charset="-127"/>
-                <a:cs typeface="맑은 고딕" panose="020B0503020000020004" charset="-127"/>
-                <a:sym typeface="맑은 고딕" panose="020B0503020000020004" charset="-127"/>
-              </a:rPr>
-              <a:t>- 체력 : 100</a:t>
-            </a:r>
-            <a:endParaRPr lang="en-US" sz="1300">
-              <a:latin typeface="맑은 고딕" panose="020B0503020000020004" charset="-127"/>
-              <a:ea typeface="맑은 고딕" panose="020B0503020000020004" charset="-127"/>
-              <a:cs typeface="맑은 고딕" panose="020B0503020000020004" charset="-127"/>
-              <a:sym typeface="맑은 고딕" panose="020B0503020000020004" charset="-127"/>
-            </a:endParaRPr>
-          </a:p>
-          <a:p>
-            <a:pPr indent="0">
-              <a:spcBef>
-                <a:spcPts val="0"/>
-              </a:spcBef>
-              <a:spcAft>
-                <a:spcPts val="0"/>
-              </a:spcAft>
-              <a:buNone/>
-            </a:pPr>
-            <a:r>
-              <a:rPr lang="en-US" sz="1300">
-                <a:latin typeface="맑은 고딕" panose="020B0503020000020004" charset="-127"/>
-                <a:ea typeface="맑은 고딕" panose="020B0503020000020004" charset="-127"/>
-                <a:cs typeface="맑은 고딕" panose="020B0503020000020004" charset="-127"/>
-                <a:sym typeface="맑은 고딕" panose="020B0503020000020004" charset="-127"/>
-              </a:rPr>
-              <a:t>- </a:t>
-            </a:r>
-            <a:r>
-              <a:rPr lang="ko-KR" altLang="en-US" sz="1300">
-                <a:latin typeface="맑은 고딕" panose="020B0503020000020004" charset="-127"/>
-                <a:ea typeface="맑은 고딕" panose="020B0503020000020004" charset="-127"/>
-                <a:cs typeface="맑은 고딕" panose="020B0503020000020004" charset="-127"/>
-                <a:sym typeface="맑은 고딕" panose="020B0503020000020004" charset="-127"/>
-              </a:rPr>
-              <a:t>공격속도</a:t>
-            </a:r>
-            <a:r>
-              <a:rPr lang="en-US" altLang="ko-KR" sz="1300">
-                <a:latin typeface="맑은 고딕" panose="020B0503020000020004" charset="-127"/>
-                <a:ea typeface="맑은 고딕" panose="020B0503020000020004" charset="-127"/>
-                <a:cs typeface="맑은 고딕" panose="020B0503020000020004" charset="-127"/>
-                <a:sym typeface="맑은 고딕" panose="020B0503020000020004" charset="-127"/>
-              </a:rPr>
-              <a:t> : 1</a:t>
-            </a:r>
-            <a:r>
-              <a:rPr lang="ko-KR" altLang="en-US" sz="1300">
-                <a:latin typeface="맑은 고딕" panose="020B0503020000020004" charset="-127"/>
-                <a:ea typeface="맑은 고딕" panose="020B0503020000020004" charset="-127"/>
-                <a:cs typeface="맑은 고딕" panose="020B0503020000020004" charset="-127"/>
-                <a:sym typeface="맑은 고딕" panose="020B0503020000020004" charset="-127"/>
-              </a:rPr>
-              <a:t>초에</a:t>
-            </a:r>
-            <a:r>
-              <a:rPr lang="en-US" altLang="ko-KR" sz="1300">
-                <a:latin typeface="맑은 고딕" panose="020B0503020000020004" charset="-127"/>
-                <a:ea typeface="맑은 고딕" panose="020B0503020000020004" charset="-127"/>
-                <a:cs typeface="맑은 고딕" panose="020B0503020000020004" charset="-127"/>
-                <a:sym typeface="맑은 고딕" panose="020B0503020000020004" charset="-127"/>
-              </a:rPr>
-              <a:t> 1</a:t>
-            </a:r>
-            <a:r>
-              <a:rPr lang="ko-KR" altLang="en-US" sz="1300">
-                <a:latin typeface="맑은 고딕" panose="020B0503020000020004" charset="-127"/>
-                <a:ea typeface="맑은 고딕" panose="020B0503020000020004" charset="-127"/>
-                <a:cs typeface="맑은 고딕" panose="020B0503020000020004" charset="-127"/>
-                <a:sym typeface="맑은 고딕" panose="020B0503020000020004" charset="-127"/>
-              </a:rPr>
-              <a:t>번</a:t>
-            </a:r>
-            <a:endParaRPr sz="1300">
-              <a:latin typeface="맑은 고딕" panose="020B0503020000020004" charset="-127"/>
-              <a:ea typeface="맑은 고딕" panose="020B0503020000020004" charset="-127"/>
-              <a:cs typeface="맑은 고딕" panose="020B0503020000020004" charset="-127"/>
-              <a:sym typeface="맑은 고딕" panose="020B0503020000020004" charset="-127"/>
-            </a:endParaRPr>
-          </a:p>
-          <a:p>
-            <a:pPr indent="0">
-              <a:spcBef>
-                <a:spcPts val="0"/>
-              </a:spcBef>
-              <a:spcAft>
-                <a:spcPts val="0"/>
-              </a:spcAft>
-              <a:buNone/>
-            </a:pPr>
-            <a:r>
-              <a:rPr lang="en-US" sz="1300">
-                <a:latin typeface="맑은 고딕" panose="020B0503020000020004" charset="-127"/>
-                <a:ea typeface="맑은 고딕" panose="020B0503020000020004" charset="-127"/>
-                <a:cs typeface="맑은 고딕" panose="020B0503020000020004" charset="-127"/>
-                <a:sym typeface="맑은 고딕" panose="020B0503020000020004" charset="-127"/>
-              </a:rPr>
-              <a:t>- 데미지 : 20</a:t>
-            </a:r>
-            <a:endParaRPr sz="1300">
-              <a:latin typeface="맑은 고딕" panose="020B0503020000020004" charset="-127"/>
-              <a:ea typeface="맑은 고딕" panose="020B0503020000020004" charset="-127"/>
-              <a:cs typeface="맑은 고딕" panose="020B0503020000020004" charset="-127"/>
-              <a:sym typeface="맑은 고딕" panose="020B0503020000020004" charset="-127"/>
-            </a:endParaRPr>
-          </a:p>
-          <a:p>
-            <a:pPr indent="0">
-              <a:spcBef>
-                <a:spcPts val="0"/>
-              </a:spcBef>
-              <a:spcAft>
-                <a:spcPts val="0"/>
-              </a:spcAft>
-              <a:buNone/>
-            </a:pPr>
-            <a:r>
-              <a:rPr lang="en-US" sz="1300">
-                <a:latin typeface="맑은 고딕" panose="020B0503020000020004" charset="-127"/>
-                <a:ea typeface="맑은 고딕" panose="020B0503020000020004" charset="-127"/>
-                <a:cs typeface="맑은 고딕" panose="020B0503020000020004" charset="-127"/>
-                <a:sym typeface="맑은 고딕" panose="020B0503020000020004" charset="-127"/>
-              </a:rPr>
-              <a:t>- 애니메이션 4종(Idle, </a:t>
-            </a:r>
-            <a:r>
-              <a:rPr lang="ko-KR" altLang="en-US" sz="1300">
-                <a:latin typeface="맑은 고딕" panose="020B0503020000020004" charset="-127"/>
-                <a:ea typeface="맑은 고딕" panose="020B0503020000020004" charset="-127"/>
-                <a:cs typeface="맑은 고딕" panose="020B0503020000020004" charset="-127"/>
-                <a:sym typeface="맑은 고딕" panose="020B0503020000020004" charset="-127"/>
-              </a:rPr>
-              <a:t>이동</a:t>
-            </a:r>
-            <a:r>
-              <a:rPr lang="en-US" altLang="ko-KR" sz="1300">
-                <a:latin typeface="맑은 고딕" panose="020B0503020000020004" charset="-127"/>
-                <a:ea typeface="맑은 고딕" panose="020B0503020000020004" charset="-127"/>
-                <a:cs typeface="맑은 고딕" panose="020B0503020000020004" charset="-127"/>
-                <a:sym typeface="맑은 고딕" panose="020B0503020000020004" charset="-127"/>
-              </a:rPr>
-              <a:t>, </a:t>
-            </a:r>
-            <a:r>
-              <a:rPr lang="ko-KR" altLang="en-US" sz="1300">
-                <a:latin typeface="맑은 고딕" panose="020B0503020000020004" charset="-127"/>
-                <a:ea typeface="맑은 고딕" panose="020B0503020000020004" charset="-127"/>
-                <a:cs typeface="맑은 고딕" panose="020B0503020000020004" charset="-127"/>
-                <a:sym typeface="맑은 고딕" panose="020B0503020000020004" charset="-127"/>
-              </a:rPr>
-              <a:t>공격</a:t>
-            </a:r>
-            <a:r>
-              <a:rPr lang="en-US" altLang="ko-KR" sz="1300">
-                <a:latin typeface="맑은 고딕" panose="020B0503020000020004" charset="-127"/>
-                <a:ea typeface="맑은 고딕" panose="020B0503020000020004" charset="-127"/>
-                <a:cs typeface="맑은 고딕" panose="020B0503020000020004" charset="-127"/>
-                <a:sym typeface="맑은 고딕" panose="020B0503020000020004" charset="-127"/>
-              </a:rPr>
-              <a:t>, </a:t>
-            </a:r>
-            <a:r>
-              <a:rPr lang="ko-KR" altLang="en-US" sz="1300">
-                <a:latin typeface="맑은 고딕" panose="020B0503020000020004" charset="-127"/>
-                <a:ea typeface="맑은 고딕" panose="020B0503020000020004" charset="-127"/>
-                <a:cs typeface="맑은 고딕" panose="020B0503020000020004" charset="-127"/>
-                <a:sym typeface="맑은 고딕" panose="020B0503020000020004" charset="-127"/>
-              </a:rPr>
-              <a:t>사망</a:t>
-            </a:r>
-            <a:r>
-              <a:rPr lang="en-US" altLang="ko-KR" sz="1300">
-                <a:latin typeface="맑은 고딕" panose="020B0503020000020004" charset="-127"/>
-                <a:ea typeface="맑은 고딕" panose="020B0503020000020004" charset="-127"/>
-                <a:cs typeface="맑은 고딕" panose="020B0503020000020004" charset="-127"/>
-                <a:sym typeface="맑은 고딕" panose="020B0503020000020004" charset="-127"/>
-              </a:rPr>
-              <a:t>)</a:t>
-            </a:r>
-            <a:r>
-              <a:rPr lang="en-US" sz="1200">
-                <a:latin typeface="맑은 고딕" panose="020B0503020000020004" charset="-127"/>
-                <a:ea typeface="맑은 고딕" panose="020B0503020000020004" charset="-127"/>
-                <a:cs typeface="맑은 고딕" panose="020B0503020000020004" charset="-127"/>
-                <a:sym typeface="맑은 고딕" panose="020B0503020000020004" charset="-127"/>
-              </a:rPr>
-              <a:t> </a:t>
-            </a:r>
-            <a:endParaRPr sz="1200">
-              <a:latin typeface="맑은 고딕" panose="020B0503020000020004" charset="-127"/>
-              <a:ea typeface="맑은 고딕" panose="020B0503020000020004" charset="-127"/>
-              <a:cs typeface="맑은 고딕" panose="020B0503020000020004" charset="-127"/>
-              <a:sym typeface="맑은 고딕" panose="020B0503020000020004" charset="-127"/>
-            </a:endParaRPr>
-          </a:p>
-        </p:txBody>
-      </p:sp>
-      <p:pic>
-        <p:nvPicPr>
-          <p:cNvPr id="102" name="Picture 101"/>
-          <p:cNvPicPr/>
-          <p:nvPr/>
-        </p:nvPicPr>
-        <p:blipFill>
-          <a:blip r:embed="rId2"/>
-          <a:stretch>
-            <a:fillRect/>
-          </a:stretch>
-        </p:blipFill>
-        <p:spPr>
-          <a:xfrm>
-            <a:off x="5769610" y="943610"/>
-            <a:ext cx="2186305" cy="2390775"/>
-          </a:xfrm>
-          <a:prstGeom prst="rect">
-            <a:avLst/>
-          </a:prstGeom>
-          <a:noFill/>
-          <a:ln w="9525">
-            <a:noFill/>
-          </a:ln>
-        </p:spPr>
-      </p:pic>
-      <p:sp>
-        <p:nvSpPr>
-          <p:cNvPr id="2" name="Google Shape;138;p21"/>
-          <p:cNvSpPr txBox="1"/>
-          <p:nvPr/>
-        </p:nvSpPr>
-        <p:spPr>
-          <a:xfrm>
-            <a:off x="8091170" y="1209040"/>
-            <a:ext cx="3211195" cy="1859915"/>
-          </a:xfrm>
-          <a:prstGeom prst="rect">
-            <a:avLst/>
-          </a:prstGeom>
-          <a:noFill/>
-          <a:ln>
-            <a:noFill/>
-          </a:ln>
-        </p:spPr>
-        <p:txBody>
-          <a:bodyPr spcFirstLastPara="1" wrap="square" lIns="91425" tIns="91425" rIns="91425" bIns="91425" anchor="t" anchorCtr="0">
-            <a:noAutofit/>
-          </a:bodyPr>
-          <a:p>
-            <a:pPr indent="0">
-              <a:spcBef>
-                <a:spcPts val="0"/>
-              </a:spcBef>
-              <a:spcAft>
-                <a:spcPts val="0"/>
-              </a:spcAft>
-              <a:buNone/>
-            </a:pPr>
-            <a:r>
-              <a:rPr lang="en-US" sz="1200">
-                <a:latin typeface="맑은 고딕" panose="020B0503020000020004" charset="-127"/>
-                <a:ea typeface="맑은 고딕" panose="020B0503020000020004" charset="-127"/>
-                <a:cs typeface="맑은 고딕" panose="020B0503020000020004" charset="-127"/>
-                <a:sym typeface="맑은 고딕" panose="020B0503020000020004" charset="-127"/>
-              </a:rPr>
-              <a:t>        </a:t>
-            </a:r>
-            <a:r>
-              <a:rPr lang="ko-KR" altLang="en-US" sz="1600" b="1">
-                <a:latin typeface="맑은 고딕" panose="020B0503020000020004" charset="-127"/>
-                <a:ea typeface="맑은 고딕" panose="020B0503020000020004" charset="-127"/>
-                <a:cs typeface="맑은 고딕" panose="020B0503020000020004" charset="-127"/>
-                <a:sym typeface="맑은 고딕" panose="020B0503020000020004" charset="-127"/>
-              </a:rPr>
-              <a:t>오거</a:t>
-            </a:r>
-            <a:endParaRPr sz="1600" b="1">
-              <a:latin typeface="맑은 고딕" panose="020B0503020000020004" charset="-127"/>
-              <a:ea typeface="맑은 고딕" panose="020B0503020000020004" charset="-127"/>
-              <a:cs typeface="맑은 고딕" panose="020B0503020000020004" charset="-127"/>
-              <a:sym typeface="맑은 고딕" panose="020B0503020000020004" charset="-127"/>
-            </a:endParaRPr>
-          </a:p>
-          <a:p>
-            <a:pPr indent="0">
-              <a:spcBef>
-                <a:spcPts val="0"/>
-              </a:spcBef>
-              <a:spcAft>
-                <a:spcPts val="0"/>
-              </a:spcAft>
-              <a:buNone/>
-            </a:pPr>
-            <a:endParaRPr sz="1200">
-              <a:latin typeface="맑은 고딕" panose="020B0503020000020004" charset="-127"/>
-              <a:ea typeface="맑은 고딕" panose="020B0503020000020004" charset="-127"/>
-              <a:cs typeface="맑은 고딕" panose="020B0503020000020004" charset="-127"/>
-              <a:sym typeface="맑은 고딕" panose="020B0503020000020004" charset="-127"/>
-            </a:endParaRPr>
-          </a:p>
-          <a:p>
-            <a:pPr indent="0">
-              <a:spcBef>
-                <a:spcPts val="0"/>
-              </a:spcBef>
-              <a:spcAft>
-                <a:spcPts val="0"/>
-              </a:spcAft>
-              <a:buNone/>
-            </a:pPr>
-            <a:r>
-              <a:rPr lang="en-US" sz="1300">
-                <a:latin typeface="맑은 고딕" panose="020B0503020000020004" charset="-127"/>
-                <a:ea typeface="맑은 고딕" panose="020B0503020000020004" charset="-127"/>
-                <a:cs typeface="맑은 고딕" panose="020B0503020000020004" charset="-127"/>
-                <a:sym typeface="맑은 고딕" panose="020B0503020000020004" charset="-127"/>
-              </a:rPr>
-              <a:t>- 키 : 200cm</a:t>
-            </a:r>
-            <a:endParaRPr sz="1300">
-              <a:latin typeface="맑은 고딕" panose="020B0503020000020004" charset="-127"/>
-              <a:ea typeface="맑은 고딕" panose="020B0503020000020004" charset="-127"/>
-              <a:cs typeface="맑은 고딕" panose="020B0503020000020004" charset="-127"/>
-              <a:sym typeface="맑은 고딕" panose="020B0503020000020004" charset="-127"/>
-            </a:endParaRPr>
-          </a:p>
-          <a:p>
-            <a:pPr indent="0">
-              <a:spcBef>
-                <a:spcPts val="0"/>
-              </a:spcBef>
-              <a:spcAft>
-                <a:spcPts val="0"/>
-              </a:spcAft>
-              <a:buNone/>
-            </a:pPr>
-            <a:r>
-              <a:rPr lang="en-US" sz="1300">
-                <a:latin typeface="맑은 고딕" panose="020B0503020000020004" charset="-127"/>
-                <a:ea typeface="맑은 고딕" panose="020B0503020000020004" charset="-127"/>
-                <a:cs typeface="맑은 고딕" panose="020B0503020000020004" charset="-127"/>
-                <a:sym typeface="맑은 고딕" panose="020B0503020000020004" charset="-127"/>
-              </a:rPr>
-              <a:t>- 이동속도 : 0.7km/h</a:t>
-            </a:r>
-            <a:endParaRPr sz="1300">
-              <a:latin typeface="맑은 고딕" panose="020B0503020000020004" charset="-127"/>
-              <a:ea typeface="맑은 고딕" panose="020B0503020000020004" charset="-127"/>
-              <a:cs typeface="맑은 고딕" panose="020B0503020000020004" charset="-127"/>
-              <a:sym typeface="맑은 고딕" panose="020B0503020000020004" charset="-127"/>
-            </a:endParaRPr>
-          </a:p>
-          <a:p>
-            <a:pPr indent="0">
-              <a:spcBef>
-                <a:spcPts val="0"/>
-              </a:spcBef>
-              <a:spcAft>
-                <a:spcPts val="0"/>
-              </a:spcAft>
-              <a:buNone/>
-            </a:pPr>
-            <a:r>
-              <a:rPr lang="en-US" sz="1300">
-                <a:latin typeface="맑은 고딕" panose="020B0503020000020004" charset="-127"/>
-                <a:ea typeface="맑은 고딕" panose="020B0503020000020004" charset="-127"/>
-                <a:cs typeface="맑은 고딕" panose="020B0503020000020004" charset="-127"/>
-                <a:sym typeface="맑은 고딕" panose="020B0503020000020004" charset="-127"/>
-              </a:rPr>
-              <a:t>- 체력 : 300</a:t>
-            </a:r>
-            <a:endParaRPr lang="en-US" sz="1300">
-              <a:latin typeface="맑은 고딕" panose="020B0503020000020004" charset="-127"/>
-              <a:ea typeface="맑은 고딕" panose="020B0503020000020004" charset="-127"/>
-              <a:cs typeface="맑은 고딕" panose="020B0503020000020004" charset="-127"/>
-              <a:sym typeface="맑은 고딕" panose="020B0503020000020004" charset="-127"/>
-            </a:endParaRPr>
-          </a:p>
-          <a:p>
-            <a:pPr indent="0">
-              <a:spcBef>
-                <a:spcPts val="0"/>
-              </a:spcBef>
-              <a:spcAft>
-                <a:spcPts val="0"/>
-              </a:spcAft>
-              <a:buNone/>
-            </a:pPr>
-            <a:r>
-              <a:rPr lang="en-US" sz="1300">
-                <a:latin typeface="맑은 고딕" panose="020B0503020000020004" charset="-127"/>
-                <a:ea typeface="맑은 고딕" panose="020B0503020000020004" charset="-127"/>
-                <a:cs typeface="맑은 고딕" panose="020B0503020000020004" charset="-127"/>
-                <a:sym typeface="맑은 고딕" panose="020B0503020000020004" charset="-127"/>
-              </a:rPr>
-              <a:t>- </a:t>
-            </a:r>
-            <a:r>
-              <a:rPr lang="ko-KR" altLang="en-US" sz="1300">
-                <a:latin typeface="맑은 고딕" panose="020B0503020000020004" charset="-127"/>
-                <a:ea typeface="맑은 고딕" panose="020B0503020000020004" charset="-127"/>
-                <a:cs typeface="맑은 고딕" panose="020B0503020000020004" charset="-127"/>
-                <a:sym typeface="맑은 고딕" panose="020B0503020000020004" charset="-127"/>
-              </a:rPr>
-              <a:t>공격속도</a:t>
-            </a:r>
-            <a:r>
-              <a:rPr lang="en-US" altLang="ko-KR" sz="1300">
-                <a:latin typeface="맑은 고딕" panose="020B0503020000020004" charset="-127"/>
-                <a:ea typeface="맑은 고딕" panose="020B0503020000020004" charset="-127"/>
-                <a:cs typeface="맑은 고딕" panose="020B0503020000020004" charset="-127"/>
-                <a:sym typeface="맑은 고딕" panose="020B0503020000020004" charset="-127"/>
-              </a:rPr>
-              <a:t> : 2.5</a:t>
-            </a:r>
-            <a:r>
-              <a:rPr lang="ko-KR" altLang="en-US" sz="1300">
-                <a:latin typeface="맑은 고딕" panose="020B0503020000020004" charset="-127"/>
-                <a:ea typeface="맑은 고딕" panose="020B0503020000020004" charset="-127"/>
-                <a:cs typeface="맑은 고딕" panose="020B0503020000020004" charset="-127"/>
-                <a:sym typeface="맑은 고딕" panose="020B0503020000020004" charset="-127"/>
-              </a:rPr>
-              <a:t>초에</a:t>
-            </a:r>
-            <a:r>
-              <a:rPr lang="en-US" altLang="ko-KR" sz="1300">
-                <a:latin typeface="맑은 고딕" panose="020B0503020000020004" charset="-127"/>
-                <a:ea typeface="맑은 고딕" panose="020B0503020000020004" charset="-127"/>
-                <a:cs typeface="맑은 고딕" panose="020B0503020000020004" charset="-127"/>
-                <a:sym typeface="맑은 고딕" panose="020B0503020000020004" charset="-127"/>
-              </a:rPr>
-              <a:t> 1</a:t>
-            </a:r>
-            <a:r>
-              <a:rPr lang="ko-KR" altLang="en-US" sz="1300">
-                <a:latin typeface="맑은 고딕" panose="020B0503020000020004" charset="-127"/>
-                <a:ea typeface="맑은 고딕" panose="020B0503020000020004" charset="-127"/>
-                <a:cs typeface="맑은 고딕" panose="020B0503020000020004" charset="-127"/>
-                <a:sym typeface="맑은 고딕" panose="020B0503020000020004" charset="-127"/>
-              </a:rPr>
-              <a:t>번</a:t>
-            </a:r>
-            <a:endParaRPr sz="1300">
-              <a:latin typeface="맑은 고딕" panose="020B0503020000020004" charset="-127"/>
-              <a:ea typeface="맑은 고딕" panose="020B0503020000020004" charset="-127"/>
-              <a:cs typeface="맑은 고딕" panose="020B0503020000020004" charset="-127"/>
-              <a:sym typeface="맑은 고딕" panose="020B0503020000020004" charset="-127"/>
-            </a:endParaRPr>
-          </a:p>
-          <a:p>
-            <a:pPr indent="0">
-              <a:spcBef>
-                <a:spcPts val="0"/>
-              </a:spcBef>
-              <a:spcAft>
-                <a:spcPts val="0"/>
-              </a:spcAft>
-              <a:buNone/>
-            </a:pPr>
-            <a:r>
-              <a:rPr lang="en-US" sz="1300">
-                <a:latin typeface="맑은 고딕" panose="020B0503020000020004" charset="-127"/>
-                <a:ea typeface="맑은 고딕" panose="020B0503020000020004" charset="-127"/>
-                <a:cs typeface="맑은 고딕" panose="020B0503020000020004" charset="-127"/>
-                <a:sym typeface="맑은 고딕" panose="020B0503020000020004" charset="-127"/>
-              </a:rPr>
-              <a:t>- 데미지 : 50</a:t>
-            </a:r>
-            <a:endParaRPr sz="1300">
-              <a:latin typeface="맑은 고딕" panose="020B0503020000020004" charset="-127"/>
-              <a:ea typeface="맑은 고딕" panose="020B0503020000020004" charset="-127"/>
-              <a:cs typeface="맑은 고딕" panose="020B0503020000020004" charset="-127"/>
-              <a:sym typeface="맑은 고딕" panose="020B0503020000020004" charset="-127"/>
-            </a:endParaRPr>
-          </a:p>
-          <a:p>
-            <a:pPr indent="0">
-              <a:spcBef>
-                <a:spcPts val="0"/>
-              </a:spcBef>
-              <a:spcAft>
-                <a:spcPts val="0"/>
-              </a:spcAft>
-              <a:buNone/>
-            </a:pPr>
-            <a:r>
-              <a:rPr lang="en-US" sz="1300">
-                <a:latin typeface="맑은 고딕" panose="020B0503020000020004" charset="-127"/>
-                <a:ea typeface="맑은 고딕" panose="020B0503020000020004" charset="-127"/>
-                <a:cs typeface="맑은 고딕" panose="020B0503020000020004" charset="-127"/>
-                <a:sym typeface="맑은 고딕" panose="020B0503020000020004" charset="-127"/>
-              </a:rPr>
-              <a:t>- </a:t>
-            </a:r>
-            <a:r>
-              <a:rPr lang="en-US" sz="1300">
-                <a:latin typeface="맑은 고딕" panose="020B0503020000020004" charset="-127"/>
-                <a:ea typeface="맑은 고딕" panose="020B0503020000020004" charset="-127"/>
-                <a:cs typeface="맑은 고딕" panose="020B0503020000020004" charset="-127"/>
-                <a:sym typeface="맑은 고딕" panose="020B0503020000020004" charset="-127"/>
-              </a:rPr>
-              <a:t>애니메이션 4종(Idle, </a:t>
-            </a:r>
-            <a:r>
-              <a:rPr lang="ko-KR" altLang="en-US" sz="1300">
-                <a:latin typeface="맑은 고딕" panose="020B0503020000020004" charset="-127"/>
-                <a:ea typeface="맑은 고딕" panose="020B0503020000020004" charset="-127"/>
-                <a:cs typeface="맑은 고딕" panose="020B0503020000020004" charset="-127"/>
-                <a:sym typeface="맑은 고딕" panose="020B0503020000020004" charset="-127"/>
-              </a:rPr>
-              <a:t>이동</a:t>
-            </a:r>
-            <a:r>
-              <a:rPr lang="en-US" altLang="ko-KR" sz="1300">
-                <a:latin typeface="맑은 고딕" panose="020B0503020000020004" charset="-127"/>
-                <a:ea typeface="맑은 고딕" panose="020B0503020000020004" charset="-127"/>
-                <a:cs typeface="맑은 고딕" panose="020B0503020000020004" charset="-127"/>
-                <a:sym typeface="맑은 고딕" panose="020B0503020000020004" charset="-127"/>
-              </a:rPr>
-              <a:t>, </a:t>
-            </a:r>
-            <a:r>
-              <a:rPr lang="ko-KR" altLang="en-US" sz="1300">
-                <a:latin typeface="맑은 고딕" panose="020B0503020000020004" charset="-127"/>
-                <a:ea typeface="맑은 고딕" panose="020B0503020000020004" charset="-127"/>
-                <a:cs typeface="맑은 고딕" panose="020B0503020000020004" charset="-127"/>
-                <a:sym typeface="맑은 고딕" panose="020B0503020000020004" charset="-127"/>
-              </a:rPr>
-              <a:t>공격</a:t>
-            </a:r>
-            <a:r>
-              <a:rPr lang="en-US" altLang="ko-KR" sz="1300">
-                <a:latin typeface="맑은 고딕" panose="020B0503020000020004" charset="-127"/>
-                <a:ea typeface="맑은 고딕" panose="020B0503020000020004" charset="-127"/>
-                <a:cs typeface="맑은 고딕" panose="020B0503020000020004" charset="-127"/>
-                <a:sym typeface="맑은 고딕" panose="020B0503020000020004" charset="-127"/>
-              </a:rPr>
-              <a:t>, </a:t>
-            </a:r>
-            <a:r>
-              <a:rPr lang="ko-KR" altLang="en-US" sz="1300">
-                <a:latin typeface="맑은 고딕" panose="020B0503020000020004" charset="-127"/>
-                <a:ea typeface="맑은 고딕" panose="020B0503020000020004" charset="-127"/>
-                <a:cs typeface="맑은 고딕" panose="020B0503020000020004" charset="-127"/>
-                <a:sym typeface="맑은 고딕" panose="020B0503020000020004" charset="-127"/>
-              </a:rPr>
-              <a:t>사망</a:t>
-            </a:r>
-            <a:r>
-              <a:rPr lang="en-US" altLang="ko-KR" sz="1300">
-                <a:latin typeface="맑은 고딕" panose="020B0503020000020004" charset="-127"/>
-                <a:ea typeface="맑은 고딕" panose="020B0503020000020004" charset="-127"/>
-                <a:cs typeface="맑은 고딕" panose="020B0503020000020004" charset="-127"/>
-                <a:sym typeface="맑은 고딕" panose="020B0503020000020004" charset="-127"/>
-              </a:rPr>
-              <a:t>)</a:t>
-            </a:r>
-            <a:r>
-              <a:rPr lang="en-US" sz="1200">
-                <a:latin typeface="맑은 고딕" panose="020B0503020000020004" charset="-127"/>
-                <a:ea typeface="맑은 고딕" panose="020B0503020000020004" charset="-127"/>
-                <a:cs typeface="맑은 고딕" panose="020B0503020000020004" charset="-127"/>
-                <a:sym typeface="맑은 고딕" panose="020B0503020000020004" charset="-127"/>
-              </a:rPr>
-              <a:t> </a:t>
-            </a:r>
-            <a:endParaRPr sz="1200">
-              <a:latin typeface="맑은 고딕" panose="020B0503020000020004" charset="-127"/>
-              <a:ea typeface="맑은 고딕" panose="020B0503020000020004" charset="-127"/>
-              <a:cs typeface="맑은 고딕" panose="020B0503020000020004" charset="-127"/>
-              <a:sym typeface="맑은 고딕" panose="020B0503020000020004" charset="-127"/>
-            </a:endParaRPr>
-          </a:p>
-        </p:txBody>
-      </p:sp>
-      <p:pic>
-        <p:nvPicPr>
-          <p:cNvPr id="103" name="Picture 102"/>
-          <p:cNvPicPr/>
-          <p:nvPr/>
-        </p:nvPicPr>
-        <p:blipFill>
-          <a:blip r:embed="rId3"/>
-          <a:stretch>
-            <a:fillRect/>
-          </a:stretch>
-        </p:blipFill>
-        <p:spPr>
-          <a:xfrm>
-            <a:off x="6298248" y="3743643"/>
-            <a:ext cx="1800225" cy="2543175"/>
-          </a:xfrm>
-          <a:prstGeom prst="rect">
-            <a:avLst/>
-          </a:prstGeom>
-          <a:noFill/>
-          <a:ln w="9525">
-            <a:noFill/>
-          </a:ln>
-        </p:spPr>
-      </p:pic>
-      <p:sp>
-        <p:nvSpPr>
-          <p:cNvPr id="3" name="Google Shape;138;p21"/>
-          <p:cNvSpPr txBox="1"/>
-          <p:nvPr/>
-        </p:nvSpPr>
-        <p:spPr>
-          <a:xfrm>
-            <a:off x="8472805" y="4085590"/>
-            <a:ext cx="2829560" cy="1996440"/>
-          </a:xfrm>
-          <a:prstGeom prst="rect">
-            <a:avLst/>
-          </a:prstGeom>
-          <a:noFill/>
-          <a:ln>
-            <a:noFill/>
-          </a:ln>
-        </p:spPr>
-        <p:txBody>
-          <a:bodyPr spcFirstLastPara="1" wrap="square" lIns="91425" tIns="91425" rIns="91425" bIns="91425" anchor="t" anchorCtr="0">
-            <a:noAutofit/>
-          </a:bodyPr>
-          <a:p>
-            <a:pPr indent="0">
-              <a:spcBef>
-                <a:spcPts val="0"/>
-              </a:spcBef>
-              <a:spcAft>
-                <a:spcPts val="0"/>
-              </a:spcAft>
-              <a:buNone/>
-            </a:pPr>
-            <a:r>
-              <a:rPr lang="en-US" sz="1200">
-                <a:latin typeface="맑은 고딕" panose="020B0503020000020004" charset="-127"/>
-                <a:ea typeface="맑은 고딕" panose="020B0503020000020004" charset="-127"/>
-                <a:cs typeface="맑은 고딕" panose="020B0503020000020004" charset="-127"/>
-                <a:sym typeface="맑은 고딕" panose="020B0503020000020004" charset="-127"/>
-              </a:rPr>
-              <a:t>        </a:t>
-            </a:r>
-            <a:r>
-              <a:rPr lang="ko-KR" altLang="en-US" sz="1600" b="1">
-                <a:latin typeface="맑은 고딕" panose="020B0503020000020004" charset="-127"/>
-                <a:ea typeface="맑은 고딕" panose="020B0503020000020004" charset="-127"/>
-                <a:cs typeface="맑은 고딕" panose="020B0503020000020004" charset="-127"/>
-                <a:sym typeface="맑은 고딕" panose="020B0503020000020004" charset="-127"/>
-              </a:rPr>
-              <a:t>골렘</a:t>
-            </a:r>
-            <a:endParaRPr sz="1600" b="1">
-              <a:latin typeface="맑은 고딕" panose="020B0503020000020004" charset="-127"/>
-              <a:ea typeface="맑은 고딕" panose="020B0503020000020004" charset="-127"/>
-              <a:cs typeface="맑은 고딕" panose="020B0503020000020004" charset="-127"/>
-              <a:sym typeface="맑은 고딕" panose="020B0503020000020004" charset="-127"/>
-            </a:endParaRPr>
-          </a:p>
-          <a:p>
-            <a:pPr indent="0">
-              <a:spcBef>
-                <a:spcPts val="0"/>
-              </a:spcBef>
-              <a:spcAft>
-                <a:spcPts val="0"/>
-              </a:spcAft>
-              <a:buNone/>
-            </a:pPr>
-            <a:endParaRPr sz="1200">
-              <a:latin typeface="맑은 고딕" panose="020B0503020000020004" charset="-127"/>
-              <a:ea typeface="맑은 고딕" panose="020B0503020000020004" charset="-127"/>
-              <a:cs typeface="맑은 고딕" panose="020B0503020000020004" charset="-127"/>
-              <a:sym typeface="맑은 고딕" panose="020B0503020000020004" charset="-127"/>
-            </a:endParaRPr>
-          </a:p>
-          <a:p>
-            <a:pPr indent="0">
-              <a:spcBef>
-                <a:spcPts val="0"/>
-              </a:spcBef>
-              <a:spcAft>
-                <a:spcPts val="0"/>
-              </a:spcAft>
-              <a:buNone/>
-            </a:pPr>
-            <a:r>
-              <a:rPr lang="en-US" sz="1300">
-                <a:latin typeface="맑은 고딕" panose="020B0503020000020004" charset="-127"/>
-                <a:ea typeface="맑은 고딕" panose="020B0503020000020004" charset="-127"/>
-                <a:cs typeface="맑은 고딕" panose="020B0503020000020004" charset="-127"/>
-                <a:sym typeface="맑은 고딕" panose="020B0503020000020004" charset="-127"/>
-              </a:rPr>
-              <a:t>- 키 : 400cm</a:t>
-            </a:r>
-            <a:endParaRPr sz="1300">
-              <a:latin typeface="맑은 고딕" panose="020B0503020000020004" charset="-127"/>
-              <a:ea typeface="맑은 고딕" panose="020B0503020000020004" charset="-127"/>
-              <a:cs typeface="맑은 고딕" panose="020B0503020000020004" charset="-127"/>
-              <a:sym typeface="맑은 고딕" panose="020B0503020000020004" charset="-127"/>
-            </a:endParaRPr>
-          </a:p>
-          <a:p>
-            <a:pPr indent="0">
-              <a:spcBef>
-                <a:spcPts val="0"/>
-              </a:spcBef>
-              <a:spcAft>
-                <a:spcPts val="0"/>
-              </a:spcAft>
-              <a:buNone/>
-            </a:pPr>
-            <a:r>
-              <a:rPr lang="en-US" sz="1300">
-                <a:latin typeface="맑은 고딕" panose="020B0503020000020004" charset="-127"/>
-                <a:ea typeface="맑은 고딕" panose="020B0503020000020004" charset="-127"/>
-                <a:cs typeface="맑은 고딕" panose="020B0503020000020004" charset="-127"/>
-                <a:sym typeface="맑은 고딕" panose="020B0503020000020004" charset="-127"/>
-              </a:rPr>
-              <a:t>- 이동속도 : 0.5km/h</a:t>
-            </a:r>
-            <a:endParaRPr sz="1300">
-              <a:latin typeface="맑은 고딕" panose="020B0503020000020004" charset="-127"/>
-              <a:ea typeface="맑은 고딕" panose="020B0503020000020004" charset="-127"/>
-              <a:cs typeface="맑은 고딕" panose="020B0503020000020004" charset="-127"/>
-              <a:sym typeface="맑은 고딕" panose="020B0503020000020004" charset="-127"/>
-            </a:endParaRPr>
-          </a:p>
-          <a:p>
-            <a:pPr indent="0">
-              <a:spcBef>
-                <a:spcPts val="0"/>
-              </a:spcBef>
-              <a:spcAft>
-                <a:spcPts val="0"/>
-              </a:spcAft>
-              <a:buNone/>
-            </a:pPr>
-            <a:r>
-              <a:rPr lang="en-US" sz="1300">
-                <a:latin typeface="맑은 고딕" panose="020B0503020000020004" charset="-127"/>
-                <a:ea typeface="맑은 고딕" panose="020B0503020000020004" charset="-127"/>
-                <a:cs typeface="맑은 고딕" panose="020B0503020000020004" charset="-127"/>
-                <a:sym typeface="맑은 고딕" panose="020B0503020000020004" charset="-127"/>
-              </a:rPr>
-              <a:t>- 체력 : 500</a:t>
-            </a:r>
-            <a:endParaRPr lang="en-US" sz="1300">
-              <a:latin typeface="맑은 고딕" panose="020B0503020000020004" charset="-127"/>
-              <a:ea typeface="맑은 고딕" panose="020B0503020000020004" charset="-127"/>
-              <a:cs typeface="맑은 고딕" panose="020B0503020000020004" charset="-127"/>
-              <a:sym typeface="맑은 고딕" panose="020B0503020000020004" charset="-127"/>
-            </a:endParaRPr>
-          </a:p>
-          <a:p>
-            <a:pPr indent="0">
-              <a:spcBef>
-                <a:spcPts val="0"/>
-              </a:spcBef>
-              <a:spcAft>
-                <a:spcPts val="0"/>
-              </a:spcAft>
-              <a:buNone/>
-            </a:pPr>
-            <a:r>
-              <a:rPr lang="en-US" sz="1300">
-                <a:latin typeface="맑은 고딕" panose="020B0503020000020004" charset="-127"/>
-                <a:ea typeface="맑은 고딕" panose="020B0503020000020004" charset="-127"/>
-                <a:cs typeface="맑은 고딕" panose="020B0503020000020004" charset="-127"/>
-                <a:sym typeface="맑은 고딕" panose="020B0503020000020004" charset="-127"/>
-              </a:rPr>
-              <a:t>- </a:t>
-            </a:r>
-            <a:r>
-              <a:rPr lang="ko-KR" altLang="en-US" sz="1300">
-                <a:latin typeface="맑은 고딕" panose="020B0503020000020004" charset="-127"/>
-                <a:ea typeface="맑은 고딕" panose="020B0503020000020004" charset="-127"/>
-                <a:cs typeface="맑은 고딕" panose="020B0503020000020004" charset="-127"/>
-                <a:sym typeface="맑은 고딕" panose="020B0503020000020004" charset="-127"/>
-              </a:rPr>
-              <a:t>데미지</a:t>
-            </a:r>
-            <a:r>
-              <a:rPr lang="en-US" altLang="ko-KR" sz="1300">
-                <a:latin typeface="맑은 고딕" panose="020B0503020000020004" charset="-127"/>
-                <a:ea typeface="맑은 고딕" panose="020B0503020000020004" charset="-127"/>
-                <a:cs typeface="맑은 고딕" panose="020B0503020000020004" charset="-127"/>
-                <a:sym typeface="맑은 고딕" panose="020B0503020000020004" charset="-127"/>
-              </a:rPr>
-              <a:t> : 100</a:t>
-            </a:r>
-            <a:endParaRPr lang="en-US" sz="1300">
-              <a:latin typeface="맑은 고딕" panose="020B0503020000020004" charset="-127"/>
-              <a:ea typeface="맑은 고딕" panose="020B0503020000020004" charset="-127"/>
-              <a:cs typeface="맑은 고딕" panose="020B0503020000020004" charset="-127"/>
-              <a:sym typeface="맑은 고딕" panose="020B0503020000020004" charset="-127"/>
-            </a:endParaRPr>
-          </a:p>
-          <a:p>
-            <a:pPr indent="0">
-              <a:spcBef>
-                <a:spcPts val="0"/>
-              </a:spcBef>
-              <a:spcAft>
-                <a:spcPts val="0"/>
-              </a:spcAft>
-              <a:buNone/>
-            </a:pPr>
-            <a:r>
-              <a:rPr lang="en-US" sz="1300">
-                <a:latin typeface="맑은 고딕" panose="020B0503020000020004" charset="-127"/>
-                <a:ea typeface="맑은 고딕" panose="020B0503020000020004" charset="-127"/>
-                <a:cs typeface="맑은 고딕" panose="020B0503020000020004" charset="-127"/>
-                <a:sym typeface="맑은 고딕" panose="020B0503020000020004" charset="-127"/>
-              </a:rPr>
-              <a:t>- 애니메이션 5종(Idle, </a:t>
-            </a:r>
-            <a:r>
-              <a:rPr lang="ko-KR" altLang="en-US" sz="1300">
-                <a:latin typeface="맑은 고딕" panose="020B0503020000020004" charset="-127"/>
-                <a:ea typeface="맑은 고딕" panose="020B0503020000020004" charset="-127"/>
-                <a:cs typeface="맑은 고딕" panose="020B0503020000020004" charset="-127"/>
-                <a:sym typeface="맑은 고딕" panose="020B0503020000020004" charset="-127"/>
-              </a:rPr>
-              <a:t>이동</a:t>
-            </a:r>
-            <a:r>
-              <a:rPr lang="en-US" altLang="ko-KR" sz="1300">
-                <a:latin typeface="맑은 고딕" panose="020B0503020000020004" charset="-127"/>
-                <a:ea typeface="맑은 고딕" panose="020B0503020000020004" charset="-127"/>
-                <a:cs typeface="맑은 고딕" panose="020B0503020000020004" charset="-127"/>
-                <a:sym typeface="맑은 고딕" panose="020B0503020000020004" charset="-127"/>
-              </a:rPr>
-              <a:t>, </a:t>
-            </a:r>
-            <a:r>
-              <a:rPr lang="ko-KR" altLang="en-US" sz="1300">
-                <a:latin typeface="맑은 고딕" panose="020B0503020000020004" charset="-127"/>
-                <a:ea typeface="맑은 고딕" panose="020B0503020000020004" charset="-127"/>
-                <a:cs typeface="맑은 고딕" panose="020B0503020000020004" charset="-127"/>
-                <a:sym typeface="맑은 고딕" panose="020B0503020000020004" charset="-127"/>
-              </a:rPr>
-              <a:t>공격</a:t>
-            </a:r>
-            <a:r>
-              <a:rPr lang="en-US" altLang="ko-KR" sz="1300">
-                <a:latin typeface="맑은 고딕" panose="020B0503020000020004" charset="-127"/>
-                <a:ea typeface="맑은 고딕" panose="020B0503020000020004" charset="-127"/>
-                <a:cs typeface="맑은 고딕" panose="020B0503020000020004" charset="-127"/>
-                <a:sym typeface="맑은 고딕" panose="020B0503020000020004" charset="-127"/>
-              </a:rPr>
-              <a:t> 1, </a:t>
-            </a:r>
-            <a:r>
-              <a:rPr lang="ko-KR" altLang="en-US" sz="1300">
-                <a:latin typeface="맑은 고딕" panose="020B0503020000020004" charset="-127"/>
-                <a:ea typeface="맑은 고딕" panose="020B0503020000020004" charset="-127"/>
-                <a:cs typeface="맑은 고딕" panose="020B0503020000020004" charset="-127"/>
-                <a:sym typeface="맑은 고딕" panose="020B0503020000020004" charset="-127"/>
-              </a:rPr>
-              <a:t>공격</a:t>
-            </a:r>
-            <a:r>
-              <a:rPr lang="en-US" altLang="ko-KR" sz="1300">
-                <a:latin typeface="맑은 고딕" panose="020B0503020000020004" charset="-127"/>
-                <a:ea typeface="맑은 고딕" panose="020B0503020000020004" charset="-127"/>
-                <a:cs typeface="맑은 고딕" panose="020B0503020000020004" charset="-127"/>
-                <a:sym typeface="맑은 고딕" panose="020B0503020000020004" charset="-127"/>
-              </a:rPr>
-              <a:t> 2, </a:t>
-            </a:r>
-            <a:r>
-              <a:rPr lang="ko-KR" altLang="en-US" sz="1300">
-                <a:latin typeface="맑은 고딕" panose="020B0503020000020004" charset="-127"/>
-                <a:ea typeface="맑은 고딕" panose="020B0503020000020004" charset="-127"/>
-                <a:cs typeface="맑은 고딕" panose="020B0503020000020004" charset="-127"/>
-                <a:sym typeface="맑은 고딕" panose="020B0503020000020004" charset="-127"/>
-              </a:rPr>
-              <a:t>사망</a:t>
-            </a:r>
-            <a:r>
-              <a:rPr lang="en-US" altLang="ko-KR" sz="1300">
-                <a:latin typeface="맑은 고딕" panose="020B0503020000020004" charset="-127"/>
-                <a:ea typeface="맑은 고딕" panose="020B0503020000020004" charset="-127"/>
-                <a:cs typeface="맑은 고딕" panose="020B0503020000020004" charset="-127"/>
-                <a:sym typeface="맑은 고딕" panose="020B0503020000020004" charset="-127"/>
-              </a:rPr>
-              <a:t>)</a:t>
-            </a:r>
-            <a:r>
-              <a:rPr lang="en-US" sz="1200">
-                <a:latin typeface="맑은 고딕" panose="020B0503020000020004" charset="-127"/>
-                <a:ea typeface="맑은 고딕" panose="020B0503020000020004" charset="-127"/>
-                <a:cs typeface="맑은 고딕" panose="020B0503020000020004" charset="-127"/>
-                <a:sym typeface="맑은 고딕" panose="020B0503020000020004" charset="-127"/>
-              </a:rPr>
-              <a:t> </a:t>
-            </a:r>
-            <a:endParaRPr sz="1200">
-              <a:latin typeface="맑은 고딕" panose="020B0503020000020004" charset="-127"/>
-              <a:ea typeface="맑은 고딕" panose="020B0503020000020004" charset="-127"/>
-              <a:cs typeface="맑은 고딕" panose="020B0503020000020004" charset="-127"/>
-              <a:sym typeface="맑은 고딕" panose="020B0503020000020004" charset="-127"/>
-            </a:endParaRPr>
-          </a:p>
-        </p:txBody>
-      </p:sp>
-      <p:pic>
-        <p:nvPicPr>
-          <p:cNvPr id="104" name="Picture 103"/>
-          <p:cNvPicPr/>
-          <p:nvPr/>
-        </p:nvPicPr>
-        <p:blipFill>
-          <a:blip r:embed="rId4"/>
-          <a:stretch>
-            <a:fillRect/>
-          </a:stretch>
-        </p:blipFill>
-        <p:spPr>
-          <a:xfrm>
-            <a:off x="718185" y="4085590"/>
-            <a:ext cx="1957070" cy="2047875"/>
-          </a:xfrm>
-          <a:prstGeom prst="rect">
-            <a:avLst/>
-          </a:prstGeom>
-          <a:noFill/>
-          <a:ln w="9525">
-            <a:noFill/>
-          </a:ln>
-        </p:spPr>
-      </p:pic>
-      <p:sp>
-        <p:nvSpPr>
-          <p:cNvPr id="4" name="Google Shape;138;p21"/>
-          <p:cNvSpPr txBox="1"/>
-          <p:nvPr/>
-        </p:nvSpPr>
-        <p:spPr>
-          <a:xfrm>
-            <a:off x="2613025" y="4015105"/>
-            <a:ext cx="3111500" cy="2001520"/>
-          </a:xfrm>
-          <a:prstGeom prst="rect">
-            <a:avLst/>
-          </a:prstGeom>
-          <a:noFill/>
-          <a:ln>
-            <a:noFill/>
-          </a:ln>
-        </p:spPr>
-        <p:txBody>
-          <a:bodyPr spcFirstLastPara="1" wrap="square" lIns="91425" tIns="91425" rIns="91425" bIns="91425" anchor="t" anchorCtr="0">
-            <a:noAutofit/>
-          </a:bodyPr>
-          <a:p>
-            <a:pPr indent="0">
-              <a:spcBef>
-                <a:spcPts val="0"/>
-              </a:spcBef>
-              <a:spcAft>
-                <a:spcPts val="0"/>
-              </a:spcAft>
-              <a:buNone/>
-            </a:pPr>
-            <a:r>
-              <a:rPr lang="en-US" sz="1200">
-                <a:latin typeface="맑은 고딕" panose="020B0503020000020004" charset="-127"/>
-                <a:ea typeface="맑은 고딕" panose="020B0503020000020004" charset="-127"/>
-                <a:cs typeface="맑은 고딕" panose="020B0503020000020004" charset="-127"/>
-                <a:sym typeface="맑은 고딕" panose="020B0503020000020004" charset="-127"/>
-              </a:rPr>
-              <a:t>       </a:t>
-            </a:r>
-            <a:r>
-              <a:rPr lang="ko-KR" altLang="en-US" sz="1600" b="1">
-                <a:latin typeface="맑은 고딕" panose="020B0503020000020004" charset="-127"/>
-                <a:ea typeface="맑은 고딕" panose="020B0503020000020004" charset="-127"/>
-                <a:cs typeface="맑은 고딕" panose="020B0503020000020004" charset="-127"/>
-                <a:sym typeface="맑은 고딕" panose="020B0503020000020004" charset="-127"/>
-              </a:rPr>
-              <a:t>스켈레톤</a:t>
-            </a:r>
-            <a:endParaRPr sz="1600" b="1">
-              <a:latin typeface="맑은 고딕" panose="020B0503020000020004" charset="-127"/>
-              <a:ea typeface="맑은 고딕" panose="020B0503020000020004" charset="-127"/>
-              <a:cs typeface="맑은 고딕" panose="020B0503020000020004" charset="-127"/>
-              <a:sym typeface="맑은 고딕" panose="020B0503020000020004" charset="-127"/>
-            </a:endParaRPr>
-          </a:p>
-          <a:p>
-            <a:pPr indent="0">
-              <a:spcBef>
-                <a:spcPts val="0"/>
-              </a:spcBef>
-              <a:spcAft>
-                <a:spcPts val="0"/>
-              </a:spcAft>
-              <a:buNone/>
-            </a:pPr>
-            <a:endParaRPr sz="1200">
-              <a:latin typeface="맑은 고딕" panose="020B0503020000020004" charset="-127"/>
-              <a:ea typeface="맑은 고딕" panose="020B0503020000020004" charset="-127"/>
-              <a:cs typeface="맑은 고딕" panose="020B0503020000020004" charset="-127"/>
-              <a:sym typeface="맑은 고딕" panose="020B0503020000020004" charset="-127"/>
-            </a:endParaRPr>
-          </a:p>
-          <a:p>
-            <a:pPr indent="0">
-              <a:spcBef>
-                <a:spcPts val="0"/>
-              </a:spcBef>
-              <a:spcAft>
-                <a:spcPts val="0"/>
-              </a:spcAft>
-              <a:buNone/>
-            </a:pPr>
-            <a:r>
-              <a:rPr lang="en-US" sz="1300">
-                <a:latin typeface="맑은 고딕" panose="020B0503020000020004" charset="-127"/>
-                <a:ea typeface="맑은 고딕" panose="020B0503020000020004" charset="-127"/>
-                <a:cs typeface="맑은 고딕" panose="020B0503020000020004" charset="-127"/>
-                <a:sym typeface="맑은 고딕" panose="020B0503020000020004" charset="-127"/>
-              </a:rPr>
-              <a:t>- 키 : 160cm</a:t>
-            </a:r>
-            <a:endParaRPr sz="1300">
-              <a:latin typeface="맑은 고딕" panose="020B0503020000020004" charset="-127"/>
-              <a:ea typeface="맑은 고딕" panose="020B0503020000020004" charset="-127"/>
-              <a:cs typeface="맑은 고딕" panose="020B0503020000020004" charset="-127"/>
-              <a:sym typeface="맑은 고딕" panose="020B0503020000020004" charset="-127"/>
-            </a:endParaRPr>
-          </a:p>
-          <a:p>
-            <a:pPr indent="0">
-              <a:spcBef>
-                <a:spcPts val="0"/>
-              </a:spcBef>
-              <a:spcAft>
-                <a:spcPts val="0"/>
-              </a:spcAft>
-              <a:buNone/>
-            </a:pPr>
-            <a:r>
-              <a:rPr lang="en-US" sz="1300">
-                <a:latin typeface="맑은 고딕" panose="020B0503020000020004" charset="-127"/>
-                <a:ea typeface="맑은 고딕" panose="020B0503020000020004" charset="-127"/>
-                <a:cs typeface="맑은 고딕" panose="020B0503020000020004" charset="-127"/>
-                <a:sym typeface="맑은 고딕" panose="020B0503020000020004" charset="-127"/>
-              </a:rPr>
-              <a:t>- 이동속도 : 1km/h</a:t>
-            </a:r>
-            <a:endParaRPr sz="1300">
-              <a:latin typeface="맑은 고딕" panose="020B0503020000020004" charset="-127"/>
-              <a:ea typeface="맑은 고딕" panose="020B0503020000020004" charset="-127"/>
-              <a:cs typeface="맑은 고딕" panose="020B0503020000020004" charset="-127"/>
-              <a:sym typeface="맑은 고딕" panose="020B0503020000020004" charset="-127"/>
-            </a:endParaRPr>
-          </a:p>
-          <a:p>
-            <a:pPr indent="0">
-              <a:spcBef>
-                <a:spcPts val="0"/>
-              </a:spcBef>
-              <a:spcAft>
-                <a:spcPts val="0"/>
-              </a:spcAft>
-              <a:buNone/>
-            </a:pPr>
-            <a:r>
-              <a:rPr lang="en-US" sz="1300">
-                <a:latin typeface="맑은 고딕" panose="020B0503020000020004" charset="-127"/>
-                <a:ea typeface="맑은 고딕" panose="020B0503020000020004" charset="-127"/>
-                <a:cs typeface="맑은 고딕" panose="020B0503020000020004" charset="-127"/>
-                <a:sym typeface="맑은 고딕" panose="020B0503020000020004" charset="-127"/>
-              </a:rPr>
-              <a:t>- 체력 : 150</a:t>
-            </a:r>
-            <a:endParaRPr lang="en-US" sz="1300">
-              <a:latin typeface="맑은 고딕" panose="020B0503020000020004" charset="-127"/>
-              <a:ea typeface="맑은 고딕" panose="020B0503020000020004" charset="-127"/>
-              <a:cs typeface="맑은 고딕" panose="020B0503020000020004" charset="-127"/>
-              <a:sym typeface="맑은 고딕" panose="020B0503020000020004" charset="-127"/>
-            </a:endParaRPr>
-          </a:p>
-          <a:p>
-            <a:pPr indent="0">
-              <a:spcBef>
-                <a:spcPts val="0"/>
-              </a:spcBef>
-              <a:spcAft>
-                <a:spcPts val="0"/>
-              </a:spcAft>
-              <a:buNone/>
-            </a:pPr>
-            <a:r>
-              <a:rPr lang="en-US" sz="1300">
-                <a:latin typeface="맑은 고딕" panose="020B0503020000020004" charset="-127"/>
-                <a:ea typeface="맑은 고딕" panose="020B0503020000020004" charset="-127"/>
-                <a:cs typeface="맑은 고딕" panose="020B0503020000020004" charset="-127"/>
-                <a:sym typeface="맑은 고딕" panose="020B0503020000020004" charset="-127"/>
-              </a:rPr>
-              <a:t>- </a:t>
-            </a:r>
-            <a:r>
-              <a:rPr lang="ko-KR" altLang="en-US" sz="1300">
-                <a:latin typeface="맑은 고딕" panose="020B0503020000020004" charset="-127"/>
-                <a:ea typeface="맑은 고딕" panose="020B0503020000020004" charset="-127"/>
-                <a:cs typeface="맑은 고딕" panose="020B0503020000020004" charset="-127"/>
-                <a:sym typeface="맑은 고딕" panose="020B0503020000020004" charset="-127"/>
-              </a:rPr>
-              <a:t>공격속도</a:t>
-            </a:r>
-            <a:r>
-              <a:rPr lang="en-US" altLang="ko-KR" sz="1300">
-                <a:latin typeface="맑은 고딕" panose="020B0503020000020004" charset="-127"/>
-                <a:ea typeface="맑은 고딕" panose="020B0503020000020004" charset="-127"/>
-                <a:cs typeface="맑은 고딕" panose="020B0503020000020004" charset="-127"/>
-                <a:sym typeface="맑은 고딕" panose="020B0503020000020004" charset="-127"/>
-              </a:rPr>
-              <a:t> : 1</a:t>
-            </a:r>
-            <a:r>
-              <a:rPr lang="ko-KR" altLang="en-US" sz="1300">
-                <a:latin typeface="맑은 고딕" panose="020B0503020000020004" charset="-127"/>
-                <a:ea typeface="맑은 고딕" panose="020B0503020000020004" charset="-127"/>
-                <a:cs typeface="맑은 고딕" panose="020B0503020000020004" charset="-127"/>
-                <a:sym typeface="맑은 고딕" panose="020B0503020000020004" charset="-127"/>
-              </a:rPr>
-              <a:t>초에</a:t>
-            </a:r>
-            <a:r>
-              <a:rPr lang="en-US" altLang="ko-KR" sz="1300">
-                <a:latin typeface="맑은 고딕" panose="020B0503020000020004" charset="-127"/>
-                <a:ea typeface="맑은 고딕" panose="020B0503020000020004" charset="-127"/>
-                <a:cs typeface="맑은 고딕" panose="020B0503020000020004" charset="-127"/>
-                <a:sym typeface="맑은 고딕" panose="020B0503020000020004" charset="-127"/>
-              </a:rPr>
-              <a:t> 1</a:t>
-            </a:r>
-            <a:r>
-              <a:rPr lang="ko-KR" altLang="en-US" sz="1300">
-                <a:latin typeface="맑은 고딕" panose="020B0503020000020004" charset="-127"/>
-                <a:ea typeface="맑은 고딕" panose="020B0503020000020004" charset="-127"/>
-                <a:cs typeface="맑은 고딕" panose="020B0503020000020004" charset="-127"/>
-                <a:sym typeface="맑은 고딕" panose="020B0503020000020004" charset="-127"/>
-              </a:rPr>
-              <a:t>번</a:t>
-            </a:r>
-            <a:endParaRPr sz="1300">
-              <a:latin typeface="맑은 고딕" panose="020B0503020000020004" charset="-127"/>
-              <a:ea typeface="맑은 고딕" panose="020B0503020000020004" charset="-127"/>
-              <a:cs typeface="맑은 고딕" panose="020B0503020000020004" charset="-127"/>
-              <a:sym typeface="맑은 고딕" panose="020B0503020000020004" charset="-127"/>
-            </a:endParaRPr>
-          </a:p>
-          <a:p>
-            <a:pPr indent="0">
-              <a:spcBef>
-                <a:spcPts val="0"/>
-              </a:spcBef>
-              <a:spcAft>
-                <a:spcPts val="0"/>
-              </a:spcAft>
-              <a:buNone/>
-            </a:pPr>
-            <a:r>
-              <a:rPr lang="en-US" sz="1300">
-                <a:latin typeface="맑은 고딕" panose="020B0503020000020004" charset="-127"/>
-                <a:ea typeface="맑은 고딕" panose="020B0503020000020004" charset="-127"/>
-                <a:cs typeface="맑은 고딕" panose="020B0503020000020004" charset="-127"/>
-                <a:sym typeface="맑은 고딕" panose="020B0503020000020004" charset="-127"/>
-              </a:rPr>
-              <a:t>- 데미지 : 30</a:t>
-            </a:r>
-            <a:endParaRPr sz="1300">
-              <a:latin typeface="맑은 고딕" panose="020B0503020000020004" charset="-127"/>
-              <a:ea typeface="맑은 고딕" panose="020B0503020000020004" charset="-127"/>
-              <a:cs typeface="맑은 고딕" panose="020B0503020000020004" charset="-127"/>
-              <a:sym typeface="맑은 고딕" panose="020B0503020000020004" charset="-127"/>
-            </a:endParaRPr>
-          </a:p>
-          <a:p>
-            <a:pPr indent="0">
-              <a:spcBef>
-                <a:spcPts val="0"/>
-              </a:spcBef>
-              <a:spcAft>
-                <a:spcPts val="0"/>
-              </a:spcAft>
-              <a:buNone/>
-            </a:pPr>
-            <a:r>
-              <a:rPr lang="en-US" sz="1300">
-                <a:latin typeface="맑은 고딕" panose="020B0503020000020004" charset="-127"/>
-                <a:ea typeface="맑은 고딕" panose="020B0503020000020004" charset="-127"/>
-                <a:cs typeface="맑은 고딕" panose="020B0503020000020004" charset="-127"/>
-                <a:sym typeface="맑은 고딕" panose="020B0503020000020004" charset="-127"/>
-              </a:rPr>
-              <a:t>- 애니메이션 4종(Idle, </a:t>
-            </a:r>
-            <a:r>
-              <a:rPr lang="ko-KR" altLang="en-US" sz="1300">
-                <a:latin typeface="맑은 고딕" panose="020B0503020000020004" charset="-127"/>
-                <a:ea typeface="맑은 고딕" panose="020B0503020000020004" charset="-127"/>
-                <a:cs typeface="맑은 고딕" panose="020B0503020000020004" charset="-127"/>
-                <a:sym typeface="맑은 고딕" panose="020B0503020000020004" charset="-127"/>
-              </a:rPr>
-              <a:t>이동</a:t>
-            </a:r>
-            <a:r>
-              <a:rPr lang="en-US" altLang="ko-KR" sz="1300">
-                <a:latin typeface="맑은 고딕" panose="020B0503020000020004" charset="-127"/>
-                <a:ea typeface="맑은 고딕" panose="020B0503020000020004" charset="-127"/>
-                <a:cs typeface="맑은 고딕" panose="020B0503020000020004" charset="-127"/>
-                <a:sym typeface="맑은 고딕" panose="020B0503020000020004" charset="-127"/>
-              </a:rPr>
-              <a:t>, </a:t>
-            </a:r>
-            <a:r>
-              <a:rPr lang="ko-KR" altLang="en-US" sz="1300">
-                <a:latin typeface="맑은 고딕" panose="020B0503020000020004" charset="-127"/>
-                <a:ea typeface="맑은 고딕" panose="020B0503020000020004" charset="-127"/>
-                <a:cs typeface="맑은 고딕" panose="020B0503020000020004" charset="-127"/>
-                <a:sym typeface="맑은 고딕" panose="020B0503020000020004" charset="-127"/>
-              </a:rPr>
-              <a:t>공격</a:t>
-            </a:r>
-            <a:r>
-              <a:rPr lang="en-US" altLang="ko-KR" sz="1300">
-                <a:latin typeface="맑은 고딕" panose="020B0503020000020004" charset="-127"/>
-                <a:ea typeface="맑은 고딕" panose="020B0503020000020004" charset="-127"/>
-                <a:cs typeface="맑은 고딕" panose="020B0503020000020004" charset="-127"/>
-                <a:sym typeface="맑은 고딕" panose="020B0503020000020004" charset="-127"/>
-              </a:rPr>
-              <a:t>, </a:t>
-            </a:r>
-            <a:r>
-              <a:rPr lang="ko-KR" altLang="en-US" sz="1300">
-                <a:latin typeface="맑은 고딕" panose="020B0503020000020004" charset="-127"/>
-                <a:ea typeface="맑은 고딕" panose="020B0503020000020004" charset="-127"/>
-                <a:cs typeface="맑은 고딕" panose="020B0503020000020004" charset="-127"/>
-                <a:sym typeface="맑은 고딕" panose="020B0503020000020004" charset="-127"/>
-              </a:rPr>
-              <a:t>사망</a:t>
-            </a:r>
-            <a:r>
-              <a:rPr lang="en-US" altLang="ko-KR" sz="1300">
-                <a:latin typeface="맑은 고딕" panose="020B0503020000020004" charset="-127"/>
-                <a:ea typeface="맑은 고딕" panose="020B0503020000020004" charset="-127"/>
-                <a:cs typeface="맑은 고딕" panose="020B0503020000020004" charset="-127"/>
-                <a:sym typeface="맑은 고딕" panose="020B0503020000020004" charset="-127"/>
-              </a:rPr>
-              <a:t>)</a:t>
-            </a:r>
-            <a:r>
-              <a:rPr lang="en-US" sz="1200">
-                <a:latin typeface="맑은 고딕" panose="020B0503020000020004" charset="-127"/>
-                <a:ea typeface="맑은 고딕" panose="020B0503020000020004" charset="-127"/>
-                <a:cs typeface="맑은 고딕" panose="020B0503020000020004" charset="-127"/>
-                <a:sym typeface="맑은 고딕" panose="020B0503020000020004" charset="-127"/>
-              </a:rPr>
-              <a:t> </a:t>
-            </a:r>
-            <a:endParaRPr sz="1200">
-              <a:latin typeface="맑은 고딕" panose="020B0503020000020004" charset="-127"/>
-              <a:ea typeface="맑은 고딕" panose="020B0503020000020004" charset="-127"/>
-              <a:cs typeface="맑은 고딕" panose="020B0503020000020004" charset="-127"/>
-              <a:sym typeface="맑은 고딕" panose="020B0503020000020004" charset="-127"/>
-            </a:endParaRPr>
+              <a:t>게임 플레이어 </a:t>
+            </a:r>
           </a:p>
         </p:txBody>
       </p:sp>
@@ -4893,15 +3426,1567 @@
                 <a:latin typeface="여기어때 잘난체" panose="020B0600000101010101" pitchFamily="50" charset="-127"/>
                 <a:ea typeface="여기어때 잘난체" panose="020B0600000101010101" pitchFamily="50" charset="-127"/>
               </a:rPr>
+              <a:t>몬스터</a:t>
+            </a:r>
+          </a:p>
+        </p:txBody>
+      </p:sp>
+      <p:pic>
+        <p:nvPicPr>
+          <p:cNvPr id="100" name="Picture 99"/>
+          <p:cNvPicPr/>
+          <p:nvPr/>
+        </p:nvPicPr>
+        <p:blipFill>
+          <a:blip r:embed="rId2"/>
+          <a:stretch>
+            <a:fillRect/>
+          </a:stretch>
+        </p:blipFill>
+        <p:spPr>
+          <a:xfrm>
+            <a:off x="469583" y="1067118"/>
+            <a:ext cx="2143125" cy="2143125"/>
+          </a:xfrm>
+          <a:prstGeom prst="rect">
+            <a:avLst/>
+          </a:prstGeom>
+          <a:noFill/>
+          <a:ln w="9525">
+            <a:noFill/>
+          </a:ln>
+        </p:spPr>
+      </p:pic>
+      <p:sp>
+        <p:nvSpPr>
+          <p:cNvPr id="138" name="Google Shape;138;p21"/>
+          <p:cNvSpPr txBox="1"/>
+          <p:nvPr/>
+        </p:nvSpPr>
+        <p:spPr>
+          <a:xfrm>
+            <a:off x="2522855" y="1209040"/>
+            <a:ext cx="3111500" cy="2001520"/>
+          </a:xfrm>
+          <a:prstGeom prst="rect">
+            <a:avLst/>
+          </a:prstGeom>
+          <a:noFill/>
+          <a:ln>
+            <a:noFill/>
+          </a:ln>
+        </p:spPr>
+        <p:txBody>
+          <a:bodyPr spcFirstLastPara="1" wrap="square" lIns="91425" tIns="91425" rIns="91425" bIns="91425" anchor="t" anchorCtr="0">
+            <a:noAutofit/>
+          </a:bodyPr>
+          <a:lstStyle/>
+          <a:p>
+            <a:pPr indent="0">
+              <a:spcBef>
+                <a:spcPts val="0"/>
+              </a:spcBef>
+              <a:spcAft>
+                <a:spcPts val="0"/>
+              </a:spcAft>
+              <a:buNone/>
+            </a:pPr>
+            <a:r>
+              <a:rPr lang="en-US" sz="1200">
+                <a:latin typeface="맑은 고딕" panose="020B0503020000020004" charset="-127"/>
+                <a:ea typeface="맑은 고딕" panose="020B0503020000020004" charset="-127"/>
+                <a:cs typeface="맑은 고딕" panose="020B0503020000020004" charset="-127"/>
+                <a:sym typeface="맑은 고딕" panose="020B0503020000020004" charset="-127"/>
+              </a:rPr>
+              <a:t>        </a:t>
+            </a:r>
+            <a:r>
+              <a:rPr lang="ko-KR" altLang="en-US" sz="1600" b="1">
+                <a:latin typeface="맑은 고딕" panose="020B0503020000020004" charset="-127"/>
+                <a:ea typeface="맑은 고딕" panose="020B0503020000020004" charset="-127"/>
+                <a:cs typeface="맑은 고딕" panose="020B0503020000020004" charset="-127"/>
+                <a:sym typeface="맑은 고딕" panose="020B0503020000020004" charset="-127"/>
+              </a:rPr>
+              <a:t>고블린</a:t>
+            </a:r>
+            <a:endParaRPr sz="1600" b="1">
+              <a:latin typeface="맑은 고딕" panose="020B0503020000020004" charset="-127"/>
+              <a:ea typeface="맑은 고딕" panose="020B0503020000020004" charset="-127"/>
+              <a:cs typeface="맑은 고딕" panose="020B0503020000020004" charset="-127"/>
+              <a:sym typeface="맑은 고딕" panose="020B0503020000020004" charset="-127"/>
+            </a:endParaRPr>
+          </a:p>
+          <a:p>
+            <a:pPr indent="0">
+              <a:spcBef>
+                <a:spcPts val="0"/>
+              </a:spcBef>
+              <a:spcAft>
+                <a:spcPts val="0"/>
+              </a:spcAft>
+              <a:buNone/>
+            </a:pPr>
+            <a:endParaRPr sz="1200">
+              <a:latin typeface="맑은 고딕" panose="020B0503020000020004" charset="-127"/>
+              <a:ea typeface="맑은 고딕" panose="020B0503020000020004" charset="-127"/>
+              <a:cs typeface="맑은 고딕" panose="020B0503020000020004" charset="-127"/>
+              <a:sym typeface="맑은 고딕" panose="020B0503020000020004" charset="-127"/>
+            </a:endParaRPr>
+          </a:p>
+          <a:p>
+            <a:pPr indent="0">
+              <a:spcBef>
+                <a:spcPts val="0"/>
+              </a:spcBef>
+              <a:spcAft>
+                <a:spcPts val="0"/>
+              </a:spcAft>
+              <a:buNone/>
+            </a:pPr>
+            <a:r>
+              <a:rPr lang="en-US" sz="1300">
+                <a:latin typeface="맑은 고딕" panose="020B0503020000020004" charset="-127"/>
+                <a:ea typeface="맑은 고딕" panose="020B0503020000020004" charset="-127"/>
+                <a:cs typeface="맑은 고딕" panose="020B0503020000020004" charset="-127"/>
+                <a:sym typeface="맑은 고딕" panose="020B0503020000020004" charset="-127"/>
+              </a:rPr>
+              <a:t>- 키 : 100cm</a:t>
+            </a:r>
+            <a:endParaRPr sz="1300">
+              <a:latin typeface="맑은 고딕" panose="020B0503020000020004" charset="-127"/>
+              <a:ea typeface="맑은 고딕" panose="020B0503020000020004" charset="-127"/>
+              <a:cs typeface="맑은 고딕" panose="020B0503020000020004" charset="-127"/>
+              <a:sym typeface="맑은 고딕" panose="020B0503020000020004" charset="-127"/>
+            </a:endParaRPr>
+          </a:p>
+          <a:p>
+            <a:pPr indent="0">
+              <a:spcBef>
+                <a:spcPts val="0"/>
+              </a:spcBef>
+              <a:spcAft>
+                <a:spcPts val="0"/>
+              </a:spcAft>
+              <a:buNone/>
+            </a:pPr>
+            <a:r>
+              <a:rPr lang="en-US" sz="1300">
+                <a:latin typeface="맑은 고딕" panose="020B0503020000020004" charset="-127"/>
+                <a:ea typeface="맑은 고딕" panose="020B0503020000020004" charset="-127"/>
+                <a:cs typeface="맑은 고딕" panose="020B0503020000020004" charset="-127"/>
+                <a:sym typeface="맑은 고딕" panose="020B0503020000020004" charset="-127"/>
+              </a:rPr>
+              <a:t>- 이동속도 : 1km/h</a:t>
+            </a:r>
+            <a:endParaRPr sz="1300">
+              <a:latin typeface="맑은 고딕" panose="020B0503020000020004" charset="-127"/>
+              <a:ea typeface="맑은 고딕" panose="020B0503020000020004" charset="-127"/>
+              <a:cs typeface="맑은 고딕" panose="020B0503020000020004" charset="-127"/>
+              <a:sym typeface="맑은 고딕" panose="020B0503020000020004" charset="-127"/>
+            </a:endParaRPr>
+          </a:p>
+          <a:p>
+            <a:pPr indent="0">
+              <a:spcBef>
+                <a:spcPts val="0"/>
+              </a:spcBef>
+              <a:spcAft>
+                <a:spcPts val="0"/>
+              </a:spcAft>
+              <a:buNone/>
+            </a:pPr>
+            <a:r>
+              <a:rPr lang="en-US" sz="1300">
+                <a:latin typeface="맑은 고딕" panose="020B0503020000020004" charset="-127"/>
+                <a:ea typeface="맑은 고딕" panose="020B0503020000020004" charset="-127"/>
+                <a:cs typeface="맑은 고딕" panose="020B0503020000020004" charset="-127"/>
+                <a:sym typeface="맑은 고딕" panose="020B0503020000020004" charset="-127"/>
+              </a:rPr>
+              <a:t>- 체력 : 100</a:t>
+            </a:r>
+          </a:p>
+          <a:p>
+            <a:pPr indent="0">
+              <a:spcBef>
+                <a:spcPts val="0"/>
+              </a:spcBef>
+              <a:spcAft>
+                <a:spcPts val="0"/>
+              </a:spcAft>
+              <a:buNone/>
+            </a:pPr>
+            <a:r>
+              <a:rPr lang="en-US" sz="1300">
+                <a:latin typeface="맑은 고딕" panose="020B0503020000020004" charset="-127"/>
+                <a:ea typeface="맑은 고딕" panose="020B0503020000020004" charset="-127"/>
+                <a:cs typeface="맑은 고딕" panose="020B0503020000020004" charset="-127"/>
+                <a:sym typeface="맑은 고딕" panose="020B0503020000020004" charset="-127"/>
+              </a:rPr>
+              <a:t>- </a:t>
+            </a:r>
+            <a:r>
+              <a:rPr lang="ko-KR" altLang="en-US" sz="1300">
+                <a:latin typeface="맑은 고딕" panose="020B0503020000020004" charset="-127"/>
+                <a:ea typeface="맑은 고딕" panose="020B0503020000020004" charset="-127"/>
+                <a:cs typeface="맑은 고딕" panose="020B0503020000020004" charset="-127"/>
+                <a:sym typeface="맑은 고딕" panose="020B0503020000020004" charset="-127"/>
+              </a:rPr>
+              <a:t>공격속도</a:t>
+            </a:r>
+            <a:r>
+              <a:rPr lang="en-US" altLang="ko-KR" sz="1300">
+                <a:latin typeface="맑은 고딕" panose="020B0503020000020004" charset="-127"/>
+                <a:ea typeface="맑은 고딕" panose="020B0503020000020004" charset="-127"/>
+                <a:cs typeface="맑은 고딕" panose="020B0503020000020004" charset="-127"/>
+                <a:sym typeface="맑은 고딕" panose="020B0503020000020004" charset="-127"/>
+              </a:rPr>
+              <a:t> : 1</a:t>
+            </a:r>
+            <a:r>
+              <a:rPr lang="ko-KR" altLang="en-US" sz="1300">
+                <a:latin typeface="맑은 고딕" panose="020B0503020000020004" charset="-127"/>
+                <a:ea typeface="맑은 고딕" panose="020B0503020000020004" charset="-127"/>
+                <a:cs typeface="맑은 고딕" panose="020B0503020000020004" charset="-127"/>
+                <a:sym typeface="맑은 고딕" panose="020B0503020000020004" charset="-127"/>
+              </a:rPr>
+              <a:t>초에</a:t>
+            </a:r>
+            <a:r>
+              <a:rPr lang="en-US" altLang="ko-KR" sz="1300">
+                <a:latin typeface="맑은 고딕" panose="020B0503020000020004" charset="-127"/>
+                <a:ea typeface="맑은 고딕" panose="020B0503020000020004" charset="-127"/>
+                <a:cs typeface="맑은 고딕" panose="020B0503020000020004" charset="-127"/>
+                <a:sym typeface="맑은 고딕" panose="020B0503020000020004" charset="-127"/>
+              </a:rPr>
+              <a:t> 1</a:t>
+            </a:r>
+            <a:r>
+              <a:rPr lang="ko-KR" altLang="en-US" sz="1300">
+                <a:latin typeface="맑은 고딕" panose="020B0503020000020004" charset="-127"/>
+                <a:ea typeface="맑은 고딕" panose="020B0503020000020004" charset="-127"/>
+                <a:cs typeface="맑은 고딕" panose="020B0503020000020004" charset="-127"/>
+                <a:sym typeface="맑은 고딕" panose="020B0503020000020004" charset="-127"/>
+              </a:rPr>
+              <a:t>번</a:t>
+            </a:r>
+            <a:endParaRPr sz="1300">
+              <a:latin typeface="맑은 고딕" panose="020B0503020000020004" charset="-127"/>
+              <a:ea typeface="맑은 고딕" panose="020B0503020000020004" charset="-127"/>
+              <a:cs typeface="맑은 고딕" panose="020B0503020000020004" charset="-127"/>
+              <a:sym typeface="맑은 고딕" panose="020B0503020000020004" charset="-127"/>
+            </a:endParaRPr>
+          </a:p>
+          <a:p>
+            <a:pPr indent="0">
+              <a:spcBef>
+                <a:spcPts val="0"/>
+              </a:spcBef>
+              <a:spcAft>
+                <a:spcPts val="0"/>
+              </a:spcAft>
+              <a:buNone/>
+            </a:pPr>
+            <a:r>
+              <a:rPr lang="en-US" sz="1300">
+                <a:latin typeface="맑은 고딕" panose="020B0503020000020004" charset="-127"/>
+                <a:ea typeface="맑은 고딕" panose="020B0503020000020004" charset="-127"/>
+                <a:cs typeface="맑은 고딕" panose="020B0503020000020004" charset="-127"/>
+                <a:sym typeface="맑은 고딕" panose="020B0503020000020004" charset="-127"/>
+              </a:rPr>
+              <a:t>- 데미지 : 20</a:t>
+            </a:r>
+            <a:endParaRPr sz="1300">
+              <a:latin typeface="맑은 고딕" panose="020B0503020000020004" charset="-127"/>
+              <a:ea typeface="맑은 고딕" panose="020B0503020000020004" charset="-127"/>
+              <a:cs typeface="맑은 고딕" panose="020B0503020000020004" charset="-127"/>
+              <a:sym typeface="맑은 고딕" panose="020B0503020000020004" charset="-127"/>
+            </a:endParaRPr>
+          </a:p>
+          <a:p>
+            <a:pPr indent="0">
+              <a:spcBef>
+                <a:spcPts val="0"/>
+              </a:spcBef>
+              <a:spcAft>
+                <a:spcPts val="0"/>
+              </a:spcAft>
+              <a:buNone/>
+            </a:pPr>
+            <a:r>
+              <a:rPr lang="en-US" sz="1300">
+                <a:latin typeface="맑은 고딕" panose="020B0503020000020004" charset="-127"/>
+                <a:ea typeface="맑은 고딕" panose="020B0503020000020004" charset="-127"/>
+                <a:cs typeface="맑은 고딕" panose="020B0503020000020004" charset="-127"/>
+                <a:sym typeface="맑은 고딕" panose="020B0503020000020004" charset="-127"/>
+              </a:rPr>
+              <a:t>- 애니메이션 4종(Idle, </a:t>
+            </a:r>
+            <a:r>
+              <a:rPr lang="ko-KR" altLang="en-US" sz="1300">
+                <a:latin typeface="맑은 고딕" panose="020B0503020000020004" charset="-127"/>
+                <a:ea typeface="맑은 고딕" panose="020B0503020000020004" charset="-127"/>
+                <a:cs typeface="맑은 고딕" panose="020B0503020000020004" charset="-127"/>
+                <a:sym typeface="맑은 고딕" panose="020B0503020000020004" charset="-127"/>
+              </a:rPr>
+              <a:t>이동</a:t>
+            </a:r>
+            <a:r>
+              <a:rPr lang="en-US" altLang="ko-KR" sz="1300">
+                <a:latin typeface="맑은 고딕" panose="020B0503020000020004" charset="-127"/>
+                <a:ea typeface="맑은 고딕" panose="020B0503020000020004" charset="-127"/>
+                <a:cs typeface="맑은 고딕" panose="020B0503020000020004" charset="-127"/>
+                <a:sym typeface="맑은 고딕" panose="020B0503020000020004" charset="-127"/>
+              </a:rPr>
+              <a:t>, </a:t>
+            </a:r>
+            <a:r>
+              <a:rPr lang="ko-KR" altLang="en-US" sz="1300">
+                <a:latin typeface="맑은 고딕" panose="020B0503020000020004" charset="-127"/>
+                <a:ea typeface="맑은 고딕" panose="020B0503020000020004" charset="-127"/>
+                <a:cs typeface="맑은 고딕" panose="020B0503020000020004" charset="-127"/>
+                <a:sym typeface="맑은 고딕" panose="020B0503020000020004" charset="-127"/>
+              </a:rPr>
+              <a:t>공격</a:t>
+            </a:r>
+            <a:r>
+              <a:rPr lang="en-US" altLang="ko-KR" sz="1300">
+                <a:latin typeface="맑은 고딕" panose="020B0503020000020004" charset="-127"/>
+                <a:ea typeface="맑은 고딕" panose="020B0503020000020004" charset="-127"/>
+                <a:cs typeface="맑은 고딕" panose="020B0503020000020004" charset="-127"/>
+                <a:sym typeface="맑은 고딕" panose="020B0503020000020004" charset="-127"/>
+              </a:rPr>
+              <a:t>, </a:t>
+            </a:r>
+            <a:r>
+              <a:rPr lang="ko-KR" altLang="en-US" sz="1300">
+                <a:latin typeface="맑은 고딕" panose="020B0503020000020004" charset="-127"/>
+                <a:ea typeface="맑은 고딕" panose="020B0503020000020004" charset="-127"/>
+                <a:cs typeface="맑은 고딕" panose="020B0503020000020004" charset="-127"/>
+                <a:sym typeface="맑은 고딕" panose="020B0503020000020004" charset="-127"/>
+              </a:rPr>
+              <a:t>사망</a:t>
+            </a:r>
+            <a:r>
+              <a:rPr lang="en-US" altLang="ko-KR" sz="1300">
+                <a:latin typeface="맑은 고딕" panose="020B0503020000020004" charset="-127"/>
+                <a:ea typeface="맑은 고딕" panose="020B0503020000020004" charset="-127"/>
+                <a:cs typeface="맑은 고딕" panose="020B0503020000020004" charset="-127"/>
+                <a:sym typeface="맑은 고딕" panose="020B0503020000020004" charset="-127"/>
+              </a:rPr>
+              <a:t>)</a:t>
+            </a:r>
+            <a:r>
+              <a:rPr lang="en-US" sz="1200">
+                <a:latin typeface="맑은 고딕" panose="020B0503020000020004" charset="-127"/>
+                <a:ea typeface="맑은 고딕" panose="020B0503020000020004" charset="-127"/>
+                <a:cs typeface="맑은 고딕" panose="020B0503020000020004" charset="-127"/>
+                <a:sym typeface="맑은 고딕" panose="020B0503020000020004" charset="-127"/>
+              </a:rPr>
+              <a:t> </a:t>
+            </a:r>
+            <a:endParaRPr sz="1200">
+              <a:latin typeface="맑은 고딕" panose="020B0503020000020004" charset="-127"/>
+              <a:ea typeface="맑은 고딕" panose="020B0503020000020004" charset="-127"/>
+              <a:cs typeface="맑은 고딕" panose="020B0503020000020004" charset="-127"/>
+              <a:sym typeface="맑은 고딕" panose="020B0503020000020004" charset="-127"/>
+            </a:endParaRPr>
+          </a:p>
+        </p:txBody>
+      </p:sp>
+      <p:pic>
+        <p:nvPicPr>
+          <p:cNvPr id="102" name="Picture 101"/>
+          <p:cNvPicPr/>
+          <p:nvPr/>
+        </p:nvPicPr>
+        <p:blipFill>
+          <a:blip r:embed="rId3"/>
+          <a:stretch>
+            <a:fillRect/>
+          </a:stretch>
+        </p:blipFill>
+        <p:spPr>
+          <a:xfrm>
+            <a:off x="5769610" y="943610"/>
+            <a:ext cx="2186305" cy="2390775"/>
+          </a:xfrm>
+          <a:prstGeom prst="rect">
+            <a:avLst/>
+          </a:prstGeom>
+          <a:noFill/>
+          <a:ln w="9525">
+            <a:noFill/>
+          </a:ln>
+        </p:spPr>
+      </p:pic>
+      <p:sp>
+        <p:nvSpPr>
+          <p:cNvPr id="2" name="Google Shape;138;p21"/>
+          <p:cNvSpPr txBox="1"/>
+          <p:nvPr/>
+        </p:nvSpPr>
+        <p:spPr>
+          <a:xfrm>
+            <a:off x="8091170" y="1209040"/>
+            <a:ext cx="3211195" cy="1859915"/>
+          </a:xfrm>
+          <a:prstGeom prst="rect">
+            <a:avLst/>
+          </a:prstGeom>
+          <a:noFill/>
+          <a:ln>
+            <a:noFill/>
+          </a:ln>
+        </p:spPr>
+        <p:txBody>
+          <a:bodyPr spcFirstLastPara="1" wrap="square" lIns="91425" tIns="91425" rIns="91425" bIns="91425" anchor="t" anchorCtr="0">
+            <a:noAutofit/>
+          </a:bodyPr>
+          <a:lstStyle/>
+          <a:p>
+            <a:pPr indent="0">
+              <a:spcBef>
+                <a:spcPts val="0"/>
+              </a:spcBef>
+              <a:spcAft>
+                <a:spcPts val="0"/>
+              </a:spcAft>
+              <a:buNone/>
+            </a:pPr>
+            <a:r>
+              <a:rPr lang="en-US" sz="1200">
+                <a:latin typeface="맑은 고딕" panose="020B0503020000020004" charset="-127"/>
+                <a:ea typeface="맑은 고딕" panose="020B0503020000020004" charset="-127"/>
+                <a:cs typeface="맑은 고딕" panose="020B0503020000020004" charset="-127"/>
+                <a:sym typeface="맑은 고딕" panose="020B0503020000020004" charset="-127"/>
+              </a:rPr>
+              <a:t>        </a:t>
+            </a:r>
+            <a:r>
+              <a:rPr lang="ko-KR" altLang="en-US" sz="1600" b="1">
+                <a:latin typeface="맑은 고딕" panose="020B0503020000020004" charset="-127"/>
+                <a:ea typeface="맑은 고딕" panose="020B0503020000020004" charset="-127"/>
+                <a:cs typeface="맑은 고딕" panose="020B0503020000020004" charset="-127"/>
+                <a:sym typeface="맑은 고딕" panose="020B0503020000020004" charset="-127"/>
+              </a:rPr>
+              <a:t>오거</a:t>
+            </a:r>
+            <a:endParaRPr sz="1600" b="1">
+              <a:latin typeface="맑은 고딕" panose="020B0503020000020004" charset="-127"/>
+              <a:ea typeface="맑은 고딕" panose="020B0503020000020004" charset="-127"/>
+              <a:cs typeface="맑은 고딕" panose="020B0503020000020004" charset="-127"/>
+              <a:sym typeface="맑은 고딕" panose="020B0503020000020004" charset="-127"/>
+            </a:endParaRPr>
+          </a:p>
+          <a:p>
+            <a:pPr indent="0">
+              <a:spcBef>
+                <a:spcPts val="0"/>
+              </a:spcBef>
+              <a:spcAft>
+                <a:spcPts val="0"/>
+              </a:spcAft>
+              <a:buNone/>
+            </a:pPr>
+            <a:endParaRPr sz="1200">
+              <a:latin typeface="맑은 고딕" panose="020B0503020000020004" charset="-127"/>
+              <a:ea typeface="맑은 고딕" panose="020B0503020000020004" charset="-127"/>
+              <a:cs typeface="맑은 고딕" panose="020B0503020000020004" charset="-127"/>
+              <a:sym typeface="맑은 고딕" panose="020B0503020000020004" charset="-127"/>
+            </a:endParaRPr>
+          </a:p>
+          <a:p>
+            <a:pPr indent="0">
+              <a:spcBef>
+                <a:spcPts val="0"/>
+              </a:spcBef>
+              <a:spcAft>
+                <a:spcPts val="0"/>
+              </a:spcAft>
+              <a:buNone/>
+            </a:pPr>
+            <a:r>
+              <a:rPr lang="en-US" sz="1300">
+                <a:latin typeface="맑은 고딕" panose="020B0503020000020004" charset="-127"/>
+                <a:ea typeface="맑은 고딕" panose="020B0503020000020004" charset="-127"/>
+                <a:cs typeface="맑은 고딕" panose="020B0503020000020004" charset="-127"/>
+                <a:sym typeface="맑은 고딕" panose="020B0503020000020004" charset="-127"/>
+              </a:rPr>
+              <a:t>- 키 : 200cm</a:t>
+            </a:r>
+            <a:endParaRPr sz="1300">
+              <a:latin typeface="맑은 고딕" panose="020B0503020000020004" charset="-127"/>
+              <a:ea typeface="맑은 고딕" panose="020B0503020000020004" charset="-127"/>
+              <a:cs typeface="맑은 고딕" panose="020B0503020000020004" charset="-127"/>
+              <a:sym typeface="맑은 고딕" panose="020B0503020000020004" charset="-127"/>
+            </a:endParaRPr>
+          </a:p>
+          <a:p>
+            <a:pPr indent="0">
+              <a:spcBef>
+                <a:spcPts val="0"/>
+              </a:spcBef>
+              <a:spcAft>
+                <a:spcPts val="0"/>
+              </a:spcAft>
+              <a:buNone/>
+            </a:pPr>
+            <a:r>
+              <a:rPr lang="en-US" sz="1300">
+                <a:latin typeface="맑은 고딕" panose="020B0503020000020004" charset="-127"/>
+                <a:ea typeface="맑은 고딕" panose="020B0503020000020004" charset="-127"/>
+                <a:cs typeface="맑은 고딕" panose="020B0503020000020004" charset="-127"/>
+                <a:sym typeface="맑은 고딕" panose="020B0503020000020004" charset="-127"/>
+              </a:rPr>
+              <a:t>- 이동속도 : 0.7km/h</a:t>
+            </a:r>
+            <a:endParaRPr sz="1300">
+              <a:latin typeface="맑은 고딕" panose="020B0503020000020004" charset="-127"/>
+              <a:ea typeface="맑은 고딕" panose="020B0503020000020004" charset="-127"/>
+              <a:cs typeface="맑은 고딕" panose="020B0503020000020004" charset="-127"/>
+              <a:sym typeface="맑은 고딕" panose="020B0503020000020004" charset="-127"/>
+            </a:endParaRPr>
+          </a:p>
+          <a:p>
+            <a:pPr indent="0">
+              <a:spcBef>
+                <a:spcPts val="0"/>
+              </a:spcBef>
+              <a:spcAft>
+                <a:spcPts val="0"/>
+              </a:spcAft>
+              <a:buNone/>
+            </a:pPr>
+            <a:r>
+              <a:rPr lang="en-US" sz="1300">
+                <a:latin typeface="맑은 고딕" panose="020B0503020000020004" charset="-127"/>
+                <a:ea typeface="맑은 고딕" panose="020B0503020000020004" charset="-127"/>
+                <a:cs typeface="맑은 고딕" panose="020B0503020000020004" charset="-127"/>
+                <a:sym typeface="맑은 고딕" panose="020B0503020000020004" charset="-127"/>
+              </a:rPr>
+              <a:t>- 체력 : 300</a:t>
+            </a:r>
+          </a:p>
+          <a:p>
+            <a:pPr indent="0">
+              <a:spcBef>
+                <a:spcPts val="0"/>
+              </a:spcBef>
+              <a:spcAft>
+                <a:spcPts val="0"/>
+              </a:spcAft>
+              <a:buNone/>
+            </a:pPr>
+            <a:r>
+              <a:rPr lang="en-US" sz="1300">
+                <a:latin typeface="맑은 고딕" panose="020B0503020000020004" charset="-127"/>
+                <a:ea typeface="맑은 고딕" panose="020B0503020000020004" charset="-127"/>
+                <a:cs typeface="맑은 고딕" panose="020B0503020000020004" charset="-127"/>
+                <a:sym typeface="맑은 고딕" panose="020B0503020000020004" charset="-127"/>
+              </a:rPr>
+              <a:t>- </a:t>
+            </a:r>
+            <a:r>
+              <a:rPr lang="ko-KR" altLang="en-US" sz="1300">
+                <a:latin typeface="맑은 고딕" panose="020B0503020000020004" charset="-127"/>
+                <a:ea typeface="맑은 고딕" panose="020B0503020000020004" charset="-127"/>
+                <a:cs typeface="맑은 고딕" panose="020B0503020000020004" charset="-127"/>
+                <a:sym typeface="맑은 고딕" panose="020B0503020000020004" charset="-127"/>
+              </a:rPr>
+              <a:t>공격속도</a:t>
+            </a:r>
+            <a:r>
+              <a:rPr lang="en-US" altLang="ko-KR" sz="1300">
+                <a:latin typeface="맑은 고딕" panose="020B0503020000020004" charset="-127"/>
+                <a:ea typeface="맑은 고딕" panose="020B0503020000020004" charset="-127"/>
+                <a:cs typeface="맑은 고딕" panose="020B0503020000020004" charset="-127"/>
+                <a:sym typeface="맑은 고딕" panose="020B0503020000020004" charset="-127"/>
+              </a:rPr>
+              <a:t> : 2.5</a:t>
+            </a:r>
+            <a:r>
+              <a:rPr lang="ko-KR" altLang="en-US" sz="1300">
+                <a:latin typeface="맑은 고딕" panose="020B0503020000020004" charset="-127"/>
+                <a:ea typeface="맑은 고딕" panose="020B0503020000020004" charset="-127"/>
+                <a:cs typeface="맑은 고딕" panose="020B0503020000020004" charset="-127"/>
+                <a:sym typeface="맑은 고딕" panose="020B0503020000020004" charset="-127"/>
+              </a:rPr>
+              <a:t>초에</a:t>
+            </a:r>
+            <a:r>
+              <a:rPr lang="en-US" altLang="ko-KR" sz="1300">
+                <a:latin typeface="맑은 고딕" panose="020B0503020000020004" charset="-127"/>
+                <a:ea typeface="맑은 고딕" panose="020B0503020000020004" charset="-127"/>
+                <a:cs typeface="맑은 고딕" panose="020B0503020000020004" charset="-127"/>
+                <a:sym typeface="맑은 고딕" panose="020B0503020000020004" charset="-127"/>
+              </a:rPr>
+              <a:t> 1</a:t>
+            </a:r>
+            <a:r>
+              <a:rPr lang="ko-KR" altLang="en-US" sz="1300">
+                <a:latin typeface="맑은 고딕" panose="020B0503020000020004" charset="-127"/>
+                <a:ea typeface="맑은 고딕" panose="020B0503020000020004" charset="-127"/>
+                <a:cs typeface="맑은 고딕" panose="020B0503020000020004" charset="-127"/>
+                <a:sym typeface="맑은 고딕" panose="020B0503020000020004" charset="-127"/>
+              </a:rPr>
+              <a:t>번</a:t>
+            </a:r>
+            <a:endParaRPr sz="1300">
+              <a:latin typeface="맑은 고딕" panose="020B0503020000020004" charset="-127"/>
+              <a:ea typeface="맑은 고딕" panose="020B0503020000020004" charset="-127"/>
+              <a:cs typeface="맑은 고딕" panose="020B0503020000020004" charset="-127"/>
+              <a:sym typeface="맑은 고딕" panose="020B0503020000020004" charset="-127"/>
+            </a:endParaRPr>
+          </a:p>
+          <a:p>
+            <a:pPr indent="0">
+              <a:spcBef>
+                <a:spcPts val="0"/>
+              </a:spcBef>
+              <a:spcAft>
+                <a:spcPts val="0"/>
+              </a:spcAft>
+              <a:buNone/>
+            </a:pPr>
+            <a:r>
+              <a:rPr lang="en-US" sz="1300">
+                <a:latin typeface="맑은 고딕" panose="020B0503020000020004" charset="-127"/>
+                <a:ea typeface="맑은 고딕" panose="020B0503020000020004" charset="-127"/>
+                <a:cs typeface="맑은 고딕" panose="020B0503020000020004" charset="-127"/>
+                <a:sym typeface="맑은 고딕" panose="020B0503020000020004" charset="-127"/>
+              </a:rPr>
+              <a:t>- 데미지 : 50</a:t>
+            </a:r>
+            <a:endParaRPr sz="1300">
+              <a:latin typeface="맑은 고딕" panose="020B0503020000020004" charset="-127"/>
+              <a:ea typeface="맑은 고딕" panose="020B0503020000020004" charset="-127"/>
+              <a:cs typeface="맑은 고딕" panose="020B0503020000020004" charset="-127"/>
+              <a:sym typeface="맑은 고딕" panose="020B0503020000020004" charset="-127"/>
+            </a:endParaRPr>
+          </a:p>
+          <a:p>
+            <a:pPr indent="0">
+              <a:spcBef>
+                <a:spcPts val="0"/>
+              </a:spcBef>
+              <a:spcAft>
+                <a:spcPts val="0"/>
+              </a:spcAft>
+              <a:buNone/>
+            </a:pPr>
+            <a:r>
+              <a:rPr lang="en-US" sz="1300">
+                <a:latin typeface="맑은 고딕" panose="020B0503020000020004" charset="-127"/>
+                <a:ea typeface="맑은 고딕" panose="020B0503020000020004" charset="-127"/>
+                <a:cs typeface="맑은 고딕" panose="020B0503020000020004" charset="-127"/>
+                <a:sym typeface="맑은 고딕" panose="020B0503020000020004" charset="-127"/>
+              </a:rPr>
+              <a:t>- 애니메이션 4종(Idle, </a:t>
+            </a:r>
+            <a:r>
+              <a:rPr lang="ko-KR" altLang="en-US" sz="1300">
+                <a:latin typeface="맑은 고딕" panose="020B0503020000020004" charset="-127"/>
+                <a:ea typeface="맑은 고딕" panose="020B0503020000020004" charset="-127"/>
+                <a:cs typeface="맑은 고딕" panose="020B0503020000020004" charset="-127"/>
+                <a:sym typeface="맑은 고딕" panose="020B0503020000020004" charset="-127"/>
+              </a:rPr>
+              <a:t>이동</a:t>
+            </a:r>
+            <a:r>
+              <a:rPr lang="en-US" altLang="ko-KR" sz="1300">
+                <a:latin typeface="맑은 고딕" panose="020B0503020000020004" charset="-127"/>
+                <a:ea typeface="맑은 고딕" panose="020B0503020000020004" charset="-127"/>
+                <a:cs typeface="맑은 고딕" panose="020B0503020000020004" charset="-127"/>
+                <a:sym typeface="맑은 고딕" panose="020B0503020000020004" charset="-127"/>
+              </a:rPr>
+              <a:t>, </a:t>
+            </a:r>
+            <a:r>
+              <a:rPr lang="ko-KR" altLang="en-US" sz="1300">
+                <a:latin typeface="맑은 고딕" panose="020B0503020000020004" charset="-127"/>
+                <a:ea typeface="맑은 고딕" panose="020B0503020000020004" charset="-127"/>
+                <a:cs typeface="맑은 고딕" panose="020B0503020000020004" charset="-127"/>
+                <a:sym typeface="맑은 고딕" panose="020B0503020000020004" charset="-127"/>
+              </a:rPr>
+              <a:t>공격</a:t>
+            </a:r>
+            <a:r>
+              <a:rPr lang="en-US" altLang="ko-KR" sz="1300">
+                <a:latin typeface="맑은 고딕" panose="020B0503020000020004" charset="-127"/>
+                <a:ea typeface="맑은 고딕" panose="020B0503020000020004" charset="-127"/>
+                <a:cs typeface="맑은 고딕" panose="020B0503020000020004" charset="-127"/>
+                <a:sym typeface="맑은 고딕" panose="020B0503020000020004" charset="-127"/>
+              </a:rPr>
+              <a:t>, </a:t>
+            </a:r>
+            <a:r>
+              <a:rPr lang="ko-KR" altLang="en-US" sz="1300">
+                <a:latin typeface="맑은 고딕" panose="020B0503020000020004" charset="-127"/>
+                <a:ea typeface="맑은 고딕" panose="020B0503020000020004" charset="-127"/>
+                <a:cs typeface="맑은 고딕" panose="020B0503020000020004" charset="-127"/>
+                <a:sym typeface="맑은 고딕" panose="020B0503020000020004" charset="-127"/>
+              </a:rPr>
+              <a:t>사망</a:t>
+            </a:r>
+            <a:r>
+              <a:rPr lang="en-US" altLang="ko-KR" sz="1300">
+                <a:latin typeface="맑은 고딕" panose="020B0503020000020004" charset="-127"/>
+                <a:ea typeface="맑은 고딕" panose="020B0503020000020004" charset="-127"/>
+                <a:cs typeface="맑은 고딕" panose="020B0503020000020004" charset="-127"/>
+                <a:sym typeface="맑은 고딕" panose="020B0503020000020004" charset="-127"/>
+              </a:rPr>
+              <a:t>)</a:t>
+            </a:r>
+            <a:r>
+              <a:rPr lang="en-US" sz="1200">
+                <a:latin typeface="맑은 고딕" panose="020B0503020000020004" charset="-127"/>
+                <a:ea typeface="맑은 고딕" panose="020B0503020000020004" charset="-127"/>
+                <a:cs typeface="맑은 고딕" panose="020B0503020000020004" charset="-127"/>
+                <a:sym typeface="맑은 고딕" panose="020B0503020000020004" charset="-127"/>
+              </a:rPr>
+              <a:t> </a:t>
+            </a:r>
+            <a:endParaRPr sz="1200">
+              <a:latin typeface="맑은 고딕" panose="020B0503020000020004" charset="-127"/>
+              <a:ea typeface="맑은 고딕" panose="020B0503020000020004" charset="-127"/>
+              <a:cs typeface="맑은 고딕" panose="020B0503020000020004" charset="-127"/>
+              <a:sym typeface="맑은 고딕" panose="020B0503020000020004" charset="-127"/>
+            </a:endParaRPr>
+          </a:p>
+        </p:txBody>
+      </p:sp>
+      <p:pic>
+        <p:nvPicPr>
+          <p:cNvPr id="103" name="Picture 102"/>
+          <p:cNvPicPr/>
+          <p:nvPr/>
+        </p:nvPicPr>
+        <p:blipFill>
+          <a:blip r:embed="rId4"/>
+          <a:stretch>
+            <a:fillRect/>
+          </a:stretch>
+        </p:blipFill>
+        <p:spPr>
+          <a:xfrm>
+            <a:off x="6298248" y="3743643"/>
+            <a:ext cx="1800225" cy="2543175"/>
+          </a:xfrm>
+          <a:prstGeom prst="rect">
+            <a:avLst/>
+          </a:prstGeom>
+          <a:noFill/>
+          <a:ln w="9525">
+            <a:noFill/>
+          </a:ln>
+        </p:spPr>
+      </p:pic>
+      <p:sp>
+        <p:nvSpPr>
+          <p:cNvPr id="3" name="Google Shape;138;p21"/>
+          <p:cNvSpPr txBox="1"/>
+          <p:nvPr/>
+        </p:nvSpPr>
+        <p:spPr>
+          <a:xfrm>
+            <a:off x="8472805" y="4085590"/>
+            <a:ext cx="2829560" cy="1996440"/>
+          </a:xfrm>
+          <a:prstGeom prst="rect">
+            <a:avLst/>
+          </a:prstGeom>
+          <a:noFill/>
+          <a:ln>
+            <a:noFill/>
+          </a:ln>
+        </p:spPr>
+        <p:txBody>
+          <a:bodyPr spcFirstLastPara="1" wrap="square" lIns="91425" tIns="91425" rIns="91425" bIns="91425" anchor="t" anchorCtr="0">
+            <a:noAutofit/>
+          </a:bodyPr>
+          <a:lstStyle/>
+          <a:p>
+            <a:pPr indent="0">
+              <a:spcBef>
+                <a:spcPts val="0"/>
+              </a:spcBef>
+              <a:spcAft>
+                <a:spcPts val="0"/>
+              </a:spcAft>
+              <a:buNone/>
+            </a:pPr>
+            <a:r>
+              <a:rPr lang="en-US" sz="1200">
+                <a:latin typeface="맑은 고딕" panose="020B0503020000020004" charset="-127"/>
+                <a:ea typeface="맑은 고딕" panose="020B0503020000020004" charset="-127"/>
+                <a:cs typeface="맑은 고딕" panose="020B0503020000020004" charset="-127"/>
+                <a:sym typeface="맑은 고딕" panose="020B0503020000020004" charset="-127"/>
+              </a:rPr>
+              <a:t>        </a:t>
+            </a:r>
+            <a:r>
+              <a:rPr lang="ko-KR" altLang="en-US" sz="1600" b="1">
+                <a:latin typeface="맑은 고딕" panose="020B0503020000020004" charset="-127"/>
+                <a:ea typeface="맑은 고딕" panose="020B0503020000020004" charset="-127"/>
+                <a:cs typeface="맑은 고딕" panose="020B0503020000020004" charset="-127"/>
+                <a:sym typeface="맑은 고딕" panose="020B0503020000020004" charset="-127"/>
+              </a:rPr>
+              <a:t>골렘</a:t>
+            </a:r>
+            <a:endParaRPr sz="1600" b="1">
+              <a:latin typeface="맑은 고딕" panose="020B0503020000020004" charset="-127"/>
+              <a:ea typeface="맑은 고딕" panose="020B0503020000020004" charset="-127"/>
+              <a:cs typeface="맑은 고딕" panose="020B0503020000020004" charset="-127"/>
+              <a:sym typeface="맑은 고딕" panose="020B0503020000020004" charset="-127"/>
+            </a:endParaRPr>
+          </a:p>
+          <a:p>
+            <a:pPr indent="0">
+              <a:spcBef>
+                <a:spcPts val="0"/>
+              </a:spcBef>
+              <a:spcAft>
+                <a:spcPts val="0"/>
+              </a:spcAft>
+              <a:buNone/>
+            </a:pPr>
+            <a:endParaRPr sz="1200">
+              <a:latin typeface="맑은 고딕" panose="020B0503020000020004" charset="-127"/>
+              <a:ea typeface="맑은 고딕" panose="020B0503020000020004" charset="-127"/>
+              <a:cs typeface="맑은 고딕" panose="020B0503020000020004" charset="-127"/>
+              <a:sym typeface="맑은 고딕" panose="020B0503020000020004" charset="-127"/>
+            </a:endParaRPr>
+          </a:p>
+          <a:p>
+            <a:pPr indent="0">
+              <a:spcBef>
+                <a:spcPts val="0"/>
+              </a:spcBef>
+              <a:spcAft>
+                <a:spcPts val="0"/>
+              </a:spcAft>
+              <a:buNone/>
+            </a:pPr>
+            <a:r>
+              <a:rPr lang="en-US" sz="1300">
+                <a:latin typeface="맑은 고딕" panose="020B0503020000020004" charset="-127"/>
+                <a:ea typeface="맑은 고딕" panose="020B0503020000020004" charset="-127"/>
+                <a:cs typeface="맑은 고딕" panose="020B0503020000020004" charset="-127"/>
+                <a:sym typeface="맑은 고딕" panose="020B0503020000020004" charset="-127"/>
+              </a:rPr>
+              <a:t>- 키 : 400cm</a:t>
+            </a:r>
+            <a:endParaRPr sz="1300">
+              <a:latin typeface="맑은 고딕" panose="020B0503020000020004" charset="-127"/>
+              <a:ea typeface="맑은 고딕" panose="020B0503020000020004" charset="-127"/>
+              <a:cs typeface="맑은 고딕" panose="020B0503020000020004" charset="-127"/>
+              <a:sym typeface="맑은 고딕" panose="020B0503020000020004" charset="-127"/>
+            </a:endParaRPr>
+          </a:p>
+          <a:p>
+            <a:pPr indent="0">
+              <a:spcBef>
+                <a:spcPts val="0"/>
+              </a:spcBef>
+              <a:spcAft>
+                <a:spcPts val="0"/>
+              </a:spcAft>
+              <a:buNone/>
+            </a:pPr>
+            <a:r>
+              <a:rPr lang="en-US" sz="1300">
+                <a:latin typeface="맑은 고딕" panose="020B0503020000020004" charset="-127"/>
+                <a:ea typeface="맑은 고딕" panose="020B0503020000020004" charset="-127"/>
+                <a:cs typeface="맑은 고딕" panose="020B0503020000020004" charset="-127"/>
+                <a:sym typeface="맑은 고딕" panose="020B0503020000020004" charset="-127"/>
+              </a:rPr>
+              <a:t>- 이동속도 : 0.5km/h</a:t>
+            </a:r>
+            <a:endParaRPr sz="1300">
+              <a:latin typeface="맑은 고딕" panose="020B0503020000020004" charset="-127"/>
+              <a:ea typeface="맑은 고딕" panose="020B0503020000020004" charset="-127"/>
+              <a:cs typeface="맑은 고딕" panose="020B0503020000020004" charset="-127"/>
+              <a:sym typeface="맑은 고딕" panose="020B0503020000020004" charset="-127"/>
+            </a:endParaRPr>
+          </a:p>
+          <a:p>
+            <a:pPr indent="0">
+              <a:spcBef>
+                <a:spcPts val="0"/>
+              </a:spcBef>
+              <a:spcAft>
+                <a:spcPts val="0"/>
+              </a:spcAft>
+              <a:buNone/>
+            </a:pPr>
+            <a:r>
+              <a:rPr lang="en-US" sz="1300">
+                <a:latin typeface="맑은 고딕" panose="020B0503020000020004" charset="-127"/>
+                <a:ea typeface="맑은 고딕" panose="020B0503020000020004" charset="-127"/>
+                <a:cs typeface="맑은 고딕" panose="020B0503020000020004" charset="-127"/>
+                <a:sym typeface="맑은 고딕" panose="020B0503020000020004" charset="-127"/>
+              </a:rPr>
+              <a:t>- 체력 : 500</a:t>
+            </a:r>
+          </a:p>
+          <a:p>
+            <a:pPr indent="0">
+              <a:spcBef>
+                <a:spcPts val="0"/>
+              </a:spcBef>
+              <a:spcAft>
+                <a:spcPts val="0"/>
+              </a:spcAft>
+              <a:buNone/>
+            </a:pPr>
+            <a:r>
+              <a:rPr lang="en-US" sz="1300">
+                <a:latin typeface="맑은 고딕" panose="020B0503020000020004" charset="-127"/>
+                <a:ea typeface="맑은 고딕" panose="020B0503020000020004" charset="-127"/>
+                <a:cs typeface="맑은 고딕" panose="020B0503020000020004" charset="-127"/>
+                <a:sym typeface="맑은 고딕" panose="020B0503020000020004" charset="-127"/>
+              </a:rPr>
+              <a:t>- </a:t>
+            </a:r>
+            <a:r>
+              <a:rPr lang="ko-KR" altLang="en-US" sz="1300">
+                <a:latin typeface="맑은 고딕" panose="020B0503020000020004" charset="-127"/>
+                <a:ea typeface="맑은 고딕" panose="020B0503020000020004" charset="-127"/>
+                <a:cs typeface="맑은 고딕" panose="020B0503020000020004" charset="-127"/>
+                <a:sym typeface="맑은 고딕" panose="020B0503020000020004" charset="-127"/>
+              </a:rPr>
+              <a:t>데미지</a:t>
+            </a:r>
+            <a:r>
+              <a:rPr lang="en-US" altLang="ko-KR" sz="1300">
+                <a:latin typeface="맑은 고딕" panose="020B0503020000020004" charset="-127"/>
+                <a:ea typeface="맑은 고딕" panose="020B0503020000020004" charset="-127"/>
+                <a:cs typeface="맑은 고딕" panose="020B0503020000020004" charset="-127"/>
+                <a:sym typeface="맑은 고딕" panose="020B0503020000020004" charset="-127"/>
+              </a:rPr>
+              <a:t> : 100</a:t>
+            </a:r>
+            <a:endParaRPr lang="en-US" sz="1300">
+              <a:latin typeface="맑은 고딕" panose="020B0503020000020004" charset="-127"/>
+              <a:ea typeface="맑은 고딕" panose="020B0503020000020004" charset="-127"/>
+              <a:cs typeface="맑은 고딕" panose="020B0503020000020004" charset="-127"/>
+              <a:sym typeface="맑은 고딕" panose="020B0503020000020004" charset="-127"/>
+            </a:endParaRPr>
+          </a:p>
+          <a:p>
+            <a:pPr indent="0">
+              <a:spcBef>
+                <a:spcPts val="0"/>
+              </a:spcBef>
+              <a:spcAft>
+                <a:spcPts val="0"/>
+              </a:spcAft>
+              <a:buNone/>
+            </a:pPr>
+            <a:r>
+              <a:rPr lang="en-US" sz="1300">
+                <a:latin typeface="맑은 고딕" panose="020B0503020000020004" charset="-127"/>
+                <a:ea typeface="맑은 고딕" panose="020B0503020000020004" charset="-127"/>
+                <a:cs typeface="맑은 고딕" panose="020B0503020000020004" charset="-127"/>
+                <a:sym typeface="맑은 고딕" panose="020B0503020000020004" charset="-127"/>
+              </a:rPr>
+              <a:t>- 애니메이션 5종(Idle, </a:t>
+            </a:r>
+            <a:r>
+              <a:rPr lang="ko-KR" altLang="en-US" sz="1300">
+                <a:latin typeface="맑은 고딕" panose="020B0503020000020004" charset="-127"/>
+                <a:ea typeface="맑은 고딕" panose="020B0503020000020004" charset="-127"/>
+                <a:cs typeface="맑은 고딕" panose="020B0503020000020004" charset="-127"/>
+                <a:sym typeface="맑은 고딕" panose="020B0503020000020004" charset="-127"/>
+              </a:rPr>
+              <a:t>이동</a:t>
+            </a:r>
+            <a:r>
+              <a:rPr lang="en-US" altLang="ko-KR" sz="1300">
+                <a:latin typeface="맑은 고딕" panose="020B0503020000020004" charset="-127"/>
+                <a:ea typeface="맑은 고딕" panose="020B0503020000020004" charset="-127"/>
+                <a:cs typeface="맑은 고딕" panose="020B0503020000020004" charset="-127"/>
+                <a:sym typeface="맑은 고딕" panose="020B0503020000020004" charset="-127"/>
+              </a:rPr>
+              <a:t>, </a:t>
+            </a:r>
+            <a:r>
+              <a:rPr lang="ko-KR" altLang="en-US" sz="1300">
+                <a:latin typeface="맑은 고딕" panose="020B0503020000020004" charset="-127"/>
+                <a:ea typeface="맑은 고딕" panose="020B0503020000020004" charset="-127"/>
+                <a:cs typeface="맑은 고딕" panose="020B0503020000020004" charset="-127"/>
+                <a:sym typeface="맑은 고딕" panose="020B0503020000020004" charset="-127"/>
+              </a:rPr>
+              <a:t>공격</a:t>
+            </a:r>
+            <a:r>
+              <a:rPr lang="en-US" altLang="ko-KR" sz="1300">
+                <a:latin typeface="맑은 고딕" panose="020B0503020000020004" charset="-127"/>
+                <a:ea typeface="맑은 고딕" panose="020B0503020000020004" charset="-127"/>
+                <a:cs typeface="맑은 고딕" panose="020B0503020000020004" charset="-127"/>
+                <a:sym typeface="맑은 고딕" panose="020B0503020000020004" charset="-127"/>
+              </a:rPr>
+              <a:t> 1, </a:t>
+            </a:r>
+            <a:r>
+              <a:rPr lang="ko-KR" altLang="en-US" sz="1300">
+                <a:latin typeface="맑은 고딕" panose="020B0503020000020004" charset="-127"/>
+                <a:ea typeface="맑은 고딕" panose="020B0503020000020004" charset="-127"/>
+                <a:cs typeface="맑은 고딕" panose="020B0503020000020004" charset="-127"/>
+                <a:sym typeface="맑은 고딕" panose="020B0503020000020004" charset="-127"/>
+              </a:rPr>
+              <a:t>공격</a:t>
+            </a:r>
+            <a:r>
+              <a:rPr lang="en-US" altLang="ko-KR" sz="1300">
+                <a:latin typeface="맑은 고딕" panose="020B0503020000020004" charset="-127"/>
+                <a:ea typeface="맑은 고딕" panose="020B0503020000020004" charset="-127"/>
+                <a:cs typeface="맑은 고딕" panose="020B0503020000020004" charset="-127"/>
+                <a:sym typeface="맑은 고딕" panose="020B0503020000020004" charset="-127"/>
+              </a:rPr>
+              <a:t> 2, </a:t>
+            </a:r>
+            <a:r>
+              <a:rPr lang="ko-KR" altLang="en-US" sz="1300">
+                <a:latin typeface="맑은 고딕" panose="020B0503020000020004" charset="-127"/>
+                <a:ea typeface="맑은 고딕" panose="020B0503020000020004" charset="-127"/>
+                <a:cs typeface="맑은 고딕" panose="020B0503020000020004" charset="-127"/>
+                <a:sym typeface="맑은 고딕" panose="020B0503020000020004" charset="-127"/>
+              </a:rPr>
+              <a:t>사망</a:t>
+            </a:r>
+            <a:r>
+              <a:rPr lang="en-US" altLang="ko-KR" sz="1300">
+                <a:latin typeface="맑은 고딕" panose="020B0503020000020004" charset="-127"/>
+                <a:ea typeface="맑은 고딕" panose="020B0503020000020004" charset="-127"/>
+                <a:cs typeface="맑은 고딕" panose="020B0503020000020004" charset="-127"/>
+                <a:sym typeface="맑은 고딕" panose="020B0503020000020004" charset="-127"/>
+              </a:rPr>
+              <a:t>)</a:t>
+            </a:r>
+            <a:r>
+              <a:rPr lang="en-US" sz="1200">
+                <a:latin typeface="맑은 고딕" panose="020B0503020000020004" charset="-127"/>
+                <a:ea typeface="맑은 고딕" panose="020B0503020000020004" charset="-127"/>
+                <a:cs typeface="맑은 고딕" panose="020B0503020000020004" charset="-127"/>
+                <a:sym typeface="맑은 고딕" panose="020B0503020000020004" charset="-127"/>
+              </a:rPr>
+              <a:t> </a:t>
+            </a:r>
+            <a:endParaRPr sz="1200">
+              <a:latin typeface="맑은 고딕" panose="020B0503020000020004" charset="-127"/>
+              <a:ea typeface="맑은 고딕" panose="020B0503020000020004" charset="-127"/>
+              <a:cs typeface="맑은 고딕" panose="020B0503020000020004" charset="-127"/>
+              <a:sym typeface="맑은 고딕" panose="020B0503020000020004" charset="-127"/>
+            </a:endParaRPr>
+          </a:p>
+        </p:txBody>
+      </p:sp>
+      <p:pic>
+        <p:nvPicPr>
+          <p:cNvPr id="104" name="Picture 103"/>
+          <p:cNvPicPr/>
+          <p:nvPr/>
+        </p:nvPicPr>
+        <p:blipFill>
+          <a:blip r:embed="rId5"/>
+          <a:stretch>
+            <a:fillRect/>
+          </a:stretch>
+        </p:blipFill>
+        <p:spPr>
+          <a:xfrm>
+            <a:off x="718185" y="4085590"/>
+            <a:ext cx="1957070" cy="2047875"/>
+          </a:xfrm>
+          <a:prstGeom prst="rect">
+            <a:avLst/>
+          </a:prstGeom>
+          <a:noFill/>
+          <a:ln w="9525">
+            <a:noFill/>
+          </a:ln>
+        </p:spPr>
+      </p:pic>
+      <p:sp>
+        <p:nvSpPr>
+          <p:cNvPr id="4" name="Google Shape;138;p21"/>
+          <p:cNvSpPr txBox="1"/>
+          <p:nvPr/>
+        </p:nvSpPr>
+        <p:spPr>
+          <a:xfrm>
+            <a:off x="2613025" y="4015105"/>
+            <a:ext cx="3111500" cy="2001520"/>
+          </a:xfrm>
+          <a:prstGeom prst="rect">
+            <a:avLst/>
+          </a:prstGeom>
+          <a:noFill/>
+          <a:ln>
+            <a:noFill/>
+          </a:ln>
+        </p:spPr>
+        <p:txBody>
+          <a:bodyPr spcFirstLastPara="1" wrap="square" lIns="91425" tIns="91425" rIns="91425" bIns="91425" anchor="t" anchorCtr="0">
+            <a:noAutofit/>
+          </a:bodyPr>
+          <a:lstStyle/>
+          <a:p>
+            <a:pPr indent="0">
+              <a:spcBef>
+                <a:spcPts val="0"/>
+              </a:spcBef>
+              <a:spcAft>
+                <a:spcPts val="0"/>
+              </a:spcAft>
+              <a:buNone/>
+            </a:pPr>
+            <a:r>
+              <a:rPr lang="en-US" sz="1200">
+                <a:latin typeface="맑은 고딕" panose="020B0503020000020004" charset="-127"/>
+                <a:ea typeface="맑은 고딕" panose="020B0503020000020004" charset="-127"/>
+                <a:cs typeface="맑은 고딕" panose="020B0503020000020004" charset="-127"/>
+                <a:sym typeface="맑은 고딕" panose="020B0503020000020004" charset="-127"/>
+              </a:rPr>
+              <a:t>       </a:t>
+            </a:r>
+            <a:r>
+              <a:rPr lang="ko-KR" altLang="en-US" sz="1600" b="1">
+                <a:latin typeface="맑은 고딕" panose="020B0503020000020004" charset="-127"/>
+                <a:ea typeface="맑은 고딕" panose="020B0503020000020004" charset="-127"/>
+                <a:cs typeface="맑은 고딕" panose="020B0503020000020004" charset="-127"/>
+                <a:sym typeface="맑은 고딕" panose="020B0503020000020004" charset="-127"/>
+              </a:rPr>
+              <a:t>스켈레톤</a:t>
+            </a:r>
+            <a:endParaRPr sz="1600" b="1">
+              <a:latin typeface="맑은 고딕" panose="020B0503020000020004" charset="-127"/>
+              <a:ea typeface="맑은 고딕" panose="020B0503020000020004" charset="-127"/>
+              <a:cs typeface="맑은 고딕" panose="020B0503020000020004" charset="-127"/>
+              <a:sym typeface="맑은 고딕" panose="020B0503020000020004" charset="-127"/>
+            </a:endParaRPr>
+          </a:p>
+          <a:p>
+            <a:pPr indent="0">
+              <a:spcBef>
+                <a:spcPts val="0"/>
+              </a:spcBef>
+              <a:spcAft>
+                <a:spcPts val="0"/>
+              </a:spcAft>
+              <a:buNone/>
+            </a:pPr>
+            <a:endParaRPr sz="1200">
+              <a:latin typeface="맑은 고딕" panose="020B0503020000020004" charset="-127"/>
+              <a:ea typeface="맑은 고딕" panose="020B0503020000020004" charset="-127"/>
+              <a:cs typeface="맑은 고딕" panose="020B0503020000020004" charset="-127"/>
+              <a:sym typeface="맑은 고딕" panose="020B0503020000020004" charset="-127"/>
+            </a:endParaRPr>
+          </a:p>
+          <a:p>
+            <a:pPr indent="0">
+              <a:spcBef>
+                <a:spcPts val="0"/>
+              </a:spcBef>
+              <a:spcAft>
+                <a:spcPts val="0"/>
+              </a:spcAft>
+              <a:buNone/>
+            </a:pPr>
+            <a:r>
+              <a:rPr lang="en-US" sz="1300">
+                <a:latin typeface="맑은 고딕" panose="020B0503020000020004" charset="-127"/>
+                <a:ea typeface="맑은 고딕" panose="020B0503020000020004" charset="-127"/>
+                <a:cs typeface="맑은 고딕" panose="020B0503020000020004" charset="-127"/>
+                <a:sym typeface="맑은 고딕" panose="020B0503020000020004" charset="-127"/>
+              </a:rPr>
+              <a:t>- 키 : 160cm</a:t>
+            </a:r>
+            <a:endParaRPr sz="1300">
+              <a:latin typeface="맑은 고딕" panose="020B0503020000020004" charset="-127"/>
+              <a:ea typeface="맑은 고딕" panose="020B0503020000020004" charset="-127"/>
+              <a:cs typeface="맑은 고딕" panose="020B0503020000020004" charset="-127"/>
+              <a:sym typeface="맑은 고딕" panose="020B0503020000020004" charset="-127"/>
+            </a:endParaRPr>
+          </a:p>
+          <a:p>
+            <a:pPr indent="0">
+              <a:spcBef>
+                <a:spcPts val="0"/>
+              </a:spcBef>
+              <a:spcAft>
+                <a:spcPts val="0"/>
+              </a:spcAft>
+              <a:buNone/>
+            </a:pPr>
+            <a:r>
+              <a:rPr lang="en-US" sz="1300">
+                <a:latin typeface="맑은 고딕" panose="020B0503020000020004" charset="-127"/>
+                <a:ea typeface="맑은 고딕" panose="020B0503020000020004" charset="-127"/>
+                <a:cs typeface="맑은 고딕" panose="020B0503020000020004" charset="-127"/>
+                <a:sym typeface="맑은 고딕" panose="020B0503020000020004" charset="-127"/>
+              </a:rPr>
+              <a:t>- 이동속도 : 1km/h</a:t>
+            </a:r>
+            <a:endParaRPr sz="1300">
+              <a:latin typeface="맑은 고딕" panose="020B0503020000020004" charset="-127"/>
+              <a:ea typeface="맑은 고딕" panose="020B0503020000020004" charset="-127"/>
+              <a:cs typeface="맑은 고딕" panose="020B0503020000020004" charset="-127"/>
+              <a:sym typeface="맑은 고딕" panose="020B0503020000020004" charset="-127"/>
+            </a:endParaRPr>
+          </a:p>
+          <a:p>
+            <a:pPr indent="0">
+              <a:spcBef>
+                <a:spcPts val="0"/>
+              </a:spcBef>
+              <a:spcAft>
+                <a:spcPts val="0"/>
+              </a:spcAft>
+              <a:buNone/>
+            </a:pPr>
+            <a:r>
+              <a:rPr lang="en-US" sz="1300">
+                <a:latin typeface="맑은 고딕" panose="020B0503020000020004" charset="-127"/>
+                <a:ea typeface="맑은 고딕" panose="020B0503020000020004" charset="-127"/>
+                <a:cs typeface="맑은 고딕" panose="020B0503020000020004" charset="-127"/>
+                <a:sym typeface="맑은 고딕" panose="020B0503020000020004" charset="-127"/>
+              </a:rPr>
+              <a:t>- 체력 : 150</a:t>
+            </a:r>
+          </a:p>
+          <a:p>
+            <a:pPr indent="0">
+              <a:spcBef>
+                <a:spcPts val="0"/>
+              </a:spcBef>
+              <a:spcAft>
+                <a:spcPts val="0"/>
+              </a:spcAft>
+              <a:buNone/>
+            </a:pPr>
+            <a:r>
+              <a:rPr lang="en-US" sz="1300">
+                <a:latin typeface="맑은 고딕" panose="020B0503020000020004" charset="-127"/>
+                <a:ea typeface="맑은 고딕" panose="020B0503020000020004" charset="-127"/>
+                <a:cs typeface="맑은 고딕" panose="020B0503020000020004" charset="-127"/>
+                <a:sym typeface="맑은 고딕" panose="020B0503020000020004" charset="-127"/>
+              </a:rPr>
+              <a:t>- </a:t>
+            </a:r>
+            <a:r>
+              <a:rPr lang="ko-KR" altLang="en-US" sz="1300">
+                <a:latin typeface="맑은 고딕" panose="020B0503020000020004" charset="-127"/>
+                <a:ea typeface="맑은 고딕" panose="020B0503020000020004" charset="-127"/>
+                <a:cs typeface="맑은 고딕" panose="020B0503020000020004" charset="-127"/>
+                <a:sym typeface="맑은 고딕" panose="020B0503020000020004" charset="-127"/>
+              </a:rPr>
+              <a:t>공격속도</a:t>
+            </a:r>
+            <a:r>
+              <a:rPr lang="en-US" altLang="ko-KR" sz="1300">
+                <a:latin typeface="맑은 고딕" panose="020B0503020000020004" charset="-127"/>
+                <a:ea typeface="맑은 고딕" panose="020B0503020000020004" charset="-127"/>
+                <a:cs typeface="맑은 고딕" panose="020B0503020000020004" charset="-127"/>
+                <a:sym typeface="맑은 고딕" panose="020B0503020000020004" charset="-127"/>
+              </a:rPr>
+              <a:t> : 1</a:t>
+            </a:r>
+            <a:r>
+              <a:rPr lang="ko-KR" altLang="en-US" sz="1300">
+                <a:latin typeface="맑은 고딕" panose="020B0503020000020004" charset="-127"/>
+                <a:ea typeface="맑은 고딕" panose="020B0503020000020004" charset="-127"/>
+                <a:cs typeface="맑은 고딕" panose="020B0503020000020004" charset="-127"/>
+                <a:sym typeface="맑은 고딕" panose="020B0503020000020004" charset="-127"/>
+              </a:rPr>
+              <a:t>초에</a:t>
+            </a:r>
+            <a:r>
+              <a:rPr lang="en-US" altLang="ko-KR" sz="1300">
+                <a:latin typeface="맑은 고딕" panose="020B0503020000020004" charset="-127"/>
+                <a:ea typeface="맑은 고딕" panose="020B0503020000020004" charset="-127"/>
+                <a:cs typeface="맑은 고딕" panose="020B0503020000020004" charset="-127"/>
+                <a:sym typeface="맑은 고딕" panose="020B0503020000020004" charset="-127"/>
+              </a:rPr>
+              <a:t> 1</a:t>
+            </a:r>
+            <a:r>
+              <a:rPr lang="ko-KR" altLang="en-US" sz="1300">
+                <a:latin typeface="맑은 고딕" panose="020B0503020000020004" charset="-127"/>
+                <a:ea typeface="맑은 고딕" panose="020B0503020000020004" charset="-127"/>
+                <a:cs typeface="맑은 고딕" panose="020B0503020000020004" charset="-127"/>
+                <a:sym typeface="맑은 고딕" panose="020B0503020000020004" charset="-127"/>
+              </a:rPr>
+              <a:t>번</a:t>
+            </a:r>
+            <a:endParaRPr sz="1300">
+              <a:latin typeface="맑은 고딕" panose="020B0503020000020004" charset="-127"/>
+              <a:ea typeface="맑은 고딕" panose="020B0503020000020004" charset="-127"/>
+              <a:cs typeface="맑은 고딕" panose="020B0503020000020004" charset="-127"/>
+              <a:sym typeface="맑은 고딕" panose="020B0503020000020004" charset="-127"/>
+            </a:endParaRPr>
+          </a:p>
+          <a:p>
+            <a:pPr indent="0">
+              <a:spcBef>
+                <a:spcPts val="0"/>
+              </a:spcBef>
+              <a:spcAft>
+                <a:spcPts val="0"/>
+              </a:spcAft>
+              <a:buNone/>
+            </a:pPr>
+            <a:r>
+              <a:rPr lang="en-US" sz="1300">
+                <a:latin typeface="맑은 고딕" panose="020B0503020000020004" charset="-127"/>
+                <a:ea typeface="맑은 고딕" panose="020B0503020000020004" charset="-127"/>
+                <a:cs typeface="맑은 고딕" panose="020B0503020000020004" charset="-127"/>
+                <a:sym typeface="맑은 고딕" panose="020B0503020000020004" charset="-127"/>
+              </a:rPr>
+              <a:t>- 데미지 : 30</a:t>
+            </a:r>
+            <a:endParaRPr sz="1300">
+              <a:latin typeface="맑은 고딕" panose="020B0503020000020004" charset="-127"/>
+              <a:ea typeface="맑은 고딕" panose="020B0503020000020004" charset="-127"/>
+              <a:cs typeface="맑은 고딕" panose="020B0503020000020004" charset="-127"/>
+              <a:sym typeface="맑은 고딕" panose="020B0503020000020004" charset="-127"/>
+            </a:endParaRPr>
+          </a:p>
+          <a:p>
+            <a:pPr indent="0">
+              <a:spcBef>
+                <a:spcPts val="0"/>
+              </a:spcBef>
+              <a:spcAft>
+                <a:spcPts val="0"/>
+              </a:spcAft>
+              <a:buNone/>
+            </a:pPr>
+            <a:r>
+              <a:rPr lang="en-US" sz="1300">
+                <a:latin typeface="맑은 고딕" panose="020B0503020000020004" charset="-127"/>
+                <a:ea typeface="맑은 고딕" panose="020B0503020000020004" charset="-127"/>
+                <a:cs typeface="맑은 고딕" panose="020B0503020000020004" charset="-127"/>
+                <a:sym typeface="맑은 고딕" panose="020B0503020000020004" charset="-127"/>
+              </a:rPr>
+              <a:t>- 애니메이션 4종(Idle, </a:t>
+            </a:r>
+            <a:r>
+              <a:rPr lang="ko-KR" altLang="en-US" sz="1300">
+                <a:latin typeface="맑은 고딕" panose="020B0503020000020004" charset="-127"/>
+                <a:ea typeface="맑은 고딕" panose="020B0503020000020004" charset="-127"/>
+                <a:cs typeface="맑은 고딕" panose="020B0503020000020004" charset="-127"/>
+                <a:sym typeface="맑은 고딕" panose="020B0503020000020004" charset="-127"/>
+              </a:rPr>
+              <a:t>이동</a:t>
+            </a:r>
+            <a:r>
+              <a:rPr lang="en-US" altLang="ko-KR" sz="1300">
+                <a:latin typeface="맑은 고딕" panose="020B0503020000020004" charset="-127"/>
+                <a:ea typeface="맑은 고딕" panose="020B0503020000020004" charset="-127"/>
+                <a:cs typeface="맑은 고딕" panose="020B0503020000020004" charset="-127"/>
+                <a:sym typeface="맑은 고딕" panose="020B0503020000020004" charset="-127"/>
+              </a:rPr>
+              <a:t>, </a:t>
+            </a:r>
+            <a:r>
+              <a:rPr lang="ko-KR" altLang="en-US" sz="1300">
+                <a:latin typeface="맑은 고딕" panose="020B0503020000020004" charset="-127"/>
+                <a:ea typeface="맑은 고딕" panose="020B0503020000020004" charset="-127"/>
+                <a:cs typeface="맑은 고딕" panose="020B0503020000020004" charset="-127"/>
+                <a:sym typeface="맑은 고딕" panose="020B0503020000020004" charset="-127"/>
+              </a:rPr>
+              <a:t>공격</a:t>
+            </a:r>
+            <a:r>
+              <a:rPr lang="en-US" altLang="ko-KR" sz="1300">
+                <a:latin typeface="맑은 고딕" panose="020B0503020000020004" charset="-127"/>
+                <a:ea typeface="맑은 고딕" panose="020B0503020000020004" charset="-127"/>
+                <a:cs typeface="맑은 고딕" panose="020B0503020000020004" charset="-127"/>
+                <a:sym typeface="맑은 고딕" panose="020B0503020000020004" charset="-127"/>
+              </a:rPr>
+              <a:t>, </a:t>
+            </a:r>
+            <a:r>
+              <a:rPr lang="ko-KR" altLang="en-US" sz="1300">
+                <a:latin typeface="맑은 고딕" panose="020B0503020000020004" charset="-127"/>
+                <a:ea typeface="맑은 고딕" panose="020B0503020000020004" charset="-127"/>
+                <a:cs typeface="맑은 고딕" panose="020B0503020000020004" charset="-127"/>
+                <a:sym typeface="맑은 고딕" panose="020B0503020000020004" charset="-127"/>
+              </a:rPr>
+              <a:t>사망</a:t>
+            </a:r>
+            <a:r>
+              <a:rPr lang="en-US" altLang="ko-KR" sz="1300">
+                <a:latin typeface="맑은 고딕" panose="020B0503020000020004" charset="-127"/>
+                <a:ea typeface="맑은 고딕" panose="020B0503020000020004" charset="-127"/>
+                <a:cs typeface="맑은 고딕" panose="020B0503020000020004" charset="-127"/>
+                <a:sym typeface="맑은 고딕" panose="020B0503020000020004" charset="-127"/>
+              </a:rPr>
+              <a:t>)</a:t>
+            </a:r>
+            <a:r>
+              <a:rPr lang="en-US" sz="1200">
+                <a:latin typeface="맑은 고딕" panose="020B0503020000020004" charset="-127"/>
+                <a:ea typeface="맑은 고딕" panose="020B0503020000020004" charset="-127"/>
+                <a:cs typeface="맑은 고딕" panose="020B0503020000020004" charset="-127"/>
+                <a:sym typeface="맑은 고딕" panose="020B0503020000020004" charset="-127"/>
+              </a:rPr>
+              <a:t> </a:t>
+            </a:r>
+            <a:endParaRPr sz="1200">
+              <a:latin typeface="맑은 고딕" panose="020B0503020000020004" charset="-127"/>
+              <a:ea typeface="맑은 고딕" panose="020B0503020000020004" charset="-127"/>
+              <a:cs typeface="맑은 고딕" panose="020B0503020000020004" charset="-127"/>
+              <a:sym typeface="맑은 고딕" panose="020B0503020000020004" charset="-127"/>
+            </a:endParaRPr>
+          </a:p>
+        </p:txBody>
+      </p:sp>
+    </p:spTree>
+  </p:cSld>
+  <p:clrMapOvr>
+    <a:masterClrMapping/>
+  </p:clrMapOvr>
+</p:sld>
+</file>
+
+<file path=ppt/slides/slide12.xml><?xml version="1.0" encoding="utf-8"?>
+<p:sld xmlns:a="http://schemas.openxmlformats.org/drawingml/2006/main" xmlns:r="http://schemas.openxmlformats.org/officeDocument/2006/relationships" xmlns:p="http://schemas.openxmlformats.org/presentationml/2006/main">
+  <p:cSld>
+    <p:bg>
+      <p:bgPr>
+        <a:solidFill>
+          <a:srgbClr val="8BA9AB"/>
+        </a:solidFill>
+        <a:effectLst/>
+      </p:bgPr>
+    </p:bg>
+    <p:spTree>
+      <p:nvGrpSpPr>
+        <p:cNvPr id="1" name=""/>
+        <p:cNvGrpSpPr/>
+        <p:nvPr/>
+      </p:nvGrpSpPr>
+      <p:grpSpPr>
+        <a:xfrm>
+          <a:off x="0" y="0"/>
+          <a:ext cx="0" cy="0"/>
+          <a:chOff x="0" y="0"/>
+          <a:chExt cx="0" cy="0"/>
+        </a:xfrm>
+      </p:grpSpPr>
+      <p:sp>
+        <p:nvSpPr>
+          <p:cNvPr id="15" name="직사각형 14"/>
+          <p:cNvSpPr/>
+          <p:nvPr/>
+        </p:nvSpPr>
+        <p:spPr>
+          <a:xfrm>
+            <a:off x="469900" y="925976"/>
+            <a:ext cx="11226800" cy="5617119"/>
+          </a:xfrm>
+          <a:prstGeom prst="rect">
+            <a:avLst/>
+          </a:prstGeom>
+          <a:solidFill>
+            <a:schemeClr val="bg1"/>
+          </a:solidFill>
+          <a:ln w="28575">
+            <a:solidFill>
+              <a:srgbClr val="A3BCBD"/>
+            </a:solidFill>
+          </a:ln>
+        </p:spPr>
+        <p:style>
+          <a:lnRef idx="2">
+            <a:schemeClr val="accent1">
+              <a:shade val="50000"/>
+            </a:schemeClr>
+          </a:lnRef>
+          <a:fillRef idx="1">
+            <a:schemeClr val="accent1"/>
+          </a:fillRef>
+          <a:effectRef idx="0">
+            <a:schemeClr val="accent1"/>
+          </a:effectRef>
+          <a:fontRef idx="minor">
+            <a:schemeClr val="lt1"/>
+          </a:fontRef>
+        </p:style>
+        <p:txBody>
+          <a:bodyPr rtlCol="0" anchor="ctr"/>
+          <a:lstStyle/>
+          <a:p>
+            <a:pPr algn="ctr"/>
+            <a:endParaRPr lang="ko-KR" altLang="en-US"/>
+          </a:p>
+        </p:txBody>
+      </p:sp>
+      <p:sp>
+        <p:nvSpPr>
+          <p:cNvPr id="18" name="TextBox 17"/>
+          <p:cNvSpPr txBox="1"/>
+          <p:nvPr/>
+        </p:nvSpPr>
+        <p:spPr>
+          <a:xfrm>
+            <a:off x="469900" y="260991"/>
+            <a:ext cx="6692900" cy="583565"/>
+          </a:xfrm>
+          <a:prstGeom prst="rect">
+            <a:avLst/>
+          </a:prstGeom>
+          <a:noFill/>
+        </p:spPr>
+        <p:txBody>
+          <a:bodyPr wrap="square" rtlCol="0">
+            <a:spAutoFit/>
+          </a:bodyPr>
+          <a:lstStyle/>
+          <a:p>
+            <a:r>
+              <a:rPr lang="en-US" altLang="ko-KR" sz="3200" dirty="0">
+                <a:solidFill>
+                  <a:schemeClr val="bg1"/>
+                </a:solidFill>
+                <a:latin typeface="여기어때 잘난체" panose="020B0600000101010101" pitchFamily="50" charset="-127"/>
+                <a:ea typeface="여기어때 잘난체" panose="020B0600000101010101" pitchFamily="50" charset="-127"/>
+              </a:rPr>
+              <a:t>02. </a:t>
+            </a:r>
+            <a:r>
+              <a:rPr lang="ko-KR" altLang="en-US" sz="3200" dirty="0">
+                <a:solidFill>
+                  <a:schemeClr val="bg1"/>
+                </a:solidFill>
+                <a:latin typeface="여기어때 잘난체" panose="020B0600000101010101" pitchFamily="50" charset="-127"/>
+                <a:ea typeface="여기어때 잘난체" panose="020B0600000101010101" pitchFamily="50" charset="-127"/>
+              </a:rPr>
+              <a:t>게임 소개 </a:t>
+            </a:r>
+            <a:r>
+              <a:rPr lang="en-US" altLang="ko-KR" sz="3200" dirty="0">
+                <a:solidFill>
+                  <a:schemeClr val="bg1"/>
+                </a:solidFill>
+                <a:latin typeface="여기어때 잘난체" panose="020B0600000101010101" pitchFamily="50" charset="-127"/>
+                <a:ea typeface="여기어때 잘난체" panose="020B0600000101010101" pitchFamily="50" charset="-127"/>
+              </a:rPr>
+              <a:t>– </a:t>
+            </a:r>
+            <a:r>
+              <a:rPr lang="ko-KR" altLang="en-US" sz="3200" dirty="0">
+                <a:solidFill>
+                  <a:schemeClr val="bg1"/>
+                </a:solidFill>
+                <a:latin typeface="여기어때 잘난체" panose="020B0600000101010101" pitchFamily="50" charset="-127"/>
+                <a:ea typeface="여기어때 잘난체" panose="020B0600000101010101" pitchFamily="50" charset="-127"/>
+              </a:rPr>
               <a:t>퍼즐</a:t>
             </a:r>
-            <a:endParaRPr lang="ko-KR" altLang="en-US" sz="3200" dirty="0">
-              <a:solidFill>
-                <a:schemeClr val="bg1"/>
-              </a:solidFill>
-              <a:latin typeface="여기어때 잘난체" panose="020B0600000101010101" pitchFamily="50" charset="-127"/>
-              <a:ea typeface="여기어때 잘난체" panose="020B0600000101010101" pitchFamily="50" charset="-127"/>
-            </a:endParaRPr>
           </a:p>
         </p:txBody>
       </p:sp>
@@ -4919,12 +5004,12 @@
           <a:graphicData uri="http://schemas.openxmlformats.org/presentationml/2006/ole">
             <mc:AlternateContent xmlns:mc="http://schemas.openxmlformats.org/markup-compatibility/2006">
               <mc:Choice xmlns:v="urn:schemas-microsoft-com:vml" Requires="v">
-                <p:oleObj spid="_x0000_s16" name="" r:id="rId1" imgW="447675" imgH="428625" progId="Paint.Picture">
+                <p:oleObj r:id="rId2" imgW="447675" imgH="428625" progId="Paint.Picture">
                   <p:embed/>
                 </p:oleObj>
               </mc:Choice>
               <mc:Fallback>
-                <p:oleObj name="" r:id="rId1" imgW="447675" imgH="428625" progId="Paint.Picture">
+                <p:oleObj r:id="rId2" imgW="447675" imgH="428625" progId="Paint.Picture">
                   <p:embed/>
                   <p:pic>
                     <p:nvPicPr>
@@ -4933,7 +5018,7 @@
                       <p:nvPr/>
                     </p:nvPicPr>
                     <p:blipFill>
-                      <a:blip r:embed="rId2"/>
+                      <a:blip r:embed="rId3"/>
                       <a:stretch>
                         <a:fillRect/>
                       </a:stretch>
@@ -4977,6 +5062,7 @@
           <a:bodyPr spcFirstLastPara="1" wrap="square" lIns="91425" tIns="91425" rIns="91425" bIns="91425" anchor="t" anchorCtr="0">
             <a:noAutofit/>
           </a:bodyPr>
+          <a:lstStyle/>
           <a:p>
             <a:pPr indent="0">
               <a:spcBef>
@@ -5063,6 +5149,7 @@
           <a:bodyPr spcFirstLastPara="1" wrap="square" lIns="91425" tIns="91425" rIns="91425" bIns="91425" anchor="t" anchorCtr="0">
             <a:noAutofit/>
           </a:bodyPr>
+          <a:lstStyle/>
           <a:p>
             <a:pPr indent="0">
               <a:spcBef>
@@ -5158,12 +5245,12 @@
           <a:graphicData uri="http://schemas.openxmlformats.org/presentationml/2006/ole">
             <mc:AlternateContent xmlns:mc="http://schemas.openxmlformats.org/markup-compatibility/2006">
               <mc:Choice xmlns:v="urn:schemas-microsoft-com:vml" Requires="v">
-                <p:oleObj spid="_x0000_s23" name="" r:id="rId3" imgW="361950" imgH="342900" progId="Paint.Picture">
+                <p:oleObj r:id="rId4" imgW="361950" imgH="342900" progId="Paint.Picture">
                   <p:embed/>
                 </p:oleObj>
               </mc:Choice>
               <mc:Fallback>
-                <p:oleObj name="" r:id="rId3" imgW="361950" imgH="342900" progId="Paint.Picture">
+                <p:oleObj r:id="rId4" imgW="361950" imgH="342900" progId="Paint.Picture">
                   <p:embed/>
                   <p:pic>
                     <p:nvPicPr>
@@ -5172,7 +5259,7 @@
                       <p:nvPr/>
                     </p:nvPicPr>
                     <p:blipFill>
-                      <a:blip r:embed="rId4"/>
+                      <a:blip r:embed="rId5"/>
                       <a:stretch>
                         <a:fillRect/>
                       </a:stretch>
@@ -5207,12 +5294,12 @@
           <a:graphicData uri="http://schemas.openxmlformats.org/presentationml/2006/ole">
             <mc:AlternateContent xmlns:mc="http://schemas.openxmlformats.org/markup-compatibility/2006">
               <mc:Choice xmlns:v="urn:schemas-microsoft-com:vml" Requires="v">
-                <p:oleObj spid="_x0000_s35" name="" r:id="rId5" imgW="361950" imgH="342900" progId="Paint.Picture">
+                <p:oleObj r:id="rId6" imgW="361950" imgH="342900" progId="Paint.Picture">
                   <p:embed/>
                 </p:oleObj>
               </mc:Choice>
               <mc:Fallback>
-                <p:oleObj name="" r:id="rId5" imgW="361950" imgH="342900" progId="Paint.Picture">
+                <p:oleObj r:id="rId6" imgW="361950" imgH="342900" progId="Paint.Picture">
                   <p:embed/>
                   <p:pic>
                     <p:nvPicPr>
@@ -5221,7 +5308,7 @@
                       <p:nvPr/>
                     </p:nvPicPr>
                     <p:blipFill>
-                      <a:blip r:embed="rId6"/>
+                      <a:blip r:embed="rId7"/>
                       <a:stretch>
                         <a:fillRect/>
                       </a:stretch>
@@ -5265,6 +5352,7 @@
           <a:bodyPr spcFirstLastPara="1" wrap="square" lIns="91425" tIns="91425" rIns="91425" bIns="91425" anchor="t" anchorCtr="0">
             <a:noAutofit/>
           </a:bodyPr>
+          <a:lstStyle/>
           <a:p>
             <a:pPr indent="0">
               <a:spcBef>
@@ -5437,12 +5525,6 @@
               </a:rPr>
               <a:t>.</a:t>
             </a:r>
-            <a:endParaRPr lang="en-US" altLang="ko-KR" sz="1200">
-              <a:latin typeface="맑은 고딕" panose="020B0503020000020004" charset="-127"/>
-              <a:ea typeface="맑은 고딕" panose="020B0503020000020004" charset="-127"/>
-              <a:cs typeface="맑은 고딕" panose="020B0503020000020004" charset="-127"/>
-              <a:sym typeface="맑은 고딕" panose="020B0503020000020004" charset="-127"/>
-            </a:endParaRPr>
           </a:p>
         </p:txBody>
       </p:sp>
@@ -5453,7 +5535,7 @@
           <p:nvPr/>
         </p:nvPicPr>
         <p:blipFill>
-          <a:blip r:embed="rId7"/>
+          <a:blip r:embed="rId8"/>
           <a:stretch>
             <a:fillRect/>
           </a:stretch>
@@ -5486,12 +5568,12 @@
           <a:graphicData uri="http://schemas.openxmlformats.org/presentationml/2006/ole">
             <mc:AlternateContent xmlns:mc="http://schemas.openxmlformats.org/markup-compatibility/2006">
               <mc:Choice xmlns:v="urn:schemas-microsoft-com:vml" Requires="v">
-                <p:oleObj spid="_x0000_s38" name="" r:id="rId8" imgW="361950" imgH="342900" progId="Paint.Picture">
+                <p:oleObj r:id="rId9" imgW="361950" imgH="342900" progId="Paint.Picture">
                   <p:embed/>
                 </p:oleObj>
               </mc:Choice>
               <mc:Fallback>
-                <p:oleObj name="" r:id="rId8" imgW="361950" imgH="342900" progId="Paint.Picture">
+                <p:oleObj r:id="rId9" imgW="361950" imgH="342900" progId="Paint.Picture">
                   <p:embed/>
                   <p:pic>
                     <p:nvPicPr>
@@ -5500,7 +5582,7 @@
                       <p:nvPr/>
                     </p:nvPicPr>
                     <p:blipFill>
-                      <a:blip r:embed="rId9"/>
+                      <a:blip r:embed="rId10"/>
                       <a:stretch>
                         <a:fillRect/>
                       </a:stretch>
@@ -5544,6 +5626,7 @@
           <a:bodyPr spcFirstLastPara="1" wrap="square" lIns="91425" tIns="91425" rIns="91425" bIns="91425" anchor="t" anchorCtr="0">
             <a:noAutofit/>
           </a:bodyPr>
+          <a:lstStyle/>
           <a:p>
             <a:pPr indent="0">
               <a:spcBef>
@@ -5666,12 +5749,12 @@
           <a:graphicData uri="http://schemas.openxmlformats.org/presentationml/2006/ole">
             <mc:AlternateContent xmlns:mc="http://schemas.openxmlformats.org/markup-compatibility/2006">
               <mc:Choice xmlns:v="urn:schemas-microsoft-com:vml" Requires="v">
-                <p:oleObj spid="_x0000_s118" name="" r:id="rId10" imgW="2352675" imgH="409575" progId="Paint.Picture">
+                <p:oleObj r:id="rId11" imgW="2352675" imgH="409575" progId="Paint.Picture">
                   <p:embed/>
                 </p:oleObj>
               </mc:Choice>
               <mc:Fallback>
-                <p:oleObj name="" r:id="rId10" imgW="2352675" imgH="409575" progId="Paint.Picture">
+                <p:oleObj r:id="rId11" imgW="2352675" imgH="409575" progId="Paint.Picture">
                   <p:embed/>
                   <p:pic>
                     <p:nvPicPr>
@@ -5680,7 +5763,7 @@
                       <p:nvPr/>
                     </p:nvPicPr>
                     <p:blipFill>
-                      <a:blip r:embed="rId11"/>
+                      <a:blip r:embed="rId12"/>
                       <a:stretch>
                         <a:fillRect/>
                       </a:stretch>
@@ -5715,12 +5798,12 @@
           <a:graphicData uri="http://schemas.openxmlformats.org/presentationml/2006/ole">
             <mc:AlternateContent xmlns:mc="http://schemas.openxmlformats.org/markup-compatibility/2006">
               <mc:Choice xmlns:v="urn:schemas-microsoft-com:vml" Requires="v">
-                <p:oleObj spid="_x0000_s132" name="" r:id="rId12" imgW="2352675" imgH="409575" progId="Paint.Picture">
+                <p:oleObj r:id="rId13" imgW="2352675" imgH="409575" progId="Paint.Picture">
                   <p:embed/>
                 </p:oleObj>
               </mc:Choice>
               <mc:Fallback>
-                <p:oleObj name="" r:id="rId12" imgW="2352675" imgH="409575" progId="Paint.Picture">
+                <p:oleObj r:id="rId13" imgW="2352675" imgH="409575" progId="Paint.Picture">
                   <p:embed/>
                   <p:pic>
                     <p:nvPicPr>
@@ -5729,7 +5812,7 @@
                       <p:nvPr/>
                     </p:nvPicPr>
                     <p:blipFill>
-                      <a:blip r:embed="rId11"/>
+                      <a:blip r:embed="rId12"/>
                       <a:stretch>
                         <a:fillRect/>
                       </a:stretch>
@@ -5773,6 +5856,7 @@
           <a:bodyPr spcFirstLastPara="1" wrap="square" lIns="91425" tIns="91425" rIns="91425" bIns="91425" anchor="t" anchorCtr="0">
             <a:noAutofit/>
           </a:bodyPr>
+          <a:lstStyle/>
           <a:p>
             <a:pPr indent="0">
               <a:spcBef>
@@ -5873,12 +5957,12 @@
             <a:graphicData uri="http://schemas.openxmlformats.org/presentationml/2006/ole">
               <mc:AlternateContent xmlns:mc="http://schemas.openxmlformats.org/markup-compatibility/2006">
                 <mc:Choice xmlns:v="urn:schemas-microsoft-com:vml" Requires="v">
-                  <p:oleObj spid="_x0000_s29" name="" r:id="rId13" imgW="361950" imgH="342900" progId="Paint.Picture">
+                  <p:oleObj r:id="rId14" imgW="361950" imgH="342900" progId="Paint.Picture">
                     <p:embed/>
                   </p:oleObj>
                 </mc:Choice>
                 <mc:Fallback>
-                  <p:oleObj name="" r:id="rId13" imgW="361950" imgH="342900" progId="Paint.Picture">
+                  <p:oleObj r:id="rId14" imgW="361950" imgH="342900" progId="Paint.Picture">
                     <p:embed/>
                     <p:pic>
                       <p:nvPicPr>
@@ -5887,7 +5971,7 @@
                         <p:nvPr/>
                       </p:nvPicPr>
                       <p:blipFill>
-                        <a:blip r:embed="rId6"/>
+                        <a:blip r:embed="rId7"/>
                         <a:stretch>
                           <a:fillRect/>
                         </a:stretch>
@@ -5922,12 +6006,12 @@
             <a:graphicData uri="http://schemas.openxmlformats.org/presentationml/2006/ole">
               <mc:AlternateContent xmlns:mc="http://schemas.openxmlformats.org/markup-compatibility/2006">
                 <mc:Choice xmlns:v="urn:schemas-microsoft-com:vml" Requires="v">
-                  <p:oleObj spid="_x0000_s162" name="" r:id="rId14" imgW="361950" imgH="342900" progId="Paint.Picture">
+                  <p:oleObj r:id="rId15" imgW="361950" imgH="342900" progId="Paint.Picture">
                     <p:embed/>
                   </p:oleObj>
                 </mc:Choice>
                 <mc:Fallback>
-                  <p:oleObj name="" r:id="rId14" imgW="361950" imgH="342900" progId="Paint.Picture">
+                  <p:oleObj r:id="rId15" imgW="361950" imgH="342900" progId="Paint.Picture">
                     <p:embed/>
                     <p:pic>
                       <p:nvPicPr>
@@ -5936,7 +6020,7 @@
                         <p:nvPr/>
                       </p:nvPicPr>
                       <p:blipFill>
-                        <a:blip r:embed="rId6"/>
+                        <a:blip r:embed="rId7"/>
                         <a:stretch>
                           <a:fillRect/>
                         </a:stretch>
@@ -5971,12 +6055,12 @@
             <a:graphicData uri="http://schemas.openxmlformats.org/presentationml/2006/ole">
               <mc:AlternateContent xmlns:mc="http://schemas.openxmlformats.org/markup-compatibility/2006">
                 <mc:Choice xmlns:v="urn:schemas-microsoft-com:vml" Requires="v">
-                  <p:oleObj spid="_x0000_s164" name="" r:id="rId15" imgW="361950" imgH="342900" progId="Paint.Picture">
+                  <p:oleObj r:id="rId16" imgW="361950" imgH="342900" progId="Paint.Picture">
                     <p:embed/>
                   </p:oleObj>
                 </mc:Choice>
                 <mc:Fallback>
-                  <p:oleObj name="" r:id="rId15" imgW="361950" imgH="342900" progId="Paint.Picture">
+                  <p:oleObj r:id="rId16" imgW="361950" imgH="342900" progId="Paint.Picture">
                     <p:embed/>
                     <p:pic>
                       <p:nvPicPr>
@@ -5985,7 +6069,7 @@
                         <p:nvPr/>
                       </p:nvPicPr>
                       <p:blipFill>
-                        <a:blip r:embed="rId6"/>
+                        <a:blip r:embed="rId7"/>
                         <a:stretch>
                           <a:fillRect/>
                         </a:stretch>
@@ -6020,12 +6104,12 @@
             <a:graphicData uri="http://schemas.openxmlformats.org/presentationml/2006/ole">
               <mc:AlternateContent xmlns:mc="http://schemas.openxmlformats.org/markup-compatibility/2006">
                 <mc:Choice xmlns:v="urn:schemas-microsoft-com:vml" Requires="v">
-                  <p:oleObj spid="_x0000_s166" name="" r:id="rId16" imgW="361950" imgH="342900" progId="Paint.Picture">
+                  <p:oleObj r:id="rId17" imgW="361950" imgH="342900" progId="Paint.Picture">
                     <p:embed/>
                   </p:oleObj>
                 </mc:Choice>
                 <mc:Fallback>
-                  <p:oleObj name="" r:id="rId16" imgW="361950" imgH="342900" progId="Paint.Picture">
+                  <p:oleObj r:id="rId17" imgW="361950" imgH="342900" progId="Paint.Picture">
                     <p:embed/>
                     <p:pic>
                       <p:nvPicPr>
@@ -6034,7 +6118,7 @@
                         <p:nvPr/>
                       </p:nvPicPr>
                       <p:blipFill>
-                        <a:blip r:embed="rId6"/>
+                        <a:blip r:embed="rId7"/>
                         <a:stretch>
                           <a:fillRect/>
                         </a:stretch>
@@ -6069,12 +6153,12 @@
             <a:graphicData uri="http://schemas.openxmlformats.org/presentationml/2006/ole">
               <mc:AlternateContent xmlns:mc="http://schemas.openxmlformats.org/markup-compatibility/2006">
                 <mc:Choice xmlns:v="urn:schemas-microsoft-com:vml" Requires="v">
-                  <p:oleObj spid="_x0000_s168" name="" r:id="rId17" imgW="361950" imgH="342900" progId="Paint.Picture">
+                  <p:oleObj r:id="rId18" imgW="361950" imgH="342900" progId="Paint.Picture">
                     <p:embed/>
                   </p:oleObj>
                 </mc:Choice>
                 <mc:Fallback>
-                  <p:oleObj name="" r:id="rId17" imgW="361950" imgH="342900" progId="Paint.Picture">
+                  <p:oleObj r:id="rId18" imgW="361950" imgH="342900" progId="Paint.Picture">
                     <p:embed/>
                     <p:pic>
                       <p:nvPicPr>
@@ -6083,7 +6167,7 @@
                         <p:nvPr/>
                       </p:nvPicPr>
                       <p:blipFill>
-                        <a:blip r:embed="rId6"/>
+                        <a:blip r:embed="rId7"/>
                         <a:stretch>
                           <a:fillRect/>
                         </a:stretch>
@@ -6119,12 +6203,12 @@
           <a:graphicData uri="http://schemas.openxmlformats.org/presentationml/2006/ole">
             <mc:AlternateContent xmlns:mc="http://schemas.openxmlformats.org/markup-compatibility/2006">
               <mc:Choice xmlns:v="urn:schemas-microsoft-com:vml" Requires="v">
-                <p:oleObj spid="_x0000_s171" name="" r:id="rId18" imgW="361950" imgH="342900" progId="Paint.Picture">
+                <p:oleObj r:id="rId19" imgW="361950" imgH="342900" progId="Paint.Picture">
                   <p:embed/>
                 </p:oleObj>
               </mc:Choice>
               <mc:Fallback>
-                <p:oleObj name="" r:id="rId18" imgW="361950" imgH="342900" progId="Paint.Picture">
+                <p:oleObj r:id="rId19" imgW="361950" imgH="342900" progId="Paint.Picture">
                   <p:embed/>
                   <p:pic>
                     <p:nvPicPr>
@@ -6133,7 +6217,7 @@
                       <p:nvPr/>
                     </p:nvPicPr>
                     <p:blipFill>
-                      <a:blip r:embed="rId4"/>
+                      <a:blip r:embed="rId5"/>
                       <a:stretch>
                         <a:fillRect/>
                       </a:stretch>
@@ -6177,6 +6261,7 @@
           <a:bodyPr spcFirstLastPara="1" wrap="square" lIns="91425" tIns="91425" rIns="91425" bIns="91425" anchor="t" anchorCtr="0">
             <a:noAutofit/>
           </a:bodyPr>
+          <a:lstStyle/>
           <a:p>
             <a:pPr indent="0">
               <a:spcBef>
@@ -6349,12 +6434,6 @@
               </a:rPr>
               <a:t>.</a:t>
             </a:r>
-            <a:endParaRPr lang="en-US" altLang="ko-KR" sz="1200">
-              <a:latin typeface="맑은 고딕" panose="020B0503020000020004" charset="-127"/>
-              <a:ea typeface="맑은 고딕" panose="020B0503020000020004" charset="-127"/>
-              <a:cs typeface="맑은 고딕" panose="020B0503020000020004" charset="-127"/>
-              <a:sym typeface="맑은 고딕" panose="020B0503020000020004" charset="-127"/>
-            </a:endParaRPr>
           </a:p>
           <a:p>
             <a:pPr indent="0">
@@ -6492,12 +6571,6 @@
               </a:rPr>
               <a:t>.</a:t>
             </a:r>
-            <a:endParaRPr lang="en-US" altLang="ko-KR" sz="1200">
-              <a:latin typeface="맑은 고딕" panose="020B0503020000020004" charset="-127"/>
-              <a:ea typeface="맑은 고딕" panose="020B0503020000020004" charset="-127"/>
-              <a:cs typeface="맑은 고딕" panose="020B0503020000020004" charset="-127"/>
-              <a:sym typeface="맑은 고딕" panose="020B0503020000020004" charset="-127"/>
-            </a:endParaRPr>
           </a:p>
         </p:txBody>
       </p:sp>
@@ -6515,12 +6588,12 @@
           <a:graphicData uri="http://schemas.openxmlformats.org/presentationml/2006/ole">
             <mc:AlternateContent xmlns:mc="http://schemas.openxmlformats.org/markup-compatibility/2006">
               <mc:Choice xmlns:v="urn:schemas-microsoft-com:vml" Requires="v">
-                <p:oleObj spid="_x0000_s174" name="" r:id="rId19" imgW="2352675" imgH="409575" progId="Paint.Picture">
+                <p:oleObj r:id="rId20" imgW="2352675" imgH="409575" progId="Paint.Picture">
                   <p:embed/>
                 </p:oleObj>
               </mc:Choice>
               <mc:Fallback>
-                <p:oleObj name="" r:id="rId19" imgW="2352675" imgH="409575" progId="Paint.Picture">
+                <p:oleObj r:id="rId20" imgW="2352675" imgH="409575" progId="Paint.Picture">
                   <p:embed/>
                   <p:pic>
                     <p:nvPicPr>
@@ -6529,7 +6602,7 @@
                       <p:nvPr/>
                     </p:nvPicPr>
                     <p:blipFill>
-                      <a:blip r:embed="rId11"/>
+                      <a:blip r:embed="rId12"/>
                       <a:stretch>
                         <a:fillRect/>
                       </a:stretch>
@@ -6578,12 +6651,12 @@
             <a:graphicData uri="http://schemas.openxmlformats.org/presentationml/2006/ole">
               <mc:AlternateContent xmlns:mc="http://schemas.openxmlformats.org/markup-compatibility/2006">
                 <mc:Choice xmlns:v="urn:schemas-microsoft-com:vml" Requires="v">
-                  <p:oleObj spid="_x0000_s177" name="" r:id="rId20" imgW="361950" imgH="342900" progId="Paint.Picture">
+                  <p:oleObj r:id="rId21" imgW="361950" imgH="342900" progId="Paint.Picture">
                     <p:embed/>
                   </p:oleObj>
                 </mc:Choice>
                 <mc:Fallback>
-                  <p:oleObj name="" r:id="rId20" imgW="361950" imgH="342900" progId="Paint.Picture">
+                  <p:oleObj r:id="rId21" imgW="361950" imgH="342900" progId="Paint.Picture">
                     <p:embed/>
                     <p:pic>
                       <p:nvPicPr>
@@ -6592,7 +6665,7 @@
                         <p:nvPr/>
                       </p:nvPicPr>
                       <p:blipFill>
-                        <a:blip r:embed="rId6"/>
+                        <a:blip r:embed="rId7"/>
                         <a:stretch>
                           <a:fillRect/>
                         </a:stretch>
@@ -6627,12 +6700,12 @@
             <a:graphicData uri="http://schemas.openxmlformats.org/presentationml/2006/ole">
               <mc:AlternateContent xmlns:mc="http://schemas.openxmlformats.org/markup-compatibility/2006">
                 <mc:Choice xmlns:v="urn:schemas-microsoft-com:vml" Requires="v">
-                  <p:oleObj spid="_x0000_s179" name="" r:id="rId21" imgW="361950" imgH="342900" progId="Paint.Picture">
+                  <p:oleObj r:id="rId22" imgW="361950" imgH="342900" progId="Paint.Picture">
                     <p:embed/>
                   </p:oleObj>
                 </mc:Choice>
                 <mc:Fallback>
-                  <p:oleObj name="" r:id="rId21" imgW="361950" imgH="342900" progId="Paint.Picture">
+                  <p:oleObj r:id="rId22" imgW="361950" imgH="342900" progId="Paint.Picture">
                     <p:embed/>
                     <p:pic>
                       <p:nvPicPr>
@@ -6641,7 +6714,7 @@
                         <p:nvPr/>
                       </p:nvPicPr>
                       <p:blipFill>
-                        <a:blip r:embed="rId6"/>
+                        <a:blip r:embed="rId7"/>
                         <a:stretch>
                           <a:fillRect/>
                         </a:stretch>
@@ -6676,12 +6749,12 @@
             <a:graphicData uri="http://schemas.openxmlformats.org/presentationml/2006/ole">
               <mc:AlternateContent xmlns:mc="http://schemas.openxmlformats.org/markup-compatibility/2006">
                 <mc:Choice xmlns:v="urn:schemas-microsoft-com:vml" Requires="v">
-                  <p:oleObj spid="_x0000_s181" name="" r:id="rId22" imgW="361950" imgH="342900" progId="Paint.Picture">
+                  <p:oleObj r:id="rId23" imgW="361950" imgH="342900" progId="Paint.Picture">
                     <p:embed/>
                   </p:oleObj>
                 </mc:Choice>
                 <mc:Fallback>
-                  <p:oleObj name="" r:id="rId22" imgW="361950" imgH="342900" progId="Paint.Picture">
+                  <p:oleObj r:id="rId23" imgW="361950" imgH="342900" progId="Paint.Picture">
                     <p:embed/>
                     <p:pic>
                       <p:nvPicPr>
@@ -6690,7 +6763,7 @@
                         <p:nvPr/>
                       </p:nvPicPr>
                       <p:blipFill>
-                        <a:blip r:embed="rId6"/>
+                        <a:blip r:embed="rId7"/>
                         <a:stretch>
                           <a:fillRect/>
                         </a:stretch>
@@ -6725,12 +6798,12 @@
             <a:graphicData uri="http://schemas.openxmlformats.org/presentationml/2006/ole">
               <mc:AlternateContent xmlns:mc="http://schemas.openxmlformats.org/markup-compatibility/2006">
                 <mc:Choice xmlns:v="urn:schemas-microsoft-com:vml" Requires="v">
-                  <p:oleObj spid="_x0000_s183" name="" r:id="rId23" imgW="361950" imgH="342900" progId="Paint.Picture">
+                  <p:oleObj r:id="rId24" imgW="361950" imgH="342900" progId="Paint.Picture">
                     <p:embed/>
                   </p:oleObj>
                 </mc:Choice>
                 <mc:Fallback>
-                  <p:oleObj name="" r:id="rId23" imgW="361950" imgH="342900" progId="Paint.Picture">
+                  <p:oleObj r:id="rId24" imgW="361950" imgH="342900" progId="Paint.Picture">
                     <p:embed/>
                     <p:pic>
                       <p:nvPicPr>
@@ -6739,7 +6812,7 @@
                         <p:nvPr/>
                       </p:nvPicPr>
                       <p:blipFill>
-                        <a:blip r:embed="rId6"/>
+                        <a:blip r:embed="rId7"/>
                         <a:stretch>
                           <a:fillRect/>
                         </a:stretch>
@@ -6775,12 +6848,12 @@
           <a:graphicData uri="http://schemas.openxmlformats.org/presentationml/2006/ole">
             <mc:AlternateContent xmlns:mc="http://schemas.openxmlformats.org/markup-compatibility/2006">
               <mc:Choice xmlns:v="urn:schemas-microsoft-com:vml" Requires="v">
-                <p:oleObj spid="_x0000_s187" name="" r:id="rId24" imgW="361950" imgH="342900" progId="Paint.Picture">
+                <p:oleObj r:id="rId25" imgW="361950" imgH="342900" progId="Paint.Picture">
                   <p:embed/>
                 </p:oleObj>
               </mc:Choice>
               <mc:Fallback>
-                <p:oleObj name="" r:id="rId24" imgW="361950" imgH="342900" progId="Paint.Picture">
+                <p:oleObj r:id="rId25" imgW="361950" imgH="342900" progId="Paint.Picture">
                   <p:embed/>
                   <p:pic>
                     <p:nvPicPr>
@@ -6789,7 +6862,7 @@
                       <p:nvPr/>
                     </p:nvPicPr>
                     <p:blipFill>
-                      <a:blip r:embed="rId4"/>
+                      <a:blip r:embed="rId5"/>
                       <a:stretch>
                         <a:fillRect/>
                       </a:stretch>
@@ -6833,6 +6906,7 @@
           <a:bodyPr spcFirstLastPara="1" wrap="square" lIns="91425" tIns="91425" rIns="91425" bIns="91425" anchor="t" anchorCtr="0">
             <a:noAutofit/>
           </a:bodyPr>
+          <a:lstStyle/>
           <a:p>
             <a:pPr indent="0">
               <a:spcBef>
@@ -7005,12 +7079,6 @@
               </a:rPr>
               <a:t>.</a:t>
             </a:r>
-            <a:endParaRPr lang="en-US" altLang="ko-KR" sz="1200">
-              <a:latin typeface="맑은 고딕" panose="020B0503020000020004" charset="-127"/>
-              <a:ea typeface="맑은 고딕" panose="020B0503020000020004" charset="-127"/>
-              <a:cs typeface="맑은 고딕" panose="020B0503020000020004" charset="-127"/>
-              <a:sym typeface="맑은 고딕" panose="020B0503020000020004" charset="-127"/>
-            </a:endParaRPr>
           </a:p>
         </p:txBody>
       </p:sp>
@@ -7021,7 +7089,7 @@
           <p:nvPr/>
         </p:nvPicPr>
         <p:blipFill>
-          <a:blip r:embed="rId7"/>
+          <a:blip r:embed="rId8"/>
           <a:stretch>
             <a:fillRect/>
           </a:stretch>
@@ -7054,12 +7122,12 @@
           <a:graphicData uri="http://schemas.openxmlformats.org/presentationml/2006/ole">
             <mc:AlternateContent xmlns:mc="http://schemas.openxmlformats.org/markup-compatibility/2006">
               <mc:Choice xmlns:v="urn:schemas-microsoft-com:vml" Requires="v">
-                <p:oleObj spid="_x0000_s204" name="" r:id="rId25" imgW="361950" imgH="342900" progId="Paint.Picture">
+                <p:oleObj r:id="rId26" imgW="361950" imgH="342900" progId="Paint.Picture">
                   <p:embed/>
                 </p:oleObj>
               </mc:Choice>
               <mc:Fallback>
-                <p:oleObj name="" r:id="rId25" imgW="361950" imgH="342900" progId="Paint.Picture">
+                <p:oleObj r:id="rId26" imgW="361950" imgH="342900" progId="Paint.Picture">
                   <p:embed/>
                   <p:pic>
                     <p:nvPicPr>
@@ -7068,7 +7136,7 @@
                       <p:nvPr/>
                     </p:nvPicPr>
                     <p:blipFill>
-                      <a:blip r:embed="rId9"/>
+                      <a:blip r:embed="rId10"/>
                       <a:stretch>
                         <a:fillRect/>
                       </a:stretch>
@@ -7103,12 +7171,12 @@
           <a:graphicData uri="http://schemas.openxmlformats.org/presentationml/2006/ole">
             <mc:AlternateContent xmlns:mc="http://schemas.openxmlformats.org/markup-compatibility/2006">
               <mc:Choice xmlns:v="urn:schemas-microsoft-com:vml" Requires="v">
-                <p:oleObj spid="_x0000_s206" name="" r:id="rId26" imgW="923925" imgH="600075" progId="Paint.Picture">
+                <p:oleObj r:id="rId27" imgW="923925" imgH="600075" progId="Paint.Picture">
                   <p:embed/>
                 </p:oleObj>
               </mc:Choice>
               <mc:Fallback>
-                <p:oleObj name="" r:id="rId26" imgW="923925" imgH="600075" progId="Paint.Picture">
+                <p:oleObj r:id="rId27" imgW="923925" imgH="600075" progId="Paint.Picture">
                   <p:embed/>
                   <p:pic>
                     <p:nvPicPr>
@@ -7117,7 +7185,7 @@
                       <p:nvPr/>
                     </p:nvPicPr>
                     <p:blipFill>
-                      <a:blip r:embed="rId27"/>
+                      <a:blip r:embed="rId28"/>
                       <a:stretch>
                         <a:fillRect/>
                       </a:stretch>
@@ -7152,12 +7220,12 @@
           <a:graphicData uri="http://schemas.openxmlformats.org/presentationml/2006/ole">
             <mc:AlternateContent xmlns:mc="http://schemas.openxmlformats.org/markup-compatibility/2006">
               <mc:Choice xmlns:v="urn:schemas-microsoft-com:vml" Requires="v">
-                <p:oleObj spid="_x0000_s210" name="" r:id="rId28" imgW="923925" imgH="600075" progId="Paint.Picture">
+                <p:oleObj r:id="rId29" imgW="923925" imgH="600075" progId="Paint.Picture">
                   <p:embed/>
                 </p:oleObj>
               </mc:Choice>
               <mc:Fallback>
-                <p:oleObj name="" r:id="rId28" imgW="923925" imgH="600075" progId="Paint.Picture">
+                <p:oleObj r:id="rId29" imgW="923925" imgH="600075" progId="Paint.Picture">
                   <p:embed/>
                   <p:pic>
                     <p:nvPicPr>
@@ -7166,7 +7234,7 @@
                       <p:nvPr/>
                     </p:nvPicPr>
                     <p:blipFill>
-                      <a:blip r:embed="rId27"/>
+                      <a:blip r:embed="rId28"/>
                       <a:stretch>
                         <a:fillRect/>
                       </a:stretch>
@@ -7201,12 +7269,12 @@
           <a:graphicData uri="http://schemas.openxmlformats.org/presentationml/2006/ole">
             <mc:AlternateContent xmlns:mc="http://schemas.openxmlformats.org/markup-compatibility/2006">
               <mc:Choice xmlns:v="urn:schemas-microsoft-com:vml" Requires="v">
-                <p:oleObj spid="_x0000_s212" name="" r:id="rId29" imgW="361950" imgH="342900" progId="Paint.Picture">
+                <p:oleObj r:id="rId30" imgW="361950" imgH="342900" progId="Paint.Picture">
                   <p:embed/>
                 </p:oleObj>
               </mc:Choice>
               <mc:Fallback>
-                <p:oleObj name="" r:id="rId29" imgW="361950" imgH="342900" progId="Paint.Picture">
+                <p:oleObj r:id="rId30" imgW="361950" imgH="342900" progId="Paint.Picture">
                   <p:embed/>
                   <p:pic>
                     <p:nvPicPr>
@@ -7215,7 +7283,7 @@
                       <p:nvPr/>
                     </p:nvPicPr>
                     <p:blipFill>
-                      <a:blip r:embed="rId9"/>
+                      <a:blip r:embed="rId10"/>
                       <a:stretch>
                         <a:fillRect/>
                       </a:stretch>
@@ -7250,12 +7318,12 @@
           <a:graphicData uri="http://schemas.openxmlformats.org/presentationml/2006/ole">
             <mc:AlternateContent xmlns:mc="http://schemas.openxmlformats.org/markup-compatibility/2006">
               <mc:Choice xmlns:v="urn:schemas-microsoft-com:vml" Requires="v">
-                <p:oleObj spid="_x0000_s214" name="" r:id="rId30" imgW="361950" imgH="342900" progId="Paint.Picture">
+                <p:oleObj r:id="rId31" imgW="361950" imgH="342900" progId="Paint.Picture">
                   <p:embed/>
                 </p:oleObj>
               </mc:Choice>
               <mc:Fallback>
-                <p:oleObj name="" r:id="rId30" imgW="361950" imgH="342900" progId="Paint.Picture">
+                <p:oleObj r:id="rId31" imgW="361950" imgH="342900" progId="Paint.Picture">
                   <p:embed/>
                   <p:pic>
                     <p:nvPicPr>
@@ -7264,7 +7332,7 @@
                       <p:nvPr/>
                     </p:nvPicPr>
                     <p:blipFill>
-                      <a:blip r:embed="rId9"/>
+                      <a:blip r:embed="rId10"/>
                       <a:stretch>
                         <a:fillRect/>
                       </a:stretch>
@@ -7299,12 +7367,12 @@
           <a:graphicData uri="http://schemas.openxmlformats.org/presentationml/2006/ole">
             <mc:AlternateContent xmlns:mc="http://schemas.openxmlformats.org/markup-compatibility/2006">
               <mc:Choice xmlns:v="urn:schemas-microsoft-com:vml" Requires="v">
-                <p:oleObj spid="_x0000_s216" name="" r:id="rId31" imgW="361950" imgH="342900" progId="Paint.Picture">
+                <p:oleObj r:id="rId32" imgW="361950" imgH="342900" progId="Paint.Picture">
                   <p:embed/>
                 </p:oleObj>
               </mc:Choice>
               <mc:Fallback>
-                <p:oleObj name="" r:id="rId31" imgW="361950" imgH="342900" progId="Paint.Picture">
+                <p:oleObj r:id="rId32" imgW="361950" imgH="342900" progId="Paint.Picture">
                   <p:embed/>
                   <p:pic>
                     <p:nvPicPr>
@@ -7313,7 +7381,7 @@
                       <p:nvPr/>
                     </p:nvPicPr>
                     <p:blipFill>
-                      <a:blip r:embed="rId9"/>
+                      <a:blip r:embed="rId10"/>
                       <a:stretch>
                         <a:fillRect/>
                       </a:stretch>
@@ -7348,12 +7416,12 @@
           <a:graphicData uri="http://schemas.openxmlformats.org/presentationml/2006/ole">
             <mc:AlternateContent xmlns:mc="http://schemas.openxmlformats.org/markup-compatibility/2006">
               <mc:Choice xmlns:v="urn:schemas-microsoft-com:vml" Requires="v">
-                <p:oleObj spid="_x0000_s218" name="" r:id="rId32" imgW="361950" imgH="342900" progId="Paint.Picture">
+                <p:oleObj r:id="rId33" imgW="361950" imgH="342900" progId="Paint.Picture">
                   <p:embed/>
                 </p:oleObj>
               </mc:Choice>
               <mc:Fallback>
-                <p:oleObj name="" r:id="rId32" imgW="361950" imgH="342900" progId="Paint.Picture">
+                <p:oleObj r:id="rId33" imgW="361950" imgH="342900" progId="Paint.Picture">
                   <p:embed/>
                   <p:pic>
                     <p:nvPicPr>
@@ -7362,7 +7430,7 @@
                       <p:nvPr/>
                     </p:nvPicPr>
                     <p:blipFill>
-                      <a:blip r:embed="rId9"/>
+                      <a:blip r:embed="rId10"/>
                       <a:stretch>
                         <a:fillRect/>
                       </a:stretch>
@@ -7397,12 +7465,12 @@
           <a:graphicData uri="http://schemas.openxmlformats.org/presentationml/2006/ole">
             <mc:AlternateContent xmlns:mc="http://schemas.openxmlformats.org/markup-compatibility/2006">
               <mc:Choice xmlns:v="urn:schemas-microsoft-com:vml" Requires="v">
-                <p:oleObj spid="_x0000_s220" name="" r:id="rId33" imgW="361950" imgH="342900" progId="Paint.Picture">
+                <p:oleObj r:id="rId34" imgW="361950" imgH="342900" progId="Paint.Picture">
                   <p:embed/>
                 </p:oleObj>
               </mc:Choice>
               <mc:Fallback>
-                <p:oleObj name="" r:id="rId33" imgW="361950" imgH="342900" progId="Paint.Picture">
+                <p:oleObj r:id="rId34" imgW="361950" imgH="342900" progId="Paint.Picture">
                   <p:embed/>
                   <p:pic>
                     <p:nvPicPr>
@@ -7411,7 +7479,7 @@
                       <p:nvPr/>
                     </p:nvPicPr>
                     <p:blipFill>
-                      <a:blip r:embed="rId9"/>
+                      <a:blip r:embed="rId10"/>
                       <a:stretch>
                         <a:fillRect/>
                       </a:stretch>
@@ -7446,12 +7514,12 @@
           <a:graphicData uri="http://schemas.openxmlformats.org/presentationml/2006/ole">
             <mc:AlternateContent xmlns:mc="http://schemas.openxmlformats.org/markup-compatibility/2006">
               <mc:Choice xmlns:v="urn:schemas-microsoft-com:vml" Requires="v">
-                <p:oleObj spid="_x0000_s222" name="" r:id="rId34" imgW="361950" imgH="342900" progId="Paint.Picture">
+                <p:oleObj r:id="rId35" imgW="361950" imgH="342900" progId="Paint.Picture">
                   <p:embed/>
                 </p:oleObj>
               </mc:Choice>
               <mc:Fallback>
-                <p:oleObj name="" r:id="rId34" imgW="361950" imgH="342900" progId="Paint.Picture">
+                <p:oleObj r:id="rId35" imgW="361950" imgH="342900" progId="Paint.Picture">
                   <p:embed/>
                   <p:pic>
                     <p:nvPicPr>
@@ -7460,7 +7528,7 @@
                       <p:nvPr/>
                     </p:nvPicPr>
                     <p:blipFill>
-                      <a:blip r:embed="rId9"/>
+                      <a:blip r:embed="rId10"/>
                       <a:stretch>
                         <a:fillRect/>
                       </a:stretch>
@@ -7495,12 +7563,12 @@
           <a:graphicData uri="http://schemas.openxmlformats.org/presentationml/2006/ole">
             <mc:AlternateContent xmlns:mc="http://schemas.openxmlformats.org/markup-compatibility/2006">
               <mc:Choice xmlns:v="urn:schemas-microsoft-com:vml" Requires="v">
-                <p:oleObj spid="_x0000_s224" name="" r:id="rId35" imgW="361950" imgH="342900" progId="Paint.Picture">
+                <p:oleObj r:id="rId36" imgW="361950" imgH="342900" progId="Paint.Picture">
                   <p:embed/>
                 </p:oleObj>
               </mc:Choice>
               <mc:Fallback>
-                <p:oleObj name="" r:id="rId35" imgW="361950" imgH="342900" progId="Paint.Picture">
+                <p:oleObj r:id="rId36" imgW="361950" imgH="342900" progId="Paint.Picture">
                   <p:embed/>
                   <p:pic>
                     <p:nvPicPr>
@@ -7509,7 +7577,7 @@
                       <p:nvPr/>
                     </p:nvPicPr>
                     <p:blipFill>
-                      <a:blip r:embed="rId9"/>
+                      <a:blip r:embed="rId10"/>
                       <a:stretch>
                         <a:fillRect/>
                       </a:stretch>
@@ -7544,12 +7612,12 @@
           <a:graphicData uri="http://schemas.openxmlformats.org/presentationml/2006/ole">
             <mc:AlternateContent xmlns:mc="http://schemas.openxmlformats.org/markup-compatibility/2006">
               <mc:Choice xmlns:v="urn:schemas-microsoft-com:vml" Requires="v">
-                <p:oleObj spid="_x0000_s228" name="" r:id="rId36" imgW="447675" imgH="361950" progId="Paint.Picture">
+                <p:oleObj r:id="rId37" imgW="447675" imgH="361950" progId="Paint.Picture">
                   <p:embed/>
                 </p:oleObj>
               </mc:Choice>
               <mc:Fallback>
-                <p:oleObj name="" r:id="rId36" imgW="447675" imgH="361950" progId="Paint.Picture">
+                <p:oleObj r:id="rId37" imgW="447675" imgH="361950" progId="Paint.Picture">
                   <p:embed/>
                   <p:pic>
                     <p:nvPicPr>
@@ -7558,7 +7626,7 @@
                       <p:nvPr/>
                     </p:nvPicPr>
                     <p:blipFill>
-                      <a:blip r:embed="rId37"/>
+                      <a:blip r:embed="rId38"/>
                       <a:stretch>
                         <a:fillRect/>
                       </a:stretch>
@@ -7602,6 +7670,7 @@
           <a:bodyPr spcFirstLastPara="1" wrap="square" lIns="91425" tIns="91425" rIns="91425" bIns="91425" anchor="t" anchorCtr="0">
             <a:noAutofit/>
           </a:bodyPr>
+          <a:lstStyle/>
           <a:p>
             <a:pPr indent="0">
               <a:spcBef>
@@ -7664,7 +7733,7 @@
 </p:sld>
 </file>
 
-<file path=ppt/slides/slide12.xml><?xml version="1.0" encoding="utf-8"?>
+<file path=ppt/slides/slide13.xml><?xml version="1.0" encoding="utf-8"?>
 <p:sld xmlns:a="http://schemas.openxmlformats.org/drawingml/2006/main" xmlns:r="http://schemas.openxmlformats.org/officeDocument/2006/relationships" xmlns:p="http://schemas.openxmlformats.org/presentationml/2006/main">
   <p:cSld>
     <p:bg>
@@ -7799,13 +7868,6 @@
               </a:rPr>
               <a:t>조작법</a:t>
             </a:r>
-            <a:endParaRPr lang="ko-KR" altLang="en-US" sz="3200" dirty="0">
-              <a:solidFill>
-                <a:schemeClr val="bg1"/>
-              </a:solidFill>
-              <a:latin typeface="여기어때 잘난체" panose="020B0600000101010101" pitchFamily="50" charset="-127"/>
-              <a:ea typeface="여기어때 잘난체" panose="020B0600000101010101" pitchFamily="50" charset="-127"/>
-            </a:endParaRPr>
           </a:p>
         </p:txBody>
       </p:sp>
@@ -7818,11 +7880,11 @@
           <p:nvPr/>
         </p:nvPicPr>
         <p:blipFill rotWithShape="1">
-          <a:blip r:embed="rId1">
+          <a:blip r:embed="rId2">
             <a:extLst>
               <a:ext uri="{BEBA8EAE-BF5A-486C-A8C5-ECC9F3942E4B}">
                 <a14:imgProps xmlns:a14="http://schemas.microsoft.com/office/drawing/2010/main">
-                  <a14:imgLayer r:embed="rId2">
+                  <a14:imgLayer r:embed="rId3">
                     <a14:imgEffect>
                       <a14:backgroundRemoval t="7343" b="74126" l="0" r="97727"/>
                     </a14:imgEffect>
@@ -8292,10 +8354,6 @@
               </a:rPr>
               <a:t>)</a:t>
             </a:r>
-            <a:endParaRPr lang="en-US" altLang="ko-KR" sz="2000" dirty="0">
-              <a:latin typeface="G마켓 산스 TTF Light" panose="02000000000000000000" pitchFamily="2" charset="-127"/>
-              <a:ea typeface="G마켓 산스 TTF Light" panose="02000000000000000000" pitchFamily="2" charset="-127"/>
-            </a:endParaRPr>
           </a:p>
           <a:p>
             <a:pPr>
@@ -8373,10 +8431,6 @@
               </a:rPr>
               <a:t>)</a:t>
             </a:r>
-            <a:endParaRPr lang="en-US" altLang="ko-KR" sz="2000" dirty="0">
-              <a:latin typeface="G마켓 산스 TTF Light" panose="02000000000000000000" pitchFamily="2" charset="-127"/>
-              <a:ea typeface="G마켓 산스 TTF Light" panose="02000000000000000000" pitchFamily="2" charset="-127"/>
-            </a:endParaRPr>
           </a:p>
           <a:p>
             <a:pPr>
@@ -8461,7 +8515,7 @@
 </p:sld>
 </file>
 
-<file path=ppt/slides/slide13.xml><?xml version="1.0" encoding="utf-8"?>
+<file path=ppt/slides/slide14.xml><?xml version="1.0" encoding="utf-8"?>
 <p:sld xmlns:a="http://schemas.openxmlformats.org/drawingml/2006/main" xmlns:r="http://schemas.openxmlformats.org/officeDocument/2006/relationships" xmlns:p="http://schemas.openxmlformats.org/presentationml/2006/main">
   <p:cSld>
     <p:bg>
@@ -8597,7 +8651,7 @@
 </p:sld>
 </file>
 
-<file path=ppt/slides/slide14.xml><?xml version="1.0" encoding="utf-8"?>
+<file path=ppt/slides/slide15.xml><?xml version="1.0" encoding="utf-8"?>
 <p:sld xmlns:a="http://schemas.openxmlformats.org/drawingml/2006/main" xmlns:r="http://schemas.openxmlformats.org/officeDocument/2006/relationships" xmlns:p="http://schemas.openxmlformats.org/presentationml/2006/main">
   <p:cSld>
     <p:bg>
@@ -8710,13 +8764,6 @@
               </a:rPr>
               <a:t>개발 환경</a:t>
             </a:r>
-            <a:endParaRPr lang="ko-KR" altLang="en-US" sz="3200" dirty="0">
-              <a:solidFill>
-                <a:srgbClr val="8BA9AB"/>
-              </a:solidFill>
-              <a:latin typeface="여기어때 잘난체" panose="020B0600000101010101" pitchFamily="50" charset="-127"/>
-              <a:ea typeface="여기어때 잘난체" panose="020B0600000101010101" pitchFamily="50" charset="-127"/>
-            </a:endParaRPr>
           </a:p>
         </p:txBody>
       </p:sp>
@@ -8775,11 +8822,11 @@
           <p:nvPr/>
         </p:nvPicPr>
         <p:blipFill rotWithShape="1">
-          <a:blip r:embed="rId1">
+          <a:blip r:embed="rId2">
             <a:extLst>
               <a:ext uri="{BEBA8EAE-BF5A-486C-A8C5-ECC9F3942E4B}">
                 <a14:imgProps xmlns:a14="http://schemas.microsoft.com/office/drawing/2010/main">
-                  <a14:imgLayer r:embed="rId2">
+                  <a14:imgLayer r:embed="rId3">
                     <a14:imgEffect>
                       <a14:backgroundRemoval t="17429" b="83714" l="27679" r="73750"/>
                     </a14:imgEffect>
@@ -8871,11 +8918,11 @@
           <p:nvPr/>
         </p:nvPicPr>
         <p:blipFill>
-          <a:blip r:embed="rId3">
+          <a:blip r:embed="rId4">
             <a:extLst>
               <a:ext uri="{BEBA8EAE-BF5A-486C-A8C5-ECC9F3942E4B}">
                 <a14:imgProps xmlns:a14="http://schemas.microsoft.com/office/drawing/2010/main">
-                  <a14:imgLayer r:embed="rId4">
+                  <a14:imgLayer r:embed="rId5">
                     <a14:imgEffect>
                       <a14:backgroundRemoval t="0" b="100000" l="0" r="100000">
                         <a14:foregroundMark x1="49580" y1="47899" x2="49580" y2="47899"/>
@@ -8982,11 +9029,11 @@
           <p:nvPr/>
         </p:nvPicPr>
         <p:blipFill>
-          <a:blip r:embed="rId5">
+          <a:blip r:embed="rId6">
             <a:extLst>
               <a:ext uri="{BEBA8EAE-BF5A-486C-A8C5-ECC9F3942E4B}">
                 <a14:imgProps xmlns:a14="http://schemas.microsoft.com/office/drawing/2010/main">
-                  <a14:imgLayer r:embed="rId6">
+                  <a14:imgLayer r:embed="rId7">
                     <a14:imgEffect>
                       <a14:backgroundRemoval t="10000" b="90000" l="10000" r="90000"/>
                     </a14:imgEffect>
@@ -9068,7 +9115,7 @@
           <p:nvPr/>
         </p:nvPicPr>
         <p:blipFill rotWithShape="1">
-          <a:blip r:embed="rId7">
+          <a:blip r:embed="rId8">
             <a:extLst>
               <a:ext uri="{28A0092B-C50C-407E-A947-70E740481C1C}">
                 <a14:useLocalDpi xmlns:a14="http://schemas.microsoft.com/office/drawing/2010/main" val="0"/>
@@ -9108,7 +9155,7 @@
 </p:sld>
 </file>
 
-<file path=ppt/slides/slide15.xml><?xml version="1.0" encoding="utf-8"?>
+<file path=ppt/slides/slide16.xml><?xml version="1.0" encoding="utf-8"?>
 <p:sld xmlns:a="http://schemas.openxmlformats.org/drawingml/2006/main" xmlns:r="http://schemas.openxmlformats.org/officeDocument/2006/relationships" xmlns:p="http://schemas.openxmlformats.org/presentationml/2006/main">
   <p:cSld>
     <p:bg>
@@ -9264,7 +9311,7 @@
 </p:sld>
 </file>
 
-<file path=ppt/slides/slide16.xml><?xml version="1.0" encoding="utf-8"?>
+<file path=ppt/slides/slide17.xml><?xml version="1.0" encoding="utf-8"?>
 <p:sld xmlns:a="http://schemas.openxmlformats.org/drawingml/2006/main" xmlns:r="http://schemas.openxmlformats.org/officeDocument/2006/relationships" xmlns:p="http://schemas.openxmlformats.org/presentationml/2006/main">
   <p:cSld>
     <p:bg>
@@ -9379,13 +9426,6 @@
               </a:rPr>
               <a:t>기술적 요소와 중점 연구 분야</a:t>
             </a:r>
-            <a:endParaRPr lang="ko-KR" altLang="en-US" sz="3200" dirty="0">
-              <a:solidFill>
-                <a:schemeClr val="bg1"/>
-              </a:solidFill>
-              <a:latin typeface="여기어때 잘난체" panose="020B0600000101010101" pitchFamily="50" charset="-127"/>
-              <a:ea typeface="여기어때 잘난체" panose="020B0600000101010101" pitchFamily="50" charset="-127"/>
-            </a:endParaRPr>
           </a:p>
         </p:txBody>
       </p:sp>
@@ -9397,7 +9437,7 @@
 </p:sld>
 </file>
 
-<file path=ppt/slides/slide17.xml><?xml version="1.0" encoding="utf-8"?>
+<file path=ppt/slides/slide18.xml><?xml version="1.0" encoding="utf-8"?>
 <p:sld xmlns:a="http://schemas.openxmlformats.org/drawingml/2006/main" xmlns:r="http://schemas.openxmlformats.org/officeDocument/2006/relationships" xmlns:p="http://schemas.openxmlformats.org/presentationml/2006/main">
   <p:cSld>
     <p:bg>
@@ -9533,7 +9573,7 @@
 </p:sld>
 </file>
 
-<file path=ppt/slides/slide18.xml><?xml version="1.0" encoding="utf-8"?>
+<file path=ppt/slides/slide19.xml><?xml version="1.0" encoding="utf-8"?>
 <p:sld xmlns:a="http://schemas.openxmlformats.org/drawingml/2006/main" xmlns:r="http://schemas.openxmlformats.org/officeDocument/2006/relationships" xmlns:p="http://schemas.openxmlformats.org/presentationml/2006/main">
   <p:cSld>
     <p:spTree>
@@ -9592,13 +9632,6 @@
               </a:rPr>
               <a:t>타 게임과 비교</a:t>
             </a:r>
-            <a:endParaRPr lang="ko-KR" altLang="en-US" sz="3200" dirty="0">
-              <a:solidFill>
-                <a:srgbClr val="8BA9AB"/>
-              </a:solidFill>
-              <a:latin typeface="여기어때 잘난체" panose="020B0600000101010101" pitchFamily="50" charset="-127"/>
-              <a:ea typeface="여기어때 잘난체" panose="020B0600000101010101" pitchFamily="50" charset="-127"/>
-            </a:endParaRPr>
           </a:p>
         </p:txBody>
       </p:sp>
@@ -9611,7 +9644,7 @@
           <p:nvPr/>
         </p:nvPicPr>
         <p:blipFill>
-          <a:blip r:embed="rId1">
+          <a:blip r:embed="rId2">
             <a:extLst>
               <a:ext uri="{28A0092B-C50C-407E-A947-70E740481C1C}">
                 <a14:useLocalDpi xmlns:a14="http://schemas.microsoft.com/office/drawing/2010/main" val="0"/>
@@ -9662,9 +9695,27 @@
                 <a:tableStyleId>{5C22544A-7EE6-4342-B048-85BDC9FD1C3A}</a:tableStyleId>
               </a:tblPr>
               <a:tblGrid>
-                <a:gridCol w="1357148"/>
-                <a:gridCol w="3034125"/>
-                <a:gridCol w="3258106"/>
+                <a:gridCol w="1357148">
+                  <a:extLst>
+                    <a:ext uri="{9D8B030D-6E8A-4147-A177-3AD203B41FA5}">
+                      <a16:colId xmlns:a16="http://schemas.microsoft.com/office/drawing/2014/main" val="20000"/>
+                    </a:ext>
+                  </a:extLst>
+                </a:gridCol>
+                <a:gridCol w="3034125">
+                  <a:extLst>
+                    <a:ext uri="{9D8B030D-6E8A-4147-A177-3AD203B41FA5}">
+                      <a16:colId xmlns:a16="http://schemas.microsoft.com/office/drawing/2014/main" val="20001"/>
+                    </a:ext>
+                  </a:extLst>
+                </a:gridCol>
+                <a:gridCol w="3258106">
+                  <a:extLst>
+                    <a:ext uri="{9D8B030D-6E8A-4147-A177-3AD203B41FA5}">
+                      <a16:colId xmlns:a16="http://schemas.microsoft.com/office/drawing/2014/main" val="20002"/>
+                    </a:ext>
+                  </a:extLst>
+                </a:gridCol>
               </a:tblGrid>
               <a:tr h="430092">
                 <a:tc>
@@ -9723,13 +9774,6 @@
                         </a:rPr>
                         <a:t>유사점</a:t>
                       </a:r>
-                      <a:endParaRPr lang="ko-KR" altLang="en-US" b="0" dirty="0">
-                        <a:solidFill>
-                          <a:schemeClr val="tx1"/>
-                        </a:solidFill>
-                        <a:latin typeface="G마켓 산스 TTF Medium" panose="02000000000000000000" pitchFamily="2" charset="-127"/>
-                        <a:ea typeface="G마켓 산스 TTF Medium" panose="02000000000000000000" pitchFamily="2" charset="-127"/>
-                      </a:endParaRPr>
                     </a:p>
                   </a:txBody>
                   <a:tcPr anchor="ctr">
@@ -9763,13 +9807,6 @@
                         </a:rPr>
                         <a:t>개선하고 싶은 점</a:t>
                       </a:r>
-                      <a:endParaRPr lang="ko-KR" altLang="en-US" b="0" dirty="0">
-                        <a:solidFill>
-                          <a:schemeClr val="tx1"/>
-                        </a:solidFill>
-                        <a:latin typeface="G마켓 산스 TTF Medium" panose="02000000000000000000" pitchFamily="2" charset="-127"/>
-                        <a:ea typeface="G마켓 산스 TTF Medium" panose="02000000000000000000" pitchFamily="2" charset="-127"/>
-                      </a:endParaRPr>
                     </a:p>
                   </a:txBody>
                   <a:tcPr anchor="ctr">
@@ -9787,6 +9824,11 @@
                     </a:solidFill>
                   </a:tcPr>
                 </a:tc>
+                <a:extLst>
+                  <a:ext uri="{0D108BD9-81ED-4DB2-BD59-A6C34878D82A}">
+                    <a16:rowId xmlns:a16="http://schemas.microsoft.com/office/drawing/2014/main" val="10000"/>
+                  </a:ext>
+                </a:extLst>
               </a:tr>
               <a:tr h="2094737">
                 <a:tc>
@@ -9809,13 +9851,6 @@
                         </a:rPr>
                         <a:t>휴먼 폴 플랫</a:t>
                       </a:r>
-                      <a:endParaRPr lang="ko-KR" altLang="en-US" sz="1600" b="0" dirty="0">
-                        <a:solidFill>
-                          <a:schemeClr val="tx1"/>
-                        </a:solidFill>
-                        <a:latin typeface="G마켓 산스 TTF Medium" panose="02000000000000000000" pitchFamily="2" charset="-127"/>
-                        <a:ea typeface="G마켓 산스 TTF Medium" panose="02000000000000000000" pitchFamily="2" charset="-127"/>
-                      </a:endParaRPr>
                     </a:p>
                   </a:txBody>
                   <a:tcPr anchor="ctr">
@@ -9985,13 +10020,6 @@
                         </a:rPr>
                         <a:t>단순히 길을 이동하는 것 뿐만이 아니라 몬스터를 추가 시켜 전투가 가능하게끔 컨텐츠 추가</a:t>
                       </a:r>
-                      <a:endParaRPr lang="ko-KR" altLang="en-US" sz="1200" b="0" dirty="0">
-                        <a:solidFill>
-                          <a:schemeClr val="tx1"/>
-                        </a:solidFill>
-                        <a:latin typeface="G마켓 산스 TTF Light" panose="02000000000000000000" pitchFamily="2" charset="-127"/>
-                        <a:ea typeface="G마켓 산스 TTF Light" panose="02000000000000000000" pitchFamily="2" charset="-127"/>
-                      </a:endParaRPr>
                     </a:p>
                   </a:txBody>
                   <a:tcPr anchor="ctr">
@@ -10036,6 +10064,11 @@
                     </a:solidFill>
                   </a:tcPr>
                 </a:tc>
+                <a:extLst>
+                  <a:ext uri="{0D108BD9-81ED-4DB2-BD59-A6C34878D82A}">
+                    <a16:rowId xmlns:a16="http://schemas.microsoft.com/office/drawing/2014/main" val="10001"/>
+                  </a:ext>
+                </a:extLst>
               </a:tr>
               <a:tr h="2094737">
                 <a:tc>
@@ -10231,6 +10264,11 @@
                     </a:solidFill>
                   </a:tcPr>
                 </a:tc>
+                <a:extLst>
+                  <a:ext uri="{0D108BD9-81ED-4DB2-BD59-A6C34878D82A}">
+                    <a16:rowId xmlns:a16="http://schemas.microsoft.com/office/drawing/2014/main" val="10002"/>
+                  </a:ext>
+                </a:extLst>
               </a:tr>
             </a:tbl>
           </a:graphicData>
@@ -10307,146 +10345,6 @@
               </a:rPr>
               <a:t> </a:t>
             </a:r>
-            <a:endParaRPr lang="ko-KR" altLang="en-US" sz="1200" dirty="0">
-              <a:latin typeface="G마켓 산스 TTF Light" panose="02000000000000000000" pitchFamily="2" charset="-127"/>
-              <a:ea typeface="G마켓 산스 TTF Light" panose="02000000000000000000" pitchFamily="2" charset="-127"/>
-            </a:endParaRPr>
-          </a:p>
-        </p:txBody>
-      </p:sp>
-    </p:spTree>
-  </p:cSld>
-  <p:clrMapOvr>
-    <a:masterClrMapping/>
-  </p:clrMapOvr>
-</p:sld>
-</file>
-
-<file path=ppt/slides/slide19.xml><?xml version="1.0" encoding="utf-8"?>
-<p:sld xmlns:a="http://schemas.openxmlformats.org/drawingml/2006/main" xmlns:r="http://schemas.openxmlformats.org/officeDocument/2006/relationships" xmlns:p="http://schemas.openxmlformats.org/presentationml/2006/main">
-  <p:cSld>
-    <p:bg>
-      <p:bgPr>
-        <a:solidFill>
-          <a:srgbClr val="8BA9AB"/>
-        </a:solidFill>
-        <a:effectLst/>
-      </p:bgPr>
-    </p:bg>
-    <p:spTree>
-      <p:nvGrpSpPr>
-        <p:cNvPr id="1" name=""/>
-        <p:cNvGrpSpPr/>
-        <p:nvPr/>
-      </p:nvGrpSpPr>
-      <p:grpSpPr>
-        <a:xfrm>
-          <a:off x="0" y="0"/>
-          <a:ext cx="0" cy="0"/>
-          <a:chOff x="0" y="0"/>
-          <a:chExt cx="0" cy="0"/>
-        </a:xfrm>
-      </p:grpSpPr>
-      <p:sp>
-        <p:nvSpPr>
-          <p:cNvPr id="15" name="직사각형 14"/>
-          <p:cNvSpPr/>
-          <p:nvPr/>
-        </p:nvSpPr>
-        <p:spPr>
-          <a:xfrm>
-            <a:off x="482600" y="349957"/>
-            <a:ext cx="11226800" cy="6158085"/>
-          </a:xfrm>
-          <a:prstGeom prst="rect">
-            <a:avLst/>
-          </a:prstGeom>
-          <a:noFill/>
-          <a:ln w="28575">
-            <a:solidFill>
-              <a:schemeClr val="bg1"/>
-            </a:solidFill>
-          </a:ln>
-        </p:spPr>
-        <p:style>
-          <a:lnRef idx="2">
-            <a:schemeClr val="accent1">
-              <a:shade val="50000"/>
-            </a:schemeClr>
-          </a:lnRef>
-          <a:fillRef idx="1">
-            <a:schemeClr val="accent1"/>
-          </a:fillRef>
-          <a:effectRef idx="0">
-            <a:schemeClr val="accent1"/>
-          </a:effectRef>
-          <a:fontRef idx="minor">
-            <a:schemeClr val="lt1"/>
-          </a:fontRef>
-        </p:style>
-        <p:txBody>
-          <a:bodyPr rtlCol="0" anchor="ctr"/>
-          <a:lstStyle/>
-          <a:p>
-            <a:pPr algn="ctr"/>
-            <a:endParaRPr lang="ko-KR" altLang="en-US"/>
-          </a:p>
-        </p:txBody>
-      </p:sp>
-      <p:sp>
-        <p:nvSpPr>
-          <p:cNvPr id="2" name="TextBox 1"/>
-          <p:cNvSpPr txBox="1"/>
-          <p:nvPr/>
-        </p:nvSpPr>
-        <p:spPr>
-          <a:xfrm>
-            <a:off x="3357211" y="2750576"/>
-            <a:ext cx="5477577" cy="1356846"/>
-          </a:xfrm>
-          <a:prstGeom prst="rect">
-            <a:avLst/>
-          </a:prstGeom>
-          <a:noFill/>
-        </p:spPr>
-        <p:txBody>
-          <a:bodyPr wrap="square" rtlCol="0">
-            <a:spAutoFit/>
-          </a:bodyPr>
-          <a:lstStyle/>
-          <a:p>
-            <a:pPr>
-              <a:lnSpc>
-                <a:spcPct val="150000"/>
-              </a:lnSpc>
-            </a:pPr>
-            <a:r>
-              <a:rPr lang="en-US" altLang="ko-KR" sz="6600" dirty="0">
-                <a:solidFill>
-                  <a:schemeClr val="bg1"/>
-                </a:solidFill>
-                <a:latin typeface="여기어때 잘난체" panose="020B0600000101010101" pitchFamily="50" charset="-127"/>
-                <a:ea typeface="여기어때 잘난체" panose="020B0600000101010101" pitchFamily="50" charset="-127"/>
-              </a:rPr>
-              <a:t>06. </a:t>
-            </a:r>
-            <a:r>
-              <a:rPr lang="ko-KR" altLang="en-US" sz="6600" dirty="0">
-                <a:solidFill>
-                  <a:schemeClr val="bg1"/>
-                </a:solidFill>
-                <a:latin typeface="여기어때 잘난체" panose="020B0600000101010101" pitchFamily="50" charset="-127"/>
-                <a:ea typeface="여기어때 잘난체" panose="020B0600000101010101" pitchFamily="50" charset="-127"/>
-              </a:rPr>
-              <a:t>개발 일정</a:t>
-            </a:r>
-            <a:endParaRPr lang="en-US" altLang="ko-KR" sz="6600" dirty="0">
-              <a:solidFill>
-                <a:schemeClr val="bg1"/>
-              </a:solidFill>
-              <a:latin typeface="여기어때 잘난체" panose="020B0600000101010101" pitchFamily="50" charset="-127"/>
-              <a:ea typeface="여기어때 잘난체" panose="020B0600000101010101" pitchFamily="50" charset="-127"/>
-            </a:endParaRPr>
           </a:p>
         </p:txBody>
       </p:sp>
@@ -10561,13 +10459,6 @@
               </a:rPr>
               <a:t>목차</a:t>
             </a:r>
-            <a:endParaRPr lang="ko-KR" altLang="en-US" sz="4400" dirty="0">
-              <a:solidFill>
-                <a:schemeClr val="bg1"/>
-              </a:solidFill>
-              <a:latin typeface="여기어때 잘난체" panose="020B0600000101010101" pitchFamily="50" charset="-127"/>
-              <a:ea typeface="여기어때 잘난체" panose="020B0600000101010101" pitchFamily="50" charset="-127"/>
-            </a:endParaRPr>
           </a:p>
         </p:txBody>
       </p:sp>
@@ -10624,13 +10515,6 @@
               </a:rPr>
               <a:t>추가내용은 여기</a:t>
             </a:r>
-            <a:endParaRPr lang="ko-KR" altLang="en-US" sz="1600" dirty="0">
-              <a:solidFill>
-                <a:schemeClr val="bg1"/>
-              </a:solidFill>
-              <a:latin typeface="에스코어 드림 4 Regular" panose="020B0503030302020204" pitchFamily="34" charset="-127"/>
-              <a:ea typeface="에스코어 드림 4 Regular" panose="020B0503030302020204" pitchFamily="34" charset="-127"/>
-            </a:endParaRPr>
           </a:p>
         </p:txBody>
       </p:sp>
@@ -10893,6 +10777,142 @@
         </p:nvSpPr>
         <p:spPr>
           <a:xfrm>
+            <a:off x="482600" y="349957"/>
+            <a:ext cx="11226800" cy="6158085"/>
+          </a:xfrm>
+          <a:prstGeom prst="rect">
+            <a:avLst/>
+          </a:prstGeom>
+          <a:noFill/>
+          <a:ln w="28575">
+            <a:solidFill>
+              <a:schemeClr val="bg1"/>
+            </a:solidFill>
+          </a:ln>
+        </p:spPr>
+        <p:style>
+          <a:lnRef idx="2">
+            <a:schemeClr val="accent1">
+              <a:shade val="50000"/>
+            </a:schemeClr>
+          </a:lnRef>
+          <a:fillRef idx="1">
+            <a:schemeClr val="accent1"/>
+          </a:fillRef>
+          <a:effectRef idx="0">
+            <a:schemeClr val="accent1"/>
+          </a:effectRef>
+          <a:fontRef idx="minor">
+            <a:schemeClr val="lt1"/>
+          </a:fontRef>
+        </p:style>
+        <p:txBody>
+          <a:bodyPr rtlCol="0" anchor="ctr"/>
+          <a:lstStyle/>
+          <a:p>
+            <a:pPr algn="ctr"/>
+            <a:endParaRPr lang="ko-KR" altLang="en-US"/>
+          </a:p>
+        </p:txBody>
+      </p:sp>
+      <p:sp>
+        <p:nvSpPr>
+          <p:cNvPr id="2" name="TextBox 1"/>
+          <p:cNvSpPr txBox="1"/>
+          <p:nvPr/>
+        </p:nvSpPr>
+        <p:spPr>
+          <a:xfrm>
+            <a:off x="3357211" y="2750576"/>
+            <a:ext cx="5477577" cy="1356846"/>
+          </a:xfrm>
+          <a:prstGeom prst="rect">
+            <a:avLst/>
+          </a:prstGeom>
+          <a:noFill/>
+        </p:spPr>
+        <p:txBody>
+          <a:bodyPr wrap="square" rtlCol="0">
+            <a:spAutoFit/>
+          </a:bodyPr>
+          <a:lstStyle/>
+          <a:p>
+            <a:pPr>
+              <a:lnSpc>
+                <a:spcPct val="150000"/>
+              </a:lnSpc>
+            </a:pPr>
+            <a:r>
+              <a:rPr lang="en-US" altLang="ko-KR" sz="6600" dirty="0">
+                <a:solidFill>
+                  <a:schemeClr val="bg1"/>
+                </a:solidFill>
+                <a:latin typeface="여기어때 잘난체" panose="020B0600000101010101" pitchFamily="50" charset="-127"/>
+                <a:ea typeface="여기어때 잘난체" panose="020B0600000101010101" pitchFamily="50" charset="-127"/>
+              </a:rPr>
+              <a:t>06. </a:t>
+            </a:r>
+            <a:r>
+              <a:rPr lang="ko-KR" altLang="en-US" sz="6600" dirty="0">
+                <a:solidFill>
+                  <a:schemeClr val="bg1"/>
+                </a:solidFill>
+                <a:latin typeface="여기어때 잘난체" panose="020B0600000101010101" pitchFamily="50" charset="-127"/>
+                <a:ea typeface="여기어때 잘난체" panose="020B0600000101010101" pitchFamily="50" charset="-127"/>
+              </a:rPr>
+              <a:t>개발 일정</a:t>
+            </a:r>
+            <a:endParaRPr lang="en-US" altLang="ko-KR" sz="6600" dirty="0">
+              <a:solidFill>
+                <a:schemeClr val="bg1"/>
+              </a:solidFill>
+              <a:latin typeface="여기어때 잘난체" panose="020B0600000101010101" pitchFamily="50" charset="-127"/>
+              <a:ea typeface="여기어때 잘난체" panose="020B0600000101010101" pitchFamily="50" charset="-127"/>
+            </a:endParaRPr>
+          </a:p>
+        </p:txBody>
+      </p:sp>
+    </p:spTree>
+  </p:cSld>
+  <p:clrMapOvr>
+    <a:masterClrMapping/>
+  </p:clrMapOvr>
+</p:sld>
+</file>
+
+<file path=ppt/slides/slide21.xml><?xml version="1.0" encoding="utf-8"?>
+<p:sld xmlns:a="http://schemas.openxmlformats.org/drawingml/2006/main" xmlns:r="http://schemas.openxmlformats.org/officeDocument/2006/relationships" xmlns:p="http://schemas.openxmlformats.org/presentationml/2006/main">
+  <p:cSld>
+    <p:bg>
+      <p:bgPr>
+        <a:solidFill>
+          <a:srgbClr val="8BA9AB"/>
+        </a:solidFill>
+        <a:effectLst/>
+      </p:bgPr>
+    </p:bg>
+    <p:spTree>
+      <p:nvGrpSpPr>
+        <p:cNvPr id="1" name=""/>
+        <p:cNvGrpSpPr/>
+        <p:nvPr/>
+      </p:nvGrpSpPr>
+      <p:grpSpPr>
+        <a:xfrm>
+          <a:off x="0" y="0"/>
+          <a:ext cx="0" cy="0"/>
+          <a:chOff x="0" y="0"/>
+          <a:chExt cx="0" cy="0"/>
+        </a:xfrm>
+      </p:grpSpPr>
+      <p:sp>
+        <p:nvSpPr>
+          <p:cNvPr id="15" name="직사각형 14"/>
+          <p:cNvSpPr/>
+          <p:nvPr/>
+        </p:nvSpPr>
+        <p:spPr>
+          <a:xfrm>
             <a:off x="469900" y="925976"/>
             <a:ext cx="11226800" cy="5617119"/>
           </a:xfrm>
@@ -10975,13 +10995,6 @@
               </a:rPr>
               <a:t>개발 일정</a:t>
             </a:r>
-            <a:endParaRPr lang="ko-KR" altLang="en-US" sz="3200" dirty="0">
-              <a:solidFill>
-                <a:schemeClr val="bg1"/>
-              </a:solidFill>
-              <a:latin typeface="여기어때 잘난체" panose="020B0600000101010101" pitchFamily="50" charset="-127"/>
-              <a:ea typeface="여기어때 잘난체" panose="020B0600000101010101" pitchFamily="50" charset="-127"/>
-            </a:endParaRPr>
           </a:p>
         </p:txBody>
       </p:sp>
@@ -10993,7 +11006,7 @@
 </p:sld>
 </file>
 
-<file path=ppt/slides/slide21.xml><?xml version="1.0" encoding="utf-8"?>
+<file path=ppt/slides/slide22.xml><?xml version="1.0" encoding="utf-8"?>
 <p:sld xmlns:a="http://schemas.openxmlformats.org/drawingml/2006/main" xmlns:r="http://schemas.openxmlformats.org/officeDocument/2006/relationships" xmlns:p="http://schemas.openxmlformats.org/presentationml/2006/main">
   <p:cSld>
     <p:bg>
@@ -11165,13 +11178,6 @@
                 </a:rPr>
                 <a:t>참고문헌</a:t>
               </a:r>
-              <a:endParaRPr lang="ko-KR" altLang="en-US" sz="4000" dirty="0">
-                <a:solidFill>
-                  <a:schemeClr val="bg1"/>
-                </a:solidFill>
-                <a:latin typeface="여기어때 잘난체" panose="020B0600000101010101" pitchFamily="50" charset="-127"/>
-                <a:ea typeface="여기어때 잘난체" panose="020B0600000101010101" pitchFamily="50" charset="-127"/>
-              </a:endParaRPr>
             </a:p>
           </p:txBody>
         </p:sp>
@@ -11435,13 +11441,6 @@
               </a:rPr>
               <a:t>연구목적</a:t>
             </a:r>
-            <a:endParaRPr lang="ko-KR" altLang="en-US" sz="3200" dirty="0">
-              <a:solidFill>
-                <a:schemeClr val="bg1"/>
-              </a:solidFill>
-              <a:latin typeface="여기어때 잘난체" panose="020B0600000101010101" pitchFamily="50" charset="-127"/>
-              <a:ea typeface="여기어때 잘난체" panose="020B0600000101010101" pitchFamily="50" charset="-127"/>
-            </a:endParaRPr>
           </a:p>
         </p:txBody>
       </p:sp>
@@ -11495,10 +11494,6 @@
               </a:rPr>
               <a:t>에 대한 이해 </a:t>
             </a:r>
-            <a:endParaRPr lang="ko-KR" altLang="en-US" sz="2000" dirty="0">
-              <a:latin typeface="G마켓 산스 TTF Light" panose="02000000000000000000" pitchFamily="2" charset="-127"/>
-              <a:ea typeface="G마켓 산스 TTF Light" panose="02000000000000000000" pitchFamily="2" charset="-127"/>
-            </a:endParaRPr>
           </a:p>
         </p:txBody>
       </p:sp>
@@ -11552,10 +11547,6 @@
               </a:rPr>
               <a:t>게임을 제작</a:t>
             </a:r>
-            <a:endParaRPr lang="ko-KR" altLang="en-US" sz="2800" dirty="0">
-              <a:latin typeface="G마켓 산스 TTF Medium" panose="02000000000000000000" pitchFamily="2" charset="-127"/>
-              <a:ea typeface="G마켓 산스 TTF Medium" panose="02000000000000000000" pitchFamily="2" charset="-127"/>
-            </a:endParaRPr>
           </a:p>
         </p:txBody>
       </p:sp>
@@ -11647,10 +11638,6 @@
               </a:rPr>
               <a:t>모델 애니메이션에 대한 이해</a:t>
             </a:r>
-            <a:endParaRPr lang="ko-KR" altLang="en-US" sz="2000" dirty="0">
-              <a:latin typeface="G마켓 산스 TTF Light" panose="02000000000000000000" pitchFamily="2" charset="-127"/>
-              <a:ea typeface="G마켓 산스 TTF Light" panose="02000000000000000000" pitchFamily="2" charset="-127"/>
-            </a:endParaRPr>
           </a:p>
         </p:txBody>
       </p:sp>
@@ -11683,10 +11670,6 @@
               </a:rPr>
               <a:t>그래픽 처리 장치를 활용</a:t>
             </a:r>
-            <a:endParaRPr lang="ko-KR" altLang="en-US" sz="2800" dirty="0">
-              <a:latin typeface="G마켓 산스 TTF Medium" panose="02000000000000000000" pitchFamily="2" charset="-127"/>
-              <a:ea typeface="G마켓 산스 TTF Medium" panose="02000000000000000000" pitchFamily="2" charset="-127"/>
-            </a:endParaRPr>
           </a:p>
         </p:txBody>
       </p:sp>
@@ -11969,13 +11952,6 @@
               </a:rPr>
               <a:t>장르 및 컨셉</a:t>
             </a:r>
-            <a:endParaRPr lang="ko-KR" altLang="en-US" sz="3200" dirty="0">
-              <a:solidFill>
-                <a:schemeClr val="bg1"/>
-              </a:solidFill>
-              <a:latin typeface="여기어때 잘난체" panose="020B0600000101010101" pitchFamily="50" charset="-127"/>
-              <a:ea typeface="여기어때 잘난체" panose="020B0600000101010101" pitchFamily="50" charset="-127"/>
-            </a:endParaRPr>
           </a:p>
         </p:txBody>
       </p:sp>
@@ -12034,10 +12010,6 @@
               </a:rPr>
               <a:t>RPG</a:t>
             </a:r>
-            <a:endParaRPr lang="en-US" altLang="ko-KR" dirty="0">
-              <a:latin typeface="G마켓 산스 TTF Medium" panose="02000000000000000000" pitchFamily="2" charset="-127"/>
-              <a:ea typeface="G마켓 산스 TTF Medium" panose="02000000000000000000" pitchFamily="2" charset="-127"/>
-            </a:endParaRPr>
           </a:p>
           <a:p>
             <a:pPr>
@@ -12130,10 +12102,6 @@
               </a:rPr>
               <a:t>.</a:t>
             </a:r>
-            <a:endParaRPr lang="en-US" altLang="ko-KR" dirty="0">
-              <a:latin typeface="G마켓 산스 TTF Medium" panose="02000000000000000000" pitchFamily="2" charset="-127"/>
-              <a:ea typeface="G마켓 산스 TTF Medium" panose="02000000000000000000" pitchFamily="2" charset="-127"/>
-            </a:endParaRPr>
           </a:p>
           <a:p>
             <a:pPr>
@@ -12162,10 +12130,6 @@
               </a:rPr>
               <a:t>.</a:t>
             </a:r>
-            <a:endParaRPr lang="en-US" altLang="ko-KR" dirty="0">
-              <a:latin typeface="G마켓 산스 TTF Medium" panose="02000000000000000000" pitchFamily="2" charset="-127"/>
-              <a:ea typeface="G마켓 산스 TTF Medium" panose="02000000000000000000" pitchFamily="2" charset="-127"/>
-            </a:endParaRPr>
           </a:p>
           <a:p>
             <a:pPr>
@@ -12208,10 +12172,6 @@
               </a:rPr>
               <a:t>.</a:t>
             </a:r>
-            <a:endParaRPr lang="en-US" altLang="ko-KR" dirty="0">
-              <a:latin typeface="G마켓 산스 TTF Medium" panose="02000000000000000000" pitchFamily="2" charset="-127"/>
-              <a:ea typeface="G마켓 산스 TTF Medium" panose="02000000000000000000" pitchFamily="2" charset="-127"/>
-            </a:endParaRPr>
           </a:p>
           <a:p>
             <a:pPr>
@@ -12240,10 +12200,6 @@
               </a:rPr>
               <a:t>.</a:t>
             </a:r>
-            <a:endParaRPr lang="en-US" altLang="ko-KR" dirty="0">
-              <a:latin typeface="G마켓 산스 TTF Medium" panose="02000000000000000000" pitchFamily="2" charset="-127"/>
-              <a:ea typeface="G마켓 산스 TTF Medium" panose="02000000000000000000" pitchFamily="2" charset="-127"/>
-            </a:endParaRPr>
           </a:p>
           <a:p>
             <a:pPr>
@@ -12401,13 +12357,6 @@
               </a:rPr>
               <a:t>게임 흐름도</a:t>
             </a:r>
-            <a:endParaRPr lang="ko-KR" altLang="en-US" sz="3200" dirty="0">
-              <a:solidFill>
-                <a:schemeClr val="bg1"/>
-              </a:solidFill>
-              <a:latin typeface="여기어때 잘난체" panose="020B0600000101010101" pitchFamily="50" charset="-127"/>
-              <a:ea typeface="여기어때 잘난체" panose="020B0600000101010101" pitchFamily="50" charset="-127"/>
-            </a:endParaRPr>
           </a:p>
         </p:txBody>
       </p:sp>
@@ -12986,16 +12935,551 @@
               </a:rPr>
               <a:t>게임 월드 </a:t>
             </a:r>
-            <a:endParaRPr lang="ko-KR" altLang="en-US" sz="3200" dirty="0">
-              <a:solidFill>
-                <a:schemeClr val="bg1"/>
-              </a:solidFill>
-              <a:latin typeface="여기어때 잘난체" panose="020B0600000101010101" pitchFamily="50" charset="-127"/>
-              <a:ea typeface="여기어때 잘난체" panose="020B0600000101010101" pitchFamily="50" charset="-127"/>
-            </a:endParaRPr>
-          </a:p>
-        </p:txBody>
-      </p:sp>
+          </a:p>
+        </p:txBody>
+      </p:sp>
+      <p:pic>
+        <p:nvPicPr>
+          <p:cNvPr id="2" name="그림 1" descr="텍스트, 점수판이(가) 표시된 사진&#10;&#10;자동 생성된 설명">
+            <a:extLst>
+              <a:ext uri="{FF2B5EF4-FFF2-40B4-BE49-F238E27FC236}">
+                <a16:creationId xmlns:a16="http://schemas.microsoft.com/office/drawing/2014/main" id="{1223895A-9282-ED4B-F57D-D7BF2FE7DB57}"/>
+              </a:ext>
+            </a:extLst>
+          </p:cNvPr>
+          <p:cNvPicPr>
+            <a:picLocks noChangeAspect="1"/>
+          </p:cNvPicPr>
+          <p:nvPr/>
+        </p:nvPicPr>
+        <p:blipFill>
+          <a:blip r:embed="rId2">
+            <a:extLst>
+              <a:ext uri="{28A0092B-C50C-407E-A947-70E740481C1C}">
+                <a14:useLocalDpi xmlns:a14="http://schemas.microsoft.com/office/drawing/2010/main" val="0"/>
+              </a:ext>
+            </a:extLst>
+          </a:blip>
+          <a:stretch>
+            <a:fillRect/>
+          </a:stretch>
+        </p:blipFill>
+        <p:spPr>
+          <a:xfrm>
+            <a:off x="495300" y="1022699"/>
+            <a:ext cx="5511053" cy="5511053"/>
+          </a:xfrm>
+          <a:prstGeom prst="rect">
+            <a:avLst/>
+          </a:prstGeom>
+        </p:spPr>
+      </p:pic>
+      <p:graphicFrame>
+        <p:nvGraphicFramePr>
+          <p:cNvPr id="3" name="표 7">
+            <a:extLst>
+              <a:ext uri="{FF2B5EF4-FFF2-40B4-BE49-F238E27FC236}">
+                <a16:creationId xmlns:a16="http://schemas.microsoft.com/office/drawing/2014/main" id="{06F55D5E-1C0B-30BD-D1FA-B0F31F9D41E9}"/>
+              </a:ext>
+            </a:extLst>
+          </p:cNvPr>
+          <p:cNvGraphicFramePr>
+            <a:graphicFrameLocks noGrp="1"/>
+          </p:cNvGraphicFramePr>
+          <p:nvPr>
+            <p:extLst>
+              <p:ext uri="{D42A27DB-BD31-4B8C-83A1-F6EECF244321}">
+                <p14:modId xmlns:p14="http://schemas.microsoft.com/office/powerpoint/2010/main" val="3725218217"/>
+              </p:ext>
+            </p:extLst>
+          </p:nvPr>
+        </p:nvGraphicFramePr>
+        <p:xfrm>
+          <a:off x="6083300" y="1162722"/>
+          <a:ext cx="5511053" cy="5212080"/>
+        </p:xfrm>
+        <a:graphic>
+          <a:graphicData uri="http://schemas.openxmlformats.org/drawingml/2006/table">
+            <a:tbl>
+              <a:tblPr firstRow="1" bandRow="1">
+                <a:tableStyleId>{5940675A-B579-460E-94D1-54222C63F5DA}</a:tableStyleId>
+              </a:tblPr>
+              <a:tblGrid>
+                <a:gridCol w="317500">
+                  <a:extLst>
+                    <a:ext uri="{9D8B030D-6E8A-4147-A177-3AD203B41FA5}">
+                      <a16:colId xmlns:a16="http://schemas.microsoft.com/office/drawing/2014/main" val="2634767336"/>
+                    </a:ext>
+                  </a:extLst>
+                </a:gridCol>
+                <a:gridCol w="806824">
+                  <a:extLst>
+                    <a:ext uri="{9D8B030D-6E8A-4147-A177-3AD203B41FA5}">
+                      <a16:colId xmlns:a16="http://schemas.microsoft.com/office/drawing/2014/main" val="399855705"/>
+                    </a:ext>
+                  </a:extLst>
+                </a:gridCol>
+                <a:gridCol w="4386729">
+                  <a:extLst>
+                    <a:ext uri="{9D8B030D-6E8A-4147-A177-3AD203B41FA5}">
+                      <a16:colId xmlns:a16="http://schemas.microsoft.com/office/drawing/2014/main" val="3867481530"/>
+                    </a:ext>
+                  </a:extLst>
+                </a:gridCol>
+              </a:tblGrid>
+              <a:tr h="370840">
+                <a:tc>
+                  <a:txBody>
+                    <a:bodyPr/>
+                    <a:lstStyle/>
+                    <a:p>
+                      <a:pPr latinLnBrk="1"/>
+                      <a:r>
+                        <a:rPr lang="en-US" altLang="ko-KR" dirty="0"/>
+                        <a:t>1</a:t>
+                      </a:r>
+                      <a:endParaRPr lang="ko-KR" altLang="en-US" dirty="0"/>
+                    </a:p>
+                  </a:txBody>
+                  <a:tcPr/>
+                </a:tc>
+                <a:tc>
+                  <a:txBody>
+                    <a:bodyPr/>
+                    <a:lstStyle/>
+                    <a:p>
+                      <a:pPr marL="0" marR="0" lvl="0" indent="0" algn="l" defTabSz="914400" rtl="0" eaLnBrk="1" fontAlgn="auto" latinLnBrk="1" hangingPunct="1">
+                        <a:lnSpc>
+                          <a:spcPct val="100000"/>
+                        </a:lnSpc>
+                        <a:spcBef>
+                          <a:spcPts val="0"/>
+                        </a:spcBef>
+                        <a:spcAft>
+                          <a:spcPts val="0"/>
+                        </a:spcAft>
+                        <a:buClrTx/>
+                        <a:buSzTx/>
+                        <a:buFontTx/>
+                        <a:buNone/>
+                        <a:tabLst/>
+                        <a:defRPr/>
+                      </a:pPr>
+                      <a:r>
+                        <a:rPr lang="ko-KR" altLang="en-US" dirty="0"/>
+                        <a:t>초록 문 </a:t>
+                      </a:r>
+                    </a:p>
+                    <a:p>
+                      <a:pPr latinLnBrk="1"/>
+                      <a:endParaRPr lang="ko-KR" altLang="en-US" dirty="0"/>
+                    </a:p>
+                  </a:txBody>
+                  <a:tcPr/>
+                </a:tc>
+                <a:tc>
+                  <a:txBody>
+                    <a:bodyPr/>
+                    <a:lstStyle/>
+                    <a:p>
+                      <a:pPr latinLnBrk="1"/>
+                      <a:r>
+                        <a:rPr lang="ko-KR" altLang="en-US" dirty="0"/>
+                        <a:t>플레이어들이 함께 다음 스테이지로 갈 수 있는 통로</a:t>
+                      </a:r>
+                    </a:p>
+                  </a:txBody>
+                  <a:tcPr/>
+                </a:tc>
+                <a:extLst>
+                  <a:ext uri="{0D108BD9-81ED-4DB2-BD59-A6C34878D82A}">
+                    <a16:rowId xmlns:a16="http://schemas.microsoft.com/office/drawing/2014/main" val="2585650385"/>
+                  </a:ext>
+                </a:extLst>
+              </a:tr>
+              <a:tr h="370840">
+                <a:tc>
+                  <a:txBody>
+                    <a:bodyPr/>
+                    <a:lstStyle/>
+                    <a:p>
+                      <a:pPr latinLnBrk="1"/>
+                      <a:r>
+                        <a:rPr lang="en-US" altLang="ko-KR" dirty="0"/>
+                        <a:t>2</a:t>
+                      </a:r>
+                      <a:endParaRPr lang="ko-KR" altLang="en-US" dirty="0"/>
+                    </a:p>
+                  </a:txBody>
+                  <a:tcPr/>
+                </a:tc>
+                <a:tc>
+                  <a:txBody>
+                    <a:bodyPr/>
+                    <a:lstStyle/>
+                    <a:p>
+                      <a:pPr marL="0" marR="0" lvl="0" indent="0" algn="l" defTabSz="914400" rtl="0" eaLnBrk="1" fontAlgn="auto" latinLnBrk="1" hangingPunct="1">
+                        <a:lnSpc>
+                          <a:spcPct val="100000"/>
+                        </a:lnSpc>
+                        <a:spcBef>
+                          <a:spcPts val="0"/>
+                        </a:spcBef>
+                        <a:spcAft>
+                          <a:spcPts val="0"/>
+                        </a:spcAft>
+                        <a:buClrTx/>
+                        <a:buSzTx/>
+                        <a:buFontTx/>
+                        <a:buNone/>
+                        <a:tabLst/>
+                        <a:defRPr/>
+                      </a:pPr>
+                      <a:r>
+                        <a:rPr lang="ko-KR" altLang="en-US" dirty="0"/>
+                        <a:t>빨강 문</a:t>
+                      </a:r>
+                    </a:p>
+                    <a:p>
+                      <a:pPr latinLnBrk="1"/>
+                      <a:endParaRPr lang="ko-KR" altLang="en-US" dirty="0"/>
+                    </a:p>
+                  </a:txBody>
+                  <a:tcPr/>
+                </a:tc>
+                <a:tc>
+                  <a:txBody>
+                    <a:bodyPr/>
+                    <a:lstStyle/>
+                    <a:p>
+                      <a:pPr marL="0" marR="0" lvl="0" indent="0" algn="l" defTabSz="914400" rtl="0" eaLnBrk="1" fontAlgn="auto" latinLnBrk="1" hangingPunct="1">
+                        <a:lnSpc>
+                          <a:spcPct val="100000"/>
+                        </a:lnSpc>
+                        <a:spcBef>
+                          <a:spcPts val="0"/>
+                        </a:spcBef>
+                        <a:spcAft>
+                          <a:spcPts val="0"/>
+                        </a:spcAft>
+                        <a:buClrTx/>
+                        <a:buSzTx/>
+                        <a:buFontTx/>
+                        <a:buNone/>
+                        <a:tabLst/>
+                        <a:defRPr/>
+                      </a:pPr>
+                      <a:r>
+                        <a:rPr lang="ko-KR" altLang="en-US" dirty="0"/>
+                        <a:t>플레이어들이 함께 다음 스테이지로 갈 수 있는 또 다른 통로</a:t>
+                      </a:r>
+                    </a:p>
+                  </a:txBody>
+                  <a:tcPr/>
+                </a:tc>
+                <a:extLst>
+                  <a:ext uri="{0D108BD9-81ED-4DB2-BD59-A6C34878D82A}">
+                    <a16:rowId xmlns:a16="http://schemas.microsoft.com/office/drawing/2014/main" val="56142908"/>
+                  </a:ext>
+                </a:extLst>
+              </a:tr>
+              <a:tr h="370840">
+                <a:tc>
+                  <a:txBody>
+                    <a:bodyPr/>
+                    <a:lstStyle/>
+                    <a:p>
+                      <a:pPr latinLnBrk="1"/>
+                      <a:r>
+                        <a:rPr lang="en-US" altLang="ko-KR" dirty="0"/>
+                        <a:t>3</a:t>
+                      </a:r>
+                      <a:endParaRPr lang="ko-KR" altLang="en-US" dirty="0"/>
+                    </a:p>
+                  </a:txBody>
+                  <a:tcPr/>
+                </a:tc>
+                <a:tc>
+                  <a:txBody>
+                    <a:bodyPr/>
+                    <a:lstStyle/>
+                    <a:p>
+                      <a:pPr marL="0" marR="0" lvl="0" indent="0" algn="l" defTabSz="914400" rtl="0" eaLnBrk="1" fontAlgn="auto" latinLnBrk="1" hangingPunct="1">
+                        <a:lnSpc>
+                          <a:spcPct val="100000"/>
+                        </a:lnSpc>
+                        <a:spcBef>
+                          <a:spcPts val="0"/>
+                        </a:spcBef>
+                        <a:spcAft>
+                          <a:spcPts val="0"/>
+                        </a:spcAft>
+                        <a:buClrTx/>
+                        <a:buSzTx/>
+                        <a:buFontTx/>
+                        <a:buNone/>
+                        <a:tabLst/>
+                        <a:defRPr/>
+                      </a:pPr>
+                      <a:r>
+                        <a:rPr lang="ko-KR" altLang="en-US" dirty="0"/>
+                        <a:t>검</a:t>
+                      </a:r>
+                    </a:p>
+                    <a:p>
+                      <a:pPr latinLnBrk="1"/>
+                      <a:endParaRPr lang="ko-KR" altLang="en-US" dirty="0"/>
+                    </a:p>
+                  </a:txBody>
+                  <a:tcPr/>
+                </a:tc>
+                <a:tc>
+                  <a:txBody>
+                    <a:bodyPr/>
+                    <a:lstStyle/>
+                    <a:p>
+                      <a:pPr latinLnBrk="1"/>
+                      <a:r>
+                        <a:rPr lang="ko-KR" altLang="en-US" dirty="0"/>
+                        <a:t>다음 스테이지에서 나타날 몬스터에 대항할 무기</a:t>
+                      </a:r>
+                    </a:p>
+                  </a:txBody>
+                  <a:tcPr/>
+                </a:tc>
+                <a:extLst>
+                  <a:ext uri="{0D108BD9-81ED-4DB2-BD59-A6C34878D82A}">
+                    <a16:rowId xmlns:a16="http://schemas.microsoft.com/office/drawing/2014/main" val="196152046"/>
+                  </a:ext>
+                </a:extLst>
+              </a:tr>
+              <a:tr h="370840">
+                <a:tc>
+                  <a:txBody>
+                    <a:bodyPr/>
+                    <a:lstStyle/>
+                    <a:p>
+                      <a:pPr latinLnBrk="1"/>
+                      <a:r>
+                        <a:rPr lang="en-US" altLang="ko-KR" dirty="0"/>
+                        <a:t>4</a:t>
+                      </a:r>
+                      <a:endParaRPr lang="ko-KR" altLang="en-US" dirty="0"/>
+                    </a:p>
+                  </a:txBody>
+                  <a:tcPr/>
+                </a:tc>
+                <a:tc>
+                  <a:txBody>
+                    <a:bodyPr/>
+                    <a:lstStyle/>
+                    <a:p>
+                      <a:pPr marL="0" marR="0" lvl="0" indent="0" algn="l" defTabSz="914400" rtl="0" eaLnBrk="1" fontAlgn="auto" latinLnBrk="1" hangingPunct="1">
+                        <a:lnSpc>
+                          <a:spcPct val="100000"/>
+                        </a:lnSpc>
+                        <a:spcBef>
+                          <a:spcPts val="0"/>
+                        </a:spcBef>
+                        <a:spcAft>
+                          <a:spcPts val="0"/>
+                        </a:spcAft>
+                        <a:buClrTx/>
+                        <a:buSzTx/>
+                        <a:buFontTx/>
+                        <a:buNone/>
+                        <a:tabLst/>
+                        <a:defRPr/>
+                      </a:pPr>
+                      <a:r>
+                        <a:rPr lang="ko-KR" altLang="en-US" dirty="0"/>
+                        <a:t>광원</a:t>
+                      </a:r>
+                    </a:p>
+                    <a:p>
+                      <a:pPr latinLnBrk="1"/>
+                      <a:endParaRPr lang="ko-KR" altLang="en-US" dirty="0"/>
+                    </a:p>
+                  </a:txBody>
+                  <a:tcPr/>
+                </a:tc>
+                <a:tc>
+                  <a:txBody>
+                    <a:bodyPr/>
+                    <a:lstStyle/>
+                    <a:p>
+                      <a:pPr latinLnBrk="1"/>
+                      <a:r>
+                        <a:rPr lang="ko-KR" altLang="en-US" dirty="0"/>
+                        <a:t>열쇠와 검을 쉽게 찾기 위해 어두운 미궁을 밝히는 용도</a:t>
+                      </a:r>
+                      <a:r>
+                        <a:rPr lang="en-US" altLang="ko-KR" dirty="0"/>
+                        <a:t>. </a:t>
+                      </a:r>
+                      <a:r>
+                        <a:rPr lang="ko-KR" altLang="en-US" dirty="0"/>
+                        <a:t>몬스터와의 전투에 사용하지 않음</a:t>
+                      </a:r>
+                      <a:r>
+                        <a:rPr lang="en-US" altLang="ko-KR" dirty="0"/>
+                        <a:t>.</a:t>
+                      </a:r>
+                      <a:endParaRPr lang="ko-KR" altLang="en-US" dirty="0"/>
+                    </a:p>
+                  </a:txBody>
+                  <a:tcPr/>
+                </a:tc>
+                <a:extLst>
+                  <a:ext uri="{0D108BD9-81ED-4DB2-BD59-A6C34878D82A}">
+                    <a16:rowId xmlns:a16="http://schemas.microsoft.com/office/drawing/2014/main" val="2940765215"/>
+                  </a:ext>
+                </a:extLst>
+              </a:tr>
+              <a:tr h="370840">
+                <a:tc>
+                  <a:txBody>
+                    <a:bodyPr/>
+                    <a:lstStyle/>
+                    <a:p>
+                      <a:pPr latinLnBrk="1"/>
+                      <a:r>
+                        <a:rPr lang="en-US" altLang="ko-KR" dirty="0"/>
+                        <a:t>5</a:t>
+                      </a:r>
+                      <a:endParaRPr lang="ko-KR" altLang="en-US" dirty="0"/>
+                    </a:p>
+                  </a:txBody>
+                  <a:tcPr/>
+                </a:tc>
+                <a:tc>
+                  <a:txBody>
+                    <a:bodyPr/>
+                    <a:lstStyle/>
+                    <a:p>
+                      <a:pPr marL="0" marR="0" lvl="0" indent="0" algn="l" defTabSz="914400" rtl="0" eaLnBrk="1" fontAlgn="auto" latinLnBrk="1" hangingPunct="1">
+                        <a:lnSpc>
+                          <a:spcPct val="100000"/>
+                        </a:lnSpc>
+                        <a:spcBef>
+                          <a:spcPts val="0"/>
+                        </a:spcBef>
+                        <a:spcAft>
+                          <a:spcPts val="0"/>
+                        </a:spcAft>
+                        <a:buClrTx/>
+                        <a:buSzTx/>
+                        <a:buFontTx/>
+                        <a:buNone/>
+                        <a:tabLst/>
+                        <a:defRPr/>
+                      </a:pPr>
+                      <a:r>
+                        <a:rPr lang="ko-KR" altLang="en-US" dirty="0"/>
+                        <a:t>초록 열쇠</a:t>
+                      </a:r>
+                    </a:p>
+                    <a:p>
+                      <a:pPr latinLnBrk="1"/>
+                      <a:endParaRPr lang="ko-KR" altLang="en-US" dirty="0"/>
+                    </a:p>
+                  </a:txBody>
+                  <a:tcPr/>
+                </a:tc>
+                <a:tc>
+                  <a:txBody>
+                    <a:bodyPr/>
+                    <a:lstStyle/>
+                    <a:p>
+                      <a:pPr latinLnBrk="1"/>
+                      <a:r>
+                        <a:rPr lang="ko-KR" altLang="en-US" dirty="0"/>
+                        <a:t>초록 문을 열 수 있는 열쇠</a:t>
+                      </a:r>
+                    </a:p>
+                  </a:txBody>
+                  <a:tcPr/>
+                </a:tc>
+                <a:extLst>
+                  <a:ext uri="{0D108BD9-81ED-4DB2-BD59-A6C34878D82A}">
+                    <a16:rowId xmlns:a16="http://schemas.microsoft.com/office/drawing/2014/main" val="99578929"/>
+                  </a:ext>
+                </a:extLst>
+              </a:tr>
+              <a:tr h="370840">
+                <a:tc>
+                  <a:txBody>
+                    <a:bodyPr/>
+                    <a:lstStyle/>
+                    <a:p>
+                      <a:pPr latinLnBrk="1"/>
+                      <a:r>
+                        <a:rPr lang="en-US" altLang="ko-KR" dirty="0"/>
+                        <a:t>6</a:t>
+                      </a:r>
+                      <a:endParaRPr lang="ko-KR" altLang="en-US" dirty="0"/>
+                    </a:p>
+                  </a:txBody>
+                  <a:tcPr/>
+                </a:tc>
+                <a:tc>
+                  <a:txBody>
+                    <a:bodyPr/>
+                    <a:lstStyle/>
+                    <a:p>
+                      <a:pPr marL="0" marR="0" lvl="0" indent="0" algn="l" defTabSz="914400" rtl="0" eaLnBrk="1" fontAlgn="auto" latinLnBrk="1" hangingPunct="1">
+                        <a:lnSpc>
+                          <a:spcPct val="100000"/>
+                        </a:lnSpc>
+                        <a:spcBef>
+                          <a:spcPts val="0"/>
+                        </a:spcBef>
+                        <a:spcAft>
+                          <a:spcPts val="0"/>
+                        </a:spcAft>
+                        <a:buClrTx/>
+                        <a:buSzTx/>
+                        <a:buFontTx/>
+                        <a:buNone/>
+                        <a:tabLst/>
+                        <a:defRPr/>
+                      </a:pPr>
+                      <a:r>
+                        <a:rPr lang="ko-KR" altLang="en-US" dirty="0"/>
+                        <a:t>빨강 열쇠</a:t>
+                      </a:r>
+                    </a:p>
+                    <a:p>
+                      <a:pPr latinLnBrk="1"/>
+                      <a:endParaRPr lang="ko-KR" altLang="en-US" dirty="0"/>
+                    </a:p>
+                  </a:txBody>
+                  <a:tcPr/>
+                </a:tc>
+                <a:tc>
+                  <a:txBody>
+                    <a:bodyPr/>
+                    <a:lstStyle/>
+                    <a:p>
+                      <a:pPr latinLnBrk="1"/>
+                      <a:r>
+                        <a:rPr lang="ko-KR" altLang="en-US" dirty="0"/>
+                        <a:t>빨강 문을 열 수 있는 열쇠</a:t>
+                      </a:r>
+                    </a:p>
+                  </a:txBody>
+                  <a:tcPr/>
+                </a:tc>
+                <a:extLst>
+                  <a:ext uri="{0D108BD9-81ED-4DB2-BD59-A6C34878D82A}">
+                    <a16:rowId xmlns:a16="http://schemas.microsoft.com/office/drawing/2014/main" val="1918937522"/>
+                  </a:ext>
+                </a:extLst>
+              </a:tr>
+            </a:tbl>
+          </a:graphicData>
+        </a:graphic>
+      </p:graphicFrame>
     </p:spTree>
   </p:cSld>
   <p:clrMapOvr>
@@ -13007,14 +13491,6 @@
 <file path=ppt/slides/slide9.xml><?xml version="1.0" encoding="utf-8"?>
 <p:sld xmlns:a="http://schemas.openxmlformats.org/drawingml/2006/main" xmlns:r="http://schemas.openxmlformats.org/officeDocument/2006/relationships" xmlns:p="http://schemas.openxmlformats.org/presentationml/2006/main">
   <p:cSld>
-    <p:bg>
-      <p:bgPr>
-        <a:solidFill>
-          <a:srgbClr val="8BA9AB"/>
-        </a:solidFill>
-        <a:effectLst/>
-      </p:bgPr>
-    </p:bg>
     <p:spTree>
       <p:nvGrpSpPr>
         <p:cNvPr id="1" name=""/>
@@ -13073,6 +13549,10 @@
           <a:lstStyle/>
           <a:p>
             <a:pPr algn="ctr"/>
+            <a:r>
+              <a:rPr lang="en-US" altLang="ko-KR"/>
+              <a:t>s</a:t>
+            </a:r>
             <a:endParaRPr lang="ko-KR" altLang="en-US"/>
           </a:p>
         </p:txBody>
@@ -13086,7 +13566,7 @@
         <p:spPr>
           <a:xfrm>
             <a:off x="469900" y="260991"/>
-            <a:ext cx="6692900" cy="584775"/>
+            <a:ext cx="5412740" cy="1077218"/>
           </a:xfrm>
           <a:prstGeom prst="rect">
             <a:avLst/>
@@ -13101,13 +13581,45 @@
           <a:p>
             <a:r>
               <a:rPr lang="en-US" altLang="ko-KR" sz="3200" dirty="0">
-                <a:solidFill>
-                  <a:schemeClr val="bg1"/>
-                </a:solidFill>
                 <a:latin typeface="여기어때 잘난체" panose="020B0600000101010101" pitchFamily="50" charset="-127"/>
                 <a:ea typeface="여기어때 잘난체" panose="020B0600000101010101" pitchFamily="50" charset="-127"/>
               </a:rPr>
               <a:t>02. </a:t>
+            </a:r>
+            <a:r>
+              <a:rPr lang="ko-KR" altLang="en-US" sz="3200" dirty="0">
+                <a:latin typeface="여기어때 잘난체" panose="020B0600000101010101" pitchFamily="50" charset="-127"/>
+                <a:ea typeface="여기어때 잘난체" panose="020B0600000101010101" pitchFamily="50" charset="-127"/>
+              </a:rPr>
+              <a:t>게임소개 </a:t>
+            </a:r>
+            <a:r>
+              <a:rPr lang="en-US" altLang="ko-KR" sz="3200" dirty="0">
+                <a:latin typeface="여기어때 잘난체" panose="020B0600000101010101" pitchFamily="50" charset="-127"/>
+                <a:ea typeface="여기어때 잘난체" panose="020B0600000101010101" pitchFamily="50" charset="-127"/>
+              </a:rPr>
+              <a:t>– </a:t>
+            </a:r>
+            <a:r>
+              <a:rPr lang="ko-KR" altLang="en-US" sz="3200" dirty="0">
+                <a:latin typeface="여기어때 잘난체" panose="020B0600000101010101" pitchFamily="50" charset="-127"/>
+                <a:ea typeface="여기어때 잘난체" panose="020B0600000101010101" pitchFamily="50" charset="-127"/>
+              </a:rPr>
+              <a:t>게임 월드 </a:t>
+            </a:r>
+            <a:r>
+              <a:rPr lang="ko-KR" altLang="en-US" sz="1200" dirty="0" err="1">
+                <a:latin typeface="여기어때 잘난체" panose="020B0600000101010101" pitchFamily="50" charset="-127"/>
+                <a:ea typeface="여기어때 잘난체" panose="020B0600000101010101" pitchFamily="50" charset="-127"/>
+              </a:rPr>
+              <a:t>잡몹전</a:t>
+            </a:r>
+            <a:r>
+              <a:rPr lang="en-US" altLang="ko-KR" sz="1200" dirty="0">
+                <a:latin typeface="여기어때 잘난체" panose="020B0600000101010101" pitchFamily="50" charset="-127"/>
+                <a:ea typeface="여기어때 잘난체" panose="020B0600000101010101" pitchFamily="50" charset="-127"/>
+              </a:rPr>
+              <a:t> </a:t>
             </a:r>
             <a:r>
               <a:rPr lang="ko-KR" altLang="en-US" sz="3200" dirty="0">
@@ -13117,39 +13629,53 @@
                 <a:latin typeface="여기어때 잘난체" panose="020B0600000101010101" pitchFamily="50" charset="-127"/>
                 <a:ea typeface="여기어때 잘난체" panose="020B0600000101010101" pitchFamily="50" charset="-127"/>
               </a:rPr>
-              <a:t>게임 소개 </a:t>
-            </a:r>
-            <a:r>
-              <a:rPr lang="en-US" altLang="ko-KR" sz="3200" dirty="0">
-                <a:solidFill>
-                  <a:schemeClr val="bg1"/>
-                </a:solidFill>
-                <a:latin typeface="여기어때 잘난체" panose="020B0600000101010101" pitchFamily="50" charset="-127"/>
-                <a:ea typeface="여기어때 잘난체" panose="020B0600000101010101" pitchFamily="50" charset="-127"/>
-              </a:rPr>
-              <a:t>– </a:t>
-            </a:r>
-            <a:r>
-              <a:rPr lang="ko-KR" altLang="en-US" sz="3200" dirty="0">
-                <a:solidFill>
-                  <a:schemeClr val="bg1"/>
-                </a:solidFill>
-                <a:latin typeface="여기어때 잘난체" panose="020B0600000101010101" pitchFamily="50" charset="-127"/>
-                <a:ea typeface="여기어때 잘난체" panose="020B0600000101010101" pitchFamily="50" charset="-127"/>
-              </a:rPr>
-              <a:t>게임 플레이어 </a:t>
-            </a:r>
-            <a:endParaRPr lang="ko-KR" altLang="en-US" sz="3200" dirty="0">
-              <a:solidFill>
-                <a:schemeClr val="bg1"/>
-              </a:solidFill>
-              <a:latin typeface="여기어때 잘난체" panose="020B0600000101010101" pitchFamily="50" charset="-127"/>
-              <a:ea typeface="여기어때 잘난체" panose="020B0600000101010101" pitchFamily="50" charset="-127"/>
-            </a:endParaRPr>
-          </a:p>
-        </p:txBody>
-      </p:sp>
+              <a:t>게임 월드 </a:t>
+            </a:r>
+          </a:p>
+        </p:txBody>
+      </p:sp>
+      <p:pic>
+        <p:nvPicPr>
+          <p:cNvPr id="4" name="그림 3">
+            <a:extLst>
+              <a:ext uri="{FF2B5EF4-FFF2-40B4-BE49-F238E27FC236}">
+                <a16:creationId xmlns:a16="http://schemas.microsoft.com/office/drawing/2014/main" id="{CF767FF6-64A5-554C-F5B7-2DBE0680C07F}"/>
+              </a:ext>
+            </a:extLst>
+          </p:cNvPr>
+          <p:cNvPicPr>
+            <a:picLocks noChangeAspect="1"/>
+          </p:cNvPicPr>
+          <p:nvPr/>
+        </p:nvPicPr>
+        <p:blipFill>
+          <a:blip r:embed="rId2">
+            <a:extLst>
+              <a:ext uri="{28A0092B-C50C-407E-A947-70E740481C1C}">
+                <a14:useLocalDpi xmlns:a14="http://schemas.microsoft.com/office/drawing/2010/main" val="0"/>
+              </a:ext>
+            </a:extLst>
+          </a:blip>
+          <a:stretch>
+            <a:fillRect/>
+          </a:stretch>
+        </p:blipFill>
+        <p:spPr>
+          <a:xfrm>
+            <a:off x="990600" y="1201270"/>
+            <a:ext cx="5173532" cy="5173532"/>
+          </a:xfrm>
+          <a:prstGeom prst="rect">
+            <a:avLst/>
+          </a:prstGeom>
+        </p:spPr>
+      </p:pic>
     </p:spTree>
+    <p:extLst>
+      <p:ext uri="{BB962C8B-B14F-4D97-AF65-F5344CB8AC3E}">
+        <p14:creationId xmlns:p14="http://schemas.microsoft.com/office/powerpoint/2010/main" val="3338335739"/>
+      </p:ext>
+    </p:extLst>
   </p:cSld>
   <p:clrMapOvr>
     <a:masterClrMapping/>
@@ -13408,6 +13934,8 @@
       </a:bgFillStyleLst>
     </a:fmtScheme>
   </a:themeElements>
+  <a:objectDefaults/>
+  <a:extraClrSchemeLst/>
   <a:extLst>
     <a:ext uri="{05A4C25C-085E-4340-85A3-A5531E510DB2}">
       <thm15:themeFamily xmlns:thm15="http://schemas.microsoft.com/office/thememl/2012/main" name="Office Theme" id="{62F939B6-93AF-4DB8-9C6B-D6C7DFDC589F}" vid="{4A3C46E8-61CC-4603-A589-7422A47A8E4A}"/>

--- a/Game_Design/2019184003 김 선아 장르 제안서.pptx
+++ b/Game_Design/2019184003 김 선아 장르 제안서.pptx
@@ -21,7 +21,7 @@
     <p:sldId id="271" r:id="rId15"/>
     <p:sldId id="279" r:id="rId16"/>
     <p:sldId id="278" r:id="rId17"/>
-    <p:sldId id="264" r:id="rId18"/>
+    <p:sldId id="282" r:id="rId18"/>
     <p:sldId id="280" r:id="rId19"/>
     <p:sldId id="281" r:id="rId20"/>
     <p:sldId id="262" r:id="rId21"/>
@@ -262,7 +262,7 @@
           <a:p>
             <a:fld id="{E2CF5178-EA5D-4D99-A2BC-F1725EA1756D}" type="datetimeFigureOut">
               <a:rPr lang="ko-KR" altLang="en-US" smtClean="0"/>
-              <a:t>2022-09-22</a:t>
+              <a:t>2022-09-23</a:t>
             </a:fld>
             <a:endParaRPr lang="ko-KR" altLang="en-US"/>
           </a:p>
@@ -432,7 +432,7 @@
           <a:p>
             <a:fld id="{E2CF5178-EA5D-4D99-A2BC-F1725EA1756D}" type="datetimeFigureOut">
               <a:rPr lang="ko-KR" altLang="en-US" smtClean="0"/>
-              <a:t>2022-09-22</a:t>
+              <a:t>2022-09-23</a:t>
             </a:fld>
             <a:endParaRPr lang="ko-KR" altLang="en-US"/>
           </a:p>
@@ -612,7 +612,7 @@
           <a:p>
             <a:fld id="{E2CF5178-EA5D-4D99-A2BC-F1725EA1756D}" type="datetimeFigureOut">
               <a:rPr lang="ko-KR" altLang="en-US" smtClean="0"/>
-              <a:t>2022-09-22</a:t>
+              <a:t>2022-09-23</a:t>
             </a:fld>
             <a:endParaRPr lang="ko-KR" altLang="en-US"/>
           </a:p>
@@ -782,7 +782,7 @@
           <a:p>
             <a:fld id="{E2CF5178-EA5D-4D99-A2BC-F1725EA1756D}" type="datetimeFigureOut">
               <a:rPr lang="ko-KR" altLang="en-US" smtClean="0"/>
-              <a:t>2022-09-22</a:t>
+              <a:t>2022-09-23</a:t>
             </a:fld>
             <a:endParaRPr lang="ko-KR" altLang="en-US"/>
           </a:p>
@@ -1028,7 +1028,7 @@
           <a:p>
             <a:fld id="{E2CF5178-EA5D-4D99-A2BC-F1725EA1756D}" type="datetimeFigureOut">
               <a:rPr lang="ko-KR" altLang="en-US" smtClean="0"/>
-              <a:t>2022-09-22</a:t>
+              <a:t>2022-09-23</a:t>
             </a:fld>
             <a:endParaRPr lang="ko-KR" altLang="en-US"/>
           </a:p>
@@ -1260,7 +1260,7 @@
           <a:p>
             <a:fld id="{E2CF5178-EA5D-4D99-A2BC-F1725EA1756D}" type="datetimeFigureOut">
               <a:rPr lang="ko-KR" altLang="en-US" smtClean="0"/>
-              <a:t>2022-09-22</a:t>
+              <a:t>2022-09-23</a:t>
             </a:fld>
             <a:endParaRPr lang="ko-KR" altLang="en-US"/>
           </a:p>
@@ -1627,7 +1627,7 @@
           <a:p>
             <a:fld id="{E2CF5178-EA5D-4D99-A2BC-F1725EA1756D}" type="datetimeFigureOut">
               <a:rPr lang="ko-KR" altLang="en-US" smtClean="0"/>
-              <a:t>2022-09-22</a:t>
+              <a:t>2022-09-23</a:t>
             </a:fld>
             <a:endParaRPr lang="ko-KR" altLang="en-US"/>
           </a:p>
@@ -1745,7 +1745,7 @@
           <a:p>
             <a:fld id="{E2CF5178-EA5D-4D99-A2BC-F1725EA1756D}" type="datetimeFigureOut">
               <a:rPr lang="ko-KR" altLang="en-US" smtClean="0"/>
-              <a:t>2022-09-22</a:t>
+              <a:t>2022-09-23</a:t>
             </a:fld>
             <a:endParaRPr lang="ko-KR" altLang="en-US"/>
           </a:p>
@@ -1840,7 +1840,7 @@
           <a:p>
             <a:fld id="{E2CF5178-EA5D-4D99-A2BC-F1725EA1756D}" type="datetimeFigureOut">
               <a:rPr lang="ko-KR" altLang="en-US" smtClean="0"/>
-              <a:t>2022-09-22</a:t>
+              <a:t>2022-09-23</a:t>
             </a:fld>
             <a:endParaRPr lang="ko-KR" altLang="en-US"/>
           </a:p>
@@ -2117,7 +2117,7 @@
           <a:p>
             <a:fld id="{E2CF5178-EA5D-4D99-A2BC-F1725EA1756D}" type="datetimeFigureOut">
               <a:rPr lang="ko-KR" altLang="en-US" smtClean="0"/>
-              <a:t>2022-09-22</a:t>
+              <a:t>2022-09-23</a:t>
             </a:fld>
             <a:endParaRPr lang="ko-KR" altLang="en-US"/>
           </a:p>
@@ -2374,7 +2374,7 @@
           <a:p>
             <a:fld id="{E2CF5178-EA5D-4D99-A2BC-F1725EA1756D}" type="datetimeFigureOut">
               <a:rPr lang="ko-KR" altLang="en-US" smtClean="0"/>
-              <a:t>2022-09-22</a:t>
+              <a:t>2022-09-23</a:t>
             </a:fld>
             <a:endParaRPr lang="ko-KR" altLang="en-US"/>
           </a:p>
@@ -2587,7 +2587,7 @@
           <a:p>
             <a:fld id="{E2CF5178-EA5D-4D99-A2BC-F1725EA1756D}" type="datetimeFigureOut">
               <a:rPr lang="ko-KR" altLang="en-US" smtClean="0"/>
-              <a:t>2022-09-22</a:t>
+              <a:t>2022-09-23</a:t>
             </a:fld>
             <a:endParaRPr lang="ko-KR" altLang="en-US"/>
           </a:p>
@@ -3993,8 +3993,8 @@
         </p:nvSpPr>
         <p:spPr>
           <a:xfrm>
-            <a:off x="1919037" y="4670316"/>
-            <a:ext cx="8518359" cy="1438855"/>
+            <a:off x="1919037" y="4553509"/>
+            <a:ext cx="8518359" cy="1719702"/>
           </a:xfrm>
           <a:prstGeom prst="rect">
             <a:avLst/>
@@ -4013,70 +4013,70 @@
               </a:lnSpc>
             </a:pPr>
             <a:r>
-              <a:rPr lang="ko-KR" altLang="en-US" sz="2000" dirty="0">
+              <a:rPr lang="ko-KR" altLang="en-US" dirty="0">
                 <a:latin typeface="G마켓 산스 TTF Light" panose="02000000000000000000" pitchFamily="2" charset="-127"/>
                 <a:ea typeface="G마켓 산스 TTF Light" panose="02000000000000000000" pitchFamily="2" charset="-127"/>
               </a:rPr>
               <a:t>플레이어 이동</a:t>
             </a:r>
             <a:r>
-              <a:rPr lang="en-US" altLang="ko-KR" sz="2000" dirty="0">
+              <a:rPr lang="en-US" altLang="ko-KR" dirty="0">
                 <a:latin typeface="G마켓 산스 TTF Light" panose="02000000000000000000" pitchFamily="2" charset="-127"/>
                 <a:ea typeface="G마켓 산스 TTF Light" panose="02000000000000000000" pitchFamily="2" charset="-127"/>
               </a:rPr>
               <a:t>	| W, A, S, D (</a:t>
             </a:r>
             <a:r>
-              <a:rPr lang="ko-KR" altLang="en-US" sz="2000" dirty="0">
+              <a:rPr lang="ko-KR" altLang="en-US" dirty="0">
                 <a:latin typeface="G마켓 산스 TTF Light" panose="02000000000000000000" pitchFamily="2" charset="-127"/>
                 <a:ea typeface="G마켓 산스 TTF Light" panose="02000000000000000000" pitchFamily="2" charset="-127"/>
               </a:rPr>
               <a:t>상</a:t>
             </a:r>
             <a:r>
-              <a:rPr lang="en-US" altLang="ko-KR" sz="2000" dirty="0">
+              <a:rPr lang="en-US" altLang="ko-KR" dirty="0">
                 <a:latin typeface="G마켓 산스 TTF Light" panose="02000000000000000000" pitchFamily="2" charset="-127"/>
                 <a:ea typeface="G마켓 산스 TTF Light" panose="02000000000000000000" pitchFamily="2" charset="-127"/>
               </a:rPr>
               <a:t>, </a:t>
             </a:r>
             <a:r>
-              <a:rPr lang="ko-KR" altLang="en-US" sz="2000" dirty="0">
+              <a:rPr lang="ko-KR" altLang="en-US" dirty="0">
                 <a:latin typeface="G마켓 산스 TTF Light" panose="02000000000000000000" pitchFamily="2" charset="-127"/>
                 <a:ea typeface="G마켓 산스 TTF Light" panose="02000000000000000000" pitchFamily="2" charset="-127"/>
               </a:rPr>
               <a:t>좌</a:t>
             </a:r>
             <a:r>
-              <a:rPr lang="en-US" altLang="ko-KR" sz="2000" dirty="0">
+              <a:rPr lang="en-US" altLang="ko-KR" dirty="0">
                 <a:latin typeface="G마켓 산스 TTF Light" panose="02000000000000000000" pitchFamily="2" charset="-127"/>
                 <a:ea typeface="G마켓 산스 TTF Light" panose="02000000000000000000" pitchFamily="2" charset="-127"/>
               </a:rPr>
               <a:t>, </a:t>
             </a:r>
             <a:r>
-              <a:rPr lang="ko-KR" altLang="en-US" sz="2000" dirty="0">
+              <a:rPr lang="ko-KR" altLang="en-US" dirty="0">
                 <a:latin typeface="G마켓 산스 TTF Light" panose="02000000000000000000" pitchFamily="2" charset="-127"/>
                 <a:ea typeface="G마켓 산스 TTF Light" panose="02000000000000000000" pitchFamily="2" charset="-127"/>
               </a:rPr>
               <a:t>하</a:t>
             </a:r>
             <a:r>
-              <a:rPr lang="en-US" altLang="ko-KR" sz="2000" dirty="0">
+              <a:rPr lang="en-US" altLang="ko-KR" dirty="0">
                 <a:latin typeface="G마켓 산스 TTF Light" panose="02000000000000000000" pitchFamily="2" charset="-127"/>
                 <a:ea typeface="G마켓 산스 TTF Light" panose="02000000000000000000" pitchFamily="2" charset="-127"/>
               </a:rPr>
               <a:t>, </a:t>
             </a:r>
             <a:r>
-              <a:rPr lang="ko-KR" altLang="en-US" sz="2000" dirty="0">
+              <a:rPr lang="ko-KR" altLang="en-US" dirty="0">
                 <a:latin typeface="G마켓 산스 TTF Light" panose="02000000000000000000" pitchFamily="2" charset="-127"/>
                 <a:ea typeface="G마켓 산스 TTF Light" panose="02000000000000000000" pitchFamily="2" charset="-127"/>
               </a:rPr>
               <a:t>우 </a:t>
             </a:r>
             <a:r>
-              <a:rPr lang="en-US" altLang="ko-KR" sz="2000" dirty="0">
+              <a:rPr lang="en-US" altLang="ko-KR" dirty="0">
                 <a:latin typeface="G마켓 산스 TTF Light" panose="02000000000000000000" pitchFamily="2" charset="-127"/>
                 <a:ea typeface="G마켓 산스 TTF Light" panose="02000000000000000000" pitchFamily="2" charset="-127"/>
               </a:rPr>
@@ -4090,70 +4090,70 @@
               </a:lnSpc>
             </a:pPr>
             <a:r>
-              <a:rPr lang="ko-KR" altLang="en-US" sz="2000" dirty="0">
+              <a:rPr lang="ko-KR" altLang="en-US" dirty="0">
                 <a:latin typeface="G마켓 산스 TTF Light" panose="02000000000000000000" pitchFamily="2" charset="-127"/>
                 <a:ea typeface="G마켓 산스 TTF Light" panose="02000000000000000000" pitchFamily="2" charset="-127"/>
               </a:rPr>
               <a:t>무기 변경</a:t>
             </a:r>
             <a:r>
-              <a:rPr lang="en-US" altLang="ko-KR" sz="2000" dirty="0">
+              <a:rPr lang="en-US" altLang="ko-KR" dirty="0">
                 <a:latin typeface="G마켓 산스 TTF Light" panose="02000000000000000000" pitchFamily="2" charset="-127"/>
                 <a:ea typeface="G마켓 산스 TTF Light" panose="02000000000000000000" pitchFamily="2" charset="-127"/>
               </a:rPr>
               <a:t>		| 1, 2, 3 (1</a:t>
             </a:r>
             <a:r>
-              <a:rPr lang="ko-KR" altLang="en-US" sz="2000" dirty="0">
+              <a:rPr lang="ko-KR" altLang="en-US" dirty="0">
                 <a:latin typeface="G마켓 산스 TTF Light" panose="02000000000000000000" pitchFamily="2" charset="-127"/>
                 <a:ea typeface="G마켓 산스 TTF Light" panose="02000000000000000000" pitchFamily="2" charset="-127"/>
               </a:rPr>
               <a:t>을 누르면 </a:t>
             </a:r>
             <a:r>
-              <a:rPr lang="en-US" altLang="ko-KR" sz="2000" dirty="0">
+              <a:rPr lang="en-US" altLang="ko-KR" dirty="0">
                 <a:latin typeface="G마켓 산스 TTF Light" panose="02000000000000000000" pitchFamily="2" charset="-127"/>
                 <a:ea typeface="G마켓 산스 TTF Light" panose="02000000000000000000" pitchFamily="2" charset="-127"/>
               </a:rPr>
               <a:t>1</a:t>
             </a:r>
             <a:r>
-              <a:rPr lang="ko-KR" altLang="en-US" sz="2000" dirty="0">
+              <a:rPr lang="ko-KR" altLang="en-US" dirty="0">
                 <a:latin typeface="G마켓 산스 TTF Light" panose="02000000000000000000" pitchFamily="2" charset="-127"/>
                 <a:ea typeface="G마켓 산스 TTF Light" panose="02000000000000000000" pitchFamily="2" charset="-127"/>
               </a:rPr>
               <a:t>번 무기</a:t>
             </a:r>
             <a:r>
-              <a:rPr lang="en-US" altLang="ko-KR" sz="2000" dirty="0">
+              <a:rPr lang="en-US" altLang="ko-KR" dirty="0">
                 <a:latin typeface="G마켓 산스 TTF Light" panose="02000000000000000000" pitchFamily="2" charset="-127"/>
                 <a:ea typeface="G마켓 산스 TTF Light" panose="02000000000000000000" pitchFamily="2" charset="-127"/>
               </a:rPr>
               <a:t>, 2</a:t>
             </a:r>
             <a:r>
-              <a:rPr lang="ko-KR" altLang="en-US" sz="2000" dirty="0">
+              <a:rPr lang="ko-KR" altLang="en-US" dirty="0">
                 <a:latin typeface="G마켓 산스 TTF Light" panose="02000000000000000000" pitchFamily="2" charset="-127"/>
                 <a:ea typeface="G마켓 산스 TTF Light" panose="02000000000000000000" pitchFamily="2" charset="-127"/>
               </a:rPr>
               <a:t>를 누르면 </a:t>
             </a:r>
             <a:r>
-              <a:rPr lang="en-US" altLang="ko-KR" sz="2000" dirty="0">
+              <a:rPr lang="en-US" altLang="ko-KR" dirty="0">
                 <a:latin typeface="G마켓 산스 TTF Light" panose="02000000000000000000" pitchFamily="2" charset="-127"/>
                 <a:ea typeface="G마켓 산스 TTF Light" panose="02000000000000000000" pitchFamily="2" charset="-127"/>
               </a:rPr>
               <a:t>2</a:t>
             </a:r>
             <a:r>
-              <a:rPr lang="ko-KR" altLang="en-US" sz="2000" dirty="0">
+              <a:rPr lang="ko-KR" altLang="en-US" dirty="0">
                 <a:latin typeface="G마켓 산스 TTF Light" panose="02000000000000000000" pitchFamily="2" charset="-127"/>
                 <a:ea typeface="G마켓 산스 TTF Light" panose="02000000000000000000" pitchFamily="2" charset="-127"/>
               </a:rPr>
               <a:t>번 무기</a:t>
             </a:r>
             <a:r>
-              <a:rPr lang="en-US" altLang="ko-KR" sz="2000" dirty="0">
+              <a:rPr lang="en-US" altLang="ko-KR" dirty="0">
                 <a:latin typeface="G마켓 산스 TTF Light" panose="02000000000000000000" pitchFamily="2" charset="-127"/>
                 <a:ea typeface="G마켓 산스 TTF Light" panose="02000000000000000000" pitchFamily="2" charset="-127"/>
               </a:rPr>
@@ -4167,20 +4167,41 @@
               </a:lnSpc>
             </a:pPr>
             <a:r>
-              <a:rPr lang="ko-KR" altLang="en-US" sz="2000" dirty="0">
+              <a:rPr lang="ko-KR" altLang="en-US" dirty="0">
                 <a:latin typeface="G마켓 산스 TTF Light" panose="02000000000000000000" pitchFamily="2" charset="-127"/>
                 <a:ea typeface="G마켓 산스 TTF Light" panose="02000000000000000000" pitchFamily="2" charset="-127"/>
               </a:rPr>
               <a:t>아이템 줍기</a:t>
             </a:r>
             <a:r>
-              <a:rPr lang="en-US" altLang="ko-KR" sz="2000" dirty="0">
+              <a:rPr lang="en-US" altLang="ko-KR" dirty="0">
                 <a:latin typeface="G마켓 산스 TTF Light" panose="02000000000000000000" pitchFamily="2" charset="-127"/>
                 <a:ea typeface="G마켓 산스 TTF Light" panose="02000000000000000000" pitchFamily="2" charset="-127"/>
               </a:rPr>
               <a:t>		| Q</a:t>
             </a:r>
-            <a:endParaRPr lang="ko-KR" altLang="en-US" sz="2000" dirty="0">
+          </a:p>
+          <a:p>
+            <a:pPr>
+              <a:lnSpc>
+                <a:spcPct val="150000"/>
+              </a:lnSpc>
+            </a:pPr>
+            <a:r>
+              <a:rPr lang="ko-KR" altLang="en-US" dirty="0">
+                <a:latin typeface="G마켓 산스 TTF Light" panose="02000000000000000000" pitchFamily="2" charset="-127"/>
+                <a:ea typeface="G마켓 산스 TTF Light" panose="02000000000000000000" pitchFamily="2" charset="-127"/>
+              </a:rPr>
+              <a:t>점프</a:t>
+            </a:r>
+            <a:r>
+              <a:rPr lang="en-US" altLang="ko-KR" dirty="0">
+                <a:latin typeface="G마켓 산스 TTF Light" panose="02000000000000000000" pitchFamily="2" charset="-127"/>
+                <a:ea typeface="G마켓 산스 TTF Light" panose="02000000000000000000" pitchFamily="2" charset="-127"/>
+              </a:rPr>
+              <a:t>				| Space</a:t>
+            </a:r>
+            <a:endParaRPr lang="ko-KR" altLang="en-US" dirty="0">
               <a:latin typeface="G마켓 산스 TTF Light" panose="02000000000000000000" pitchFamily="2" charset="-127"/>
               <a:ea typeface="G마켓 산스 TTF Light" panose="02000000000000000000" pitchFamily="2" charset="-127"/>
             </a:endParaRPr>
@@ -4211,6 +4232,61 @@
             <a:srgbClr val="0070C0">
               <a:alpha val="40000"/>
             </a:srgbClr>
+          </a:solidFill>
+          <a:ln>
+            <a:noFill/>
+          </a:ln>
+        </p:spPr>
+        <p:style>
+          <a:lnRef idx="2">
+            <a:schemeClr val="accent1">
+              <a:shade val="50000"/>
+            </a:schemeClr>
+          </a:lnRef>
+          <a:fillRef idx="1">
+            <a:schemeClr val="accent1"/>
+          </a:fillRef>
+          <a:effectRef idx="0">
+            <a:schemeClr val="accent1"/>
+          </a:effectRef>
+          <a:fontRef idx="minor">
+            <a:schemeClr val="lt1"/>
+          </a:fontRef>
+        </p:style>
+        <p:txBody>
+          <a:bodyPr rtlCol="0" anchor="ctr"/>
+          <a:lstStyle/>
+          <a:p>
+            <a:pPr algn="ctr"/>
+            <a:endParaRPr lang="ko-KR" altLang="en-US"/>
+          </a:p>
+        </p:txBody>
+      </p:sp>
+      <p:sp>
+        <p:nvSpPr>
+          <p:cNvPr id="2" name="사각형: 둥근 모서리 1">
+            <a:extLst>
+              <a:ext uri="{FF2B5EF4-FFF2-40B4-BE49-F238E27FC236}">
+                <a16:creationId xmlns:a16="http://schemas.microsoft.com/office/drawing/2014/main" id="{1AAAC77C-7882-C0AF-275A-08D2CAE9CF2C}"/>
+              </a:ext>
+            </a:extLst>
+          </p:cNvPr>
+          <p:cNvSpPr/>
+          <p:nvPr/>
+        </p:nvSpPr>
+        <p:spPr>
+          <a:xfrm>
+            <a:off x="4509770" y="3874211"/>
+            <a:ext cx="2653030" cy="504000"/>
+          </a:xfrm>
+          <a:prstGeom prst="roundRect">
+            <a:avLst/>
+          </a:prstGeom>
+          <a:solidFill>
+            <a:schemeClr val="accent2">
+              <a:lumMod val="75000"/>
+              <a:alpha val="40000"/>
+            </a:schemeClr>
           </a:solidFill>
           <a:ln>
             <a:noFill/>
@@ -5276,6 +5352,177 @@
           </a:p>
         </p:txBody>
       </p:sp>
+      <p:sp>
+        <p:nvSpPr>
+          <p:cNvPr id="2" name="TextBox 1">
+            <a:extLst>
+              <a:ext uri="{FF2B5EF4-FFF2-40B4-BE49-F238E27FC236}">
+                <a16:creationId xmlns:a16="http://schemas.microsoft.com/office/drawing/2014/main" id="{9AC164A5-55C5-997B-5630-5282D40724A6}"/>
+              </a:ext>
+            </a:extLst>
+          </p:cNvPr>
+          <p:cNvSpPr txBox="1"/>
+          <p:nvPr/>
+        </p:nvSpPr>
+        <p:spPr>
+          <a:xfrm>
+            <a:off x="978569" y="1718518"/>
+            <a:ext cx="9392315" cy="3093154"/>
+          </a:xfrm>
+          <a:prstGeom prst="rect">
+            <a:avLst/>
+          </a:prstGeom>
+          <a:noFill/>
+        </p:spPr>
+        <p:txBody>
+          <a:bodyPr wrap="none" rtlCol="0">
+            <a:spAutoFit/>
+          </a:bodyPr>
+          <a:lstStyle/>
+          <a:p>
+            <a:pPr marL="342900" indent="-342900">
+              <a:lnSpc>
+                <a:spcPct val="200000"/>
+              </a:lnSpc>
+              <a:buFont typeface="Arial" panose="020B0604020202020204" pitchFamily="34" charset="0"/>
+              <a:buChar char="•"/>
+            </a:pPr>
+            <a:r>
+              <a:rPr lang="ko-KR" altLang="en-US" sz="2000" dirty="0">
+                <a:latin typeface="G마켓 산스 TTF Medium" panose="02000000000000000000" pitchFamily="2" charset="-127"/>
+                <a:ea typeface="G마켓 산스 TTF Medium" panose="02000000000000000000" pitchFamily="2" charset="-127"/>
+              </a:rPr>
+              <a:t>애니메이션 </a:t>
+            </a:r>
+            <a:r>
+              <a:rPr lang="ko-KR" altLang="en-US" sz="2000" dirty="0" err="1">
+                <a:latin typeface="G마켓 산스 TTF Medium" panose="02000000000000000000" pitchFamily="2" charset="-127"/>
+                <a:ea typeface="G마켓 산스 TTF Medium" panose="02000000000000000000" pitchFamily="2" charset="-127"/>
+              </a:rPr>
+              <a:t>블렌딩을</a:t>
+            </a:r>
+            <a:r>
+              <a:rPr lang="ko-KR" altLang="en-US" sz="2000" dirty="0">
+                <a:latin typeface="G마켓 산스 TTF Medium" panose="02000000000000000000" pitchFamily="2" charset="-127"/>
+                <a:ea typeface="G마켓 산스 TTF Medium" panose="02000000000000000000" pitchFamily="2" charset="-127"/>
+              </a:rPr>
+              <a:t> 하여 애니메이션 사이를 부드럽게 연결</a:t>
+            </a:r>
+            <a:endParaRPr lang="en-US" altLang="ko-KR" sz="2000" dirty="0">
+              <a:latin typeface="G마켓 산스 TTF Medium" panose="02000000000000000000" pitchFamily="2" charset="-127"/>
+              <a:ea typeface="G마켓 산스 TTF Medium" panose="02000000000000000000" pitchFamily="2" charset="-127"/>
+            </a:endParaRPr>
+          </a:p>
+          <a:p>
+            <a:pPr marL="342900" indent="-342900">
+              <a:lnSpc>
+                <a:spcPct val="200000"/>
+              </a:lnSpc>
+              <a:buFont typeface="Arial" panose="020B0604020202020204" pitchFamily="34" charset="0"/>
+              <a:buChar char="•"/>
+            </a:pPr>
+            <a:r>
+              <a:rPr lang="ko-KR" altLang="en-US" sz="2000" dirty="0">
+                <a:latin typeface="G마켓 산스 TTF Medium" panose="02000000000000000000" pitchFamily="2" charset="-127"/>
+                <a:ea typeface="G마켓 산스 TTF Medium" panose="02000000000000000000" pitchFamily="2" charset="-127"/>
+              </a:rPr>
+              <a:t>흐르는 물 표현</a:t>
+            </a:r>
+            <a:endParaRPr lang="en-US" altLang="ko-KR" sz="2000" dirty="0">
+              <a:latin typeface="G마켓 산스 TTF Medium" panose="02000000000000000000" pitchFamily="2" charset="-127"/>
+              <a:ea typeface="G마켓 산스 TTF Medium" panose="02000000000000000000" pitchFamily="2" charset="-127"/>
+            </a:endParaRPr>
+          </a:p>
+          <a:p>
+            <a:pPr marL="342900" indent="-342900">
+              <a:lnSpc>
+                <a:spcPct val="200000"/>
+              </a:lnSpc>
+              <a:buFont typeface="Arial" panose="020B0604020202020204" pitchFamily="34" charset="0"/>
+              <a:buChar char="•"/>
+            </a:pPr>
+            <a:r>
+              <a:rPr lang="ko-KR" altLang="en-US" sz="2000" dirty="0">
+                <a:latin typeface="G마켓 산스 TTF Medium" panose="02000000000000000000" pitchFamily="2" charset="-127"/>
+                <a:ea typeface="G마켓 산스 TTF Medium" panose="02000000000000000000" pitchFamily="2" charset="-127"/>
+              </a:rPr>
+              <a:t>물리법칙을 활용해 다양한 무기들을 생동감 넘치게 구현</a:t>
+            </a:r>
+            <a:endParaRPr lang="en-US" altLang="ko-KR" sz="2000" dirty="0">
+              <a:latin typeface="G마켓 산스 TTF Medium" panose="02000000000000000000" pitchFamily="2" charset="-127"/>
+              <a:ea typeface="G마켓 산스 TTF Medium" panose="02000000000000000000" pitchFamily="2" charset="-127"/>
+            </a:endParaRPr>
+          </a:p>
+          <a:p>
+            <a:pPr marL="342900" indent="-342900">
+              <a:lnSpc>
+                <a:spcPct val="200000"/>
+              </a:lnSpc>
+              <a:buFont typeface="Arial" panose="020B0604020202020204" pitchFamily="34" charset="0"/>
+              <a:buChar char="•"/>
+            </a:pPr>
+            <a:r>
+              <a:rPr lang="ko-KR" altLang="en-US" sz="2000" dirty="0">
+                <a:latin typeface="G마켓 산스 TTF Medium" panose="02000000000000000000" pitchFamily="2" charset="-127"/>
+                <a:ea typeface="G마켓 산스 TTF Medium" panose="02000000000000000000" pitchFamily="2" charset="-127"/>
+              </a:rPr>
+              <a:t>서버를 통해 </a:t>
+            </a:r>
+            <a:r>
+              <a:rPr lang="en-US" altLang="ko-KR" sz="2000" dirty="0">
+                <a:latin typeface="G마켓 산스 TTF Medium" panose="02000000000000000000" pitchFamily="2" charset="-127"/>
+                <a:ea typeface="G마켓 산스 TTF Medium" panose="02000000000000000000" pitchFamily="2" charset="-127"/>
+              </a:rPr>
+              <a:t>3</a:t>
+            </a:r>
+            <a:r>
+              <a:rPr lang="ko-KR" altLang="en-US" sz="2000" dirty="0">
+                <a:latin typeface="G마켓 산스 TTF Medium" panose="02000000000000000000" pitchFamily="2" charset="-127"/>
+                <a:ea typeface="G마켓 산스 TTF Medium" panose="02000000000000000000" pitchFamily="2" charset="-127"/>
+              </a:rPr>
+              <a:t>명의 플레이어가 모여 게임을 진행할 때</a:t>
+            </a:r>
+            <a:r>
+              <a:rPr lang="en-US" altLang="ko-KR" sz="2000" dirty="0">
+                <a:latin typeface="G마켓 산스 TTF Medium" panose="02000000000000000000" pitchFamily="2" charset="-127"/>
+                <a:ea typeface="G마켓 산스 TTF Medium" panose="02000000000000000000" pitchFamily="2" charset="-127"/>
+              </a:rPr>
+              <a:t> </a:t>
+            </a:r>
+            <a:r>
+              <a:rPr lang="ko-KR" altLang="en-US" sz="2000" dirty="0">
+                <a:latin typeface="G마켓 산스 TTF Medium" panose="02000000000000000000" pitchFamily="2" charset="-127"/>
+                <a:ea typeface="G마켓 산스 TTF Medium" panose="02000000000000000000" pitchFamily="2" charset="-127"/>
+              </a:rPr>
+              <a:t>프레임이 끊기지 않게 구현</a:t>
+            </a:r>
+            <a:endParaRPr lang="en-US" altLang="ko-KR" sz="2000" dirty="0">
+              <a:latin typeface="G마켓 산스 TTF Medium" panose="02000000000000000000" pitchFamily="2" charset="-127"/>
+              <a:ea typeface="G마켓 산스 TTF Medium" panose="02000000000000000000" pitchFamily="2" charset="-127"/>
+            </a:endParaRPr>
+          </a:p>
+          <a:p>
+            <a:pPr marL="342900" indent="-342900">
+              <a:lnSpc>
+                <a:spcPct val="200000"/>
+              </a:lnSpc>
+              <a:buFont typeface="Arial" panose="020B0604020202020204" pitchFamily="34" charset="0"/>
+              <a:buChar char="•"/>
+            </a:pPr>
+            <a:r>
+              <a:rPr lang="ko-KR" altLang="en-US" sz="2000" dirty="0">
+                <a:latin typeface="G마켓 산스 TTF Medium" panose="02000000000000000000" pitchFamily="2" charset="-127"/>
+                <a:ea typeface="G마켓 산스 TTF Medium" panose="02000000000000000000" pitchFamily="2" charset="-127"/>
+              </a:rPr>
+              <a:t>일괄 처리를 하여 불필요한 연산 최소화</a:t>
+            </a:r>
+            <a:endParaRPr lang="en-US" altLang="ko-KR" sz="2000" dirty="0">
+              <a:latin typeface="G마켓 산스 TTF Medium" panose="02000000000000000000" pitchFamily="2" charset="-127"/>
+              <a:ea typeface="G마켓 산스 TTF Medium" panose="02000000000000000000" pitchFamily="2" charset="-127"/>
+            </a:endParaRPr>
+          </a:p>
+        </p:txBody>
+      </p:sp>
     </p:spTree>
     <p:extLst>
       <p:ext uri="{BB962C8B-B14F-4D97-AF65-F5344CB8AC3E}">
@@ -5445,6 +5692,14 @@
 <file path=ppt/slides/slide17.xml><?xml version="1.0" encoding="utf-8"?>
 <p:sld xmlns:a="http://schemas.openxmlformats.org/drawingml/2006/main" xmlns:r="http://schemas.openxmlformats.org/officeDocument/2006/relationships" xmlns:p="http://schemas.openxmlformats.org/presentationml/2006/main">
   <p:cSld>
+    <p:bg>
+      <p:bgPr>
+        <a:solidFill>
+          <a:schemeClr val="bg1"/>
+        </a:solidFill>
+        <a:effectLst/>
+      </p:bgPr>
+    </p:bg>
     <p:spTree>
       <p:nvGrpSpPr>
         <p:cNvPr id="1" name=""/>
@@ -5461,10 +5716,270 @@
       </p:grpSpPr>
       <p:sp>
         <p:nvSpPr>
-          <p:cNvPr id="13" name="TextBox 12">
+          <p:cNvPr id="3" name="사각형: 둥근 모서리 2">
             <a:extLst>
               <a:ext uri="{FF2B5EF4-FFF2-40B4-BE49-F238E27FC236}">
-                <a16:creationId xmlns:a16="http://schemas.microsoft.com/office/drawing/2014/main" id="{47D1F61E-EC4F-4A40-9B5F-638A91D20E99}"/>
+                <a16:creationId xmlns:a16="http://schemas.microsoft.com/office/drawing/2014/main" id="{F4FE2D58-EF78-8271-21EE-5175A067A064}"/>
+              </a:ext>
+            </a:extLst>
+          </p:cNvPr>
+          <p:cNvSpPr/>
+          <p:nvPr/>
+        </p:nvSpPr>
+        <p:spPr>
+          <a:xfrm>
+            <a:off x="745516" y="1553986"/>
+            <a:ext cx="5007664" cy="1800000"/>
+          </a:xfrm>
+          <a:prstGeom prst="roundRect">
+            <a:avLst/>
+          </a:prstGeom>
+          <a:solidFill>
+            <a:srgbClr val="B1C6C7"/>
+          </a:solidFill>
+          <a:ln>
+            <a:noFill/>
+          </a:ln>
+        </p:spPr>
+        <p:style>
+          <a:lnRef idx="2">
+            <a:schemeClr val="accent1">
+              <a:shade val="50000"/>
+            </a:schemeClr>
+          </a:lnRef>
+          <a:fillRef idx="1">
+            <a:schemeClr val="accent1"/>
+          </a:fillRef>
+          <a:effectRef idx="0">
+            <a:schemeClr val="accent1"/>
+          </a:effectRef>
+          <a:fontRef idx="minor">
+            <a:schemeClr val="lt1"/>
+          </a:fontRef>
+        </p:style>
+        <p:txBody>
+          <a:bodyPr rtlCol="0" anchor="ctr"/>
+          <a:lstStyle/>
+          <a:p>
+            <a:pPr algn="ctr"/>
+            <a:endParaRPr lang="ko-KR" altLang="en-US"/>
+          </a:p>
+        </p:txBody>
+      </p:sp>
+      <p:sp>
+        <p:nvSpPr>
+          <p:cNvPr id="4" name="사각형: 둥근 모서리 3">
+            <a:extLst>
+              <a:ext uri="{FF2B5EF4-FFF2-40B4-BE49-F238E27FC236}">
+                <a16:creationId xmlns:a16="http://schemas.microsoft.com/office/drawing/2014/main" id="{E4284353-66E9-3D56-97E9-047305CAC523}"/>
+              </a:ext>
+            </a:extLst>
+          </p:cNvPr>
+          <p:cNvSpPr/>
+          <p:nvPr/>
+        </p:nvSpPr>
+        <p:spPr>
+          <a:xfrm>
+            <a:off x="6438820" y="1513881"/>
+            <a:ext cx="5007664" cy="1800000"/>
+          </a:xfrm>
+          <a:prstGeom prst="roundRect">
+            <a:avLst/>
+          </a:prstGeom>
+          <a:solidFill>
+            <a:srgbClr val="B1C6C7"/>
+          </a:solidFill>
+          <a:ln>
+            <a:noFill/>
+          </a:ln>
+        </p:spPr>
+        <p:style>
+          <a:lnRef idx="2">
+            <a:schemeClr val="accent1">
+              <a:shade val="50000"/>
+            </a:schemeClr>
+          </a:lnRef>
+          <a:fillRef idx="1">
+            <a:schemeClr val="accent1"/>
+          </a:fillRef>
+          <a:effectRef idx="0">
+            <a:schemeClr val="accent1"/>
+          </a:effectRef>
+          <a:fontRef idx="minor">
+            <a:schemeClr val="lt1"/>
+          </a:fontRef>
+        </p:style>
+        <p:txBody>
+          <a:bodyPr rtlCol="0" anchor="ctr"/>
+          <a:lstStyle/>
+          <a:p>
+            <a:pPr algn="ctr"/>
+            <a:endParaRPr lang="ko-KR" altLang="en-US"/>
+          </a:p>
+        </p:txBody>
+      </p:sp>
+      <p:sp>
+        <p:nvSpPr>
+          <p:cNvPr id="5" name="사각형: 둥근 모서리 4">
+            <a:extLst>
+              <a:ext uri="{FF2B5EF4-FFF2-40B4-BE49-F238E27FC236}">
+                <a16:creationId xmlns:a16="http://schemas.microsoft.com/office/drawing/2014/main" id="{8A3C9E4F-1D6B-D7CD-D657-26131C004D6D}"/>
+              </a:ext>
+            </a:extLst>
+          </p:cNvPr>
+          <p:cNvSpPr/>
+          <p:nvPr/>
+        </p:nvSpPr>
+        <p:spPr>
+          <a:xfrm>
+            <a:off x="745516" y="4132024"/>
+            <a:ext cx="5007664" cy="1800000"/>
+          </a:xfrm>
+          <a:prstGeom prst="roundRect">
+            <a:avLst/>
+          </a:prstGeom>
+          <a:solidFill>
+            <a:srgbClr val="B1C6C7"/>
+          </a:solidFill>
+          <a:ln>
+            <a:noFill/>
+          </a:ln>
+        </p:spPr>
+        <p:style>
+          <a:lnRef idx="2">
+            <a:schemeClr val="accent1">
+              <a:shade val="50000"/>
+            </a:schemeClr>
+          </a:lnRef>
+          <a:fillRef idx="1">
+            <a:schemeClr val="accent1"/>
+          </a:fillRef>
+          <a:effectRef idx="0">
+            <a:schemeClr val="accent1"/>
+          </a:effectRef>
+          <a:fontRef idx="minor">
+            <a:schemeClr val="lt1"/>
+          </a:fontRef>
+        </p:style>
+        <p:txBody>
+          <a:bodyPr rtlCol="0" anchor="ctr"/>
+          <a:lstStyle/>
+          <a:p>
+            <a:pPr algn="ctr"/>
+            <a:endParaRPr lang="ko-KR" altLang="en-US"/>
+          </a:p>
+        </p:txBody>
+      </p:sp>
+      <p:sp>
+        <p:nvSpPr>
+          <p:cNvPr id="6" name="사각형: 둥근 모서리 5">
+            <a:extLst>
+              <a:ext uri="{FF2B5EF4-FFF2-40B4-BE49-F238E27FC236}">
+                <a16:creationId xmlns:a16="http://schemas.microsoft.com/office/drawing/2014/main" id="{77916D4E-BE94-D786-6ADC-A80A0FE4AB90}"/>
+              </a:ext>
+            </a:extLst>
+          </p:cNvPr>
+          <p:cNvSpPr/>
+          <p:nvPr/>
+        </p:nvSpPr>
+        <p:spPr>
+          <a:xfrm>
+            <a:off x="6438820" y="4091919"/>
+            <a:ext cx="5007664" cy="1800000"/>
+          </a:xfrm>
+          <a:prstGeom prst="roundRect">
+            <a:avLst/>
+          </a:prstGeom>
+          <a:solidFill>
+            <a:srgbClr val="B1C6C7"/>
+          </a:solidFill>
+          <a:ln>
+            <a:noFill/>
+          </a:ln>
+        </p:spPr>
+        <p:style>
+          <a:lnRef idx="2">
+            <a:schemeClr val="accent1">
+              <a:shade val="50000"/>
+            </a:schemeClr>
+          </a:lnRef>
+          <a:fillRef idx="1">
+            <a:schemeClr val="accent1"/>
+          </a:fillRef>
+          <a:effectRef idx="0">
+            <a:schemeClr val="accent1"/>
+          </a:effectRef>
+          <a:fontRef idx="minor">
+            <a:schemeClr val="lt1"/>
+          </a:fontRef>
+        </p:style>
+        <p:txBody>
+          <a:bodyPr rtlCol="0" anchor="ctr"/>
+          <a:lstStyle/>
+          <a:p>
+            <a:pPr algn="ctr"/>
+            <a:endParaRPr lang="ko-KR" altLang="en-US"/>
+          </a:p>
+        </p:txBody>
+      </p:sp>
+      <p:sp>
+        <p:nvSpPr>
+          <p:cNvPr id="15" name="직사각형 14">
+            <a:extLst>
+              <a:ext uri="{FF2B5EF4-FFF2-40B4-BE49-F238E27FC236}">
+                <a16:creationId xmlns:a16="http://schemas.microsoft.com/office/drawing/2014/main" id="{8A47EC21-B0E7-41E9-A316-8791FAADD044}"/>
+              </a:ext>
+            </a:extLst>
+          </p:cNvPr>
+          <p:cNvSpPr/>
+          <p:nvPr/>
+        </p:nvSpPr>
+        <p:spPr>
+          <a:xfrm>
+            <a:off x="469900" y="925976"/>
+            <a:ext cx="11226800" cy="5617119"/>
+          </a:xfrm>
+          <a:prstGeom prst="rect">
+            <a:avLst/>
+          </a:prstGeom>
+          <a:noFill/>
+          <a:ln w="28575">
+            <a:solidFill>
+              <a:srgbClr val="A3BCBD"/>
+            </a:solidFill>
+          </a:ln>
+        </p:spPr>
+        <p:style>
+          <a:lnRef idx="2">
+            <a:schemeClr val="accent1">
+              <a:shade val="50000"/>
+            </a:schemeClr>
+          </a:lnRef>
+          <a:fillRef idx="1">
+            <a:schemeClr val="accent1"/>
+          </a:fillRef>
+          <a:effectRef idx="0">
+            <a:schemeClr val="accent1"/>
+          </a:effectRef>
+          <a:fontRef idx="minor">
+            <a:schemeClr val="lt1"/>
+          </a:fontRef>
+        </p:style>
+        <p:txBody>
+          <a:bodyPr rtlCol="0" anchor="ctr"/>
+          <a:lstStyle/>
+          <a:p>
+            <a:pPr algn="ctr"/>
+            <a:endParaRPr lang="ko-KR" altLang="en-US"/>
+          </a:p>
+        </p:txBody>
+      </p:sp>
+      <p:sp>
+        <p:nvSpPr>
+          <p:cNvPr id="18" name="TextBox 17">
+            <a:extLst>
+              <a:ext uri="{FF2B5EF4-FFF2-40B4-BE49-F238E27FC236}">
+                <a16:creationId xmlns:a16="http://schemas.microsoft.com/office/drawing/2014/main" id="{BC6B889D-6283-4B7F-8672-D8F2209C56F5}"/>
               </a:ext>
             </a:extLst>
           </p:cNvPr>
@@ -5473,8 +5988,8 @@
         </p:nvSpPr>
         <p:spPr>
           <a:xfrm>
-            <a:off x="4273333" y="418405"/>
-            <a:ext cx="3645333" cy="584775"/>
+            <a:off x="469900" y="260991"/>
+            <a:ext cx="4273753" cy="584775"/>
           </a:xfrm>
           <a:prstGeom prst="rect">
             <a:avLst/>
@@ -5510,17 +6025,58 @@
           </a:p>
         </p:txBody>
       </p:sp>
+      <p:sp>
+        <p:nvSpPr>
+          <p:cNvPr id="2" name="TextBox 1">
+            <a:extLst>
+              <a:ext uri="{FF2B5EF4-FFF2-40B4-BE49-F238E27FC236}">
+                <a16:creationId xmlns:a16="http://schemas.microsoft.com/office/drawing/2014/main" id="{9E6EDD1A-8455-BC22-6B95-FBE3DD64A168}"/>
+              </a:ext>
+            </a:extLst>
+          </p:cNvPr>
+          <p:cNvSpPr txBox="1"/>
+          <p:nvPr/>
+        </p:nvSpPr>
+        <p:spPr>
+          <a:xfrm>
+            <a:off x="2542873" y="2172247"/>
+            <a:ext cx="2666114" cy="584775"/>
+          </a:xfrm>
+          <a:prstGeom prst="rect">
+            <a:avLst/>
+          </a:prstGeom>
+          <a:noFill/>
+        </p:spPr>
+        <p:txBody>
+          <a:bodyPr wrap="none" rtlCol="0">
+            <a:spAutoFit/>
+          </a:bodyPr>
+          <a:lstStyle/>
+          <a:p>
+            <a:r>
+              <a:rPr lang="ko-KR" altLang="en-US" sz="3200" dirty="0">
+                <a:solidFill>
+                  <a:schemeClr val="bg1"/>
+                </a:solidFill>
+                <a:latin typeface="G마켓 산스 TTF Bold" panose="02000000000000000000" pitchFamily="2" charset="-127"/>
+                <a:ea typeface="G마켓 산스 TTF Bold" panose="02000000000000000000" pitchFamily="2" charset="-127"/>
+              </a:rPr>
+              <a:t>무기의 다양성</a:t>
+            </a:r>
+          </a:p>
+        </p:txBody>
+      </p:sp>
       <p:pic>
         <p:nvPicPr>
-          <p:cNvPr id="1026" name="Picture 2" descr="휴먼: 폴 플랫 (Human: Fall Flat)">
+          <p:cNvPr id="8" name="그림 7">
             <a:extLst>
               <a:ext uri="{FF2B5EF4-FFF2-40B4-BE49-F238E27FC236}">
-                <a16:creationId xmlns:a16="http://schemas.microsoft.com/office/drawing/2014/main" id="{604F595E-4CCD-B508-3500-48B5E78553BB}"/>
+                <a16:creationId xmlns:a16="http://schemas.microsoft.com/office/drawing/2014/main" id="{32B5C28D-AE92-DCE7-B7F8-6B2E52D75B8C}"/>
               </a:ext>
             </a:extLst>
           </p:cNvPr>
           <p:cNvPicPr>
-            <a:picLocks noChangeAspect="1" noChangeArrowheads="1"/>
+            <a:picLocks noChangeAspect="1"/>
           </p:cNvPicPr>
           <p:nvPr/>
         </p:nvPicPr>
@@ -5532,662 +6088,149 @@
               </a:ext>
             </a:extLst>
           </a:blip>
-          <a:srcRect/>
           <a:stretch>
             <a:fillRect/>
           </a:stretch>
         </p:blipFill>
-        <p:spPr bwMode="auto">
-          <a:xfrm>
-            <a:off x="477846" y="2335012"/>
-            <a:ext cx="3552972" cy="1998249"/>
+        <p:spPr>
+          <a:xfrm>
+            <a:off x="1284714" y="2495413"/>
+            <a:ext cx="572519" cy="572519"/>
+          </a:xfrm>
+          <a:prstGeom prst="rect">
+            <a:avLst/>
+          </a:prstGeom>
+        </p:spPr>
+      </p:pic>
+      <p:pic>
+        <p:nvPicPr>
+          <p:cNvPr id="10" name="그림 9">
+            <a:extLst>
+              <a:ext uri="{FF2B5EF4-FFF2-40B4-BE49-F238E27FC236}">
+                <a16:creationId xmlns:a16="http://schemas.microsoft.com/office/drawing/2014/main" id="{FF83571E-207E-0EC1-4DAF-4FCC60C6903C}"/>
+              </a:ext>
+            </a:extLst>
+          </p:cNvPr>
+          <p:cNvPicPr>
+            <a:picLocks noChangeAspect="1"/>
+          </p:cNvPicPr>
+          <p:nvPr/>
+        </p:nvPicPr>
+        <p:blipFill>
+          <a:blip r:embed="rId3">
+            <a:extLst>
+              <a:ext uri="{28A0092B-C50C-407E-A947-70E740481C1C}">
+                <a14:useLocalDpi xmlns:a14="http://schemas.microsoft.com/office/drawing/2010/main" val="0"/>
+              </a:ext>
+            </a:extLst>
+          </a:blip>
+          <a:stretch>
+            <a:fillRect/>
+          </a:stretch>
+        </p:blipFill>
+        <p:spPr>
+          <a:xfrm>
+            <a:off x="1789866" y="1788744"/>
+            <a:ext cx="627087" cy="627087"/>
+          </a:xfrm>
+          <a:prstGeom prst="rect">
+            <a:avLst/>
+          </a:prstGeom>
+        </p:spPr>
+      </p:pic>
+      <p:pic>
+        <p:nvPicPr>
+          <p:cNvPr id="12" name="그림 11">
+            <a:extLst>
+              <a:ext uri="{FF2B5EF4-FFF2-40B4-BE49-F238E27FC236}">
+                <a16:creationId xmlns:a16="http://schemas.microsoft.com/office/drawing/2014/main" id="{BAE3425D-89CF-5726-ADD2-9AFC0F49C0C6}"/>
+              </a:ext>
+            </a:extLst>
+          </p:cNvPr>
+          <p:cNvPicPr>
+            <a:picLocks noChangeAspect="1"/>
+          </p:cNvPicPr>
+          <p:nvPr/>
+        </p:nvPicPr>
+        <p:blipFill>
+          <a:blip r:embed="rId4">
+            <a:extLst>
+              <a:ext uri="{28A0092B-C50C-407E-A947-70E740481C1C}">
+                <a14:useLocalDpi xmlns:a14="http://schemas.microsoft.com/office/drawing/2010/main" val="0"/>
+              </a:ext>
+            </a:extLst>
+          </a:blip>
+          <a:stretch>
+            <a:fillRect/>
+          </a:stretch>
+        </p:blipFill>
+        <p:spPr>
+          <a:xfrm>
+            <a:off x="909981" y="1841362"/>
+            <a:ext cx="572519" cy="572519"/>
+          </a:xfrm>
+          <a:prstGeom prst="rect">
+            <a:avLst/>
+          </a:prstGeom>
+        </p:spPr>
+      </p:pic>
+      <p:pic>
+        <p:nvPicPr>
+          <p:cNvPr id="14" name="그림 13">
+            <a:extLst>
+              <a:ext uri="{FF2B5EF4-FFF2-40B4-BE49-F238E27FC236}">
+                <a16:creationId xmlns:a16="http://schemas.microsoft.com/office/drawing/2014/main" id="{974A855F-1039-2778-C33E-4EF78314ABFC}"/>
+              </a:ext>
+            </a:extLst>
+          </p:cNvPr>
+          <p:cNvPicPr>
+            <a:picLocks noChangeAspect="1"/>
+          </p:cNvPicPr>
+          <p:nvPr/>
+        </p:nvPicPr>
+        <p:blipFill>
+          <a:blip r:embed="rId5">
+            <a:extLst>
+              <a:ext uri="{28A0092B-C50C-407E-A947-70E740481C1C}">
+                <a14:useLocalDpi xmlns:a14="http://schemas.microsoft.com/office/drawing/2010/main" val="0"/>
+              </a:ext>
+            </a:extLst>
+          </a:blip>
+          <a:stretch>
+            <a:fillRect/>
+          </a:stretch>
+        </p:blipFill>
+        <p:spPr>
+          <a:xfrm>
+            <a:off x="6709753" y="1778299"/>
+            <a:ext cx="1271163" cy="1271163"/>
+          </a:xfrm>
+          <a:prstGeom prst="rect">
+            <a:avLst/>
+          </a:prstGeom>
+        </p:spPr>
+      </p:pic>
+      <p:sp>
+        <p:nvSpPr>
+          <p:cNvPr id="16" name="TextBox 15">
+            <a:extLst>
+              <a:ext uri="{FF2B5EF4-FFF2-40B4-BE49-F238E27FC236}">
+                <a16:creationId xmlns:a16="http://schemas.microsoft.com/office/drawing/2014/main" id="{CA1490E0-170F-E3DF-4DF7-8AE24FB57813}"/>
+              </a:ext>
+            </a:extLst>
+          </p:cNvPr>
+          <p:cNvSpPr txBox="1"/>
+          <p:nvPr/>
+        </p:nvSpPr>
+        <p:spPr>
+          <a:xfrm>
+            <a:off x="8106150" y="2161598"/>
+            <a:ext cx="3175869" cy="584775"/>
           </a:xfrm>
           <a:prstGeom prst="rect">
             <a:avLst/>
           </a:prstGeom>
           <a:noFill/>
-          <a:extLst>
-            <a:ext uri="{909E8E84-426E-40DD-AFC4-6F175D3DCCD1}">
-              <a14:hiddenFill xmlns:a14="http://schemas.microsoft.com/office/drawing/2010/main">
-                <a:solidFill>
-                  <a:srgbClr val="FFFFFF"/>
-                </a:solidFill>
-              </a14:hiddenFill>
-            </a:ext>
-          </a:extLst>
-        </p:spPr>
-      </p:pic>
-      <p:graphicFrame>
-        <p:nvGraphicFramePr>
-          <p:cNvPr id="2" name="표 3">
-            <a:extLst>
-              <a:ext uri="{FF2B5EF4-FFF2-40B4-BE49-F238E27FC236}">
-                <a16:creationId xmlns:a16="http://schemas.microsoft.com/office/drawing/2014/main" id="{BEB2D015-8D2A-2464-497A-A73A450A04CD}"/>
-              </a:ext>
-            </a:extLst>
-          </p:cNvPr>
-          <p:cNvGraphicFramePr>
-            <a:graphicFrameLocks noGrp="1"/>
-          </p:cNvGraphicFramePr>
-          <p:nvPr>
-            <p:extLst>
-              <p:ext uri="{D42A27DB-BD31-4B8C-83A1-F6EECF244321}">
-                <p14:modId xmlns:p14="http://schemas.microsoft.com/office/powerpoint/2010/main" val="3934481439"/>
-              </p:ext>
-            </p:extLst>
-          </p:nvPr>
-        </p:nvGraphicFramePr>
-        <p:xfrm>
-          <a:off x="4273333" y="1819922"/>
-          <a:ext cx="7649379" cy="4619566"/>
-        </p:xfrm>
-        <a:graphic>
-          <a:graphicData uri="http://schemas.openxmlformats.org/drawingml/2006/table">
-            <a:tbl>
-              <a:tblPr firstRow="1" bandRow="1">
-                <a:tableStyleId>{5C22544A-7EE6-4342-B048-85BDC9FD1C3A}</a:tableStyleId>
-              </a:tblPr>
-              <a:tblGrid>
-                <a:gridCol w="1357148">
-                  <a:extLst>
-                    <a:ext uri="{9D8B030D-6E8A-4147-A177-3AD203B41FA5}">
-                      <a16:colId xmlns:a16="http://schemas.microsoft.com/office/drawing/2014/main" val="2823426906"/>
-                    </a:ext>
-                  </a:extLst>
-                </a:gridCol>
-                <a:gridCol w="3034125">
-                  <a:extLst>
-                    <a:ext uri="{9D8B030D-6E8A-4147-A177-3AD203B41FA5}">
-                      <a16:colId xmlns:a16="http://schemas.microsoft.com/office/drawing/2014/main" val="1508043737"/>
-                    </a:ext>
-                  </a:extLst>
-                </a:gridCol>
-                <a:gridCol w="3258106">
-                  <a:extLst>
-                    <a:ext uri="{9D8B030D-6E8A-4147-A177-3AD203B41FA5}">
-                      <a16:colId xmlns:a16="http://schemas.microsoft.com/office/drawing/2014/main" val="3995569401"/>
-                    </a:ext>
-                  </a:extLst>
-                </a:gridCol>
-              </a:tblGrid>
-              <a:tr h="430092">
-                <a:tc>
-                  <a:txBody>
-                    <a:bodyPr/>
-                    <a:lstStyle/>
-                    <a:p>
-                      <a:pPr algn="ctr" latinLnBrk="1"/>
-                      <a:r>
-                        <a:rPr lang="ko-KR" altLang="en-US" b="0" dirty="0" err="1">
-                          <a:solidFill>
-                            <a:schemeClr val="tx1"/>
-                          </a:solidFill>
-                          <a:latin typeface="G마켓 산스 TTF Medium" panose="02000000000000000000" pitchFamily="2" charset="-127"/>
-                          <a:ea typeface="G마켓 산스 TTF Medium" panose="02000000000000000000" pitchFamily="2" charset="-127"/>
-                        </a:rPr>
-                        <a:t>타게임</a:t>
-                      </a:r>
-                      <a:endParaRPr lang="ko-KR" altLang="en-US" b="0" dirty="0">
-                        <a:solidFill>
-                          <a:schemeClr val="tx1"/>
-                        </a:solidFill>
-                        <a:latin typeface="G마켓 산스 TTF Medium" panose="02000000000000000000" pitchFamily="2" charset="-127"/>
-                        <a:ea typeface="G마켓 산스 TTF Medium" panose="02000000000000000000" pitchFamily="2" charset="-127"/>
-                      </a:endParaRPr>
-                    </a:p>
-                  </a:txBody>
-                  <a:tcPr anchor="ctr">
-                    <a:lnB w="12700" cap="flat" cmpd="sng" algn="ctr">
-                      <a:solidFill>
-                        <a:srgbClr val="8BA9AB"/>
-                      </a:solidFill>
-                      <a:prstDash val="solid"/>
-                      <a:round/>
-                      <a:headEnd type="none" w="med" len="med"/>
-                      <a:tailEnd type="none" w="med" len="med"/>
-                    </a:lnB>
-                    <a:solidFill>
-                      <a:srgbClr val="B1C6C7"/>
-                    </a:solidFill>
-                  </a:tcPr>
-                </a:tc>
-                <a:tc>
-                  <a:txBody>
-                    <a:bodyPr/>
-                    <a:lstStyle/>
-                    <a:p>
-                      <a:pPr algn="ctr" latinLnBrk="1"/>
-                      <a:r>
-                        <a:rPr lang="ko-KR" altLang="en-US" b="0" dirty="0">
-                          <a:solidFill>
-                            <a:schemeClr val="tx1"/>
-                          </a:solidFill>
-                          <a:latin typeface="G마켓 산스 TTF Medium" panose="02000000000000000000" pitchFamily="2" charset="-127"/>
-                          <a:ea typeface="G마켓 산스 TTF Medium" panose="02000000000000000000" pitchFamily="2" charset="-127"/>
-                        </a:rPr>
-                        <a:t>유사점</a:t>
-                      </a:r>
-                    </a:p>
-                  </a:txBody>
-                  <a:tcPr anchor="ctr">
-                    <a:lnB w="12700" cap="flat" cmpd="sng" algn="ctr">
-                      <a:solidFill>
-                        <a:srgbClr val="8BA9AB"/>
-                      </a:solidFill>
-                      <a:prstDash val="solid"/>
-                      <a:round/>
-                      <a:headEnd type="none" w="med" len="med"/>
-                      <a:tailEnd type="none" w="med" len="med"/>
-                    </a:lnB>
-                    <a:solidFill>
-                      <a:srgbClr val="B1C6C7"/>
-                    </a:solidFill>
-                  </a:tcPr>
-                </a:tc>
-                <a:tc>
-                  <a:txBody>
-                    <a:bodyPr/>
-                    <a:lstStyle/>
-                    <a:p>
-                      <a:pPr algn="ctr" latinLnBrk="1"/>
-                      <a:r>
-                        <a:rPr lang="ko-KR" altLang="en-US" b="0" dirty="0">
-                          <a:solidFill>
-                            <a:schemeClr val="tx1"/>
-                          </a:solidFill>
-                          <a:latin typeface="G마켓 산스 TTF Medium" panose="02000000000000000000" pitchFamily="2" charset="-127"/>
-                          <a:ea typeface="G마켓 산스 TTF Medium" panose="02000000000000000000" pitchFamily="2" charset="-127"/>
-                        </a:rPr>
-                        <a:t>개선하고 싶은 점</a:t>
-                      </a:r>
-                    </a:p>
-                  </a:txBody>
-                  <a:tcPr anchor="ctr">
-                    <a:lnB w="12700" cap="flat" cmpd="sng" algn="ctr">
-                      <a:solidFill>
-                        <a:srgbClr val="8BA9AB"/>
-                      </a:solidFill>
-                      <a:prstDash val="solid"/>
-                      <a:round/>
-                      <a:headEnd type="none" w="med" len="med"/>
-                      <a:tailEnd type="none" w="med" len="med"/>
-                    </a:lnB>
-                    <a:solidFill>
-                      <a:srgbClr val="B1C6C7"/>
-                    </a:solidFill>
-                  </a:tcPr>
-                </a:tc>
-                <a:extLst>
-                  <a:ext uri="{0D108BD9-81ED-4DB2-BD59-A6C34878D82A}">
-                    <a16:rowId xmlns:a16="http://schemas.microsoft.com/office/drawing/2014/main" val="3282512283"/>
-                  </a:ext>
-                </a:extLst>
-              </a:tr>
-              <a:tr h="2094737">
-                <a:tc>
-                  <a:txBody>
-                    <a:bodyPr/>
-                    <a:lstStyle/>
-                    <a:p>
-                      <a:pPr algn="ctr" latinLnBrk="1">
-                        <a:lnSpc>
-                          <a:spcPct val="150000"/>
-                        </a:lnSpc>
-                      </a:pPr>
-                      <a:r>
-                        <a:rPr lang="ko-KR" altLang="en-US" sz="1600" b="0" dirty="0">
-                          <a:solidFill>
-                            <a:schemeClr val="tx1"/>
-                          </a:solidFill>
-                          <a:latin typeface="G마켓 산스 TTF Medium" panose="02000000000000000000" pitchFamily="2" charset="-127"/>
-                          <a:ea typeface="G마켓 산스 TTF Medium" panose="02000000000000000000" pitchFamily="2" charset="-127"/>
-                        </a:rPr>
-                        <a:t>휴먼 폴 플랫</a:t>
-                      </a:r>
-                    </a:p>
-                  </a:txBody>
-                  <a:tcPr anchor="ctr">
-                    <a:lnL w="12700" cap="flat" cmpd="sng" algn="ctr">
-                      <a:solidFill>
-                        <a:srgbClr val="8BA9AB"/>
-                      </a:solidFill>
-                      <a:prstDash val="solid"/>
-                      <a:round/>
-                      <a:headEnd type="none" w="med" len="med"/>
-                      <a:tailEnd type="none" w="med" len="med"/>
-                    </a:lnL>
-                    <a:lnR w="12700" cap="flat" cmpd="sng" algn="ctr">
-                      <a:solidFill>
-                        <a:srgbClr val="8BA9AB"/>
-                      </a:solidFill>
-                      <a:prstDash val="solid"/>
-                      <a:round/>
-                      <a:headEnd type="none" w="med" len="med"/>
-                      <a:tailEnd type="none" w="med" len="med"/>
-                    </a:lnR>
-                    <a:lnT w="12700" cap="flat" cmpd="sng" algn="ctr">
-                      <a:solidFill>
-                        <a:srgbClr val="8BA9AB"/>
-                      </a:solidFill>
-                      <a:prstDash val="solid"/>
-                      <a:round/>
-                      <a:headEnd type="none" w="med" len="med"/>
-                      <a:tailEnd type="none" w="med" len="med"/>
-                    </a:lnT>
-                    <a:lnB w="12700" cap="flat" cmpd="sng" algn="ctr">
-                      <a:solidFill>
-                        <a:srgbClr val="8BA9AB"/>
-                      </a:solidFill>
-                      <a:prstDash val="solid"/>
-                      <a:round/>
-                      <a:headEnd type="none" w="med" len="med"/>
-                      <a:tailEnd type="none" w="med" len="med"/>
-                    </a:lnB>
-                    <a:solidFill>
-                      <a:schemeClr val="bg1"/>
-                    </a:solidFill>
-                  </a:tcPr>
-                </a:tc>
-                <a:tc>
-                  <a:txBody>
-                    <a:bodyPr/>
-                    <a:lstStyle/>
-                    <a:p>
-                      <a:pPr algn="l" latinLnBrk="1">
-                        <a:lnSpc>
-                          <a:spcPct val="150000"/>
-                        </a:lnSpc>
-                      </a:pPr>
-                      <a:r>
-                        <a:rPr lang="ko-KR" altLang="en-US" sz="1200" b="0" dirty="0">
-                          <a:solidFill>
-                            <a:schemeClr val="tx1"/>
-                          </a:solidFill>
-                          <a:latin typeface="G마켓 산스 TTF Light" panose="02000000000000000000" pitchFamily="2" charset="-127"/>
-                          <a:ea typeface="G마켓 산스 TTF Light" panose="02000000000000000000" pitchFamily="2" charset="-127"/>
-                        </a:rPr>
-                        <a:t>유저들 간의 협동을 통해</a:t>
-                      </a:r>
-                      <a:endParaRPr lang="en-US" altLang="ko-KR" sz="1200" b="0" dirty="0">
-                        <a:solidFill>
-                          <a:schemeClr val="tx1"/>
-                        </a:solidFill>
-                        <a:latin typeface="G마켓 산스 TTF Light" panose="02000000000000000000" pitchFamily="2" charset="-127"/>
-                        <a:ea typeface="G마켓 산스 TTF Light" panose="02000000000000000000" pitchFamily="2" charset="-127"/>
-                      </a:endParaRPr>
-                    </a:p>
-                    <a:p>
-                      <a:pPr algn="l" latinLnBrk="1">
-                        <a:lnSpc>
-                          <a:spcPct val="150000"/>
-                        </a:lnSpc>
-                      </a:pPr>
-                      <a:r>
-                        <a:rPr lang="ko-KR" altLang="en-US" sz="1200" b="0" dirty="0">
-                          <a:solidFill>
-                            <a:schemeClr val="tx1"/>
-                          </a:solidFill>
-                          <a:latin typeface="G마켓 산스 TTF Light" panose="02000000000000000000" pitchFamily="2" charset="-127"/>
-                          <a:ea typeface="G마켓 산스 TTF Light" panose="02000000000000000000" pitchFamily="2" charset="-127"/>
-                        </a:rPr>
-                        <a:t>사물 혹은 지형을 이용하여 길을 이동한다</a:t>
-                      </a:r>
-                      <a:r>
-                        <a:rPr lang="en-US" altLang="ko-KR" sz="1200" b="0" dirty="0">
-                          <a:solidFill>
-                            <a:schemeClr val="tx1"/>
-                          </a:solidFill>
-                          <a:latin typeface="G마켓 산스 TTF Light" panose="02000000000000000000" pitchFamily="2" charset="-127"/>
-                          <a:ea typeface="G마켓 산스 TTF Light" panose="02000000000000000000" pitchFamily="2" charset="-127"/>
-                        </a:rPr>
-                        <a:t>.</a:t>
-                      </a:r>
-                      <a:endParaRPr lang="ko-KR" altLang="en-US" sz="1200" b="0" dirty="0">
-                        <a:solidFill>
-                          <a:schemeClr val="tx1"/>
-                        </a:solidFill>
-                        <a:latin typeface="G마켓 산스 TTF Light" panose="02000000000000000000" pitchFamily="2" charset="-127"/>
-                        <a:ea typeface="G마켓 산스 TTF Light" panose="02000000000000000000" pitchFamily="2" charset="-127"/>
-                      </a:endParaRPr>
-                    </a:p>
-                  </a:txBody>
-                  <a:tcPr anchor="ctr">
-                    <a:lnL w="12700" cap="flat" cmpd="sng" algn="ctr">
-                      <a:solidFill>
-                        <a:srgbClr val="8BA9AB"/>
-                      </a:solidFill>
-                      <a:prstDash val="solid"/>
-                      <a:round/>
-                      <a:headEnd type="none" w="med" len="med"/>
-                      <a:tailEnd type="none" w="med" len="med"/>
-                    </a:lnL>
-                    <a:lnR w="12700" cap="flat" cmpd="sng" algn="ctr">
-                      <a:solidFill>
-                        <a:srgbClr val="8BA9AB"/>
-                      </a:solidFill>
-                      <a:prstDash val="solid"/>
-                      <a:round/>
-                      <a:headEnd type="none" w="med" len="med"/>
-                      <a:tailEnd type="none" w="med" len="med"/>
-                    </a:lnR>
-                    <a:lnT w="12700" cap="flat" cmpd="sng" algn="ctr">
-                      <a:solidFill>
-                        <a:srgbClr val="8BA9AB"/>
-                      </a:solidFill>
-                      <a:prstDash val="solid"/>
-                      <a:round/>
-                      <a:headEnd type="none" w="med" len="med"/>
-                      <a:tailEnd type="none" w="med" len="med"/>
-                    </a:lnT>
-                    <a:lnB w="12700" cap="flat" cmpd="sng" algn="ctr">
-                      <a:solidFill>
-                        <a:srgbClr val="8BA9AB"/>
-                      </a:solidFill>
-                      <a:prstDash val="solid"/>
-                      <a:round/>
-                      <a:headEnd type="none" w="med" len="med"/>
-                      <a:tailEnd type="none" w="med" len="med"/>
-                    </a:lnB>
-                    <a:solidFill>
-                      <a:schemeClr val="bg1"/>
-                    </a:solidFill>
-                  </a:tcPr>
-                </a:tc>
-                <a:tc>
-                  <a:txBody>
-                    <a:bodyPr/>
-                    <a:lstStyle/>
-                    <a:p>
-                      <a:pPr algn="l" latinLnBrk="1">
-                        <a:lnSpc>
-                          <a:spcPct val="150000"/>
-                        </a:lnSpc>
-                      </a:pPr>
-                      <a:r>
-                        <a:rPr lang="ko-KR" altLang="en-US" sz="1200" b="0" dirty="0">
-                          <a:solidFill>
-                            <a:schemeClr val="tx1"/>
-                          </a:solidFill>
-                          <a:latin typeface="G마켓 산스 TTF Light" panose="02000000000000000000" pitchFamily="2" charset="-127"/>
-                          <a:ea typeface="G마켓 산스 TTF Light" panose="02000000000000000000" pitchFamily="2" charset="-127"/>
-                        </a:rPr>
-                        <a:t>단순히 길을 이동하는 것 뿐만이 아니라 몬스터를 추가 시켜 전투가 가능하게끔 컨텐츠 추가</a:t>
-                      </a:r>
-                    </a:p>
-                  </a:txBody>
-                  <a:tcPr anchor="ctr">
-                    <a:lnL w="12700" cap="flat" cmpd="sng" algn="ctr">
-                      <a:solidFill>
-                        <a:srgbClr val="8BA9AB"/>
-                      </a:solidFill>
-                      <a:prstDash val="solid"/>
-                      <a:round/>
-                      <a:headEnd type="none" w="med" len="med"/>
-                      <a:tailEnd type="none" w="med" len="med"/>
-                    </a:lnL>
-                    <a:lnR w="12700" cap="flat" cmpd="sng" algn="ctr">
-                      <a:solidFill>
-                        <a:srgbClr val="8BA9AB"/>
-                      </a:solidFill>
-                      <a:prstDash val="solid"/>
-                      <a:round/>
-                      <a:headEnd type="none" w="med" len="med"/>
-                      <a:tailEnd type="none" w="med" len="med"/>
-                    </a:lnR>
-                    <a:lnT w="12700" cap="flat" cmpd="sng" algn="ctr">
-                      <a:solidFill>
-                        <a:srgbClr val="8BA9AB"/>
-                      </a:solidFill>
-                      <a:prstDash val="solid"/>
-                      <a:round/>
-                      <a:headEnd type="none" w="med" len="med"/>
-                      <a:tailEnd type="none" w="med" len="med"/>
-                    </a:lnT>
-                    <a:lnB w="12700" cap="flat" cmpd="sng" algn="ctr">
-                      <a:solidFill>
-                        <a:srgbClr val="8BA9AB"/>
-                      </a:solidFill>
-                      <a:prstDash val="solid"/>
-                      <a:round/>
-                      <a:headEnd type="none" w="med" len="med"/>
-                      <a:tailEnd type="none" w="med" len="med"/>
-                    </a:lnB>
-                    <a:solidFill>
-                      <a:schemeClr val="bg1"/>
-                    </a:solidFill>
-                  </a:tcPr>
-                </a:tc>
-                <a:extLst>
-                  <a:ext uri="{0D108BD9-81ED-4DB2-BD59-A6C34878D82A}">
-                    <a16:rowId xmlns:a16="http://schemas.microsoft.com/office/drawing/2014/main" val="30030088"/>
-                  </a:ext>
-                </a:extLst>
-              </a:tr>
-              <a:tr h="2094737">
-                <a:tc>
-                  <a:txBody>
-                    <a:bodyPr/>
-                    <a:lstStyle/>
-                    <a:p>
-                      <a:pPr algn="ctr" latinLnBrk="1">
-                        <a:lnSpc>
-                          <a:spcPct val="150000"/>
-                        </a:lnSpc>
-                      </a:pPr>
-                      <a:r>
-                        <a:rPr lang="ko-KR" altLang="en-US" sz="1600" b="0" dirty="0" err="1">
-                          <a:solidFill>
-                            <a:schemeClr val="tx1"/>
-                          </a:solidFill>
-                          <a:latin typeface="G마켓 산스 TTF Medium" panose="02000000000000000000" pitchFamily="2" charset="-127"/>
-                          <a:ea typeface="G마켓 산스 TTF Medium" panose="02000000000000000000" pitchFamily="2" charset="-127"/>
-                        </a:rPr>
-                        <a:t>젤다</a:t>
-                      </a:r>
-                      <a:endParaRPr lang="ko-KR" altLang="en-US" sz="1600" b="0" dirty="0">
-                        <a:solidFill>
-                          <a:schemeClr val="tx1"/>
-                        </a:solidFill>
-                        <a:latin typeface="G마켓 산스 TTF Medium" panose="02000000000000000000" pitchFamily="2" charset="-127"/>
-                        <a:ea typeface="G마켓 산스 TTF Medium" panose="02000000000000000000" pitchFamily="2" charset="-127"/>
-                      </a:endParaRPr>
-                    </a:p>
-                  </a:txBody>
-                  <a:tcPr anchor="ctr">
-                    <a:lnL w="12700" cap="flat" cmpd="sng" algn="ctr">
-                      <a:solidFill>
-                        <a:srgbClr val="8BA9AB"/>
-                      </a:solidFill>
-                      <a:prstDash val="solid"/>
-                      <a:round/>
-                      <a:headEnd type="none" w="med" len="med"/>
-                      <a:tailEnd type="none" w="med" len="med"/>
-                    </a:lnL>
-                    <a:lnR w="12700" cap="flat" cmpd="sng" algn="ctr">
-                      <a:solidFill>
-                        <a:srgbClr val="8BA9AB"/>
-                      </a:solidFill>
-                      <a:prstDash val="solid"/>
-                      <a:round/>
-                      <a:headEnd type="none" w="med" len="med"/>
-                      <a:tailEnd type="none" w="med" len="med"/>
-                    </a:lnR>
-                    <a:lnT w="12700" cap="flat" cmpd="sng" algn="ctr">
-                      <a:solidFill>
-                        <a:srgbClr val="8BA9AB"/>
-                      </a:solidFill>
-                      <a:prstDash val="solid"/>
-                      <a:round/>
-                      <a:headEnd type="none" w="med" len="med"/>
-                      <a:tailEnd type="none" w="med" len="med"/>
-                    </a:lnT>
-                    <a:lnB w="12700" cap="flat" cmpd="sng" algn="ctr">
-                      <a:solidFill>
-                        <a:srgbClr val="8BA9AB"/>
-                      </a:solidFill>
-                      <a:prstDash val="solid"/>
-                      <a:round/>
-                      <a:headEnd type="none" w="med" len="med"/>
-                      <a:tailEnd type="none" w="med" len="med"/>
-                    </a:lnB>
-                    <a:solidFill>
-                      <a:schemeClr val="bg1"/>
-                    </a:solidFill>
-                  </a:tcPr>
-                </a:tc>
-                <a:tc>
-                  <a:txBody>
-                    <a:bodyPr/>
-                    <a:lstStyle/>
-                    <a:p>
-                      <a:pPr algn="l" latinLnBrk="1">
-                        <a:lnSpc>
-                          <a:spcPct val="150000"/>
-                        </a:lnSpc>
-                      </a:pPr>
-                      <a:endParaRPr lang="ko-KR" altLang="en-US" sz="1200" b="0" dirty="0">
-                        <a:solidFill>
-                          <a:schemeClr val="tx1"/>
-                        </a:solidFill>
-                        <a:latin typeface="G마켓 산스 TTF Light" panose="02000000000000000000" pitchFamily="2" charset="-127"/>
-                        <a:ea typeface="G마켓 산스 TTF Light" panose="02000000000000000000" pitchFamily="2" charset="-127"/>
-                      </a:endParaRPr>
-                    </a:p>
-                  </a:txBody>
-                  <a:tcPr anchor="ctr">
-                    <a:lnL w="12700" cap="flat" cmpd="sng" algn="ctr">
-                      <a:solidFill>
-                        <a:srgbClr val="8BA9AB"/>
-                      </a:solidFill>
-                      <a:prstDash val="solid"/>
-                      <a:round/>
-                      <a:headEnd type="none" w="med" len="med"/>
-                      <a:tailEnd type="none" w="med" len="med"/>
-                    </a:lnL>
-                    <a:lnR w="12700" cap="flat" cmpd="sng" algn="ctr">
-                      <a:solidFill>
-                        <a:srgbClr val="8BA9AB"/>
-                      </a:solidFill>
-                      <a:prstDash val="solid"/>
-                      <a:round/>
-                      <a:headEnd type="none" w="med" len="med"/>
-                      <a:tailEnd type="none" w="med" len="med"/>
-                    </a:lnR>
-                    <a:lnT w="12700" cap="flat" cmpd="sng" algn="ctr">
-                      <a:solidFill>
-                        <a:srgbClr val="8BA9AB"/>
-                      </a:solidFill>
-                      <a:prstDash val="solid"/>
-                      <a:round/>
-                      <a:headEnd type="none" w="med" len="med"/>
-                      <a:tailEnd type="none" w="med" len="med"/>
-                    </a:lnT>
-                    <a:lnB w="12700" cap="flat" cmpd="sng" algn="ctr">
-                      <a:solidFill>
-                        <a:srgbClr val="8BA9AB"/>
-                      </a:solidFill>
-                      <a:prstDash val="solid"/>
-                      <a:round/>
-                      <a:headEnd type="none" w="med" len="med"/>
-                      <a:tailEnd type="none" w="med" len="med"/>
-                    </a:lnB>
-                    <a:solidFill>
-                      <a:schemeClr val="bg1"/>
-                    </a:solidFill>
-                  </a:tcPr>
-                </a:tc>
-                <a:tc>
-                  <a:txBody>
-                    <a:bodyPr/>
-                    <a:lstStyle/>
-                    <a:p>
-                      <a:pPr algn="l" latinLnBrk="1">
-                        <a:lnSpc>
-                          <a:spcPct val="150000"/>
-                        </a:lnSpc>
-                      </a:pPr>
-                      <a:endParaRPr lang="ko-KR" altLang="en-US" sz="1200" b="0" dirty="0">
-                        <a:solidFill>
-                          <a:schemeClr val="tx1"/>
-                        </a:solidFill>
-                        <a:latin typeface="G마켓 산스 TTF Light" panose="02000000000000000000" pitchFamily="2" charset="-127"/>
-                        <a:ea typeface="G마켓 산스 TTF Light" panose="02000000000000000000" pitchFamily="2" charset="-127"/>
-                      </a:endParaRPr>
-                    </a:p>
-                  </a:txBody>
-                  <a:tcPr anchor="ctr">
-                    <a:lnL w="12700" cap="flat" cmpd="sng" algn="ctr">
-                      <a:solidFill>
-                        <a:srgbClr val="8BA9AB"/>
-                      </a:solidFill>
-                      <a:prstDash val="solid"/>
-                      <a:round/>
-                      <a:headEnd type="none" w="med" len="med"/>
-                      <a:tailEnd type="none" w="med" len="med"/>
-                    </a:lnL>
-                    <a:lnR w="12700" cap="flat" cmpd="sng" algn="ctr">
-                      <a:solidFill>
-                        <a:srgbClr val="8BA9AB"/>
-                      </a:solidFill>
-                      <a:prstDash val="solid"/>
-                      <a:round/>
-                      <a:headEnd type="none" w="med" len="med"/>
-                      <a:tailEnd type="none" w="med" len="med"/>
-                    </a:lnR>
-                    <a:lnT w="12700" cap="flat" cmpd="sng" algn="ctr">
-                      <a:solidFill>
-                        <a:srgbClr val="8BA9AB"/>
-                      </a:solidFill>
-                      <a:prstDash val="solid"/>
-                      <a:round/>
-                      <a:headEnd type="none" w="med" len="med"/>
-                      <a:tailEnd type="none" w="med" len="med"/>
-                    </a:lnT>
-                    <a:lnB w="12700" cap="flat" cmpd="sng" algn="ctr">
-                      <a:solidFill>
-                        <a:srgbClr val="8BA9AB"/>
-                      </a:solidFill>
-                      <a:prstDash val="solid"/>
-                      <a:round/>
-                      <a:headEnd type="none" w="med" len="med"/>
-                      <a:tailEnd type="none" w="med" len="med"/>
-                    </a:lnB>
-                    <a:solidFill>
-                      <a:schemeClr val="bg1"/>
-                    </a:solidFill>
-                  </a:tcPr>
-                </a:tc>
-                <a:extLst>
-                  <a:ext uri="{0D108BD9-81ED-4DB2-BD59-A6C34878D82A}">
-                    <a16:rowId xmlns:a16="http://schemas.microsoft.com/office/drawing/2014/main" val="1045126401"/>
-                  </a:ext>
-                </a:extLst>
-              </a:tr>
-            </a:tbl>
-          </a:graphicData>
-        </a:graphic>
-      </p:graphicFrame>
-      <p:sp>
-        <p:nvSpPr>
-          <p:cNvPr id="5" name="TextBox 4">
-            <a:extLst>
-              <a:ext uri="{FF2B5EF4-FFF2-40B4-BE49-F238E27FC236}">
-                <a16:creationId xmlns:a16="http://schemas.microsoft.com/office/drawing/2014/main" id="{00719D95-B889-7FC0-748B-480224DC4A46}"/>
-              </a:ext>
-            </a:extLst>
-          </p:cNvPr>
-          <p:cNvSpPr txBox="1"/>
-          <p:nvPr/>
-        </p:nvSpPr>
-        <p:spPr>
-          <a:xfrm>
-            <a:off x="4793941" y="1424748"/>
-            <a:ext cx="7396577" cy="276999"/>
-          </a:xfrm>
-          <a:prstGeom prst="rect">
-            <a:avLst/>
-          </a:prstGeom>
-          <a:noFill/>
         </p:spPr>
         <p:txBody>
           <a:bodyPr wrap="none" rtlCol="0">
@@ -6196,53 +6239,14 @@
           <a:lstStyle/>
           <a:p>
             <a:r>
-              <a:rPr lang="ko-KR" altLang="en-US" sz="1200" dirty="0">
-                <a:latin typeface="G마켓 산스 TTF Medium" panose="02000000000000000000" pitchFamily="2" charset="-127"/>
-                <a:ea typeface="G마켓 산스 TTF Medium" panose="02000000000000000000" pitchFamily="2" charset="-127"/>
-              </a:rPr>
-              <a:t>선정 이유</a:t>
-            </a:r>
-            <a:r>
-              <a:rPr lang="en-US" altLang="ko-KR" sz="1200" dirty="0">
-                <a:latin typeface="G마켓 산스 TTF Medium" panose="02000000000000000000" pitchFamily="2" charset="-127"/>
-                <a:ea typeface="G마켓 산스 TTF Medium" panose="02000000000000000000" pitchFamily="2" charset="-127"/>
-              </a:rPr>
-              <a:t>	</a:t>
-            </a:r>
-            <a:r>
-              <a:rPr lang="ko-KR" altLang="en-US" sz="1200" dirty="0">
-                <a:latin typeface="G마켓 산스 TTF Medium" panose="02000000000000000000" pitchFamily="2" charset="-127"/>
-                <a:ea typeface="G마켓 산스 TTF Medium" panose="02000000000000000000" pitchFamily="2" charset="-127"/>
-              </a:rPr>
-              <a:t> </a:t>
-            </a:r>
-            <a:r>
-              <a:rPr lang="en-US" altLang="ko-KR" sz="1200" dirty="0">
-                <a:latin typeface="G마켓 산스 TTF Light" panose="02000000000000000000" pitchFamily="2" charset="-127"/>
-                <a:ea typeface="G마켓 산스 TTF Light" panose="02000000000000000000" pitchFamily="2" charset="-127"/>
-              </a:rPr>
-              <a:t>:  </a:t>
-            </a:r>
-            <a:r>
-              <a:rPr lang="ko-KR" altLang="en-US" sz="1200" dirty="0">
-                <a:latin typeface="G마켓 산스 TTF Light" panose="02000000000000000000" pitchFamily="2" charset="-127"/>
-                <a:ea typeface="G마켓 산스 TTF Light" panose="02000000000000000000" pitchFamily="2" charset="-127"/>
-              </a:rPr>
-              <a:t>여러 유저들 간의 협동 혹은 경쟁을 통해 스테이지를 뚫어 나아가는 게임이라 선정하였습니다</a:t>
-            </a:r>
-            <a:r>
-              <a:rPr lang="en-US" altLang="ko-KR" sz="1200" dirty="0">
-                <a:latin typeface="G마켓 산스 TTF Light" panose="02000000000000000000" pitchFamily="2" charset="-127"/>
-                <a:ea typeface="G마켓 산스 TTF Light" panose="02000000000000000000" pitchFamily="2" charset="-127"/>
-              </a:rPr>
-              <a:t>.</a:t>
-            </a:r>
-            <a:r>
-              <a:rPr lang="ko-KR" altLang="en-US" sz="1200" dirty="0">
-                <a:latin typeface="G마켓 산스 TTF Light" panose="02000000000000000000" pitchFamily="2" charset="-127"/>
-                <a:ea typeface="G마켓 산스 TTF Light" panose="02000000000000000000" pitchFamily="2" charset="-127"/>
-              </a:rPr>
-              <a:t> </a:t>
+              <a:rPr lang="ko-KR" altLang="en-US" sz="3200" dirty="0">
+                <a:solidFill>
+                  <a:schemeClr val="bg1"/>
+                </a:solidFill>
+                <a:latin typeface="G마켓 산스 TTF Bold" panose="02000000000000000000" pitchFamily="2" charset="-127"/>
+                <a:ea typeface="G마켓 산스 TTF Bold" panose="02000000000000000000" pitchFamily="2" charset="-127"/>
+              </a:rPr>
+              <a:t>즐거운 퍼즐 요소</a:t>
             </a:r>
           </a:p>
         </p:txBody>
@@ -6250,7 +6254,7 @@
     </p:spTree>
     <p:extLst>
       <p:ext uri="{BB962C8B-B14F-4D97-AF65-F5344CB8AC3E}">
-        <p14:creationId xmlns:p14="http://schemas.microsoft.com/office/powerpoint/2010/main" val="1981313042"/>
+        <p14:creationId xmlns:p14="http://schemas.microsoft.com/office/powerpoint/2010/main" val="3895575660"/>
       </p:ext>
     </p:extLst>
   </p:cSld>

--- a/Game_Design/2019184003 김 선아 장르 제안서.pptx
+++ b/Game_Design/2019184003 김 선아 장르 제안서.pptx
@@ -1,8 +1,8 @@
 
 <file path=ppt/presentation.xml><?xml version="1.0" encoding="utf-8"?>
-<p:presentation xmlns:a="http://schemas.openxmlformats.org/drawingml/2006/main" xmlns:r="http://schemas.openxmlformats.org/officeDocument/2006/relationships" xmlns:p="http://schemas.openxmlformats.org/presentationml/2006/main" saveSubsetFonts="1">
+<p:presentation xmlns:a="http://schemas.openxmlformats.org/drawingml/2006/main" xmlns:r="http://schemas.openxmlformats.org/officeDocument/2006/relationships" xmlns:p="http://schemas.openxmlformats.org/presentationml/2006/main">
   <p:sldMasterIdLst>
-    <p:sldMasterId id="2147483660" r:id="rId1"/>
+    <p:sldMasterId id="2147483648" r:id="rId1"/>
   </p:sldMasterIdLst>
   <p:sldIdLst>
     <p:sldId id="256" r:id="rId2"/>
@@ -13,18 +13,20 @@
     <p:sldId id="268" r:id="rId7"/>
     <p:sldId id="274" r:id="rId8"/>
     <p:sldId id="269" r:id="rId9"/>
-    <p:sldId id="276" r:id="rId10"/>
-    <p:sldId id="275" r:id="rId11"/>
-    <p:sldId id="277" r:id="rId12"/>
-    <p:sldId id="272" r:id="rId13"/>
-    <p:sldId id="273" r:id="rId14"/>
-    <p:sldId id="271" r:id="rId15"/>
-    <p:sldId id="279" r:id="rId16"/>
-    <p:sldId id="278" r:id="rId17"/>
-    <p:sldId id="282" r:id="rId18"/>
-    <p:sldId id="280" r:id="rId19"/>
-    <p:sldId id="281" r:id="rId20"/>
-    <p:sldId id="262" r:id="rId21"/>
+    <p:sldId id="291" r:id="rId10"/>
+    <p:sldId id="276" r:id="rId11"/>
+    <p:sldId id="290" r:id="rId12"/>
+    <p:sldId id="289" r:id="rId13"/>
+    <p:sldId id="277" r:id="rId14"/>
+    <p:sldId id="272" r:id="rId15"/>
+    <p:sldId id="273" r:id="rId16"/>
+    <p:sldId id="271" r:id="rId17"/>
+    <p:sldId id="279" r:id="rId18"/>
+    <p:sldId id="278" r:id="rId19"/>
+    <p:sldId id="264" r:id="rId20"/>
+    <p:sldId id="280" r:id="rId21"/>
+    <p:sldId id="281" r:id="rId22"/>
+    <p:sldId id="262" r:id="rId23"/>
   </p:sldIdLst>
   <p:sldSz cx="12192000" cy="6858000"/>
   <p:notesSz cx="6858000" cy="9144000"/>
@@ -155,7 +157,7 @@
             <a:spLocks noGrp="1"/>
           </p:cNvSpPr>
           <p:nvPr>
-            <p:ph type="ctrTitle"/>
+            <p:ph type="ctrTitle" hasCustomPrompt="1"/>
           </p:nvPr>
         </p:nvSpPr>
         <p:spPr>
@@ -187,7 +189,7 @@
             <a:spLocks noGrp="1"/>
           </p:cNvSpPr>
           <p:nvPr>
-            <p:ph type="subTitle" idx="1"/>
+            <p:ph type="subTitle" idx="1" hasCustomPrompt="1"/>
           </p:nvPr>
         </p:nvSpPr>
         <p:spPr>
@@ -311,11 +313,6 @@
         </p:txBody>
       </p:sp>
     </p:spTree>
-    <p:extLst>
-      <p:ext uri="{BB962C8B-B14F-4D97-AF65-F5344CB8AC3E}">
-        <p14:creationId xmlns:p14="http://schemas.microsoft.com/office/powerpoint/2010/main" val="4030548060"/>
-      </p:ext>
-    </p:extLst>
   </p:cSld>
   <p:clrMapOvr>
     <a:masterClrMapping/>
@@ -347,7 +344,7 @@
             <a:spLocks noGrp="1"/>
           </p:cNvSpPr>
           <p:nvPr>
-            <p:ph type="title"/>
+            <p:ph type="title" hasCustomPrompt="1"/>
           </p:nvPr>
         </p:nvSpPr>
         <p:spPr/>
@@ -370,7 +367,7 @@
             <a:spLocks noGrp="1"/>
           </p:cNvSpPr>
           <p:nvPr>
-            <p:ph type="body" orient="vert" idx="1"/>
+            <p:ph type="body" orient="vert" idx="1" hasCustomPrompt="1"/>
           </p:nvPr>
         </p:nvSpPr>
         <p:spPr/>
@@ -481,11 +478,6 @@
         </p:txBody>
       </p:sp>
     </p:spTree>
-    <p:extLst>
-      <p:ext uri="{BB962C8B-B14F-4D97-AF65-F5344CB8AC3E}">
-        <p14:creationId xmlns:p14="http://schemas.microsoft.com/office/powerpoint/2010/main" val="3774406433"/>
-      </p:ext>
-    </p:extLst>
   </p:cSld>
   <p:clrMapOvr>
     <a:masterClrMapping/>
@@ -517,7 +509,7 @@
             <a:spLocks noGrp="1"/>
           </p:cNvSpPr>
           <p:nvPr>
-            <p:ph type="title" orient="vert"/>
+            <p:ph type="title" orient="vert" hasCustomPrompt="1"/>
           </p:nvPr>
         </p:nvSpPr>
         <p:spPr>
@@ -545,7 +537,7 @@
             <a:spLocks noGrp="1"/>
           </p:cNvSpPr>
           <p:nvPr>
-            <p:ph type="body" orient="vert" idx="1"/>
+            <p:ph type="body" orient="vert" idx="1" hasCustomPrompt="1"/>
           </p:nvPr>
         </p:nvSpPr>
         <p:spPr>
@@ -661,11 +653,6 @@
         </p:txBody>
       </p:sp>
     </p:spTree>
-    <p:extLst>
-      <p:ext uri="{BB962C8B-B14F-4D97-AF65-F5344CB8AC3E}">
-        <p14:creationId xmlns:p14="http://schemas.microsoft.com/office/powerpoint/2010/main" val="87363761"/>
-      </p:ext>
-    </p:extLst>
   </p:cSld>
   <p:clrMapOvr>
     <a:masterClrMapping/>
@@ -697,7 +684,7 @@
             <a:spLocks noGrp="1"/>
           </p:cNvSpPr>
           <p:nvPr>
-            <p:ph type="title"/>
+            <p:ph type="title" hasCustomPrompt="1"/>
           </p:nvPr>
         </p:nvSpPr>
         <p:spPr/>
@@ -720,7 +707,7 @@
             <a:spLocks noGrp="1"/>
           </p:cNvSpPr>
           <p:nvPr>
-            <p:ph idx="1"/>
+            <p:ph idx="1" hasCustomPrompt="1"/>
           </p:nvPr>
         </p:nvSpPr>
         <p:spPr/>
@@ -831,11 +818,6 @@
         </p:txBody>
       </p:sp>
     </p:spTree>
-    <p:extLst>
-      <p:ext uri="{BB962C8B-B14F-4D97-AF65-F5344CB8AC3E}">
-        <p14:creationId xmlns:p14="http://schemas.microsoft.com/office/powerpoint/2010/main" val="3900540562"/>
-      </p:ext>
-    </p:extLst>
   </p:cSld>
   <p:clrMapOvr>
     <a:masterClrMapping/>
@@ -867,7 +849,7 @@
             <a:spLocks noGrp="1"/>
           </p:cNvSpPr>
           <p:nvPr>
-            <p:ph type="title"/>
+            <p:ph type="title" hasCustomPrompt="1"/>
           </p:nvPr>
         </p:nvSpPr>
         <p:spPr>
@@ -899,7 +881,7 @@
             <a:spLocks noGrp="1"/>
           </p:cNvSpPr>
           <p:nvPr>
-            <p:ph type="body" idx="1"/>
+            <p:ph type="body" idx="1" hasCustomPrompt="1"/>
           </p:nvPr>
         </p:nvSpPr>
         <p:spPr>
@@ -1077,11 +1059,6 @@
         </p:txBody>
       </p:sp>
     </p:spTree>
-    <p:extLst>
-      <p:ext uri="{BB962C8B-B14F-4D97-AF65-F5344CB8AC3E}">
-        <p14:creationId xmlns:p14="http://schemas.microsoft.com/office/powerpoint/2010/main" val="1635361186"/>
-      </p:ext>
-    </p:extLst>
   </p:cSld>
   <p:clrMapOvr>
     <a:masterClrMapping/>
@@ -1113,7 +1090,7 @@
             <a:spLocks noGrp="1"/>
           </p:cNvSpPr>
           <p:nvPr>
-            <p:ph type="title"/>
+            <p:ph type="title" hasCustomPrompt="1"/>
           </p:nvPr>
         </p:nvSpPr>
         <p:spPr/>
@@ -1136,7 +1113,7 @@
             <a:spLocks noGrp="1"/>
           </p:cNvSpPr>
           <p:nvPr>
-            <p:ph sz="half" idx="1"/>
+            <p:ph sz="half" idx="1" hasCustomPrompt="1"/>
           </p:nvPr>
         </p:nvSpPr>
         <p:spPr>
@@ -1193,7 +1170,7 @@
             <a:spLocks noGrp="1"/>
           </p:cNvSpPr>
           <p:nvPr>
-            <p:ph sz="half" idx="2"/>
+            <p:ph sz="half" idx="2" hasCustomPrompt="1"/>
           </p:nvPr>
         </p:nvSpPr>
         <p:spPr>
@@ -1309,11 +1286,6 @@
         </p:txBody>
       </p:sp>
     </p:spTree>
-    <p:extLst>
-      <p:ext uri="{BB962C8B-B14F-4D97-AF65-F5344CB8AC3E}">
-        <p14:creationId xmlns:p14="http://schemas.microsoft.com/office/powerpoint/2010/main" val="2272352826"/>
-      </p:ext>
-    </p:extLst>
   </p:cSld>
   <p:clrMapOvr>
     <a:masterClrMapping/>
@@ -1345,7 +1317,7 @@
             <a:spLocks noGrp="1"/>
           </p:cNvSpPr>
           <p:nvPr>
-            <p:ph type="title"/>
+            <p:ph type="title" hasCustomPrompt="1"/>
           </p:nvPr>
         </p:nvSpPr>
         <p:spPr>
@@ -1373,7 +1345,7 @@
             <a:spLocks noGrp="1"/>
           </p:cNvSpPr>
           <p:nvPr>
-            <p:ph type="body" idx="1"/>
+            <p:ph type="body" idx="1" hasCustomPrompt="1"/>
           </p:nvPr>
         </p:nvSpPr>
         <p:spPr>
@@ -1438,7 +1410,7 @@
             <a:spLocks noGrp="1"/>
           </p:cNvSpPr>
           <p:nvPr>
-            <p:ph sz="half" idx="2"/>
+            <p:ph sz="half" idx="2" hasCustomPrompt="1"/>
           </p:nvPr>
         </p:nvSpPr>
         <p:spPr>
@@ -1495,7 +1467,7 @@
             <a:spLocks noGrp="1"/>
           </p:cNvSpPr>
           <p:nvPr>
-            <p:ph type="body" sz="quarter" idx="3"/>
+            <p:ph type="body" sz="quarter" idx="3" hasCustomPrompt="1"/>
           </p:nvPr>
         </p:nvSpPr>
         <p:spPr>
@@ -1560,7 +1532,7 @@
             <a:spLocks noGrp="1"/>
           </p:cNvSpPr>
           <p:nvPr>
-            <p:ph sz="quarter" idx="4"/>
+            <p:ph sz="quarter" idx="4" hasCustomPrompt="1"/>
           </p:nvPr>
         </p:nvSpPr>
         <p:spPr>
@@ -1676,11 +1648,6 @@
         </p:txBody>
       </p:sp>
     </p:spTree>
-    <p:extLst>
-      <p:ext uri="{BB962C8B-B14F-4D97-AF65-F5344CB8AC3E}">
-        <p14:creationId xmlns:p14="http://schemas.microsoft.com/office/powerpoint/2010/main" val="2480890768"/>
-      </p:ext>
-    </p:extLst>
   </p:cSld>
   <p:clrMapOvr>
     <a:masterClrMapping/>
@@ -1712,7 +1679,7 @@
             <a:spLocks noGrp="1"/>
           </p:cNvSpPr>
           <p:nvPr>
-            <p:ph type="title"/>
+            <p:ph type="title" hasCustomPrompt="1"/>
           </p:nvPr>
         </p:nvSpPr>
         <p:spPr/>
@@ -1794,11 +1761,6 @@
         </p:txBody>
       </p:sp>
     </p:spTree>
-    <p:extLst>
-      <p:ext uri="{BB962C8B-B14F-4D97-AF65-F5344CB8AC3E}">
-        <p14:creationId xmlns:p14="http://schemas.microsoft.com/office/powerpoint/2010/main" val="137383567"/>
-      </p:ext>
-    </p:extLst>
   </p:cSld>
   <p:clrMapOvr>
     <a:masterClrMapping/>
@@ -1889,11 +1851,6 @@
         </p:txBody>
       </p:sp>
     </p:spTree>
-    <p:extLst>
-      <p:ext uri="{BB962C8B-B14F-4D97-AF65-F5344CB8AC3E}">
-        <p14:creationId xmlns:p14="http://schemas.microsoft.com/office/powerpoint/2010/main" val="3028887962"/>
-      </p:ext>
-    </p:extLst>
   </p:cSld>
   <p:clrMapOvr>
     <a:masterClrMapping/>
@@ -1925,7 +1882,7 @@
             <a:spLocks noGrp="1"/>
           </p:cNvSpPr>
           <p:nvPr>
-            <p:ph type="title"/>
+            <p:ph type="title" hasCustomPrompt="1"/>
           </p:nvPr>
         </p:nvSpPr>
         <p:spPr>
@@ -1957,7 +1914,7 @@
             <a:spLocks noGrp="1"/>
           </p:cNvSpPr>
           <p:nvPr>
-            <p:ph idx="1"/>
+            <p:ph idx="1" hasCustomPrompt="1"/>
           </p:nvPr>
         </p:nvSpPr>
         <p:spPr>
@@ -2042,7 +1999,7 @@
             <a:spLocks noGrp="1"/>
           </p:cNvSpPr>
           <p:nvPr>
-            <p:ph type="body" sz="half" idx="2"/>
+            <p:ph type="body" sz="half" idx="2" hasCustomPrompt="1"/>
           </p:nvPr>
         </p:nvSpPr>
         <p:spPr>
@@ -2166,11 +2123,6 @@
         </p:txBody>
       </p:sp>
     </p:spTree>
-    <p:extLst>
-      <p:ext uri="{BB962C8B-B14F-4D97-AF65-F5344CB8AC3E}">
-        <p14:creationId xmlns:p14="http://schemas.microsoft.com/office/powerpoint/2010/main" val="2129666748"/>
-      </p:ext>
-    </p:extLst>
   </p:cSld>
   <p:clrMapOvr>
     <a:masterClrMapping/>
@@ -2202,7 +2154,7 @@
             <a:spLocks noGrp="1"/>
           </p:cNvSpPr>
           <p:nvPr>
-            <p:ph type="title"/>
+            <p:ph type="title" hasCustomPrompt="1"/>
           </p:nvPr>
         </p:nvSpPr>
         <p:spPr>
@@ -2234,7 +2186,7 @@
             <a:spLocks noGrp="1" noChangeAspect="1"/>
           </p:cNvSpPr>
           <p:nvPr>
-            <p:ph type="pic" idx="1"/>
+            <p:ph type="pic" idx="1" hasCustomPrompt="1"/>
           </p:nvPr>
         </p:nvSpPr>
         <p:spPr>
@@ -2299,7 +2251,7 @@
             <a:spLocks noGrp="1"/>
           </p:cNvSpPr>
           <p:nvPr>
-            <p:ph type="body" sz="half" idx="2"/>
+            <p:ph type="body" sz="half" idx="2" hasCustomPrompt="1"/>
           </p:nvPr>
         </p:nvSpPr>
         <p:spPr>
@@ -2423,11 +2375,6 @@
         </p:txBody>
       </p:sp>
     </p:spTree>
-    <p:extLst>
-      <p:ext uri="{BB962C8B-B14F-4D97-AF65-F5344CB8AC3E}">
-        <p14:creationId xmlns:p14="http://schemas.microsoft.com/office/powerpoint/2010/main" val="1047410666"/>
-      </p:ext>
-    </p:extLst>
   </p:cSld>
   <p:clrMapOvr>
     <a:masterClrMapping/>
@@ -2672,25 +2619,20 @@
         </p:txBody>
       </p:sp>
     </p:spTree>
-    <p:extLst>
-      <p:ext uri="{BB962C8B-B14F-4D97-AF65-F5344CB8AC3E}">
-        <p14:creationId xmlns:p14="http://schemas.microsoft.com/office/powerpoint/2010/main" val="1173060240"/>
-      </p:ext>
-    </p:extLst>
   </p:cSld>
   <p:clrMap bg1="lt1" tx1="dk1" bg2="lt2" tx2="dk2" accent1="accent1" accent2="accent2" accent3="accent3" accent4="accent4" accent5="accent5" accent6="accent6" hlink="hlink" folHlink="folHlink"/>
   <p:sldLayoutIdLst>
-    <p:sldLayoutId id="2147483661" r:id="rId1"/>
-    <p:sldLayoutId id="2147483662" r:id="rId2"/>
-    <p:sldLayoutId id="2147483663" r:id="rId3"/>
-    <p:sldLayoutId id="2147483664" r:id="rId4"/>
-    <p:sldLayoutId id="2147483665" r:id="rId5"/>
-    <p:sldLayoutId id="2147483666" r:id="rId6"/>
-    <p:sldLayoutId id="2147483667" r:id="rId7"/>
-    <p:sldLayoutId id="2147483668" r:id="rId8"/>
-    <p:sldLayoutId id="2147483669" r:id="rId9"/>
-    <p:sldLayoutId id="2147483670" r:id="rId10"/>
-    <p:sldLayoutId id="2147483671" r:id="rId11"/>
+    <p:sldLayoutId id="2147483649" r:id="rId1"/>
+    <p:sldLayoutId id="2147483650" r:id="rId2"/>
+    <p:sldLayoutId id="2147483651" r:id="rId3"/>
+    <p:sldLayoutId id="2147483652" r:id="rId4"/>
+    <p:sldLayoutId id="2147483653" r:id="rId5"/>
+    <p:sldLayoutId id="2147483654" r:id="rId6"/>
+    <p:sldLayoutId id="2147483655" r:id="rId7"/>
+    <p:sldLayoutId id="2147483656" r:id="rId8"/>
+    <p:sldLayoutId id="2147483657" r:id="rId9"/>
+    <p:sldLayoutId id="2147483658" r:id="rId10"/>
+    <p:sldLayoutId id="2147483659" r:id="rId11"/>
   </p:sldLayoutIdLst>
   <p:txStyles>
     <p:titleStyle>
@@ -3002,13 +2944,7 @@
       </p:grpSpPr>
       <p:sp>
         <p:nvSpPr>
-          <p:cNvPr id="15" name="직사각형 14">
-            <a:extLst>
-              <a:ext uri="{FF2B5EF4-FFF2-40B4-BE49-F238E27FC236}">
-                <a16:creationId xmlns:a16="http://schemas.microsoft.com/office/drawing/2014/main" id="{8A47EC21-B0E7-41E9-A316-8791FAADD044}"/>
-              </a:ext>
-            </a:extLst>
-          </p:cNvPr>
+          <p:cNvPr id="15" name="직사각형 14"/>
           <p:cNvSpPr/>
           <p:nvPr/>
         </p:nvSpPr>
@@ -3054,13 +2990,7 @@
       </p:sp>
       <p:sp>
         <p:nvSpPr>
-          <p:cNvPr id="5" name="TextBox 4">
-            <a:extLst>
-              <a:ext uri="{FF2B5EF4-FFF2-40B4-BE49-F238E27FC236}">
-                <a16:creationId xmlns:a16="http://schemas.microsoft.com/office/drawing/2014/main" id="{91B44C33-0DDE-4BEB-A84E-45EA0C988372}"/>
-              </a:ext>
-            </a:extLst>
-          </p:cNvPr>
+          <p:cNvPr id="5" name="TextBox 4"/>
           <p:cNvSpPr txBox="1"/>
           <p:nvPr/>
         </p:nvSpPr>
@@ -3104,13 +3034,7 @@
       </p:sp>
       <p:sp>
         <p:nvSpPr>
-          <p:cNvPr id="19" name="직사각형 18">
-            <a:extLst>
-              <a:ext uri="{FF2B5EF4-FFF2-40B4-BE49-F238E27FC236}">
-                <a16:creationId xmlns:a16="http://schemas.microsoft.com/office/drawing/2014/main" id="{2E890796-8474-4F30-8303-67D502294A52}"/>
-              </a:ext>
-            </a:extLst>
-          </p:cNvPr>
+          <p:cNvPr id="19" name="직사각형 18"/>
           <p:cNvSpPr/>
           <p:nvPr/>
         </p:nvSpPr>
@@ -3163,13 +3087,7 @@
       </p:sp>
       <p:sp>
         <p:nvSpPr>
-          <p:cNvPr id="18" name="TextBox 17">
-            <a:extLst>
-              <a:ext uri="{FF2B5EF4-FFF2-40B4-BE49-F238E27FC236}">
-                <a16:creationId xmlns:a16="http://schemas.microsoft.com/office/drawing/2014/main" id="{BC6B889D-6283-4B7F-8672-D8F2209C56F5}"/>
-              </a:ext>
-            </a:extLst>
-          </p:cNvPr>
+          <p:cNvPr id="18" name="TextBox 17"/>
           <p:cNvSpPr txBox="1"/>
           <p:nvPr/>
         </p:nvSpPr>
@@ -3222,11 +3140,6 @@
         </p:txBody>
       </p:sp>
     </p:spTree>
-    <p:extLst>
-      <p:ext uri="{BB962C8B-B14F-4D97-AF65-F5344CB8AC3E}">
-        <p14:creationId xmlns:p14="http://schemas.microsoft.com/office/powerpoint/2010/main" val="585567371"/>
-      </p:ext>
-    </p:extLst>
   </p:cSld>
   <p:clrMapOvr>
     <a:masterClrMapping/>
@@ -3261,13 +3174,7 @@
       </p:grpSpPr>
       <p:sp>
         <p:nvSpPr>
-          <p:cNvPr id="15" name="직사각형 14">
-            <a:extLst>
-              <a:ext uri="{FF2B5EF4-FFF2-40B4-BE49-F238E27FC236}">
-                <a16:creationId xmlns:a16="http://schemas.microsoft.com/office/drawing/2014/main" id="{8A47EC21-B0E7-41E9-A316-8791FAADD044}"/>
-              </a:ext>
-            </a:extLst>
-          </p:cNvPr>
+          <p:cNvPr id="15" name="직사각형 14"/>
           <p:cNvSpPr/>
           <p:nvPr/>
         </p:nvSpPr>
@@ -3315,13 +3222,7 @@
       </p:sp>
       <p:sp>
         <p:nvSpPr>
-          <p:cNvPr id="18" name="TextBox 17">
-            <a:extLst>
-              <a:ext uri="{FF2B5EF4-FFF2-40B4-BE49-F238E27FC236}">
-                <a16:creationId xmlns:a16="http://schemas.microsoft.com/office/drawing/2014/main" id="{BC6B889D-6283-4B7F-8672-D8F2209C56F5}"/>
-              </a:ext>
-            </a:extLst>
-          </p:cNvPr>
+          <p:cNvPr id="18" name="TextBox 17"/>
           <p:cNvSpPr txBox="1"/>
           <p:nvPr/>
         </p:nvSpPr>
@@ -3379,17 +3280,12 @@
                 <a:latin typeface="여기어때 잘난체" panose="020B0600000101010101" pitchFamily="50" charset="-127"/>
                 <a:ea typeface="여기어때 잘난체" panose="020B0600000101010101" pitchFamily="50" charset="-127"/>
               </a:rPr>
-              <a:t>몬스터 및 자연물</a:t>
+              <a:t>게임 플레이어 </a:t>
             </a:r>
           </a:p>
         </p:txBody>
       </p:sp>
     </p:spTree>
-    <p:extLst>
-      <p:ext uri="{BB962C8B-B14F-4D97-AF65-F5344CB8AC3E}">
-        <p14:creationId xmlns:p14="http://schemas.microsoft.com/office/powerpoint/2010/main" val="668342960"/>
-      </p:ext>
-    </p:extLst>
   </p:cSld>
   <p:clrMapOvr>
     <a:masterClrMapping/>
@@ -3424,13 +3320,7 @@
       </p:grpSpPr>
       <p:sp>
         <p:nvSpPr>
-          <p:cNvPr id="15" name="직사각형 14">
-            <a:extLst>
-              <a:ext uri="{FF2B5EF4-FFF2-40B4-BE49-F238E27FC236}">
-                <a16:creationId xmlns:a16="http://schemas.microsoft.com/office/drawing/2014/main" id="{8A47EC21-B0E7-41E9-A316-8791FAADD044}"/>
-              </a:ext>
-            </a:extLst>
-          </p:cNvPr>
+          <p:cNvPr id="15" name="직사각형 14"/>
           <p:cNvSpPr/>
           <p:nvPr/>
         </p:nvSpPr>
@@ -3478,13 +3368,4447 @@
       </p:sp>
       <p:sp>
         <p:nvSpPr>
-          <p:cNvPr id="18" name="TextBox 17">
-            <a:extLst>
-              <a:ext uri="{FF2B5EF4-FFF2-40B4-BE49-F238E27FC236}">
-                <a16:creationId xmlns:a16="http://schemas.microsoft.com/office/drawing/2014/main" id="{BC6B889D-6283-4B7F-8672-D8F2209C56F5}"/>
-              </a:ext>
-            </a:extLst>
-          </p:cNvPr>
+          <p:cNvPr id="18" name="TextBox 17"/>
+          <p:cNvSpPr txBox="1"/>
+          <p:nvPr/>
+        </p:nvSpPr>
+        <p:spPr>
+          <a:xfrm>
+            <a:off x="469900" y="260991"/>
+            <a:ext cx="6692900" cy="583565"/>
+          </a:xfrm>
+          <a:prstGeom prst="rect">
+            <a:avLst/>
+          </a:prstGeom>
+          <a:noFill/>
+        </p:spPr>
+        <p:txBody>
+          <a:bodyPr wrap="square" rtlCol="0">
+            <a:spAutoFit/>
+          </a:bodyPr>
+          <a:lstStyle/>
+          <a:p>
+            <a:r>
+              <a:rPr lang="en-US" altLang="ko-KR" sz="3200" dirty="0">
+                <a:solidFill>
+                  <a:schemeClr val="bg1"/>
+                </a:solidFill>
+                <a:latin typeface="여기어때 잘난체" panose="020B0600000101010101" pitchFamily="50" charset="-127"/>
+                <a:ea typeface="여기어때 잘난체" panose="020B0600000101010101" pitchFamily="50" charset="-127"/>
+              </a:rPr>
+              <a:t>02. </a:t>
+            </a:r>
+            <a:r>
+              <a:rPr lang="ko-KR" altLang="en-US" sz="3200" dirty="0">
+                <a:solidFill>
+                  <a:schemeClr val="bg1"/>
+                </a:solidFill>
+                <a:latin typeface="여기어때 잘난체" panose="020B0600000101010101" pitchFamily="50" charset="-127"/>
+                <a:ea typeface="여기어때 잘난체" panose="020B0600000101010101" pitchFamily="50" charset="-127"/>
+              </a:rPr>
+              <a:t>게임 소개 </a:t>
+            </a:r>
+            <a:r>
+              <a:rPr lang="en-US" altLang="ko-KR" sz="3200" dirty="0">
+                <a:solidFill>
+                  <a:schemeClr val="bg1"/>
+                </a:solidFill>
+                <a:latin typeface="여기어때 잘난체" panose="020B0600000101010101" pitchFamily="50" charset="-127"/>
+                <a:ea typeface="여기어때 잘난체" panose="020B0600000101010101" pitchFamily="50" charset="-127"/>
+              </a:rPr>
+              <a:t>– </a:t>
+            </a:r>
+            <a:r>
+              <a:rPr lang="ko-KR" altLang="en-US" sz="3200" dirty="0">
+                <a:solidFill>
+                  <a:schemeClr val="bg1"/>
+                </a:solidFill>
+                <a:latin typeface="여기어때 잘난체" panose="020B0600000101010101" pitchFamily="50" charset="-127"/>
+                <a:ea typeface="여기어때 잘난체" panose="020B0600000101010101" pitchFamily="50" charset="-127"/>
+              </a:rPr>
+              <a:t>몬스터</a:t>
+            </a:r>
+          </a:p>
+        </p:txBody>
+      </p:sp>
+      <p:pic>
+        <p:nvPicPr>
+          <p:cNvPr id="100" name="Picture 99"/>
+          <p:cNvPicPr/>
+          <p:nvPr/>
+        </p:nvPicPr>
+        <p:blipFill>
+          <a:blip r:embed="rId2"/>
+          <a:stretch>
+            <a:fillRect/>
+          </a:stretch>
+        </p:blipFill>
+        <p:spPr>
+          <a:xfrm>
+            <a:off x="469583" y="1067118"/>
+            <a:ext cx="2143125" cy="2143125"/>
+          </a:xfrm>
+          <a:prstGeom prst="rect">
+            <a:avLst/>
+          </a:prstGeom>
+          <a:noFill/>
+          <a:ln w="9525">
+            <a:noFill/>
+          </a:ln>
+        </p:spPr>
+      </p:pic>
+      <p:sp>
+        <p:nvSpPr>
+          <p:cNvPr id="138" name="Google Shape;138;p21"/>
+          <p:cNvSpPr txBox="1"/>
+          <p:nvPr/>
+        </p:nvSpPr>
+        <p:spPr>
+          <a:xfrm>
+            <a:off x="2522855" y="1209040"/>
+            <a:ext cx="3111500" cy="2001520"/>
+          </a:xfrm>
+          <a:prstGeom prst="rect">
+            <a:avLst/>
+          </a:prstGeom>
+          <a:noFill/>
+          <a:ln>
+            <a:noFill/>
+          </a:ln>
+        </p:spPr>
+        <p:txBody>
+          <a:bodyPr spcFirstLastPara="1" wrap="square" lIns="91425" tIns="91425" rIns="91425" bIns="91425" anchor="t" anchorCtr="0">
+            <a:noAutofit/>
+          </a:bodyPr>
+          <a:lstStyle/>
+          <a:p>
+            <a:pPr indent="0">
+              <a:spcBef>
+                <a:spcPts val="0"/>
+              </a:spcBef>
+              <a:spcAft>
+                <a:spcPts val="0"/>
+              </a:spcAft>
+              <a:buNone/>
+            </a:pPr>
+            <a:r>
+              <a:rPr lang="en-US" sz="1200">
+                <a:latin typeface="맑은 고딕" panose="020B0503020000020004" charset="-127"/>
+                <a:ea typeface="맑은 고딕" panose="020B0503020000020004" charset="-127"/>
+                <a:cs typeface="맑은 고딕" panose="020B0503020000020004" charset="-127"/>
+                <a:sym typeface="맑은 고딕" panose="020B0503020000020004" charset="-127"/>
+              </a:rPr>
+              <a:t>        </a:t>
+            </a:r>
+            <a:r>
+              <a:rPr lang="ko-KR" altLang="en-US" sz="1600" b="1">
+                <a:latin typeface="맑은 고딕" panose="020B0503020000020004" charset="-127"/>
+                <a:ea typeface="맑은 고딕" panose="020B0503020000020004" charset="-127"/>
+                <a:cs typeface="맑은 고딕" panose="020B0503020000020004" charset="-127"/>
+                <a:sym typeface="맑은 고딕" panose="020B0503020000020004" charset="-127"/>
+              </a:rPr>
+              <a:t>고블린</a:t>
+            </a:r>
+            <a:endParaRPr sz="1600" b="1">
+              <a:latin typeface="맑은 고딕" panose="020B0503020000020004" charset="-127"/>
+              <a:ea typeface="맑은 고딕" panose="020B0503020000020004" charset="-127"/>
+              <a:cs typeface="맑은 고딕" panose="020B0503020000020004" charset="-127"/>
+              <a:sym typeface="맑은 고딕" panose="020B0503020000020004" charset="-127"/>
+            </a:endParaRPr>
+          </a:p>
+          <a:p>
+            <a:pPr indent="0">
+              <a:spcBef>
+                <a:spcPts val="0"/>
+              </a:spcBef>
+              <a:spcAft>
+                <a:spcPts val="0"/>
+              </a:spcAft>
+              <a:buNone/>
+            </a:pPr>
+            <a:endParaRPr sz="1200">
+              <a:latin typeface="맑은 고딕" panose="020B0503020000020004" charset="-127"/>
+              <a:ea typeface="맑은 고딕" panose="020B0503020000020004" charset="-127"/>
+              <a:cs typeface="맑은 고딕" panose="020B0503020000020004" charset="-127"/>
+              <a:sym typeface="맑은 고딕" panose="020B0503020000020004" charset="-127"/>
+            </a:endParaRPr>
+          </a:p>
+          <a:p>
+            <a:pPr indent="0">
+              <a:spcBef>
+                <a:spcPts val="0"/>
+              </a:spcBef>
+              <a:spcAft>
+                <a:spcPts val="0"/>
+              </a:spcAft>
+              <a:buNone/>
+            </a:pPr>
+            <a:r>
+              <a:rPr lang="en-US" sz="1300">
+                <a:latin typeface="맑은 고딕" panose="020B0503020000020004" charset="-127"/>
+                <a:ea typeface="맑은 고딕" panose="020B0503020000020004" charset="-127"/>
+                <a:cs typeface="맑은 고딕" panose="020B0503020000020004" charset="-127"/>
+                <a:sym typeface="맑은 고딕" panose="020B0503020000020004" charset="-127"/>
+              </a:rPr>
+              <a:t>- 키 : 100cm</a:t>
+            </a:r>
+            <a:endParaRPr sz="1300">
+              <a:latin typeface="맑은 고딕" panose="020B0503020000020004" charset="-127"/>
+              <a:ea typeface="맑은 고딕" panose="020B0503020000020004" charset="-127"/>
+              <a:cs typeface="맑은 고딕" panose="020B0503020000020004" charset="-127"/>
+              <a:sym typeface="맑은 고딕" panose="020B0503020000020004" charset="-127"/>
+            </a:endParaRPr>
+          </a:p>
+          <a:p>
+            <a:pPr indent="0">
+              <a:spcBef>
+                <a:spcPts val="0"/>
+              </a:spcBef>
+              <a:spcAft>
+                <a:spcPts val="0"/>
+              </a:spcAft>
+              <a:buNone/>
+            </a:pPr>
+            <a:r>
+              <a:rPr lang="en-US" sz="1300">
+                <a:latin typeface="맑은 고딕" panose="020B0503020000020004" charset="-127"/>
+                <a:ea typeface="맑은 고딕" panose="020B0503020000020004" charset="-127"/>
+                <a:cs typeface="맑은 고딕" panose="020B0503020000020004" charset="-127"/>
+                <a:sym typeface="맑은 고딕" panose="020B0503020000020004" charset="-127"/>
+              </a:rPr>
+              <a:t>- 이동속도 : 1km/h</a:t>
+            </a:r>
+            <a:endParaRPr sz="1300">
+              <a:latin typeface="맑은 고딕" panose="020B0503020000020004" charset="-127"/>
+              <a:ea typeface="맑은 고딕" panose="020B0503020000020004" charset="-127"/>
+              <a:cs typeface="맑은 고딕" panose="020B0503020000020004" charset="-127"/>
+              <a:sym typeface="맑은 고딕" panose="020B0503020000020004" charset="-127"/>
+            </a:endParaRPr>
+          </a:p>
+          <a:p>
+            <a:pPr indent="0">
+              <a:spcBef>
+                <a:spcPts val="0"/>
+              </a:spcBef>
+              <a:spcAft>
+                <a:spcPts val="0"/>
+              </a:spcAft>
+              <a:buNone/>
+            </a:pPr>
+            <a:r>
+              <a:rPr lang="en-US" sz="1300">
+                <a:latin typeface="맑은 고딕" panose="020B0503020000020004" charset="-127"/>
+                <a:ea typeface="맑은 고딕" panose="020B0503020000020004" charset="-127"/>
+                <a:cs typeface="맑은 고딕" panose="020B0503020000020004" charset="-127"/>
+                <a:sym typeface="맑은 고딕" panose="020B0503020000020004" charset="-127"/>
+              </a:rPr>
+              <a:t>- 체력 : 100</a:t>
+            </a:r>
+          </a:p>
+          <a:p>
+            <a:pPr indent="0">
+              <a:spcBef>
+                <a:spcPts val="0"/>
+              </a:spcBef>
+              <a:spcAft>
+                <a:spcPts val="0"/>
+              </a:spcAft>
+              <a:buNone/>
+            </a:pPr>
+            <a:r>
+              <a:rPr lang="en-US" sz="1300">
+                <a:latin typeface="맑은 고딕" panose="020B0503020000020004" charset="-127"/>
+                <a:ea typeface="맑은 고딕" panose="020B0503020000020004" charset="-127"/>
+                <a:cs typeface="맑은 고딕" panose="020B0503020000020004" charset="-127"/>
+                <a:sym typeface="맑은 고딕" panose="020B0503020000020004" charset="-127"/>
+              </a:rPr>
+              <a:t>- </a:t>
+            </a:r>
+            <a:r>
+              <a:rPr lang="ko-KR" altLang="en-US" sz="1300">
+                <a:latin typeface="맑은 고딕" panose="020B0503020000020004" charset="-127"/>
+                <a:ea typeface="맑은 고딕" panose="020B0503020000020004" charset="-127"/>
+                <a:cs typeface="맑은 고딕" panose="020B0503020000020004" charset="-127"/>
+                <a:sym typeface="맑은 고딕" panose="020B0503020000020004" charset="-127"/>
+              </a:rPr>
+              <a:t>공격속도</a:t>
+            </a:r>
+            <a:r>
+              <a:rPr lang="en-US" altLang="ko-KR" sz="1300">
+                <a:latin typeface="맑은 고딕" panose="020B0503020000020004" charset="-127"/>
+                <a:ea typeface="맑은 고딕" panose="020B0503020000020004" charset="-127"/>
+                <a:cs typeface="맑은 고딕" panose="020B0503020000020004" charset="-127"/>
+                <a:sym typeface="맑은 고딕" panose="020B0503020000020004" charset="-127"/>
+              </a:rPr>
+              <a:t> : 1</a:t>
+            </a:r>
+            <a:r>
+              <a:rPr lang="ko-KR" altLang="en-US" sz="1300">
+                <a:latin typeface="맑은 고딕" panose="020B0503020000020004" charset="-127"/>
+                <a:ea typeface="맑은 고딕" panose="020B0503020000020004" charset="-127"/>
+                <a:cs typeface="맑은 고딕" panose="020B0503020000020004" charset="-127"/>
+                <a:sym typeface="맑은 고딕" panose="020B0503020000020004" charset="-127"/>
+              </a:rPr>
+              <a:t>초에</a:t>
+            </a:r>
+            <a:r>
+              <a:rPr lang="en-US" altLang="ko-KR" sz="1300">
+                <a:latin typeface="맑은 고딕" panose="020B0503020000020004" charset="-127"/>
+                <a:ea typeface="맑은 고딕" panose="020B0503020000020004" charset="-127"/>
+                <a:cs typeface="맑은 고딕" panose="020B0503020000020004" charset="-127"/>
+                <a:sym typeface="맑은 고딕" panose="020B0503020000020004" charset="-127"/>
+              </a:rPr>
+              <a:t> 1</a:t>
+            </a:r>
+            <a:r>
+              <a:rPr lang="ko-KR" altLang="en-US" sz="1300">
+                <a:latin typeface="맑은 고딕" panose="020B0503020000020004" charset="-127"/>
+                <a:ea typeface="맑은 고딕" panose="020B0503020000020004" charset="-127"/>
+                <a:cs typeface="맑은 고딕" panose="020B0503020000020004" charset="-127"/>
+                <a:sym typeface="맑은 고딕" panose="020B0503020000020004" charset="-127"/>
+              </a:rPr>
+              <a:t>번</a:t>
+            </a:r>
+            <a:endParaRPr sz="1300">
+              <a:latin typeface="맑은 고딕" panose="020B0503020000020004" charset="-127"/>
+              <a:ea typeface="맑은 고딕" panose="020B0503020000020004" charset="-127"/>
+              <a:cs typeface="맑은 고딕" panose="020B0503020000020004" charset="-127"/>
+              <a:sym typeface="맑은 고딕" panose="020B0503020000020004" charset="-127"/>
+            </a:endParaRPr>
+          </a:p>
+          <a:p>
+            <a:pPr indent="0">
+              <a:spcBef>
+                <a:spcPts val="0"/>
+              </a:spcBef>
+              <a:spcAft>
+                <a:spcPts val="0"/>
+              </a:spcAft>
+              <a:buNone/>
+            </a:pPr>
+            <a:r>
+              <a:rPr lang="en-US" sz="1300">
+                <a:latin typeface="맑은 고딕" panose="020B0503020000020004" charset="-127"/>
+                <a:ea typeface="맑은 고딕" panose="020B0503020000020004" charset="-127"/>
+                <a:cs typeface="맑은 고딕" panose="020B0503020000020004" charset="-127"/>
+                <a:sym typeface="맑은 고딕" panose="020B0503020000020004" charset="-127"/>
+              </a:rPr>
+              <a:t>- 데미지 : 20</a:t>
+            </a:r>
+            <a:endParaRPr sz="1300">
+              <a:latin typeface="맑은 고딕" panose="020B0503020000020004" charset="-127"/>
+              <a:ea typeface="맑은 고딕" panose="020B0503020000020004" charset="-127"/>
+              <a:cs typeface="맑은 고딕" panose="020B0503020000020004" charset="-127"/>
+              <a:sym typeface="맑은 고딕" panose="020B0503020000020004" charset="-127"/>
+            </a:endParaRPr>
+          </a:p>
+          <a:p>
+            <a:pPr indent="0">
+              <a:spcBef>
+                <a:spcPts val="0"/>
+              </a:spcBef>
+              <a:spcAft>
+                <a:spcPts val="0"/>
+              </a:spcAft>
+              <a:buNone/>
+            </a:pPr>
+            <a:r>
+              <a:rPr lang="en-US" sz="1300">
+                <a:latin typeface="맑은 고딕" panose="020B0503020000020004" charset="-127"/>
+                <a:ea typeface="맑은 고딕" panose="020B0503020000020004" charset="-127"/>
+                <a:cs typeface="맑은 고딕" panose="020B0503020000020004" charset="-127"/>
+                <a:sym typeface="맑은 고딕" panose="020B0503020000020004" charset="-127"/>
+              </a:rPr>
+              <a:t>- 애니메이션 4종(Idle, </a:t>
+            </a:r>
+            <a:r>
+              <a:rPr lang="ko-KR" altLang="en-US" sz="1300">
+                <a:latin typeface="맑은 고딕" panose="020B0503020000020004" charset="-127"/>
+                <a:ea typeface="맑은 고딕" panose="020B0503020000020004" charset="-127"/>
+                <a:cs typeface="맑은 고딕" panose="020B0503020000020004" charset="-127"/>
+                <a:sym typeface="맑은 고딕" panose="020B0503020000020004" charset="-127"/>
+              </a:rPr>
+              <a:t>이동</a:t>
+            </a:r>
+            <a:r>
+              <a:rPr lang="en-US" altLang="ko-KR" sz="1300">
+                <a:latin typeface="맑은 고딕" panose="020B0503020000020004" charset="-127"/>
+                <a:ea typeface="맑은 고딕" panose="020B0503020000020004" charset="-127"/>
+                <a:cs typeface="맑은 고딕" panose="020B0503020000020004" charset="-127"/>
+                <a:sym typeface="맑은 고딕" panose="020B0503020000020004" charset="-127"/>
+              </a:rPr>
+              <a:t>, </a:t>
+            </a:r>
+            <a:r>
+              <a:rPr lang="ko-KR" altLang="en-US" sz="1300">
+                <a:latin typeface="맑은 고딕" panose="020B0503020000020004" charset="-127"/>
+                <a:ea typeface="맑은 고딕" panose="020B0503020000020004" charset="-127"/>
+                <a:cs typeface="맑은 고딕" panose="020B0503020000020004" charset="-127"/>
+                <a:sym typeface="맑은 고딕" panose="020B0503020000020004" charset="-127"/>
+              </a:rPr>
+              <a:t>공격</a:t>
+            </a:r>
+            <a:r>
+              <a:rPr lang="en-US" altLang="ko-KR" sz="1300">
+                <a:latin typeface="맑은 고딕" panose="020B0503020000020004" charset="-127"/>
+                <a:ea typeface="맑은 고딕" panose="020B0503020000020004" charset="-127"/>
+                <a:cs typeface="맑은 고딕" panose="020B0503020000020004" charset="-127"/>
+                <a:sym typeface="맑은 고딕" panose="020B0503020000020004" charset="-127"/>
+              </a:rPr>
+              <a:t>, </a:t>
+            </a:r>
+            <a:r>
+              <a:rPr lang="ko-KR" altLang="en-US" sz="1300">
+                <a:latin typeface="맑은 고딕" panose="020B0503020000020004" charset="-127"/>
+                <a:ea typeface="맑은 고딕" panose="020B0503020000020004" charset="-127"/>
+                <a:cs typeface="맑은 고딕" panose="020B0503020000020004" charset="-127"/>
+                <a:sym typeface="맑은 고딕" panose="020B0503020000020004" charset="-127"/>
+              </a:rPr>
+              <a:t>사망</a:t>
+            </a:r>
+            <a:r>
+              <a:rPr lang="en-US" altLang="ko-KR" sz="1300">
+                <a:latin typeface="맑은 고딕" panose="020B0503020000020004" charset="-127"/>
+                <a:ea typeface="맑은 고딕" panose="020B0503020000020004" charset="-127"/>
+                <a:cs typeface="맑은 고딕" panose="020B0503020000020004" charset="-127"/>
+                <a:sym typeface="맑은 고딕" panose="020B0503020000020004" charset="-127"/>
+              </a:rPr>
+              <a:t>)</a:t>
+            </a:r>
+            <a:r>
+              <a:rPr lang="en-US" sz="1200">
+                <a:latin typeface="맑은 고딕" panose="020B0503020000020004" charset="-127"/>
+                <a:ea typeface="맑은 고딕" panose="020B0503020000020004" charset="-127"/>
+                <a:cs typeface="맑은 고딕" panose="020B0503020000020004" charset="-127"/>
+                <a:sym typeface="맑은 고딕" panose="020B0503020000020004" charset="-127"/>
+              </a:rPr>
+              <a:t> </a:t>
+            </a:r>
+            <a:endParaRPr sz="1200">
+              <a:latin typeface="맑은 고딕" panose="020B0503020000020004" charset="-127"/>
+              <a:ea typeface="맑은 고딕" panose="020B0503020000020004" charset="-127"/>
+              <a:cs typeface="맑은 고딕" panose="020B0503020000020004" charset="-127"/>
+              <a:sym typeface="맑은 고딕" panose="020B0503020000020004" charset="-127"/>
+            </a:endParaRPr>
+          </a:p>
+        </p:txBody>
+      </p:sp>
+      <p:pic>
+        <p:nvPicPr>
+          <p:cNvPr id="102" name="Picture 101"/>
+          <p:cNvPicPr/>
+          <p:nvPr/>
+        </p:nvPicPr>
+        <p:blipFill>
+          <a:blip r:embed="rId3"/>
+          <a:stretch>
+            <a:fillRect/>
+          </a:stretch>
+        </p:blipFill>
+        <p:spPr>
+          <a:xfrm>
+            <a:off x="5769610" y="943610"/>
+            <a:ext cx="2186305" cy="2390775"/>
+          </a:xfrm>
+          <a:prstGeom prst="rect">
+            <a:avLst/>
+          </a:prstGeom>
+          <a:noFill/>
+          <a:ln w="9525">
+            <a:noFill/>
+          </a:ln>
+        </p:spPr>
+      </p:pic>
+      <p:sp>
+        <p:nvSpPr>
+          <p:cNvPr id="2" name="Google Shape;138;p21"/>
+          <p:cNvSpPr txBox="1"/>
+          <p:nvPr/>
+        </p:nvSpPr>
+        <p:spPr>
+          <a:xfrm>
+            <a:off x="8091170" y="1209040"/>
+            <a:ext cx="3211195" cy="1859915"/>
+          </a:xfrm>
+          <a:prstGeom prst="rect">
+            <a:avLst/>
+          </a:prstGeom>
+          <a:noFill/>
+          <a:ln>
+            <a:noFill/>
+          </a:ln>
+        </p:spPr>
+        <p:txBody>
+          <a:bodyPr spcFirstLastPara="1" wrap="square" lIns="91425" tIns="91425" rIns="91425" bIns="91425" anchor="t" anchorCtr="0">
+            <a:noAutofit/>
+          </a:bodyPr>
+          <a:lstStyle/>
+          <a:p>
+            <a:pPr indent="0">
+              <a:spcBef>
+                <a:spcPts val="0"/>
+              </a:spcBef>
+              <a:spcAft>
+                <a:spcPts val="0"/>
+              </a:spcAft>
+              <a:buNone/>
+            </a:pPr>
+            <a:r>
+              <a:rPr lang="en-US" sz="1200">
+                <a:latin typeface="맑은 고딕" panose="020B0503020000020004" charset="-127"/>
+                <a:ea typeface="맑은 고딕" panose="020B0503020000020004" charset="-127"/>
+                <a:cs typeface="맑은 고딕" panose="020B0503020000020004" charset="-127"/>
+                <a:sym typeface="맑은 고딕" panose="020B0503020000020004" charset="-127"/>
+              </a:rPr>
+              <a:t>        </a:t>
+            </a:r>
+            <a:r>
+              <a:rPr lang="ko-KR" altLang="en-US" sz="1600" b="1">
+                <a:latin typeface="맑은 고딕" panose="020B0503020000020004" charset="-127"/>
+                <a:ea typeface="맑은 고딕" panose="020B0503020000020004" charset="-127"/>
+                <a:cs typeface="맑은 고딕" panose="020B0503020000020004" charset="-127"/>
+                <a:sym typeface="맑은 고딕" panose="020B0503020000020004" charset="-127"/>
+              </a:rPr>
+              <a:t>오거</a:t>
+            </a:r>
+            <a:endParaRPr sz="1600" b="1">
+              <a:latin typeface="맑은 고딕" panose="020B0503020000020004" charset="-127"/>
+              <a:ea typeface="맑은 고딕" panose="020B0503020000020004" charset="-127"/>
+              <a:cs typeface="맑은 고딕" panose="020B0503020000020004" charset="-127"/>
+              <a:sym typeface="맑은 고딕" panose="020B0503020000020004" charset="-127"/>
+            </a:endParaRPr>
+          </a:p>
+          <a:p>
+            <a:pPr indent="0">
+              <a:spcBef>
+                <a:spcPts val="0"/>
+              </a:spcBef>
+              <a:spcAft>
+                <a:spcPts val="0"/>
+              </a:spcAft>
+              <a:buNone/>
+            </a:pPr>
+            <a:endParaRPr sz="1200">
+              <a:latin typeface="맑은 고딕" panose="020B0503020000020004" charset="-127"/>
+              <a:ea typeface="맑은 고딕" panose="020B0503020000020004" charset="-127"/>
+              <a:cs typeface="맑은 고딕" panose="020B0503020000020004" charset="-127"/>
+              <a:sym typeface="맑은 고딕" panose="020B0503020000020004" charset="-127"/>
+            </a:endParaRPr>
+          </a:p>
+          <a:p>
+            <a:pPr indent="0">
+              <a:spcBef>
+                <a:spcPts val="0"/>
+              </a:spcBef>
+              <a:spcAft>
+                <a:spcPts val="0"/>
+              </a:spcAft>
+              <a:buNone/>
+            </a:pPr>
+            <a:r>
+              <a:rPr lang="en-US" sz="1300">
+                <a:latin typeface="맑은 고딕" panose="020B0503020000020004" charset="-127"/>
+                <a:ea typeface="맑은 고딕" panose="020B0503020000020004" charset="-127"/>
+                <a:cs typeface="맑은 고딕" panose="020B0503020000020004" charset="-127"/>
+                <a:sym typeface="맑은 고딕" panose="020B0503020000020004" charset="-127"/>
+              </a:rPr>
+              <a:t>- 키 : 200cm</a:t>
+            </a:r>
+            <a:endParaRPr sz="1300">
+              <a:latin typeface="맑은 고딕" panose="020B0503020000020004" charset="-127"/>
+              <a:ea typeface="맑은 고딕" panose="020B0503020000020004" charset="-127"/>
+              <a:cs typeface="맑은 고딕" panose="020B0503020000020004" charset="-127"/>
+              <a:sym typeface="맑은 고딕" panose="020B0503020000020004" charset="-127"/>
+            </a:endParaRPr>
+          </a:p>
+          <a:p>
+            <a:pPr indent="0">
+              <a:spcBef>
+                <a:spcPts val="0"/>
+              </a:spcBef>
+              <a:spcAft>
+                <a:spcPts val="0"/>
+              </a:spcAft>
+              <a:buNone/>
+            </a:pPr>
+            <a:r>
+              <a:rPr lang="en-US" sz="1300">
+                <a:latin typeface="맑은 고딕" panose="020B0503020000020004" charset="-127"/>
+                <a:ea typeface="맑은 고딕" panose="020B0503020000020004" charset="-127"/>
+                <a:cs typeface="맑은 고딕" panose="020B0503020000020004" charset="-127"/>
+                <a:sym typeface="맑은 고딕" panose="020B0503020000020004" charset="-127"/>
+              </a:rPr>
+              <a:t>- 이동속도 : 0.7km/h</a:t>
+            </a:r>
+            <a:endParaRPr sz="1300">
+              <a:latin typeface="맑은 고딕" panose="020B0503020000020004" charset="-127"/>
+              <a:ea typeface="맑은 고딕" panose="020B0503020000020004" charset="-127"/>
+              <a:cs typeface="맑은 고딕" panose="020B0503020000020004" charset="-127"/>
+              <a:sym typeface="맑은 고딕" panose="020B0503020000020004" charset="-127"/>
+            </a:endParaRPr>
+          </a:p>
+          <a:p>
+            <a:pPr indent="0">
+              <a:spcBef>
+                <a:spcPts val="0"/>
+              </a:spcBef>
+              <a:spcAft>
+                <a:spcPts val="0"/>
+              </a:spcAft>
+              <a:buNone/>
+            </a:pPr>
+            <a:r>
+              <a:rPr lang="en-US" sz="1300">
+                <a:latin typeface="맑은 고딕" panose="020B0503020000020004" charset="-127"/>
+                <a:ea typeface="맑은 고딕" panose="020B0503020000020004" charset="-127"/>
+                <a:cs typeface="맑은 고딕" panose="020B0503020000020004" charset="-127"/>
+                <a:sym typeface="맑은 고딕" panose="020B0503020000020004" charset="-127"/>
+              </a:rPr>
+              <a:t>- 체력 : 300</a:t>
+            </a:r>
+          </a:p>
+          <a:p>
+            <a:pPr indent="0">
+              <a:spcBef>
+                <a:spcPts val="0"/>
+              </a:spcBef>
+              <a:spcAft>
+                <a:spcPts val="0"/>
+              </a:spcAft>
+              <a:buNone/>
+            </a:pPr>
+            <a:r>
+              <a:rPr lang="en-US" sz="1300">
+                <a:latin typeface="맑은 고딕" panose="020B0503020000020004" charset="-127"/>
+                <a:ea typeface="맑은 고딕" panose="020B0503020000020004" charset="-127"/>
+                <a:cs typeface="맑은 고딕" panose="020B0503020000020004" charset="-127"/>
+                <a:sym typeface="맑은 고딕" panose="020B0503020000020004" charset="-127"/>
+              </a:rPr>
+              <a:t>- </a:t>
+            </a:r>
+            <a:r>
+              <a:rPr lang="ko-KR" altLang="en-US" sz="1300">
+                <a:latin typeface="맑은 고딕" panose="020B0503020000020004" charset="-127"/>
+                <a:ea typeface="맑은 고딕" panose="020B0503020000020004" charset="-127"/>
+                <a:cs typeface="맑은 고딕" panose="020B0503020000020004" charset="-127"/>
+                <a:sym typeface="맑은 고딕" panose="020B0503020000020004" charset="-127"/>
+              </a:rPr>
+              <a:t>공격속도</a:t>
+            </a:r>
+            <a:r>
+              <a:rPr lang="en-US" altLang="ko-KR" sz="1300">
+                <a:latin typeface="맑은 고딕" panose="020B0503020000020004" charset="-127"/>
+                <a:ea typeface="맑은 고딕" panose="020B0503020000020004" charset="-127"/>
+                <a:cs typeface="맑은 고딕" panose="020B0503020000020004" charset="-127"/>
+                <a:sym typeface="맑은 고딕" panose="020B0503020000020004" charset="-127"/>
+              </a:rPr>
+              <a:t> : 2.5</a:t>
+            </a:r>
+            <a:r>
+              <a:rPr lang="ko-KR" altLang="en-US" sz="1300">
+                <a:latin typeface="맑은 고딕" panose="020B0503020000020004" charset="-127"/>
+                <a:ea typeface="맑은 고딕" panose="020B0503020000020004" charset="-127"/>
+                <a:cs typeface="맑은 고딕" panose="020B0503020000020004" charset="-127"/>
+                <a:sym typeface="맑은 고딕" panose="020B0503020000020004" charset="-127"/>
+              </a:rPr>
+              <a:t>초에</a:t>
+            </a:r>
+            <a:r>
+              <a:rPr lang="en-US" altLang="ko-KR" sz="1300">
+                <a:latin typeface="맑은 고딕" panose="020B0503020000020004" charset="-127"/>
+                <a:ea typeface="맑은 고딕" panose="020B0503020000020004" charset="-127"/>
+                <a:cs typeface="맑은 고딕" panose="020B0503020000020004" charset="-127"/>
+                <a:sym typeface="맑은 고딕" panose="020B0503020000020004" charset="-127"/>
+              </a:rPr>
+              <a:t> 1</a:t>
+            </a:r>
+            <a:r>
+              <a:rPr lang="ko-KR" altLang="en-US" sz="1300">
+                <a:latin typeface="맑은 고딕" panose="020B0503020000020004" charset="-127"/>
+                <a:ea typeface="맑은 고딕" panose="020B0503020000020004" charset="-127"/>
+                <a:cs typeface="맑은 고딕" panose="020B0503020000020004" charset="-127"/>
+                <a:sym typeface="맑은 고딕" panose="020B0503020000020004" charset="-127"/>
+              </a:rPr>
+              <a:t>번</a:t>
+            </a:r>
+            <a:endParaRPr sz="1300">
+              <a:latin typeface="맑은 고딕" panose="020B0503020000020004" charset="-127"/>
+              <a:ea typeface="맑은 고딕" panose="020B0503020000020004" charset="-127"/>
+              <a:cs typeface="맑은 고딕" panose="020B0503020000020004" charset="-127"/>
+              <a:sym typeface="맑은 고딕" panose="020B0503020000020004" charset="-127"/>
+            </a:endParaRPr>
+          </a:p>
+          <a:p>
+            <a:pPr indent="0">
+              <a:spcBef>
+                <a:spcPts val="0"/>
+              </a:spcBef>
+              <a:spcAft>
+                <a:spcPts val="0"/>
+              </a:spcAft>
+              <a:buNone/>
+            </a:pPr>
+            <a:r>
+              <a:rPr lang="en-US" sz="1300">
+                <a:latin typeface="맑은 고딕" panose="020B0503020000020004" charset="-127"/>
+                <a:ea typeface="맑은 고딕" panose="020B0503020000020004" charset="-127"/>
+                <a:cs typeface="맑은 고딕" panose="020B0503020000020004" charset="-127"/>
+                <a:sym typeface="맑은 고딕" panose="020B0503020000020004" charset="-127"/>
+              </a:rPr>
+              <a:t>- 데미지 : 50</a:t>
+            </a:r>
+            <a:endParaRPr sz="1300">
+              <a:latin typeface="맑은 고딕" panose="020B0503020000020004" charset="-127"/>
+              <a:ea typeface="맑은 고딕" panose="020B0503020000020004" charset="-127"/>
+              <a:cs typeface="맑은 고딕" panose="020B0503020000020004" charset="-127"/>
+              <a:sym typeface="맑은 고딕" panose="020B0503020000020004" charset="-127"/>
+            </a:endParaRPr>
+          </a:p>
+          <a:p>
+            <a:pPr indent="0">
+              <a:spcBef>
+                <a:spcPts val="0"/>
+              </a:spcBef>
+              <a:spcAft>
+                <a:spcPts val="0"/>
+              </a:spcAft>
+              <a:buNone/>
+            </a:pPr>
+            <a:r>
+              <a:rPr lang="en-US" sz="1300">
+                <a:latin typeface="맑은 고딕" panose="020B0503020000020004" charset="-127"/>
+                <a:ea typeface="맑은 고딕" panose="020B0503020000020004" charset="-127"/>
+                <a:cs typeface="맑은 고딕" panose="020B0503020000020004" charset="-127"/>
+                <a:sym typeface="맑은 고딕" panose="020B0503020000020004" charset="-127"/>
+              </a:rPr>
+              <a:t>- 애니메이션 4종(Idle, </a:t>
+            </a:r>
+            <a:r>
+              <a:rPr lang="ko-KR" altLang="en-US" sz="1300">
+                <a:latin typeface="맑은 고딕" panose="020B0503020000020004" charset="-127"/>
+                <a:ea typeface="맑은 고딕" panose="020B0503020000020004" charset="-127"/>
+                <a:cs typeface="맑은 고딕" panose="020B0503020000020004" charset="-127"/>
+                <a:sym typeface="맑은 고딕" panose="020B0503020000020004" charset="-127"/>
+              </a:rPr>
+              <a:t>이동</a:t>
+            </a:r>
+            <a:r>
+              <a:rPr lang="en-US" altLang="ko-KR" sz="1300">
+                <a:latin typeface="맑은 고딕" panose="020B0503020000020004" charset="-127"/>
+                <a:ea typeface="맑은 고딕" panose="020B0503020000020004" charset="-127"/>
+                <a:cs typeface="맑은 고딕" panose="020B0503020000020004" charset="-127"/>
+                <a:sym typeface="맑은 고딕" panose="020B0503020000020004" charset="-127"/>
+              </a:rPr>
+              <a:t>, </a:t>
+            </a:r>
+            <a:r>
+              <a:rPr lang="ko-KR" altLang="en-US" sz="1300">
+                <a:latin typeface="맑은 고딕" panose="020B0503020000020004" charset="-127"/>
+                <a:ea typeface="맑은 고딕" panose="020B0503020000020004" charset="-127"/>
+                <a:cs typeface="맑은 고딕" panose="020B0503020000020004" charset="-127"/>
+                <a:sym typeface="맑은 고딕" panose="020B0503020000020004" charset="-127"/>
+              </a:rPr>
+              <a:t>공격</a:t>
+            </a:r>
+            <a:r>
+              <a:rPr lang="en-US" altLang="ko-KR" sz="1300">
+                <a:latin typeface="맑은 고딕" panose="020B0503020000020004" charset="-127"/>
+                <a:ea typeface="맑은 고딕" panose="020B0503020000020004" charset="-127"/>
+                <a:cs typeface="맑은 고딕" panose="020B0503020000020004" charset="-127"/>
+                <a:sym typeface="맑은 고딕" panose="020B0503020000020004" charset="-127"/>
+              </a:rPr>
+              <a:t>, </a:t>
+            </a:r>
+            <a:r>
+              <a:rPr lang="ko-KR" altLang="en-US" sz="1300">
+                <a:latin typeface="맑은 고딕" panose="020B0503020000020004" charset="-127"/>
+                <a:ea typeface="맑은 고딕" panose="020B0503020000020004" charset="-127"/>
+                <a:cs typeface="맑은 고딕" panose="020B0503020000020004" charset="-127"/>
+                <a:sym typeface="맑은 고딕" panose="020B0503020000020004" charset="-127"/>
+              </a:rPr>
+              <a:t>사망</a:t>
+            </a:r>
+            <a:r>
+              <a:rPr lang="en-US" altLang="ko-KR" sz="1300">
+                <a:latin typeface="맑은 고딕" panose="020B0503020000020004" charset="-127"/>
+                <a:ea typeface="맑은 고딕" panose="020B0503020000020004" charset="-127"/>
+                <a:cs typeface="맑은 고딕" panose="020B0503020000020004" charset="-127"/>
+                <a:sym typeface="맑은 고딕" panose="020B0503020000020004" charset="-127"/>
+              </a:rPr>
+              <a:t>)</a:t>
+            </a:r>
+            <a:r>
+              <a:rPr lang="en-US" sz="1200">
+                <a:latin typeface="맑은 고딕" panose="020B0503020000020004" charset="-127"/>
+                <a:ea typeface="맑은 고딕" panose="020B0503020000020004" charset="-127"/>
+                <a:cs typeface="맑은 고딕" panose="020B0503020000020004" charset="-127"/>
+                <a:sym typeface="맑은 고딕" panose="020B0503020000020004" charset="-127"/>
+              </a:rPr>
+              <a:t> </a:t>
+            </a:r>
+            <a:endParaRPr sz="1200">
+              <a:latin typeface="맑은 고딕" panose="020B0503020000020004" charset="-127"/>
+              <a:ea typeface="맑은 고딕" panose="020B0503020000020004" charset="-127"/>
+              <a:cs typeface="맑은 고딕" panose="020B0503020000020004" charset="-127"/>
+              <a:sym typeface="맑은 고딕" panose="020B0503020000020004" charset="-127"/>
+            </a:endParaRPr>
+          </a:p>
+        </p:txBody>
+      </p:sp>
+      <p:pic>
+        <p:nvPicPr>
+          <p:cNvPr id="103" name="Picture 102"/>
+          <p:cNvPicPr/>
+          <p:nvPr/>
+        </p:nvPicPr>
+        <p:blipFill>
+          <a:blip r:embed="rId4"/>
+          <a:stretch>
+            <a:fillRect/>
+          </a:stretch>
+        </p:blipFill>
+        <p:spPr>
+          <a:xfrm>
+            <a:off x="6298248" y="3743643"/>
+            <a:ext cx="1800225" cy="2543175"/>
+          </a:xfrm>
+          <a:prstGeom prst="rect">
+            <a:avLst/>
+          </a:prstGeom>
+          <a:noFill/>
+          <a:ln w="9525">
+            <a:noFill/>
+          </a:ln>
+        </p:spPr>
+      </p:pic>
+      <p:sp>
+        <p:nvSpPr>
+          <p:cNvPr id="3" name="Google Shape;138;p21"/>
+          <p:cNvSpPr txBox="1"/>
+          <p:nvPr/>
+        </p:nvSpPr>
+        <p:spPr>
+          <a:xfrm>
+            <a:off x="8472805" y="4085590"/>
+            <a:ext cx="2829560" cy="1996440"/>
+          </a:xfrm>
+          <a:prstGeom prst="rect">
+            <a:avLst/>
+          </a:prstGeom>
+          <a:noFill/>
+          <a:ln>
+            <a:noFill/>
+          </a:ln>
+        </p:spPr>
+        <p:txBody>
+          <a:bodyPr spcFirstLastPara="1" wrap="square" lIns="91425" tIns="91425" rIns="91425" bIns="91425" anchor="t" anchorCtr="0">
+            <a:noAutofit/>
+          </a:bodyPr>
+          <a:lstStyle/>
+          <a:p>
+            <a:pPr indent="0">
+              <a:spcBef>
+                <a:spcPts val="0"/>
+              </a:spcBef>
+              <a:spcAft>
+                <a:spcPts val="0"/>
+              </a:spcAft>
+              <a:buNone/>
+            </a:pPr>
+            <a:r>
+              <a:rPr lang="en-US" sz="1200">
+                <a:latin typeface="맑은 고딕" panose="020B0503020000020004" charset="-127"/>
+                <a:ea typeface="맑은 고딕" panose="020B0503020000020004" charset="-127"/>
+                <a:cs typeface="맑은 고딕" panose="020B0503020000020004" charset="-127"/>
+                <a:sym typeface="맑은 고딕" panose="020B0503020000020004" charset="-127"/>
+              </a:rPr>
+              <a:t>        </a:t>
+            </a:r>
+            <a:r>
+              <a:rPr lang="ko-KR" altLang="en-US" sz="1600" b="1">
+                <a:latin typeface="맑은 고딕" panose="020B0503020000020004" charset="-127"/>
+                <a:ea typeface="맑은 고딕" panose="020B0503020000020004" charset="-127"/>
+                <a:cs typeface="맑은 고딕" panose="020B0503020000020004" charset="-127"/>
+                <a:sym typeface="맑은 고딕" panose="020B0503020000020004" charset="-127"/>
+              </a:rPr>
+              <a:t>골렘</a:t>
+            </a:r>
+            <a:endParaRPr sz="1600" b="1">
+              <a:latin typeface="맑은 고딕" panose="020B0503020000020004" charset="-127"/>
+              <a:ea typeface="맑은 고딕" panose="020B0503020000020004" charset="-127"/>
+              <a:cs typeface="맑은 고딕" panose="020B0503020000020004" charset="-127"/>
+              <a:sym typeface="맑은 고딕" panose="020B0503020000020004" charset="-127"/>
+            </a:endParaRPr>
+          </a:p>
+          <a:p>
+            <a:pPr indent="0">
+              <a:spcBef>
+                <a:spcPts val="0"/>
+              </a:spcBef>
+              <a:spcAft>
+                <a:spcPts val="0"/>
+              </a:spcAft>
+              <a:buNone/>
+            </a:pPr>
+            <a:endParaRPr sz="1200">
+              <a:latin typeface="맑은 고딕" panose="020B0503020000020004" charset="-127"/>
+              <a:ea typeface="맑은 고딕" panose="020B0503020000020004" charset="-127"/>
+              <a:cs typeface="맑은 고딕" panose="020B0503020000020004" charset="-127"/>
+              <a:sym typeface="맑은 고딕" panose="020B0503020000020004" charset="-127"/>
+            </a:endParaRPr>
+          </a:p>
+          <a:p>
+            <a:pPr indent="0">
+              <a:spcBef>
+                <a:spcPts val="0"/>
+              </a:spcBef>
+              <a:spcAft>
+                <a:spcPts val="0"/>
+              </a:spcAft>
+              <a:buNone/>
+            </a:pPr>
+            <a:r>
+              <a:rPr lang="en-US" sz="1300">
+                <a:latin typeface="맑은 고딕" panose="020B0503020000020004" charset="-127"/>
+                <a:ea typeface="맑은 고딕" panose="020B0503020000020004" charset="-127"/>
+                <a:cs typeface="맑은 고딕" panose="020B0503020000020004" charset="-127"/>
+                <a:sym typeface="맑은 고딕" panose="020B0503020000020004" charset="-127"/>
+              </a:rPr>
+              <a:t>- 키 : 400cm</a:t>
+            </a:r>
+            <a:endParaRPr sz="1300">
+              <a:latin typeface="맑은 고딕" panose="020B0503020000020004" charset="-127"/>
+              <a:ea typeface="맑은 고딕" panose="020B0503020000020004" charset="-127"/>
+              <a:cs typeface="맑은 고딕" panose="020B0503020000020004" charset="-127"/>
+              <a:sym typeface="맑은 고딕" panose="020B0503020000020004" charset="-127"/>
+            </a:endParaRPr>
+          </a:p>
+          <a:p>
+            <a:pPr indent="0">
+              <a:spcBef>
+                <a:spcPts val="0"/>
+              </a:spcBef>
+              <a:spcAft>
+                <a:spcPts val="0"/>
+              </a:spcAft>
+              <a:buNone/>
+            </a:pPr>
+            <a:r>
+              <a:rPr lang="en-US" sz="1300">
+                <a:latin typeface="맑은 고딕" panose="020B0503020000020004" charset="-127"/>
+                <a:ea typeface="맑은 고딕" panose="020B0503020000020004" charset="-127"/>
+                <a:cs typeface="맑은 고딕" panose="020B0503020000020004" charset="-127"/>
+                <a:sym typeface="맑은 고딕" panose="020B0503020000020004" charset="-127"/>
+              </a:rPr>
+              <a:t>- 이동속도 : 0.5km/h</a:t>
+            </a:r>
+            <a:endParaRPr sz="1300">
+              <a:latin typeface="맑은 고딕" panose="020B0503020000020004" charset="-127"/>
+              <a:ea typeface="맑은 고딕" panose="020B0503020000020004" charset="-127"/>
+              <a:cs typeface="맑은 고딕" panose="020B0503020000020004" charset="-127"/>
+              <a:sym typeface="맑은 고딕" panose="020B0503020000020004" charset="-127"/>
+            </a:endParaRPr>
+          </a:p>
+          <a:p>
+            <a:pPr indent="0">
+              <a:spcBef>
+                <a:spcPts val="0"/>
+              </a:spcBef>
+              <a:spcAft>
+                <a:spcPts val="0"/>
+              </a:spcAft>
+              <a:buNone/>
+            </a:pPr>
+            <a:r>
+              <a:rPr lang="en-US" sz="1300">
+                <a:latin typeface="맑은 고딕" panose="020B0503020000020004" charset="-127"/>
+                <a:ea typeface="맑은 고딕" panose="020B0503020000020004" charset="-127"/>
+                <a:cs typeface="맑은 고딕" panose="020B0503020000020004" charset="-127"/>
+                <a:sym typeface="맑은 고딕" panose="020B0503020000020004" charset="-127"/>
+              </a:rPr>
+              <a:t>- 체력 : 500</a:t>
+            </a:r>
+          </a:p>
+          <a:p>
+            <a:pPr indent="0">
+              <a:spcBef>
+                <a:spcPts val="0"/>
+              </a:spcBef>
+              <a:spcAft>
+                <a:spcPts val="0"/>
+              </a:spcAft>
+              <a:buNone/>
+            </a:pPr>
+            <a:r>
+              <a:rPr lang="en-US" sz="1300">
+                <a:latin typeface="맑은 고딕" panose="020B0503020000020004" charset="-127"/>
+                <a:ea typeface="맑은 고딕" panose="020B0503020000020004" charset="-127"/>
+                <a:cs typeface="맑은 고딕" panose="020B0503020000020004" charset="-127"/>
+                <a:sym typeface="맑은 고딕" panose="020B0503020000020004" charset="-127"/>
+              </a:rPr>
+              <a:t>- </a:t>
+            </a:r>
+            <a:r>
+              <a:rPr lang="ko-KR" altLang="en-US" sz="1300">
+                <a:latin typeface="맑은 고딕" panose="020B0503020000020004" charset="-127"/>
+                <a:ea typeface="맑은 고딕" panose="020B0503020000020004" charset="-127"/>
+                <a:cs typeface="맑은 고딕" panose="020B0503020000020004" charset="-127"/>
+                <a:sym typeface="맑은 고딕" panose="020B0503020000020004" charset="-127"/>
+              </a:rPr>
+              <a:t>데미지</a:t>
+            </a:r>
+            <a:r>
+              <a:rPr lang="en-US" altLang="ko-KR" sz="1300">
+                <a:latin typeface="맑은 고딕" panose="020B0503020000020004" charset="-127"/>
+                <a:ea typeface="맑은 고딕" panose="020B0503020000020004" charset="-127"/>
+                <a:cs typeface="맑은 고딕" panose="020B0503020000020004" charset="-127"/>
+                <a:sym typeface="맑은 고딕" panose="020B0503020000020004" charset="-127"/>
+              </a:rPr>
+              <a:t> : 100</a:t>
+            </a:r>
+            <a:endParaRPr lang="en-US" sz="1300">
+              <a:latin typeface="맑은 고딕" panose="020B0503020000020004" charset="-127"/>
+              <a:ea typeface="맑은 고딕" panose="020B0503020000020004" charset="-127"/>
+              <a:cs typeface="맑은 고딕" panose="020B0503020000020004" charset="-127"/>
+              <a:sym typeface="맑은 고딕" panose="020B0503020000020004" charset="-127"/>
+            </a:endParaRPr>
+          </a:p>
+          <a:p>
+            <a:pPr indent="0">
+              <a:spcBef>
+                <a:spcPts val="0"/>
+              </a:spcBef>
+              <a:spcAft>
+                <a:spcPts val="0"/>
+              </a:spcAft>
+              <a:buNone/>
+            </a:pPr>
+            <a:r>
+              <a:rPr lang="en-US" sz="1300">
+                <a:latin typeface="맑은 고딕" panose="020B0503020000020004" charset="-127"/>
+                <a:ea typeface="맑은 고딕" panose="020B0503020000020004" charset="-127"/>
+                <a:cs typeface="맑은 고딕" panose="020B0503020000020004" charset="-127"/>
+                <a:sym typeface="맑은 고딕" panose="020B0503020000020004" charset="-127"/>
+              </a:rPr>
+              <a:t>- 애니메이션 5종(Idle, </a:t>
+            </a:r>
+            <a:r>
+              <a:rPr lang="ko-KR" altLang="en-US" sz="1300">
+                <a:latin typeface="맑은 고딕" panose="020B0503020000020004" charset="-127"/>
+                <a:ea typeface="맑은 고딕" panose="020B0503020000020004" charset="-127"/>
+                <a:cs typeface="맑은 고딕" panose="020B0503020000020004" charset="-127"/>
+                <a:sym typeface="맑은 고딕" panose="020B0503020000020004" charset="-127"/>
+              </a:rPr>
+              <a:t>이동</a:t>
+            </a:r>
+            <a:r>
+              <a:rPr lang="en-US" altLang="ko-KR" sz="1300">
+                <a:latin typeface="맑은 고딕" panose="020B0503020000020004" charset="-127"/>
+                <a:ea typeface="맑은 고딕" panose="020B0503020000020004" charset="-127"/>
+                <a:cs typeface="맑은 고딕" panose="020B0503020000020004" charset="-127"/>
+                <a:sym typeface="맑은 고딕" panose="020B0503020000020004" charset="-127"/>
+              </a:rPr>
+              <a:t>, </a:t>
+            </a:r>
+            <a:r>
+              <a:rPr lang="ko-KR" altLang="en-US" sz="1300">
+                <a:latin typeface="맑은 고딕" panose="020B0503020000020004" charset="-127"/>
+                <a:ea typeface="맑은 고딕" panose="020B0503020000020004" charset="-127"/>
+                <a:cs typeface="맑은 고딕" panose="020B0503020000020004" charset="-127"/>
+                <a:sym typeface="맑은 고딕" panose="020B0503020000020004" charset="-127"/>
+              </a:rPr>
+              <a:t>공격</a:t>
+            </a:r>
+            <a:r>
+              <a:rPr lang="en-US" altLang="ko-KR" sz="1300">
+                <a:latin typeface="맑은 고딕" panose="020B0503020000020004" charset="-127"/>
+                <a:ea typeface="맑은 고딕" panose="020B0503020000020004" charset="-127"/>
+                <a:cs typeface="맑은 고딕" panose="020B0503020000020004" charset="-127"/>
+                <a:sym typeface="맑은 고딕" panose="020B0503020000020004" charset="-127"/>
+              </a:rPr>
+              <a:t> 1, </a:t>
+            </a:r>
+            <a:r>
+              <a:rPr lang="ko-KR" altLang="en-US" sz="1300">
+                <a:latin typeface="맑은 고딕" panose="020B0503020000020004" charset="-127"/>
+                <a:ea typeface="맑은 고딕" panose="020B0503020000020004" charset="-127"/>
+                <a:cs typeface="맑은 고딕" panose="020B0503020000020004" charset="-127"/>
+                <a:sym typeface="맑은 고딕" panose="020B0503020000020004" charset="-127"/>
+              </a:rPr>
+              <a:t>공격</a:t>
+            </a:r>
+            <a:r>
+              <a:rPr lang="en-US" altLang="ko-KR" sz="1300">
+                <a:latin typeface="맑은 고딕" panose="020B0503020000020004" charset="-127"/>
+                <a:ea typeface="맑은 고딕" panose="020B0503020000020004" charset="-127"/>
+                <a:cs typeface="맑은 고딕" panose="020B0503020000020004" charset="-127"/>
+                <a:sym typeface="맑은 고딕" panose="020B0503020000020004" charset="-127"/>
+              </a:rPr>
+              <a:t> 2, </a:t>
+            </a:r>
+            <a:r>
+              <a:rPr lang="ko-KR" altLang="en-US" sz="1300">
+                <a:latin typeface="맑은 고딕" panose="020B0503020000020004" charset="-127"/>
+                <a:ea typeface="맑은 고딕" panose="020B0503020000020004" charset="-127"/>
+                <a:cs typeface="맑은 고딕" panose="020B0503020000020004" charset="-127"/>
+                <a:sym typeface="맑은 고딕" panose="020B0503020000020004" charset="-127"/>
+              </a:rPr>
+              <a:t>사망</a:t>
+            </a:r>
+            <a:r>
+              <a:rPr lang="en-US" altLang="ko-KR" sz="1300">
+                <a:latin typeface="맑은 고딕" panose="020B0503020000020004" charset="-127"/>
+                <a:ea typeface="맑은 고딕" panose="020B0503020000020004" charset="-127"/>
+                <a:cs typeface="맑은 고딕" panose="020B0503020000020004" charset="-127"/>
+                <a:sym typeface="맑은 고딕" panose="020B0503020000020004" charset="-127"/>
+              </a:rPr>
+              <a:t>)</a:t>
+            </a:r>
+            <a:r>
+              <a:rPr lang="en-US" sz="1200">
+                <a:latin typeface="맑은 고딕" panose="020B0503020000020004" charset="-127"/>
+                <a:ea typeface="맑은 고딕" panose="020B0503020000020004" charset="-127"/>
+                <a:cs typeface="맑은 고딕" panose="020B0503020000020004" charset="-127"/>
+                <a:sym typeface="맑은 고딕" panose="020B0503020000020004" charset="-127"/>
+              </a:rPr>
+              <a:t> </a:t>
+            </a:r>
+            <a:endParaRPr sz="1200">
+              <a:latin typeface="맑은 고딕" panose="020B0503020000020004" charset="-127"/>
+              <a:ea typeface="맑은 고딕" panose="020B0503020000020004" charset="-127"/>
+              <a:cs typeface="맑은 고딕" panose="020B0503020000020004" charset="-127"/>
+              <a:sym typeface="맑은 고딕" panose="020B0503020000020004" charset="-127"/>
+            </a:endParaRPr>
+          </a:p>
+        </p:txBody>
+      </p:sp>
+      <p:pic>
+        <p:nvPicPr>
+          <p:cNvPr id="104" name="Picture 103"/>
+          <p:cNvPicPr/>
+          <p:nvPr/>
+        </p:nvPicPr>
+        <p:blipFill>
+          <a:blip r:embed="rId5"/>
+          <a:stretch>
+            <a:fillRect/>
+          </a:stretch>
+        </p:blipFill>
+        <p:spPr>
+          <a:xfrm>
+            <a:off x="718185" y="4085590"/>
+            <a:ext cx="1957070" cy="2047875"/>
+          </a:xfrm>
+          <a:prstGeom prst="rect">
+            <a:avLst/>
+          </a:prstGeom>
+          <a:noFill/>
+          <a:ln w="9525">
+            <a:noFill/>
+          </a:ln>
+        </p:spPr>
+      </p:pic>
+      <p:sp>
+        <p:nvSpPr>
+          <p:cNvPr id="4" name="Google Shape;138;p21"/>
+          <p:cNvSpPr txBox="1"/>
+          <p:nvPr/>
+        </p:nvSpPr>
+        <p:spPr>
+          <a:xfrm>
+            <a:off x="2613025" y="4015105"/>
+            <a:ext cx="3111500" cy="2001520"/>
+          </a:xfrm>
+          <a:prstGeom prst="rect">
+            <a:avLst/>
+          </a:prstGeom>
+          <a:noFill/>
+          <a:ln>
+            <a:noFill/>
+          </a:ln>
+        </p:spPr>
+        <p:txBody>
+          <a:bodyPr spcFirstLastPara="1" wrap="square" lIns="91425" tIns="91425" rIns="91425" bIns="91425" anchor="t" anchorCtr="0">
+            <a:noAutofit/>
+          </a:bodyPr>
+          <a:lstStyle/>
+          <a:p>
+            <a:pPr indent="0">
+              <a:spcBef>
+                <a:spcPts val="0"/>
+              </a:spcBef>
+              <a:spcAft>
+                <a:spcPts val="0"/>
+              </a:spcAft>
+              <a:buNone/>
+            </a:pPr>
+            <a:r>
+              <a:rPr lang="en-US" sz="1200">
+                <a:latin typeface="맑은 고딕" panose="020B0503020000020004" charset="-127"/>
+                <a:ea typeface="맑은 고딕" panose="020B0503020000020004" charset="-127"/>
+                <a:cs typeface="맑은 고딕" panose="020B0503020000020004" charset="-127"/>
+                <a:sym typeface="맑은 고딕" panose="020B0503020000020004" charset="-127"/>
+              </a:rPr>
+              <a:t>       </a:t>
+            </a:r>
+            <a:r>
+              <a:rPr lang="ko-KR" altLang="en-US" sz="1600" b="1">
+                <a:latin typeface="맑은 고딕" panose="020B0503020000020004" charset="-127"/>
+                <a:ea typeface="맑은 고딕" panose="020B0503020000020004" charset="-127"/>
+                <a:cs typeface="맑은 고딕" panose="020B0503020000020004" charset="-127"/>
+                <a:sym typeface="맑은 고딕" panose="020B0503020000020004" charset="-127"/>
+              </a:rPr>
+              <a:t>스켈레톤</a:t>
+            </a:r>
+            <a:endParaRPr sz="1600" b="1">
+              <a:latin typeface="맑은 고딕" panose="020B0503020000020004" charset="-127"/>
+              <a:ea typeface="맑은 고딕" panose="020B0503020000020004" charset="-127"/>
+              <a:cs typeface="맑은 고딕" panose="020B0503020000020004" charset="-127"/>
+              <a:sym typeface="맑은 고딕" panose="020B0503020000020004" charset="-127"/>
+            </a:endParaRPr>
+          </a:p>
+          <a:p>
+            <a:pPr indent="0">
+              <a:spcBef>
+                <a:spcPts val="0"/>
+              </a:spcBef>
+              <a:spcAft>
+                <a:spcPts val="0"/>
+              </a:spcAft>
+              <a:buNone/>
+            </a:pPr>
+            <a:endParaRPr sz="1200">
+              <a:latin typeface="맑은 고딕" panose="020B0503020000020004" charset="-127"/>
+              <a:ea typeface="맑은 고딕" panose="020B0503020000020004" charset="-127"/>
+              <a:cs typeface="맑은 고딕" panose="020B0503020000020004" charset="-127"/>
+              <a:sym typeface="맑은 고딕" panose="020B0503020000020004" charset="-127"/>
+            </a:endParaRPr>
+          </a:p>
+          <a:p>
+            <a:pPr indent="0">
+              <a:spcBef>
+                <a:spcPts val="0"/>
+              </a:spcBef>
+              <a:spcAft>
+                <a:spcPts val="0"/>
+              </a:spcAft>
+              <a:buNone/>
+            </a:pPr>
+            <a:r>
+              <a:rPr lang="en-US" sz="1300">
+                <a:latin typeface="맑은 고딕" panose="020B0503020000020004" charset="-127"/>
+                <a:ea typeface="맑은 고딕" panose="020B0503020000020004" charset="-127"/>
+                <a:cs typeface="맑은 고딕" panose="020B0503020000020004" charset="-127"/>
+                <a:sym typeface="맑은 고딕" panose="020B0503020000020004" charset="-127"/>
+              </a:rPr>
+              <a:t>- 키 : 160cm</a:t>
+            </a:r>
+            <a:endParaRPr sz="1300">
+              <a:latin typeface="맑은 고딕" panose="020B0503020000020004" charset="-127"/>
+              <a:ea typeface="맑은 고딕" panose="020B0503020000020004" charset="-127"/>
+              <a:cs typeface="맑은 고딕" panose="020B0503020000020004" charset="-127"/>
+              <a:sym typeface="맑은 고딕" panose="020B0503020000020004" charset="-127"/>
+            </a:endParaRPr>
+          </a:p>
+          <a:p>
+            <a:pPr indent="0">
+              <a:spcBef>
+                <a:spcPts val="0"/>
+              </a:spcBef>
+              <a:spcAft>
+                <a:spcPts val="0"/>
+              </a:spcAft>
+              <a:buNone/>
+            </a:pPr>
+            <a:r>
+              <a:rPr lang="en-US" sz="1300">
+                <a:latin typeface="맑은 고딕" panose="020B0503020000020004" charset="-127"/>
+                <a:ea typeface="맑은 고딕" panose="020B0503020000020004" charset="-127"/>
+                <a:cs typeface="맑은 고딕" panose="020B0503020000020004" charset="-127"/>
+                <a:sym typeface="맑은 고딕" panose="020B0503020000020004" charset="-127"/>
+              </a:rPr>
+              <a:t>- 이동속도 : 1km/h</a:t>
+            </a:r>
+            <a:endParaRPr sz="1300">
+              <a:latin typeface="맑은 고딕" panose="020B0503020000020004" charset="-127"/>
+              <a:ea typeface="맑은 고딕" panose="020B0503020000020004" charset="-127"/>
+              <a:cs typeface="맑은 고딕" panose="020B0503020000020004" charset="-127"/>
+              <a:sym typeface="맑은 고딕" panose="020B0503020000020004" charset="-127"/>
+            </a:endParaRPr>
+          </a:p>
+          <a:p>
+            <a:pPr indent="0">
+              <a:spcBef>
+                <a:spcPts val="0"/>
+              </a:spcBef>
+              <a:spcAft>
+                <a:spcPts val="0"/>
+              </a:spcAft>
+              <a:buNone/>
+            </a:pPr>
+            <a:r>
+              <a:rPr lang="en-US" sz="1300">
+                <a:latin typeface="맑은 고딕" panose="020B0503020000020004" charset="-127"/>
+                <a:ea typeface="맑은 고딕" panose="020B0503020000020004" charset="-127"/>
+                <a:cs typeface="맑은 고딕" panose="020B0503020000020004" charset="-127"/>
+                <a:sym typeface="맑은 고딕" panose="020B0503020000020004" charset="-127"/>
+              </a:rPr>
+              <a:t>- 체력 : 150</a:t>
+            </a:r>
+          </a:p>
+          <a:p>
+            <a:pPr indent="0">
+              <a:spcBef>
+                <a:spcPts val="0"/>
+              </a:spcBef>
+              <a:spcAft>
+                <a:spcPts val="0"/>
+              </a:spcAft>
+              <a:buNone/>
+            </a:pPr>
+            <a:r>
+              <a:rPr lang="en-US" sz="1300">
+                <a:latin typeface="맑은 고딕" panose="020B0503020000020004" charset="-127"/>
+                <a:ea typeface="맑은 고딕" panose="020B0503020000020004" charset="-127"/>
+                <a:cs typeface="맑은 고딕" panose="020B0503020000020004" charset="-127"/>
+                <a:sym typeface="맑은 고딕" panose="020B0503020000020004" charset="-127"/>
+              </a:rPr>
+              <a:t>- </a:t>
+            </a:r>
+            <a:r>
+              <a:rPr lang="ko-KR" altLang="en-US" sz="1300">
+                <a:latin typeface="맑은 고딕" panose="020B0503020000020004" charset="-127"/>
+                <a:ea typeface="맑은 고딕" panose="020B0503020000020004" charset="-127"/>
+                <a:cs typeface="맑은 고딕" panose="020B0503020000020004" charset="-127"/>
+                <a:sym typeface="맑은 고딕" panose="020B0503020000020004" charset="-127"/>
+              </a:rPr>
+              <a:t>공격속도</a:t>
+            </a:r>
+            <a:r>
+              <a:rPr lang="en-US" altLang="ko-KR" sz="1300">
+                <a:latin typeface="맑은 고딕" panose="020B0503020000020004" charset="-127"/>
+                <a:ea typeface="맑은 고딕" panose="020B0503020000020004" charset="-127"/>
+                <a:cs typeface="맑은 고딕" panose="020B0503020000020004" charset="-127"/>
+                <a:sym typeface="맑은 고딕" panose="020B0503020000020004" charset="-127"/>
+              </a:rPr>
+              <a:t> : 1</a:t>
+            </a:r>
+            <a:r>
+              <a:rPr lang="ko-KR" altLang="en-US" sz="1300">
+                <a:latin typeface="맑은 고딕" panose="020B0503020000020004" charset="-127"/>
+                <a:ea typeface="맑은 고딕" panose="020B0503020000020004" charset="-127"/>
+                <a:cs typeface="맑은 고딕" panose="020B0503020000020004" charset="-127"/>
+                <a:sym typeface="맑은 고딕" panose="020B0503020000020004" charset="-127"/>
+              </a:rPr>
+              <a:t>초에</a:t>
+            </a:r>
+            <a:r>
+              <a:rPr lang="en-US" altLang="ko-KR" sz="1300">
+                <a:latin typeface="맑은 고딕" panose="020B0503020000020004" charset="-127"/>
+                <a:ea typeface="맑은 고딕" panose="020B0503020000020004" charset="-127"/>
+                <a:cs typeface="맑은 고딕" panose="020B0503020000020004" charset="-127"/>
+                <a:sym typeface="맑은 고딕" panose="020B0503020000020004" charset="-127"/>
+              </a:rPr>
+              <a:t> 1</a:t>
+            </a:r>
+            <a:r>
+              <a:rPr lang="ko-KR" altLang="en-US" sz="1300">
+                <a:latin typeface="맑은 고딕" panose="020B0503020000020004" charset="-127"/>
+                <a:ea typeface="맑은 고딕" panose="020B0503020000020004" charset="-127"/>
+                <a:cs typeface="맑은 고딕" panose="020B0503020000020004" charset="-127"/>
+                <a:sym typeface="맑은 고딕" panose="020B0503020000020004" charset="-127"/>
+              </a:rPr>
+              <a:t>번</a:t>
+            </a:r>
+            <a:endParaRPr sz="1300">
+              <a:latin typeface="맑은 고딕" panose="020B0503020000020004" charset="-127"/>
+              <a:ea typeface="맑은 고딕" panose="020B0503020000020004" charset="-127"/>
+              <a:cs typeface="맑은 고딕" panose="020B0503020000020004" charset="-127"/>
+              <a:sym typeface="맑은 고딕" panose="020B0503020000020004" charset="-127"/>
+            </a:endParaRPr>
+          </a:p>
+          <a:p>
+            <a:pPr indent="0">
+              <a:spcBef>
+                <a:spcPts val="0"/>
+              </a:spcBef>
+              <a:spcAft>
+                <a:spcPts val="0"/>
+              </a:spcAft>
+              <a:buNone/>
+            </a:pPr>
+            <a:r>
+              <a:rPr lang="en-US" sz="1300">
+                <a:latin typeface="맑은 고딕" panose="020B0503020000020004" charset="-127"/>
+                <a:ea typeface="맑은 고딕" panose="020B0503020000020004" charset="-127"/>
+                <a:cs typeface="맑은 고딕" panose="020B0503020000020004" charset="-127"/>
+                <a:sym typeface="맑은 고딕" panose="020B0503020000020004" charset="-127"/>
+              </a:rPr>
+              <a:t>- 데미지 : 30</a:t>
+            </a:r>
+            <a:endParaRPr sz="1300">
+              <a:latin typeface="맑은 고딕" panose="020B0503020000020004" charset="-127"/>
+              <a:ea typeface="맑은 고딕" panose="020B0503020000020004" charset="-127"/>
+              <a:cs typeface="맑은 고딕" panose="020B0503020000020004" charset="-127"/>
+              <a:sym typeface="맑은 고딕" panose="020B0503020000020004" charset="-127"/>
+            </a:endParaRPr>
+          </a:p>
+          <a:p>
+            <a:pPr indent="0">
+              <a:spcBef>
+                <a:spcPts val="0"/>
+              </a:spcBef>
+              <a:spcAft>
+                <a:spcPts val="0"/>
+              </a:spcAft>
+              <a:buNone/>
+            </a:pPr>
+            <a:r>
+              <a:rPr lang="en-US" sz="1300">
+                <a:latin typeface="맑은 고딕" panose="020B0503020000020004" charset="-127"/>
+                <a:ea typeface="맑은 고딕" panose="020B0503020000020004" charset="-127"/>
+                <a:cs typeface="맑은 고딕" panose="020B0503020000020004" charset="-127"/>
+                <a:sym typeface="맑은 고딕" panose="020B0503020000020004" charset="-127"/>
+              </a:rPr>
+              <a:t>- 애니메이션 4종(Idle, </a:t>
+            </a:r>
+            <a:r>
+              <a:rPr lang="ko-KR" altLang="en-US" sz="1300">
+                <a:latin typeface="맑은 고딕" panose="020B0503020000020004" charset="-127"/>
+                <a:ea typeface="맑은 고딕" panose="020B0503020000020004" charset="-127"/>
+                <a:cs typeface="맑은 고딕" panose="020B0503020000020004" charset="-127"/>
+                <a:sym typeface="맑은 고딕" panose="020B0503020000020004" charset="-127"/>
+              </a:rPr>
+              <a:t>이동</a:t>
+            </a:r>
+            <a:r>
+              <a:rPr lang="en-US" altLang="ko-KR" sz="1300">
+                <a:latin typeface="맑은 고딕" panose="020B0503020000020004" charset="-127"/>
+                <a:ea typeface="맑은 고딕" panose="020B0503020000020004" charset="-127"/>
+                <a:cs typeface="맑은 고딕" panose="020B0503020000020004" charset="-127"/>
+                <a:sym typeface="맑은 고딕" panose="020B0503020000020004" charset="-127"/>
+              </a:rPr>
+              <a:t>, </a:t>
+            </a:r>
+            <a:r>
+              <a:rPr lang="ko-KR" altLang="en-US" sz="1300">
+                <a:latin typeface="맑은 고딕" panose="020B0503020000020004" charset="-127"/>
+                <a:ea typeface="맑은 고딕" panose="020B0503020000020004" charset="-127"/>
+                <a:cs typeface="맑은 고딕" panose="020B0503020000020004" charset="-127"/>
+                <a:sym typeface="맑은 고딕" panose="020B0503020000020004" charset="-127"/>
+              </a:rPr>
+              <a:t>공격</a:t>
+            </a:r>
+            <a:r>
+              <a:rPr lang="en-US" altLang="ko-KR" sz="1300">
+                <a:latin typeface="맑은 고딕" panose="020B0503020000020004" charset="-127"/>
+                <a:ea typeface="맑은 고딕" panose="020B0503020000020004" charset="-127"/>
+                <a:cs typeface="맑은 고딕" panose="020B0503020000020004" charset="-127"/>
+                <a:sym typeface="맑은 고딕" panose="020B0503020000020004" charset="-127"/>
+              </a:rPr>
+              <a:t>, </a:t>
+            </a:r>
+            <a:r>
+              <a:rPr lang="ko-KR" altLang="en-US" sz="1300">
+                <a:latin typeface="맑은 고딕" panose="020B0503020000020004" charset="-127"/>
+                <a:ea typeface="맑은 고딕" panose="020B0503020000020004" charset="-127"/>
+                <a:cs typeface="맑은 고딕" panose="020B0503020000020004" charset="-127"/>
+                <a:sym typeface="맑은 고딕" panose="020B0503020000020004" charset="-127"/>
+              </a:rPr>
+              <a:t>사망</a:t>
+            </a:r>
+            <a:r>
+              <a:rPr lang="en-US" altLang="ko-KR" sz="1300">
+                <a:latin typeface="맑은 고딕" panose="020B0503020000020004" charset="-127"/>
+                <a:ea typeface="맑은 고딕" panose="020B0503020000020004" charset="-127"/>
+                <a:cs typeface="맑은 고딕" panose="020B0503020000020004" charset="-127"/>
+                <a:sym typeface="맑은 고딕" panose="020B0503020000020004" charset="-127"/>
+              </a:rPr>
+              <a:t>)</a:t>
+            </a:r>
+            <a:r>
+              <a:rPr lang="en-US" sz="1200">
+                <a:latin typeface="맑은 고딕" panose="020B0503020000020004" charset="-127"/>
+                <a:ea typeface="맑은 고딕" panose="020B0503020000020004" charset="-127"/>
+                <a:cs typeface="맑은 고딕" panose="020B0503020000020004" charset="-127"/>
+                <a:sym typeface="맑은 고딕" panose="020B0503020000020004" charset="-127"/>
+              </a:rPr>
+              <a:t> </a:t>
+            </a:r>
+            <a:endParaRPr sz="1200">
+              <a:latin typeface="맑은 고딕" panose="020B0503020000020004" charset="-127"/>
+              <a:ea typeface="맑은 고딕" panose="020B0503020000020004" charset="-127"/>
+              <a:cs typeface="맑은 고딕" panose="020B0503020000020004" charset="-127"/>
+              <a:sym typeface="맑은 고딕" panose="020B0503020000020004" charset="-127"/>
+            </a:endParaRPr>
+          </a:p>
+        </p:txBody>
+      </p:sp>
+    </p:spTree>
+  </p:cSld>
+  <p:clrMapOvr>
+    <a:masterClrMapping/>
+  </p:clrMapOvr>
+</p:sld>
+</file>
+
+<file path=ppt/slides/slide12.xml><?xml version="1.0" encoding="utf-8"?>
+<p:sld xmlns:a="http://schemas.openxmlformats.org/drawingml/2006/main" xmlns:r="http://schemas.openxmlformats.org/officeDocument/2006/relationships" xmlns:p="http://schemas.openxmlformats.org/presentationml/2006/main">
+  <p:cSld>
+    <p:bg>
+      <p:bgPr>
+        <a:solidFill>
+          <a:srgbClr val="8BA9AB"/>
+        </a:solidFill>
+        <a:effectLst/>
+      </p:bgPr>
+    </p:bg>
+    <p:spTree>
+      <p:nvGrpSpPr>
+        <p:cNvPr id="1" name=""/>
+        <p:cNvGrpSpPr/>
+        <p:nvPr/>
+      </p:nvGrpSpPr>
+      <p:grpSpPr>
+        <a:xfrm>
+          <a:off x="0" y="0"/>
+          <a:ext cx="0" cy="0"/>
+          <a:chOff x="0" y="0"/>
+          <a:chExt cx="0" cy="0"/>
+        </a:xfrm>
+      </p:grpSpPr>
+      <p:sp>
+        <p:nvSpPr>
+          <p:cNvPr id="15" name="직사각형 14"/>
+          <p:cNvSpPr/>
+          <p:nvPr/>
+        </p:nvSpPr>
+        <p:spPr>
+          <a:xfrm>
+            <a:off x="469900" y="925976"/>
+            <a:ext cx="11226800" cy="5617119"/>
+          </a:xfrm>
+          <a:prstGeom prst="rect">
+            <a:avLst/>
+          </a:prstGeom>
+          <a:solidFill>
+            <a:schemeClr val="bg1"/>
+          </a:solidFill>
+          <a:ln w="28575">
+            <a:solidFill>
+              <a:srgbClr val="A3BCBD"/>
+            </a:solidFill>
+          </a:ln>
+        </p:spPr>
+        <p:style>
+          <a:lnRef idx="2">
+            <a:schemeClr val="accent1">
+              <a:shade val="50000"/>
+            </a:schemeClr>
+          </a:lnRef>
+          <a:fillRef idx="1">
+            <a:schemeClr val="accent1"/>
+          </a:fillRef>
+          <a:effectRef idx="0">
+            <a:schemeClr val="accent1"/>
+          </a:effectRef>
+          <a:fontRef idx="minor">
+            <a:schemeClr val="lt1"/>
+          </a:fontRef>
+        </p:style>
+        <p:txBody>
+          <a:bodyPr rtlCol="0" anchor="ctr"/>
+          <a:lstStyle/>
+          <a:p>
+            <a:pPr algn="ctr"/>
+            <a:endParaRPr lang="ko-KR" altLang="en-US"/>
+          </a:p>
+        </p:txBody>
+      </p:sp>
+      <p:sp>
+        <p:nvSpPr>
+          <p:cNvPr id="18" name="TextBox 17"/>
+          <p:cNvSpPr txBox="1"/>
+          <p:nvPr/>
+        </p:nvSpPr>
+        <p:spPr>
+          <a:xfrm>
+            <a:off x="469900" y="260991"/>
+            <a:ext cx="6692900" cy="583565"/>
+          </a:xfrm>
+          <a:prstGeom prst="rect">
+            <a:avLst/>
+          </a:prstGeom>
+          <a:noFill/>
+        </p:spPr>
+        <p:txBody>
+          <a:bodyPr wrap="square" rtlCol="0">
+            <a:spAutoFit/>
+          </a:bodyPr>
+          <a:lstStyle/>
+          <a:p>
+            <a:r>
+              <a:rPr lang="en-US" altLang="ko-KR" sz="3200" dirty="0">
+                <a:solidFill>
+                  <a:schemeClr val="bg1"/>
+                </a:solidFill>
+                <a:latin typeface="여기어때 잘난체" panose="020B0600000101010101" pitchFamily="50" charset="-127"/>
+                <a:ea typeface="여기어때 잘난체" panose="020B0600000101010101" pitchFamily="50" charset="-127"/>
+              </a:rPr>
+              <a:t>02. </a:t>
+            </a:r>
+            <a:r>
+              <a:rPr lang="ko-KR" altLang="en-US" sz="3200" dirty="0">
+                <a:solidFill>
+                  <a:schemeClr val="bg1"/>
+                </a:solidFill>
+                <a:latin typeface="여기어때 잘난체" panose="020B0600000101010101" pitchFamily="50" charset="-127"/>
+                <a:ea typeface="여기어때 잘난체" panose="020B0600000101010101" pitchFamily="50" charset="-127"/>
+              </a:rPr>
+              <a:t>게임 소개 </a:t>
+            </a:r>
+            <a:r>
+              <a:rPr lang="en-US" altLang="ko-KR" sz="3200" dirty="0">
+                <a:solidFill>
+                  <a:schemeClr val="bg1"/>
+                </a:solidFill>
+                <a:latin typeface="여기어때 잘난체" panose="020B0600000101010101" pitchFamily="50" charset="-127"/>
+                <a:ea typeface="여기어때 잘난체" panose="020B0600000101010101" pitchFamily="50" charset="-127"/>
+              </a:rPr>
+              <a:t>– </a:t>
+            </a:r>
+            <a:r>
+              <a:rPr lang="ko-KR" altLang="en-US" sz="3200" dirty="0">
+                <a:solidFill>
+                  <a:schemeClr val="bg1"/>
+                </a:solidFill>
+                <a:latin typeface="여기어때 잘난체" panose="020B0600000101010101" pitchFamily="50" charset="-127"/>
+                <a:ea typeface="여기어때 잘난체" panose="020B0600000101010101" pitchFamily="50" charset="-127"/>
+              </a:rPr>
+              <a:t>퍼즐</a:t>
+            </a:r>
+          </a:p>
+        </p:txBody>
+      </p:sp>
+      <p:graphicFrame>
+        <p:nvGraphicFramePr>
+          <p:cNvPr id="14" name="Object 13"/>
+          <p:cNvGraphicFramePr/>
+          <p:nvPr/>
+        </p:nvGraphicFramePr>
+        <p:xfrm>
+          <a:off x="786765" y="5812155"/>
+          <a:ext cx="448310" cy="429260"/>
+        </p:xfrm>
+        <a:graphic>
+          <a:graphicData uri="http://schemas.openxmlformats.org/presentationml/2006/ole">
+            <mc:AlternateContent xmlns:mc="http://schemas.openxmlformats.org/markup-compatibility/2006">
+              <mc:Choice xmlns:v="urn:schemas-microsoft-com:vml" Requires="v">
+                <p:oleObj r:id="rId2" imgW="447675" imgH="428625" progId="Paint.Picture">
+                  <p:embed/>
+                </p:oleObj>
+              </mc:Choice>
+              <mc:Fallback>
+                <p:oleObj r:id="rId2" imgW="447675" imgH="428625" progId="Paint.Picture">
+                  <p:embed/>
+                  <p:pic>
+                    <p:nvPicPr>
+                      <p:cNvPr id="0" name="Picture 2"/>
+                      <p:cNvPicPr/>
+                      <p:nvPr/>
+                    </p:nvPicPr>
+                    <p:blipFill>
+                      <a:blip r:embed="rId3"/>
+                      <a:stretch>
+                        <a:fillRect/>
+                      </a:stretch>
+                    </p:blipFill>
+                    <p:spPr>
+                      <a:xfrm>
+                        <a:off x="786765" y="5812155"/>
+                        <a:ext cx="448310" cy="429260"/>
+                      </a:xfrm>
+                      <a:prstGeom prst="rect">
+                        <a:avLst/>
+                      </a:prstGeom>
+                    </p:spPr>
+                  </p:pic>
+                </p:oleObj>
+              </mc:Fallback>
+            </mc:AlternateContent>
+          </a:graphicData>
+        </a:graphic>
+      </p:graphicFrame>
+      <p:sp>
+        <p:nvSpPr>
+          <p:cNvPr id="20" name="Google Shape;138;p21"/>
+          <p:cNvSpPr txBox="1"/>
+          <p:nvPr/>
+        </p:nvSpPr>
+        <p:spPr>
+          <a:xfrm>
+            <a:off x="1251585" y="5803900"/>
+            <a:ext cx="1220470" cy="445770"/>
+          </a:xfrm>
+          <a:prstGeom prst="rect">
+            <a:avLst/>
+          </a:prstGeom>
+          <a:noFill/>
+          <a:ln>
+            <a:noFill/>
+          </a:ln>
+        </p:spPr>
+        <p:txBody>
+          <a:bodyPr spcFirstLastPara="1" wrap="square" lIns="91425" tIns="91425" rIns="91425" bIns="91425" anchor="t" anchorCtr="0">
+            <a:noAutofit/>
+          </a:bodyPr>
+          <a:lstStyle/>
+          <a:p>
+            <a:pPr indent="0">
+              <a:spcBef>
+                <a:spcPts val="0"/>
+              </a:spcBef>
+              <a:spcAft>
+                <a:spcPts val="0"/>
+              </a:spcAft>
+              <a:buNone/>
+            </a:pPr>
+            <a:r>
+              <a:rPr lang="en-US" altLang="ko-KR" sz="1600">
+                <a:latin typeface="맑은 고딕" panose="020B0503020000020004" charset="-127"/>
+                <a:ea typeface="맑은 고딕" panose="020B0503020000020004" charset="-127"/>
+                <a:cs typeface="맑은 고딕" panose="020B0503020000020004" charset="-127"/>
+                <a:sym typeface="맑은 고딕" panose="020B0503020000020004" charset="-127"/>
+              </a:rPr>
+              <a:t>: </a:t>
+            </a:r>
+            <a:r>
+              <a:rPr lang="ko-KR" altLang="en-US" sz="1600">
+                <a:latin typeface="맑은 고딕" panose="020B0503020000020004" charset="-127"/>
+                <a:ea typeface="맑은 고딕" panose="020B0503020000020004" charset="-127"/>
+                <a:cs typeface="맑은 고딕" panose="020B0503020000020004" charset="-127"/>
+                <a:sym typeface="맑은 고딕" panose="020B0503020000020004" charset="-127"/>
+              </a:rPr>
+              <a:t>플레이어</a:t>
+            </a:r>
+            <a:endParaRPr sz="1600">
+              <a:latin typeface="맑은 고딕" panose="020B0503020000020004" charset="-127"/>
+              <a:ea typeface="맑은 고딕" panose="020B0503020000020004" charset="-127"/>
+              <a:cs typeface="맑은 고딕" panose="020B0503020000020004" charset="-127"/>
+              <a:sym typeface="맑은 고딕" panose="020B0503020000020004" charset="-127"/>
+            </a:endParaRPr>
+          </a:p>
+          <a:p>
+            <a:pPr indent="0">
+              <a:spcBef>
+                <a:spcPts val="0"/>
+              </a:spcBef>
+              <a:spcAft>
+                <a:spcPts val="0"/>
+              </a:spcAft>
+              <a:buNone/>
+            </a:pPr>
+            <a:r>
+              <a:rPr lang="en-US" sz="1200">
+                <a:latin typeface="맑은 고딕" panose="020B0503020000020004" charset="-127"/>
+                <a:ea typeface="맑은 고딕" panose="020B0503020000020004" charset="-127"/>
+                <a:cs typeface="맑은 고딕" panose="020B0503020000020004" charset="-127"/>
+                <a:sym typeface="맑은 고딕" panose="020B0503020000020004" charset="-127"/>
+              </a:rPr>
+              <a:t> </a:t>
+            </a:r>
+            <a:endParaRPr sz="1200">
+              <a:latin typeface="맑은 고딕" panose="020B0503020000020004" charset="-127"/>
+              <a:ea typeface="맑은 고딕" panose="020B0503020000020004" charset="-127"/>
+              <a:cs typeface="맑은 고딕" panose="020B0503020000020004" charset="-127"/>
+              <a:sym typeface="맑은 고딕" panose="020B0503020000020004" charset="-127"/>
+            </a:endParaRPr>
+          </a:p>
+        </p:txBody>
+      </p:sp>
+      <p:sp>
+        <p:nvSpPr>
+          <p:cNvPr id="21" name="Google Shape;138;p21"/>
+          <p:cNvSpPr txBox="1"/>
+          <p:nvPr/>
+        </p:nvSpPr>
+        <p:spPr>
+          <a:xfrm>
+            <a:off x="2904490" y="5803900"/>
+            <a:ext cx="1656715" cy="445770"/>
+          </a:xfrm>
+          <a:prstGeom prst="rect">
+            <a:avLst/>
+          </a:prstGeom>
+          <a:noFill/>
+          <a:ln>
+            <a:noFill/>
+          </a:ln>
+        </p:spPr>
+        <p:txBody>
+          <a:bodyPr spcFirstLastPara="1" wrap="square" lIns="91425" tIns="91425" rIns="91425" bIns="91425" anchor="t" anchorCtr="0">
+            <a:noAutofit/>
+          </a:bodyPr>
+          <a:lstStyle/>
+          <a:p>
+            <a:pPr indent="0">
+              <a:spcBef>
+                <a:spcPts val="0"/>
+              </a:spcBef>
+              <a:spcAft>
+                <a:spcPts val="0"/>
+              </a:spcAft>
+              <a:buNone/>
+            </a:pPr>
+            <a:r>
+              <a:rPr lang="en-US" altLang="ko-KR" sz="1600">
+                <a:latin typeface="맑은 고딕" panose="020B0503020000020004" charset="-127"/>
+                <a:ea typeface="맑은 고딕" panose="020B0503020000020004" charset="-127"/>
+                <a:cs typeface="맑은 고딕" panose="020B0503020000020004" charset="-127"/>
+                <a:sym typeface="맑은 고딕" panose="020B0503020000020004" charset="-127"/>
+              </a:rPr>
+              <a:t>: </a:t>
+            </a:r>
+            <a:r>
+              <a:rPr lang="ko-KR" altLang="en-US" sz="1600">
+                <a:latin typeface="맑은 고딕" panose="020B0503020000020004" charset="-127"/>
+                <a:ea typeface="맑은 고딕" panose="020B0503020000020004" charset="-127"/>
+                <a:cs typeface="맑은 고딕" panose="020B0503020000020004" charset="-127"/>
+                <a:sym typeface="맑은 고딕" panose="020B0503020000020004" charset="-127"/>
+              </a:rPr>
+              <a:t>비석</a:t>
+            </a:r>
+            <a:r>
+              <a:rPr lang="en-US" altLang="ko-KR" sz="1600">
+                <a:latin typeface="맑은 고딕" panose="020B0503020000020004" charset="-127"/>
+                <a:ea typeface="맑은 고딕" panose="020B0503020000020004" charset="-127"/>
+                <a:cs typeface="맑은 고딕" panose="020B0503020000020004" charset="-127"/>
+                <a:sym typeface="맑은 고딕" panose="020B0503020000020004" charset="-127"/>
+              </a:rPr>
+              <a:t> </a:t>
+            </a:r>
+            <a:r>
+              <a:rPr lang="ko-KR" altLang="en-US" sz="1600">
+                <a:latin typeface="맑은 고딕" panose="020B0503020000020004" charset="-127"/>
+                <a:ea typeface="맑은 고딕" panose="020B0503020000020004" charset="-127"/>
+                <a:cs typeface="맑은 고딕" panose="020B0503020000020004" charset="-127"/>
+                <a:sym typeface="맑은 고딕" panose="020B0503020000020004" charset="-127"/>
+              </a:rPr>
+              <a:t>오브젝트</a:t>
+            </a:r>
+            <a:endParaRPr sz="1600">
+              <a:latin typeface="맑은 고딕" panose="020B0503020000020004" charset="-127"/>
+              <a:ea typeface="맑은 고딕" panose="020B0503020000020004" charset="-127"/>
+              <a:cs typeface="맑은 고딕" panose="020B0503020000020004" charset="-127"/>
+              <a:sym typeface="맑은 고딕" panose="020B0503020000020004" charset="-127"/>
+            </a:endParaRPr>
+          </a:p>
+          <a:p>
+            <a:pPr indent="0">
+              <a:spcBef>
+                <a:spcPts val="0"/>
+              </a:spcBef>
+              <a:spcAft>
+                <a:spcPts val="0"/>
+              </a:spcAft>
+              <a:buNone/>
+            </a:pPr>
+            <a:r>
+              <a:rPr lang="en-US" sz="1200">
+                <a:latin typeface="맑은 고딕" panose="020B0503020000020004" charset="-127"/>
+                <a:ea typeface="맑은 고딕" panose="020B0503020000020004" charset="-127"/>
+                <a:cs typeface="맑은 고딕" panose="020B0503020000020004" charset="-127"/>
+                <a:sym typeface="맑은 고딕" panose="020B0503020000020004" charset="-127"/>
+              </a:rPr>
+              <a:t> </a:t>
+            </a:r>
+            <a:endParaRPr sz="1200">
+              <a:latin typeface="맑은 고딕" panose="020B0503020000020004" charset="-127"/>
+              <a:ea typeface="맑은 고딕" panose="020B0503020000020004" charset="-127"/>
+              <a:cs typeface="맑은 고딕" panose="020B0503020000020004" charset="-127"/>
+              <a:sym typeface="맑은 고딕" panose="020B0503020000020004" charset="-127"/>
+            </a:endParaRPr>
+          </a:p>
+        </p:txBody>
+      </p:sp>
+      <p:graphicFrame>
+        <p:nvGraphicFramePr>
+          <p:cNvPr id="22" name="Object 21"/>
+          <p:cNvGraphicFramePr/>
+          <p:nvPr/>
+        </p:nvGraphicFramePr>
+        <p:xfrm>
+          <a:off x="1770380" y="3002915"/>
+          <a:ext cx="361950" cy="343535"/>
+        </p:xfrm>
+        <a:graphic>
+          <a:graphicData uri="http://schemas.openxmlformats.org/presentationml/2006/ole">
+            <mc:AlternateContent xmlns:mc="http://schemas.openxmlformats.org/markup-compatibility/2006">
+              <mc:Choice xmlns:v="urn:schemas-microsoft-com:vml" Requires="v">
+                <p:oleObj r:id="rId4" imgW="361950" imgH="342900" progId="Paint.Picture">
+                  <p:embed/>
+                </p:oleObj>
+              </mc:Choice>
+              <mc:Fallback>
+                <p:oleObj r:id="rId4" imgW="361950" imgH="342900" progId="Paint.Picture">
+                  <p:embed/>
+                  <p:pic>
+                    <p:nvPicPr>
+                      <p:cNvPr id="0" name="Picture 22"/>
+                      <p:cNvPicPr/>
+                      <p:nvPr/>
+                    </p:nvPicPr>
+                    <p:blipFill>
+                      <a:blip r:embed="rId5"/>
+                      <a:stretch>
+                        <a:fillRect/>
+                      </a:stretch>
+                    </p:blipFill>
+                    <p:spPr>
+                      <a:xfrm>
+                        <a:off x="1770380" y="3002915"/>
+                        <a:ext cx="361950" cy="343535"/>
+                      </a:xfrm>
+                      <a:prstGeom prst="rect">
+                        <a:avLst/>
+                      </a:prstGeom>
+                    </p:spPr>
+                  </p:pic>
+                </p:oleObj>
+              </mc:Fallback>
+            </mc:AlternateContent>
+          </a:graphicData>
+        </a:graphic>
+      </p:graphicFrame>
+      <p:graphicFrame>
+        <p:nvGraphicFramePr>
+          <p:cNvPr id="34" name="Object 33"/>
+          <p:cNvGraphicFramePr/>
+          <p:nvPr/>
+        </p:nvGraphicFramePr>
+        <p:xfrm>
+          <a:off x="2498090" y="5855018"/>
+          <a:ext cx="361950" cy="343535"/>
+        </p:xfrm>
+        <a:graphic>
+          <a:graphicData uri="http://schemas.openxmlformats.org/presentationml/2006/ole">
+            <mc:AlternateContent xmlns:mc="http://schemas.openxmlformats.org/markup-compatibility/2006">
+              <mc:Choice xmlns:v="urn:schemas-microsoft-com:vml" Requires="v">
+                <p:oleObj r:id="rId6" imgW="361950" imgH="342900" progId="Paint.Picture">
+                  <p:embed/>
+                </p:oleObj>
+              </mc:Choice>
+              <mc:Fallback>
+                <p:oleObj r:id="rId6" imgW="361950" imgH="342900" progId="Paint.Picture">
+                  <p:embed/>
+                  <p:pic>
+                    <p:nvPicPr>
+                      <p:cNvPr id="0" name="Picture 24"/>
+                      <p:cNvPicPr/>
+                      <p:nvPr/>
+                    </p:nvPicPr>
+                    <p:blipFill>
+                      <a:blip r:embed="rId7"/>
+                      <a:stretch>
+                        <a:fillRect/>
+                      </a:stretch>
+                    </p:blipFill>
+                    <p:spPr>
+                      <a:xfrm>
+                        <a:off x="2498090" y="5855018"/>
+                        <a:ext cx="361950" cy="343535"/>
+                      </a:xfrm>
+                      <a:prstGeom prst="rect">
+                        <a:avLst/>
+                      </a:prstGeom>
+                    </p:spPr>
+                  </p:pic>
+                </p:oleObj>
+              </mc:Fallback>
+            </mc:AlternateContent>
+          </a:graphicData>
+        </a:graphic>
+      </p:graphicFrame>
+      <p:sp>
+        <p:nvSpPr>
+          <p:cNvPr id="36" name="Google Shape;138;p21"/>
+          <p:cNvSpPr txBox="1"/>
+          <p:nvPr/>
+        </p:nvSpPr>
+        <p:spPr>
+          <a:xfrm>
+            <a:off x="601345" y="4031615"/>
+            <a:ext cx="2698750" cy="859155"/>
+          </a:xfrm>
+          <a:prstGeom prst="rect">
+            <a:avLst/>
+          </a:prstGeom>
+          <a:noFill/>
+          <a:ln>
+            <a:noFill/>
+          </a:ln>
+        </p:spPr>
+        <p:txBody>
+          <a:bodyPr spcFirstLastPara="1" wrap="square" lIns="91425" tIns="91425" rIns="91425" bIns="91425" anchor="t" anchorCtr="0">
+            <a:noAutofit/>
+          </a:bodyPr>
+          <a:lstStyle/>
+          <a:p>
+            <a:pPr indent="0">
+              <a:spcBef>
+                <a:spcPts val="0"/>
+              </a:spcBef>
+              <a:spcAft>
+                <a:spcPts val="0"/>
+              </a:spcAft>
+              <a:buNone/>
+            </a:pPr>
+            <a:r>
+              <a:rPr lang="ko-KR" altLang="en-US" sz="1200">
+                <a:latin typeface="맑은 고딕" panose="020B0503020000020004" charset="-127"/>
+                <a:ea typeface="맑은 고딕" panose="020B0503020000020004" charset="-127"/>
+                <a:cs typeface="맑은 고딕" panose="020B0503020000020004" charset="-127"/>
+                <a:sym typeface="맑은 고딕" panose="020B0503020000020004" charset="-127"/>
+              </a:rPr>
+              <a:t>닫힌</a:t>
+            </a:r>
+            <a:r>
+              <a:rPr lang="en-US" altLang="ko-KR" sz="1200">
+                <a:latin typeface="맑은 고딕" panose="020B0503020000020004" charset="-127"/>
+                <a:ea typeface="맑은 고딕" panose="020B0503020000020004" charset="-127"/>
+                <a:cs typeface="맑은 고딕" panose="020B0503020000020004" charset="-127"/>
+                <a:sym typeface="맑은 고딕" panose="020B0503020000020004" charset="-127"/>
+              </a:rPr>
+              <a:t> </a:t>
+            </a:r>
+            <a:r>
+              <a:rPr lang="ko-KR" altLang="en-US" sz="1200">
+                <a:latin typeface="맑은 고딕" panose="020B0503020000020004" charset="-127"/>
+                <a:ea typeface="맑은 고딕" panose="020B0503020000020004" charset="-127"/>
+                <a:cs typeface="맑은 고딕" panose="020B0503020000020004" charset="-127"/>
+                <a:sym typeface="맑은 고딕" panose="020B0503020000020004" charset="-127"/>
+              </a:rPr>
+              <a:t>문</a:t>
+            </a:r>
+            <a:r>
+              <a:rPr lang="en-US" altLang="ko-KR" sz="1200">
+                <a:latin typeface="맑은 고딕" panose="020B0503020000020004" charset="-127"/>
+                <a:ea typeface="맑은 고딕" panose="020B0503020000020004" charset="-127"/>
+                <a:cs typeface="맑은 고딕" panose="020B0503020000020004" charset="-127"/>
+                <a:sym typeface="맑은 고딕" panose="020B0503020000020004" charset="-127"/>
+              </a:rPr>
+              <a:t> </a:t>
+            </a:r>
+            <a:r>
+              <a:rPr lang="ko-KR" altLang="en-US" sz="1200">
+                <a:latin typeface="맑은 고딕" panose="020B0503020000020004" charset="-127"/>
+                <a:ea typeface="맑은 고딕" panose="020B0503020000020004" charset="-127"/>
+                <a:cs typeface="맑은 고딕" panose="020B0503020000020004" charset="-127"/>
+                <a:sym typeface="맑은 고딕" panose="020B0503020000020004" charset="-127"/>
+              </a:rPr>
+              <a:t>앞에</a:t>
+            </a:r>
+            <a:r>
+              <a:rPr lang="en-US" altLang="ko-KR" sz="1200">
+                <a:latin typeface="맑은 고딕" panose="020B0503020000020004" charset="-127"/>
+                <a:ea typeface="맑은 고딕" panose="020B0503020000020004" charset="-127"/>
+                <a:cs typeface="맑은 고딕" panose="020B0503020000020004" charset="-127"/>
+                <a:sym typeface="맑은 고딕" panose="020B0503020000020004" charset="-127"/>
+              </a:rPr>
+              <a:t> </a:t>
+            </a:r>
+            <a:r>
+              <a:rPr lang="ko-KR" altLang="en-US" sz="1200">
+                <a:latin typeface="맑은 고딕" panose="020B0503020000020004" charset="-127"/>
+                <a:ea typeface="맑은 고딕" panose="020B0503020000020004" charset="-127"/>
+                <a:cs typeface="맑은 고딕" panose="020B0503020000020004" charset="-127"/>
+                <a:sym typeface="맑은 고딕" panose="020B0503020000020004" charset="-127"/>
+              </a:rPr>
+              <a:t>다섯</a:t>
+            </a:r>
+            <a:r>
+              <a:rPr lang="en-US" altLang="ko-KR" sz="1200">
+                <a:latin typeface="맑은 고딕" panose="020B0503020000020004" charset="-127"/>
+                <a:ea typeface="맑은 고딕" panose="020B0503020000020004" charset="-127"/>
+                <a:cs typeface="맑은 고딕" panose="020B0503020000020004" charset="-127"/>
+                <a:sym typeface="맑은 고딕" panose="020B0503020000020004" charset="-127"/>
+              </a:rPr>
+              <a:t> </a:t>
+            </a:r>
+            <a:r>
+              <a:rPr lang="ko-KR" altLang="en-US" sz="1200">
+                <a:latin typeface="맑은 고딕" panose="020B0503020000020004" charset="-127"/>
+                <a:ea typeface="맑은 고딕" panose="020B0503020000020004" charset="-127"/>
+                <a:cs typeface="맑은 고딕" panose="020B0503020000020004" charset="-127"/>
+                <a:sym typeface="맑은 고딕" panose="020B0503020000020004" charset="-127"/>
+              </a:rPr>
+              <a:t>개의</a:t>
+            </a:r>
+            <a:r>
+              <a:rPr lang="en-US" altLang="ko-KR" sz="1200">
+                <a:latin typeface="맑은 고딕" panose="020B0503020000020004" charset="-127"/>
+                <a:ea typeface="맑은 고딕" panose="020B0503020000020004" charset="-127"/>
+                <a:cs typeface="맑은 고딕" panose="020B0503020000020004" charset="-127"/>
+                <a:sym typeface="맑은 고딕" panose="020B0503020000020004" charset="-127"/>
+              </a:rPr>
+              <a:t> </a:t>
+            </a:r>
+            <a:r>
+              <a:rPr lang="ko-KR" altLang="en-US" sz="1200">
+                <a:latin typeface="맑은 고딕" panose="020B0503020000020004" charset="-127"/>
+                <a:ea typeface="맑은 고딕" panose="020B0503020000020004" charset="-127"/>
+                <a:cs typeface="맑은 고딕" panose="020B0503020000020004" charset="-127"/>
+                <a:sym typeface="맑은 고딕" panose="020B0503020000020004" charset="-127"/>
+              </a:rPr>
+              <a:t>비석</a:t>
+            </a:r>
+            <a:r>
+              <a:rPr lang="en-US" altLang="ko-KR" sz="1200">
+                <a:latin typeface="맑은 고딕" panose="020B0503020000020004" charset="-127"/>
+                <a:ea typeface="맑은 고딕" panose="020B0503020000020004" charset="-127"/>
+                <a:cs typeface="맑은 고딕" panose="020B0503020000020004" charset="-127"/>
+                <a:sym typeface="맑은 고딕" panose="020B0503020000020004" charset="-127"/>
+              </a:rPr>
+              <a:t> </a:t>
+            </a:r>
+            <a:r>
+              <a:rPr lang="ko-KR" altLang="en-US" sz="1200">
+                <a:latin typeface="맑은 고딕" panose="020B0503020000020004" charset="-127"/>
+                <a:ea typeface="맑은 고딕" panose="020B0503020000020004" charset="-127"/>
+                <a:cs typeface="맑은 고딕" panose="020B0503020000020004" charset="-127"/>
+                <a:sym typeface="맑은 고딕" panose="020B0503020000020004" charset="-127"/>
+              </a:rPr>
+              <a:t>오브젝트가</a:t>
+            </a:r>
+            <a:r>
+              <a:rPr lang="en-US" altLang="ko-KR" sz="1200">
+                <a:latin typeface="맑은 고딕" panose="020B0503020000020004" charset="-127"/>
+                <a:ea typeface="맑은 고딕" panose="020B0503020000020004" charset="-127"/>
+                <a:cs typeface="맑은 고딕" panose="020B0503020000020004" charset="-127"/>
+                <a:sym typeface="맑은 고딕" panose="020B0503020000020004" charset="-127"/>
+              </a:rPr>
+              <a:t> </a:t>
+            </a:r>
+            <a:r>
+              <a:rPr lang="ko-KR" altLang="en-US" sz="1200">
+                <a:latin typeface="맑은 고딕" panose="020B0503020000020004" charset="-127"/>
+                <a:ea typeface="맑은 고딕" panose="020B0503020000020004" charset="-127"/>
+                <a:cs typeface="맑은 고딕" panose="020B0503020000020004" charset="-127"/>
+                <a:sym typeface="맑은 고딕" panose="020B0503020000020004" charset="-127"/>
+              </a:rPr>
+              <a:t>배치되어</a:t>
+            </a:r>
+            <a:r>
+              <a:rPr lang="en-US" altLang="ko-KR" sz="1200">
+                <a:latin typeface="맑은 고딕" panose="020B0503020000020004" charset="-127"/>
+                <a:ea typeface="맑은 고딕" panose="020B0503020000020004" charset="-127"/>
+                <a:cs typeface="맑은 고딕" panose="020B0503020000020004" charset="-127"/>
+                <a:sym typeface="맑은 고딕" panose="020B0503020000020004" charset="-127"/>
+              </a:rPr>
+              <a:t> </a:t>
+            </a:r>
+            <a:r>
+              <a:rPr lang="ko-KR" altLang="en-US" sz="1200">
+                <a:latin typeface="맑은 고딕" panose="020B0503020000020004" charset="-127"/>
+                <a:ea typeface="맑은 고딕" panose="020B0503020000020004" charset="-127"/>
+                <a:cs typeface="맑은 고딕" panose="020B0503020000020004" charset="-127"/>
+                <a:sym typeface="맑은 고딕" panose="020B0503020000020004" charset="-127"/>
+              </a:rPr>
+              <a:t>있다</a:t>
+            </a:r>
+            <a:r>
+              <a:rPr lang="en-US" altLang="ko-KR" sz="1200">
+                <a:latin typeface="맑은 고딕" panose="020B0503020000020004" charset="-127"/>
+                <a:ea typeface="맑은 고딕" panose="020B0503020000020004" charset="-127"/>
+                <a:cs typeface="맑은 고딕" panose="020B0503020000020004" charset="-127"/>
+                <a:sym typeface="맑은 고딕" panose="020B0503020000020004" charset="-127"/>
+              </a:rPr>
+              <a:t>.</a:t>
+            </a:r>
+          </a:p>
+        </p:txBody>
+      </p:sp>
+      <p:pic>
+        <p:nvPicPr>
+          <p:cNvPr id="105" name="Picture 104"/>
+          <p:cNvPicPr/>
+          <p:nvPr/>
+        </p:nvPicPr>
+        <p:blipFill>
+          <a:blip r:embed="rId8"/>
+          <a:stretch>
+            <a:fillRect/>
+          </a:stretch>
+        </p:blipFill>
+        <p:spPr>
+          <a:xfrm>
+            <a:off x="3690620" y="3288665"/>
+            <a:ext cx="558800" cy="603250"/>
+          </a:xfrm>
+          <a:prstGeom prst="rect">
+            <a:avLst/>
+          </a:prstGeom>
+          <a:noFill/>
+          <a:ln w="9525">
+            <a:noFill/>
+          </a:ln>
+        </p:spPr>
+      </p:pic>
+      <p:graphicFrame>
+        <p:nvGraphicFramePr>
+          <p:cNvPr id="37" name="Object 36"/>
+          <p:cNvGraphicFramePr/>
+          <p:nvPr/>
+        </p:nvGraphicFramePr>
+        <p:xfrm>
+          <a:off x="4732020" y="5855018"/>
+          <a:ext cx="361950" cy="343535"/>
+        </p:xfrm>
+        <a:graphic>
+          <a:graphicData uri="http://schemas.openxmlformats.org/presentationml/2006/ole">
+            <mc:AlternateContent xmlns:mc="http://schemas.openxmlformats.org/markup-compatibility/2006">
+              <mc:Choice xmlns:v="urn:schemas-microsoft-com:vml" Requires="v">
+                <p:oleObj r:id="rId9" imgW="361950" imgH="342900" progId="Paint.Picture">
+                  <p:embed/>
+                </p:oleObj>
+              </mc:Choice>
+              <mc:Fallback>
+                <p:oleObj r:id="rId9" imgW="361950" imgH="342900" progId="Paint.Picture">
+                  <p:embed/>
+                  <p:pic>
+                    <p:nvPicPr>
+                      <p:cNvPr id="0" name="Picture 37"/>
+                      <p:cNvPicPr/>
+                      <p:nvPr/>
+                    </p:nvPicPr>
+                    <p:blipFill>
+                      <a:blip r:embed="rId10"/>
+                      <a:stretch>
+                        <a:fillRect/>
+                      </a:stretch>
+                    </p:blipFill>
+                    <p:spPr>
+                      <a:xfrm>
+                        <a:off x="4732020" y="5855018"/>
+                        <a:ext cx="361950" cy="343535"/>
+                      </a:xfrm>
+                      <a:prstGeom prst="rect">
+                        <a:avLst/>
+                      </a:prstGeom>
+                    </p:spPr>
+                  </p:pic>
+                </p:oleObj>
+              </mc:Fallback>
+            </mc:AlternateContent>
+          </a:graphicData>
+        </a:graphic>
+      </p:graphicFrame>
+      <p:sp>
+        <p:nvSpPr>
+          <p:cNvPr id="39" name="Google Shape;138;p21"/>
+          <p:cNvSpPr txBox="1"/>
+          <p:nvPr/>
+        </p:nvSpPr>
+        <p:spPr>
+          <a:xfrm>
+            <a:off x="5168900" y="5803900"/>
+            <a:ext cx="2455545" cy="445770"/>
+          </a:xfrm>
+          <a:prstGeom prst="rect">
+            <a:avLst/>
+          </a:prstGeom>
+          <a:noFill/>
+          <a:ln>
+            <a:noFill/>
+          </a:ln>
+        </p:spPr>
+        <p:txBody>
+          <a:bodyPr spcFirstLastPara="1" wrap="square" lIns="91425" tIns="91425" rIns="91425" bIns="91425" anchor="t" anchorCtr="0">
+            <a:noAutofit/>
+          </a:bodyPr>
+          <a:lstStyle/>
+          <a:p>
+            <a:pPr indent="0">
+              <a:spcBef>
+                <a:spcPts val="0"/>
+              </a:spcBef>
+              <a:spcAft>
+                <a:spcPts val="0"/>
+              </a:spcAft>
+              <a:buNone/>
+            </a:pPr>
+            <a:r>
+              <a:rPr lang="en-US" altLang="ko-KR" sz="1600">
+                <a:latin typeface="맑은 고딕" panose="020B0503020000020004" charset="-127"/>
+                <a:ea typeface="맑은 고딕" panose="020B0503020000020004" charset="-127"/>
+                <a:cs typeface="맑은 고딕" panose="020B0503020000020004" charset="-127"/>
+                <a:sym typeface="맑은 고딕" panose="020B0503020000020004" charset="-127"/>
+              </a:rPr>
+              <a:t>: </a:t>
+            </a:r>
+            <a:r>
+              <a:rPr lang="ko-KR" altLang="en-US" sz="1600">
+                <a:latin typeface="맑은 고딕" panose="020B0503020000020004" charset="-127"/>
+                <a:ea typeface="맑은 고딕" panose="020B0503020000020004" charset="-127"/>
+                <a:cs typeface="맑은 고딕" panose="020B0503020000020004" charset="-127"/>
+                <a:sym typeface="맑은 고딕" panose="020B0503020000020004" charset="-127"/>
+              </a:rPr>
+              <a:t>비석</a:t>
+            </a:r>
+            <a:r>
+              <a:rPr lang="en-US" altLang="ko-KR" sz="1600">
+                <a:latin typeface="맑은 고딕" panose="020B0503020000020004" charset="-127"/>
+                <a:ea typeface="맑은 고딕" panose="020B0503020000020004" charset="-127"/>
+                <a:cs typeface="맑은 고딕" panose="020B0503020000020004" charset="-127"/>
+                <a:sym typeface="맑은 고딕" panose="020B0503020000020004" charset="-127"/>
+              </a:rPr>
+              <a:t> </a:t>
+            </a:r>
+            <a:r>
+              <a:rPr lang="ko-KR" altLang="en-US" sz="1600">
+                <a:latin typeface="맑은 고딕" panose="020B0503020000020004" charset="-127"/>
+                <a:ea typeface="맑은 고딕" panose="020B0503020000020004" charset="-127"/>
+                <a:cs typeface="맑은 고딕" panose="020B0503020000020004" charset="-127"/>
+                <a:sym typeface="맑은 고딕" panose="020B0503020000020004" charset="-127"/>
+              </a:rPr>
+              <a:t>오브젝트</a:t>
+            </a:r>
+            <a:r>
+              <a:rPr lang="en-US" altLang="ko-KR" sz="1600">
+                <a:latin typeface="맑은 고딕" panose="020B0503020000020004" charset="-127"/>
+                <a:ea typeface="맑은 고딕" panose="020B0503020000020004" charset="-127"/>
+                <a:cs typeface="맑은 고딕" panose="020B0503020000020004" charset="-127"/>
+                <a:sym typeface="맑은 고딕" panose="020B0503020000020004" charset="-127"/>
+              </a:rPr>
+              <a:t>(</a:t>
+            </a:r>
+            <a:r>
+              <a:rPr lang="ko-KR" altLang="en-US" sz="1600">
+                <a:latin typeface="맑은 고딕" panose="020B0503020000020004" charset="-127"/>
+                <a:ea typeface="맑은 고딕" panose="020B0503020000020004" charset="-127"/>
+                <a:cs typeface="맑은 고딕" panose="020B0503020000020004" charset="-127"/>
+                <a:sym typeface="맑은 고딕" panose="020B0503020000020004" charset="-127"/>
+              </a:rPr>
+              <a:t>활성화</a:t>
+            </a:r>
+            <a:r>
+              <a:rPr lang="en-US" altLang="ko-KR" sz="1600">
+                <a:latin typeface="맑은 고딕" panose="020B0503020000020004" charset="-127"/>
+                <a:ea typeface="맑은 고딕" panose="020B0503020000020004" charset="-127"/>
+                <a:cs typeface="맑은 고딕" panose="020B0503020000020004" charset="-127"/>
+                <a:sym typeface="맑은 고딕" panose="020B0503020000020004" charset="-127"/>
+              </a:rPr>
+              <a:t>)</a:t>
+            </a:r>
+            <a:endParaRPr sz="1600">
+              <a:latin typeface="맑은 고딕" panose="020B0503020000020004" charset="-127"/>
+              <a:ea typeface="맑은 고딕" panose="020B0503020000020004" charset="-127"/>
+              <a:cs typeface="맑은 고딕" panose="020B0503020000020004" charset="-127"/>
+              <a:sym typeface="맑은 고딕" panose="020B0503020000020004" charset="-127"/>
+            </a:endParaRPr>
+          </a:p>
+          <a:p>
+            <a:pPr indent="0">
+              <a:spcBef>
+                <a:spcPts val="0"/>
+              </a:spcBef>
+              <a:spcAft>
+                <a:spcPts val="0"/>
+              </a:spcAft>
+              <a:buNone/>
+            </a:pPr>
+            <a:r>
+              <a:rPr lang="en-US" sz="1200">
+                <a:latin typeface="맑은 고딕" panose="020B0503020000020004" charset="-127"/>
+                <a:ea typeface="맑은 고딕" panose="020B0503020000020004" charset="-127"/>
+                <a:cs typeface="맑은 고딕" panose="020B0503020000020004" charset="-127"/>
+                <a:sym typeface="맑은 고딕" panose="020B0503020000020004" charset="-127"/>
+              </a:rPr>
+              <a:t> </a:t>
+            </a:r>
+            <a:endParaRPr sz="1200">
+              <a:latin typeface="맑은 고딕" panose="020B0503020000020004" charset="-127"/>
+              <a:ea typeface="맑은 고딕" panose="020B0503020000020004" charset="-127"/>
+              <a:cs typeface="맑은 고딕" panose="020B0503020000020004" charset="-127"/>
+              <a:sym typeface="맑은 고딕" panose="020B0503020000020004" charset="-127"/>
+            </a:endParaRPr>
+          </a:p>
+        </p:txBody>
+      </p:sp>
+      <p:graphicFrame>
+        <p:nvGraphicFramePr>
+          <p:cNvPr id="117" name="Object 116"/>
+          <p:cNvGraphicFramePr/>
+          <p:nvPr/>
+        </p:nvGraphicFramePr>
+        <p:xfrm>
+          <a:off x="691515" y="1425575"/>
+          <a:ext cx="2456815" cy="594995"/>
+        </p:xfrm>
+        <a:graphic>
+          <a:graphicData uri="http://schemas.openxmlformats.org/presentationml/2006/ole">
+            <mc:AlternateContent xmlns:mc="http://schemas.openxmlformats.org/markup-compatibility/2006">
+              <mc:Choice xmlns:v="urn:schemas-microsoft-com:vml" Requires="v">
+                <p:oleObj r:id="rId11" imgW="2352675" imgH="409575" progId="Paint.Picture">
+                  <p:embed/>
+                </p:oleObj>
+              </mc:Choice>
+              <mc:Fallback>
+                <p:oleObj r:id="rId11" imgW="2352675" imgH="409575" progId="Paint.Picture">
+                  <p:embed/>
+                  <p:pic>
+                    <p:nvPicPr>
+                      <p:cNvPr id="0" name="Picture 117"/>
+                      <p:cNvPicPr/>
+                      <p:nvPr/>
+                    </p:nvPicPr>
+                    <p:blipFill>
+                      <a:blip r:embed="rId12"/>
+                      <a:stretch>
+                        <a:fillRect/>
+                      </a:stretch>
+                    </p:blipFill>
+                    <p:spPr>
+                      <a:xfrm>
+                        <a:off x="691515" y="1425575"/>
+                        <a:ext cx="2456815" cy="594995"/>
+                      </a:xfrm>
+                      <a:prstGeom prst="rect">
+                        <a:avLst/>
+                      </a:prstGeom>
+                    </p:spPr>
+                  </p:pic>
+                </p:oleObj>
+              </mc:Fallback>
+            </mc:AlternateContent>
+          </a:graphicData>
+        </a:graphic>
+      </p:graphicFrame>
+      <p:graphicFrame>
+        <p:nvGraphicFramePr>
+          <p:cNvPr id="131" name="Object 130"/>
+          <p:cNvGraphicFramePr/>
+          <p:nvPr/>
+        </p:nvGraphicFramePr>
+        <p:xfrm>
+          <a:off x="7699375" y="5821680"/>
+          <a:ext cx="1267460" cy="410210"/>
+        </p:xfrm>
+        <a:graphic>
+          <a:graphicData uri="http://schemas.openxmlformats.org/presentationml/2006/ole">
+            <mc:AlternateContent xmlns:mc="http://schemas.openxmlformats.org/markup-compatibility/2006">
+              <mc:Choice xmlns:v="urn:schemas-microsoft-com:vml" Requires="v">
+                <p:oleObj r:id="rId13" imgW="2352675" imgH="409575" progId="Paint.Picture">
+                  <p:embed/>
+                </p:oleObj>
+              </mc:Choice>
+              <mc:Fallback>
+                <p:oleObj r:id="rId13" imgW="2352675" imgH="409575" progId="Paint.Picture">
+                  <p:embed/>
+                  <p:pic>
+                    <p:nvPicPr>
+                      <p:cNvPr id="0" name="Picture 117"/>
+                      <p:cNvPicPr/>
+                      <p:nvPr/>
+                    </p:nvPicPr>
+                    <p:blipFill>
+                      <a:blip r:embed="rId12"/>
+                      <a:stretch>
+                        <a:fillRect/>
+                      </a:stretch>
+                    </p:blipFill>
+                    <p:spPr>
+                      <a:xfrm>
+                        <a:off x="7699375" y="5821680"/>
+                        <a:ext cx="1267460" cy="410210"/>
+                      </a:xfrm>
+                      <a:prstGeom prst="rect">
+                        <a:avLst/>
+                      </a:prstGeom>
+                    </p:spPr>
+                  </p:pic>
+                </p:oleObj>
+              </mc:Fallback>
+            </mc:AlternateContent>
+          </a:graphicData>
+        </a:graphic>
+      </p:graphicFrame>
+      <p:sp>
+        <p:nvSpPr>
+          <p:cNvPr id="133" name="Google Shape;138;p21"/>
+          <p:cNvSpPr txBox="1"/>
+          <p:nvPr/>
+        </p:nvSpPr>
+        <p:spPr>
+          <a:xfrm>
+            <a:off x="8966835" y="5803900"/>
+            <a:ext cx="2455545" cy="445770"/>
+          </a:xfrm>
+          <a:prstGeom prst="rect">
+            <a:avLst/>
+          </a:prstGeom>
+          <a:noFill/>
+          <a:ln>
+            <a:noFill/>
+          </a:ln>
+        </p:spPr>
+        <p:txBody>
+          <a:bodyPr spcFirstLastPara="1" wrap="square" lIns="91425" tIns="91425" rIns="91425" bIns="91425" anchor="t" anchorCtr="0">
+            <a:noAutofit/>
+          </a:bodyPr>
+          <a:lstStyle/>
+          <a:p>
+            <a:pPr indent="0">
+              <a:spcBef>
+                <a:spcPts val="0"/>
+              </a:spcBef>
+              <a:spcAft>
+                <a:spcPts val="0"/>
+              </a:spcAft>
+              <a:buNone/>
+            </a:pPr>
+            <a:r>
+              <a:rPr lang="en-US" altLang="ko-KR" sz="1600">
+                <a:latin typeface="맑은 고딕" panose="020B0503020000020004" charset="-127"/>
+                <a:ea typeface="맑은 고딕" panose="020B0503020000020004" charset="-127"/>
+                <a:cs typeface="맑은 고딕" panose="020B0503020000020004" charset="-127"/>
+                <a:sym typeface="맑은 고딕" panose="020B0503020000020004" charset="-127"/>
+              </a:rPr>
+              <a:t>: </a:t>
+            </a:r>
+            <a:r>
+              <a:rPr lang="ko-KR" altLang="en-US" sz="1600">
+                <a:latin typeface="맑은 고딕" panose="020B0503020000020004" charset="-127"/>
+                <a:ea typeface="맑은 고딕" panose="020B0503020000020004" charset="-127"/>
+                <a:cs typeface="맑은 고딕" panose="020B0503020000020004" charset="-127"/>
+                <a:sym typeface="맑은 고딕" panose="020B0503020000020004" charset="-127"/>
+              </a:rPr>
+              <a:t>문</a:t>
+            </a:r>
+            <a:r>
+              <a:rPr lang="en-US" altLang="ko-KR" sz="1600">
+                <a:latin typeface="맑은 고딕" panose="020B0503020000020004" charset="-127"/>
+                <a:ea typeface="맑은 고딕" panose="020B0503020000020004" charset="-127"/>
+                <a:cs typeface="맑은 고딕" panose="020B0503020000020004" charset="-127"/>
+                <a:sym typeface="맑은 고딕" panose="020B0503020000020004" charset="-127"/>
+              </a:rPr>
+              <a:t> </a:t>
+            </a:r>
+            <a:endParaRPr sz="1600">
+              <a:latin typeface="맑은 고딕" panose="020B0503020000020004" charset="-127"/>
+              <a:ea typeface="맑은 고딕" panose="020B0503020000020004" charset="-127"/>
+              <a:cs typeface="맑은 고딕" panose="020B0503020000020004" charset="-127"/>
+              <a:sym typeface="맑은 고딕" panose="020B0503020000020004" charset="-127"/>
+            </a:endParaRPr>
+          </a:p>
+          <a:p>
+            <a:pPr indent="0">
+              <a:spcBef>
+                <a:spcPts val="0"/>
+              </a:spcBef>
+              <a:spcAft>
+                <a:spcPts val="0"/>
+              </a:spcAft>
+              <a:buNone/>
+            </a:pPr>
+            <a:r>
+              <a:rPr lang="en-US" sz="1200">
+                <a:latin typeface="맑은 고딕" panose="020B0503020000020004" charset="-127"/>
+                <a:ea typeface="맑은 고딕" panose="020B0503020000020004" charset="-127"/>
+                <a:cs typeface="맑은 고딕" panose="020B0503020000020004" charset="-127"/>
+                <a:sym typeface="맑은 고딕" panose="020B0503020000020004" charset="-127"/>
+              </a:rPr>
+              <a:t> </a:t>
+            </a:r>
+            <a:endParaRPr sz="1200">
+              <a:latin typeface="맑은 고딕" panose="020B0503020000020004" charset="-127"/>
+              <a:ea typeface="맑은 고딕" panose="020B0503020000020004" charset="-127"/>
+              <a:cs typeface="맑은 고딕" panose="020B0503020000020004" charset="-127"/>
+              <a:sym typeface="맑은 고딕" panose="020B0503020000020004" charset="-127"/>
+            </a:endParaRPr>
+          </a:p>
+        </p:txBody>
+      </p:sp>
+      <p:grpSp>
+        <p:nvGrpSpPr>
+          <p:cNvPr id="169" name="Group 168"/>
+          <p:cNvGrpSpPr/>
+          <p:nvPr/>
+        </p:nvGrpSpPr>
+        <p:grpSpPr>
+          <a:xfrm>
+            <a:off x="701040" y="2193290"/>
+            <a:ext cx="2499360" cy="337820"/>
+            <a:chOff x="1104" y="3454"/>
+            <a:chExt cx="3936" cy="532"/>
+          </a:xfrm>
+        </p:grpSpPr>
+        <p:graphicFrame>
+          <p:nvGraphicFramePr>
+            <p:cNvPr id="28" name="Object 27"/>
+            <p:cNvGraphicFramePr/>
+            <p:nvPr/>
+          </p:nvGraphicFramePr>
+          <p:xfrm>
+            <a:off x="1104" y="3454"/>
+            <a:ext cx="537" cy="532"/>
+          </p:xfrm>
+          <a:graphic>
+            <a:graphicData uri="http://schemas.openxmlformats.org/presentationml/2006/ole">
+              <mc:AlternateContent xmlns:mc="http://schemas.openxmlformats.org/markup-compatibility/2006">
+                <mc:Choice xmlns:v="urn:schemas-microsoft-com:vml" Requires="v">
+                  <p:oleObj r:id="rId14" imgW="361950" imgH="342900" progId="Paint.Picture">
+                    <p:embed/>
+                  </p:oleObj>
+                </mc:Choice>
+                <mc:Fallback>
+                  <p:oleObj r:id="rId14" imgW="361950" imgH="342900" progId="Paint.Picture">
+                    <p:embed/>
+                    <p:pic>
+                      <p:nvPicPr>
+                        <p:cNvPr id="0" name="Picture 28"/>
+                        <p:cNvPicPr/>
+                        <p:nvPr/>
+                      </p:nvPicPr>
+                      <p:blipFill>
+                        <a:blip r:embed="rId7"/>
+                        <a:stretch>
+                          <a:fillRect/>
+                        </a:stretch>
+                      </p:blipFill>
+                      <p:spPr>
+                        <a:xfrm>
+                          <a:off x="1104" y="3454"/>
+                          <a:ext cx="537" cy="532"/>
+                        </a:xfrm>
+                        <a:prstGeom prst="rect">
+                          <a:avLst/>
+                        </a:prstGeom>
+                      </p:spPr>
+                    </p:pic>
+                  </p:oleObj>
+                </mc:Fallback>
+              </mc:AlternateContent>
+            </a:graphicData>
+          </a:graphic>
+        </p:graphicFrame>
+        <p:graphicFrame>
+          <p:nvGraphicFramePr>
+            <p:cNvPr id="161" name="Object 160"/>
+            <p:cNvGraphicFramePr/>
+            <p:nvPr/>
+          </p:nvGraphicFramePr>
+          <p:xfrm>
+            <a:off x="3654" y="3454"/>
+            <a:ext cx="537" cy="532"/>
+          </p:xfrm>
+          <a:graphic>
+            <a:graphicData uri="http://schemas.openxmlformats.org/presentationml/2006/ole">
+              <mc:AlternateContent xmlns:mc="http://schemas.openxmlformats.org/markup-compatibility/2006">
+                <mc:Choice xmlns:v="urn:schemas-microsoft-com:vml" Requires="v">
+                  <p:oleObj r:id="rId15" imgW="361950" imgH="342900" progId="Paint.Picture">
+                    <p:embed/>
+                  </p:oleObj>
+                </mc:Choice>
+                <mc:Fallback>
+                  <p:oleObj r:id="rId15" imgW="361950" imgH="342900" progId="Paint.Picture">
+                    <p:embed/>
+                    <p:pic>
+                      <p:nvPicPr>
+                        <p:cNvPr id="0" name="Picture 28"/>
+                        <p:cNvPicPr/>
+                        <p:nvPr/>
+                      </p:nvPicPr>
+                      <p:blipFill>
+                        <a:blip r:embed="rId7"/>
+                        <a:stretch>
+                          <a:fillRect/>
+                        </a:stretch>
+                      </p:blipFill>
+                      <p:spPr>
+                        <a:xfrm>
+                          <a:off x="3654" y="3454"/>
+                          <a:ext cx="537" cy="532"/>
+                        </a:xfrm>
+                        <a:prstGeom prst="rect">
+                          <a:avLst/>
+                        </a:prstGeom>
+                      </p:spPr>
+                    </p:pic>
+                  </p:oleObj>
+                </mc:Fallback>
+              </mc:AlternateContent>
+            </a:graphicData>
+          </a:graphic>
+        </p:graphicFrame>
+        <p:graphicFrame>
+          <p:nvGraphicFramePr>
+            <p:cNvPr id="163" name="Object 162"/>
+            <p:cNvGraphicFramePr/>
+            <p:nvPr/>
+          </p:nvGraphicFramePr>
+          <p:xfrm>
+            <a:off x="4504" y="3454"/>
+            <a:ext cx="537" cy="532"/>
+          </p:xfrm>
+          <a:graphic>
+            <a:graphicData uri="http://schemas.openxmlformats.org/presentationml/2006/ole">
+              <mc:AlternateContent xmlns:mc="http://schemas.openxmlformats.org/markup-compatibility/2006">
+                <mc:Choice xmlns:v="urn:schemas-microsoft-com:vml" Requires="v">
+                  <p:oleObj r:id="rId16" imgW="361950" imgH="342900" progId="Paint.Picture">
+                    <p:embed/>
+                  </p:oleObj>
+                </mc:Choice>
+                <mc:Fallback>
+                  <p:oleObj r:id="rId16" imgW="361950" imgH="342900" progId="Paint.Picture">
+                    <p:embed/>
+                    <p:pic>
+                      <p:nvPicPr>
+                        <p:cNvPr id="0" name="Picture 28"/>
+                        <p:cNvPicPr/>
+                        <p:nvPr/>
+                      </p:nvPicPr>
+                      <p:blipFill>
+                        <a:blip r:embed="rId7"/>
+                        <a:stretch>
+                          <a:fillRect/>
+                        </a:stretch>
+                      </p:blipFill>
+                      <p:spPr>
+                        <a:xfrm>
+                          <a:off x="4504" y="3454"/>
+                          <a:ext cx="537" cy="532"/>
+                        </a:xfrm>
+                        <a:prstGeom prst="rect">
+                          <a:avLst/>
+                        </a:prstGeom>
+                      </p:spPr>
+                    </p:pic>
+                  </p:oleObj>
+                </mc:Fallback>
+              </mc:AlternateContent>
+            </a:graphicData>
+          </a:graphic>
+        </p:graphicFrame>
+        <p:graphicFrame>
+          <p:nvGraphicFramePr>
+            <p:cNvPr id="165" name="Object 164"/>
+            <p:cNvGraphicFramePr/>
+            <p:nvPr/>
+          </p:nvGraphicFramePr>
+          <p:xfrm>
+            <a:off x="1954" y="3454"/>
+            <a:ext cx="537" cy="532"/>
+          </p:xfrm>
+          <a:graphic>
+            <a:graphicData uri="http://schemas.openxmlformats.org/presentationml/2006/ole">
+              <mc:AlternateContent xmlns:mc="http://schemas.openxmlformats.org/markup-compatibility/2006">
+                <mc:Choice xmlns:v="urn:schemas-microsoft-com:vml" Requires="v">
+                  <p:oleObj r:id="rId17" imgW="361950" imgH="342900" progId="Paint.Picture">
+                    <p:embed/>
+                  </p:oleObj>
+                </mc:Choice>
+                <mc:Fallback>
+                  <p:oleObj r:id="rId17" imgW="361950" imgH="342900" progId="Paint.Picture">
+                    <p:embed/>
+                    <p:pic>
+                      <p:nvPicPr>
+                        <p:cNvPr id="0" name="Picture 28"/>
+                        <p:cNvPicPr/>
+                        <p:nvPr/>
+                      </p:nvPicPr>
+                      <p:blipFill>
+                        <a:blip r:embed="rId7"/>
+                        <a:stretch>
+                          <a:fillRect/>
+                        </a:stretch>
+                      </p:blipFill>
+                      <p:spPr>
+                        <a:xfrm>
+                          <a:off x="1954" y="3454"/>
+                          <a:ext cx="537" cy="532"/>
+                        </a:xfrm>
+                        <a:prstGeom prst="rect">
+                          <a:avLst/>
+                        </a:prstGeom>
+                      </p:spPr>
+                    </p:pic>
+                  </p:oleObj>
+                </mc:Fallback>
+              </mc:AlternateContent>
+            </a:graphicData>
+          </a:graphic>
+        </p:graphicFrame>
+        <p:graphicFrame>
+          <p:nvGraphicFramePr>
+            <p:cNvPr id="167" name="Object 166"/>
+            <p:cNvGraphicFramePr/>
+            <p:nvPr/>
+          </p:nvGraphicFramePr>
+          <p:xfrm>
+            <a:off x="2804" y="3454"/>
+            <a:ext cx="537" cy="532"/>
+          </p:xfrm>
+          <a:graphic>
+            <a:graphicData uri="http://schemas.openxmlformats.org/presentationml/2006/ole">
+              <mc:AlternateContent xmlns:mc="http://schemas.openxmlformats.org/markup-compatibility/2006">
+                <mc:Choice xmlns:v="urn:schemas-microsoft-com:vml" Requires="v">
+                  <p:oleObj r:id="rId18" imgW="361950" imgH="342900" progId="Paint.Picture">
+                    <p:embed/>
+                  </p:oleObj>
+                </mc:Choice>
+                <mc:Fallback>
+                  <p:oleObj r:id="rId18" imgW="361950" imgH="342900" progId="Paint.Picture">
+                    <p:embed/>
+                    <p:pic>
+                      <p:nvPicPr>
+                        <p:cNvPr id="0" name="Picture 28"/>
+                        <p:cNvPicPr/>
+                        <p:nvPr/>
+                      </p:nvPicPr>
+                      <p:blipFill>
+                        <a:blip r:embed="rId7"/>
+                        <a:stretch>
+                          <a:fillRect/>
+                        </a:stretch>
+                      </p:blipFill>
+                      <p:spPr>
+                        <a:xfrm>
+                          <a:off x="2804" y="3454"/>
+                          <a:ext cx="537" cy="532"/>
+                        </a:xfrm>
+                        <a:prstGeom prst="rect">
+                          <a:avLst/>
+                        </a:prstGeom>
+                      </p:spPr>
+                    </p:pic>
+                  </p:oleObj>
+                </mc:Fallback>
+              </mc:AlternateContent>
+            </a:graphicData>
+          </a:graphic>
+        </p:graphicFrame>
+      </p:grpSp>
+      <p:graphicFrame>
+        <p:nvGraphicFramePr>
+          <p:cNvPr id="170" name="Object 169"/>
+          <p:cNvGraphicFramePr/>
+          <p:nvPr/>
+        </p:nvGraphicFramePr>
+        <p:xfrm>
+          <a:off x="5807710" y="3025775"/>
+          <a:ext cx="361950" cy="343535"/>
+        </p:xfrm>
+        <a:graphic>
+          <a:graphicData uri="http://schemas.openxmlformats.org/presentationml/2006/ole">
+            <mc:AlternateContent xmlns:mc="http://schemas.openxmlformats.org/markup-compatibility/2006">
+              <mc:Choice xmlns:v="urn:schemas-microsoft-com:vml" Requires="v">
+                <p:oleObj r:id="rId19" imgW="361950" imgH="342900" progId="Paint.Picture">
+                  <p:embed/>
+                </p:oleObj>
+              </mc:Choice>
+              <mc:Fallback>
+                <p:oleObj r:id="rId19" imgW="361950" imgH="342900" progId="Paint.Picture">
+                  <p:embed/>
+                  <p:pic>
+                    <p:nvPicPr>
+                      <p:cNvPr id="0" name="Picture 22"/>
+                      <p:cNvPicPr/>
+                      <p:nvPr/>
+                    </p:nvPicPr>
+                    <p:blipFill>
+                      <a:blip r:embed="rId5"/>
+                      <a:stretch>
+                        <a:fillRect/>
+                      </a:stretch>
+                    </p:blipFill>
+                    <p:spPr>
+                      <a:xfrm>
+                        <a:off x="5807710" y="3025775"/>
+                        <a:ext cx="361950" cy="343535"/>
+                      </a:xfrm>
+                      <a:prstGeom prst="rect">
+                        <a:avLst/>
+                      </a:prstGeom>
+                    </p:spPr>
+                  </p:pic>
+                </p:oleObj>
+              </mc:Fallback>
+            </mc:AlternateContent>
+          </a:graphicData>
+        </a:graphic>
+      </p:graphicFrame>
+      <p:sp>
+        <p:nvSpPr>
+          <p:cNvPr id="172" name="Google Shape;138;p21"/>
+          <p:cNvSpPr txBox="1"/>
+          <p:nvPr/>
+        </p:nvSpPr>
+        <p:spPr>
+          <a:xfrm>
+            <a:off x="4615815" y="4031615"/>
+            <a:ext cx="2911475" cy="984885"/>
+          </a:xfrm>
+          <a:prstGeom prst="rect">
+            <a:avLst/>
+          </a:prstGeom>
+          <a:noFill/>
+          <a:ln>
+            <a:noFill/>
+          </a:ln>
+        </p:spPr>
+        <p:txBody>
+          <a:bodyPr spcFirstLastPara="1" wrap="square" lIns="91425" tIns="91425" rIns="91425" bIns="91425" anchor="t" anchorCtr="0">
+            <a:noAutofit/>
+          </a:bodyPr>
+          <a:lstStyle/>
+          <a:p>
+            <a:pPr indent="0">
+              <a:spcBef>
+                <a:spcPts val="0"/>
+              </a:spcBef>
+              <a:spcAft>
+                <a:spcPts val="0"/>
+              </a:spcAft>
+              <a:buNone/>
+            </a:pPr>
+            <a:r>
+              <a:rPr lang="ko-KR" sz="1200">
+                <a:latin typeface="맑은 고딕" panose="020B0503020000020004" charset="-127"/>
+                <a:ea typeface="맑은 고딕" panose="020B0503020000020004" charset="-127"/>
+                <a:cs typeface="맑은 고딕" panose="020B0503020000020004" charset="-127"/>
+                <a:sym typeface="맑은 고딕" panose="020B0503020000020004" charset="-127"/>
+              </a:rPr>
+              <a:t>플레이어가</a:t>
+            </a:r>
+            <a:r>
+              <a:rPr lang="en-US" altLang="ko-KR" sz="1200">
+                <a:latin typeface="맑은 고딕" panose="020B0503020000020004" charset="-127"/>
+                <a:ea typeface="맑은 고딕" panose="020B0503020000020004" charset="-127"/>
+                <a:cs typeface="맑은 고딕" panose="020B0503020000020004" charset="-127"/>
+                <a:sym typeface="맑은 고딕" panose="020B0503020000020004" charset="-127"/>
+              </a:rPr>
+              <a:t> </a:t>
+            </a:r>
+            <a:r>
+              <a:rPr lang="ko-KR" altLang="en-US" sz="1200">
+                <a:latin typeface="맑은 고딕" panose="020B0503020000020004" charset="-127"/>
+                <a:ea typeface="맑은 고딕" panose="020B0503020000020004" charset="-127"/>
+                <a:cs typeface="맑은 고딕" panose="020B0503020000020004" charset="-127"/>
+                <a:sym typeface="맑은 고딕" panose="020B0503020000020004" charset="-127"/>
+              </a:rPr>
+              <a:t>무기를</a:t>
+            </a:r>
+            <a:r>
+              <a:rPr lang="en-US" altLang="ko-KR" sz="1200">
+                <a:latin typeface="맑은 고딕" panose="020B0503020000020004" charset="-127"/>
+                <a:ea typeface="맑은 고딕" panose="020B0503020000020004" charset="-127"/>
+                <a:cs typeface="맑은 고딕" panose="020B0503020000020004" charset="-127"/>
+                <a:sym typeface="맑은 고딕" panose="020B0503020000020004" charset="-127"/>
+              </a:rPr>
+              <a:t> </a:t>
+            </a:r>
+            <a:r>
+              <a:rPr lang="ko-KR" altLang="en-US" sz="1200">
+                <a:latin typeface="맑은 고딕" panose="020B0503020000020004" charset="-127"/>
+                <a:ea typeface="맑은 고딕" panose="020B0503020000020004" charset="-127"/>
+                <a:cs typeface="맑은 고딕" panose="020B0503020000020004" charset="-127"/>
+                <a:sym typeface="맑은 고딕" panose="020B0503020000020004" charset="-127"/>
+              </a:rPr>
+              <a:t>사용해</a:t>
+            </a:r>
+            <a:r>
+              <a:rPr lang="en-US" altLang="ko-KR" sz="1200">
+                <a:latin typeface="맑은 고딕" panose="020B0503020000020004" charset="-127"/>
+                <a:ea typeface="맑은 고딕" panose="020B0503020000020004" charset="-127"/>
+                <a:cs typeface="맑은 고딕" panose="020B0503020000020004" charset="-127"/>
+                <a:sym typeface="맑은 고딕" panose="020B0503020000020004" charset="-127"/>
+              </a:rPr>
+              <a:t> </a:t>
+            </a:r>
+            <a:r>
+              <a:rPr lang="ko-KR" altLang="en-US" sz="1200">
+                <a:latin typeface="맑은 고딕" panose="020B0503020000020004" charset="-127"/>
+                <a:ea typeface="맑은 고딕" panose="020B0503020000020004" charset="-127"/>
+                <a:cs typeface="맑은 고딕" panose="020B0503020000020004" charset="-127"/>
+                <a:sym typeface="맑은 고딕" panose="020B0503020000020004" charset="-127"/>
+              </a:rPr>
+              <a:t>비석을</a:t>
+            </a:r>
+            <a:r>
+              <a:rPr lang="en-US" altLang="ko-KR" sz="1200">
+                <a:latin typeface="맑은 고딕" panose="020B0503020000020004" charset="-127"/>
+                <a:ea typeface="맑은 고딕" panose="020B0503020000020004" charset="-127"/>
+                <a:cs typeface="맑은 고딕" panose="020B0503020000020004" charset="-127"/>
+                <a:sym typeface="맑은 고딕" panose="020B0503020000020004" charset="-127"/>
+              </a:rPr>
+              <a:t> </a:t>
+            </a:r>
+            <a:r>
+              <a:rPr lang="ko-KR" altLang="en-US" sz="1200">
+                <a:latin typeface="맑은 고딕" panose="020B0503020000020004" charset="-127"/>
+                <a:ea typeface="맑은 고딕" panose="020B0503020000020004" charset="-127"/>
+                <a:cs typeface="맑은 고딕" panose="020B0503020000020004" charset="-127"/>
+                <a:sym typeface="맑은 고딕" panose="020B0503020000020004" charset="-127"/>
+              </a:rPr>
+              <a:t>타격하면</a:t>
+            </a:r>
+            <a:r>
+              <a:rPr lang="en-US" altLang="ko-KR" sz="1200">
+                <a:latin typeface="맑은 고딕" panose="020B0503020000020004" charset="-127"/>
+                <a:ea typeface="맑은 고딕" panose="020B0503020000020004" charset="-127"/>
+                <a:cs typeface="맑은 고딕" panose="020B0503020000020004" charset="-127"/>
+                <a:sym typeface="맑은 고딕" panose="020B0503020000020004" charset="-127"/>
+              </a:rPr>
+              <a:t> </a:t>
+            </a:r>
+            <a:r>
+              <a:rPr lang="ko-KR" altLang="en-US" sz="1200">
+                <a:latin typeface="맑은 고딕" panose="020B0503020000020004" charset="-127"/>
+                <a:ea typeface="맑은 고딕" panose="020B0503020000020004" charset="-127"/>
+                <a:cs typeface="맑은 고딕" panose="020B0503020000020004" charset="-127"/>
+                <a:sym typeface="맑은 고딕" panose="020B0503020000020004" charset="-127"/>
+              </a:rPr>
+              <a:t>비석이</a:t>
+            </a:r>
+            <a:r>
+              <a:rPr lang="en-US" altLang="ko-KR" sz="1200">
+                <a:latin typeface="맑은 고딕" panose="020B0503020000020004" charset="-127"/>
+                <a:ea typeface="맑은 고딕" panose="020B0503020000020004" charset="-127"/>
+                <a:cs typeface="맑은 고딕" panose="020B0503020000020004" charset="-127"/>
+                <a:sym typeface="맑은 고딕" panose="020B0503020000020004" charset="-127"/>
+              </a:rPr>
+              <a:t> </a:t>
+            </a:r>
+            <a:r>
+              <a:rPr lang="ko-KR" altLang="en-US" sz="1200">
+                <a:latin typeface="맑은 고딕" panose="020B0503020000020004" charset="-127"/>
+                <a:ea typeface="맑은 고딕" panose="020B0503020000020004" charset="-127"/>
+                <a:cs typeface="맑은 고딕" panose="020B0503020000020004" charset="-127"/>
+                <a:sym typeface="맑은 고딕" panose="020B0503020000020004" charset="-127"/>
+              </a:rPr>
+              <a:t>활성화되며</a:t>
+            </a:r>
+            <a:r>
+              <a:rPr lang="en-US" altLang="ko-KR" sz="1200">
+                <a:latin typeface="맑은 고딕" panose="020B0503020000020004" charset="-127"/>
+                <a:ea typeface="맑은 고딕" panose="020B0503020000020004" charset="-127"/>
+                <a:cs typeface="맑은 고딕" panose="020B0503020000020004" charset="-127"/>
+                <a:sym typeface="맑은 고딕" panose="020B0503020000020004" charset="-127"/>
+              </a:rPr>
+              <a:t> </a:t>
+            </a:r>
+            <a:r>
+              <a:rPr lang="ko-KR" altLang="en-US" sz="1200">
+                <a:latin typeface="맑은 고딕" panose="020B0503020000020004" charset="-127"/>
+                <a:ea typeface="맑은 고딕" panose="020B0503020000020004" charset="-127"/>
+                <a:cs typeface="맑은 고딕" panose="020B0503020000020004" charset="-127"/>
+                <a:sym typeface="맑은 고딕" panose="020B0503020000020004" charset="-127"/>
+              </a:rPr>
+              <a:t>색이</a:t>
+            </a:r>
+            <a:r>
+              <a:rPr lang="en-US" altLang="ko-KR" sz="1200">
+                <a:latin typeface="맑은 고딕" panose="020B0503020000020004" charset="-127"/>
+                <a:ea typeface="맑은 고딕" panose="020B0503020000020004" charset="-127"/>
+                <a:cs typeface="맑은 고딕" panose="020B0503020000020004" charset="-127"/>
+                <a:sym typeface="맑은 고딕" panose="020B0503020000020004" charset="-127"/>
+              </a:rPr>
+              <a:t> </a:t>
+            </a:r>
+            <a:r>
+              <a:rPr lang="ko-KR" altLang="en-US" sz="1200">
+                <a:latin typeface="맑은 고딕" panose="020B0503020000020004" charset="-127"/>
+                <a:ea typeface="맑은 고딕" panose="020B0503020000020004" charset="-127"/>
+                <a:cs typeface="맑은 고딕" panose="020B0503020000020004" charset="-127"/>
+                <a:sym typeface="맑은 고딕" panose="020B0503020000020004" charset="-127"/>
+              </a:rPr>
+              <a:t>변한다</a:t>
+            </a:r>
+            <a:r>
+              <a:rPr lang="en-US" altLang="ko-KR" sz="1200">
+                <a:latin typeface="맑은 고딕" panose="020B0503020000020004" charset="-127"/>
+                <a:ea typeface="맑은 고딕" panose="020B0503020000020004" charset="-127"/>
+                <a:cs typeface="맑은 고딕" panose="020B0503020000020004" charset="-127"/>
+                <a:sym typeface="맑은 고딕" panose="020B0503020000020004" charset="-127"/>
+              </a:rPr>
+              <a:t>.</a:t>
+            </a:r>
+          </a:p>
+          <a:p>
+            <a:pPr indent="0">
+              <a:spcBef>
+                <a:spcPts val="0"/>
+              </a:spcBef>
+              <a:spcAft>
+                <a:spcPts val="0"/>
+              </a:spcAft>
+              <a:buNone/>
+            </a:pPr>
+            <a:r>
+              <a:rPr lang="ko-KR" altLang="en-US" sz="1200">
+                <a:latin typeface="맑은 고딕" panose="020B0503020000020004" charset="-127"/>
+                <a:ea typeface="맑은 고딕" panose="020B0503020000020004" charset="-127"/>
+                <a:cs typeface="맑은 고딕" panose="020B0503020000020004" charset="-127"/>
+                <a:sym typeface="맑은 고딕" panose="020B0503020000020004" charset="-127"/>
+              </a:rPr>
+              <a:t>순서에</a:t>
+            </a:r>
+            <a:r>
+              <a:rPr lang="en-US" altLang="ko-KR" sz="1200">
+                <a:latin typeface="맑은 고딕" panose="020B0503020000020004" charset="-127"/>
+                <a:ea typeface="맑은 고딕" panose="020B0503020000020004" charset="-127"/>
+                <a:cs typeface="맑은 고딕" panose="020B0503020000020004" charset="-127"/>
+                <a:sym typeface="맑은 고딕" panose="020B0503020000020004" charset="-127"/>
+              </a:rPr>
+              <a:t> </a:t>
+            </a:r>
+            <a:r>
+              <a:rPr lang="ko-KR" altLang="en-US" sz="1200">
+                <a:latin typeface="맑은 고딕" panose="020B0503020000020004" charset="-127"/>
+                <a:ea typeface="맑은 고딕" panose="020B0503020000020004" charset="-127"/>
+                <a:cs typeface="맑은 고딕" panose="020B0503020000020004" charset="-127"/>
+                <a:sym typeface="맑은 고딕" panose="020B0503020000020004" charset="-127"/>
+              </a:rPr>
+              <a:t>맞지</a:t>
+            </a:r>
+            <a:r>
+              <a:rPr lang="en-US" altLang="ko-KR" sz="1200">
+                <a:latin typeface="맑은 고딕" panose="020B0503020000020004" charset="-127"/>
+                <a:ea typeface="맑은 고딕" panose="020B0503020000020004" charset="-127"/>
+                <a:cs typeface="맑은 고딕" panose="020B0503020000020004" charset="-127"/>
+                <a:sym typeface="맑은 고딕" panose="020B0503020000020004" charset="-127"/>
+              </a:rPr>
+              <a:t> </a:t>
+            </a:r>
+            <a:r>
+              <a:rPr lang="ko-KR" altLang="en-US" sz="1200">
+                <a:latin typeface="맑은 고딕" panose="020B0503020000020004" charset="-127"/>
+                <a:ea typeface="맑은 고딕" panose="020B0503020000020004" charset="-127"/>
+                <a:cs typeface="맑은 고딕" panose="020B0503020000020004" charset="-127"/>
+                <a:sym typeface="맑은 고딕" panose="020B0503020000020004" charset="-127"/>
+              </a:rPr>
+              <a:t>않게</a:t>
+            </a:r>
+            <a:r>
+              <a:rPr lang="en-US" altLang="ko-KR" sz="1200">
+                <a:latin typeface="맑은 고딕" panose="020B0503020000020004" charset="-127"/>
+                <a:ea typeface="맑은 고딕" panose="020B0503020000020004" charset="-127"/>
+                <a:cs typeface="맑은 고딕" panose="020B0503020000020004" charset="-127"/>
+                <a:sym typeface="맑은 고딕" panose="020B0503020000020004" charset="-127"/>
+              </a:rPr>
+              <a:t> </a:t>
+            </a:r>
+            <a:r>
+              <a:rPr lang="ko-KR" altLang="en-US" sz="1200">
+                <a:latin typeface="맑은 고딕" panose="020B0503020000020004" charset="-127"/>
+                <a:ea typeface="맑은 고딕" panose="020B0503020000020004" charset="-127"/>
+                <a:cs typeface="맑은 고딕" panose="020B0503020000020004" charset="-127"/>
+                <a:sym typeface="맑은 고딕" panose="020B0503020000020004" charset="-127"/>
+              </a:rPr>
+              <a:t>타격할</a:t>
+            </a:r>
+            <a:r>
+              <a:rPr lang="en-US" altLang="ko-KR" sz="1200">
+                <a:latin typeface="맑은 고딕" panose="020B0503020000020004" charset="-127"/>
+                <a:ea typeface="맑은 고딕" panose="020B0503020000020004" charset="-127"/>
+                <a:cs typeface="맑은 고딕" panose="020B0503020000020004" charset="-127"/>
+                <a:sym typeface="맑은 고딕" panose="020B0503020000020004" charset="-127"/>
+              </a:rPr>
+              <a:t> </a:t>
+            </a:r>
+            <a:r>
+              <a:rPr lang="ko-KR" altLang="en-US" sz="1200">
+                <a:latin typeface="맑은 고딕" panose="020B0503020000020004" charset="-127"/>
+                <a:ea typeface="맑은 고딕" panose="020B0503020000020004" charset="-127"/>
+                <a:cs typeface="맑은 고딕" panose="020B0503020000020004" charset="-127"/>
+                <a:sym typeface="맑은 고딕" panose="020B0503020000020004" charset="-127"/>
+              </a:rPr>
+              <a:t>경우</a:t>
+            </a:r>
+            <a:r>
+              <a:rPr lang="en-US" altLang="ko-KR" sz="1200">
+                <a:latin typeface="맑은 고딕" panose="020B0503020000020004" charset="-127"/>
+                <a:ea typeface="맑은 고딕" panose="020B0503020000020004" charset="-127"/>
+                <a:cs typeface="맑은 고딕" panose="020B0503020000020004" charset="-127"/>
+                <a:sym typeface="맑은 고딕" panose="020B0503020000020004" charset="-127"/>
+              </a:rPr>
+              <a:t> </a:t>
+            </a:r>
+            <a:r>
+              <a:rPr lang="ko-KR" altLang="en-US" sz="1200">
+                <a:latin typeface="맑은 고딕" panose="020B0503020000020004" charset="-127"/>
+                <a:ea typeface="맑은 고딕" panose="020B0503020000020004" charset="-127"/>
+                <a:cs typeface="맑은 고딕" panose="020B0503020000020004" charset="-127"/>
+                <a:sym typeface="맑은 고딕" panose="020B0503020000020004" charset="-127"/>
+              </a:rPr>
+              <a:t>활성화되지</a:t>
+            </a:r>
+            <a:r>
+              <a:rPr lang="en-US" altLang="ko-KR" sz="1200">
+                <a:latin typeface="맑은 고딕" panose="020B0503020000020004" charset="-127"/>
+                <a:ea typeface="맑은 고딕" panose="020B0503020000020004" charset="-127"/>
+                <a:cs typeface="맑은 고딕" panose="020B0503020000020004" charset="-127"/>
+                <a:sym typeface="맑은 고딕" panose="020B0503020000020004" charset="-127"/>
+              </a:rPr>
+              <a:t> </a:t>
+            </a:r>
+            <a:r>
+              <a:rPr lang="ko-KR" altLang="en-US" sz="1200">
+                <a:latin typeface="맑은 고딕" panose="020B0503020000020004" charset="-127"/>
+                <a:ea typeface="맑은 고딕" panose="020B0503020000020004" charset="-127"/>
+                <a:cs typeface="맑은 고딕" panose="020B0503020000020004" charset="-127"/>
+                <a:sym typeface="맑은 고딕" panose="020B0503020000020004" charset="-127"/>
+              </a:rPr>
+              <a:t>않는다</a:t>
+            </a:r>
+            <a:r>
+              <a:rPr lang="en-US" altLang="ko-KR" sz="1200">
+                <a:latin typeface="맑은 고딕" panose="020B0503020000020004" charset="-127"/>
+                <a:ea typeface="맑은 고딕" panose="020B0503020000020004" charset="-127"/>
+                <a:cs typeface="맑은 고딕" panose="020B0503020000020004" charset="-127"/>
+                <a:sym typeface="맑은 고딕" panose="020B0503020000020004" charset="-127"/>
+              </a:rPr>
+              <a:t>.</a:t>
+            </a:r>
+          </a:p>
+        </p:txBody>
+      </p:sp>
+      <p:graphicFrame>
+        <p:nvGraphicFramePr>
+          <p:cNvPr id="173" name="Object 172"/>
+          <p:cNvGraphicFramePr/>
+          <p:nvPr/>
+        </p:nvGraphicFramePr>
+        <p:xfrm>
+          <a:off x="4705985" y="1425575"/>
+          <a:ext cx="2510155" cy="594995"/>
+        </p:xfrm>
+        <a:graphic>
+          <a:graphicData uri="http://schemas.openxmlformats.org/presentationml/2006/ole">
+            <mc:AlternateContent xmlns:mc="http://schemas.openxmlformats.org/markup-compatibility/2006">
+              <mc:Choice xmlns:v="urn:schemas-microsoft-com:vml" Requires="v">
+                <p:oleObj r:id="rId20" imgW="2352675" imgH="409575" progId="Paint.Picture">
+                  <p:embed/>
+                </p:oleObj>
+              </mc:Choice>
+              <mc:Fallback>
+                <p:oleObj r:id="rId20" imgW="2352675" imgH="409575" progId="Paint.Picture">
+                  <p:embed/>
+                  <p:pic>
+                    <p:nvPicPr>
+                      <p:cNvPr id="0" name="Picture 117"/>
+                      <p:cNvPicPr/>
+                      <p:nvPr/>
+                    </p:nvPicPr>
+                    <p:blipFill>
+                      <a:blip r:embed="rId12"/>
+                      <a:stretch>
+                        <a:fillRect/>
+                      </a:stretch>
+                    </p:blipFill>
+                    <p:spPr>
+                      <a:xfrm>
+                        <a:off x="4705985" y="1425575"/>
+                        <a:ext cx="2510155" cy="594995"/>
+                      </a:xfrm>
+                      <a:prstGeom prst="rect">
+                        <a:avLst/>
+                      </a:prstGeom>
+                    </p:spPr>
+                  </p:pic>
+                </p:oleObj>
+              </mc:Fallback>
+            </mc:AlternateContent>
+          </a:graphicData>
+        </a:graphic>
+      </p:graphicFrame>
+      <p:grpSp>
+        <p:nvGrpSpPr>
+          <p:cNvPr id="175" name="Group 174"/>
+          <p:cNvGrpSpPr/>
+          <p:nvPr/>
+        </p:nvGrpSpPr>
+        <p:grpSpPr>
+          <a:xfrm>
+            <a:off x="4715510" y="2193290"/>
+            <a:ext cx="2499995" cy="337820"/>
+            <a:chOff x="1104" y="3454"/>
+            <a:chExt cx="3937" cy="532"/>
+          </a:xfrm>
+        </p:grpSpPr>
+        <p:graphicFrame>
+          <p:nvGraphicFramePr>
+            <p:cNvPr id="176" name="Object 175"/>
+            <p:cNvGraphicFramePr/>
+            <p:nvPr/>
+          </p:nvGraphicFramePr>
+          <p:xfrm>
+            <a:off x="1104" y="3454"/>
+            <a:ext cx="537" cy="532"/>
+          </p:xfrm>
+          <a:graphic>
+            <a:graphicData uri="http://schemas.openxmlformats.org/presentationml/2006/ole">
+              <mc:AlternateContent xmlns:mc="http://schemas.openxmlformats.org/markup-compatibility/2006">
+                <mc:Choice xmlns:v="urn:schemas-microsoft-com:vml" Requires="v">
+                  <p:oleObj r:id="rId21" imgW="361950" imgH="342900" progId="Paint.Picture">
+                    <p:embed/>
+                  </p:oleObj>
+                </mc:Choice>
+                <mc:Fallback>
+                  <p:oleObj r:id="rId21" imgW="361950" imgH="342900" progId="Paint.Picture">
+                    <p:embed/>
+                    <p:pic>
+                      <p:nvPicPr>
+                        <p:cNvPr id="0" name="Picture 28"/>
+                        <p:cNvPicPr/>
+                        <p:nvPr/>
+                      </p:nvPicPr>
+                      <p:blipFill>
+                        <a:blip r:embed="rId7"/>
+                        <a:stretch>
+                          <a:fillRect/>
+                        </a:stretch>
+                      </p:blipFill>
+                      <p:spPr>
+                        <a:xfrm>
+                          <a:off x="1104" y="3454"/>
+                          <a:ext cx="537" cy="532"/>
+                        </a:xfrm>
+                        <a:prstGeom prst="rect">
+                          <a:avLst/>
+                        </a:prstGeom>
+                      </p:spPr>
+                    </p:pic>
+                  </p:oleObj>
+                </mc:Fallback>
+              </mc:AlternateContent>
+            </a:graphicData>
+          </a:graphic>
+        </p:graphicFrame>
+        <p:graphicFrame>
+          <p:nvGraphicFramePr>
+            <p:cNvPr id="178" name="Object 177"/>
+            <p:cNvGraphicFramePr/>
+            <p:nvPr/>
+          </p:nvGraphicFramePr>
+          <p:xfrm>
+            <a:off x="3654" y="3454"/>
+            <a:ext cx="537" cy="532"/>
+          </p:xfrm>
+          <a:graphic>
+            <a:graphicData uri="http://schemas.openxmlformats.org/presentationml/2006/ole">
+              <mc:AlternateContent xmlns:mc="http://schemas.openxmlformats.org/markup-compatibility/2006">
+                <mc:Choice xmlns:v="urn:schemas-microsoft-com:vml" Requires="v">
+                  <p:oleObj r:id="rId22" imgW="361950" imgH="342900" progId="Paint.Picture">
+                    <p:embed/>
+                  </p:oleObj>
+                </mc:Choice>
+                <mc:Fallback>
+                  <p:oleObj r:id="rId22" imgW="361950" imgH="342900" progId="Paint.Picture">
+                    <p:embed/>
+                    <p:pic>
+                      <p:nvPicPr>
+                        <p:cNvPr id="0" name="Picture 28"/>
+                        <p:cNvPicPr/>
+                        <p:nvPr/>
+                      </p:nvPicPr>
+                      <p:blipFill>
+                        <a:blip r:embed="rId7"/>
+                        <a:stretch>
+                          <a:fillRect/>
+                        </a:stretch>
+                      </p:blipFill>
+                      <p:spPr>
+                        <a:xfrm>
+                          <a:off x="3654" y="3454"/>
+                          <a:ext cx="537" cy="532"/>
+                        </a:xfrm>
+                        <a:prstGeom prst="rect">
+                          <a:avLst/>
+                        </a:prstGeom>
+                      </p:spPr>
+                    </p:pic>
+                  </p:oleObj>
+                </mc:Fallback>
+              </mc:AlternateContent>
+            </a:graphicData>
+          </a:graphic>
+        </p:graphicFrame>
+        <p:graphicFrame>
+          <p:nvGraphicFramePr>
+            <p:cNvPr id="180" name="Object 179"/>
+            <p:cNvGraphicFramePr/>
+            <p:nvPr/>
+          </p:nvGraphicFramePr>
+          <p:xfrm>
+            <a:off x="4504" y="3454"/>
+            <a:ext cx="537" cy="532"/>
+          </p:xfrm>
+          <a:graphic>
+            <a:graphicData uri="http://schemas.openxmlformats.org/presentationml/2006/ole">
+              <mc:AlternateContent xmlns:mc="http://schemas.openxmlformats.org/markup-compatibility/2006">
+                <mc:Choice xmlns:v="urn:schemas-microsoft-com:vml" Requires="v">
+                  <p:oleObj r:id="rId23" imgW="361950" imgH="342900" progId="Paint.Picture">
+                    <p:embed/>
+                  </p:oleObj>
+                </mc:Choice>
+                <mc:Fallback>
+                  <p:oleObj r:id="rId23" imgW="361950" imgH="342900" progId="Paint.Picture">
+                    <p:embed/>
+                    <p:pic>
+                      <p:nvPicPr>
+                        <p:cNvPr id="0" name="Picture 28"/>
+                        <p:cNvPicPr/>
+                        <p:nvPr/>
+                      </p:nvPicPr>
+                      <p:blipFill>
+                        <a:blip r:embed="rId7"/>
+                        <a:stretch>
+                          <a:fillRect/>
+                        </a:stretch>
+                      </p:blipFill>
+                      <p:spPr>
+                        <a:xfrm>
+                          <a:off x="4504" y="3454"/>
+                          <a:ext cx="537" cy="532"/>
+                        </a:xfrm>
+                        <a:prstGeom prst="rect">
+                          <a:avLst/>
+                        </a:prstGeom>
+                      </p:spPr>
+                    </p:pic>
+                  </p:oleObj>
+                </mc:Fallback>
+              </mc:AlternateContent>
+            </a:graphicData>
+          </a:graphic>
+        </p:graphicFrame>
+        <p:graphicFrame>
+          <p:nvGraphicFramePr>
+            <p:cNvPr id="182" name="Object 181"/>
+            <p:cNvGraphicFramePr/>
+            <p:nvPr/>
+          </p:nvGraphicFramePr>
+          <p:xfrm>
+            <a:off x="1954" y="3454"/>
+            <a:ext cx="537" cy="532"/>
+          </p:xfrm>
+          <a:graphic>
+            <a:graphicData uri="http://schemas.openxmlformats.org/presentationml/2006/ole">
+              <mc:AlternateContent xmlns:mc="http://schemas.openxmlformats.org/markup-compatibility/2006">
+                <mc:Choice xmlns:v="urn:schemas-microsoft-com:vml" Requires="v">
+                  <p:oleObj r:id="rId24" imgW="361950" imgH="342900" progId="Paint.Picture">
+                    <p:embed/>
+                  </p:oleObj>
+                </mc:Choice>
+                <mc:Fallback>
+                  <p:oleObj r:id="rId24" imgW="361950" imgH="342900" progId="Paint.Picture">
+                    <p:embed/>
+                    <p:pic>
+                      <p:nvPicPr>
+                        <p:cNvPr id="0" name="Picture 28"/>
+                        <p:cNvPicPr/>
+                        <p:nvPr/>
+                      </p:nvPicPr>
+                      <p:blipFill>
+                        <a:blip r:embed="rId7"/>
+                        <a:stretch>
+                          <a:fillRect/>
+                        </a:stretch>
+                      </p:blipFill>
+                      <p:spPr>
+                        <a:xfrm>
+                          <a:off x="1954" y="3454"/>
+                          <a:ext cx="537" cy="532"/>
+                        </a:xfrm>
+                        <a:prstGeom prst="rect">
+                          <a:avLst/>
+                        </a:prstGeom>
+                      </p:spPr>
+                    </p:pic>
+                  </p:oleObj>
+                </mc:Fallback>
+              </mc:AlternateContent>
+            </a:graphicData>
+          </a:graphic>
+        </p:graphicFrame>
+      </p:grpSp>
+      <p:graphicFrame>
+        <p:nvGraphicFramePr>
+          <p:cNvPr id="186" name="Object 185"/>
+          <p:cNvGraphicFramePr/>
+          <p:nvPr/>
+        </p:nvGraphicFramePr>
+        <p:xfrm>
+          <a:off x="9662795" y="3152140"/>
+          <a:ext cx="361950" cy="343535"/>
+        </p:xfrm>
+        <a:graphic>
+          <a:graphicData uri="http://schemas.openxmlformats.org/presentationml/2006/ole">
+            <mc:AlternateContent xmlns:mc="http://schemas.openxmlformats.org/markup-compatibility/2006">
+              <mc:Choice xmlns:v="urn:schemas-microsoft-com:vml" Requires="v">
+                <p:oleObj r:id="rId25" imgW="361950" imgH="342900" progId="Paint.Picture">
+                  <p:embed/>
+                </p:oleObj>
+              </mc:Choice>
+              <mc:Fallback>
+                <p:oleObj r:id="rId25" imgW="361950" imgH="342900" progId="Paint.Picture">
+                  <p:embed/>
+                  <p:pic>
+                    <p:nvPicPr>
+                      <p:cNvPr id="0" name="Picture 22"/>
+                      <p:cNvPicPr/>
+                      <p:nvPr/>
+                    </p:nvPicPr>
+                    <p:blipFill>
+                      <a:blip r:embed="rId5"/>
+                      <a:stretch>
+                        <a:fillRect/>
+                      </a:stretch>
+                    </p:blipFill>
+                    <p:spPr>
+                      <a:xfrm>
+                        <a:off x="9662795" y="3152140"/>
+                        <a:ext cx="361950" cy="343535"/>
+                      </a:xfrm>
+                      <a:prstGeom prst="rect">
+                        <a:avLst/>
+                      </a:prstGeom>
+                    </p:spPr>
+                  </p:pic>
+                </p:oleObj>
+              </mc:Fallback>
+            </mc:AlternateContent>
+          </a:graphicData>
+        </a:graphic>
+      </p:graphicFrame>
+      <p:sp>
+        <p:nvSpPr>
+          <p:cNvPr id="188" name="Google Shape;138;p21"/>
+          <p:cNvSpPr txBox="1"/>
+          <p:nvPr/>
+        </p:nvSpPr>
+        <p:spPr>
+          <a:xfrm>
+            <a:off x="8525510" y="4031615"/>
+            <a:ext cx="2897505" cy="751205"/>
+          </a:xfrm>
+          <a:prstGeom prst="rect">
+            <a:avLst/>
+          </a:prstGeom>
+          <a:noFill/>
+          <a:ln>
+            <a:noFill/>
+          </a:ln>
+        </p:spPr>
+        <p:txBody>
+          <a:bodyPr spcFirstLastPara="1" wrap="square" lIns="91425" tIns="91425" rIns="91425" bIns="91425" anchor="t" anchorCtr="0">
+            <a:noAutofit/>
+          </a:bodyPr>
+          <a:lstStyle/>
+          <a:p>
+            <a:pPr indent="0">
+              <a:spcBef>
+                <a:spcPts val="0"/>
+              </a:spcBef>
+              <a:spcAft>
+                <a:spcPts val="0"/>
+              </a:spcAft>
+              <a:buNone/>
+            </a:pPr>
+            <a:r>
+              <a:rPr lang="ko-KR" altLang="en-US" sz="1200">
+                <a:latin typeface="맑은 고딕" panose="020B0503020000020004" charset="-127"/>
+                <a:ea typeface="맑은 고딕" panose="020B0503020000020004" charset="-127"/>
+                <a:cs typeface="맑은 고딕" panose="020B0503020000020004" charset="-127"/>
+                <a:sym typeface="맑은 고딕" panose="020B0503020000020004" charset="-127"/>
+              </a:rPr>
+              <a:t>비석을</a:t>
+            </a:r>
+            <a:r>
+              <a:rPr lang="en-US" altLang="ko-KR" sz="1200">
+                <a:latin typeface="맑은 고딕" panose="020B0503020000020004" charset="-127"/>
+                <a:ea typeface="맑은 고딕" panose="020B0503020000020004" charset="-127"/>
+                <a:cs typeface="맑은 고딕" panose="020B0503020000020004" charset="-127"/>
+                <a:sym typeface="맑은 고딕" panose="020B0503020000020004" charset="-127"/>
+              </a:rPr>
+              <a:t> </a:t>
+            </a:r>
+            <a:r>
+              <a:rPr lang="ko-KR" altLang="en-US" sz="1200">
+                <a:latin typeface="맑은 고딕" panose="020B0503020000020004" charset="-127"/>
+                <a:ea typeface="맑은 고딕" panose="020B0503020000020004" charset="-127"/>
+                <a:cs typeface="맑은 고딕" panose="020B0503020000020004" charset="-127"/>
+                <a:sym typeface="맑은 고딕" panose="020B0503020000020004" charset="-127"/>
+              </a:rPr>
+              <a:t>모두</a:t>
+            </a:r>
+            <a:r>
+              <a:rPr lang="en-US" altLang="ko-KR" sz="1200">
+                <a:latin typeface="맑은 고딕" panose="020B0503020000020004" charset="-127"/>
+                <a:ea typeface="맑은 고딕" panose="020B0503020000020004" charset="-127"/>
+                <a:cs typeface="맑은 고딕" panose="020B0503020000020004" charset="-127"/>
+                <a:sym typeface="맑은 고딕" panose="020B0503020000020004" charset="-127"/>
+              </a:rPr>
+              <a:t> </a:t>
+            </a:r>
+            <a:r>
+              <a:rPr lang="ko-KR" altLang="en-US" sz="1200">
+                <a:latin typeface="맑은 고딕" panose="020B0503020000020004" charset="-127"/>
+                <a:ea typeface="맑은 고딕" panose="020B0503020000020004" charset="-127"/>
+                <a:cs typeface="맑은 고딕" panose="020B0503020000020004" charset="-127"/>
+                <a:sym typeface="맑은 고딕" panose="020B0503020000020004" charset="-127"/>
+              </a:rPr>
+              <a:t>활성화하면</a:t>
+            </a:r>
+            <a:r>
+              <a:rPr lang="en-US" altLang="ko-KR" sz="1200">
+                <a:latin typeface="맑은 고딕" panose="020B0503020000020004" charset="-127"/>
+                <a:ea typeface="맑은 고딕" panose="020B0503020000020004" charset="-127"/>
+                <a:cs typeface="맑은 고딕" panose="020B0503020000020004" charset="-127"/>
+                <a:sym typeface="맑은 고딕" panose="020B0503020000020004" charset="-127"/>
+              </a:rPr>
+              <a:t> </a:t>
+            </a:r>
+            <a:r>
+              <a:rPr lang="ko-KR" altLang="en-US" sz="1200">
+                <a:latin typeface="맑은 고딕" panose="020B0503020000020004" charset="-127"/>
+                <a:ea typeface="맑은 고딕" panose="020B0503020000020004" charset="-127"/>
+                <a:cs typeface="맑은 고딕" panose="020B0503020000020004" charset="-127"/>
+                <a:sym typeface="맑은 고딕" panose="020B0503020000020004" charset="-127"/>
+              </a:rPr>
+              <a:t>문이</a:t>
+            </a:r>
+            <a:r>
+              <a:rPr lang="en-US" altLang="ko-KR" sz="1200">
+                <a:latin typeface="맑은 고딕" panose="020B0503020000020004" charset="-127"/>
+                <a:ea typeface="맑은 고딕" panose="020B0503020000020004" charset="-127"/>
+                <a:cs typeface="맑은 고딕" panose="020B0503020000020004" charset="-127"/>
+                <a:sym typeface="맑은 고딕" panose="020B0503020000020004" charset="-127"/>
+              </a:rPr>
+              <a:t> </a:t>
+            </a:r>
+            <a:r>
+              <a:rPr lang="ko-KR" altLang="en-US" sz="1200">
+                <a:latin typeface="맑은 고딕" panose="020B0503020000020004" charset="-127"/>
+                <a:ea typeface="맑은 고딕" panose="020B0503020000020004" charset="-127"/>
+                <a:cs typeface="맑은 고딕" panose="020B0503020000020004" charset="-127"/>
+                <a:sym typeface="맑은 고딕" panose="020B0503020000020004" charset="-127"/>
+              </a:rPr>
+              <a:t>열려</a:t>
+            </a:r>
+            <a:r>
+              <a:rPr lang="en-US" altLang="ko-KR" sz="1200">
+                <a:latin typeface="맑은 고딕" panose="020B0503020000020004" charset="-127"/>
+                <a:ea typeface="맑은 고딕" panose="020B0503020000020004" charset="-127"/>
+                <a:cs typeface="맑은 고딕" panose="020B0503020000020004" charset="-127"/>
+                <a:sym typeface="맑은 고딕" panose="020B0503020000020004" charset="-127"/>
+              </a:rPr>
+              <a:t> </a:t>
+            </a:r>
+            <a:r>
+              <a:rPr lang="ko-KR" altLang="en-US" sz="1200">
+                <a:latin typeface="맑은 고딕" panose="020B0503020000020004" charset="-127"/>
+                <a:ea typeface="맑은 고딕" panose="020B0503020000020004" charset="-127"/>
+                <a:cs typeface="맑은 고딕" panose="020B0503020000020004" charset="-127"/>
+                <a:sym typeface="맑은 고딕" panose="020B0503020000020004" charset="-127"/>
+              </a:rPr>
+              <a:t>다음</a:t>
+            </a:r>
+            <a:r>
+              <a:rPr lang="en-US" altLang="ko-KR" sz="1200">
+                <a:latin typeface="맑은 고딕" panose="020B0503020000020004" charset="-127"/>
+                <a:ea typeface="맑은 고딕" panose="020B0503020000020004" charset="-127"/>
+                <a:cs typeface="맑은 고딕" panose="020B0503020000020004" charset="-127"/>
+                <a:sym typeface="맑은 고딕" panose="020B0503020000020004" charset="-127"/>
+              </a:rPr>
+              <a:t> </a:t>
+            </a:r>
+            <a:r>
+              <a:rPr lang="ko-KR" altLang="en-US" sz="1200">
+                <a:latin typeface="맑은 고딕" panose="020B0503020000020004" charset="-127"/>
+                <a:ea typeface="맑은 고딕" panose="020B0503020000020004" charset="-127"/>
+                <a:cs typeface="맑은 고딕" panose="020B0503020000020004" charset="-127"/>
+                <a:sym typeface="맑은 고딕" panose="020B0503020000020004" charset="-127"/>
+              </a:rPr>
+              <a:t>스테이지로</a:t>
+            </a:r>
+            <a:r>
+              <a:rPr lang="en-US" altLang="ko-KR" sz="1200">
+                <a:latin typeface="맑은 고딕" panose="020B0503020000020004" charset="-127"/>
+                <a:ea typeface="맑은 고딕" panose="020B0503020000020004" charset="-127"/>
+                <a:cs typeface="맑은 고딕" panose="020B0503020000020004" charset="-127"/>
+                <a:sym typeface="맑은 고딕" panose="020B0503020000020004" charset="-127"/>
+              </a:rPr>
+              <a:t> </a:t>
+            </a:r>
+            <a:r>
+              <a:rPr lang="ko-KR" altLang="en-US" sz="1200">
+                <a:latin typeface="맑은 고딕" panose="020B0503020000020004" charset="-127"/>
+                <a:ea typeface="맑은 고딕" panose="020B0503020000020004" charset="-127"/>
+                <a:cs typeface="맑은 고딕" panose="020B0503020000020004" charset="-127"/>
+                <a:sym typeface="맑은 고딕" panose="020B0503020000020004" charset="-127"/>
+              </a:rPr>
+              <a:t>진입이</a:t>
+            </a:r>
+            <a:r>
+              <a:rPr lang="en-US" altLang="ko-KR" sz="1200">
+                <a:latin typeface="맑은 고딕" panose="020B0503020000020004" charset="-127"/>
+                <a:ea typeface="맑은 고딕" panose="020B0503020000020004" charset="-127"/>
+                <a:cs typeface="맑은 고딕" panose="020B0503020000020004" charset="-127"/>
+                <a:sym typeface="맑은 고딕" panose="020B0503020000020004" charset="-127"/>
+              </a:rPr>
+              <a:t> </a:t>
+            </a:r>
+            <a:r>
+              <a:rPr lang="ko-KR" altLang="en-US" sz="1200">
+                <a:latin typeface="맑은 고딕" panose="020B0503020000020004" charset="-127"/>
+                <a:ea typeface="맑은 고딕" panose="020B0503020000020004" charset="-127"/>
+                <a:cs typeface="맑은 고딕" panose="020B0503020000020004" charset="-127"/>
+                <a:sym typeface="맑은 고딕" panose="020B0503020000020004" charset="-127"/>
+              </a:rPr>
+              <a:t>가능해진다</a:t>
+            </a:r>
+            <a:r>
+              <a:rPr lang="en-US" altLang="ko-KR" sz="1200">
+                <a:latin typeface="맑은 고딕" panose="020B0503020000020004" charset="-127"/>
+                <a:ea typeface="맑은 고딕" panose="020B0503020000020004" charset="-127"/>
+                <a:cs typeface="맑은 고딕" panose="020B0503020000020004" charset="-127"/>
+                <a:sym typeface="맑은 고딕" panose="020B0503020000020004" charset="-127"/>
+              </a:rPr>
+              <a:t>.</a:t>
+            </a:r>
+          </a:p>
+        </p:txBody>
+      </p:sp>
+      <p:pic>
+        <p:nvPicPr>
+          <p:cNvPr id="202" name="Picture 201"/>
+          <p:cNvPicPr/>
+          <p:nvPr/>
+        </p:nvPicPr>
+        <p:blipFill>
+          <a:blip r:embed="rId8"/>
+          <a:stretch>
+            <a:fillRect/>
+          </a:stretch>
+        </p:blipFill>
+        <p:spPr>
+          <a:xfrm>
+            <a:off x="7940040" y="3288665"/>
+            <a:ext cx="558800" cy="603250"/>
+          </a:xfrm>
+          <a:prstGeom prst="rect">
+            <a:avLst/>
+          </a:prstGeom>
+          <a:noFill/>
+          <a:ln w="9525">
+            <a:noFill/>
+          </a:ln>
+        </p:spPr>
+      </p:pic>
+      <p:graphicFrame>
+        <p:nvGraphicFramePr>
+          <p:cNvPr id="203" name="Object 202"/>
+          <p:cNvGraphicFramePr/>
+          <p:nvPr/>
+        </p:nvGraphicFramePr>
+        <p:xfrm>
+          <a:off x="5784215" y="2192973"/>
+          <a:ext cx="361950" cy="343535"/>
+        </p:xfrm>
+        <a:graphic>
+          <a:graphicData uri="http://schemas.openxmlformats.org/presentationml/2006/ole">
+            <mc:AlternateContent xmlns:mc="http://schemas.openxmlformats.org/markup-compatibility/2006">
+              <mc:Choice xmlns:v="urn:schemas-microsoft-com:vml" Requires="v">
+                <p:oleObj r:id="rId26" imgW="361950" imgH="342900" progId="Paint.Picture">
+                  <p:embed/>
+                </p:oleObj>
+              </mc:Choice>
+              <mc:Fallback>
+                <p:oleObj r:id="rId26" imgW="361950" imgH="342900" progId="Paint.Picture">
+                  <p:embed/>
+                  <p:pic>
+                    <p:nvPicPr>
+                      <p:cNvPr id="0" name="Picture 37"/>
+                      <p:cNvPicPr/>
+                      <p:nvPr/>
+                    </p:nvPicPr>
+                    <p:blipFill>
+                      <a:blip r:embed="rId10"/>
+                      <a:stretch>
+                        <a:fillRect/>
+                      </a:stretch>
+                    </p:blipFill>
+                    <p:spPr>
+                      <a:xfrm>
+                        <a:off x="5784215" y="2192973"/>
+                        <a:ext cx="361950" cy="343535"/>
+                      </a:xfrm>
+                      <a:prstGeom prst="rect">
+                        <a:avLst/>
+                      </a:prstGeom>
+                    </p:spPr>
+                  </p:pic>
+                </p:oleObj>
+              </mc:Fallback>
+            </mc:AlternateContent>
+          </a:graphicData>
+        </a:graphic>
+      </p:graphicFrame>
+      <p:graphicFrame>
+        <p:nvGraphicFramePr>
+          <p:cNvPr id="205" name="Object 204"/>
+          <p:cNvGraphicFramePr/>
+          <p:nvPr/>
+        </p:nvGraphicFramePr>
+        <p:xfrm>
+          <a:off x="8572500" y="1419860"/>
+          <a:ext cx="924560" cy="600710"/>
+        </p:xfrm>
+        <a:graphic>
+          <a:graphicData uri="http://schemas.openxmlformats.org/presentationml/2006/ole">
+            <mc:AlternateContent xmlns:mc="http://schemas.openxmlformats.org/markup-compatibility/2006">
+              <mc:Choice xmlns:v="urn:schemas-microsoft-com:vml" Requires="v">
+                <p:oleObj r:id="rId27" imgW="923925" imgH="600075" progId="Paint.Picture">
+                  <p:embed/>
+                </p:oleObj>
+              </mc:Choice>
+              <mc:Fallback>
+                <p:oleObj r:id="rId27" imgW="923925" imgH="600075" progId="Paint.Picture">
+                  <p:embed/>
+                  <p:pic>
+                    <p:nvPicPr>
+                      <p:cNvPr id="0" name="Picture 205"/>
+                      <p:cNvPicPr/>
+                      <p:nvPr/>
+                    </p:nvPicPr>
+                    <p:blipFill>
+                      <a:blip r:embed="rId28"/>
+                      <a:stretch>
+                        <a:fillRect/>
+                      </a:stretch>
+                    </p:blipFill>
+                    <p:spPr>
+                      <a:xfrm>
+                        <a:off x="8572500" y="1419860"/>
+                        <a:ext cx="924560" cy="600710"/>
+                      </a:xfrm>
+                      <a:prstGeom prst="rect">
+                        <a:avLst/>
+                      </a:prstGeom>
+                    </p:spPr>
+                  </p:pic>
+                </p:oleObj>
+              </mc:Fallback>
+            </mc:AlternateContent>
+          </a:graphicData>
+        </a:graphic>
+      </p:graphicFrame>
+      <p:graphicFrame>
+        <p:nvGraphicFramePr>
+          <p:cNvPr id="209" name="Object 208"/>
+          <p:cNvGraphicFramePr/>
+          <p:nvPr/>
+        </p:nvGraphicFramePr>
+        <p:xfrm>
+          <a:off x="10259060" y="1425575"/>
+          <a:ext cx="924560" cy="600710"/>
+        </p:xfrm>
+        <a:graphic>
+          <a:graphicData uri="http://schemas.openxmlformats.org/presentationml/2006/ole">
+            <mc:AlternateContent xmlns:mc="http://schemas.openxmlformats.org/markup-compatibility/2006">
+              <mc:Choice xmlns:v="urn:schemas-microsoft-com:vml" Requires="v">
+                <p:oleObj r:id="rId29" imgW="923925" imgH="600075" progId="Paint.Picture">
+                  <p:embed/>
+                </p:oleObj>
+              </mc:Choice>
+              <mc:Fallback>
+                <p:oleObj r:id="rId29" imgW="923925" imgH="600075" progId="Paint.Picture">
+                  <p:embed/>
+                  <p:pic>
+                    <p:nvPicPr>
+                      <p:cNvPr id="0" name="Picture 209"/>
+                      <p:cNvPicPr/>
+                      <p:nvPr/>
+                    </p:nvPicPr>
+                    <p:blipFill>
+                      <a:blip r:embed="rId28"/>
+                      <a:stretch>
+                        <a:fillRect/>
+                      </a:stretch>
+                    </p:blipFill>
+                    <p:spPr>
+                      <a:xfrm>
+                        <a:off x="10259060" y="1425575"/>
+                        <a:ext cx="924560" cy="600710"/>
+                      </a:xfrm>
+                      <a:prstGeom prst="rect">
+                        <a:avLst/>
+                      </a:prstGeom>
+                    </p:spPr>
+                  </p:pic>
+                </p:oleObj>
+              </mc:Fallback>
+            </mc:AlternateContent>
+          </a:graphicData>
+        </a:graphic>
+      </p:graphicFrame>
+      <p:graphicFrame>
+        <p:nvGraphicFramePr>
+          <p:cNvPr id="211" name="Object 210"/>
+          <p:cNvGraphicFramePr/>
+          <p:nvPr/>
+        </p:nvGraphicFramePr>
+        <p:xfrm>
+          <a:off x="8602345" y="2187258"/>
+          <a:ext cx="361950" cy="343535"/>
+        </p:xfrm>
+        <a:graphic>
+          <a:graphicData uri="http://schemas.openxmlformats.org/presentationml/2006/ole">
+            <mc:AlternateContent xmlns:mc="http://schemas.openxmlformats.org/markup-compatibility/2006">
+              <mc:Choice xmlns:v="urn:schemas-microsoft-com:vml" Requires="v">
+                <p:oleObj r:id="rId30" imgW="361950" imgH="342900" progId="Paint.Picture">
+                  <p:embed/>
+                </p:oleObj>
+              </mc:Choice>
+              <mc:Fallback>
+                <p:oleObj r:id="rId30" imgW="361950" imgH="342900" progId="Paint.Picture">
+                  <p:embed/>
+                  <p:pic>
+                    <p:nvPicPr>
+                      <p:cNvPr id="0" name="Picture 37"/>
+                      <p:cNvPicPr/>
+                      <p:nvPr/>
+                    </p:nvPicPr>
+                    <p:blipFill>
+                      <a:blip r:embed="rId10"/>
+                      <a:stretch>
+                        <a:fillRect/>
+                      </a:stretch>
+                    </p:blipFill>
+                    <p:spPr>
+                      <a:xfrm>
+                        <a:off x="8602345" y="2187258"/>
+                        <a:ext cx="361950" cy="343535"/>
+                      </a:xfrm>
+                      <a:prstGeom prst="rect">
+                        <a:avLst/>
+                      </a:prstGeom>
+                    </p:spPr>
+                  </p:pic>
+                </p:oleObj>
+              </mc:Fallback>
+            </mc:AlternateContent>
+          </a:graphicData>
+        </a:graphic>
+      </p:graphicFrame>
+      <p:graphicFrame>
+        <p:nvGraphicFramePr>
+          <p:cNvPr id="213" name="Object 212"/>
+          <p:cNvGraphicFramePr/>
+          <p:nvPr/>
+        </p:nvGraphicFramePr>
+        <p:xfrm>
+          <a:off x="9135110" y="2192973"/>
+          <a:ext cx="361950" cy="343535"/>
+        </p:xfrm>
+        <a:graphic>
+          <a:graphicData uri="http://schemas.openxmlformats.org/presentationml/2006/ole">
+            <mc:AlternateContent xmlns:mc="http://schemas.openxmlformats.org/markup-compatibility/2006">
+              <mc:Choice xmlns:v="urn:schemas-microsoft-com:vml" Requires="v">
+                <p:oleObj r:id="rId31" imgW="361950" imgH="342900" progId="Paint.Picture">
+                  <p:embed/>
+                </p:oleObj>
+              </mc:Choice>
+              <mc:Fallback>
+                <p:oleObj r:id="rId31" imgW="361950" imgH="342900" progId="Paint.Picture">
+                  <p:embed/>
+                  <p:pic>
+                    <p:nvPicPr>
+                      <p:cNvPr id="0" name="Picture 37"/>
+                      <p:cNvPicPr/>
+                      <p:nvPr/>
+                    </p:nvPicPr>
+                    <p:blipFill>
+                      <a:blip r:embed="rId10"/>
+                      <a:stretch>
+                        <a:fillRect/>
+                      </a:stretch>
+                    </p:blipFill>
+                    <p:spPr>
+                      <a:xfrm>
+                        <a:off x="9135110" y="2192973"/>
+                        <a:ext cx="361950" cy="343535"/>
+                      </a:xfrm>
+                      <a:prstGeom prst="rect">
+                        <a:avLst/>
+                      </a:prstGeom>
+                    </p:spPr>
+                  </p:pic>
+                </p:oleObj>
+              </mc:Fallback>
+            </mc:AlternateContent>
+          </a:graphicData>
+        </a:graphic>
+      </p:graphicFrame>
+      <p:graphicFrame>
+        <p:nvGraphicFramePr>
+          <p:cNvPr id="215" name="Object 214"/>
+          <p:cNvGraphicFramePr/>
+          <p:nvPr/>
+        </p:nvGraphicFramePr>
+        <p:xfrm>
+          <a:off x="9697085" y="2192973"/>
+          <a:ext cx="361950" cy="343535"/>
+        </p:xfrm>
+        <a:graphic>
+          <a:graphicData uri="http://schemas.openxmlformats.org/presentationml/2006/ole">
+            <mc:AlternateContent xmlns:mc="http://schemas.openxmlformats.org/markup-compatibility/2006">
+              <mc:Choice xmlns:v="urn:schemas-microsoft-com:vml" Requires="v">
+                <p:oleObj r:id="rId32" imgW="361950" imgH="342900" progId="Paint.Picture">
+                  <p:embed/>
+                </p:oleObj>
+              </mc:Choice>
+              <mc:Fallback>
+                <p:oleObj r:id="rId32" imgW="361950" imgH="342900" progId="Paint.Picture">
+                  <p:embed/>
+                  <p:pic>
+                    <p:nvPicPr>
+                      <p:cNvPr id="0" name="Picture 37"/>
+                      <p:cNvPicPr/>
+                      <p:nvPr/>
+                    </p:nvPicPr>
+                    <p:blipFill>
+                      <a:blip r:embed="rId10"/>
+                      <a:stretch>
+                        <a:fillRect/>
+                      </a:stretch>
+                    </p:blipFill>
+                    <p:spPr>
+                      <a:xfrm>
+                        <a:off x="9697085" y="2192973"/>
+                        <a:ext cx="361950" cy="343535"/>
+                      </a:xfrm>
+                      <a:prstGeom prst="rect">
+                        <a:avLst/>
+                      </a:prstGeom>
+                    </p:spPr>
+                  </p:pic>
+                </p:oleObj>
+              </mc:Fallback>
+            </mc:AlternateContent>
+          </a:graphicData>
+        </a:graphic>
+      </p:graphicFrame>
+      <p:graphicFrame>
+        <p:nvGraphicFramePr>
+          <p:cNvPr id="217" name="Object 216"/>
+          <p:cNvGraphicFramePr/>
+          <p:nvPr/>
+        </p:nvGraphicFramePr>
+        <p:xfrm>
+          <a:off x="10259060" y="2192973"/>
+          <a:ext cx="361950" cy="343535"/>
+        </p:xfrm>
+        <a:graphic>
+          <a:graphicData uri="http://schemas.openxmlformats.org/presentationml/2006/ole">
+            <mc:AlternateContent xmlns:mc="http://schemas.openxmlformats.org/markup-compatibility/2006">
+              <mc:Choice xmlns:v="urn:schemas-microsoft-com:vml" Requires="v">
+                <p:oleObj r:id="rId33" imgW="361950" imgH="342900" progId="Paint.Picture">
+                  <p:embed/>
+                </p:oleObj>
+              </mc:Choice>
+              <mc:Fallback>
+                <p:oleObj r:id="rId33" imgW="361950" imgH="342900" progId="Paint.Picture">
+                  <p:embed/>
+                  <p:pic>
+                    <p:nvPicPr>
+                      <p:cNvPr id="0" name="Picture 37"/>
+                      <p:cNvPicPr/>
+                      <p:nvPr/>
+                    </p:nvPicPr>
+                    <p:blipFill>
+                      <a:blip r:embed="rId10"/>
+                      <a:stretch>
+                        <a:fillRect/>
+                      </a:stretch>
+                    </p:blipFill>
+                    <p:spPr>
+                      <a:xfrm>
+                        <a:off x="10259060" y="2192973"/>
+                        <a:ext cx="361950" cy="343535"/>
+                      </a:xfrm>
+                      <a:prstGeom prst="rect">
+                        <a:avLst/>
+                      </a:prstGeom>
+                    </p:spPr>
+                  </p:pic>
+                </p:oleObj>
+              </mc:Fallback>
+            </mc:AlternateContent>
+          </a:graphicData>
+        </a:graphic>
+      </p:graphicFrame>
+      <p:graphicFrame>
+        <p:nvGraphicFramePr>
+          <p:cNvPr id="219" name="Object 218"/>
+          <p:cNvGraphicFramePr/>
+          <p:nvPr/>
+        </p:nvGraphicFramePr>
+        <p:xfrm>
+          <a:off x="10821035" y="2192973"/>
+          <a:ext cx="361950" cy="343535"/>
+        </p:xfrm>
+        <a:graphic>
+          <a:graphicData uri="http://schemas.openxmlformats.org/presentationml/2006/ole">
+            <mc:AlternateContent xmlns:mc="http://schemas.openxmlformats.org/markup-compatibility/2006">
+              <mc:Choice xmlns:v="urn:schemas-microsoft-com:vml" Requires="v">
+                <p:oleObj r:id="rId34" imgW="361950" imgH="342900" progId="Paint.Picture">
+                  <p:embed/>
+                </p:oleObj>
+              </mc:Choice>
+              <mc:Fallback>
+                <p:oleObj r:id="rId34" imgW="361950" imgH="342900" progId="Paint.Picture">
+                  <p:embed/>
+                  <p:pic>
+                    <p:nvPicPr>
+                      <p:cNvPr id="0" name="Picture 37"/>
+                      <p:cNvPicPr/>
+                      <p:nvPr/>
+                    </p:nvPicPr>
+                    <p:blipFill>
+                      <a:blip r:embed="rId10"/>
+                      <a:stretch>
+                        <a:fillRect/>
+                      </a:stretch>
+                    </p:blipFill>
+                    <p:spPr>
+                      <a:xfrm>
+                        <a:off x="10821035" y="2192973"/>
+                        <a:ext cx="361950" cy="343535"/>
+                      </a:xfrm>
+                      <a:prstGeom prst="rect">
+                        <a:avLst/>
+                      </a:prstGeom>
+                    </p:spPr>
+                  </p:pic>
+                </p:oleObj>
+              </mc:Fallback>
+            </mc:AlternateContent>
+          </a:graphicData>
+        </a:graphic>
+      </p:graphicFrame>
+      <p:graphicFrame>
+        <p:nvGraphicFramePr>
+          <p:cNvPr id="221" name="Object 220"/>
+          <p:cNvGraphicFramePr/>
+          <p:nvPr/>
+        </p:nvGraphicFramePr>
+        <p:xfrm>
+          <a:off x="8573135" y="2187258"/>
+          <a:ext cx="361950" cy="343535"/>
+        </p:xfrm>
+        <a:graphic>
+          <a:graphicData uri="http://schemas.openxmlformats.org/presentationml/2006/ole">
+            <mc:AlternateContent xmlns:mc="http://schemas.openxmlformats.org/markup-compatibility/2006">
+              <mc:Choice xmlns:v="urn:schemas-microsoft-com:vml" Requires="v">
+                <p:oleObj r:id="rId35" imgW="361950" imgH="342900" progId="Paint.Picture">
+                  <p:embed/>
+                </p:oleObj>
+              </mc:Choice>
+              <mc:Fallback>
+                <p:oleObj r:id="rId35" imgW="361950" imgH="342900" progId="Paint.Picture">
+                  <p:embed/>
+                  <p:pic>
+                    <p:nvPicPr>
+                      <p:cNvPr id="0" name="Picture 37"/>
+                      <p:cNvPicPr/>
+                      <p:nvPr/>
+                    </p:nvPicPr>
+                    <p:blipFill>
+                      <a:blip r:embed="rId10"/>
+                      <a:stretch>
+                        <a:fillRect/>
+                      </a:stretch>
+                    </p:blipFill>
+                    <p:spPr>
+                      <a:xfrm>
+                        <a:off x="8573135" y="2187258"/>
+                        <a:ext cx="361950" cy="343535"/>
+                      </a:xfrm>
+                      <a:prstGeom prst="rect">
+                        <a:avLst/>
+                      </a:prstGeom>
+                    </p:spPr>
+                  </p:pic>
+                </p:oleObj>
+              </mc:Fallback>
+            </mc:AlternateContent>
+          </a:graphicData>
+        </a:graphic>
+      </p:graphicFrame>
+      <p:graphicFrame>
+        <p:nvGraphicFramePr>
+          <p:cNvPr id="223" name="Object 222"/>
+          <p:cNvGraphicFramePr/>
+          <p:nvPr/>
+        </p:nvGraphicFramePr>
+        <p:xfrm>
+          <a:off x="9135110" y="2192973"/>
+          <a:ext cx="361950" cy="343535"/>
+        </p:xfrm>
+        <a:graphic>
+          <a:graphicData uri="http://schemas.openxmlformats.org/presentationml/2006/ole">
+            <mc:AlternateContent xmlns:mc="http://schemas.openxmlformats.org/markup-compatibility/2006">
+              <mc:Choice xmlns:v="urn:schemas-microsoft-com:vml" Requires="v">
+                <p:oleObj r:id="rId36" imgW="361950" imgH="342900" progId="Paint.Picture">
+                  <p:embed/>
+                </p:oleObj>
+              </mc:Choice>
+              <mc:Fallback>
+                <p:oleObj r:id="rId36" imgW="361950" imgH="342900" progId="Paint.Picture">
+                  <p:embed/>
+                  <p:pic>
+                    <p:nvPicPr>
+                      <p:cNvPr id="0" name="Picture 37"/>
+                      <p:cNvPicPr/>
+                      <p:nvPr/>
+                    </p:nvPicPr>
+                    <p:blipFill>
+                      <a:blip r:embed="rId10"/>
+                      <a:stretch>
+                        <a:fillRect/>
+                      </a:stretch>
+                    </p:blipFill>
+                    <p:spPr>
+                      <a:xfrm>
+                        <a:off x="9135110" y="2192973"/>
+                        <a:ext cx="361950" cy="343535"/>
+                      </a:xfrm>
+                      <a:prstGeom prst="rect">
+                        <a:avLst/>
+                      </a:prstGeom>
+                    </p:spPr>
+                  </p:pic>
+                </p:oleObj>
+              </mc:Fallback>
+            </mc:AlternateContent>
+          </a:graphicData>
+        </a:graphic>
+      </p:graphicFrame>
+      <p:graphicFrame>
+        <p:nvGraphicFramePr>
+          <p:cNvPr id="227" name="Object 226"/>
+          <p:cNvGraphicFramePr/>
+          <p:nvPr/>
+        </p:nvGraphicFramePr>
+        <p:xfrm>
+          <a:off x="5596255" y="2634615"/>
+          <a:ext cx="448310" cy="361950"/>
+        </p:xfrm>
+        <a:graphic>
+          <a:graphicData uri="http://schemas.openxmlformats.org/presentationml/2006/ole">
+            <mc:AlternateContent xmlns:mc="http://schemas.openxmlformats.org/markup-compatibility/2006">
+              <mc:Choice xmlns:v="urn:schemas-microsoft-com:vml" Requires="v">
+                <p:oleObj r:id="rId37" imgW="447675" imgH="361950" progId="Paint.Picture">
+                  <p:embed/>
+                </p:oleObj>
+              </mc:Choice>
+              <mc:Fallback>
+                <p:oleObj r:id="rId37" imgW="447675" imgH="361950" progId="Paint.Picture">
+                  <p:embed/>
+                  <p:pic>
+                    <p:nvPicPr>
+                      <p:cNvPr id="0" name="Picture 227"/>
+                      <p:cNvPicPr/>
+                      <p:nvPr/>
+                    </p:nvPicPr>
+                    <p:blipFill>
+                      <a:blip r:embed="rId38"/>
+                      <a:stretch>
+                        <a:fillRect/>
+                      </a:stretch>
+                    </p:blipFill>
+                    <p:spPr>
+                      <a:xfrm>
+                        <a:off x="5596255" y="2634615"/>
+                        <a:ext cx="448310" cy="361950"/>
+                      </a:xfrm>
+                      <a:prstGeom prst="rect">
+                        <a:avLst/>
+                      </a:prstGeom>
+                    </p:spPr>
+                  </p:pic>
+                </p:oleObj>
+              </mc:Fallback>
+            </mc:AlternateContent>
+          </a:graphicData>
+        </a:graphic>
+      </p:graphicFrame>
+      <p:sp>
+        <p:nvSpPr>
+          <p:cNvPr id="229" name="Google Shape;138;p21"/>
+          <p:cNvSpPr txBox="1"/>
+          <p:nvPr/>
+        </p:nvSpPr>
+        <p:spPr>
+          <a:xfrm>
+            <a:off x="5967730" y="2558415"/>
+            <a:ext cx="801370" cy="445770"/>
+          </a:xfrm>
+          <a:prstGeom prst="rect">
+            <a:avLst/>
+          </a:prstGeom>
+          <a:noFill/>
+          <a:ln>
+            <a:noFill/>
+          </a:ln>
+        </p:spPr>
+        <p:txBody>
+          <a:bodyPr spcFirstLastPara="1" wrap="square" lIns="91425" tIns="91425" rIns="91425" bIns="91425" anchor="t" anchorCtr="0">
+            <a:noAutofit/>
+          </a:bodyPr>
+          <a:lstStyle/>
+          <a:p>
+            <a:pPr indent="0">
+              <a:spcBef>
+                <a:spcPts val="0"/>
+              </a:spcBef>
+              <a:spcAft>
+                <a:spcPts val="0"/>
+              </a:spcAft>
+              <a:buNone/>
+            </a:pPr>
+            <a:r>
+              <a:rPr lang="en-US" sz="1400">
+                <a:latin typeface="Agency FB" panose="020B0503020202020204" charset="0"/>
+                <a:ea typeface="맑은 고딕" panose="020B0503020000020004" charset="-127"/>
+                <a:cs typeface="Agency FB" panose="020B0503020202020204" charset="0"/>
+                <a:sym typeface="맑은 고딕" panose="020B0503020000020004" charset="-127"/>
+              </a:rPr>
+              <a:t>Attack!</a:t>
+            </a:r>
+            <a:endParaRPr sz="1400">
+              <a:latin typeface="Agency FB" panose="020B0503020202020204" charset="0"/>
+              <a:ea typeface="맑은 고딕" panose="020B0503020000020004" charset="-127"/>
+              <a:cs typeface="Agency FB" panose="020B0503020202020204" charset="0"/>
+              <a:sym typeface="맑은 고딕" panose="020B0503020000020004" charset="-127"/>
+            </a:endParaRPr>
+          </a:p>
+          <a:p>
+            <a:pPr indent="0">
+              <a:spcBef>
+                <a:spcPts val="0"/>
+              </a:spcBef>
+              <a:spcAft>
+                <a:spcPts val="0"/>
+              </a:spcAft>
+              <a:buNone/>
+            </a:pPr>
+            <a:r>
+              <a:rPr lang="en-US" sz="1400">
+                <a:latin typeface="Agency FB" panose="020B0503020202020204" charset="0"/>
+                <a:ea typeface="맑은 고딕" panose="020B0503020000020004" charset="-127"/>
+                <a:cs typeface="Agency FB" panose="020B0503020202020204" charset="0"/>
+                <a:sym typeface="맑은 고딕" panose="020B0503020000020004" charset="-127"/>
+              </a:rPr>
+              <a:t> </a:t>
+            </a:r>
+            <a:endParaRPr sz="1400">
+              <a:latin typeface="Agency FB" panose="020B0503020202020204" charset="0"/>
+              <a:ea typeface="맑은 고딕" panose="020B0503020000020004" charset="-127"/>
+              <a:cs typeface="Agency FB" panose="020B0503020202020204" charset="0"/>
+              <a:sym typeface="맑은 고딕" panose="020B0503020000020004" charset="-127"/>
+            </a:endParaRPr>
+          </a:p>
+        </p:txBody>
+      </p:sp>
+    </p:spTree>
+  </p:cSld>
+  <p:clrMapOvr>
+    <a:masterClrMapping/>
+  </p:clrMapOvr>
+</p:sld>
+</file>
+
+<file path=ppt/slides/slide13.xml><?xml version="1.0" encoding="utf-8"?>
+<p:sld xmlns:a="http://schemas.openxmlformats.org/drawingml/2006/main" xmlns:r="http://schemas.openxmlformats.org/officeDocument/2006/relationships" xmlns:p="http://schemas.openxmlformats.org/presentationml/2006/main">
+  <p:cSld>
+    <p:bg>
+      <p:bgPr>
+        <a:solidFill>
+          <a:srgbClr val="8BA9AB"/>
+        </a:solidFill>
+        <a:effectLst/>
+      </p:bgPr>
+    </p:bg>
+    <p:spTree>
+      <p:nvGrpSpPr>
+        <p:cNvPr id="1" name=""/>
+        <p:cNvGrpSpPr/>
+        <p:nvPr/>
+      </p:nvGrpSpPr>
+      <p:grpSpPr>
+        <a:xfrm>
+          <a:off x="0" y="0"/>
+          <a:ext cx="0" cy="0"/>
+          <a:chOff x="0" y="0"/>
+          <a:chExt cx="0" cy="0"/>
+        </a:xfrm>
+      </p:grpSpPr>
+      <p:sp>
+        <p:nvSpPr>
+          <p:cNvPr id="15" name="직사각형 14"/>
+          <p:cNvSpPr/>
+          <p:nvPr/>
+        </p:nvSpPr>
+        <p:spPr>
+          <a:xfrm>
+            <a:off x="469900" y="925976"/>
+            <a:ext cx="11226800" cy="5617119"/>
+          </a:xfrm>
+          <a:prstGeom prst="rect">
+            <a:avLst/>
+          </a:prstGeom>
+          <a:solidFill>
+            <a:schemeClr val="bg1"/>
+          </a:solidFill>
+          <a:ln w="28575">
+            <a:solidFill>
+              <a:srgbClr val="A3BCBD"/>
+            </a:solidFill>
+          </a:ln>
+        </p:spPr>
+        <p:style>
+          <a:lnRef idx="2">
+            <a:schemeClr val="accent1">
+              <a:shade val="50000"/>
+            </a:schemeClr>
+          </a:lnRef>
+          <a:fillRef idx="1">
+            <a:schemeClr val="accent1"/>
+          </a:fillRef>
+          <a:effectRef idx="0">
+            <a:schemeClr val="accent1"/>
+          </a:effectRef>
+          <a:fontRef idx="minor">
+            <a:schemeClr val="lt1"/>
+          </a:fontRef>
+        </p:style>
+        <p:txBody>
+          <a:bodyPr rtlCol="0" anchor="ctr"/>
+          <a:lstStyle/>
+          <a:p>
+            <a:pPr algn="ctr"/>
+            <a:endParaRPr lang="ko-KR" altLang="en-US"/>
+          </a:p>
+        </p:txBody>
+      </p:sp>
+      <p:sp>
+        <p:nvSpPr>
+          <p:cNvPr id="18" name="TextBox 17"/>
           <p:cNvSpPr txBox="1"/>
           <p:nvPr/>
         </p:nvSpPr>
@@ -3549,13 +7873,7 @@
       </p:sp>
       <p:pic>
         <p:nvPicPr>
-          <p:cNvPr id="1026" name="Picture 2">
-            <a:extLst>
-              <a:ext uri="{FF2B5EF4-FFF2-40B4-BE49-F238E27FC236}">
-                <a16:creationId xmlns:a16="http://schemas.microsoft.com/office/drawing/2014/main" id="{8A842A41-F646-76D6-B42E-D5DD4A884CE5}"/>
-              </a:ext>
-            </a:extLst>
-          </p:cNvPr>
+          <p:cNvPr id="1026" name="Picture 2"/>
           <p:cNvPicPr>
             <a:picLocks noChangeAspect="1" noChangeArrowheads="1"/>
           </p:cNvPicPr>
@@ -3579,7 +7897,9 @@
             </a:extLst>
           </a:blip>
           <a:srcRect t="27150" b="25146"/>
-          <a:stretch/>
+          <a:stretch>
+            <a:fillRect/>
+          </a:stretch>
         </p:blipFill>
         <p:spPr bwMode="auto">
           <a:xfrm>
@@ -3603,13 +7923,7 @@
       </p:pic>
       <p:sp>
         <p:nvSpPr>
-          <p:cNvPr id="3" name="사각형: 둥근 모서리 2">
-            <a:extLst>
-              <a:ext uri="{FF2B5EF4-FFF2-40B4-BE49-F238E27FC236}">
-                <a16:creationId xmlns:a16="http://schemas.microsoft.com/office/drawing/2014/main" id="{9224A4DD-1280-583F-ACEF-A0DD7BD8BAC9}"/>
-              </a:ext>
-            </a:extLst>
-          </p:cNvPr>
+          <p:cNvPr id="3" name="사각형: 둥근 모서리 2"/>
           <p:cNvSpPr/>
           <p:nvPr/>
         </p:nvSpPr>
@@ -3657,13 +7971,7 @@
       </p:sp>
       <p:sp>
         <p:nvSpPr>
-          <p:cNvPr id="4" name="사각형: 둥근 모서리 3">
-            <a:extLst>
-              <a:ext uri="{FF2B5EF4-FFF2-40B4-BE49-F238E27FC236}">
-                <a16:creationId xmlns:a16="http://schemas.microsoft.com/office/drawing/2014/main" id="{BD53039B-5DEF-2FB3-8929-0953F1F18FD4}"/>
-              </a:ext>
-            </a:extLst>
-          </p:cNvPr>
+          <p:cNvPr id="4" name="사각형: 둥근 모서리 3"/>
           <p:cNvSpPr/>
           <p:nvPr/>
         </p:nvSpPr>
@@ -3711,13 +8019,7 @@
       </p:sp>
       <p:sp>
         <p:nvSpPr>
-          <p:cNvPr id="5" name="사각형: 둥근 모서리 4">
-            <a:extLst>
-              <a:ext uri="{FF2B5EF4-FFF2-40B4-BE49-F238E27FC236}">
-                <a16:creationId xmlns:a16="http://schemas.microsoft.com/office/drawing/2014/main" id="{6E2C2755-0D45-2D38-FE89-DAAC5F47D5F1}"/>
-              </a:ext>
-            </a:extLst>
-          </p:cNvPr>
+          <p:cNvPr id="5" name="사각형: 둥근 모서리 4"/>
           <p:cNvSpPr/>
           <p:nvPr/>
         </p:nvSpPr>
@@ -3765,13 +8067,7 @@
       </p:sp>
       <p:sp>
         <p:nvSpPr>
-          <p:cNvPr id="6" name="사각형: 둥근 모서리 5">
-            <a:extLst>
-              <a:ext uri="{FF2B5EF4-FFF2-40B4-BE49-F238E27FC236}">
-                <a16:creationId xmlns:a16="http://schemas.microsoft.com/office/drawing/2014/main" id="{110F7627-F2DD-A9B1-4B98-06FEB96A05D4}"/>
-              </a:ext>
-            </a:extLst>
-          </p:cNvPr>
+          <p:cNvPr id="6" name="사각형: 둥근 모서리 5"/>
           <p:cNvSpPr/>
           <p:nvPr/>
         </p:nvSpPr>
@@ -3819,13 +8115,7 @@
       </p:sp>
       <p:sp>
         <p:nvSpPr>
-          <p:cNvPr id="7" name="사각형: 둥근 모서리 6">
-            <a:extLst>
-              <a:ext uri="{FF2B5EF4-FFF2-40B4-BE49-F238E27FC236}">
-                <a16:creationId xmlns:a16="http://schemas.microsoft.com/office/drawing/2014/main" id="{716ABDEA-8758-9AD8-A7EC-A33C863C9EB0}"/>
-              </a:ext>
-            </a:extLst>
-          </p:cNvPr>
+          <p:cNvPr id="7" name="사각형: 둥근 모서리 6"/>
           <p:cNvSpPr/>
           <p:nvPr/>
         </p:nvSpPr>
@@ -3873,13 +8163,7 @@
       </p:sp>
       <p:sp>
         <p:nvSpPr>
-          <p:cNvPr id="8" name="사각형: 둥근 모서리 7">
-            <a:extLst>
-              <a:ext uri="{FF2B5EF4-FFF2-40B4-BE49-F238E27FC236}">
-                <a16:creationId xmlns:a16="http://schemas.microsoft.com/office/drawing/2014/main" id="{5B2488FF-546C-C097-60B0-87DF72DF6912}"/>
-              </a:ext>
-            </a:extLst>
-          </p:cNvPr>
+          <p:cNvPr id="8" name="사각형: 둥근 모서리 7"/>
           <p:cNvSpPr/>
           <p:nvPr/>
         </p:nvSpPr>
@@ -3927,13 +8211,7 @@
       </p:sp>
       <p:sp>
         <p:nvSpPr>
-          <p:cNvPr id="9" name="사각형: 둥근 모서리 8">
-            <a:extLst>
-              <a:ext uri="{FF2B5EF4-FFF2-40B4-BE49-F238E27FC236}">
-                <a16:creationId xmlns:a16="http://schemas.microsoft.com/office/drawing/2014/main" id="{A930A052-3423-AE5E-7118-71C6D5FEF24A}"/>
-              </a:ext>
-            </a:extLst>
-          </p:cNvPr>
+          <p:cNvPr id="9" name="사각형: 둥근 모서리 8"/>
           <p:cNvSpPr/>
           <p:nvPr/>
         </p:nvSpPr>
@@ -3981,20 +8259,14 @@
       </p:sp>
       <p:sp>
         <p:nvSpPr>
-          <p:cNvPr id="10" name="TextBox 9">
-            <a:extLst>
-              <a:ext uri="{FF2B5EF4-FFF2-40B4-BE49-F238E27FC236}">
-                <a16:creationId xmlns:a16="http://schemas.microsoft.com/office/drawing/2014/main" id="{A923B3FC-B30A-09C9-831D-6D0A48CE15DB}"/>
-              </a:ext>
-            </a:extLst>
-          </p:cNvPr>
+          <p:cNvPr id="10" name="TextBox 9"/>
           <p:cNvSpPr txBox="1"/>
           <p:nvPr/>
         </p:nvSpPr>
         <p:spPr>
           <a:xfrm>
-            <a:off x="1919037" y="4553509"/>
-            <a:ext cx="8518359" cy="1719702"/>
+            <a:off x="1919037" y="4670316"/>
+            <a:ext cx="8518359" cy="1438855"/>
           </a:xfrm>
           <a:prstGeom prst="rect">
             <a:avLst/>
@@ -4013,70 +8285,70 @@
               </a:lnSpc>
             </a:pPr>
             <a:r>
-              <a:rPr lang="ko-KR" altLang="en-US" dirty="0">
+              <a:rPr lang="ko-KR" altLang="en-US" sz="2000" dirty="0">
                 <a:latin typeface="G마켓 산스 TTF Light" panose="02000000000000000000" pitchFamily="2" charset="-127"/>
                 <a:ea typeface="G마켓 산스 TTF Light" panose="02000000000000000000" pitchFamily="2" charset="-127"/>
               </a:rPr>
               <a:t>플레이어 이동</a:t>
             </a:r>
             <a:r>
-              <a:rPr lang="en-US" altLang="ko-KR" dirty="0">
+              <a:rPr lang="en-US" altLang="ko-KR" sz="2000" dirty="0">
                 <a:latin typeface="G마켓 산스 TTF Light" panose="02000000000000000000" pitchFamily="2" charset="-127"/>
                 <a:ea typeface="G마켓 산스 TTF Light" panose="02000000000000000000" pitchFamily="2" charset="-127"/>
               </a:rPr>
               <a:t>	| W, A, S, D (</a:t>
             </a:r>
             <a:r>
-              <a:rPr lang="ko-KR" altLang="en-US" dirty="0">
+              <a:rPr lang="ko-KR" altLang="en-US" sz="2000" dirty="0">
                 <a:latin typeface="G마켓 산스 TTF Light" panose="02000000000000000000" pitchFamily="2" charset="-127"/>
                 <a:ea typeface="G마켓 산스 TTF Light" panose="02000000000000000000" pitchFamily="2" charset="-127"/>
               </a:rPr>
               <a:t>상</a:t>
             </a:r>
             <a:r>
-              <a:rPr lang="en-US" altLang="ko-KR" dirty="0">
+              <a:rPr lang="en-US" altLang="ko-KR" sz="2000" dirty="0">
                 <a:latin typeface="G마켓 산스 TTF Light" panose="02000000000000000000" pitchFamily="2" charset="-127"/>
                 <a:ea typeface="G마켓 산스 TTF Light" panose="02000000000000000000" pitchFamily="2" charset="-127"/>
               </a:rPr>
               <a:t>, </a:t>
             </a:r>
             <a:r>
-              <a:rPr lang="ko-KR" altLang="en-US" dirty="0">
+              <a:rPr lang="ko-KR" altLang="en-US" sz="2000" dirty="0">
                 <a:latin typeface="G마켓 산스 TTF Light" panose="02000000000000000000" pitchFamily="2" charset="-127"/>
                 <a:ea typeface="G마켓 산스 TTF Light" panose="02000000000000000000" pitchFamily="2" charset="-127"/>
               </a:rPr>
               <a:t>좌</a:t>
             </a:r>
             <a:r>
-              <a:rPr lang="en-US" altLang="ko-KR" dirty="0">
+              <a:rPr lang="en-US" altLang="ko-KR" sz="2000" dirty="0">
                 <a:latin typeface="G마켓 산스 TTF Light" panose="02000000000000000000" pitchFamily="2" charset="-127"/>
                 <a:ea typeface="G마켓 산스 TTF Light" panose="02000000000000000000" pitchFamily="2" charset="-127"/>
               </a:rPr>
               <a:t>, </a:t>
             </a:r>
             <a:r>
-              <a:rPr lang="ko-KR" altLang="en-US" dirty="0">
+              <a:rPr lang="ko-KR" altLang="en-US" sz="2000" dirty="0">
                 <a:latin typeface="G마켓 산스 TTF Light" panose="02000000000000000000" pitchFamily="2" charset="-127"/>
                 <a:ea typeface="G마켓 산스 TTF Light" panose="02000000000000000000" pitchFamily="2" charset="-127"/>
               </a:rPr>
               <a:t>하</a:t>
             </a:r>
             <a:r>
-              <a:rPr lang="en-US" altLang="ko-KR" dirty="0">
+              <a:rPr lang="en-US" altLang="ko-KR" sz="2000" dirty="0">
                 <a:latin typeface="G마켓 산스 TTF Light" panose="02000000000000000000" pitchFamily="2" charset="-127"/>
                 <a:ea typeface="G마켓 산스 TTF Light" panose="02000000000000000000" pitchFamily="2" charset="-127"/>
               </a:rPr>
               <a:t>, </a:t>
             </a:r>
             <a:r>
-              <a:rPr lang="ko-KR" altLang="en-US" dirty="0">
+              <a:rPr lang="ko-KR" altLang="en-US" sz="2000" dirty="0">
                 <a:latin typeface="G마켓 산스 TTF Light" panose="02000000000000000000" pitchFamily="2" charset="-127"/>
                 <a:ea typeface="G마켓 산스 TTF Light" panose="02000000000000000000" pitchFamily="2" charset="-127"/>
               </a:rPr>
               <a:t>우 </a:t>
             </a:r>
             <a:r>
-              <a:rPr lang="en-US" altLang="ko-KR" dirty="0">
+              <a:rPr lang="en-US" altLang="ko-KR" sz="2000" dirty="0">
                 <a:latin typeface="G마켓 산스 TTF Light" panose="02000000000000000000" pitchFamily="2" charset="-127"/>
                 <a:ea typeface="G마켓 산스 TTF Light" panose="02000000000000000000" pitchFamily="2" charset="-127"/>
               </a:rPr>
@@ -4090,70 +8362,70 @@
               </a:lnSpc>
             </a:pPr>
             <a:r>
-              <a:rPr lang="ko-KR" altLang="en-US" dirty="0">
+              <a:rPr lang="ko-KR" altLang="en-US" sz="2000" dirty="0">
                 <a:latin typeface="G마켓 산스 TTF Light" panose="02000000000000000000" pitchFamily="2" charset="-127"/>
                 <a:ea typeface="G마켓 산스 TTF Light" panose="02000000000000000000" pitchFamily="2" charset="-127"/>
               </a:rPr>
               <a:t>무기 변경</a:t>
             </a:r>
             <a:r>
-              <a:rPr lang="en-US" altLang="ko-KR" dirty="0">
+              <a:rPr lang="en-US" altLang="ko-KR" sz="2000" dirty="0">
                 <a:latin typeface="G마켓 산스 TTF Light" panose="02000000000000000000" pitchFamily="2" charset="-127"/>
                 <a:ea typeface="G마켓 산스 TTF Light" panose="02000000000000000000" pitchFamily="2" charset="-127"/>
               </a:rPr>
               <a:t>		| 1, 2, 3 (1</a:t>
             </a:r>
             <a:r>
-              <a:rPr lang="ko-KR" altLang="en-US" dirty="0">
+              <a:rPr lang="ko-KR" altLang="en-US" sz="2000" dirty="0">
                 <a:latin typeface="G마켓 산스 TTF Light" panose="02000000000000000000" pitchFamily="2" charset="-127"/>
                 <a:ea typeface="G마켓 산스 TTF Light" panose="02000000000000000000" pitchFamily="2" charset="-127"/>
               </a:rPr>
               <a:t>을 누르면 </a:t>
             </a:r>
             <a:r>
-              <a:rPr lang="en-US" altLang="ko-KR" dirty="0">
+              <a:rPr lang="en-US" altLang="ko-KR" sz="2000" dirty="0">
                 <a:latin typeface="G마켓 산스 TTF Light" panose="02000000000000000000" pitchFamily="2" charset="-127"/>
                 <a:ea typeface="G마켓 산스 TTF Light" panose="02000000000000000000" pitchFamily="2" charset="-127"/>
               </a:rPr>
               <a:t>1</a:t>
             </a:r>
             <a:r>
-              <a:rPr lang="ko-KR" altLang="en-US" dirty="0">
+              <a:rPr lang="ko-KR" altLang="en-US" sz="2000" dirty="0">
                 <a:latin typeface="G마켓 산스 TTF Light" panose="02000000000000000000" pitchFamily="2" charset="-127"/>
                 <a:ea typeface="G마켓 산스 TTF Light" panose="02000000000000000000" pitchFamily="2" charset="-127"/>
               </a:rPr>
               <a:t>번 무기</a:t>
             </a:r>
             <a:r>
-              <a:rPr lang="en-US" altLang="ko-KR" dirty="0">
+              <a:rPr lang="en-US" altLang="ko-KR" sz="2000" dirty="0">
                 <a:latin typeface="G마켓 산스 TTF Light" panose="02000000000000000000" pitchFamily="2" charset="-127"/>
                 <a:ea typeface="G마켓 산스 TTF Light" panose="02000000000000000000" pitchFamily="2" charset="-127"/>
               </a:rPr>
               <a:t>, 2</a:t>
             </a:r>
             <a:r>
-              <a:rPr lang="ko-KR" altLang="en-US" dirty="0">
+              <a:rPr lang="ko-KR" altLang="en-US" sz="2000" dirty="0">
                 <a:latin typeface="G마켓 산스 TTF Light" panose="02000000000000000000" pitchFamily="2" charset="-127"/>
                 <a:ea typeface="G마켓 산스 TTF Light" panose="02000000000000000000" pitchFamily="2" charset="-127"/>
               </a:rPr>
               <a:t>를 누르면 </a:t>
             </a:r>
             <a:r>
-              <a:rPr lang="en-US" altLang="ko-KR" dirty="0">
+              <a:rPr lang="en-US" altLang="ko-KR" sz="2000" dirty="0">
                 <a:latin typeface="G마켓 산스 TTF Light" panose="02000000000000000000" pitchFamily="2" charset="-127"/>
                 <a:ea typeface="G마켓 산스 TTF Light" panose="02000000000000000000" pitchFamily="2" charset="-127"/>
               </a:rPr>
               <a:t>2</a:t>
             </a:r>
             <a:r>
-              <a:rPr lang="ko-KR" altLang="en-US" dirty="0">
+              <a:rPr lang="ko-KR" altLang="en-US" sz="2000" dirty="0">
                 <a:latin typeface="G마켓 산스 TTF Light" panose="02000000000000000000" pitchFamily="2" charset="-127"/>
                 <a:ea typeface="G마켓 산스 TTF Light" panose="02000000000000000000" pitchFamily="2" charset="-127"/>
               </a:rPr>
               <a:t>번 무기</a:t>
             </a:r>
             <a:r>
-              <a:rPr lang="en-US" altLang="ko-KR" dirty="0">
+              <a:rPr lang="en-US" altLang="ko-KR" sz="2000" dirty="0">
                 <a:latin typeface="G마켓 산스 TTF Light" panose="02000000000000000000" pitchFamily="2" charset="-127"/>
                 <a:ea typeface="G마켓 산스 TTF Light" panose="02000000000000000000" pitchFamily="2" charset="-127"/>
               </a:rPr>
@@ -4167,41 +8439,20 @@
               </a:lnSpc>
             </a:pPr>
             <a:r>
-              <a:rPr lang="ko-KR" altLang="en-US" dirty="0">
+              <a:rPr lang="ko-KR" altLang="en-US" sz="2000" dirty="0">
                 <a:latin typeface="G마켓 산스 TTF Light" panose="02000000000000000000" pitchFamily="2" charset="-127"/>
                 <a:ea typeface="G마켓 산스 TTF Light" panose="02000000000000000000" pitchFamily="2" charset="-127"/>
               </a:rPr>
               <a:t>아이템 줍기</a:t>
             </a:r>
             <a:r>
-              <a:rPr lang="en-US" altLang="ko-KR" dirty="0">
+              <a:rPr lang="en-US" altLang="ko-KR" sz="2000" dirty="0">
                 <a:latin typeface="G마켓 산스 TTF Light" panose="02000000000000000000" pitchFamily="2" charset="-127"/>
                 <a:ea typeface="G마켓 산스 TTF Light" panose="02000000000000000000" pitchFamily="2" charset="-127"/>
               </a:rPr>
               <a:t>		| Q</a:t>
             </a:r>
-          </a:p>
-          <a:p>
-            <a:pPr>
-              <a:lnSpc>
-                <a:spcPct val="150000"/>
-              </a:lnSpc>
-            </a:pPr>
-            <a:r>
-              <a:rPr lang="ko-KR" altLang="en-US" dirty="0">
-                <a:latin typeface="G마켓 산스 TTF Light" panose="02000000000000000000" pitchFamily="2" charset="-127"/>
-                <a:ea typeface="G마켓 산스 TTF Light" panose="02000000000000000000" pitchFamily="2" charset="-127"/>
-              </a:rPr>
-              <a:t>점프</a:t>
-            </a:r>
-            <a:r>
-              <a:rPr lang="en-US" altLang="ko-KR" dirty="0">
-                <a:latin typeface="G마켓 산스 TTF Light" panose="02000000000000000000" pitchFamily="2" charset="-127"/>
-                <a:ea typeface="G마켓 산스 TTF Light" panose="02000000000000000000" pitchFamily="2" charset="-127"/>
-              </a:rPr>
-              <a:t>				| Space</a:t>
-            </a:r>
-            <a:endParaRPr lang="ko-KR" altLang="en-US" dirty="0">
+            <a:endParaRPr lang="ko-KR" altLang="en-US" sz="2000" dirty="0">
               <a:latin typeface="G마켓 산스 TTF Light" panose="02000000000000000000" pitchFamily="2" charset="-127"/>
               <a:ea typeface="G마켓 산스 TTF Light" panose="02000000000000000000" pitchFamily="2" charset="-127"/>
             </a:endParaRPr>
@@ -4210,13 +8461,7 @@
       </p:sp>
       <p:sp>
         <p:nvSpPr>
-          <p:cNvPr id="11" name="사각형: 둥근 모서리 10">
-            <a:extLst>
-              <a:ext uri="{FF2B5EF4-FFF2-40B4-BE49-F238E27FC236}">
-                <a16:creationId xmlns:a16="http://schemas.microsoft.com/office/drawing/2014/main" id="{71CE780D-7A91-D6A2-DE6F-C04C79C6AEAA}"/>
-              </a:ext>
-            </a:extLst>
-          </p:cNvPr>
+          <p:cNvPr id="11" name="사각형: 둥근 모서리 10"/>
           <p:cNvSpPr/>
           <p:nvPr/>
         </p:nvSpPr>
@@ -4262,67 +8507,7 @@
           </a:p>
         </p:txBody>
       </p:sp>
-      <p:sp>
-        <p:nvSpPr>
-          <p:cNvPr id="2" name="사각형: 둥근 모서리 1">
-            <a:extLst>
-              <a:ext uri="{FF2B5EF4-FFF2-40B4-BE49-F238E27FC236}">
-                <a16:creationId xmlns:a16="http://schemas.microsoft.com/office/drawing/2014/main" id="{1AAAC77C-7882-C0AF-275A-08D2CAE9CF2C}"/>
-              </a:ext>
-            </a:extLst>
-          </p:cNvPr>
-          <p:cNvSpPr/>
-          <p:nvPr/>
-        </p:nvSpPr>
-        <p:spPr>
-          <a:xfrm>
-            <a:off x="4509770" y="3874211"/>
-            <a:ext cx="2653030" cy="504000"/>
-          </a:xfrm>
-          <a:prstGeom prst="roundRect">
-            <a:avLst/>
-          </a:prstGeom>
-          <a:solidFill>
-            <a:schemeClr val="accent2">
-              <a:lumMod val="75000"/>
-              <a:alpha val="40000"/>
-            </a:schemeClr>
-          </a:solidFill>
-          <a:ln>
-            <a:noFill/>
-          </a:ln>
-        </p:spPr>
-        <p:style>
-          <a:lnRef idx="2">
-            <a:schemeClr val="accent1">
-              <a:shade val="50000"/>
-            </a:schemeClr>
-          </a:lnRef>
-          <a:fillRef idx="1">
-            <a:schemeClr val="accent1"/>
-          </a:fillRef>
-          <a:effectRef idx="0">
-            <a:schemeClr val="accent1"/>
-          </a:effectRef>
-          <a:fontRef idx="minor">
-            <a:schemeClr val="lt1"/>
-          </a:fontRef>
-        </p:style>
-        <p:txBody>
-          <a:bodyPr rtlCol="0" anchor="ctr"/>
-          <a:lstStyle/>
-          <a:p>
-            <a:pPr algn="ctr"/>
-            <a:endParaRPr lang="ko-KR" altLang="en-US"/>
-          </a:p>
-        </p:txBody>
-      </p:sp>
     </p:spTree>
-    <p:extLst>
-      <p:ext uri="{BB962C8B-B14F-4D97-AF65-F5344CB8AC3E}">
-        <p14:creationId xmlns:p14="http://schemas.microsoft.com/office/powerpoint/2010/main" val="72109856"/>
-      </p:ext>
-    </p:extLst>
   </p:cSld>
   <p:clrMapOvr>
     <a:masterClrMapping/>
@@ -4330,7 +8515,7 @@
 </p:sld>
 </file>
 
-<file path=ppt/slides/slide12.xml><?xml version="1.0" encoding="utf-8"?>
+<file path=ppt/slides/slide14.xml><?xml version="1.0" encoding="utf-8"?>
 <p:sld xmlns:a="http://schemas.openxmlformats.org/drawingml/2006/main" xmlns:r="http://schemas.openxmlformats.org/officeDocument/2006/relationships" xmlns:p="http://schemas.openxmlformats.org/presentationml/2006/main">
   <p:cSld>
     <p:bg>
@@ -4357,13 +8542,7 @@
       </p:grpSpPr>
       <p:sp>
         <p:nvSpPr>
-          <p:cNvPr id="15" name="직사각형 14">
-            <a:extLst>
-              <a:ext uri="{FF2B5EF4-FFF2-40B4-BE49-F238E27FC236}">
-                <a16:creationId xmlns:a16="http://schemas.microsoft.com/office/drawing/2014/main" id="{8A47EC21-B0E7-41E9-A316-8791FAADD044}"/>
-              </a:ext>
-            </a:extLst>
-          </p:cNvPr>
+          <p:cNvPr id="15" name="직사각형 14"/>
           <p:cNvSpPr/>
           <p:nvPr/>
         </p:nvSpPr>
@@ -4409,13 +8588,7 @@
       </p:sp>
       <p:sp>
         <p:nvSpPr>
-          <p:cNvPr id="2" name="TextBox 1">
-            <a:extLst>
-              <a:ext uri="{FF2B5EF4-FFF2-40B4-BE49-F238E27FC236}">
-                <a16:creationId xmlns:a16="http://schemas.microsoft.com/office/drawing/2014/main" id="{7B1D606B-08B1-EDFE-5BB3-54A81FA56665}"/>
-              </a:ext>
-            </a:extLst>
-          </p:cNvPr>
+          <p:cNvPr id="2" name="TextBox 1"/>
           <p:cNvSpPr txBox="1"/>
           <p:nvPr/>
         </p:nvSpPr>
@@ -4471,11 +8644,6 @@
         </p:txBody>
       </p:sp>
     </p:spTree>
-    <p:extLst>
-      <p:ext uri="{BB962C8B-B14F-4D97-AF65-F5344CB8AC3E}">
-        <p14:creationId xmlns:p14="http://schemas.microsoft.com/office/powerpoint/2010/main" val="3064633398"/>
-      </p:ext>
-    </p:extLst>
   </p:cSld>
   <p:clrMapOvr>
     <a:masterClrMapping/>
@@ -4483,7 +8651,7 @@
 </p:sld>
 </file>
 
-<file path=ppt/slides/slide13.xml><?xml version="1.0" encoding="utf-8"?>
+<file path=ppt/slides/slide15.xml><?xml version="1.0" encoding="utf-8"?>
 <p:sld xmlns:a="http://schemas.openxmlformats.org/drawingml/2006/main" xmlns:r="http://schemas.openxmlformats.org/officeDocument/2006/relationships" xmlns:p="http://schemas.openxmlformats.org/presentationml/2006/main">
   <p:cSld>
     <p:bg>
@@ -4510,13 +8678,7 @@
       </p:grpSpPr>
       <p:sp>
         <p:nvSpPr>
-          <p:cNvPr id="15" name="직사각형 14">
-            <a:extLst>
-              <a:ext uri="{FF2B5EF4-FFF2-40B4-BE49-F238E27FC236}">
-                <a16:creationId xmlns:a16="http://schemas.microsoft.com/office/drawing/2014/main" id="{8A47EC21-B0E7-41E9-A316-8791FAADD044}"/>
-              </a:ext>
-            </a:extLst>
-          </p:cNvPr>
+          <p:cNvPr id="15" name="직사각형 14"/>
           <p:cNvSpPr/>
           <p:nvPr/>
         </p:nvSpPr>
@@ -4562,13 +8724,7 @@
       </p:sp>
       <p:sp>
         <p:nvSpPr>
-          <p:cNvPr id="18" name="TextBox 17">
-            <a:extLst>
-              <a:ext uri="{FF2B5EF4-FFF2-40B4-BE49-F238E27FC236}">
-                <a16:creationId xmlns:a16="http://schemas.microsoft.com/office/drawing/2014/main" id="{BC6B889D-6283-4B7F-8672-D8F2209C56F5}"/>
-              </a:ext>
-            </a:extLst>
-          </p:cNvPr>
+          <p:cNvPr id="18" name="TextBox 17"/>
           <p:cNvSpPr txBox="1"/>
           <p:nvPr/>
         </p:nvSpPr>
@@ -4613,13 +8769,7 @@
       </p:sp>
       <p:sp>
         <p:nvSpPr>
-          <p:cNvPr id="4" name="사각형: 둥근 모서리 3">
-            <a:extLst>
-              <a:ext uri="{FF2B5EF4-FFF2-40B4-BE49-F238E27FC236}">
-                <a16:creationId xmlns:a16="http://schemas.microsoft.com/office/drawing/2014/main" id="{85325A8B-CBDF-BB16-0A30-9A48FD39CB0E}"/>
-              </a:ext>
-            </a:extLst>
-          </p:cNvPr>
+          <p:cNvPr id="4" name="사각형: 둥근 모서리 3"/>
           <p:cNvSpPr/>
           <p:nvPr/>
         </p:nvSpPr>
@@ -4665,13 +8815,7 @@
       </p:sp>
       <p:pic>
         <p:nvPicPr>
-          <p:cNvPr id="1030" name="Picture 6" descr="It’s finally here. Bicep is in Visual Studio!">
-            <a:extLst>
-              <a:ext uri="{FF2B5EF4-FFF2-40B4-BE49-F238E27FC236}">
-                <a16:creationId xmlns:a16="http://schemas.microsoft.com/office/drawing/2014/main" id="{459F292C-C88B-3A3E-68C1-8BF873151D30}"/>
-              </a:ext>
-            </a:extLst>
-          </p:cNvPr>
+          <p:cNvPr id="1030" name="Picture 6" descr="It’s finally here. Bicep is in Visual Studio!"/>
           <p:cNvPicPr>
             <a:picLocks noChangeAspect="1" noChangeArrowheads="1"/>
           </p:cNvPicPr>
@@ -4695,7 +8839,9 @@
             </a:extLst>
           </a:blip>
           <a:srcRect l="27444" t="15955" r="24136" b="11864"/>
-          <a:stretch/>
+          <a:stretch>
+            <a:fillRect/>
+          </a:stretch>
         </p:blipFill>
         <p:spPr bwMode="auto">
           <a:xfrm>
@@ -4719,13 +8865,7 @@
       </p:pic>
       <p:sp>
         <p:nvSpPr>
-          <p:cNvPr id="6" name="사각형: 둥근 모서리 5">
-            <a:extLst>
-              <a:ext uri="{FF2B5EF4-FFF2-40B4-BE49-F238E27FC236}">
-                <a16:creationId xmlns:a16="http://schemas.microsoft.com/office/drawing/2014/main" id="{B146143F-70F2-311B-A313-41E70057244B}"/>
-              </a:ext>
-            </a:extLst>
-          </p:cNvPr>
+          <p:cNvPr id="6" name="사각형: 둥근 모서리 5"/>
           <p:cNvSpPr/>
           <p:nvPr/>
         </p:nvSpPr>
@@ -4771,13 +8911,7 @@
       </p:sp>
       <p:pic>
         <p:nvPicPr>
-          <p:cNvPr id="1032" name="Picture 8">
-            <a:extLst>
-              <a:ext uri="{FF2B5EF4-FFF2-40B4-BE49-F238E27FC236}">
-                <a16:creationId xmlns:a16="http://schemas.microsoft.com/office/drawing/2014/main" id="{9FB82E99-BCF7-BE89-1587-3715BAE6D968}"/>
-              </a:ext>
-            </a:extLst>
-          </p:cNvPr>
+          <p:cNvPr id="1032" name="Picture 8"/>
           <p:cNvPicPr>
             <a:picLocks noChangeAspect="1" noChangeArrowheads="1"/>
           </p:cNvPicPr>
@@ -4844,13 +8978,7 @@
       </p:pic>
       <p:sp>
         <p:nvSpPr>
-          <p:cNvPr id="8" name="사각형: 둥근 모서리 7">
-            <a:extLst>
-              <a:ext uri="{FF2B5EF4-FFF2-40B4-BE49-F238E27FC236}">
-                <a16:creationId xmlns:a16="http://schemas.microsoft.com/office/drawing/2014/main" id="{068BD12D-5022-3E59-BEAB-5A0F1D92FDF0}"/>
-              </a:ext>
-            </a:extLst>
-          </p:cNvPr>
+          <p:cNvPr id="8" name="사각형: 둥근 모서리 7"/>
           <p:cNvSpPr/>
           <p:nvPr/>
         </p:nvSpPr>
@@ -4896,19 +9024,12 @@
       </p:sp>
       <p:pic>
         <p:nvPicPr>
-          <p:cNvPr id="7" name="Google Shape;179;p23">
-            <a:extLst>
-              <a:ext uri="{FF2B5EF4-FFF2-40B4-BE49-F238E27FC236}">
-                <a16:creationId xmlns:a16="http://schemas.microsoft.com/office/drawing/2014/main" id="{B3B70556-3D22-EAB9-6F1E-6445BB8DA7DE}"/>
-              </a:ext>
-            </a:extLst>
-          </p:cNvPr>
+          <p:cNvPr id="7" name="Google Shape;179;p23"/>
           <p:cNvPicPr preferRelativeResize="0"/>
           <p:nvPr/>
         </p:nvPicPr>
         <p:blipFill>
           <a:blip r:embed="rId6">
-            <a:alphaModFix/>
             <a:extLst>
               <a:ext uri="{BEBA8EAE-BF5A-486C-A8C5-ECC9F3942E4B}">
                 <a14:imgProps xmlns:a14="http://schemas.microsoft.com/office/drawing/2010/main">
@@ -4941,13 +9062,7 @@
       </p:pic>
       <p:sp>
         <p:nvSpPr>
-          <p:cNvPr id="14" name="사각형: 둥근 모서리 13">
-            <a:extLst>
-              <a:ext uri="{FF2B5EF4-FFF2-40B4-BE49-F238E27FC236}">
-                <a16:creationId xmlns:a16="http://schemas.microsoft.com/office/drawing/2014/main" id="{A4AB25C1-A64C-A547-D971-997119092A07}"/>
-              </a:ext>
-            </a:extLst>
-          </p:cNvPr>
+          <p:cNvPr id="14" name="사각형: 둥근 모서리 13"/>
           <p:cNvSpPr/>
           <p:nvPr/>
         </p:nvSpPr>
@@ -4993,13 +9108,7 @@
       </p:sp>
       <p:pic>
         <p:nvPicPr>
-          <p:cNvPr id="1034" name="Picture 10">
-            <a:extLst>
-              <a:ext uri="{FF2B5EF4-FFF2-40B4-BE49-F238E27FC236}">
-                <a16:creationId xmlns:a16="http://schemas.microsoft.com/office/drawing/2014/main" id="{D707EB6E-6821-FE36-631C-06876683DBCF}"/>
-              </a:ext>
-            </a:extLst>
-          </p:cNvPr>
+          <p:cNvPr id="1034" name="Picture 10"/>
           <p:cNvPicPr>
             <a:picLocks noChangeAspect="1" noChangeArrowheads="1"/>
           </p:cNvPicPr>
@@ -5014,7 +9123,9 @@
             </a:extLst>
           </a:blip>
           <a:srcRect r="86176" b="-8378"/>
-          <a:stretch/>
+          <a:stretch>
+            <a:fillRect/>
+          </a:stretch>
         </p:blipFill>
         <p:spPr bwMode="auto">
           <a:xfrm>
@@ -5037,11 +9148,6 @@
         </p:spPr>
       </p:pic>
     </p:spTree>
-    <p:extLst>
-      <p:ext uri="{BB962C8B-B14F-4D97-AF65-F5344CB8AC3E}">
-        <p14:creationId xmlns:p14="http://schemas.microsoft.com/office/powerpoint/2010/main" val="4129116540"/>
-      </p:ext>
-    </p:extLst>
   </p:cSld>
   <p:clrMapOvr>
     <a:masterClrMapping/>
@@ -5049,7 +9155,7 @@
 </p:sld>
 </file>
 
-<file path=ppt/slides/slide14.xml><?xml version="1.0" encoding="utf-8"?>
+<file path=ppt/slides/slide16.xml><?xml version="1.0" encoding="utf-8"?>
 <p:sld xmlns:a="http://schemas.openxmlformats.org/drawingml/2006/main" xmlns:r="http://schemas.openxmlformats.org/officeDocument/2006/relationships" xmlns:p="http://schemas.openxmlformats.org/presentationml/2006/main">
   <p:cSld>
     <p:bg>
@@ -5076,13 +9182,7 @@
       </p:grpSpPr>
       <p:sp>
         <p:nvSpPr>
-          <p:cNvPr id="15" name="직사각형 14">
-            <a:extLst>
-              <a:ext uri="{FF2B5EF4-FFF2-40B4-BE49-F238E27FC236}">
-                <a16:creationId xmlns:a16="http://schemas.microsoft.com/office/drawing/2014/main" id="{8A47EC21-B0E7-41E9-A316-8791FAADD044}"/>
-              </a:ext>
-            </a:extLst>
-          </p:cNvPr>
+          <p:cNvPr id="15" name="직사각형 14"/>
           <p:cNvSpPr/>
           <p:nvPr/>
         </p:nvSpPr>
@@ -5128,13 +9228,7 @@
       </p:sp>
       <p:sp>
         <p:nvSpPr>
-          <p:cNvPr id="2" name="TextBox 1">
-            <a:extLst>
-              <a:ext uri="{FF2B5EF4-FFF2-40B4-BE49-F238E27FC236}">
-                <a16:creationId xmlns:a16="http://schemas.microsoft.com/office/drawing/2014/main" id="{7B1D606B-08B1-EDFE-5BB3-54A81FA56665}"/>
-              </a:ext>
-            </a:extLst>
-          </p:cNvPr>
+          <p:cNvPr id="2" name="TextBox 1"/>
           <p:cNvSpPr txBox="1"/>
           <p:nvPr/>
         </p:nvSpPr>
@@ -5210,11 +9304,6 @@
         </p:txBody>
       </p:sp>
     </p:spTree>
-    <p:extLst>
-      <p:ext uri="{BB962C8B-B14F-4D97-AF65-F5344CB8AC3E}">
-        <p14:creationId xmlns:p14="http://schemas.microsoft.com/office/powerpoint/2010/main" val="3616881211"/>
-      </p:ext>
-    </p:extLst>
   </p:cSld>
   <p:clrMapOvr>
     <a:masterClrMapping/>
@@ -5222,7 +9311,7 @@
 </p:sld>
 </file>
 
-<file path=ppt/slides/slide15.xml><?xml version="1.0" encoding="utf-8"?>
+<file path=ppt/slides/slide17.xml><?xml version="1.0" encoding="utf-8"?>
 <p:sld xmlns:a="http://schemas.openxmlformats.org/drawingml/2006/main" xmlns:r="http://schemas.openxmlformats.org/officeDocument/2006/relationships" xmlns:p="http://schemas.openxmlformats.org/presentationml/2006/main">
   <p:cSld>
     <p:bg>
@@ -5249,13 +9338,7 @@
       </p:grpSpPr>
       <p:sp>
         <p:nvSpPr>
-          <p:cNvPr id="15" name="직사각형 14">
-            <a:extLst>
-              <a:ext uri="{FF2B5EF4-FFF2-40B4-BE49-F238E27FC236}">
-                <a16:creationId xmlns:a16="http://schemas.microsoft.com/office/drawing/2014/main" id="{8A47EC21-B0E7-41E9-A316-8791FAADD044}"/>
-              </a:ext>
-            </a:extLst>
-          </p:cNvPr>
+          <p:cNvPr id="15" name="직사각형 14"/>
           <p:cNvSpPr/>
           <p:nvPr/>
         </p:nvSpPr>
@@ -5303,13 +9386,7 @@
       </p:sp>
       <p:sp>
         <p:nvSpPr>
-          <p:cNvPr id="18" name="TextBox 17">
-            <a:extLst>
-              <a:ext uri="{FF2B5EF4-FFF2-40B4-BE49-F238E27FC236}">
-                <a16:creationId xmlns:a16="http://schemas.microsoft.com/office/drawing/2014/main" id="{BC6B889D-6283-4B7F-8672-D8F2209C56F5}"/>
-              </a:ext>
-            </a:extLst>
-          </p:cNvPr>
+          <p:cNvPr id="18" name="TextBox 17"/>
           <p:cNvSpPr txBox="1"/>
           <p:nvPr/>
         </p:nvSpPr>
@@ -5352,911 +9429,7 @@
           </a:p>
         </p:txBody>
       </p:sp>
-      <p:sp>
-        <p:nvSpPr>
-          <p:cNvPr id="2" name="TextBox 1">
-            <a:extLst>
-              <a:ext uri="{FF2B5EF4-FFF2-40B4-BE49-F238E27FC236}">
-                <a16:creationId xmlns:a16="http://schemas.microsoft.com/office/drawing/2014/main" id="{9AC164A5-55C5-997B-5630-5282D40724A6}"/>
-              </a:ext>
-            </a:extLst>
-          </p:cNvPr>
-          <p:cNvSpPr txBox="1"/>
-          <p:nvPr/>
-        </p:nvSpPr>
-        <p:spPr>
-          <a:xfrm>
-            <a:off x="978569" y="1718518"/>
-            <a:ext cx="9392315" cy="3093154"/>
-          </a:xfrm>
-          <a:prstGeom prst="rect">
-            <a:avLst/>
-          </a:prstGeom>
-          <a:noFill/>
-        </p:spPr>
-        <p:txBody>
-          <a:bodyPr wrap="none" rtlCol="0">
-            <a:spAutoFit/>
-          </a:bodyPr>
-          <a:lstStyle/>
-          <a:p>
-            <a:pPr marL="342900" indent="-342900">
-              <a:lnSpc>
-                <a:spcPct val="200000"/>
-              </a:lnSpc>
-              <a:buFont typeface="Arial" panose="020B0604020202020204" pitchFamily="34" charset="0"/>
-              <a:buChar char="•"/>
-            </a:pPr>
-            <a:r>
-              <a:rPr lang="ko-KR" altLang="en-US" sz="2000" dirty="0">
-                <a:latin typeface="G마켓 산스 TTF Medium" panose="02000000000000000000" pitchFamily="2" charset="-127"/>
-                <a:ea typeface="G마켓 산스 TTF Medium" panose="02000000000000000000" pitchFamily="2" charset="-127"/>
-              </a:rPr>
-              <a:t>애니메이션 </a:t>
-            </a:r>
-            <a:r>
-              <a:rPr lang="ko-KR" altLang="en-US" sz="2000" dirty="0" err="1">
-                <a:latin typeface="G마켓 산스 TTF Medium" panose="02000000000000000000" pitchFamily="2" charset="-127"/>
-                <a:ea typeface="G마켓 산스 TTF Medium" panose="02000000000000000000" pitchFamily="2" charset="-127"/>
-              </a:rPr>
-              <a:t>블렌딩을</a:t>
-            </a:r>
-            <a:r>
-              <a:rPr lang="ko-KR" altLang="en-US" sz="2000" dirty="0">
-                <a:latin typeface="G마켓 산스 TTF Medium" panose="02000000000000000000" pitchFamily="2" charset="-127"/>
-                <a:ea typeface="G마켓 산스 TTF Medium" panose="02000000000000000000" pitchFamily="2" charset="-127"/>
-              </a:rPr>
-              <a:t> 하여 애니메이션 사이를 부드럽게 연결</a:t>
-            </a:r>
-            <a:endParaRPr lang="en-US" altLang="ko-KR" sz="2000" dirty="0">
-              <a:latin typeface="G마켓 산스 TTF Medium" panose="02000000000000000000" pitchFamily="2" charset="-127"/>
-              <a:ea typeface="G마켓 산스 TTF Medium" panose="02000000000000000000" pitchFamily="2" charset="-127"/>
-            </a:endParaRPr>
-          </a:p>
-          <a:p>
-            <a:pPr marL="342900" indent="-342900">
-              <a:lnSpc>
-                <a:spcPct val="200000"/>
-              </a:lnSpc>
-              <a:buFont typeface="Arial" panose="020B0604020202020204" pitchFamily="34" charset="0"/>
-              <a:buChar char="•"/>
-            </a:pPr>
-            <a:r>
-              <a:rPr lang="ko-KR" altLang="en-US" sz="2000" dirty="0">
-                <a:latin typeface="G마켓 산스 TTF Medium" panose="02000000000000000000" pitchFamily="2" charset="-127"/>
-                <a:ea typeface="G마켓 산스 TTF Medium" panose="02000000000000000000" pitchFamily="2" charset="-127"/>
-              </a:rPr>
-              <a:t>흐르는 물 표현</a:t>
-            </a:r>
-            <a:endParaRPr lang="en-US" altLang="ko-KR" sz="2000" dirty="0">
-              <a:latin typeface="G마켓 산스 TTF Medium" panose="02000000000000000000" pitchFamily="2" charset="-127"/>
-              <a:ea typeface="G마켓 산스 TTF Medium" panose="02000000000000000000" pitchFamily="2" charset="-127"/>
-            </a:endParaRPr>
-          </a:p>
-          <a:p>
-            <a:pPr marL="342900" indent="-342900">
-              <a:lnSpc>
-                <a:spcPct val="200000"/>
-              </a:lnSpc>
-              <a:buFont typeface="Arial" panose="020B0604020202020204" pitchFamily="34" charset="0"/>
-              <a:buChar char="•"/>
-            </a:pPr>
-            <a:r>
-              <a:rPr lang="ko-KR" altLang="en-US" sz="2000" dirty="0">
-                <a:latin typeface="G마켓 산스 TTF Medium" panose="02000000000000000000" pitchFamily="2" charset="-127"/>
-                <a:ea typeface="G마켓 산스 TTF Medium" panose="02000000000000000000" pitchFamily="2" charset="-127"/>
-              </a:rPr>
-              <a:t>물리법칙을 활용해 다양한 무기들을 생동감 넘치게 구현</a:t>
-            </a:r>
-            <a:endParaRPr lang="en-US" altLang="ko-KR" sz="2000" dirty="0">
-              <a:latin typeface="G마켓 산스 TTF Medium" panose="02000000000000000000" pitchFamily="2" charset="-127"/>
-              <a:ea typeface="G마켓 산스 TTF Medium" panose="02000000000000000000" pitchFamily="2" charset="-127"/>
-            </a:endParaRPr>
-          </a:p>
-          <a:p>
-            <a:pPr marL="342900" indent="-342900">
-              <a:lnSpc>
-                <a:spcPct val="200000"/>
-              </a:lnSpc>
-              <a:buFont typeface="Arial" panose="020B0604020202020204" pitchFamily="34" charset="0"/>
-              <a:buChar char="•"/>
-            </a:pPr>
-            <a:r>
-              <a:rPr lang="ko-KR" altLang="en-US" sz="2000" dirty="0">
-                <a:latin typeface="G마켓 산스 TTF Medium" panose="02000000000000000000" pitchFamily="2" charset="-127"/>
-                <a:ea typeface="G마켓 산스 TTF Medium" panose="02000000000000000000" pitchFamily="2" charset="-127"/>
-              </a:rPr>
-              <a:t>서버를 통해 </a:t>
-            </a:r>
-            <a:r>
-              <a:rPr lang="en-US" altLang="ko-KR" sz="2000" dirty="0">
-                <a:latin typeface="G마켓 산스 TTF Medium" panose="02000000000000000000" pitchFamily="2" charset="-127"/>
-                <a:ea typeface="G마켓 산스 TTF Medium" panose="02000000000000000000" pitchFamily="2" charset="-127"/>
-              </a:rPr>
-              <a:t>3</a:t>
-            </a:r>
-            <a:r>
-              <a:rPr lang="ko-KR" altLang="en-US" sz="2000" dirty="0">
-                <a:latin typeface="G마켓 산스 TTF Medium" panose="02000000000000000000" pitchFamily="2" charset="-127"/>
-                <a:ea typeface="G마켓 산스 TTF Medium" panose="02000000000000000000" pitchFamily="2" charset="-127"/>
-              </a:rPr>
-              <a:t>명의 플레이어가 모여 게임을 진행할 때</a:t>
-            </a:r>
-            <a:r>
-              <a:rPr lang="en-US" altLang="ko-KR" sz="2000" dirty="0">
-                <a:latin typeface="G마켓 산스 TTF Medium" panose="02000000000000000000" pitchFamily="2" charset="-127"/>
-                <a:ea typeface="G마켓 산스 TTF Medium" panose="02000000000000000000" pitchFamily="2" charset="-127"/>
-              </a:rPr>
-              <a:t> </a:t>
-            </a:r>
-            <a:r>
-              <a:rPr lang="ko-KR" altLang="en-US" sz="2000" dirty="0">
-                <a:latin typeface="G마켓 산스 TTF Medium" panose="02000000000000000000" pitchFamily="2" charset="-127"/>
-                <a:ea typeface="G마켓 산스 TTF Medium" panose="02000000000000000000" pitchFamily="2" charset="-127"/>
-              </a:rPr>
-              <a:t>프레임이 끊기지 않게 구현</a:t>
-            </a:r>
-            <a:endParaRPr lang="en-US" altLang="ko-KR" sz="2000" dirty="0">
-              <a:latin typeface="G마켓 산스 TTF Medium" panose="02000000000000000000" pitchFamily="2" charset="-127"/>
-              <a:ea typeface="G마켓 산스 TTF Medium" panose="02000000000000000000" pitchFamily="2" charset="-127"/>
-            </a:endParaRPr>
-          </a:p>
-          <a:p>
-            <a:pPr marL="342900" indent="-342900">
-              <a:lnSpc>
-                <a:spcPct val="200000"/>
-              </a:lnSpc>
-              <a:buFont typeface="Arial" panose="020B0604020202020204" pitchFamily="34" charset="0"/>
-              <a:buChar char="•"/>
-            </a:pPr>
-            <a:r>
-              <a:rPr lang="ko-KR" altLang="en-US" sz="2000" dirty="0">
-                <a:latin typeface="G마켓 산스 TTF Medium" panose="02000000000000000000" pitchFamily="2" charset="-127"/>
-                <a:ea typeface="G마켓 산스 TTF Medium" panose="02000000000000000000" pitchFamily="2" charset="-127"/>
-              </a:rPr>
-              <a:t>일괄 처리를 하여 불필요한 연산 최소화</a:t>
-            </a:r>
-            <a:endParaRPr lang="en-US" altLang="ko-KR" sz="2000" dirty="0">
-              <a:latin typeface="G마켓 산스 TTF Medium" panose="02000000000000000000" pitchFamily="2" charset="-127"/>
-              <a:ea typeface="G마켓 산스 TTF Medium" panose="02000000000000000000" pitchFamily="2" charset="-127"/>
-            </a:endParaRPr>
-          </a:p>
-        </p:txBody>
-      </p:sp>
     </p:spTree>
-    <p:extLst>
-      <p:ext uri="{BB962C8B-B14F-4D97-AF65-F5344CB8AC3E}">
-        <p14:creationId xmlns:p14="http://schemas.microsoft.com/office/powerpoint/2010/main" val="2233896213"/>
-      </p:ext>
-    </p:extLst>
-  </p:cSld>
-  <p:clrMapOvr>
-    <a:masterClrMapping/>
-  </p:clrMapOvr>
-</p:sld>
-</file>
-
-<file path=ppt/slides/slide16.xml><?xml version="1.0" encoding="utf-8"?>
-<p:sld xmlns:a="http://schemas.openxmlformats.org/drawingml/2006/main" xmlns:r="http://schemas.openxmlformats.org/officeDocument/2006/relationships" xmlns:p="http://schemas.openxmlformats.org/presentationml/2006/main">
-  <p:cSld>
-    <p:bg>
-      <p:bgPr>
-        <a:solidFill>
-          <a:srgbClr val="8BA9AB"/>
-        </a:solidFill>
-        <a:effectLst/>
-      </p:bgPr>
-    </p:bg>
-    <p:spTree>
-      <p:nvGrpSpPr>
-        <p:cNvPr id="1" name=""/>
-        <p:cNvGrpSpPr/>
-        <p:nvPr/>
-      </p:nvGrpSpPr>
-      <p:grpSpPr>
-        <a:xfrm>
-          <a:off x="0" y="0"/>
-          <a:ext cx="0" cy="0"/>
-          <a:chOff x="0" y="0"/>
-          <a:chExt cx="0" cy="0"/>
-        </a:xfrm>
-      </p:grpSpPr>
-      <p:sp>
-        <p:nvSpPr>
-          <p:cNvPr id="15" name="직사각형 14">
-            <a:extLst>
-              <a:ext uri="{FF2B5EF4-FFF2-40B4-BE49-F238E27FC236}">
-                <a16:creationId xmlns:a16="http://schemas.microsoft.com/office/drawing/2014/main" id="{8A47EC21-B0E7-41E9-A316-8791FAADD044}"/>
-              </a:ext>
-            </a:extLst>
-          </p:cNvPr>
-          <p:cNvSpPr/>
-          <p:nvPr/>
-        </p:nvSpPr>
-        <p:spPr>
-          <a:xfrm>
-            <a:off x="482600" y="349957"/>
-            <a:ext cx="11226800" cy="6158085"/>
-          </a:xfrm>
-          <a:prstGeom prst="rect">
-            <a:avLst/>
-          </a:prstGeom>
-          <a:noFill/>
-          <a:ln w="28575">
-            <a:solidFill>
-              <a:schemeClr val="bg1"/>
-            </a:solidFill>
-          </a:ln>
-        </p:spPr>
-        <p:style>
-          <a:lnRef idx="2">
-            <a:schemeClr val="accent1">
-              <a:shade val="50000"/>
-            </a:schemeClr>
-          </a:lnRef>
-          <a:fillRef idx="1">
-            <a:schemeClr val="accent1"/>
-          </a:fillRef>
-          <a:effectRef idx="0">
-            <a:schemeClr val="accent1"/>
-          </a:effectRef>
-          <a:fontRef idx="minor">
-            <a:schemeClr val="lt1"/>
-          </a:fontRef>
-        </p:style>
-        <p:txBody>
-          <a:bodyPr rtlCol="0" anchor="ctr"/>
-          <a:lstStyle/>
-          <a:p>
-            <a:pPr algn="ctr"/>
-            <a:endParaRPr lang="ko-KR" altLang="en-US"/>
-          </a:p>
-        </p:txBody>
-      </p:sp>
-      <p:sp>
-        <p:nvSpPr>
-          <p:cNvPr id="2" name="TextBox 1">
-            <a:extLst>
-              <a:ext uri="{FF2B5EF4-FFF2-40B4-BE49-F238E27FC236}">
-                <a16:creationId xmlns:a16="http://schemas.microsoft.com/office/drawing/2014/main" id="{7B1D606B-08B1-EDFE-5BB3-54A81FA56665}"/>
-              </a:ext>
-            </a:extLst>
-          </p:cNvPr>
-          <p:cNvSpPr txBox="1"/>
-          <p:nvPr/>
-        </p:nvSpPr>
-        <p:spPr>
-          <a:xfrm>
-            <a:off x="2334126" y="2750576"/>
-            <a:ext cx="7523748" cy="1356846"/>
-          </a:xfrm>
-          <a:prstGeom prst="rect">
-            <a:avLst/>
-          </a:prstGeom>
-          <a:noFill/>
-        </p:spPr>
-        <p:txBody>
-          <a:bodyPr wrap="square" rtlCol="0">
-            <a:spAutoFit/>
-          </a:bodyPr>
-          <a:lstStyle/>
-          <a:p>
-            <a:pPr>
-              <a:lnSpc>
-                <a:spcPct val="150000"/>
-              </a:lnSpc>
-            </a:pPr>
-            <a:r>
-              <a:rPr lang="en-US" altLang="ko-KR" sz="6600" dirty="0">
-                <a:solidFill>
-                  <a:schemeClr val="bg1"/>
-                </a:solidFill>
-                <a:latin typeface="여기어때 잘난체" panose="020B0600000101010101" pitchFamily="50" charset="-127"/>
-                <a:ea typeface="여기어때 잘난체" panose="020B0600000101010101" pitchFamily="50" charset="-127"/>
-              </a:rPr>
-              <a:t>05. </a:t>
-            </a:r>
-            <a:r>
-              <a:rPr lang="ko-KR" altLang="en-US" sz="6600" dirty="0">
-                <a:solidFill>
-                  <a:schemeClr val="bg1"/>
-                </a:solidFill>
-                <a:latin typeface="여기어때 잘난체" panose="020B0600000101010101" pitchFamily="50" charset="-127"/>
-                <a:ea typeface="여기어때 잘난체" panose="020B0600000101010101" pitchFamily="50" charset="-127"/>
-              </a:rPr>
-              <a:t>타 게임과 비교</a:t>
-            </a:r>
-            <a:endParaRPr lang="en-US" altLang="ko-KR" sz="6600" dirty="0">
-              <a:solidFill>
-                <a:schemeClr val="bg1"/>
-              </a:solidFill>
-              <a:latin typeface="여기어때 잘난체" panose="020B0600000101010101" pitchFamily="50" charset="-127"/>
-              <a:ea typeface="여기어때 잘난체" panose="020B0600000101010101" pitchFamily="50" charset="-127"/>
-            </a:endParaRPr>
-          </a:p>
-        </p:txBody>
-      </p:sp>
-    </p:spTree>
-    <p:extLst>
-      <p:ext uri="{BB962C8B-B14F-4D97-AF65-F5344CB8AC3E}">
-        <p14:creationId xmlns:p14="http://schemas.microsoft.com/office/powerpoint/2010/main" val="3085646968"/>
-      </p:ext>
-    </p:extLst>
-  </p:cSld>
-  <p:clrMapOvr>
-    <a:masterClrMapping/>
-  </p:clrMapOvr>
-</p:sld>
-</file>
-
-<file path=ppt/slides/slide17.xml><?xml version="1.0" encoding="utf-8"?>
-<p:sld xmlns:a="http://schemas.openxmlformats.org/drawingml/2006/main" xmlns:r="http://schemas.openxmlformats.org/officeDocument/2006/relationships" xmlns:p="http://schemas.openxmlformats.org/presentationml/2006/main">
-  <p:cSld>
-    <p:bg>
-      <p:bgPr>
-        <a:solidFill>
-          <a:schemeClr val="bg1"/>
-        </a:solidFill>
-        <a:effectLst/>
-      </p:bgPr>
-    </p:bg>
-    <p:spTree>
-      <p:nvGrpSpPr>
-        <p:cNvPr id="1" name=""/>
-        <p:cNvGrpSpPr/>
-        <p:nvPr/>
-      </p:nvGrpSpPr>
-      <p:grpSpPr>
-        <a:xfrm>
-          <a:off x="0" y="0"/>
-          <a:ext cx="0" cy="0"/>
-          <a:chOff x="0" y="0"/>
-          <a:chExt cx="0" cy="0"/>
-        </a:xfrm>
-      </p:grpSpPr>
-      <p:sp>
-        <p:nvSpPr>
-          <p:cNvPr id="3" name="사각형: 둥근 모서리 2">
-            <a:extLst>
-              <a:ext uri="{FF2B5EF4-FFF2-40B4-BE49-F238E27FC236}">
-                <a16:creationId xmlns:a16="http://schemas.microsoft.com/office/drawing/2014/main" id="{F4FE2D58-EF78-8271-21EE-5175A067A064}"/>
-              </a:ext>
-            </a:extLst>
-          </p:cNvPr>
-          <p:cNvSpPr/>
-          <p:nvPr/>
-        </p:nvSpPr>
-        <p:spPr>
-          <a:xfrm>
-            <a:off x="745516" y="1553986"/>
-            <a:ext cx="5007664" cy="1800000"/>
-          </a:xfrm>
-          <a:prstGeom prst="roundRect">
-            <a:avLst/>
-          </a:prstGeom>
-          <a:solidFill>
-            <a:srgbClr val="B1C6C7"/>
-          </a:solidFill>
-          <a:ln>
-            <a:noFill/>
-          </a:ln>
-        </p:spPr>
-        <p:style>
-          <a:lnRef idx="2">
-            <a:schemeClr val="accent1">
-              <a:shade val="50000"/>
-            </a:schemeClr>
-          </a:lnRef>
-          <a:fillRef idx="1">
-            <a:schemeClr val="accent1"/>
-          </a:fillRef>
-          <a:effectRef idx="0">
-            <a:schemeClr val="accent1"/>
-          </a:effectRef>
-          <a:fontRef idx="minor">
-            <a:schemeClr val="lt1"/>
-          </a:fontRef>
-        </p:style>
-        <p:txBody>
-          <a:bodyPr rtlCol="0" anchor="ctr"/>
-          <a:lstStyle/>
-          <a:p>
-            <a:pPr algn="ctr"/>
-            <a:endParaRPr lang="ko-KR" altLang="en-US"/>
-          </a:p>
-        </p:txBody>
-      </p:sp>
-      <p:sp>
-        <p:nvSpPr>
-          <p:cNvPr id="4" name="사각형: 둥근 모서리 3">
-            <a:extLst>
-              <a:ext uri="{FF2B5EF4-FFF2-40B4-BE49-F238E27FC236}">
-                <a16:creationId xmlns:a16="http://schemas.microsoft.com/office/drawing/2014/main" id="{E4284353-66E9-3D56-97E9-047305CAC523}"/>
-              </a:ext>
-            </a:extLst>
-          </p:cNvPr>
-          <p:cNvSpPr/>
-          <p:nvPr/>
-        </p:nvSpPr>
-        <p:spPr>
-          <a:xfrm>
-            <a:off x="6438820" y="1513881"/>
-            <a:ext cx="5007664" cy="1800000"/>
-          </a:xfrm>
-          <a:prstGeom prst="roundRect">
-            <a:avLst/>
-          </a:prstGeom>
-          <a:solidFill>
-            <a:srgbClr val="B1C6C7"/>
-          </a:solidFill>
-          <a:ln>
-            <a:noFill/>
-          </a:ln>
-        </p:spPr>
-        <p:style>
-          <a:lnRef idx="2">
-            <a:schemeClr val="accent1">
-              <a:shade val="50000"/>
-            </a:schemeClr>
-          </a:lnRef>
-          <a:fillRef idx="1">
-            <a:schemeClr val="accent1"/>
-          </a:fillRef>
-          <a:effectRef idx="0">
-            <a:schemeClr val="accent1"/>
-          </a:effectRef>
-          <a:fontRef idx="minor">
-            <a:schemeClr val="lt1"/>
-          </a:fontRef>
-        </p:style>
-        <p:txBody>
-          <a:bodyPr rtlCol="0" anchor="ctr"/>
-          <a:lstStyle/>
-          <a:p>
-            <a:pPr algn="ctr"/>
-            <a:endParaRPr lang="ko-KR" altLang="en-US"/>
-          </a:p>
-        </p:txBody>
-      </p:sp>
-      <p:sp>
-        <p:nvSpPr>
-          <p:cNvPr id="5" name="사각형: 둥근 모서리 4">
-            <a:extLst>
-              <a:ext uri="{FF2B5EF4-FFF2-40B4-BE49-F238E27FC236}">
-                <a16:creationId xmlns:a16="http://schemas.microsoft.com/office/drawing/2014/main" id="{8A3C9E4F-1D6B-D7CD-D657-26131C004D6D}"/>
-              </a:ext>
-            </a:extLst>
-          </p:cNvPr>
-          <p:cNvSpPr/>
-          <p:nvPr/>
-        </p:nvSpPr>
-        <p:spPr>
-          <a:xfrm>
-            <a:off x="745516" y="4132024"/>
-            <a:ext cx="5007664" cy="1800000"/>
-          </a:xfrm>
-          <a:prstGeom prst="roundRect">
-            <a:avLst/>
-          </a:prstGeom>
-          <a:solidFill>
-            <a:srgbClr val="B1C6C7"/>
-          </a:solidFill>
-          <a:ln>
-            <a:noFill/>
-          </a:ln>
-        </p:spPr>
-        <p:style>
-          <a:lnRef idx="2">
-            <a:schemeClr val="accent1">
-              <a:shade val="50000"/>
-            </a:schemeClr>
-          </a:lnRef>
-          <a:fillRef idx="1">
-            <a:schemeClr val="accent1"/>
-          </a:fillRef>
-          <a:effectRef idx="0">
-            <a:schemeClr val="accent1"/>
-          </a:effectRef>
-          <a:fontRef idx="minor">
-            <a:schemeClr val="lt1"/>
-          </a:fontRef>
-        </p:style>
-        <p:txBody>
-          <a:bodyPr rtlCol="0" anchor="ctr"/>
-          <a:lstStyle/>
-          <a:p>
-            <a:pPr algn="ctr"/>
-            <a:endParaRPr lang="ko-KR" altLang="en-US"/>
-          </a:p>
-        </p:txBody>
-      </p:sp>
-      <p:sp>
-        <p:nvSpPr>
-          <p:cNvPr id="6" name="사각형: 둥근 모서리 5">
-            <a:extLst>
-              <a:ext uri="{FF2B5EF4-FFF2-40B4-BE49-F238E27FC236}">
-                <a16:creationId xmlns:a16="http://schemas.microsoft.com/office/drawing/2014/main" id="{77916D4E-BE94-D786-6ADC-A80A0FE4AB90}"/>
-              </a:ext>
-            </a:extLst>
-          </p:cNvPr>
-          <p:cNvSpPr/>
-          <p:nvPr/>
-        </p:nvSpPr>
-        <p:spPr>
-          <a:xfrm>
-            <a:off x="6438820" y="4091919"/>
-            <a:ext cx="5007664" cy="1800000"/>
-          </a:xfrm>
-          <a:prstGeom prst="roundRect">
-            <a:avLst/>
-          </a:prstGeom>
-          <a:solidFill>
-            <a:srgbClr val="B1C6C7"/>
-          </a:solidFill>
-          <a:ln>
-            <a:noFill/>
-          </a:ln>
-        </p:spPr>
-        <p:style>
-          <a:lnRef idx="2">
-            <a:schemeClr val="accent1">
-              <a:shade val="50000"/>
-            </a:schemeClr>
-          </a:lnRef>
-          <a:fillRef idx="1">
-            <a:schemeClr val="accent1"/>
-          </a:fillRef>
-          <a:effectRef idx="0">
-            <a:schemeClr val="accent1"/>
-          </a:effectRef>
-          <a:fontRef idx="minor">
-            <a:schemeClr val="lt1"/>
-          </a:fontRef>
-        </p:style>
-        <p:txBody>
-          <a:bodyPr rtlCol="0" anchor="ctr"/>
-          <a:lstStyle/>
-          <a:p>
-            <a:pPr algn="ctr"/>
-            <a:endParaRPr lang="ko-KR" altLang="en-US"/>
-          </a:p>
-        </p:txBody>
-      </p:sp>
-      <p:sp>
-        <p:nvSpPr>
-          <p:cNvPr id="15" name="직사각형 14">
-            <a:extLst>
-              <a:ext uri="{FF2B5EF4-FFF2-40B4-BE49-F238E27FC236}">
-                <a16:creationId xmlns:a16="http://schemas.microsoft.com/office/drawing/2014/main" id="{8A47EC21-B0E7-41E9-A316-8791FAADD044}"/>
-              </a:ext>
-            </a:extLst>
-          </p:cNvPr>
-          <p:cNvSpPr/>
-          <p:nvPr/>
-        </p:nvSpPr>
-        <p:spPr>
-          <a:xfrm>
-            <a:off x="469900" y="925976"/>
-            <a:ext cx="11226800" cy="5617119"/>
-          </a:xfrm>
-          <a:prstGeom prst="rect">
-            <a:avLst/>
-          </a:prstGeom>
-          <a:noFill/>
-          <a:ln w="28575">
-            <a:solidFill>
-              <a:srgbClr val="A3BCBD"/>
-            </a:solidFill>
-          </a:ln>
-        </p:spPr>
-        <p:style>
-          <a:lnRef idx="2">
-            <a:schemeClr val="accent1">
-              <a:shade val="50000"/>
-            </a:schemeClr>
-          </a:lnRef>
-          <a:fillRef idx="1">
-            <a:schemeClr val="accent1"/>
-          </a:fillRef>
-          <a:effectRef idx="0">
-            <a:schemeClr val="accent1"/>
-          </a:effectRef>
-          <a:fontRef idx="minor">
-            <a:schemeClr val="lt1"/>
-          </a:fontRef>
-        </p:style>
-        <p:txBody>
-          <a:bodyPr rtlCol="0" anchor="ctr"/>
-          <a:lstStyle/>
-          <a:p>
-            <a:pPr algn="ctr"/>
-            <a:endParaRPr lang="ko-KR" altLang="en-US"/>
-          </a:p>
-        </p:txBody>
-      </p:sp>
-      <p:sp>
-        <p:nvSpPr>
-          <p:cNvPr id="18" name="TextBox 17">
-            <a:extLst>
-              <a:ext uri="{FF2B5EF4-FFF2-40B4-BE49-F238E27FC236}">
-                <a16:creationId xmlns:a16="http://schemas.microsoft.com/office/drawing/2014/main" id="{BC6B889D-6283-4B7F-8672-D8F2209C56F5}"/>
-              </a:ext>
-            </a:extLst>
-          </p:cNvPr>
-          <p:cNvSpPr txBox="1"/>
-          <p:nvPr/>
-        </p:nvSpPr>
-        <p:spPr>
-          <a:xfrm>
-            <a:off x="469900" y="260991"/>
-            <a:ext cx="4273753" cy="584775"/>
-          </a:xfrm>
-          <a:prstGeom prst="rect">
-            <a:avLst/>
-          </a:prstGeom>
-          <a:noFill/>
-        </p:spPr>
-        <p:txBody>
-          <a:bodyPr wrap="square" rtlCol="0">
-            <a:spAutoFit/>
-          </a:bodyPr>
-          <a:lstStyle/>
-          <a:p>
-            <a:r>
-              <a:rPr lang="en-US" altLang="ko-KR" sz="3200" dirty="0">
-                <a:solidFill>
-                  <a:srgbClr val="8BA9AB"/>
-                </a:solidFill>
-                <a:latin typeface="여기어때 잘난체" panose="020B0600000101010101" pitchFamily="50" charset="-127"/>
-                <a:ea typeface="여기어때 잘난체" panose="020B0600000101010101" pitchFamily="50" charset="-127"/>
-              </a:rPr>
-              <a:t>04. </a:t>
-            </a:r>
-            <a:r>
-              <a:rPr lang="ko-KR" altLang="en-US" sz="3200" dirty="0">
-                <a:solidFill>
-                  <a:srgbClr val="8BA9AB"/>
-                </a:solidFill>
-                <a:latin typeface="여기어때 잘난체" panose="020B0600000101010101" pitchFamily="50" charset="-127"/>
-                <a:ea typeface="여기어때 잘난체" panose="020B0600000101010101" pitchFamily="50" charset="-127"/>
-              </a:rPr>
-              <a:t>타 게임과 비교</a:t>
-            </a:r>
-          </a:p>
-        </p:txBody>
-      </p:sp>
-      <p:sp>
-        <p:nvSpPr>
-          <p:cNvPr id="2" name="TextBox 1">
-            <a:extLst>
-              <a:ext uri="{FF2B5EF4-FFF2-40B4-BE49-F238E27FC236}">
-                <a16:creationId xmlns:a16="http://schemas.microsoft.com/office/drawing/2014/main" id="{9E6EDD1A-8455-BC22-6B95-FBE3DD64A168}"/>
-              </a:ext>
-            </a:extLst>
-          </p:cNvPr>
-          <p:cNvSpPr txBox="1"/>
-          <p:nvPr/>
-        </p:nvSpPr>
-        <p:spPr>
-          <a:xfrm>
-            <a:off x="2542873" y="2172247"/>
-            <a:ext cx="2666114" cy="584775"/>
-          </a:xfrm>
-          <a:prstGeom prst="rect">
-            <a:avLst/>
-          </a:prstGeom>
-          <a:noFill/>
-        </p:spPr>
-        <p:txBody>
-          <a:bodyPr wrap="none" rtlCol="0">
-            <a:spAutoFit/>
-          </a:bodyPr>
-          <a:lstStyle/>
-          <a:p>
-            <a:r>
-              <a:rPr lang="ko-KR" altLang="en-US" sz="3200" dirty="0">
-                <a:solidFill>
-                  <a:schemeClr val="bg1"/>
-                </a:solidFill>
-                <a:latin typeface="G마켓 산스 TTF Bold" panose="02000000000000000000" pitchFamily="2" charset="-127"/>
-                <a:ea typeface="G마켓 산스 TTF Bold" panose="02000000000000000000" pitchFamily="2" charset="-127"/>
-              </a:rPr>
-              <a:t>무기의 다양성</a:t>
-            </a:r>
-          </a:p>
-        </p:txBody>
-      </p:sp>
-      <p:pic>
-        <p:nvPicPr>
-          <p:cNvPr id="8" name="그림 7">
-            <a:extLst>
-              <a:ext uri="{FF2B5EF4-FFF2-40B4-BE49-F238E27FC236}">
-                <a16:creationId xmlns:a16="http://schemas.microsoft.com/office/drawing/2014/main" id="{32B5C28D-AE92-DCE7-B7F8-6B2E52D75B8C}"/>
-              </a:ext>
-            </a:extLst>
-          </p:cNvPr>
-          <p:cNvPicPr>
-            <a:picLocks noChangeAspect="1"/>
-          </p:cNvPicPr>
-          <p:nvPr/>
-        </p:nvPicPr>
-        <p:blipFill>
-          <a:blip r:embed="rId2">
-            <a:extLst>
-              <a:ext uri="{28A0092B-C50C-407E-A947-70E740481C1C}">
-                <a14:useLocalDpi xmlns:a14="http://schemas.microsoft.com/office/drawing/2010/main" val="0"/>
-              </a:ext>
-            </a:extLst>
-          </a:blip>
-          <a:stretch>
-            <a:fillRect/>
-          </a:stretch>
-        </p:blipFill>
-        <p:spPr>
-          <a:xfrm>
-            <a:off x="1284714" y="2495413"/>
-            <a:ext cx="572519" cy="572519"/>
-          </a:xfrm>
-          <a:prstGeom prst="rect">
-            <a:avLst/>
-          </a:prstGeom>
-        </p:spPr>
-      </p:pic>
-      <p:pic>
-        <p:nvPicPr>
-          <p:cNvPr id="10" name="그림 9">
-            <a:extLst>
-              <a:ext uri="{FF2B5EF4-FFF2-40B4-BE49-F238E27FC236}">
-                <a16:creationId xmlns:a16="http://schemas.microsoft.com/office/drawing/2014/main" id="{FF83571E-207E-0EC1-4DAF-4FCC60C6903C}"/>
-              </a:ext>
-            </a:extLst>
-          </p:cNvPr>
-          <p:cNvPicPr>
-            <a:picLocks noChangeAspect="1"/>
-          </p:cNvPicPr>
-          <p:nvPr/>
-        </p:nvPicPr>
-        <p:blipFill>
-          <a:blip r:embed="rId3">
-            <a:extLst>
-              <a:ext uri="{28A0092B-C50C-407E-A947-70E740481C1C}">
-                <a14:useLocalDpi xmlns:a14="http://schemas.microsoft.com/office/drawing/2010/main" val="0"/>
-              </a:ext>
-            </a:extLst>
-          </a:blip>
-          <a:stretch>
-            <a:fillRect/>
-          </a:stretch>
-        </p:blipFill>
-        <p:spPr>
-          <a:xfrm>
-            <a:off x="1789866" y="1788744"/>
-            <a:ext cx="627087" cy="627087"/>
-          </a:xfrm>
-          <a:prstGeom prst="rect">
-            <a:avLst/>
-          </a:prstGeom>
-        </p:spPr>
-      </p:pic>
-      <p:pic>
-        <p:nvPicPr>
-          <p:cNvPr id="12" name="그림 11">
-            <a:extLst>
-              <a:ext uri="{FF2B5EF4-FFF2-40B4-BE49-F238E27FC236}">
-                <a16:creationId xmlns:a16="http://schemas.microsoft.com/office/drawing/2014/main" id="{BAE3425D-89CF-5726-ADD2-9AFC0F49C0C6}"/>
-              </a:ext>
-            </a:extLst>
-          </p:cNvPr>
-          <p:cNvPicPr>
-            <a:picLocks noChangeAspect="1"/>
-          </p:cNvPicPr>
-          <p:nvPr/>
-        </p:nvPicPr>
-        <p:blipFill>
-          <a:blip r:embed="rId4">
-            <a:extLst>
-              <a:ext uri="{28A0092B-C50C-407E-A947-70E740481C1C}">
-                <a14:useLocalDpi xmlns:a14="http://schemas.microsoft.com/office/drawing/2010/main" val="0"/>
-              </a:ext>
-            </a:extLst>
-          </a:blip>
-          <a:stretch>
-            <a:fillRect/>
-          </a:stretch>
-        </p:blipFill>
-        <p:spPr>
-          <a:xfrm>
-            <a:off x="909981" y="1841362"/>
-            <a:ext cx="572519" cy="572519"/>
-          </a:xfrm>
-          <a:prstGeom prst="rect">
-            <a:avLst/>
-          </a:prstGeom>
-        </p:spPr>
-      </p:pic>
-      <p:pic>
-        <p:nvPicPr>
-          <p:cNvPr id="14" name="그림 13">
-            <a:extLst>
-              <a:ext uri="{FF2B5EF4-FFF2-40B4-BE49-F238E27FC236}">
-                <a16:creationId xmlns:a16="http://schemas.microsoft.com/office/drawing/2014/main" id="{974A855F-1039-2778-C33E-4EF78314ABFC}"/>
-              </a:ext>
-            </a:extLst>
-          </p:cNvPr>
-          <p:cNvPicPr>
-            <a:picLocks noChangeAspect="1"/>
-          </p:cNvPicPr>
-          <p:nvPr/>
-        </p:nvPicPr>
-        <p:blipFill>
-          <a:blip r:embed="rId5">
-            <a:extLst>
-              <a:ext uri="{28A0092B-C50C-407E-A947-70E740481C1C}">
-                <a14:useLocalDpi xmlns:a14="http://schemas.microsoft.com/office/drawing/2010/main" val="0"/>
-              </a:ext>
-            </a:extLst>
-          </a:blip>
-          <a:stretch>
-            <a:fillRect/>
-          </a:stretch>
-        </p:blipFill>
-        <p:spPr>
-          <a:xfrm>
-            <a:off x="6709753" y="1778299"/>
-            <a:ext cx="1271163" cy="1271163"/>
-          </a:xfrm>
-          <a:prstGeom prst="rect">
-            <a:avLst/>
-          </a:prstGeom>
-        </p:spPr>
-      </p:pic>
-      <p:sp>
-        <p:nvSpPr>
-          <p:cNvPr id="16" name="TextBox 15">
-            <a:extLst>
-              <a:ext uri="{FF2B5EF4-FFF2-40B4-BE49-F238E27FC236}">
-                <a16:creationId xmlns:a16="http://schemas.microsoft.com/office/drawing/2014/main" id="{CA1490E0-170F-E3DF-4DF7-8AE24FB57813}"/>
-              </a:ext>
-            </a:extLst>
-          </p:cNvPr>
-          <p:cNvSpPr txBox="1"/>
-          <p:nvPr/>
-        </p:nvSpPr>
-        <p:spPr>
-          <a:xfrm>
-            <a:off x="8106150" y="2161598"/>
-            <a:ext cx="3175869" cy="584775"/>
-          </a:xfrm>
-          <a:prstGeom prst="rect">
-            <a:avLst/>
-          </a:prstGeom>
-          <a:noFill/>
-        </p:spPr>
-        <p:txBody>
-          <a:bodyPr wrap="none" rtlCol="0">
-            <a:spAutoFit/>
-          </a:bodyPr>
-          <a:lstStyle/>
-          <a:p>
-            <a:r>
-              <a:rPr lang="ko-KR" altLang="en-US" sz="3200" dirty="0">
-                <a:solidFill>
-                  <a:schemeClr val="bg1"/>
-                </a:solidFill>
-                <a:latin typeface="G마켓 산스 TTF Bold" panose="02000000000000000000" pitchFamily="2" charset="-127"/>
-                <a:ea typeface="G마켓 산스 TTF Bold" panose="02000000000000000000" pitchFamily="2" charset="-127"/>
-              </a:rPr>
-              <a:t>즐거운 퍼즐 요소</a:t>
-            </a:r>
-          </a:p>
-        </p:txBody>
-      </p:sp>
-    </p:spTree>
-    <p:extLst>
-      <p:ext uri="{BB962C8B-B14F-4D97-AF65-F5344CB8AC3E}">
-        <p14:creationId xmlns:p14="http://schemas.microsoft.com/office/powerpoint/2010/main" val="3895575660"/>
-      </p:ext>
-    </p:extLst>
   </p:cSld>
   <p:clrMapOvr>
     <a:masterClrMapping/>
@@ -6291,13 +9464,7 @@
       </p:grpSpPr>
       <p:sp>
         <p:nvSpPr>
-          <p:cNvPr id="15" name="직사각형 14">
-            <a:extLst>
-              <a:ext uri="{FF2B5EF4-FFF2-40B4-BE49-F238E27FC236}">
-                <a16:creationId xmlns:a16="http://schemas.microsoft.com/office/drawing/2014/main" id="{8A47EC21-B0E7-41E9-A316-8791FAADD044}"/>
-              </a:ext>
-            </a:extLst>
-          </p:cNvPr>
+          <p:cNvPr id="15" name="직사각형 14"/>
           <p:cNvSpPr/>
           <p:nvPr/>
         </p:nvSpPr>
@@ -6343,20 +9510,14 @@
       </p:sp>
       <p:sp>
         <p:nvSpPr>
-          <p:cNvPr id="2" name="TextBox 1">
-            <a:extLst>
-              <a:ext uri="{FF2B5EF4-FFF2-40B4-BE49-F238E27FC236}">
-                <a16:creationId xmlns:a16="http://schemas.microsoft.com/office/drawing/2014/main" id="{7B1D606B-08B1-EDFE-5BB3-54A81FA56665}"/>
-              </a:ext>
-            </a:extLst>
-          </p:cNvPr>
+          <p:cNvPr id="2" name="TextBox 1"/>
           <p:cNvSpPr txBox="1"/>
           <p:nvPr/>
         </p:nvSpPr>
         <p:spPr>
           <a:xfrm>
-            <a:off x="3357211" y="2750576"/>
-            <a:ext cx="5477577" cy="1356846"/>
+            <a:off x="2334126" y="2750576"/>
+            <a:ext cx="7523748" cy="1356846"/>
           </a:xfrm>
           <a:prstGeom prst="rect">
             <a:avLst/>
@@ -6382,7 +9543,7 @@
                 <a:latin typeface="여기어때 잘난체" panose="020B0600000101010101" pitchFamily="50" charset="-127"/>
                 <a:ea typeface="여기어때 잘난체" panose="020B0600000101010101" pitchFamily="50" charset="-127"/>
               </a:rPr>
-              <a:t>06. </a:t>
+              <a:t>05. </a:t>
             </a:r>
             <a:r>
               <a:rPr lang="ko-KR" altLang="en-US" sz="6600" dirty="0">
@@ -6392,7 +9553,7 @@
                 <a:latin typeface="여기어때 잘난체" panose="020B0600000101010101" pitchFamily="50" charset="-127"/>
                 <a:ea typeface="여기어때 잘난체" panose="020B0600000101010101" pitchFamily="50" charset="-127"/>
               </a:rPr>
-              <a:t>개발 일정</a:t>
+              <a:t>타 게임과 비교</a:t>
             </a:r>
             <a:endParaRPr lang="en-US" altLang="ko-KR" sz="6600" dirty="0">
               <a:solidFill>
@@ -6405,11 +9566,6 @@
         </p:txBody>
       </p:sp>
     </p:spTree>
-    <p:extLst>
-      <p:ext uri="{BB962C8B-B14F-4D97-AF65-F5344CB8AC3E}">
-        <p14:creationId xmlns:p14="http://schemas.microsoft.com/office/powerpoint/2010/main" val="1071784406"/>
-      </p:ext>
-    </p:extLst>
   </p:cSld>
   <p:clrMapOvr>
     <a:masterClrMapping/>
@@ -6418,6 +9574,789 @@
 </file>
 
 <file path=ppt/slides/slide19.xml><?xml version="1.0" encoding="utf-8"?>
+<p:sld xmlns:a="http://schemas.openxmlformats.org/drawingml/2006/main" xmlns:r="http://schemas.openxmlformats.org/officeDocument/2006/relationships" xmlns:p="http://schemas.openxmlformats.org/presentationml/2006/main">
+  <p:cSld>
+    <p:spTree>
+      <p:nvGrpSpPr>
+        <p:cNvPr id="1" name=""/>
+        <p:cNvGrpSpPr/>
+        <p:nvPr/>
+      </p:nvGrpSpPr>
+      <p:grpSpPr>
+        <a:xfrm>
+          <a:off x="0" y="0"/>
+          <a:ext cx="0" cy="0"/>
+          <a:chOff x="0" y="0"/>
+          <a:chExt cx="0" cy="0"/>
+        </a:xfrm>
+      </p:grpSpPr>
+      <p:sp>
+        <p:nvSpPr>
+          <p:cNvPr id="13" name="TextBox 12"/>
+          <p:cNvSpPr txBox="1"/>
+          <p:nvPr/>
+        </p:nvSpPr>
+        <p:spPr>
+          <a:xfrm>
+            <a:off x="4273333" y="418405"/>
+            <a:ext cx="3645333" cy="584775"/>
+          </a:xfrm>
+          <a:prstGeom prst="rect">
+            <a:avLst/>
+          </a:prstGeom>
+          <a:noFill/>
+        </p:spPr>
+        <p:txBody>
+          <a:bodyPr wrap="square" rtlCol="0">
+            <a:spAutoFit/>
+          </a:bodyPr>
+          <a:lstStyle/>
+          <a:p>
+            <a:r>
+              <a:rPr lang="en-US" altLang="ko-KR" sz="3200" dirty="0">
+                <a:solidFill>
+                  <a:srgbClr val="8BA9AB"/>
+                </a:solidFill>
+                <a:latin typeface="여기어때 잘난체" panose="020B0600000101010101" pitchFamily="50" charset="-127"/>
+                <a:ea typeface="여기어때 잘난체" panose="020B0600000101010101" pitchFamily="50" charset="-127"/>
+              </a:rPr>
+              <a:t>04. </a:t>
+            </a:r>
+            <a:r>
+              <a:rPr lang="ko-KR" altLang="en-US" sz="3200" dirty="0">
+                <a:solidFill>
+                  <a:srgbClr val="8BA9AB"/>
+                </a:solidFill>
+                <a:latin typeface="여기어때 잘난체" panose="020B0600000101010101" pitchFamily="50" charset="-127"/>
+                <a:ea typeface="여기어때 잘난체" panose="020B0600000101010101" pitchFamily="50" charset="-127"/>
+              </a:rPr>
+              <a:t>타 게임과 비교</a:t>
+            </a:r>
+          </a:p>
+        </p:txBody>
+      </p:sp>
+      <p:pic>
+        <p:nvPicPr>
+          <p:cNvPr id="1026" name="Picture 2" descr="휴먼: 폴 플랫 (Human: Fall Flat)"/>
+          <p:cNvPicPr>
+            <a:picLocks noChangeAspect="1" noChangeArrowheads="1"/>
+          </p:cNvPicPr>
+          <p:nvPr/>
+        </p:nvPicPr>
+        <p:blipFill>
+          <a:blip r:embed="rId2">
+            <a:extLst>
+              <a:ext uri="{28A0092B-C50C-407E-A947-70E740481C1C}">
+                <a14:useLocalDpi xmlns:a14="http://schemas.microsoft.com/office/drawing/2010/main" val="0"/>
+              </a:ext>
+            </a:extLst>
+          </a:blip>
+          <a:srcRect/>
+          <a:stretch>
+            <a:fillRect/>
+          </a:stretch>
+        </p:blipFill>
+        <p:spPr bwMode="auto">
+          <a:xfrm>
+            <a:off x="477846" y="2335012"/>
+            <a:ext cx="3552972" cy="1998249"/>
+          </a:xfrm>
+          <a:prstGeom prst="rect">
+            <a:avLst/>
+          </a:prstGeom>
+          <a:noFill/>
+          <a:extLst>
+            <a:ext uri="{909E8E84-426E-40DD-AFC4-6F175D3DCCD1}">
+              <a14:hiddenFill xmlns:a14="http://schemas.microsoft.com/office/drawing/2010/main">
+                <a:solidFill>
+                  <a:srgbClr val="FFFFFF"/>
+                </a:solidFill>
+              </a14:hiddenFill>
+            </a:ext>
+          </a:extLst>
+        </p:spPr>
+      </p:pic>
+      <p:graphicFrame>
+        <p:nvGraphicFramePr>
+          <p:cNvPr id="2" name="표 3"/>
+          <p:cNvGraphicFramePr>
+            <a:graphicFrameLocks noGrp="1"/>
+          </p:cNvGraphicFramePr>
+          <p:nvPr/>
+        </p:nvGraphicFramePr>
+        <p:xfrm>
+          <a:off x="4273333" y="1819922"/>
+          <a:ext cx="7649379" cy="4619566"/>
+        </p:xfrm>
+        <a:graphic>
+          <a:graphicData uri="http://schemas.openxmlformats.org/drawingml/2006/table">
+            <a:tbl>
+              <a:tblPr firstRow="1" bandRow="1">
+                <a:tableStyleId>{5C22544A-7EE6-4342-B048-85BDC9FD1C3A}</a:tableStyleId>
+              </a:tblPr>
+              <a:tblGrid>
+                <a:gridCol w="1357148">
+                  <a:extLst>
+                    <a:ext uri="{9D8B030D-6E8A-4147-A177-3AD203B41FA5}">
+                      <a16:colId xmlns:a16="http://schemas.microsoft.com/office/drawing/2014/main" val="20000"/>
+                    </a:ext>
+                  </a:extLst>
+                </a:gridCol>
+                <a:gridCol w="3034125">
+                  <a:extLst>
+                    <a:ext uri="{9D8B030D-6E8A-4147-A177-3AD203B41FA5}">
+                      <a16:colId xmlns:a16="http://schemas.microsoft.com/office/drawing/2014/main" val="20001"/>
+                    </a:ext>
+                  </a:extLst>
+                </a:gridCol>
+                <a:gridCol w="3258106">
+                  <a:extLst>
+                    <a:ext uri="{9D8B030D-6E8A-4147-A177-3AD203B41FA5}">
+                      <a16:colId xmlns:a16="http://schemas.microsoft.com/office/drawing/2014/main" val="20002"/>
+                    </a:ext>
+                  </a:extLst>
+                </a:gridCol>
+              </a:tblGrid>
+              <a:tr h="430092">
+                <a:tc>
+                  <a:txBody>
+                    <a:bodyPr/>
+                    <a:lstStyle/>
+                    <a:p>
+                      <a:pPr algn="ctr" latinLnBrk="1"/>
+                      <a:r>
+                        <a:rPr lang="ko-KR" altLang="en-US" b="0" dirty="0" err="1">
+                          <a:solidFill>
+                            <a:schemeClr val="tx1"/>
+                          </a:solidFill>
+                          <a:latin typeface="G마켓 산스 TTF Medium" panose="02000000000000000000" pitchFamily="2" charset="-127"/>
+                          <a:ea typeface="G마켓 산스 TTF Medium" panose="02000000000000000000" pitchFamily="2" charset="-127"/>
+                        </a:rPr>
+                        <a:t>타게임</a:t>
+                      </a:r>
+                      <a:endParaRPr lang="ko-KR" altLang="en-US" b="0" dirty="0">
+                        <a:solidFill>
+                          <a:schemeClr val="tx1"/>
+                        </a:solidFill>
+                        <a:latin typeface="G마켓 산스 TTF Medium" panose="02000000000000000000" pitchFamily="2" charset="-127"/>
+                        <a:ea typeface="G마켓 산스 TTF Medium" panose="02000000000000000000" pitchFamily="2" charset="-127"/>
+                      </a:endParaRPr>
+                    </a:p>
+                  </a:txBody>
+                  <a:tcPr anchor="ctr">
+                    <a:lnB w="12700" cap="flat" cmpd="sng" algn="ctr">
+                      <a:solidFill>
+                        <a:srgbClr val="8BA9AB"/>
+                      </a:solidFill>
+                      <a:prstDash val="solid"/>
+                      <a:round/>
+                      <a:headEnd type="none" w="med" len="med"/>
+                      <a:tailEnd type="none" w="med" len="med"/>
+                    </a:lnB>
+                    <a:solidFill>
+                      <a:srgbClr val="B1C6C7"/>
+                    </a:solidFill>
+                  </a:tcPr>
+                </a:tc>
+                <a:tc>
+                  <a:txBody>
+                    <a:bodyPr/>
+                    <a:lstStyle/>
+                    <a:p>
+                      <a:pPr algn="ctr" latinLnBrk="1"/>
+                      <a:r>
+                        <a:rPr lang="ko-KR" altLang="en-US" b="0" dirty="0">
+                          <a:solidFill>
+                            <a:schemeClr val="tx1"/>
+                          </a:solidFill>
+                          <a:latin typeface="G마켓 산스 TTF Medium" panose="02000000000000000000" pitchFamily="2" charset="-127"/>
+                          <a:ea typeface="G마켓 산스 TTF Medium" panose="02000000000000000000" pitchFamily="2" charset="-127"/>
+                        </a:rPr>
+                        <a:t>유사점</a:t>
+                      </a:r>
+                    </a:p>
+                  </a:txBody>
+                  <a:tcPr anchor="ctr">
+                    <a:lnB w="12700" cap="flat" cmpd="sng" algn="ctr">
+                      <a:solidFill>
+                        <a:srgbClr val="8BA9AB"/>
+                      </a:solidFill>
+                      <a:prstDash val="solid"/>
+                      <a:round/>
+                      <a:headEnd type="none" w="med" len="med"/>
+                      <a:tailEnd type="none" w="med" len="med"/>
+                    </a:lnB>
+                    <a:solidFill>
+                      <a:srgbClr val="B1C6C7"/>
+                    </a:solidFill>
+                  </a:tcPr>
+                </a:tc>
+                <a:tc>
+                  <a:txBody>
+                    <a:bodyPr/>
+                    <a:lstStyle/>
+                    <a:p>
+                      <a:pPr algn="ctr" latinLnBrk="1"/>
+                      <a:r>
+                        <a:rPr lang="ko-KR" altLang="en-US" b="0" dirty="0">
+                          <a:solidFill>
+                            <a:schemeClr val="tx1"/>
+                          </a:solidFill>
+                          <a:latin typeface="G마켓 산스 TTF Medium" panose="02000000000000000000" pitchFamily="2" charset="-127"/>
+                          <a:ea typeface="G마켓 산스 TTF Medium" panose="02000000000000000000" pitchFamily="2" charset="-127"/>
+                        </a:rPr>
+                        <a:t>개선하고 싶은 점</a:t>
+                      </a:r>
+                    </a:p>
+                  </a:txBody>
+                  <a:tcPr anchor="ctr">
+                    <a:lnB w="12700" cap="flat" cmpd="sng" algn="ctr">
+                      <a:solidFill>
+                        <a:srgbClr val="8BA9AB"/>
+                      </a:solidFill>
+                      <a:prstDash val="solid"/>
+                      <a:round/>
+                      <a:headEnd type="none" w="med" len="med"/>
+                      <a:tailEnd type="none" w="med" len="med"/>
+                    </a:lnB>
+                    <a:solidFill>
+                      <a:srgbClr val="B1C6C7"/>
+                    </a:solidFill>
+                  </a:tcPr>
+                </a:tc>
+                <a:extLst>
+                  <a:ext uri="{0D108BD9-81ED-4DB2-BD59-A6C34878D82A}">
+                    <a16:rowId xmlns:a16="http://schemas.microsoft.com/office/drawing/2014/main" val="10000"/>
+                  </a:ext>
+                </a:extLst>
+              </a:tr>
+              <a:tr h="2094737">
+                <a:tc>
+                  <a:txBody>
+                    <a:bodyPr/>
+                    <a:lstStyle/>
+                    <a:p>
+                      <a:pPr algn="ctr" latinLnBrk="1">
+                        <a:lnSpc>
+                          <a:spcPct val="150000"/>
+                        </a:lnSpc>
+                      </a:pPr>
+                      <a:r>
+                        <a:rPr lang="ko-KR" altLang="en-US" sz="1600" b="0" dirty="0">
+                          <a:solidFill>
+                            <a:schemeClr val="tx1"/>
+                          </a:solidFill>
+                          <a:latin typeface="G마켓 산스 TTF Medium" panose="02000000000000000000" pitchFamily="2" charset="-127"/>
+                          <a:ea typeface="G마켓 산스 TTF Medium" panose="02000000000000000000" pitchFamily="2" charset="-127"/>
+                        </a:rPr>
+                        <a:t>휴먼 폴 플랫</a:t>
+                      </a:r>
+                    </a:p>
+                  </a:txBody>
+                  <a:tcPr anchor="ctr">
+                    <a:lnL w="12700" cap="flat" cmpd="sng" algn="ctr">
+                      <a:solidFill>
+                        <a:srgbClr val="8BA9AB"/>
+                      </a:solidFill>
+                      <a:prstDash val="solid"/>
+                      <a:round/>
+                      <a:headEnd type="none" w="med" len="med"/>
+                      <a:tailEnd type="none" w="med" len="med"/>
+                    </a:lnL>
+                    <a:lnR w="12700" cap="flat" cmpd="sng" algn="ctr">
+                      <a:solidFill>
+                        <a:srgbClr val="8BA9AB"/>
+                      </a:solidFill>
+                      <a:prstDash val="solid"/>
+                      <a:round/>
+                      <a:headEnd type="none" w="med" len="med"/>
+                      <a:tailEnd type="none" w="med" len="med"/>
+                    </a:lnR>
+                    <a:lnT w="12700" cap="flat" cmpd="sng" algn="ctr">
+                      <a:solidFill>
+                        <a:srgbClr val="8BA9AB"/>
+                      </a:solidFill>
+                      <a:prstDash val="solid"/>
+                      <a:round/>
+                      <a:headEnd type="none" w="med" len="med"/>
+                      <a:tailEnd type="none" w="med" len="med"/>
+                    </a:lnT>
+                    <a:lnB w="12700" cap="flat" cmpd="sng" algn="ctr">
+                      <a:solidFill>
+                        <a:srgbClr val="8BA9AB"/>
+                      </a:solidFill>
+                      <a:prstDash val="solid"/>
+                      <a:round/>
+                      <a:headEnd type="none" w="med" len="med"/>
+                      <a:tailEnd type="none" w="med" len="med"/>
+                    </a:lnB>
+                    <a:solidFill>
+                      <a:schemeClr val="bg1"/>
+                    </a:solidFill>
+                  </a:tcPr>
+                </a:tc>
+                <a:tc>
+                  <a:txBody>
+                    <a:bodyPr/>
+                    <a:lstStyle/>
+                    <a:p>
+                      <a:pPr algn="l" latinLnBrk="1">
+                        <a:lnSpc>
+                          <a:spcPct val="150000"/>
+                        </a:lnSpc>
+                      </a:pPr>
+                      <a:r>
+                        <a:rPr lang="ko-KR" altLang="en-US" sz="1200" b="0" dirty="0">
+                          <a:solidFill>
+                            <a:schemeClr val="tx1"/>
+                          </a:solidFill>
+                          <a:latin typeface="G마켓 산스 TTF Light" panose="02000000000000000000" pitchFamily="2" charset="-127"/>
+                          <a:ea typeface="G마켓 산스 TTF Light" panose="02000000000000000000" pitchFamily="2" charset="-127"/>
+                        </a:rPr>
+                        <a:t>유저들 간의 협동을 통해</a:t>
+                      </a:r>
+                      <a:endParaRPr lang="en-US" altLang="ko-KR" sz="1200" b="0" dirty="0">
+                        <a:solidFill>
+                          <a:schemeClr val="tx1"/>
+                        </a:solidFill>
+                        <a:latin typeface="G마켓 산스 TTF Light" panose="02000000000000000000" pitchFamily="2" charset="-127"/>
+                        <a:ea typeface="G마켓 산스 TTF Light" panose="02000000000000000000" pitchFamily="2" charset="-127"/>
+                      </a:endParaRPr>
+                    </a:p>
+                    <a:p>
+                      <a:pPr algn="l" latinLnBrk="1">
+                        <a:lnSpc>
+                          <a:spcPct val="150000"/>
+                        </a:lnSpc>
+                      </a:pPr>
+                      <a:r>
+                        <a:rPr lang="ko-KR" altLang="en-US" sz="1200" b="0" dirty="0">
+                          <a:solidFill>
+                            <a:schemeClr val="tx1"/>
+                          </a:solidFill>
+                          <a:latin typeface="G마켓 산스 TTF Light" panose="02000000000000000000" pitchFamily="2" charset="-127"/>
+                          <a:ea typeface="G마켓 산스 TTF Light" panose="02000000000000000000" pitchFamily="2" charset="-127"/>
+                        </a:rPr>
+                        <a:t>사물 혹은 지형을 이용하여 길을 이동한다</a:t>
+                      </a:r>
+                      <a:r>
+                        <a:rPr lang="en-US" altLang="ko-KR" sz="1200" b="0" dirty="0">
+                          <a:solidFill>
+                            <a:schemeClr val="tx1"/>
+                          </a:solidFill>
+                          <a:latin typeface="G마켓 산스 TTF Light" panose="02000000000000000000" pitchFamily="2" charset="-127"/>
+                          <a:ea typeface="G마켓 산스 TTF Light" panose="02000000000000000000" pitchFamily="2" charset="-127"/>
+                        </a:rPr>
+                        <a:t>.</a:t>
+                      </a:r>
+                      <a:endParaRPr lang="ko-KR" altLang="en-US" sz="1200" b="0" dirty="0">
+                        <a:solidFill>
+                          <a:schemeClr val="tx1"/>
+                        </a:solidFill>
+                        <a:latin typeface="G마켓 산스 TTF Light" panose="02000000000000000000" pitchFamily="2" charset="-127"/>
+                        <a:ea typeface="G마켓 산스 TTF Light" panose="02000000000000000000" pitchFamily="2" charset="-127"/>
+                      </a:endParaRPr>
+                    </a:p>
+                  </a:txBody>
+                  <a:tcPr anchor="ctr">
+                    <a:lnL w="12700" cap="flat" cmpd="sng" algn="ctr">
+                      <a:solidFill>
+                        <a:srgbClr val="8BA9AB"/>
+                      </a:solidFill>
+                      <a:prstDash val="solid"/>
+                      <a:round/>
+                      <a:headEnd type="none" w="med" len="med"/>
+                      <a:tailEnd type="none" w="med" len="med"/>
+                    </a:lnL>
+                    <a:lnR w="12700" cap="flat" cmpd="sng" algn="ctr">
+                      <a:solidFill>
+                        <a:srgbClr val="8BA9AB"/>
+                      </a:solidFill>
+                      <a:prstDash val="solid"/>
+                      <a:round/>
+                      <a:headEnd type="none" w="med" len="med"/>
+                      <a:tailEnd type="none" w="med" len="med"/>
+                    </a:lnR>
+                    <a:lnT w="12700" cap="flat" cmpd="sng" algn="ctr">
+                      <a:solidFill>
+                        <a:srgbClr val="8BA9AB"/>
+                      </a:solidFill>
+                      <a:prstDash val="solid"/>
+                      <a:round/>
+                      <a:headEnd type="none" w="med" len="med"/>
+                      <a:tailEnd type="none" w="med" len="med"/>
+                    </a:lnT>
+                    <a:lnB w="12700" cap="flat" cmpd="sng" algn="ctr">
+                      <a:solidFill>
+                        <a:srgbClr val="8BA9AB"/>
+                      </a:solidFill>
+                      <a:prstDash val="solid"/>
+                      <a:round/>
+                      <a:headEnd type="none" w="med" len="med"/>
+                      <a:tailEnd type="none" w="med" len="med"/>
+                    </a:lnB>
+                    <a:solidFill>
+                      <a:schemeClr val="bg1"/>
+                    </a:solidFill>
+                  </a:tcPr>
+                </a:tc>
+                <a:tc>
+                  <a:txBody>
+                    <a:bodyPr/>
+                    <a:lstStyle/>
+                    <a:p>
+                      <a:pPr algn="l" latinLnBrk="1">
+                        <a:lnSpc>
+                          <a:spcPct val="150000"/>
+                        </a:lnSpc>
+                      </a:pPr>
+                      <a:r>
+                        <a:rPr lang="ko-KR" altLang="en-US" sz="1200" b="0" dirty="0">
+                          <a:solidFill>
+                            <a:schemeClr val="tx1"/>
+                          </a:solidFill>
+                          <a:latin typeface="G마켓 산스 TTF Light" panose="02000000000000000000" pitchFamily="2" charset="-127"/>
+                          <a:ea typeface="G마켓 산스 TTF Light" panose="02000000000000000000" pitchFamily="2" charset="-127"/>
+                        </a:rPr>
+                        <a:t>단순히 길을 이동하는 것 뿐만이 아니라 몬스터를 추가 시켜 전투가 가능하게끔 컨텐츠 추가</a:t>
+                      </a:r>
+                    </a:p>
+                  </a:txBody>
+                  <a:tcPr anchor="ctr">
+                    <a:lnL w="12700" cap="flat" cmpd="sng" algn="ctr">
+                      <a:solidFill>
+                        <a:srgbClr val="8BA9AB"/>
+                      </a:solidFill>
+                      <a:prstDash val="solid"/>
+                      <a:round/>
+                      <a:headEnd type="none" w="med" len="med"/>
+                      <a:tailEnd type="none" w="med" len="med"/>
+                    </a:lnL>
+                    <a:lnR w="12700" cap="flat" cmpd="sng" algn="ctr">
+                      <a:solidFill>
+                        <a:srgbClr val="8BA9AB"/>
+                      </a:solidFill>
+                      <a:prstDash val="solid"/>
+                      <a:round/>
+                      <a:headEnd type="none" w="med" len="med"/>
+                      <a:tailEnd type="none" w="med" len="med"/>
+                    </a:lnR>
+                    <a:lnT w="12700" cap="flat" cmpd="sng" algn="ctr">
+                      <a:solidFill>
+                        <a:srgbClr val="8BA9AB"/>
+                      </a:solidFill>
+                      <a:prstDash val="solid"/>
+                      <a:round/>
+                      <a:headEnd type="none" w="med" len="med"/>
+                      <a:tailEnd type="none" w="med" len="med"/>
+                    </a:lnT>
+                    <a:lnB w="12700" cap="flat" cmpd="sng" algn="ctr">
+                      <a:solidFill>
+                        <a:srgbClr val="8BA9AB"/>
+                      </a:solidFill>
+                      <a:prstDash val="solid"/>
+                      <a:round/>
+                      <a:headEnd type="none" w="med" len="med"/>
+                      <a:tailEnd type="none" w="med" len="med"/>
+                    </a:lnB>
+                    <a:solidFill>
+                      <a:schemeClr val="bg1"/>
+                    </a:solidFill>
+                  </a:tcPr>
+                </a:tc>
+                <a:extLst>
+                  <a:ext uri="{0D108BD9-81ED-4DB2-BD59-A6C34878D82A}">
+                    <a16:rowId xmlns:a16="http://schemas.microsoft.com/office/drawing/2014/main" val="10001"/>
+                  </a:ext>
+                </a:extLst>
+              </a:tr>
+              <a:tr h="2094737">
+                <a:tc>
+                  <a:txBody>
+                    <a:bodyPr/>
+                    <a:lstStyle/>
+                    <a:p>
+                      <a:pPr algn="ctr" latinLnBrk="1">
+                        <a:lnSpc>
+                          <a:spcPct val="150000"/>
+                        </a:lnSpc>
+                      </a:pPr>
+                      <a:r>
+                        <a:rPr lang="ko-KR" altLang="en-US" sz="1600" b="0" dirty="0" err="1">
+                          <a:solidFill>
+                            <a:schemeClr val="tx1"/>
+                          </a:solidFill>
+                          <a:latin typeface="G마켓 산스 TTF Medium" panose="02000000000000000000" pitchFamily="2" charset="-127"/>
+                          <a:ea typeface="G마켓 산스 TTF Medium" panose="02000000000000000000" pitchFamily="2" charset="-127"/>
+                        </a:rPr>
+                        <a:t>젤다</a:t>
+                      </a:r>
+                      <a:endParaRPr lang="ko-KR" altLang="en-US" sz="1600" b="0" dirty="0">
+                        <a:solidFill>
+                          <a:schemeClr val="tx1"/>
+                        </a:solidFill>
+                        <a:latin typeface="G마켓 산스 TTF Medium" panose="02000000000000000000" pitchFamily="2" charset="-127"/>
+                        <a:ea typeface="G마켓 산스 TTF Medium" panose="02000000000000000000" pitchFamily="2" charset="-127"/>
+                      </a:endParaRPr>
+                    </a:p>
+                  </a:txBody>
+                  <a:tcPr anchor="ctr">
+                    <a:lnL w="12700" cap="flat" cmpd="sng" algn="ctr">
+                      <a:solidFill>
+                        <a:srgbClr val="8BA9AB"/>
+                      </a:solidFill>
+                      <a:prstDash val="solid"/>
+                      <a:round/>
+                      <a:headEnd type="none" w="med" len="med"/>
+                      <a:tailEnd type="none" w="med" len="med"/>
+                    </a:lnL>
+                    <a:lnR w="12700" cap="flat" cmpd="sng" algn="ctr">
+                      <a:solidFill>
+                        <a:srgbClr val="8BA9AB"/>
+                      </a:solidFill>
+                      <a:prstDash val="solid"/>
+                      <a:round/>
+                      <a:headEnd type="none" w="med" len="med"/>
+                      <a:tailEnd type="none" w="med" len="med"/>
+                    </a:lnR>
+                    <a:lnT w="12700" cap="flat" cmpd="sng" algn="ctr">
+                      <a:solidFill>
+                        <a:srgbClr val="8BA9AB"/>
+                      </a:solidFill>
+                      <a:prstDash val="solid"/>
+                      <a:round/>
+                      <a:headEnd type="none" w="med" len="med"/>
+                      <a:tailEnd type="none" w="med" len="med"/>
+                    </a:lnT>
+                    <a:lnB w="12700" cap="flat" cmpd="sng" algn="ctr">
+                      <a:solidFill>
+                        <a:srgbClr val="8BA9AB"/>
+                      </a:solidFill>
+                      <a:prstDash val="solid"/>
+                      <a:round/>
+                      <a:headEnd type="none" w="med" len="med"/>
+                      <a:tailEnd type="none" w="med" len="med"/>
+                    </a:lnB>
+                    <a:solidFill>
+                      <a:schemeClr val="bg1"/>
+                    </a:solidFill>
+                  </a:tcPr>
+                </a:tc>
+                <a:tc>
+                  <a:txBody>
+                    <a:bodyPr/>
+                    <a:lstStyle/>
+                    <a:p>
+                      <a:pPr algn="l" latinLnBrk="1">
+                        <a:lnSpc>
+                          <a:spcPct val="150000"/>
+                        </a:lnSpc>
+                      </a:pPr>
+                      <a:endParaRPr lang="ko-KR" altLang="en-US" sz="1200" b="0" dirty="0">
+                        <a:solidFill>
+                          <a:schemeClr val="tx1"/>
+                        </a:solidFill>
+                        <a:latin typeface="G마켓 산스 TTF Light" panose="02000000000000000000" pitchFamily="2" charset="-127"/>
+                        <a:ea typeface="G마켓 산스 TTF Light" panose="02000000000000000000" pitchFamily="2" charset="-127"/>
+                      </a:endParaRPr>
+                    </a:p>
+                  </a:txBody>
+                  <a:tcPr anchor="ctr">
+                    <a:lnL w="12700" cap="flat" cmpd="sng" algn="ctr">
+                      <a:solidFill>
+                        <a:srgbClr val="8BA9AB"/>
+                      </a:solidFill>
+                      <a:prstDash val="solid"/>
+                      <a:round/>
+                      <a:headEnd type="none" w="med" len="med"/>
+                      <a:tailEnd type="none" w="med" len="med"/>
+                    </a:lnL>
+                    <a:lnR w="12700" cap="flat" cmpd="sng" algn="ctr">
+                      <a:solidFill>
+                        <a:srgbClr val="8BA9AB"/>
+                      </a:solidFill>
+                      <a:prstDash val="solid"/>
+                      <a:round/>
+                      <a:headEnd type="none" w="med" len="med"/>
+                      <a:tailEnd type="none" w="med" len="med"/>
+                    </a:lnR>
+                    <a:lnT w="12700" cap="flat" cmpd="sng" algn="ctr">
+                      <a:solidFill>
+                        <a:srgbClr val="8BA9AB"/>
+                      </a:solidFill>
+                      <a:prstDash val="solid"/>
+                      <a:round/>
+                      <a:headEnd type="none" w="med" len="med"/>
+                      <a:tailEnd type="none" w="med" len="med"/>
+                    </a:lnT>
+                    <a:lnB w="12700" cap="flat" cmpd="sng" algn="ctr">
+                      <a:solidFill>
+                        <a:srgbClr val="8BA9AB"/>
+                      </a:solidFill>
+                      <a:prstDash val="solid"/>
+                      <a:round/>
+                      <a:headEnd type="none" w="med" len="med"/>
+                      <a:tailEnd type="none" w="med" len="med"/>
+                    </a:lnB>
+                    <a:solidFill>
+                      <a:schemeClr val="bg1"/>
+                    </a:solidFill>
+                  </a:tcPr>
+                </a:tc>
+                <a:tc>
+                  <a:txBody>
+                    <a:bodyPr/>
+                    <a:lstStyle/>
+                    <a:p>
+                      <a:pPr algn="l" latinLnBrk="1">
+                        <a:lnSpc>
+                          <a:spcPct val="150000"/>
+                        </a:lnSpc>
+                      </a:pPr>
+                      <a:endParaRPr lang="ko-KR" altLang="en-US" sz="1200" b="0" dirty="0">
+                        <a:solidFill>
+                          <a:schemeClr val="tx1"/>
+                        </a:solidFill>
+                        <a:latin typeface="G마켓 산스 TTF Light" panose="02000000000000000000" pitchFamily="2" charset="-127"/>
+                        <a:ea typeface="G마켓 산스 TTF Light" panose="02000000000000000000" pitchFamily="2" charset="-127"/>
+                      </a:endParaRPr>
+                    </a:p>
+                  </a:txBody>
+                  <a:tcPr anchor="ctr">
+                    <a:lnL w="12700" cap="flat" cmpd="sng" algn="ctr">
+                      <a:solidFill>
+                        <a:srgbClr val="8BA9AB"/>
+                      </a:solidFill>
+                      <a:prstDash val="solid"/>
+                      <a:round/>
+                      <a:headEnd type="none" w="med" len="med"/>
+                      <a:tailEnd type="none" w="med" len="med"/>
+                    </a:lnL>
+                    <a:lnR w="12700" cap="flat" cmpd="sng" algn="ctr">
+                      <a:solidFill>
+                        <a:srgbClr val="8BA9AB"/>
+                      </a:solidFill>
+                      <a:prstDash val="solid"/>
+                      <a:round/>
+                      <a:headEnd type="none" w="med" len="med"/>
+                      <a:tailEnd type="none" w="med" len="med"/>
+                    </a:lnR>
+                    <a:lnT w="12700" cap="flat" cmpd="sng" algn="ctr">
+                      <a:solidFill>
+                        <a:srgbClr val="8BA9AB"/>
+                      </a:solidFill>
+                      <a:prstDash val="solid"/>
+                      <a:round/>
+                      <a:headEnd type="none" w="med" len="med"/>
+                      <a:tailEnd type="none" w="med" len="med"/>
+                    </a:lnT>
+                    <a:lnB w="12700" cap="flat" cmpd="sng" algn="ctr">
+                      <a:solidFill>
+                        <a:srgbClr val="8BA9AB"/>
+                      </a:solidFill>
+                      <a:prstDash val="solid"/>
+                      <a:round/>
+                      <a:headEnd type="none" w="med" len="med"/>
+                      <a:tailEnd type="none" w="med" len="med"/>
+                    </a:lnB>
+                    <a:solidFill>
+                      <a:schemeClr val="bg1"/>
+                    </a:solidFill>
+                  </a:tcPr>
+                </a:tc>
+                <a:extLst>
+                  <a:ext uri="{0D108BD9-81ED-4DB2-BD59-A6C34878D82A}">
+                    <a16:rowId xmlns:a16="http://schemas.microsoft.com/office/drawing/2014/main" val="10002"/>
+                  </a:ext>
+                </a:extLst>
+              </a:tr>
+            </a:tbl>
+          </a:graphicData>
+        </a:graphic>
+      </p:graphicFrame>
+      <p:sp>
+        <p:nvSpPr>
+          <p:cNvPr id="5" name="TextBox 4"/>
+          <p:cNvSpPr txBox="1"/>
+          <p:nvPr/>
+        </p:nvSpPr>
+        <p:spPr>
+          <a:xfrm>
+            <a:off x="4793941" y="1424748"/>
+            <a:ext cx="7396577" cy="276999"/>
+          </a:xfrm>
+          <a:prstGeom prst="rect">
+            <a:avLst/>
+          </a:prstGeom>
+          <a:noFill/>
+        </p:spPr>
+        <p:txBody>
+          <a:bodyPr wrap="none" rtlCol="0">
+            <a:spAutoFit/>
+          </a:bodyPr>
+          <a:lstStyle/>
+          <a:p>
+            <a:r>
+              <a:rPr lang="ko-KR" altLang="en-US" sz="1200" dirty="0">
+                <a:latin typeface="G마켓 산스 TTF Medium" panose="02000000000000000000" pitchFamily="2" charset="-127"/>
+                <a:ea typeface="G마켓 산스 TTF Medium" panose="02000000000000000000" pitchFamily="2" charset="-127"/>
+              </a:rPr>
+              <a:t>선정 이유</a:t>
+            </a:r>
+            <a:r>
+              <a:rPr lang="en-US" altLang="ko-KR" sz="1200" dirty="0">
+                <a:latin typeface="G마켓 산스 TTF Medium" panose="02000000000000000000" pitchFamily="2" charset="-127"/>
+                <a:ea typeface="G마켓 산스 TTF Medium" panose="02000000000000000000" pitchFamily="2" charset="-127"/>
+              </a:rPr>
+              <a:t>	</a:t>
+            </a:r>
+            <a:r>
+              <a:rPr lang="ko-KR" altLang="en-US" sz="1200" dirty="0">
+                <a:latin typeface="G마켓 산스 TTF Medium" panose="02000000000000000000" pitchFamily="2" charset="-127"/>
+                <a:ea typeface="G마켓 산스 TTF Medium" panose="02000000000000000000" pitchFamily="2" charset="-127"/>
+              </a:rPr>
+              <a:t> </a:t>
+            </a:r>
+            <a:r>
+              <a:rPr lang="en-US" altLang="ko-KR" sz="1200" dirty="0">
+                <a:latin typeface="G마켓 산스 TTF Light" panose="02000000000000000000" pitchFamily="2" charset="-127"/>
+                <a:ea typeface="G마켓 산스 TTF Light" panose="02000000000000000000" pitchFamily="2" charset="-127"/>
+              </a:rPr>
+              <a:t>:  </a:t>
+            </a:r>
+            <a:r>
+              <a:rPr lang="ko-KR" altLang="en-US" sz="1200" dirty="0">
+                <a:latin typeface="G마켓 산스 TTF Light" panose="02000000000000000000" pitchFamily="2" charset="-127"/>
+                <a:ea typeface="G마켓 산스 TTF Light" panose="02000000000000000000" pitchFamily="2" charset="-127"/>
+              </a:rPr>
+              <a:t>여러 유저들 간의 협동 혹은 경쟁을 통해 스테이지를 뚫어 나아가는 게임이라 선정하였습니다</a:t>
+            </a:r>
+            <a:r>
+              <a:rPr lang="en-US" altLang="ko-KR" sz="1200" dirty="0">
+                <a:latin typeface="G마켓 산스 TTF Light" panose="02000000000000000000" pitchFamily="2" charset="-127"/>
+                <a:ea typeface="G마켓 산스 TTF Light" panose="02000000000000000000" pitchFamily="2" charset="-127"/>
+              </a:rPr>
+              <a:t>.</a:t>
+            </a:r>
+            <a:r>
+              <a:rPr lang="ko-KR" altLang="en-US" sz="1200" dirty="0">
+                <a:latin typeface="G마켓 산스 TTF Light" panose="02000000000000000000" pitchFamily="2" charset="-127"/>
+                <a:ea typeface="G마켓 산스 TTF Light" panose="02000000000000000000" pitchFamily="2" charset="-127"/>
+              </a:rPr>
+              <a:t> </a:t>
+            </a:r>
+          </a:p>
+        </p:txBody>
+      </p:sp>
+    </p:spTree>
+  </p:cSld>
+  <p:clrMapOvr>
+    <a:masterClrMapping/>
+  </p:clrMapOvr>
+</p:sld>
+</file>
+
+<file path=ppt/slides/slide2.xml><?xml version="1.0" encoding="utf-8"?>
 <p:sld xmlns:a="http://schemas.openxmlformats.org/drawingml/2006/main" xmlns:r="http://schemas.openxmlformats.org/officeDocument/2006/relationships" xmlns:p="http://schemas.openxmlformats.org/presentationml/2006/main">
   <p:cSld>
     <p:bg>
@@ -6444,13 +10383,531 @@
       </p:grpSpPr>
       <p:sp>
         <p:nvSpPr>
-          <p:cNvPr id="15" name="직사각형 14">
-            <a:extLst>
-              <a:ext uri="{FF2B5EF4-FFF2-40B4-BE49-F238E27FC236}">
-                <a16:creationId xmlns:a16="http://schemas.microsoft.com/office/drawing/2014/main" id="{8A47EC21-B0E7-41E9-A316-8791FAADD044}"/>
-              </a:ext>
-            </a:extLst>
-          </p:cNvPr>
+          <p:cNvPr id="15" name="직사각형 14"/>
+          <p:cNvSpPr/>
+          <p:nvPr/>
+        </p:nvSpPr>
+        <p:spPr>
+          <a:xfrm>
+            <a:off x="469900" y="1123376"/>
+            <a:ext cx="11226800" cy="5339509"/>
+          </a:xfrm>
+          <a:prstGeom prst="rect">
+            <a:avLst/>
+          </a:prstGeom>
+          <a:noFill/>
+          <a:ln w="28575">
+            <a:solidFill>
+              <a:schemeClr val="bg1"/>
+            </a:solidFill>
+          </a:ln>
+        </p:spPr>
+        <p:style>
+          <a:lnRef idx="2">
+            <a:schemeClr val="accent1">
+              <a:shade val="50000"/>
+            </a:schemeClr>
+          </a:lnRef>
+          <a:fillRef idx="1">
+            <a:schemeClr val="accent1"/>
+          </a:fillRef>
+          <a:effectRef idx="0">
+            <a:schemeClr val="accent1"/>
+          </a:effectRef>
+          <a:fontRef idx="minor">
+            <a:schemeClr val="lt1"/>
+          </a:fontRef>
+        </p:style>
+        <p:txBody>
+          <a:bodyPr rtlCol="0" anchor="ctr"/>
+          <a:lstStyle/>
+          <a:p>
+            <a:pPr algn="ctr"/>
+            <a:endParaRPr lang="ko-KR" altLang="en-US"/>
+          </a:p>
+        </p:txBody>
+      </p:sp>
+      <p:sp>
+        <p:nvSpPr>
+          <p:cNvPr id="18" name="TextBox 17"/>
+          <p:cNvSpPr txBox="1"/>
+          <p:nvPr/>
+        </p:nvSpPr>
+        <p:spPr>
+          <a:xfrm>
+            <a:off x="469900" y="260991"/>
+            <a:ext cx="4273753" cy="769441"/>
+          </a:xfrm>
+          <a:prstGeom prst="rect">
+            <a:avLst/>
+          </a:prstGeom>
+          <a:noFill/>
+        </p:spPr>
+        <p:txBody>
+          <a:bodyPr wrap="square" rtlCol="0">
+            <a:spAutoFit/>
+          </a:bodyPr>
+          <a:lstStyle/>
+          <a:p>
+            <a:r>
+              <a:rPr lang="ko-KR" altLang="en-US" sz="4400" dirty="0">
+                <a:solidFill>
+                  <a:schemeClr val="bg1"/>
+                </a:solidFill>
+                <a:latin typeface="여기어때 잘난체" panose="020B0600000101010101" pitchFamily="50" charset="-127"/>
+                <a:ea typeface="여기어때 잘난체" panose="020B0600000101010101" pitchFamily="50" charset="-127"/>
+              </a:rPr>
+              <a:t>목차</a:t>
+            </a:r>
+          </a:p>
+        </p:txBody>
+      </p:sp>
+      <p:sp>
+        <p:nvSpPr>
+          <p:cNvPr id="21" name="TextBox 20"/>
+          <p:cNvSpPr txBox="1"/>
+          <p:nvPr/>
+        </p:nvSpPr>
+        <p:spPr>
+          <a:xfrm>
+            <a:off x="9434046" y="691878"/>
+            <a:ext cx="2313454" cy="338554"/>
+          </a:xfrm>
+          <a:prstGeom prst="rect">
+            <a:avLst/>
+          </a:prstGeom>
+          <a:noFill/>
+        </p:spPr>
+        <p:txBody>
+          <a:bodyPr wrap="none" rtlCol="0">
+            <a:spAutoFit/>
+          </a:bodyPr>
+          <a:lstStyle/>
+          <a:p>
+            <a:pPr algn="r"/>
+            <a:r>
+              <a:rPr lang="ko-KR" altLang="en-US" sz="1600" dirty="0">
+                <a:solidFill>
+                  <a:schemeClr val="bg1"/>
+                </a:solidFill>
+                <a:latin typeface="에스코어 드림 4 Regular" panose="020B0503030302020204" pitchFamily="34" charset="-127"/>
+                <a:ea typeface="에스코어 드림 4 Regular" panose="020B0503030302020204" pitchFamily="34" charset="-127"/>
+              </a:rPr>
+              <a:t>부제 </a:t>
+            </a:r>
+            <a:r>
+              <a:rPr lang="en-US" altLang="ko-KR" sz="1600" dirty="0">
+                <a:solidFill>
+                  <a:schemeClr val="bg1"/>
+                </a:solidFill>
+                <a:latin typeface="에스코어 드림 4 Regular" panose="020B0503030302020204" pitchFamily="34" charset="-127"/>
+                <a:ea typeface="에스코어 드림 4 Regular" panose="020B0503030302020204" pitchFamily="34" charset="-127"/>
+              </a:rPr>
+              <a:t>/ </a:t>
+            </a:r>
+            <a:r>
+              <a:rPr lang="ko-KR" altLang="en-US" sz="1600" dirty="0">
+                <a:solidFill>
+                  <a:schemeClr val="bg1"/>
+                </a:solidFill>
+                <a:latin typeface="에스코어 드림 4 Regular" panose="020B0503030302020204" pitchFamily="34" charset="-127"/>
+                <a:ea typeface="에스코어 드림 4 Regular" panose="020B0503030302020204" pitchFamily="34" charset="-127"/>
+              </a:rPr>
+              <a:t>추가내용은 여기</a:t>
+            </a:r>
+          </a:p>
+        </p:txBody>
+      </p:sp>
+      <p:sp>
+        <p:nvSpPr>
+          <p:cNvPr id="2" name="TextBox 1"/>
+          <p:cNvSpPr txBox="1"/>
+          <p:nvPr/>
+        </p:nvSpPr>
+        <p:spPr>
+          <a:xfrm>
+            <a:off x="832722" y="1513981"/>
+            <a:ext cx="5358063" cy="3924151"/>
+          </a:xfrm>
+          <a:prstGeom prst="rect">
+            <a:avLst/>
+          </a:prstGeom>
+          <a:noFill/>
+        </p:spPr>
+        <p:txBody>
+          <a:bodyPr wrap="square" rtlCol="0">
+            <a:spAutoFit/>
+          </a:bodyPr>
+          <a:lstStyle/>
+          <a:p>
+            <a:pPr marL="342900" indent="-342900">
+              <a:lnSpc>
+                <a:spcPct val="150000"/>
+              </a:lnSpc>
+              <a:buAutoNum type="arabicPeriod"/>
+            </a:pPr>
+            <a:r>
+              <a:rPr lang="ko-KR" altLang="en-US" sz="2400" dirty="0">
+                <a:solidFill>
+                  <a:schemeClr val="bg1"/>
+                </a:solidFill>
+                <a:latin typeface="G마켓 산스 TTF Medium" panose="02000000000000000000" pitchFamily="2" charset="-127"/>
+                <a:ea typeface="G마켓 산스 TTF Medium" panose="02000000000000000000" pitchFamily="2" charset="-127"/>
+              </a:rPr>
+              <a:t>연구 목적</a:t>
+            </a:r>
+            <a:endParaRPr lang="en-US" altLang="ko-KR" sz="2400" dirty="0">
+              <a:solidFill>
+                <a:schemeClr val="bg1"/>
+              </a:solidFill>
+              <a:latin typeface="G마켓 산스 TTF Medium" panose="02000000000000000000" pitchFamily="2" charset="-127"/>
+              <a:ea typeface="G마켓 산스 TTF Medium" panose="02000000000000000000" pitchFamily="2" charset="-127"/>
+            </a:endParaRPr>
+          </a:p>
+          <a:p>
+            <a:pPr marL="342900" indent="-342900">
+              <a:lnSpc>
+                <a:spcPct val="150000"/>
+              </a:lnSpc>
+              <a:buAutoNum type="arabicPeriod"/>
+            </a:pPr>
+            <a:r>
+              <a:rPr lang="ko-KR" altLang="en-US" sz="2400" dirty="0">
+                <a:solidFill>
+                  <a:schemeClr val="bg1"/>
+                </a:solidFill>
+                <a:latin typeface="G마켓 산스 TTF Medium" panose="02000000000000000000" pitchFamily="2" charset="-127"/>
+                <a:ea typeface="G마켓 산스 TTF Medium" panose="02000000000000000000" pitchFamily="2" charset="-127"/>
+              </a:rPr>
+              <a:t>게임 소개</a:t>
+            </a:r>
+            <a:endParaRPr lang="en-US" altLang="ko-KR" sz="2400" dirty="0">
+              <a:solidFill>
+                <a:schemeClr val="bg1"/>
+              </a:solidFill>
+              <a:latin typeface="G마켓 산스 TTF Medium" panose="02000000000000000000" pitchFamily="2" charset="-127"/>
+              <a:ea typeface="G마켓 산스 TTF Medium" panose="02000000000000000000" pitchFamily="2" charset="-127"/>
+            </a:endParaRPr>
+          </a:p>
+          <a:p>
+            <a:pPr marL="342900" indent="-342900">
+              <a:lnSpc>
+                <a:spcPct val="150000"/>
+              </a:lnSpc>
+              <a:buAutoNum type="arabicPeriod"/>
+            </a:pPr>
+            <a:r>
+              <a:rPr lang="ko-KR" altLang="en-US" sz="2400" dirty="0">
+                <a:solidFill>
+                  <a:schemeClr val="bg1"/>
+                </a:solidFill>
+                <a:latin typeface="G마켓 산스 TTF Medium" panose="02000000000000000000" pitchFamily="2" charset="-127"/>
+                <a:ea typeface="G마켓 산스 TTF Medium" panose="02000000000000000000" pitchFamily="2" charset="-127"/>
+              </a:rPr>
+              <a:t>개발환경</a:t>
+            </a:r>
+            <a:endParaRPr lang="en-US" altLang="ko-KR" sz="2400" dirty="0">
+              <a:solidFill>
+                <a:schemeClr val="bg1"/>
+              </a:solidFill>
+              <a:latin typeface="G마켓 산스 TTF Medium" panose="02000000000000000000" pitchFamily="2" charset="-127"/>
+              <a:ea typeface="G마켓 산스 TTF Medium" panose="02000000000000000000" pitchFamily="2" charset="-127"/>
+            </a:endParaRPr>
+          </a:p>
+          <a:p>
+            <a:pPr marL="342900" indent="-342900">
+              <a:lnSpc>
+                <a:spcPct val="150000"/>
+              </a:lnSpc>
+              <a:buFontTx/>
+              <a:buAutoNum type="arabicPeriod"/>
+            </a:pPr>
+            <a:r>
+              <a:rPr lang="ko-KR" altLang="en-US" sz="2400" dirty="0">
+                <a:solidFill>
+                  <a:schemeClr val="bg1"/>
+                </a:solidFill>
+                <a:latin typeface="G마켓 산스 TTF Medium" panose="02000000000000000000" pitchFamily="2" charset="-127"/>
+                <a:ea typeface="G마켓 산스 TTF Medium" panose="02000000000000000000" pitchFamily="2" charset="-127"/>
+              </a:rPr>
+              <a:t>기술적 요소와 중점 연구분야</a:t>
+            </a:r>
+            <a:endParaRPr lang="en-US" altLang="ko-KR" sz="2400" dirty="0">
+              <a:solidFill>
+                <a:schemeClr val="bg1"/>
+              </a:solidFill>
+              <a:latin typeface="G마켓 산스 TTF Medium" panose="02000000000000000000" pitchFamily="2" charset="-127"/>
+              <a:ea typeface="G마켓 산스 TTF Medium" panose="02000000000000000000" pitchFamily="2" charset="-127"/>
+            </a:endParaRPr>
+          </a:p>
+          <a:p>
+            <a:pPr marL="342900" indent="-342900">
+              <a:lnSpc>
+                <a:spcPct val="150000"/>
+              </a:lnSpc>
+              <a:buFontTx/>
+              <a:buAutoNum type="arabicPeriod"/>
+            </a:pPr>
+            <a:r>
+              <a:rPr lang="ko-KR" altLang="en-US" sz="2400" dirty="0">
+                <a:solidFill>
+                  <a:schemeClr val="bg1"/>
+                </a:solidFill>
+                <a:latin typeface="G마켓 산스 TTF Medium" panose="02000000000000000000" pitchFamily="2" charset="-127"/>
+                <a:ea typeface="G마켓 산스 TTF Medium" panose="02000000000000000000" pitchFamily="2" charset="-127"/>
+              </a:rPr>
+              <a:t>타 게임과 비교</a:t>
+            </a:r>
+            <a:endParaRPr lang="en-US" altLang="ko-KR" sz="2400" dirty="0">
+              <a:solidFill>
+                <a:schemeClr val="bg1"/>
+              </a:solidFill>
+              <a:latin typeface="G마켓 산스 TTF Medium" panose="02000000000000000000" pitchFamily="2" charset="-127"/>
+              <a:ea typeface="G마켓 산스 TTF Medium" panose="02000000000000000000" pitchFamily="2" charset="-127"/>
+            </a:endParaRPr>
+          </a:p>
+          <a:p>
+            <a:pPr>
+              <a:lnSpc>
+                <a:spcPct val="150000"/>
+              </a:lnSpc>
+            </a:pPr>
+            <a:r>
+              <a:rPr lang="en-US" altLang="ko-KR" sz="2400" dirty="0">
+                <a:solidFill>
+                  <a:schemeClr val="bg1"/>
+                </a:solidFill>
+                <a:latin typeface="G마켓 산스 TTF Medium" panose="02000000000000000000" pitchFamily="2" charset="-127"/>
+                <a:ea typeface="G마켓 산스 TTF Medium" panose="02000000000000000000" pitchFamily="2" charset="-127"/>
+              </a:rPr>
+              <a:t>5. </a:t>
+            </a:r>
+            <a:r>
+              <a:rPr lang="ko-KR" altLang="en-US" sz="2400" dirty="0">
+                <a:solidFill>
+                  <a:schemeClr val="bg1"/>
+                </a:solidFill>
+                <a:latin typeface="G마켓 산스 TTF Medium" panose="02000000000000000000" pitchFamily="2" charset="-127"/>
+                <a:ea typeface="G마켓 산스 TTF Medium" panose="02000000000000000000" pitchFamily="2" charset="-127"/>
+              </a:rPr>
+              <a:t>참고문헌</a:t>
+            </a:r>
+            <a:endParaRPr lang="en-US" altLang="ko-KR" sz="2400" dirty="0">
+              <a:solidFill>
+                <a:schemeClr val="bg1"/>
+              </a:solidFill>
+              <a:latin typeface="G마켓 산스 TTF Medium" panose="02000000000000000000" pitchFamily="2" charset="-127"/>
+              <a:ea typeface="G마켓 산스 TTF Medium" panose="02000000000000000000" pitchFamily="2" charset="-127"/>
+            </a:endParaRPr>
+          </a:p>
+          <a:p>
+            <a:pPr>
+              <a:lnSpc>
+                <a:spcPct val="150000"/>
+              </a:lnSpc>
+            </a:pPr>
+            <a:r>
+              <a:rPr lang="en-US" altLang="ko-KR" sz="2400" dirty="0">
+                <a:solidFill>
+                  <a:schemeClr val="bg1"/>
+                </a:solidFill>
+                <a:latin typeface="G마켓 산스 TTF Medium" panose="02000000000000000000" pitchFamily="2" charset="-127"/>
+                <a:ea typeface="G마켓 산스 TTF Medium" panose="02000000000000000000" pitchFamily="2" charset="-127"/>
+              </a:rPr>
+              <a:t>6. </a:t>
+            </a:r>
+            <a:r>
+              <a:rPr lang="ko-KR" altLang="en-US" sz="2400">
+                <a:solidFill>
+                  <a:schemeClr val="bg1"/>
+                </a:solidFill>
+                <a:latin typeface="G마켓 산스 TTF Medium" panose="02000000000000000000" pitchFamily="2" charset="-127"/>
+                <a:ea typeface="G마켓 산스 TTF Medium" panose="02000000000000000000" pitchFamily="2" charset="-127"/>
+              </a:rPr>
+              <a:t>개발 일정</a:t>
+            </a:r>
+            <a:endParaRPr lang="ko-KR" altLang="en-US" sz="2400" dirty="0">
+              <a:solidFill>
+                <a:schemeClr val="bg1"/>
+              </a:solidFill>
+              <a:latin typeface="G마켓 산스 TTF Medium" panose="02000000000000000000" pitchFamily="2" charset="-127"/>
+              <a:ea typeface="G마켓 산스 TTF Medium" panose="02000000000000000000" pitchFamily="2" charset="-127"/>
+            </a:endParaRPr>
+          </a:p>
+        </p:txBody>
+      </p:sp>
+    </p:spTree>
+  </p:cSld>
+  <p:clrMapOvr>
+    <a:masterClrMapping/>
+  </p:clrMapOvr>
+</p:sld>
+</file>
+
+<file path=ppt/slides/slide20.xml><?xml version="1.0" encoding="utf-8"?>
+<p:sld xmlns:a="http://schemas.openxmlformats.org/drawingml/2006/main" xmlns:r="http://schemas.openxmlformats.org/officeDocument/2006/relationships" xmlns:p="http://schemas.openxmlformats.org/presentationml/2006/main">
+  <p:cSld>
+    <p:bg>
+      <p:bgPr>
+        <a:solidFill>
+          <a:srgbClr val="8BA9AB"/>
+        </a:solidFill>
+        <a:effectLst/>
+      </p:bgPr>
+    </p:bg>
+    <p:spTree>
+      <p:nvGrpSpPr>
+        <p:cNvPr id="1" name=""/>
+        <p:cNvGrpSpPr/>
+        <p:nvPr/>
+      </p:nvGrpSpPr>
+      <p:grpSpPr>
+        <a:xfrm>
+          <a:off x="0" y="0"/>
+          <a:ext cx="0" cy="0"/>
+          <a:chOff x="0" y="0"/>
+          <a:chExt cx="0" cy="0"/>
+        </a:xfrm>
+      </p:grpSpPr>
+      <p:sp>
+        <p:nvSpPr>
+          <p:cNvPr id="15" name="직사각형 14"/>
+          <p:cNvSpPr/>
+          <p:nvPr/>
+        </p:nvSpPr>
+        <p:spPr>
+          <a:xfrm>
+            <a:off x="482600" y="349957"/>
+            <a:ext cx="11226800" cy="6158085"/>
+          </a:xfrm>
+          <a:prstGeom prst="rect">
+            <a:avLst/>
+          </a:prstGeom>
+          <a:noFill/>
+          <a:ln w="28575">
+            <a:solidFill>
+              <a:schemeClr val="bg1"/>
+            </a:solidFill>
+          </a:ln>
+        </p:spPr>
+        <p:style>
+          <a:lnRef idx="2">
+            <a:schemeClr val="accent1">
+              <a:shade val="50000"/>
+            </a:schemeClr>
+          </a:lnRef>
+          <a:fillRef idx="1">
+            <a:schemeClr val="accent1"/>
+          </a:fillRef>
+          <a:effectRef idx="0">
+            <a:schemeClr val="accent1"/>
+          </a:effectRef>
+          <a:fontRef idx="minor">
+            <a:schemeClr val="lt1"/>
+          </a:fontRef>
+        </p:style>
+        <p:txBody>
+          <a:bodyPr rtlCol="0" anchor="ctr"/>
+          <a:lstStyle/>
+          <a:p>
+            <a:pPr algn="ctr"/>
+            <a:endParaRPr lang="ko-KR" altLang="en-US"/>
+          </a:p>
+        </p:txBody>
+      </p:sp>
+      <p:sp>
+        <p:nvSpPr>
+          <p:cNvPr id="2" name="TextBox 1"/>
+          <p:cNvSpPr txBox="1"/>
+          <p:nvPr/>
+        </p:nvSpPr>
+        <p:spPr>
+          <a:xfrm>
+            <a:off x="3357211" y="2750576"/>
+            <a:ext cx="5477577" cy="1356846"/>
+          </a:xfrm>
+          <a:prstGeom prst="rect">
+            <a:avLst/>
+          </a:prstGeom>
+          <a:noFill/>
+        </p:spPr>
+        <p:txBody>
+          <a:bodyPr wrap="square" rtlCol="0">
+            <a:spAutoFit/>
+          </a:bodyPr>
+          <a:lstStyle/>
+          <a:p>
+            <a:pPr>
+              <a:lnSpc>
+                <a:spcPct val="150000"/>
+              </a:lnSpc>
+            </a:pPr>
+            <a:r>
+              <a:rPr lang="en-US" altLang="ko-KR" sz="6600" dirty="0">
+                <a:solidFill>
+                  <a:schemeClr val="bg1"/>
+                </a:solidFill>
+                <a:latin typeface="여기어때 잘난체" panose="020B0600000101010101" pitchFamily="50" charset="-127"/>
+                <a:ea typeface="여기어때 잘난체" panose="020B0600000101010101" pitchFamily="50" charset="-127"/>
+              </a:rPr>
+              <a:t>06. </a:t>
+            </a:r>
+            <a:r>
+              <a:rPr lang="ko-KR" altLang="en-US" sz="6600" dirty="0">
+                <a:solidFill>
+                  <a:schemeClr val="bg1"/>
+                </a:solidFill>
+                <a:latin typeface="여기어때 잘난체" panose="020B0600000101010101" pitchFamily="50" charset="-127"/>
+                <a:ea typeface="여기어때 잘난체" panose="020B0600000101010101" pitchFamily="50" charset="-127"/>
+              </a:rPr>
+              <a:t>개발 일정</a:t>
+            </a:r>
+            <a:endParaRPr lang="en-US" altLang="ko-KR" sz="6600" dirty="0">
+              <a:solidFill>
+                <a:schemeClr val="bg1"/>
+              </a:solidFill>
+              <a:latin typeface="여기어때 잘난체" panose="020B0600000101010101" pitchFamily="50" charset="-127"/>
+              <a:ea typeface="여기어때 잘난체" panose="020B0600000101010101" pitchFamily="50" charset="-127"/>
+            </a:endParaRPr>
+          </a:p>
+        </p:txBody>
+      </p:sp>
+    </p:spTree>
+  </p:cSld>
+  <p:clrMapOvr>
+    <a:masterClrMapping/>
+  </p:clrMapOvr>
+</p:sld>
+</file>
+
+<file path=ppt/slides/slide21.xml><?xml version="1.0" encoding="utf-8"?>
+<p:sld xmlns:a="http://schemas.openxmlformats.org/drawingml/2006/main" xmlns:r="http://schemas.openxmlformats.org/officeDocument/2006/relationships" xmlns:p="http://schemas.openxmlformats.org/presentationml/2006/main">
+  <p:cSld>
+    <p:bg>
+      <p:bgPr>
+        <a:solidFill>
+          <a:srgbClr val="8BA9AB"/>
+        </a:solidFill>
+        <a:effectLst/>
+      </p:bgPr>
+    </p:bg>
+    <p:spTree>
+      <p:nvGrpSpPr>
+        <p:cNvPr id="1" name=""/>
+        <p:cNvGrpSpPr/>
+        <p:nvPr/>
+      </p:nvGrpSpPr>
+      <p:grpSpPr>
+        <a:xfrm>
+          <a:off x="0" y="0"/>
+          <a:ext cx="0" cy="0"/>
+          <a:chOff x="0" y="0"/>
+          <a:chExt cx="0" cy="0"/>
+        </a:xfrm>
+      </p:grpSpPr>
+      <p:sp>
+        <p:nvSpPr>
+          <p:cNvPr id="15" name="직사각형 14"/>
           <p:cNvSpPr/>
           <p:nvPr/>
         </p:nvSpPr>
@@ -6498,13 +10955,7 @@
       </p:sp>
       <p:sp>
         <p:nvSpPr>
-          <p:cNvPr id="18" name="TextBox 17">
-            <a:extLst>
-              <a:ext uri="{FF2B5EF4-FFF2-40B4-BE49-F238E27FC236}">
-                <a16:creationId xmlns:a16="http://schemas.microsoft.com/office/drawing/2014/main" id="{BC6B889D-6283-4B7F-8672-D8F2209C56F5}"/>
-              </a:ext>
-            </a:extLst>
-          </p:cNvPr>
+          <p:cNvPr id="18" name="TextBox 17"/>
           <p:cNvSpPr txBox="1"/>
           <p:nvPr/>
         </p:nvSpPr>
@@ -6548,11 +10999,6 @@
         </p:txBody>
       </p:sp>
     </p:spTree>
-    <p:extLst>
-      <p:ext uri="{BB962C8B-B14F-4D97-AF65-F5344CB8AC3E}">
-        <p14:creationId xmlns:p14="http://schemas.microsoft.com/office/powerpoint/2010/main" val="2029649840"/>
-      </p:ext>
-    </p:extLst>
   </p:cSld>
   <p:clrMapOvr>
     <a:masterClrMapping/>
@@ -6560,424 +11006,7 @@
 </p:sld>
 </file>
 
-<file path=ppt/slides/slide2.xml><?xml version="1.0" encoding="utf-8"?>
-<p:sld xmlns:a="http://schemas.openxmlformats.org/drawingml/2006/main" xmlns:r="http://schemas.openxmlformats.org/officeDocument/2006/relationships" xmlns:p="http://schemas.openxmlformats.org/presentationml/2006/main">
-  <p:cSld>
-    <p:bg>
-      <p:bgPr>
-        <a:solidFill>
-          <a:srgbClr val="8BA9AB"/>
-        </a:solidFill>
-        <a:effectLst/>
-      </p:bgPr>
-    </p:bg>
-    <p:spTree>
-      <p:nvGrpSpPr>
-        <p:cNvPr id="1" name=""/>
-        <p:cNvGrpSpPr/>
-        <p:nvPr/>
-      </p:nvGrpSpPr>
-      <p:grpSpPr>
-        <a:xfrm>
-          <a:off x="0" y="0"/>
-          <a:ext cx="0" cy="0"/>
-          <a:chOff x="0" y="0"/>
-          <a:chExt cx="0" cy="0"/>
-        </a:xfrm>
-      </p:grpSpPr>
-      <p:sp>
-        <p:nvSpPr>
-          <p:cNvPr id="15" name="직사각형 14">
-            <a:extLst>
-              <a:ext uri="{FF2B5EF4-FFF2-40B4-BE49-F238E27FC236}">
-                <a16:creationId xmlns:a16="http://schemas.microsoft.com/office/drawing/2014/main" id="{8A47EC21-B0E7-41E9-A316-8791FAADD044}"/>
-              </a:ext>
-            </a:extLst>
-          </p:cNvPr>
-          <p:cNvSpPr/>
-          <p:nvPr/>
-        </p:nvSpPr>
-        <p:spPr>
-          <a:xfrm>
-            <a:off x="469900" y="1123376"/>
-            <a:ext cx="11226800" cy="5339509"/>
-          </a:xfrm>
-          <a:prstGeom prst="rect">
-            <a:avLst/>
-          </a:prstGeom>
-          <a:noFill/>
-          <a:ln w="28575">
-            <a:solidFill>
-              <a:schemeClr val="bg1"/>
-            </a:solidFill>
-          </a:ln>
-        </p:spPr>
-        <p:style>
-          <a:lnRef idx="2">
-            <a:schemeClr val="accent1">
-              <a:shade val="50000"/>
-            </a:schemeClr>
-          </a:lnRef>
-          <a:fillRef idx="1">
-            <a:schemeClr val="accent1"/>
-          </a:fillRef>
-          <a:effectRef idx="0">
-            <a:schemeClr val="accent1"/>
-          </a:effectRef>
-          <a:fontRef idx="minor">
-            <a:schemeClr val="lt1"/>
-          </a:fontRef>
-        </p:style>
-        <p:txBody>
-          <a:bodyPr rtlCol="0" anchor="ctr"/>
-          <a:lstStyle/>
-          <a:p>
-            <a:pPr algn="ctr"/>
-            <a:endParaRPr lang="ko-KR" altLang="en-US"/>
-          </a:p>
-        </p:txBody>
-      </p:sp>
-      <p:sp>
-        <p:nvSpPr>
-          <p:cNvPr id="18" name="TextBox 17">
-            <a:extLst>
-              <a:ext uri="{FF2B5EF4-FFF2-40B4-BE49-F238E27FC236}">
-                <a16:creationId xmlns:a16="http://schemas.microsoft.com/office/drawing/2014/main" id="{BC6B889D-6283-4B7F-8672-D8F2209C56F5}"/>
-              </a:ext>
-            </a:extLst>
-          </p:cNvPr>
-          <p:cNvSpPr txBox="1"/>
-          <p:nvPr/>
-        </p:nvSpPr>
-        <p:spPr>
-          <a:xfrm>
-            <a:off x="469900" y="260991"/>
-            <a:ext cx="4273753" cy="769441"/>
-          </a:xfrm>
-          <a:prstGeom prst="rect">
-            <a:avLst/>
-          </a:prstGeom>
-          <a:noFill/>
-        </p:spPr>
-        <p:txBody>
-          <a:bodyPr wrap="square" rtlCol="0">
-            <a:spAutoFit/>
-          </a:bodyPr>
-          <a:lstStyle/>
-          <a:p>
-            <a:r>
-              <a:rPr lang="ko-KR" altLang="en-US" sz="4400" dirty="0">
-                <a:solidFill>
-                  <a:schemeClr val="bg1"/>
-                </a:solidFill>
-                <a:latin typeface="여기어때 잘난체" panose="020B0600000101010101" pitchFamily="50" charset="-127"/>
-                <a:ea typeface="여기어때 잘난체" panose="020B0600000101010101" pitchFamily="50" charset="-127"/>
-              </a:rPr>
-              <a:t>목차</a:t>
-            </a:r>
-          </a:p>
-        </p:txBody>
-      </p:sp>
-      <p:sp>
-        <p:nvSpPr>
-          <p:cNvPr id="21" name="TextBox 20">
-            <a:extLst>
-              <a:ext uri="{FF2B5EF4-FFF2-40B4-BE49-F238E27FC236}">
-                <a16:creationId xmlns:a16="http://schemas.microsoft.com/office/drawing/2014/main" id="{9022C3C8-D39B-42DF-8353-40B2E9E79A6B}"/>
-              </a:ext>
-            </a:extLst>
-          </p:cNvPr>
-          <p:cNvSpPr txBox="1"/>
-          <p:nvPr/>
-        </p:nvSpPr>
-        <p:spPr>
-          <a:xfrm>
-            <a:off x="9434046" y="691878"/>
-            <a:ext cx="2313454" cy="338554"/>
-          </a:xfrm>
-          <a:prstGeom prst="rect">
-            <a:avLst/>
-          </a:prstGeom>
-          <a:noFill/>
-        </p:spPr>
-        <p:txBody>
-          <a:bodyPr wrap="none" rtlCol="0">
-            <a:spAutoFit/>
-          </a:bodyPr>
-          <a:lstStyle/>
-          <a:p>
-            <a:pPr algn="r"/>
-            <a:r>
-              <a:rPr lang="ko-KR" altLang="en-US" sz="1600" dirty="0">
-                <a:solidFill>
-                  <a:schemeClr val="bg1"/>
-                </a:solidFill>
-                <a:latin typeface="에스코어 드림 4 Regular" panose="020B0503030302020204" pitchFamily="34" charset="-127"/>
-                <a:ea typeface="에스코어 드림 4 Regular" panose="020B0503030302020204" pitchFamily="34" charset="-127"/>
-              </a:rPr>
-              <a:t>부제 </a:t>
-            </a:r>
-            <a:r>
-              <a:rPr lang="en-US" altLang="ko-KR" sz="1600" dirty="0">
-                <a:solidFill>
-                  <a:schemeClr val="bg1"/>
-                </a:solidFill>
-                <a:latin typeface="에스코어 드림 4 Regular" panose="020B0503030302020204" pitchFamily="34" charset="-127"/>
-                <a:ea typeface="에스코어 드림 4 Regular" panose="020B0503030302020204" pitchFamily="34" charset="-127"/>
-              </a:rPr>
-              <a:t>/ </a:t>
-            </a:r>
-            <a:r>
-              <a:rPr lang="ko-KR" altLang="en-US" sz="1600" dirty="0">
-                <a:solidFill>
-                  <a:schemeClr val="bg1"/>
-                </a:solidFill>
-                <a:latin typeface="에스코어 드림 4 Regular" panose="020B0503030302020204" pitchFamily="34" charset="-127"/>
-                <a:ea typeface="에스코어 드림 4 Regular" panose="020B0503030302020204" pitchFamily="34" charset="-127"/>
-              </a:rPr>
-              <a:t>추가내용은 여기</a:t>
-            </a:r>
-          </a:p>
-        </p:txBody>
-      </p:sp>
-      <p:sp>
-        <p:nvSpPr>
-          <p:cNvPr id="2" name="TextBox 1">
-            <a:extLst>
-              <a:ext uri="{FF2B5EF4-FFF2-40B4-BE49-F238E27FC236}">
-                <a16:creationId xmlns:a16="http://schemas.microsoft.com/office/drawing/2014/main" id="{7B1D606B-08B1-EDFE-5BB3-54A81FA56665}"/>
-              </a:ext>
-            </a:extLst>
-          </p:cNvPr>
-          <p:cNvSpPr txBox="1"/>
-          <p:nvPr/>
-        </p:nvSpPr>
-        <p:spPr>
-          <a:xfrm>
-            <a:off x="832722" y="1513981"/>
-            <a:ext cx="5358063" cy="3924151"/>
-          </a:xfrm>
-          <a:prstGeom prst="rect">
-            <a:avLst/>
-          </a:prstGeom>
-          <a:noFill/>
-        </p:spPr>
-        <p:txBody>
-          <a:bodyPr wrap="square" rtlCol="0">
-            <a:spAutoFit/>
-          </a:bodyPr>
-          <a:lstStyle/>
-          <a:p>
-            <a:pPr marL="342900" indent="-342900">
-              <a:lnSpc>
-                <a:spcPct val="150000"/>
-              </a:lnSpc>
-              <a:buAutoNum type="arabicPeriod"/>
-            </a:pPr>
-            <a:r>
-              <a:rPr lang="ko-KR" altLang="en-US" sz="2400" dirty="0">
-                <a:solidFill>
-                  <a:schemeClr val="bg1"/>
-                </a:solidFill>
-                <a:latin typeface="G마켓 산스 TTF Medium" panose="02000000000000000000" pitchFamily="2" charset="-127"/>
-                <a:ea typeface="G마켓 산스 TTF Medium" panose="02000000000000000000" pitchFamily="2" charset="-127"/>
-              </a:rPr>
-              <a:t>연구 목적</a:t>
-            </a:r>
-            <a:endParaRPr lang="en-US" altLang="ko-KR" sz="2400" dirty="0">
-              <a:solidFill>
-                <a:schemeClr val="bg1"/>
-              </a:solidFill>
-              <a:latin typeface="G마켓 산스 TTF Medium" panose="02000000000000000000" pitchFamily="2" charset="-127"/>
-              <a:ea typeface="G마켓 산스 TTF Medium" panose="02000000000000000000" pitchFamily="2" charset="-127"/>
-            </a:endParaRPr>
-          </a:p>
-          <a:p>
-            <a:pPr marL="342900" indent="-342900">
-              <a:lnSpc>
-                <a:spcPct val="150000"/>
-              </a:lnSpc>
-              <a:buAutoNum type="arabicPeriod"/>
-            </a:pPr>
-            <a:r>
-              <a:rPr lang="ko-KR" altLang="en-US" sz="2400" dirty="0">
-                <a:solidFill>
-                  <a:schemeClr val="bg1"/>
-                </a:solidFill>
-                <a:latin typeface="G마켓 산스 TTF Medium" panose="02000000000000000000" pitchFamily="2" charset="-127"/>
-                <a:ea typeface="G마켓 산스 TTF Medium" panose="02000000000000000000" pitchFamily="2" charset="-127"/>
-              </a:rPr>
-              <a:t>게임 소개</a:t>
-            </a:r>
-            <a:endParaRPr lang="en-US" altLang="ko-KR" sz="2400" dirty="0">
-              <a:solidFill>
-                <a:schemeClr val="bg1"/>
-              </a:solidFill>
-              <a:latin typeface="G마켓 산스 TTF Medium" panose="02000000000000000000" pitchFamily="2" charset="-127"/>
-              <a:ea typeface="G마켓 산스 TTF Medium" panose="02000000000000000000" pitchFamily="2" charset="-127"/>
-            </a:endParaRPr>
-          </a:p>
-          <a:p>
-            <a:pPr marL="342900" indent="-342900">
-              <a:lnSpc>
-                <a:spcPct val="150000"/>
-              </a:lnSpc>
-              <a:buAutoNum type="arabicPeriod"/>
-            </a:pPr>
-            <a:r>
-              <a:rPr lang="ko-KR" altLang="en-US" sz="2400" dirty="0">
-                <a:solidFill>
-                  <a:schemeClr val="bg1"/>
-                </a:solidFill>
-                <a:latin typeface="G마켓 산스 TTF Medium" panose="02000000000000000000" pitchFamily="2" charset="-127"/>
-                <a:ea typeface="G마켓 산스 TTF Medium" panose="02000000000000000000" pitchFamily="2" charset="-127"/>
-              </a:rPr>
-              <a:t>개발환경</a:t>
-            </a:r>
-            <a:endParaRPr lang="en-US" altLang="ko-KR" sz="2400" dirty="0">
-              <a:solidFill>
-                <a:schemeClr val="bg1"/>
-              </a:solidFill>
-              <a:latin typeface="G마켓 산스 TTF Medium" panose="02000000000000000000" pitchFamily="2" charset="-127"/>
-              <a:ea typeface="G마켓 산스 TTF Medium" panose="02000000000000000000" pitchFamily="2" charset="-127"/>
-            </a:endParaRPr>
-          </a:p>
-          <a:p>
-            <a:pPr marL="342900" indent="-342900">
-              <a:lnSpc>
-                <a:spcPct val="150000"/>
-              </a:lnSpc>
-              <a:buFontTx/>
-              <a:buAutoNum type="arabicPeriod"/>
-            </a:pPr>
-            <a:r>
-              <a:rPr lang="ko-KR" altLang="en-US" sz="2400" dirty="0">
-                <a:solidFill>
-                  <a:schemeClr val="bg1"/>
-                </a:solidFill>
-                <a:latin typeface="G마켓 산스 TTF Medium" panose="02000000000000000000" pitchFamily="2" charset="-127"/>
-                <a:ea typeface="G마켓 산스 TTF Medium" panose="02000000000000000000" pitchFamily="2" charset="-127"/>
-              </a:rPr>
-              <a:t>기술적 요소와 중점 연구분야</a:t>
-            </a:r>
-            <a:endParaRPr lang="en-US" altLang="ko-KR" sz="2400" dirty="0">
-              <a:solidFill>
-                <a:schemeClr val="bg1"/>
-              </a:solidFill>
-              <a:latin typeface="G마켓 산스 TTF Medium" panose="02000000000000000000" pitchFamily="2" charset="-127"/>
-              <a:ea typeface="G마켓 산스 TTF Medium" panose="02000000000000000000" pitchFamily="2" charset="-127"/>
-            </a:endParaRPr>
-          </a:p>
-          <a:p>
-            <a:pPr marL="342900" indent="-342900">
-              <a:lnSpc>
-                <a:spcPct val="150000"/>
-              </a:lnSpc>
-              <a:buFontTx/>
-              <a:buAutoNum type="arabicPeriod"/>
-            </a:pPr>
-            <a:r>
-              <a:rPr lang="ko-KR" altLang="en-US" sz="2400" dirty="0">
-                <a:solidFill>
-                  <a:schemeClr val="bg1"/>
-                </a:solidFill>
-                <a:latin typeface="G마켓 산스 TTF Medium" panose="02000000000000000000" pitchFamily="2" charset="-127"/>
-                <a:ea typeface="G마켓 산스 TTF Medium" panose="02000000000000000000" pitchFamily="2" charset="-127"/>
-              </a:rPr>
-              <a:t>타 게임과 비교</a:t>
-            </a:r>
-            <a:endParaRPr lang="en-US" altLang="ko-KR" sz="2400" dirty="0">
-              <a:solidFill>
-                <a:schemeClr val="bg1"/>
-              </a:solidFill>
-              <a:latin typeface="G마켓 산스 TTF Medium" panose="02000000000000000000" pitchFamily="2" charset="-127"/>
-              <a:ea typeface="G마켓 산스 TTF Medium" panose="02000000000000000000" pitchFamily="2" charset="-127"/>
-            </a:endParaRPr>
-          </a:p>
-          <a:p>
-            <a:pPr>
-              <a:lnSpc>
-                <a:spcPct val="150000"/>
-              </a:lnSpc>
-            </a:pPr>
-            <a:r>
-              <a:rPr lang="en-US" altLang="ko-KR" sz="2400" dirty="0">
-                <a:solidFill>
-                  <a:schemeClr val="bg1"/>
-                </a:solidFill>
-                <a:latin typeface="G마켓 산스 TTF Medium" panose="02000000000000000000" pitchFamily="2" charset="-127"/>
-                <a:ea typeface="G마켓 산스 TTF Medium" panose="02000000000000000000" pitchFamily="2" charset="-127"/>
-              </a:rPr>
-              <a:t>5. </a:t>
-            </a:r>
-            <a:r>
-              <a:rPr lang="ko-KR" altLang="en-US" sz="2400" dirty="0">
-                <a:solidFill>
-                  <a:schemeClr val="bg1"/>
-                </a:solidFill>
-                <a:latin typeface="G마켓 산스 TTF Medium" panose="02000000000000000000" pitchFamily="2" charset="-127"/>
-                <a:ea typeface="G마켓 산스 TTF Medium" panose="02000000000000000000" pitchFamily="2" charset="-127"/>
-              </a:rPr>
-              <a:t>참고문헌</a:t>
-            </a:r>
-            <a:endParaRPr lang="en-US" altLang="ko-KR" sz="2400" dirty="0">
-              <a:solidFill>
-                <a:schemeClr val="bg1"/>
-              </a:solidFill>
-              <a:latin typeface="G마켓 산스 TTF Medium" panose="02000000000000000000" pitchFamily="2" charset="-127"/>
-              <a:ea typeface="G마켓 산스 TTF Medium" panose="02000000000000000000" pitchFamily="2" charset="-127"/>
-            </a:endParaRPr>
-          </a:p>
-          <a:p>
-            <a:pPr>
-              <a:lnSpc>
-                <a:spcPct val="150000"/>
-              </a:lnSpc>
-            </a:pPr>
-            <a:r>
-              <a:rPr lang="en-US" altLang="ko-KR" sz="2400" dirty="0">
-                <a:solidFill>
-                  <a:schemeClr val="bg1"/>
-                </a:solidFill>
-                <a:latin typeface="G마켓 산스 TTF Medium" panose="02000000000000000000" pitchFamily="2" charset="-127"/>
-                <a:ea typeface="G마켓 산스 TTF Medium" panose="02000000000000000000" pitchFamily="2" charset="-127"/>
-              </a:rPr>
-              <a:t>6. </a:t>
-            </a:r>
-            <a:r>
-              <a:rPr lang="ko-KR" altLang="en-US" sz="2400">
-                <a:solidFill>
-                  <a:schemeClr val="bg1"/>
-                </a:solidFill>
-                <a:latin typeface="G마켓 산스 TTF Medium" panose="02000000000000000000" pitchFamily="2" charset="-127"/>
-                <a:ea typeface="G마켓 산스 TTF Medium" panose="02000000000000000000" pitchFamily="2" charset="-127"/>
-              </a:rPr>
-              <a:t>개발 일정</a:t>
-            </a:r>
-            <a:endParaRPr lang="ko-KR" altLang="en-US" sz="2400" dirty="0">
-              <a:solidFill>
-                <a:schemeClr val="bg1"/>
-              </a:solidFill>
-              <a:latin typeface="G마켓 산스 TTF Medium" panose="02000000000000000000" pitchFamily="2" charset="-127"/>
-              <a:ea typeface="G마켓 산스 TTF Medium" panose="02000000000000000000" pitchFamily="2" charset="-127"/>
-            </a:endParaRPr>
-          </a:p>
-        </p:txBody>
-      </p:sp>
-    </p:spTree>
-    <p:extLst>
-      <p:ext uri="{BB962C8B-B14F-4D97-AF65-F5344CB8AC3E}">
-        <p14:creationId xmlns:p14="http://schemas.microsoft.com/office/powerpoint/2010/main" val="4007878298"/>
-      </p:ext>
-    </p:extLst>
-  </p:cSld>
-  <p:clrMapOvr>
-    <a:masterClrMapping/>
-  </p:clrMapOvr>
-</p:sld>
-</file>
-
-<file path=ppt/slides/slide20.xml><?xml version="1.0" encoding="utf-8"?>
+<file path=ppt/slides/slide22.xml><?xml version="1.0" encoding="utf-8"?>
 <p:sld xmlns:a="http://schemas.openxmlformats.org/drawingml/2006/main" xmlns:r="http://schemas.openxmlformats.org/officeDocument/2006/relationships" xmlns:p="http://schemas.openxmlformats.org/presentationml/2006/main">
   <p:cSld>
     <p:bg>
@@ -7004,13 +11033,7 @@
       </p:grpSpPr>
       <p:grpSp>
         <p:nvGrpSpPr>
-          <p:cNvPr id="14" name="그룹 13">
-            <a:extLst>
-              <a:ext uri="{FF2B5EF4-FFF2-40B4-BE49-F238E27FC236}">
-                <a16:creationId xmlns:a16="http://schemas.microsoft.com/office/drawing/2014/main" id="{396B73CE-F800-4A1D-AE24-9D8E12DDA712}"/>
-              </a:ext>
-            </a:extLst>
-          </p:cNvPr>
+          <p:cNvPr id="14" name="그룹 13"/>
           <p:cNvGrpSpPr/>
           <p:nvPr/>
         </p:nvGrpSpPr>
@@ -7024,13 +11047,7 @@
         </p:grpSpPr>
         <p:sp>
           <p:nvSpPr>
-            <p:cNvPr id="21" name="직사각형 20">
-              <a:extLst>
-                <a:ext uri="{FF2B5EF4-FFF2-40B4-BE49-F238E27FC236}">
-                  <a16:creationId xmlns:a16="http://schemas.microsoft.com/office/drawing/2014/main" id="{50BA65FB-7E08-41E7-A78D-7AFB3E109FE8}"/>
-                </a:ext>
-              </a:extLst>
-            </p:cNvPr>
+            <p:cNvPr id="21" name="직사각형 20"/>
             <p:cNvSpPr/>
             <p:nvPr/>
           </p:nvSpPr>
@@ -7078,13 +11095,7 @@
         </p:sp>
         <p:sp>
           <p:nvSpPr>
-            <p:cNvPr id="20" name="직사각형 19">
-              <a:extLst>
-                <a:ext uri="{FF2B5EF4-FFF2-40B4-BE49-F238E27FC236}">
-                  <a16:creationId xmlns:a16="http://schemas.microsoft.com/office/drawing/2014/main" id="{7238623C-05F9-43A9-97A5-B63E9AF83BE9}"/>
-                </a:ext>
-              </a:extLst>
-            </p:cNvPr>
+            <p:cNvPr id="20" name="직사각형 19"/>
             <p:cNvSpPr/>
             <p:nvPr/>
           </p:nvSpPr>
@@ -7137,13 +11148,7 @@
         </p:sp>
         <p:sp>
           <p:nvSpPr>
-            <p:cNvPr id="18" name="TextBox 17">
-              <a:extLst>
-                <a:ext uri="{FF2B5EF4-FFF2-40B4-BE49-F238E27FC236}">
-                  <a16:creationId xmlns:a16="http://schemas.microsoft.com/office/drawing/2014/main" id="{BC6B889D-6283-4B7F-8672-D8F2209C56F5}"/>
-                </a:ext>
-              </a:extLst>
-            </p:cNvPr>
+            <p:cNvPr id="18" name="TextBox 17"/>
             <p:cNvSpPr txBox="1"/>
             <p:nvPr/>
           </p:nvSpPr>
@@ -7178,11 +11183,6 @@
         </p:sp>
       </p:grpSp>
     </p:spTree>
-    <p:extLst>
-      <p:ext uri="{BB962C8B-B14F-4D97-AF65-F5344CB8AC3E}">
-        <p14:creationId xmlns:p14="http://schemas.microsoft.com/office/powerpoint/2010/main" val="3477088188"/>
-      </p:ext>
-    </p:extLst>
   </p:cSld>
   <p:clrMapOvr>
     <a:masterClrMapping/>
@@ -7217,13 +11217,7 @@
       </p:grpSpPr>
       <p:sp>
         <p:nvSpPr>
-          <p:cNvPr id="15" name="직사각형 14">
-            <a:extLst>
-              <a:ext uri="{FF2B5EF4-FFF2-40B4-BE49-F238E27FC236}">
-                <a16:creationId xmlns:a16="http://schemas.microsoft.com/office/drawing/2014/main" id="{8A47EC21-B0E7-41E9-A316-8791FAADD044}"/>
-              </a:ext>
-            </a:extLst>
-          </p:cNvPr>
+          <p:cNvPr id="15" name="직사각형 14"/>
           <p:cNvSpPr/>
           <p:nvPr/>
         </p:nvSpPr>
@@ -7269,13 +11263,7 @@
       </p:sp>
       <p:sp>
         <p:nvSpPr>
-          <p:cNvPr id="2" name="TextBox 1">
-            <a:extLst>
-              <a:ext uri="{FF2B5EF4-FFF2-40B4-BE49-F238E27FC236}">
-                <a16:creationId xmlns:a16="http://schemas.microsoft.com/office/drawing/2014/main" id="{7B1D606B-08B1-EDFE-5BB3-54A81FA56665}"/>
-              </a:ext>
-            </a:extLst>
-          </p:cNvPr>
+          <p:cNvPr id="2" name="TextBox 1"/>
           <p:cNvSpPr txBox="1"/>
           <p:nvPr/>
         </p:nvSpPr>
@@ -7331,11 +11319,6 @@
         </p:txBody>
       </p:sp>
     </p:spTree>
-    <p:extLst>
-      <p:ext uri="{BB962C8B-B14F-4D97-AF65-F5344CB8AC3E}">
-        <p14:creationId xmlns:p14="http://schemas.microsoft.com/office/powerpoint/2010/main" val="2039568472"/>
-      </p:ext>
-    </p:extLst>
   </p:cSld>
   <p:clrMapOvr>
     <a:masterClrMapping/>
@@ -7370,13 +11353,7 @@
       </p:grpSpPr>
       <p:sp>
         <p:nvSpPr>
-          <p:cNvPr id="15" name="직사각형 14">
-            <a:extLst>
-              <a:ext uri="{FF2B5EF4-FFF2-40B4-BE49-F238E27FC236}">
-                <a16:creationId xmlns:a16="http://schemas.microsoft.com/office/drawing/2014/main" id="{8A47EC21-B0E7-41E9-A316-8791FAADD044}"/>
-              </a:ext>
-            </a:extLst>
-          </p:cNvPr>
+          <p:cNvPr id="15" name="직사각형 14"/>
           <p:cNvSpPr/>
           <p:nvPr/>
         </p:nvSpPr>
@@ -7424,13 +11401,7 @@
       </p:sp>
       <p:sp>
         <p:nvSpPr>
-          <p:cNvPr id="18" name="TextBox 17">
-            <a:extLst>
-              <a:ext uri="{FF2B5EF4-FFF2-40B4-BE49-F238E27FC236}">
-                <a16:creationId xmlns:a16="http://schemas.microsoft.com/office/drawing/2014/main" id="{BC6B889D-6283-4B7F-8672-D8F2209C56F5}"/>
-              </a:ext>
-            </a:extLst>
-          </p:cNvPr>
+          <p:cNvPr id="18" name="TextBox 17"/>
           <p:cNvSpPr txBox="1"/>
           <p:nvPr/>
         </p:nvSpPr>
@@ -7475,13 +11446,7 @@
       </p:sp>
       <p:sp>
         <p:nvSpPr>
-          <p:cNvPr id="2" name="TextBox 1">
-            <a:extLst>
-              <a:ext uri="{FF2B5EF4-FFF2-40B4-BE49-F238E27FC236}">
-                <a16:creationId xmlns:a16="http://schemas.microsoft.com/office/drawing/2014/main" id="{90681DFC-7825-B27F-CDE3-7A215212CAF2}"/>
-              </a:ext>
-            </a:extLst>
-          </p:cNvPr>
+          <p:cNvPr id="2" name="TextBox 1"/>
           <p:cNvSpPr txBox="1"/>
           <p:nvPr/>
         </p:nvSpPr>
@@ -7534,13 +11499,7 @@
       </p:sp>
       <p:sp>
         <p:nvSpPr>
-          <p:cNvPr id="3" name="TextBox 2">
-            <a:extLst>
-              <a:ext uri="{FF2B5EF4-FFF2-40B4-BE49-F238E27FC236}">
-                <a16:creationId xmlns:a16="http://schemas.microsoft.com/office/drawing/2014/main" id="{4B9C2B75-B77D-6A45-895F-A74357F6CD0B}"/>
-              </a:ext>
-            </a:extLst>
-          </p:cNvPr>
+          <p:cNvPr id="3" name="TextBox 2"/>
           <p:cNvSpPr txBox="1"/>
           <p:nvPr/>
         </p:nvSpPr>
@@ -7593,13 +11552,7 @@
       </p:sp>
       <p:sp>
         <p:nvSpPr>
-          <p:cNvPr id="4" name="TextBox 3">
-            <a:extLst>
-              <a:ext uri="{FF2B5EF4-FFF2-40B4-BE49-F238E27FC236}">
-                <a16:creationId xmlns:a16="http://schemas.microsoft.com/office/drawing/2014/main" id="{3DC856D3-1FE1-6674-A5D7-68014DAFC5BF}"/>
-              </a:ext>
-            </a:extLst>
-          </p:cNvPr>
+          <p:cNvPr id="4" name="TextBox 3"/>
           <p:cNvSpPr txBox="1"/>
           <p:nvPr/>
         </p:nvSpPr>
@@ -7690,13 +11643,7 @@
       </p:sp>
       <p:sp>
         <p:nvSpPr>
-          <p:cNvPr id="5" name="TextBox 4">
-            <a:extLst>
-              <a:ext uri="{FF2B5EF4-FFF2-40B4-BE49-F238E27FC236}">
-                <a16:creationId xmlns:a16="http://schemas.microsoft.com/office/drawing/2014/main" id="{3C29A9BF-4DA5-6D55-8B5A-88B3F778045F}"/>
-              </a:ext>
-            </a:extLst>
-          </p:cNvPr>
+          <p:cNvPr id="5" name="TextBox 4"/>
           <p:cNvSpPr txBox="1"/>
           <p:nvPr/>
         </p:nvSpPr>
@@ -7727,11 +11674,6 @@
         </p:txBody>
       </p:sp>
     </p:spTree>
-    <p:extLst>
-      <p:ext uri="{BB962C8B-B14F-4D97-AF65-F5344CB8AC3E}">
-        <p14:creationId xmlns:p14="http://schemas.microsoft.com/office/powerpoint/2010/main" val="959963826"/>
-      </p:ext>
-    </p:extLst>
   </p:cSld>
   <p:clrMapOvr>
     <a:masterClrMapping/>
@@ -7766,13 +11708,7 @@
       </p:grpSpPr>
       <p:sp>
         <p:nvSpPr>
-          <p:cNvPr id="15" name="직사각형 14">
-            <a:extLst>
-              <a:ext uri="{FF2B5EF4-FFF2-40B4-BE49-F238E27FC236}">
-                <a16:creationId xmlns:a16="http://schemas.microsoft.com/office/drawing/2014/main" id="{8A47EC21-B0E7-41E9-A316-8791FAADD044}"/>
-              </a:ext>
-            </a:extLst>
-          </p:cNvPr>
+          <p:cNvPr id="15" name="직사각형 14"/>
           <p:cNvSpPr/>
           <p:nvPr/>
         </p:nvSpPr>
@@ -7818,13 +11754,7 @@
       </p:sp>
       <p:sp>
         <p:nvSpPr>
-          <p:cNvPr id="2" name="TextBox 1">
-            <a:extLst>
-              <a:ext uri="{FF2B5EF4-FFF2-40B4-BE49-F238E27FC236}">
-                <a16:creationId xmlns:a16="http://schemas.microsoft.com/office/drawing/2014/main" id="{7B1D606B-08B1-EDFE-5BB3-54A81FA56665}"/>
-              </a:ext>
-            </a:extLst>
-          </p:cNvPr>
+          <p:cNvPr id="2" name="TextBox 1"/>
           <p:cNvSpPr txBox="1"/>
           <p:nvPr/>
         </p:nvSpPr>
@@ -7880,11 +11810,6 @@
         </p:txBody>
       </p:sp>
     </p:spTree>
-    <p:extLst>
-      <p:ext uri="{BB962C8B-B14F-4D97-AF65-F5344CB8AC3E}">
-        <p14:creationId xmlns:p14="http://schemas.microsoft.com/office/powerpoint/2010/main" val="2615462370"/>
-      </p:ext>
-    </p:extLst>
   </p:cSld>
   <p:clrMapOvr>
     <a:masterClrMapping/>
@@ -7919,13 +11844,7 @@
       </p:grpSpPr>
       <p:sp>
         <p:nvSpPr>
-          <p:cNvPr id="15" name="직사각형 14">
-            <a:extLst>
-              <a:ext uri="{FF2B5EF4-FFF2-40B4-BE49-F238E27FC236}">
-                <a16:creationId xmlns:a16="http://schemas.microsoft.com/office/drawing/2014/main" id="{8A47EC21-B0E7-41E9-A316-8791FAADD044}"/>
-              </a:ext>
-            </a:extLst>
-          </p:cNvPr>
+          <p:cNvPr id="15" name="직사각형 14"/>
           <p:cNvSpPr/>
           <p:nvPr/>
         </p:nvSpPr>
@@ -7973,13 +11892,7 @@
       </p:sp>
       <p:sp>
         <p:nvSpPr>
-          <p:cNvPr id="18" name="TextBox 17">
-            <a:extLst>
-              <a:ext uri="{FF2B5EF4-FFF2-40B4-BE49-F238E27FC236}">
-                <a16:creationId xmlns:a16="http://schemas.microsoft.com/office/drawing/2014/main" id="{BC6B889D-6283-4B7F-8672-D8F2209C56F5}"/>
-              </a:ext>
-            </a:extLst>
-          </p:cNvPr>
+          <p:cNvPr id="18" name="TextBox 17"/>
           <p:cNvSpPr txBox="1"/>
           <p:nvPr/>
         </p:nvSpPr>
@@ -8044,13 +11957,7 @@
       </p:sp>
       <p:sp>
         <p:nvSpPr>
-          <p:cNvPr id="3" name="TextBox 2">
-            <a:extLst>
-              <a:ext uri="{FF2B5EF4-FFF2-40B4-BE49-F238E27FC236}">
-                <a16:creationId xmlns:a16="http://schemas.microsoft.com/office/drawing/2014/main" id="{22893B50-8D69-1C29-841F-1BC244DEB221}"/>
-              </a:ext>
-            </a:extLst>
-          </p:cNvPr>
+          <p:cNvPr id="3" name="TextBox 2"/>
           <p:cNvSpPr txBox="1"/>
           <p:nvPr/>
         </p:nvSpPr>
@@ -8308,11 +12215,6 @@
         </p:txBody>
       </p:sp>
     </p:spTree>
-    <p:extLst>
-      <p:ext uri="{BB962C8B-B14F-4D97-AF65-F5344CB8AC3E}">
-        <p14:creationId xmlns:p14="http://schemas.microsoft.com/office/powerpoint/2010/main" val="3160082993"/>
-      </p:ext>
-    </p:extLst>
   </p:cSld>
   <p:clrMapOvr>
     <a:masterClrMapping/>
@@ -8347,13 +12249,7 @@
       </p:grpSpPr>
       <p:sp>
         <p:nvSpPr>
-          <p:cNvPr id="15" name="직사각형 14">
-            <a:extLst>
-              <a:ext uri="{FF2B5EF4-FFF2-40B4-BE49-F238E27FC236}">
-                <a16:creationId xmlns:a16="http://schemas.microsoft.com/office/drawing/2014/main" id="{8A47EC21-B0E7-41E9-A316-8791FAADD044}"/>
-              </a:ext>
-            </a:extLst>
-          </p:cNvPr>
+          <p:cNvPr id="15" name="직사각형 14"/>
           <p:cNvSpPr/>
           <p:nvPr/>
         </p:nvSpPr>
@@ -8401,13 +12297,7 @@
       </p:sp>
       <p:sp>
         <p:nvSpPr>
-          <p:cNvPr id="18" name="TextBox 17">
-            <a:extLst>
-              <a:ext uri="{FF2B5EF4-FFF2-40B4-BE49-F238E27FC236}">
-                <a16:creationId xmlns:a16="http://schemas.microsoft.com/office/drawing/2014/main" id="{BC6B889D-6283-4B7F-8672-D8F2209C56F5}"/>
-              </a:ext>
-            </a:extLst>
-          </p:cNvPr>
+          <p:cNvPr id="18" name="TextBox 17"/>
           <p:cNvSpPr txBox="1"/>
           <p:nvPr/>
         </p:nvSpPr>
@@ -8472,13 +12362,7 @@
       </p:sp>
       <p:sp>
         <p:nvSpPr>
-          <p:cNvPr id="3" name="TextBox 2">
-            <a:extLst>
-              <a:ext uri="{FF2B5EF4-FFF2-40B4-BE49-F238E27FC236}">
-                <a16:creationId xmlns:a16="http://schemas.microsoft.com/office/drawing/2014/main" id="{22893B50-8D69-1C29-841F-1BC244DEB221}"/>
-              </a:ext>
-            </a:extLst>
-          </p:cNvPr>
+          <p:cNvPr id="3" name="TextBox 2"/>
           <p:cNvSpPr txBox="1"/>
           <p:nvPr/>
         </p:nvSpPr>
@@ -8567,13 +12451,7 @@
       </p:sp>
       <p:sp>
         <p:nvSpPr>
-          <p:cNvPr id="6" name="TextBox 5">
-            <a:extLst>
-              <a:ext uri="{FF2B5EF4-FFF2-40B4-BE49-F238E27FC236}">
-                <a16:creationId xmlns:a16="http://schemas.microsoft.com/office/drawing/2014/main" id="{79315056-4920-9B12-ADF7-747C5731EF0C}"/>
-              </a:ext>
-            </a:extLst>
-          </p:cNvPr>
+          <p:cNvPr id="6" name="TextBox 5"/>
           <p:cNvSpPr txBox="1"/>
           <p:nvPr/>
         </p:nvSpPr>
@@ -8626,13 +12504,7 @@
       </p:sp>
       <p:sp>
         <p:nvSpPr>
-          <p:cNvPr id="8" name="TextBox 7">
-            <a:extLst>
-              <a:ext uri="{FF2B5EF4-FFF2-40B4-BE49-F238E27FC236}">
-                <a16:creationId xmlns:a16="http://schemas.microsoft.com/office/drawing/2014/main" id="{65E054FF-7C02-C04B-A8A3-30CF453D64ED}"/>
-              </a:ext>
-            </a:extLst>
-          </p:cNvPr>
+          <p:cNvPr id="8" name="TextBox 7"/>
           <p:cNvSpPr txBox="1"/>
           <p:nvPr/>
         </p:nvSpPr>
@@ -8696,16 +12568,8 @@
       </p:sp>
       <p:cxnSp>
         <p:nvCxnSpPr>
-          <p:cNvPr id="10" name="직선 화살표 연결선 9">
-            <a:extLst>
-              <a:ext uri="{FF2B5EF4-FFF2-40B4-BE49-F238E27FC236}">
-                <a16:creationId xmlns:a16="http://schemas.microsoft.com/office/drawing/2014/main" id="{277EE4A8-1D8A-4383-AC78-C5DF4275D6B2}"/>
-              </a:ext>
-            </a:extLst>
-          </p:cNvPr>
-          <p:cNvCxnSpPr>
-            <a:cxnSpLocks/>
-          </p:cNvCxnSpPr>
+          <p:cNvPr id="10" name="직선 화살표 연결선 9"/>
+          <p:cNvCxnSpPr/>
           <p:nvPr/>
         </p:nvCxnSpPr>
         <p:spPr>
@@ -8740,13 +12604,7 @@
       </p:cxnSp>
       <p:sp>
         <p:nvSpPr>
-          <p:cNvPr id="16" name="타원 15">
-            <a:extLst>
-              <a:ext uri="{FF2B5EF4-FFF2-40B4-BE49-F238E27FC236}">
-                <a16:creationId xmlns:a16="http://schemas.microsoft.com/office/drawing/2014/main" id="{8764B53F-E117-7BB5-61BA-8CBE952F1CD3}"/>
-              </a:ext>
-            </a:extLst>
-          </p:cNvPr>
+          <p:cNvPr id="16" name="타원 15"/>
           <p:cNvSpPr>
             <a:spLocks noChangeAspect="1"/>
           </p:cNvSpPr>
@@ -8794,13 +12652,7 @@
       </p:sp>
       <p:sp>
         <p:nvSpPr>
-          <p:cNvPr id="17" name="타원 16">
-            <a:extLst>
-              <a:ext uri="{FF2B5EF4-FFF2-40B4-BE49-F238E27FC236}">
-                <a16:creationId xmlns:a16="http://schemas.microsoft.com/office/drawing/2014/main" id="{5D7C5B11-36F9-894E-A068-469E4709A360}"/>
-              </a:ext>
-            </a:extLst>
-          </p:cNvPr>
+          <p:cNvPr id="17" name="타원 16"/>
           <p:cNvSpPr>
             <a:spLocks noChangeAspect="1"/>
           </p:cNvSpPr>
@@ -8848,13 +12700,7 @@
       </p:sp>
       <p:sp>
         <p:nvSpPr>
-          <p:cNvPr id="20" name="타원 19">
-            <a:extLst>
-              <a:ext uri="{FF2B5EF4-FFF2-40B4-BE49-F238E27FC236}">
-                <a16:creationId xmlns:a16="http://schemas.microsoft.com/office/drawing/2014/main" id="{B1BCA141-BC55-68CF-1C73-BA98CE605ACB}"/>
-              </a:ext>
-            </a:extLst>
-          </p:cNvPr>
+          <p:cNvPr id="20" name="타원 19"/>
           <p:cNvSpPr>
             <a:spLocks noChangeAspect="1"/>
           </p:cNvSpPr>
@@ -8902,13 +12748,7 @@
       </p:sp>
       <p:sp>
         <p:nvSpPr>
-          <p:cNvPr id="23" name="TextBox 22">
-            <a:extLst>
-              <a:ext uri="{FF2B5EF4-FFF2-40B4-BE49-F238E27FC236}">
-                <a16:creationId xmlns:a16="http://schemas.microsoft.com/office/drawing/2014/main" id="{3A5269FC-1EA2-368B-B797-AD8E4EBA5BBF}"/>
-              </a:ext>
-            </a:extLst>
-          </p:cNvPr>
+          <p:cNvPr id="23" name="TextBox 22"/>
           <p:cNvSpPr txBox="1"/>
           <p:nvPr/>
         </p:nvSpPr>
@@ -8953,11 +12793,6 @@
         </p:txBody>
       </p:sp>
     </p:spTree>
-    <p:extLst>
-      <p:ext uri="{BB962C8B-B14F-4D97-AF65-F5344CB8AC3E}">
-        <p14:creationId xmlns:p14="http://schemas.microsoft.com/office/powerpoint/2010/main" val="2599564626"/>
-      </p:ext>
-    </p:extLst>
   </p:cSld>
   <p:clrMapOvr>
     <a:masterClrMapping/>
@@ -8992,13 +12827,7 @@
       </p:grpSpPr>
       <p:sp>
         <p:nvSpPr>
-          <p:cNvPr id="15" name="직사각형 14">
-            <a:extLst>
-              <a:ext uri="{FF2B5EF4-FFF2-40B4-BE49-F238E27FC236}">
-                <a16:creationId xmlns:a16="http://schemas.microsoft.com/office/drawing/2014/main" id="{8A47EC21-B0E7-41E9-A316-8791FAADD044}"/>
-              </a:ext>
-            </a:extLst>
-          </p:cNvPr>
+          <p:cNvPr id="15" name="직사각형 14"/>
           <p:cNvSpPr/>
           <p:nvPr/>
         </p:nvSpPr>
@@ -9046,13 +12875,7 @@
       </p:sp>
       <p:sp>
         <p:nvSpPr>
-          <p:cNvPr id="18" name="TextBox 17">
-            <a:extLst>
-              <a:ext uri="{FF2B5EF4-FFF2-40B4-BE49-F238E27FC236}">
-                <a16:creationId xmlns:a16="http://schemas.microsoft.com/office/drawing/2014/main" id="{BC6B889D-6283-4B7F-8672-D8F2209C56F5}"/>
-              </a:ext>
-            </a:extLst>
-          </p:cNvPr>
+          <p:cNvPr id="18" name="TextBox 17"/>
           <p:cNvSpPr txBox="1"/>
           <p:nvPr/>
         </p:nvSpPr>
@@ -9115,12 +12938,549 @@
           </a:p>
         </p:txBody>
       </p:sp>
+      <p:pic>
+        <p:nvPicPr>
+          <p:cNvPr id="2" name="그림 1" descr="텍스트, 점수판이(가) 표시된 사진&#10;&#10;자동 생성된 설명">
+            <a:extLst>
+              <a:ext uri="{FF2B5EF4-FFF2-40B4-BE49-F238E27FC236}">
+                <a16:creationId xmlns:a16="http://schemas.microsoft.com/office/drawing/2014/main" id="{1223895A-9282-ED4B-F57D-D7BF2FE7DB57}"/>
+              </a:ext>
+            </a:extLst>
+          </p:cNvPr>
+          <p:cNvPicPr>
+            <a:picLocks noChangeAspect="1"/>
+          </p:cNvPicPr>
+          <p:nvPr/>
+        </p:nvPicPr>
+        <p:blipFill>
+          <a:blip r:embed="rId2">
+            <a:extLst>
+              <a:ext uri="{28A0092B-C50C-407E-A947-70E740481C1C}">
+                <a14:useLocalDpi xmlns:a14="http://schemas.microsoft.com/office/drawing/2010/main" val="0"/>
+              </a:ext>
+            </a:extLst>
+          </a:blip>
+          <a:stretch>
+            <a:fillRect/>
+          </a:stretch>
+        </p:blipFill>
+        <p:spPr>
+          <a:xfrm>
+            <a:off x="495300" y="1022699"/>
+            <a:ext cx="5511053" cy="5511053"/>
+          </a:xfrm>
+          <a:prstGeom prst="rect">
+            <a:avLst/>
+          </a:prstGeom>
+        </p:spPr>
+      </p:pic>
+      <p:graphicFrame>
+        <p:nvGraphicFramePr>
+          <p:cNvPr id="3" name="표 7">
+            <a:extLst>
+              <a:ext uri="{FF2B5EF4-FFF2-40B4-BE49-F238E27FC236}">
+                <a16:creationId xmlns:a16="http://schemas.microsoft.com/office/drawing/2014/main" id="{06F55D5E-1C0B-30BD-D1FA-B0F31F9D41E9}"/>
+              </a:ext>
+            </a:extLst>
+          </p:cNvPr>
+          <p:cNvGraphicFramePr>
+            <a:graphicFrameLocks noGrp="1"/>
+          </p:cNvGraphicFramePr>
+          <p:nvPr>
+            <p:extLst>
+              <p:ext uri="{D42A27DB-BD31-4B8C-83A1-F6EECF244321}">
+                <p14:modId xmlns:p14="http://schemas.microsoft.com/office/powerpoint/2010/main" val="3725218217"/>
+              </p:ext>
+            </p:extLst>
+          </p:nvPr>
+        </p:nvGraphicFramePr>
+        <p:xfrm>
+          <a:off x="6083300" y="1162722"/>
+          <a:ext cx="5511053" cy="5212080"/>
+        </p:xfrm>
+        <a:graphic>
+          <a:graphicData uri="http://schemas.openxmlformats.org/drawingml/2006/table">
+            <a:tbl>
+              <a:tblPr firstRow="1" bandRow="1">
+                <a:tableStyleId>{5940675A-B579-460E-94D1-54222C63F5DA}</a:tableStyleId>
+              </a:tblPr>
+              <a:tblGrid>
+                <a:gridCol w="317500">
+                  <a:extLst>
+                    <a:ext uri="{9D8B030D-6E8A-4147-A177-3AD203B41FA5}">
+                      <a16:colId xmlns:a16="http://schemas.microsoft.com/office/drawing/2014/main" val="2634767336"/>
+                    </a:ext>
+                  </a:extLst>
+                </a:gridCol>
+                <a:gridCol w="806824">
+                  <a:extLst>
+                    <a:ext uri="{9D8B030D-6E8A-4147-A177-3AD203B41FA5}">
+                      <a16:colId xmlns:a16="http://schemas.microsoft.com/office/drawing/2014/main" val="399855705"/>
+                    </a:ext>
+                  </a:extLst>
+                </a:gridCol>
+                <a:gridCol w="4386729">
+                  <a:extLst>
+                    <a:ext uri="{9D8B030D-6E8A-4147-A177-3AD203B41FA5}">
+                      <a16:colId xmlns:a16="http://schemas.microsoft.com/office/drawing/2014/main" val="3867481530"/>
+                    </a:ext>
+                  </a:extLst>
+                </a:gridCol>
+              </a:tblGrid>
+              <a:tr h="370840">
+                <a:tc>
+                  <a:txBody>
+                    <a:bodyPr/>
+                    <a:lstStyle/>
+                    <a:p>
+                      <a:pPr latinLnBrk="1"/>
+                      <a:r>
+                        <a:rPr lang="en-US" altLang="ko-KR" dirty="0"/>
+                        <a:t>1</a:t>
+                      </a:r>
+                      <a:endParaRPr lang="ko-KR" altLang="en-US" dirty="0"/>
+                    </a:p>
+                  </a:txBody>
+                  <a:tcPr/>
+                </a:tc>
+                <a:tc>
+                  <a:txBody>
+                    <a:bodyPr/>
+                    <a:lstStyle/>
+                    <a:p>
+                      <a:pPr marL="0" marR="0" lvl="0" indent="0" algn="l" defTabSz="914400" rtl="0" eaLnBrk="1" fontAlgn="auto" latinLnBrk="1" hangingPunct="1">
+                        <a:lnSpc>
+                          <a:spcPct val="100000"/>
+                        </a:lnSpc>
+                        <a:spcBef>
+                          <a:spcPts val="0"/>
+                        </a:spcBef>
+                        <a:spcAft>
+                          <a:spcPts val="0"/>
+                        </a:spcAft>
+                        <a:buClrTx/>
+                        <a:buSzTx/>
+                        <a:buFontTx/>
+                        <a:buNone/>
+                        <a:tabLst/>
+                        <a:defRPr/>
+                      </a:pPr>
+                      <a:r>
+                        <a:rPr lang="ko-KR" altLang="en-US" dirty="0"/>
+                        <a:t>초록 문 </a:t>
+                      </a:r>
+                    </a:p>
+                    <a:p>
+                      <a:pPr latinLnBrk="1"/>
+                      <a:endParaRPr lang="ko-KR" altLang="en-US" dirty="0"/>
+                    </a:p>
+                  </a:txBody>
+                  <a:tcPr/>
+                </a:tc>
+                <a:tc>
+                  <a:txBody>
+                    <a:bodyPr/>
+                    <a:lstStyle/>
+                    <a:p>
+                      <a:pPr latinLnBrk="1"/>
+                      <a:r>
+                        <a:rPr lang="ko-KR" altLang="en-US" dirty="0"/>
+                        <a:t>플레이어들이 함께 다음 스테이지로 갈 수 있는 통로</a:t>
+                      </a:r>
+                    </a:p>
+                  </a:txBody>
+                  <a:tcPr/>
+                </a:tc>
+                <a:extLst>
+                  <a:ext uri="{0D108BD9-81ED-4DB2-BD59-A6C34878D82A}">
+                    <a16:rowId xmlns:a16="http://schemas.microsoft.com/office/drawing/2014/main" val="2585650385"/>
+                  </a:ext>
+                </a:extLst>
+              </a:tr>
+              <a:tr h="370840">
+                <a:tc>
+                  <a:txBody>
+                    <a:bodyPr/>
+                    <a:lstStyle/>
+                    <a:p>
+                      <a:pPr latinLnBrk="1"/>
+                      <a:r>
+                        <a:rPr lang="en-US" altLang="ko-KR" dirty="0"/>
+                        <a:t>2</a:t>
+                      </a:r>
+                      <a:endParaRPr lang="ko-KR" altLang="en-US" dirty="0"/>
+                    </a:p>
+                  </a:txBody>
+                  <a:tcPr/>
+                </a:tc>
+                <a:tc>
+                  <a:txBody>
+                    <a:bodyPr/>
+                    <a:lstStyle/>
+                    <a:p>
+                      <a:pPr marL="0" marR="0" lvl="0" indent="0" algn="l" defTabSz="914400" rtl="0" eaLnBrk="1" fontAlgn="auto" latinLnBrk="1" hangingPunct="1">
+                        <a:lnSpc>
+                          <a:spcPct val="100000"/>
+                        </a:lnSpc>
+                        <a:spcBef>
+                          <a:spcPts val="0"/>
+                        </a:spcBef>
+                        <a:spcAft>
+                          <a:spcPts val="0"/>
+                        </a:spcAft>
+                        <a:buClrTx/>
+                        <a:buSzTx/>
+                        <a:buFontTx/>
+                        <a:buNone/>
+                        <a:tabLst/>
+                        <a:defRPr/>
+                      </a:pPr>
+                      <a:r>
+                        <a:rPr lang="ko-KR" altLang="en-US" dirty="0"/>
+                        <a:t>빨강 문</a:t>
+                      </a:r>
+                    </a:p>
+                    <a:p>
+                      <a:pPr latinLnBrk="1"/>
+                      <a:endParaRPr lang="ko-KR" altLang="en-US" dirty="0"/>
+                    </a:p>
+                  </a:txBody>
+                  <a:tcPr/>
+                </a:tc>
+                <a:tc>
+                  <a:txBody>
+                    <a:bodyPr/>
+                    <a:lstStyle/>
+                    <a:p>
+                      <a:pPr marL="0" marR="0" lvl="0" indent="0" algn="l" defTabSz="914400" rtl="0" eaLnBrk="1" fontAlgn="auto" latinLnBrk="1" hangingPunct="1">
+                        <a:lnSpc>
+                          <a:spcPct val="100000"/>
+                        </a:lnSpc>
+                        <a:spcBef>
+                          <a:spcPts val="0"/>
+                        </a:spcBef>
+                        <a:spcAft>
+                          <a:spcPts val="0"/>
+                        </a:spcAft>
+                        <a:buClrTx/>
+                        <a:buSzTx/>
+                        <a:buFontTx/>
+                        <a:buNone/>
+                        <a:tabLst/>
+                        <a:defRPr/>
+                      </a:pPr>
+                      <a:r>
+                        <a:rPr lang="ko-KR" altLang="en-US" dirty="0"/>
+                        <a:t>플레이어들이 함께 다음 스테이지로 갈 수 있는 또 다른 통로</a:t>
+                      </a:r>
+                    </a:p>
+                  </a:txBody>
+                  <a:tcPr/>
+                </a:tc>
+                <a:extLst>
+                  <a:ext uri="{0D108BD9-81ED-4DB2-BD59-A6C34878D82A}">
+                    <a16:rowId xmlns:a16="http://schemas.microsoft.com/office/drawing/2014/main" val="56142908"/>
+                  </a:ext>
+                </a:extLst>
+              </a:tr>
+              <a:tr h="370840">
+                <a:tc>
+                  <a:txBody>
+                    <a:bodyPr/>
+                    <a:lstStyle/>
+                    <a:p>
+                      <a:pPr latinLnBrk="1"/>
+                      <a:r>
+                        <a:rPr lang="en-US" altLang="ko-KR" dirty="0"/>
+                        <a:t>3</a:t>
+                      </a:r>
+                      <a:endParaRPr lang="ko-KR" altLang="en-US" dirty="0"/>
+                    </a:p>
+                  </a:txBody>
+                  <a:tcPr/>
+                </a:tc>
+                <a:tc>
+                  <a:txBody>
+                    <a:bodyPr/>
+                    <a:lstStyle/>
+                    <a:p>
+                      <a:pPr marL="0" marR="0" lvl="0" indent="0" algn="l" defTabSz="914400" rtl="0" eaLnBrk="1" fontAlgn="auto" latinLnBrk="1" hangingPunct="1">
+                        <a:lnSpc>
+                          <a:spcPct val="100000"/>
+                        </a:lnSpc>
+                        <a:spcBef>
+                          <a:spcPts val="0"/>
+                        </a:spcBef>
+                        <a:spcAft>
+                          <a:spcPts val="0"/>
+                        </a:spcAft>
+                        <a:buClrTx/>
+                        <a:buSzTx/>
+                        <a:buFontTx/>
+                        <a:buNone/>
+                        <a:tabLst/>
+                        <a:defRPr/>
+                      </a:pPr>
+                      <a:r>
+                        <a:rPr lang="ko-KR" altLang="en-US" dirty="0"/>
+                        <a:t>검</a:t>
+                      </a:r>
+                    </a:p>
+                    <a:p>
+                      <a:pPr latinLnBrk="1"/>
+                      <a:endParaRPr lang="ko-KR" altLang="en-US" dirty="0"/>
+                    </a:p>
+                  </a:txBody>
+                  <a:tcPr/>
+                </a:tc>
+                <a:tc>
+                  <a:txBody>
+                    <a:bodyPr/>
+                    <a:lstStyle/>
+                    <a:p>
+                      <a:pPr latinLnBrk="1"/>
+                      <a:r>
+                        <a:rPr lang="ko-KR" altLang="en-US" dirty="0"/>
+                        <a:t>다음 스테이지에서 나타날 몬스터에 대항할 무기</a:t>
+                      </a:r>
+                    </a:p>
+                  </a:txBody>
+                  <a:tcPr/>
+                </a:tc>
+                <a:extLst>
+                  <a:ext uri="{0D108BD9-81ED-4DB2-BD59-A6C34878D82A}">
+                    <a16:rowId xmlns:a16="http://schemas.microsoft.com/office/drawing/2014/main" val="196152046"/>
+                  </a:ext>
+                </a:extLst>
+              </a:tr>
+              <a:tr h="370840">
+                <a:tc>
+                  <a:txBody>
+                    <a:bodyPr/>
+                    <a:lstStyle/>
+                    <a:p>
+                      <a:pPr latinLnBrk="1"/>
+                      <a:r>
+                        <a:rPr lang="en-US" altLang="ko-KR" dirty="0"/>
+                        <a:t>4</a:t>
+                      </a:r>
+                      <a:endParaRPr lang="ko-KR" altLang="en-US" dirty="0"/>
+                    </a:p>
+                  </a:txBody>
+                  <a:tcPr/>
+                </a:tc>
+                <a:tc>
+                  <a:txBody>
+                    <a:bodyPr/>
+                    <a:lstStyle/>
+                    <a:p>
+                      <a:pPr marL="0" marR="0" lvl="0" indent="0" algn="l" defTabSz="914400" rtl="0" eaLnBrk="1" fontAlgn="auto" latinLnBrk="1" hangingPunct="1">
+                        <a:lnSpc>
+                          <a:spcPct val="100000"/>
+                        </a:lnSpc>
+                        <a:spcBef>
+                          <a:spcPts val="0"/>
+                        </a:spcBef>
+                        <a:spcAft>
+                          <a:spcPts val="0"/>
+                        </a:spcAft>
+                        <a:buClrTx/>
+                        <a:buSzTx/>
+                        <a:buFontTx/>
+                        <a:buNone/>
+                        <a:tabLst/>
+                        <a:defRPr/>
+                      </a:pPr>
+                      <a:r>
+                        <a:rPr lang="ko-KR" altLang="en-US" dirty="0"/>
+                        <a:t>광원</a:t>
+                      </a:r>
+                    </a:p>
+                    <a:p>
+                      <a:pPr latinLnBrk="1"/>
+                      <a:endParaRPr lang="ko-KR" altLang="en-US" dirty="0"/>
+                    </a:p>
+                  </a:txBody>
+                  <a:tcPr/>
+                </a:tc>
+                <a:tc>
+                  <a:txBody>
+                    <a:bodyPr/>
+                    <a:lstStyle/>
+                    <a:p>
+                      <a:pPr latinLnBrk="1"/>
+                      <a:r>
+                        <a:rPr lang="ko-KR" altLang="en-US" dirty="0"/>
+                        <a:t>열쇠와 검을 쉽게 찾기 위해 어두운 미궁을 밝히는 용도</a:t>
+                      </a:r>
+                      <a:r>
+                        <a:rPr lang="en-US" altLang="ko-KR" dirty="0"/>
+                        <a:t>. </a:t>
+                      </a:r>
+                      <a:r>
+                        <a:rPr lang="ko-KR" altLang="en-US" dirty="0"/>
+                        <a:t>몬스터와의 전투에 사용하지 않음</a:t>
+                      </a:r>
+                      <a:r>
+                        <a:rPr lang="en-US" altLang="ko-KR" dirty="0"/>
+                        <a:t>.</a:t>
+                      </a:r>
+                      <a:endParaRPr lang="ko-KR" altLang="en-US" dirty="0"/>
+                    </a:p>
+                  </a:txBody>
+                  <a:tcPr/>
+                </a:tc>
+                <a:extLst>
+                  <a:ext uri="{0D108BD9-81ED-4DB2-BD59-A6C34878D82A}">
+                    <a16:rowId xmlns:a16="http://schemas.microsoft.com/office/drawing/2014/main" val="2940765215"/>
+                  </a:ext>
+                </a:extLst>
+              </a:tr>
+              <a:tr h="370840">
+                <a:tc>
+                  <a:txBody>
+                    <a:bodyPr/>
+                    <a:lstStyle/>
+                    <a:p>
+                      <a:pPr latinLnBrk="1"/>
+                      <a:r>
+                        <a:rPr lang="en-US" altLang="ko-KR" dirty="0"/>
+                        <a:t>5</a:t>
+                      </a:r>
+                      <a:endParaRPr lang="ko-KR" altLang="en-US" dirty="0"/>
+                    </a:p>
+                  </a:txBody>
+                  <a:tcPr/>
+                </a:tc>
+                <a:tc>
+                  <a:txBody>
+                    <a:bodyPr/>
+                    <a:lstStyle/>
+                    <a:p>
+                      <a:pPr marL="0" marR="0" lvl="0" indent="0" algn="l" defTabSz="914400" rtl="0" eaLnBrk="1" fontAlgn="auto" latinLnBrk="1" hangingPunct="1">
+                        <a:lnSpc>
+                          <a:spcPct val="100000"/>
+                        </a:lnSpc>
+                        <a:spcBef>
+                          <a:spcPts val="0"/>
+                        </a:spcBef>
+                        <a:spcAft>
+                          <a:spcPts val="0"/>
+                        </a:spcAft>
+                        <a:buClrTx/>
+                        <a:buSzTx/>
+                        <a:buFontTx/>
+                        <a:buNone/>
+                        <a:tabLst/>
+                        <a:defRPr/>
+                      </a:pPr>
+                      <a:r>
+                        <a:rPr lang="ko-KR" altLang="en-US" dirty="0"/>
+                        <a:t>초록 열쇠</a:t>
+                      </a:r>
+                    </a:p>
+                    <a:p>
+                      <a:pPr latinLnBrk="1"/>
+                      <a:endParaRPr lang="ko-KR" altLang="en-US" dirty="0"/>
+                    </a:p>
+                  </a:txBody>
+                  <a:tcPr/>
+                </a:tc>
+                <a:tc>
+                  <a:txBody>
+                    <a:bodyPr/>
+                    <a:lstStyle/>
+                    <a:p>
+                      <a:pPr latinLnBrk="1"/>
+                      <a:r>
+                        <a:rPr lang="ko-KR" altLang="en-US" dirty="0"/>
+                        <a:t>초록 문을 열 수 있는 열쇠</a:t>
+                      </a:r>
+                    </a:p>
+                  </a:txBody>
+                  <a:tcPr/>
+                </a:tc>
+                <a:extLst>
+                  <a:ext uri="{0D108BD9-81ED-4DB2-BD59-A6C34878D82A}">
+                    <a16:rowId xmlns:a16="http://schemas.microsoft.com/office/drawing/2014/main" val="99578929"/>
+                  </a:ext>
+                </a:extLst>
+              </a:tr>
+              <a:tr h="370840">
+                <a:tc>
+                  <a:txBody>
+                    <a:bodyPr/>
+                    <a:lstStyle/>
+                    <a:p>
+                      <a:pPr latinLnBrk="1"/>
+                      <a:r>
+                        <a:rPr lang="en-US" altLang="ko-KR" dirty="0"/>
+                        <a:t>6</a:t>
+                      </a:r>
+                      <a:endParaRPr lang="ko-KR" altLang="en-US" dirty="0"/>
+                    </a:p>
+                  </a:txBody>
+                  <a:tcPr/>
+                </a:tc>
+                <a:tc>
+                  <a:txBody>
+                    <a:bodyPr/>
+                    <a:lstStyle/>
+                    <a:p>
+                      <a:pPr marL="0" marR="0" lvl="0" indent="0" algn="l" defTabSz="914400" rtl="0" eaLnBrk="1" fontAlgn="auto" latinLnBrk="1" hangingPunct="1">
+                        <a:lnSpc>
+                          <a:spcPct val="100000"/>
+                        </a:lnSpc>
+                        <a:spcBef>
+                          <a:spcPts val="0"/>
+                        </a:spcBef>
+                        <a:spcAft>
+                          <a:spcPts val="0"/>
+                        </a:spcAft>
+                        <a:buClrTx/>
+                        <a:buSzTx/>
+                        <a:buFontTx/>
+                        <a:buNone/>
+                        <a:tabLst/>
+                        <a:defRPr/>
+                      </a:pPr>
+                      <a:r>
+                        <a:rPr lang="ko-KR" altLang="en-US" dirty="0"/>
+                        <a:t>빨강 열쇠</a:t>
+                      </a:r>
+                    </a:p>
+                    <a:p>
+                      <a:pPr latinLnBrk="1"/>
+                      <a:endParaRPr lang="ko-KR" altLang="en-US" dirty="0"/>
+                    </a:p>
+                  </a:txBody>
+                  <a:tcPr/>
+                </a:tc>
+                <a:tc>
+                  <a:txBody>
+                    <a:bodyPr/>
+                    <a:lstStyle/>
+                    <a:p>
+                      <a:pPr latinLnBrk="1"/>
+                      <a:r>
+                        <a:rPr lang="ko-KR" altLang="en-US" dirty="0"/>
+                        <a:t>빨강 문을 열 수 있는 열쇠</a:t>
+                      </a:r>
+                    </a:p>
+                  </a:txBody>
+                  <a:tcPr/>
+                </a:tc>
+                <a:extLst>
+                  <a:ext uri="{0D108BD9-81ED-4DB2-BD59-A6C34878D82A}">
+                    <a16:rowId xmlns:a16="http://schemas.microsoft.com/office/drawing/2014/main" val="1918937522"/>
+                  </a:ext>
+                </a:extLst>
+              </a:tr>
+            </a:tbl>
+          </a:graphicData>
+        </a:graphic>
+      </p:graphicFrame>
     </p:spTree>
-    <p:extLst>
-      <p:ext uri="{BB962C8B-B14F-4D97-AF65-F5344CB8AC3E}">
-        <p14:creationId xmlns:p14="http://schemas.microsoft.com/office/powerpoint/2010/main" val="4134140299"/>
-      </p:ext>
-    </p:extLst>
   </p:cSld>
   <p:clrMapOvr>
     <a:masterClrMapping/>
@@ -9131,14 +13491,6 @@
 <file path=ppt/slides/slide9.xml><?xml version="1.0" encoding="utf-8"?>
 <p:sld xmlns:a="http://schemas.openxmlformats.org/drawingml/2006/main" xmlns:r="http://schemas.openxmlformats.org/officeDocument/2006/relationships" xmlns:p="http://schemas.openxmlformats.org/presentationml/2006/main">
   <p:cSld>
-    <p:bg>
-      <p:bgPr>
-        <a:solidFill>
-          <a:srgbClr val="8BA9AB"/>
-        </a:solidFill>
-        <a:effectLst/>
-      </p:bgPr>
-    </p:bg>
     <p:spTree>
       <p:nvGrpSpPr>
         <p:cNvPr id="1" name=""/>
@@ -9155,13 +13507,7 @@
       </p:grpSpPr>
       <p:sp>
         <p:nvSpPr>
-          <p:cNvPr id="15" name="직사각형 14">
-            <a:extLst>
-              <a:ext uri="{FF2B5EF4-FFF2-40B4-BE49-F238E27FC236}">
-                <a16:creationId xmlns:a16="http://schemas.microsoft.com/office/drawing/2014/main" id="{8A47EC21-B0E7-41E9-A316-8791FAADD044}"/>
-              </a:ext>
-            </a:extLst>
-          </p:cNvPr>
+          <p:cNvPr id="15" name="직사각형 14"/>
           <p:cNvSpPr/>
           <p:nvPr/>
         </p:nvSpPr>
@@ -9203,26 +13549,24 @@
           <a:lstStyle/>
           <a:p>
             <a:pPr algn="ctr"/>
+            <a:r>
+              <a:rPr lang="en-US" altLang="ko-KR"/>
+              <a:t>s</a:t>
+            </a:r>
             <a:endParaRPr lang="ko-KR" altLang="en-US"/>
           </a:p>
         </p:txBody>
       </p:sp>
       <p:sp>
         <p:nvSpPr>
-          <p:cNvPr id="18" name="TextBox 17">
-            <a:extLst>
-              <a:ext uri="{FF2B5EF4-FFF2-40B4-BE49-F238E27FC236}">
-                <a16:creationId xmlns:a16="http://schemas.microsoft.com/office/drawing/2014/main" id="{BC6B889D-6283-4B7F-8672-D8F2209C56F5}"/>
-              </a:ext>
-            </a:extLst>
-          </p:cNvPr>
+          <p:cNvPr id="18" name="TextBox 17"/>
           <p:cNvSpPr txBox="1"/>
           <p:nvPr/>
         </p:nvSpPr>
         <p:spPr>
           <a:xfrm>
             <a:off x="469900" y="260991"/>
-            <a:ext cx="6692900" cy="584775"/>
+            <a:ext cx="5412740" cy="1077218"/>
           </a:xfrm>
           <a:prstGeom prst="rect">
             <a:avLst/>
@@ -9237,13 +13581,45 @@
           <a:p>
             <a:r>
               <a:rPr lang="en-US" altLang="ko-KR" sz="3200" dirty="0">
-                <a:solidFill>
-                  <a:schemeClr val="bg1"/>
-                </a:solidFill>
                 <a:latin typeface="여기어때 잘난체" panose="020B0600000101010101" pitchFamily="50" charset="-127"/>
                 <a:ea typeface="여기어때 잘난체" panose="020B0600000101010101" pitchFamily="50" charset="-127"/>
               </a:rPr>
               <a:t>02. </a:t>
+            </a:r>
+            <a:r>
+              <a:rPr lang="ko-KR" altLang="en-US" sz="3200" dirty="0">
+                <a:latin typeface="여기어때 잘난체" panose="020B0600000101010101" pitchFamily="50" charset="-127"/>
+                <a:ea typeface="여기어때 잘난체" panose="020B0600000101010101" pitchFamily="50" charset="-127"/>
+              </a:rPr>
+              <a:t>게임소개 </a:t>
+            </a:r>
+            <a:r>
+              <a:rPr lang="en-US" altLang="ko-KR" sz="3200" dirty="0">
+                <a:latin typeface="여기어때 잘난체" panose="020B0600000101010101" pitchFamily="50" charset="-127"/>
+                <a:ea typeface="여기어때 잘난체" panose="020B0600000101010101" pitchFamily="50" charset="-127"/>
+              </a:rPr>
+              <a:t>– </a:t>
+            </a:r>
+            <a:r>
+              <a:rPr lang="ko-KR" altLang="en-US" sz="3200" dirty="0">
+                <a:latin typeface="여기어때 잘난체" panose="020B0600000101010101" pitchFamily="50" charset="-127"/>
+                <a:ea typeface="여기어때 잘난체" panose="020B0600000101010101" pitchFamily="50" charset="-127"/>
+              </a:rPr>
+              <a:t>게임 월드 </a:t>
+            </a:r>
+            <a:r>
+              <a:rPr lang="ko-KR" altLang="en-US" sz="1200" dirty="0" err="1">
+                <a:latin typeface="여기어때 잘난체" panose="020B0600000101010101" pitchFamily="50" charset="-127"/>
+                <a:ea typeface="여기어때 잘난체" panose="020B0600000101010101" pitchFamily="50" charset="-127"/>
+              </a:rPr>
+              <a:t>잡몹전</a:t>
+            </a:r>
+            <a:r>
+              <a:rPr lang="en-US" altLang="ko-KR" sz="1200" dirty="0">
+                <a:latin typeface="여기어때 잘난체" panose="020B0600000101010101" pitchFamily="50" charset="-127"/>
+                <a:ea typeface="여기어때 잘난체" panose="020B0600000101010101" pitchFamily="50" charset="-127"/>
+              </a:rPr>
+              <a:t> </a:t>
             </a:r>
             <a:r>
               <a:rPr lang="ko-KR" altLang="en-US" sz="3200" dirty="0">
@@ -9253,35 +13629,51 @@
                 <a:latin typeface="여기어때 잘난체" panose="020B0600000101010101" pitchFamily="50" charset="-127"/>
                 <a:ea typeface="여기어때 잘난체" panose="020B0600000101010101" pitchFamily="50" charset="-127"/>
               </a:rPr>
-              <a:t>게임 소개 </a:t>
-            </a:r>
-            <a:r>
-              <a:rPr lang="en-US" altLang="ko-KR" sz="3200" dirty="0">
-                <a:solidFill>
-                  <a:schemeClr val="bg1"/>
-                </a:solidFill>
-                <a:latin typeface="여기어때 잘난체" panose="020B0600000101010101" pitchFamily="50" charset="-127"/>
-                <a:ea typeface="여기어때 잘난체" panose="020B0600000101010101" pitchFamily="50" charset="-127"/>
-              </a:rPr>
-              <a:t>– </a:t>
-            </a:r>
-            <a:r>
-              <a:rPr lang="ko-KR" altLang="en-US" sz="3200" dirty="0">
-                <a:solidFill>
-                  <a:schemeClr val="bg1"/>
-                </a:solidFill>
-                <a:latin typeface="여기어때 잘난체" panose="020B0600000101010101" pitchFamily="50" charset="-127"/>
-                <a:ea typeface="여기어때 잘난체" panose="020B0600000101010101" pitchFamily="50" charset="-127"/>
-              </a:rPr>
-              <a:t>게임 플레이어 </a:t>
-            </a:r>
-          </a:p>
-        </p:txBody>
-      </p:sp>
+              <a:t>게임 월드 </a:t>
+            </a:r>
+          </a:p>
+        </p:txBody>
+      </p:sp>
+      <p:pic>
+        <p:nvPicPr>
+          <p:cNvPr id="4" name="그림 3">
+            <a:extLst>
+              <a:ext uri="{FF2B5EF4-FFF2-40B4-BE49-F238E27FC236}">
+                <a16:creationId xmlns:a16="http://schemas.microsoft.com/office/drawing/2014/main" id="{CF767FF6-64A5-554C-F5B7-2DBE0680C07F}"/>
+              </a:ext>
+            </a:extLst>
+          </p:cNvPr>
+          <p:cNvPicPr>
+            <a:picLocks noChangeAspect="1"/>
+          </p:cNvPicPr>
+          <p:nvPr/>
+        </p:nvPicPr>
+        <p:blipFill>
+          <a:blip r:embed="rId2">
+            <a:extLst>
+              <a:ext uri="{28A0092B-C50C-407E-A947-70E740481C1C}">
+                <a14:useLocalDpi xmlns:a14="http://schemas.microsoft.com/office/drawing/2010/main" val="0"/>
+              </a:ext>
+            </a:extLst>
+          </a:blip>
+          <a:stretch>
+            <a:fillRect/>
+          </a:stretch>
+        </p:blipFill>
+        <p:spPr>
+          <a:xfrm>
+            <a:off x="990600" y="1201270"/>
+            <a:ext cx="5173532" cy="5173532"/>
+          </a:xfrm>
+          <a:prstGeom prst="rect">
+            <a:avLst/>
+          </a:prstGeom>
+        </p:spPr>
+      </p:pic>
     </p:spTree>
     <p:extLst>
       <p:ext uri="{BB962C8B-B14F-4D97-AF65-F5344CB8AC3E}">
-        <p14:creationId xmlns:p14="http://schemas.microsoft.com/office/powerpoint/2010/main" val="1256522033"/>
+        <p14:creationId xmlns:p14="http://schemas.microsoft.com/office/powerpoint/2010/main" val="3338335739"/>
       </p:ext>
     </p:extLst>
   </p:cSld>
@@ -9334,7 +13726,7 @@
     </a:clrScheme>
     <a:fontScheme name="Office 테마">
       <a:majorFont>
-        <a:latin typeface="Calibri Light" panose="020F0302020204030204"/>
+        <a:latin typeface="Calibri Light"/>
         <a:ea typeface=""/>
         <a:cs typeface=""/>
         <a:font script="Jpan" typeface="游ゴシック Light"/>
@@ -9369,7 +13761,7 @@
         <a:font script="Geor" typeface="Sylfaen"/>
       </a:majorFont>
       <a:minorFont>
-        <a:latin typeface="Calibri" panose="020F0502020204030204"/>
+        <a:latin typeface="Calibri"/>
         <a:ea typeface=""/>
         <a:cs typeface=""/>
         <a:font script="Jpan" typeface="游ゴシック"/>

--- a/Game_Design/2019184003 김 선아 장르 제안서.pptx
+++ b/Game_Design/2019184003 김 선아 장르 제안서.pptx
@@ -13,20 +13,21 @@
     <p:sldId id="268" r:id="rId7"/>
     <p:sldId id="274" r:id="rId8"/>
     <p:sldId id="269" r:id="rId9"/>
-    <p:sldId id="291" r:id="rId10"/>
-    <p:sldId id="276" r:id="rId11"/>
-    <p:sldId id="290" r:id="rId12"/>
-    <p:sldId id="289" r:id="rId13"/>
-    <p:sldId id="277" r:id="rId14"/>
-    <p:sldId id="272" r:id="rId15"/>
-    <p:sldId id="273" r:id="rId16"/>
-    <p:sldId id="271" r:id="rId17"/>
-    <p:sldId id="279" r:id="rId18"/>
-    <p:sldId id="278" r:id="rId19"/>
-    <p:sldId id="264" r:id="rId20"/>
-    <p:sldId id="280" r:id="rId21"/>
-    <p:sldId id="281" r:id="rId22"/>
-    <p:sldId id="262" r:id="rId23"/>
+    <p:sldId id="292" r:id="rId10"/>
+    <p:sldId id="291" r:id="rId11"/>
+    <p:sldId id="276" r:id="rId12"/>
+    <p:sldId id="290" r:id="rId13"/>
+    <p:sldId id="289" r:id="rId14"/>
+    <p:sldId id="277" r:id="rId15"/>
+    <p:sldId id="272" r:id="rId16"/>
+    <p:sldId id="273" r:id="rId17"/>
+    <p:sldId id="271" r:id="rId18"/>
+    <p:sldId id="279" r:id="rId19"/>
+    <p:sldId id="278" r:id="rId20"/>
+    <p:sldId id="293" r:id="rId21"/>
+    <p:sldId id="280" r:id="rId22"/>
+    <p:sldId id="281" r:id="rId23"/>
+    <p:sldId id="262" r:id="rId24"/>
   </p:sldIdLst>
   <p:sldSz cx="12192000" cy="6858000"/>
   <p:notesSz cx="6858000" cy="9144000"/>
@@ -3150,14 +3151,6 @@
 <file path=ppt/slides/slide10.xml><?xml version="1.0" encoding="utf-8"?>
 <p:sld xmlns:a="http://schemas.openxmlformats.org/drawingml/2006/main" xmlns:r="http://schemas.openxmlformats.org/officeDocument/2006/relationships" xmlns:p="http://schemas.openxmlformats.org/presentationml/2006/main">
   <p:cSld>
-    <p:bg>
-      <p:bgPr>
-        <a:solidFill>
-          <a:srgbClr val="8BA9AB"/>
-        </a:solidFill>
-        <a:effectLst/>
-      </p:bgPr>
-    </p:bg>
     <p:spTree>
       <p:nvGrpSpPr>
         <p:cNvPr id="1" name=""/>
@@ -3216,6 +3209,10 @@
           <a:lstStyle/>
           <a:p>
             <a:pPr algn="ctr"/>
+            <a:r>
+              <a:rPr lang="en-US" altLang="ko-KR"/>
+              <a:t>s</a:t>
+            </a:r>
             <a:endParaRPr lang="ko-KR" altLang="en-US"/>
           </a:p>
         </p:txBody>
@@ -3229,7 +3226,7 @@
         <p:spPr>
           <a:xfrm>
             <a:off x="469900" y="260991"/>
-            <a:ext cx="6692900" cy="584775"/>
+            <a:ext cx="5412740" cy="1077218"/>
           </a:xfrm>
           <a:prstGeom prst="rect">
             <a:avLst/>
@@ -3244,13 +3241,45 @@
           <a:p>
             <a:r>
               <a:rPr lang="en-US" altLang="ko-KR" sz="3200" dirty="0">
-                <a:solidFill>
-                  <a:schemeClr val="bg1"/>
-                </a:solidFill>
                 <a:latin typeface="여기어때 잘난체" panose="020B0600000101010101" pitchFamily="50" charset="-127"/>
                 <a:ea typeface="여기어때 잘난체" panose="020B0600000101010101" pitchFamily="50" charset="-127"/>
               </a:rPr>
               <a:t>02. </a:t>
+            </a:r>
+            <a:r>
+              <a:rPr lang="ko-KR" altLang="en-US" sz="3200" dirty="0">
+                <a:latin typeface="여기어때 잘난체" panose="020B0600000101010101" pitchFamily="50" charset="-127"/>
+                <a:ea typeface="여기어때 잘난체" panose="020B0600000101010101" pitchFamily="50" charset="-127"/>
+              </a:rPr>
+              <a:t>게임소개 </a:t>
+            </a:r>
+            <a:r>
+              <a:rPr lang="en-US" altLang="ko-KR" sz="3200" dirty="0">
+                <a:latin typeface="여기어때 잘난체" panose="020B0600000101010101" pitchFamily="50" charset="-127"/>
+                <a:ea typeface="여기어때 잘난체" panose="020B0600000101010101" pitchFamily="50" charset="-127"/>
+              </a:rPr>
+              <a:t>– </a:t>
+            </a:r>
+            <a:r>
+              <a:rPr lang="ko-KR" altLang="en-US" sz="3200" dirty="0">
+                <a:latin typeface="여기어때 잘난체" panose="020B0600000101010101" pitchFamily="50" charset="-127"/>
+                <a:ea typeface="여기어때 잘난체" panose="020B0600000101010101" pitchFamily="50" charset="-127"/>
+              </a:rPr>
+              <a:t>게임 월드 </a:t>
+            </a:r>
+            <a:r>
+              <a:rPr lang="ko-KR" altLang="en-US" sz="1200" dirty="0" err="1">
+                <a:latin typeface="여기어때 잘난체" panose="020B0600000101010101" pitchFamily="50" charset="-127"/>
+                <a:ea typeface="여기어때 잘난체" panose="020B0600000101010101" pitchFamily="50" charset="-127"/>
+              </a:rPr>
+              <a:t>잡몹전</a:t>
+            </a:r>
+            <a:r>
+              <a:rPr lang="en-US" altLang="ko-KR" sz="1200" dirty="0">
+                <a:latin typeface="여기어때 잘난체" panose="020B0600000101010101" pitchFamily="50" charset="-127"/>
+                <a:ea typeface="여기어때 잘난체" panose="020B0600000101010101" pitchFamily="50" charset="-127"/>
+              </a:rPr>
+              <a:t> </a:t>
             </a:r>
             <a:r>
               <a:rPr lang="ko-KR" altLang="en-US" sz="3200" dirty="0">
@@ -3260,32 +3289,53 @@
                 <a:latin typeface="여기어때 잘난체" panose="020B0600000101010101" pitchFamily="50" charset="-127"/>
                 <a:ea typeface="여기어때 잘난체" panose="020B0600000101010101" pitchFamily="50" charset="-127"/>
               </a:rPr>
-              <a:t>게임 소개 </a:t>
-            </a:r>
-            <a:r>
-              <a:rPr lang="en-US" altLang="ko-KR" sz="3200" dirty="0">
-                <a:solidFill>
-                  <a:schemeClr val="bg1"/>
-                </a:solidFill>
-                <a:latin typeface="여기어때 잘난체" panose="020B0600000101010101" pitchFamily="50" charset="-127"/>
-                <a:ea typeface="여기어때 잘난체" panose="020B0600000101010101" pitchFamily="50" charset="-127"/>
-              </a:rPr>
-              <a:t>– </a:t>
-            </a:r>
-            <a:r>
-              <a:rPr lang="ko-KR" altLang="en-US" sz="3200" dirty="0">
-                <a:solidFill>
-                  <a:schemeClr val="bg1"/>
-                </a:solidFill>
-                <a:latin typeface="여기어때 잘난체" panose="020B0600000101010101" pitchFamily="50" charset="-127"/>
-                <a:ea typeface="여기어때 잘난체" panose="020B0600000101010101" pitchFamily="50" charset="-127"/>
-              </a:rPr>
-              <a:t>게임 플레이어 </a:t>
-            </a:r>
-          </a:p>
-        </p:txBody>
-      </p:sp>
+              <a:t>게임 월드 </a:t>
+            </a:r>
+          </a:p>
+        </p:txBody>
+      </p:sp>
+      <p:pic>
+        <p:nvPicPr>
+          <p:cNvPr id="4" name="그림 3">
+            <a:extLst>
+              <a:ext uri="{FF2B5EF4-FFF2-40B4-BE49-F238E27FC236}">
+                <a16:creationId xmlns:a16="http://schemas.microsoft.com/office/drawing/2014/main" id="{CF767FF6-64A5-554C-F5B7-2DBE0680C07F}"/>
+              </a:ext>
+            </a:extLst>
+          </p:cNvPr>
+          <p:cNvPicPr>
+            <a:picLocks noChangeAspect="1"/>
+          </p:cNvPicPr>
+          <p:nvPr/>
+        </p:nvPicPr>
+        <p:blipFill>
+          <a:blip r:embed="rId2">
+            <a:extLst>
+              <a:ext uri="{28A0092B-C50C-407E-A947-70E740481C1C}">
+                <a14:useLocalDpi xmlns:a14="http://schemas.microsoft.com/office/drawing/2010/main" val="0"/>
+              </a:ext>
+            </a:extLst>
+          </a:blip>
+          <a:stretch>
+            <a:fillRect/>
+          </a:stretch>
+        </p:blipFill>
+        <p:spPr>
+          <a:xfrm>
+            <a:off x="990600" y="1201270"/>
+            <a:ext cx="5173532" cy="5173532"/>
+          </a:xfrm>
+          <a:prstGeom prst="rect">
+            <a:avLst/>
+          </a:prstGeom>
+        </p:spPr>
+      </p:pic>
     </p:spTree>
+    <p:extLst>
+      <p:ext uri="{BB962C8B-B14F-4D97-AF65-F5344CB8AC3E}">
+        <p14:creationId xmlns:p14="http://schemas.microsoft.com/office/powerpoint/2010/main" val="3338335739"/>
+      </p:ext>
+    </p:extLst>
   </p:cSld>
   <p:clrMapOvr>
     <a:masterClrMapping/>
@@ -3375,6 +3425,152 @@
         <p:spPr>
           <a:xfrm>
             <a:off x="469900" y="260991"/>
+            <a:ext cx="6692900" cy="584775"/>
+          </a:xfrm>
+          <a:prstGeom prst="rect">
+            <a:avLst/>
+          </a:prstGeom>
+          <a:noFill/>
+        </p:spPr>
+        <p:txBody>
+          <a:bodyPr wrap="square" rtlCol="0">
+            <a:spAutoFit/>
+          </a:bodyPr>
+          <a:lstStyle/>
+          <a:p>
+            <a:r>
+              <a:rPr lang="en-US" altLang="ko-KR" sz="3200" dirty="0">
+                <a:solidFill>
+                  <a:schemeClr val="bg1"/>
+                </a:solidFill>
+                <a:latin typeface="여기어때 잘난체" panose="020B0600000101010101" pitchFamily="50" charset="-127"/>
+                <a:ea typeface="여기어때 잘난체" panose="020B0600000101010101" pitchFamily="50" charset="-127"/>
+              </a:rPr>
+              <a:t>02. </a:t>
+            </a:r>
+            <a:r>
+              <a:rPr lang="ko-KR" altLang="en-US" sz="3200" dirty="0">
+                <a:solidFill>
+                  <a:schemeClr val="bg1"/>
+                </a:solidFill>
+                <a:latin typeface="여기어때 잘난체" panose="020B0600000101010101" pitchFamily="50" charset="-127"/>
+                <a:ea typeface="여기어때 잘난체" panose="020B0600000101010101" pitchFamily="50" charset="-127"/>
+              </a:rPr>
+              <a:t>게임 소개 </a:t>
+            </a:r>
+            <a:r>
+              <a:rPr lang="en-US" altLang="ko-KR" sz="3200" dirty="0">
+                <a:solidFill>
+                  <a:schemeClr val="bg1"/>
+                </a:solidFill>
+                <a:latin typeface="여기어때 잘난체" panose="020B0600000101010101" pitchFamily="50" charset="-127"/>
+                <a:ea typeface="여기어때 잘난체" panose="020B0600000101010101" pitchFamily="50" charset="-127"/>
+              </a:rPr>
+              <a:t>– </a:t>
+            </a:r>
+            <a:r>
+              <a:rPr lang="ko-KR" altLang="en-US" sz="3200" dirty="0">
+                <a:solidFill>
+                  <a:schemeClr val="bg1"/>
+                </a:solidFill>
+                <a:latin typeface="여기어때 잘난체" panose="020B0600000101010101" pitchFamily="50" charset="-127"/>
+                <a:ea typeface="여기어때 잘난체" panose="020B0600000101010101" pitchFamily="50" charset="-127"/>
+              </a:rPr>
+              <a:t>게임 플레이어 </a:t>
+            </a:r>
+          </a:p>
+        </p:txBody>
+      </p:sp>
+    </p:spTree>
+  </p:cSld>
+  <p:clrMapOvr>
+    <a:masterClrMapping/>
+  </p:clrMapOvr>
+</p:sld>
+</file>
+
+<file path=ppt/slides/slide12.xml><?xml version="1.0" encoding="utf-8"?>
+<p:sld xmlns:a="http://schemas.openxmlformats.org/drawingml/2006/main" xmlns:r="http://schemas.openxmlformats.org/officeDocument/2006/relationships" xmlns:p="http://schemas.openxmlformats.org/presentationml/2006/main">
+  <p:cSld>
+    <p:bg>
+      <p:bgPr>
+        <a:solidFill>
+          <a:srgbClr val="8BA9AB"/>
+        </a:solidFill>
+        <a:effectLst/>
+      </p:bgPr>
+    </p:bg>
+    <p:spTree>
+      <p:nvGrpSpPr>
+        <p:cNvPr id="1" name=""/>
+        <p:cNvGrpSpPr/>
+        <p:nvPr/>
+      </p:nvGrpSpPr>
+      <p:grpSpPr>
+        <a:xfrm>
+          <a:off x="0" y="0"/>
+          <a:ext cx="0" cy="0"/>
+          <a:chOff x="0" y="0"/>
+          <a:chExt cx="0" cy="0"/>
+        </a:xfrm>
+      </p:grpSpPr>
+      <p:sp>
+        <p:nvSpPr>
+          <p:cNvPr id="15" name="직사각형 14"/>
+          <p:cNvSpPr/>
+          <p:nvPr/>
+        </p:nvSpPr>
+        <p:spPr>
+          <a:xfrm>
+            <a:off x="469900" y="925976"/>
+            <a:ext cx="11226800" cy="5617119"/>
+          </a:xfrm>
+          <a:prstGeom prst="rect">
+            <a:avLst/>
+          </a:prstGeom>
+          <a:solidFill>
+            <a:schemeClr val="bg1"/>
+          </a:solidFill>
+          <a:ln w="28575">
+            <a:solidFill>
+              <a:srgbClr val="A3BCBD"/>
+            </a:solidFill>
+          </a:ln>
+        </p:spPr>
+        <p:style>
+          <a:lnRef idx="2">
+            <a:schemeClr val="accent1">
+              <a:shade val="50000"/>
+            </a:schemeClr>
+          </a:lnRef>
+          <a:fillRef idx="1">
+            <a:schemeClr val="accent1"/>
+          </a:fillRef>
+          <a:effectRef idx="0">
+            <a:schemeClr val="accent1"/>
+          </a:effectRef>
+          <a:fontRef idx="minor">
+            <a:schemeClr val="lt1"/>
+          </a:fontRef>
+        </p:style>
+        <p:txBody>
+          <a:bodyPr rtlCol="0" anchor="ctr"/>
+          <a:lstStyle/>
+          <a:p>
+            <a:pPr algn="ctr"/>
+            <a:endParaRPr lang="ko-KR" altLang="en-US"/>
+          </a:p>
+        </p:txBody>
+      </p:sp>
+      <p:sp>
+        <p:nvSpPr>
+          <p:cNvPr id="18" name="TextBox 17"/>
+          <p:cNvSpPr txBox="1"/>
+          <p:nvPr/>
+        </p:nvSpPr>
+        <p:spPr>
+          <a:xfrm>
+            <a:off x="469900" y="260991"/>
             <a:ext cx="6692900" cy="583565"/>
           </a:xfrm>
           <a:prstGeom prst="rect">
@@ -3465,7 +3661,7 @@
         </p:nvSpPr>
         <p:spPr>
           <a:xfrm>
-            <a:off x="2522855" y="1209040"/>
+            <a:off x="2522855" y="1096746"/>
             <a:ext cx="3111500" cy="2001520"/>
           </a:xfrm>
           <a:prstGeom prst="rect">
@@ -3483,6 +3679,9 @@
           <a:lstStyle/>
           <a:p>
             <a:pPr indent="0">
+              <a:lnSpc>
+                <a:spcPct val="150000"/>
+              </a:lnSpc>
               <a:spcBef>
                 <a:spcPts val="0"/>
               </a:spcBef>
@@ -3492,32 +3691,35 @@
               <a:buNone/>
             </a:pPr>
             <a:r>
-              <a:rPr lang="en-US" sz="1200">
-                <a:latin typeface="맑은 고딕" panose="020B0503020000020004" charset="-127"/>
-                <a:ea typeface="맑은 고딕" panose="020B0503020000020004" charset="-127"/>
+              <a:rPr lang="en-US" sz="1200" dirty="0">
+                <a:latin typeface="G마켓 산스 TTF Medium" panose="02000000000000000000" pitchFamily="2" charset="-127"/>
+                <a:ea typeface="G마켓 산스 TTF Medium" panose="02000000000000000000" pitchFamily="2" charset="-127"/>
                 <a:cs typeface="맑은 고딕" panose="020B0503020000020004" charset="-127"/>
                 <a:sym typeface="맑은 고딕" panose="020B0503020000020004" charset="-127"/>
               </a:rPr>
               <a:t>        </a:t>
             </a:r>
             <a:r>
-              <a:rPr lang="ko-KR" altLang="en-US" sz="1600" b="1">
-                <a:latin typeface="맑은 고딕" panose="020B0503020000020004" charset="-127"/>
-                <a:ea typeface="맑은 고딕" panose="020B0503020000020004" charset="-127"/>
+              <a:rPr lang="ko-KR" altLang="en-US" sz="1600" b="1" dirty="0" err="1">
+                <a:latin typeface="G마켓 산스 TTF Medium" panose="02000000000000000000" pitchFamily="2" charset="-127"/>
+                <a:ea typeface="G마켓 산스 TTF Medium" panose="02000000000000000000" pitchFamily="2" charset="-127"/>
                 <a:cs typeface="맑은 고딕" panose="020B0503020000020004" charset="-127"/>
                 <a:sym typeface="맑은 고딕" panose="020B0503020000020004" charset="-127"/>
               </a:rPr>
               <a:t>고블린</a:t>
             </a:r>
-            <a:endParaRPr sz="1600" b="1">
-              <a:latin typeface="맑은 고딕" panose="020B0503020000020004" charset="-127"/>
-              <a:ea typeface="맑은 고딕" panose="020B0503020000020004" charset="-127"/>
+            <a:endParaRPr sz="1600" b="1" dirty="0">
+              <a:latin typeface="G마켓 산스 TTF Medium" panose="02000000000000000000" pitchFamily="2" charset="-127"/>
+              <a:ea typeface="G마켓 산스 TTF Medium" panose="02000000000000000000" pitchFamily="2" charset="-127"/>
               <a:cs typeface="맑은 고딕" panose="020B0503020000020004" charset="-127"/>
               <a:sym typeface="맑은 고딕" panose="020B0503020000020004" charset="-127"/>
             </a:endParaRPr>
           </a:p>
           <a:p>
             <a:pPr indent="0">
+              <a:lnSpc>
+                <a:spcPct val="150000"/>
+              </a:lnSpc>
               <a:spcBef>
                 <a:spcPts val="0"/>
               </a:spcBef>
@@ -3526,15 +3728,18 @@
               </a:spcAft>
               <a:buNone/>
             </a:pPr>
-            <a:endParaRPr sz="1200">
-              <a:latin typeface="맑은 고딕" panose="020B0503020000020004" charset="-127"/>
-              <a:ea typeface="맑은 고딕" panose="020B0503020000020004" charset="-127"/>
+            <a:endParaRPr sz="1200" dirty="0">
+              <a:latin typeface="G마켓 산스 TTF Medium" panose="02000000000000000000" pitchFamily="2" charset="-127"/>
+              <a:ea typeface="G마켓 산스 TTF Medium" panose="02000000000000000000" pitchFamily="2" charset="-127"/>
               <a:cs typeface="맑은 고딕" panose="020B0503020000020004" charset="-127"/>
               <a:sym typeface="맑은 고딕" panose="020B0503020000020004" charset="-127"/>
             </a:endParaRPr>
           </a:p>
           <a:p>
             <a:pPr indent="0">
+              <a:lnSpc>
+                <a:spcPct val="150000"/>
+              </a:lnSpc>
               <a:spcBef>
                 <a:spcPts val="0"/>
               </a:spcBef>
@@ -3544,23 +3749,26 @@
               <a:buNone/>
             </a:pPr>
             <a:r>
-              <a:rPr lang="en-US" sz="1300">
-                <a:latin typeface="맑은 고딕" panose="020B0503020000020004" charset="-127"/>
-                <a:ea typeface="맑은 고딕" panose="020B0503020000020004" charset="-127"/>
+              <a:rPr lang="en-US" sz="1300" dirty="0">
+                <a:latin typeface="G마켓 산스 TTF Medium" panose="02000000000000000000" pitchFamily="2" charset="-127"/>
+                <a:ea typeface="G마켓 산스 TTF Medium" panose="02000000000000000000" pitchFamily="2" charset="-127"/>
                 <a:cs typeface="맑은 고딕" panose="020B0503020000020004" charset="-127"/>
                 <a:sym typeface="맑은 고딕" panose="020B0503020000020004" charset="-127"/>
               </a:rPr>
               <a:t>- 키 : 100cm</a:t>
             </a:r>
-            <a:endParaRPr sz="1300">
-              <a:latin typeface="맑은 고딕" panose="020B0503020000020004" charset="-127"/>
-              <a:ea typeface="맑은 고딕" panose="020B0503020000020004" charset="-127"/>
+            <a:endParaRPr sz="1300" dirty="0">
+              <a:latin typeface="G마켓 산스 TTF Medium" panose="02000000000000000000" pitchFamily="2" charset="-127"/>
+              <a:ea typeface="G마켓 산스 TTF Medium" panose="02000000000000000000" pitchFamily="2" charset="-127"/>
               <a:cs typeface="맑은 고딕" panose="020B0503020000020004" charset="-127"/>
               <a:sym typeface="맑은 고딕" panose="020B0503020000020004" charset="-127"/>
             </a:endParaRPr>
           </a:p>
           <a:p>
             <a:pPr indent="0">
+              <a:lnSpc>
+                <a:spcPct val="150000"/>
+              </a:lnSpc>
               <a:spcBef>
                 <a:spcPts val="0"/>
               </a:spcBef>
@@ -3570,23 +3778,44 @@
               <a:buNone/>
             </a:pPr>
             <a:r>
-              <a:rPr lang="en-US" sz="1300">
-                <a:latin typeface="맑은 고딕" panose="020B0503020000020004" charset="-127"/>
-                <a:ea typeface="맑은 고딕" panose="020B0503020000020004" charset="-127"/>
-                <a:cs typeface="맑은 고딕" panose="020B0503020000020004" charset="-127"/>
-                <a:sym typeface="맑은 고딕" panose="020B0503020000020004" charset="-127"/>
-              </a:rPr>
-              <a:t>- 이동속도 : 1km/h</a:t>
-            </a:r>
-            <a:endParaRPr sz="1300">
-              <a:latin typeface="맑은 고딕" panose="020B0503020000020004" charset="-127"/>
-              <a:ea typeface="맑은 고딕" panose="020B0503020000020004" charset="-127"/>
+              <a:rPr lang="en-US" sz="1300" dirty="0">
+                <a:latin typeface="G마켓 산스 TTF Medium" panose="02000000000000000000" pitchFamily="2" charset="-127"/>
+                <a:ea typeface="G마켓 산스 TTF Medium" panose="02000000000000000000" pitchFamily="2" charset="-127"/>
+                <a:cs typeface="맑은 고딕" panose="020B0503020000020004" charset="-127"/>
+                <a:sym typeface="맑은 고딕" panose="020B0503020000020004" charset="-127"/>
+              </a:rPr>
+              <a:t>- </a:t>
+            </a:r>
+            <a:r>
+              <a:rPr lang="en-US" sz="1300" dirty="0" err="1">
+                <a:latin typeface="G마켓 산스 TTF Medium" panose="02000000000000000000" pitchFamily="2" charset="-127"/>
+                <a:ea typeface="G마켓 산스 TTF Medium" panose="02000000000000000000" pitchFamily="2" charset="-127"/>
+                <a:cs typeface="맑은 고딕" panose="020B0503020000020004" charset="-127"/>
+                <a:sym typeface="맑은 고딕" panose="020B0503020000020004" charset="-127"/>
+              </a:rPr>
+              <a:t>이동속도</a:t>
+            </a:r>
+            <a:r>
+              <a:rPr lang="en-US" sz="1300" dirty="0">
+                <a:latin typeface="G마켓 산스 TTF Medium" panose="02000000000000000000" pitchFamily="2" charset="-127"/>
+                <a:ea typeface="G마켓 산스 TTF Medium" panose="02000000000000000000" pitchFamily="2" charset="-127"/>
+                <a:cs typeface="맑은 고딕" panose="020B0503020000020004" charset="-127"/>
+                <a:sym typeface="맑은 고딕" panose="020B0503020000020004" charset="-127"/>
+              </a:rPr>
+              <a:t> : 1km/h</a:t>
+            </a:r>
+            <a:endParaRPr sz="1300" dirty="0">
+              <a:latin typeface="G마켓 산스 TTF Medium" panose="02000000000000000000" pitchFamily="2" charset="-127"/>
+              <a:ea typeface="G마켓 산스 TTF Medium" panose="02000000000000000000" pitchFamily="2" charset="-127"/>
               <a:cs typeface="맑은 고딕" panose="020B0503020000020004" charset="-127"/>
               <a:sym typeface="맑은 고딕" panose="020B0503020000020004" charset="-127"/>
             </a:endParaRPr>
           </a:p>
           <a:p>
             <a:pPr indent="0">
+              <a:lnSpc>
+                <a:spcPct val="150000"/>
+              </a:lnSpc>
               <a:spcBef>
                 <a:spcPts val="0"/>
               </a:spcBef>
@@ -3596,17 +3825,38 @@
               <a:buNone/>
             </a:pPr>
             <a:r>
-              <a:rPr lang="en-US" sz="1300">
-                <a:latin typeface="맑은 고딕" panose="020B0503020000020004" charset="-127"/>
-                <a:ea typeface="맑은 고딕" panose="020B0503020000020004" charset="-127"/>
-                <a:cs typeface="맑은 고딕" panose="020B0503020000020004" charset="-127"/>
-                <a:sym typeface="맑은 고딕" panose="020B0503020000020004" charset="-127"/>
-              </a:rPr>
-              <a:t>- 체력 : 100</a:t>
+              <a:rPr lang="en-US" sz="1300" dirty="0">
+                <a:latin typeface="G마켓 산스 TTF Medium" panose="02000000000000000000" pitchFamily="2" charset="-127"/>
+                <a:ea typeface="G마켓 산스 TTF Medium" panose="02000000000000000000" pitchFamily="2" charset="-127"/>
+                <a:cs typeface="맑은 고딕" panose="020B0503020000020004" charset="-127"/>
+                <a:sym typeface="맑은 고딕" panose="020B0503020000020004" charset="-127"/>
+              </a:rPr>
+              <a:t>- </a:t>
+            </a:r>
+            <a:r>
+              <a:rPr lang="en-US" sz="1300" dirty="0" err="1">
+                <a:latin typeface="G마켓 산스 TTF Medium" panose="02000000000000000000" pitchFamily="2" charset="-127"/>
+                <a:ea typeface="G마켓 산스 TTF Medium" panose="02000000000000000000" pitchFamily="2" charset="-127"/>
+                <a:cs typeface="맑은 고딕" panose="020B0503020000020004" charset="-127"/>
+                <a:sym typeface="맑은 고딕" panose="020B0503020000020004" charset="-127"/>
+              </a:rPr>
+              <a:t>체력</a:t>
+            </a:r>
+            <a:r>
+              <a:rPr lang="en-US" sz="1300" dirty="0">
+                <a:latin typeface="G마켓 산스 TTF Medium" panose="02000000000000000000" pitchFamily="2" charset="-127"/>
+                <a:ea typeface="G마켓 산스 TTF Medium" panose="02000000000000000000" pitchFamily="2" charset="-127"/>
+                <a:cs typeface="맑은 고딕" panose="020B0503020000020004" charset="-127"/>
+                <a:sym typeface="맑은 고딕" panose="020B0503020000020004" charset="-127"/>
+              </a:rPr>
+              <a:t> : 100</a:t>
             </a:r>
           </a:p>
           <a:p>
             <a:pPr indent="0">
+              <a:lnSpc>
+                <a:spcPct val="150000"/>
+              </a:lnSpc>
               <a:spcBef>
                 <a:spcPts val="0"/>
               </a:spcBef>
@@ -3616,68 +3866,71 @@
               <a:buNone/>
             </a:pPr>
             <a:r>
-              <a:rPr lang="en-US" sz="1300">
-                <a:latin typeface="맑은 고딕" panose="020B0503020000020004" charset="-127"/>
-                <a:ea typeface="맑은 고딕" panose="020B0503020000020004" charset="-127"/>
+              <a:rPr lang="en-US" sz="1300" dirty="0">
+                <a:latin typeface="G마켓 산스 TTF Medium" panose="02000000000000000000" pitchFamily="2" charset="-127"/>
+                <a:ea typeface="G마켓 산스 TTF Medium" panose="02000000000000000000" pitchFamily="2" charset="-127"/>
                 <a:cs typeface="맑은 고딕" panose="020B0503020000020004" charset="-127"/>
                 <a:sym typeface="맑은 고딕" panose="020B0503020000020004" charset="-127"/>
               </a:rPr>
               <a:t>- </a:t>
             </a:r>
             <a:r>
-              <a:rPr lang="ko-KR" altLang="en-US" sz="1300">
-                <a:latin typeface="맑은 고딕" panose="020B0503020000020004" charset="-127"/>
-                <a:ea typeface="맑은 고딕" panose="020B0503020000020004" charset="-127"/>
+              <a:rPr lang="ko-KR" altLang="en-US" sz="1300" dirty="0">
+                <a:latin typeface="G마켓 산스 TTF Medium" panose="02000000000000000000" pitchFamily="2" charset="-127"/>
+                <a:ea typeface="G마켓 산스 TTF Medium" panose="02000000000000000000" pitchFamily="2" charset="-127"/>
                 <a:cs typeface="맑은 고딕" panose="020B0503020000020004" charset="-127"/>
                 <a:sym typeface="맑은 고딕" panose="020B0503020000020004" charset="-127"/>
               </a:rPr>
               <a:t>공격속도</a:t>
             </a:r>
             <a:r>
-              <a:rPr lang="en-US" altLang="ko-KR" sz="1300">
-                <a:latin typeface="맑은 고딕" panose="020B0503020000020004" charset="-127"/>
-                <a:ea typeface="맑은 고딕" panose="020B0503020000020004" charset="-127"/>
+              <a:rPr lang="en-US" altLang="ko-KR" sz="1300" dirty="0">
+                <a:latin typeface="G마켓 산스 TTF Medium" panose="02000000000000000000" pitchFamily="2" charset="-127"/>
+                <a:ea typeface="G마켓 산스 TTF Medium" panose="02000000000000000000" pitchFamily="2" charset="-127"/>
                 <a:cs typeface="맑은 고딕" panose="020B0503020000020004" charset="-127"/>
                 <a:sym typeface="맑은 고딕" panose="020B0503020000020004" charset="-127"/>
               </a:rPr>
               <a:t> : 1</a:t>
             </a:r>
             <a:r>
-              <a:rPr lang="ko-KR" altLang="en-US" sz="1300">
-                <a:latin typeface="맑은 고딕" panose="020B0503020000020004" charset="-127"/>
-                <a:ea typeface="맑은 고딕" panose="020B0503020000020004" charset="-127"/>
+              <a:rPr lang="ko-KR" altLang="en-US" sz="1300" dirty="0">
+                <a:latin typeface="G마켓 산스 TTF Medium" panose="02000000000000000000" pitchFamily="2" charset="-127"/>
+                <a:ea typeface="G마켓 산스 TTF Medium" panose="02000000000000000000" pitchFamily="2" charset="-127"/>
                 <a:cs typeface="맑은 고딕" panose="020B0503020000020004" charset="-127"/>
                 <a:sym typeface="맑은 고딕" panose="020B0503020000020004" charset="-127"/>
               </a:rPr>
               <a:t>초에</a:t>
             </a:r>
             <a:r>
-              <a:rPr lang="en-US" altLang="ko-KR" sz="1300">
-                <a:latin typeface="맑은 고딕" panose="020B0503020000020004" charset="-127"/>
-                <a:ea typeface="맑은 고딕" panose="020B0503020000020004" charset="-127"/>
+              <a:rPr lang="en-US" altLang="ko-KR" sz="1300" dirty="0">
+                <a:latin typeface="G마켓 산스 TTF Medium" panose="02000000000000000000" pitchFamily="2" charset="-127"/>
+                <a:ea typeface="G마켓 산스 TTF Medium" panose="02000000000000000000" pitchFamily="2" charset="-127"/>
                 <a:cs typeface="맑은 고딕" panose="020B0503020000020004" charset="-127"/>
                 <a:sym typeface="맑은 고딕" panose="020B0503020000020004" charset="-127"/>
               </a:rPr>
               <a:t> 1</a:t>
             </a:r>
             <a:r>
-              <a:rPr lang="ko-KR" altLang="en-US" sz="1300">
-                <a:latin typeface="맑은 고딕" panose="020B0503020000020004" charset="-127"/>
-                <a:ea typeface="맑은 고딕" panose="020B0503020000020004" charset="-127"/>
+              <a:rPr lang="ko-KR" altLang="en-US" sz="1300" dirty="0">
+                <a:latin typeface="G마켓 산스 TTF Medium" panose="02000000000000000000" pitchFamily="2" charset="-127"/>
+                <a:ea typeface="G마켓 산스 TTF Medium" panose="02000000000000000000" pitchFamily="2" charset="-127"/>
                 <a:cs typeface="맑은 고딕" panose="020B0503020000020004" charset="-127"/>
                 <a:sym typeface="맑은 고딕" panose="020B0503020000020004" charset="-127"/>
               </a:rPr>
               <a:t>번</a:t>
             </a:r>
-            <a:endParaRPr sz="1300">
-              <a:latin typeface="맑은 고딕" panose="020B0503020000020004" charset="-127"/>
-              <a:ea typeface="맑은 고딕" panose="020B0503020000020004" charset="-127"/>
+            <a:endParaRPr sz="1300" dirty="0">
+              <a:latin typeface="G마켓 산스 TTF Medium" panose="02000000000000000000" pitchFamily="2" charset="-127"/>
+              <a:ea typeface="G마켓 산스 TTF Medium" panose="02000000000000000000" pitchFamily="2" charset="-127"/>
               <a:cs typeface="맑은 고딕" panose="020B0503020000020004" charset="-127"/>
               <a:sym typeface="맑은 고딕" panose="020B0503020000020004" charset="-127"/>
             </a:endParaRPr>
           </a:p>
           <a:p>
             <a:pPr indent="0">
+              <a:lnSpc>
+                <a:spcPct val="150000"/>
+              </a:lnSpc>
               <a:spcBef>
                 <a:spcPts val="0"/>
               </a:spcBef>
@@ -3687,23 +3940,44 @@
               <a:buNone/>
             </a:pPr>
             <a:r>
-              <a:rPr lang="en-US" sz="1300">
-                <a:latin typeface="맑은 고딕" panose="020B0503020000020004" charset="-127"/>
-                <a:ea typeface="맑은 고딕" panose="020B0503020000020004" charset="-127"/>
-                <a:cs typeface="맑은 고딕" panose="020B0503020000020004" charset="-127"/>
-                <a:sym typeface="맑은 고딕" panose="020B0503020000020004" charset="-127"/>
-              </a:rPr>
-              <a:t>- 데미지 : 20</a:t>
-            </a:r>
-            <a:endParaRPr sz="1300">
-              <a:latin typeface="맑은 고딕" panose="020B0503020000020004" charset="-127"/>
-              <a:ea typeface="맑은 고딕" panose="020B0503020000020004" charset="-127"/>
+              <a:rPr lang="en-US" sz="1300" dirty="0">
+                <a:latin typeface="G마켓 산스 TTF Medium" panose="02000000000000000000" pitchFamily="2" charset="-127"/>
+                <a:ea typeface="G마켓 산스 TTF Medium" panose="02000000000000000000" pitchFamily="2" charset="-127"/>
+                <a:cs typeface="맑은 고딕" panose="020B0503020000020004" charset="-127"/>
+                <a:sym typeface="맑은 고딕" panose="020B0503020000020004" charset="-127"/>
+              </a:rPr>
+              <a:t>- </a:t>
+            </a:r>
+            <a:r>
+              <a:rPr lang="en-US" sz="1300" dirty="0" err="1">
+                <a:latin typeface="G마켓 산스 TTF Medium" panose="02000000000000000000" pitchFamily="2" charset="-127"/>
+                <a:ea typeface="G마켓 산스 TTF Medium" panose="02000000000000000000" pitchFamily="2" charset="-127"/>
+                <a:cs typeface="맑은 고딕" panose="020B0503020000020004" charset="-127"/>
+                <a:sym typeface="맑은 고딕" panose="020B0503020000020004" charset="-127"/>
+              </a:rPr>
+              <a:t>데미지</a:t>
+            </a:r>
+            <a:r>
+              <a:rPr lang="en-US" sz="1300" dirty="0">
+                <a:latin typeface="G마켓 산스 TTF Medium" panose="02000000000000000000" pitchFamily="2" charset="-127"/>
+                <a:ea typeface="G마켓 산스 TTF Medium" panose="02000000000000000000" pitchFamily="2" charset="-127"/>
+                <a:cs typeface="맑은 고딕" panose="020B0503020000020004" charset="-127"/>
+                <a:sym typeface="맑은 고딕" panose="020B0503020000020004" charset="-127"/>
+              </a:rPr>
+              <a:t> : 20</a:t>
+            </a:r>
+            <a:endParaRPr sz="1300" dirty="0">
+              <a:latin typeface="G마켓 산스 TTF Medium" panose="02000000000000000000" pitchFamily="2" charset="-127"/>
+              <a:ea typeface="G마켓 산스 TTF Medium" panose="02000000000000000000" pitchFamily="2" charset="-127"/>
               <a:cs typeface="맑은 고딕" panose="020B0503020000020004" charset="-127"/>
               <a:sym typeface="맑은 고딕" panose="020B0503020000020004" charset="-127"/>
             </a:endParaRPr>
           </a:p>
           <a:p>
             <a:pPr indent="0">
+              <a:lnSpc>
+                <a:spcPct val="150000"/>
+              </a:lnSpc>
               <a:spcBef>
                 <a:spcPts val="0"/>
               </a:spcBef>
@@ -3713,80 +3987,98 @@
               <a:buNone/>
             </a:pPr>
             <a:r>
-              <a:rPr lang="en-US" sz="1300">
-                <a:latin typeface="맑은 고딕" panose="020B0503020000020004" charset="-127"/>
-                <a:ea typeface="맑은 고딕" panose="020B0503020000020004" charset="-127"/>
-                <a:cs typeface="맑은 고딕" panose="020B0503020000020004" charset="-127"/>
-                <a:sym typeface="맑은 고딕" panose="020B0503020000020004" charset="-127"/>
-              </a:rPr>
-              <a:t>- 애니메이션 4종(Idle, </a:t>
-            </a:r>
-            <a:r>
-              <a:rPr lang="ko-KR" altLang="en-US" sz="1300">
-                <a:latin typeface="맑은 고딕" panose="020B0503020000020004" charset="-127"/>
-                <a:ea typeface="맑은 고딕" panose="020B0503020000020004" charset="-127"/>
+              <a:rPr lang="en-US" sz="1300" dirty="0">
+                <a:latin typeface="G마켓 산스 TTF Medium" panose="02000000000000000000" pitchFamily="2" charset="-127"/>
+                <a:ea typeface="G마켓 산스 TTF Medium" panose="02000000000000000000" pitchFamily="2" charset="-127"/>
+                <a:cs typeface="맑은 고딕" panose="020B0503020000020004" charset="-127"/>
+                <a:sym typeface="맑은 고딕" panose="020B0503020000020004" charset="-127"/>
+              </a:rPr>
+              <a:t>- </a:t>
+            </a:r>
+            <a:r>
+              <a:rPr lang="en-US" sz="1300" dirty="0" err="1">
+                <a:latin typeface="G마켓 산스 TTF Medium" panose="02000000000000000000" pitchFamily="2" charset="-127"/>
+                <a:ea typeface="G마켓 산스 TTF Medium" panose="02000000000000000000" pitchFamily="2" charset="-127"/>
+                <a:cs typeface="맑은 고딕" panose="020B0503020000020004" charset="-127"/>
+                <a:sym typeface="맑은 고딕" panose="020B0503020000020004" charset="-127"/>
+              </a:rPr>
+              <a:t>애니메이션</a:t>
+            </a:r>
+            <a:r>
+              <a:rPr lang="en-US" sz="1300" dirty="0">
+                <a:latin typeface="G마켓 산스 TTF Medium" panose="02000000000000000000" pitchFamily="2" charset="-127"/>
+                <a:ea typeface="G마켓 산스 TTF Medium" panose="02000000000000000000" pitchFamily="2" charset="-127"/>
+                <a:cs typeface="맑은 고딕" panose="020B0503020000020004" charset="-127"/>
+                <a:sym typeface="맑은 고딕" panose="020B0503020000020004" charset="-127"/>
+              </a:rPr>
+              <a:t> 4종(Idle, </a:t>
+            </a:r>
+            <a:r>
+              <a:rPr lang="ko-KR" altLang="en-US" sz="1300" dirty="0">
+                <a:latin typeface="G마켓 산스 TTF Medium" panose="02000000000000000000" pitchFamily="2" charset="-127"/>
+                <a:ea typeface="G마켓 산스 TTF Medium" panose="02000000000000000000" pitchFamily="2" charset="-127"/>
                 <a:cs typeface="맑은 고딕" panose="020B0503020000020004" charset="-127"/>
                 <a:sym typeface="맑은 고딕" panose="020B0503020000020004" charset="-127"/>
               </a:rPr>
               <a:t>이동</a:t>
             </a:r>
             <a:r>
-              <a:rPr lang="en-US" altLang="ko-KR" sz="1300">
-                <a:latin typeface="맑은 고딕" panose="020B0503020000020004" charset="-127"/>
-                <a:ea typeface="맑은 고딕" panose="020B0503020000020004" charset="-127"/>
+              <a:rPr lang="en-US" altLang="ko-KR" sz="1300" dirty="0">
+                <a:latin typeface="G마켓 산스 TTF Medium" panose="02000000000000000000" pitchFamily="2" charset="-127"/>
+                <a:ea typeface="G마켓 산스 TTF Medium" panose="02000000000000000000" pitchFamily="2" charset="-127"/>
                 <a:cs typeface="맑은 고딕" panose="020B0503020000020004" charset="-127"/>
                 <a:sym typeface="맑은 고딕" panose="020B0503020000020004" charset="-127"/>
               </a:rPr>
               <a:t>, </a:t>
             </a:r>
             <a:r>
-              <a:rPr lang="ko-KR" altLang="en-US" sz="1300">
-                <a:latin typeface="맑은 고딕" panose="020B0503020000020004" charset="-127"/>
-                <a:ea typeface="맑은 고딕" panose="020B0503020000020004" charset="-127"/>
+              <a:rPr lang="ko-KR" altLang="en-US" sz="1300" dirty="0">
+                <a:latin typeface="G마켓 산스 TTF Medium" panose="02000000000000000000" pitchFamily="2" charset="-127"/>
+                <a:ea typeface="G마켓 산스 TTF Medium" panose="02000000000000000000" pitchFamily="2" charset="-127"/>
                 <a:cs typeface="맑은 고딕" panose="020B0503020000020004" charset="-127"/>
                 <a:sym typeface="맑은 고딕" panose="020B0503020000020004" charset="-127"/>
               </a:rPr>
               <a:t>공격</a:t>
             </a:r>
             <a:r>
-              <a:rPr lang="en-US" altLang="ko-KR" sz="1300">
-                <a:latin typeface="맑은 고딕" panose="020B0503020000020004" charset="-127"/>
-                <a:ea typeface="맑은 고딕" panose="020B0503020000020004" charset="-127"/>
+              <a:rPr lang="en-US" altLang="ko-KR" sz="1300" dirty="0">
+                <a:latin typeface="G마켓 산스 TTF Medium" panose="02000000000000000000" pitchFamily="2" charset="-127"/>
+                <a:ea typeface="G마켓 산스 TTF Medium" panose="02000000000000000000" pitchFamily="2" charset="-127"/>
                 <a:cs typeface="맑은 고딕" panose="020B0503020000020004" charset="-127"/>
                 <a:sym typeface="맑은 고딕" panose="020B0503020000020004" charset="-127"/>
               </a:rPr>
               <a:t>, </a:t>
             </a:r>
             <a:r>
-              <a:rPr lang="ko-KR" altLang="en-US" sz="1300">
-                <a:latin typeface="맑은 고딕" panose="020B0503020000020004" charset="-127"/>
-                <a:ea typeface="맑은 고딕" panose="020B0503020000020004" charset="-127"/>
+              <a:rPr lang="ko-KR" altLang="en-US" sz="1300" dirty="0">
+                <a:latin typeface="G마켓 산스 TTF Medium" panose="02000000000000000000" pitchFamily="2" charset="-127"/>
+                <a:ea typeface="G마켓 산스 TTF Medium" panose="02000000000000000000" pitchFamily="2" charset="-127"/>
                 <a:cs typeface="맑은 고딕" panose="020B0503020000020004" charset="-127"/>
                 <a:sym typeface="맑은 고딕" panose="020B0503020000020004" charset="-127"/>
               </a:rPr>
               <a:t>사망</a:t>
             </a:r>
             <a:r>
-              <a:rPr lang="en-US" altLang="ko-KR" sz="1300">
-                <a:latin typeface="맑은 고딕" panose="020B0503020000020004" charset="-127"/>
-                <a:ea typeface="맑은 고딕" panose="020B0503020000020004" charset="-127"/>
+              <a:rPr lang="en-US" altLang="ko-KR" sz="1300" dirty="0">
+                <a:latin typeface="G마켓 산스 TTF Medium" panose="02000000000000000000" pitchFamily="2" charset="-127"/>
+                <a:ea typeface="G마켓 산스 TTF Medium" panose="02000000000000000000" pitchFamily="2" charset="-127"/>
                 <a:cs typeface="맑은 고딕" panose="020B0503020000020004" charset="-127"/>
                 <a:sym typeface="맑은 고딕" panose="020B0503020000020004" charset="-127"/>
               </a:rPr>
               <a:t>)</a:t>
             </a:r>
             <a:r>
-              <a:rPr lang="en-US" sz="1200">
-                <a:latin typeface="맑은 고딕" panose="020B0503020000020004" charset="-127"/>
-                <a:ea typeface="맑은 고딕" panose="020B0503020000020004" charset="-127"/>
+              <a:rPr lang="en-US" sz="1200" dirty="0">
+                <a:latin typeface="G마켓 산스 TTF Medium" panose="02000000000000000000" pitchFamily="2" charset="-127"/>
+                <a:ea typeface="G마켓 산스 TTF Medium" panose="02000000000000000000" pitchFamily="2" charset="-127"/>
                 <a:cs typeface="맑은 고딕" panose="020B0503020000020004" charset="-127"/>
                 <a:sym typeface="맑은 고딕" panose="020B0503020000020004" charset="-127"/>
               </a:rPr>
               <a:t> </a:t>
             </a:r>
-            <a:endParaRPr sz="1200">
-              <a:latin typeface="맑은 고딕" panose="020B0503020000020004" charset="-127"/>
-              <a:ea typeface="맑은 고딕" panose="020B0503020000020004" charset="-127"/>
+            <a:endParaRPr sz="1200" dirty="0">
+              <a:latin typeface="G마켓 산스 TTF Medium" panose="02000000000000000000" pitchFamily="2" charset="-127"/>
+              <a:ea typeface="G마켓 산스 TTF Medium" panose="02000000000000000000" pitchFamily="2" charset="-127"/>
               <a:cs typeface="맑은 고딕" panose="020B0503020000020004" charset="-127"/>
               <a:sym typeface="맑은 고딕" panose="020B0503020000020004" charset="-127"/>
             </a:endParaRPr>
@@ -3827,7 +4119,7 @@
         </p:nvSpPr>
         <p:spPr>
           <a:xfrm>
-            <a:off x="8091170" y="1209040"/>
+            <a:off x="8091170" y="1096746"/>
             <a:ext cx="3211195" cy="1859915"/>
           </a:xfrm>
           <a:prstGeom prst="rect">
@@ -3845,6 +4137,9 @@
           <a:lstStyle/>
           <a:p>
             <a:pPr indent="0">
+              <a:lnSpc>
+                <a:spcPct val="150000"/>
+              </a:lnSpc>
               <a:spcBef>
                 <a:spcPts val="0"/>
               </a:spcBef>
@@ -3855,8 +4150,8 @@
             </a:pPr>
             <a:r>
               <a:rPr lang="en-US" sz="1200">
-                <a:latin typeface="맑은 고딕" panose="020B0503020000020004" charset="-127"/>
-                <a:ea typeface="맑은 고딕" panose="020B0503020000020004" charset="-127"/>
+                <a:latin typeface="G마켓 산스 TTF Medium" panose="02000000000000000000" pitchFamily="2" charset="-127"/>
+                <a:ea typeface="G마켓 산스 TTF Medium" panose="02000000000000000000" pitchFamily="2" charset="-127"/>
                 <a:cs typeface="맑은 고딕" panose="020B0503020000020004" charset="-127"/>
                 <a:sym typeface="맑은 고딕" panose="020B0503020000020004" charset="-127"/>
               </a:rPr>
@@ -3864,22 +4159,25 @@
             </a:r>
             <a:r>
               <a:rPr lang="ko-KR" altLang="en-US" sz="1600" b="1">
-                <a:latin typeface="맑은 고딕" panose="020B0503020000020004" charset="-127"/>
-                <a:ea typeface="맑은 고딕" panose="020B0503020000020004" charset="-127"/>
+                <a:latin typeface="G마켓 산스 TTF Medium" panose="02000000000000000000" pitchFamily="2" charset="-127"/>
+                <a:ea typeface="G마켓 산스 TTF Medium" panose="02000000000000000000" pitchFamily="2" charset="-127"/>
                 <a:cs typeface="맑은 고딕" panose="020B0503020000020004" charset="-127"/>
                 <a:sym typeface="맑은 고딕" panose="020B0503020000020004" charset="-127"/>
               </a:rPr>
               <a:t>오거</a:t>
             </a:r>
             <a:endParaRPr sz="1600" b="1">
-              <a:latin typeface="맑은 고딕" panose="020B0503020000020004" charset="-127"/>
-              <a:ea typeface="맑은 고딕" panose="020B0503020000020004" charset="-127"/>
+              <a:latin typeface="G마켓 산스 TTF Medium" panose="02000000000000000000" pitchFamily="2" charset="-127"/>
+              <a:ea typeface="G마켓 산스 TTF Medium" panose="02000000000000000000" pitchFamily="2" charset="-127"/>
               <a:cs typeface="맑은 고딕" panose="020B0503020000020004" charset="-127"/>
               <a:sym typeface="맑은 고딕" panose="020B0503020000020004" charset="-127"/>
             </a:endParaRPr>
           </a:p>
           <a:p>
             <a:pPr indent="0">
+              <a:lnSpc>
+                <a:spcPct val="150000"/>
+              </a:lnSpc>
               <a:spcBef>
                 <a:spcPts val="0"/>
               </a:spcBef>
@@ -3889,14 +4187,17 @@
               <a:buNone/>
             </a:pPr>
             <a:endParaRPr sz="1200">
-              <a:latin typeface="맑은 고딕" panose="020B0503020000020004" charset="-127"/>
-              <a:ea typeface="맑은 고딕" panose="020B0503020000020004" charset="-127"/>
+              <a:latin typeface="G마켓 산스 TTF Medium" panose="02000000000000000000" pitchFamily="2" charset="-127"/>
+              <a:ea typeface="G마켓 산스 TTF Medium" panose="02000000000000000000" pitchFamily="2" charset="-127"/>
               <a:cs typeface="맑은 고딕" panose="020B0503020000020004" charset="-127"/>
               <a:sym typeface="맑은 고딕" panose="020B0503020000020004" charset="-127"/>
             </a:endParaRPr>
           </a:p>
           <a:p>
             <a:pPr indent="0">
+              <a:lnSpc>
+                <a:spcPct val="150000"/>
+              </a:lnSpc>
               <a:spcBef>
                 <a:spcPts val="0"/>
               </a:spcBef>
@@ -3907,22 +4208,25 @@
             </a:pPr>
             <a:r>
               <a:rPr lang="en-US" sz="1300">
-                <a:latin typeface="맑은 고딕" panose="020B0503020000020004" charset="-127"/>
-                <a:ea typeface="맑은 고딕" panose="020B0503020000020004" charset="-127"/>
+                <a:latin typeface="G마켓 산스 TTF Medium" panose="02000000000000000000" pitchFamily="2" charset="-127"/>
+                <a:ea typeface="G마켓 산스 TTF Medium" panose="02000000000000000000" pitchFamily="2" charset="-127"/>
                 <a:cs typeface="맑은 고딕" panose="020B0503020000020004" charset="-127"/>
                 <a:sym typeface="맑은 고딕" panose="020B0503020000020004" charset="-127"/>
               </a:rPr>
               <a:t>- 키 : 200cm</a:t>
             </a:r>
             <a:endParaRPr sz="1300">
-              <a:latin typeface="맑은 고딕" panose="020B0503020000020004" charset="-127"/>
-              <a:ea typeface="맑은 고딕" panose="020B0503020000020004" charset="-127"/>
+              <a:latin typeface="G마켓 산스 TTF Medium" panose="02000000000000000000" pitchFamily="2" charset="-127"/>
+              <a:ea typeface="G마켓 산스 TTF Medium" panose="02000000000000000000" pitchFamily="2" charset="-127"/>
               <a:cs typeface="맑은 고딕" panose="020B0503020000020004" charset="-127"/>
               <a:sym typeface="맑은 고딕" panose="020B0503020000020004" charset="-127"/>
             </a:endParaRPr>
           </a:p>
           <a:p>
             <a:pPr indent="0">
+              <a:lnSpc>
+                <a:spcPct val="150000"/>
+              </a:lnSpc>
               <a:spcBef>
                 <a:spcPts val="0"/>
               </a:spcBef>
@@ -3933,22 +4237,25 @@
             </a:pPr>
             <a:r>
               <a:rPr lang="en-US" sz="1300">
-                <a:latin typeface="맑은 고딕" panose="020B0503020000020004" charset="-127"/>
-                <a:ea typeface="맑은 고딕" panose="020B0503020000020004" charset="-127"/>
+                <a:latin typeface="G마켓 산스 TTF Medium" panose="02000000000000000000" pitchFamily="2" charset="-127"/>
+                <a:ea typeface="G마켓 산스 TTF Medium" panose="02000000000000000000" pitchFamily="2" charset="-127"/>
                 <a:cs typeface="맑은 고딕" panose="020B0503020000020004" charset="-127"/>
                 <a:sym typeface="맑은 고딕" panose="020B0503020000020004" charset="-127"/>
               </a:rPr>
               <a:t>- 이동속도 : 0.7km/h</a:t>
             </a:r>
             <a:endParaRPr sz="1300">
-              <a:latin typeface="맑은 고딕" panose="020B0503020000020004" charset="-127"/>
-              <a:ea typeface="맑은 고딕" panose="020B0503020000020004" charset="-127"/>
+              <a:latin typeface="G마켓 산스 TTF Medium" panose="02000000000000000000" pitchFamily="2" charset="-127"/>
+              <a:ea typeface="G마켓 산스 TTF Medium" panose="02000000000000000000" pitchFamily="2" charset="-127"/>
               <a:cs typeface="맑은 고딕" panose="020B0503020000020004" charset="-127"/>
               <a:sym typeface="맑은 고딕" panose="020B0503020000020004" charset="-127"/>
             </a:endParaRPr>
           </a:p>
           <a:p>
             <a:pPr indent="0">
+              <a:lnSpc>
+                <a:spcPct val="150000"/>
+              </a:lnSpc>
               <a:spcBef>
                 <a:spcPts val="0"/>
               </a:spcBef>
@@ -3959,8 +4266,8 @@
             </a:pPr>
             <a:r>
               <a:rPr lang="en-US" sz="1300">
-                <a:latin typeface="맑은 고딕" panose="020B0503020000020004" charset="-127"/>
-                <a:ea typeface="맑은 고딕" panose="020B0503020000020004" charset="-127"/>
+                <a:latin typeface="G마켓 산스 TTF Medium" panose="02000000000000000000" pitchFamily="2" charset="-127"/>
+                <a:ea typeface="G마켓 산스 TTF Medium" panose="02000000000000000000" pitchFamily="2" charset="-127"/>
                 <a:cs typeface="맑은 고딕" panose="020B0503020000020004" charset="-127"/>
                 <a:sym typeface="맑은 고딕" panose="020B0503020000020004" charset="-127"/>
               </a:rPr>
@@ -3969,6 +4276,9 @@
           </a:p>
           <a:p>
             <a:pPr indent="0">
+              <a:lnSpc>
+                <a:spcPct val="150000"/>
+              </a:lnSpc>
               <a:spcBef>
                 <a:spcPts val="0"/>
               </a:spcBef>
@@ -3979,8 +4289,8 @@
             </a:pPr>
             <a:r>
               <a:rPr lang="en-US" sz="1300">
-                <a:latin typeface="맑은 고딕" panose="020B0503020000020004" charset="-127"/>
-                <a:ea typeface="맑은 고딕" panose="020B0503020000020004" charset="-127"/>
+                <a:latin typeface="G마켓 산스 TTF Medium" panose="02000000000000000000" pitchFamily="2" charset="-127"/>
+                <a:ea typeface="G마켓 산스 TTF Medium" panose="02000000000000000000" pitchFamily="2" charset="-127"/>
                 <a:cs typeface="맑은 고딕" panose="020B0503020000020004" charset="-127"/>
                 <a:sym typeface="맑은 고딕" panose="020B0503020000020004" charset="-127"/>
               </a:rPr>
@@ -3988,8 +4298,8 @@
             </a:r>
             <a:r>
               <a:rPr lang="ko-KR" altLang="en-US" sz="1300">
-                <a:latin typeface="맑은 고딕" panose="020B0503020000020004" charset="-127"/>
-                <a:ea typeface="맑은 고딕" panose="020B0503020000020004" charset="-127"/>
+                <a:latin typeface="G마켓 산스 TTF Medium" panose="02000000000000000000" pitchFamily="2" charset="-127"/>
+                <a:ea typeface="G마켓 산스 TTF Medium" panose="02000000000000000000" pitchFamily="2" charset="-127"/>
                 <a:cs typeface="맑은 고딕" panose="020B0503020000020004" charset="-127"/>
                 <a:sym typeface="맑은 고딕" panose="020B0503020000020004" charset="-127"/>
               </a:rPr>
@@ -3997,8 +4307,8 @@
             </a:r>
             <a:r>
               <a:rPr lang="en-US" altLang="ko-KR" sz="1300">
-                <a:latin typeface="맑은 고딕" panose="020B0503020000020004" charset="-127"/>
-                <a:ea typeface="맑은 고딕" panose="020B0503020000020004" charset="-127"/>
+                <a:latin typeface="G마켓 산스 TTF Medium" panose="02000000000000000000" pitchFamily="2" charset="-127"/>
+                <a:ea typeface="G마켓 산스 TTF Medium" panose="02000000000000000000" pitchFamily="2" charset="-127"/>
                 <a:cs typeface="맑은 고딕" panose="020B0503020000020004" charset="-127"/>
                 <a:sym typeface="맑은 고딕" panose="020B0503020000020004" charset="-127"/>
               </a:rPr>
@@ -4006,8 +4316,8 @@
             </a:r>
             <a:r>
               <a:rPr lang="ko-KR" altLang="en-US" sz="1300">
-                <a:latin typeface="맑은 고딕" panose="020B0503020000020004" charset="-127"/>
-                <a:ea typeface="맑은 고딕" panose="020B0503020000020004" charset="-127"/>
+                <a:latin typeface="G마켓 산스 TTF Medium" panose="02000000000000000000" pitchFamily="2" charset="-127"/>
+                <a:ea typeface="G마켓 산스 TTF Medium" panose="02000000000000000000" pitchFamily="2" charset="-127"/>
                 <a:cs typeface="맑은 고딕" panose="020B0503020000020004" charset="-127"/>
                 <a:sym typeface="맑은 고딕" panose="020B0503020000020004" charset="-127"/>
               </a:rPr>
@@ -4015,8 +4325,8 @@
             </a:r>
             <a:r>
               <a:rPr lang="en-US" altLang="ko-KR" sz="1300">
-                <a:latin typeface="맑은 고딕" panose="020B0503020000020004" charset="-127"/>
-                <a:ea typeface="맑은 고딕" panose="020B0503020000020004" charset="-127"/>
+                <a:latin typeface="G마켓 산스 TTF Medium" panose="02000000000000000000" pitchFamily="2" charset="-127"/>
+                <a:ea typeface="G마켓 산스 TTF Medium" panose="02000000000000000000" pitchFamily="2" charset="-127"/>
                 <a:cs typeface="맑은 고딕" panose="020B0503020000020004" charset="-127"/>
                 <a:sym typeface="맑은 고딕" panose="020B0503020000020004" charset="-127"/>
               </a:rPr>
@@ -4024,22 +4334,25 @@
             </a:r>
             <a:r>
               <a:rPr lang="ko-KR" altLang="en-US" sz="1300">
-                <a:latin typeface="맑은 고딕" panose="020B0503020000020004" charset="-127"/>
-                <a:ea typeface="맑은 고딕" panose="020B0503020000020004" charset="-127"/>
+                <a:latin typeface="G마켓 산스 TTF Medium" panose="02000000000000000000" pitchFamily="2" charset="-127"/>
+                <a:ea typeface="G마켓 산스 TTF Medium" panose="02000000000000000000" pitchFamily="2" charset="-127"/>
                 <a:cs typeface="맑은 고딕" panose="020B0503020000020004" charset="-127"/>
                 <a:sym typeface="맑은 고딕" panose="020B0503020000020004" charset="-127"/>
               </a:rPr>
               <a:t>번</a:t>
             </a:r>
             <a:endParaRPr sz="1300">
-              <a:latin typeface="맑은 고딕" panose="020B0503020000020004" charset="-127"/>
-              <a:ea typeface="맑은 고딕" panose="020B0503020000020004" charset="-127"/>
+              <a:latin typeface="G마켓 산스 TTF Medium" panose="02000000000000000000" pitchFamily="2" charset="-127"/>
+              <a:ea typeface="G마켓 산스 TTF Medium" panose="02000000000000000000" pitchFamily="2" charset="-127"/>
               <a:cs typeface="맑은 고딕" panose="020B0503020000020004" charset="-127"/>
               <a:sym typeface="맑은 고딕" panose="020B0503020000020004" charset="-127"/>
             </a:endParaRPr>
           </a:p>
           <a:p>
             <a:pPr indent="0">
+              <a:lnSpc>
+                <a:spcPct val="150000"/>
+              </a:lnSpc>
               <a:spcBef>
                 <a:spcPts val="0"/>
               </a:spcBef>
@@ -4050,22 +4363,25 @@
             </a:pPr>
             <a:r>
               <a:rPr lang="en-US" sz="1300">
-                <a:latin typeface="맑은 고딕" panose="020B0503020000020004" charset="-127"/>
-                <a:ea typeface="맑은 고딕" panose="020B0503020000020004" charset="-127"/>
+                <a:latin typeface="G마켓 산스 TTF Medium" panose="02000000000000000000" pitchFamily="2" charset="-127"/>
+                <a:ea typeface="G마켓 산스 TTF Medium" panose="02000000000000000000" pitchFamily="2" charset="-127"/>
                 <a:cs typeface="맑은 고딕" panose="020B0503020000020004" charset="-127"/>
                 <a:sym typeface="맑은 고딕" panose="020B0503020000020004" charset="-127"/>
               </a:rPr>
               <a:t>- 데미지 : 50</a:t>
             </a:r>
             <a:endParaRPr sz="1300">
-              <a:latin typeface="맑은 고딕" panose="020B0503020000020004" charset="-127"/>
-              <a:ea typeface="맑은 고딕" panose="020B0503020000020004" charset="-127"/>
+              <a:latin typeface="G마켓 산스 TTF Medium" panose="02000000000000000000" pitchFamily="2" charset="-127"/>
+              <a:ea typeface="G마켓 산스 TTF Medium" panose="02000000000000000000" pitchFamily="2" charset="-127"/>
               <a:cs typeface="맑은 고딕" panose="020B0503020000020004" charset="-127"/>
               <a:sym typeface="맑은 고딕" panose="020B0503020000020004" charset="-127"/>
             </a:endParaRPr>
           </a:p>
           <a:p>
             <a:pPr indent="0">
+              <a:lnSpc>
+                <a:spcPct val="150000"/>
+              </a:lnSpc>
               <a:spcBef>
                 <a:spcPts val="0"/>
               </a:spcBef>
@@ -4076,8 +4392,8 @@
             </a:pPr>
             <a:r>
               <a:rPr lang="en-US" sz="1300">
-                <a:latin typeface="맑은 고딕" panose="020B0503020000020004" charset="-127"/>
-                <a:ea typeface="맑은 고딕" panose="020B0503020000020004" charset="-127"/>
+                <a:latin typeface="G마켓 산스 TTF Medium" panose="02000000000000000000" pitchFamily="2" charset="-127"/>
+                <a:ea typeface="G마켓 산스 TTF Medium" panose="02000000000000000000" pitchFamily="2" charset="-127"/>
                 <a:cs typeface="맑은 고딕" panose="020B0503020000020004" charset="-127"/>
                 <a:sym typeface="맑은 고딕" panose="020B0503020000020004" charset="-127"/>
               </a:rPr>
@@ -4085,8 +4401,8 @@
             </a:r>
             <a:r>
               <a:rPr lang="ko-KR" altLang="en-US" sz="1300">
-                <a:latin typeface="맑은 고딕" panose="020B0503020000020004" charset="-127"/>
-                <a:ea typeface="맑은 고딕" panose="020B0503020000020004" charset="-127"/>
+                <a:latin typeface="G마켓 산스 TTF Medium" panose="02000000000000000000" pitchFamily="2" charset="-127"/>
+                <a:ea typeface="G마켓 산스 TTF Medium" panose="02000000000000000000" pitchFamily="2" charset="-127"/>
                 <a:cs typeface="맑은 고딕" panose="020B0503020000020004" charset="-127"/>
                 <a:sym typeface="맑은 고딕" panose="020B0503020000020004" charset="-127"/>
               </a:rPr>
@@ -4094,8 +4410,8 @@
             </a:r>
             <a:r>
               <a:rPr lang="en-US" altLang="ko-KR" sz="1300">
-                <a:latin typeface="맑은 고딕" panose="020B0503020000020004" charset="-127"/>
-                <a:ea typeface="맑은 고딕" panose="020B0503020000020004" charset="-127"/>
+                <a:latin typeface="G마켓 산스 TTF Medium" panose="02000000000000000000" pitchFamily="2" charset="-127"/>
+                <a:ea typeface="G마켓 산스 TTF Medium" panose="02000000000000000000" pitchFamily="2" charset="-127"/>
                 <a:cs typeface="맑은 고딕" panose="020B0503020000020004" charset="-127"/>
                 <a:sym typeface="맑은 고딕" panose="020B0503020000020004" charset="-127"/>
               </a:rPr>
@@ -4103,8 +4419,8 @@
             </a:r>
             <a:r>
               <a:rPr lang="ko-KR" altLang="en-US" sz="1300">
-                <a:latin typeface="맑은 고딕" panose="020B0503020000020004" charset="-127"/>
-                <a:ea typeface="맑은 고딕" panose="020B0503020000020004" charset="-127"/>
+                <a:latin typeface="G마켓 산스 TTF Medium" panose="02000000000000000000" pitchFamily="2" charset="-127"/>
+                <a:ea typeface="G마켓 산스 TTF Medium" panose="02000000000000000000" pitchFamily="2" charset="-127"/>
                 <a:cs typeface="맑은 고딕" panose="020B0503020000020004" charset="-127"/>
                 <a:sym typeface="맑은 고딕" panose="020B0503020000020004" charset="-127"/>
               </a:rPr>
@@ -4112,8 +4428,8 @@
             </a:r>
             <a:r>
               <a:rPr lang="en-US" altLang="ko-KR" sz="1300">
-                <a:latin typeface="맑은 고딕" panose="020B0503020000020004" charset="-127"/>
-                <a:ea typeface="맑은 고딕" panose="020B0503020000020004" charset="-127"/>
+                <a:latin typeface="G마켓 산스 TTF Medium" panose="02000000000000000000" pitchFamily="2" charset="-127"/>
+                <a:ea typeface="G마켓 산스 TTF Medium" panose="02000000000000000000" pitchFamily="2" charset="-127"/>
                 <a:cs typeface="맑은 고딕" panose="020B0503020000020004" charset="-127"/>
                 <a:sym typeface="맑은 고딕" panose="020B0503020000020004" charset="-127"/>
               </a:rPr>
@@ -4121,8 +4437,8 @@
             </a:r>
             <a:r>
               <a:rPr lang="ko-KR" altLang="en-US" sz="1300">
-                <a:latin typeface="맑은 고딕" panose="020B0503020000020004" charset="-127"/>
-                <a:ea typeface="맑은 고딕" panose="020B0503020000020004" charset="-127"/>
+                <a:latin typeface="G마켓 산스 TTF Medium" panose="02000000000000000000" pitchFamily="2" charset="-127"/>
+                <a:ea typeface="G마켓 산스 TTF Medium" panose="02000000000000000000" pitchFamily="2" charset="-127"/>
                 <a:cs typeface="맑은 고딕" panose="020B0503020000020004" charset="-127"/>
                 <a:sym typeface="맑은 고딕" panose="020B0503020000020004" charset="-127"/>
               </a:rPr>
@@ -4130,8 +4446,8 @@
             </a:r>
             <a:r>
               <a:rPr lang="en-US" altLang="ko-KR" sz="1300">
-                <a:latin typeface="맑은 고딕" panose="020B0503020000020004" charset="-127"/>
-                <a:ea typeface="맑은 고딕" panose="020B0503020000020004" charset="-127"/>
+                <a:latin typeface="G마켓 산스 TTF Medium" panose="02000000000000000000" pitchFamily="2" charset="-127"/>
+                <a:ea typeface="G마켓 산스 TTF Medium" panose="02000000000000000000" pitchFamily="2" charset="-127"/>
                 <a:cs typeface="맑은 고딕" panose="020B0503020000020004" charset="-127"/>
                 <a:sym typeface="맑은 고딕" panose="020B0503020000020004" charset="-127"/>
               </a:rPr>
@@ -4139,16 +4455,16 @@
             </a:r>
             <a:r>
               <a:rPr lang="en-US" sz="1200">
-                <a:latin typeface="맑은 고딕" panose="020B0503020000020004" charset="-127"/>
-                <a:ea typeface="맑은 고딕" panose="020B0503020000020004" charset="-127"/>
+                <a:latin typeface="G마켓 산스 TTF Medium" panose="02000000000000000000" pitchFamily="2" charset="-127"/>
+                <a:ea typeface="G마켓 산스 TTF Medium" panose="02000000000000000000" pitchFamily="2" charset="-127"/>
                 <a:cs typeface="맑은 고딕" panose="020B0503020000020004" charset="-127"/>
                 <a:sym typeface="맑은 고딕" panose="020B0503020000020004" charset="-127"/>
               </a:rPr>
               <a:t> </a:t>
             </a:r>
             <a:endParaRPr sz="1200">
-              <a:latin typeface="맑은 고딕" panose="020B0503020000020004" charset="-127"/>
-              <a:ea typeface="맑은 고딕" panose="020B0503020000020004" charset="-127"/>
+              <a:latin typeface="G마켓 산스 TTF Medium" panose="02000000000000000000" pitchFamily="2" charset="-127"/>
+              <a:ea typeface="G마켓 산스 TTF Medium" panose="02000000000000000000" pitchFamily="2" charset="-127"/>
               <a:cs typeface="맑은 고딕" panose="020B0503020000020004" charset="-127"/>
               <a:sym typeface="맑은 고딕" panose="020B0503020000020004" charset="-127"/>
             </a:endParaRPr>
@@ -4189,7 +4505,7 @@
         </p:nvSpPr>
         <p:spPr>
           <a:xfrm>
-            <a:off x="8472805" y="4085590"/>
+            <a:off x="8472805" y="3973296"/>
             <a:ext cx="2829560" cy="1996440"/>
           </a:xfrm>
           <a:prstGeom prst="rect">
@@ -4207,6 +4523,9 @@
           <a:lstStyle/>
           <a:p>
             <a:pPr indent="0">
+              <a:lnSpc>
+                <a:spcPct val="150000"/>
+              </a:lnSpc>
               <a:spcBef>
                 <a:spcPts val="0"/>
               </a:spcBef>
@@ -4217,8 +4536,8 @@
             </a:pPr>
             <a:r>
               <a:rPr lang="en-US" sz="1200">
-                <a:latin typeface="맑은 고딕" panose="020B0503020000020004" charset="-127"/>
-                <a:ea typeface="맑은 고딕" panose="020B0503020000020004" charset="-127"/>
+                <a:latin typeface="G마켓 산스 TTF Medium" panose="02000000000000000000" pitchFamily="2" charset="-127"/>
+                <a:ea typeface="G마켓 산스 TTF Medium" panose="02000000000000000000" pitchFamily="2" charset="-127"/>
                 <a:cs typeface="맑은 고딕" panose="020B0503020000020004" charset="-127"/>
                 <a:sym typeface="맑은 고딕" panose="020B0503020000020004" charset="-127"/>
               </a:rPr>
@@ -4226,22 +4545,25 @@
             </a:r>
             <a:r>
               <a:rPr lang="ko-KR" altLang="en-US" sz="1600" b="1">
-                <a:latin typeface="맑은 고딕" panose="020B0503020000020004" charset="-127"/>
-                <a:ea typeface="맑은 고딕" panose="020B0503020000020004" charset="-127"/>
+                <a:latin typeface="G마켓 산스 TTF Medium" panose="02000000000000000000" pitchFamily="2" charset="-127"/>
+                <a:ea typeface="G마켓 산스 TTF Medium" panose="02000000000000000000" pitchFamily="2" charset="-127"/>
                 <a:cs typeface="맑은 고딕" panose="020B0503020000020004" charset="-127"/>
                 <a:sym typeface="맑은 고딕" panose="020B0503020000020004" charset="-127"/>
               </a:rPr>
               <a:t>골렘</a:t>
             </a:r>
             <a:endParaRPr sz="1600" b="1">
-              <a:latin typeface="맑은 고딕" panose="020B0503020000020004" charset="-127"/>
-              <a:ea typeface="맑은 고딕" panose="020B0503020000020004" charset="-127"/>
+              <a:latin typeface="G마켓 산스 TTF Medium" panose="02000000000000000000" pitchFamily="2" charset="-127"/>
+              <a:ea typeface="G마켓 산스 TTF Medium" panose="02000000000000000000" pitchFamily="2" charset="-127"/>
               <a:cs typeface="맑은 고딕" panose="020B0503020000020004" charset="-127"/>
               <a:sym typeface="맑은 고딕" panose="020B0503020000020004" charset="-127"/>
             </a:endParaRPr>
           </a:p>
           <a:p>
             <a:pPr indent="0">
+              <a:lnSpc>
+                <a:spcPct val="150000"/>
+              </a:lnSpc>
               <a:spcBef>
                 <a:spcPts val="0"/>
               </a:spcBef>
@@ -4251,14 +4573,17 @@
               <a:buNone/>
             </a:pPr>
             <a:endParaRPr sz="1200">
-              <a:latin typeface="맑은 고딕" panose="020B0503020000020004" charset="-127"/>
-              <a:ea typeface="맑은 고딕" panose="020B0503020000020004" charset="-127"/>
+              <a:latin typeface="G마켓 산스 TTF Medium" panose="02000000000000000000" pitchFamily="2" charset="-127"/>
+              <a:ea typeface="G마켓 산스 TTF Medium" panose="02000000000000000000" pitchFamily="2" charset="-127"/>
               <a:cs typeface="맑은 고딕" panose="020B0503020000020004" charset="-127"/>
               <a:sym typeface="맑은 고딕" panose="020B0503020000020004" charset="-127"/>
             </a:endParaRPr>
           </a:p>
           <a:p>
             <a:pPr indent="0">
+              <a:lnSpc>
+                <a:spcPct val="150000"/>
+              </a:lnSpc>
               <a:spcBef>
                 <a:spcPts val="0"/>
               </a:spcBef>
@@ -4269,22 +4594,25 @@
             </a:pPr>
             <a:r>
               <a:rPr lang="en-US" sz="1300">
-                <a:latin typeface="맑은 고딕" panose="020B0503020000020004" charset="-127"/>
-                <a:ea typeface="맑은 고딕" panose="020B0503020000020004" charset="-127"/>
+                <a:latin typeface="G마켓 산스 TTF Medium" panose="02000000000000000000" pitchFamily="2" charset="-127"/>
+                <a:ea typeface="G마켓 산스 TTF Medium" panose="02000000000000000000" pitchFamily="2" charset="-127"/>
                 <a:cs typeface="맑은 고딕" panose="020B0503020000020004" charset="-127"/>
                 <a:sym typeface="맑은 고딕" panose="020B0503020000020004" charset="-127"/>
               </a:rPr>
               <a:t>- 키 : 400cm</a:t>
             </a:r>
             <a:endParaRPr sz="1300">
-              <a:latin typeface="맑은 고딕" panose="020B0503020000020004" charset="-127"/>
-              <a:ea typeface="맑은 고딕" panose="020B0503020000020004" charset="-127"/>
+              <a:latin typeface="G마켓 산스 TTF Medium" panose="02000000000000000000" pitchFamily="2" charset="-127"/>
+              <a:ea typeface="G마켓 산스 TTF Medium" panose="02000000000000000000" pitchFamily="2" charset="-127"/>
               <a:cs typeface="맑은 고딕" panose="020B0503020000020004" charset="-127"/>
               <a:sym typeface="맑은 고딕" panose="020B0503020000020004" charset="-127"/>
             </a:endParaRPr>
           </a:p>
           <a:p>
             <a:pPr indent="0">
+              <a:lnSpc>
+                <a:spcPct val="150000"/>
+              </a:lnSpc>
               <a:spcBef>
                 <a:spcPts val="0"/>
               </a:spcBef>
@@ -4295,22 +4623,25 @@
             </a:pPr>
             <a:r>
               <a:rPr lang="en-US" sz="1300">
-                <a:latin typeface="맑은 고딕" panose="020B0503020000020004" charset="-127"/>
-                <a:ea typeface="맑은 고딕" panose="020B0503020000020004" charset="-127"/>
+                <a:latin typeface="G마켓 산스 TTF Medium" panose="02000000000000000000" pitchFamily="2" charset="-127"/>
+                <a:ea typeface="G마켓 산스 TTF Medium" panose="02000000000000000000" pitchFamily="2" charset="-127"/>
                 <a:cs typeface="맑은 고딕" panose="020B0503020000020004" charset="-127"/>
                 <a:sym typeface="맑은 고딕" panose="020B0503020000020004" charset="-127"/>
               </a:rPr>
               <a:t>- 이동속도 : 0.5km/h</a:t>
             </a:r>
             <a:endParaRPr sz="1300">
-              <a:latin typeface="맑은 고딕" panose="020B0503020000020004" charset="-127"/>
-              <a:ea typeface="맑은 고딕" panose="020B0503020000020004" charset="-127"/>
+              <a:latin typeface="G마켓 산스 TTF Medium" panose="02000000000000000000" pitchFamily="2" charset="-127"/>
+              <a:ea typeface="G마켓 산스 TTF Medium" panose="02000000000000000000" pitchFamily="2" charset="-127"/>
               <a:cs typeface="맑은 고딕" panose="020B0503020000020004" charset="-127"/>
               <a:sym typeface="맑은 고딕" panose="020B0503020000020004" charset="-127"/>
             </a:endParaRPr>
           </a:p>
           <a:p>
             <a:pPr indent="0">
+              <a:lnSpc>
+                <a:spcPct val="150000"/>
+              </a:lnSpc>
               <a:spcBef>
                 <a:spcPts val="0"/>
               </a:spcBef>
@@ -4321,8 +4652,8 @@
             </a:pPr>
             <a:r>
               <a:rPr lang="en-US" sz="1300">
-                <a:latin typeface="맑은 고딕" panose="020B0503020000020004" charset="-127"/>
-                <a:ea typeface="맑은 고딕" panose="020B0503020000020004" charset="-127"/>
+                <a:latin typeface="G마켓 산스 TTF Medium" panose="02000000000000000000" pitchFamily="2" charset="-127"/>
+                <a:ea typeface="G마켓 산스 TTF Medium" panose="02000000000000000000" pitchFamily="2" charset="-127"/>
                 <a:cs typeface="맑은 고딕" panose="020B0503020000020004" charset="-127"/>
                 <a:sym typeface="맑은 고딕" panose="020B0503020000020004" charset="-127"/>
               </a:rPr>
@@ -4331,6 +4662,9 @@
           </a:p>
           <a:p>
             <a:pPr indent="0">
+              <a:lnSpc>
+                <a:spcPct val="150000"/>
+              </a:lnSpc>
               <a:spcBef>
                 <a:spcPts val="0"/>
               </a:spcBef>
@@ -4341,8 +4675,8 @@
             </a:pPr>
             <a:r>
               <a:rPr lang="en-US" sz="1300">
-                <a:latin typeface="맑은 고딕" panose="020B0503020000020004" charset="-127"/>
-                <a:ea typeface="맑은 고딕" panose="020B0503020000020004" charset="-127"/>
+                <a:latin typeface="G마켓 산스 TTF Medium" panose="02000000000000000000" pitchFamily="2" charset="-127"/>
+                <a:ea typeface="G마켓 산스 TTF Medium" panose="02000000000000000000" pitchFamily="2" charset="-127"/>
                 <a:cs typeface="맑은 고딕" panose="020B0503020000020004" charset="-127"/>
                 <a:sym typeface="맑은 고딕" panose="020B0503020000020004" charset="-127"/>
               </a:rPr>
@@ -4350,8 +4684,8 @@
             </a:r>
             <a:r>
               <a:rPr lang="ko-KR" altLang="en-US" sz="1300">
-                <a:latin typeface="맑은 고딕" panose="020B0503020000020004" charset="-127"/>
-                <a:ea typeface="맑은 고딕" panose="020B0503020000020004" charset="-127"/>
+                <a:latin typeface="G마켓 산스 TTF Medium" panose="02000000000000000000" pitchFamily="2" charset="-127"/>
+                <a:ea typeface="G마켓 산스 TTF Medium" panose="02000000000000000000" pitchFamily="2" charset="-127"/>
                 <a:cs typeface="맑은 고딕" panose="020B0503020000020004" charset="-127"/>
                 <a:sym typeface="맑은 고딕" panose="020B0503020000020004" charset="-127"/>
               </a:rPr>
@@ -4359,22 +4693,25 @@
             </a:r>
             <a:r>
               <a:rPr lang="en-US" altLang="ko-KR" sz="1300">
-                <a:latin typeface="맑은 고딕" panose="020B0503020000020004" charset="-127"/>
-                <a:ea typeface="맑은 고딕" panose="020B0503020000020004" charset="-127"/>
+                <a:latin typeface="G마켓 산스 TTF Medium" panose="02000000000000000000" pitchFamily="2" charset="-127"/>
+                <a:ea typeface="G마켓 산스 TTF Medium" panose="02000000000000000000" pitchFamily="2" charset="-127"/>
                 <a:cs typeface="맑은 고딕" panose="020B0503020000020004" charset="-127"/>
                 <a:sym typeface="맑은 고딕" panose="020B0503020000020004" charset="-127"/>
               </a:rPr>
               <a:t> : 100</a:t>
             </a:r>
             <a:endParaRPr lang="en-US" sz="1300">
-              <a:latin typeface="맑은 고딕" panose="020B0503020000020004" charset="-127"/>
-              <a:ea typeface="맑은 고딕" panose="020B0503020000020004" charset="-127"/>
+              <a:latin typeface="G마켓 산스 TTF Medium" panose="02000000000000000000" pitchFamily="2" charset="-127"/>
+              <a:ea typeface="G마켓 산스 TTF Medium" panose="02000000000000000000" pitchFamily="2" charset="-127"/>
               <a:cs typeface="맑은 고딕" panose="020B0503020000020004" charset="-127"/>
               <a:sym typeface="맑은 고딕" panose="020B0503020000020004" charset="-127"/>
             </a:endParaRPr>
           </a:p>
           <a:p>
             <a:pPr indent="0">
+              <a:lnSpc>
+                <a:spcPct val="150000"/>
+              </a:lnSpc>
               <a:spcBef>
                 <a:spcPts val="0"/>
               </a:spcBef>
@@ -4385,8 +4722,8 @@
             </a:pPr>
             <a:r>
               <a:rPr lang="en-US" sz="1300">
-                <a:latin typeface="맑은 고딕" panose="020B0503020000020004" charset="-127"/>
-                <a:ea typeface="맑은 고딕" panose="020B0503020000020004" charset="-127"/>
+                <a:latin typeface="G마켓 산스 TTF Medium" panose="02000000000000000000" pitchFamily="2" charset="-127"/>
+                <a:ea typeface="G마켓 산스 TTF Medium" panose="02000000000000000000" pitchFamily="2" charset="-127"/>
                 <a:cs typeface="맑은 고딕" panose="020B0503020000020004" charset="-127"/>
                 <a:sym typeface="맑은 고딕" panose="020B0503020000020004" charset="-127"/>
               </a:rPr>
@@ -4394,8 +4731,8 @@
             </a:r>
             <a:r>
               <a:rPr lang="ko-KR" altLang="en-US" sz="1300">
-                <a:latin typeface="맑은 고딕" panose="020B0503020000020004" charset="-127"/>
-                <a:ea typeface="맑은 고딕" panose="020B0503020000020004" charset="-127"/>
+                <a:latin typeface="G마켓 산스 TTF Medium" panose="02000000000000000000" pitchFamily="2" charset="-127"/>
+                <a:ea typeface="G마켓 산스 TTF Medium" panose="02000000000000000000" pitchFamily="2" charset="-127"/>
                 <a:cs typeface="맑은 고딕" panose="020B0503020000020004" charset="-127"/>
                 <a:sym typeface="맑은 고딕" panose="020B0503020000020004" charset="-127"/>
               </a:rPr>
@@ -4403,8 +4740,8 @@
             </a:r>
             <a:r>
               <a:rPr lang="en-US" altLang="ko-KR" sz="1300">
-                <a:latin typeface="맑은 고딕" panose="020B0503020000020004" charset="-127"/>
-                <a:ea typeface="맑은 고딕" panose="020B0503020000020004" charset="-127"/>
+                <a:latin typeface="G마켓 산스 TTF Medium" panose="02000000000000000000" pitchFamily="2" charset="-127"/>
+                <a:ea typeface="G마켓 산스 TTF Medium" panose="02000000000000000000" pitchFamily="2" charset="-127"/>
                 <a:cs typeface="맑은 고딕" panose="020B0503020000020004" charset="-127"/>
                 <a:sym typeface="맑은 고딕" panose="020B0503020000020004" charset="-127"/>
               </a:rPr>
@@ -4412,8 +4749,8 @@
             </a:r>
             <a:r>
               <a:rPr lang="ko-KR" altLang="en-US" sz="1300">
-                <a:latin typeface="맑은 고딕" panose="020B0503020000020004" charset="-127"/>
-                <a:ea typeface="맑은 고딕" panose="020B0503020000020004" charset="-127"/>
+                <a:latin typeface="G마켓 산스 TTF Medium" panose="02000000000000000000" pitchFamily="2" charset="-127"/>
+                <a:ea typeface="G마켓 산스 TTF Medium" panose="02000000000000000000" pitchFamily="2" charset="-127"/>
                 <a:cs typeface="맑은 고딕" panose="020B0503020000020004" charset="-127"/>
                 <a:sym typeface="맑은 고딕" panose="020B0503020000020004" charset="-127"/>
               </a:rPr>
@@ -4421,8 +4758,8 @@
             </a:r>
             <a:r>
               <a:rPr lang="en-US" altLang="ko-KR" sz="1300">
-                <a:latin typeface="맑은 고딕" panose="020B0503020000020004" charset="-127"/>
-                <a:ea typeface="맑은 고딕" panose="020B0503020000020004" charset="-127"/>
+                <a:latin typeface="G마켓 산스 TTF Medium" panose="02000000000000000000" pitchFamily="2" charset="-127"/>
+                <a:ea typeface="G마켓 산스 TTF Medium" panose="02000000000000000000" pitchFamily="2" charset="-127"/>
                 <a:cs typeface="맑은 고딕" panose="020B0503020000020004" charset="-127"/>
                 <a:sym typeface="맑은 고딕" panose="020B0503020000020004" charset="-127"/>
               </a:rPr>
@@ -4430,8 +4767,8 @@
             </a:r>
             <a:r>
               <a:rPr lang="ko-KR" altLang="en-US" sz="1300">
-                <a:latin typeface="맑은 고딕" panose="020B0503020000020004" charset="-127"/>
-                <a:ea typeface="맑은 고딕" panose="020B0503020000020004" charset="-127"/>
+                <a:latin typeface="G마켓 산스 TTF Medium" panose="02000000000000000000" pitchFamily="2" charset="-127"/>
+                <a:ea typeface="G마켓 산스 TTF Medium" panose="02000000000000000000" pitchFamily="2" charset="-127"/>
                 <a:cs typeface="맑은 고딕" panose="020B0503020000020004" charset="-127"/>
                 <a:sym typeface="맑은 고딕" panose="020B0503020000020004" charset="-127"/>
               </a:rPr>
@@ -4439,8 +4776,8 @@
             </a:r>
             <a:r>
               <a:rPr lang="en-US" altLang="ko-KR" sz="1300">
-                <a:latin typeface="맑은 고딕" panose="020B0503020000020004" charset="-127"/>
-                <a:ea typeface="맑은 고딕" panose="020B0503020000020004" charset="-127"/>
+                <a:latin typeface="G마켓 산스 TTF Medium" panose="02000000000000000000" pitchFamily="2" charset="-127"/>
+                <a:ea typeface="G마켓 산스 TTF Medium" panose="02000000000000000000" pitchFamily="2" charset="-127"/>
                 <a:cs typeface="맑은 고딕" panose="020B0503020000020004" charset="-127"/>
                 <a:sym typeface="맑은 고딕" panose="020B0503020000020004" charset="-127"/>
               </a:rPr>
@@ -4448,8 +4785,8 @@
             </a:r>
             <a:r>
               <a:rPr lang="ko-KR" altLang="en-US" sz="1300">
-                <a:latin typeface="맑은 고딕" panose="020B0503020000020004" charset="-127"/>
-                <a:ea typeface="맑은 고딕" panose="020B0503020000020004" charset="-127"/>
+                <a:latin typeface="G마켓 산스 TTF Medium" panose="02000000000000000000" pitchFamily="2" charset="-127"/>
+                <a:ea typeface="G마켓 산스 TTF Medium" panose="02000000000000000000" pitchFamily="2" charset="-127"/>
                 <a:cs typeface="맑은 고딕" panose="020B0503020000020004" charset="-127"/>
                 <a:sym typeface="맑은 고딕" panose="020B0503020000020004" charset="-127"/>
               </a:rPr>
@@ -4457,8 +4794,8 @@
             </a:r>
             <a:r>
               <a:rPr lang="en-US" altLang="ko-KR" sz="1300">
-                <a:latin typeface="맑은 고딕" panose="020B0503020000020004" charset="-127"/>
-                <a:ea typeface="맑은 고딕" panose="020B0503020000020004" charset="-127"/>
+                <a:latin typeface="G마켓 산스 TTF Medium" panose="02000000000000000000" pitchFamily="2" charset="-127"/>
+                <a:ea typeface="G마켓 산스 TTF Medium" panose="02000000000000000000" pitchFamily="2" charset="-127"/>
                 <a:cs typeface="맑은 고딕" panose="020B0503020000020004" charset="-127"/>
                 <a:sym typeface="맑은 고딕" panose="020B0503020000020004" charset="-127"/>
               </a:rPr>
@@ -4466,16 +4803,16 @@
             </a:r>
             <a:r>
               <a:rPr lang="en-US" sz="1200">
-                <a:latin typeface="맑은 고딕" panose="020B0503020000020004" charset="-127"/>
-                <a:ea typeface="맑은 고딕" panose="020B0503020000020004" charset="-127"/>
+                <a:latin typeface="G마켓 산스 TTF Medium" panose="02000000000000000000" pitchFamily="2" charset="-127"/>
+                <a:ea typeface="G마켓 산스 TTF Medium" panose="02000000000000000000" pitchFamily="2" charset="-127"/>
                 <a:cs typeface="맑은 고딕" panose="020B0503020000020004" charset="-127"/>
                 <a:sym typeface="맑은 고딕" panose="020B0503020000020004" charset="-127"/>
               </a:rPr>
               <a:t> </a:t>
             </a:r>
             <a:endParaRPr sz="1200">
-              <a:latin typeface="맑은 고딕" panose="020B0503020000020004" charset="-127"/>
-              <a:ea typeface="맑은 고딕" panose="020B0503020000020004" charset="-127"/>
+              <a:latin typeface="G마켓 산스 TTF Medium" panose="02000000000000000000" pitchFamily="2" charset="-127"/>
+              <a:ea typeface="G마켓 산스 TTF Medium" panose="02000000000000000000" pitchFamily="2" charset="-127"/>
               <a:cs typeface="맑은 고딕" panose="020B0503020000020004" charset="-127"/>
               <a:sym typeface="맑은 고딕" panose="020B0503020000020004" charset="-127"/>
             </a:endParaRPr>
@@ -4516,7 +4853,7 @@
         </p:nvSpPr>
         <p:spPr>
           <a:xfrm>
-            <a:off x="2613025" y="4015105"/>
+            <a:off x="2613025" y="3902811"/>
             <a:ext cx="3111500" cy="2001520"/>
           </a:xfrm>
           <a:prstGeom prst="rect">
@@ -4534,6 +4871,9 @@
           <a:lstStyle/>
           <a:p>
             <a:pPr indent="0">
+              <a:lnSpc>
+                <a:spcPct val="150000"/>
+              </a:lnSpc>
               <a:spcBef>
                 <a:spcPts val="0"/>
               </a:spcBef>
@@ -4544,8 +4884,8 @@
             </a:pPr>
             <a:r>
               <a:rPr lang="en-US" sz="1200">
-                <a:latin typeface="맑은 고딕" panose="020B0503020000020004" charset="-127"/>
-                <a:ea typeface="맑은 고딕" panose="020B0503020000020004" charset="-127"/>
+                <a:latin typeface="G마켓 산스 TTF Medium" panose="02000000000000000000" pitchFamily="2" charset="-127"/>
+                <a:ea typeface="G마켓 산스 TTF Medium" panose="02000000000000000000" pitchFamily="2" charset="-127"/>
                 <a:cs typeface="맑은 고딕" panose="020B0503020000020004" charset="-127"/>
                 <a:sym typeface="맑은 고딕" panose="020B0503020000020004" charset="-127"/>
               </a:rPr>
@@ -4553,22 +4893,25 @@
             </a:r>
             <a:r>
               <a:rPr lang="ko-KR" altLang="en-US" sz="1600" b="1">
-                <a:latin typeface="맑은 고딕" panose="020B0503020000020004" charset="-127"/>
-                <a:ea typeface="맑은 고딕" panose="020B0503020000020004" charset="-127"/>
+                <a:latin typeface="G마켓 산스 TTF Medium" panose="02000000000000000000" pitchFamily="2" charset="-127"/>
+                <a:ea typeface="G마켓 산스 TTF Medium" panose="02000000000000000000" pitchFamily="2" charset="-127"/>
                 <a:cs typeface="맑은 고딕" panose="020B0503020000020004" charset="-127"/>
                 <a:sym typeface="맑은 고딕" panose="020B0503020000020004" charset="-127"/>
               </a:rPr>
               <a:t>스켈레톤</a:t>
             </a:r>
             <a:endParaRPr sz="1600" b="1">
-              <a:latin typeface="맑은 고딕" panose="020B0503020000020004" charset="-127"/>
-              <a:ea typeface="맑은 고딕" panose="020B0503020000020004" charset="-127"/>
+              <a:latin typeface="G마켓 산스 TTF Medium" panose="02000000000000000000" pitchFamily="2" charset="-127"/>
+              <a:ea typeface="G마켓 산스 TTF Medium" panose="02000000000000000000" pitchFamily="2" charset="-127"/>
               <a:cs typeface="맑은 고딕" panose="020B0503020000020004" charset="-127"/>
               <a:sym typeface="맑은 고딕" panose="020B0503020000020004" charset="-127"/>
             </a:endParaRPr>
           </a:p>
           <a:p>
             <a:pPr indent="0">
+              <a:lnSpc>
+                <a:spcPct val="150000"/>
+              </a:lnSpc>
               <a:spcBef>
                 <a:spcPts val="0"/>
               </a:spcBef>
@@ -4578,14 +4921,17 @@
               <a:buNone/>
             </a:pPr>
             <a:endParaRPr sz="1200">
-              <a:latin typeface="맑은 고딕" panose="020B0503020000020004" charset="-127"/>
-              <a:ea typeface="맑은 고딕" panose="020B0503020000020004" charset="-127"/>
+              <a:latin typeface="G마켓 산스 TTF Medium" panose="02000000000000000000" pitchFamily="2" charset="-127"/>
+              <a:ea typeface="G마켓 산스 TTF Medium" panose="02000000000000000000" pitchFamily="2" charset="-127"/>
               <a:cs typeface="맑은 고딕" panose="020B0503020000020004" charset="-127"/>
               <a:sym typeface="맑은 고딕" panose="020B0503020000020004" charset="-127"/>
             </a:endParaRPr>
           </a:p>
           <a:p>
             <a:pPr indent="0">
+              <a:lnSpc>
+                <a:spcPct val="150000"/>
+              </a:lnSpc>
               <a:spcBef>
                 <a:spcPts val="0"/>
               </a:spcBef>
@@ -4596,22 +4942,25 @@
             </a:pPr>
             <a:r>
               <a:rPr lang="en-US" sz="1300">
-                <a:latin typeface="맑은 고딕" panose="020B0503020000020004" charset="-127"/>
-                <a:ea typeface="맑은 고딕" panose="020B0503020000020004" charset="-127"/>
+                <a:latin typeface="G마켓 산스 TTF Medium" panose="02000000000000000000" pitchFamily="2" charset="-127"/>
+                <a:ea typeface="G마켓 산스 TTF Medium" panose="02000000000000000000" pitchFamily="2" charset="-127"/>
                 <a:cs typeface="맑은 고딕" panose="020B0503020000020004" charset="-127"/>
                 <a:sym typeface="맑은 고딕" panose="020B0503020000020004" charset="-127"/>
               </a:rPr>
               <a:t>- 키 : 160cm</a:t>
             </a:r>
             <a:endParaRPr sz="1300">
-              <a:latin typeface="맑은 고딕" panose="020B0503020000020004" charset="-127"/>
-              <a:ea typeface="맑은 고딕" panose="020B0503020000020004" charset="-127"/>
+              <a:latin typeface="G마켓 산스 TTF Medium" panose="02000000000000000000" pitchFamily="2" charset="-127"/>
+              <a:ea typeface="G마켓 산스 TTF Medium" panose="02000000000000000000" pitchFamily="2" charset="-127"/>
               <a:cs typeface="맑은 고딕" panose="020B0503020000020004" charset="-127"/>
               <a:sym typeface="맑은 고딕" panose="020B0503020000020004" charset="-127"/>
             </a:endParaRPr>
           </a:p>
           <a:p>
             <a:pPr indent="0">
+              <a:lnSpc>
+                <a:spcPct val="150000"/>
+              </a:lnSpc>
               <a:spcBef>
                 <a:spcPts val="0"/>
               </a:spcBef>
@@ -4622,22 +4971,25 @@
             </a:pPr>
             <a:r>
               <a:rPr lang="en-US" sz="1300">
-                <a:latin typeface="맑은 고딕" panose="020B0503020000020004" charset="-127"/>
-                <a:ea typeface="맑은 고딕" panose="020B0503020000020004" charset="-127"/>
+                <a:latin typeface="G마켓 산스 TTF Medium" panose="02000000000000000000" pitchFamily="2" charset="-127"/>
+                <a:ea typeface="G마켓 산스 TTF Medium" panose="02000000000000000000" pitchFamily="2" charset="-127"/>
                 <a:cs typeface="맑은 고딕" panose="020B0503020000020004" charset="-127"/>
                 <a:sym typeface="맑은 고딕" panose="020B0503020000020004" charset="-127"/>
               </a:rPr>
               <a:t>- 이동속도 : 1km/h</a:t>
             </a:r>
             <a:endParaRPr sz="1300">
-              <a:latin typeface="맑은 고딕" panose="020B0503020000020004" charset="-127"/>
-              <a:ea typeface="맑은 고딕" panose="020B0503020000020004" charset="-127"/>
+              <a:latin typeface="G마켓 산스 TTF Medium" panose="02000000000000000000" pitchFamily="2" charset="-127"/>
+              <a:ea typeface="G마켓 산스 TTF Medium" panose="02000000000000000000" pitchFamily="2" charset="-127"/>
               <a:cs typeface="맑은 고딕" panose="020B0503020000020004" charset="-127"/>
               <a:sym typeface="맑은 고딕" panose="020B0503020000020004" charset="-127"/>
             </a:endParaRPr>
           </a:p>
           <a:p>
             <a:pPr indent="0">
+              <a:lnSpc>
+                <a:spcPct val="150000"/>
+              </a:lnSpc>
               <a:spcBef>
                 <a:spcPts val="0"/>
               </a:spcBef>
@@ -4648,8 +5000,8 @@
             </a:pPr>
             <a:r>
               <a:rPr lang="en-US" sz="1300">
-                <a:latin typeface="맑은 고딕" panose="020B0503020000020004" charset="-127"/>
-                <a:ea typeface="맑은 고딕" panose="020B0503020000020004" charset="-127"/>
+                <a:latin typeface="G마켓 산스 TTF Medium" panose="02000000000000000000" pitchFamily="2" charset="-127"/>
+                <a:ea typeface="G마켓 산스 TTF Medium" panose="02000000000000000000" pitchFamily="2" charset="-127"/>
                 <a:cs typeface="맑은 고딕" panose="020B0503020000020004" charset="-127"/>
                 <a:sym typeface="맑은 고딕" panose="020B0503020000020004" charset="-127"/>
               </a:rPr>
@@ -4658,6 +5010,9 @@
           </a:p>
           <a:p>
             <a:pPr indent="0">
+              <a:lnSpc>
+                <a:spcPct val="150000"/>
+              </a:lnSpc>
               <a:spcBef>
                 <a:spcPts val="0"/>
               </a:spcBef>
@@ -4668,8 +5023,8 @@
             </a:pPr>
             <a:r>
               <a:rPr lang="en-US" sz="1300">
-                <a:latin typeface="맑은 고딕" panose="020B0503020000020004" charset="-127"/>
-                <a:ea typeface="맑은 고딕" panose="020B0503020000020004" charset="-127"/>
+                <a:latin typeface="G마켓 산스 TTF Medium" panose="02000000000000000000" pitchFamily="2" charset="-127"/>
+                <a:ea typeface="G마켓 산스 TTF Medium" panose="02000000000000000000" pitchFamily="2" charset="-127"/>
                 <a:cs typeface="맑은 고딕" panose="020B0503020000020004" charset="-127"/>
                 <a:sym typeface="맑은 고딕" panose="020B0503020000020004" charset="-127"/>
               </a:rPr>
@@ -4677,8 +5032,8 @@
             </a:r>
             <a:r>
               <a:rPr lang="ko-KR" altLang="en-US" sz="1300">
-                <a:latin typeface="맑은 고딕" panose="020B0503020000020004" charset="-127"/>
-                <a:ea typeface="맑은 고딕" panose="020B0503020000020004" charset="-127"/>
+                <a:latin typeface="G마켓 산스 TTF Medium" panose="02000000000000000000" pitchFamily="2" charset="-127"/>
+                <a:ea typeface="G마켓 산스 TTF Medium" panose="02000000000000000000" pitchFamily="2" charset="-127"/>
                 <a:cs typeface="맑은 고딕" panose="020B0503020000020004" charset="-127"/>
                 <a:sym typeface="맑은 고딕" panose="020B0503020000020004" charset="-127"/>
               </a:rPr>
@@ -4686,8 +5041,8 @@
             </a:r>
             <a:r>
               <a:rPr lang="en-US" altLang="ko-KR" sz="1300">
-                <a:latin typeface="맑은 고딕" panose="020B0503020000020004" charset="-127"/>
-                <a:ea typeface="맑은 고딕" panose="020B0503020000020004" charset="-127"/>
+                <a:latin typeface="G마켓 산스 TTF Medium" panose="02000000000000000000" pitchFamily="2" charset="-127"/>
+                <a:ea typeface="G마켓 산스 TTF Medium" panose="02000000000000000000" pitchFamily="2" charset="-127"/>
                 <a:cs typeface="맑은 고딕" panose="020B0503020000020004" charset="-127"/>
                 <a:sym typeface="맑은 고딕" panose="020B0503020000020004" charset="-127"/>
               </a:rPr>
@@ -4695,8 +5050,8 @@
             </a:r>
             <a:r>
               <a:rPr lang="ko-KR" altLang="en-US" sz="1300">
-                <a:latin typeface="맑은 고딕" panose="020B0503020000020004" charset="-127"/>
-                <a:ea typeface="맑은 고딕" panose="020B0503020000020004" charset="-127"/>
+                <a:latin typeface="G마켓 산스 TTF Medium" panose="02000000000000000000" pitchFamily="2" charset="-127"/>
+                <a:ea typeface="G마켓 산스 TTF Medium" panose="02000000000000000000" pitchFamily="2" charset="-127"/>
                 <a:cs typeface="맑은 고딕" panose="020B0503020000020004" charset="-127"/>
                 <a:sym typeface="맑은 고딕" panose="020B0503020000020004" charset="-127"/>
               </a:rPr>
@@ -4704,8 +5059,8 @@
             </a:r>
             <a:r>
               <a:rPr lang="en-US" altLang="ko-KR" sz="1300">
-                <a:latin typeface="맑은 고딕" panose="020B0503020000020004" charset="-127"/>
-                <a:ea typeface="맑은 고딕" panose="020B0503020000020004" charset="-127"/>
+                <a:latin typeface="G마켓 산스 TTF Medium" panose="02000000000000000000" pitchFamily="2" charset="-127"/>
+                <a:ea typeface="G마켓 산스 TTF Medium" panose="02000000000000000000" pitchFamily="2" charset="-127"/>
                 <a:cs typeface="맑은 고딕" panose="020B0503020000020004" charset="-127"/>
                 <a:sym typeface="맑은 고딕" panose="020B0503020000020004" charset="-127"/>
               </a:rPr>
@@ -4713,22 +5068,25 @@
             </a:r>
             <a:r>
               <a:rPr lang="ko-KR" altLang="en-US" sz="1300">
-                <a:latin typeface="맑은 고딕" panose="020B0503020000020004" charset="-127"/>
-                <a:ea typeface="맑은 고딕" panose="020B0503020000020004" charset="-127"/>
+                <a:latin typeface="G마켓 산스 TTF Medium" panose="02000000000000000000" pitchFamily="2" charset="-127"/>
+                <a:ea typeface="G마켓 산스 TTF Medium" panose="02000000000000000000" pitchFamily="2" charset="-127"/>
                 <a:cs typeface="맑은 고딕" panose="020B0503020000020004" charset="-127"/>
                 <a:sym typeface="맑은 고딕" panose="020B0503020000020004" charset="-127"/>
               </a:rPr>
               <a:t>번</a:t>
             </a:r>
             <a:endParaRPr sz="1300">
-              <a:latin typeface="맑은 고딕" panose="020B0503020000020004" charset="-127"/>
-              <a:ea typeface="맑은 고딕" panose="020B0503020000020004" charset="-127"/>
+              <a:latin typeface="G마켓 산스 TTF Medium" panose="02000000000000000000" pitchFamily="2" charset="-127"/>
+              <a:ea typeface="G마켓 산스 TTF Medium" panose="02000000000000000000" pitchFamily="2" charset="-127"/>
               <a:cs typeface="맑은 고딕" panose="020B0503020000020004" charset="-127"/>
               <a:sym typeface="맑은 고딕" panose="020B0503020000020004" charset="-127"/>
             </a:endParaRPr>
           </a:p>
           <a:p>
             <a:pPr indent="0">
+              <a:lnSpc>
+                <a:spcPct val="150000"/>
+              </a:lnSpc>
               <a:spcBef>
                 <a:spcPts val="0"/>
               </a:spcBef>
@@ -4739,22 +5097,25 @@
             </a:pPr>
             <a:r>
               <a:rPr lang="en-US" sz="1300">
-                <a:latin typeface="맑은 고딕" panose="020B0503020000020004" charset="-127"/>
-                <a:ea typeface="맑은 고딕" panose="020B0503020000020004" charset="-127"/>
+                <a:latin typeface="G마켓 산스 TTF Medium" panose="02000000000000000000" pitchFamily="2" charset="-127"/>
+                <a:ea typeface="G마켓 산스 TTF Medium" panose="02000000000000000000" pitchFamily="2" charset="-127"/>
                 <a:cs typeface="맑은 고딕" panose="020B0503020000020004" charset="-127"/>
                 <a:sym typeface="맑은 고딕" panose="020B0503020000020004" charset="-127"/>
               </a:rPr>
               <a:t>- 데미지 : 30</a:t>
             </a:r>
             <a:endParaRPr sz="1300">
-              <a:latin typeface="맑은 고딕" panose="020B0503020000020004" charset="-127"/>
-              <a:ea typeface="맑은 고딕" panose="020B0503020000020004" charset="-127"/>
+              <a:latin typeface="G마켓 산스 TTF Medium" panose="02000000000000000000" pitchFamily="2" charset="-127"/>
+              <a:ea typeface="G마켓 산스 TTF Medium" panose="02000000000000000000" pitchFamily="2" charset="-127"/>
               <a:cs typeface="맑은 고딕" panose="020B0503020000020004" charset="-127"/>
               <a:sym typeface="맑은 고딕" panose="020B0503020000020004" charset="-127"/>
             </a:endParaRPr>
           </a:p>
           <a:p>
             <a:pPr indent="0">
+              <a:lnSpc>
+                <a:spcPct val="150000"/>
+              </a:lnSpc>
               <a:spcBef>
                 <a:spcPts val="0"/>
               </a:spcBef>
@@ -4765,8 +5126,8 @@
             </a:pPr>
             <a:r>
               <a:rPr lang="en-US" sz="1300">
-                <a:latin typeface="맑은 고딕" panose="020B0503020000020004" charset="-127"/>
-                <a:ea typeface="맑은 고딕" panose="020B0503020000020004" charset="-127"/>
+                <a:latin typeface="G마켓 산스 TTF Medium" panose="02000000000000000000" pitchFamily="2" charset="-127"/>
+                <a:ea typeface="G마켓 산스 TTF Medium" panose="02000000000000000000" pitchFamily="2" charset="-127"/>
                 <a:cs typeface="맑은 고딕" panose="020B0503020000020004" charset="-127"/>
                 <a:sym typeface="맑은 고딕" panose="020B0503020000020004" charset="-127"/>
               </a:rPr>
@@ -4774,8 +5135,8 @@
             </a:r>
             <a:r>
               <a:rPr lang="ko-KR" altLang="en-US" sz="1300">
-                <a:latin typeface="맑은 고딕" panose="020B0503020000020004" charset="-127"/>
-                <a:ea typeface="맑은 고딕" panose="020B0503020000020004" charset="-127"/>
+                <a:latin typeface="G마켓 산스 TTF Medium" panose="02000000000000000000" pitchFamily="2" charset="-127"/>
+                <a:ea typeface="G마켓 산스 TTF Medium" panose="02000000000000000000" pitchFamily="2" charset="-127"/>
                 <a:cs typeface="맑은 고딕" panose="020B0503020000020004" charset="-127"/>
                 <a:sym typeface="맑은 고딕" panose="020B0503020000020004" charset="-127"/>
               </a:rPr>
@@ -4783,8 +5144,8 @@
             </a:r>
             <a:r>
               <a:rPr lang="en-US" altLang="ko-KR" sz="1300">
-                <a:latin typeface="맑은 고딕" panose="020B0503020000020004" charset="-127"/>
-                <a:ea typeface="맑은 고딕" panose="020B0503020000020004" charset="-127"/>
+                <a:latin typeface="G마켓 산스 TTF Medium" panose="02000000000000000000" pitchFamily="2" charset="-127"/>
+                <a:ea typeface="G마켓 산스 TTF Medium" panose="02000000000000000000" pitchFamily="2" charset="-127"/>
                 <a:cs typeface="맑은 고딕" panose="020B0503020000020004" charset="-127"/>
                 <a:sym typeface="맑은 고딕" panose="020B0503020000020004" charset="-127"/>
               </a:rPr>
@@ -4792,8 +5153,8 @@
             </a:r>
             <a:r>
               <a:rPr lang="ko-KR" altLang="en-US" sz="1300">
-                <a:latin typeface="맑은 고딕" panose="020B0503020000020004" charset="-127"/>
-                <a:ea typeface="맑은 고딕" panose="020B0503020000020004" charset="-127"/>
+                <a:latin typeface="G마켓 산스 TTF Medium" panose="02000000000000000000" pitchFamily="2" charset="-127"/>
+                <a:ea typeface="G마켓 산스 TTF Medium" panose="02000000000000000000" pitchFamily="2" charset="-127"/>
                 <a:cs typeface="맑은 고딕" panose="020B0503020000020004" charset="-127"/>
                 <a:sym typeface="맑은 고딕" panose="020B0503020000020004" charset="-127"/>
               </a:rPr>
@@ -4801,8 +5162,8 @@
             </a:r>
             <a:r>
               <a:rPr lang="en-US" altLang="ko-KR" sz="1300">
-                <a:latin typeface="맑은 고딕" panose="020B0503020000020004" charset="-127"/>
-                <a:ea typeface="맑은 고딕" panose="020B0503020000020004" charset="-127"/>
+                <a:latin typeface="G마켓 산스 TTF Medium" panose="02000000000000000000" pitchFamily="2" charset="-127"/>
+                <a:ea typeface="G마켓 산스 TTF Medium" panose="02000000000000000000" pitchFamily="2" charset="-127"/>
                 <a:cs typeface="맑은 고딕" panose="020B0503020000020004" charset="-127"/>
                 <a:sym typeface="맑은 고딕" panose="020B0503020000020004" charset="-127"/>
               </a:rPr>
@@ -4810,8 +5171,8 @@
             </a:r>
             <a:r>
               <a:rPr lang="ko-KR" altLang="en-US" sz="1300">
-                <a:latin typeface="맑은 고딕" panose="020B0503020000020004" charset="-127"/>
-                <a:ea typeface="맑은 고딕" panose="020B0503020000020004" charset="-127"/>
+                <a:latin typeface="G마켓 산스 TTF Medium" panose="02000000000000000000" pitchFamily="2" charset="-127"/>
+                <a:ea typeface="G마켓 산스 TTF Medium" panose="02000000000000000000" pitchFamily="2" charset="-127"/>
                 <a:cs typeface="맑은 고딕" panose="020B0503020000020004" charset="-127"/>
                 <a:sym typeface="맑은 고딕" panose="020B0503020000020004" charset="-127"/>
               </a:rPr>
@@ -4819,8 +5180,8 @@
             </a:r>
             <a:r>
               <a:rPr lang="en-US" altLang="ko-KR" sz="1300">
-                <a:latin typeface="맑은 고딕" panose="020B0503020000020004" charset="-127"/>
-                <a:ea typeface="맑은 고딕" panose="020B0503020000020004" charset="-127"/>
+                <a:latin typeface="G마켓 산스 TTF Medium" panose="02000000000000000000" pitchFamily="2" charset="-127"/>
+                <a:ea typeface="G마켓 산스 TTF Medium" panose="02000000000000000000" pitchFamily="2" charset="-127"/>
                 <a:cs typeface="맑은 고딕" panose="020B0503020000020004" charset="-127"/>
                 <a:sym typeface="맑은 고딕" panose="020B0503020000020004" charset="-127"/>
               </a:rPr>
@@ -4828,16 +5189,16 @@
             </a:r>
             <a:r>
               <a:rPr lang="en-US" sz="1200">
-                <a:latin typeface="맑은 고딕" panose="020B0503020000020004" charset="-127"/>
-                <a:ea typeface="맑은 고딕" panose="020B0503020000020004" charset="-127"/>
+                <a:latin typeface="G마켓 산스 TTF Medium" panose="02000000000000000000" pitchFamily="2" charset="-127"/>
+                <a:ea typeface="G마켓 산스 TTF Medium" panose="02000000000000000000" pitchFamily="2" charset="-127"/>
                 <a:cs typeface="맑은 고딕" panose="020B0503020000020004" charset="-127"/>
                 <a:sym typeface="맑은 고딕" panose="020B0503020000020004" charset="-127"/>
               </a:rPr>
               <a:t> </a:t>
             </a:r>
             <a:endParaRPr sz="1200">
-              <a:latin typeface="맑은 고딕" panose="020B0503020000020004" charset="-127"/>
-              <a:ea typeface="맑은 고딕" panose="020B0503020000020004" charset="-127"/>
+              <a:latin typeface="G마켓 산스 TTF Medium" panose="02000000000000000000" pitchFamily="2" charset="-127"/>
+              <a:ea typeface="G마켓 산스 TTF Medium" panose="02000000000000000000" pitchFamily="2" charset="-127"/>
               <a:cs typeface="맑은 고딕" panose="020B0503020000020004" charset="-127"/>
               <a:sym typeface="맑은 고딕" panose="020B0503020000020004" charset="-127"/>
             </a:endParaRPr>
@@ -4852,7 +5213,7 @@
 </p:sld>
 </file>
 
-<file path=ppt/slides/slide12.xml><?xml version="1.0" encoding="utf-8"?>
+<file path=ppt/slides/slide13.xml><?xml version="1.0" encoding="utf-8"?>
 <p:sld xmlns:a="http://schemas.openxmlformats.org/drawingml/2006/main" xmlns:r="http://schemas.openxmlformats.org/officeDocument/2006/relationships" xmlns:p="http://schemas.openxmlformats.org/presentationml/2006/main">
   <p:cSld>
     <p:bg>
@@ -7733,7 +8094,7 @@
 </p:sld>
 </file>
 
-<file path=ppt/slides/slide13.xml><?xml version="1.0" encoding="utf-8"?>
+<file path=ppt/slides/slide14.xml><?xml version="1.0" encoding="utf-8"?>
 <p:sld xmlns:a="http://schemas.openxmlformats.org/drawingml/2006/main" xmlns:r="http://schemas.openxmlformats.org/officeDocument/2006/relationships" xmlns:p="http://schemas.openxmlformats.org/presentationml/2006/main">
   <p:cSld>
     <p:bg>
@@ -7903,7 +8264,7 @@
         </p:blipFill>
         <p:spPr bwMode="auto">
           <a:xfrm>
-            <a:off x="1919037" y="925976"/>
+            <a:off x="1919037" y="855638"/>
             <a:ext cx="8353926" cy="3985142"/>
           </a:xfrm>
           <a:prstGeom prst="rect">
@@ -7929,7 +8290,7 @@
         </p:nvSpPr>
         <p:spPr>
           <a:xfrm>
-            <a:off x="3571970" y="2317827"/>
+            <a:off x="3571970" y="2247489"/>
             <a:ext cx="504000" cy="504000"/>
           </a:xfrm>
           <a:prstGeom prst="roundRect">
@@ -7977,7 +8338,7 @@
         </p:nvSpPr>
         <p:spPr>
           <a:xfrm>
-            <a:off x="3175730" y="2831987"/>
+            <a:off x="3175730" y="2761649"/>
             <a:ext cx="504000" cy="504000"/>
           </a:xfrm>
           <a:prstGeom prst="roundRect">
@@ -8025,7 +8386,7 @@
         </p:nvSpPr>
         <p:spPr>
           <a:xfrm>
-            <a:off x="3716750" y="2831987"/>
+            <a:off x="3716750" y="2761649"/>
             <a:ext cx="504000" cy="504000"/>
           </a:xfrm>
           <a:prstGeom prst="roundRect">
@@ -8073,7 +8434,7 @@
         </p:nvSpPr>
         <p:spPr>
           <a:xfrm>
-            <a:off x="4257770" y="2831987"/>
+            <a:off x="4257770" y="2761649"/>
             <a:ext cx="504000" cy="504000"/>
           </a:xfrm>
           <a:prstGeom prst="roundRect">
@@ -8121,7 +8482,7 @@
         </p:nvSpPr>
         <p:spPr>
           <a:xfrm>
-            <a:off x="2779490" y="1800492"/>
+            <a:off x="2779490" y="1730154"/>
             <a:ext cx="504000" cy="504000"/>
           </a:xfrm>
           <a:prstGeom prst="roundRect">
@@ -8169,7 +8530,7 @@
         </p:nvSpPr>
         <p:spPr>
           <a:xfrm>
-            <a:off x="3316160" y="1799846"/>
+            <a:off x="3316160" y="1729508"/>
             <a:ext cx="504000" cy="504000"/>
           </a:xfrm>
           <a:prstGeom prst="roundRect">
@@ -8217,7 +8578,7 @@
         </p:nvSpPr>
         <p:spPr>
           <a:xfrm>
-            <a:off x="3850925" y="1799846"/>
+            <a:off x="3850925" y="1729508"/>
             <a:ext cx="504000" cy="504000"/>
           </a:xfrm>
           <a:prstGeom prst="roundRect">
@@ -8265,8 +8626,8 @@
         </p:nvSpPr>
         <p:spPr>
           <a:xfrm>
-            <a:off x="1919037" y="4670316"/>
-            <a:ext cx="8518359" cy="1438855"/>
+            <a:off x="2243128" y="4498934"/>
+            <a:ext cx="8518359" cy="2177519"/>
           </a:xfrm>
           <a:prstGeom prst="rect">
             <a:avLst/>
@@ -8285,70 +8646,70 @@
               </a:lnSpc>
             </a:pPr>
             <a:r>
-              <a:rPr lang="ko-KR" altLang="en-US" sz="2000" dirty="0">
+              <a:rPr lang="ko-KR" altLang="en-US" dirty="0">
                 <a:latin typeface="G마켓 산스 TTF Light" panose="02000000000000000000" pitchFamily="2" charset="-127"/>
                 <a:ea typeface="G마켓 산스 TTF Light" panose="02000000000000000000" pitchFamily="2" charset="-127"/>
               </a:rPr>
               <a:t>플레이어 이동</a:t>
             </a:r>
             <a:r>
-              <a:rPr lang="en-US" altLang="ko-KR" sz="2000" dirty="0">
+              <a:rPr lang="en-US" altLang="ko-KR" dirty="0">
                 <a:latin typeface="G마켓 산스 TTF Light" panose="02000000000000000000" pitchFamily="2" charset="-127"/>
                 <a:ea typeface="G마켓 산스 TTF Light" panose="02000000000000000000" pitchFamily="2" charset="-127"/>
               </a:rPr>
               <a:t>	| W, A, S, D (</a:t>
             </a:r>
             <a:r>
-              <a:rPr lang="ko-KR" altLang="en-US" sz="2000" dirty="0">
+              <a:rPr lang="ko-KR" altLang="en-US" dirty="0">
                 <a:latin typeface="G마켓 산스 TTF Light" panose="02000000000000000000" pitchFamily="2" charset="-127"/>
                 <a:ea typeface="G마켓 산스 TTF Light" panose="02000000000000000000" pitchFamily="2" charset="-127"/>
               </a:rPr>
               <a:t>상</a:t>
             </a:r>
             <a:r>
-              <a:rPr lang="en-US" altLang="ko-KR" sz="2000" dirty="0">
+              <a:rPr lang="en-US" altLang="ko-KR" dirty="0">
                 <a:latin typeface="G마켓 산스 TTF Light" panose="02000000000000000000" pitchFamily="2" charset="-127"/>
                 <a:ea typeface="G마켓 산스 TTF Light" panose="02000000000000000000" pitchFamily="2" charset="-127"/>
               </a:rPr>
               <a:t>, </a:t>
             </a:r>
             <a:r>
-              <a:rPr lang="ko-KR" altLang="en-US" sz="2000" dirty="0">
+              <a:rPr lang="ko-KR" altLang="en-US" dirty="0">
                 <a:latin typeface="G마켓 산스 TTF Light" panose="02000000000000000000" pitchFamily="2" charset="-127"/>
                 <a:ea typeface="G마켓 산스 TTF Light" panose="02000000000000000000" pitchFamily="2" charset="-127"/>
               </a:rPr>
               <a:t>좌</a:t>
             </a:r>
             <a:r>
-              <a:rPr lang="en-US" altLang="ko-KR" sz="2000" dirty="0">
+              <a:rPr lang="en-US" altLang="ko-KR" dirty="0">
                 <a:latin typeface="G마켓 산스 TTF Light" panose="02000000000000000000" pitchFamily="2" charset="-127"/>
                 <a:ea typeface="G마켓 산스 TTF Light" panose="02000000000000000000" pitchFamily="2" charset="-127"/>
               </a:rPr>
               <a:t>, </a:t>
             </a:r>
             <a:r>
-              <a:rPr lang="ko-KR" altLang="en-US" sz="2000" dirty="0">
+              <a:rPr lang="ko-KR" altLang="en-US" dirty="0">
                 <a:latin typeface="G마켓 산스 TTF Light" panose="02000000000000000000" pitchFamily="2" charset="-127"/>
                 <a:ea typeface="G마켓 산스 TTF Light" panose="02000000000000000000" pitchFamily="2" charset="-127"/>
               </a:rPr>
               <a:t>하</a:t>
             </a:r>
             <a:r>
-              <a:rPr lang="en-US" altLang="ko-KR" sz="2000" dirty="0">
+              <a:rPr lang="en-US" altLang="ko-KR" dirty="0">
                 <a:latin typeface="G마켓 산스 TTF Light" panose="02000000000000000000" pitchFamily="2" charset="-127"/>
                 <a:ea typeface="G마켓 산스 TTF Light" panose="02000000000000000000" pitchFamily="2" charset="-127"/>
               </a:rPr>
               <a:t>, </a:t>
             </a:r>
             <a:r>
-              <a:rPr lang="ko-KR" altLang="en-US" sz="2000" dirty="0">
+              <a:rPr lang="ko-KR" altLang="en-US" dirty="0">
                 <a:latin typeface="G마켓 산스 TTF Light" panose="02000000000000000000" pitchFamily="2" charset="-127"/>
                 <a:ea typeface="G마켓 산스 TTF Light" panose="02000000000000000000" pitchFamily="2" charset="-127"/>
               </a:rPr>
               <a:t>우 </a:t>
             </a:r>
             <a:r>
-              <a:rPr lang="en-US" altLang="ko-KR" sz="2000" dirty="0">
+              <a:rPr lang="en-US" altLang="ko-KR" dirty="0">
                 <a:latin typeface="G마켓 산스 TTF Light" panose="02000000000000000000" pitchFamily="2" charset="-127"/>
                 <a:ea typeface="G마켓 산스 TTF Light" panose="02000000000000000000" pitchFamily="2" charset="-127"/>
               </a:rPr>
@@ -8362,70 +8723,70 @@
               </a:lnSpc>
             </a:pPr>
             <a:r>
-              <a:rPr lang="ko-KR" altLang="en-US" sz="2000" dirty="0">
+              <a:rPr lang="ko-KR" altLang="en-US" dirty="0">
                 <a:latin typeface="G마켓 산스 TTF Light" panose="02000000000000000000" pitchFamily="2" charset="-127"/>
                 <a:ea typeface="G마켓 산스 TTF Light" panose="02000000000000000000" pitchFamily="2" charset="-127"/>
               </a:rPr>
               <a:t>무기 변경</a:t>
             </a:r>
             <a:r>
-              <a:rPr lang="en-US" altLang="ko-KR" sz="2000" dirty="0">
+              <a:rPr lang="en-US" altLang="ko-KR" dirty="0">
                 <a:latin typeface="G마켓 산스 TTF Light" panose="02000000000000000000" pitchFamily="2" charset="-127"/>
                 <a:ea typeface="G마켓 산스 TTF Light" panose="02000000000000000000" pitchFamily="2" charset="-127"/>
               </a:rPr>
               <a:t>		| 1, 2, 3 (1</a:t>
             </a:r>
             <a:r>
-              <a:rPr lang="ko-KR" altLang="en-US" sz="2000" dirty="0">
+              <a:rPr lang="ko-KR" altLang="en-US" dirty="0">
                 <a:latin typeface="G마켓 산스 TTF Light" panose="02000000000000000000" pitchFamily="2" charset="-127"/>
                 <a:ea typeface="G마켓 산스 TTF Light" panose="02000000000000000000" pitchFamily="2" charset="-127"/>
               </a:rPr>
               <a:t>을 누르면 </a:t>
             </a:r>
             <a:r>
-              <a:rPr lang="en-US" altLang="ko-KR" sz="2000" dirty="0">
+              <a:rPr lang="en-US" altLang="ko-KR" dirty="0">
                 <a:latin typeface="G마켓 산스 TTF Light" panose="02000000000000000000" pitchFamily="2" charset="-127"/>
                 <a:ea typeface="G마켓 산스 TTF Light" panose="02000000000000000000" pitchFamily="2" charset="-127"/>
               </a:rPr>
               <a:t>1</a:t>
             </a:r>
             <a:r>
-              <a:rPr lang="ko-KR" altLang="en-US" sz="2000" dirty="0">
+              <a:rPr lang="ko-KR" altLang="en-US" dirty="0">
                 <a:latin typeface="G마켓 산스 TTF Light" panose="02000000000000000000" pitchFamily="2" charset="-127"/>
                 <a:ea typeface="G마켓 산스 TTF Light" panose="02000000000000000000" pitchFamily="2" charset="-127"/>
               </a:rPr>
               <a:t>번 무기</a:t>
             </a:r>
             <a:r>
-              <a:rPr lang="en-US" altLang="ko-KR" sz="2000" dirty="0">
+              <a:rPr lang="en-US" altLang="ko-KR" dirty="0">
                 <a:latin typeface="G마켓 산스 TTF Light" panose="02000000000000000000" pitchFamily="2" charset="-127"/>
                 <a:ea typeface="G마켓 산스 TTF Light" panose="02000000000000000000" pitchFamily="2" charset="-127"/>
               </a:rPr>
               <a:t>, 2</a:t>
             </a:r>
             <a:r>
-              <a:rPr lang="ko-KR" altLang="en-US" sz="2000" dirty="0">
+              <a:rPr lang="ko-KR" altLang="en-US" dirty="0">
                 <a:latin typeface="G마켓 산스 TTF Light" panose="02000000000000000000" pitchFamily="2" charset="-127"/>
                 <a:ea typeface="G마켓 산스 TTF Light" panose="02000000000000000000" pitchFamily="2" charset="-127"/>
               </a:rPr>
               <a:t>를 누르면 </a:t>
             </a:r>
             <a:r>
-              <a:rPr lang="en-US" altLang="ko-KR" sz="2000" dirty="0">
+              <a:rPr lang="en-US" altLang="ko-KR" dirty="0">
                 <a:latin typeface="G마켓 산스 TTF Light" panose="02000000000000000000" pitchFamily="2" charset="-127"/>
                 <a:ea typeface="G마켓 산스 TTF Light" panose="02000000000000000000" pitchFamily="2" charset="-127"/>
               </a:rPr>
               <a:t>2</a:t>
             </a:r>
             <a:r>
-              <a:rPr lang="ko-KR" altLang="en-US" sz="2000" dirty="0">
+              <a:rPr lang="ko-KR" altLang="en-US" dirty="0">
                 <a:latin typeface="G마켓 산스 TTF Light" panose="02000000000000000000" pitchFamily="2" charset="-127"/>
                 <a:ea typeface="G마켓 산스 TTF Light" panose="02000000000000000000" pitchFamily="2" charset="-127"/>
               </a:rPr>
               <a:t>번 무기</a:t>
             </a:r>
             <a:r>
-              <a:rPr lang="en-US" altLang="ko-KR" sz="2000" dirty="0">
+              <a:rPr lang="en-US" altLang="ko-KR" dirty="0">
                 <a:latin typeface="G마켓 산스 TTF Light" panose="02000000000000000000" pitchFamily="2" charset="-127"/>
                 <a:ea typeface="G마켓 산스 TTF Light" panose="02000000000000000000" pitchFamily="2" charset="-127"/>
               </a:rPr>
@@ -8439,19 +8800,51 @@
               </a:lnSpc>
             </a:pPr>
             <a:r>
-              <a:rPr lang="ko-KR" altLang="en-US" sz="2000" dirty="0">
+              <a:rPr lang="ko-KR" altLang="en-US" dirty="0">
                 <a:latin typeface="G마켓 산스 TTF Light" panose="02000000000000000000" pitchFamily="2" charset="-127"/>
                 <a:ea typeface="G마켓 산스 TTF Light" panose="02000000000000000000" pitchFamily="2" charset="-127"/>
               </a:rPr>
               <a:t>아이템 줍기</a:t>
             </a:r>
             <a:r>
-              <a:rPr lang="en-US" altLang="ko-KR" sz="2000" dirty="0">
+              <a:rPr lang="en-US" altLang="ko-KR" dirty="0">
                 <a:latin typeface="G마켓 산스 TTF Light" panose="02000000000000000000" pitchFamily="2" charset="-127"/>
                 <a:ea typeface="G마켓 산스 TTF Light" panose="02000000000000000000" pitchFamily="2" charset="-127"/>
               </a:rPr>
               <a:t>		| Q</a:t>
             </a:r>
+          </a:p>
+          <a:p>
+            <a:pPr>
+              <a:lnSpc>
+                <a:spcPct val="150000"/>
+              </a:lnSpc>
+            </a:pPr>
+            <a:r>
+              <a:rPr lang="ko-KR" altLang="en-US" dirty="0">
+                <a:latin typeface="G마켓 산스 TTF Light" panose="02000000000000000000" pitchFamily="2" charset="-127"/>
+                <a:ea typeface="G마켓 산스 TTF Light" panose="02000000000000000000" pitchFamily="2" charset="-127"/>
+              </a:rPr>
+              <a:t>점프</a:t>
+            </a:r>
+            <a:r>
+              <a:rPr lang="en-US" altLang="ko-KR" dirty="0">
+                <a:latin typeface="G마켓 산스 TTF Light" panose="02000000000000000000" pitchFamily="2" charset="-127"/>
+                <a:ea typeface="G마켓 산스 TTF Light" panose="02000000000000000000" pitchFamily="2" charset="-127"/>
+              </a:rPr>
+              <a:t>				| Space</a:t>
+            </a:r>
+            <a:endParaRPr lang="ko-KR" altLang="en-US" dirty="0">
+              <a:latin typeface="G마켓 산스 TTF Light" panose="02000000000000000000" pitchFamily="2" charset="-127"/>
+              <a:ea typeface="G마켓 산스 TTF Light" panose="02000000000000000000" pitchFamily="2" charset="-127"/>
+            </a:endParaRPr>
+          </a:p>
+          <a:p>
+            <a:pPr>
+              <a:lnSpc>
+                <a:spcPct val="150000"/>
+              </a:lnSpc>
+            </a:pPr>
             <a:endParaRPr lang="ko-KR" altLang="en-US" sz="2000" dirty="0">
               <a:latin typeface="G마켓 산스 TTF Light" panose="02000000000000000000" pitchFamily="2" charset="-127"/>
               <a:ea typeface="G마켓 산스 TTF Light" panose="02000000000000000000" pitchFamily="2" charset="-127"/>
@@ -8467,7 +8860,7 @@
         </p:nvSpPr>
         <p:spPr>
           <a:xfrm>
-            <a:off x="3044920" y="2317816"/>
+            <a:off x="3044920" y="2247478"/>
             <a:ext cx="504000" cy="504000"/>
           </a:xfrm>
           <a:prstGeom prst="roundRect">
@@ -8507,6 +8900,61 @@
           </a:p>
         </p:txBody>
       </p:sp>
+      <p:sp>
+        <p:nvSpPr>
+          <p:cNvPr id="2" name="사각형: 둥근 모서리 1">
+            <a:extLst>
+              <a:ext uri="{FF2B5EF4-FFF2-40B4-BE49-F238E27FC236}">
+                <a16:creationId xmlns:a16="http://schemas.microsoft.com/office/drawing/2014/main" id="{9FF6CFA2-D6F6-CE31-ED1B-FE7A5AB67A9E}"/>
+              </a:ext>
+            </a:extLst>
+          </p:cNvPr>
+          <p:cNvSpPr/>
+          <p:nvPr/>
+        </p:nvSpPr>
+        <p:spPr>
+          <a:xfrm>
+            <a:off x="4509770" y="3803873"/>
+            <a:ext cx="2653030" cy="504000"/>
+          </a:xfrm>
+          <a:prstGeom prst="roundRect">
+            <a:avLst/>
+          </a:prstGeom>
+          <a:solidFill>
+            <a:schemeClr val="accent2">
+              <a:lumMod val="75000"/>
+              <a:alpha val="40000"/>
+            </a:schemeClr>
+          </a:solidFill>
+          <a:ln>
+            <a:noFill/>
+          </a:ln>
+        </p:spPr>
+        <p:style>
+          <a:lnRef idx="2">
+            <a:schemeClr val="accent1">
+              <a:shade val="50000"/>
+            </a:schemeClr>
+          </a:lnRef>
+          <a:fillRef idx="1">
+            <a:schemeClr val="accent1"/>
+          </a:fillRef>
+          <a:effectRef idx="0">
+            <a:schemeClr val="accent1"/>
+          </a:effectRef>
+          <a:fontRef idx="minor">
+            <a:schemeClr val="lt1"/>
+          </a:fontRef>
+        </p:style>
+        <p:txBody>
+          <a:bodyPr rtlCol="0" anchor="ctr"/>
+          <a:lstStyle/>
+          <a:p>
+            <a:pPr algn="ctr"/>
+            <a:endParaRPr lang="ko-KR" altLang="en-US"/>
+          </a:p>
+        </p:txBody>
+      </p:sp>
     </p:spTree>
   </p:cSld>
   <p:clrMapOvr>
@@ -8515,7 +8963,7 @@
 </p:sld>
 </file>
 
-<file path=ppt/slides/slide14.xml><?xml version="1.0" encoding="utf-8"?>
+<file path=ppt/slides/slide15.xml><?xml version="1.0" encoding="utf-8"?>
 <p:sld xmlns:a="http://schemas.openxmlformats.org/drawingml/2006/main" xmlns:r="http://schemas.openxmlformats.org/officeDocument/2006/relationships" xmlns:p="http://schemas.openxmlformats.org/presentationml/2006/main">
   <p:cSld>
     <p:bg>
@@ -8651,7 +9099,7 @@
 </p:sld>
 </file>
 
-<file path=ppt/slides/slide15.xml><?xml version="1.0" encoding="utf-8"?>
+<file path=ppt/slides/slide16.xml><?xml version="1.0" encoding="utf-8"?>
 <p:sld xmlns:a="http://schemas.openxmlformats.org/drawingml/2006/main" xmlns:r="http://schemas.openxmlformats.org/officeDocument/2006/relationships" xmlns:p="http://schemas.openxmlformats.org/presentationml/2006/main">
   <p:cSld>
     <p:bg>
@@ -9155,7 +9603,7 @@
 </p:sld>
 </file>
 
-<file path=ppt/slides/slide16.xml><?xml version="1.0" encoding="utf-8"?>
+<file path=ppt/slides/slide17.xml><?xml version="1.0" encoding="utf-8"?>
 <p:sld xmlns:a="http://schemas.openxmlformats.org/drawingml/2006/main" xmlns:r="http://schemas.openxmlformats.org/officeDocument/2006/relationships" xmlns:p="http://schemas.openxmlformats.org/presentationml/2006/main">
   <p:cSld>
     <p:bg>
@@ -9311,7 +9759,7 @@
 </p:sld>
 </file>
 
-<file path=ppt/slides/slide17.xml><?xml version="1.0" encoding="utf-8"?>
+<file path=ppt/slides/slide18.xml><?xml version="1.0" encoding="utf-8"?>
 <p:sld xmlns:a="http://schemas.openxmlformats.org/drawingml/2006/main" xmlns:r="http://schemas.openxmlformats.org/officeDocument/2006/relationships" xmlns:p="http://schemas.openxmlformats.org/presentationml/2006/main">
   <p:cSld>
     <p:bg>
@@ -9429,6 +9877,177 @@
           </a:p>
         </p:txBody>
       </p:sp>
+      <p:sp>
+        <p:nvSpPr>
+          <p:cNvPr id="2" name="TextBox 1">
+            <a:extLst>
+              <a:ext uri="{FF2B5EF4-FFF2-40B4-BE49-F238E27FC236}">
+                <a16:creationId xmlns:a16="http://schemas.microsoft.com/office/drawing/2014/main" id="{2B0D9D19-506B-5AF8-23DA-A1D0B8C359DC}"/>
+              </a:ext>
+            </a:extLst>
+          </p:cNvPr>
+          <p:cNvSpPr txBox="1"/>
+          <p:nvPr/>
+        </p:nvSpPr>
+        <p:spPr>
+          <a:xfrm>
+            <a:off x="978569" y="1718518"/>
+            <a:ext cx="9392315" cy="3093154"/>
+          </a:xfrm>
+          <a:prstGeom prst="rect">
+            <a:avLst/>
+          </a:prstGeom>
+          <a:noFill/>
+        </p:spPr>
+        <p:txBody>
+          <a:bodyPr wrap="none" rtlCol="0">
+            <a:spAutoFit/>
+          </a:bodyPr>
+          <a:lstStyle/>
+          <a:p>
+            <a:pPr marL="342900" indent="-342900">
+              <a:lnSpc>
+                <a:spcPct val="200000"/>
+              </a:lnSpc>
+              <a:buFont typeface="Arial" panose="020B0604020202020204" pitchFamily="34" charset="0"/>
+              <a:buChar char="•"/>
+            </a:pPr>
+            <a:r>
+              <a:rPr lang="ko-KR" altLang="en-US" sz="2000" dirty="0">
+                <a:latin typeface="G마켓 산스 TTF Medium" panose="02000000000000000000" pitchFamily="2" charset="-127"/>
+                <a:ea typeface="G마켓 산스 TTF Medium" panose="02000000000000000000" pitchFamily="2" charset="-127"/>
+              </a:rPr>
+              <a:t>애니메이션 </a:t>
+            </a:r>
+            <a:r>
+              <a:rPr lang="ko-KR" altLang="en-US" sz="2000" dirty="0" err="1">
+                <a:latin typeface="G마켓 산스 TTF Medium" panose="02000000000000000000" pitchFamily="2" charset="-127"/>
+                <a:ea typeface="G마켓 산스 TTF Medium" panose="02000000000000000000" pitchFamily="2" charset="-127"/>
+              </a:rPr>
+              <a:t>블렌딩을</a:t>
+            </a:r>
+            <a:r>
+              <a:rPr lang="ko-KR" altLang="en-US" sz="2000" dirty="0">
+                <a:latin typeface="G마켓 산스 TTF Medium" panose="02000000000000000000" pitchFamily="2" charset="-127"/>
+                <a:ea typeface="G마켓 산스 TTF Medium" panose="02000000000000000000" pitchFamily="2" charset="-127"/>
+              </a:rPr>
+              <a:t> 하여 애니메이션 사이를 부드럽게 연결</a:t>
+            </a:r>
+            <a:endParaRPr lang="en-US" altLang="ko-KR" sz="2000" dirty="0">
+              <a:latin typeface="G마켓 산스 TTF Medium" panose="02000000000000000000" pitchFamily="2" charset="-127"/>
+              <a:ea typeface="G마켓 산스 TTF Medium" panose="02000000000000000000" pitchFamily="2" charset="-127"/>
+            </a:endParaRPr>
+          </a:p>
+          <a:p>
+            <a:pPr marL="342900" indent="-342900">
+              <a:lnSpc>
+                <a:spcPct val="200000"/>
+              </a:lnSpc>
+              <a:buFont typeface="Arial" panose="020B0604020202020204" pitchFamily="34" charset="0"/>
+              <a:buChar char="•"/>
+            </a:pPr>
+            <a:r>
+              <a:rPr lang="ko-KR" altLang="en-US" sz="2000" dirty="0">
+                <a:latin typeface="G마켓 산스 TTF Medium" panose="02000000000000000000" pitchFamily="2" charset="-127"/>
+                <a:ea typeface="G마켓 산스 TTF Medium" panose="02000000000000000000" pitchFamily="2" charset="-127"/>
+              </a:rPr>
+              <a:t>흐르는 물 표현</a:t>
+            </a:r>
+            <a:endParaRPr lang="en-US" altLang="ko-KR" sz="2000" dirty="0">
+              <a:latin typeface="G마켓 산스 TTF Medium" panose="02000000000000000000" pitchFamily="2" charset="-127"/>
+              <a:ea typeface="G마켓 산스 TTF Medium" panose="02000000000000000000" pitchFamily="2" charset="-127"/>
+            </a:endParaRPr>
+          </a:p>
+          <a:p>
+            <a:pPr marL="342900" indent="-342900">
+              <a:lnSpc>
+                <a:spcPct val="200000"/>
+              </a:lnSpc>
+              <a:buFont typeface="Arial" panose="020B0604020202020204" pitchFamily="34" charset="0"/>
+              <a:buChar char="•"/>
+            </a:pPr>
+            <a:r>
+              <a:rPr lang="ko-KR" altLang="en-US" sz="2000" dirty="0">
+                <a:latin typeface="G마켓 산스 TTF Medium" panose="02000000000000000000" pitchFamily="2" charset="-127"/>
+                <a:ea typeface="G마켓 산스 TTF Medium" panose="02000000000000000000" pitchFamily="2" charset="-127"/>
+              </a:rPr>
+              <a:t>물리법칙을 활용해 다양한 무기들을 생동감 넘치게 구현</a:t>
+            </a:r>
+            <a:endParaRPr lang="en-US" altLang="ko-KR" sz="2000" dirty="0">
+              <a:latin typeface="G마켓 산스 TTF Medium" panose="02000000000000000000" pitchFamily="2" charset="-127"/>
+              <a:ea typeface="G마켓 산스 TTF Medium" panose="02000000000000000000" pitchFamily="2" charset="-127"/>
+            </a:endParaRPr>
+          </a:p>
+          <a:p>
+            <a:pPr marL="342900" indent="-342900">
+              <a:lnSpc>
+                <a:spcPct val="200000"/>
+              </a:lnSpc>
+              <a:buFont typeface="Arial" panose="020B0604020202020204" pitchFamily="34" charset="0"/>
+              <a:buChar char="•"/>
+            </a:pPr>
+            <a:r>
+              <a:rPr lang="ko-KR" altLang="en-US" sz="2000" dirty="0">
+                <a:latin typeface="G마켓 산스 TTF Medium" panose="02000000000000000000" pitchFamily="2" charset="-127"/>
+                <a:ea typeface="G마켓 산스 TTF Medium" panose="02000000000000000000" pitchFamily="2" charset="-127"/>
+              </a:rPr>
+              <a:t>서버를 통해 </a:t>
+            </a:r>
+            <a:r>
+              <a:rPr lang="en-US" altLang="ko-KR" sz="2000" dirty="0">
+                <a:latin typeface="G마켓 산스 TTF Medium" panose="02000000000000000000" pitchFamily="2" charset="-127"/>
+                <a:ea typeface="G마켓 산스 TTF Medium" panose="02000000000000000000" pitchFamily="2" charset="-127"/>
+              </a:rPr>
+              <a:t>3</a:t>
+            </a:r>
+            <a:r>
+              <a:rPr lang="ko-KR" altLang="en-US" sz="2000" dirty="0">
+                <a:latin typeface="G마켓 산스 TTF Medium" panose="02000000000000000000" pitchFamily="2" charset="-127"/>
+                <a:ea typeface="G마켓 산스 TTF Medium" panose="02000000000000000000" pitchFamily="2" charset="-127"/>
+              </a:rPr>
+              <a:t>명의 플레이어가 모여 게임을 진행할 때</a:t>
+            </a:r>
+            <a:r>
+              <a:rPr lang="en-US" altLang="ko-KR" sz="2000" dirty="0">
+                <a:latin typeface="G마켓 산스 TTF Medium" panose="02000000000000000000" pitchFamily="2" charset="-127"/>
+                <a:ea typeface="G마켓 산스 TTF Medium" panose="02000000000000000000" pitchFamily="2" charset="-127"/>
+              </a:rPr>
+              <a:t> </a:t>
+            </a:r>
+            <a:r>
+              <a:rPr lang="ko-KR" altLang="en-US" sz="2000" dirty="0">
+                <a:latin typeface="G마켓 산스 TTF Medium" panose="02000000000000000000" pitchFamily="2" charset="-127"/>
+                <a:ea typeface="G마켓 산스 TTF Medium" panose="02000000000000000000" pitchFamily="2" charset="-127"/>
+              </a:rPr>
+              <a:t>프레임이 끊기지 않게 구현</a:t>
+            </a:r>
+            <a:endParaRPr lang="en-US" altLang="ko-KR" sz="2000" dirty="0">
+              <a:latin typeface="G마켓 산스 TTF Medium" panose="02000000000000000000" pitchFamily="2" charset="-127"/>
+              <a:ea typeface="G마켓 산스 TTF Medium" panose="02000000000000000000" pitchFamily="2" charset="-127"/>
+            </a:endParaRPr>
+          </a:p>
+          <a:p>
+            <a:pPr marL="342900" indent="-342900">
+              <a:lnSpc>
+                <a:spcPct val="200000"/>
+              </a:lnSpc>
+              <a:buFont typeface="Arial" panose="020B0604020202020204" pitchFamily="34" charset="0"/>
+              <a:buChar char="•"/>
+            </a:pPr>
+            <a:r>
+              <a:rPr lang="ko-KR" altLang="en-US" sz="2000" dirty="0">
+                <a:latin typeface="G마켓 산스 TTF Medium" panose="02000000000000000000" pitchFamily="2" charset="-127"/>
+                <a:ea typeface="G마켓 산스 TTF Medium" panose="02000000000000000000" pitchFamily="2" charset="-127"/>
+              </a:rPr>
+              <a:t>일괄 처리를 하여 불필요한 연산 최소화</a:t>
+            </a:r>
+            <a:endParaRPr lang="en-US" altLang="ko-KR" sz="2000" dirty="0">
+              <a:latin typeface="G마켓 산스 TTF Medium" panose="02000000000000000000" pitchFamily="2" charset="-127"/>
+              <a:ea typeface="G마켓 산스 TTF Medium" panose="02000000000000000000" pitchFamily="2" charset="-127"/>
+            </a:endParaRPr>
+          </a:p>
+        </p:txBody>
+      </p:sp>
     </p:spTree>
   </p:cSld>
   <p:clrMapOvr>
@@ -9437,7 +10056,7 @@
 </p:sld>
 </file>
 
-<file path=ppt/slides/slide18.xml><?xml version="1.0" encoding="utf-8"?>
+<file path=ppt/slides/slide19.xml><?xml version="1.0" encoding="utf-8"?>
 <p:sld xmlns:a="http://schemas.openxmlformats.org/drawingml/2006/main" xmlns:r="http://schemas.openxmlformats.org/officeDocument/2006/relationships" xmlns:p="http://schemas.openxmlformats.org/presentationml/2006/main">
   <p:cSld>
     <p:bg>
@@ -9562,789 +10181,6 @@
               <a:latin typeface="여기어때 잘난체" panose="020B0600000101010101" pitchFamily="50" charset="-127"/>
               <a:ea typeface="여기어때 잘난체" panose="020B0600000101010101" pitchFamily="50" charset="-127"/>
             </a:endParaRPr>
-          </a:p>
-        </p:txBody>
-      </p:sp>
-    </p:spTree>
-  </p:cSld>
-  <p:clrMapOvr>
-    <a:masterClrMapping/>
-  </p:clrMapOvr>
-</p:sld>
-</file>
-
-<file path=ppt/slides/slide19.xml><?xml version="1.0" encoding="utf-8"?>
-<p:sld xmlns:a="http://schemas.openxmlformats.org/drawingml/2006/main" xmlns:r="http://schemas.openxmlformats.org/officeDocument/2006/relationships" xmlns:p="http://schemas.openxmlformats.org/presentationml/2006/main">
-  <p:cSld>
-    <p:spTree>
-      <p:nvGrpSpPr>
-        <p:cNvPr id="1" name=""/>
-        <p:cNvGrpSpPr/>
-        <p:nvPr/>
-      </p:nvGrpSpPr>
-      <p:grpSpPr>
-        <a:xfrm>
-          <a:off x="0" y="0"/>
-          <a:ext cx="0" cy="0"/>
-          <a:chOff x="0" y="0"/>
-          <a:chExt cx="0" cy="0"/>
-        </a:xfrm>
-      </p:grpSpPr>
-      <p:sp>
-        <p:nvSpPr>
-          <p:cNvPr id="13" name="TextBox 12"/>
-          <p:cNvSpPr txBox="1"/>
-          <p:nvPr/>
-        </p:nvSpPr>
-        <p:spPr>
-          <a:xfrm>
-            <a:off x="4273333" y="418405"/>
-            <a:ext cx="3645333" cy="584775"/>
-          </a:xfrm>
-          <a:prstGeom prst="rect">
-            <a:avLst/>
-          </a:prstGeom>
-          <a:noFill/>
-        </p:spPr>
-        <p:txBody>
-          <a:bodyPr wrap="square" rtlCol="0">
-            <a:spAutoFit/>
-          </a:bodyPr>
-          <a:lstStyle/>
-          <a:p>
-            <a:r>
-              <a:rPr lang="en-US" altLang="ko-KR" sz="3200" dirty="0">
-                <a:solidFill>
-                  <a:srgbClr val="8BA9AB"/>
-                </a:solidFill>
-                <a:latin typeface="여기어때 잘난체" panose="020B0600000101010101" pitchFamily="50" charset="-127"/>
-                <a:ea typeface="여기어때 잘난체" panose="020B0600000101010101" pitchFamily="50" charset="-127"/>
-              </a:rPr>
-              <a:t>04. </a:t>
-            </a:r>
-            <a:r>
-              <a:rPr lang="ko-KR" altLang="en-US" sz="3200" dirty="0">
-                <a:solidFill>
-                  <a:srgbClr val="8BA9AB"/>
-                </a:solidFill>
-                <a:latin typeface="여기어때 잘난체" panose="020B0600000101010101" pitchFamily="50" charset="-127"/>
-                <a:ea typeface="여기어때 잘난체" panose="020B0600000101010101" pitchFamily="50" charset="-127"/>
-              </a:rPr>
-              <a:t>타 게임과 비교</a:t>
-            </a:r>
-          </a:p>
-        </p:txBody>
-      </p:sp>
-      <p:pic>
-        <p:nvPicPr>
-          <p:cNvPr id="1026" name="Picture 2" descr="휴먼: 폴 플랫 (Human: Fall Flat)"/>
-          <p:cNvPicPr>
-            <a:picLocks noChangeAspect="1" noChangeArrowheads="1"/>
-          </p:cNvPicPr>
-          <p:nvPr/>
-        </p:nvPicPr>
-        <p:blipFill>
-          <a:blip r:embed="rId2">
-            <a:extLst>
-              <a:ext uri="{28A0092B-C50C-407E-A947-70E740481C1C}">
-                <a14:useLocalDpi xmlns:a14="http://schemas.microsoft.com/office/drawing/2010/main" val="0"/>
-              </a:ext>
-            </a:extLst>
-          </a:blip>
-          <a:srcRect/>
-          <a:stretch>
-            <a:fillRect/>
-          </a:stretch>
-        </p:blipFill>
-        <p:spPr bwMode="auto">
-          <a:xfrm>
-            <a:off x="477846" y="2335012"/>
-            <a:ext cx="3552972" cy="1998249"/>
-          </a:xfrm>
-          <a:prstGeom prst="rect">
-            <a:avLst/>
-          </a:prstGeom>
-          <a:noFill/>
-          <a:extLst>
-            <a:ext uri="{909E8E84-426E-40DD-AFC4-6F175D3DCCD1}">
-              <a14:hiddenFill xmlns:a14="http://schemas.microsoft.com/office/drawing/2010/main">
-                <a:solidFill>
-                  <a:srgbClr val="FFFFFF"/>
-                </a:solidFill>
-              </a14:hiddenFill>
-            </a:ext>
-          </a:extLst>
-        </p:spPr>
-      </p:pic>
-      <p:graphicFrame>
-        <p:nvGraphicFramePr>
-          <p:cNvPr id="2" name="표 3"/>
-          <p:cNvGraphicFramePr>
-            <a:graphicFrameLocks noGrp="1"/>
-          </p:cNvGraphicFramePr>
-          <p:nvPr/>
-        </p:nvGraphicFramePr>
-        <p:xfrm>
-          <a:off x="4273333" y="1819922"/>
-          <a:ext cx="7649379" cy="4619566"/>
-        </p:xfrm>
-        <a:graphic>
-          <a:graphicData uri="http://schemas.openxmlformats.org/drawingml/2006/table">
-            <a:tbl>
-              <a:tblPr firstRow="1" bandRow="1">
-                <a:tableStyleId>{5C22544A-7EE6-4342-B048-85BDC9FD1C3A}</a:tableStyleId>
-              </a:tblPr>
-              <a:tblGrid>
-                <a:gridCol w="1357148">
-                  <a:extLst>
-                    <a:ext uri="{9D8B030D-6E8A-4147-A177-3AD203B41FA5}">
-                      <a16:colId xmlns:a16="http://schemas.microsoft.com/office/drawing/2014/main" val="20000"/>
-                    </a:ext>
-                  </a:extLst>
-                </a:gridCol>
-                <a:gridCol w="3034125">
-                  <a:extLst>
-                    <a:ext uri="{9D8B030D-6E8A-4147-A177-3AD203B41FA5}">
-                      <a16:colId xmlns:a16="http://schemas.microsoft.com/office/drawing/2014/main" val="20001"/>
-                    </a:ext>
-                  </a:extLst>
-                </a:gridCol>
-                <a:gridCol w="3258106">
-                  <a:extLst>
-                    <a:ext uri="{9D8B030D-6E8A-4147-A177-3AD203B41FA5}">
-                      <a16:colId xmlns:a16="http://schemas.microsoft.com/office/drawing/2014/main" val="20002"/>
-                    </a:ext>
-                  </a:extLst>
-                </a:gridCol>
-              </a:tblGrid>
-              <a:tr h="430092">
-                <a:tc>
-                  <a:txBody>
-                    <a:bodyPr/>
-                    <a:lstStyle/>
-                    <a:p>
-                      <a:pPr algn="ctr" latinLnBrk="1"/>
-                      <a:r>
-                        <a:rPr lang="ko-KR" altLang="en-US" b="0" dirty="0" err="1">
-                          <a:solidFill>
-                            <a:schemeClr val="tx1"/>
-                          </a:solidFill>
-                          <a:latin typeface="G마켓 산스 TTF Medium" panose="02000000000000000000" pitchFamily="2" charset="-127"/>
-                          <a:ea typeface="G마켓 산스 TTF Medium" panose="02000000000000000000" pitchFamily="2" charset="-127"/>
-                        </a:rPr>
-                        <a:t>타게임</a:t>
-                      </a:r>
-                      <a:endParaRPr lang="ko-KR" altLang="en-US" b="0" dirty="0">
-                        <a:solidFill>
-                          <a:schemeClr val="tx1"/>
-                        </a:solidFill>
-                        <a:latin typeface="G마켓 산스 TTF Medium" panose="02000000000000000000" pitchFamily="2" charset="-127"/>
-                        <a:ea typeface="G마켓 산스 TTF Medium" panose="02000000000000000000" pitchFamily="2" charset="-127"/>
-                      </a:endParaRPr>
-                    </a:p>
-                  </a:txBody>
-                  <a:tcPr anchor="ctr">
-                    <a:lnB w="12700" cap="flat" cmpd="sng" algn="ctr">
-                      <a:solidFill>
-                        <a:srgbClr val="8BA9AB"/>
-                      </a:solidFill>
-                      <a:prstDash val="solid"/>
-                      <a:round/>
-                      <a:headEnd type="none" w="med" len="med"/>
-                      <a:tailEnd type="none" w="med" len="med"/>
-                    </a:lnB>
-                    <a:solidFill>
-                      <a:srgbClr val="B1C6C7"/>
-                    </a:solidFill>
-                  </a:tcPr>
-                </a:tc>
-                <a:tc>
-                  <a:txBody>
-                    <a:bodyPr/>
-                    <a:lstStyle/>
-                    <a:p>
-                      <a:pPr algn="ctr" latinLnBrk="1"/>
-                      <a:r>
-                        <a:rPr lang="ko-KR" altLang="en-US" b="0" dirty="0">
-                          <a:solidFill>
-                            <a:schemeClr val="tx1"/>
-                          </a:solidFill>
-                          <a:latin typeface="G마켓 산스 TTF Medium" panose="02000000000000000000" pitchFamily="2" charset="-127"/>
-                          <a:ea typeface="G마켓 산스 TTF Medium" panose="02000000000000000000" pitchFamily="2" charset="-127"/>
-                        </a:rPr>
-                        <a:t>유사점</a:t>
-                      </a:r>
-                    </a:p>
-                  </a:txBody>
-                  <a:tcPr anchor="ctr">
-                    <a:lnB w="12700" cap="flat" cmpd="sng" algn="ctr">
-                      <a:solidFill>
-                        <a:srgbClr val="8BA9AB"/>
-                      </a:solidFill>
-                      <a:prstDash val="solid"/>
-                      <a:round/>
-                      <a:headEnd type="none" w="med" len="med"/>
-                      <a:tailEnd type="none" w="med" len="med"/>
-                    </a:lnB>
-                    <a:solidFill>
-                      <a:srgbClr val="B1C6C7"/>
-                    </a:solidFill>
-                  </a:tcPr>
-                </a:tc>
-                <a:tc>
-                  <a:txBody>
-                    <a:bodyPr/>
-                    <a:lstStyle/>
-                    <a:p>
-                      <a:pPr algn="ctr" latinLnBrk="1"/>
-                      <a:r>
-                        <a:rPr lang="ko-KR" altLang="en-US" b="0" dirty="0">
-                          <a:solidFill>
-                            <a:schemeClr val="tx1"/>
-                          </a:solidFill>
-                          <a:latin typeface="G마켓 산스 TTF Medium" panose="02000000000000000000" pitchFamily="2" charset="-127"/>
-                          <a:ea typeface="G마켓 산스 TTF Medium" panose="02000000000000000000" pitchFamily="2" charset="-127"/>
-                        </a:rPr>
-                        <a:t>개선하고 싶은 점</a:t>
-                      </a:r>
-                    </a:p>
-                  </a:txBody>
-                  <a:tcPr anchor="ctr">
-                    <a:lnB w="12700" cap="flat" cmpd="sng" algn="ctr">
-                      <a:solidFill>
-                        <a:srgbClr val="8BA9AB"/>
-                      </a:solidFill>
-                      <a:prstDash val="solid"/>
-                      <a:round/>
-                      <a:headEnd type="none" w="med" len="med"/>
-                      <a:tailEnd type="none" w="med" len="med"/>
-                    </a:lnB>
-                    <a:solidFill>
-                      <a:srgbClr val="B1C6C7"/>
-                    </a:solidFill>
-                  </a:tcPr>
-                </a:tc>
-                <a:extLst>
-                  <a:ext uri="{0D108BD9-81ED-4DB2-BD59-A6C34878D82A}">
-                    <a16:rowId xmlns:a16="http://schemas.microsoft.com/office/drawing/2014/main" val="10000"/>
-                  </a:ext>
-                </a:extLst>
-              </a:tr>
-              <a:tr h="2094737">
-                <a:tc>
-                  <a:txBody>
-                    <a:bodyPr/>
-                    <a:lstStyle/>
-                    <a:p>
-                      <a:pPr algn="ctr" latinLnBrk="1">
-                        <a:lnSpc>
-                          <a:spcPct val="150000"/>
-                        </a:lnSpc>
-                      </a:pPr>
-                      <a:r>
-                        <a:rPr lang="ko-KR" altLang="en-US" sz="1600" b="0" dirty="0">
-                          <a:solidFill>
-                            <a:schemeClr val="tx1"/>
-                          </a:solidFill>
-                          <a:latin typeface="G마켓 산스 TTF Medium" panose="02000000000000000000" pitchFamily="2" charset="-127"/>
-                          <a:ea typeface="G마켓 산스 TTF Medium" panose="02000000000000000000" pitchFamily="2" charset="-127"/>
-                        </a:rPr>
-                        <a:t>휴먼 폴 플랫</a:t>
-                      </a:r>
-                    </a:p>
-                  </a:txBody>
-                  <a:tcPr anchor="ctr">
-                    <a:lnL w="12700" cap="flat" cmpd="sng" algn="ctr">
-                      <a:solidFill>
-                        <a:srgbClr val="8BA9AB"/>
-                      </a:solidFill>
-                      <a:prstDash val="solid"/>
-                      <a:round/>
-                      <a:headEnd type="none" w="med" len="med"/>
-                      <a:tailEnd type="none" w="med" len="med"/>
-                    </a:lnL>
-                    <a:lnR w="12700" cap="flat" cmpd="sng" algn="ctr">
-                      <a:solidFill>
-                        <a:srgbClr val="8BA9AB"/>
-                      </a:solidFill>
-                      <a:prstDash val="solid"/>
-                      <a:round/>
-                      <a:headEnd type="none" w="med" len="med"/>
-                      <a:tailEnd type="none" w="med" len="med"/>
-                    </a:lnR>
-                    <a:lnT w="12700" cap="flat" cmpd="sng" algn="ctr">
-                      <a:solidFill>
-                        <a:srgbClr val="8BA9AB"/>
-                      </a:solidFill>
-                      <a:prstDash val="solid"/>
-                      <a:round/>
-                      <a:headEnd type="none" w="med" len="med"/>
-                      <a:tailEnd type="none" w="med" len="med"/>
-                    </a:lnT>
-                    <a:lnB w="12700" cap="flat" cmpd="sng" algn="ctr">
-                      <a:solidFill>
-                        <a:srgbClr val="8BA9AB"/>
-                      </a:solidFill>
-                      <a:prstDash val="solid"/>
-                      <a:round/>
-                      <a:headEnd type="none" w="med" len="med"/>
-                      <a:tailEnd type="none" w="med" len="med"/>
-                    </a:lnB>
-                    <a:solidFill>
-                      <a:schemeClr val="bg1"/>
-                    </a:solidFill>
-                  </a:tcPr>
-                </a:tc>
-                <a:tc>
-                  <a:txBody>
-                    <a:bodyPr/>
-                    <a:lstStyle/>
-                    <a:p>
-                      <a:pPr algn="l" latinLnBrk="1">
-                        <a:lnSpc>
-                          <a:spcPct val="150000"/>
-                        </a:lnSpc>
-                      </a:pPr>
-                      <a:r>
-                        <a:rPr lang="ko-KR" altLang="en-US" sz="1200" b="0" dirty="0">
-                          <a:solidFill>
-                            <a:schemeClr val="tx1"/>
-                          </a:solidFill>
-                          <a:latin typeface="G마켓 산스 TTF Light" panose="02000000000000000000" pitchFamily="2" charset="-127"/>
-                          <a:ea typeface="G마켓 산스 TTF Light" panose="02000000000000000000" pitchFamily="2" charset="-127"/>
-                        </a:rPr>
-                        <a:t>유저들 간의 협동을 통해</a:t>
-                      </a:r>
-                      <a:endParaRPr lang="en-US" altLang="ko-KR" sz="1200" b="0" dirty="0">
-                        <a:solidFill>
-                          <a:schemeClr val="tx1"/>
-                        </a:solidFill>
-                        <a:latin typeface="G마켓 산스 TTF Light" panose="02000000000000000000" pitchFamily="2" charset="-127"/>
-                        <a:ea typeface="G마켓 산스 TTF Light" panose="02000000000000000000" pitchFamily="2" charset="-127"/>
-                      </a:endParaRPr>
-                    </a:p>
-                    <a:p>
-                      <a:pPr algn="l" latinLnBrk="1">
-                        <a:lnSpc>
-                          <a:spcPct val="150000"/>
-                        </a:lnSpc>
-                      </a:pPr>
-                      <a:r>
-                        <a:rPr lang="ko-KR" altLang="en-US" sz="1200" b="0" dirty="0">
-                          <a:solidFill>
-                            <a:schemeClr val="tx1"/>
-                          </a:solidFill>
-                          <a:latin typeface="G마켓 산스 TTF Light" panose="02000000000000000000" pitchFamily="2" charset="-127"/>
-                          <a:ea typeface="G마켓 산스 TTF Light" panose="02000000000000000000" pitchFamily="2" charset="-127"/>
-                        </a:rPr>
-                        <a:t>사물 혹은 지형을 이용하여 길을 이동한다</a:t>
-                      </a:r>
-                      <a:r>
-                        <a:rPr lang="en-US" altLang="ko-KR" sz="1200" b="0" dirty="0">
-                          <a:solidFill>
-                            <a:schemeClr val="tx1"/>
-                          </a:solidFill>
-                          <a:latin typeface="G마켓 산스 TTF Light" panose="02000000000000000000" pitchFamily="2" charset="-127"/>
-                          <a:ea typeface="G마켓 산스 TTF Light" panose="02000000000000000000" pitchFamily="2" charset="-127"/>
-                        </a:rPr>
-                        <a:t>.</a:t>
-                      </a:r>
-                      <a:endParaRPr lang="ko-KR" altLang="en-US" sz="1200" b="0" dirty="0">
-                        <a:solidFill>
-                          <a:schemeClr val="tx1"/>
-                        </a:solidFill>
-                        <a:latin typeface="G마켓 산스 TTF Light" panose="02000000000000000000" pitchFamily="2" charset="-127"/>
-                        <a:ea typeface="G마켓 산스 TTF Light" panose="02000000000000000000" pitchFamily="2" charset="-127"/>
-                      </a:endParaRPr>
-                    </a:p>
-                  </a:txBody>
-                  <a:tcPr anchor="ctr">
-                    <a:lnL w="12700" cap="flat" cmpd="sng" algn="ctr">
-                      <a:solidFill>
-                        <a:srgbClr val="8BA9AB"/>
-                      </a:solidFill>
-                      <a:prstDash val="solid"/>
-                      <a:round/>
-                      <a:headEnd type="none" w="med" len="med"/>
-                      <a:tailEnd type="none" w="med" len="med"/>
-                    </a:lnL>
-                    <a:lnR w="12700" cap="flat" cmpd="sng" algn="ctr">
-                      <a:solidFill>
-                        <a:srgbClr val="8BA9AB"/>
-                      </a:solidFill>
-                      <a:prstDash val="solid"/>
-                      <a:round/>
-                      <a:headEnd type="none" w="med" len="med"/>
-                      <a:tailEnd type="none" w="med" len="med"/>
-                    </a:lnR>
-                    <a:lnT w="12700" cap="flat" cmpd="sng" algn="ctr">
-                      <a:solidFill>
-                        <a:srgbClr val="8BA9AB"/>
-                      </a:solidFill>
-                      <a:prstDash val="solid"/>
-                      <a:round/>
-                      <a:headEnd type="none" w="med" len="med"/>
-                      <a:tailEnd type="none" w="med" len="med"/>
-                    </a:lnT>
-                    <a:lnB w="12700" cap="flat" cmpd="sng" algn="ctr">
-                      <a:solidFill>
-                        <a:srgbClr val="8BA9AB"/>
-                      </a:solidFill>
-                      <a:prstDash val="solid"/>
-                      <a:round/>
-                      <a:headEnd type="none" w="med" len="med"/>
-                      <a:tailEnd type="none" w="med" len="med"/>
-                    </a:lnB>
-                    <a:solidFill>
-                      <a:schemeClr val="bg1"/>
-                    </a:solidFill>
-                  </a:tcPr>
-                </a:tc>
-                <a:tc>
-                  <a:txBody>
-                    <a:bodyPr/>
-                    <a:lstStyle/>
-                    <a:p>
-                      <a:pPr algn="l" latinLnBrk="1">
-                        <a:lnSpc>
-                          <a:spcPct val="150000"/>
-                        </a:lnSpc>
-                      </a:pPr>
-                      <a:r>
-                        <a:rPr lang="ko-KR" altLang="en-US" sz="1200" b="0" dirty="0">
-                          <a:solidFill>
-                            <a:schemeClr val="tx1"/>
-                          </a:solidFill>
-                          <a:latin typeface="G마켓 산스 TTF Light" panose="02000000000000000000" pitchFamily="2" charset="-127"/>
-                          <a:ea typeface="G마켓 산스 TTF Light" panose="02000000000000000000" pitchFamily="2" charset="-127"/>
-                        </a:rPr>
-                        <a:t>단순히 길을 이동하는 것 뿐만이 아니라 몬스터를 추가 시켜 전투가 가능하게끔 컨텐츠 추가</a:t>
-                      </a:r>
-                    </a:p>
-                  </a:txBody>
-                  <a:tcPr anchor="ctr">
-                    <a:lnL w="12700" cap="flat" cmpd="sng" algn="ctr">
-                      <a:solidFill>
-                        <a:srgbClr val="8BA9AB"/>
-                      </a:solidFill>
-                      <a:prstDash val="solid"/>
-                      <a:round/>
-                      <a:headEnd type="none" w="med" len="med"/>
-                      <a:tailEnd type="none" w="med" len="med"/>
-                    </a:lnL>
-                    <a:lnR w="12700" cap="flat" cmpd="sng" algn="ctr">
-                      <a:solidFill>
-                        <a:srgbClr val="8BA9AB"/>
-                      </a:solidFill>
-                      <a:prstDash val="solid"/>
-                      <a:round/>
-                      <a:headEnd type="none" w="med" len="med"/>
-                      <a:tailEnd type="none" w="med" len="med"/>
-                    </a:lnR>
-                    <a:lnT w="12700" cap="flat" cmpd="sng" algn="ctr">
-                      <a:solidFill>
-                        <a:srgbClr val="8BA9AB"/>
-                      </a:solidFill>
-                      <a:prstDash val="solid"/>
-                      <a:round/>
-                      <a:headEnd type="none" w="med" len="med"/>
-                      <a:tailEnd type="none" w="med" len="med"/>
-                    </a:lnT>
-                    <a:lnB w="12700" cap="flat" cmpd="sng" algn="ctr">
-                      <a:solidFill>
-                        <a:srgbClr val="8BA9AB"/>
-                      </a:solidFill>
-                      <a:prstDash val="solid"/>
-                      <a:round/>
-                      <a:headEnd type="none" w="med" len="med"/>
-                      <a:tailEnd type="none" w="med" len="med"/>
-                    </a:lnB>
-                    <a:solidFill>
-                      <a:schemeClr val="bg1"/>
-                    </a:solidFill>
-                  </a:tcPr>
-                </a:tc>
-                <a:extLst>
-                  <a:ext uri="{0D108BD9-81ED-4DB2-BD59-A6C34878D82A}">
-                    <a16:rowId xmlns:a16="http://schemas.microsoft.com/office/drawing/2014/main" val="10001"/>
-                  </a:ext>
-                </a:extLst>
-              </a:tr>
-              <a:tr h="2094737">
-                <a:tc>
-                  <a:txBody>
-                    <a:bodyPr/>
-                    <a:lstStyle/>
-                    <a:p>
-                      <a:pPr algn="ctr" latinLnBrk="1">
-                        <a:lnSpc>
-                          <a:spcPct val="150000"/>
-                        </a:lnSpc>
-                      </a:pPr>
-                      <a:r>
-                        <a:rPr lang="ko-KR" altLang="en-US" sz="1600" b="0" dirty="0" err="1">
-                          <a:solidFill>
-                            <a:schemeClr val="tx1"/>
-                          </a:solidFill>
-                          <a:latin typeface="G마켓 산스 TTF Medium" panose="02000000000000000000" pitchFamily="2" charset="-127"/>
-                          <a:ea typeface="G마켓 산스 TTF Medium" panose="02000000000000000000" pitchFamily="2" charset="-127"/>
-                        </a:rPr>
-                        <a:t>젤다</a:t>
-                      </a:r>
-                      <a:endParaRPr lang="ko-KR" altLang="en-US" sz="1600" b="0" dirty="0">
-                        <a:solidFill>
-                          <a:schemeClr val="tx1"/>
-                        </a:solidFill>
-                        <a:latin typeface="G마켓 산스 TTF Medium" panose="02000000000000000000" pitchFamily="2" charset="-127"/>
-                        <a:ea typeface="G마켓 산스 TTF Medium" panose="02000000000000000000" pitchFamily="2" charset="-127"/>
-                      </a:endParaRPr>
-                    </a:p>
-                  </a:txBody>
-                  <a:tcPr anchor="ctr">
-                    <a:lnL w="12700" cap="flat" cmpd="sng" algn="ctr">
-                      <a:solidFill>
-                        <a:srgbClr val="8BA9AB"/>
-                      </a:solidFill>
-                      <a:prstDash val="solid"/>
-                      <a:round/>
-                      <a:headEnd type="none" w="med" len="med"/>
-                      <a:tailEnd type="none" w="med" len="med"/>
-                    </a:lnL>
-                    <a:lnR w="12700" cap="flat" cmpd="sng" algn="ctr">
-                      <a:solidFill>
-                        <a:srgbClr val="8BA9AB"/>
-                      </a:solidFill>
-                      <a:prstDash val="solid"/>
-                      <a:round/>
-                      <a:headEnd type="none" w="med" len="med"/>
-                      <a:tailEnd type="none" w="med" len="med"/>
-                    </a:lnR>
-                    <a:lnT w="12700" cap="flat" cmpd="sng" algn="ctr">
-                      <a:solidFill>
-                        <a:srgbClr val="8BA9AB"/>
-                      </a:solidFill>
-                      <a:prstDash val="solid"/>
-                      <a:round/>
-                      <a:headEnd type="none" w="med" len="med"/>
-                      <a:tailEnd type="none" w="med" len="med"/>
-                    </a:lnT>
-                    <a:lnB w="12700" cap="flat" cmpd="sng" algn="ctr">
-                      <a:solidFill>
-                        <a:srgbClr val="8BA9AB"/>
-                      </a:solidFill>
-                      <a:prstDash val="solid"/>
-                      <a:round/>
-                      <a:headEnd type="none" w="med" len="med"/>
-                      <a:tailEnd type="none" w="med" len="med"/>
-                    </a:lnB>
-                    <a:solidFill>
-                      <a:schemeClr val="bg1"/>
-                    </a:solidFill>
-                  </a:tcPr>
-                </a:tc>
-                <a:tc>
-                  <a:txBody>
-                    <a:bodyPr/>
-                    <a:lstStyle/>
-                    <a:p>
-                      <a:pPr algn="l" latinLnBrk="1">
-                        <a:lnSpc>
-                          <a:spcPct val="150000"/>
-                        </a:lnSpc>
-                      </a:pPr>
-                      <a:endParaRPr lang="ko-KR" altLang="en-US" sz="1200" b="0" dirty="0">
-                        <a:solidFill>
-                          <a:schemeClr val="tx1"/>
-                        </a:solidFill>
-                        <a:latin typeface="G마켓 산스 TTF Light" panose="02000000000000000000" pitchFamily="2" charset="-127"/>
-                        <a:ea typeface="G마켓 산스 TTF Light" panose="02000000000000000000" pitchFamily="2" charset="-127"/>
-                      </a:endParaRPr>
-                    </a:p>
-                  </a:txBody>
-                  <a:tcPr anchor="ctr">
-                    <a:lnL w="12700" cap="flat" cmpd="sng" algn="ctr">
-                      <a:solidFill>
-                        <a:srgbClr val="8BA9AB"/>
-                      </a:solidFill>
-                      <a:prstDash val="solid"/>
-                      <a:round/>
-                      <a:headEnd type="none" w="med" len="med"/>
-                      <a:tailEnd type="none" w="med" len="med"/>
-                    </a:lnL>
-                    <a:lnR w="12700" cap="flat" cmpd="sng" algn="ctr">
-                      <a:solidFill>
-                        <a:srgbClr val="8BA9AB"/>
-                      </a:solidFill>
-                      <a:prstDash val="solid"/>
-                      <a:round/>
-                      <a:headEnd type="none" w="med" len="med"/>
-                      <a:tailEnd type="none" w="med" len="med"/>
-                    </a:lnR>
-                    <a:lnT w="12700" cap="flat" cmpd="sng" algn="ctr">
-                      <a:solidFill>
-                        <a:srgbClr val="8BA9AB"/>
-                      </a:solidFill>
-                      <a:prstDash val="solid"/>
-                      <a:round/>
-                      <a:headEnd type="none" w="med" len="med"/>
-                      <a:tailEnd type="none" w="med" len="med"/>
-                    </a:lnT>
-                    <a:lnB w="12700" cap="flat" cmpd="sng" algn="ctr">
-                      <a:solidFill>
-                        <a:srgbClr val="8BA9AB"/>
-                      </a:solidFill>
-                      <a:prstDash val="solid"/>
-                      <a:round/>
-                      <a:headEnd type="none" w="med" len="med"/>
-                      <a:tailEnd type="none" w="med" len="med"/>
-                    </a:lnB>
-                    <a:solidFill>
-                      <a:schemeClr val="bg1"/>
-                    </a:solidFill>
-                  </a:tcPr>
-                </a:tc>
-                <a:tc>
-                  <a:txBody>
-                    <a:bodyPr/>
-                    <a:lstStyle/>
-                    <a:p>
-                      <a:pPr algn="l" latinLnBrk="1">
-                        <a:lnSpc>
-                          <a:spcPct val="150000"/>
-                        </a:lnSpc>
-                      </a:pPr>
-                      <a:endParaRPr lang="ko-KR" altLang="en-US" sz="1200" b="0" dirty="0">
-                        <a:solidFill>
-                          <a:schemeClr val="tx1"/>
-                        </a:solidFill>
-                        <a:latin typeface="G마켓 산스 TTF Light" panose="02000000000000000000" pitchFamily="2" charset="-127"/>
-                        <a:ea typeface="G마켓 산스 TTF Light" panose="02000000000000000000" pitchFamily="2" charset="-127"/>
-                      </a:endParaRPr>
-                    </a:p>
-                  </a:txBody>
-                  <a:tcPr anchor="ctr">
-                    <a:lnL w="12700" cap="flat" cmpd="sng" algn="ctr">
-                      <a:solidFill>
-                        <a:srgbClr val="8BA9AB"/>
-                      </a:solidFill>
-                      <a:prstDash val="solid"/>
-                      <a:round/>
-                      <a:headEnd type="none" w="med" len="med"/>
-                      <a:tailEnd type="none" w="med" len="med"/>
-                    </a:lnL>
-                    <a:lnR w="12700" cap="flat" cmpd="sng" algn="ctr">
-                      <a:solidFill>
-                        <a:srgbClr val="8BA9AB"/>
-                      </a:solidFill>
-                      <a:prstDash val="solid"/>
-                      <a:round/>
-                      <a:headEnd type="none" w="med" len="med"/>
-                      <a:tailEnd type="none" w="med" len="med"/>
-                    </a:lnR>
-                    <a:lnT w="12700" cap="flat" cmpd="sng" algn="ctr">
-                      <a:solidFill>
-                        <a:srgbClr val="8BA9AB"/>
-                      </a:solidFill>
-                      <a:prstDash val="solid"/>
-                      <a:round/>
-                      <a:headEnd type="none" w="med" len="med"/>
-                      <a:tailEnd type="none" w="med" len="med"/>
-                    </a:lnT>
-                    <a:lnB w="12700" cap="flat" cmpd="sng" algn="ctr">
-                      <a:solidFill>
-                        <a:srgbClr val="8BA9AB"/>
-                      </a:solidFill>
-                      <a:prstDash val="solid"/>
-                      <a:round/>
-                      <a:headEnd type="none" w="med" len="med"/>
-                      <a:tailEnd type="none" w="med" len="med"/>
-                    </a:lnB>
-                    <a:solidFill>
-                      <a:schemeClr val="bg1"/>
-                    </a:solidFill>
-                  </a:tcPr>
-                </a:tc>
-                <a:extLst>
-                  <a:ext uri="{0D108BD9-81ED-4DB2-BD59-A6C34878D82A}">
-                    <a16:rowId xmlns:a16="http://schemas.microsoft.com/office/drawing/2014/main" val="10002"/>
-                  </a:ext>
-                </a:extLst>
-              </a:tr>
-            </a:tbl>
-          </a:graphicData>
-        </a:graphic>
-      </p:graphicFrame>
-      <p:sp>
-        <p:nvSpPr>
-          <p:cNvPr id="5" name="TextBox 4"/>
-          <p:cNvSpPr txBox="1"/>
-          <p:nvPr/>
-        </p:nvSpPr>
-        <p:spPr>
-          <a:xfrm>
-            <a:off x="4793941" y="1424748"/>
-            <a:ext cx="7396577" cy="276999"/>
-          </a:xfrm>
-          <a:prstGeom prst="rect">
-            <a:avLst/>
-          </a:prstGeom>
-          <a:noFill/>
-        </p:spPr>
-        <p:txBody>
-          <a:bodyPr wrap="none" rtlCol="0">
-            <a:spAutoFit/>
-          </a:bodyPr>
-          <a:lstStyle/>
-          <a:p>
-            <a:r>
-              <a:rPr lang="ko-KR" altLang="en-US" sz="1200" dirty="0">
-                <a:latin typeface="G마켓 산스 TTF Medium" panose="02000000000000000000" pitchFamily="2" charset="-127"/>
-                <a:ea typeface="G마켓 산스 TTF Medium" panose="02000000000000000000" pitchFamily="2" charset="-127"/>
-              </a:rPr>
-              <a:t>선정 이유</a:t>
-            </a:r>
-            <a:r>
-              <a:rPr lang="en-US" altLang="ko-KR" sz="1200" dirty="0">
-                <a:latin typeface="G마켓 산스 TTF Medium" panose="02000000000000000000" pitchFamily="2" charset="-127"/>
-                <a:ea typeface="G마켓 산스 TTF Medium" panose="02000000000000000000" pitchFamily="2" charset="-127"/>
-              </a:rPr>
-              <a:t>	</a:t>
-            </a:r>
-            <a:r>
-              <a:rPr lang="ko-KR" altLang="en-US" sz="1200" dirty="0">
-                <a:latin typeface="G마켓 산스 TTF Medium" panose="02000000000000000000" pitchFamily="2" charset="-127"/>
-                <a:ea typeface="G마켓 산스 TTF Medium" panose="02000000000000000000" pitchFamily="2" charset="-127"/>
-              </a:rPr>
-              <a:t> </a:t>
-            </a:r>
-            <a:r>
-              <a:rPr lang="en-US" altLang="ko-KR" sz="1200" dirty="0">
-                <a:latin typeface="G마켓 산스 TTF Light" panose="02000000000000000000" pitchFamily="2" charset="-127"/>
-                <a:ea typeface="G마켓 산스 TTF Light" panose="02000000000000000000" pitchFamily="2" charset="-127"/>
-              </a:rPr>
-              <a:t>:  </a:t>
-            </a:r>
-            <a:r>
-              <a:rPr lang="ko-KR" altLang="en-US" sz="1200" dirty="0">
-                <a:latin typeface="G마켓 산스 TTF Light" panose="02000000000000000000" pitchFamily="2" charset="-127"/>
-                <a:ea typeface="G마켓 산스 TTF Light" panose="02000000000000000000" pitchFamily="2" charset="-127"/>
-              </a:rPr>
-              <a:t>여러 유저들 간의 협동 혹은 경쟁을 통해 스테이지를 뚫어 나아가는 게임이라 선정하였습니다</a:t>
-            </a:r>
-            <a:r>
-              <a:rPr lang="en-US" altLang="ko-KR" sz="1200" dirty="0">
-                <a:latin typeface="G마켓 산스 TTF Light" panose="02000000000000000000" pitchFamily="2" charset="-127"/>
-                <a:ea typeface="G마켓 산스 TTF Light" panose="02000000000000000000" pitchFamily="2" charset="-127"/>
-              </a:rPr>
-              <a:t>.</a:t>
-            </a:r>
-            <a:r>
-              <a:rPr lang="ko-KR" altLang="en-US" sz="1200" dirty="0">
-                <a:latin typeface="G마켓 산스 TTF Light" panose="02000000000000000000" pitchFamily="2" charset="-127"/>
-                <a:ea typeface="G마켓 산스 TTF Light" panose="02000000000000000000" pitchFamily="2" charset="-127"/>
-              </a:rPr>
-              <a:t> </a:t>
-            </a:r>
           </a:p>
         </p:txBody>
       </p:sp>
@@ -10750,6 +10586,581 @@
     <p:bg>
       <p:bgPr>
         <a:solidFill>
+          <a:schemeClr val="bg1"/>
+        </a:solidFill>
+        <a:effectLst/>
+      </p:bgPr>
+    </p:bg>
+    <p:spTree>
+      <p:nvGrpSpPr>
+        <p:cNvPr id="1" name=""/>
+        <p:cNvGrpSpPr/>
+        <p:nvPr/>
+      </p:nvGrpSpPr>
+      <p:grpSpPr>
+        <a:xfrm>
+          <a:off x="0" y="0"/>
+          <a:ext cx="0" cy="0"/>
+          <a:chOff x="0" y="0"/>
+          <a:chExt cx="0" cy="0"/>
+        </a:xfrm>
+      </p:grpSpPr>
+      <p:sp>
+        <p:nvSpPr>
+          <p:cNvPr id="2" name="사각형: 둥근 모서리 1">
+            <a:extLst>
+              <a:ext uri="{FF2B5EF4-FFF2-40B4-BE49-F238E27FC236}">
+                <a16:creationId xmlns:a16="http://schemas.microsoft.com/office/drawing/2014/main" id="{48874B81-0718-7C9D-8743-47128BA16685}"/>
+              </a:ext>
+            </a:extLst>
+          </p:cNvPr>
+          <p:cNvSpPr/>
+          <p:nvPr/>
+        </p:nvSpPr>
+        <p:spPr>
+          <a:xfrm>
+            <a:off x="745516" y="1553986"/>
+            <a:ext cx="5007664" cy="1800000"/>
+          </a:xfrm>
+          <a:prstGeom prst="roundRect">
+            <a:avLst/>
+          </a:prstGeom>
+          <a:solidFill>
+            <a:srgbClr val="B1C6C7"/>
+          </a:solidFill>
+          <a:ln>
+            <a:noFill/>
+          </a:ln>
+        </p:spPr>
+        <p:style>
+          <a:lnRef idx="2">
+            <a:schemeClr val="accent1">
+              <a:shade val="50000"/>
+            </a:schemeClr>
+          </a:lnRef>
+          <a:fillRef idx="1">
+            <a:schemeClr val="accent1"/>
+          </a:fillRef>
+          <a:effectRef idx="0">
+            <a:schemeClr val="accent1"/>
+          </a:effectRef>
+          <a:fontRef idx="minor">
+            <a:schemeClr val="lt1"/>
+          </a:fontRef>
+        </p:style>
+        <p:txBody>
+          <a:bodyPr rtlCol="0" anchor="ctr"/>
+          <a:lstStyle/>
+          <a:p>
+            <a:pPr algn="ctr"/>
+            <a:endParaRPr lang="ko-KR" altLang="en-US"/>
+          </a:p>
+        </p:txBody>
+      </p:sp>
+      <p:sp>
+        <p:nvSpPr>
+          <p:cNvPr id="3" name="사각형: 둥근 모서리 2">
+            <a:extLst>
+              <a:ext uri="{FF2B5EF4-FFF2-40B4-BE49-F238E27FC236}">
+                <a16:creationId xmlns:a16="http://schemas.microsoft.com/office/drawing/2014/main" id="{884B4D9E-E8E5-82AB-C0A4-A95813D22005}"/>
+              </a:ext>
+            </a:extLst>
+          </p:cNvPr>
+          <p:cNvSpPr/>
+          <p:nvPr/>
+        </p:nvSpPr>
+        <p:spPr>
+          <a:xfrm>
+            <a:off x="6438820" y="1513881"/>
+            <a:ext cx="5007664" cy="1800000"/>
+          </a:xfrm>
+          <a:prstGeom prst="roundRect">
+            <a:avLst/>
+          </a:prstGeom>
+          <a:solidFill>
+            <a:srgbClr val="B1C6C7"/>
+          </a:solidFill>
+          <a:ln>
+            <a:noFill/>
+          </a:ln>
+        </p:spPr>
+        <p:style>
+          <a:lnRef idx="2">
+            <a:schemeClr val="accent1">
+              <a:shade val="50000"/>
+            </a:schemeClr>
+          </a:lnRef>
+          <a:fillRef idx="1">
+            <a:schemeClr val="accent1"/>
+          </a:fillRef>
+          <a:effectRef idx="0">
+            <a:schemeClr val="accent1"/>
+          </a:effectRef>
+          <a:fontRef idx="minor">
+            <a:schemeClr val="lt1"/>
+          </a:fontRef>
+        </p:style>
+        <p:txBody>
+          <a:bodyPr rtlCol="0" anchor="ctr"/>
+          <a:lstStyle/>
+          <a:p>
+            <a:pPr algn="ctr"/>
+            <a:endParaRPr lang="ko-KR" altLang="en-US"/>
+          </a:p>
+        </p:txBody>
+      </p:sp>
+      <p:sp>
+        <p:nvSpPr>
+          <p:cNvPr id="5" name="사각형: 둥근 모서리 4">
+            <a:extLst>
+              <a:ext uri="{FF2B5EF4-FFF2-40B4-BE49-F238E27FC236}">
+                <a16:creationId xmlns:a16="http://schemas.microsoft.com/office/drawing/2014/main" id="{38328945-B1F3-304F-660B-23D086F7428A}"/>
+              </a:ext>
+            </a:extLst>
+          </p:cNvPr>
+          <p:cNvSpPr/>
+          <p:nvPr/>
+        </p:nvSpPr>
+        <p:spPr>
+          <a:xfrm>
+            <a:off x="745516" y="4132024"/>
+            <a:ext cx="5007664" cy="1800000"/>
+          </a:xfrm>
+          <a:prstGeom prst="roundRect">
+            <a:avLst/>
+          </a:prstGeom>
+          <a:solidFill>
+            <a:srgbClr val="B1C6C7"/>
+          </a:solidFill>
+          <a:ln>
+            <a:noFill/>
+          </a:ln>
+        </p:spPr>
+        <p:style>
+          <a:lnRef idx="2">
+            <a:schemeClr val="accent1">
+              <a:shade val="50000"/>
+            </a:schemeClr>
+          </a:lnRef>
+          <a:fillRef idx="1">
+            <a:schemeClr val="accent1"/>
+          </a:fillRef>
+          <a:effectRef idx="0">
+            <a:schemeClr val="accent1"/>
+          </a:effectRef>
+          <a:fontRef idx="minor">
+            <a:schemeClr val="lt1"/>
+          </a:fontRef>
+        </p:style>
+        <p:txBody>
+          <a:bodyPr rtlCol="0" anchor="ctr"/>
+          <a:lstStyle/>
+          <a:p>
+            <a:pPr algn="ctr"/>
+            <a:endParaRPr lang="ko-KR" altLang="en-US"/>
+          </a:p>
+        </p:txBody>
+      </p:sp>
+      <p:sp>
+        <p:nvSpPr>
+          <p:cNvPr id="9" name="사각형: 둥근 모서리 8">
+            <a:extLst>
+              <a:ext uri="{FF2B5EF4-FFF2-40B4-BE49-F238E27FC236}">
+                <a16:creationId xmlns:a16="http://schemas.microsoft.com/office/drawing/2014/main" id="{EB64EEFA-E370-F2BA-7621-F5BBA3FB0E3C}"/>
+              </a:ext>
+            </a:extLst>
+          </p:cNvPr>
+          <p:cNvSpPr/>
+          <p:nvPr/>
+        </p:nvSpPr>
+        <p:spPr>
+          <a:xfrm>
+            <a:off x="6438820" y="4091919"/>
+            <a:ext cx="5007664" cy="1800000"/>
+          </a:xfrm>
+          <a:prstGeom prst="roundRect">
+            <a:avLst/>
+          </a:prstGeom>
+          <a:solidFill>
+            <a:srgbClr val="B1C6C7"/>
+          </a:solidFill>
+          <a:ln>
+            <a:noFill/>
+          </a:ln>
+        </p:spPr>
+        <p:style>
+          <a:lnRef idx="2">
+            <a:schemeClr val="accent1">
+              <a:shade val="50000"/>
+            </a:schemeClr>
+          </a:lnRef>
+          <a:fillRef idx="1">
+            <a:schemeClr val="accent1"/>
+          </a:fillRef>
+          <a:effectRef idx="0">
+            <a:schemeClr val="accent1"/>
+          </a:effectRef>
+          <a:fontRef idx="minor">
+            <a:schemeClr val="lt1"/>
+          </a:fontRef>
+        </p:style>
+        <p:txBody>
+          <a:bodyPr rtlCol="0" anchor="ctr"/>
+          <a:lstStyle/>
+          <a:p>
+            <a:pPr algn="ctr"/>
+            <a:endParaRPr lang="ko-KR" altLang="en-US"/>
+          </a:p>
+        </p:txBody>
+      </p:sp>
+      <p:sp>
+        <p:nvSpPr>
+          <p:cNvPr id="10" name="직사각형 9">
+            <a:extLst>
+              <a:ext uri="{FF2B5EF4-FFF2-40B4-BE49-F238E27FC236}">
+                <a16:creationId xmlns:a16="http://schemas.microsoft.com/office/drawing/2014/main" id="{50F23E1D-8121-CB46-1160-FD2CD7FB610F}"/>
+              </a:ext>
+            </a:extLst>
+          </p:cNvPr>
+          <p:cNvSpPr/>
+          <p:nvPr/>
+        </p:nvSpPr>
+        <p:spPr>
+          <a:xfrm>
+            <a:off x="469900" y="925976"/>
+            <a:ext cx="11226800" cy="5617119"/>
+          </a:xfrm>
+          <a:prstGeom prst="rect">
+            <a:avLst/>
+          </a:prstGeom>
+          <a:noFill/>
+          <a:ln w="28575">
+            <a:solidFill>
+              <a:srgbClr val="A3BCBD"/>
+            </a:solidFill>
+          </a:ln>
+        </p:spPr>
+        <p:style>
+          <a:lnRef idx="2">
+            <a:schemeClr val="accent1">
+              <a:shade val="50000"/>
+            </a:schemeClr>
+          </a:lnRef>
+          <a:fillRef idx="1">
+            <a:schemeClr val="accent1"/>
+          </a:fillRef>
+          <a:effectRef idx="0">
+            <a:schemeClr val="accent1"/>
+          </a:effectRef>
+          <a:fontRef idx="minor">
+            <a:schemeClr val="lt1"/>
+          </a:fontRef>
+        </p:style>
+        <p:txBody>
+          <a:bodyPr rtlCol="0" anchor="ctr"/>
+          <a:lstStyle/>
+          <a:p>
+            <a:pPr algn="ctr"/>
+            <a:endParaRPr lang="ko-KR" altLang="en-US"/>
+          </a:p>
+        </p:txBody>
+      </p:sp>
+      <p:sp>
+        <p:nvSpPr>
+          <p:cNvPr id="11" name="TextBox 10">
+            <a:extLst>
+              <a:ext uri="{FF2B5EF4-FFF2-40B4-BE49-F238E27FC236}">
+                <a16:creationId xmlns:a16="http://schemas.microsoft.com/office/drawing/2014/main" id="{61565F28-1967-4D3F-5EA0-C23EA451E957}"/>
+              </a:ext>
+            </a:extLst>
+          </p:cNvPr>
+          <p:cNvSpPr txBox="1"/>
+          <p:nvPr/>
+        </p:nvSpPr>
+        <p:spPr>
+          <a:xfrm>
+            <a:off x="469900" y="260991"/>
+            <a:ext cx="4273753" cy="584775"/>
+          </a:xfrm>
+          <a:prstGeom prst="rect">
+            <a:avLst/>
+          </a:prstGeom>
+          <a:noFill/>
+        </p:spPr>
+        <p:txBody>
+          <a:bodyPr wrap="square" rtlCol="0">
+            <a:spAutoFit/>
+          </a:bodyPr>
+          <a:lstStyle/>
+          <a:p>
+            <a:r>
+              <a:rPr lang="en-US" altLang="ko-KR" sz="3200" dirty="0">
+                <a:solidFill>
+                  <a:srgbClr val="8BA9AB"/>
+                </a:solidFill>
+                <a:latin typeface="여기어때 잘난체" panose="020B0600000101010101" pitchFamily="50" charset="-127"/>
+                <a:ea typeface="여기어때 잘난체" panose="020B0600000101010101" pitchFamily="50" charset="-127"/>
+              </a:rPr>
+              <a:t>04. </a:t>
+            </a:r>
+            <a:r>
+              <a:rPr lang="ko-KR" altLang="en-US" sz="3200" dirty="0">
+                <a:solidFill>
+                  <a:srgbClr val="8BA9AB"/>
+                </a:solidFill>
+                <a:latin typeface="여기어때 잘난체" panose="020B0600000101010101" pitchFamily="50" charset="-127"/>
+                <a:ea typeface="여기어때 잘난체" panose="020B0600000101010101" pitchFamily="50" charset="-127"/>
+              </a:rPr>
+              <a:t>타 게임과 비교</a:t>
+            </a:r>
+          </a:p>
+        </p:txBody>
+      </p:sp>
+      <p:sp>
+        <p:nvSpPr>
+          <p:cNvPr id="12" name="TextBox 11">
+            <a:extLst>
+              <a:ext uri="{FF2B5EF4-FFF2-40B4-BE49-F238E27FC236}">
+                <a16:creationId xmlns:a16="http://schemas.microsoft.com/office/drawing/2014/main" id="{A5E6E248-FAD2-03B7-617D-78AE1A378E54}"/>
+              </a:ext>
+            </a:extLst>
+          </p:cNvPr>
+          <p:cNvSpPr txBox="1"/>
+          <p:nvPr/>
+        </p:nvSpPr>
+        <p:spPr>
+          <a:xfrm>
+            <a:off x="2542873" y="2172247"/>
+            <a:ext cx="2666114" cy="584775"/>
+          </a:xfrm>
+          <a:prstGeom prst="rect">
+            <a:avLst/>
+          </a:prstGeom>
+          <a:noFill/>
+        </p:spPr>
+        <p:txBody>
+          <a:bodyPr wrap="none" rtlCol="0">
+            <a:spAutoFit/>
+          </a:bodyPr>
+          <a:lstStyle/>
+          <a:p>
+            <a:r>
+              <a:rPr lang="ko-KR" altLang="en-US" sz="3200" dirty="0">
+                <a:solidFill>
+                  <a:schemeClr val="bg1"/>
+                </a:solidFill>
+                <a:latin typeface="G마켓 산스 TTF Bold" panose="02000000000000000000" pitchFamily="2" charset="-127"/>
+                <a:ea typeface="G마켓 산스 TTF Bold" panose="02000000000000000000" pitchFamily="2" charset="-127"/>
+              </a:rPr>
+              <a:t>무기의 다양성</a:t>
+            </a:r>
+          </a:p>
+        </p:txBody>
+      </p:sp>
+      <p:pic>
+        <p:nvPicPr>
+          <p:cNvPr id="13" name="그림 12">
+            <a:extLst>
+              <a:ext uri="{FF2B5EF4-FFF2-40B4-BE49-F238E27FC236}">
+                <a16:creationId xmlns:a16="http://schemas.microsoft.com/office/drawing/2014/main" id="{2B9FD514-22B6-B019-63B1-E41A0D67784A}"/>
+              </a:ext>
+            </a:extLst>
+          </p:cNvPr>
+          <p:cNvPicPr>
+            <a:picLocks noChangeAspect="1"/>
+          </p:cNvPicPr>
+          <p:nvPr/>
+        </p:nvPicPr>
+        <p:blipFill>
+          <a:blip r:embed="rId2" cstate="print">
+            <a:extLst>
+              <a:ext uri="{28A0092B-C50C-407E-A947-70E740481C1C}">
+                <a14:useLocalDpi xmlns:a14="http://schemas.microsoft.com/office/drawing/2010/main" val="0"/>
+              </a:ext>
+            </a:extLst>
+          </a:blip>
+          <a:stretch>
+            <a:fillRect/>
+          </a:stretch>
+        </p:blipFill>
+        <p:spPr>
+          <a:xfrm>
+            <a:off x="1284714" y="2495413"/>
+            <a:ext cx="572519" cy="572519"/>
+          </a:xfrm>
+          <a:prstGeom prst="rect">
+            <a:avLst/>
+          </a:prstGeom>
+        </p:spPr>
+      </p:pic>
+      <p:pic>
+        <p:nvPicPr>
+          <p:cNvPr id="16" name="그림 15">
+            <a:extLst>
+              <a:ext uri="{FF2B5EF4-FFF2-40B4-BE49-F238E27FC236}">
+                <a16:creationId xmlns:a16="http://schemas.microsoft.com/office/drawing/2014/main" id="{24CD8405-2C60-247F-AD95-DBB4D7D97BD9}"/>
+              </a:ext>
+            </a:extLst>
+          </p:cNvPr>
+          <p:cNvPicPr>
+            <a:picLocks noChangeAspect="1"/>
+          </p:cNvPicPr>
+          <p:nvPr/>
+        </p:nvPicPr>
+        <p:blipFill>
+          <a:blip r:embed="rId3" cstate="print">
+            <a:extLst>
+              <a:ext uri="{28A0092B-C50C-407E-A947-70E740481C1C}">
+                <a14:useLocalDpi xmlns:a14="http://schemas.microsoft.com/office/drawing/2010/main" val="0"/>
+              </a:ext>
+            </a:extLst>
+          </a:blip>
+          <a:stretch>
+            <a:fillRect/>
+          </a:stretch>
+        </p:blipFill>
+        <p:spPr>
+          <a:xfrm>
+            <a:off x="1789866" y="1788744"/>
+            <a:ext cx="627087" cy="627087"/>
+          </a:xfrm>
+          <a:prstGeom prst="rect">
+            <a:avLst/>
+          </a:prstGeom>
+        </p:spPr>
+      </p:pic>
+      <p:pic>
+        <p:nvPicPr>
+          <p:cNvPr id="17" name="그림 16">
+            <a:extLst>
+              <a:ext uri="{FF2B5EF4-FFF2-40B4-BE49-F238E27FC236}">
+                <a16:creationId xmlns:a16="http://schemas.microsoft.com/office/drawing/2014/main" id="{9B8FB1B3-8A35-7D1A-E809-0BCEFDB47982}"/>
+              </a:ext>
+            </a:extLst>
+          </p:cNvPr>
+          <p:cNvPicPr>
+            <a:picLocks noChangeAspect="1"/>
+          </p:cNvPicPr>
+          <p:nvPr/>
+        </p:nvPicPr>
+        <p:blipFill>
+          <a:blip r:embed="rId4" cstate="print">
+            <a:extLst>
+              <a:ext uri="{28A0092B-C50C-407E-A947-70E740481C1C}">
+                <a14:useLocalDpi xmlns:a14="http://schemas.microsoft.com/office/drawing/2010/main" val="0"/>
+              </a:ext>
+            </a:extLst>
+          </a:blip>
+          <a:stretch>
+            <a:fillRect/>
+          </a:stretch>
+        </p:blipFill>
+        <p:spPr>
+          <a:xfrm>
+            <a:off x="909981" y="1841362"/>
+            <a:ext cx="572519" cy="572519"/>
+          </a:xfrm>
+          <a:prstGeom prst="rect">
+            <a:avLst/>
+          </a:prstGeom>
+        </p:spPr>
+      </p:pic>
+      <p:pic>
+        <p:nvPicPr>
+          <p:cNvPr id="19" name="그림 18">
+            <a:extLst>
+              <a:ext uri="{FF2B5EF4-FFF2-40B4-BE49-F238E27FC236}">
+                <a16:creationId xmlns:a16="http://schemas.microsoft.com/office/drawing/2014/main" id="{31B552ED-8D92-D8AD-C3A7-C00261FB106D}"/>
+              </a:ext>
+            </a:extLst>
+          </p:cNvPr>
+          <p:cNvPicPr>
+            <a:picLocks noChangeAspect="1"/>
+          </p:cNvPicPr>
+          <p:nvPr/>
+        </p:nvPicPr>
+        <p:blipFill>
+          <a:blip r:embed="rId5" cstate="print">
+            <a:extLst>
+              <a:ext uri="{28A0092B-C50C-407E-A947-70E740481C1C}">
+                <a14:useLocalDpi xmlns:a14="http://schemas.microsoft.com/office/drawing/2010/main" val="0"/>
+              </a:ext>
+            </a:extLst>
+          </a:blip>
+          <a:stretch>
+            <a:fillRect/>
+          </a:stretch>
+        </p:blipFill>
+        <p:spPr>
+          <a:xfrm>
+            <a:off x="6709753" y="1778299"/>
+            <a:ext cx="1271163" cy="1271163"/>
+          </a:xfrm>
+          <a:prstGeom prst="rect">
+            <a:avLst/>
+          </a:prstGeom>
+        </p:spPr>
+      </p:pic>
+      <p:sp>
+        <p:nvSpPr>
+          <p:cNvPr id="20" name="TextBox 19">
+            <a:extLst>
+              <a:ext uri="{FF2B5EF4-FFF2-40B4-BE49-F238E27FC236}">
+                <a16:creationId xmlns:a16="http://schemas.microsoft.com/office/drawing/2014/main" id="{C191FD9D-6365-5F68-7F24-614E13672AE1}"/>
+              </a:ext>
+            </a:extLst>
+          </p:cNvPr>
+          <p:cNvSpPr txBox="1"/>
+          <p:nvPr/>
+        </p:nvSpPr>
+        <p:spPr>
+          <a:xfrm>
+            <a:off x="8106150" y="2161598"/>
+            <a:ext cx="3175869" cy="584775"/>
+          </a:xfrm>
+          <a:prstGeom prst="rect">
+            <a:avLst/>
+          </a:prstGeom>
+          <a:noFill/>
+        </p:spPr>
+        <p:txBody>
+          <a:bodyPr wrap="none" rtlCol="0">
+            <a:spAutoFit/>
+          </a:bodyPr>
+          <a:lstStyle/>
+          <a:p>
+            <a:r>
+              <a:rPr lang="ko-KR" altLang="en-US" sz="3200" dirty="0">
+                <a:solidFill>
+                  <a:schemeClr val="bg1"/>
+                </a:solidFill>
+                <a:latin typeface="G마켓 산스 TTF Bold" panose="02000000000000000000" pitchFamily="2" charset="-127"/>
+                <a:ea typeface="G마켓 산스 TTF Bold" panose="02000000000000000000" pitchFamily="2" charset="-127"/>
+              </a:rPr>
+              <a:t>즐거운 퍼즐 요소</a:t>
+            </a:r>
+          </a:p>
+        </p:txBody>
+      </p:sp>
+    </p:spTree>
+    <p:extLst>
+      <p:ext uri="{BB962C8B-B14F-4D97-AF65-F5344CB8AC3E}">
+        <p14:creationId xmlns:p14="http://schemas.microsoft.com/office/powerpoint/2010/main" val="947484716"/>
+      </p:ext>
+    </p:extLst>
+  </p:cSld>
+  <p:clrMapOvr>
+    <a:masterClrMapping/>
+  </p:clrMapOvr>
+</p:sld>
+</file>
+
+<file path=ppt/slides/slide21.xml><?xml version="1.0" encoding="utf-8"?>
+<p:sld xmlns:a="http://schemas.openxmlformats.org/drawingml/2006/main" xmlns:r="http://schemas.openxmlformats.org/officeDocument/2006/relationships" xmlns:p="http://schemas.openxmlformats.org/presentationml/2006/main">
+  <p:cSld>
+    <p:bg>
+      <p:bgPr>
+        <a:solidFill>
           <a:srgbClr val="8BA9AB"/>
         </a:solidFill>
         <a:effectLst/>
@@ -10880,7 +11291,7 @@
 </p:sld>
 </file>
 
-<file path=ppt/slides/slide21.xml><?xml version="1.0" encoding="utf-8"?>
+<file path=ppt/slides/slide22.xml><?xml version="1.0" encoding="utf-8"?>
 <p:sld xmlns:a="http://schemas.openxmlformats.org/drawingml/2006/main" xmlns:r="http://schemas.openxmlformats.org/officeDocument/2006/relationships" xmlns:p="http://schemas.openxmlformats.org/presentationml/2006/main">
   <p:cSld>
     <p:bg>
@@ -11006,7 +11417,7 @@
 </p:sld>
 </file>
 
-<file path=ppt/slides/slide22.xml><?xml version="1.0" encoding="utf-8"?>
+<file path=ppt/slides/slide23.xml><?xml version="1.0" encoding="utf-8"?>
 <p:sld xmlns:a="http://schemas.openxmlformats.org/drawingml/2006/main" xmlns:r="http://schemas.openxmlformats.org/officeDocument/2006/relationships" xmlns:p="http://schemas.openxmlformats.org/presentationml/2006/main">
   <p:cSld>
     <p:bg>
@@ -13491,6 +13902,14 @@
 <file path=ppt/slides/slide9.xml><?xml version="1.0" encoding="utf-8"?>
 <p:sld xmlns:a="http://schemas.openxmlformats.org/drawingml/2006/main" xmlns:r="http://schemas.openxmlformats.org/officeDocument/2006/relationships" xmlns:p="http://schemas.openxmlformats.org/presentationml/2006/main">
   <p:cSld>
+    <p:bg>
+      <p:bgPr>
+        <a:solidFill>
+          <a:srgbClr val="8BA9AB"/>
+        </a:solidFill>
+        <a:effectLst/>
+      </p:bgPr>
+    </p:bg>
     <p:spTree>
       <p:nvGrpSpPr>
         <p:cNvPr id="1" name=""/>
@@ -13549,10 +13968,6 @@
           <a:lstStyle/>
           <a:p>
             <a:pPr algn="ctr"/>
-            <a:r>
-              <a:rPr lang="en-US" altLang="ko-KR"/>
-              <a:t>s</a:t>
-            </a:r>
             <a:endParaRPr lang="ko-KR" altLang="en-US"/>
           </a:p>
         </p:txBody>
@@ -13565,8 +13980,8 @@
         </p:nvSpPr>
         <p:spPr>
           <a:xfrm>
-            <a:off x="469900" y="260991"/>
-            <a:ext cx="5412740" cy="1077218"/>
+            <a:off x="469899" y="260991"/>
+            <a:ext cx="7888037" cy="584775"/>
           </a:xfrm>
           <a:prstGeom prst="rect">
             <a:avLst/>
@@ -13581,45 +13996,13 @@
           <a:p>
             <a:r>
               <a:rPr lang="en-US" altLang="ko-KR" sz="3200" dirty="0">
+                <a:solidFill>
+                  <a:schemeClr val="bg1"/>
+                </a:solidFill>
                 <a:latin typeface="여기어때 잘난체" panose="020B0600000101010101" pitchFamily="50" charset="-127"/>
                 <a:ea typeface="여기어때 잘난체" panose="020B0600000101010101" pitchFamily="50" charset="-127"/>
               </a:rPr>
               <a:t>02. </a:t>
-            </a:r>
-            <a:r>
-              <a:rPr lang="ko-KR" altLang="en-US" sz="3200" dirty="0">
-                <a:latin typeface="여기어때 잘난체" panose="020B0600000101010101" pitchFamily="50" charset="-127"/>
-                <a:ea typeface="여기어때 잘난체" panose="020B0600000101010101" pitchFamily="50" charset="-127"/>
-              </a:rPr>
-              <a:t>게임소개 </a:t>
-            </a:r>
-            <a:r>
-              <a:rPr lang="en-US" altLang="ko-KR" sz="3200" dirty="0">
-                <a:latin typeface="여기어때 잘난체" panose="020B0600000101010101" pitchFamily="50" charset="-127"/>
-                <a:ea typeface="여기어때 잘난체" panose="020B0600000101010101" pitchFamily="50" charset="-127"/>
-              </a:rPr>
-              <a:t>– </a:t>
-            </a:r>
-            <a:r>
-              <a:rPr lang="ko-KR" altLang="en-US" sz="3200" dirty="0">
-                <a:latin typeface="여기어때 잘난체" panose="020B0600000101010101" pitchFamily="50" charset="-127"/>
-                <a:ea typeface="여기어때 잘난체" panose="020B0600000101010101" pitchFamily="50" charset="-127"/>
-              </a:rPr>
-              <a:t>게임 월드 </a:t>
-            </a:r>
-            <a:r>
-              <a:rPr lang="ko-KR" altLang="en-US" sz="1200" dirty="0" err="1">
-                <a:latin typeface="여기어때 잘난체" panose="020B0600000101010101" pitchFamily="50" charset="-127"/>
-                <a:ea typeface="여기어때 잘난체" panose="020B0600000101010101" pitchFamily="50" charset="-127"/>
-              </a:rPr>
-              <a:t>잡몹전</a:t>
-            </a:r>
-            <a:r>
-              <a:rPr lang="en-US" altLang="ko-KR" sz="1200" dirty="0">
-                <a:latin typeface="여기어때 잘난체" panose="020B0600000101010101" pitchFamily="50" charset="-127"/>
-                <a:ea typeface="여기어때 잘난체" panose="020B0600000101010101" pitchFamily="50" charset="-127"/>
-              </a:rPr>
-              <a:t> </a:t>
             </a:r>
             <a:r>
               <a:rPr lang="ko-KR" altLang="en-US" sz="3200" dirty="0">
@@ -13629,17 +14012,125 @@
                 <a:latin typeface="여기어때 잘난체" panose="020B0600000101010101" pitchFamily="50" charset="-127"/>
                 <a:ea typeface="여기어때 잘난체" panose="020B0600000101010101" pitchFamily="50" charset="-127"/>
               </a:rPr>
-              <a:t>게임 월드 </a:t>
-            </a:r>
+              <a:t>게임 소개 </a:t>
+            </a:r>
+            <a:r>
+              <a:rPr lang="en-US" altLang="ko-KR" sz="3200" dirty="0">
+                <a:solidFill>
+                  <a:schemeClr val="bg1"/>
+                </a:solidFill>
+                <a:latin typeface="여기어때 잘난체" panose="020B0600000101010101" pitchFamily="50" charset="-127"/>
+                <a:ea typeface="여기어때 잘난체" panose="020B0600000101010101" pitchFamily="50" charset="-127"/>
+              </a:rPr>
+              <a:t>– </a:t>
+            </a:r>
+            <a:r>
+              <a:rPr lang="ko-KR" altLang="en-US" sz="3200" dirty="0">
+                <a:solidFill>
+                  <a:schemeClr val="bg1"/>
+                </a:solidFill>
+                <a:latin typeface="여기어때 잘난체" panose="020B0600000101010101" pitchFamily="50" charset="-127"/>
+                <a:ea typeface="여기어때 잘난체" panose="020B0600000101010101" pitchFamily="50" charset="-127"/>
+              </a:rPr>
+              <a:t>게임 월드</a:t>
+            </a:r>
+            <a:r>
+              <a:rPr lang="ko-KR" altLang="en-US" sz="2400" dirty="0">
+                <a:solidFill>
+                  <a:schemeClr val="bg1"/>
+                </a:solidFill>
+                <a:latin typeface="여기어때 잘난체" panose="020B0600000101010101" pitchFamily="50" charset="-127"/>
+                <a:ea typeface="여기어때 잘난체" panose="020B0600000101010101" pitchFamily="50" charset="-127"/>
+              </a:rPr>
+              <a:t> </a:t>
+            </a:r>
+            <a:r>
+              <a:rPr lang="ko-KR" altLang="en-US" sz="2400" dirty="0" err="1">
+                <a:solidFill>
+                  <a:schemeClr val="bg1"/>
+                </a:solidFill>
+                <a:latin typeface="여기어때 잘난체" panose="020B0600000101010101" pitchFamily="50" charset="-127"/>
+                <a:ea typeface="여기어때 잘난체" panose="020B0600000101010101" pitchFamily="50" charset="-127"/>
+              </a:rPr>
+              <a:t>잡몹전</a:t>
+            </a:r>
+            <a:r>
+              <a:rPr lang="ko-KR" altLang="en-US" sz="2400" dirty="0">
+                <a:solidFill>
+                  <a:schemeClr val="bg1"/>
+                </a:solidFill>
+                <a:latin typeface="여기어때 잘난체" panose="020B0600000101010101" pitchFamily="50" charset="-127"/>
+                <a:ea typeface="여기어때 잘난체" panose="020B0600000101010101" pitchFamily="50" charset="-127"/>
+              </a:rPr>
+              <a:t>  </a:t>
+            </a:r>
+          </a:p>
+        </p:txBody>
+      </p:sp>
+      <p:sp>
+        <p:nvSpPr>
+          <p:cNvPr id="7" name="직사각형 6">
+            <a:extLst>
+              <a:ext uri="{FF2B5EF4-FFF2-40B4-BE49-F238E27FC236}">
+                <a16:creationId xmlns:a16="http://schemas.microsoft.com/office/drawing/2014/main" id="{8D6402C3-8B48-E8FE-94A1-7748C9B253A4}"/>
+              </a:ext>
+            </a:extLst>
+          </p:cNvPr>
+          <p:cNvSpPr/>
+          <p:nvPr/>
+        </p:nvSpPr>
+        <p:spPr>
+          <a:xfrm>
+            <a:off x="469900" y="925976"/>
+            <a:ext cx="11226800" cy="5617119"/>
+          </a:xfrm>
+          <a:prstGeom prst="rect">
+            <a:avLst/>
+          </a:prstGeom>
+          <a:solidFill>
+            <a:schemeClr val="bg1"/>
+          </a:solidFill>
+          <a:ln w="28575">
+            <a:solidFill>
+              <a:srgbClr val="A3BCBD"/>
+            </a:solidFill>
+          </a:ln>
+        </p:spPr>
+        <p:style>
+          <a:lnRef idx="2">
+            <a:schemeClr val="accent1">
+              <a:shade val="50000"/>
+            </a:schemeClr>
+          </a:lnRef>
+          <a:fillRef idx="1">
+            <a:schemeClr val="accent1"/>
+          </a:fillRef>
+          <a:effectRef idx="0">
+            <a:schemeClr val="accent1"/>
+          </a:effectRef>
+          <a:fontRef idx="minor">
+            <a:schemeClr val="lt1"/>
+          </a:fontRef>
+        </p:style>
+        <p:txBody>
+          <a:bodyPr rtlCol="0" anchor="ctr"/>
+          <a:lstStyle/>
+          <a:p>
+            <a:pPr algn="ctr"/>
+            <a:r>
+              <a:rPr lang="en-US" altLang="ko-KR"/>
+              <a:t>s</a:t>
+            </a:r>
+            <a:endParaRPr lang="ko-KR" altLang="en-US"/>
           </a:p>
         </p:txBody>
       </p:sp>
       <p:pic>
         <p:nvPicPr>
-          <p:cNvPr id="4" name="그림 3">
+          <p:cNvPr id="9" name="그림 8">
             <a:extLst>
               <a:ext uri="{FF2B5EF4-FFF2-40B4-BE49-F238E27FC236}">
-                <a16:creationId xmlns:a16="http://schemas.microsoft.com/office/drawing/2014/main" id="{CF767FF6-64A5-554C-F5B7-2DBE0680C07F}"/>
+                <a16:creationId xmlns:a16="http://schemas.microsoft.com/office/drawing/2014/main" id="{37168EE8-6D94-C7A0-15CD-6333F22194A5}"/>
               </a:ext>
             </a:extLst>
           </p:cNvPr>
@@ -13673,7 +14164,7 @@
     </p:spTree>
     <p:extLst>
       <p:ext uri="{BB962C8B-B14F-4D97-AF65-F5344CB8AC3E}">
-        <p14:creationId xmlns:p14="http://schemas.microsoft.com/office/powerpoint/2010/main" val="3338335739"/>
+        <p14:creationId xmlns:p14="http://schemas.microsoft.com/office/powerpoint/2010/main" val="2419748640"/>
       </p:ext>
     </p:extLst>
   </p:cSld>

--- a/Game_Design/2019184003 김 선아 장르 제안서.pptx
+++ b/Game_Design/2019184003 김 선아 장르 제안서.pptx
@@ -14,20 +14,19 @@
     <p:sldId id="274" r:id="rId8"/>
     <p:sldId id="269" r:id="rId9"/>
     <p:sldId id="292" r:id="rId10"/>
-    <p:sldId id="291" r:id="rId11"/>
-    <p:sldId id="276" r:id="rId12"/>
-    <p:sldId id="290" r:id="rId13"/>
-    <p:sldId id="289" r:id="rId14"/>
-    <p:sldId id="277" r:id="rId15"/>
-    <p:sldId id="272" r:id="rId16"/>
-    <p:sldId id="273" r:id="rId17"/>
-    <p:sldId id="271" r:id="rId18"/>
-    <p:sldId id="279" r:id="rId19"/>
-    <p:sldId id="278" r:id="rId20"/>
-    <p:sldId id="293" r:id="rId21"/>
-    <p:sldId id="280" r:id="rId22"/>
-    <p:sldId id="281" r:id="rId23"/>
-    <p:sldId id="262" r:id="rId24"/>
+    <p:sldId id="276" r:id="rId11"/>
+    <p:sldId id="290" r:id="rId12"/>
+    <p:sldId id="289" r:id="rId13"/>
+    <p:sldId id="277" r:id="rId14"/>
+    <p:sldId id="272" r:id="rId15"/>
+    <p:sldId id="273" r:id="rId16"/>
+    <p:sldId id="271" r:id="rId17"/>
+    <p:sldId id="279" r:id="rId18"/>
+    <p:sldId id="278" r:id="rId19"/>
+    <p:sldId id="293" r:id="rId20"/>
+    <p:sldId id="280" r:id="rId21"/>
+    <p:sldId id="281" r:id="rId22"/>
+    <p:sldId id="262" r:id="rId23"/>
   </p:sldIdLst>
   <p:sldSz cx="12192000" cy="6858000"/>
   <p:notesSz cx="6858000" cy="9144000"/>
@@ -3151,6 +3150,14 @@
 <file path=ppt/slides/slide10.xml><?xml version="1.0" encoding="utf-8"?>
 <p:sld xmlns:a="http://schemas.openxmlformats.org/drawingml/2006/main" xmlns:r="http://schemas.openxmlformats.org/officeDocument/2006/relationships" xmlns:p="http://schemas.openxmlformats.org/presentationml/2006/main">
   <p:cSld>
+    <p:bg>
+      <p:bgPr>
+        <a:solidFill>
+          <a:srgbClr val="8BA9AB"/>
+        </a:solidFill>
+        <a:effectLst/>
+      </p:bgPr>
+    </p:bg>
     <p:spTree>
       <p:nvGrpSpPr>
         <p:cNvPr id="1" name=""/>
@@ -3209,10 +3216,6 @@
           <a:lstStyle/>
           <a:p>
             <a:pPr algn="ctr"/>
-            <a:r>
-              <a:rPr lang="en-US" altLang="ko-KR"/>
-              <a:t>s</a:t>
-            </a:r>
             <a:endParaRPr lang="ko-KR" altLang="en-US"/>
           </a:p>
         </p:txBody>
@@ -3226,7 +3229,7 @@
         <p:spPr>
           <a:xfrm>
             <a:off x="469900" y="260991"/>
-            <a:ext cx="5412740" cy="1077218"/>
+            <a:ext cx="6692900" cy="584775"/>
           </a:xfrm>
           <a:prstGeom prst="rect">
             <a:avLst/>
@@ -3241,45 +3244,13 @@
           <a:p>
             <a:r>
               <a:rPr lang="en-US" altLang="ko-KR" sz="3200" dirty="0">
+                <a:solidFill>
+                  <a:schemeClr val="bg1"/>
+                </a:solidFill>
                 <a:latin typeface="여기어때 잘난체" panose="020B0600000101010101" pitchFamily="50" charset="-127"/>
                 <a:ea typeface="여기어때 잘난체" panose="020B0600000101010101" pitchFamily="50" charset="-127"/>
               </a:rPr>
               <a:t>02. </a:t>
-            </a:r>
-            <a:r>
-              <a:rPr lang="ko-KR" altLang="en-US" sz="3200" dirty="0">
-                <a:latin typeface="여기어때 잘난체" panose="020B0600000101010101" pitchFamily="50" charset="-127"/>
-                <a:ea typeface="여기어때 잘난체" panose="020B0600000101010101" pitchFamily="50" charset="-127"/>
-              </a:rPr>
-              <a:t>게임소개 </a:t>
-            </a:r>
-            <a:r>
-              <a:rPr lang="en-US" altLang="ko-KR" sz="3200" dirty="0">
-                <a:latin typeface="여기어때 잘난체" panose="020B0600000101010101" pitchFamily="50" charset="-127"/>
-                <a:ea typeface="여기어때 잘난체" panose="020B0600000101010101" pitchFamily="50" charset="-127"/>
-              </a:rPr>
-              <a:t>– </a:t>
-            </a:r>
-            <a:r>
-              <a:rPr lang="ko-KR" altLang="en-US" sz="3200" dirty="0">
-                <a:latin typeface="여기어때 잘난체" panose="020B0600000101010101" pitchFamily="50" charset="-127"/>
-                <a:ea typeface="여기어때 잘난체" panose="020B0600000101010101" pitchFamily="50" charset="-127"/>
-              </a:rPr>
-              <a:t>게임 월드 </a:t>
-            </a:r>
-            <a:r>
-              <a:rPr lang="ko-KR" altLang="en-US" sz="1200" dirty="0" err="1">
-                <a:latin typeface="여기어때 잘난체" panose="020B0600000101010101" pitchFamily="50" charset="-127"/>
-                <a:ea typeface="여기어때 잘난체" panose="020B0600000101010101" pitchFamily="50" charset="-127"/>
-              </a:rPr>
-              <a:t>잡몹전</a:t>
-            </a:r>
-            <a:r>
-              <a:rPr lang="en-US" altLang="ko-KR" sz="1200" dirty="0">
-                <a:latin typeface="여기어때 잘난체" panose="020B0600000101010101" pitchFamily="50" charset="-127"/>
-                <a:ea typeface="여기어때 잘난체" panose="020B0600000101010101" pitchFamily="50" charset="-127"/>
-              </a:rPr>
-              <a:t> </a:t>
             </a:r>
             <a:r>
               <a:rPr lang="ko-KR" altLang="en-US" sz="3200" dirty="0">
@@ -3289,53 +3260,32 @@
                 <a:latin typeface="여기어때 잘난체" panose="020B0600000101010101" pitchFamily="50" charset="-127"/>
                 <a:ea typeface="여기어때 잘난체" panose="020B0600000101010101" pitchFamily="50" charset="-127"/>
               </a:rPr>
-              <a:t>게임 월드 </a:t>
-            </a:r>
-          </a:p>
-        </p:txBody>
-      </p:sp>
-      <p:pic>
-        <p:nvPicPr>
-          <p:cNvPr id="4" name="그림 3">
-            <a:extLst>
-              <a:ext uri="{FF2B5EF4-FFF2-40B4-BE49-F238E27FC236}">
-                <a16:creationId xmlns:a16="http://schemas.microsoft.com/office/drawing/2014/main" id="{CF767FF6-64A5-554C-F5B7-2DBE0680C07F}"/>
-              </a:ext>
-            </a:extLst>
-          </p:cNvPr>
-          <p:cNvPicPr>
-            <a:picLocks noChangeAspect="1"/>
-          </p:cNvPicPr>
-          <p:nvPr/>
-        </p:nvPicPr>
-        <p:blipFill>
-          <a:blip r:embed="rId2">
-            <a:extLst>
-              <a:ext uri="{28A0092B-C50C-407E-A947-70E740481C1C}">
-                <a14:useLocalDpi xmlns:a14="http://schemas.microsoft.com/office/drawing/2010/main" val="0"/>
-              </a:ext>
-            </a:extLst>
-          </a:blip>
-          <a:stretch>
-            <a:fillRect/>
-          </a:stretch>
-        </p:blipFill>
-        <p:spPr>
-          <a:xfrm>
-            <a:off x="990600" y="1201270"/>
-            <a:ext cx="5173532" cy="5173532"/>
-          </a:xfrm>
-          <a:prstGeom prst="rect">
-            <a:avLst/>
-          </a:prstGeom>
-        </p:spPr>
-      </p:pic>
+              <a:t>게임 소개 </a:t>
+            </a:r>
+            <a:r>
+              <a:rPr lang="en-US" altLang="ko-KR" sz="3200" dirty="0">
+                <a:solidFill>
+                  <a:schemeClr val="bg1"/>
+                </a:solidFill>
+                <a:latin typeface="여기어때 잘난체" panose="020B0600000101010101" pitchFamily="50" charset="-127"/>
+                <a:ea typeface="여기어때 잘난체" panose="020B0600000101010101" pitchFamily="50" charset="-127"/>
+              </a:rPr>
+              <a:t>– </a:t>
+            </a:r>
+            <a:r>
+              <a:rPr lang="ko-KR" altLang="en-US" sz="3200" dirty="0">
+                <a:solidFill>
+                  <a:schemeClr val="bg1"/>
+                </a:solidFill>
+                <a:latin typeface="여기어때 잘난체" panose="020B0600000101010101" pitchFamily="50" charset="-127"/>
+                <a:ea typeface="여기어때 잘난체" panose="020B0600000101010101" pitchFamily="50" charset="-127"/>
+              </a:rPr>
+              <a:t>게임 플레이어 </a:t>
+            </a:r>
+          </a:p>
+        </p:txBody>
+      </p:sp>
     </p:spTree>
-    <p:extLst>
-      <p:ext uri="{BB962C8B-B14F-4D97-AF65-F5344CB8AC3E}">
-        <p14:creationId xmlns:p14="http://schemas.microsoft.com/office/powerpoint/2010/main" val="3338335739"/>
-      </p:ext>
-    </p:extLst>
   </p:cSld>
   <p:clrMapOvr>
     <a:masterClrMapping/>
@@ -3425,152 +3375,6 @@
         <p:spPr>
           <a:xfrm>
             <a:off x="469900" y="260991"/>
-            <a:ext cx="6692900" cy="584775"/>
-          </a:xfrm>
-          <a:prstGeom prst="rect">
-            <a:avLst/>
-          </a:prstGeom>
-          <a:noFill/>
-        </p:spPr>
-        <p:txBody>
-          <a:bodyPr wrap="square" rtlCol="0">
-            <a:spAutoFit/>
-          </a:bodyPr>
-          <a:lstStyle/>
-          <a:p>
-            <a:r>
-              <a:rPr lang="en-US" altLang="ko-KR" sz="3200" dirty="0">
-                <a:solidFill>
-                  <a:schemeClr val="bg1"/>
-                </a:solidFill>
-                <a:latin typeface="여기어때 잘난체" panose="020B0600000101010101" pitchFamily="50" charset="-127"/>
-                <a:ea typeface="여기어때 잘난체" panose="020B0600000101010101" pitchFamily="50" charset="-127"/>
-              </a:rPr>
-              <a:t>02. </a:t>
-            </a:r>
-            <a:r>
-              <a:rPr lang="ko-KR" altLang="en-US" sz="3200" dirty="0">
-                <a:solidFill>
-                  <a:schemeClr val="bg1"/>
-                </a:solidFill>
-                <a:latin typeface="여기어때 잘난체" panose="020B0600000101010101" pitchFamily="50" charset="-127"/>
-                <a:ea typeface="여기어때 잘난체" panose="020B0600000101010101" pitchFamily="50" charset="-127"/>
-              </a:rPr>
-              <a:t>게임 소개 </a:t>
-            </a:r>
-            <a:r>
-              <a:rPr lang="en-US" altLang="ko-KR" sz="3200" dirty="0">
-                <a:solidFill>
-                  <a:schemeClr val="bg1"/>
-                </a:solidFill>
-                <a:latin typeface="여기어때 잘난체" panose="020B0600000101010101" pitchFamily="50" charset="-127"/>
-                <a:ea typeface="여기어때 잘난체" panose="020B0600000101010101" pitchFamily="50" charset="-127"/>
-              </a:rPr>
-              <a:t>– </a:t>
-            </a:r>
-            <a:r>
-              <a:rPr lang="ko-KR" altLang="en-US" sz="3200" dirty="0">
-                <a:solidFill>
-                  <a:schemeClr val="bg1"/>
-                </a:solidFill>
-                <a:latin typeface="여기어때 잘난체" panose="020B0600000101010101" pitchFamily="50" charset="-127"/>
-                <a:ea typeface="여기어때 잘난체" panose="020B0600000101010101" pitchFamily="50" charset="-127"/>
-              </a:rPr>
-              <a:t>게임 플레이어 </a:t>
-            </a:r>
-          </a:p>
-        </p:txBody>
-      </p:sp>
-    </p:spTree>
-  </p:cSld>
-  <p:clrMapOvr>
-    <a:masterClrMapping/>
-  </p:clrMapOvr>
-</p:sld>
-</file>
-
-<file path=ppt/slides/slide12.xml><?xml version="1.0" encoding="utf-8"?>
-<p:sld xmlns:a="http://schemas.openxmlformats.org/drawingml/2006/main" xmlns:r="http://schemas.openxmlformats.org/officeDocument/2006/relationships" xmlns:p="http://schemas.openxmlformats.org/presentationml/2006/main">
-  <p:cSld>
-    <p:bg>
-      <p:bgPr>
-        <a:solidFill>
-          <a:srgbClr val="8BA9AB"/>
-        </a:solidFill>
-        <a:effectLst/>
-      </p:bgPr>
-    </p:bg>
-    <p:spTree>
-      <p:nvGrpSpPr>
-        <p:cNvPr id="1" name=""/>
-        <p:cNvGrpSpPr/>
-        <p:nvPr/>
-      </p:nvGrpSpPr>
-      <p:grpSpPr>
-        <a:xfrm>
-          <a:off x="0" y="0"/>
-          <a:ext cx="0" cy="0"/>
-          <a:chOff x="0" y="0"/>
-          <a:chExt cx="0" cy="0"/>
-        </a:xfrm>
-      </p:grpSpPr>
-      <p:sp>
-        <p:nvSpPr>
-          <p:cNvPr id="15" name="직사각형 14"/>
-          <p:cNvSpPr/>
-          <p:nvPr/>
-        </p:nvSpPr>
-        <p:spPr>
-          <a:xfrm>
-            <a:off x="469900" y="925976"/>
-            <a:ext cx="11226800" cy="5617119"/>
-          </a:xfrm>
-          <a:prstGeom prst="rect">
-            <a:avLst/>
-          </a:prstGeom>
-          <a:solidFill>
-            <a:schemeClr val="bg1"/>
-          </a:solidFill>
-          <a:ln w="28575">
-            <a:solidFill>
-              <a:srgbClr val="A3BCBD"/>
-            </a:solidFill>
-          </a:ln>
-        </p:spPr>
-        <p:style>
-          <a:lnRef idx="2">
-            <a:schemeClr val="accent1">
-              <a:shade val="50000"/>
-            </a:schemeClr>
-          </a:lnRef>
-          <a:fillRef idx="1">
-            <a:schemeClr val="accent1"/>
-          </a:fillRef>
-          <a:effectRef idx="0">
-            <a:schemeClr val="accent1"/>
-          </a:effectRef>
-          <a:fontRef idx="minor">
-            <a:schemeClr val="lt1"/>
-          </a:fontRef>
-        </p:style>
-        <p:txBody>
-          <a:bodyPr rtlCol="0" anchor="ctr"/>
-          <a:lstStyle/>
-          <a:p>
-            <a:pPr algn="ctr"/>
-            <a:endParaRPr lang="ko-KR" altLang="en-US"/>
-          </a:p>
-        </p:txBody>
-      </p:sp>
-      <p:sp>
-        <p:nvSpPr>
-          <p:cNvPr id="18" name="TextBox 17"/>
-          <p:cNvSpPr txBox="1"/>
-          <p:nvPr/>
-        </p:nvSpPr>
-        <p:spPr>
-          <a:xfrm>
-            <a:off x="469900" y="260991"/>
             <a:ext cx="6692900" cy="583565"/>
           </a:xfrm>
           <a:prstGeom prst="rect">
@@ -5213,7 +5017,7 @@
 </p:sld>
 </file>
 
-<file path=ppt/slides/slide13.xml><?xml version="1.0" encoding="utf-8"?>
+<file path=ppt/slides/slide12.xml><?xml version="1.0" encoding="utf-8"?>
 <p:sld xmlns:a="http://schemas.openxmlformats.org/drawingml/2006/main" xmlns:r="http://schemas.openxmlformats.org/officeDocument/2006/relationships" xmlns:p="http://schemas.openxmlformats.org/presentationml/2006/main">
   <p:cSld>
     <p:bg>
@@ -8094,7 +7898,7 @@
 </p:sld>
 </file>
 
-<file path=ppt/slides/slide14.xml><?xml version="1.0" encoding="utf-8"?>
+<file path=ppt/slides/slide13.xml><?xml version="1.0" encoding="utf-8"?>
 <p:sld xmlns:a="http://schemas.openxmlformats.org/drawingml/2006/main" xmlns:r="http://schemas.openxmlformats.org/officeDocument/2006/relationships" xmlns:p="http://schemas.openxmlformats.org/presentationml/2006/main">
   <p:cSld>
     <p:bg>
@@ -8963,7 +8767,7 @@
 </p:sld>
 </file>
 
-<file path=ppt/slides/slide15.xml><?xml version="1.0" encoding="utf-8"?>
+<file path=ppt/slides/slide14.xml><?xml version="1.0" encoding="utf-8"?>
 <p:sld xmlns:a="http://schemas.openxmlformats.org/drawingml/2006/main" xmlns:r="http://schemas.openxmlformats.org/officeDocument/2006/relationships" xmlns:p="http://schemas.openxmlformats.org/presentationml/2006/main">
   <p:cSld>
     <p:bg>
@@ -9099,7 +8903,7 @@
 </p:sld>
 </file>
 
-<file path=ppt/slides/slide16.xml><?xml version="1.0" encoding="utf-8"?>
+<file path=ppt/slides/slide15.xml><?xml version="1.0" encoding="utf-8"?>
 <p:sld xmlns:a="http://schemas.openxmlformats.org/drawingml/2006/main" xmlns:r="http://schemas.openxmlformats.org/officeDocument/2006/relationships" xmlns:p="http://schemas.openxmlformats.org/presentationml/2006/main">
   <p:cSld>
     <p:bg>
@@ -9603,7 +9407,7 @@
 </p:sld>
 </file>
 
-<file path=ppt/slides/slide17.xml><?xml version="1.0" encoding="utf-8"?>
+<file path=ppt/slides/slide16.xml><?xml version="1.0" encoding="utf-8"?>
 <p:sld xmlns:a="http://schemas.openxmlformats.org/drawingml/2006/main" xmlns:r="http://schemas.openxmlformats.org/officeDocument/2006/relationships" xmlns:p="http://schemas.openxmlformats.org/presentationml/2006/main">
   <p:cSld>
     <p:bg>
@@ -9747,6 +9551,303 @@
               </a:solidFill>
               <a:latin typeface="여기어때 잘난체" panose="020B0600000101010101" pitchFamily="50" charset="-127"/>
               <a:ea typeface="여기어때 잘난체" panose="020B0600000101010101" pitchFamily="50" charset="-127"/>
+            </a:endParaRPr>
+          </a:p>
+        </p:txBody>
+      </p:sp>
+    </p:spTree>
+  </p:cSld>
+  <p:clrMapOvr>
+    <a:masterClrMapping/>
+  </p:clrMapOvr>
+</p:sld>
+</file>
+
+<file path=ppt/slides/slide17.xml><?xml version="1.0" encoding="utf-8"?>
+<p:sld xmlns:a="http://schemas.openxmlformats.org/drawingml/2006/main" xmlns:r="http://schemas.openxmlformats.org/officeDocument/2006/relationships" xmlns:p="http://schemas.openxmlformats.org/presentationml/2006/main">
+  <p:cSld>
+    <p:bg>
+      <p:bgPr>
+        <a:solidFill>
+          <a:srgbClr val="8BA9AB"/>
+        </a:solidFill>
+        <a:effectLst/>
+      </p:bgPr>
+    </p:bg>
+    <p:spTree>
+      <p:nvGrpSpPr>
+        <p:cNvPr id="1" name=""/>
+        <p:cNvGrpSpPr/>
+        <p:nvPr/>
+      </p:nvGrpSpPr>
+      <p:grpSpPr>
+        <a:xfrm>
+          <a:off x="0" y="0"/>
+          <a:ext cx="0" cy="0"/>
+          <a:chOff x="0" y="0"/>
+          <a:chExt cx="0" cy="0"/>
+        </a:xfrm>
+      </p:grpSpPr>
+      <p:sp>
+        <p:nvSpPr>
+          <p:cNvPr id="15" name="직사각형 14"/>
+          <p:cNvSpPr/>
+          <p:nvPr/>
+        </p:nvSpPr>
+        <p:spPr>
+          <a:xfrm>
+            <a:off x="469900" y="925976"/>
+            <a:ext cx="11226800" cy="5617119"/>
+          </a:xfrm>
+          <a:prstGeom prst="rect">
+            <a:avLst/>
+          </a:prstGeom>
+          <a:solidFill>
+            <a:schemeClr val="bg1"/>
+          </a:solidFill>
+          <a:ln w="28575">
+            <a:solidFill>
+              <a:srgbClr val="A3BCBD"/>
+            </a:solidFill>
+          </a:ln>
+        </p:spPr>
+        <p:style>
+          <a:lnRef idx="2">
+            <a:schemeClr val="accent1">
+              <a:shade val="50000"/>
+            </a:schemeClr>
+          </a:lnRef>
+          <a:fillRef idx="1">
+            <a:schemeClr val="accent1"/>
+          </a:fillRef>
+          <a:effectRef idx="0">
+            <a:schemeClr val="accent1"/>
+          </a:effectRef>
+          <a:fontRef idx="minor">
+            <a:schemeClr val="lt1"/>
+          </a:fontRef>
+        </p:style>
+        <p:txBody>
+          <a:bodyPr rtlCol="0" anchor="ctr"/>
+          <a:lstStyle/>
+          <a:p>
+            <a:pPr algn="ctr"/>
+            <a:endParaRPr lang="ko-KR" altLang="en-US"/>
+          </a:p>
+        </p:txBody>
+      </p:sp>
+      <p:sp>
+        <p:nvSpPr>
+          <p:cNvPr id="18" name="TextBox 17"/>
+          <p:cNvSpPr txBox="1"/>
+          <p:nvPr/>
+        </p:nvSpPr>
+        <p:spPr>
+          <a:xfrm>
+            <a:off x="469900" y="260991"/>
+            <a:ext cx="6692900" cy="584775"/>
+          </a:xfrm>
+          <a:prstGeom prst="rect">
+            <a:avLst/>
+          </a:prstGeom>
+          <a:noFill/>
+        </p:spPr>
+        <p:txBody>
+          <a:bodyPr wrap="square" rtlCol="0">
+            <a:spAutoFit/>
+          </a:bodyPr>
+          <a:lstStyle/>
+          <a:p>
+            <a:r>
+              <a:rPr lang="en-US" altLang="ko-KR" sz="3200" dirty="0">
+                <a:solidFill>
+                  <a:schemeClr val="bg1"/>
+                </a:solidFill>
+                <a:latin typeface="여기어때 잘난체" panose="020B0600000101010101" pitchFamily="50" charset="-127"/>
+                <a:ea typeface="여기어때 잘난체" panose="020B0600000101010101" pitchFamily="50" charset="-127"/>
+              </a:rPr>
+              <a:t>04. </a:t>
+            </a:r>
+            <a:r>
+              <a:rPr lang="ko-KR" altLang="en-US" sz="3200" dirty="0">
+                <a:solidFill>
+                  <a:schemeClr val="bg1"/>
+                </a:solidFill>
+                <a:latin typeface="여기어때 잘난체" panose="020B0600000101010101" pitchFamily="50" charset="-127"/>
+                <a:ea typeface="여기어때 잘난체" panose="020B0600000101010101" pitchFamily="50" charset="-127"/>
+              </a:rPr>
+              <a:t>기술적 요소와 중점 연구 분야</a:t>
+            </a:r>
+          </a:p>
+        </p:txBody>
+      </p:sp>
+      <p:sp>
+        <p:nvSpPr>
+          <p:cNvPr id="2" name="TextBox 1">
+            <a:extLst>
+              <a:ext uri="{FF2B5EF4-FFF2-40B4-BE49-F238E27FC236}">
+                <a16:creationId xmlns:a16="http://schemas.microsoft.com/office/drawing/2014/main" id="{2B0D9D19-506B-5AF8-23DA-A1D0B8C359DC}"/>
+              </a:ext>
+            </a:extLst>
+          </p:cNvPr>
+          <p:cNvSpPr txBox="1"/>
+          <p:nvPr/>
+        </p:nvSpPr>
+        <p:spPr>
+          <a:xfrm>
+            <a:off x="978569" y="1718518"/>
+            <a:ext cx="9392315" cy="3093154"/>
+          </a:xfrm>
+          <a:prstGeom prst="rect">
+            <a:avLst/>
+          </a:prstGeom>
+          <a:noFill/>
+        </p:spPr>
+        <p:txBody>
+          <a:bodyPr wrap="none" rtlCol="0">
+            <a:spAutoFit/>
+          </a:bodyPr>
+          <a:lstStyle/>
+          <a:p>
+            <a:pPr marL="342900" indent="-342900">
+              <a:lnSpc>
+                <a:spcPct val="200000"/>
+              </a:lnSpc>
+              <a:buFont typeface="Arial" panose="020B0604020202020204" pitchFamily="34" charset="0"/>
+              <a:buChar char="•"/>
+            </a:pPr>
+            <a:r>
+              <a:rPr lang="ko-KR" altLang="en-US" sz="2000" dirty="0">
+                <a:latin typeface="G마켓 산스 TTF Medium" panose="02000000000000000000" pitchFamily="2" charset="-127"/>
+                <a:ea typeface="G마켓 산스 TTF Medium" panose="02000000000000000000" pitchFamily="2" charset="-127"/>
+              </a:rPr>
+              <a:t>애니메이션 </a:t>
+            </a:r>
+            <a:r>
+              <a:rPr lang="ko-KR" altLang="en-US" sz="2000" dirty="0" err="1">
+                <a:latin typeface="G마켓 산스 TTF Medium" panose="02000000000000000000" pitchFamily="2" charset="-127"/>
+                <a:ea typeface="G마켓 산스 TTF Medium" panose="02000000000000000000" pitchFamily="2" charset="-127"/>
+              </a:rPr>
+              <a:t>블렌딩을</a:t>
+            </a:r>
+            <a:r>
+              <a:rPr lang="ko-KR" altLang="en-US" sz="2000" dirty="0">
+                <a:latin typeface="G마켓 산스 TTF Medium" panose="02000000000000000000" pitchFamily="2" charset="-127"/>
+                <a:ea typeface="G마켓 산스 TTF Medium" panose="02000000000000000000" pitchFamily="2" charset="-127"/>
+              </a:rPr>
+              <a:t> 하여 애니메이션 사이를 부드럽게 연결</a:t>
+            </a:r>
+            <a:endParaRPr lang="en-US" altLang="ko-KR" sz="2000" dirty="0">
+              <a:latin typeface="G마켓 산스 TTF Medium" panose="02000000000000000000" pitchFamily="2" charset="-127"/>
+              <a:ea typeface="G마켓 산스 TTF Medium" panose="02000000000000000000" pitchFamily="2" charset="-127"/>
+            </a:endParaRPr>
+          </a:p>
+          <a:p>
+            <a:pPr marL="342900" indent="-342900">
+              <a:lnSpc>
+                <a:spcPct val="200000"/>
+              </a:lnSpc>
+              <a:buFont typeface="Arial" panose="020B0604020202020204" pitchFamily="34" charset="0"/>
+              <a:buChar char="•"/>
+            </a:pPr>
+            <a:r>
+              <a:rPr lang="ko-KR" altLang="en-US" sz="2000" dirty="0">
+                <a:latin typeface="G마켓 산스 TTF Medium" panose="02000000000000000000" pitchFamily="2" charset="-127"/>
+                <a:ea typeface="G마켓 산스 TTF Medium" panose="02000000000000000000" pitchFamily="2" charset="-127"/>
+              </a:rPr>
+              <a:t>흐르는 물 표현</a:t>
+            </a:r>
+            <a:endParaRPr lang="en-US" altLang="ko-KR" sz="2000" dirty="0">
+              <a:latin typeface="G마켓 산스 TTF Medium" panose="02000000000000000000" pitchFamily="2" charset="-127"/>
+              <a:ea typeface="G마켓 산스 TTF Medium" panose="02000000000000000000" pitchFamily="2" charset="-127"/>
+            </a:endParaRPr>
+          </a:p>
+          <a:p>
+            <a:pPr marL="342900" indent="-342900">
+              <a:lnSpc>
+                <a:spcPct val="200000"/>
+              </a:lnSpc>
+              <a:buFont typeface="Arial" panose="020B0604020202020204" pitchFamily="34" charset="0"/>
+              <a:buChar char="•"/>
+            </a:pPr>
+            <a:r>
+              <a:rPr lang="ko-KR" altLang="en-US" sz="2000" dirty="0">
+                <a:latin typeface="G마켓 산스 TTF Medium" panose="02000000000000000000" pitchFamily="2" charset="-127"/>
+                <a:ea typeface="G마켓 산스 TTF Medium" panose="02000000000000000000" pitchFamily="2" charset="-127"/>
+              </a:rPr>
+              <a:t>물리법칙을 활용해 다양한 무기들을 생동감 넘치게 구현</a:t>
+            </a:r>
+            <a:endParaRPr lang="en-US" altLang="ko-KR" sz="2000" dirty="0">
+              <a:latin typeface="G마켓 산스 TTF Medium" panose="02000000000000000000" pitchFamily="2" charset="-127"/>
+              <a:ea typeface="G마켓 산스 TTF Medium" panose="02000000000000000000" pitchFamily="2" charset="-127"/>
+            </a:endParaRPr>
+          </a:p>
+          <a:p>
+            <a:pPr marL="342900" indent="-342900">
+              <a:lnSpc>
+                <a:spcPct val="200000"/>
+              </a:lnSpc>
+              <a:buFont typeface="Arial" panose="020B0604020202020204" pitchFamily="34" charset="0"/>
+              <a:buChar char="•"/>
+            </a:pPr>
+            <a:r>
+              <a:rPr lang="ko-KR" altLang="en-US" sz="2000" dirty="0">
+                <a:latin typeface="G마켓 산스 TTF Medium" panose="02000000000000000000" pitchFamily="2" charset="-127"/>
+                <a:ea typeface="G마켓 산스 TTF Medium" panose="02000000000000000000" pitchFamily="2" charset="-127"/>
+              </a:rPr>
+              <a:t>서버를 통해 </a:t>
+            </a:r>
+            <a:r>
+              <a:rPr lang="en-US" altLang="ko-KR" sz="2000" dirty="0">
+                <a:latin typeface="G마켓 산스 TTF Medium" panose="02000000000000000000" pitchFamily="2" charset="-127"/>
+                <a:ea typeface="G마켓 산스 TTF Medium" panose="02000000000000000000" pitchFamily="2" charset="-127"/>
+              </a:rPr>
+              <a:t>3</a:t>
+            </a:r>
+            <a:r>
+              <a:rPr lang="ko-KR" altLang="en-US" sz="2000" dirty="0">
+                <a:latin typeface="G마켓 산스 TTF Medium" panose="02000000000000000000" pitchFamily="2" charset="-127"/>
+                <a:ea typeface="G마켓 산스 TTF Medium" panose="02000000000000000000" pitchFamily="2" charset="-127"/>
+              </a:rPr>
+              <a:t>명의 플레이어가 모여 게임을 진행할 때</a:t>
+            </a:r>
+            <a:r>
+              <a:rPr lang="en-US" altLang="ko-KR" sz="2000" dirty="0">
+                <a:latin typeface="G마켓 산스 TTF Medium" panose="02000000000000000000" pitchFamily="2" charset="-127"/>
+                <a:ea typeface="G마켓 산스 TTF Medium" panose="02000000000000000000" pitchFamily="2" charset="-127"/>
+              </a:rPr>
+              <a:t> </a:t>
+            </a:r>
+            <a:r>
+              <a:rPr lang="ko-KR" altLang="en-US" sz="2000" dirty="0">
+                <a:latin typeface="G마켓 산스 TTF Medium" panose="02000000000000000000" pitchFamily="2" charset="-127"/>
+                <a:ea typeface="G마켓 산스 TTF Medium" panose="02000000000000000000" pitchFamily="2" charset="-127"/>
+              </a:rPr>
+              <a:t>프레임이 끊기지 않게 구현</a:t>
+            </a:r>
+            <a:endParaRPr lang="en-US" altLang="ko-KR" sz="2000" dirty="0">
+              <a:latin typeface="G마켓 산스 TTF Medium" panose="02000000000000000000" pitchFamily="2" charset="-127"/>
+              <a:ea typeface="G마켓 산스 TTF Medium" panose="02000000000000000000" pitchFamily="2" charset="-127"/>
+            </a:endParaRPr>
+          </a:p>
+          <a:p>
+            <a:pPr marL="342900" indent="-342900">
+              <a:lnSpc>
+                <a:spcPct val="200000"/>
+              </a:lnSpc>
+              <a:buFont typeface="Arial" panose="020B0604020202020204" pitchFamily="34" charset="0"/>
+              <a:buChar char="•"/>
+            </a:pPr>
+            <a:r>
+              <a:rPr lang="ko-KR" altLang="en-US" sz="2000" dirty="0">
+                <a:latin typeface="G마켓 산스 TTF Medium" panose="02000000000000000000" pitchFamily="2" charset="-127"/>
+                <a:ea typeface="G마켓 산스 TTF Medium" panose="02000000000000000000" pitchFamily="2" charset="-127"/>
+              </a:rPr>
+              <a:t>일괄 처리를 하여 불필요한 연산 최소화</a:t>
+            </a:r>
+            <a:endParaRPr lang="en-US" altLang="ko-KR" sz="2000" dirty="0">
+              <a:latin typeface="G마켓 산스 TTF Medium" panose="02000000000000000000" pitchFamily="2" charset="-127"/>
+              <a:ea typeface="G마켓 산스 TTF Medium" panose="02000000000000000000" pitchFamily="2" charset="-127"/>
             </a:endParaRPr>
           </a:p>
         </p:txBody>
@@ -9792,303 +9893,6 @@
         </p:nvSpPr>
         <p:spPr>
           <a:xfrm>
-            <a:off x="469900" y="925976"/>
-            <a:ext cx="11226800" cy="5617119"/>
-          </a:xfrm>
-          <a:prstGeom prst="rect">
-            <a:avLst/>
-          </a:prstGeom>
-          <a:solidFill>
-            <a:schemeClr val="bg1"/>
-          </a:solidFill>
-          <a:ln w="28575">
-            <a:solidFill>
-              <a:srgbClr val="A3BCBD"/>
-            </a:solidFill>
-          </a:ln>
-        </p:spPr>
-        <p:style>
-          <a:lnRef idx="2">
-            <a:schemeClr val="accent1">
-              <a:shade val="50000"/>
-            </a:schemeClr>
-          </a:lnRef>
-          <a:fillRef idx="1">
-            <a:schemeClr val="accent1"/>
-          </a:fillRef>
-          <a:effectRef idx="0">
-            <a:schemeClr val="accent1"/>
-          </a:effectRef>
-          <a:fontRef idx="minor">
-            <a:schemeClr val="lt1"/>
-          </a:fontRef>
-        </p:style>
-        <p:txBody>
-          <a:bodyPr rtlCol="0" anchor="ctr"/>
-          <a:lstStyle/>
-          <a:p>
-            <a:pPr algn="ctr"/>
-            <a:endParaRPr lang="ko-KR" altLang="en-US"/>
-          </a:p>
-        </p:txBody>
-      </p:sp>
-      <p:sp>
-        <p:nvSpPr>
-          <p:cNvPr id="18" name="TextBox 17"/>
-          <p:cNvSpPr txBox="1"/>
-          <p:nvPr/>
-        </p:nvSpPr>
-        <p:spPr>
-          <a:xfrm>
-            <a:off x="469900" y="260991"/>
-            <a:ext cx="6692900" cy="584775"/>
-          </a:xfrm>
-          <a:prstGeom prst="rect">
-            <a:avLst/>
-          </a:prstGeom>
-          <a:noFill/>
-        </p:spPr>
-        <p:txBody>
-          <a:bodyPr wrap="square" rtlCol="0">
-            <a:spAutoFit/>
-          </a:bodyPr>
-          <a:lstStyle/>
-          <a:p>
-            <a:r>
-              <a:rPr lang="en-US" altLang="ko-KR" sz="3200" dirty="0">
-                <a:solidFill>
-                  <a:schemeClr val="bg1"/>
-                </a:solidFill>
-                <a:latin typeface="여기어때 잘난체" panose="020B0600000101010101" pitchFamily="50" charset="-127"/>
-                <a:ea typeface="여기어때 잘난체" panose="020B0600000101010101" pitchFamily="50" charset="-127"/>
-              </a:rPr>
-              <a:t>04. </a:t>
-            </a:r>
-            <a:r>
-              <a:rPr lang="ko-KR" altLang="en-US" sz="3200" dirty="0">
-                <a:solidFill>
-                  <a:schemeClr val="bg1"/>
-                </a:solidFill>
-                <a:latin typeface="여기어때 잘난체" panose="020B0600000101010101" pitchFamily="50" charset="-127"/>
-                <a:ea typeface="여기어때 잘난체" panose="020B0600000101010101" pitchFamily="50" charset="-127"/>
-              </a:rPr>
-              <a:t>기술적 요소와 중점 연구 분야</a:t>
-            </a:r>
-          </a:p>
-        </p:txBody>
-      </p:sp>
-      <p:sp>
-        <p:nvSpPr>
-          <p:cNvPr id="2" name="TextBox 1">
-            <a:extLst>
-              <a:ext uri="{FF2B5EF4-FFF2-40B4-BE49-F238E27FC236}">
-                <a16:creationId xmlns:a16="http://schemas.microsoft.com/office/drawing/2014/main" id="{2B0D9D19-506B-5AF8-23DA-A1D0B8C359DC}"/>
-              </a:ext>
-            </a:extLst>
-          </p:cNvPr>
-          <p:cNvSpPr txBox="1"/>
-          <p:nvPr/>
-        </p:nvSpPr>
-        <p:spPr>
-          <a:xfrm>
-            <a:off x="978569" y="1718518"/>
-            <a:ext cx="9392315" cy="3093154"/>
-          </a:xfrm>
-          <a:prstGeom prst="rect">
-            <a:avLst/>
-          </a:prstGeom>
-          <a:noFill/>
-        </p:spPr>
-        <p:txBody>
-          <a:bodyPr wrap="none" rtlCol="0">
-            <a:spAutoFit/>
-          </a:bodyPr>
-          <a:lstStyle/>
-          <a:p>
-            <a:pPr marL="342900" indent="-342900">
-              <a:lnSpc>
-                <a:spcPct val="200000"/>
-              </a:lnSpc>
-              <a:buFont typeface="Arial" panose="020B0604020202020204" pitchFamily="34" charset="0"/>
-              <a:buChar char="•"/>
-            </a:pPr>
-            <a:r>
-              <a:rPr lang="ko-KR" altLang="en-US" sz="2000" dirty="0">
-                <a:latin typeface="G마켓 산스 TTF Medium" panose="02000000000000000000" pitchFamily="2" charset="-127"/>
-                <a:ea typeface="G마켓 산스 TTF Medium" panose="02000000000000000000" pitchFamily="2" charset="-127"/>
-              </a:rPr>
-              <a:t>애니메이션 </a:t>
-            </a:r>
-            <a:r>
-              <a:rPr lang="ko-KR" altLang="en-US" sz="2000" dirty="0" err="1">
-                <a:latin typeface="G마켓 산스 TTF Medium" panose="02000000000000000000" pitchFamily="2" charset="-127"/>
-                <a:ea typeface="G마켓 산스 TTF Medium" panose="02000000000000000000" pitchFamily="2" charset="-127"/>
-              </a:rPr>
-              <a:t>블렌딩을</a:t>
-            </a:r>
-            <a:r>
-              <a:rPr lang="ko-KR" altLang="en-US" sz="2000" dirty="0">
-                <a:latin typeface="G마켓 산스 TTF Medium" panose="02000000000000000000" pitchFamily="2" charset="-127"/>
-                <a:ea typeface="G마켓 산스 TTF Medium" panose="02000000000000000000" pitchFamily="2" charset="-127"/>
-              </a:rPr>
-              <a:t> 하여 애니메이션 사이를 부드럽게 연결</a:t>
-            </a:r>
-            <a:endParaRPr lang="en-US" altLang="ko-KR" sz="2000" dirty="0">
-              <a:latin typeface="G마켓 산스 TTF Medium" panose="02000000000000000000" pitchFamily="2" charset="-127"/>
-              <a:ea typeface="G마켓 산스 TTF Medium" panose="02000000000000000000" pitchFamily="2" charset="-127"/>
-            </a:endParaRPr>
-          </a:p>
-          <a:p>
-            <a:pPr marL="342900" indent="-342900">
-              <a:lnSpc>
-                <a:spcPct val="200000"/>
-              </a:lnSpc>
-              <a:buFont typeface="Arial" panose="020B0604020202020204" pitchFamily="34" charset="0"/>
-              <a:buChar char="•"/>
-            </a:pPr>
-            <a:r>
-              <a:rPr lang="ko-KR" altLang="en-US" sz="2000" dirty="0">
-                <a:latin typeface="G마켓 산스 TTF Medium" panose="02000000000000000000" pitchFamily="2" charset="-127"/>
-                <a:ea typeface="G마켓 산스 TTF Medium" panose="02000000000000000000" pitchFamily="2" charset="-127"/>
-              </a:rPr>
-              <a:t>흐르는 물 표현</a:t>
-            </a:r>
-            <a:endParaRPr lang="en-US" altLang="ko-KR" sz="2000" dirty="0">
-              <a:latin typeface="G마켓 산스 TTF Medium" panose="02000000000000000000" pitchFamily="2" charset="-127"/>
-              <a:ea typeface="G마켓 산스 TTF Medium" panose="02000000000000000000" pitchFamily="2" charset="-127"/>
-            </a:endParaRPr>
-          </a:p>
-          <a:p>
-            <a:pPr marL="342900" indent="-342900">
-              <a:lnSpc>
-                <a:spcPct val="200000"/>
-              </a:lnSpc>
-              <a:buFont typeface="Arial" panose="020B0604020202020204" pitchFamily="34" charset="0"/>
-              <a:buChar char="•"/>
-            </a:pPr>
-            <a:r>
-              <a:rPr lang="ko-KR" altLang="en-US" sz="2000" dirty="0">
-                <a:latin typeface="G마켓 산스 TTF Medium" panose="02000000000000000000" pitchFamily="2" charset="-127"/>
-                <a:ea typeface="G마켓 산스 TTF Medium" panose="02000000000000000000" pitchFamily="2" charset="-127"/>
-              </a:rPr>
-              <a:t>물리법칙을 활용해 다양한 무기들을 생동감 넘치게 구현</a:t>
-            </a:r>
-            <a:endParaRPr lang="en-US" altLang="ko-KR" sz="2000" dirty="0">
-              <a:latin typeface="G마켓 산스 TTF Medium" panose="02000000000000000000" pitchFamily="2" charset="-127"/>
-              <a:ea typeface="G마켓 산스 TTF Medium" panose="02000000000000000000" pitchFamily="2" charset="-127"/>
-            </a:endParaRPr>
-          </a:p>
-          <a:p>
-            <a:pPr marL="342900" indent="-342900">
-              <a:lnSpc>
-                <a:spcPct val="200000"/>
-              </a:lnSpc>
-              <a:buFont typeface="Arial" panose="020B0604020202020204" pitchFamily="34" charset="0"/>
-              <a:buChar char="•"/>
-            </a:pPr>
-            <a:r>
-              <a:rPr lang="ko-KR" altLang="en-US" sz="2000" dirty="0">
-                <a:latin typeface="G마켓 산스 TTF Medium" panose="02000000000000000000" pitchFamily="2" charset="-127"/>
-                <a:ea typeface="G마켓 산스 TTF Medium" panose="02000000000000000000" pitchFamily="2" charset="-127"/>
-              </a:rPr>
-              <a:t>서버를 통해 </a:t>
-            </a:r>
-            <a:r>
-              <a:rPr lang="en-US" altLang="ko-KR" sz="2000" dirty="0">
-                <a:latin typeface="G마켓 산스 TTF Medium" panose="02000000000000000000" pitchFamily="2" charset="-127"/>
-                <a:ea typeface="G마켓 산스 TTF Medium" panose="02000000000000000000" pitchFamily="2" charset="-127"/>
-              </a:rPr>
-              <a:t>3</a:t>
-            </a:r>
-            <a:r>
-              <a:rPr lang="ko-KR" altLang="en-US" sz="2000" dirty="0">
-                <a:latin typeface="G마켓 산스 TTF Medium" panose="02000000000000000000" pitchFamily="2" charset="-127"/>
-                <a:ea typeface="G마켓 산스 TTF Medium" panose="02000000000000000000" pitchFamily="2" charset="-127"/>
-              </a:rPr>
-              <a:t>명의 플레이어가 모여 게임을 진행할 때</a:t>
-            </a:r>
-            <a:r>
-              <a:rPr lang="en-US" altLang="ko-KR" sz="2000" dirty="0">
-                <a:latin typeface="G마켓 산스 TTF Medium" panose="02000000000000000000" pitchFamily="2" charset="-127"/>
-                <a:ea typeface="G마켓 산스 TTF Medium" panose="02000000000000000000" pitchFamily="2" charset="-127"/>
-              </a:rPr>
-              <a:t> </a:t>
-            </a:r>
-            <a:r>
-              <a:rPr lang="ko-KR" altLang="en-US" sz="2000" dirty="0">
-                <a:latin typeface="G마켓 산스 TTF Medium" panose="02000000000000000000" pitchFamily="2" charset="-127"/>
-                <a:ea typeface="G마켓 산스 TTF Medium" panose="02000000000000000000" pitchFamily="2" charset="-127"/>
-              </a:rPr>
-              <a:t>프레임이 끊기지 않게 구현</a:t>
-            </a:r>
-            <a:endParaRPr lang="en-US" altLang="ko-KR" sz="2000" dirty="0">
-              <a:latin typeface="G마켓 산스 TTF Medium" panose="02000000000000000000" pitchFamily="2" charset="-127"/>
-              <a:ea typeface="G마켓 산스 TTF Medium" panose="02000000000000000000" pitchFamily="2" charset="-127"/>
-            </a:endParaRPr>
-          </a:p>
-          <a:p>
-            <a:pPr marL="342900" indent="-342900">
-              <a:lnSpc>
-                <a:spcPct val="200000"/>
-              </a:lnSpc>
-              <a:buFont typeface="Arial" panose="020B0604020202020204" pitchFamily="34" charset="0"/>
-              <a:buChar char="•"/>
-            </a:pPr>
-            <a:r>
-              <a:rPr lang="ko-KR" altLang="en-US" sz="2000" dirty="0">
-                <a:latin typeface="G마켓 산스 TTF Medium" panose="02000000000000000000" pitchFamily="2" charset="-127"/>
-                <a:ea typeface="G마켓 산스 TTF Medium" panose="02000000000000000000" pitchFamily="2" charset="-127"/>
-              </a:rPr>
-              <a:t>일괄 처리를 하여 불필요한 연산 최소화</a:t>
-            </a:r>
-            <a:endParaRPr lang="en-US" altLang="ko-KR" sz="2000" dirty="0">
-              <a:latin typeface="G마켓 산스 TTF Medium" panose="02000000000000000000" pitchFamily="2" charset="-127"/>
-              <a:ea typeface="G마켓 산스 TTF Medium" panose="02000000000000000000" pitchFamily="2" charset="-127"/>
-            </a:endParaRPr>
-          </a:p>
-        </p:txBody>
-      </p:sp>
-    </p:spTree>
-  </p:cSld>
-  <p:clrMapOvr>
-    <a:masterClrMapping/>
-  </p:clrMapOvr>
-</p:sld>
-</file>
-
-<file path=ppt/slides/slide19.xml><?xml version="1.0" encoding="utf-8"?>
-<p:sld xmlns:a="http://schemas.openxmlformats.org/drawingml/2006/main" xmlns:r="http://schemas.openxmlformats.org/officeDocument/2006/relationships" xmlns:p="http://schemas.openxmlformats.org/presentationml/2006/main">
-  <p:cSld>
-    <p:bg>
-      <p:bgPr>
-        <a:solidFill>
-          <a:srgbClr val="8BA9AB"/>
-        </a:solidFill>
-        <a:effectLst/>
-      </p:bgPr>
-    </p:bg>
-    <p:spTree>
-      <p:nvGrpSpPr>
-        <p:cNvPr id="1" name=""/>
-        <p:cNvGrpSpPr/>
-        <p:nvPr/>
-      </p:nvGrpSpPr>
-      <p:grpSpPr>
-        <a:xfrm>
-          <a:off x="0" y="0"/>
-          <a:ext cx="0" cy="0"/>
-          <a:chOff x="0" y="0"/>
-          <a:chExt cx="0" cy="0"/>
-        </a:xfrm>
-      </p:grpSpPr>
-      <p:sp>
-        <p:nvSpPr>
-          <p:cNvPr id="15" name="직사각형 14"/>
-          <p:cNvSpPr/>
-          <p:nvPr/>
-        </p:nvSpPr>
-        <p:spPr>
-          <a:xfrm>
             <a:off x="482600" y="349957"/>
             <a:ext cx="11226800" cy="6158085"/>
           </a:xfrm>
@@ -10192,395 +9996,7 @@
 </p:sld>
 </file>
 
-<file path=ppt/slides/slide2.xml><?xml version="1.0" encoding="utf-8"?>
-<p:sld xmlns:a="http://schemas.openxmlformats.org/drawingml/2006/main" xmlns:r="http://schemas.openxmlformats.org/officeDocument/2006/relationships" xmlns:p="http://schemas.openxmlformats.org/presentationml/2006/main">
-  <p:cSld>
-    <p:bg>
-      <p:bgPr>
-        <a:solidFill>
-          <a:srgbClr val="8BA9AB"/>
-        </a:solidFill>
-        <a:effectLst/>
-      </p:bgPr>
-    </p:bg>
-    <p:spTree>
-      <p:nvGrpSpPr>
-        <p:cNvPr id="1" name=""/>
-        <p:cNvGrpSpPr/>
-        <p:nvPr/>
-      </p:nvGrpSpPr>
-      <p:grpSpPr>
-        <a:xfrm>
-          <a:off x="0" y="0"/>
-          <a:ext cx="0" cy="0"/>
-          <a:chOff x="0" y="0"/>
-          <a:chExt cx="0" cy="0"/>
-        </a:xfrm>
-      </p:grpSpPr>
-      <p:sp>
-        <p:nvSpPr>
-          <p:cNvPr id="15" name="직사각형 14"/>
-          <p:cNvSpPr/>
-          <p:nvPr/>
-        </p:nvSpPr>
-        <p:spPr>
-          <a:xfrm>
-            <a:off x="469900" y="1123376"/>
-            <a:ext cx="11226800" cy="5339509"/>
-          </a:xfrm>
-          <a:prstGeom prst="rect">
-            <a:avLst/>
-          </a:prstGeom>
-          <a:noFill/>
-          <a:ln w="28575">
-            <a:solidFill>
-              <a:schemeClr val="bg1"/>
-            </a:solidFill>
-          </a:ln>
-        </p:spPr>
-        <p:style>
-          <a:lnRef idx="2">
-            <a:schemeClr val="accent1">
-              <a:shade val="50000"/>
-            </a:schemeClr>
-          </a:lnRef>
-          <a:fillRef idx="1">
-            <a:schemeClr val="accent1"/>
-          </a:fillRef>
-          <a:effectRef idx="0">
-            <a:schemeClr val="accent1"/>
-          </a:effectRef>
-          <a:fontRef idx="minor">
-            <a:schemeClr val="lt1"/>
-          </a:fontRef>
-        </p:style>
-        <p:txBody>
-          <a:bodyPr rtlCol="0" anchor="ctr"/>
-          <a:lstStyle/>
-          <a:p>
-            <a:pPr algn="ctr"/>
-            <a:endParaRPr lang="ko-KR" altLang="en-US"/>
-          </a:p>
-        </p:txBody>
-      </p:sp>
-      <p:sp>
-        <p:nvSpPr>
-          <p:cNvPr id="18" name="TextBox 17"/>
-          <p:cNvSpPr txBox="1"/>
-          <p:nvPr/>
-        </p:nvSpPr>
-        <p:spPr>
-          <a:xfrm>
-            <a:off x="469900" y="260991"/>
-            <a:ext cx="4273753" cy="769441"/>
-          </a:xfrm>
-          <a:prstGeom prst="rect">
-            <a:avLst/>
-          </a:prstGeom>
-          <a:noFill/>
-        </p:spPr>
-        <p:txBody>
-          <a:bodyPr wrap="square" rtlCol="0">
-            <a:spAutoFit/>
-          </a:bodyPr>
-          <a:lstStyle/>
-          <a:p>
-            <a:r>
-              <a:rPr lang="ko-KR" altLang="en-US" sz="4400" dirty="0">
-                <a:solidFill>
-                  <a:schemeClr val="bg1"/>
-                </a:solidFill>
-                <a:latin typeface="여기어때 잘난체" panose="020B0600000101010101" pitchFamily="50" charset="-127"/>
-                <a:ea typeface="여기어때 잘난체" panose="020B0600000101010101" pitchFamily="50" charset="-127"/>
-              </a:rPr>
-              <a:t>목차</a:t>
-            </a:r>
-          </a:p>
-        </p:txBody>
-      </p:sp>
-      <p:sp>
-        <p:nvSpPr>
-          <p:cNvPr id="21" name="TextBox 20"/>
-          <p:cNvSpPr txBox="1"/>
-          <p:nvPr/>
-        </p:nvSpPr>
-        <p:spPr>
-          <a:xfrm>
-            <a:off x="9434046" y="691878"/>
-            <a:ext cx="2313454" cy="338554"/>
-          </a:xfrm>
-          <a:prstGeom prst="rect">
-            <a:avLst/>
-          </a:prstGeom>
-          <a:noFill/>
-        </p:spPr>
-        <p:txBody>
-          <a:bodyPr wrap="none" rtlCol="0">
-            <a:spAutoFit/>
-          </a:bodyPr>
-          <a:lstStyle/>
-          <a:p>
-            <a:pPr algn="r"/>
-            <a:r>
-              <a:rPr lang="ko-KR" altLang="en-US" sz="1600" dirty="0">
-                <a:solidFill>
-                  <a:schemeClr val="bg1"/>
-                </a:solidFill>
-                <a:latin typeface="에스코어 드림 4 Regular" panose="020B0503030302020204" pitchFamily="34" charset="-127"/>
-                <a:ea typeface="에스코어 드림 4 Regular" panose="020B0503030302020204" pitchFamily="34" charset="-127"/>
-              </a:rPr>
-              <a:t>부제 </a:t>
-            </a:r>
-            <a:r>
-              <a:rPr lang="en-US" altLang="ko-KR" sz="1600" dirty="0">
-                <a:solidFill>
-                  <a:schemeClr val="bg1"/>
-                </a:solidFill>
-                <a:latin typeface="에스코어 드림 4 Regular" panose="020B0503030302020204" pitchFamily="34" charset="-127"/>
-                <a:ea typeface="에스코어 드림 4 Regular" panose="020B0503030302020204" pitchFamily="34" charset="-127"/>
-              </a:rPr>
-              <a:t>/ </a:t>
-            </a:r>
-            <a:r>
-              <a:rPr lang="ko-KR" altLang="en-US" sz="1600" dirty="0">
-                <a:solidFill>
-                  <a:schemeClr val="bg1"/>
-                </a:solidFill>
-                <a:latin typeface="에스코어 드림 4 Regular" panose="020B0503030302020204" pitchFamily="34" charset="-127"/>
-                <a:ea typeface="에스코어 드림 4 Regular" panose="020B0503030302020204" pitchFamily="34" charset="-127"/>
-              </a:rPr>
-              <a:t>추가내용은 여기</a:t>
-            </a:r>
-          </a:p>
-        </p:txBody>
-      </p:sp>
-      <p:sp>
-        <p:nvSpPr>
-          <p:cNvPr id="2" name="TextBox 1"/>
-          <p:cNvSpPr txBox="1"/>
-          <p:nvPr/>
-        </p:nvSpPr>
-        <p:spPr>
-          <a:xfrm>
-            <a:off x="832722" y="1513981"/>
-            <a:ext cx="5358063" cy="3924151"/>
-          </a:xfrm>
-          <a:prstGeom prst="rect">
-            <a:avLst/>
-          </a:prstGeom>
-          <a:noFill/>
-        </p:spPr>
-        <p:txBody>
-          <a:bodyPr wrap="square" rtlCol="0">
-            <a:spAutoFit/>
-          </a:bodyPr>
-          <a:lstStyle/>
-          <a:p>
-            <a:pPr marL="342900" indent="-342900">
-              <a:lnSpc>
-                <a:spcPct val="150000"/>
-              </a:lnSpc>
-              <a:buAutoNum type="arabicPeriod"/>
-            </a:pPr>
-            <a:r>
-              <a:rPr lang="ko-KR" altLang="en-US" sz="2400" dirty="0">
-                <a:solidFill>
-                  <a:schemeClr val="bg1"/>
-                </a:solidFill>
-                <a:latin typeface="G마켓 산스 TTF Medium" panose="02000000000000000000" pitchFamily="2" charset="-127"/>
-                <a:ea typeface="G마켓 산스 TTF Medium" panose="02000000000000000000" pitchFamily="2" charset="-127"/>
-              </a:rPr>
-              <a:t>연구 목적</a:t>
-            </a:r>
-            <a:endParaRPr lang="en-US" altLang="ko-KR" sz="2400" dirty="0">
-              <a:solidFill>
-                <a:schemeClr val="bg1"/>
-              </a:solidFill>
-              <a:latin typeface="G마켓 산스 TTF Medium" panose="02000000000000000000" pitchFamily="2" charset="-127"/>
-              <a:ea typeface="G마켓 산스 TTF Medium" panose="02000000000000000000" pitchFamily="2" charset="-127"/>
-            </a:endParaRPr>
-          </a:p>
-          <a:p>
-            <a:pPr marL="342900" indent="-342900">
-              <a:lnSpc>
-                <a:spcPct val="150000"/>
-              </a:lnSpc>
-              <a:buAutoNum type="arabicPeriod"/>
-            </a:pPr>
-            <a:r>
-              <a:rPr lang="ko-KR" altLang="en-US" sz="2400" dirty="0">
-                <a:solidFill>
-                  <a:schemeClr val="bg1"/>
-                </a:solidFill>
-                <a:latin typeface="G마켓 산스 TTF Medium" panose="02000000000000000000" pitchFamily="2" charset="-127"/>
-                <a:ea typeface="G마켓 산스 TTF Medium" panose="02000000000000000000" pitchFamily="2" charset="-127"/>
-              </a:rPr>
-              <a:t>게임 소개</a:t>
-            </a:r>
-            <a:endParaRPr lang="en-US" altLang="ko-KR" sz="2400" dirty="0">
-              <a:solidFill>
-                <a:schemeClr val="bg1"/>
-              </a:solidFill>
-              <a:latin typeface="G마켓 산스 TTF Medium" panose="02000000000000000000" pitchFamily="2" charset="-127"/>
-              <a:ea typeface="G마켓 산스 TTF Medium" panose="02000000000000000000" pitchFamily="2" charset="-127"/>
-            </a:endParaRPr>
-          </a:p>
-          <a:p>
-            <a:pPr marL="342900" indent="-342900">
-              <a:lnSpc>
-                <a:spcPct val="150000"/>
-              </a:lnSpc>
-              <a:buAutoNum type="arabicPeriod"/>
-            </a:pPr>
-            <a:r>
-              <a:rPr lang="ko-KR" altLang="en-US" sz="2400" dirty="0">
-                <a:solidFill>
-                  <a:schemeClr val="bg1"/>
-                </a:solidFill>
-                <a:latin typeface="G마켓 산스 TTF Medium" panose="02000000000000000000" pitchFamily="2" charset="-127"/>
-                <a:ea typeface="G마켓 산스 TTF Medium" panose="02000000000000000000" pitchFamily="2" charset="-127"/>
-              </a:rPr>
-              <a:t>개발환경</a:t>
-            </a:r>
-            <a:endParaRPr lang="en-US" altLang="ko-KR" sz="2400" dirty="0">
-              <a:solidFill>
-                <a:schemeClr val="bg1"/>
-              </a:solidFill>
-              <a:latin typeface="G마켓 산스 TTF Medium" panose="02000000000000000000" pitchFamily="2" charset="-127"/>
-              <a:ea typeface="G마켓 산스 TTF Medium" panose="02000000000000000000" pitchFamily="2" charset="-127"/>
-            </a:endParaRPr>
-          </a:p>
-          <a:p>
-            <a:pPr marL="342900" indent="-342900">
-              <a:lnSpc>
-                <a:spcPct val="150000"/>
-              </a:lnSpc>
-              <a:buFontTx/>
-              <a:buAutoNum type="arabicPeriod"/>
-            </a:pPr>
-            <a:r>
-              <a:rPr lang="ko-KR" altLang="en-US" sz="2400" dirty="0">
-                <a:solidFill>
-                  <a:schemeClr val="bg1"/>
-                </a:solidFill>
-                <a:latin typeface="G마켓 산스 TTF Medium" panose="02000000000000000000" pitchFamily="2" charset="-127"/>
-                <a:ea typeface="G마켓 산스 TTF Medium" panose="02000000000000000000" pitchFamily="2" charset="-127"/>
-              </a:rPr>
-              <a:t>기술적 요소와 중점 연구분야</a:t>
-            </a:r>
-            <a:endParaRPr lang="en-US" altLang="ko-KR" sz="2400" dirty="0">
-              <a:solidFill>
-                <a:schemeClr val="bg1"/>
-              </a:solidFill>
-              <a:latin typeface="G마켓 산스 TTF Medium" panose="02000000000000000000" pitchFamily="2" charset="-127"/>
-              <a:ea typeface="G마켓 산스 TTF Medium" panose="02000000000000000000" pitchFamily="2" charset="-127"/>
-            </a:endParaRPr>
-          </a:p>
-          <a:p>
-            <a:pPr marL="342900" indent="-342900">
-              <a:lnSpc>
-                <a:spcPct val="150000"/>
-              </a:lnSpc>
-              <a:buFontTx/>
-              <a:buAutoNum type="arabicPeriod"/>
-            </a:pPr>
-            <a:r>
-              <a:rPr lang="ko-KR" altLang="en-US" sz="2400" dirty="0">
-                <a:solidFill>
-                  <a:schemeClr val="bg1"/>
-                </a:solidFill>
-                <a:latin typeface="G마켓 산스 TTF Medium" panose="02000000000000000000" pitchFamily="2" charset="-127"/>
-                <a:ea typeface="G마켓 산스 TTF Medium" panose="02000000000000000000" pitchFamily="2" charset="-127"/>
-              </a:rPr>
-              <a:t>타 게임과 비교</a:t>
-            </a:r>
-            <a:endParaRPr lang="en-US" altLang="ko-KR" sz="2400" dirty="0">
-              <a:solidFill>
-                <a:schemeClr val="bg1"/>
-              </a:solidFill>
-              <a:latin typeface="G마켓 산스 TTF Medium" panose="02000000000000000000" pitchFamily="2" charset="-127"/>
-              <a:ea typeface="G마켓 산스 TTF Medium" panose="02000000000000000000" pitchFamily="2" charset="-127"/>
-            </a:endParaRPr>
-          </a:p>
-          <a:p>
-            <a:pPr>
-              <a:lnSpc>
-                <a:spcPct val="150000"/>
-              </a:lnSpc>
-            </a:pPr>
-            <a:r>
-              <a:rPr lang="en-US" altLang="ko-KR" sz="2400" dirty="0">
-                <a:solidFill>
-                  <a:schemeClr val="bg1"/>
-                </a:solidFill>
-                <a:latin typeface="G마켓 산스 TTF Medium" panose="02000000000000000000" pitchFamily="2" charset="-127"/>
-                <a:ea typeface="G마켓 산스 TTF Medium" panose="02000000000000000000" pitchFamily="2" charset="-127"/>
-              </a:rPr>
-              <a:t>5. </a:t>
-            </a:r>
-            <a:r>
-              <a:rPr lang="ko-KR" altLang="en-US" sz="2400" dirty="0">
-                <a:solidFill>
-                  <a:schemeClr val="bg1"/>
-                </a:solidFill>
-                <a:latin typeface="G마켓 산스 TTF Medium" panose="02000000000000000000" pitchFamily="2" charset="-127"/>
-                <a:ea typeface="G마켓 산스 TTF Medium" panose="02000000000000000000" pitchFamily="2" charset="-127"/>
-              </a:rPr>
-              <a:t>참고문헌</a:t>
-            </a:r>
-            <a:endParaRPr lang="en-US" altLang="ko-KR" sz="2400" dirty="0">
-              <a:solidFill>
-                <a:schemeClr val="bg1"/>
-              </a:solidFill>
-              <a:latin typeface="G마켓 산스 TTF Medium" panose="02000000000000000000" pitchFamily="2" charset="-127"/>
-              <a:ea typeface="G마켓 산스 TTF Medium" panose="02000000000000000000" pitchFamily="2" charset="-127"/>
-            </a:endParaRPr>
-          </a:p>
-          <a:p>
-            <a:pPr>
-              <a:lnSpc>
-                <a:spcPct val="150000"/>
-              </a:lnSpc>
-            </a:pPr>
-            <a:r>
-              <a:rPr lang="en-US" altLang="ko-KR" sz="2400" dirty="0">
-                <a:solidFill>
-                  <a:schemeClr val="bg1"/>
-                </a:solidFill>
-                <a:latin typeface="G마켓 산스 TTF Medium" panose="02000000000000000000" pitchFamily="2" charset="-127"/>
-                <a:ea typeface="G마켓 산스 TTF Medium" panose="02000000000000000000" pitchFamily="2" charset="-127"/>
-              </a:rPr>
-              <a:t>6. </a:t>
-            </a:r>
-            <a:r>
-              <a:rPr lang="ko-KR" altLang="en-US" sz="2400">
-                <a:solidFill>
-                  <a:schemeClr val="bg1"/>
-                </a:solidFill>
-                <a:latin typeface="G마켓 산스 TTF Medium" panose="02000000000000000000" pitchFamily="2" charset="-127"/>
-                <a:ea typeface="G마켓 산스 TTF Medium" panose="02000000000000000000" pitchFamily="2" charset="-127"/>
-              </a:rPr>
-              <a:t>개발 일정</a:t>
-            </a:r>
-            <a:endParaRPr lang="ko-KR" altLang="en-US" sz="2400" dirty="0">
-              <a:solidFill>
-                <a:schemeClr val="bg1"/>
-              </a:solidFill>
-              <a:latin typeface="G마켓 산스 TTF Medium" panose="02000000000000000000" pitchFamily="2" charset="-127"/>
-              <a:ea typeface="G마켓 산스 TTF Medium" panose="02000000000000000000" pitchFamily="2" charset="-127"/>
-            </a:endParaRPr>
-          </a:p>
-        </p:txBody>
-      </p:sp>
-    </p:spTree>
-  </p:cSld>
-  <p:clrMapOvr>
-    <a:masterClrMapping/>
-  </p:clrMapOvr>
-</p:sld>
-</file>
-
-<file path=ppt/slides/slide20.xml><?xml version="1.0" encoding="utf-8"?>
+<file path=ppt/slides/slide19.xml><?xml version="1.0" encoding="utf-8"?>
 <p:sld xmlns:a="http://schemas.openxmlformats.org/drawingml/2006/main" xmlns:r="http://schemas.openxmlformats.org/officeDocument/2006/relationships" xmlns:p="http://schemas.openxmlformats.org/presentationml/2006/main">
   <p:cSld>
     <p:bg>
@@ -11155,7 +10571,395 @@
 </p:sld>
 </file>
 
-<file path=ppt/slides/slide21.xml><?xml version="1.0" encoding="utf-8"?>
+<file path=ppt/slides/slide2.xml><?xml version="1.0" encoding="utf-8"?>
+<p:sld xmlns:a="http://schemas.openxmlformats.org/drawingml/2006/main" xmlns:r="http://schemas.openxmlformats.org/officeDocument/2006/relationships" xmlns:p="http://schemas.openxmlformats.org/presentationml/2006/main">
+  <p:cSld>
+    <p:bg>
+      <p:bgPr>
+        <a:solidFill>
+          <a:srgbClr val="8BA9AB"/>
+        </a:solidFill>
+        <a:effectLst/>
+      </p:bgPr>
+    </p:bg>
+    <p:spTree>
+      <p:nvGrpSpPr>
+        <p:cNvPr id="1" name=""/>
+        <p:cNvGrpSpPr/>
+        <p:nvPr/>
+      </p:nvGrpSpPr>
+      <p:grpSpPr>
+        <a:xfrm>
+          <a:off x="0" y="0"/>
+          <a:ext cx="0" cy="0"/>
+          <a:chOff x="0" y="0"/>
+          <a:chExt cx="0" cy="0"/>
+        </a:xfrm>
+      </p:grpSpPr>
+      <p:sp>
+        <p:nvSpPr>
+          <p:cNvPr id="15" name="직사각형 14"/>
+          <p:cNvSpPr/>
+          <p:nvPr/>
+        </p:nvSpPr>
+        <p:spPr>
+          <a:xfrm>
+            <a:off x="469900" y="1123376"/>
+            <a:ext cx="11226800" cy="5339509"/>
+          </a:xfrm>
+          <a:prstGeom prst="rect">
+            <a:avLst/>
+          </a:prstGeom>
+          <a:noFill/>
+          <a:ln w="28575">
+            <a:solidFill>
+              <a:schemeClr val="bg1"/>
+            </a:solidFill>
+          </a:ln>
+        </p:spPr>
+        <p:style>
+          <a:lnRef idx="2">
+            <a:schemeClr val="accent1">
+              <a:shade val="50000"/>
+            </a:schemeClr>
+          </a:lnRef>
+          <a:fillRef idx="1">
+            <a:schemeClr val="accent1"/>
+          </a:fillRef>
+          <a:effectRef idx="0">
+            <a:schemeClr val="accent1"/>
+          </a:effectRef>
+          <a:fontRef idx="minor">
+            <a:schemeClr val="lt1"/>
+          </a:fontRef>
+        </p:style>
+        <p:txBody>
+          <a:bodyPr rtlCol="0" anchor="ctr"/>
+          <a:lstStyle/>
+          <a:p>
+            <a:pPr algn="ctr"/>
+            <a:endParaRPr lang="ko-KR" altLang="en-US"/>
+          </a:p>
+        </p:txBody>
+      </p:sp>
+      <p:sp>
+        <p:nvSpPr>
+          <p:cNvPr id="18" name="TextBox 17"/>
+          <p:cNvSpPr txBox="1"/>
+          <p:nvPr/>
+        </p:nvSpPr>
+        <p:spPr>
+          <a:xfrm>
+            <a:off x="469900" y="260991"/>
+            <a:ext cx="4273753" cy="769441"/>
+          </a:xfrm>
+          <a:prstGeom prst="rect">
+            <a:avLst/>
+          </a:prstGeom>
+          <a:noFill/>
+        </p:spPr>
+        <p:txBody>
+          <a:bodyPr wrap="square" rtlCol="0">
+            <a:spAutoFit/>
+          </a:bodyPr>
+          <a:lstStyle/>
+          <a:p>
+            <a:r>
+              <a:rPr lang="ko-KR" altLang="en-US" sz="4400" dirty="0">
+                <a:solidFill>
+                  <a:schemeClr val="bg1"/>
+                </a:solidFill>
+                <a:latin typeface="여기어때 잘난체" panose="020B0600000101010101" pitchFamily="50" charset="-127"/>
+                <a:ea typeface="여기어때 잘난체" panose="020B0600000101010101" pitchFamily="50" charset="-127"/>
+              </a:rPr>
+              <a:t>목차</a:t>
+            </a:r>
+          </a:p>
+        </p:txBody>
+      </p:sp>
+      <p:sp>
+        <p:nvSpPr>
+          <p:cNvPr id="21" name="TextBox 20"/>
+          <p:cNvSpPr txBox="1"/>
+          <p:nvPr/>
+        </p:nvSpPr>
+        <p:spPr>
+          <a:xfrm>
+            <a:off x="9434046" y="691878"/>
+            <a:ext cx="2313454" cy="338554"/>
+          </a:xfrm>
+          <a:prstGeom prst="rect">
+            <a:avLst/>
+          </a:prstGeom>
+          <a:noFill/>
+        </p:spPr>
+        <p:txBody>
+          <a:bodyPr wrap="none" rtlCol="0">
+            <a:spAutoFit/>
+          </a:bodyPr>
+          <a:lstStyle/>
+          <a:p>
+            <a:pPr algn="r"/>
+            <a:r>
+              <a:rPr lang="ko-KR" altLang="en-US" sz="1600" dirty="0">
+                <a:solidFill>
+                  <a:schemeClr val="bg1"/>
+                </a:solidFill>
+                <a:latin typeface="에스코어 드림 4 Regular" panose="020B0503030302020204" pitchFamily="34" charset="-127"/>
+                <a:ea typeface="에스코어 드림 4 Regular" panose="020B0503030302020204" pitchFamily="34" charset="-127"/>
+              </a:rPr>
+              <a:t>부제 </a:t>
+            </a:r>
+            <a:r>
+              <a:rPr lang="en-US" altLang="ko-KR" sz="1600" dirty="0">
+                <a:solidFill>
+                  <a:schemeClr val="bg1"/>
+                </a:solidFill>
+                <a:latin typeface="에스코어 드림 4 Regular" panose="020B0503030302020204" pitchFamily="34" charset="-127"/>
+                <a:ea typeface="에스코어 드림 4 Regular" panose="020B0503030302020204" pitchFamily="34" charset="-127"/>
+              </a:rPr>
+              <a:t>/ </a:t>
+            </a:r>
+            <a:r>
+              <a:rPr lang="ko-KR" altLang="en-US" sz="1600" dirty="0">
+                <a:solidFill>
+                  <a:schemeClr val="bg1"/>
+                </a:solidFill>
+                <a:latin typeface="에스코어 드림 4 Regular" panose="020B0503030302020204" pitchFamily="34" charset="-127"/>
+                <a:ea typeface="에스코어 드림 4 Regular" panose="020B0503030302020204" pitchFamily="34" charset="-127"/>
+              </a:rPr>
+              <a:t>추가내용은 여기</a:t>
+            </a:r>
+          </a:p>
+        </p:txBody>
+      </p:sp>
+      <p:sp>
+        <p:nvSpPr>
+          <p:cNvPr id="2" name="TextBox 1"/>
+          <p:cNvSpPr txBox="1"/>
+          <p:nvPr/>
+        </p:nvSpPr>
+        <p:spPr>
+          <a:xfrm>
+            <a:off x="832722" y="1513981"/>
+            <a:ext cx="5358063" cy="3924151"/>
+          </a:xfrm>
+          <a:prstGeom prst="rect">
+            <a:avLst/>
+          </a:prstGeom>
+          <a:noFill/>
+        </p:spPr>
+        <p:txBody>
+          <a:bodyPr wrap="square" rtlCol="0">
+            <a:spAutoFit/>
+          </a:bodyPr>
+          <a:lstStyle/>
+          <a:p>
+            <a:pPr marL="342900" indent="-342900">
+              <a:lnSpc>
+                <a:spcPct val="150000"/>
+              </a:lnSpc>
+              <a:buAutoNum type="arabicPeriod"/>
+            </a:pPr>
+            <a:r>
+              <a:rPr lang="ko-KR" altLang="en-US" sz="2400" dirty="0">
+                <a:solidFill>
+                  <a:schemeClr val="bg1"/>
+                </a:solidFill>
+                <a:latin typeface="G마켓 산스 TTF Medium" panose="02000000000000000000" pitchFamily="2" charset="-127"/>
+                <a:ea typeface="G마켓 산스 TTF Medium" panose="02000000000000000000" pitchFamily="2" charset="-127"/>
+              </a:rPr>
+              <a:t>연구 목적</a:t>
+            </a:r>
+            <a:endParaRPr lang="en-US" altLang="ko-KR" sz="2400" dirty="0">
+              <a:solidFill>
+                <a:schemeClr val="bg1"/>
+              </a:solidFill>
+              <a:latin typeface="G마켓 산스 TTF Medium" panose="02000000000000000000" pitchFamily="2" charset="-127"/>
+              <a:ea typeface="G마켓 산스 TTF Medium" panose="02000000000000000000" pitchFamily="2" charset="-127"/>
+            </a:endParaRPr>
+          </a:p>
+          <a:p>
+            <a:pPr marL="342900" indent="-342900">
+              <a:lnSpc>
+                <a:spcPct val="150000"/>
+              </a:lnSpc>
+              <a:buAutoNum type="arabicPeriod"/>
+            </a:pPr>
+            <a:r>
+              <a:rPr lang="ko-KR" altLang="en-US" sz="2400" dirty="0">
+                <a:solidFill>
+                  <a:schemeClr val="bg1"/>
+                </a:solidFill>
+                <a:latin typeface="G마켓 산스 TTF Medium" panose="02000000000000000000" pitchFamily="2" charset="-127"/>
+                <a:ea typeface="G마켓 산스 TTF Medium" panose="02000000000000000000" pitchFamily="2" charset="-127"/>
+              </a:rPr>
+              <a:t>게임 소개</a:t>
+            </a:r>
+            <a:endParaRPr lang="en-US" altLang="ko-KR" sz="2400" dirty="0">
+              <a:solidFill>
+                <a:schemeClr val="bg1"/>
+              </a:solidFill>
+              <a:latin typeface="G마켓 산스 TTF Medium" panose="02000000000000000000" pitchFamily="2" charset="-127"/>
+              <a:ea typeface="G마켓 산스 TTF Medium" panose="02000000000000000000" pitchFamily="2" charset="-127"/>
+            </a:endParaRPr>
+          </a:p>
+          <a:p>
+            <a:pPr marL="342900" indent="-342900">
+              <a:lnSpc>
+                <a:spcPct val="150000"/>
+              </a:lnSpc>
+              <a:buAutoNum type="arabicPeriod"/>
+            </a:pPr>
+            <a:r>
+              <a:rPr lang="ko-KR" altLang="en-US" sz="2400" dirty="0">
+                <a:solidFill>
+                  <a:schemeClr val="bg1"/>
+                </a:solidFill>
+                <a:latin typeface="G마켓 산스 TTF Medium" panose="02000000000000000000" pitchFamily="2" charset="-127"/>
+                <a:ea typeface="G마켓 산스 TTF Medium" panose="02000000000000000000" pitchFamily="2" charset="-127"/>
+              </a:rPr>
+              <a:t>개발환경</a:t>
+            </a:r>
+            <a:endParaRPr lang="en-US" altLang="ko-KR" sz="2400" dirty="0">
+              <a:solidFill>
+                <a:schemeClr val="bg1"/>
+              </a:solidFill>
+              <a:latin typeface="G마켓 산스 TTF Medium" panose="02000000000000000000" pitchFamily="2" charset="-127"/>
+              <a:ea typeface="G마켓 산스 TTF Medium" panose="02000000000000000000" pitchFamily="2" charset="-127"/>
+            </a:endParaRPr>
+          </a:p>
+          <a:p>
+            <a:pPr marL="342900" indent="-342900">
+              <a:lnSpc>
+                <a:spcPct val="150000"/>
+              </a:lnSpc>
+              <a:buFontTx/>
+              <a:buAutoNum type="arabicPeriod"/>
+            </a:pPr>
+            <a:r>
+              <a:rPr lang="ko-KR" altLang="en-US" sz="2400" dirty="0">
+                <a:solidFill>
+                  <a:schemeClr val="bg1"/>
+                </a:solidFill>
+                <a:latin typeface="G마켓 산스 TTF Medium" panose="02000000000000000000" pitchFamily="2" charset="-127"/>
+                <a:ea typeface="G마켓 산스 TTF Medium" panose="02000000000000000000" pitchFamily="2" charset="-127"/>
+              </a:rPr>
+              <a:t>기술적 요소와 중점 연구분야</a:t>
+            </a:r>
+            <a:endParaRPr lang="en-US" altLang="ko-KR" sz="2400" dirty="0">
+              <a:solidFill>
+                <a:schemeClr val="bg1"/>
+              </a:solidFill>
+              <a:latin typeface="G마켓 산스 TTF Medium" panose="02000000000000000000" pitchFamily="2" charset="-127"/>
+              <a:ea typeface="G마켓 산스 TTF Medium" panose="02000000000000000000" pitchFamily="2" charset="-127"/>
+            </a:endParaRPr>
+          </a:p>
+          <a:p>
+            <a:pPr marL="342900" indent="-342900">
+              <a:lnSpc>
+                <a:spcPct val="150000"/>
+              </a:lnSpc>
+              <a:buFontTx/>
+              <a:buAutoNum type="arabicPeriod"/>
+            </a:pPr>
+            <a:r>
+              <a:rPr lang="ko-KR" altLang="en-US" sz="2400" dirty="0">
+                <a:solidFill>
+                  <a:schemeClr val="bg1"/>
+                </a:solidFill>
+                <a:latin typeface="G마켓 산스 TTF Medium" panose="02000000000000000000" pitchFamily="2" charset="-127"/>
+                <a:ea typeface="G마켓 산스 TTF Medium" panose="02000000000000000000" pitchFamily="2" charset="-127"/>
+              </a:rPr>
+              <a:t>타 게임과 비교</a:t>
+            </a:r>
+            <a:endParaRPr lang="en-US" altLang="ko-KR" sz="2400" dirty="0">
+              <a:solidFill>
+                <a:schemeClr val="bg1"/>
+              </a:solidFill>
+              <a:latin typeface="G마켓 산스 TTF Medium" panose="02000000000000000000" pitchFamily="2" charset="-127"/>
+              <a:ea typeface="G마켓 산스 TTF Medium" panose="02000000000000000000" pitchFamily="2" charset="-127"/>
+            </a:endParaRPr>
+          </a:p>
+          <a:p>
+            <a:pPr>
+              <a:lnSpc>
+                <a:spcPct val="150000"/>
+              </a:lnSpc>
+            </a:pPr>
+            <a:r>
+              <a:rPr lang="en-US" altLang="ko-KR" sz="2400" dirty="0">
+                <a:solidFill>
+                  <a:schemeClr val="bg1"/>
+                </a:solidFill>
+                <a:latin typeface="G마켓 산스 TTF Medium" panose="02000000000000000000" pitchFamily="2" charset="-127"/>
+                <a:ea typeface="G마켓 산스 TTF Medium" panose="02000000000000000000" pitchFamily="2" charset="-127"/>
+              </a:rPr>
+              <a:t>5. </a:t>
+            </a:r>
+            <a:r>
+              <a:rPr lang="ko-KR" altLang="en-US" sz="2400" dirty="0">
+                <a:solidFill>
+                  <a:schemeClr val="bg1"/>
+                </a:solidFill>
+                <a:latin typeface="G마켓 산스 TTF Medium" panose="02000000000000000000" pitchFamily="2" charset="-127"/>
+                <a:ea typeface="G마켓 산스 TTF Medium" panose="02000000000000000000" pitchFamily="2" charset="-127"/>
+              </a:rPr>
+              <a:t>참고문헌</a:t>
+            </a:r>
+            <a:endParaRPr lang="en-US" altLang="ko-KR" sz="2400" dirty="0">
+              <a:solidFill>
+                <a:schemeClr val="bg1"/>
+              </a:solidFill>
+              <a:latin typeface="G마켓 산스 TTF Medium" panose="02000000000000000000" pitchFamily="2" charset="-127"/>
+              <a:ea typeface="G마켓 산스 TTF Medium" panose="02000000000000000000" pitchFamily="2" charset="-127"/>
+            </a:endParaRPr>
+          </a:p>
+          <a:p>
+            <a:pPr>
+              <a:lnSpc>
+                <a:spcPct val="150000"/>
+              </a:lnSpc>
+            </a:pPr>
+            <a:r>
+              <a:rPr lang="en-US" altLang="ko-KR" sz="2400" dirty="0">
+                <a:solidFill>
+                  <a:schemeClr val="bg1"/>
+                </a:solidFill>
+                <a:latin typeface="G마켓 산스 TTF Medium" panose="02000000000000000000" pitchFamily="2" charset="-127"/>
+                <a:ea typeface="G마켓 산스 TTF Medium" panose="02000000000000000000" pitchFamily="2" charset="-127"/>
+              </a:rPr>
+              <a:t>6. </a:t>
+            </a:r>
+            <a:r>
+              <a:rPr lang="ko-KR" altLang="en-US" sz="2400">
+                <a:solidFill>
+                  <a:schemeClr val="bg1"/>
+                </a:solidFill>
+                <a:latin typeface="G마켓 산스 TTF Medium" panose="02000000000000000000" pitchFamily="2" charset="-127"/>
+                <a:ea typeface="G마켓 산스 TTF Medium" panose="02000000000000000000" pitchFamily="2" charset="-127"/>
+              </a:rPr>
+              <a:t>개발 일정</a:t>
+            </a:r>
+            <a:endParaRPr lang="ko-KR" altLang="en-US" sz="2400" dirty="0">
+              <a:solidFill>
+                <a:schemeClr val="bg1"/>
+              </a:solidFill>
+              <a:latin typeface="G마켓 산스 TTF Medium" panose="02000000000000000000" pitchFamily="2" charset="-127"/>
+              <a:ea typeface="G마켓 산스 TTF Medium" panose="02000000000000000000" pitchFamily="2" charset="-127"/>
+            </a:endParaRPr>
+          </a:p>
+        </p:txBody>
+      </p:sp>
+    </p:spTree>
+  </p:cSld>
+  <p:clrMapOvr>
+    <a:masterClrMapping/>
+  </p:clrMapOvr>
+</p:sld>
+</file>
+
+<file path=ppt/slides/slide20.xml><?xml version="1.0" encoding="utf-8"?>
 <p:sld xmlns:a="http://schemas.openxmlformats.org/drawingml/2006/main" xmlns:r="http://schemas.openxmlformats.org/officeDocument/2006/relationships" xmlns:p="http://schemas.openxmlformats.org/presentationml/2006/main">
   <p:cSld>
     <p:bg>
@@ -11291,7 +11095,7 @@
 </p:sld>
 </file>
 
-<file path=ppt/slides/slide22.xml><?xml version="1.0" encoding="utf-8"?>
+<file path=ppt/slides/slide21.xml><?xml version="1.0" encoding="utf-8"?>
 <p:sld xmlns:a="http://schemas.openxmlformats.org/drawingml/2006/main" xmlns:r="http://schemas.openxmlformats.org/officeDocument/2006/relationships" xmlns:p="http://schemas.openxmlformats.org/presentationml/2006/main">
   <p:cSld>
     <p:bg>
@@ -11417,7 +11221,7 @@
 </p:sld>
 </file>
 
-<file path=ppt/slides/slide23.xml><?xml version="1.0" encoding="utf-8"?>
+<file path=ppt/slides/slide22.xml><?xml version="1.0" encoding="utf-8"?>
 <p:sld xmlns:a="http://schemas.openxmlformats.org/drawingml/2006/main" xmlns:r="http://schemas.openxmlformats.org/officeDocument/2006/relationships" xmlns:p="http://schemas.openxmlformats.org/presentationml/2006/main">
   <p:cSld>
     <p:bg>
@@ -14042,27 +13846,7 @@
                 <a:latin typeface="여기어때 잘난체" panose="020B0600000101010101" pitchFamily="50" charset="-127"/>
                 <a:ea typeface="여기어때 잘난체" panose="020B0600000101010101" pitchFamily="50" charset="-127"/>
               </a:rPr>
-              <a:t> </a:t>
-            </a:r>
-            <a:r>
-              <a:rPr lang="ko-KR" altLang="en-US" sz="2400" dirty="0" err="1">
-                <a:solidFill>
-                  <a:schemeClr val="bg1"/>
-                </a:solidFill>
-                <a:latin typeface="여기어때 잘난체" panose="020B0600000101010101" pitchFamily="50" charset="-127"/>
-                <a:ea typeface="여기어때 잘난체" panose="020B0600000101010101" pitchFamily="50" charset="-127"/>
-              </a:rPr>
-              <a:t>잡몹전</a:t>
-            </a:r>
-            <a:r>
-              <a:rPr lang="ko-KR" altLang="en-US" sz="2400" dirty="0">
-                <a:solidFill>
-                  <a:schemeClr val="bg1"/>
-                </a:solidFill>
-                <a:latin typeface="여기어때 잘난체" panose="020B0600000101010101" pitchFamily="50" charset="-127"/>
-                <a:ea typeface="여기어때 잘난체" panose="020B0600000101010101" pitchFamily="50" charset="-127"/>
-              </a:rPr>
-              <a:t>  </a:t>
+              <a:t>   </a:t>
             </a:r>
           </a:p>
         </p:txBody>
@@ -14153,14 +13937,128 @@
         </p:blipFill>
         <p:spPr>
           <a:xfrm>
-            <a:off x="990600" y="1201270"/>
-            <a:ext cx="5173532" cy="5173532"/>
+            <a:off x="802472" y="1685652"/>
+            <a:ext cx="4718834" cy="4718834"/>
           </a:xfrm>
           <a:prstGeom prst="rect">
             <a:avLst/>
           </a:prstGeom>
         </p:spPr>
       </p:pic>
+      <p:pic>
+        <p:nvPicPr>
+          <p:cNvPr id="3" name="그림 2" descr="텍스트, 점수판이(가) 표시된 사진&#10;&#10;자동 생성된 설명">
+            <a:extLst>
+              <a:ext uri="{FF2B5EF4-FFF2-40B4-BE49-F238E27FC236}">
+                <a16:creationId xmlns:a16="http://schemas.microsoft.com/office/drawing/2014/main" id="{96EB2A59-1DB7-4246-9765-E80FEAFAF01B}"/>
+              </a:ext>
+            </a:extLst>
+          </p:cNvPr>
+          <p:cNvPicPr>
+            <a:picLocks noChangeAspect="1"/>
+          </p:cNvPicPr>
+          <p:nvPr/>
+        </p:nvPicPr>
+        <p:blipFill>
+          <a:blip r:embed="rId3">
+            <a:extLst>
+              <a:ext uri="{28A0092B-C50C-407E-A947-70E740481C1C}">
+                <a14:useLocalDpi xmlns:a14="http://schemas.microsoft.com/office/drawing/2010/main" val="0"/>
+              </a:ext>
+            </a:extLst>
+          </a:blip>
+          <a:stretch>
+            <a:fillRect/>
+          </a:stretch>
+        </p:blipFill>
+        <p:spPr>
+          <a:xfrm>
+            <a:off x="6508246" y="1685652"/>
+            <a:ext cx="4374907" cy="4735285"/>
+          </a:xfrm>
+          <a:prstGeom prst="rect">
+            <a:avLst/>
+          </a:prstGeom>
+        </p:spPr>
+      </p:pic>
+      <p:sp>
+        <p:nvSpPr>
+          <p:cNvPr id="4" name="TextBox 3">
+            <a:extLst>
+              <a:ext uri="{FF2B5EF4-FFF2-40B4-BE49-F238E27FC236}">
+                <a16:creationId xmlns:a16="http://schemas.microsoft.com/office/drawing/2014/main" id="{80B11331-7128-3E98-E1D0-4B50F2BF288E}"/>
+              </a:ext>
+            </a:extLst>
+          </p:cNvPr>
+          <p:cNvSpPr txBox="1"/>
+          <p:nvPr/>
+        </p:nvSpPr>
+        <p:spPr>
+          <a:xfrm>
+            <a:off x="802472" y="1186327"/>
+            <a:ext cx="2057269" cy="369332"/>
+          </a:xfrm>
+          <a:prstGeom prst="rect">
+            <a:avLst/>
+          </a:prstGeom>
+          <a:noFill/>
+        </p:spPr>
+        <p:txBody>
+          <a:bodyPr wrap="square" rtlCol="0">
+            <a:spAutoFit/>
+          </a:bodyPr>
+          <a:lstStyle/>
+          <a:p>
+            <a:r>
+              <a:rPr lang="ko-KR" altLang="en-US" dirty="0" err="1"/>
+              <a:t>잡몹과의</a:t>
+            </a:r>
+            <a:r>
+              <a:rPr lang="ko-KR" altLang="en-US" dirty="0"/>
+              <a:t> 전투</a:t>
+            </a:r>
+          </a:p>
+        </p:txBody>
+      </p:sp>
+      <p:sp>
+        <p:nvSpPr>
+          <p:cNvPr id="5" name="TextBox 4">
+            <a:extLst>
+              <a:ext uri="{FF2B5EF4-FFF2-40B4-BE49-F238E27FC236}">
+                <a16:creationId xmlns:a16="http://schemas.microsoft.com/office/drawing/2014/main" id="{7CCA09D7-41AB-181E-6FC9-AF4CE6158C42}"/>
+              </a:ext>
+            </a:extLst>
+          </p:cNvPr>
+          <p:cNvSpPr txBox="1"/>
+          <p:nvPr/>
+        </p:nvSpPr>
+        <p:spPr>
+          <a:xfrm>
+            <a:off x="6508246" y="1186327"/>
+            <a:ext cx="2057269" cy="369332"/>
+          </a:xfrm>
+          <a:prstGeom prst="rect">
+            <a:avLst/>
+          </a:prstGeom>
+          <a:noFill/>
+        </p:spPr>
+        <p:txBody>
+          <a:bodyPr wrap="square" rtlCol="0">
+            <a:spAutoFit/>
+          </a:bodyPr>
+          <a:lstStyle/>
+          <a:p>
+            <a:r>
+              <a:rPr lang="ko-KR" altLang="en-US" dirty="0" err="1"/>
+              <a:t>보스몹과의</a:t>
+            </a:r>
+            <a:r>
+              <a:rPr lang="ko-KR" altLang="en-US" dirty="0"/>
+              <a:t> 전투</a:t>
+            </a:r>
+          </a:p>
+        </p:txBody>
+      </p:sp>
     </p:spTree>
     <p:extLst>
       <p:ext uri="{BB962C8B-B14F-4D97-AF65-F5344CB8AC3E}">

--- a/Game_Design/2019184003 김 선아 장르 제안서.pptx
+++ b/Game_Design/2019184003 김 선아 장르 제안서.pptx
@@ -263,7 +263,7 @@
           <a:p>
             <a:fld id="{E2CF5178-EA5D-4D99-A2BC-F1725EA1756D}" type="datetimeFigureOut">
               <a:rPr lang="ko-KR" altLang="en-US" smtClean="0"/>
-              <a:t>2022-09-23</a:t>
+              <a:t>2022-09-24</a:t>
             </a:fld>
             <a:endParaRPr lang="ko-KR" altLang="en-US"/>
           </a:p>
@@ -428,7 +428,7 @@
           <a:p>
             <a:fld id="{E2CF5178-EA5D-4D99-A2BC-F1725EA1756D}" type="datetimeFigureOut">
               <a:rPr lang="ko-KR" altLang="en-US" smtClean="0"/>
-              <a:t>2022-09-23</a:t>
+              <a:t>2022-09-24</a:t>
             </a:fld>
             <a:endParaRPr lang="ko-KR" altLang="en-US"/>
           </a:p>
@@ -603,7 +603,7 @@
           <a:p>
             <a:fld id="{E2CF5178-EA5D-4D99-A2BC-F1725EA1756D}" type="datetimeFigureOut">
               <a:rPr lang="ko-KR" altLang="en-US" smtClean="0"/>
-              <a:t>2022-09-23</a:t>
+              <a:t>2022-09-24</a:t>
             </a:fld>
             <a:endParaRPr lang="ko-KR" altLang="en-US"/>
           </a:p>
@@ -768,7 +768,7 @@
           <a:p>
             <a:fld id="{E2CF5178-EA5D-4D99-A2BC-F1725EA1756D}" type="datetimeFigureOut">
               <a:rPr lang="ko-KR" altLang="en-US" smtClean="0"/>
-              <a:t>2022-09-23</a:t>
+              <a:t>2022-09-24</a:t>
             </a:fld>
             <a:endParaRPr lang="ko-KR" altLang="en-US"/>
           </a:p>
@@ -1009,7 +1009,7 @@
           <a:p>
             <a:fld id="{E2CF5178-EA5D-4D99-A2BC-F1725EA1756D}" type="datetimeFigureOut">
               <a:rPr lang="ko-KR" altLang="en-US" smtClean="0"/>
-              <a:t>2022-09-23</a:t>
+              <a:t>2022-09-24</a:t>
             </a:fld>
             <a:endParaRPr lang="ko-KR" altLang="en-US"/>
           </a:p>
@@ -1236,7 +1236,7 @@
           <a:p>
             <a:fld id="{E2CF5178-EA5D-4D99-A2BC-F1725EA1756D}" type="datetimeFigureOut">
               <a:rPr lang="ko-KR" altLang="en-US" smtClean="0"/>
-              <a:t>2022-09-23</a:t>
+              <a:t>2022-09-24</a:t>
             </a:fld>
             <a:endParaRPr lang="ko-KR" altLang="en-US"/>
           </a:p>
@@ -1598,7 +1598,7 @@
           <a:p>
             <a:fld id="{E2CF5178-EA5D-4D99-A2BC-F1725EA1756D}" type="datetimeFigureOut">
               <a:rPr lang="ko-KR" altLang="en-US" smtClean="0"/>
-              <a:t>2022-09-23</a:t>
+              <a:t>2022-09-24</a:t>
             </a:fld>
             <a:endParaRPr lang="ko-KR" altLang="en-US"/>
           </a:p>
@@ -1711,7 +1711,7 @@
           <a:p>
             <a:fld id="{E2CF5178-EA5D-4D99-A2BC-F1725EA1756D}" type="datetimeFigureOut">
               <a:rPr lang="ko-KR" altLang="en-US" smtClean="0"/>
-              <a:t>2022-09-23</a:t>
+              <a:t>2022-09-24</a:t>
             </a:fld>
             <a:endParaRPr lang="ko-KR" altLang="en-US"/>
           </a:p>
@@ -1801,7 +1801,7 @@
           <a:p>
             <a:fld id="{E2CF5178-EA5D-4D99-A2BC-F1725EA1756D}" type="datetimeFigureOut">
               <a:rPr lang="ko-KR" altLang="en-US" smtClean="0"/>
-              <a:t>2022-09-23</a:t>
+              <a:t>2022-09-24</a:t>
             </a:fld>
             <a:endParaRPr lang="ko-KR" altLang="en-US"/>
           </a:p>
@@ -2073,7 +2073,7 @@
           <a:p>
             <a:fld id="{E2CF5178-EA5D-4D99-A2BC-F1725EA1756D}" type="datetimeFigureOut">
               <a:rPr lang="ko-KR" altLang="en-US" smtClean="0"/>
-              <a:t>2022-09-23</a:t>
+              <a:t>2022-09-24</a:t>
             </a:fld>
             <a:endParaRPr lang="ko-KR" altLang="en-US"/>
           </a:p>
@@ -2325,7 +2325,7 @@
           <a:p>
             <a:fld id="{E2CF5178-EA5D-4D99-A2BC-F1725EA1756D}" type="datetimeFigureOut">
               <a:rPr lang="ko-KR" altLang="en-US" smtClean="0"/>
-              <a:t>2022-09-23</a:t>
+              <a:t>2022-09-24</a:t>
             </a:fld>
             <a:endParaRPr lang="ko-KR" altLang="en-US"/>
           </a:p>
@@ -2533,7 +2533,7 @@
           <a:p>
             <a:fld id="{E2CF5178-EA5D-4D99-A2BC-F1725EA1756D}" type="datetimeFigureOut">
               <a:rPr lang="ko-KR" altLang="en-US" smtClean="0"/>
-              <a:t>2022-09-23</a:t>
+              <a:t>2022-09-24</a:t>
             </a:fld>
             <a:endParaRPr lang="ko-KR" altLang="en-US"/>
           </a:p>
@@ -15923,10 +15923,10 @@
       </p:sp>
       <p:pic>
         <p:nvPicPr>
-          <p:cNvPr id="2" name="그림 1" descr="텍스트, 점수판이(가) 표시된 사진&#10;&#10;자동 생성된 설명">
+          <p:cNvPr id="7" name="그림 6" descr="텍스트, 점수판이(가) 표시된 사진&#10;&#10;자동 생성된 설명">
             <a:extLst>
               <a:ext uri="{FF2B5EF4-FFF2-40B4-BE49-F238E27FC236}">
-                <a16:creationId xmlns:a16="http://schemas.microsoft.com/office/drawing/2014/main" id="{1223895A-9282-ED4B-F57D-D7BF2FE7DB57}"/>
+                <a16:creationId xmlns:a16="http://schemas.microsoft.com/office/drawing/2014/main" id="{BA59F07F-05EB-E07A-514C-C052843D3250}"/>
               </a:ext>
             </a:extLst>
           </p:cNvPr>
@@ -15949,8 +15949,8 @@
         </p:blipFill>
         <p:spPr>
           <a:xfrm>
-            <a:off x="584947" y="1335442"/>
-            <a:ext cx="4777740" cy="4777740"/>
+            <a:off x="825276" y="1497923"/>
+            <a:ext cx="4701988" cy="4701988"/>
           </a:xfrm>
           <a:prstGeom prst="rect">
             <a:avLst/>
@@ -15959,10 +15959,10 @@
       </p:pic>
       <p:graphicFrame>
         <p:nvGraphicFramePr>
-          <p:cNvPr id="3" name="표 7">
+          <p:cNvPr id="9" name="표 9">
             <a:extLst>
               <a:ext uri="{FF2B5EF4-FFF2-40B4-BE49-F238E27FC236}">
-                <a16:creationId xmlns:a16="http://schemas.microsoft.com/office/drawing/2014/main" id="{06F55D5E-1C0B-30BD-D1FA-B0F31F9D41E9}"/>
+                <a16:creationId xmlns:a16="http://schemas.microsoft.com/office/drawing/2014/main" id="{F44C8933-DA42-734A-2F13-AD96BF4480D5}"/>
               </a:ext>
             </a:extLst>
           </p:cNvPr>
@@ -15972,14 +15972,14 @@
           <p:nvPr>
             <p:extLst>
               <p:ext uri="{D42A27DB-BD31-4B8C-83A1-F6EECF244321}">
-                <p14:modId xmlns:p14="http://schemas.microsoft.com/office/powerpoint/2010/main" val="1435570821"/>
+                <p14:modId xmlns:p14="http://schemas.microsoft.com/office/powerpoint/2010/main" val="241826348"/>
               </p:ext>
             </p:extLst>
           </p:nvPr>
         </p:nvGraphicFramePr>
         <p:xfrm>
-          <a:off x="5699760" y="1875255"/>
-          <a:ext cx="5907293" cy="3474720"/>
+          <a:off x="5882640" y="998390"/>
+          <a:ext cx="5694835" cy="5472289"/>
         </p:xfrm>
         <a:graphic>
           <a:graphicData uri="http://schemas.openxmlformats.org/drawingml/2006/table">
@@ -15988,53 +15988,43 @@
                 <a:tableStyleId>{5940675A-B579-460E-94D1-54222C63F5DA}</a:tableStyleId>
               </a:tblPr>
               <a:tblGrid>
-                <a:gridCol w="340328">
+                <a:gridCol w="279290">
                   <a:extLst>
                     <a:ext uri="{9D8B030D-6E8A-4147-A177-3AD203B41FA5}">
-                      <a16:colId xmlns:a16="http://schemas.microsoft.com/office/drawing/2014/main" val="2634767336"/>
+                      <a16:colId xmlns:a16="http://schemas.microsoft.com/office/drawing/2014/main" val="2072520874"/>
                     </a:ext>
                   </a:extLst>
                 </a:gridCol>
-                <a:gridCol w="1041432">
+                <a:gridCol w="770097">
                   <a:extLst>
                     <a:ext uri="{9D8B030D-6E8A-4147-A177-3AD203B41FA5}">
-                      <a16:colId xmlns:a16="http://schemas.microsoft.com/office/drawing/2014/main" val="399855705"/>
+                      <a16:colId xmlns:a16="http://schemas.microsoft.com/office/drawing/2014/main" val="1116006431"/>
                     </a:ext>
                   </a:extLst>
                 </a:gridCol>
-                <a:gridCol w="4525533">
+                <a:gridCol w="4645448">
                   <a:extLst>
                     <a:ext uri="{9D8B030D-6E8A-4147-A177-3AD203B41FA5}">
-                      <a16:colId xmlns:a16="http://schemas.microsoft.com/office/drawing/2014/main" val="3867481530"/>
+                      <a16:colId xmlns:a16="http://schemas.microsoft.com/office/drawing/2014/main" val="2017002332"/>
                     </a:ext>
                   </a:extLst>
                 </a:gridCol>
               </a:tblGrid>
-              <a:tr h="370840">
+              <a:tr h="786326">
                 <a:tc>
                   <a:txBody>
                     <a:bodyPr/>
                     <a:lstStyle/>
                     <a:p>
-                      <a:pPr algn="l" latinLnBrk="1">
-                        <a:lnSpc>
-                          <a:spcPct val="100000"/>
-                        </a:lnSpc>
-                      </a:pPr>
+                      <a:pPr latinLnBrk="1"/>
                       <a:r>
-                        <a:rPr lang="en-US" altLang="ko-KR" sz="1600" dirty="0">
-                          <a:latin typeface="G마켓 산스 TTF Light" panose="02000000000000000000" pitchFamily="2" charset="-127"/>
-                          <a:ea typeface="G마켓 산스 TTF Light" panose="02000000000000000000" pitchFamily="2" charset="-127"/>
-                        </a:rPr>
+                        <a:rPr lang="en-US" altLang="ko-KR" dirty="0"/>
                         <a:t>1</a:t>
                       </a:r>
-                      <a:endParaRPr lang="ko-KR" altLang="en-US" sz="1600" dirty="0">
-                        <a:latin typeface="G마켓 산스 TTF Light" panose="02000000000000000000" pitchFamily="2" charset="-127"/>
-                        <a:ea typeface="G마켓 산스 TTF Light" panose="02000000000000000000" pitchFamily="2" charset="-127"/>
-                      </a:endParaRPr>
+                      <a:endParaRPr lang="ko-KR" altLang="en-US" dirty="0"/>
                     </a:p>
                   </a:txBody>
-                  <a:tcPr anchor="ctr"/>
+                  <a:tcPr/>
                 </a:tc>
                 <a:tc>
                   <a:txBody>
@@ -16063,75 +16053,22 @@
                           <a:latin typeface="G마켓 산스 TTF Light" panose="02000000000000000000" pitchFamily="2" charset="-127"/>
                           <a:ea typeface="G마켓 산스 TTF Light" panose="02000000000000000000" pitchFamily="2" charset="-127"/>
                         </a:rPr>
-                        <a:t>초록 문 </a:t>
+                        <a:t>초록 문</a:t>
+                      </a:r>
+                      <a:r>
+                        <a:rPr lang="ko-KR" altLang="en-US" sz="1800" dirty="0">
+                          <a:latin typeface="G마켓 산스 TTF Light" panose="02000000000000000000" pitchFamily="2" charset="-127"/>
+                          <a:ea typeface="G마켓 산스 TTF Light" panose="02000000000000000000" pitchFamily="2" charset="-127"/>
+                        </a:rPr>
+                        <a:t> </a:t>
                       </a:r>
                     </a:p>
                     <a:p>
-                      <a:pPr algn="l" latinLnBrk="1">
-                        <a:lnSpc>
-                          <a:spcPct val="100000"/>
-                        </a:lnSpc>
-                      </a:pPr>
-                      <a:endParaRPr lang="ko-KR" altLang="en-US" sz="1600" dirty="0">
-                        <a:latin typeface="G마켓 산스 TTF Light" panose="02000000000000000000" pitchFamily="2" charset="-127"/>
-                        <a:ea typeface="G마켓 산스 TTF Light" panose="02000000000000000000" pitchFamily="2" charset="-127"/>
-                      </a:endParaRPr>
+                      <a:pPr latinLnBrk="1"/>
+                      <a:endParaRPr lang="ko-KR" altLang="en-US" dirty="0"/>
                     </a:p>
                   </a:txBody>
-                  <a:tcPr anchor="ctr"/>
-                </a:tc>
-                <a:tc>
-                  <a:txBody>
-                    <a:bodyPr/>
-                    <a:lstStyle/>
-                    <a:p>
-                      <a:pPr algn="l" latinLnBrk="1">
-                        <a:lnSpc>
-                          <a:spcPct val="100000"/>
-                        </a:lnSpc>
-                      </a:pPr>
-                      <a:r>
-                        <a:rPr lang="ko-KR" altLang="en-US" sz="1400" dirty="0">
-                          <a:latin typeface="G마켓 산스 TTF Light" panose="02000000000000000000" pitchFamily="2" charset="-127"/>
-                          <a:ea typeface="G마켓 산스 TTF Light" panose="02000000000000000000" pitchFamily="2" charset="-127"/>
-                        </a:rPr>
-                        <a:t>플레이어들이 함께 다음 스테이지로 갈 수 있는 통로</a:t>
-                      </a:r>
-                    </a:p>
-                  </a:txBody>
-                  <a:tcPr anchor="ctr"/>
-                </a:tc>
-                <a:extLst>
-                  <a:ext uri="{0D108BD9-81ED-4DB2-BD59-A6C34878D82A}">
-                    <a16:rowId xmlns:a16="http://schemas.microsoft.com/office/drawing/2014/main" val="2585650385"/>
-                  </a:ext>
-                </a:extLst>
-              </a:tr>
-              <a:tr h="370840">
-                <a:tc>
-                  <a:txBody>
-                    <a:bodyPr/>
-                    <a:lstStyle/>
-                    <a:p>
-                      <a:pPr algn="l" latinLnBrk="1">
-                        <a:lnSpc>
-                          <a:spcPct val="100000"/>
-                        </a:lnSpc>
-                      </a:pPr>
-                      <a:r>
-                        <a:rPr lang="en-US" altLang="ko-KR" sz="1600" dirty="0">
-                          <a:latin typeface="G마켓 산스 TTF Light" panose="02000000000000000000" pitchFamily="2" charset="-127"/>
-                          <a:ea typeface="G마켓 산스 TTF Light" panose="02000000000000000000" pitchFamily="2" charset="-127"/>
-                        </a:rPr>
-                        <a:t>2</a:t>
-                      </a:r>
-                      <a:endParaRPr lang="ko-KR" altLang="en-US" sz="1600" dirty="0">
-                        <a:latin typeface="G마켓 산스 TTF Light" panose="02000000000000000000" pitchFamily="2" charset="-127"/>
-                        <a:ea typeface="G마켓 산스 TTF Light" panose="02000000000000000000" pitchFamily="2" charset="-127"/>
-                      </a:endParaRPr>
-                    </a:p>
-                  </a:txBody>
-                  <a:tcPr anchor="ctr"/>
+                  <a:tcPr/>
                 </a:tc>
                 <a:tc>
                   <a:txBody>
@@ -16156,7 +16093,62 @@
                         <a:defRPr/>
                       </a:pPr>
                       <a:r>
-                        <a:rPr lang="ko-KR" altLang="en-US" sz="1600" dirty="0">
+                        <a:rPr lang="ko-KR" altLang="en-US" sz="1400" dirty="0">
+                          <a:latin typeface="G마켓 산스 TTF Light" panose="02000000000000000000" pitchFamily="2" charset="-127"/>
+                          <a:ea typeface="G마켓 산스 TTF Light" panose="02000000000000000000" pitchFamily="2" charset="-127"/>
+                        </a:rPr>
+                        <a:t>플레이어들이 함께 다음 스테이지로 갈 수 있는 통로</a:t>
+                      </a:r>
+                    </a:p>
+                  </a:txBody>
+                  <a:tcPr/>
+                </a:tc>
+                <a:extLst>
+                  <a:ext uri="{0D108BD9-81ED-4DB2-BD59-A6C34878D82A}">
+                    <a16:rowId xmlns:a16="http://schemas.microsoft.com/office/drawing/2014/main" val="1055830213"/>
+                  </a:ext>
+                </a:extLst>
+              </a:tr>
+              <a:tr h="764728">
+                <a:tc>
+                  <a:txBody>
+                    <a:bodyPr/>
+                    <a:lstStyle/>
+                    <a:p>
+                      <a:pPr latinLnBrk="1"/>
+                      <a:r>
+                        <a:rPr lang="en-US" altLang="ko-KR" dirty="0"/>
+                        <a:t>2</a:t>
+                      </a:r>
+                      <a:endParaRPr lang="ko-KR" altLang="en-US" dirty="0"/>
+                    </a:p>
+                  </a:txBody>
+                  <a:tcPr/>
+                </a:tc>
+                <a:tc>
+                  <a:txBody>
+                    <a:bodyPr/>
+                    <a:lstStyle/>
+                    <a:p>
+                      <a:pPr marL="0" marR="0" lvl="0" indent="0" algn="l" defTabSz="914400" rtl="0" eaLnBrk="1" fontAlgn="auto" latinLnBrk="1" hangingPunct="1">
+                        <a:lnSpc>
+                          <a:spcPct val="100000"/>
+                        </a:lnSpc>
+                        <a:spcBef>
+                          <a:spcPts val="0"/>
+                        </a:spcBef>
+                        <a:spcAft>
+                          <a:spcPts val="0"/>
+                        </a:spcAft>
+                        <a:buClrTx/>
+                        <a:buSzTx/>
+                        <a:buFontTx/>
+                        <a:buNone/>
+                        <a:tabLst/>
+                        <a:defRPr/>
+                      </a:pPr>
+                      <a:r>
+                        <a:rPr lang="ko-KR" altLang="en-US" sz="1400" dirty="0">
                           <a:latin typeface="G마켓 산스 TTF Light" panose="02000000000000000000" pitchFamily="2" charset="-127"/>
                           <a:ea typeface="G마켓 산스 TTF Light" panose="02000000000000000000" pitchFamily="2" charset="-127"/>
                         </a:rPr>
@@ -16164,18 +16156,11 @@
                       </a:r>
                     </a:p>
                     <a:p>
-                      <a:pPr algn="l" latinLnBrk="1">
-                        <a:lnSpc>
-                          <a:spcPct val="100000"/>
-                        </a:lnSpc>
-                      </a:pPr>
-                      <a:endParaRPr lang="ko-KR" altLang="en-US" sz="1600" dirty="0">
-                        <a:latin typeface="G마켓 산스 TTF Light" panose="02000000000000000000" pitchFamily="2" charset="-127"/>
-                        <a:ea typeface="G마켓 산스 TTF Light" panose="02000000000000000000" pitchFamily="2" charset="-127"/>
-                      </a:endParaRPr>
+                      <a:pPr latinLnBrk="1"/>
+                      <a:endParaRPr lang="ko-KR" altLang="en-US" sz="1400" dirty="0"/>
                     </a:p>
                   </a:txBody>
-                  <a:tcPr anchor="ctr"/>
+                  <a:tcPr/>
                 </a:tc>
                 <a:tc>
                   <a:txBody>
@@ -16207,40 +16192,34 @@
                         <a:t>플레이어들이 함께 다음 스테이지로 갈 수 있는 또 다른 통로</a:t>
                       </a:r>
                     </a:p>
+                    <a:p>
+                      <a:pPr latinLnBrk="1"/>
+                      <a:endParaRPr lang="ko-KR" altLang="en-US" sz="1400" dirty="0"/>
+                    </a:p>
                   </a:txBody>
-                  <a:tcPr anchor="ctr"/>
+                  <a:tcPr/>
                 </a:tc>
                 <a:extLst>
                   <a:ext uri="{0D108BD9-81ED-4DB2-BD59-A6C34878D82A}">
-                    <a16:rowId xmlns:a16="http://schemas.microsoft.com/office/drawing/2014/main" val="56142908"/>
+                    <a16:rowId xmlns:a16="http://schemas.microsoft.com/office/drawing/2014/main" val="1778442797"/>
                   </a:ext>
                 </a:extLst>
               </a:tr>
-              <a:tr h="370840">
+              <a:tr h="764728">
                 <a:tc>
                   <a:txBody>
                     <a:bodyPr/>
                     <a:lstStyle/>
                     <a:p>
-                      <a:pPr algn="l" latinLnBrk="1">
-                        <a:lnSpc>
-                          <a:spcPct val="100000"/>
-                        </a:lnSpc>
-                      </a:pPr>
+                      <a:pPr latinLnBrk="1"/>
                       <a:r>
-                        <a:rPr lang="en-US" altLang="ko-KR" sz="1600" dirty="0">
-                          <a:latin typeface="G마켓 산스 TTF Light" panose="02000000000000000000" pitchFamily="2" charset="-127"/>
-                          <a:ea typeface="G마켓 산스 TTF Light" panose="02000000000000000000" pitchFamily="2" charset="-127"/>
-                        </a:rPr>
+                        <a:rPr lang="en-US" altLang="ko-KR" dirty="0"/>
                         <a:t>3</a:t>
                       </a:r>
-                      <a:endParaRPr lang="ko-KR" altLang="en-US" sz="1600" dirty="0">
-                        <a:latin typeface="G마켓 산스 TTF Light" panose="02000000000000000000" pitchFamily="2" charset="-127"/>
-                        <a:ea typeface="G마켓 산스 TTF Light" panose="02000000000000000000" pitchFamily="2" charset="-127"/>
-                      </a:endParaRPr>
+                      <a:endParaRPr lang="ko-KR" altLang="en-US" dirty="0"/>
                     </a:p>
                   </a:txBody>
-                  <a:tcPr anchor="ctr"/>
+                  <a:tcPr/>
                 </a:tc>
                 <a:tc>
                   <a:txBody>
@@ -16265,7 +16244,7 @@
                         <a:defRPr/>
                       </a:pPr>
                       <a:r>
-                        <a:rPr lang="ko-KR" altLang="en-US" sz="1600" dirty="0">
+                        <a:rPr lang="ko-KR" altLang="en-US" sz="1400" dirty="0">
                           <a:latin typeface="G마켓 산스 TTF Light" panose="02000000000000000000" pitchFamily="2" charset="-127"/>
                           <a:ea typeface="G마켓 산스 TTF Light" panose="02000000000000000000" pitchFamily="2" charset="-127"/>
                         </a:rPr>
@@ -16273,71 +16252,11 @@
                       </a:r>
                     </a:p>
                     <a:p>
-                      <a:pPr algn="l" latinLnBrk="1">
-                        <a:lnSpc>
-                          <a:spcPct val="100000"/>
-                        </a:lnSpc>
-                      </a:pPr>
-                      <a:endParaRPr lang="ko-KR" altLang="en-US" sz="1600" dirty="0">
-                        <a:latin typeface="G마켓 산스 TTF Light" panose="02000000000000000000" pitchFamily="2" charset="-127"/>
-                        <a:ea typeface="G마켓 산스 TTF Light" panose="02000000000000000000" pitchFamily="2" charset="-127"/>
-                      </a:endParaRPr>
+                      <a:pPr latinLnBrk="1"/>
+                      <a:endParaRPr lang="ko-KR" altLang="en-US" sz="1400" dirty="0"/>
                     </a:p>
                   </a:txBody>
-                  <a:tcPr anchor="ctr"/>
-                </a:tc>
-                <a:tc>
-                  <a:txBody>
-                    <a:bodyPr/>
-                    <a:lstStyle/>
-                    <a:p>
-                      <a:pPr algn="l" latinLnBrk="1">
-                        <a:lnSpc>
-                          <a:spcPct val="100000"/>
-                        </a:lnSpc>
-                      </a:pPr>
-                      <a:r>
-                        <a:rPr lang="ko-KR" altLang="en-US" sz="1400" dirty="0">
-                          <a:latin typeface="G마켓 산스 TTF Light" panose="02000000000000000000" pitchFamily="2" charset="-127"/>
-                          <a:ea typeface="G마켓 산스 TTF Light" panose="02000000000000000000" pitchFamily="2" charset="-127"/>
-                        </a:rPr>
-                        <a:t>다음 스테이지에서 나타날 몬스터에 대항할 무기</a:t>
-                      </a:r>
-                    </a:p>
-                  </a:txBody>
-                  <a:tcPr anchor="ctr"/>
-                </a:tc>
-                <a:extLst>
-                  <a:ext uri="{0D108BD9-81ED-4DB2-BD59-A6C34878D82A}">
-                    <a16:rowId xmlns:a16="http://schemas.microsoft.com/office/drawing/2014/main" val="196152046"/>
-                  </a:ext>
-                </a:extLst>
-              </a:tr>
-              <a:tr h="370840">
-                <a:tc>
-                  <a:txBody>
-                    <a:bodyPr/>
-                    <a:lstStyle/>
-                    <a:p>
-                      <a:pPr algn="l" latinLnBrk="1">
-                        <a:lnSpc>
-                          <a:spcPct val="100000"/>
-                        </a:lnSpc>
-                      </a:pPr>
-                      <a:r>
-                        <a:rPr lang="en-US" altLang="ko-KR" sz="1600" dirty="0">
-                          <a:latin typeface="G마켓 산스 TTF Light" panose="02000000000000000000" pitchFamily="2" charset="-127"/>
-                          <a:ea typeface="G마켓 산스 TTF Light" panose="02000000000000000000" pitchFamily="2" charset="-127"/>
-                        </a:rPr>
-                        <a:t>4</a:t>
-                      </a:r>
-                      <a:endParaRPr lang="ko-KR" altLang="en-US" sz="1600" dirty="0">
-                        <a:latin typeface="G마켓 산스 TTF Light" panose="02000000000000000000" pitchFamily="2" charset="-127"/>
-                        <a:ea typeface="G마켓 산스 TTF Light" panose="02000000000000000000" pitchFamily="2" charset="-127"/>
-                      </a:endParaRPr>
-                    </a:p>
-                  </a:txBody>
-                  <a:tcPr anchor="ctr"/>
+                  <a:tcPr/>
                 </a:tc>
                 <a:tc>
                   <a:txBody>
@@ -16362,7 +16281,66 @@
                         <a:defRPr/>
                       </a:pPr>
                       <a:r>
-                        <a:rPr lang="ko-KR" altLang="en-US" sz="1600" dirty="0">
+                        <a:rPr lang="ko-KR" altLang="en-US" sz="1400" dirty="0">
+                          <a:latin typeface="G마켓 산스 TTF Light" panose="02000000000000000000" pitchFamily="2" charset="-127"/>
+                          <a:ea typeface="G마켓 산스 TTF Light" panose="02000000000000000000" pitchFamily="2" charset="-127"/>
+                        </a:rPr>
+                        <a:t>다음 스테이지에서 나타날 몬스터에 대항할 무기</a:t>
+                      </a:r>
+                    </a:p>
+                    <a:p>
+                      <a:pPr latinLnBrk="1"/>
+                      <a:endParaRPr lang="ko-KR" altLang="en-US" sz="1400" dirty="0"/>
+                    </a:p>
+                  </a:txBody>
+                  <a:tcPr/>
+                </a:tc>
+                <a:extLst>
+                  <a:ext uri="{0D108BD9-81ED-4DB2-BD59-A6C34878D82A}">
+                    <a16:rowId xmlns:a16="http://schemas.microsoft.com/office/drawing/2014/main" val="1325406062"/>
+                  </a:ext>
+                </a:extLst>
+              </a:tr>
+              <a:tr h="994147">
+                <a:tc>
+                  <a:txBody>
+                    <a:bodyPr/>
+                    <a:lstStyle/>
+                    <a:p>
+                      <a:pPr latinLnBrk="1"/>
+                      <a:r>
+                        <a:rPr lang="en-US" altLang="ko-KR" dirty="0"/>
+                        <a:t>4</a:t>
+                      </a:r>
+                      <a:endParaRPr lang="ko-KR" altLang="en-US" dirty="0"/>
+                    </a:p>
+                  </a:txBody>
+                  <a:tcPr/>
+                </a:tc>
+                <a:tc>
+                  <a:txBody>
+                    <a:bodyPr/>
+                    <a:lstStyle/>
+                    <a:p>
+                      <a:pPr marL="0" marR="0" lvl="0" indent="0" algn="l" defTabSz="914400" rtl="0" eaLnBrk="1" fontAlgn="auto" latinLnBrk="1" hangingPunct="1">
+                        <a:lnSpc>
+                          <a:spcPct val="100000"/>
+                        </a:lnSpc>
+                        <a:spcBef>
+                          <a:spcPts val="0"/>
+                        </a:spcBef>
+                        <a:spcAft>
+                          <a:spcPts val="0"/>
+                        </a:spcAft>
+                        <a:buClrTx/>
+                        <a:buSzTx/>
+                        <a:buFontTx/>
+                        <a:buNone/>
+                        <a:tabLst/>
+                        <a:defRPr/>
+                      </a:pPr>
+                      <a:r>
+                        <a:rPr lang="ko-KR" altLang="en-US" sz="1400" dirty="0">
                           <a:latin typeface="G마켓 산스 TTF Light" panose="02000000000000000000" pitchFamily="2" charset="-127"/>
                           <a:ea typeface="G마켓 산스 TTF Light" panose="02000000000000000000" pitchFamily="2" charset="-127"/>
                         </a:rPr>
@@ -16370,18 +16348,11 @@
                       </a:r>
                     </a:p>
                     <a:p>
-                      <a:pPr algn="l" latinLnBrk="1">
-                        <a:lnSpc>
-                          <a:spcPct val="100000"/>
-                        </a:lnSpc>
-                      </a:pPr>
-                      <a:endParaRPr lang="ko-KR" altLang="en-US" sz="1600" dirty="0">
-                        <a:latin typeface="G마켓 산스 TTF Light" panose="02000000000000000000" pitchFamily="2" charset="-127"/>
-                        <a:ea typeface="G마켓 산스 TTF Light" panose="02000000000000000000" pitchFamily="2" charset="-127"/>
-                      </a:endParaRPr>
+                      <a:pPr latinLnBrk="1"/>
+                      <a:endParaRPr lang="ko-KR" altLang="en-US" sz="1400" dirty="0"/>
                     </a:p>
                   </a:txBody>
-                  <a:tcPr anchor="ctr"/>
+                  <a:tcPr/>
                 </a:tc>
                 <a:tc>
                   <a:txBody>
@@ -16447,40 +16418,34 @@
                         <a:ea typeface="G마켓 산스 TTF Light" panose="02000000000000000000" pitchFamily="2" charset="-127"/>
                       </a:endParaRPr>
                     </a:p>
+                    <a:p>
+                      <a:pPr latinLnBrk="1"/>
+                      <a:endParaRPr lang="ko-KR" altLang="en-US" sz="1400" dirty="0"/>
+                    </a:p>
                   </a:txBody>
-                  <a:tcPr anchor="ctr"/>
+                  <a:tcPr/>
                 </a:tc>
                 <a:extLst>
                   <a:ext uri="{0D108BD9-81ED-4DB2-BD59-A6C34878D82A}">
-                    <a16:rowId xmlns:a16="http://schemas.microsoft.com/office/drawing/2014/main" val="2940765215"/>
+                    <a16:rowId xmlns:a16="http://schemas.microsoft.com/office/drawing/2014/main" val="1021200686"/>
                   </a:ext>
                 </a:extLst>
               </a:tr>
-              <a:tr h="370840">
+              <a:tr h="764728">
                 <a:tc>
                   <a:txBody>
                     <a:bodyPr/>
                     <a:lstStyle/>
                     <a:p>
-                      <a:pPr algn="l" latinLnBrk="1">
-                        <a:lnSpc>
-                          <a:spcPct val="100000"/>
-                        </a:lnSpc>
-                      </a:pPr>
+                      <a:pPr latinLnBrk="1"/>
                       <a:r>
-                        <a:rPr lang="en-US" altLang="ko-KR" sz="1600" dirty="0">
-                          <a:latin typeface="G마켓 산스 TTF Light" panose="02000000000000000000" pitchFamily="2" charset="-127"/>
-                          <a:ea typeface="G마켓 산스 TTF Light" panose="02000000000000000000" pitchFamily="2" charset="-127"/>
-                        </a:rPr>
+                        <a:rPr lang="en-US" altLang="ko-KR" dirty="0"/>
                         <a:t>5</a:t>
                       </a:r>
-                      <a:endParaRPr lang="ko-KR" altLang="en-US" sz="1600" dirty="0">
-                        <a:latin typeface="G마켓 산스 TTF Light" panose="02000000000000000000" pitchFamily="2" charset="-127"/>
-                        <a:ea typeface="G마켓 산스 TTF Light" panose="02000000000000000000" pitchFamily="2" charset="-127"/>
-                      </a:endParaRPr>
+                      <a:endParaRPr lang="ko-KR" altLang="en-US" dirty="0"/>
                     </a:p>
                   </a:txBody>
-                  <a:tcPr anchor="ctr"/>
+                  <a:tcPr/>
                 </a:tc>
                 <a:tc>
                   <a:txBody>
@@ -16505,7 +16470,7 @@
                         <a:defRPr/>
                       </a:pPr>
                       <a:r>
-                        <a:rPr lang="ko-KR" altLang="en-US" sz="1600" dirty="0">
+                        <a:rPr lang="ko-KR" altLang="en-US" sz="1400" dirty="0">
                           <a:latin typeface="G마켓 산스 TTF Light" panose="02000000000000000000" pitchFamily="2" charset="-127"/>
                           <a:ea typeface="G마켓 산스 TTF Light" panose="02000000000000000000" pitchFamily="2" charset="-127"/>
                         </a:rPr>
@@ -16513,71 +16478,11 @@
                       </a:r>
                     </a:p>
                     <a:p>
-                      <a:pPr algn="l" latinLnBrk="1">
-                        <a:lnSpc>
-                          <a:spcPct val="100000"/>
-                        </a:lnSpc>
-                      </a:pPr>
-                      <a:endParaRPr lang="ko-KR" altLang="en-US" sz="1600" dirty="0">
-                        <a:latin typeface="G마켓 산스 TTF Light" panose="02000000000000000000" pitchFamily="2" charset="-127"/>
-                        <a:ea typeface="G마켓 산스 TTF Light" panose="02000000000000000000" pitchFamily="2" charset="-127"/>
-                      </a:endParaRPr>
+                      <a:pPr latinLnBrk="1"/>
+                      <a:endParaRPr lang="ko-KR" altLang="en-US" sz="1400" dirty="0"/>
                     </a:p>
                   </a:txBody>
-                  <a:tcPr anchor="ctr"/>
-                </a:tc>
-                <a:tc>
-                  <a:txBody>
-                    <a:bodyPr/>
-                    <a:lstStyle/>
-                    <a:p>
-                      <a:pPr algn="l" latinLnBrk="1">
-                        <a:lnSpc>
-                          <a:spcPct val="100000"/>
-                        </a:lnSpc>
-                      </a:pPr>
-                      <a:r>
-                        <a:rPr lang="ko-KR" altLang="en-US" sz="1400" dirty="0">
-                          <a:latin typeface="G마켓 산스 TTF Light" panose="02000000000000000000" pitchFamily="2" charset="-127"/>
-                          <a:ea typeface="G마켓 산스 TTF Light" panose="02000000000000000000" pitchFamily="2" charset="-127"/>
-                        </a:rPr>
-                        <a:t>초록 문을 열 수 있는 열쇠</a:t>
-                      </a:r>
-                    </a:p>
-                  </a:txBody>
-                  <a:tcPr anchor="ctr"/>
-                </a:tc>
-                <a:extLst>
-                  <a:ext uri="{0D108BD9-81ED-4DB2-BD59-A6C34878D82A}">
-                    <a16:rowId xmlns:a16="http://schemas.microsoft.com/office/drawing/2014/main" val="99578929"/>
-                  </a:ext>
-                </a:extLst>
-              </a:tr>
-              <a:tr h="370840">
-                <a:tc>
-                  <a:txBody>
-                    <a:bodyPr/>
-                    <a:lstStyle/>
-                    <a:p>
-                      <a:pPr algn="l" latinLnBrk="1">
-                        <a:lnSpc>
-                          <a:spcPct val="100000"/>
-                        </a:lnSpc>
-                      </a:pPr>
-                      <a:r>
-                        <a:rPr lang="en-US" altLang="ko-KR" sz="1600" dirty="0">
-                          <a:latin typeface="G마켓 산스 TTF Light" panose="02000000000000000000" pitchFamily="2" charset="-127"/>
-                          <a:ea typeface="G마켓 산스 TTF Light" panose="02000000000000000000" pitchFamily="2" charset="-127"/>
-                        </a:rPr>
-                        <a:t>6</a:t>
-                      </a:r>
-                      <a:endParaRPr lang="ko-KR" altLang="en-US" sz="1600" dirty="0">
-                        <a:latin typeface="G마켓 산스 TTF Light" panose="02000000000000000000" pitchFamily="2" charset="-127"/>
-                        <a:ea typeface="G마켓 산스 TTF Light" panose="02000000000000000000" pitchFamily="2" charset="-127"/>
-                      </a:endParaRPr>
-                    </a:p>
-                  </a:txBody>
-                  <a:tcPr anchor="ctr"/>
+                  <a:tcPr/>
                 </a:tc>
                 <a:tc>
                   <a:txBody>
@@ -16602,7 +16507,66 @@
                         <a:defRPr/>
                       </a:pPr>
                       <a:r>
-                        <a:rPr lang="ko-KR" altLang="en-US" sz="1600" dirty="0">
+                        <a:rPr lang="ko-KR" altLang="en-US" sz="1400" dirty="0">
+                          <a:latin typeface="G마켓 산스 TTF Light" panose="02000000000000000000" pitchFamily="2" charset="-127"/>
+                          <a:ea typeface="G마켓 산스 TTF Light" panose="02000000000000000000" pitchFamily="2" charset="-127"/>
+                        </a:rPr>
+                        <a:t>초록 문을 열 수 있는 열쇠</a:t>
+                      </a:r>
+                    </a:p>
+                    <a:p>
+                      <a:pPr latinLnBrk="1"/>
+                      <a:endParaRPr lang="ko-KR" altLang="en-US" sz="1400" dirty="0"/>
+                    </a:p>
+                  </a:txBody>
+                  <a:tcPr/>
+                </a:tc>
+                <a:extLst>
+                  <a:ext uri="{0D108BD9-81ED-4DB2-BD59-A6C34878D82A}">
+                    <a16:rowId xmlns:a16="http://schemas.microsoft.com/office/drawing/2014/main" val="2630117174"/>
+                  </a:ext>
+                </a:extLst>
+              </a:tr>
+              <a:tr h="764728">
+                <a:tc>
+                  <a:txBody>
+                    <a:bodyPr/>
+                    <a:lstStyle/>
+                    <a:p>
+                      <a:pPr latinLnBrk="1"/>
+                      <a:r>
+                        <a:rPr lang="en-US" altLang="ko-KR" dirty="0"/>
+                        <a:t>6</a:t>
+                      </a:r>
+                      <a:endParaRPr lang="ko-KR" altLang="en-US" dirty="0"/>
+                    </a:p>
+                  </a:txBody>
+                  <a:tcPr/>
+                </a:tc>
+                <a:tc>
+                  <a:txBody>
+                    <a:bodyPr/>
+                    <a:lstStyle/>
+                    <a:p>
+                      <a:pPr marL="0" marR="0" lvl="0" indent="0" algn="l" defTabSz="914400" rtl="0" eaLnBrk="1" fontAlgn="auto" latinLnBrk="1" hangingPunct="1">
+                        <a:lnSpc>
+                          <a:spcPct val="100000"/>
+                        </a:lnSpc>
+                        <a:spcBef>
+                          <a:spcPts val="0"/>
+                        </a:spcBef>
+                        <a:spcAft>
+                          <a:spcPts val="0"/>
+                        </a:spcAft>
+                        <a:buClrTx/>
+                        <a:buSzTx/>
+                        <a:buFontTx/>
+                        <a:buNone/>
+                        <a:tabLst/>
+                        <a:defRPr/>
+                      </a:pPr>
+                      <a:r>
+                        <a:rPr lang="ko-KR" altLang="en-US" sz="1400" dirty="0">
                           <a:latin typeface="G마켓 산스 TTF Light" panose="02000000000000000000" pitchFamily="2" charset="-127"/>
                           <a:ea typeface="G마켓 산스 TTF Light" panose="02000000000000000000" pitchFamily="2" charset="-127"/>
                         </a:rPr>
@@ -16610,28 +16574,33 @@
                       </a:r>
                     </a:p>
                     <a:p>
-                      <a:pPr algn="l" latinLnBrk="1">
-                        <a:lnSpc>
-                          <a:spcPct val="100000"/>
-                        </a:lnSpc>
-                      </a:pPr>
-                      <a:endParaRPr lang="ko-KR" altLang="en-US" sz="1600" dirty="0">
-                        <a:latin typeface="G마켓 산스 TTF Light" panose="02000000000000000000" pitchFamily="2" charset="-127"/>
-                        <a:ea typeface="G마켓 산스 TTF Light" panose="02000000000000000000" pitchFamily="2" charset="-127"/>
-                      </a:endParaRPr>
+                      <a:pPr latinLnBrk="1"/>
+                      <a:endParaRPr lang="ko-KR" altLang="en-US" sz="1400" dirty="0"/>
                     </a:p>
                   </a:txBody>
-                  <a:tcPr anchor="ctr"/>
+                  <a:tcPr/>
                 </a:tc>
                 <a:tc>
                   <a:txBody>
                     <a:bodyPr/>
                     <a:lstStyle/>
                     <a:p>
-                      <a:pPr algn="l" latinLnBrk="1">
+                      <a:pPr marL="0" marR="0" lvl="0" indent="0" algn="l" defTabSz="914400" rtl="0" eaLnBrk="1" fontAlgn="auto" latinLnBrk="1" hangingPunct="1">
                         <a:lnSpc>
                           <a:spcPct val="100000"/>
                         </a:lnSpc>
+                        <a:spcBef>
+                          <a:spcPts val="0"/>
+                        </a:spcBef>
+                        <a:spcAft>
+                          <a:spcPts val="0"/>
+                        </a:spcAft>
+                        <a:buClrTx/>
+                        <a:buSzTx/>
+                        <a:buFontTx/>
+                        <a:buNone/>
+                        <a:tabLst/>
+                        <a:defRPr/>
                       </a:pPr>
                       <a:r>
                         <a:rPr lang="ko-KR" altLang="en-US" sz="1400" dirty="0">
@@ -16642,11 +16611,66 @@
                       </a:r>
                     </a:p>
                   </a:txBody>
-                  <a:tcPr anchor="ctr"/>
+                  <a:tcPr/>
                 </a:tc>
                 <a:extLst>
                   <a:ext uri="{0D108BD9-81ED-4DB2-BD59-A6C34878D82A}">
-                    <a16:rowId xmlns:a16="http://schemas.microsoft.com/office/drawing/2014/main" val="1918937522"/>
+                    <a16:rowId xmlns:a16="http://schemas.microsoft.com/office/drawing/2014/main" val="3457412102"/>
+                  </a:ext>
+                </a:extLst>
+              </a:tr>
+              <a:tr h="535310">
+                <a:tc>
+                  <a:txBody>
+                    <a:bodyPr/>
+                    <a:lstStyle/>
+                    <a:p>
+                      <a:pPr latinLnBrk="1"/>
+                      <a:r>
+                        <a:rPr lang="en-US" altLang="ko-KR" dirty="0"/>
+                        <a:t>7</a:t>
+                      </a:r>
+                      <a:endParaRPr lang="ko-KR" altLang="en-US" dirty="0"/>
+                    </a:p>
+                  </a:txBody>
+                  <a:tcPr/>
+                </a:tc>
+                <a:tc>
+                  <a:txBody>
+                    <a:bodyPr/>
+                    <a:lstStyle/>
+                    <a:p>
+                      <a:pPr latinLnBrk="1"/>
+                      <a:r>
+                        <a:rPr lang="ko-KR" altLang="en-US" sz="1400" dirty="0">
+                          <a:latin typeface="G마켓 산스 TTF Light" panose="02000000000000000000" pitchFamily="2" charset="-127"/>
+                          <a:ea typeface="G마켓 산스 TTF Light" panose="02000000000000000000" pitchFamily="2" charset="-127"/>
+                        </a:rPr>
+                        <a:t>플레이어</a:t>
+                      </a:r>
+                      <a:endParaRPr lang="ko-KR" altLang="en-US" sz="1400" dirty="0"/>
+                    </a:p>
+                  </a:txBody>
+                  <a:tcPr/>
+                </a:tc>
+                <a:tc>
+                  <a:txBody>
+                    <a:bodyPr/>
+                    <a:lstStyle/>
+                    <a:p>
+                      <a:pPr latinLnBrk="1"/>
+                      <a:r>
+                        <a:rPr lang="en-US" altLang="ko-KR" dirty="0"/>
+                        <a:t>.</a:t>
+                      </a:r>
+                      <a:endParaRPr lang="ko-KR" altLang="en-US" dirty="0"/>
+                    </a:p>
+                  </a:txBody>
+                  <a:tcPr/>
+                </a:tc>
+                <a:extLst>
+                  <a:ext uri="{0D108BD9-81ED-4DB2-BD59-A6C34878D82A}">
+                    <a16:rowId xmlns:a16="http://schemas.microsoft.com/office/drawing/2014/main" val="3162391560"/>
                   </a:ext>
                 </a:extLst>
               </a:tr>
@@ -16654,92 +16678,6 @@
           </a:graphicData>
         </a:graphic>
       </p:graphicFrame>
-      <p:pic>
-        <p:nvPicPr>
-          <p:cNvPr id="5" name="그림 4">
-            <a:extLst>
-              <a:ext uri="{FF2B5EF4-FFF2-40B4-BE49-F238E27FC236}">
-                <a16:creationId xmlns:a16="http://schemas.microsoft.com/office/drawing/2014/main" id="{C5665A3A-4BDC-4AC6-3656-0F5364E6A423}"/>
-              </a:ext>
-            </a:extLst>
-          </p:cNvPr>
-          <p:cNvPicPr>
-            <a:picLocks noChangeAspect="1"/>
-          </p:cNvPicPr>
-          <p:nvPr/>
-        </p:nvPicPr>
-        <p:blipFill rotWithShape="1">
-          <a:blip r:embed="rId3">
-            <a:extLst>
-              <a:ext uri="{BEBA8EAE-BF5A-486C-A8C5-ECC9F3942E4B}">
-                <a14:imgProps xmlns:a14="http://schemas.microsoft.com/office/drawing/2010/main">
-                  <a14:imgLayer r:embed="rId4">
-                    <a14:imgEffect>
-                      <a14:backgroundRemoval t="47538" b="65181" l="31924" r="41856"/>
-                    </a14:imgEffect>
-                  </a14:imgLayer>
-                </a14:imgProps>
-              </a:ext>
-            </a:extLst>
-          </a:blip>
-          <a:srcRect l="30682" t="45333" r="56902" b="32614"/>
-          <a:stretch/>
-        </p:blipFill>
-        <p:spPr>
-          <a:xfrm>
-            <a:off x="5569134" y="5573487"/>
-            <a:ext cx="627011" cy="626424"/>
-          </a:xfrm>
-          <a:prstGeom prst="rect">
-            <a:avLst/>
-          </a:prstGeom>
-        </p:spPr>
-      </p:pic>
-      <p:sp>
-        <p:nvSpPr>
-          <p:cNvPr id="6" name="TextBox 5">
-            <a:extLst>
-              <a:ext uri="{FF2B5EF4-FFF2-40B4-BE49-F238E27FC236}">
-                <a16:creationId xmlns:a16="http://schemas.microsoft.com/office/drawing/2014/main" id="{20562031-D59E-9E91-D6B4-EF50F3B8D963}"/>
-              </a:ext>
-            </a:extLst>
-          </p:cNvPr>
-          <p:cNvSpPr txBox="1"/>
-          <p:nvPr/>
-        </p:nvSpPr>
-        <p:spPr>
-          <a:xfrm>
-            <a:off x="6196145" y="5717422"/>
-            <a:ext cx="1077539" cy="338554"/>
-          </a:xfrm>
-          <a:prstGeom prst="rect">
-            <a:avLst/>
-          </a:prstGeom>
-          <a:noFill/>
-        </p:spPr>
-        <p:txBody>
-          <a:bodyPr wrap="none" rtlCol="0">
-            <a:spAutoFit/>
-          </a:bodyPr>
-          <a:lstStyle/>
-          <a:p>
-            <a:r>
-              <a:rPr lang="en-US" altLang="ko-KR" sz="1600" dirty="0">
-                <a:latin typeface="G마켓 산스 TTF Light" panose="02000000000000000000" pitchFamily="2" charset="-127"/>
-                <a:ea typeface="G마켓 산스 TTF Light" panose="02000000000000000000" pitchFamily="2" charset="-127"/>
-              </a:rPr>
-              <a:t>: </a:t>
-            </a:r>
-            <a:r>
-              <a:rPr lang="ko-KR" altLang="en-US" sz="1600" dirty="0">
-                <a:latin typeface="G마켓 산스 TTF Light" panose="02000000000000000000" pitchFamily="2" charset="-127"/>
-                <a:ea typeface="G마켓 산스 TTF Light" panose="02000000000000000000" pitchFamily="2" charset="-127"/>
-              </a:rPr>
-              <a:t>플레이어</a:t>
-            </a:r>
-          </a:p>
-        </p:txBody>
-      </p:sp>
     </p:spTree>
   </p:cSld>
   <p:clrMapOvr>
@@ -16954,12 +16892,112 @@
           </a:p>
         </p:txBody>
       </p:sp>
+      <p:sp>
+        <p:nvSpPr>
+          <p:cNvPr id="3" name="TextBox 2">
+            <a:extLst>
+              <a:ext uri="{FF2B5EF4-FFF2-40B4-BE49-F238E27FC236}">
+                <a16:creationId xmlns:a16="http://schemas.microsoft.com/office/drawing/2014/main" id="{A299D9E0-4B28-433E-53EC-C5422418BF4A}"/>
+              </a:ext>
+            </a:extLst>
+          </p:cNvPr>
+          <p:cNvSpPr txBox="1"/>
+          <p:nvPr/>
+        </p:nvSpPr>
+        <p:spPr>
+          <a:xfrm flipH="1">
+            <a:off x="741680" y="929592"/>
+            <a:ext cx="1280160" cy="600164"/>
+          </a:xfrm>
+          <a:prstGeom prst="rect">
+            <a:avLst/>
+          </a:prstGeom>
+          <a:noFill/>
+          <a:ln>
+            <a:noFill/>
+          </a:ln>
+        </p:spPr>
+        <p:txBody>
+          <a:bodyPr wrap="square" rtlCol="0">
+            <a:spAutoFit/>
+          </a:bodyPr>
+          <a:lstStyle/>
+          <a:p>
+            <a:pPr algn="ctr">
+              <a:lnSpc>
+                <a:spcPct val="150000"/>
+              </a:lnSpc>
+            </a:pPr>
+            <a:r>
+              <a:rPr lang="ko-KR" altLang="en-US" sz="2400" dirty="0" err="1">
+                <a:latin typeface="G마켓 산스 TTF Medium" panose="02000000000000000000" pitchFamily="2" charset="-127"/>
+                <a:ea typeface="G마켓 산스 TTF Medium" panose="02000000000000000000" pitchFamily="2" charset="-127"/>
+              </a:rPr>
+              <a:t>잡몬전</a:t>
+            </a:r>
+            <a:endParaRPr lang="en-US" altLang="ko-KR" sz="2400" dirty="0">
+              <a:latin typeface="G마켓 산스 TTF Medium" panose="02000000000000000000" pitchFamily="2" charset="-127"/>
+              <a:ea typeface="G마켓 산스 TTF Medium" panose="02000000000000000000" pitchFamily="2" charset="-127"/>
+            </a:endParaRPr>
+          </a:p>
+        </p:txBody>
+      </p:sp>
+      <p:sp>
+        <p:nvSpPr>
+          <p:cNvPr id="4" name="TextBox 3">
+            <a:extLst>
+              <a:ext uri="{FF2B5EF4-FFF2-40B4-BE49-F238E27FC236}">
+                <a16:creationId xmlns:a16="http://schemas.microsoft.com/office/drawing/2014/main" id="{06CCE082-24EE-5BE6-5D3C-58121341487B}"/>
+              </a:ext>
+            </a:extLst>
+          </p:cNvPr>
+          <p:cNvSpPr txBox="1"/>
+          <p:nvPr/>
+        </p:nvSpPr>
+        <p:spPr>
+          <a:xfrm flipH="1">
+            <a:off x="6295390" y="929592"/>
+            <a:ext cx="1280160" cy="600164"/>
+          </a:xfrm>
+          <a:prstGeom prst="rect">
+            <a:avLst/>
+          </a:prstGeom>
+          <a:noFill/>
+          <a:ln>
+            <a:noFill/>
+          </a:ln>
+        </p:spPr>
+        <p:txBody>
+          <a:bodyPr wrap="square" rtlCol="0">
+            <a:spAutoFit/>
+          </a:bodyPr>
+          <a:lstStyle/>
+          <a:p>
+            <a:pPr algn="ctr">
+              <a:lnSpc>
+                <a:spcPct val="150000"/>
+              </a:lnSpc>
+            </a:pPr>
+            <a:r>
+              <a:rPr lang="ko-KR" altLang="en-US" sz="2400" dirty="0" err="1">
+                <a:latin typeface="G마켓 산스 TTF Medium" panose="02000000000000000000" pitchFamily="2" charset="-127"/>
+                <a:ea typeface="G마켓 산스 TTF Medium" panose="02000000000000000000" pitchFamily="2" charset="-127"/>
+              </a:rPr>
+              <a:t>보스전</a:t>
+            </a:r>
+            <a:endParaRPr lang="en-US" altLang="ko-KR" sz="2400" dirty="0">
+              <a:latin typeface="G마켓 산스 TTF Medium" panose="02000000000000000000" pitchFamily="2" charset="-127"/>
+              <a:ea typeface="G마켓 산스 TTF Medium" panose="02000000000000000000" pitchFamily="2" charset="-127"/>
+            </a:endParaRPr>
+          </a:p>
+        </p:txBody>
+      </p:sp>
       <p:pic>
         <p:nvPicPr>
-          <p:cNvPr id="9" name="그림 8">
+          <p:cNvPr id="6" name="그림 5">
             <a:extLst>
               <a:ext uri="{FF2B5EF4-FFF2-40B4-BE49-F238E27FC236}">
-                <a16:creationId xmlns:a16="http://schemas.microsoft.com/office/drawing/2014/main" id="{37168EE8-6D94-C7A0-15CD-6333F22194A5}"/>
+                <a16:creationId xmlns:a16="http://schemas.microsoft.com/office/drawing/2014/main" id="{C6DA37E8-BCCD-C36F-54EB-D828A34D4451}"/>
               </a:ext>
             </a:extLst>
           </p:cNvPr>
@@ -16982,8 +17020,8 @@
         </p:blipFill>
         <p:spPr>
           <a:xfrm>
-            <a:off x="970279" y="1609966"/>
-            <a:ext cx="4561903" cy="4561903"/>
+            <a:off x="936812" y="1596519"/>
+            <a:ext cx="4585447" cy="4585447"/>
           </a:xfrm>
           <a:prstGeom prst="rect">
             <a:avLst/>
@@ -16992,10 +17030,10 @@
       </p:pic>
       <p:pic>
         <p:nvPicPr>
-          <p:cNvPr id="2" name="그림 1" descr="텍스트, 점수판이(가) 표시된 사진&#10;&#10;자동 생성된 설명">
+          <p:cNvPr id="10" name="그림 9" descr="텍스트, 점수판, 구급 상자이(가) 표시된 사진&#10;&#10;자동 생성된 설명">
             <a:extLst>
               <a:ext uri="{FF2B5EF4-FFF2-40B4-BE49-F238E27FC236}">
-                <a16:creationId xmlns:a16="http://schemas.microsoft.com/office/drawing/2014/main" id="{23772E01-C434-64D1-7868-A2CAD74F0922}"/>
+                <a16:creationId xmlns:a16="http://schemas.microsoft.com/office/drawing/2014/main" id="{2574396A-1B4D-475B-30B3-86DFC2DB41E2}"/>
               </a:ext>
             </a:extLst>
           </p:cNvPr>
@@ -17018,114 +17056,14 @@
         </p:blipFill>
         <p:spPr>
           <a:xfrm>
-            <a:off x="6398284" y="1609966"/>
-            <a:ext cx="4289547" cy="4642894"/>
+            <a:off x="6521823" y="1703360"/>
+            <a:ext cx="4666130" cy="4666130"/>
           </a:xfrm>
           <a:prstGeom prst="rect">
             <a:avLst/>
           </a:prstGeom>
         </p:spPr>
       </p:pic>
-      <p:sp>
-        <p:nvSpPr>
-          <p:cNvPr id="3" name="TextBox 2">
-            <a:extLst>
-              <a:ext uri="{FF2B5EF4-FFF2-40B4-BE49-F238E27FC236}">
-                <a16:creationId xmlns:a16="http://schemas.microsoft.com/office/drawing/2014/main" id="{A299D9E0-4B28-433E-53EC-C5422418BF4A}"/>
-              </a:ext>
-            </a:extLst>
-          </p:cNvPr>
-          <p:cNvSpPr txBox="1"/>
-          <p:nvPr/>
-        </p:nvSpPr>
-        <p:spPr>
-          <a:xfrm flipH="1">
-            <a:off x="741680" y="929592"/>
-            <a:ext cx="1280160" cy="600164"/>
-          </a:xfrm>
-          <a:prstGeom prst="rect">
-            <a:avLst/>
-          </a:prstGeom>
-          <a:noFill/>
-          <a:ln>
-            <a:noFill/>
-          </a:ln>
-        </p:spPr>
-        <p:txBody>
-          <a:bodyPr wrap="square" rtlCol="0">
-            <a:spAutoFit/>
-          </a:bodyPr>
-          <a:lstStyle/>
-          <a:p>
-            <a:pPr algn="ctr">
-              <a:lnSpc>
-                <a:spcPct val="150000"/>
-              </a:lnSpc>
-            </a:pPr>
-            <a:r>
-              <a:rPr lang="ko-KR" altLang="en-US" sz="2400" dirty="0" err="1">
-                <a:latin typeface="G마켓 산스 TTF Medium" panose="02000000000000000000" pitchFamily="2" charset="-127"/>
-                <a:ea typeface="G마켓 산스 TTF Medium" panose="02000000000000000000" pitchFamily="2" charset="-127"/>
-              </a:rPr>
-              <a:t>잡몬전</a:t>
-            </a:r>
-            <a:endParaRPr lang="en-US" altLang="ko-KR" sz="2400" dirty="0">
-              <a:latin typeface="G마켓 산스 TTF Medium" panose="02000000000000000000" pitchFamily="2" charset="-127"/>
-              <a:ea typeface="G마켓 산스 TTF Medium" panose="02000000000000000000" pitchFamily="2" charset="-127"/>
-            </a:endParaRPr>
-          </a:p>
-        </p:txBody>
-      </p:sp>
-      <p:sp>
-        <p:nvSpPr>
-          <p:cNvPr id="4" name="TextBox 3">
-            <a:extLst>
-              <a:ext uri="{FF2B5EF4-FFF2-40B4-BE49-F238E27FC236}">
-                <a16:creationId xmlns:a16="http://schemas.microsoft.com/office/drawing/2014/main" id="{06CCE082-24EE-5BE6-5D3C-58121341487B}"/>
-              </a:ext>
-            </a:extLst>
-          </p:cNvPr>
-          <p:cNvSpPr txBox="1"/>
-          <p:nvPr/>
-        </p:nvSpPr>
-        <p:spPr>
-          <a:xfrm flipH="1">
-            <a:off x="6295390" y="929592"/>
-            <a:ext cx="1280160" cy="600164"/>
-          </a:xfrm>
-          <a:prstGeom prst="rect">
-            <a:avLst/>
-          </a:prstGeom>
-          <a:noFill/>
-          <a:ln>
-            <a:noFill/>
-          </a:ln>
-        </p:spPr>
-        <p:txBody>
-          <a:bodyPr wrap="square" rtlCol="0">
-            <a:spAutoFit/>
-          </a:bodyPr>
-          <a:lstStyle/>
-          <a:p>
-            <a:pPr algn="ctr">
-              <a:lnSpc>
-                <a:spcPct val="150000"/>
-              </a:lnSpc>
-            </a:pPr>
-            <a:r>
-              <a:rPr lang="ko-KR" altLang="en-US" sz="2400" dirty="0" err="1">
-                <a:latin typeface="G마켓 산스 TTF Medium" panose="02000000000000000000" pitchFamily="2" charset="-127"/>
-                <a:ea typeface="G마켓 산스 TTF Medium" panose="02000000000000000000" pitchFamily="2" charset="-127"/>
-              </a:rPr>
-              <a:t>보스전</a:t>
-            </a:r>
-            <a:endParaRPr lang="en-US" altLang="ko-KR" sz="2400" dirty="0">
-              <a:latin typeface="G마켓 산스 TTF Medium" panose="02000000000000000000" pitchFamily="2" charset="-127"/>
-              <a:ea typeface="G마켓 산스 TTF Medium" panose="02000000000000000000" pitchFamily="2" charset="-127"/>
-            </a:endParaRPr>
-          </a:p>
-        </p:txBody>
-      </p:sp>
     </p:spTree>
     <p:extLst>
       <p:ext uri="{BB962C8B-B14F-4D97-AF65-F5344CB8AC3E}">

--- a/Game_Design/2019184003 김 선아 장르 제안서.pptx
+++ b/Game_Design/2019184003 김 선아 장르 제안서.pptx
@@ -12,10 +12,10 @@
     <p:sldId id="267" r:id="rId6"/>
     <p:sldId id="268" r:id="rId7"/>
     <p:sldId id="274" r:id="rId8"/>
-    <p:sldId id="269" r:id="rId9"/>
-    <p:sldId id="292" r:id="rId10"/>
-    <p:sldId id="276" r:id="rId11"/>
-    <p:sldId id="290" r:id="rId12"/>
+    <p:sldId id="290" r:id="rId9"/>
+    <p:sldId id="269" r:id="rId10"/>
+    <p:sldId id="292" r:id="rId11"/>
+    <p:sldId id="276" r:id="rId12"/>
     <p:sldId id="289" r:id="rId13"/>
     <p:sldId id="294" r:id="rId14"/>
     <p:sldId id="277" r:id="rId15"/>
@@ -3227,6 +3227,397 @@
         </p:nvSpPr>
         <p:spPr>
           <a:xfrm>
+            <a:off x="469899" y="260991"/>
+            <a:ext cx="7888037" cy="584775"/>
+          </a:xfrm>
+          <a:prstGeom prst="rect">
+            <a:avLst/>
+          </a:prstGeom>
+          <a:noFill/>
+        </p:spPr>
+        <p:txBody>
+          <a:bodyPr wrap="square" rtlCol="0">
+            <a:spAutoFit/>
+          </a:bodyPr>
+          <a:lstStyle/>
+          <a:p>
+            <a:r>
+              <a:rPr lang="en-US" altLang="ko-KR" sz="3200" dirty="0">
+                <a:solidFill>
+                  <a:schemeClr val="bg1"/>
+                </a:solidFill>
+                <a:latin typeface="여기어때 잘난체" panose="020B0600000101010101" pitchFamily="50" charset="-127"/>
+                <a:ea typeface="여기어때 잘난체" panose="020B0600000101010101" pitchFamily="50" charset="-127"/>
+              </a:rPr>
+              <a:t>02. </a:t>
+            </a:r>
+            <a:r>
+              <a:rPr lang="ko-KR" altLang="en-US" sz="3200" dirty="0">
+                <a:solidFill>
+                  <a:schemeClr val="bg1"/>
+                </a:solidFill>
+                <a:latin typeface="여기어때 잘난체" panose="020B0600000101010101" pitchFamily="50" charset="-127"/>
+                <a:ea typeface="여기어때 잘난체" panose="020B0600000101010101" pitchFamily="50" charset="-127"/>
+              </a:rPr>
+              <a:t>게임 소개 </a:t>
+            </a:r>
+            <a:r>
+              <a:rPr lang="en-US" altLang="ko-KR" sz="3200" dirty="0">
+                <a:solidFill>
+                  <a:schemeClr val="bg1"/>
+                </a:solidFill>
+                <a:latin typeface="여기어때 잘난체" panose="020B0600000101010101" pitchFamily="50" charset="-127"/>
+                <a:ea typeface="여기어때 잘난체" panose="020B0600000101010101" pitchFamily="50" charset="-127"/>
+              </a:rPr>
+              <a:t>– </a:t>
+            </a:r>
+            <a:r>
+              <a:rPr lang="ko-KR" altLang="en-US" sz="3200" dirty="0">
+                <a:solidFill>
+                  <a:schemeClr val="bg1"/>
+                </a:solidFill>
+                <a:latin typeface="여기어때 잘난체" panose="020B0600000101010101" pitchFamily="50" charset="-127"/>
+                <a:ea typeface="여기어때 잘난체" panose="020B0600000101010101" pitchFamily="50" charset="-127"/>
+              </a:rPr>
+              <a:t>게임 월드</a:t>
+            </a:r>
+            <a:r>
+              <a:rPr lang="ko-KR" altLang="en-US" sz="2400" dirty="0">
+                <a:solidFill>
+                  <a:schemeClr val="bg1"/>
+                </a:solidFill>
+                <a:latin typeface="여기어때 잘난체" panose="020B0600000101010101" pitchFamily="50" charset="-127"/>
+                <a:ea typeface="여기어때 잘난체" panose="020B0600000101010101" pitchFamily="50" charset="-127"/>
+              </a:rPr>
+              <a:t>  </a:t>
+            </a:r>
+          </a:p>
+        </p:txBody>
+      </p:sp>
+      <p:sp>
+        <p:nvSpPr>
+          <p:cNvPr id="7" name="직사각형 6">
+            <a:extLst>
+              <a:ext uri="{FF2B5EF4-FFF2-40B4-BE49-F238E27FC236}">
+                <a16:creationId xmlns:a16="http://schemas.microsoft.com/office/drawing/2014/main" id="{8D6402C3-8B48-E8FE-94A1-7748C9B253A4}"/>
+              </a:ext>
+            </a:extLst>
+          </p:cNvPr>
+          <p:cNvSpPr/>
+          <p:nvPr/>
+        </p:nvSpPr>
+        <p:spPr>
+          <a:xfrm>
+            <a:off x="469900" y="925976"/>
+            <a:ext cx="11226800" cy="5617119"/>
+          </a:xfrm>
+          <a:prstGeom prst="rect">
+            <a:avLst/>
+          </a:prstGeom>
+          <a:solidFill>
+            <a:schemeClr val="bg1"/>
+          </a:solidFill>
+          <a:ln w="28575">
+            <a:solidFill>
+              <a:srgbClr val="A3BCBD"/>
+            </a:solidFill>
+          </a:ln>
+        </p:spPr>
+        <p:style>
+          <a:lnRef idx="2">
+            <a:schemeClr val="accent1">
+              <a:shade val="50000"/>
+            </a:schemeClr>
+          </a:lnRef>
+          <a:fillRef idx="1">
+            <a:schemeClr val="accent1"/>
+          </a:fillRef>
+          <a:effectRef idx="0">
+            <a:schemeClr val="accent1"/>
+          </a:effectRef>
+          <a:fontRef idx="minor">
+            <a:schemeClr val="lt1"/>
+          </a:fontRef>
+        </p:style>
+        <p:txBody>
+          <a:bodyPr rtlCol="0" anchor="ctr"/>
+          <a:lstStyle/>
+          <a:p>
+            <a:pPr algn="ctr"/>
+            <a:r>
+              <a:rPr lang="en-US" altLang="ko-KR"/>
+              <a:t>s</a:t>
+            </a:r>
+            <a:endParaRPr lang="ko-KR" altLang="en-US"/>
+          </a:p>
+        </p:txBody>
+      </p:sp>
+      <p:sp>
+        <p:nvSpPr>
+          <p:cNvPr id="3" name="TextBox 2">
+            <a:extLst>
+              <a:ext uri="{FF2B5EF4-FFF2-40B4-BE49-F238E27FC236}">
+                <a16:creationId xmlns:a16="http://schemas.microsoft.com/office/drawing/2014/main" id="{A299D9E0-4B28-433E-53EC-C5422418BF4A}"/>
+              </a:ext>
+            </a:extLst>
+          </p:cNvPr>
+          <p:cNvSpPr txBox="1"/>
+          <p:nvPr/>
+        </p:nvSpPr>
+        <p:spPr>
+          <a:xfrm flipH="1">
+            <a:off x="741680" y="929592"/>
+            <a:ext cx="1280160" cy="600164"/>
+          </a:xfrm>
+          <a:prstGeom prst="rect">
+            <a:avLst/>
+          </a:prstGeom>
+          <a:noFill/>
+          <a:ln>
+            <a:noFill/>
+          </a:ln>
+        </p:spPr>
+        <p:txBody>
+          <a:bodyPr wrap="square" rtlCol="0">
+            <a:spAutoFit/>
+          </a:bodyPr>
+          <a:lstStyle/>
+          <a:p>
+            <a:pPr algn="ctr">
+              <a:lnSpc>
+                <a:spcPct val="150000"/>
+              </a:lnSpc>
+            </a:pPr>
+            <a:r>
+              <a:rPr lang="ko-KR" altLang="en-US" sz="2400" dirty="0" err="1">
+                <a:latin typeface="G마켓 산스 TTF Medium" panose="02000000000000000000" pitchFamily="2" charset="-127"/>
+                <a:ea typeface="G마켓 산스 TTF Medium" panose="02000000000000000000" pitchFamily="2" charset="-127"/>
+              </a:rPr>
+              <a:t>잡몬전</a:t>
+            </a:r>
+            <a:endParaRPr lang="en-US" altLang="ko-KR" sz="2400" dirty="0">
+              <a:latin typeface="G마켓 산스 TTF Medium" panose="02000000000000000000" pitchFamily="2" charset="-127"/>
+              <a:ea typeface="G마켓 산스 TTF Medium" panose="02000000000000000000" pitchFamily="2" charset="-127"/>
+            </a:endParaRPr>
+          </a:p>
+        </p:txBody>
+      </p:sp>
+      <p:sp>
+        <p:nvSpPr>
+          <p:cNvPr id="4" name="TextBox 3">
+            <a:extLst>
+              <a:ext uri="{FF2B5EF4-FFF2-40B4-BE49-F238E27FC236}">
+                <a16:creationId xmlns:a16="http://schemas.microsoft.com/office/drawing/2014/main" id="{06CCE082-24EE-5BE6-5D3C-58121341487B}"/>
+              </a:ext>
+            </a:extLst>
+          </p:cNvPr>
+          <p:cNvSpPr txBox="1"/>
+          <p:nvPr/>
+        </p:nvSpPr>
+        <p:spPr>
+          <a:xfrm flipH="1">
+            <a:off x="6295390" y="929592"/>
+            <a:ext cx="1280160" cy="600164"/>
+          </a:xfrm>
+          <a:prstGeom prst="rect">
+            <a:avLst/>
+          </a:prstGeom>
+          <a:noFill/>
+          <a:ln>
+            <a:noFill/>
+          </a:ln>
+        </p:spPr>
+        <p:txBody>
+          <a:bodyPr wrap="square" rtlCol="0">
+            <a:spAutoFit/>
+          </a:bodyPr>
+          <a:lstStyle/>
+          <a:p>
+            <a:pPr algn="ctr">
+              <a:lnSpc>
+                <a:spcPct val="150000"/>
+              </a:lnSpc>
+            </a:pPr>
+            <a:r>
+              <a:rPr lang="ko-KR" altLang="en-US" sz="2400" dirty="0" err="1">
+                <a:latin typeface="G마켓 산스 TTF Medium" panose="02000000000000000000" pitchFamily="2" charset="-127"/>
+                <a:ea typeface="G마켓 산스 TTF Medium" panose="02000000000000000000" pitchFamily="2" charset="-127"/>
+              </a:rPr>
+              <a:t>보스전</a:t>
+            </a:r>
+            <a:endParaRPr lang="en-US" altLang="ko-KR" sz="2400" dirty="0">
+              <a:latin typeface="G마켓 산스 TTF Medium" panose="02000000000000000000" pitchFamily="2" charset="-127"/>
+              <a:ea typeface="G마켓 산스 TTF Medium" panose="02000000000000000000" pitchFamily="2" charset="-127"/>
+            </a:endParaRPr>
+          </a:p>
+        </p:txBody>
+      </p:sp>
+      <p:pic>
+        <p:nvPicPr>
+          <p:cNvPr id="6" name="그림 5">
+            <a:extLst>
+              <a:ext uri="{FF2B5EF4-FFF2-40B4-BE49-F238E27FC236}">
+                <a16:creationId xmlns:a16="http://schemas.microsoft.com/office/drawing/2014/main" id="{C6DA37E8-BCCD-C36F-54EB-D828A34D4451}"/>
+              </a:ext>
+            </a:extLst>
+          </p:cNvPr>
+          <p:cNvPicPr>
+            <a:picLocks noChangeAspect="1"/>
+          </p:cNvPicPr>
+          <p:nvPr/>
+        </p:nvPicPr>
+        <p:blipFill>
+          <a:blip r:embed="rId2">
+            <a:extLst>
+              <a:ext uri="{28A0092B-C50C-407E-A947-70E740481C1C}">
+                <a14:useLocalDpi xmlns:a14="http://schemas.microsoft.com/office/drawing/2010/main" val="0"/>
+              </a:ext>
+            </a:extLst>
+          </a:blip>
+          <a:stretch>
+            <a:fillRect/>
+          </a:stretch>
+        </p:blipFill>
+        <p:spPr>
+          <a:xfrm>
+            <a:off x="936812" y="1596519"/>
+            <a:ext cx="4585447" cy="4585447"/>
+          </a:xfrm>
+          <a:prstGeom prst="rect">
+            <a:avLst/>
+          </a:prstGeom>
+        </p:spPr>
+      </p:pic>
+      <p:pic>
+        <p:nvPicPr>
+          <p:cNvPr id="10" name="그림 9" descr="텍스트, 점수판, 구급 상자이(가) 표시된 사진&#10;&#10;자동 생성된 설명">
+            <a:extLst>
+              <a:ext uri="{FF2B5EF4-FFF2-40B4-BE49-F238E27FC236}">
+                <a16:creationId xmlns:a16="http://schemas.microsoft.com/office/drawing/2014/main" id="{2574396A-1B4D-475B-30B3-86DFC2DB41E2}"/>
+              </a:ext>
+            </a:extLst>
+          </p:cNvPr>
+          <p:cNvPicPr>
+            <a:picLocks noChangeAspect="1"/>
+          </p:cNvPicPr>
+          <p:nvPr/>
+        </p:nvPicPr>
+        <p:blipFill>
+          <a:blip r:embed="rId3">
+            <a:extLst>
+              <a:ext uri="{28A0092B-C50C-407E-A947-70E740481C1C}">
+                <a14:useLocalDpi xmlns:a14="http://schemas.microsoft.com/office/drawing/2010/main" val="0"/>
+              </a:ext>
+            </a:extLst>
+          </a:blip>
+          <a:stretch>
+            <a:fillRect/>
+          </a:stretch>
+        </p:blipFill>
+        <p:spPr>
+          <a:xfrm>
+            <a:off x="6521823" y="1703360"/>
+            <a:ext cx="4666130" cy="4666130"/>
+          </a:xfrm>
+          <a:prstGeom prst="rect">
+            <a:avLst/>
+          </a:prstGeom>
+        </p:spPr>
+      </p:pic>
+    </p:spTree>
+    <p:extLst>
+      <p:ext uri="{BB962C8B-B14F-4D97-AF65-F5344CB8AC3E}">
+        <p14:creationId xmlns:p14="http://schemas.microsoft.com/office/powerpoint/2010/main" val="2419748640"/>
+      </p:ext>
+    </p:extLst>
+  </p:cSld>
+  <p:clrMapOvr>
+    <a:masterClrMapping/>
+  </p:clrMapOvr>
+</p:sld>
+</file>
+
+<file path=ppt/slides/slide11.xml><?xml version="1.0" encoding="utf-8"?>
+<p:sld xmlns:a="http://schemas.openxmlformats.org/drawingml/2006/main" xmlns:r="http://schemas.openxmlformats.org/officeDocument/2006/relationships" xmlns:p="http://schemas.openxmlformats.org/presentationml/2006/main">
+  <p:cSld>
+    <p:bg>
+      <p:bgPr>
+        <a:solidFill>
+          <a:srgbClr val="8BA9AB"/>
+        </a:solidFill>
+        <a:effectLst/>
+      </p:bgPr>
+    </p:bg>
+    <p:spTree>
+      <p:nvGrpSpPr>
+        <p:cNvPr id="1" name=""/>
+        <p:cNvGrpSpPr/>
+        <p:nvPr/>
+      </p:nvGrpSpPr>
+      <p:grpSpPr>
+        <a:xfrm>
+          <a:off x="0" y="0"/>
+          <a:ext cx="0" cy="0"/>
+          <a:chOff x="0" y="0"/>
+          <a:chExt cx="0" cy="0"/>
+        </a:xfrm>
+      </p:grpSpPr>
+      <p:sp>
+        <p:nvSpPr>
+          <p:cNvPr id="15" name="직사각형 14"/>
+          <p:cNvSpPr/>
+          <p:nvPr/>
+        </p:nvSpPr>
+        <p:spPr>
+          <a:xfrm>
+            <a:off x="469900" y="925976"/>
+            <a:ext cx="11226800" cy="5617119"/>
+          </a:xfrm>
+          <a:prstGeom prst="rect">
+            <a:avLst/>
+          </a:prstGeom>
+          <a:solidFill>
+            <a:schemeClr val="bg1"/>
+          </a:solidFill>
+          <a:ln w="28575">
+            <a:solidFill>
+              <a:srgbClr val="A3BCBD"/>
+            </a:solidFill>
+          </a:ln>
+        </p:spPr>
+        <p:style>
+          <a:lnRef idx="2">
+            <a:schemeClr val="accent1">
+              <a:shade val="50000"/>
+            </a:schemeClr>
+          </a:lnRef>
+          <a:fillRef idx="1">
+            <a:schemeClr val="accent1"/>
+          </a:fillRef>
+          <a:effectRef idx="0">
+            <a:schemeClr val="accent1"/>
+          </a:effectRef>
+          <a:fontRef idx="minor">
+            <a:schemeClr val="lt1"/>
+          </a:fontRef>
+        </p:style>
+        <p:txBody>
+          <a:bodyPr rtlCol="0" anchor="ctr"/>
+          <a:lstStyle/>
+          <a:p>
+            <a:pPr algn="ctr"/>
+            <a:endParaRPr lang="ko-KR" altLang="en-US"/>
+          </a:p>
+        </p:txBody>
+      </p:sp>
+      <p:sp>
+        <p:nvSpPr>
+          <p:cNvPr id="18" name="TextBox 17"/>
+          <p:cNvSpPr txBox="1"/>
+          <p:nvPr/>
+        </p:nvSpPr>
+        <p:spPr>
+          <a:xfrm>
             <a:off x="469900" y="260991"/>
             <a:ext cx="6692900" cy="584775"/>
           </a:xfrm>
@@ -3306,7 +3697,7 @@
         </p:nvGraphicFramePr>
         <p:xfrm>
           <a:off x="5501640" y="1116690"/>
-          <a:ext cx="5989320" cy="5235690"/>
+          <a:ext cx="5989320" cy="5628438"/>
         </p:xfrm>
         <a:graphic>
           <a:graphicData uri="http://schemas.openxmlformats.org/drawingml/2006/table">
@@ -4453,1802 +4844,6 @@
 </p:sld>
 </file>
 
-<file path=ppt/slides/slide11.xml><?xml version="1.0" encoding="utf-8"?>
-<p:sld xmlns:a="http://schemas.openxmlformats.org/drawingml/2006/main" xmlns:r="http://schemas.openxmlformats.org/officeDocument/2006/relationships" xmlns:p="http://schemas.openxmlformats.org/presentationml/2006/main">
-  <p:cSld>
-    <p:bg>
-      <p:bgPr>
-        <a:solidFill>
-          <a:srgbClr val="8BA9AB"/>
-        </a:solidFill>
-        <a:effectLst/>
-      </p:bgPr>
-    </p:bg>
-    <p:spTree>
-      <p:nvGrpSpPr>
-        <p:cNvPr id="1" name=""/>
-        <p:cNvGrpSpPr/>
-        <p:nvPr/>
-      </p:nvGrpSpPr>
-      <p:grpSpPr>
-        <a:xfrm>
-          <a:off x="0" y="0"/>
-          <a:ext cx="0" cy="0"/>
-          <a:chOff x="0" y="0"/>
-          <a:chExt cx="0" cy="0"/>
-        </a:xfrm>
-      </p:grpSpPr>
-      <p:sp>
-        <p:nvSpPr>
-          <p:cNvPr id="15" name="직사각형 14"/>
-          <p:cNvSpPr/>
-          <p:nvPr/>
-        </p:nvSpPr>
-        <p:spPr>
-          <a:xfrm>
-            <a:off x="469900" y="925976"/>
-            <a:ext cx="11226800" cy="5617119"/>
-          </a:xfrm>
-          <a:prstGeom prst="rect">
-            <a:avLst/>
-          </a:prstGeom>
-          <a:solidFill>
-            <a:schemeClr val="bg1"/>
-          </a:solidFill>
-          <a:ln w="28575">
-            <a:solidFill>
-              <a:srgbClr val="A3BCBD"/>
-            </a:solidFill>
-          </a:ln>
-        </p:spPr>
-        <p:style>
-          <a:lnRef idx="2">
-            <a:schemeClr val="accent1">
-              <a:shade val="50000"/>
-            </a:schemeClr>
-          </a:lnRef>
-          <a:fillRef idx="1">
-            <a:schemeClr val="accent1"/>
-          </a:fillRef>
-          <a:effectRef idx="0">
-            <a:schemeClr val="accent1"/>
-          </a:effectRef>
-          <a:fontRef idx="minor">
-            <a:schemeClr val="lt1"/>
-          </a:fontRef>
-        </p:style>
-        <p:txBody>
-          <a:bodyPr rtlCol="0" anchor="ctr"/>
-          <a:lstStyle/>
-          <a:p>
-            <a:pPr algn="ctr"/>
-            <a:endParaRPr lang="ko-KR" altLang="en-US"/>
-          </a:p>
-        </p:txBody>
-      </p:sp>
-      <p:sp>
-        <p:nvSpPr>
-          <p:cNvPr id="18" name="TextBox 17"/>
-          <p:cNvSpPr txBox="1"/>
-          <p:nvPr/>
-        </p:nvSpPr>
-        <p:spPr>
-          <a:xfrm>
-            <a:off x="469900" y="260991"/>
-            <a:ext cx="6692900" cy="583565"/>
-          </a:xfrm>
-          <a:prstGeom prst="rect">
-            <a:avLst/>
-          </a:prstGeom>
-          <a:noFill/>
-        </p:spPr>
-        <p:txBody>
-          <a:bodyPr wrap="square" rtlCol="0">
-            <a:spAutoFit/>
-          </a:bodyPr>
-          <a:lstStyle/>
-          <a:p>
-            <a:r>
-              <a:rPr lang="en-US" altLang="ko-KR" sz="3200" dirty="0">
-                <a:solidFill>
-                  <a:schemeClr val="bg1"/>
-                </a:solidFill>
-                <a:latin typeface="여기어때 잘난체" panose="020B0600000101010101" pitchFamily="50" charset="-127"/>
-                <a:ea typeface="여기어때 잘난체" panose="020B0600000101010101" pitchFamily="50" charset="-127"/>
-              </a:rPr>
-              <a:t>02. </a:t>
-            </a:r>
-            <a:r>
-              <a:rPr lang="ko-KR" altLang="en-US" sz="3200" dirty="0">
-                <a:solidFill>
-                  <a:schemeClr val="bg1"/>
-                </a:solidFill>
-                <a:latin typeface="여기어때 잘난체" panose="020B0600000101010101" pitchFamily="50" charset="-127"/>
-                <a:ea typeface="여기어때 잘난체" panose="020B0600000101010101" pitchFamily="50" charset="-127"/>
-              </a:rPr>
-              <a:t>게임 소개 </a:t>
-            </a:r>
-            <a:r>
-              <a:rPr lang="en-US" altLang="ko-KR" sz="3200" dirty="0">
-                <a:solidFill>
-                  <a:schemeClr val="bg1"/>
-                </a:solidFill>
-                <a:latin typeface="여기어때 잘난체" panose="020B0600000101010101" pitchFamily="50" charset="-127"/>
-                <a:ea typeface="여기어때 잘난체" panose="020B0600000101010101" pitchFamily="50" charset="-127"/>
-              </a:rPr>
-              <a:t>– </a:t>
-            </a:r>
-            <a:r>
-              <a:rPr lang="ko-KR" altLang="en-US" sz="3200" dirty="0">
-                <a:solidFill>
-                  <a:schemeClr val="bg1"/>
-                </a:solidFill>
-                <a:latin typeface="여기어때 잘난체" panose="020B0600000101010101" pitchFamily="50" charset="-127"/>
-                <a:ea typeface="여기어때 잘난체" panose="020B0600000101010101" pitchFamily="50" charset="-127"/>
-              </a:rPr>
-              <a:t>몬스터</a:t>
-            </a:r>
-          </a:p>
-        </p:txBody>
-      </p:sp>
-      <p:pic>
-        <p:nvPicPr>
-          <p:cNvPr id="100" name="Picture 99"/>
-          <p:cNvPicPr/>
-          <p:nvPr/>
-        </p:nvPicPr>
-        <p:blipFill>
-          <a:blip r:embed="rId2"/>
-          <a:stretch>
-            <a:fillRect/>
-          </a:stretch>
-        </p:blipFill>
-        <p:spPr>
-          <a:xfrm>
-            <a:off x="469583" y="1067118"/>
-            <a:ext cx="2143125" cy="2143125"/>
-          </a:xfrm>
-          <a:prstGeom prst="rect">
-            <a:avLst/>
-          </a:prstGeom>
-          <a:noFill/>
-          <a:ln w="9525">
-            <a:noFill/>
-          </a:ln>
-        </p:spPr>
-      </p:pic>
-      <p:sp>
-        <p:nvSpPr>
-          <p:cNvPr id="138" name="Google Shape;138;p21"/>
-          <p:cNvSpPr txBox="1"/>
-          <p:nvPr/>
-        </p:nvSpPr>
-        <p:spPr>
-          <a:xfrm>
-            <a:off x="2522855" y="1035786"/>
-            <a:ext cx="3111500" cy="2001520"/>
-          </a:xfrm>
-          <a:prstGeom prst="rect">
-            <a:avLst/>
-          </a:prstGeom>
-          <a:noFill/>
-          <a:ln>
-            <a:noFill/>
-          </a:ln>
-        </p:spPr>
-        <p:txBody>
-          <a:bodyPr spcFirstLastPara="1" wrap="square" lIns="91425" tIns="91425" rIns="91425" bIns="91425" anchor="t" anchorCtr="0">
-            <a:noAutofit/>
-          </a:bodyPr>
-          <a:lstStyle/>
-          <a:p>
-            <a:pPr indent="0">
-              <a:lnSpc>
-                <a:spcPct val="150000"/>
-              </a:lnSpc>
-              <a:spcBef>
-                <a:spcPts val="0"/>
-              </a:spcBef>
-              <a:spcAft>
-                <a:spcPts val="0"/>
-              </a:spcAft>
-              <a:buNone/>
-            </a:pPr>
-            <a:r>
-              <a:rPr lang="en-US" sz="1200" dirty="0">
-                <a:latin typeface="G마켓 산스 TTF Medium" panose="02000000000000000000" pitchFamily="2" charset="-127"/>
-                <a:ea typeface="G마켓 산스 TTF Medium" panose="02000000000000000000" pitchFamily="2" charset="-127"/>
-                <a:cs typeface="맑은 고딕" panose="020B0503020000020004" charset="-127"/>
-                <a:sym typeface="맑은 고딕" panose="020B0503020000020004" charset="-127"/>
-              </a:rPr>
-              <a:t>        </a:t>
-            </a:r>
-            <a:r>
-              <a:rPr lang="ko-KR" altLang="en-US" sz="1600" b="1" dirty="0" err="1">
-                <a:latin typeface="G마켓 산스 TTF Medium" panose="02000000000000000000" pitchFamily="2" charset="-127"/>
-                <a:ea typeface="G마켓 산스 TTF Medium" panose="02000000000000000000" pitchFamily="2" charset="-127"/>
-                <a:cs typeface="맑은 고딕" panose="020B0503020000020004" charset="-127"/>
-                <a:sym typeface="맑은 고딕" panose="020B0503020000020004" charset="-127"/>
-              </a:rPr>
-              <a:t>고블린</a:t>
-            </a:r>
-            <a:endParaRPr sz="1600" b="1" dirty="0">
-              <a:latin typeface="G마켓 산스 TTF Medium" panose="02000000000000000000" pitchFamily="2" charset="-127"/>
-              <a:ea typeface="G마켓 산스 TTF Medium" panose="02000000000000000000" pitchFamily="2" charset="-127"/>
-              <a:cs typeface="맑은 고딕" panose="020B0503020000020004" charset="-127"/>
-              <a:sym typeface="맑은 고딕" panose="020B0503020000020004" charset="-127"/>
-            </a:endParaRPr>
-          </a:p>
-          <a:p>
-            <a:pPr indent="0">
-              <a:lnSpc>
-                <a:spcPct val="150000"/>
-              </a:lnSpc>
-              <a:spcBef>
-                <a:spcPts val="0"/>
-              </a:spcBef>
-              <a:spcAft>
-                <a:spcPts val="0"/>
-              </a:spcAft>
-              <a:buNone/>
-            </a:pPr>
-            <a:endParaRPr sz="1200" dirty="0">
-              <a:latin typeface="G마켓 산스 TTF Medium" panose="02000000000000000000" pitchFamily="2" charset="-127"/>
-              <a:ea typeface="G마켓 산스 TTF Medium" panose="02000000000000000000" pitchFamily="2" charset="-127"/>
-              <a:cs typeface="맑은 고딕" panose="020B0503020000020004" charset="-127"/>
-              <a:sym typeface="맑은 고딕" panose="020B0503020000020004" charset="-127"/>
-            </a:endParaRPr>
-          </a:p>
-          <a:p>
-            <a:pPr indent="0">
-              <a:lnSpc>
-                <a:spcPct val="150000"/>
-              </a:lnSpc>
-              <a:spcBef>
-                <a:spcPts val="0"/>
-              </a:spcBef>
-              <a:spcAft>
-                <a:spcPts val="0"/>
-              </a:spcAft>
-              <a:buNone/>
-            </a:pPr>
-            <a:r>
-              <a:rPr lang="en-US" sz="1300" dirty="0">
-                <a:latin typeface="G마켓 산스 TTF Medium" panose="02000000000000000000" pitchFamily="2" charset="-127"/>
-                <a:ea typeface="G마켓 산스 TTF Medium" panose="02000000000000000000" pitchFamily="2" charset="-127"/>
-                <a:cs typeface="맑은 고딕" panose="020B0503020000020004" charset="-127"/>
-                <a:sym typeface="맑은 고딕" panose="020B0503020000020004" charset="-127"/>
-              </a:rPr>
-              <a:t>- 키 : 100cm</a:t>
-            </a:r>
-            <a:endParaRPr sz="1300" dirty="0">
-              <a:latin typeface="G마켓 산스 TTF Medium" panose="02000000000000000000" pitchFamily="2" charset="-127"/>
-              <a:ea typeface="G마켓 산스 TTF Medium" panose="02000000000000000000" pitchFamily="2" charset="-127"/>
-              <a:cs typeface="맑은 고딕" panose="020B0503020000020004" charset="-127"/>
-              <a:sym typeface="맑은 고딕" panose="020B0503020000020004" charset="-127"/>
-            </a:endParaRPr>
-          </a:p>
-          <a:p>
-            <a:pPr indent="0">
-              <a:lnSpc>
-                <a:spcPct val="150000"/>
-              </a:lnSpc>
-              <a:spcBef>
-                <a:spcPts val="0"/>
-              </a:spcBef>
-              <a:spcAft>
-                <a:spcPts val="0"/>
-              </a:spcAft>
-              <a:buNone/>
-            </a:pPr>
-            <a:r>
-              <a:rPr lang="en-US" sz="1300" dirty="0">
-                <a:latin typeface="G마켓 산스 TTF Medium" panose="02000000000000000000" pitchFamily="2" charset="-127"/>
-                <a:ea typeface="G마켓 산스 TTF Medium" panose="02000000000000000000" pitchFamily="2" charset="-127"/>
-                <a:cs typeface="맑은 고딕" panose="020B0503020000020004" charset="-127"/>
-                <a:sym typeface="맑은 고딕" panose="020B0503020000020004" charset="-127"/>
-              </a:rPr>
-              <a:t>- </a:t>
-            </a:r>
-            <a:r>
-              <a:rPr lang="en-US" sz="1300" dirty="0" err="1">
-                <a:latin typeface="G마켓 산스 TTF Medium" panose="02000000000000000000" pitchFamily="2" charset="-127"/>
-                <a:ea typeface="G마켓 산스 TTF Medium" panose="02000000000000000000" pitchFamily="2" charset="-127"/>
-                <a:cs typeface="맑은 고딕" panose="020B0503020000020004" charset="-127"/>
-                <a:sym typeface="맑은 고딕" panose="020B0503020000020004" charset="-127"/>
-              </a:rPr>
-              <a:t>이동속도</a:t>
-            </a:r>
-            <a:r>
-              <a:rPr lang="en-US" sz="1300" dirty="0">
-                <a:latin typeface="G마켓 산스 TTF Medium" panose="02000000000000000000" pitchFamily="2" charset="-127"/>
-                <a:ea typeface="G마켓 산스 TTF Medium" panose="02000000000000000000" pitchFamily="2" charset="-127"/>
-                <a:cs typeface="맑은 고딕" panose="020B0503020000020004" charset="-127"/>
-                <a:sym typeface="맑은 고딕" panose="020B0503020000020004" charset="-127"/>
-              </a:rPr>
-              <a:t> : 1km/h</a:t>
-            </a:r>
-            <a:endParaRPr sz="1300" dirty="0">
-              <a:latin typeface="G마켓 산스 TTF Medium" panose="02000000000000000000" pitchFamily="2" charset="-127"/>
-              <a:ea typeface="G마켓 산스 TTF Medium" panose="02000000000000000000" pitchFamily="2" charset="-127"/>
-              <a:cs typeface="맑은 고딕" panose="020B0503020000020004" charset="-127"/>
-              <a:sym typeface="맑은 고딕" panose="020B0503020000020004" charset="-127"/>
-            </a:endParaRPr>
-          </a:p>
-          <a:p>
-            <a:pPr indent="0">
-              <a:lnSpc>
-                <a:spcPct val="150000"/>
-              </a:lnSpc>
-              <a:spcBef>
-                <a:spcPts val="0"/>
-              </a:spcBef>
-              <a:spcAft>
-                <a:spcPts val="0"/>
-              </a:spcAft>
-              <a:buNone/>
-            </a:pPr>
-            <a:r>
-              <a:rPr lang="en-US" sz="1300" dirty="0">
-                <a:latin typeface="G마켓 산스 TTF Medium" panose="02000000000000000000" pitchFamily="2" charset="-127"/>
-                <a:ea typeface="G마켓 산스 TTF Medium" panose="02000000000000000000" pitchFamily="2" charset="-127"/>
-                <a:cs typeface="맑은 고딕" panose="020B0503020000020004" charset="-127"/>
-                <a:sym typeface="맑은 고딕" panose="020B0503020000020004" charset="-127"/>
-              </a:rPr>
-              <a:t>- </a:t>
-            </a:r>
-            <a:r>
-              <a:rPr lang="en-US" sz="1300" dirty="0" err="1">
-                <a:latin typeface="G마켓 산스 TTF Medium" panose="02000000000000000000" pitchFamily="2" charset="-127"/>
-                <a:ea typeface="G마켓 산스 TTF Medium" panose="02000000000000000000" pitchFamily="2" charset="-127"/>
-                <a:cs typeface="맑은 고딕" panose="020B0503020000020004" charset="-127"/>
-                <a:sym typeface="맑은 고딕" panose="020B0503020000020004" charset="-127"/>
-              </a:rPr>
-              <a:t>체력</a:t>
-            </a:r>
-            <a:r>
-              <a:rPr lang="en-US" sz="1300" dirty="0">
-                <a:latin typeface="G마켓 산스 TTF Medium" panose="02000000000000000000" pitchFamily="2" charset="-127"/>
-                <a:ea typeface="G마켓 산스 TTF Medium" panose="02000000000000000000" pitchFamily="2" charset="-127"/>
-                <a:cs typeface="맑은 고딕" panose="020B0503020000020004" charset="-127"/>
-                <a:sym typeface="맑은 고딕" panose="020B0503020000020004" charset="-127"/>
-              </a:rPr>
-              <a:t> : 100</a:t>
-            </a:r>
-          </a:p>
-          <a:p>
-            <a:pPr indent="0">
-              <a:lnSpc>
-                <a:spcPct val="150000"/>
-              </a:lnSpc>
-              <a:spcBef>
-                <a:spcPts val="0"/>
-              </a:spcBef>
-              <a:spcAft>
-                <a:spcPts val="0"/>
-              </a:spcAft>
-              <a:buNone/>
-            </a:pPr>
-            <a:r>
-              <a:rPr lang="en-US" sz="1300" dirty="0">
-                <a:latin typeface="G마켓 산스 TTF Medium" panose="02000000000000000000" pitchFamily="2" charset="-127"/>
-                <a:ea typeface="G마켓 산스 TTF Medium" panose="02000000000000000000" pitchFamily="2" charset="-127"/>
-                <a:cs typeface="맑은 고딕" panose="020B0503020000020004" charset="-127"/>
-                <a:sym typeface="맑은 고딕" panose="020B0503020000020004" charset="-127"/>
-              </a:rPr>
-              <a:t>- </a:t>
-            </a:r>
-            <a:r>
-              <a:rPr lang="ko-KR" altLang="en-US" sz="1300" dirty="0">
-                <a:latin typeface="G마켓 산스 TTF Medium" panose="02000000000000000000" pitchFamily="2" charset="-127"/>
-                <a:ea typeface="G마켓 산스 TTF Medium" panose="02000000000000000000" pitchFamily="2" charset="-127"/>
-                <a:cs typeface="맑은 고딕" panose="020B0503020000020004" charset="-127"/>
-                <a:sym typeface="맑은 고딕" panose="020B0503020000020004" charset="-127"/>
-              </a:rPr>
-              <a:t>공격속도</a:t>
-            </a:r>
-            <a:r>
-              <a:rPr lang="en-US" altLang="ko-KR" sz="1300" dirty="0">
-                <a:latin typeface="G마켓 산스 TTF Medium" panose="02000000000000000000" pitchFamily="2" charset="-127"/>
-                <a:ea typeface="G마켓 산스 TTF Medium" panose="02000000000000000000" pitchFamily="2" charset="-127"/>
-                <a:cs typeface="맑은 고딕" panose="020B0503020000020004" charset="-127"/>
-                <a:sym typeface="맑은 고딕" panose="020B0503020000020004" charset="-127"/>
-              </a:rPr>
-              <a:t> : 1</a:t>
-            </a:r>
-            <a:r>
-              <a:rPr lang="ko-KR" altLang="en-US" sz="1300" dirty="0">
-                <a:latin typeface="G마켓 산스 TTF Medium" panose="02000000000000000000" pitchFamily="2" charset="-127"/>
-                <a:ea typeface="G마켓 산스 TTF Medium" panose="02000000000000000000" pitchFamily="2" charset="-127"/>
-                <a:cs typeface="맑은 고딕" panose="020B0503020000020004" charset="-127"/>
-                <a:sym typeface="맑은 고딕" panose="020B0503020000020004" charset="-127"/>
-              </a:rPr>
-              <a:t>초에</a:t>
-            </a:r>
-            <a:r>
-              <a:rPr lang="en-US" altLang="ko-KR" sz="1300" dirty="0">
-                <a:latin typeface="G마켓 산스 TTF Medium" panose="02000000000000000000" pitchFamily="2" charset="-127"/>
-                <a:ea typeface="G마켓 산스 TTF Medium" panose="02000000000000000000" pitchFamily="2" charset="-127"/>
-                <a:cs typeface="맑은 고딕" panose="020B0503020000020004" charset="-127"/>
-                <a:sym typeface="맑은 고딕" panose="020B0503020000020004" charset="-127"/>
-              </a:rPr>
-              <a:t> 1</a:t>
-            </a:r>
-            <a:r>
-              <a:rPr lang="ko-KR" altLang="en-US" sz="1300" dirty="0">
-                <a:latin typeface="G마켓 산스 TTF Medium" panose="02000000000000000000" pitchFamily="2" charset="-127"/>
-                <a:ea typeface="G마켓 산스 TTF Medium" panose="02000000000000000000" pitchFamily="2" charset="-127"/>
-                <a:cs typeface="맑은 고딕" panose="020B0503020000020004" charset="-127"/>
-                <a:sym typeface="맑은 고딕" panose="020B0503020000020004" charset="-127"/>
-              </a:rPr>
-              <a:t>번</a:t>
-            </a:r>
-            <a:endParaRPr sz="1300" dirty="0">
-              <a:latin typeface="G마켓 산스 TTF Medium" panose="02000000000000000000" pitchFamily="2" charset="-127"/>
-              <a:ea typeface="G마켓 산스 TTF Medium" panose="02000000000000000000" pitchFamily="2" charset="-127"/>
-              <a:cs typeface="맑은 고딕" panose="020B0503020000020004" charset="-127"/>
-              <a:sym typeface="맑은 고딕" panose="020B0503020000020004" charset="-127"/>
-            </a:endParaRPr>
-          </a:p>
-          <a:p>
-            <a:pPr indent="0">
-              <a:lnSpc>
-                <a:spcPct val="150000"/>
-              </a:lnSpc>
-              <a:spcBef>
-                <a:spcPts val="0"/>
-              </a:spcBef>
-              <a:spcAft>
-                <a:spcPts val="0"/>
-              </a:spcAft>
-              <a:buNone/>
-            </a:pPr>
-            <a:r>
-              <a:rPr lang="en-US" sz="1300" dirty="0">
-                <a:latin typeface="G마켓 산스 TTF Medium" panose="02000000000000000000" pitchFamily="2" charset="-127"/>
-                <a:ea typeface="G마켓 산스 TTF Medium" panose="02000000000000000000" pitchFamily="2" charset="-127"/>
-                <a:cs typeface="맑은 고딕" panose="020B0503020000020004" charset="-127"/>
-                <a:sym typeface="맑은 고딕" panose="020B0503020000020004" charset="-127"/>
-              </a:rPr>
-              <a:t>- </a:t>
-            </a:r>
-            <a:r>
-              <a:rPr lang="en-US" sz="1300" dirty="0" err="1">
-                <a:latin typeface="G마켓 산스 TTF Medium" panose="02000000000000000000" pitchFamily="2" charset="-127"/>
-                <a:ea typeface="G마켓 산스 TTF Medium" panose="02000000000000000000" pitchFamily="2" charset="-127"/>
-                <a:cs typeface="맑은 고딕" panose="020B0503020000020004" charset="-127"/>
-                <a:sym typeface="맑은 고딕" panose="020B0503020000020004" charset="-127"/>
-              </a:rPr>
-              <a:t>데미지</a:t>
-            </a:r>
-            <a:r>
-              <a:rPr lang="en-US" sz="1300" dirty="0">
-                <a:latin typeface="G마켓 산스 TTF Medium" panose="02000000000000000000" pitchFamily="2" charset="-127"/>
-                <a:ea typeface="G마켓 산스 TTF Medium" panose="02000000000000000000" pitchFamily="2" charset="-127"/>
-                <a:cs typeface="맑은 고딕" panose="020B0503020000020004" charset="-127"/>
-                <a:sym typeface="맑은 고딕" panose="020B0503020000020004" charset="-127"/>
-              </a:rPr>
-              <a:t> : 20</a:t>
-            </a:r>
-            <a:endParaRPr sz="1300" dirty="0">
-              <a:latin typeface="G마켓 산스 TTF Medium" panose="02000000000000000000" pitchFamily="2" charset="-127"/>
-              <a:ea typeface="G마켓 산스 TTF Medium" panose="02000000000000000000" pitchFamily="2" charset="-127"/>
-              <a:cs typeface="맑은 고딕" panose="020B0503020000020004" charset="-127"/>
-              <a:sym typeface="맑은 고딕" panose="020B0503020000020004" charset="-127"/>
-            </a:endParaRPr>
-          </a:p>
-          <a:p>
-            <a:pPr indent="0">
-              <a:lnSpc>
-                <a:spcPct val="150000"/>
-              </a:lnSpc>
-              <a:spcBef>
-                <a:spcPts val="0"/>
-              </a:spcBef>
-              <a:spcAft>
-                <a:spcPts val="0"/>
-              </a:spcAft>
-              <a:buNone/>
-            </a:pPr>
-            <a:r>
-              <a:rPr lang="en-US" sz="1300" dirty="0">
-                <a:latin typeface="G마켓 산스 TTF Medium" panose="02000000000000000000" pitchFamily="2" charset="-127"/>
-                <a:ea typeface="G마켓 산스 TTF Medium" panose="02000000000000000000" pitchFamily="2" charset="-127"/>
-                <a:cs typeface="맑은 고딕" panose="020B0503020000020004" charset="-127"/>
-                <a:sym typeface="맑은 고딕" panose="020B0503020000020004" charset="-127"/>
-              </a:rPr>
-              <a:t>- </a:t>
-            </a:r>
-            <a:r>
-              <a:rPr lang="en-US" sz="1300" dirty="0" err="1">
-                <a:latin typeface="G마켓 산스 TTF Medium" panose="02000000000000000000" pitchFamily="2" charset="-127"/>
-                <a:ea typeface="G마켓 산스 TTF Medium" panose="02000000000000000000" pitchFamily="2" charset="-127"/>
-                <a:cs typeface="맑은 고딕" panose="020B0503020000020004" charset="-127"/>
-                <a:sym typeface="맑은 고딕" panose="020B0503020000020004" charset="-127"/>
-              </a:rPr>
-              <a:t>애니메이션</a:t>
-            </a:r>
-            <a:r>
-              <a:rPr lang="en-US" sz="1300" dirty="0">
-                <a:latin typeface="G마켓 산스 TTF Medium" panose="02000000000000000000" pitchFamily="2" charset="-127"/>
-                <a:ea typeface="G마켓 산스 TTF Medium" panose="02000000000000000000" pitchFamily="2" charset="-127"/>
-                <a:cs typeface="맑은 고딕" panose="020B0503020000020004" charset="-127"/>
-                <a:sym typeface="맑은 고딕" panose="020B0503020000020004" charset="-127"/>
-              </a:rPr>
-              <a:t> 4종(Idle, </a:t>
-            </a:r>
-            <a:r>
-              <a:rPr lang="ko-KR" altLang="en-US" sz="1300" dirty="0">
-                <a:latin typeface="G마켓 산스 TTF Medium" panose="02000000000000000000" pitchFamily="2" charset="-127"/>
-                <a:ea typeface="G마켓 산스 TTF Medium" panose="02000000000000000000" pitchFamily="2" charset="-127"/>
-                <a:cs typeface="맑은 고딕" panose="020B0503020000020004" charset="-127"/>
-                <a:sym typeface="맑은 고딕" panose="020B0503020000020004" charset="-127"/>
-              </a:rPr>
-              <a:t>이동</a:t>
-            </a:r>
-            <a:r>
-              <a:rPr lang="en-US" altLang="ko-KR" sz="1300" dirty="0">
-                <a:latin typeface="G마켓 산스 TTF Medium" panose="02000000000000000000" pitchFamily="2" charset="-127"/>
-                <a:ea typeface="G마켓 산스 TTF Medium" panose="02000000000000000000" pitchFamily="2" charset="-127"/>
-                <a:cs typeface="맑은 고딕" panose="020B0503020000020004" charset="-127"/>
-                <a:sym typeface="맑은 고딕" panose="020B0503020000020004" charset="-127"/>
-              </a:rPr>
-              <a:t>, </a:t>
-            </a:r>
-            <a:r>
-              <a:rPr lang="ko-KR" altLang="en-US" sz="1300" dirty="0">
-                <a:latin typeface="G마켓 산스 TTF Medium" panose="02000000000000000000" pitchFamily="2" charset="-127"/>
-                <a:ea typeface="G마켓 산스 TTF Medium" panose="02000000000000000000" pitchFamily="2" charset="-127"/>
-                <a:cs typeface="맑은 고딕" panose="020B0503020000020004" charset="-127"/>
-                <a:sym typeface="맑은 고딕" panose="020B0503020000020004" charset="-127"/>
-              </a:rPr>
-              <a:t>공격</a:t>
-            </a:r>
-            <a:r>
-              <a:rPr lang="en-US" altLang="ko-KR" sz="1300" dirty="0">
-                <a:latin typeface="G마켓 산스 TTF Medium" panose="02000000000000000000" pitchFamily="2" charset="-127"/>
-                <a:ea typeface="G마켓 산스 TTF Medium" panose="02000000000000000000" pitchFamily="2" charset="-127"/>
-                <a:cs typeface="맑은 고딕" panose="020B0503020000020004" charset="-127"/>
-                <a:sym typeface="맑은 고딕" panose="020B0503020000020004" charset="-127"/>
-              </a:rPr>
-              <a:t>, </a:t>
-            </a:r>
-            <a:r>
-              <a:rPr lang="ko-KR" altLang="en-US" sz="1300" dirty="0">
-                <a:latin typeface="G마켓 산스 TTF Medium" panose="02000000000000000000" pitchFamily="2" charset="-127"/>
-                <a:ea typeface="G마켓 산스 TTF Medium" panose="02000000000000000000" pitchFamily="2" charset="-127"/>
-                <a:cs typeface="맑은 고딕" panose="020B0503020000020004" charset="-127"/>
-                <a:sym typeface="맑은 고딕" panose="020B0503020000020004" charset="-127"/>
-              </a:rPr>
-              <a:t>사망</a:t>
-            </a:r>
-            <a:r>
-              <a:rPr lang="en-US" altLang="ko-KR" sz="1300" dirty="0">
-                <a:latin typeface="G마켓 산스 TTF Medium" panose="02000000000000000000" pitchFamily="2" charset="-127"/>
-                <a:ea typeface="G마켓 산스 TTF Medium" panose="02000000000000000000" pitchFamily="2" charset="-127"/>
-                <a:cs typeface="맑은 고딕" panose="020B0503020000020004" charset="-127"/>
-                <a:sym typeface="맑은 고딕" panose="020B0503020000020004" charset="-127"/>
-              </a:rPr>
-              <a:t>)</a:t>
-            </a:r>
-            <a:r>
-              <a:rPr lang="en-US" sz="1200" dirty="0">
-                <a:latin typeface="G마켓 산스 TTF Medium" panose="02000000000000000000" pitchFamily="2" charset="-127"/>
-                <a:ea typeface="G마켓 산스 TTF Medium" panose="02000000000000000000" pitchFamily="2" charset="-127"/>
-                <a:cs typeface="맑은 고딕" panose="020B0503020000020004" charset="-127"/>
-                <a:sym typeface="맑은 고딕" panose="020B0503020000020004" charset="-127"/>
-              </a:rPr>
-              <a:t> </a:t>
-            </a:r>
-            <a:endParaRPr sz="1200" dirty="0">
-              <a:latin typeface="G마켓 산스 TTF Medium" panose="02000000000000000000" pitchFamily="2" charset="-127"/>
-              <a:ea typeface="G마켓 산스 TTF Medium" panose="02000000000000000000" pitchFamily="2" charset="-127"/>
-              <a:cs typeface="맑은 고딕" panose="020B0503020000020004" charset="-127"/>
-              <a:sym typeface="맑은 고딕" panose="020B0503020000020004" charset="-127"/>
-            </a:endParaRPr>
-          </a:p>
-        </p:txBody>
-      </p:sp>
-      <p:pic>
-        <p:nvPicPr>
-          <p:cNvPr id="102" name="Picture 101"/>
-          <p:cNvPicPr/>
-          <p:nvPr/>
-        </p:nvPicPr>
-        <p:blipFill>
-          <a:blip r:embed="rId3"/>
-          <a:stretch>
-            <a:fillRect/>
-          </a:stretch>
-        </p:blipFill>
-        <p:spPr>
-          <a:xfrm>
-            <a:off x="5769610" y="943610"/>
-            <a:ext cx="2186305" cy="2390775"/>
-          </a:xfrm>
-          <a:prstGeom prst="rect">
-            <a:avLst/>
-          </a:prstGeom>
-          <a:noFill/>
-          <a:ln w="9525">
-            <a:noFill/>
-          </a:ln>
-        </p:spPr>
-      </p:pic>
-      <p:sp>
-        <p:nvSpPr>
-          <p:cNvPr id="2" name="Google Shape;138;p21"/>
-          <p:cNvSpPr txBox="1"/>
-          <p:nvPr/>
-        </p:nvSpPr>
-        <p:spPr>
-          <a:xfrm>
-            <a:off x="8091170" y="1035786"/>
-            <a:ext cx="3211195" cy="1859915"/>
-          </a:xfrm>
-          <a:prstGeom prst="rect">
-            <a:avLst/>
-          </a:prstGeom>
-          <a:noFill/>
-          <a:ln>
-            <a:noFill/>
-          </a:ln>
-        </p:spPr>
-        <p:txBody>
-          <a:bodyPr spcFirstLastPara="1" wrap="square" lIns="91425" tIns="91425" rIns="91425" bIns="91425" anchor="t" anchorCtr="0">
-            <a:noAutofit/>
-          </a:bodyPr>
-          <a:lstStyle/>
-          <a:p>
-            <a:pPr indent="0">
-              <a:lnSpc>
-                <a:spcPct val="150000"/>
-              </a:lnSpc>
-              <a:spcBef>
-                <a:spcPts val="0"/>
-              </a:spcBef>
-              <a:spcAft>
-                <a:spcPts val="0"/>
-              </a:spcAft>
-              <a:buNone/>
-            </a:pPr>
-            <a:r>
-              <a:rPr lang="en-US" sz="1200" dirty="0">
-                <a:latin typeface="G마켓 산스 TTF Medium" panose="02000000000000000000" pitchFamily="2" charset="-127"/>
-                <a:ea typeface="G마켓 산스 TTF Medium" panose="02000000000000000000" pitchFamily="2" charset="-127"/>
-                <a:cs typeface="맑은 고딕" panose="020B0503020000020004" charset="-127"/>
-                <a:sym typeface="맑은 고딕" panose="020B0503020000020004" charset="-127"/>
-              </a:rPr>
-              <a:t>        </a:t>
-            </a:r>
-            <a:r>
-              <a:rPr lang="ko-KR" altLang="en-US" sz="1600" b="1" dirty="0" err="1">
-                <a:latin typeface="G마켓 산스 TTF Medium" panose="02000000000000000000" pitchFamily="2" charset="-127"/>
-                <a:ea typeface="G마켓 산스 TTF Medium" panose="02000000000000000000" pitchFamily="2" charset="-127"/>
-                <a:cs typeface="맑은 고딕" panose="020B0503020000020004" charset="-127"/>
-                <a:sym typeface="맑은 고딕" panose="020B0503020000020004" charset="-127"/>
-              </a:rPr>
-              <a:t>오거</a:t>
-            </a:r>
-            <a:endParaRPr sz="1600" b="1" dirty="0">
-              <a:latin typeface="G마켓 산스 TTF Medium" panose="02000000000000000000" pitchFamily="2" charset="-127"/>
-              <a:ea typeface="G마켓 산스 TTF Medium" panose="02000000000000000000" pitchFamily="2" charset="-127"/>
-              <a:cs typeface="맑은 고딕" panose="020B0503020000020004" charset="-127"/>
-              <a:sym typeface="맑은 고딕" panose="020B0503020000020004" charset="-127"/>
-            </a:endParaRPr>
-          </a:p>
-          <a:p>
-            <a:pPr indent="0">
-              <a:lnSpc>
-                <a:spcPct val="150000"/>
-              </a:lnSpc>
-              <a:spcBef>
-                <a:spcPts val="0"/>
-              </a:spcBef>
-              <a:spcAft>
-                <a:spcPts val="0"/>
-              </a:spcAft>
-              <a:buNone/>
-            </a:pPr>
-            <a:endParaRPr sz="1200" dirty="0">
-              <a:latin typeface="G마켓 산스 TTF Medium" panose="02000000000000000000" pitchFamily="2" charset="-127"/>
-              <a:ea typeface="G마켓 산스 TTF Medium" panose="02000000000000000000" pitchFamily="2" charset="-127"/>
-              <a:cs typeface="맑은 고딕" panose="020B0503020000020004" charset="-127"/>
-              <a:sym typeface="맑은 고딕" panose="020B0503020000020004" charset="-127"/>
-            </a:endParaRPr>
-          </a:p>
-          <a:p>
-            <a:pPr indent="0">
-              <a:lnSpc>
-                <a:spcPct val="150000"/>
-              </a:lnSpc>
-              <a:spcBef>
-                <a:spcPts val="0"/>
-              </a:spcBef>
-              <a:spcAft>
-                <a:spcPts val="0"/>
-              </a:spcAft>
-              <a:buNone/>
-            </a:pPr>
-            <a:r>
-              <a:rPr lang="en-US" sz="1300" dirty="0">
-                <a:latin typeface="G마켓 산스 TTF Medium" panose="02000000000000000000" pitchFamily="2" charset="-127"/>
-                <a:ea typeface="G마켓 산스 TTF Medium" panose="02000000000000000000" pitchFamily="2" charset="-127"/>
-                <a:cs typeface="맑은 고딕" panose="020B0503020000020004" charset="-127"/>
-                <a:sym typeface="맑은 고딕" panose="020B0503020000020004" charset="-127"/>
-              </a:rPr>
-              <a:t>- 키 : 200cm</a:t>
-            </a:r>
-            <a:endParaRPr sz="1300" dirty="0">
-              <a:latin typeface="G마켓 산스 TTF Medium" panose="02000000000000000000" pitchFamily="2" charset="-127"/>
-              <a:ea typeface="G마켓 산스 TTF Medium" panose="02000000000000000000" pitchFamily="2" charset="-127"/>
-              <a:cs typeface="맑은 고딕" panose="020B0503020000020004" charset="-127"/>
-              <a:sym typeface="맑은 고딕" panose="020B0503020000020004" charset="-127"/>
-            </a:endParaRPr>
-          </a:p>
-          <a:p>
-            <a:pPr indent="0">
-              <a:lnSpc>
-                <a:spcPct val="150000"/>
-              </a:lnSpc>
-              <a:spcBef>
-                <a:spcPts val="0"/>
-              </a:spcBef>
-              <a:spcAft>
-                <a:spcPts val="0"/>
-              </a:spcAft>
-              <a:buNone/>
-            </a:pPr>
-            <a:r>
-              <a:rPr lang="en-US" sz="1300" dirty="0">
-                <a:latin typeface="G마켓 산스 TTF Medium" panose="02000000000000000000" pitchFamily="2" charset="-127"/>
-                <a:ea typeface="G마켓 산스 TTF Medium" panose="02000000000000000000" pitchFamily="2" charset="-127"/>
-                <a:cs typeface="맑은 고딕" panose="020B0503020000020004" charset="-127"/>
-                <a:sym typeface="맑은 고딕" panose="020B0503020000020004" charset="-127"/>
-              </a:rPr>
-              <a:t>- </a:t>
-            </a:r>
-            <a:r>
-              <a:rPr lang="en-US" sz="1300" dirty="0" err="1">
-                <a:latin typeface="G마켓 산스 TTF Medium" panose="02000000000000000000" pitchFamily="2" charset="-127"/>
-                <a:ea typeface="G마켓 산스 TTF Medium" panose="02000000000000000000" pitchFamily="2" charset="-127"/>
-                <a:cs typeface="맑은 고딕" panose="020B0503020000020004" charset="-127"/>
-                <a:sym typeface="맑은 고딕" panose="020B0503020000020004" charset="-127"/>
-              </a:rPr>
-              <a:t>이동속도</a:t>
-            </a:r>
-            <a:r>
-              <a:rPr lang="en-US" sz="1300" dirty="0">
-                <a:latin typeface="G마켓 산스 TTF Medium" panose="02000000000000000000" pitchFamily="2" charset="-127"/>
-                <a:ea typeface="G마켓 산스 TTF Medium" panose="02000000000000000000" pitchFamily="2" charset="-127"/>
-                <a:cs typeface="맑은 고딕" panose="020B0503020000020004" charset="-127"/>
-                <a:sym typeface="맑은 고딕" panose="020B0503020000020004" charset="-127"/>
-              </a:rPr>
-              <a:t> : 0.7km/h</a:t>
-            </a:r>
-            <a:endParaRPr sz="1300" dirty="0">
-              <a:latin typeface="G마켓 산스 TTF Medium" panose="02000000000000000000" pitchFamily="2" charset="-127"/>
-              <a:ea typeface="G마켓 산스 TTF Medium" panose="02000000000000000000" pitchFamily="2" charset="-127"/>
-              <a:cs typeface="맑은 고딕" panose="020B0503020000020004" charset="-127"/>
-              <a:sym typeface="맑은 고딕" panose="020B0503020000020004" charset="-127"/>
-            </a:endParaRPr>
-          </a:p>
-          <a:p>
-            <a:pPr indent="0">
-              <a:lnSpc>
-                <a:spcPct val="150000"/>
-              </a:lnSpc>
-              <a:spcBef>
-                <a:spcPts val="0"/>
-              </a:spcBef>
-              <a:spcAft>
-                <a:spcPts val="0"/>
-              </a:spcAft>
-              <a:buNone/>
-            </a:pPr>
-            <a:r>
-              <a:rPr lang="en-US" sz="1300" dirty="0">
-                <a:latin typeface="G마켓 산스 TTF Medium" panose="02000000000000000000" pitchFamily="2" charset="-127"/>
-                <a:ea typeface="G마켓 산스 TTF Medium" panose="02000000000000000000" pitchFamily="2" charset="-127"/>
-                <a:cs typeface="맑은 고딕" panose="020B0503020000020004" charset="-127"/>
-                <a:sym typeface="맑은 고딕" panose="020B0503020000020004" charset="-127"/>
-              </a:rPr>
-              <a:t>- </a:t>
-            </a:r>
-            <a:r>
-              <a:rPr lang="en-US" sz="1300" dirty="0" err="1">
-                <a:latin typeface="G마켓 산스 TTF Medium" panose="02000000000000000000" pitchFamily="2" charset="-127"/>
-                <a:ea typeface="G마켓 산스 TTF Medium" panose="02000000000000000000" pitchFamily="2" charset="-127"/>
-                <a:cs typeface="맑은 고딕" panose="020B0503020000020004" charset="-127"/>
-                <a:sym typeface="맑은 고딕" panose="020B0503020000020004" charset="-127"/>
-              </a:rPr>
-              <a:t>체력</a:t>
-            </a:r>
-            <a:r>
-              <a:rPr lang="en-US" sz="1300" dirty="0">
-                <a:latin typeface="G마켓 산스 TTF Medium" panose="02000000000000000000" pitchFamily="2" charset="-127"/>
-                <a:ea typeface="G마켓 산스 TTF Medium" panose="02000000000000000000" pitchFamily="2" charset="-127"/>
-                <a:cs typeface="맑은 고딕" panose="020B0503020000020004" charset="-127"/>
-                <a:sym typeface="맑은 고딕" panose="020B0503020000020004" charset="-127"/>
-              </a:rPr>
-              <a:t> : 300</a:t>
-            </a:r>
-          </a:p>
-          <a:p>
-            <a:pPr indent="0">
-              <a:lnSpc>
-                <a:spcPct val="150000"/>
-              </a:lnSpc>
-              <a:spcBef>
-                <a:spcPts val="0"/>
-              </a:spcBef>
-              <a:spcAft>
-                <a:spcPts val="0"/>
-              </a:spcAft>
-              <a:buNone/>
-            </a:pPr>
-            <a:r>
-              <a:rPr lang="en-US" sz="1300" dirty="0">
-                <a:latin typeface="G마켓 산스 TTF Medium" panose="02000000000000000000" pitchFamily="2" charset="-127"/>
-                <a:ea typeface="G마켓 산스 TTF Medium" panose="02000000000000000000" pitchFamily="2" charset="-127"/>
-                <a:cs typeface="맑은 고딕" panose="020B0503020000020004" charset="-127"/>
-                <a:sym typeface="맑은 고딕" panose="020B0503020000020004" charset="-127"/>
-              </a:rPr>
-              <a:t>- </a:t>
-            </a:r>
-            <a:r>
-              <a:rPr lang="ko-KR" altLang="en-US" sz="1300" dirty="0">
-                <a:latin typeface="G마켓 산스 TTF Medium" panose="02000000000000000000" pitchFamily="2" charset="-127"/>
-                <a:ea typeface="G마켓 산스 TTF Medium" panose="02000000000000000000" pitchFamily="2" charset="-127"/>
-                <a:cs typeface="맑은 고딕" panose="020B0503020000020004" charset="-127"/>
-                <a:sym typeface="맑은 고딕" panose="020B0503020000020004" charset="-127"/>
-              </a:rPr>
-              <a:t>공격속도</a:t>
-            </a:r>
-            <a:r>
-              <a:rPr lang="en-US" altLang="ko-KR" sz="1300" dirty="0">
-                <a:latin typeface="G마켓 산스 TTF Medium" panose="02000000000000000000" pitchFamily="2" charset="-127"/>
-                <a:ea typeface="G마켓 산스 TTF Medium" panose="02000000000000000000" pitchFamily="2" charset="-127"/>
-                <a:cs typeface="맑은 고딕" panose="020B0503020000020004" charset="-127"/>
-                <a:sym typeface="맑은 고딕" panose="020B0503020000020004" charset="-127"/>
-              </a:rPr>
-              <a:t> : 2.5</a:t>
-            </a:r>
-            <a:r>
-              <a:rPr lang="ko-KR" altLang="en-US" sz="1300" dirty="0">
-                <a:latin typeface="G마켓 산스 TTF Medium" panose="02000000000000000000" pitchFamily="2" charset="-127"/>
-                <a:ea typeface="G마켓 산스 TTF Medium" panose="02000000000000000000" pitchFamily="2" charset="-127"/>
-                <a:cs typeface="맑은 고딕" panose="020B0503020000020004" charset="-127"/>
-                <a:sym typeface="맑은 고딕" panose="020B0503020000020004" charset="-127"/>
-              </a:rPr>
-              <a:t>초에</a:t>
-            </a:r>
-            <a:r>
-              <a:rPr lang="en-US" altLang="ko-KR" sz="1300" dirty="0">
-                <a:latin typeface="G마켓 산스 TTF Medium" panose="02000000000000000000" pitchFamily="2" charset="-127"/>
-                <a:ea typeface="G마켓 산스 TTF Medium" panose="02000000000000000000" pitchFamily="2" charset="-127"/>
-                <a:cs typeface="맑은 고딕" panose="020B0503020000020004" charset="-127"/>
-                <a:sym typeface="맑은 고딕" panose="020B0503020000020004" charset="-127"/>
-              </a:rPr>
-              <a:t> 1</a:t>
-            </a:r>
-            <a:r>
-              <a:rPr lang="ko-KR" altLang="en-US" sz="1300" dirty="0">
-                <a:latin typeface="G마켓 산스 TTF Medium" panose="02000000000000000000" pitchFamily="2" charset="-127"/>
-                <a:ea typeface="G마켓 산스 TTF Medium" panose="02000000000000000000" pitchFamily="2" charset="-127"/>
-                <a:cs typeface="맑은 고딕" panose="020B0503020000020004" charset="-127"/>
-                <a:sym typeface="맑은 고딕" panose="020B0503020000020004" charset="-127"/>
-              </a:rPr>
-              <a:t>번</a:t>
-            </a:r>
-            <a:endParaRPr sz="1300" dirty="0">
-              <a:latin typeface="G마켓 산스 TTF Medium" panose="02000000000000000000" pitchFamily="2" charset="-127"/>
-              <a:ea typeface="G마켓 산스 TTF Medium" panose="02000000000000000000" pitchFamily="2" charset="-127"/>
-              <a:cs typeface="맑은 고딕" panose="020B0503020000020004" charset="-127"/>
-              <a:sym typeface="맑은 고딕" panose="020B0503020000020004" charset="-127"/>
-            </a:endParaRPr>
-          </a:p>
-          <a:p>
-            <a:pPr indent="0">
-              <a:lnSpc>
-                <a:spcPct val="150000"/>
-              </a:lnSpc>
-              <a:spcBef>
-                <a:spcPts val="0"/>
-              </a:spcBef>
-              <a:spcAft>
-                <a:spcPts val="0"/>
-              </a:spcAft>
-              <a:buNone/>
-            </a:pPr>
-            <a:r>
-              <a:rPr lang="en-US" sz="1300" dirty="0">
-                <a:latin typeface="G마켓 산스 TTF Medium" panose="02000000000000000000" pitchFamily="2" charset="-127"/>
-                <a:ea typeface="G마켓 산스 TTF Medium" panose="02000000000000000000" pitchFamily="2" charset="-127"/>
-                <a:cs typeface="맑은 고딕" panose="020B0503020000020004" charset="-127"/>
-                <a:sym typeface="맑은 고딕" panose="020B0503020000020004" charset="-127"/>
-              </a:rPr>
-              <a:t>- </a:t>
-            </a:r>
-            <a:r>
-              <a:rPr lang="en-US" sz="1300" dirty="0" err="1">
-                <a:latin typeface="G마켓 산스 TTF Medium" panose="02000000000000000000" pitchFamily="2" charset="-127"/>
-                <a:ea typeface="G마켓 산스 TTF Medium" panose="02000000000000000000" pitchFamily="2" charset="-127"/>
-                <a:cs typeface="맑은 고딕" panose="020B0503020000020004" charset="-127"/>
-                <a:sym typeface="맑은 고딕" panose="020B0503020000020004" charset="-127"/>
-              </a:rPr>
-              <a:t>데미지</a:t>
-            </a:r>
-            <a:r>
-              <a:rPr lang="en-US" sz="1300" dirty="0">
-                <a:latin typeface="G마켓 산스 TTF Medium" panose="02000000000000000000" pitchFamily="2" charset="-127"/>
-                <a:ea typeface="G마켓 산스 TTF Medium" panose="02000000000000000000" pitchFamily="2" charset="-127"/>
-                <a:cs typeface="맑은 고딕" panose="020B0503020000020004" charset="-127"/>
-                <a:sym typeface="맑은 고딕" panose="020B0503020000020004" charset="-127"/>
-              </a:rPr>
-              <a:t> : 50</a:t>
-            </a:r>
-            <a:endParaRPr sz="1300" dirty="0">
-              <a:latin typeface="G마켓 산스 TTF Medium" panose="02000000000000000000" pitchFamily="2" charset="-127"/>
-              <a:ea typeface="G마켓 산스 TTF Medium" panose="02000000000000000000" pitchFamily="2" charset="-127"/>
-              <a:cs typeface="맑은 고딕" panose="020B0503020000020004" charset="-127"/>
-              <a:sym typeface="맑은 고딕" panose="020B0503020000020004" charset="-127"/>
-            </a:endParaRPr>
-          </a:p>
-          <a:p>
-            <a:pPr indent="0">
-              <a:lnSpc>
-                <a:spcPct val="150000"/>
-              </a:lnSpc>
-              <a:spcBef>
-                <a:spcPts val="0"/>
-              </a:spcBef>
-              <a:spcAft>
-                <a:spcPts val="0"/>
-              </a:spcAft>
-              <a:buNone/>
-            </a:pPr>
-            <a:r>
-              <a:rPr lang="en-US" sz="1300" dirty="0">
-                <a:latin typeface="G마켓 산스 TTF Medium" panose="02000000000000000000" pitchFamily="2" charset="-127"/>
-                <a:ea typeface="G마켓 산스 TTF Medium" panose="02000000000000000000" pitchFamily="2" charset="-127"/>
-                <a:cs typeface="맑은 고딕" panose="020B0503020000020004" charset="-127"/>
-                <a:sym typeface="맑은 고딕" panose="020B0503020000020004" charset="-127"/>
-              </a:rPr>
-              <a:t>- </a:t>
-            </a:r>
-            <a:r>
-              <a:rPr lang="en-US" sz="1300" dirty="0" err="1">
-                <a:latin typeface="G마켓 산스 TTF Medium" panose="02000000000000000000" pitchFamily="2" charset="-127"/>
-                <a:ea typeface="G마켓 산스 TTF Medium" panose="02000000000000000000" pitchFamily="2" charset="-127"/>
-                <a:cs typeface="맑은 고딕" panose="020B0503020000020004" charset="-127"/>
-                <a:sym typeface="맑은 고딕" panose="020B0503020000020004" charset="-127"/>
-              </a:rPr>
-              <a:t>애니메이션</a:t>
-            </a:r>
-            <a:r>
-              <a:rPr lang="en-US" sz="1300" dirty="0">
-                <a:latin typeface="G마켓 산스 TTF Medium" panose="02000000000000000000" pitchFamily="2" charset="-127"/>
-                <a:ea typeface="G마켓 산스 TTF Medium" panose="02000000000000000000" pitchFamily="2" charset="-127"/>
-                <a:cs typeface="맑은 고딕" panose="020B0503020000020004" charset="-127"/>
-                <a:sym typeface="맑은 고딕" panose="020B0503020000020004" charset="-127"/>
-              </a:rPr>
-              <a:t> 4종(Idle, </a:t>
-            </a:r>
-            <a:r>
-              <a:rPr lang="ko-KR" altLang="en-US" sz="1300" dirty="0">
-                <a:latin typeface="G마켓 산스 TTF Medium" panose="02000000000000000000" pitchFamily="2" charset="-127"/>
-                <a:ea typeface="G마켓 산스 TTF Medium" panose="02000000000000000000" pitchFamily="2" charset="-127"/>
-                <a:cs typeface="맑은 고딕" panose="020B0503020000020004" charset="-127"/>
-                <a:sym typeface="맑은 고딕" panose="020B0503020000020004" charset="-127"/>
-              </a:rPr>
-              <a:t>이동</a:t>
-            </a:r>
-            <a:r>
-              <a:rPr lang="en-US" altLang="ko-KR" sz="1300" dirty="0">
-                <a:latin typeface="G마켓 산스 TTF Medium" panose="02000000000000000000" pitchFamily="2" charset="-127"/>
-                <a:ea typeface="G마켓 산스 TTF Medium" panose="02000000000000000000" pitchFamily="2" charset="-127"/>
-                <a:cs typeface="맑은 고딕" panose="020B0503020000020004" charset="-127"/>
-                <a:sym typeface="맑은 고딕" panose="020B0503020000020004" charset="-127"/>
-              </a:rPr>
-              <a:t>, </a:t>
-            </a:r>
-            <a:r>
-              <a:rPr lang="ko-KR" altLang="en-US" sz="1300" dirty="0">
-                <a:latin typeface="G마켓 산스 TTF Medium" panose="02000000000000000000" pitchFamily="2" charset="-127"/>
-                <a:ea typeface="G마켓 산스 TTF Medium" panose="02000000000000000000" pitchFamily="2" charset="-127"/>
-                <a:cs typeface="맑은 고딕" panose="020B0503020000020004" charset="-127"/>
-                <a:sym typeface="맑은 고딕" panose="020B0503020000020004" charset="-127"/>
-              </a:rPr>
-              <a:t>공격</a:t>
-            </a:r>
-            <a:r>
-              <a:rPr lang="en-US" altLang="ko-KR" sz="1300" dirty="0">
-                <a:latin typeface="G마켓 산스 TTF Medium" panose="02000000000000000000" pitchFamily="2" charset="-127"/>
-                <a:ea typeface="G마켓 산스 TTF Medium" panose="02000000000000000000" pitchFamily="2" charset="-127"/>
-                <a:cs typeface="맑은 고딕" panose="020B0503020000020004" charset="-127"/>
-                <a:sym typeface="맑은 고딕" panose="020B0503020000020004" charset="-127"/>
-              </a:rPr>
-              <a:t>, </a:t>
-            </a:r>
-            <a:r>
-              <a:rPr lang="ko-KR" altLang="en-US" sz="1300" dirty="0">
-                <a:latin typeface="G마켓 산스 TTF Medium" panose="02000000000000000000" pitchFamily="2" charset="-127"/>
-                <a:ea typeface="G마켓 산스 TTF Medium" panose="02000000000000000000" pitchFamily="2" charset="-127"/>
-                <a:cs typeface="맑은 고딕" panose="020B0503020000020004" charset="-127"/>
-                <a:sym typeface="맑은 고딕" panose="020B0503020000020004" charset="-127"/>
-              </a:rPr>
-              <a:t>사망</a:t>
-            </a:r>
-            <a:r>
-              <a:rPr lang="en-US" altLang="ko-KR" sz="1300" dirty="0">
-                <a:latin typeface="G마켓 산스 TTF Medium" panose="02000000000000000000" pitchFamily="2" charset="-127"/>
-                <a:ea typeface="G마켓 산스 TTF Medium" panose="02000000000000000000" pitchFamily="2" charset="-127"/>
-                <a:cs typeface="맑은 고딕" panose="020B0503020000020004" charset="-127"/>
-                <a:sym typeface="맑은 고딕" panose="020B0503020000020004" charset="-127"/>
-              </a:rPr>
-              <a:t>)</a:t>
-            </a:r>
-            <a:r>
-              <a:rPr lang="en-US" sz="1200" dirty="0">
-                <a:latin typeface="G마켓 산스 TTF Medium" panose="02000000000000000000" pitchFamily="2" charset="-127"/>
-                <a:ea typeface="G마켓 산스 TTF Medium" panose="02000000000000000000" pitchFamily="2" charset="-127"/>
-                <a:cs typeface="맑은 고딕" panose="020B0503020000020004" charset="-127"/>
-                <a:sym typeface="맑은 고딕" panose="020B0503020000020004" charset="-127"/>
-              </a:rPr>
-              <a:t> </a:t>
-            </a:r>
-            <a:endParaRPr sz="1200" dirty="0">
-              <a:latin typeface="G마켓 산스 TTF Medium" panose="02000000000000000000" pitchFamily="2" charset="-127"/>
-              <a:ea typeface="G마켓 산스 TTF Medium" panose="02000000000000000000" pitchFamily="2" charset="-127"/>
-              <a:cs typeface="맑은 고딕" panose="020B0503020000020004" charset="-127"/>
-              <a:sym typeface="맑은 고딕" panose="020B0503020000020004" charset="-127"/>
-            </a:endParaRPr>
-          </a:p>
-        </p:txBody>
-      </p:sp>
-      <p:pic>
-        <p:nvPicPr>
-          <p:cNvPr id="103" name="Picture 102"/>
-          <p:cNvPicPr/>
-          <p:nvPr/>
-        </p:nvPicPr>
-        <p:blipFill>
-          <a:blip r:embed="rId4"/>
-          <a:stretch>
-            <a:fillRect/>
-          </a:stretch>
-        </p:blipFill>
-        <p:spPr>
-          <a:xfrm>
-            <a:off x="6298248" y="3743643"/>
-            <a:ext cx="1800225" cy="2543175"/>
-          </a:xfrm>
-          <a:prstGeom prst="rect">
-            <a:avLst/>
-          </a:prstGeom>
-          <a:noFill/>
-          <a:ln w="9525">
-            <a:noFill/>
-          </a:ln>
-        </p:spPr>
-      </p:pic>
-      <p:sp>
-        <p:nvSpPr>
-          <p:cNvPr id="3" name="Google Shape;138;p21"/>
-          <p:cNvSpPr txBox="1"/>
-          <p:nvPr/>
-        </p:nvSpPr>
-        <p:spPr>
-          <a:xfrm>
-            <a:off x="8472805" y="3912336"/>
-            <a:ext cx="2829560" cy="1996440"/>
-          </a:xfrm>
-          <a:prstGeom prst="rect">
-            <a:avLst/>
-          </a:prstGeom>
-          <a:noFill/>
-          <a:ln>
-            <a:noFill/>
-          </a:ln>
-        </p:spPr>
-        <p:txBody>
-          <a:bodyPr spcFirstLastPara="1" wrap="square" lIns="91425" tIns="91425" rIns="91425" bIns="91425" anchor="t" anchorCtr="0">
-            <a:noAutofit/>
-          </a:bodyPr>
-          <a:lstStyle/>
-          <a:p>
-            <a:pPr indent="0">
-              <a:lnSpc>
-                <a:spcPct val="150000"/>
-              </a:lnSpc>
-              <a:spcBef>
-                <a:spcPts val="0"/>
-              </a:spcBef>
-              <a:spcAft>
-                <a:spcPts val="0"/>
-              </a:spcAft>
-              <a:buNone/>
-            </a:pPr>
-            <a:r>
-              <a:rPr lang="en-US" sz="1200">
-                <a:latin typeface="G마켓 산스 TTF Medium" panose="02000000000000000000" pitchFamily="2" charset="-127"/>
-                <a:ea typeface="G마켓 산스 TTF Medium" panose="02000000000000000000" pitchFamily="2" charset="-127"/>
-                <a:cs typeface="맑은 고딕" panose="020B0503020000020004" charset="-127"/>
-                <a:sym typeface="맑은 고딕" panose="020B0503020000020004" charset="-127"/>
-              </a:rPr>
-              <a:t>        </a:t>
-            </a:r>
-            <a:r>
-              <a:rPr lang="ko-KR" altLang="en-US" sz="1600" b="1">
-                <a:latin typeface="G마켓 산스 TTF Medium" panose="02000000000000000000" pitchFamily="2" charset="-127"/>
-                <a:ea typeface="G마켓 산스 TTF Medium" panose="02000000000000000000" pitchFamily="2" charset="-127"/>
-                <a:cs typeface="맑은 고딕" panose="020B0503020000020004" charset="-127"/>
-                <a:sym typeface="맑은 고딕" panose="020B0503020000020004" charset="-127"/>
-              </a:rPr>
-              <a:t>골렘</a:t>
-            </a:r>
-            <a:endParaRPr sz="1600" b="1">
-              <a:latin typeface="G마켓 산스 TTF Medium" panose="02000000000000000000" pitchFamily="2" charset="-127"/>
-              <a:ea typeface="G마켓 산스 TTF Medium" panose="02000000000000000000" pitchFamily="2" charset="-127"/>
-              <a:cs typeface="맑은 고딕" panose="020B0503020000020004" charset="-127"/>
-              <a:sym typeface="맑은 고딕" panose="020B0503020000020004" charset="-127"/>
-            </a:endParaRPr>
-          </a:p>
-          <a:p>
-            <a:pPr indent="0">
-              <a:lnSpc>
-                <a:spcPct val="150000"/>
-              </a:lnSpc>
-              <a:spcBef>
-                <a:spcPts val="0"/>
-              </a:spcBef>
-              <a:spcAft>
-                <a:spcPts val="0"/>
-              </a:spcAft>
-              <a:buNone/>
-            </a:pPr>
-            <a:endParaRPr sz="1200">
-              <a:latin typeface="G마켓 산스 TTF Medium" panose="02000000000000000000" pitchFamily="2" charset="-127"/>
-              <a:ea typeface="G마켓 산스 TTF Medium" panose="02000000000000000000" pitchFamily="2" charset="-127"/>
-              <a:cs typeface="맑은 고딕" panose="020B0503020000020004" charset="-127"/>
-              <a:sym typeface="맑은 고딕" panose="020B0503020000020004" charset="-127"/>
-            </a:endParaRPr>
-          </a:p>
-          <a:p>
-            <a:pPr indent="0">
-              <a:lnSpc>
-                <a:spcPct val="150000"/>
-              </a:lnSpc>
-              <a:spcBef>
-                <a:spcPts val="0"/>
-              </a:spcBef>
-              <a:spcAft>
-                <a:spcPts val="0"/>
-              </a:spcAft>
-              <a:buNone/>
-            </a:pPr>
-            <a:r>
-              <a:rPr lang="en-US" sz="1300">
-                <a:latin typeface="G마켓 산스 TTF Medium" panose="02000000000000000000" pitchFamily="2" charset="-127"/>
-                <a:ea typeface="G마켓 산스 TTF Medium" panose="02000000000000000000" pitchFamily="2" charset="-127"/>
-                <a:cs typeface="맑은 고딕" panose="020B0503020000020004" charset="-127"/>
-                <a:sym typeface="맑은 고딕" panose="020B0503020000020004" charset="-127"/>
-              </a:rPr>
-              <a:t>- 키 : 400cm</a:t>
-            </a:r>
-            <a:endParaRPr sz="1300">
-              <a:latin typeface="G마켓 산스 TTF Medium" panose="02000000000000000000" pitchFamily="2" charset="-127"/>
-              <a:ea typeface="G마켓 산스 TTF Medium" panose="02000000000000000000" pitchFamily="2" charset="-127"/>
-              <a:cs typeface="맑은 고딕" panose="020B0503020000020004" charset="-127"/>
-              <a:sym typeface="맑은 고딕" panose="020B0503020000020004" charset="-127"/>
-            </a:endParaRPr>
-          </a:p>
-          <a:p>
-            <a:pPr indent="0">
-              <a:lnSpc>
-                <a:spcPct val="150000"/>
-              </a:lnSpc>
-              <a:spcBef>
-                <a:spcPts val="0"/>
-              </a:spcBef>
-              <a:spcAft>
-                <a:spcPts val="0"/>
-              </a:spcAft>
-              <a:buNone/>
-            </a:pPr>
-            <a:r>
-              <a:rPr lang="en-US" sz="1300">
-                <a:latin typeface="G마켓 산스 TTF Medium" panose="02000000000000000000" pitchFamily="2" charset="-127"/>
-                <a:ea typeface="G마켓 산스 TTF Medium" panose="02000000000000000000" pitchFamily="2" charset="-127"/>
-                <a:cs typeface="맑은 고딕" panose="020B0503020000020004" charset="-127"/>
-                <a:sym typeface="맑은 고딕" panose="020B0503020000020004" charset="-127"/>
-              </a:rPr>
-              <a:t>- 이동속도 : 0.5km/h</a:t>
-            </a:r>
-            <a:endParaRPr sz="1300">
-              <a:latin typeface="G마켓 산스 TTF Medium" panose="02000000000000000000" pitchFamily="2" charset="-127"/>
-              <a:ea typeface="G마켓 산스 TTF Medium" panose="02000000000000000000" pitchFamily="2" charset="-127"/>
-              <a:cs typeface="맑은 고딕" panose="020B0503020000020004" charset="-127"/>
-              <a:sym typeface="맑은 고딕" panose="020B0503020000020004" charset="-127"/>
-            </a:endParaRPr>
-          </a:p>
-          <a:p>
-            <a:pPr indent="0">
-              <a:lnSpc>
-                <a:spcPct val="150000"/>
-              </a:lnSpc>
-              <a:spcBef>
-                <a:spcPts val="0"/>
-              </a:spcBef>
-              <a:spcAft>
-                <a:spcPts val="0"/>
-              </a:spcAft>
-              <a:buNone/>
-            </a:pPr>
-            <a:r>
-              <a:rPr lang="en-US" sz="1300">
-                <a:latin typeface="G마켓 산스 TTF Medium" panose="02000000000000000000" pitchFamily="2" charset="-127"/>
-                <a:ea typeface="G마켓 산스 TTF Medium" panose="02000000000000000000" pitchFamily="2" charset="-127"/>
-                <a:cs typeface="맑은 고딕" panose="020B0503020000020004" charset="-127"/>
-                <a:sym typeface="맑은 고딕" panose="020B0503020000020004" charset="-127"/>
-              </a:rPr>
-              <a:t>- 체력 : 500</a:t>
-            </a:r>
-          </a:p>
-          <a:p>
-            <a:pPr indent="0">
-              <a:lnSpc>
-                <a:spcPct val="150000"/>
-              </a:lnSpc>
-              <a:spcBef>
-                <a:spcPts val="0"/>
-              </a:spcBef>
-              <a:spcAft>
-                <a:spcPts val="0"/>
-              </a:spcAft>
-              <a:buNone/>
-            </a:pPr>
-            <a:r>
-              <a:rPr lang="en-US" sz="1300">
-                <a:latin typeface="G마켓 산스 TTF Medium" panose="02000000000000000000" pitchFamily="2" charset="-127"/>
-                <a:ea typeface="G마켓 산스 TTF Medium" panose="02000000000000000000" pitchFamily="2" charset="-127"/>
-                <a:cs typeface="맑은 고딕" panose="020B0503020000020004" charset="-127"/>
-                <a:sym typeface="맑은 고딕" panose="020B0503020000020004" charset="-127"/>
-              </a:rPr>
-              <a:t>- </a:t>
-            </a:r>
-            <a:r>
-              <a:rPr lang="ko-KR" altLang="en-US" sz="1300">
-                <a:latin typeface="G마켓 산스 TTF Medium" panose="02000000000000000000" pitchFamily="2" charset="-127"/>
-                <a:ea typeface="G마켓 산스 TTF Medium" panose="02000000000000000000" pitchFamily="2" charset="-127"/>
-                <a:cs typeface="맑은 고딕" panose="020B0503020000020004" charset="-127"/>
-                <a:sym typeface="맑은 고딕" panose="020B0503020000020004" charset="-127"/>
-              </a:rPr>
-              <a:t>데미지</a:t>
-            </a:r>
-            <a:r>
-              <a:rPr lang="en-US" altLang="ko-KR" sz="1300">
-                <a:latin typeface="G마켓 산스 TTF Medium" panose="02000000000000000000" pitchFamily="2" charset="-127"/>
-                <a:ea typeface="G마켓 산스 TTF Medium" panose="02000000000000000000" pitchFamily="2" charset="-127"/>
-                <a:cs typeface="맑은 고딕" panose="020B0503020000020004" charset="-127"/>
-                <a:sym typeface="맑은 고딕" panose="020B0503020000020004" charset="-127"/>
-              </a:rPr>
-              <a:t> : 100</a:t>
-            </a:r>
-            <a:endParaRPr lang="en-US" sz="1300">
-              <a:latin typeface="G마켓 산스 TTF Medium" panose="02000000000000000000" pitchFamily="2" charset="-127"/>
-              <a:ea typeface="G마켓 산스 TTF Medium" panose="02000000000000000000" pitchFamily="2" charset="-127"/>
-              <a:cs typeface="맑은 고딕" panose="020B0503020000020004" charset="-127"/>
-              <a:sym typeface="맑은 고딕" panose="020B0503020000020004" charset="-127"/>
-            </a:endParaRPr>
-          </a:p>
-          <a:p>
-            <a:pPr indent="0">
-              <a:lnSpc>
-                <a:spcPct val="150000"/>
-              </a:lnSpc>
-              <a:spcBef>
-                <a:spcPts val="0"/>
-              </a:spcBef>
-              <a:spcAft>
-                <a:spcPts val="0"/>
-              </a:spcAft>
-              <a:buNone/>
-            </a:pPr>
-            <a:r>
-              <a:rPr lang="en-US" sz="1300">
-                <a:latin typeface="G마켓 산스 TTF Medium" panose="02000000000000000000" pitchFamily="2" charset="-127"/>
-                <a:ea typeface="G마켓 산스 TTF Medium" panose="02000000000000000000" pitchFamily="2" charset="-127"/>
-                <a:cs typeface="맑은 고딕" panose="020B0503020000020004" charset="-127"/>
-                <a:sym typeface="맑은 고딕" panose="020B0503020000020004" charset="-127"/>
-              </a:rPr>
-              <a:t>- 애니메이션 5종(Idle, </a:t>
-            </a:r>
-            <a:r>
-              <a:rPr lang="ko-KR" altLang="en-US" sz="1300">
-                <a:latin typeface="G마켓 산스 TTF Medium" panose="02000000000000000000" pitchFamily="2" charset="-127"/>
-                <a:ea typeface="G마켓 산스 TTF Medium" panose="02000000000000000000" pitchFamily="2" charset="-127"/>
-                <a:cs typeface="맑은 고딕" panose="020B0503020000020004" charset="-127"/>
-                <a:sym typeface="맑은 고딕" panose="020B0503020000020004" charset="-127"/>
-              </a:rPr>
-              <a:t>이동</a:t>
-            </a:r>
-            <a:r>
-              <a:rPr lang="en-US" altLang="ko-KR" sz="1300">
-                <a:latin typeface="G마켓 산스 TTF Medium" panose="02000000000000000000" pitchFamily="2" charset="-127"/>
-                <a:ea typeface="G마켓 산스 TTF Medium" panose="02000000000000000000" pitchFamily="2" charset="-127"/>
-                <a:cs typeface="맑은 고딕" panose="020B0503020000020004" charset="-127"/>
-                <a:sym typeface="맑은 고딕" panose="020B0503020000020004" charset="-127"/>
-              </a:rPr>
-              <a:t>, </a:t>
-            </a:r>
-            <a:r>
-              <a:rPr lang="ko-KR" altLang="en-US" sz="1300">
-                <a:latin typeface="G마켓 산스 TTF Medium" panose="02000000000000000000" pitchFamily="2" charset="-127"/>
-                <a:ea typeface="G마켓 산스 TTF Medium" panose="02000000000000000000" pitchFamily="2" charset="-127"/>
-                <a:cs typeface="맑은 고딕" panose="020B0503020000020004" charset="-127"/>
-                <a:sym typeface="맑은 고딕" panose="020B0503020000020004" charset="-127"/>
-              </a:rPr>
-              <a:t>공격</a:t>
-            </a:r>
-            <a:r>
-              <a:rPr lang="en-US" altLang="ko-KR" sz="1300">
-                <a:latin typeface="G마켓 산스 TTF Medium" panose="02000000000000000000" pitchFamily="2" charset="-127"/>
-                <a:ea typeface="G마켓 산스 TTF Medium" panose="02000000000000000000" pitchFamily="2" charset="-127"/>
-                <a:cs typeface="맑은 고딕" panose="020B0503020000020004" charset="-127"/>
-                <a:sym typeface="맑은 고딕" panose="020B0503020000020004" charset="-127"/>
-              </a:rPr>
-              <a:t> 1, </a:t>
-            </a:r>
-            <a:r>
-              <a:rPr lang="ko-KR" altLang="en-US" sz="1300">
-                <a:latin typeface="G마켓 산스 TTF Medium" panose="02000000000000000000" pitchFamily="2" charset="-127"/>
-                <a:ea typeface="G마켓 산스 TTF Medium" panose="02000000000000000000" pitchFamily="2" charset="-127"/>
-                <a:cs typeface="맑은 고딕" panose="020B0503020000020004" charset="-127"/>
-                <a:sym typeface="맑은 고딕" panose="020B0503020000020004" charset="-127"/>
-              </a:rPr>
-              <a:t>공격</a:t>
-            </a:r>
-            <a:r>
-              <a:rPr lang="en-US" altLang="ko-KR" sz="1300">
-                <a:latin typeface="G마켓 산스 TTF Medium" panose="02000000000000000000" pitchFamily="2" charset="-127"/>
-                <a:ea typeface="G마켓 산스 TTF Medium" panose="02000000000000000000" pitchFamily="2" charset="-127"/>
-                <a:cs typeface="맑은 고딕" panose="020B0503020000020004" charset="-127"/>
-                <a:sym typeface="맑은 고딕" panose="020B0503020000020004" charset="-127"/>
-              </a:rPr>
-              <a:t> 2, </a:t>
-            </a:r>
-            <a:r>
-              <a:rPr lang="ko-KR" altLang="en-US" sz="1300">
-                <a:latin typeface="G마켓 산스 TTF Medium" panose="02000000000000000000" pitchFamily="2" charset="-127"/>
-                <a:ea typeface="G마켓 산스 TTF Medium" panose="02000000000000000000" pitchFamily="2" charset="-127"/>
-                <a:cs typeface="맑은 고딕" panose="020B0503020000020004" charset="-127"/>
-                <a:sym typeface="맑은 고딕" panose="020B0503020000020004" charset="-127"/>
-              </a:rPr>
-              <a:t>사망</a:t>
-            </a:r>
-            <a:r>
-              <a:rPr lang="en-US" altLang="ko-KR" sz="1300">
-                <a:latin typeface="G마켓 산스 TTF Medium" panose="02000000000000000000" pitchFamily="2" charset="-127"/>
-                <a:ea typeface="G마켓 산스 TTF Medium" panose="02000000000000000000" pitchFamily="2" charset="-127"/>
-                <a:cs typeface="맑은 고딕" panose="020B0503020000020004" charset="-127"/>
-                <a:sym typeface="맑은 고딕" panose="020B0503020000020004" charset="-127"/>
-              </a:rPr>
-              <a:t>)</a:t>
-            </a:r>
-            <a:r>
-              <a:rPr lang="en-US" sz="1200">
-                <a:latin typeface="G마켓 산스 TTF Medium" panose="02000000000000000000" pitchFamily="2" charset="-127"/>
-                <a:ea typeface="G마켓 산스 TTF Medium" panose="02000000000000000000" pitchFamily="2" charset="-127"/>
-                <a:cs typeface="맑은 고딕" panose="020B0503020000020004" charset="-127"/>
-                <a:sym typeface="맑은 고딕" panose="020B0503020000020004" charset="-127"/>
-              </a:rPr>
-              <a:t> </a:t>
-            </a:r>
-            <a:endParaRPr sz="1200">
-              <a:latin typeface="G마켓 산스 TTF Medium" panose="02000000000000000000" pitchFamily="2" charset="-127"/>
-              <a:ea typeface="G마켓 산스 TTF Medium" panose="02000000000000000000" pitchFamily="2" charset="-127"/>
-              <a:cs typeface="맑은 고딕" panose="020B0503020000020004" charset="-127"/>
-              <a:sym typeface="맑은 고딕" panose="020B0503020000020004" charset="-127"/>
-            </a:endParaRPr>
-          </a:p>
-        </p:txBody>
-      </p:sp>
-      <p:pic>
-        <p:nvPicPr>
-          <p:cNvPr id="104" name="Picture 103"/>
-          <p:cNvPicPr/>
-          <p:nvPr/>
-        </p:nvPicPr>
-        <p:blipFill>
-          <a:blip r:embed="rId5"/>
-          <a:stretch>
-            <a:fillRect/>
-          </a:stretch>
-        </p:blipFill>
-        <p:spPr>
-          <a:xfrm>
-            <a:off x="718185" y="4085590"/>
-            <a:ext cx="1957070" cy="2047875"/>
-          </a:xfrm>
-          <a:prstGeom prst="rect">
-            <a:avLst/>
-          </a:prstGeom>
-          <a:noFill/>
-          <a:ln w="9525">
-            <a:noFill/>
-          </a:ln>
-        </p:spPr>
-      </p:pic>
-      <p:sp>
-        <p:nvSpPr>
-          <p:cNvPr id="4" name="Google Shape;138;p21"/>
-          <p:cNvSpPr txBox="1"/>
-          <p:nvPr/>
-        </p:nvSpPr>
-        <p:spPr>
-          <a:xfrm>
-            <a:off x="2613025" y="3841851"/>
-            <a:ext cx="3111500" cy="2001520"/>
-          </a:xfrm>
-          <a:prstGeom prst="rect">
-            <a:avLst/>
-          </a:prstGeom>
-          <a:noFill/>
-          <a:ln>
-            <a:noFill/>
-          </a:ln>
-        </p:spPr>
-        <p:txBody>
-          <a:bodyPr spcFirstLastPara="1" wrap="square" lIns="91425" tIns="91425" rIns="91425" bIns="91425" anchor="t" anchorCtr="0">
-            <a:noAutofit/>
-          </a:bodyPr>
-          <a:lstStyle/>
-          <a:p>
-            <a:pPr indent="0">
-              <a:lnSpc>
-                <a:spcPct val="150000"/>
-              </a:lnSpc>
-              <a:spcBef>
-                <a:spcPts val="0"/>
-              </a:spcBef>
-              <a:spcAft>
-                <a:spcPts val="0"/>
-              </a:spcAft>
-              <a:buNone/>
-            </a:pPr>
-            <a:r>
-              <a:rPr lang="en-US" sz="1200">
-                <a:latin typeface="G마켓 산스 TTF Medium" panose="02000000000000000000" pitchFamily="2" charset="-127"/>
-                <a:ea typeface="G마켓 산스 TTF Medium" panose="02000000000000000000" pitchFamily="2" charset="-127"/>
-                <a:cs typeface="맑은 고딕" panose="020B0503020000020004" charset="-127"/>
-                <a:sym typeface="맑은 고딕" panose="020B0503020000020004" charset="-127"/>
-              </a:rPr>
-              <a:t>       </a:t>
-            </a:r>
-            <a:r>
-              <a:rPr lang="ko-KR" altLang="en-US" sz="1600" b="1">
-                <a:latin typeface="G마켓 산스 TTF Medium" panose="02000000000000000000" pitchFamily="2" charset="-127"/>
-                <a:ea typeface="G마켓 산스 TTF Medium" panose="02000000000000000000" pitchFamily="2" charset="-127"/>
-                <a:cs typeface="맑은 고딕" panose="020B0503020000020004" charset="-127"/>
-                <a:sym typeface="맑은 고딕" panose="020B0503020000020004" charset="-127"/>
-              </a:rPr>
-              <a:t>스켈레톤</a:t>
-            </a:r>
-            <a:endParaRPr sz="1600" b="1">
-              <a:latin typeface="G마켓 산스 TTF Medium" panose="02000000000000000000" pitchFamily="2" charset="-127"/>
-              <a:ea typeface="G마켓 산스 TTF Medium" panose="02000000000000000000" pitchFamily="2" charset="-127"/>
-              <a:cs typeface="맑은 고딕" panose="020B0503020000020004" charset="-127"/>
-              <a:sym typeface="맑은 고딕" panose="020B0503020000020004" charset="-127"/>
-            </a:endParaRPr>
-          </a:p>
-          <a:p>
-            <a:pPr indent="0">
-              <a:lnSpc>
-                <a:spcPct val="150000"/>
-              </a:lnSpc>
-              <a:spcBef>
-                <a:spcPts val="0"/>
-              </a:spcBef>
-              <a:spcAft>
-                <a:spcPts val="0"/>
-              </a:spcAft>
-              <a:buNone/>
-            </a:pPr>
-            <a:endParaRPr sz="1200">
-              <a:latin typeface="G마켓 산스 TTF Medium" panose="02000000000000000000" pitchFamily="2" charset="-127"/>
-              <a:ea typeface="G마켓 산스 TTF Medium" panose="02000000000000000000" pitchFamily="2" charset="-127"/>
-              <a:cs typeface="맑은 고딕" panose="020B0503020000020004" charset="-127"/>
-              <a:sym typeface="맑은 고딕" panose="020B0503020000020004" charset="-127"/>
-            </a:endParaRPr>
-          </a:p>
-          <a:p>
-            <a:pPr indent="0">
-              <a:lnSpc>
-                <a:spcPct val="150000"/>
-              </a:lnSpc>
-              <a:spcBef>
-                <a:spcPts val="0"/>
-              </a:spcBef>
-              <a:spcAft>
-                <a:spcPts val="0"/>
-              </a:spcAft>
-              <a:buNone/>
-            </a:pPr>
-            <a:r>
-              <a:rPr lang="en-US" sz="1300">
-                <a:latin typeface="G마켓 산스 TTF Medium" panose="02000000000000000000" pitchFamily="2" charset="-127"/>
-                <a:ea typeface="G마켓 산스 TTF Medium" panose="02000000000000000000" pitchFamily="2" charset="-127"/>
-                <a:cs typeface="맑은 고딕" panose="020B0503020000020004" charset="-127"/>
-                <a:sym typeface="맑은 고딕" panose="020B0503020000020004" charset="-127"/>
-              </a:rPr>
-              <a:t>- 키 : 160cm</a:t>
-            </a:r>
-            <a:endParaRPr sz="1300">
-              <a:latin typeface="G마켓 산스 TTF Medium" panose="02000000000000000000" pitchFamily="2" charset="-127"/>
-              <a:ea typeface="G마켓 산스 TTF Medium" panose="02000000000000000000" pitchFamily="2" charset="-127"/>
-              <a:cs typeface="맑은 고딕" panose="020B0503020000020004" charset="-127"/>
-              <a:sym typeface="맑은 고딕" panose="020B0503020000020004" charset="-127"/>
-            </a:endParaRPr>
-          </a:p>
-          <a:p>
-            <a:pPr indent="0">
-              <a:lnSpc>
-                <a:spcPct val="150000"/>
-              </a:lnSpc>
-              <a:spcBef>
-                <a:spcPts val="0"/>
-              </a:spcBef>
-              <a:spcAft>
-                <a:spcPts val="0"/>
-              </a:spcAft>
-              <a:buNone/>
-            </a:pPr>
-            <a:r>
-              <a:rPr lang="en-US" sz="1300">
-                <a:latin typeface="G마켓 산스 TTF Medium" panose="02000000000000000000" pitchFamily="2" charset="-127"/>
-                <a:ea typeface="G마켓 산스 TTF Medium" panose="02000000000000000000" pitchFamily="2" charset="-127"/>
-                <a:cs typeface="맑은 고딕" panose="020B0503020000020004" charset="-127"/>
-                <a:sym typeface="맑은 고딕" panose="020B0503020000020004" charset="-127"/>
-              </a:rPr>
-              <a:t>- 이동속도 : 1km/h</a:t>
-            </a:r>
-            <a:endParaRPr sz="1300">
-              <a:latin typeface="G마켓 산스 TTF Medium" panose="02000000000000000000" pitchFamily="2" charset="-127"/>
-              <a:ea typeface="G마켓 산스 TTF Medium" panose="02000000000000000000" pitchFamily="2" charset="-127"/>
-              <a:cs typeface="맑은 고딕" panose="020B0503020000020004" charset="-127"/>
-              <a:sym typeface="맑은 고딕" panose="020B0503020000020004" charset="-127"/>
-            </a:endParaRPr>
-          </a:p>
-          <a:p>
-            <a:pPr indent="0">
-              <a:lnSpc>
-                <a:spcPct val="150000"/>
-              </a:lnSpc>
-              <a:spcBef>
-                <a:spcPts val="0"/>
-              </a:spcBef>
-              <a:spcAft>
-                <a:spcPts val="0"/>
-              </a:spcAft>
-              <a:buNone/>
-            </a:pPr>
-            <a:r>
-              <a:rPr lang="en-US" sz="1300">
-                <a:latin typeface="G마켓 산스 TTF Medium" panose="02000000000000000000" pitchFamily="2" charset="-127"/>
-                <a:ea typeface="G마켓 산스 TTF Medium" panose="02000000000000000000" pitchFamily="2" charset="-127"/>
-                <a:cs typeface="맑은 고딕" panose="020B0503020000020004" charset="-127"/>
-                <a:sym typeface="맑은 고딕" panose="020B0503020000020004" charset="-127"/>
-              </a:rPr>
-              <a:t>- 체력 : 150</a:t>
-            </a:r>
-          </a:p>
-          <a:p>
-            <a:pPr indent="0">
-              <a:lnSpc>
-                <a:spcPct val="150000"/>
-              </a:lnSpc>
-              <a:spcBef>
-                <a:spcPts val="0"/>
-              </a:spcBef>
-              <a:spcAft>
-                <a:spcPts val="0"/>
-              </a:spcAft>
-              <a:buNone/>
-            </a:pPr>
-            <a:r>
-              <a:rPr lang="en-US" sz="1300">
-                <a:latin typeface="G마켓 산스 TTF Medium" panose="02000000000000000000" pitchFamily="2" charset="-127"/>
-                <a:ea typeface="G마켓 산스 TTF Medium" panose="02000000000000000000" pitchFamily="2" charset="-127"/>
-                <a:cs typeface="맑은 고딕" panose="020B0503020000020004" charset="-127"/>
-                <a:sym typeface="맑은 고딕" panose="020B0503020000020004" charset="-127"/>
-              </a:rPr>
-              <a:t>- </a:t>
-            </a:r>
-            <a:r>
-              <a:rPr lang="ko-KR" altLang="en-US" sz="1300">
-                <a:latin typeface="G마켓 산스 TTF Medium" panose="02000000000000000000" pitchFamily="2" charset="-127"/>
-                <a:ea typeface="G마켓 산스 TTF Medium" panose="02000000000000000000" pitchFamily="2" charset="-127"/>
-                <a:cs typeface="맑은 고딕" panose="020B0503020000020004" charset="-127"/>
-                <a:sym typeface="맑은 고딕" panose="020B0503020000020004" charset="-127"/>
-              </a:rPr>
-              <a:t>공격속도</a:t>
-            </a:r>
-            <a:r>
-              <a:rPr lang="en-US" altLang="ko-KR" sz="1300">
-                <a:latin typeface="G마켓 산스 TTF Medium" panose="02000000000000000000" pitchFamily="2" charset="-127"/>
-                <a:ea typeface="G마켓 산스 TTF Medium" panose="02000000000000000000" pitchFamily="2" charset="-127"/>
-                <a:cs typeface="맑은 고딕" panose="020B0503020000020004" charset="-127"/>
-                <a:sym typeface="맑은 고딕" panose="020B0503020000020004" charset="-127"/>
-              </a:rPr>
-              <a:t> : 1</a:t>
-            </a:r>
-            <a:r>
-              <a:rPr lang="ko-KR" altLang="en-US" sz="1300">
-                <a:latin typeface="G마켓 산스 TTF Medium" panose="02000000000000000000" pitchFamily="2" charset="-127"/>
-                <a:ea typeface="G마켓 산스 TTF Medium" panose="02000000000000000000" pitchFamily="2" charset="-127"/>
-                <a:cs typeface="맑은 고딕" panose="020B0503020000020004" charset="-127"/>
-                <a:sym typeface="맑은 고딕" panose="020B0503020000020004" charset="-127"/>
-              </a:rPr>
-              <a:t>초에</a:t>
-            </a:r>
-            <a:r>
-              <a:rPr lang="en-US" altLang="ko-KR" sz="1300">
-                <a:latin typeface="G마켓 산스 TTF Medium" panose="02000000000000000000" pitchFamily="2" charset="-127"/>
-                <a:ea typeface="G마켓 산스 TTF Medium" panose="02000000000000000000" pitchFamily="2" charset="-127"/>
-                <a:cs typeface="맑은 고딕" panose="020B0503020000020004" charset="-127"/>
-                <a:sym typeface="맑은 고딕" panose="020B0503020000020004" charset="-127"/>
-              </a:rPr>
-              <a:t> 1</a:t>
-            </a:r>
-            <a:r>
-              <a:rPr lang="ko-KR" altLang="en-US" sz="1300">
-                <a:latin typeface="G마켓 산스 TTF Medium" panose="02000000000000000000" pitchFamily="2" charset="-127"/>
-                <a:ea typeface="G마켓 산스 TTF Medium" panose="02000000000000000000" pitchFamily="2" charset="-127"/>
-                <a:cs typeface="맑은 고딕" panose="020B0503020000020004" charset="-127"/>
-                <a:sym typeface="맑은 고딕" panose="020B0503020000020004" charset="-127"/>
-              </a:rPr>
-              <a:t>번</a:t>
-            </a:r>
-            <a:endParaRPr sz="1300">
-              <a:latin typeface="G마켓 산스 TTF Medium" panose="02000000000000000000" pitchFamily="2" charset="-127"/>
-              <a:ea typeface="G마켓 산스 TTF Medium" panose="02000000000000000000" pitchFamily="2" charset="-127"/>
-              <a:cs typeface="맑은 고딕" panose="020B0503020000020004" charset="-127"/>
-              <a:sym typeface="맑은 고딕" panose="020B0503020000020004" charset="-127"/>
-            </a:endParaRPr>
-          </a:p>
-          <a:p>
-            <a:pPr indent="0">
-              <a:lnSpc>
-                <a:spcPct val="150000"/>
-              </a:lnSpc>
-              <a:spcBef>
-                <a:spcPts val="0"/>
-              </a:spcBef>
-              <a:spcAft>
-                <a:spcPts val="0"/>
-              </a:spcAft>
-              <a:buNone/>
-            </a:pPr>
-            <a:r>
-              <a:rPr lang="en-US" sz="1300">
-                <a:latin typeface="G마켓 산스 TTF Medium" panose="02000000000000000000" pitchFamily="2" charset="-127"/>
-                <a:ea typeface="G마켓 산스 TTF Medium" panose="02000000000000000000" pitchFamily="2" charset="-127"/>
-                <a:cs typeface="맑은 고딕" panose="020B0503020000020004" charset="-127"/>
-                <a:sym typeface="맑은 고딕" panose="020B0503020000020004" charset="-127"/>
-              </a:rPr>
-              <a:t>- 데미지 : 30</a:t>
-            </a:r>
-            <a:endParaRPr sz="1300">
-              <a:latin typeface="G마켓 산스 TTF Medium" panose="02000000000000000000" pitchFamily="2" charset="-127"/>
-              <a:ea typeface="G마켓 산스 TTF Medium" panose="02000000000000000000" pitchFamily="2" charset="-127"/>
-              <a:cs typeface="맑은 고딕" panose="020B0503020000020004" charset="-127"/>
-              <a:sym typeface="맑은 고딕" panose="020B0503020000020004" charset="-127"/>
-            </a:endParaRPr>
-          </a:p>
-          <a:p>
-            <a:pPr indent="0">
-              <a:lnSpc>
-                <a:spcPct val="150000"/>
-              </a:lnSpc>
-              <a:spcBef>
-                <a:spcPts val="0"/>
-              </a:spcBef>
-              <a:spcAft>
-                <a:spcPts val="0"/>
-              </a:spcAft>
-              <a:buNone/>
-            </a:pPr>
-            <a:r>
-              <a:rPr lang="en-US" sz="1300">
-                <a:latin typeface="G마켓 산스 TTF Medium" panose="02000000000000000000" pitchFamily="2" charset="-127"/>
-                <a:ea typeface="G마켓 산스 TTF Medium" panose="02000000000000000000" pitchFamily="2" charset="-127"/>
-                <a:cs typeface="맑은 고딕" panose="020B0503020000020004" charset="-127"/>
-                <a:sym typeface="맑은 고딕" panose="020B0503020000020004" charset="-127"/>
-              </a:rPr>
-              <a:t>- 애니메이션 4종(Idle, </a:t>
-            </a:r>
-            <a:r>
-              <a:rPr lang="ko-KR" altLang="en-US" sz="1300">
-                <a:latin typeface="G마켓 산스 TTF Medium" panose="02000000000000000000" pitchFamily="2" charset="-127"/>
-                <a:ea typeface="G마켓 산스 TTF Medium" panose="02000000000000000000" pitchFamily="2" charset="-127"/>
-                <a:cs typeface="맑은 고딕" panose="020B0503020000020004" charset="-127"/>
-                <a:sym typeface="맑은 고딕" panose="020B0503020000020004" charset="-127"/>
-              </a:rPr>
-              <a:t>이동</a:t>
-            </a:r>
-            <a:r>
-              <a:rPr lang="en-US" altLang="ko-KR" sz="1300">
-                <a:latin typeface="G마켓 산스 TTF Medium" panose="02000000000000000000" pitchFamily="2" charset="-127"/>
-                <a:ea typeface="G마켓 산스 TTF Medium" panose="02000000000000000000" pitchFamily="2" charset="-127"/>
-                <a:cs typeface="맑은 고딕" panose="020B0503020000020004" charset="-127"/>
-                <a:sym typeface="맑은 고딕" panose="020B0503020000020004" charset="-127"/>
-              </a:rPr>
-              <a:t>, </a:t>
-            </a:r>
-            <a:r>
-              <a:rPr lang="ko-KR" altLang="en-US" sz="1300">
-                <a:latin typeface="G마켓 산스 TTF Medium" panose="02000000000000000000" pitchFamily="2" charset="-127"/>
-                <a:ea typeface="G마켓 산스 TTF Medium" panose="02000000000000000000" pitchFamily="2" charset="-127"/>
-                <a:cs typeface="맑은 고딕" panose="020B0503020000020004" charset="-127"/>
-                <a:sym typeface="맑은 고딕" panose="020B0503020000020004" charset="-127"/>
-              </a:rPr>
-              <a:t>공격</a:t>
-            </a:r>
-            <a:r>
-              <a:rPr lang="en-US" altLang="ko-KR" sz="1300">
-                <a:latin typeface="G마켓 산스 TTF Medium" panose="02000000000000000000" pitchFamily="2" charset="-127"/>
-                <a:ea typeface="G마켓 산스 TTF Medium" panose="02000000000000000000" pitchFamily="2" charset="-127"/>
-                <a:cs typeface="맑은 고딕" panose="020B0503020000020004" charset="-127"/>
-                <a:sym typeface="맑은 고딕" panose="020B0503020000020004" charset="-127"/>
-              </a:rPr>
-              <a:t>, </a:t>
-            </a:r>
-            <a:r>
-              <a:rPr lang="ko-KR" altLang="en-US" sz="1300">
-                <a:latin typeface="G마켓 산스 TTF Medium" panose="02000000000000000000" pitchFamily="2" charset="-127"/>
-                <a:ea typeface="G마켓 산스 TTF Medium" panose="02000000000000000000" pitchFamily="2" charset="-127"/>
-                <a:cs typeface="맑은 고딕" panose="020B0503020000020004" charset="-127"/>
-                <a:sym typeface="맑은 고딕" panose="020B0503020000020004" charset="-127"/>
-              </a:rPr>
-              <a:t>사망</a:t>
-            </a:r>
-            <a:r>
-              <a:rPr lang="en-US" altLang="ko-KR" sz="1300">
-                <a:latin typeface="G마켓 산스 TTF Medium" panose="02000000000000000000" pitchFamily="2" charset="-127"/>
-                <a:ea typeface="G마켓 산스 TTF Medium" panose="02000000000000000000" pitchFamily="2" charset="-127"/>
-                <a:cs typeface="맑은 고딕" panose="020B0503020000020004" charset="-127"/>
-                <a:sym typeface="맑은 고딕" panose="020B0503020000020004" charset="-127"/>
-              </a:rPr>
-              <a:t>)</a:t>
-            </a:r>
-            <a:r>
-              <a:rPr lang="en-US" sz="1200">
-                <a:latin typeface="G마켓 산스 TTF Medium" panose="02000000000000000000" pitchFamily="2" charset="-127"/>
-                <a:ea typeface="G마켓 산스 TTF Medium" panose="02000000000000000000" pitchFamily="2" charset="-127"/>
-                <a:cs typeface="맑은 고딕" panose="020B0503020000020004" charset="-127"/>
-                <a:sym typeface="맑은 고딕" panose="020B0503020000020004" charset="-127"/>
-              </a:rPr>
-              <a:t> </a:t>
-            </a:r>
-            <a:endParaRPr sz="1200">
-              <a:latin typeface="G마켓 산스 TTF Medium" panose="02000000000000000000" pitchFamily="2" charset="-127"/>
-              <a:ea typeface="G마켓 산스 TTF Medium" panose="02000000000000000000" pitchFamily="2" charset="-127"/>
-              <a:cs typeface="맑은 고딕" panose="020B0503020000020004" charset="-127"/>
-              <a:sym typeface="맑은 고딕" panose="020B0503020000020004" charset="-127"/>
-            </a:endParaRPr>
-          </a:p>
-        </p:txBody>
-      </p:sp>
-    </p:spTree>
-  </p:cSld>
-  <p:clrMapOvr>
-    <a:masterClrMapping/>
-  </p:clrMapOvr>
-</p:sld>
-</file>
-
 <file path=ppt/slides/slide12.xml><?xml version="1.0" encoding="utf-8"?>
 <p:sld xmlns:a="http://schemas.openxmlformats.org/drawingml/2006/main" xmlns:r="http://schemas.openxmlformats.org/officeDocument/2006/relationships" xmlns:p="http://schemas.openxmlformats.org/presentationml/2006/main">
   <p:cSld>
@@ -15852,6 +14447,1802 @@
           <a:lstStyle/>
           <a:p>
             <a:pPr algn="ctr"/>
+            <a:endParaRPr lang="ko-KR" altLang="en-US"/>
+          </a:p>
+        </p:txBody>
+      </p:sp>
+      <p:sp>
+        <p:nvSpPr>
+          <p:cNvPr id="18" name="TextBox 17"/>
+          <p:cNvSpPr txBox="1"/>
+          <p:nvPr/>
+        </p:nvSpPr>
+        <p:spPr>
+          <a:xfrm>
+            <a:off x="469900" y="260991"/>
+            <a:ext cx="6692900" cy="583565"/>
+          </a:xfrm>
+          <a:prstGeom prst="rect">
+            <a:avLst/>
+          </a:prstGeom>
+          <a:noFill/>
+        </p:spPr>
+        <p:txBody>
+          <a:bodyPr wrap="square" rtlCol="0">
+            <a:spAutoFit/>
+          </a:bodyPr>
+          <a:lstStyle/>
+          <a:p>
+            <a:r>
+              <a:rPr lang="en-US" altLang="ko-KR" sz="3200" dirty="0">
+                <a:solidFill>
+                  <a:schemeClr val="bg1"/>
+                </a:solidFill>
+                <a:latin typeface="여기어때 잘난체" panose="020B0600000101010101" pitchFamily="50" charset="-127"/>
+                <a:ea typeface="여기어때 잘난체" panose="020B0600000101010101" pitchFamily="50" charset="-127"/>
+              </a:rPr>
+              <a:t>02. </a:t>
+            </a:r>
+            <a:r>
+              <a:rPr lang="ko-KR" altLang="en-US" sz="3200" dirty="0">
+                <a:solidFill>
+                  <a:schemeClr val="bg1"/>
+                </a:solidFill>
+                <a:latin typeface="여기어때 잘난체" panose="020B0600000101010101" pitchFamily="50" charset="-127"/>
+                <a:ea typeface="여기어때 잘난체" panose="020B0600000101010101" pitchFamily="50" charset="-127"/>
+              </a:rPr>
+              <a:t>게임 소개 </a:t>
+            </a:r>
+            <a:r>
+              <a:rPr lang="en-US" altLang="ko-KR" sz="3200" dirty="0">
+                <a:solidFill>
+                  <a:schemeClr val="bg1"/>
+                </a:solidFill>
+                <a:latin typeface="여기어때 잘난체" panose="020B0600000101010101" pitchFamily="50" charset="-127"/>
+                <a:ea typeface="여기어때 잘난체" panose="020B0600000101010101" pitchFamily="50" charset="-127"/>
+              </a:rPr>
+              <a:t>– </a:t>
+            </a:r>
+            <a:r>
+              <a:rPr lang="ko-KR" altLang="en-US" sz="3200" dirty="0">
+                <a:solidFill>
+                  <a:schemeClr val="bg1"/>
+                </a:solidFill>
+                <a:latin typeface="여기어때 잘난체" panose="020B0600000101010101" pitchFamily="50" charset="-127"/>
+                <a:ea typeface="여기어때 잘난체" panose="020B0600000101010101" pitchFamily="50" charset="-127"/>
+              </a:rPr>
+              <a:t>몬스터</a:t>
+            </a:r>
+          </a:p>
+        </p:txBody>
+      </p:sp>
+      <p:pic>
+        <p:nvPicPr>
+          <p:cNvPr id="100" name="Picture 99"/>
+          <p:cNvPicPr/>
+          <p:nvPr/>
+        </p:nvPicPr>
+        <p:blipFill>
+          <a:blip r:embed="rId2"/>
+          <a:stretch>
+            <a:fillRect/>
+          </a:stretch>
+        </p:blipFill>
+        <p:spPr>
+          <a:xfrm>
+            <a:off x="469583" y="1067118"/>
+            <a:ext cx="2143125" cy="2143125"/>
+          </a:xfrm>
+          <a:prstGeom prst="rect">
+            <a:avLst/>
+          </a:prstGeom>
+          <a:noFill/>
+          <a:ln w="9525">
+            <a:noFill/>
+          </a:ln>
+        </p:spPr>
+      </p:pic>
+      <p:sp>
+        <p:nvSpPr>
+          <p:cNvPr id="138" name="Google Shape;138;p21"/>
+          <p:cNvSpPr txBox="1"/>
+          <p:nvPr/>
+        </p:nvSpPr>
+        <p:spPr>
+          <a:xfrm>
+            <a:off x="2522855" y="1035786"/>
+            <a:ext cx="3111500" cy="2001520"/>
+          </a:xfrm>
+          <a:prstGeom prst="rect">
+            <a:avLst/>
+          </a:prstGeom>
+          <a:noFill/>
+          <a:ln>
+            <a:noFill/>
+          </a:ln>
+        </p:spPr>
+        <p:txBody>
+          <a:bodyPr spcFirstLastPara="1" wrap="square" lIns="91425" tIns="91425" rIns="91425" bIns="91425" anchor="t" anchorCtr="0">
+            <a:noAutofit/>
+          </a:bodyPr>
+          <a:lstStyle/>
+          <a:p>
+            <a:pPr indent="0">
+              <a:lnSpc>
+                <a:spcPct val="150000"/>
+              </a:lnSpc>
+              <a:spcBef>
+                <a:spcPts val="0"/>
+              </a:spcBef>
+              <a:spcAft>
+                <a:spcPts val="0"/>
+              </a:spcAft>
+              <a:buNone/>
+            </a:pPr>
+            <a:r>
+              <a:rPr lang="en-US" sz="1200" dirty="0">
+                <a:latin typeface="G마켓 산스 TTF Medium" panose="02000000000000000000" pitchFamily="2" charset="-127"/>
+                <a:ea typeface="G마켓 산스 TTF Medium" panose="02000000000000000000" pitchFamily="2" charset="-127"/>
+                <a:cs typeface="맑은 고딕" panose="020B0503020000020004" charset="-127"/>
+                <a:sym typeface="맑은 고딕" panose="020B0503020000020004" charset="-127"/>
+              </a:rPr>
+              <a:t>        </a:t>
+            </a:r>
+            <a:r>
+              <a:rPr lang="ko-KR" altLang="en-US" sz="1600" b="1" dirty="0" err="1">
+                <a:latin typeface="G마켓 산스 TTF Medium" panose="02000000000000000000" pitchFamily="2" charset="-127"/>
+                <a:ea typeface="G마켓 산스 TTF Medium" panose="02000000000000000000" pitchFamily="2" charset="-127"/>
+                <a:cs typeface="맑은 고딕" panose="020B0503020000020004" charset="-127"/>
+                <a:sym typeface="맑은 고딕" panose="020B0503020000020004" charset="-127"/>
+              </a:rPr>
+              <a:t>고블린</a:t>
+            </a:r>
+            <a:endParaRPr sz="1600" b="1" dirty="0">
+              <a:latin typeface="G마켓 산스 TTF Medium" panose="02000000000000000000" pitchFamily="2" charset="-127"/>
+              <a:ea typeface="G마켓 산스 TTF Medium" panose="02000000000000000000" pitchFamily="2" charset="-127"/>
+              <a:cs typeface="맑은 고딕" panose="020B0503020000020004" charset="-127"/>
+              <a:sym typeface="맑은 고딕" panose="020B0503020000020004" charset="-127"/>
+            </a:endParaRPr>
+          </a:p>
+          <a:p>
+            <a:pPr indent="0">
+              <a:lnSpc>
+                <a:spcPct val="150000"/>
+              </a:lnSpc>
+              <a:spcBef>
+                <a:spcPts val="0"/>
+              </a:spcBef>
+              <a:spcAft>
+                <a:spcPts val="0"/>
+              </a:spcAft>
+              <a:buNone/>
+            </a:pPr>
+            <a:endParaRPr sz="1200" dirty="0">
+              <a:latin typeface="G마켓 산스 TTF Medium" panose="02000000000000000000" pitchFamily="2" charset="-127"/>
+              <a:ea typeface="G마켓 산스 TTF Medium" panose="02000000000000000000" pitchFamily="2" charset="-127"/>
+              <a:cs typeface="맑은 고딕" panose="020B0503020000020004" charset="-127"/>
+              <a:sym typeface="맑은 고딕" panose="020B0503020000020004" charset="-127"/>
+            </a:endParaRPr>
+          </a:p>
+          <a:p>
+            <a:pPr indent="0">
+              <a:lnSpc>
+                <a:spcPct val="150000"/>
+              </a:lnSpc>
+              <a:spcBef>
+                <a:spcPts val="0"/>
+              </a:spcBef>
+              <a:spcAft>
+                <a:spcPts val="0"/>
+              </a:spcAft>
+              <a:buNone/>
+            </a:pPr>
+            <a:r>
+              <a:rPr lang="en-US" sz="1300" dirty="0">
+                <a:latin typeface="G마켓 산스 TTF Medium" panose="02000000000000000000" pitchFamily="2" charset="-127"/>
+                <a:ea typeface="G마켓 산스 TTF Medium" panose="02000000000000000000" pitchFamily="2" charset="-127"/>
+                <a:cs typeface="맑은 고딕" panose="020B0503020000020004" charset="-127"/>
+                <a:sym typeface="맑은 고딕" panose="020B0503020000020004" charset="-127"/>
+              </a:rPr>
+              <a:t>- 키 : 100cm</a:t>
+            </a:r>
+            <a:endParaRPr sz="1300" dirty="0">
+              <a:latin typeface="G마켓 산스 TTF Medium" panose="02000000000000000000" pitchFamily="2" charset="-127"/>
+              <a:ea typeface="G마켓 산스 TTF Medium" panose="02000000000000000000" pitchFamily="2" charset="-127"/>
+              <a:cs typeface="맑은 고딕" panose="020B0503020000020004" charset="-127"/>
+              <a:sym typeface="맑은 고딕" panose="020B0503020000020004" charset="-127"/>
+            </a:endParaRPr>
+          </a:p>
+          <a:p>
+            <a:pPr indent="0">
+              <a:lnSpc>
+                <a:spcPct val="150000"/>
+              </a:lnSpc>
+              <a:spcBef>
+                <a:spcPts val="0"/>
+              </a:spcBef>
+              <a:spcAft>
+                <a:spcPts val="0"/>
+              </a:spcAft>
+              <a:buNone/>
+            </a:pPr>
+            <a:r>
+              <a:rPr lang="en-US" sz="1300" dirty="0">
+                <a:latin typeface="G마켓 산스 TTF Medium" panose="02000000000000000000" pitchFamily="2" charset="-127"/>
+                <a:ea typeface="G마켓 산스 TTF Medium" panose="02000000000000000000" pitchFamily="2" charset="-127"/>
+                <a:cs typeface="맑은 고딕" panose="020B0503020000020004" charset="-127"/>
+                <a:sym typeface="맑은 고딕" panose="020B0503020000020004" charset="-127"/>
+              </a:rPr>
+              <a:t>- </a:t>
+            </a:r>
+            <a:r>
+              <a:rPr lang="en-US" sz="1300" dirty="0" err="1">
+                <a:latin typeface="G마켓 산스 TTF Medium" panose="02000000000000000000" pitchFamily="2" charset="-127"/>
+                <a:ea typeface="G마켓 산스 TTF Medium" panose="02000000000000000000" pitchFamily="2" charset="-127"/>
+                <a:cs typeface="맑은 고딕" panose="020B0503020000020004" charset="-127"/>
+                <a:sym typeface="맑은 고딕" panose="020B0503020000020004" charset="-127"/>
+              </a:rPr>
+              <a:t>이동속도</a:t>
+            </a:r>
+            <a:r>
+              <a:rPr lang="en-US" sz="1300" dirty="0">
+                <a:latin typeface="G마켓 산스 TTF Medium" panose="02000000000000000000" pitchFamily="2" charset="-127"/>
+                <a:ea typeface="G마켓 산스 TTF Medium" panose="02000000000000000000" pitchFamily="2" charset="-127"/>
+                <a:cs typeface="맑은 고딕" panose="020B0503020000020004" charset="-127"/>
+                <a:sym typeface="맑은 고딕" panose="020B0503020000020004" charset="-127"/>
+              </a:rPr>
+              <a:t> : 1km/h</a:t>
+            </a:r>
+            <a:endParaRPr sz="1300" dirty="0">
+              <a:latin typeface="G마켓 산스 TTF Medium" panose="02000000000000000000" pitchFamily="2" charset="-127"/>
+              <a:ea typeface="G마켓 산스 TTF Medium" panose="02000000000000000000" pitchFamily="2" charset="-127"/>
+              <a:cs typeface="맑은 고딕" panose="020B0503020000020004" charset="-127"/>
+              <a:sym typeface="맑은 고딕" panose="020B0503020000020004" charset="-127"/>
+            </a:endParaRPr>
+          </a:p>
+          <a:p>
+            <a:pPr indent="0">
+              <a:lnSpc>
+                <a:spcPct val="150000"/>
+              </a:lnSpc>
+              <a:spcBef>
+                <a:spcPts val="0"/>
+              </a:spcBef>
+              <a:spcAft>
+                <a:spcPts val="0"/>
+              </a:spcAft>
+              <a:buNone/>
+            </a:pPr>
+            <a:r>
+              <a:rPr lang="en-US" sz="1300" dirty="0">
+                <a:latin typeface="G마켓 산스 TTF Medium" panose="02000000000000000000" pitchFamily="2" charset="-127"/>
+                <a:ea typeface="G마켓 산스 TTF Medium" panose="02000000000000000000" pitchFamily="2" charset="-127"/>
+                <a:cs typeface="맑은 고딕" panose="020B0503020000020004" charset="-127"/>
+                <a:sym typeface="맑은 고딕" panose="020B0503020000020004" charset="-127"/>
+              </a:rPr>
+              <a:t>- </a:t>
+            </a:r>
+            <a:r>
+              <a:rPr lang="en-US" sz="1300" dirty="0" err="1">
+                <a:latin typeface="G마켓 산스 TTF Medium" panose="02000000000000000000" pitchFamily="2" charset="-127"/>
+                <a:ea typeface="G마켓 산스 TTF Medium" panose="02000000000000000000" pitchFamily="2" charset="-127"/>
+                <a:cs typeface="맑은 고딕" panose="020B0503020000020004" charset="-127"/>
+                <a:sym typeface="맑은 고딕" panose="020B0503020000020004" charset="-127"/>
+              </a:rPr>
+              <a:t>체력</a:t>
+            </a:r>
+            <a:r>
+              <a:rPr lang="en-US" sz="1300" dirty="0">
+                <a:latin typeface="G마켓 산스 TTF Medium" panose="02000000000000000000" pitchFamily="2" charset="-127"/>
+                <a:ea typeface="G마켓 산스 TTF Medium" panose="02000000000000000000" pitchFamily="2" charset="-127"/>
+                <a:cs typeface="맑은 고딕" panose="020B0503020000020004" charset="-127"/>
+                <a:sym typeface="맑은 고딕" panose="020B0503020000020004" charset="-127"/>
+              </a:rPr>
+              <a:t> : 100</a:t>
+            </a:r>
+          </a:p>
+          <a:p>
+            <a:pPr indent="0">
+              <a:lnSpc>
+                <a:spcPct val="150000"/>
+              </a:lnSpc>
+              <a:spcBef>
+                <a:spcPts val="0"/>
+              </a:spcBef>
+              <a:spcAft>
+                <a:spcPts val="0"/>
+              </a:spcAft>
+              <a:buNone/>
+            </a:pPr>
+            <a:r>
+              <a:rPr lang="en-US" sz="1300" dirty="0">
+                <a:latin typeface="G마켓 산스 TTF Medium" panose="02000000000000000000" pitchFamily="2" charset="-127"/>
+                <a:ea typeface="G마켓 산스 TTF Medium" panose="02000000000000000000" pitchFamily="2" charset="-127"/>
+                <a:cs typeface="맑은 고딕" panose="020B0503020000020004" charset="-127"/>
+                <a:sym typeface="맑은 고딕" panose="020B0503020000020004" charset="-127"/>
+              </a:rPr>
+              <a:t>- </a:t>
+            </a:r>
+            <a:r>
+              <a:rPr lang="ko-KR" altLang="en-US" sz="1300" dirty="0">
+                <a:latin typeface="G마켓 산스 TTF Medium" panose="02000000000000000000" pitchFamily="2" charset="-127"/>
+                <a:ea typeface="G마켓 산스 TTF Medium" panose="02000000000000000000" pitchFamily="2" charset="-127"/>
+                <a:cs typeface="맑은 고딕" panose="020B0503020000020004" charset="-127"/>
+                <a:sym typeface="맑은 고딕" panose="020B0503020000020004" charset="-127"/>
+              </a:rPr>
+              <a:t>공격속도</a:t>
+            </a:r>
+            <a:r>
+              <a:rPr lang="en-US" altLang="ko-KR" sz="1300" dirty="0">
+                <a:latin typeface="G마켓 산스 TTF Medium" panose="02000000000000000000" pitchFamily="2" charset="-127"/>
+                <a:ea typeface="G마켓 산스 TTF Medium" panose="02000000000000000000" pitchFamily="2" charset="-127"/>
+                <a:cs typeface="맑은 고딕" panose="020B0503020000020004" charset="-127"/>
+                <a:sym typeface="맑은 고딕" panose="020B0503020000020004" charset="-127"/>
+              </a:rPr>
+              <a:t> : 1</a:t>
+            </a:r>
+            <a:r>
+              <a:rPr lang="ko-KR" altLang="en-US" sz="1300" dirty="0">
+                <a:latin typeface="G마켓 산스 TTF Medium" panose="02000000000000000000" pitchFamily="2" charset="-127"/>
+                <a:ea typeface="G마켓 산스 TTF Medium" panose="02000000000000000000" pitchFamily="2" charset="-127"/>
+                <a:cs typeface="맑은 고딕" panose="020B0503020000020004" charset="-127"/>
+                <a:sym typeface="맑은 고딕" panose="020B0503020000020004" charset="-127"/>
+              </a:rPr>
+              <a:t>초에</a:t>
+            </a:r>
+            <a:r>
+              <a:rPr lang="en-US" altLang="ko-KR" sz="1300" dirty="0">
+                <a:latin typeface="G마켓 산스 TTF Medium" panose="02000000000000000000" pitchFamily="2" charset="-127"/>
+                <a:ea typeface="G마켓 산스 TTF Medium" panose="02000000000000000000" pitchFamily="2" charset="-127"/>
+                <a:cs typeface="맑은 고딕" panose="020B0503020000020004" charset="-127"/>
+                <a:sym typeface="맑은 고딕" panose="020B0503020000020004" charset="-127"/>
+              </a:rPr>
+              <a:t> 1</a:t>
+            </a:r>
+            <a:r>
+              <a:rPr lang="ko-KR" altLang="en-US" sz="1300" dirty="0">
+                <a:latin typeface="G마켓 산스 TTF Medium" panose="02000000000000000000" pitchFamily="2" charset="-127"/>
+                <a:ea typeface="G마켓 산스 TTF Medium" panose="02000000000000000000" pitchFamily="2" charset="-127"/>
+                <a:cs typeface="맑은 고딕" panose="020B0503020000020004" charset="-127"/>
+                <a:sym typeface="맑은 고딕" panose="020B0503020000020004" charset="-127"/>
+              </a:rPr>
+              <a:t>번</a:t>
+            </a:r>
+            <a:endParaRPr sz="1300" dirty="0">
+              <a:latin typeface="G마켓 산스 TTF Medium" panose="02000000000000000000" pitchFamily="2" charset="-127"/>
+              <a:ea typeface="G마켓 산스 TTF Medium" panose="02000000000000000000" pitchFamily="2" charset="-127"/>
+              <a:cs typeface="맑은 고딕" panose="020B0503020000020004" charset="-127"/>
+              <a:sym typeface="맑은 고딕" panose="020B0503020000020004" charset="-127"/>
+            </a:endParaRPr>
+          </a:p>
+          <a:p>
+            <a:pPr indent="0">
+              <a:lnSpc>
+                <a:spcPct val="150000"/>
+              </a:lnSpc>
+              <a:spcBef>
+                <a:spcPts val="0"/>
+              </a:spcBef>
+              <a:spcAft>
+                <a:spcPts val="0"/>
+              </a:spcAft>
+              <a:buNone/>
+            </a:pPr>
+            <a:r>
+              <a:rPr lang="en-US" sz="1300" dirty="0">
+                <a:latin typeface="G마켓 산스 TTF Medium" panose="02000000000000000000" pitchFamily="2" charset="-127"/>
+                <a:ea typeface="G마켓 산스 TTF Medium" panose="02000000000000000000" pitchFamily="2" charset="-127"/>
+                <a:cs typeface="맑은 고딕" panose="020B0503020000020004" charset="-127"/>
+                <a:sym typeface="맑은 고딕" panose="020B0503020000020004" charset="-127"/>
+              </a:rPr>
+              <a:t>- </a:t>
+            </a:r>
+            <a:r>
+              <a:rPr lang="en-US" sz="1300" dirty="0" err="1">
+                <a:latin typeface="G마켓 산스 TTF Medium" panose="02000000000000000000" pitchFamily="2" charset="-127"/>
+                <a:ea typeface="G마켓 산스 TTF Medium" panose="02000000000000000000" pitchFamily="2" charset="-127"/>
+                <a:cs typeface="맑은 고딕" panose="020B0503020000020004" charset="-127"/>
+                <a:sym typeface="맑은 고딕" panose="020B0503020000020004" charset="-127"/>
+              </a:rPr>
+              <a:t>데미지</a:t>
+            </a:r>
+            <a:r>
+              <a:rPr lang="en-US" sz="1300" dirty="0">
+                <a:latin typeface="G마켓 산스 TTF Medium" panose="02000000000000000000" pitchFamily="2" charset="-127"/>
+                <a:ea typeface="G마켓 산스 TTF Medium" panose="02000000000000000000" pitchFamily="2" charset="-127"/>
+                <a:cs typeface="맑은 고딕" panose="020B0503020000020004" charset="-127"/>
+                <a:sym typeface="맑은 고딕" panose="020B0503020000020004" charset="-127"/>
+              </a:rPr>
+              <a:t> : 20</a:t>
+            </a:r>
+            <a:endParaRPr sz="1300" dirty="0">
+              <a:latin typeface="G마켓 산스 TTF Medium" panose="02000000000000000000" pitchFamily="2" charset="-127"/>
+              <a:ea typeface="G마켓 산스 TTF Medium" panose="02000000000000000000" pitchFamily="2" charset="-127"/>
+              <a:cs typeface="맑은 고딕" panose="020B0503020000020004" charset="-127"/>
+              <a:sym typeface="맑은 고딕" panose="020B0503020000020004" charset="-127"/>
+            </a:endParaRPr>
+          </a:p>
+          <a:p>
+            <a:pPr indent="0">
+              <a:lnSpc>
+                <a:spcPct val="150000"/>
+              </a:lnSpc>
+              <a:spcBef>
+                <a:spcPts val="0"/>
+              </a:spcBef>
+              <a:spcAft>
+                <a:spcPts val="0"/>
+              </a:spcAft>
+              <a:buNone/>
+            </a:pPr>
+            <a:r>
+              <a:rPr lang="en-US" sz="1300" dirty="0">
+                <a:latin typeface="G마켓 산스 TTF Medium" panose="02000000000000000000" pitchFamily="2" charset="-127"/>
+                <a:ea typeface="G마켓 산스 TTF Medium" panose="02000000000000000000" pitchFamily="2" charset="-127"/>
+                <a:cs typeface="맑은 고딕" panose="020B0503020000020004" charset="-127"/>
+                <a:sym typeface="맑은 고딕" panose="020B0503020000020004" charset="-127"/>
+              </a:rPr>
+              <a:t>- </a:t>
+            </a:r>
+            <a:r>
+              <a:rPr lang="en-US" sz="1300" dirty="0" err="1">
+                <a:latin typeface="G마켓 산스 TTF Medium" panose="02000000000000000000" pitchFamily="2" charset="-127"/>
+                <a:ea typeface="G마켓 산스 TTF Medium" panose="02000000000000000000" pitchFamily="2" charset="-127"/>
+                <a:cs typeface="맑은 고딕" panose="020B0503020000020004" charset="-127"/>
+                <a:sym typeface="맑은 고딕" panose="020B0503020000020004" charset="-127"/>
+              </a:rPr>
+              <a:t>애니메이션</a:t>
+            </a:r>
+            <a:r>
+              <a:rPr lang="en-US" sz="1300" dirty="0">
+                <a:latin typeface="G마켓 산스 TTF Medium" panose="02000000000000000000" pitchFamily="2" charset="-127"/>
+                <a:ea typeface="G마켓 산스 TTF Medium" panose="02000000000000000000" pitchFamily="2" charset="-127"/>
+                <a:cs typeface="맑은 고딕" panose="020B0503020000020004" charset="-127"/>
+                <a:sym typeface="맑은 고딕" panose="020B0503020000020004" charset="-127"/>
+              </a:rPr>
+              <a:t> 4종(Idle, </a:t>
+            </a:r>
+            <a:r>
+              <a:rPr lang="ko-KR" altLang="en-US" sz="1300" dirty="0">
+                <a:latin typeface="G마켓 산스 TTF Medium" panose="02000000000000000000" pitchFamily="2" charset="-127"/>
+                <a:ea typeface="G마켓 산스 TTF Medium" panose="02000000000000000000" pitchFamily="2" charset="-127"/>
+                <a:cs typeface="맑은 고딕" panose="020B0503020000020004" charset="-127"/>
+                <a:sym typeface="맑은 고딕" panose="020B0503020000020004" charset="-127"/>
+              </a:rPr>
+              <a:t>이동</a:t>
+            </a:r>
+            <a:r>
+              <a:rPr lang="en-US" altLang="ko-KR" sz="1300" dirty="0">
+                <a:latin typeface="G마켓 산스 TTF Medium" panose="02000000000000000000" pitchFamily="2" charset="-127"/>
+                <a:ea typeface="G마켓 산스 TTF Medium" panose="02000000000000000000" pitchFamily="2" charset="-127"/>
+                <a:cs typeface="맑은 고딕" panose="020B0503020000020004" charset="-127"/>
+                <a:sym typeface="맑은 고딕" panose="020B0503020000020004" charset="-127"/>
+              </a:rPr>
+              <a:t>, </a:t>
+            </a:r>
+            <a:r>
+              <a:rPr lang="ko-KR" altLang="en-US" sz="1300" dirty="0">
+                <a:latin typeface="G마켓 산스 TTF Medium" panose="02000000000000000000" pitchFamily="2" charset="-127"/>
+                <a:ea typeface="G마켓 산스 TTF Medium" panose="02000000000000000000" pitchFamily="2" charset="-127"/>
+                <a:cs typeface="맑은 고딕" panose="020B0503020000020004" charset="-127"/>
+                <a:sym typeface="맑은 고딕" panose="020B0503020000020004" charset="-127"/>
+              </a:rPr>
+              <a:t>공격</a:t>
+            </a:r>
+            <a:r>
+              <a:rPr lang="en-US" altLang="ko-KR" sz="1300" dirty="0">
+                <a:latin typeface="G마켓 산스 TTF Medium" panose="02000000000000000000" pitchFamily="2" charset="-127"/>
+                <a:ea typeface="G마켓 산스 TTF Medium" panose="02000000000000000000" pitchFamily="2" charset="-127"/>
+                <a:cs typeface="맑은 고딕" panose="020B0503020000020004" charset="-127"/>
+                <a:sym typeface="맑은 고딕" panose="020B0503020000020004" charset="-127"/>
+              </a:rPr>
+              <a:t>, </a:t>
+            </a:r>
+            <a:r>
+              <a:rPr lang="ko-KR" altLang="en-US" sz="1300" dirty="0">
+                <a:latin typeface="G마켓 산스 TTF Medium" panose="02000000000000000000" pitchFamily="2" charset="-127"/>
+                <a:ea typeface="G마켓 산스 TTF Medium" panose="02000000000000000000" pitchFamily="2" charset="-127"/>
+                <a:cs typeface="맑은 고딕" panose="020B0503020000020004" charset="-127"/>
+                <a:sym typeface="맑은 고딕" panose="020B0503020000020004" charset="-127"/>
+              </a:rPr>
+              <a:t>사망</a:t>
+            </a:r>
+            <a:r>
+              <a:rPr lang="en-US" altLang="ko-KR" sz="1300" dirty="0">
+                <a:latin typeface="G마켓 산스 TTF Medium" panose="02000000000000000000" pitchFamily="2" charset="-127"/>
+                <a:ea typeface="G마켓 산스 TTF Medium" panose="02000000000000000000" pitchFamily="2" charset="-127"/>
+                <a:cs typeface="맑은 고딕" panose="020B0503020000020004" charset="-127"/>
+                <a:sym typeface="맑은 고딕" panose="020B0503020000020004" charset="-127"/>
+              </a:rPr>
+              <a:t>)</a:t>
+            </a:r>
+            <a:r>
+              <a:rPr lang="en-US" sz="1200" dirty="0">
+                <a:latin typeface="G마켓 산스 TTF Medium" panose="02000000000000000000" pitchFamily="2" charset="-127"/>
+                <a:ea typeface="G마켓 산스 TTF Medium" panose="02000000000000000000" pitchFamily="2" charset="-127"/>
+                <a:cs typeface="맑은 고딕" panose="020B0503020000020004" charset="-127"/>
+                <a:sym typeface="맑은 고딕" panose="020B0503020000020004" charset="-127"/>
+              </a:rPr>
+              <a:t> </a:t>
+            </a:r>
+            <a:endParaRPr sz="1200" dirty="0">
+              <a:latin typeface="G마켓 산스 TTF Medium" panose="02000000000000000000" pitchFamily="2" charset="-127"/>
+              <a:ea typeface="G마켓 산스 TTF Medium" panose="02000000000000000000" pitchFamily="2" charset="-127"/>
+              <a:cs typeface="맑은 고딕" panose="020B0503020000020004" charset="-127"/>
+              <a:sym typeface="맑은 고딕" panose="020B0503020000020004" charset="-127"/>
+            </a:endParaRPr>
+          </a:p>
+        </p:txBody>
+      </p:sp>
+      <p:pic>
+        <p:nvPicPr>
+          <p:cNvPr id="102" name="Picture 101"/>
+          <p:cNvPicPr/>
+          <p:nvPr/>
+        </p:nvPicPr>
+        <p:blipFill>
+          <a:blip r:embed="rId3"/>
+          <a:stretch>
+            <a:fillRect/>
+          </a:stretch>
+        </p:blipFill>
+        <p:spPr>
+          <a:xfrm>
+            <a:off x="5769610" y="943610"/>
+            <a:ext cx="2186305" cy="2390775"/>
+          </a:xfrm>
+          <a:prstGeom prst="rect">
+            <a:avLst/>
+          </a:prstGeom>
+          <a:noFill/>
+          <a:ln w="9525">
+            <a:noFill/>
+          </a:ln>
+        </p:spPr>
+      </p:pic>
+      <p:sp>
+        <p:nvSpPr>
+          <p:cNvPr id="2" name="Google Shape;138;p21"/>
+          <p:cNvSpPr txBox="1"/>
+          <p:nvPr/>
+        </p:nvSpPr>
+        <p:spPr>
+          <a:xfrm>
+            <a:off x="8091170" y="1035786"/>
+            <a:ext cx="3211195" cy="1859915"/>
+          </a:xfrm>
+          <a:prstGeom prst="rect">
+            <a:avLst/>
+          </a:prstGeom>
+          <a:noFill/>
+          <a:ln>
+            <a:noFill/>
+          </a:ln>
+        </p:spPr>
+        <p:txBody>
+          <a:bodyPr spcFirstLastPara="1" wrap="square" lIns="91425" tIns="91425" rIns="91425" bIns="91425" anchor="t" anchorCtr="0">
+            <a:noAutofit/>
+          </a:bodyPr>
+          <a:lstStyle/>
+          <a:p>
+            <a:pPr indent="0">
+              <a:lnSpc>
+                <a:spcPct val="150000"/>
+              </a:lnSpc>
+              <a:spcBef>
+                <a:spcPts val="0"/>
+              </a:spcBef>
+              <a:spcAft>
+                <a:spcPts val="0"/>
+              </a:spcAft>
+              <a:buNone/>
+            </a:pPr>
+            <a:r>
+              <a:rPr lang="en-US" sz="1200" dirty="0">
+                <a:latin typeface="G마켓 산스 TTF Medium" panose="02000000000000000000" pitchFamily="2" charset="-127"/>
+                <a:ea typeface="G마켓 산스 TTF Medium" panose="02000000000000000000" pitchFamily="2" charset="-127"/>
+                <a:cs typeface="맑은 고딕" panose="020B0503020000020004" charset="-127"/>
+                <a:sym typeface="맑은 고딕" panose="020B0503020000020004" charset="-127"/>
+              </a:rPr>
+              <a:t>        </a:t>
+            </a:r>
+            <a:r>
+              <a:rPr lang="ko-KR" altLang="en-US" sz="1600" b="1" dirty="0" err="1">
+                <a:latin typeface="G마켓 산스 TTF Medium" panose="02000000000000000000" pitchFamily="2" charset="-127"/>
+                <a:ea typeface="G마켓 산스 TTF Medium" panose="02000000000000000000" pitchFamily="2" charset="-127"/>
+                <a:cs typeface="맑은 고딕" panose="020B0503020000020004" charset="-127"/>
+                <a:sym typeface="맑은 고딕" panose="020B0503020000020004" charset="-127"/>
+              </a:rPr>
+              <a:t>오거</a:t>
+            </a:r>
+            <a:endParaRPr sz="1600" b="1" dirty="0">
+              <a:latin typeface="G마켓 산스 TTF Medium" panose="02000000000000000000" pitchFamily="2" charset="-127"/>
+              <a:ea typeface="G마켓 산스 TTF Medium" panose="02000000000000000000" pitchFamily="2" charset="-127"/>
+              <a:cs typeface="맑은 고딕" panose="020B0503020000020004" charset="-127"/>
+              <a:sym typeface="맑은 고딕" panose="020B0503020000020004" charset="-127"/>
+            </a:endParaRPr>
+          </a:p>
+          <a:p>
+            <a:pPr indent="0">
+              <a:lnSpc>
+                <a:spcPct val="150000"/>
+              </a:lnSpc>
+              <a:spcBef>
+                <a:spcPts val="0"/>
+              </a:spcBef>
+              <a:spcAft>
+                <a:spcPts val="0"/>
+              </a:spcAft>
+              <a:buNone/>
+            </a:pPr>
+            <a:endParaRPr sz="1200" dirty="0">
+              <a:latin typeface="G마켓 산스 TTF Medium" panose="02000000000000000000" pitchFamily="2" charset="-127"/>
+              <a:ea typeface="G마켓 산스 TTF Medium" panose="02000000000000000000" pitchFamily="2" charset="-127"/>
+              <a:cs typeface="맑은 고딕" panose="020B0503020000020004" charset="-127"/>
+              <a:sym typeface="맑은 고딕" panose="020B0503020000020004" charset="-127"/>
+            </a:endParaRPr>
+          </a:p>
+          <a:p>
+            <a:pPr indent="0">
+              <a:lnSpc>
+                <a:spcPct val="150000"/>
+              </a:lnSpc>
+              <a:spcBef>
+                <a:spcPts val="0"/>
+              </a:spcBef>
+              <a:spcAft>
+                <a:spcPts val="0"/>
+              </a:spcAft>
+              <a:buNone/>
+            </a:pPr>
+            <a:r>
+              <a:rPr lang="en-US" sz="1300" dirty="0">
+                <a:latin typeface="G마켓 산스 TTF Medium" panose="02000000000000000000" pitchFamily="2" charset="-127"/>
+                <a:ea typeface="G마켓 산스 TTF Medium" panose="02000000000000000000" pitchFamily="2" charset="-127"/>
+                <a:cs typeface="맑은 고딕" panose="020B0503020000020004" charset="-127"/>
+                <a:sym typeface="맑은 고딕" panose="020B0503020000020004" charset="-127"/>
+              </a:rPr>
+              <a:t>- 키 : 200cm</a:t>
+            </a:r>
+            <a:endParaRPr sz="1300" dirty="0">
+              <a:latin typeface="G마켓 산스 TTF Medium" panose="02000000000000000000" pitchFamily="2" charset="-127"/>
+              <a:ea typeface="G마켓 산스 TTF Medium" panose="02000000000000000000" pitchFamily="2" charset="-127"/>
+              <a:cs typeface="맑은 고딕" panose="020B0503020000020004" charset="-127"/>
+              <a:sym typeface="맑은 고딕" panose="020B0503020000020004" charset="-127"/>
+            </a:endParaRPr>
+          </a:p>
+          <a:p>
+            <a:pPr indent="0">
+              <a:lnSpc>
+                <a:spcPct val="150000"/>
+              </a:lnSpc>
+              <a:spcBef>
+                <a:spcPts val="0"/>
+              </a:spcBef>
+              <a:spcAft>
+                <a:spcPts val="0"/>
+              </a:spcAft>
+              <a:buNone/>
+            </a:pPr>
+            <a:r>
+              <a:rPr lang="en-US" sz="1300" dirty="0">
+                <a:latin typeface="G마켓 산스 TTF Medium" panose="02000000000000000000" pitchFamily="2" charset="-127"/>
+                <a:ea typeface="G마켓 산스 TTF Medium" panose="02000000000000000000" pitchFamily="2" charset="-127"/>
+                <a:cs typeface="맑은 고딕" panose="020B0503020000020004" charset="-127"/>
+                <a:sym typeface="맑은 고딕" panose="020B0503020000020004" charset="-127"/>
+              </a:rPr>
+              <a:t>- </a:t>
+            </a:r>
+            <a:r>
+              <a:rPr lang="en-US" sz="1300" dirty="0" err="1">
+                <a:latin typeface="G마켓 산스 TTF Medium" panose="02000000000000000000" pitchFamily="2" charset="-127"/>
+                <a:ea typeface="G마켓 산스 TTF Medium" panose="02000000000000000000" pitchFamily="2" charset="-127"/>
+                <a:cs typeface="맑은 고딕" panose="020B0503020000020004" charset="-127"/>
+                <a:sym typeface="맑은 고딕" panose="020B0503020000020004" charset="-127"/>
+              </a:rPr>
+              <a:t>이동속도</a:t>
+            </a:r>
+            <a:r>
+              <a:rPr lang="en-US" sz="1300" dirty="0">
+                <a:latin typeface="G마켓 산스 TTF Medium" panose="02000000000000000000" pitchFamily="2" charset="-127"/>
+                <a:ea typeface="G마켓 산스 TTF Medium" panose="02000000000000000000" pitchFamily="2" charset="-127"/>
+                <a:cs typeface="맑은 고딕" panose="020B0503020000020004" charset="-127"/>
+                <a:sym typeface="맑은 고딕" panose="020B0503020000020004" charset="-127"/>
+              </a:rPr>
+              <a:t> : 0.7km/h</a:t>
+            </a:r>
+            <a:endParaRPr sz="1300" dirty="0">
+              <a:latin typeface="G마켓 산스 TTF Medium" panose="02000000000000000000" pitchFamily="2" charset="-127"/>
+              <a:ea typeface="G마켓 산스 TTF Medium" panose="02000000000000000000" pitchFamily="2" charset="-127"/>
+              <a:cs typeface="맑은 고딕" panose="020B0503020000020004" charset="-127"/>
+              <a:sym typeface="맑은 고딕" panose="020B0503020000020004" charset="-127"/>
+            </a:endParaRPr>
+          </a:p>
+          <a:p>
+            <a:pPr indent="0">
+              <a:lnSpc>
+                <a:spcPct val="150000"/>
+              </a:lnSpc>
+              <a:spcBef>
+                <a:spcPts val="0"/>
+              </a:spcBef>
+              <a:spcAft>
+                <a:spcPts val="0"/>
+              </a:spcAft>
+              <a:buNone/>
+            </a:pPr>
+            <a:r>
+              <a:rPr lang="en-US" sz="1300" dirty="0">
+                <a:latin typeface="G마켓 산스 TTF Medium" panose="02000000000000000000" pitchFamily="2" charset="-127"/>
+                <a:ea typeface="G마켓 산스 TTF Medium" panose="02000000000000000000" pitchFamily="2" charset="-127"/>
+                <a:cs typeface="맑은 고딕" panose="020B0503020000020004" charset="-127"/>
+                <a:sym typeface="맑은 고딕" panose="020B0503020000020004" charset="-127"/>
+              </a:rPr>
+              <a:t>- </a:t>
+            </a:r>
+            <a:r>
+              <a:rPr lang="en-US" sz="1300" dirty="0" err="1">
+                <a:latin typeface="G마켓 산스 TTF Medium" panose="02000000000000000000" pitchFamily="2" charset="-127"/>
+                <a:ea typeface="G마켓 산스 TTF Medium" panose="02000000000000000000" pitchFamily="2" charset="-127"/>
+                <a:cs typeface="맑은 고딕" panose="020B0503020000020004" charset="-127"/>
+                <a:sym typeface="맑은 고딕" panose="020B0503020000020004" charset="-127"/>
+              </a:rPr>
+              <a:t>체력</a:t>
+            </a:r>
+            <a:r>
+              <a:rPr lang="en-US" sz="1300" dirty="0">
+                <a:latin typeface="G마켓 산스 TTF Medium" panose="02000000000000000000" pitchFamily="2" charset="-127"/>
+                <a:ea typeface="G마켓 산스 TTF Medium" panose="02000000000000000000" pitchFamily="2" charset="-127"/>
+                <a:cs typeface="맑은 고딕" panose="020B0503020000020004" charset="-127"/>
+                <a:sym typeface="맑은 고딕" panose="020B0503020000020004" charset="-127"/>
+              </a:rPr>
+              <a:t> : 300</a:t>
+            </a:r>
+          </a:p>
+          <a:p>
+            <a:pPr indent="0">
+              <a:lnSpc>
+                <a:spcPct val="150000"/>
+              </a:lnSpc>
+              <a:spcBef>
+                <a:spcPts val="0"/>
+              </a:spcBef>
+              <a:spcAft>
+                <a:spcPts val="0"/>
+              </a:spcAft>
+              <a:buNone/>
+            </a:pPr>
+            <a:r>
+              <a:rPr lang="en-US" sz="1300" dirty="0">
+                <a:latin typeface="G마켓 산스 TTF Medium" panose="02000000000000000000" pitchFamily="2" charset="-127"/>
+                <a:ea typeface="G마켓 산스 TTF Medium" panose="02000000000000000000" pitchFamily="2" charset="-127"/>
+                <a:cs typeface="맑은 고딕" panose="020B0503020000020004" charset="-127"/>
+                <a:sym typeface="맑은 고딕" panose="020B0503020000020004" charset="-127"/>
+              </a:rPr>
+              <a:t>- </a:t>
+            </a:r>
+            <a:r>
+              <a:rPr lang="ko-KR" altLang="en-US" sz="1300" dirty="0">
+                <a:latin typeface="G마켓 산스 TTF Medium" panose="02000000000000000000" pitchFamily="2" charset="-127"/>
+                <a:ea typeface="G마켓 산스 TTF Medium" panose="02000000000000000000" pitchFamily="2" charset="-127"/>
+                <a:cs typeface="맑은 고딕" panose="020B0503020000020004" charset="-127"/>
+                <a:sym typeface="맑은 고딕" panose="020B0503020000020004" charset="-127"/>
+              </a:rPr>
+              <a:t>공격속도</a:t>
+            </a:r>
+            <a:r>
+              <a:rPr lang="en-US" altLang="ko-KR" sz="1300" dirty="0">
+                <a:latin typeface="G마켓 산스 TTF Medium" panose="02000000000000000000" pitchFamily="2" charset="-127"/>
+                <a:ea typeface="G마켓 산스 TTF Medium" panose="02000000000000000000" pitchFamily="2" charset="-127"/>
+                <a:cs typeface="맑은 고딕" panose="020B0503020000020004" charset="-127"/>
+                <a:sym typeface="맑은 고딕" panose="020B0503020000020004" charset="-127"/>
+              </a:rPr>
+              <a:t> : 2.5</a:t>
+            </a:r>
+            <a:r>
+              <a:rPr lang="ko-KR" altLang="en-US" sz="1300" dirty="0">
+                <a:latin typeface="G마켓 산스 TTF Medium" panose="02000000000000000000" pitchFamily="2" charset="-127"/>
+                <a:ea typeface="G마켓 산스 TTF Medium" panose="02000000000000000000" pitchFamily="2" charset="-127"/>
+                <a:cs typeface="맑은 고딕" panose="020B0503020000020004" charset="-127"/>
+                <a:sym typeface="맑은 고딕" panose="020B0503020000020004" charset="-127"/>
+              </a:rPr>
+              <a:t>초에</a:t>
+            </a:r>
+            <a:r>
+              <a:rPr lang="en-US" altLang="ko-KR" sz="1300" dirty="0">
+                <a:latin typeface="G마켓 산스 TTF Medium" panose="02000000000000000000" pitchFamily="2" charset="-127"/>
+                <a:ea typeface="G마켓 산스 TTF Medium" panose="02000000000000000000" pitchFamily="2" charset="-127"/>
+                <a:cs typeface="맑은 고딕" panose="020B0503020000020004" charset="-127"/>
+                <a:sym typeface="맑은 고딕" panose="020B0503020000020004" charset="-127"/>
+              </a:rPr>
+              <a:t> 1</a:t>
+            </a:r>
+            <a:r>
+              <a:rPr lang="ko-KR" altLang="en-US" sz="1300" dirty="0">
+                <a:latin typeface="G마켓 산스 TTF Medium" panose="02000000000000000000" pitchFamily="2" charset="-127"/>
+                <a:ea typeface="G마켓 산스 TTF Medium" panose="02000000000000000000" pitchFamily="2" charset="-127"/>
+                <a:cs typeface="맑은 고딕" panose="020B0503020000020004" charset="-127"/>
+                <a:sym typeface="맑은 고딕" panose="020B0503020000020004" charset="-127"/>
+              </a:rPr>
+              <a:t>번</a:t>
+            </a:r>
+            <a:endParaRPr sz="1300" dirty="0">
+              <a:latin typeface="G마켓 산스 TTF Medium" panose="02000000000000000000" pitchFamily="2" charset="-127"/>
+              <a:ea typeface="G마켓 산스 TTF Medium" panose="02000000000000000000" pitchFamily="2" charset="-127"/>
+              <a:cs typeface="맑은 고딕" panose="020B0503020000020004" charset="-127"/>
+              <a:sym typeface="맑은 고딕" panose="020B0503020000020004" charset="-127"/>
+            </a:endParaRPr>
+          </a:p>
+          <a:p>
+            <a:pPr indent="0">
+              <a:lnSpc>
+                <a:spcPct val="150000"/>
+              </a:lnSpc>
+              <a:spcBef>
+                <a:spcPts val="0"/>
+              </a:spcBef>
+              <a:spcAft>
+                <a:spcPts val="0"/>
+              </a:spcAft>
+              <a:buNone/>
+            </a:pPr>
+            <a:r>
+              <a:rPr lang="en-US" sz="1300" dirty="0">
+                <a:latin typeface="G마켓 산스 TTF Medium" panose="02000000000000000000" pitchFamily="2" charset="-127"/>
+                <a:ea typeface="G마켓 산스 TTF Medium" panose="02000000000000000000" pitchFamily="2" charset="-127"/>
+                <a:cs typeface="맑은 고딕" panose="020B0503020000020004" charset="-127"/>
+                <a:sym typeface="맑은 고딕" panose="020B0503020000020004" charset="-127"/>
+              </a:rPr>
+              <a:t>- </a:t>
+            </a:r>
+            <a:r>
+              <a:rPr lang="en-US" sz="1300" dirty="0" err="1">
+                <a:latin typeface="G마켓 산스 TTF Medium" panose="02000000000000000000" pitchFamily="2" charset="-127"/>
+                <a:ea typeface="G마켓 산스 TTF Medium" panose="02000000000000000000" pitchFamily="2" charset="-127"/>
+                <a:cs typeface="맑은 고딕" panose="020B0503020000020004" charset="-127"/>
+                <a:sym typeface="맑은 고딕" panose="020B0503020000020004" charset="-127"/>
+              </a:rPr>
+              <a:t>데미지</a:t>
+            </a:r>
+            <a:r>
+              <a:rPr lang="en-US" sz="1300" dirty="0">
+                <a:latin typeface="G마켓 산스 TTF Medium" panose="02000000000000000000" pitchFamily="2" charset="-127"/>
+                <a:ea typeface="G마켓 산스 TTF Medium" panose="02000000000000000000" pitchFamily="2" charset="-127"/>
+                <a:cs typeface="맑은 고딕" panose="020B0503020000020004" charset="-127"/>
+                <a:sym typeface="맑은 고딕" panose="020B0503020000020004" charset="-127"/>
+              </a:rPr>
+              <a:t> : 50</a:t>
+            </a:r>
+            <a:endParaRPr sz="1300" dirty="0">
+              <a:latin typeface="G마켓 산스 TTF Medium" panose="02000000000000000000" pitchFamily="2" charset="-127"/>
+              <a:ea typeface="G마켓 산스 TTF Medium" panose="02000000000000000000" pitchFamily="2" charset="-127"/>
+              <a:cs typeface="맑은 고딕" panose="020B0503020000020004" charset="-127"/>
+              <a:sym typeface="맑은 고딕" panose="020B0503020000020004" charset="-127"/>
+            </a:endParaRPr>
+          </a:p>
+          <a:p>
+            <a:pPr indent="0">
+              <a:lnSpc>
+                <a:spcPct val="150000"/>
+              </a:lnSpc>
+              <a:spcBef>
+                <a:spcPts val="0"/>
+              </a:spcBef>
+              <a:spcAft>
+                <a:spcPts val="0"/>
+              </a:spcAft>
+              <a:buNone/>
+            </a:pPr>
+            <a:r>
+              <a:rPr lang="en-US" sz="1300" dirty="0">
+                <a:latin typeface="G마켓 산스 TTF Medium" panose="02000000000000000000" pitchFamily="2" charset="-127"/>
+                <a:ea typeface="G마켓 산스 TTF Medium" panose="02000000000000000000" pitchFamily="2" charset="-127"/>
+                <a:cs typeface="맑은 고딕" panose="020B0503020000020004" charset="-127"/>
+                <a:sym typeface="맑은 고딕" panose="020B0503020000020004" charset="-127"/>
+              </a:rPr>
+              <a:t>- </a:t>
+            </a:r>
+            <a:r>
+              <a:rPr lang="en-US" sz="1300" dirty="0" err="1">
+                <a:latin typeface="G마켓 산스 TTF Medium" panose="02000000000000000000" pitchFamily="2" charset="-127"/>
+                <a:ea typeface="G마켓 산스 TTF Medium" panose="02000000000000000000" pitchFamily="2" charset="-127"/>
+                <a:cs typeface="맑은 고딕" panose="020B0503020000020004" charset="-127"/>
+                <a:sym typeface="맑은 고딕" panose="020B0503020000020004" charset="-127"/>
+              </a:rPr>
+              <a:t>애니메이션</a:t>
+            </a:r>
+            <a:r>
+              <a:rPr lang="en-US" sz="1300" dirty="0">
+                <a:latin typeface="G마켓 산스 TTF Medium" panose="02000000000000000000" pitchFamily="2" charset="-127"/>
+                <a:ea typeface="G마켓 산스 TTF Medium" panose="02000000000000000000" pitchFamily="2" charset="-127"/>
+                <a:cs typeface="맑은 고딕" panose="020B0503020000020004" charset="-127"/>
+                <a:sym typeface="맑은 고딕" panose="020B0503020000020004" charset="-127"/>
+              </a:rPr>
+              <a:t> 4종(Idle, </a:t>
+            </a:r>
+            <a:r>
+              <a:rPr lang="ko-KR" altLang="en-US" sz="1300" dirty="0">
+                <a:latin typeface="G마켓 산스 TTF Medium" panose="02000000000000000000" pitchFamily="2" charset="-127"/>
+                <a:ea typeface="G마켓 산스 TTF Medium" panose="02000000000000000000" pitchFamily="2" charset="-127"/>
+                <a:cs typeface="맑은 고딕" panose="020B0503020000020004" charset="-127"/>
+                <a:sym typeface="맑은 고딕" panose="020B0503020000020004" charset="-127"/>
+              </a:rPr>
+              <a:t>이동</a:t>
+            </a:r>
+            <a:r>
+              <a:rPr lang="en-US" altLang="ko-KR" sz="1300" dirty="0">
+                <a:latin typeface="G마켓 산스 TTF Medium" panose="02000000000000000000" pitchFamily="2" charset="-127"/>
+                <a:ea typeface="G마켓 산스 TTF Medium" panose="02000000000000000000" pitchFamily="2" charset="-127"/>
+                <a:cs typeface="맑은 고딕" panose="020B0503020000020004" charset="-127"/>
+                <a:sym typeface="맑은 고딕" panose="020B0503020000020004" charset="-127"/>
+              </a:rPr>
+              <a:t>, </a:t>
+            </a:r>
+            <a:r>
+              <a:rPr lang="ko-KR" altLang="en-US" sz="1300" dirty="0">
+                <a:latin typeface="G마켓 산스 TTF Medium" panose="02000000000000000000" pitchFamily="2" charset="-127"/>
+                <a:ea typeface="G마켓 산스 TTF Medium" panose="02000000000000000000" pitchFamily="2" charset="-127"/>
+                <a:cs typeface="맑은 고딕" panose="020B0503020000020004" charset="-127"/>
+                <a:sym typeface="맑은 고딕" panose="020B0503020000020004" charset="-127"/>
+              </a:rPr>
+              <a:t>공격</a:t>
+            </a:r>
+            <a:r>
+              <a:rPr lang="en-US" altLang="ko-KR" sz="1300" dirty="0">
+                <a:latin typeface="G마켓 산스 TTF Medium" panose="02000000000000000000" pitchFamily="2" charset="-127"/>
+                <a:ea typeface="G마켓 산스 TTF Medium" panose="02000000000000000000" pitchFamily="2" charset="-127"/>
+                <a:cs typeface="맑은 고딕" panose="020B0503020000020004" charset="-127"/>
+                <a:sym typeface="맑은 고딕" panose="020B0503020000020004" charset="-127"/>
+              </a:rPr>
+              <a:t>, </a:t>
+            </a:r>
+            <a:r>
+              <a:rPr lang="ko-KR" altLang="en-US" sz="1300" dirty="0">
+                <a:latin typeface="G마켓 산스 TTF Medium" panose="02000000000000000000" pitchFamily="2" charset="-127"/>
+                <a:ea typeface="G마켓 산스 TTF Medium" panose="02000000000000000000" pitchFamily="2" charset="-127"/>
+                <a:cs typeface="맑은 고딕" panose="020B0503020000020004" charset="-127"/>
+                <a:sym typeface="맑은 고딕" panose="020B0503020000020004" charset="-127"/>
+              </a:rPr>
+              <a:t>사망</a:t>
+            </a:r>
+            <a:r>
+              <a:rPr lang="en-US" altLang="ko-KR" sz="1300" dirty="0">
+                <a:latin typeface="G마켓 산스 TTF Medium" panose="02000000000000000000" pitchFamily="2" charset="-127"/>
+                <a:ea typeface="G마켓 산스 TTF Medium" panose="02000000000000000000" pitchFamily="2" charset="-127"/>
+                <a:cs typeface="맑은 고딕" panose="020B0503020000020004" charset="-127"/>
+                <a:sym typeface="맑은 고딕" panose="020B0503020000020004" charset="-127"/>
+              </a:rPr>
+              <a:t>)</a:t>
+            </a:r>
+            <a:r>
+              <a:rPr lang="en-US" sz="1200" dirty="0">
+                <a:latin typeface="G마켓 산스 TTF Medium" panose="02000000000000000000" pitchFamily="2" charset="-127"/>
+                <a:ea typeface="G마켓 산스 TTF Medium" panose="02000000000000000000" pitchFamily="2" charset="-127"/>
+                <a:cs typeface="맑은 고딕" panose="020B0503020000020004" charset="-127"/>
+                <a:sym typeface="맑은 고딕" panose="020B0503020000020004" charset="-127"/>
+              </a:rPr>
+              <a:t> </a:t>
+            </a:r>
+            <a:endParaRPr sz="1200" dirty="0">
+              <a:latin typeface="G마켓 산스 TTF Medium" panose="02000000000000000000" pitchFamily="2" charset="-127"/>
+              <a:ea typeface="G마켓 산스 TTF Medium" panose="02000000000000000000" pitchFamily="2" charset="-127"/>
+              <a:cs typeface="맑은 고딕" panose="020B0503020000020004" charset="-127"/>
+              <a:sym typeface="맑은 고딕" panose="020B0503020000020004" charset="-127"/>
+            </a:endParaRPr>
+          </a:p>
+        </p:txBody>
+      </p:sp>
+      <p:pic>
+        <p:nvPicPr>
+          <p:cNvPr id="103" name="Picture 102"/>
+          <p:cNvPicPr/>
+          <p:nvPr/>
+        </p:nvPicPr>
+        <p:blipFill>
+          <a:blip r:embed="rId4"/>
+          <a:stretch>
+            <a:fillRect/>
+          </a:stretch>
+        </p:blipFill>
+        <p:spPr>
+          <a:xfrm>
+            <a:off x="6298248" y="3743643"/>
+            <a:ext cx="1800225" cy="2543175"/>
+          </a:xfrm>
+          <a:prstGeom prst="rect">
+            <a:avLst/>
+          </a:prstGeom>
+          <a:noFill/>
+          <a:ln w="9525">
+            <a:noFill/>
+          </a:ln>
+        </p:spPr>
+      </p:pic>
+      <p:sp>
+        <p:nvSpPr>
+          <p:cNvPr id="3" name="Google Shape;138;p21"/>
+          <p:cNvSpPr txBox="1"/>
+          <p:nvPr/>
+        </p:nvSpPr>
+        <p:spPr>
+          <a:xfrm>
+            <a:off x="8472805" y="3912336"/>
+            <a:ext cx="2829560" cy="1996440"/>
+          </a:xfrm>
+          <a:prstGeom prst="rect">
+            <a:avLst/>
+          </a:prstGeom>
+          <a:noFill/>
+          <a:ln>
+            <a:noFill/>
+          </a:ln>
+        </p:spPr>
+        <p:txBody>
+          <a:bodyPr spcFirstLastPara="1" wrap="square" lIns="91425" tIns="91425" rIns="91425" bIns="91425" anchor="t" anchorCtr="0">
+            <a:noAutofit/>
+          </a:bodyPr>
+          <a:lstStyle/>
+          <a:p>
+            <a:pPr indent="0">
+              <a:lnSpc>
+                <a:spcPct val="150000"/>
+              </a:lnSpc>
+              <a:spcBef>
+                <a:spcPts val="0"/>
+              </a:spcBef>
+              <a:spcAft>
+                <a:spcPts val="0"/>
+              </a:spcAft>
+              <a:buNone/>
+            </a:pPr>
+            <a:r>
+              <a:rPr lang="en-US" sz="1200">
+                <a:latin typeface="G마켓 산스 TTF Medium" panose="02000000000000000000" pitchFamily="2" charset="-127"/>
+                <a:ea typeface="G마켓 산스 TTF Medium" panose="02000000000000000000" pitchFamily="2" charset="-127"/>
+                <a:cs typeface="맑은 고딕" panose="020B0503020000020004" charset="-127"/>
+                <a:sym typeface="맑은 고딕" panose="020B0503020000020004" charset="-127"/>
+              </a:rPr>
+              <a:t>        </a:t>
+            </a:r>
+            <a:r>
+              <a:rPr lang="ko-KR" altLang="en-US" sz="1600" b="1">
+                <a:latin typeface="G마켓 산스 TTF Medium" panose="02000000000000000000" pitchFamily="2" charset="-127"/>
+                <a:ea typeface="G마켓 산스 TTF Medium" panose="02000000000000000000" pitchFamily="2" charset="-127"/>
+                <a:cs typeface="맑은 고딕" panose="020B0503020000020004" charset="-127"/>
+                <a:sym typeface="맑은 고딕" panose="020B0503020000020004" charset="-127"/>
+              </a:rPr>
+              <a:t>골렘</a:t>
+            </a:r>
+            <a:endParaRPr sz="1600" b="1">
+              <a:latin typeface="G마켓 산스 TTF Medium" panose="02000000000000000000" pitchFamily="2" charset="-127"/>
+              <a:ea typeface="G마켓 산스 TTF Medium" panose="02000000000000000000" pitchFamily="2" charset="-127"/>
+              <a:cs typeface="맑은 고딕" panose="020B0503020000020004" charset="-127"/>
+              <a:sym typeface="맑은 고딕" panose="020B0503020000020004" charset="-127"/>
+            </a:endParaRPr>
+          </a:p>
+          <a:p>
+            <a:pPr indent="0">
+              <a:lnSpc>
+                <a:spcPct val="150000"/>
+              </a:lnSpc>
+              <a:spcBef>
+                <a:spcPts val="0"/>
+              </a:spcBef>
+              <a:spcAft>
+                <a:spcPts val="0"/>
+              </a:spcAft>
+              <a:buNone/>
+            </a:pPr>
+            <a:endParaRPr sz="1200">
+              <a:latin typeface="G마켓 산스 TTF Medium" panose="02000000000000000000" pitchFamily="2" charset="-127"/>
+              <a:ea typeface="G마켓 산스 TTF Medium" panose="02000000000000000000" pitchFamily="2" charset="-127"/>
+              <a:cs typeface="맑은 고딕" panose="020B0503020000020004" charset="-127"/>
+              <a:sym typeface="맑은 고딕" panose="020B0503020000020004" charset="-127"/>
+            </a:endParaRPr>
+          </a:p>
+          <a:p>
+            <a:pPr indent="0">
+              <a:lnSpc>
+                <a:spcPct val="150000"/>
+              </a:lnSpc>
+              <a:spcBef>
+                <a:spcPts val="0"/>
+              </a:spcBef>
+              <a:spcAft>
+                <a:spcPts val="0"/>
+              </a:spcAft>
+              <a:buNone/>
+            </a:pPr>
+            <a:r>
+              <a:rPr lang="en-US" sz="1300">
+                <a:latin typeface="G마켓 산스 TTF Medium" panose="02000000000000000000" pitchFamily="2" charset="-127"/>
+                <a:ea typeface="G마켓 산스 TTF Medium" panose="02000000000000000000" pitchFamily="2" charset="-127"/>
+                <a:cs typeface="맑은 고딕" panose="020B0503020000020004" charset="-127"/>
+                <a:sym typeface="맑은 고딕" panose="020B0503020000020004" charset="-127"/>
+              </a:rPr>
+              <a:t>- 키 : 400cm</a:t>
+            </a:r>
+            <a:endParaRPr sz="1300">
+              <a:latin typeface="G마켓 산스 TTF Medium" panose="02000000000000000000" pitchFamily="2" charset="-127"/>
+              <a:ea typeface="G마켓 산스 TTF Medium" panose="02000000000000000000" pitchFamily="2" charset="-127"/>
+              <a:cs typeface="맑은 고딕" panose="020B0503020000020004" charset="-127"/>
+              <a:sym typeface="맑은 고딕" panose="020B0503020000020004" charset="-127"/>
+            </a:endParaRPr>
+          </a:p>
+          <a:p>
+            <a:pPr indent="0">
+              <a:lnSpc>
+                <a:spcPct val="150000"/>
+              </a:lnSpc>
+              <a:spcBef>
+                <a:spcPts val="0"/>
+              </a:spcBef>
+              <a:spcAft>
+                <a:spcPts val="0"/>
+              </a:spcAft>
+              <a:buNone/>
+            </a:pPr>
+            <a:r>
+              <a:rPr lang="en-US" sz="1300">
+                <a:latin typeface="G마켓 산스 TTF Medium" panose="02000000000000000000" pitchFamily="2" charset="-127"/>
+                <a:ea typeface="G마켓 산스 TTF Medium" panose="02000000000000000000" pitchFamily="2" charset="-127"/>
+                <a:cs typeface="맑은 고딕" panose="020B0503020000020004" charset="-127"/>
+                <a:sym typeface="맑은 고딕" panose="020B0503020000020004" charset="-127"/>
+              </a:rPr>
+              <a:t>- 이동속도 : 0.5km/h</a:t>
+            </a:r>
+            <a:endParaRPr sz="1300">
+              <a:latin typeface="G마켓 산스 TTF Medium" panose="02000000000000000000" pitchFamily="2" charset="-127"/>
+              <a:ea typeface="G마켓 산스 TTF Medium" panose="02000000000000000000" pitchFamily="2" charset="-127"/>
+              <a:cs typeface="맑은 고딕" panose="020B0503020000020004" charset="-127"/>
+              <a:sym typeface="맑은 고딕" panose="020B0503020000020004" charset="-127"/>
+            </a:endParaRPr>
+          </a:p>
+          <a:p>
+            <a:pPr indent="0">
+              <a:lnSpc>
+                <a:spcPct val="150000"/>
+              </a:lnSpc>
+              <a:spcBef>
+                <a:spcPts val="0"/>
+              </a:spcBef>
+              <a:spcAft>
+                <a:spcPts val="0"/>
+              </a:spcAft>
+              <a:buNone/>
+            </a:pPr>
+            <a:r>
+              <a:rPr lang="en-US" sz="1300">
+                <a:latin typeface="G마켓 산스 TTF Medium" panose="02000000000000000000" pitchFamily="2" charset="-127"/>
+                <a:ea typeface="G마켓 산스 TTF Medium" panose="02000000000000000000" pitchFamily="2" charset="-127"/>
+                <a:cs typeface="맑은 고딕" panose="020B0503020000020004" charset="-127"/>
+                <a:sym typeface="맑은 고딕" panose="020B0503020000020004" charset="-127"/>
+              </a:rPr>
+              <a:t>- 체력 : 500</a:t>
+            </a:r>
+          </a:p>
+          <a:p>
+            <a:pPr indent="0">
+              <a:lnSpc>
+                <a:spcPct val="150000"/>
+              </a:lnSpc>
+              <a:spcBef>
+                <a:spcPts val="0"/>
+              </a:spcBef>
+              <a:spcAft>
+                <a:spcPts val="0"/>
+              </a:spcAft>
+              <a:buNone/>
+            </a:pPr>
+            <a:r>
+              <a:rPr lang="en-US" sz="1300">
+                <a:latin typeface="G마켓 산스 TTF Medium" panose="02000000000000000000" pitchFamily="2" charset="-127"/>
+                <a:ea typeface="G마켓 산스 TTF Medium" panose="02000000000000000000" pitchFamily="2" charset="-127"/>
+                <a:cs typeface="맑은 고딕" panose="020B0503020000020004" charset="-127"/>
+                <a:sym typeface="맑은 고딕" panose="020B0503020000020004" charset="-127"/>
+              </a:rPr>
+              <a:t>- </a:t>
+            </a:r>
+            <a:r>
+              <a:rPr lang="ko-KR" altLang="en-US" sz="1300">
+                <a:latin typeface="G마켓 산스 TTF Medium" panose="02000000000000000000" pitchFamily="2" charset="-127"/>
+                <a:ea typeface="G마켓 산스 TTF Medium" panose="02000000000000000000" pitchFamily="2" charset="-127"/>
+                <a:cs typeface="맑은 고딕" panose="020B0503020000020004" charset="-127"/>
+                <a:sym typeface="맑은 고딕" panose="020B0503020000020004" charset="-127"/>
+              </a:rPr>
+              <a:t>데미지</a:t>
+            </a:r>
+            <a:r>
+              <a:rPr lang="en-US" altLang="ko-KR" sz="1300">
+                <a:latin typeface="G마켓 산스 TTF Medium" panose="02000000000000000000" pitchFamily="2" charset="-127"/>
+                <a:ea typeface="G마켓 산스 TTF Medium" panose="02000000000000000000" pitchFamily="2" charset="-127"/>
+                <a:cs typeface="맑은 고딕" panose="020B0503020000020004" charset="-127"/>
+                <a:sym typeface="맑은 고딕" panose="020B0503020000020004" charset="-127"/>
+              </a:rPr>
+              <a:t> : 100</a:t>
+            </a:r>
+            <a:endParaRPr lang="en-US" sz="1300">
+              <a:latin typeface="G마켓 산스 TTF Medium" panose="02000000000000000000" pitchFamily="2" charset="-127"/>
+              <a:ea typeface="G마켓 산스 TTF Medium" panose="02000000000000000000" pitchFamily="2" charset="-127"/>
+              <a:cs typeface="맑은 고딕" panose="020B0503020000020004" charset="-127"/>
+              <a:sym typeface="맑은 고딕" panose="020B0503020000020004" charset="-127"/>
+            </a:endParaRPr>
+          </a:p>
+          <a:p>
+            <a:pPr indent="0">
+              <a:lnSpc>
+                <a:spcPct val="150000"/>
+              </a:lnSpc>
+              <a:spcBef>
+                <a:spcPts val="0"/>
+              </a:spcBef>
+              <a:spcAft>
+                <a:spcPts val="0"/>
+              </a:spcAft>
+              <a:buNone/>
+            </a:pPr>
+            <a:r>
+              <a:rPr lang="en-US" sz="1300">
+                <a:latin typeface="G마켓 산스 TTF Medium" panose="02000000000000000000" pitchFamily="2" charset="-127"/>
+                <a:ea typeface="G마켓 산스 TTF Medium" panose="02000000000000000000" pitchFamily="2" charset="-127"/>
+                <a:cs typeface="맑은 고딕" panose="020B0503020000020004" charset="-127"/>
+                <a:sym typeface="맑은 고딕" panose="020B0503020000020004" charset="-127"/>
+              </a:rPr>
+              <a:t>- 애니메이션 5종(Idle, </a:t>
+            </a:r>
+            <a:r>
+              <a:rPr lang="ko-KR" altLang="en-US" sz="1300">
+                <a:latin typeface="G마켓 산스 TTF Medium" panose="02000000000000000000" pitchFamily="2" charset="-127"/>
+                <a:ea typeface="G마켓 산스 TTF Medium" panose="02000000000000000000" pitchFamily="2" charset="-127"/>
+                <a:cs typeface="맑은 고딕" panose="020B0503020000020004" charset="-127"/>
+                <a:sym typeface="맑은 고딕" panose="020B0503020000020004" charset="-127"/>
+              </a:rPr>
+              <a:t>이동</a:t>
+            </a:r>
+            <a:r>
+              <a:rPr lang="en-US" altLang="ko-KR" sz="1300">
+                <a:latin typeface="G마켓 산스 TTF Medium" panose="02000000000000000000" pitchFamily="2" charset="-127"/>
+                <a:ea typeface="G마켓 산스 TTF Medium" panose="02000000000000000000" pitchFamily="2" charset="-127"/>
+                <a:cs typeface="맑은 고딕" panose="020B0503020000020004" charset="-127"/>
+                <a:sym typeface="맑은 고딕" panose="020B0503020000020004" charset="-127"/>
+              </a:rPr>
+              <a:t>, </a:t>
+            </a:r>
+            <a:r>
+              <a:rPr lang="ko-KR" altLang="en-US" sz="1300">
+                <a:latin typeface="G마켓 산스 TTF Medium" panose="02000000000000000000" pitchFamily="2" charset="-127"/>
+                <a:ea typeface="G마켓 산스 TTF Medium" panose="02000000000000000000" pitchFamily="2" charset="-127"/>
+                <a:cs typeface="맑은 고딕" panose="020B0503020000020004" charset="-127"/>
+                <a:sym typeface="맑은 고딕" panose="020B0503020000020004" charset="-127"/>
+              </a:rPr>
+              <a:t>공격</a:t>
+            </a:r>
+            <a:r>
+              <a:rPr lang="en-US" altLang="ko-KR" sz="1300">
+                <a:latin typeface="G마켓 산스 TTF Medium" panose="02000000000000000000" pitchFamily="2" charset="-127"/>
+                <a:ea typeface="G마켓 산스 TTF Medium" panose="02000000000000000000" pitchFamily="2" charset="-127"/>
+                <a:cs typeface="맑은 고딕" panose="020B0503020000020004" charset="-127"/>
+                <a:sym typeface="맑은 고딕" panose="020B0503020000020004" charset="-127"/>
+              </a:rPr>
+              <a:t> 1, </a:t>
+            </a:r>
+            <a:r>
+              <a:rPr lang="ko-KR" altLang="en-US" sz="1300">
+                <a:latin typeface="G마켓 산스 TTF Medium" panose="02000000000000000000" pitchFamily="2" charset="-127"/>
+                <a:ea typeface="G마켓 산스 TTF Medium" panose="02000000000000000000" pitchFamily="2" charset="-127"/>
+                <a:cs typeface="맑은 고딕" panose="020B0503020000020004" charset="-127"/>
+                <a:sym typeface="맑은 고딕" panose="020B0503020000020004" charset="-127"/>
+              </a:rPr>
+              <a:t>공격</a:t>
+            </a:r>
+            <a:r>
+              <a:rPr lang="en-US" altLang="ko-KR" sz="1300">
+                <a:latin typeface="G마켓 산스 TTF Medium" panose="02000000000000000000" pitchFamily="2" charset="-127"/>
+                <a:ea typeface="G마켓 산스 TTF Medium" panose="02000000000000000000" pitchFamily="2" charset="-127"/>
+                <a:cs typeface="맑은 고딕" panose="020B0503020000020004" charset="-127"/>
+                <a:sym typeface="맑은 고딕" panose="020B0503020000020004" charset="-127"/>
+              </a:rPr>
+              <a:t> 2, </a:t>
+            </a:r>
+            <a:r>
+              <a:rPr lang="ko-KR" altLang="en-US" sz="1300">
+                <a:latin typeface="G마켓 산스 TTF Medium" panose="02000000000000000000" pitchFamily="2" charset="-127"/>
+                <a:ea typeface="G마켓 산스 TTF Medium" panose="02000000000000000000" pitchFamily="2" charset="-127"/>
+                <a:cs typeface="맑은 고딕" panose="020B0503020000020004" charset="-127"/>
+                <a:sym typeface="맑은 고딕" panose="020B0503020000020004" charset="-127"/>
+              </a:rPr>
+              <a:t>사망</a:t>
+            </a:r>
+            <a:r>
+              <a:rPr lang="en-US" altLang="ko-KR" sz="1300">
+                <a:latin typeface="G마켓 산스 TTF Medium" panose="02000000000000000000" pitchFamily="2" charset="-127"/>
+                <a:ea typeface="G마켓 산스 TTF Medium" panose="02000000000000000000" pitchFamily="2" charset="-127"/>
+                <a:cs typeface="맑은 고딕" panose="020B0503020000020004" charset="-127"/>
+                <a:sym typeface="맑은 고딕" panose="020B0503020000020004" charset="-127"/>
+              </a:rPr>
+              <a:t>)</a:t>
+            </a:r>
+            <a:r>
+              <a:rPr lang="en-US" sz="1200">
+                <a:latin typeface="G마켓 산스 TTF Medium" panose="02000000000000000000" pitchFamily="2" charset="-127"/>
+                <a:ea typeface="G마켓 산스 TTF Medium" panose="02000000000000000000" pitchFamily="2" charset="-127"/>
+                <a:cs typeface="맑은 고딕" panose="020B0503020000020004" charset="-127"/>
+                <a:sym typeface="맑은 고딕" panose="020B0503020000020004" charset="-127"/>
+              </a:rPr>
+              <a:t> </a:t>
+            </a:r>
+            <a:endParaRPr sz="1200">
+              <a:latin typeface="G마켓 산스 TTF Medium" panose="02000000000000000000" pitchFamily="2" charset="-127"/>
+              <a:ea typeface="G마켓 산스 TTF Medium" panose="02000000000000000000" pitchFamily="2" charset="-127"/>
+              <a:cs typeface="맑은 고딕" panose="020B0503020000020004" charset="-127"/>
+              <a:sym typeface="맑은 고딕" panose="020B0503020000020004" charset="-127"/>
+            </a:endParaRPr>
+          </a:p>
+        </p:txBody>
+      </p:sp>
+      <p:pic>
+        <p:nvPicPr>
+          <p:cNvPr id="104" name="Picture 103"/>
+          <p:cNvPicPr/>
+          <p:nvPr/>
+        </p:nvPicPr>
+        <p:blipFill>
+          <a:blip r:embed="rId5"/>
+          <a:stretch>
+            <a:fillRect/>
+          </a:stretch>
+        </p:blipFill>
+        <p:spPr>
+          <a:xfrm>
+            <a:off x="718185" y="4085590"/>
+            <a:ext cx="1957070" cy="2047875"/>
+          </a:xfrm>
+          <a:prstGeom prst="rect">
+            <a:avLst/>
+          </a:prstGeom>
+          <a:noFill/>
+          <a:ln w="9525">
+            <a:noFill/>
+          </a:ln>
+        </p:spPr>
+      </p:pic>
+      <p:sp>
+        <p:nvSpPr>
+          <p:cNvPr id="4" name="Google Shape;138;p21"/>
+          <p:cNvSpPr txBox="1"/>
+          <p:nvPr/>
+        </p:nvSpPr>
+        <p:spPr>
+          <a:xfrm>
+            <a:off x="2613025" y="3841851"/>
+            <a:ext cx="3111500" cy="2001520"/>
+          </a:xfrm>
+          <a:prstGeom prst="rect">
+            <a:avLst/>
+          </a:prstGeom>
+          <a:noFill/>
+          <a:ln>
+            <a:noFill/>
+          </a:ln>
+        </p:spPr>
+        <p:txBody>
+          <a:bodyPr spcFirstLastPara="1" wrap="square" lIns="91425" tIns="91425" rIns="91425" bIns="91425" anchor="t" anchorCtr="0">
+            <a:noAutofit/>
+          </a:bodyPr>
+          <a:lstStyle/>
+          <a:p>
+            <a:pPr indent="0">
+              <a:lnSpc>
+                <a:spcPct val="150000"/>
+              </a:lnSpc>
+              <a:spcBef>
+                <a:spcPts val="0"/>
+              </a:spcBef>
+              <a:spcAft>
+                <a:spcPts val="0"/>
+              </a:spcAft>
+              <a:buNone/>
+            </a:pPr>
+            <a:r>
+              <a:rPr lang="en-US" sz="1200">
+                <a:latin typeface="G마켓 산스 TTF Medium" panose="02000000000000000000" pitchFamily="2" charset="-127"/>
+                <a:ea typeface="G마켓 산스 TTF Medium" panose="02000000000000000000" pitchFamily="2" charset="-127"/>
+                <a:cs typeface="맑은 고딕" panose="020B0503020000020004" charset="-127"/>
+                <a:sym typeface="맑은 고딕" panose="020B0503020000020004" charset="-127"/>
+              </a:rPr>
+              <a:t>       </a:t>
+            </a:r>
+            <a:r>
+              <a:rPr lang="ko-KR" altLang="en-US" sz="1600" b="1">
+                <a:latin typeface="G마켓 산스 TTF Medium" panose="02000000000000000000" pitchFamily="2" charset="-127"/>
+                <a:ea typeface="G마켓 산스 TTF Medium" panose="02000000000000000000" pitchFamily="2" charset="-127"/>
+                <a:cs typeface="맑은 고딕" panose="020B0503020000020004" charset="-127"/>
+                <a:sym typeface="맑은 고딕" panose="020B0503020000020004" charset="-127"/>
+              </a:rPr>
+              <a:t>스켈레톤</a:t>
+            </a:r>
+            <a:endParaRPr sz="1600" b="1">
+              <a:latin typeface="G마켓 산스 TTF Medium" panose="02000000000000000000" pitchFamily="2" charset="-127"/>
+              <a:ea typeface="G마켓 산스 TTF Medium" panose="02000000000000000000" pitchFamily="2" charset="-127"/>
+              <a:cs typeface="맑은 고딕" panose="020B0503020000020004" charset="-127"/>
+              <a:sym typeface="맑은 고딕" panose="020B0503020000020004" charset="-127"/>
+            </a:endParaRPr>
+          </a:p>
+          <a:p>
+            <a:pPr indent="0">
+              <a:lnSpc>
+                <a:spcPct val="150000"/>
+              </a:lnSpc>
+              <a:spcBef>
+                <a:spcPts val="0"/>
+              </a:spcBef>
+              <a:spcAft>
+                <a:spcPts val="0"/>
+              </a:spcAft>
+              <a:buNone/>
+            </a:pPr>
+            <a:endParaRPr sz="1200">
+              <a:latin typeface="G마켓 산스 TTF Medium" panose="02000000000000000000" pitchFamily="2" charset="-127"/>
+              <a:ea typeface="G마켓 산스 TTF Medium" panose="02000000000000000000" pitchFamily="2" charset="-127"/>
+              <a:cs typeface="맑은 고딕" panose="020B0503020000020004" charset="-127"/>
+              <a:sym typeface="맑은 고딕" panose="020B0503020000020004" charset="-127"/>
+            </a:endParaRPr>
+          </a:p>
+          <a:p>
+            <a:pPr indent="0">
+              <a:lnSpc>
+                <a:spcPct val="150000"/>
+              </a:lnSpc>
+              <a:spcBef>
+                <a:spcPts val="0"/>
+              </a:spcBef>
+              <a:spcAft>
+                <a:spcPts val="0"/>
+              </a:spcAft>
+              <a:buNone/>
+            </a:pPr>
+            <a:r>
+              <a:rPr lang="en-US" sz="1300">
+                <a:latin typeface="G마켓 산스 TTF Medium" panose="02000000000000000000" pitchFamily="2" charset="-127"/>
+                <a:ea typeface="G마켓 산스 TTF Medium" panose="02000000000000000000" pitchFamily="2" charset="-127"/>
+                <a:cs typeface="맑은 고딕" panose="020B0503020000020004" charset="-127"/>
+                <a:sym typeface="맑은 고딕" panose="020B0503020000020004" charset="-127"/>
+              </a:rPr>
+              <a:t>- 키 : 160cm</a:t>
+            </a:r>
+            <a:endParaRPr sz="1300">
+              <a:latin typeface="G마켓 산스 TTF Medium" panose="02000000000000000000" pitchFamily="2" charset="-127"/>
+              <a:ea typeface="G마켓 산스 TTF Medium" panose="02000000000000000000" pitchFamily="2" charset="-127"/>
+              <a:cs typeface="맑은 고딕" panose="020B0503020000020004" charset="-127"/>
+              <a:sym typeface="맑은 고딕" panose="020B0503020000020004" charset="-127"/>
+            </a:endParaRPr>
+          </a:p>
+          <a:p>
+            <a:pPr indent="0">
+              <a:lnSpc>
+                <a:spcPct val="150000"/>
+              </a:lnSpc>
+              <a:spcBef>
+                <a:spcPts val="0"/>
+              </a:spcBef>
+              <a:spcAft>
+                <a:spcPts val="0"/>
+              </a:spcAft>
+              <a:buNone/>
+            </a:pPr>
+            <a:r>
+              <a:rPr lang="en-US" sz="1300">
+                <a:latin typeface="G마켓 산스 TTF Medium" panose="02000000000000000000" pitchFamily="2" charset="-127"/>
+                <a:ea typeface="G마켓 산스 TTF Medium" panose="02000000000000000000" pitchFamily="2" charset="-127"/>
+                <a:cs typeface="맑은 고딕" panose="020B0503020000020004" charset="-127"/>
+                <a:sym typeface="맑은 고딕" panose="020B0503020000020004" charset="-127"/>
+              </a:rPr>
+              <a:t>- 이동속도 : 1km/h</a:t>
+            </a:r>
+            <a:endParaRPr sz="1300">
+              <a:latin typeface="G마켓 산스 TTF Medium" panose="02000000000000000000" pitchFamily="2" charset="-127"/>
+              <a:ea typeface="G마켓 산스 TTF Medium" panose="02000000000000000000" pitchFamily="2" charset="-127"/>
+              <a:cs typeface="맑은 고딕" panose="020B0503020000020004" charset="-127"/>
+              <a:sym typeface="맑은 고딕" panose="020B0503020000020004" charset="-127"/>
+            </a:endParaRPr>
+          </a:p>
+          <a:p>
+            <a:pPr indent="0">
+              <a:lnSpc>
+                <a:spcPct val="150000"/>
+              </a:lnSpc>
+              <a:spcBef>
+                <a:spcPts val="0"/>
+              </a:spcBef>
+              <a:spcAft>
+                <a:spcPts val="0"/>
+              </a:spcAft>
+              <a:buNone/>
+            </a:pPr>
+            <a:r>
+              <a:rPr lang="en-US" sz="1300">
+                <a:latin typeface="G마켓 산스 TTF Medium" panose="02000000000000000000" pitchFamily="2" charset="-127"/>
+                <a:ea typeface="G마켓 산스 TTF Medium" panose="02000000000000000000" pitchFamily="2" charset="-127"/>
+                <a:cs typeface="맑은 고딕" panose="020B0503020000020004" charset="-127"/>
+                <a:sym typeface="맑은 고딕" panose="020B0503020000020004" charset="-127"/>
+              </a:rPr>
+              <a:t>- 체력 : 150</a:t>
+            </a:r>
+          </a:p>
+          <a:p>
+            <a:pPr indent="0">
+              <a:lnSpc>
+                <a:spcPct val="150000"/>
+              </a:lnSpc>
+              <a:spcBef>
+                <a:spcPts val="0"/>
+              </a:spcBef>
+              <a:spcAft>
+                <a:spcPts val="0"/>
+              </a:spcAft>
+              <a:buNone/>
+            </a:pPr>
+            <a:r>
+              <a:rPr lang="en-US" sz="1300">
+                <a:latin typeface="G마켓 산스 TTF Medium" panose="02000000000000000000" pitchFamily="2" charset="-127"/>
+                <a:ea typeface="G마켓 산스 TTF Medium" panose="02000000000000000000" pitchFamily="2" charset="-127"/>
+                <a:cs typeface="맑은 고딕" panose="020B0503020000020004" charset="-127"/>
+                <a:sym typeface="맑은 고딕" panose="020B0503020000020004" charset="-127"/>
+              </a:rPr>
+              <a:t>- </a:t>
+            </a:r>
+            <a:r>
+              <a:rPr lang="ko-KR" altLang="en-US" sz="1300">
+                <a:latin typeface="G마켓 산스 TTF Medium" panose="02000000000000000000" pitchFamily="2" charset="-127"/>
+                <a:ea typeface="G마켓 산스 TTF Medium" panose="02000000000000000000" pitchFamily="2" charset="-127"/>
+                <a:cs typeface="맑은 고딕" panose="020B0503020000020004" charset="-127"/>
+                <a:sym typeface="맑은 고딕" panose="020B0503020000020004" charset="-127"/>
+              </a:rPr>
+              <a:t>공격속도</a:t>
+            </a:r>
+            <a:r>
+              <a:rPr lang="en-US" altLang="ko-KR" sz="1300">
+                <a:latin typeface="G마켓 산스 TTF Medium" panose="02000000000000000000" pitchFamily="2" charset="-127"/>
+                <a:ea typeface="G마켓 산스 TTF Medium" panose="02000000000000000000" pitchFamily="2" charset="-127"/>
+                <a:cs typeface="맑은 고딕" panose="020B0503020000020004" charset="-127"/>
+                <a:sym typeface="맑은 고딕" panose="020B0503020000020004" charset="-127"/>
+              </a:rPr>
+              <a:t> : 1</a:t>
+            </a:r>
+            <a:r>
+              <a:rPr lang="ko-KR" altLang="en-US" sz="1300">
+                <a:latin typeface="G마켓 산스 TTF Medium" panose="02000000000000000000" pitchFamily="2" charset="-127"/>
+                <a:ea typeface="G마켓 산스 TTF Medium" panose="02000000000000000000" pitchFamily="2" charset="-127"/>
+                <a:cs typeface="맑은 고딕" panose="020B0503020000020004" charset="-127"/>
+                <a:sym typeface="맑은 고딕" panose="020B0503020000020004" charset="-127"/>
+              </a:rPr>
+              <a:t>초에</a:t>
+            </a:r>
+            <a:r>
+              <a:rPr lang="en-US" altLang="ko-KR" sz="1300">
+                <a:latin typeface="G마켓 산스 TTF Medium" panose="02000000000000000000" pitchFamily="2" charset="-127"/>
+                <a:ea typeface="G마켓 산스 TTF Medium" panose="02000000000000000000" pitchFamily="2" charset="-127"/>
+                <a:cs typeface="맑은 고딕" panose="020B0503020000020004" charset="-127"/>
+                <a:sym typeface="맑은 고딕" panose="020B0503020000020004" charset="-127"/>
+              </a:rPr>
+              <a:t> 1</a:t>
+            </a:r>
+            <a:r>
+              <a:rPr lang="ko-KR" altLang="en-US" sz="1300">
+                <a:latin typeface="G마켓 산스 TTF Medium" panose="02000000000000000000" pitchFamily="2" charset="-127"/>
+                <a:ea typeface="G마켓 산스 TTF Medium" panose="02000000000000000000" pitchFamily="2" charset="-127"/>
+                <a:cs typeface="맑은 고딕" panose="020B0503020000020004" charset="-127"/>
+                <a:sym typeface="맑은 고딕" panose="020B0503020000020004" charset="-127"/>
+              </a:rPr>
+              <a:t>번</a:t>
+            </a:r>
+            <a:endParaRPr sz="1300">
+              <a:latin typeface="G마켓 산스 TTF Medium" panose="02000000000000000000" pitchFamily="2" charset="-127"/>
+              <a:ea typeface="G마켓 산스 TTF Medium" panose="02000000000000000000" pitchFamily="2" charset="-127"/>
+              <a:cs typeface="맑은 고딕" panose="020B0503020000020004" charset="-127"/>
+              <a:sym typeface="맑은 고딕" panose="020B0503020000020004" charset="-127"/>
+            </a:endParaRPr>
+          </a:p>
+          <a:p>
+            <a:pPr indent="0">
+              <a:lnSpc>
+                <a:spcPct val="150000"/>
+              </a:lnSpc>
+              <a:spcBef>
+                <a:spcPts val="0"/>
+              </a:spcBef>
+              <a:spcAft>
+                <a:spcPts val="0"/>
+              </a:spcAft>
+              <a:buNone/>
+            </a:pPr>
+            <a:r>
+              <a:rPr lang="en-US" sz="1300">
+                <a:latin typeface="G마켓 산스 TTF Medium" panose="02000000000000000000" pitchFamily="2" charset="-127"/>
+                <a:ea typeface="G마켓 산스 TTF Medium" panose="02000000000000000000" pitchFamily="2" charset="-127"/>
+                <a:cs typeface="맑은 고딕" panose="020B0503020000020004" charset="-127"/>
+                <a:sym typeface="맑은 고딕" panose="020B0503020000020004" charset="-127"/>
+              </a:rPr>
+              <a:t>- 데미지 : 30</a:t>
+            </a:r>
+            <a:endParaRPr sz="1300">
+              <a:latin typeface="G마켓 산스 TTF Medium" panose="02000000000000000000" pitchFamily="2" charset="-127"/>
+              <a:ea typeface="G마켓 산스 TTF Medium" panose="02000000000000000000" pitchFamily="2" charset="-127"/>
+              <a:cs typeface="맑은 고딕" panose="020B0503020000020004" charset="-127"/>
+              <a:sym typeface="맑은 고딕" panose="020B0503020000020004" charset="-127"/>
+            </a:endParaRPr>
+          </a:p>
+          <a:p>
+            <a:pPr indent="0">
+              <a:lnSpc>
+                <a:spcPct val="150000"/>
+              </a:lnSpc>
+              <a:spcBef>
+                <a:spcPts val="0"/>
+              </a:spcBef>
+              <a:spcAft>
+                <a:spcPts val="0"/>
+              </a:spcAft>
+              <a:buNone/>
+            </a:pPr>
+            <a:r>
+              <a:rPr lang="en-US" sz="1300">
+                <a:latin typeface="G마켓 산스 TTF Medium" panose="02000000000000000000" pitchFamily="2" charset="-127"/>
+                <a:ea typeface="G마켓 산스 TTF Medium" panose="02000000000000000000" pitchFamily="2" charset="-127"/>
+                <a:cs typeface="맑은 고딕" panose="020B0503020000020004" charset="-127"/>
+                <a:sym typeface="맑은 고딕" panose="020B0503020000020004" charset="-127"/>
+              </a:rPr>
+              <a:t>- 애니메이션 4종(Idle, </a:t>
+            </a:r>
+            <a:r>
+              <a:rPr lang="ko-KR" altLang="en-US" sz="1300">
+                <a:latin typeface="G마켓 산스 TTF Medium" panose="02000000000000000000" pitchFamily="2" charset="-127"/>
+                <a:ea typeface="G마켓 산스 TTF Medium" panose="02000000000000000000" pitchFamily="2" charset="-127"/>
+                <a:cs typeface="맑은 고딕" panose="020B0503020000020004" charset="-127"/>
+                <a:sym typeface="맑은 고딕" panose="020B0503020000020004" charset="-127"/>
+              </a:rPr>
+              <a:t>이동</a:t>
+            </a:r>
+            <a:r>
+              <a:rPr lang="en-US" altLang="ko-KR" sz="1300">
+                <a:latin typeface="G마켓 산스 TTF Medium" panose="02000000000000000000" pitchFamily="2" charset="-127"/>
+                <a:ea typeface="G마켓 산스 TTF Medium" panose="02000000000000000000" pitchFamily="2" charset="-127"/>
+                <a:cs typeface="맑은 고딕" panose="020B0503020000020004" charset="-127"/>
+                <a:sym typeface="맑은 고딕" panose="020B0503020000020004" charset="-127"/>
+              </a:rPr>
+              <a:t>, </a:t>
+            </a:r>
+            <a:r>
+              <a:rPr lang="ko-KR" altLang="en-US" sz="1300">
+                <a:latin typeface="G마켓 산스 TTF Medium" panose="02000000000000000000" pitchFamily="2" charset="-127"/>
+                <a:ea typeface="G마켓 산스 TTF Medium" panose="02000000000000000000" pitchFamily="2" charset="-127"/>
+                <a:cs typeface="맑은 고딕" panose="020B0503020000020004" charset="-127"/>
+                <a:sym typeface="맑은 고딕" panose="020B0503020000020004" charset="-127"/>
+              </a:rPr>
+              <a:t>공격</a:t>
+            </a:r>
+            <a:r>
+              <a:rPr lang="en-US" altLang="ko-KR" sz="1300">
+                <a:latin typeface="G마켓 산스 TTF Medium" panose="02000000000000000000" pitchFamily="2" charset="-127"/>
+                <a:ea typeface="G마켓 산스 TTF Medium" panose="02000000000000000000" pitchFamily="2" charset="-127"/>
+                <a:cs typeface="맑은 고딕" panose="020B0503020000020004" charset="-127"/>
+                <a:sym typeface="맑은 고딕" panose="020B0503020000020004" charset="-127"/>
+              </a:rPr>
+              <a:t>, </a:t>
+            </a:r>
+            <a:r>
+              <a:rPr lang="ko-KR" altLang="en-US" sz="1300">
+                <a:latin typeface="G마켓 산스 TTF Medium" panose="02000000000000000000" pitchFamily="2" charset="-127"/>
+                <a:ea typeface="G마켓 산스 TTF Medium" panose="02000000000000000000" pitchFamily="2" charset="-127"/>
+                <a:cs typeface="맑은 고딕" panose="020B0503020000020004" charset="-127"/>
+                <a:sym typeface="맑은 고딕" panose="020B0503020000020004" charset="-127"/>
+              </a:rPr>
+              <a:t>사망</a:t>
+            </a:r>
+            <a:r>
+              <a:rPr lang="en-US" altLang="ko-KR" sz="1300">
+                <a:latin typeface="G마켓 산스 TTF Medium" panose="02000000000000000000" pitchFamily="2" charset="-127"/>
+                <a:ea typeface="G마켓 산스 TTF Medium" panose="02000000000000000000" pitchFamily="2" charset="-127"/>
+                <a:cs typeface="맑은 고딕" panose="020B0503020000020004" charset="-127"/>
+                <a:sym typeface="맑은 고딕" panose="020B0503020000020004" charset="-127"/>
+              </a:rPr>
+              <a:t>)</a:t>
+            </a:r>
+            <a:r>
+              <a:rPr lang="en-US" sz="1200">
+                <a:latin typeface="G마켓 산스 TTF Medium" panose="02000000000000000000" pitchFamily="2" charset="-127"/>
+                <a:ea typeface="G마켓 산스 TTF Medium" panose="02000000000000000000" pitchFamily="2" charset="-127"/>
+                <a:cs typeface="맑은 고딕" panose="020B0503020000020004" charset="-127"/>
+                <a:sym typeface="맑은 고딕" panose="020B0503020000020004" charset="-127"/>
+              </a:rPr>
+              <a:t> </a:t>
+            </a:r>
+            <a:endParaRPr sz="1200">
+              <a:latin typeface="G마켓 산스 TTF Medium" panose="02000000000000000000" pitchFamily="2" charset="-127"/>
+              <a:ea typeface="G마켓 산스 TTF Medium" panose="02000000000000000000" pitchFamily="2" charset="-127"/>
+              <a:cs typeface="맑은 고딕" panose="020B0503020000020004" charset="-127"/>
+              <a:sym typeface="맑은 고딕" panose="020B0503020000020004" charset="-127"/>
+            </a:endParaRPr>
+          </a:p>
+        </p:txBody>
+      </p:sp>
+    </p:spTree>
+  </p:cSld>
+  <p:clrMapOvr>
+    <a:masterClrMapping/>
+  </p:clrMapOvr>
+</p:sld>
+</file>
+
+<file path=ppt/slides/slide9.xml><?xml version="1.0" encoding="utf-8"?>
+<p:sld xmlns:a="http://schemas.openxmlformats.org/drawingml/2006/main" xmlns:r="http://schemas.openxmlformats.org/officeDocument/2006/relationships" xmlns:p="http://schemas.openxmlformats.org/presentationml/2006/main">
+  <p:cSld>
+    <p:bg>
+      <p:bgPr>
+        <a:solidFill>
+          <a:srgbClr val="8BA9AB"/>
+        </a:solidFill>
+        <a:effectLst/>
+      </p:bgPr>
+    </p:bg>
+    <p:spTree>
+      <p:nvGrpSpPr>
+        <p:cNvPr id="1" name=""/>
+        <p:cNvGrpSpPr/>
+        <p:nvPr/>
+      </p:nvGrpSpPr>
+      <p:grpSpPr>
+        <a:xfrm>
+          <a:off x="0" y="0"/>
+          <a:ext cx="0" cy="0"/>
+          <a:chOff x="0" y="0"/>
+          <a:chExt cx="0" cy="0"/>
+        </a:xfrm>
+      </p:grpSpPr>
+      <p:sp>
+        <p:nvSpPr>
+          <p:cNvPr id="15" name="직사각형 14"/>
+          <p:cNvSpPr/>
+          <p:nvPr/>
+        </p:nvSpPr>
+        <p:spPr>
+          <a:xfrm>
+            <a:off x="469900" y="925976"/>
+            <a:ext cx="11226800" cy="5617119"/>
+          </a:xfrm>
+          <a:prstGeom prst="rect">
+            <a:avLst/>
+          </a:prstGeom>
+          <a:solidFill>
+            <a:schemeClr val="bg1"/>
+          </a:solidFill>
+          <a:ln w="28575">
+            <a:solidFill>
+              <a:srgbClr val="A3BCBD"/>
+            </a:solidFill>
+          </a:ln>
+        </p:spPr>
+        <p:style>
+          <a:lnRef idx="2">
+            <a:schemeClr val="accent1">
+              <a:shade val="50000"/>
+            </a:schemeClr>
+          </a:lnRef>
+          <a:fillRef idx="1">
+            <a:schemeClr val="accent1"/>
+          </a:fillRef>
+          <a:effectRef idx="0">
+            <a:schemeClr val="accent1"/>
+          </a:effectRef>
+          <a:fontRef idx="minor">
+            <a:schemeClr val="lt1"/>
+          </a:fontRef>
+        </p:style>
+        <p:txBody>
+          <a:bodyPr rtlCol="0" anchor="ctr"/>
+          <a:lstStyle/>
+          <a:p>
+            <a:pPr algn="ctr"/>
             <a:endParaRPr lang="ko-KR" altLang="en-US" dirty="0"/>
           </a:p>
         </p:txBody>
@@ -15972,14 +16363,14 @@
           <p:nvPr>
             <p:extLst>
               <p:ext uri="{D42A27DB-BD31-4B8C-83A1-F6EECF244321}">
-                <p14:modId xmlns:p14="http://schemas.microsoft.com/office/powerpoint/2010/main" val="241826348"/>
+                <p14:modId xmlns:p14="http://schemas.microsoft.com/office/powerpoint/2010/main" val="44055162"/>
               </p:ext>
             </p:extLst>
           </p:nvPr>
         </p:nvGraphicFramePr>
         <p:xfrm>
           <a:off x="5882640" y="998390"/>
-          <a:ext cx="5694835" cy="5472289"/>
+          <a:ext cx="5766700" cy="5347641"/>
         </p:xfrm>
         <a:graphic>
           <a:graphicData uri="http://schemas.openxmlformats.org/drawingml/2006/table">
@@ -15988,7 +16379,7 @@
                 <a:tableStyleId>{5940675A-B579-460E-94D1-54222C63F5DA}</a:tableStyleId>
               </a:tblPr>
               <a:tblGrid>
-                <a:gridCol w="279290">
+                <a:gridCol w="351155">
                   <a:extLst>
                     <a:ext uri="{9D8B030D-6E8A-4147-A177-3AD203B41FA5}">
                       <a16:colId xmlns:a16="http://schemas.microsoft.com/office/drawing/2014/main" val="2072520874"/>
@@ -16010,7 +16401,7 @@
                   </a:extLst>
                 </a:gridCol>
               </a:tblGrid>
-              <a:tr h="786326">
+              <a:tr h="465668">
                 <a:tc>
                   <a:txBody>
                     <a:bodyPr/>
@@ -16018,10 +16409,10 @@
                     <a:p>
                       <a:pPr latinLnBrk="1"/>
                       <a:r>
-                        <a:rPr lang="en-US" altLang="ko-KR" dirty="0"/>
+                        <a:rPr lang="en-US" altLang="ko-KR" sz="1800" dirty="0"/>
                         <a:t>1</a:t>
                       </a:r>
-                      <a:endParaRPr lang="ko-KR" altLang="en-US" dirty="0"/>
+                      <a:endParaRPr lang="ko-KR" altLang="en-US" sz="1800" dirty="0"/>
                     </a:p>
                   </a:txBody>
                   <a:tcPr/>
@@ -16049,18 +16440,11 @@
                         <a:defRPr/>
                       </a:pPr>
                       <a:r>
-                        <a:rPr lang="ko-KR" altLang="en-US" sz="1600" dirty="0">
+                        <a:rPr lang="ko-KR" altLang="en-US" sz="1400" dirty="0">
                           <a:latin typeface="G마켓 산스 TTF Light" panose="02000000000000000000" pitchFamily="2" charset="-127"/>
                           <a:ea typeface="G마켓 산스 TTF Light" panose="02000000000000000000" pitchFamily="2" charset="-127"/>
                         </a:rPr>
-                        <a:t>초록 문</a:t>
-                      </a:r>
-                      <a:r>
-                        <a:rPr lang="ko-KR" altLang="en-US" sz="1800" dirty="0">
-                          <a:latin typeface="G마켓 산스 TTF Light" panose="02000000000000000000" pitchFamily="2" charset="-127"/>
-                          <a:ea typeface="G마켓 산스 TTF Light" panose="02000000000000000000" pitchFamily="2" charset="-127"/>
-                        </a:rPr>
-                        <a:t> </a:t>
+                        <a:t>초록 문 </a:t>
                       </a:r>
                     </a:p>
                     <a:p>
@@ -16109,7 +16493,7 @@
                   </a:ext>
                 </a:extLst>
               </a:tr>
-              <a:tr h="764728">
+              <a:tr h="429070">
                 <a:tc>
                   <a:txBody>
                     <a:bodyPr/>
@@ -16686,397 +17070,6 @@
 </p:sld>
 </file>
 
-<file path=ppt/slides/slide9.xml><?xml version="1.0" encoding="utf-8"?>
-<p:sld xmlns:a="http://schemas.openxmlformats.org/drawingml/2006/main" xmlns:r="http://schemas.openxmlformats.org/officeDocument/2006/relationships" xmlns:p="http://schemas.openxmlformats.org/presentationml/2006/main">
-  <p:cSld>
-    <p:bg>
-      <p:bgPr>
-        <a:solidFill>
-          <a:srgbClr val="8BA9AB"/>
-        </a:solidFill>
-        <a:effectLst/>
-      </p:bgPr>
-    </p:bg>
-    <p:spTree>
-      <p:nvGrpSpPr>
-        <p:cNvPr id="1" name=""/>
-        <p:cNvGrpSpPr/>
-        <p:nvPr/>
-      </p:nvGrpSpPr>
-      <p:grpSpPr>
-        <a:xfrm>
-          <a:off x="0" y="0"/>
-          <a:ext cx="0" cy="0"/>
-          <a:chOff x="0" y="0"/>
-          <a:chExt cx="0" cy="0"/>
-        </a:xfrm>
-      </p:grpSpPr>
-      <p:sp>
-        <p:nvSpPr>
-          <p:cNvPr id="15" name="직사각형 14"/>
-          <p:cNvSpPr/>
-          <p:nvPr/>
-        </p:nvSpPr>
-        <p:spPr>
-          <a:xfrm>
-            <a:off x="469900" y="925976"/>
-            <a:ext cx="11226800" cy="5617119"/>
-          </a:xfrm>
-          <a:prstGeom prst="rect">
-            <a:avLst/>
-          </a:prstGeom>
-          <a:solidFill>
-            <a:schemeClr val="bg1"/>
-          </a:solidFill>
-          <a:ln w="28575">
-            <a:solidFill>
-              <a:srgbClr val="A3BCBD"/>
-            </a:solidFill>
-          </a:ln>
-        </p:spPr>
-        <p:style>
-          <a:lnRef idx="2">
-            <a:schemeClr val="accent1">
-              <a:shade val="50000"/>
-            </a:schemeClr>
-          </a:lnRef>
-          <a:fillRef idx="1">
-            <a:schemeClr val="accent1"/>
-          </a:fillRef>
-          <a:effectRef idx="0">
-            <a:schemeClr val="accent1"/>
-          </a:effectRef>
-          <a:fontRef idx="minor">
-            <a:schemeClr val="lt1"/>
-          </a:fontRef>
-        </p:style>
-        <p:txBody>
-          <a:bodyPr rtlCol="0" anchor="ctr"/>
-          <a:lstStyle/>
-          <a:p>
-            <a:pPr algn="ctr"/>
-            <a:endParaRPr lang="ko-KR" altLang="en-US"/>
-          </a:p>
-        </p:txBody>
-      </p:sp>
-      <p:sp>
-        <p:nvSpPr>
-          <p:cNvPr id="18" name="TextBox 17"/>
-          <p:cNvSpPr txBox="1"/>
-          <p:nvPr/>
-        </p:nvSpPr>
-        <p:spPr>
-          <a:xfrm>
-            <a:off x="469899" y="260991"/>
-            <a:ext cx="7888037" cy="584775"/>
-          </a:xfrm>
-          <a:prstGeom prst="rect">
-            <a:avLst/>
-          </a:prstGeom>
-          <a:noFill/>
-        </p:spPr>
-        <p:txBody>
-          <a:bodyPr wrap="square" rtlCol="0">
-            <a:spAutoFit/>
-          </a:bodyPr>
-          <a:lstStyle/>
-          <a:p>
-            <a:r>
-              <a:rPr lang="en-US" altLang="ko-KR" sz="3200" dirty="0">
-                <a:solidFill>
-                  <a:schemeClr val="bg1"/>
-                </a:solidFill>
-                <a:latin typeface="여기어때 잘난체" panose="020B0600000101010101" pitchFamily="50" charset="-127"/>
-                <a:ea typeface="여기어때 잘난체" panose="020B0600000101010101" pitchFamily="50" charset="-127"/>
-              </a:rPr>
-              <a:t>02. </a:t>
-            </a:r>
-            <a:r>
-              <a:rPr lang="ko-KR" altLang="en-US" sz="3200" dirty="0">
-                <a:solidFill>
-                  <a:schemeClr val="bg1"/>
-                </a:solidFill>
-                <a:latin typeface="여기어때 잘난체" panose="020B0600000101010101" pitchFamily="50" charset="-127"/>
-                <a:ea typeface="여기어때 잘난체" panose="020B0600000101010101" pitchFamily="50" charset="-127"/>
-              </a:rPr>
-              <a:t>게임 소개 </a:t>
-            </a:r>
-            <a:r>
-              <a:rPr lang="en-US" altLang="ko-KR" sz="3200" dirty="0">
-                <a:solidFill>
-                  <a:schemeClr val="bg1"/>
-                </a:solidFill>
-                <a:latin typeface="여기어때 잘난체" panose="020B0600000101010101" pitchFamily="50" charset="-127"/>
-                <a:ea typeface="여기어때 잘난체" panose="020B0600000101010101" pitchFamily="50" charset="-127"/>
-              </a:rPr>
-              <a:t>– </a:t>
-            </a:r>
-            <a:r>
-              <a:rPr lang="ko-KR" altLang="en-US" sz="3200" dirty="0">
-                <a:solidFill>
-                  <a:schemeClr val="bg1"/>
-                </a:solidFill>
-                <a:latin typeface="여기어때 잘난체" panose="020B0600000101010101" pitchFamily="50" charset="-127"/>
-                <a:ea typeface="여기어때 잘난체" panose="020B0600000101010101" pitchFamily="50" charset="-127"/>
-              </a:rPr>
-              <a:t>게임 월드</a:t>
-            </a:r>
-            <a:r>
-              <a:rPr lang="ko-KR" altLang="en-US" sz="2400" dirty="0">
-                <a:solidFill>
-                  <a:schemeClr val="bg1"/>
-                </a:solidFill>
-                <a:latin typeface="여기어때 잘난체" panose="020B0600000101010101" pitchFamily="50" charset="-127"/>
-                <a:ea typeface="여기어때 잘난체" panose="020B0600000101010101" pitchFamily="50" charset="-127"/>
-              </a:rPr>
-              <a:t>  </a:t>
-            </a:r>
-          </a:p>
-        </p:txBody>
-      </p:sp>
-      <p:sp>
-        <p:nvSpPr>
-          <p:cNvPr id="7" name="직사각형 6">
-            <a:extLst>
-              <a:ext uri="{FF2B5EF4-FFF2-40B4-BE49-F238E27FC236}">
-                <a16:creationId xmlns:a16="http://schemas.microsoft.com/office/drawing/2014/main" id="{8D6402C3-8B48-E8FE-94A1-7748C9B253A4}"/>
-              </a:ext>
-            </a:extLst>
-          </p:cNvPr>
-          <p:cNvSpPr/>
-          <p:nvPr/>
-        </p:nvSpPr>
-        <p:spPr>
-          <a:xfrm>
-            <a:off x="469900" y="925976"/>
-            <a:ext cx="11226800" cy="5617119"/>
-          </a:xfrm>
-          <a:prstGeom prst="rect">
-            <a:avLst/>
-          </a:prstGeom>
-          <a:solidFill>
-            <a:schemeClr val="bg1"/>
-          </a:solidFill>
-          <a:ln w="28575">
-            <a:solidFill>
-              <a:srgbClr val="A3BCBD"/>
-            </a:solidFill>
-          </a:ln>
-        </p:spPr>
-        <p:style>
-          <a:lnRef idx="2">
-            <a:schemeClr val="accent1">
-              <a:shade val="50000"/>
-            </a:schemeClr>
-          </a:lnRef>
-          <a:fillRef idx="1">
-            <a:schemeClr val="accent1"/>
-          </a:fillRef>
-          <a:effectRef idx="0">
-            <a:schemeClr val="accent1"/>
-          </a:effectRef>
-          <a:fontRef idx="minor">
-            <a:schemeClr val="lt1"/>
-          </a:fontRef>
-        </p:style>
-        <p:txBody>
-          <a:bodyPr rtlCol="0" anchor="ctr"/>
-          <a:lstStyle/>
-          <a:p>
-            <a:pPr algn="ctr"/>
-            <a:r>
-              <a:rPr lang="en-US" altLang="ko-KR"/>
-              <a:t>s</a:t>
-            </a:r>
-            <a:endParaRPr lang="ko-KR" altLang="en-US"/>
-          </a:p>
-        </p:txBody>
-      </p:sp>
-      <p:sp>
-        <p:nvSpPr>
-          <p:cNvPr id="3" name="TextBox 2">
-            <a:extLst>
-              <a:ext uri="{FF2B5EF4-FFF2-40B4-BE49-F238E27FC236}">
-                <a16:creationId xmlns:a16="http://schemas.microsoft.com/office/drawing/2014/main" id="{A299D9E0-4B28-433E-53EC-C5422418BF4A}"/>
-              </a:ext>
-            </a:extLst>
-          </p:cNvPr>
-          <p:cNvSpPr txBox="1"/>
-          <p:nvPr/>
-        </p:nvSpPr>
-        <p:spPr>
-          <a:xfrm flipH="1">
-            <a:off x="741680" y="929592"/>
-            <a:ext cx="1280160" cy="600164"/>
-          </a:xfrm>
-          <a:prstGeom prst="rect">
-            <a:avLst/>
-          </a:prstGeom>
-          <a:noFill/>
-          <a:ln>
-            <a:noFill/>
-          </a:ln>
-        </p:spPr>
-        <p:txBody>
-          <a:bodyPr wrap="square" rtlCol="0">
-            <a:spAutoFit/>
-          </a:bodyPr>
-          <a:lstStyle/>
-          <a:p>
-            <a:pPr algn="ctr">
-              <a:lnSpc>
-                <a:spcPct val="150000"/>
-              </a:lnSpc>
-            </a:pPr>
-            <a:r>
-              <a:rPr lang="ko-KR" altLang="en-US" sz="2400" dirty="0" err="1">
-                <a:latin typeface="G마켓 산스 TTF Medium" panose="02000000000000000000" pitchFamily="2" charset="-127"/>
-                <a:ea typeface="G마켓 산스 TTF Medium" panose="02000000000000000000" pitchFamily="2" charset="-127"/>
-              </a:rPr>
-              <a:t>잡몬전</a:t>
-            </a:r>
-            <a:endParaRPr lang="en-US" altLang="ko-KR" sz="2400" dirty="0">
-              <a:latin typeface="G마켓 산스 TTF Medium" panose="02000000000000000000" pitchFamily="2" charset="-127"/>
-              <a:ea typeface="G마켓 산스 TTF Medium" panose="02000000000000000000" pitchFamily="2" charset="-127"/>
-            </a:endParaRPr>
-          </a:p>
-        </p:txBody>
-      </p:sp>
-      <p:sp>
-        <p:nvSpPr>
-          <p:cNvPr id="4" name="TextBox 3">
-            <a:extLst>
-              <a:ext uri="{FF2B5EF4-FFF2-40B4-BE49-F238E27FC236}">
-                <a16:creationId xmlns:a16="http://schemas.microsoft.com/office/drawing/2014/main" id="{06CCE082-24EE-5BE6-5D3C-58121341487B}"/>
-              </a:ext>
-            </a:extLst>
-          </p:cNvPr>
-          <p:cNvSpPr txBox="1"/>
-          <p:nvPr/>
-        </p:nvSpPr>
-        <p:spPr>
-          <a:xfrm flipH="1">
-            <a:off x="6295390" y="929592"/>
-            <a:ext cx="1280160" cy="600164"/>
-          </a:xfrm>
-          <a:prstGeom prst="rect">
-            <a:avLst/>
-          </a:prstGeom>
-          <a:noFill/>
-          <a:ln>
-            <a:noFill/>
-          </a:ln>
-        </p:spPr>
-        <p:txBody>
-          <a:bodyPr wrap="square" rtlCol="0">
-            <a:spAutoFit/>
-          </a:bodyPr>
-          <a:lstStyle/>
-          <a:p>
-            <a:pPr algn="ctr">
-              <a:lnSpc>
-                <a:spcPct val="150000"/>
-              </a:lnSpc>
-            </a:pPr>
-            <a:r>
-              <a:rPr lang="ko-KR" altLang="en-US" sz="2400" dirty="0" err="1">
-                <a:latin typeface="G마켓 산스 TTF Medium" panose="02000000000000000000" pitchFamily="2" charset="-127"/>
-                <a:ea typeface="G마켓 산스 TTF Medium" panose="02000000000000000000" pitchFamily="2" charset="-127"/>
-              </a:rPr>
-              <a:t>보스전</a:t>
-            </a:r>
-            <a:endParaRPr lang="en-US" altLang="ko-KR" sz="2400" dirty="0">
-              <a:latin typeface="G마켓 산스 TTF Medium" panose="02000000000000000000" pitchFamily="2" charset="-127"/>
-              <a:ea typeface="G마켓 산스 TTF Medium" panose="02000000000000000000" pitchFamily="2" charset="-127"/>
-            </a:endParaRPr>
-          </a:p>
-        </p:txBody>
-      </p:sp>
-      <p:pic>
-        <p:nvPicPr>
-          <p:cNvPr id="6" name="그림 5">
-            <a:extLst>
-              <a:ext uri="{FF2B5EF4-FFF2-40B4-BE49-F238E27FC236}">
-                <a16:creationId xmlns:a16="http://schemas.microsoft.com/office/drawing/2014/main" id="{C6DA37E8-BCCD-C36F-54EB-D828A34D4451}"/>
-              </a:ext>
-            </a:extLst>
-          </p:cNvPr>
-          <p:cNvPicPr>
-            <a:picLocks noChangeAspect="1"/>
-          </p:cNvPicPr>
-          <p:nvPr/>
-        </p:nvPicPr>
-        <p:blipFill>
-          <a:blip r:embed="rId2">
-            <a:extLst>
-              <a:ext uri="{28A0092B-C50C-407E-A947-70E740481C1C}">
-                <a14:useLocalDpi xmlns:a14="http://schemas.microsoft.com/office/drawing/2010/main" val="0"/>
-              </a:ext>
-            </a:extLst>
-          </a:blip>
-          <a:stretch>
-            <a:fillRect/>
-          </a:stretch>
-        </p:blipFill>
-        <p:spPr>
-          <a:xfrm>
-            <a:off x="936812" y="1596519"/>
-            <a:ext cx="4585447" cy="4585447"/>
-          </a:xfrm>
-          <a:prstGeom prst="rect">
-            <a:avLst/>
-          </a:prstGeom>
-        </p:spPr>
-      </p:pic>
-      <p:pic>
-        <p:nvPicPr>
-          <p:cNvPr id="10" name="그림 9" descr="텍스트, 점수판, 구급 상자이(가) 표시된 사진&#10;&#10;자동 생성된 설명">
-            <a:extLst>
-              <a:ext uri="{FF2B5EF4-FFF2-40B4-BE49-F238E27FC236}">
-                <a16:creationId xmlns:a16="http://schemas.microsoft.com/office/drawing/2014/main" id="{2574396A-1B4D-475B-30B3-86DFC2DB41E2}"/>
-              </a:ext>
-            </a:extLst>
-          </p:cNvPr>
-          <p:cNvPicPr>
-            <a:picLocks noChangeAspect="1"/>
-          </p:cNvPicPr>
-          <p:nvPr/>
-        </p:nvPicPr>
-        <p:blipFill>
-          <a:blip r:embed="rId3">
-            <a:extLst>
-              <a:ext uri="{28A0092B-C50C-407E-A947-70E740481C1C}">
-                <a14:useLocalDpi xmlns:a14="http://schemas.microsoft.com/office/drawing/2010/main" val="0"/>
-              </a:ext>
-            </a:extLst>
-          </a:blip>
-          <a:stretch>
-            <a:fillRect/>
-          </a:stretch>
-        </p:blipFill>
-        <p:spPr>
-          <a:xfrm>
-            <a:off x="6521823" y="1703360"/>
-            <a:ext cx="4666130" cy="4666130"/>
-          </a:xfrm>
-          <a:prstGeom prst="rect">
-            <a:avLst/>
-          </a:prstGeom>
-        </p:spPr>
-      </p:pic>
-    </p:spTree>
-    <p:extLst>
-      <p:ext uri="{BB962C8B-B14F-4D97-AF65-F5344CB8AC3E}">
-        <p14:creationId xmlns:p14="http://schemas.microsoft.com/office/powerpoint/2010/main" val="2419748640"/>
-      </p:ext>
-    </p:extLst>
-  </p:cSld>
-  <p:clrMapOvr>
-    <a:masterClrMapping/>
-  </p:clrMapOvr>
-</p:sld>
-</file>
-
 <file path=ppt/theme/theme1.xml><?xml version="1.0" encoding="utf-8"?>
 <a:theme xmlns:a="http://schemas.openxmlformats.org/drawingml/2006/main" name="Office Theme">
   <a:themeElements>

--- a/Game_Design/2019184003 김 선아 장르 제안서.pptx
+++ b/Game_Design/2019184003 김 선아 장르 제안서.pptx
@@ -4836,6 +4836,42 @@
           </a:graphicData>
         </a:graphic>
       </p:graphicFrame>
+      <p:pic>
+        <p:nvPicPr>
+          <p:cNvPr id="3" name="그림 2" descr="텍스트, 클립아트이(가) 표시된 사진&#10;&#10;자동 생성된 설명">
+            <a:extLst>
+              <a:ext uri="{FF2B5EF4-FFF2-40B4-BE49-F238E27FC236}">
+                <a16:creationId xmlns:a16="http://schemas.microsoft.com/office/drawing/2014/main" id="{A7AC4485-0D84-E4A5-0BCC-72FA004885B3}"/>
+              </a:ext>
+            </a:extLst>
+          </p:cNvPr>
+          <p:cNvPicPr>
+            <a:picLocks noChangeAspect="1"/>
+          </p:cNvPicPr>
+          <p:nvPr/>
+        </p:nvPicPr>
+        <p:blipFill>
+          <a:blip r:embed="rId2">
+            <a:extLst>
+              <a:ext uri="{28A0092B-C50C-407E-A947-70E740481C1C}">
+                <a14:useLocalDpi xmlns:a14="http://schemas.microsoft.com/office/drawing/2010/main" val="0"/>
+              </a:ext>
+            </a:extLst>
+          </a:blip>
+          <a:stretch>
+            <a:fillRect/>
+          </a:stretch>
+        </p:blipFill>
+        <p:spPr>
+          <a:xfrm>
+            <a:off x="797859" y="1196787"/>
+            <a:ext cx="4159623" cy="5199529"/>
+          </a:xfrm>
+          <a:prstGeom prst="rect">
+            <a:avLst/>
+          </a:prstGeom>
+        </p:spPr>
+      </p:pic>
     </p:spTree>
   </p:cSld>
   <p:clrMapOvr>

--- a/Game_Design/2019184003 김 선아 장르 제안서.pptx
+++ b/Game_Design/2019184003 김 선아 장르 제안서.pptx
@@ -14,18 +14,17 @@
     <p:sldId id="274" r:id="rId8"/>
     <p:sldId id="290" r:id="rId9"/>
     <p:sldId id="269" r:id="rId10"/>
-    <p:sldId id="292" r:id="rId11"/>
-    <p:sldId id="276" r:id="rId12"/>
-    <p:sldId id="289" r:id="rId13"/>
-    <p:sldId id="294" r:id="rId14"/>
-    <p:sldId id="277" r:id="rId15"/>
-    <p:sldId id="272" r:id="rId16"/>
-    <p:sldId id="273" r:id="rId17"/>
-    <p:sldId id="271" r:id="rId18"/>
-    <p:sldId id="279" r:id="rId19"/>
-    <p:sldId id="278" r:id="rId20"/>
-    <p:sldId id="293" r:id="rId21"/>
-    <p:sldId id="262" r:id="rId22"/>
+    <p:sldId id="276" r:id="rId11"/>
+    <p:sldId id="289" r:id="rId12"/>
+    <p:sldId id="294" r:id="rId13"/>
+    <p:sldId id="277" r:id="rId14"/>
+    <p:sldId id="272" r:id="rId15"/>
+    <p:sldId id="273" r:id="rId16"/>
+    <p:sldId id="271" r:id="rId17"/>
+    <p:sldId id="279" r:id="rId18"/>
+    <p:sldId id="278" r:id="rId19"/>
+    <p:sldId id="293" r:id="rId20"/>
+    <p:sldId id="262" r:id="rId21"/>
   </p:sldIdLst>
   <p:sldSz cx="12192000" cy="6858000"/>
   <p:notesSz cx="6858000" cy="9144000"/>
@@ -3147,397 +3146,6 @@
 </file>
 
 <file path=ppt/slides/slide10.xml><?xml version="1.0" encoding="utf-8"?>
-<p:sld xmlns:a="http://schemas.openxmlformats.org/drawingml/2006/main" xmlns:r="http://schemas.openxmlformats.org/officeDocument/2006/relationships" xmlns:p="http://schemas.openxmlformats.org/presentationml/2006/main">
-  <p:cSld>
-    <p:bg>
-      <p:bgPr>
-        <a:solidFill>
-          <a:srgbClr val="8BA9AB"/>
-        </a:solidFill>
-        <a:effectLst/>
-      </p:bgPr>
-    </p:bg>
-    <p:spTree>
-      <p:nvGrpSpPr>
-        <p:cNvPr id="1" name=""/>
-        <p:cNvGrpSpPr/>
-        <p:nvPr/>
-      </p:nvGrpSpPr>
-      <p:grpSpPr>
-        <a:xfrm>
-          <a:off x="0" y="0"/>
-          <a:ext cx="0" cy="0"/>
-          <a:chOff x="0" y="0"/>
-          <a:chExt cx="0" cy="0"/>
-        </a:xfrm>
-      </p:grpSpPr>
-      <p:sp>
-        <p:nvSpPr>
-          <p:cNvPr id="15" name="직사각형 14"/>
-          <p:cNvSpPr/>
-          <p:nvPr/>
-        </p:nvSpPr>
-        <p:spPr>
-          <a:xfrm>
-            <a:off x="469900" y="925976"/>
-            <a:ext cx="11226800" cy="5617119"/>
-          </a:xfrm>
-          <a:prstGeom prst="rect">
-            <a:avLst/>
-          </a:prstGeom>
-          <a:solidFill>
-            <a:schemeClr val="bg1"/>
-          </a:solidFill>
-          <a:ln w="28575">
-            <a:solidFill>
-              <a:srgbClr val="A3BCBD"/>
-            </a:solidFill>
-          </a:ln>
-        </p:spPr>
-        <p:style>
-          <a:lnRef idx="2">
-            <a:schemeClr val="accent1">
-              <a:shade val="50000"/>
-            </a:schemeClr>
-          </a:lnRef>
-          <a:fillRef idx="1">
-            <a:schemeClr val="accent1"/>
-          </a:fillRef>
-          <a:effectRef idx="0">
-            <a:schemeClr val="accent1"/>
-          </a:effectRef>
-          <a:fontRef idx="minor">
-            <a:schemeClr val="lt1"/>
-          </a:fontRef>
-        </p:style>
-        <p:txBody>
-          <a:bodyPr rtlCol="0" anchor="ctr"/>
-          <a:lstStyle/>
-          <a:p>
-            <a:pPr algn="ctr"/>
-            <a:endParaRPr lang="ko-KR" altLang="en-US"/>
-          </a:p>
-        </p:txBody>
-      </p:sp>
-      <p:sp>
-        <p:nvSpPr>
-          <p:cNvPr id="18" name="TextBox 17"/>
-          <p:cNvSpPr txBox="1"/>
-          <p:nvPr/>
-        </p:nvSpPr>
-        <p:spPr>
-          <a:xfrm>
-            <a:off x="469899" y="260991"/>
-            <a:ext cx="7888037" cy="584775"/>
-          </a:xfrm>
-          <a:prstGeom prst="rect">
-            <a:avLst/>
-          </a:prstGeom>
-          <a:noFill/>
-        </p:spPr>
-        <p:txBody>
-          <a:bodyPr wrap="square" rtlCol="0">
-            <a:spAutoFit/>
-          </a:bodyPr>
-          <a:lstStyle/>
-          <a:p>
-            <a:r>
-              <a:rPr lang="en-US" altLang="ko-KR" sz="3200" dirty="0">
-                <a:solidFill>
-                  <a:schemeClr val="bg1"/>
-                </a:solidFill>
-                <a:latin typeface="여기어때 잘난체" panose="020B0600000101010101" pitchFamily="50" charset="-127"/>
-                <a:ea typeface="여기어때 잘난체" panose="020B0600000101010101" pitchFamily="50" charset="-127"/>
-              </a:rPr>
-              <a:t>02. </a:t>
-            </a:r>
-            <a:r>
-              <a:rPr lang="ko-KR" altLang="en-US" sz="3200" dirty="0">
-                <a:solidFill>
-                  <a:schemeClr val="bg1"/>
-                </a:solidFill>
-                <a:latin typeface="여기어때 잘난체" panose="020B0600000101010101" pitchFamily="50" charset="-127"/>
-                <a:ea typeface="여기어때 잘난체" panose="020B0600000101010101" pitchFamily="50" charset="-127"/>
-              </a:rPr>
-              <a:t>게임 소개 </a:t>
-            </a:r>
-            <a:r>
-              <a:rPr lang="en-US" altLang="ko-KR" sz="3200" dirty="0">
-                <a:solidFill>
-                  <a:schemeClr val="bg1"/>
-                </a:solidFill>
-                <a:latin typeface="여기어때 잘난체" panose="020B0600000101010101" pitchFamily="50" charset="-127"/>
-                <a:ea typeface="여기어때 잘난체" panose="020B0600000101010101" pitchFamily="50" charset="-127"/>
-              </a:rPr>
-              <a:t>– </a:t>
-            </a:r>
-            <a:r>
-              <a:rPr lang="ko-KR" altLang="en-US" sz="3200" dirty="0">
-                <a:solidFill>
-                  <a:schemeClr val="bg1"/>
-                </a:solidFill>
-                <a:latin typeface="여기어때 잘난체" panose="020B0600000101010101" pitchFamily="50" charset="-127"/>
-                <a:ea typeface="여기어때 잘난체" panose="020B0600000101010101" pitchFamily="50" charset="-127"/>
-              </a:rPr>
-              <a:t>게임 월드</a:t>
-            </a:r>
-            <a:r>
-              <a:rPr lang="ko-KR" altLang="en-US" sz="2400" dirty="0">
-                <a:solidFill>
-                  <a:schemeClr val="bg1"/>
-                </a:solidFill>
-                <a:latin typeface="여기어때 잘난체" panose="020B0600000101010101" pitchFamily="50" charset="-127"/>
-                <a:ea typeface="여기어때 잘난체" panose="020B0600000101010101" pitchFamily="50" charset="-127"/>
-              </a:rPr>
-              <a:t>  </a:t>
-            </a:r>
-          </a:p>
-        </p:txBody>
-      </p:sp>
-      <p:sp>
-        <p:nvSpPr>
-          <p:cNvPr id="7" name="직사각형 6">
-            <a:extLst>
-              <a:ext uri="{FF2B5EF4-FFF2-40B4-BE49-F238E27FC236}">
-                <a16:creationId xmlns:a16="http://schemas.microsoft.com/office/drawing/2014/main" id="{8D6402C3-8B48-E8FE-94A1-7748C9B253A4}"/>
-              </a:ext>
-            </a:extLst>
-          </p:cNvPr>
-          <p:cNvSpPr/>
-          <p:nvPr/>
-        </p:nvSpPr>
-        <p:spPr>
-          <a:xfrm>
-            <a:off x="469900" y="925976"/>
-            <a:ext cx="11226800" cy="5617119"/>
-          </a:xfrm>
-          <a:prstGeom prst="rect">
-            <a:avLst/>
-          </a:prstGeom>
-          <a:solidFill>
-            <a:schemeClr val="bg1"/>
-          </a:solidFill>
-          <a:ln w="28575">
-            <a:solidFill>
-              <a:srgbClr val="A3BCBD"/>
-            </a:solidFill>
-          </a:ln>
-        </p:spPr>
-        <p:style>
-          <a:lnRef idx="2">
-            <a:schemeClr val="accent1">
-              <a:shade val="50000"/>
-            </a:schemeClr>
-          </a:lnRef>
-          <a:fillRef idx="1">
-            <a:schemeClr val="accent1"/>
-          </a:fillRef>
-          <a:effectRef idx="0">
-            <a:schemeClr val="accent1"/>
-          </a:effectRef>
-          <a:fontRef idx="minor">
-            <a:schemeClr val="lt1"/>
-          </a:fontRef>
-        </p:style>
-        <p:txBody>
-          <a:bodyPr rtlCol="0" anchor="ctr"/>
-          <a:lstStyle/>
-          <a:p>
-            <a:pPr algn="ctr"/>
-            <a:r>
-              <a:rPr lang="en-US" altLang="ko-KR"/>
-              <a:t>s</a:t>
-            </a:r>
-            <a:endParaRPr lang="ko-KR" altLang="en-US"/>
-          </a:p>
-        </p:txBody>
-      </p:sp>
-      <p:sp>
-        <p:nvSpPr>
-          <p:cNvPr id="3" name="TextBox 2">
-            <a:extLst>
-              <a:ext uri="{FF2B5EF4-FFF2-40B4-BE49-F238E27FC236}">
-                <a16:creationId xmlns:a16="http://schemas.microsoft.com/office/drawing/2014/main" id="{A299D9E0-4B28-433E-53EC-C5422418BF4A}"/>
-              </a:ext>
-            </a:extLst>
-          </p:cNvPr>
-          <p:cNvSpPr txBox="1"/>
-          <p:nvPr/>
-        </p:nvSpPr>
-        <p:spPr>
-          <a:xfrm flipH="1">
-            <a:off x="741680" y="929592"/>
-            <a:ext cx="1280160" cy="600164"/>
-          </a:xfrm>
-          <a:prstGeom prst="rect">
-            <a:avLst/>
-          </a:prstGeom>
-          <a:noFill/>
-          <a:ln>
-            <a:noFill/>
-          </a:ln>
-        </p:spPr>
-        <p:txBody>
-          <a:bodyPr wrap="square" rtlCol="0">
-            <a:spAutoFit/>
-          </a:bodyPr>
-          <a:lstStyle/>
-          <a:p>
-            <a:pPr algn="ctr">
-              <a:lnSpc>
-                <a:spcPct val="150000"/>
-              </a:lnSpc>
-            </a:pPr>
-            <a:r>
-              <a:rPr lang="ko-KR" altLang="en-US" sz="2400" dirty="0" err="1">
-                <a:latin typeface="G마켓 산스 TTF Medium" panose="02000000000000000000" pitchFamily="2" charset="-127"/>
-                <a:ea typeface="G마켓 산스 TTF Medium" panose="02000000000000000000" pitchFamily="2" charset="-127"/>
-              </a:rPr>
-              <a:t>잡몬전</a:t>
-            </a:r>
-            <a:endParaRPr lang="en-US" altLang="ko-KR" sz="2400" dirty="0">
-              <a:latin typeface="G마켓 산스 TTF Medium" panose="02000000000000000000" pitchFamily="2" charset="-127"/>
-              <a:ea typeface="G마켓 산스 TTF Medium" panose="02000000000000000000" pitchFamily="2" charset="-127"/>
-            </a:endParaRPr>
-          </a:p>
-        </p:txBody>
-      </p:sp>
-      <p:sp>
-        <p:nvSpPr>
-          <p:cNvPr id="4" name="TextBox 3">
-            <a:extLst>
-              <a:ext uri="{FF2B5EF4-FFF2-40B4-BE49-F238E27FC236}">
-                <a16:creationId xmlns:a16="http://schemas.microsoft.com/office/drawing/2014/main" id="{06CCE082-24EE-5BE6-5D3C-58121341487B}"/>
-              </a:ext>
-            </a:extLst>
-          </p:cNvPr>
-          <p:cNvSpPr txBox="1"/>
-          <p:nvPr/>
-        </p:nvSpPr>
-        <p:spPr>
-          <a:xfrm flipH="1">
-            <a:off x="6295390" y="929592"/>
-            <a:ext cx="1280160" cy="600164"/>
-          </a:xfrm>
-          <a:prstGeom prst="rect">
-            <a:avLst/>
-          </a:prstGeom>
-          <a:noFill/>
-          <a:ln>
-            <a:noFill/>
-          </a:ln>
-        </p:spPr>
-        <p:txBody>
-          <a:bodyPr wrap="square" rtlCol="0">
-            <a:spAutoFit/>
-          </a:bodyPr>
-          <a:lstStyle/>
-          <a:p>
-            <a:pPr algn="ctr">
-              <a:lnSpc>
-                <a:spcPct val="150000"/>
-              </a:lnSpc>
-            </a:pPr>
-            <a:r>
-              <a:rPr lang="ko-KR" altLang="en-US" sz="2400" dirty="0" err="1">
-                <a:latin typeface="G마켓 산스 TTF Medium" panose="02000000000000000000" pitchFamily="2" charset="-127"/>
-                <a:ea typeface="G마켓 산스 TTF Medium" panose="02000000000000000000" pitchFamily="2" charset="-127"/>
-              </a:rPr>
-              <a:t>보스전</a:t>
-            </a:r>
-            <a:endParaRPr lang="en-US" altLang="ko-KR" sz="2400" dirty="0">
-              <a:latin typeface="G마켓 산스 TTF Medium" panose="02000000000000000000" pitchFamily="2" charset="-127"/>
-              <a:ea typeface="G마켓 산스 TTF Medium" panose="02000000000000000000" pitchFamily="2" charset="-127"/>
-            </a:endParaRPr>
-          </a:p>
-        </p:txBody>
-      </p:sp>
-      <p:pic>
-        <p:nvPicPr>
-          <p:cNvPr id="6" name="그림 5">
-            <a:extLst>
-              <a:ext uri="{FF2B5EF4-FFF2-40B4-BE49-F238E27FC236}">
-                <a16:creationId xmlns:a16="http://schemas.microsoft.com/office/drawing/2014/main" id="{C6DA37E8-BCCD-C36F-54EB-D828A34D4451}"/>
-              </a:ext>
-            </a:extLst>
-          </p:cNvPr>
-          <p:cNvPicPr>
-            <a:picLocks noChangeAspect="1"/>
-          </p:cNvPicPr>
-          <p:nvPr/>
-        </p:nvPicPr>
-        <p:blipFill>
-          <a:blip r:embed="rId2">
-            <a:extLst>
-              <a:ext uri="{28A0092B-C50C-407E-A947-70E740481C1C}">
-                <a14:useLocalDpi xmlns:a14="http://schemas.microsoft.com/office/drawing/2010/main" val="0"/>
-              </a:ext>
-            </a:extLst>
-          </a:blip>
-          <a:stretch>
-            <a:fillRect/>
-          </a:stretch>
-        </p:blipFill>
-        <p:spPr>
-          <a:xfrm>
-            <a:off x="936812" y="1596519"/>
-            <a:ext cx="4585447" cy="4585447"/>
-          </a:xfrm>
-          <a:prstGeom prst="rect">
-            <a:avLst/>
-          </a:prstGeom>
-        </p:spPr>
-      </p:pic>
-      <p:pic>
-        <p:nvPicPr>
-          <p:cNvPr id="10" name="그림 9" descr="텍스트, 점수판, 구급 상자이(가) 표시된 사진&#10;&#10;자동 생성된 설명">
-            <a:extLst>
-              <a:ext uri="{FF2B5EF4-FFF2-40B4-BE49-F238E27FC236}">
-                <a16:creationId xmlns:a16="http://schemas.microsoft.com/office/drawing/2014/main" id="{2574396A-1B4D-475B-30B3-86DFC2DB41E2}"/>
-              </a:ext>
-            </a:extLst>
-          </p:cNvPr>
-          <p:cNvPicPr>
-            <a:picLocks noChangeAspect="1"/>
-          </p:cNvPicPr>
-          <p:nvPr/>
-        </p:nvPicPr>
-        <p:blipFill>
-          <a:blip r:embed="rId3">
-            <a:extLst>
-              <a:ext uri="{28A0092B-C50C-407E-A947-70E740481C1C}">
-                <a14:useLocalDpi xmlns:a14="http://schemas.microsoft.com/office/drawing/2010/main" val="0"/>
-              </a:ext>
-            </a:extLst>
-          </a:blip>
-          <a:stretch>
-            <a:fillRect/>
-          </a:stretch>
-        </p:blipFill>
-        <p:spPr>
-          <a:xfrm>
-            <a:off x="6521823" y="1703360"/>
-            <a:ext cx="4666130" cy="4666130"/>
-          </a:xfrm>
-          <a:prstGeom prst="rect">
-            <a:avLst/>
-          </a:prstGeom>
-        </p:spPr>
-      </p:pic>
-    </p:spTree>
-    <p:extLst>
-      <p:ext uri="{BB962C8B-B14F-4D97-AF65-F5344CB8AC3E}">
-        <p14:creationId xmlns:p14="http://schemas.microsoft.com/office/powerpoint/2010/main" val="2419748640"/>
-      </p:ext>
-    </p:extLst>
-  </p:cSld>
-  <p:clrMapOvr>
-    <a:masterClrMapping/>
-  </p:clrMapOvr>
-</p:sld>
-</file>
-
-<file path=ppt/slides/slide11.xml><?xml version="1.0" encoding="utf-8"?>
 <p:sld xmlns:a="http://schemas.openxmlformats.org/drawingml/2006/main" xmlns:r="http://schemas.openxmlformats.org/officeDocument/2006/relationships" xmlns:p="http://schemas.openxmlformats.org/presentationml/2006/main">
   <p:cSld>
     <p:bg>
@@ -4880,7 +4488,7 @@
 </p:sld>
 </file>
 
-<file path=ppt/slides/slide12.xml><?xml version="1.0" encoding="utf-8"?>
+<file path=ppt/slides/slide11.xml><?xml version="1.0" encoding="utf-8"?>
 <p:sld xmlns:a="http://schemas.openxmlformats.org/drawingml/2006/main" xmlns:r="http://schemas.openxmlformats.org/officeDocument/2006/relationships" xmlns:p="http://schemas.openxmlformats.org/presentationml/2006/main">
   <p:cSld>
     <p:bg>
@@ -7774,6 +7382,1836 @@
         </p:txBody>
       </p:sp>
     </p:spTree>
+  </p:cSld>
+  <p:clrMapOvr>
+    <a:masterClrMapping/>
+  </p:clrMapOvr>
+</p:sld>
+</file>
+
+<file path=ppt/slides/slide12.xml><?xml version="1.0" encoding="utf-8"?>
+<p:sld xmlns:a="http://schemas.openxmlformats.org/drawingml/2006/main" xmlns:r="http://schemas.openxmlformats.org/officeDocument/2006/relationships" xmlns:p="http://schemas.openxmlformats.org/presentationml/2006/main">
+  <p:cSld>
+    <p:bg>
+      <p:bgPr>
+        <a:solidFill>
+          <a:srgbClr val="8BA9AB"/>
+        </a:solidFill>
+        <a:effectLst/>
+      </p:bgPr>
+    </p:bg>
+    <p:spTree>
+      <p:nvGrpSpPr>
+        <p:cNvPr id="1" name=""/>
+        <p:cNvGrpSpPr/>
+        <p:nvPr/>
+      </p:nvGrpSpPr>
+      <p:grpSpPr>
+        <a:xfrm>
+          <a:off x="0" y="0"/>
+          <a:ext cx="0" cy="0"/>
+          <a:chOff x="0" y="0"/>
+          <a:chExt cx="0" cy="0"/>
+        </a:xfrm>
+      </p:grpSpPr>
+      <p:sp>
+        <p:nvSpPr>
+          <p:cNvPr id="15" name="직사각형 14"/>
+          <p:cNvSpPr/>
+          <p:nvPr/>
+        </p:nvSpPr>
+        <p:spPr>
+          <a:xfrm>
+            <a:off x="469900" y="925976"/>
+            <a:ext cx="11226800" cy="5617119"/>
+          </a:xfrm>
+          <a:prstGeom prst="rect">
+            <a:avLst/>
+          </a:prstGeom>
+          <a:solidFill>
+            <a:schemeClr val="bg1"/>
+          </a:solidFill>
+          <a:ln w="28575">
+            <a:solidFill>
+              <a:srgbClr val="A3BCBD"/>
+            </a:solidFill>
+          </a:ln>
+        </p:spPr>
+        <p:style>
+          <a:lnRef idx="2">
+            <a:schemeClr val="accent1">
+              <a:shade val="50000"/>
+            </a:schemeClr>
+          </a:lnRef>
+          <a:fillRef idx="1">
+            <a:schemeClr val="accent1"/>
+          </a:fillRef>
+          <a:effectRef idx="0">
+            <a:schemeClr val="accent1"/>
+          </a:effectRef>
+          <a:fontRef idx="minor">
+            <a:schemeClr val="lt1"/>
+          </a:fontRef>
+        </p:style>
+        <p:txBody>
+          <a:bodyPr rtlCol="0" anchor="ctr"/>
+          <a:lstStyle/>
+          <a:p>
+            <a:pPr algn="ctr"/>
+            <a:endParaRPr lang="ko-KR" altLang="en-US" dirty="0"/>
+          </a:p>
+        </p:txBody>
+      </p:sp>
+      <p:sp>
+        <p:nvSpPr>
+          <p:cNvPr id="18" name="TextBox 17"/>
+          <p:cNvSpPr txBox="1"/>
+          <p:nvPr/>
+        </p:nvSpPr>
+        <p:spPr>
+          <a:xfrm>
+            <a:off x="469900" y="260991"/>
+            <a:ext cx="6692900" cy="583565"/>
+          </a:xfrm>
+          <a:prstGeom prst="rect">
+            <a:avLst/>
+          </a:prstGeom>
+          <a:noFill/>
+        </p:spPr>
+        <p:txBody>
+          <a:bodyPr wrap="square" rtlCol="0">
+            <a:spAutoFit/>
+          </a:bodyPr>
+          <a:lstStyle/>
+          <a:p>
+            <a:r>
+              <a:rPr lang="en-US" altLang="ko-KR" sz="3200" dirty="0">
+                <a:solidFill>
+                  <a:schemeClr val="bg1"/>
+                </a:solidFill>
+                <a:latin typeface="여기어때 잘난체" panose="020B0600000101010101" pitchFamily="50" charset="-127"/>
+                <a:ea typeface="여기어때 잘난체" panose="020B0600000101010101" pitchFamily="50" charset="-127"/>
+              </a:rPr>
+              <a:t>02. </a:t>
+            </a:r>
+            <a:r>
+              <a:rPr lang="ko-KR" altLang="en-US" sz="3200" dirty="0">
+                <a:solidFill>
+                  <a:schemeClr val="bg1"/>
+                </a:solidFill>
+                <a:latin typeface="여기어때 잘난체" panose="020B0600000101010101" pitchFamily="50" charset="-127"/>
+                <a:ea typeface="여기어때 잘난체" panose="020B0600000101010101" pitchFamily="50" charset="-127"/>
+              </a:rPr>
+              <a:t>게임 소개 </a:t>
+            </a:r>
+            <a:r>
+              <a:rPr lang="en-US" altLang="ko-KR" sz="3200" dirty="0">
+                <a:solidFill>
+                  <a:schemeClr val="bg1"/>
+                </a:solidFill>
+                <a:latin typeface="여기어때 잘난체" panose="020B0600000101010101" pitchFamily="50" charset="-127"/>
+                <a:ea typeface="여기어때 잘난체" panose="020B0600000101010101" pitchFamily="50" charset="-127"/>
+              </a:rPr>
+              <a:t>– </a:t>
+            </a:r>
+            <a:r>
+              <a:rPr lang="ko-KR" altLang="en-US" sz="3200" dirty="0">
+                <a:solidFill>
+                  <a:schemeClr val="bg1"/>
+                </a:solidFill>
+                <a:latin typeface="여기어때 잘난체" panose="020B0600000101010101" pitchFamily="50" charset="-127"/>
+                <a:ea typeface="여기어때 잘난체" panose="020B0600000101010101" pitchFamily="50" charset="-127"/>
+              </a:rPr>
+              <a:t>퍼즐</a:t>
+            </a:r>
+          </a:p>
+        </p:txBody>
+      </p:sp>
+      <p:sp>
+        <p:nvSpPr>
+          <p:cNvPr id="20" name="Google Shape;138;p21"/>
+          <p:cNvSpPr txBox="1"/>
+          <p:nvPr/>
+        </p:nvSpPr>
+        <p:spPr>
+          <a:xfrm>
+            <a:off x="1251585" y="5803900"/>
+            <a:ext cx="1220470" cy="445770"/>
+          </a:xfrm>
+          <a:prstGeom prst="rect">
+            <a:avLst/>
+          </a:prstGeom>
+          <a:noFill/>
+          <a:ln>
+            <a:noFill/>
+          </a:ln>
+        </p:spPr>
+        <p:txBody>
+          <a:bodyPr spcFirstLastPara="1" wrap="square" lIns="91425" tIns="91425" rIns="91425" bIns="91425" anchor="t" anchorCtr="0">
+            <a:noAutofit/>
+          </a:bodyPr>
+          <a:lstStyle/>
+          <a:p>
+            <a:pPr indent="0">
+              <a:spcBef>
+                <a:spcPts val="0"/>
+              </a:spcBef>
+              <a:spcAft>
+                <a:spcPts val="0"/>
+              </a:spcAft>
+              <a:buNone/>
+            </a:pPr>
+            <a:r>
+              <a:rPr lang="en-US" altLang="ko-KR" sz="1600">
+                <a:latin typeface="G마켓 산스 TTF Light" panose="02000000000000000000" pitchFamily="2" charset="-127"/>
+                <a:ea typeface="G마켓 산스 TTF Light" panose="02000000000000000000" pitchFamily="2" charset="-127"/>
+                <a:cs typeface="맑은 고딕" panose="020B0503020000020004" charset="-127"/>
+                <a:sym typeface="맑은 고딕" panose="020B0503020000020004" charset="-127"/>
+              </a:rPr>
+              <a:t>: </a:t>
+            </a:r>
+            <a:r>
+              <a:rPr lang="ko-KR" altLang="en-US" sz="1600">
+                <a:latin typeface="G마켓 산스 TTF Light" panose="02000000000000000000" pitchFamily="2" charset="-127"/>
+                <a:ea typeface="G마켓 산스 TTF Light" panose="02000000000000000000" pitchFamily="2" charset="-127"/>
+                <a:cs typeface="맑은 고딕" panose="020B0503020000020004" charset="-127"/>
+                <a:sym typeface="맑은 고딕" panose="020B0503020000020004" charset="-127"/>
+              </a:rPr>
+              <a:t>플레이어</a:t>
+            </a:r>
+            <a:endParaRPr sz="1600">
+              <a:latin typeface="G마켓 산스 TTF Light" panose="02000000000000000000" pitchFamily="2" charset="-127"/>
+              <a:ea typeface="G마켓 산스 TTF Light" panose="02000000000000000000" pitchFamily="2" charset="-127"/>
+              <a:cs typeface="맑은 고딕" panose="020B0503020000020004" charset="-127"/>
+              <a:sym typeface="맑은 고딕" panose="020B0503020000020004" charset="-127"/>
+            </a:endParaRPr>
+          </a:p>
+          <a:p>
+            <a:pPr indent="0">
+              <a:spcBef>
+                <a:spcPts val="0"/>
+              </a:spcBef>
+              <a:spcAft>
+                <a:spcPts val="0"/>
+              </a:spcAft>
+              <a:buNone/>
+            </a:pPr>
+            <a:r>
+              <a:rPr lang="en-US" sz="1200">
+                <a:latin typeface="G마켓 산스 TTF Light" panose="02000000000000000000" pitchFamily="2" charset="-127"/>
+                <a:ea typeface="G마켓 산스 TTF Light" panose="02000000000000000000" pitchFamily="2" charset="-127"/>
+                <a:cs typeface="맑은 고딕" panose="020B0503020000020004" charset="-127"/>
+                <a:sym typeface="맑은 고딕" panose="020B0503020000020004" charset="-127"/>
+              </a:rPr>
+              <a:t> </a:t>
+            </a:r>
+            <a:endParaRPr sz="1200">
+              <a:latin typeface="G마켓 산스 TTF Light" panose="02000000000000000000" pitchFamily="2" charset="-127"/>
+              <a:ea typeface="G마켓 산스 TTF Light" panose="02000000000000000000" pitchFamily="2" charset="-127"/>
+              <a:cs typeface="맑은 고딕" panose="020B0503020000020004" charset="-127"/>
+              <a:sym typeface="맑은 고딕" panose="020B0503020000020004" charset="-127"/>
+            </a:endParaRPr>
+          </a:p>
+        </p:txBody>
+      </p:sp>
+      <p:sp>
+        <p:nvSpPr>
+          <p:cNvPr id="21" name="Google Shape;138;p21"/>
+          <p:cNvSpPr txBox="1"/>
+          <p:nvPr/>
+        </p:nvSpPr>
+        <p:spPr>
+          <a:xfrm>
+            <a:off x="2904490" y="5803900"/>
+            <a:ext cx="1656715" cy="445770"/>
+          </a:xfrm>
+          <a:prstGeom prst="rect">
+            <a:avLst/>
+          </a:prstGeom>
+          <a:noFill/>
+          <a:ln>
+            <a:noFill/>
+          </a:ln>
+        </p:spPr>
+        <p:txBody>
+          <a:bodyPr spcFirstLastPara="1" wrap="square" lIns="91425" tIns="91425" rIns="91425" bIns="91425" anchor="t" anchorCtr="0">
+            <a:noAutofit/>
+          </a:bodyPr>
+          <a:lstStyle/>
+          <a:p>
+            <a:pPr indent="0">
+              <a:spcBef>
+                <a:spcPts val="0"/>
+              </a:spcBef>
+              <a:spcAft>
+                <a:spcPts val="0"/>
+              </a:spcAft>
+              <a:buNone/>
+            </a:pPr>
+            <a:r>
+              <a:rPr lang="en-US" altLang="ko-KR" sz="1600" dirty="0">
+                <a:latin typeface="G마켓 산스 TTF Light" panose="02000000000000000000" pitchFamily="2" charset="-127"/>
+                <a:ea typeface="G마켓 산스 TTF Light" panose="02000000000000000000" pitchFamily="2" charset="-127"/>
+                <a:cs typeface="맑은 고딕" panose="020B0503020000020004" charset="-127"/>
+                <a:sym typeface="맑은 고딕" panose="020B0503020000020004" charset="-127"/>
+              </a:rPr>
+              <a:t>: </a:t>
+            </a:r>
+            <a:r>
+              <a:rPr lang="ko-KR" altLang="en-US" sz="1600" dirty="0">
+                <a:latin typeface="G마켓 산스 TTF Light" panose="02000000000000000000" pitchFamily="2" charset="-127"/>
+                <a:ea typeface="G마켓 산스 TTF Light" panose="02000000000000000000" pitchFamily="2" charset="-127"/>
+                <a:cs typeface="맑은 고딕" panose="020B0503020000020004" charset="-127"/>
+                <a:sym typeface="맑은 고딕" panose="020B0503020000020004" charset="-127"/>
+              </a:rPr>
+              <a:t>상자 오브젝트</a:t>
+            </a:r>
+            <a:endParaRPr sz="1600" dirty="0">
+              <a:latin typeface="G마켓 산스 TTF Light" panose="02000000000000000000" pitchFamily="2" charset="-127"/>
+              <a:ea typeface="G마켓 산스 TTF Light" panose="02000000000000000000" pitchFamily="2" charset="-127"/>
+              <a:cs typeface="맑은 고딕" panose="020B0503020000020004" charset="-127"/>
+              <a:sym typeface="맑은 고딕" panose="020B0503020000020004" charset="-127"/>
+            </a:endParaRPr>
+          </a:p>
+          <a:p>
+            <a:pPr indent="0">
+              <a:spcBef>
+                <a:spcPts val="0"/>
+              </a:spcBef>
+              <a:spcAft>
+                <a:spcPts val="0"/>
+              </a:spcAft>
+              <a:buNone/>
+            </a:pPr>
+            <a:r>
+              <a:rPr lang="en-US" sz="1200" dirty="0">
+                <a:latin typeface="G마켓 산스 TTF Light" panose="02000000000000000000" pitchFamily="2" charset="-127"/>
+                <a:ea typeface="G마켓 산스 TTF Light" panose="02000000000000000000" pitchFamily="2" charset="-127"/>
+                <a:cs typeface="맑은 고딕" panose="020B0503020000020004" charset="-127"/>
+                <a:sym typeface="맑은 고딕" panose="020B0503020000020004" charset="-127"/>
+              </a:rPr>
+              <a:t> </a:t>
+            </a:r>
+            <a:endParaRPr sz="1200" dirty="0">
+              <a:latin typeface="G마켓 산스 TTF Light" panose="02000000000000000000" pitchFamily="2" charset="-127"/>
+              <a:ea typeface="G마켓 산스 TTF Light" panose="02000000000000000000" pitchFamily="2" charset="-127"/>
+              <a:cs typeface="맑은 고딕" panose="020B0503020000020004" charset="-127"/>
+              <a:sym typeface="맑은 고딕" panose="020B0503020000020004" charset="-127"/>
+            </a:endParaRPr>
+          </a:p>
+        </p:txBody>
+      </p:sp>
+      <p:sp>
+        <p:nvSpPr>
+          <p:cNvPr id="36" name="Google Shape;138;p21"/>
+          <p:cNvSpPr txBox="1"/>
+          <p:nvPr/>
+        </p:nvSpPr>
+        <p:spPr>
+          <a:xfrm>
+            <a:off x="920120" y="3877945"/>
+            <a:ext cx="2525080" cy="603250"/>
+          </a:xfrm>
+          <a:prstGeom prst="rect">
+            <a:avLst/>
+          </a:prstGeom>
+          <a:noFill/>
+          <a:ln>
+            <a:noFill/>
+          </a:ln>
+        </p:spPr>
+        <p:txBody>
+          <a:bodyPr spcFirstLastPara="1" wrap="square" lIns="91425" tIns="91425" rIns="91425" bIns="91425" anchor="t" anchorCtr="0">
+            <a:noAutofit/>
+          </a:bodyPr>
+          <a:lstStyle/>
+          <a:p>
+            <a:pPr indent="0">
+              <a:lnSpc>
+                <a:spcPct val="150000"/>
+              </a:lnSpc>
+              <a:spcBef>
+                <a:spcPts val="0"/>
+              </a:spcBef>
+              <a:spcAft>
+                <a:spcPts val="0"/>
+              </a:spcAft>
+              <a:buNone/>
+            </a:pPr>
+            <a:r>
+              <a:rPr lang="ko-KR" altLang="en-US" sz="1200" dirty="0">
+                <a:latin typeface="G마켓 산스 TTF Light" panose="02000000000000000000" pitchFamily="2" charset="-127"/>
+                <a:ea typeface="G마켓 산스 TTF Light" panose="02000000000000000000" pitchFamily="2" charset="-127"/>
+                <a:cs typeface="맑은 고딕" panose="020B0503020000020004" charset="-127"/>
+                <a:sym typeface="맑은 고딕" panose="020B0503020000020004" charset="-127"/>
+              </a:rPr>
+              <a:t>건널 길이 없는 물과</a:t>
+            </a:r>
+            <a:endParaRPr lang="en-US" altLang="ko-KR" sz="1200" dirty="0">
+              <a:latin typeface="G마켓 산스 TTF Light" panose="02000000000000000000" pitchFamily="2" charset="-127"/>
+              <a:ea typeface="G마켓 산스 TTF Light" panose="02000000000000000000" pitchFamily="2" charset="-127"/>
+              <a:cs typeface="맑은 고딕" panose="020B0503020000020004" charset="-127"/>
+              <a:sym typeface="맑은 고딕" panose="020B0503020000020004" charset="-127"/>
+            </a:endParaRPr>
+          </a:p>
+          <a:p>
+            <a:pPr indent="0">
+              <a:lnSpc>
+                <a:spcPct val="150000"/>
+              </a:lnSpc>
+              <a:spcBef>
+                <a:spcPts val="0"/>
+              </a:spcBef>
+              <a:spcAft>
+                <a:spcPts val="0"/>
+              </a:spcAft>
+              <a:buNone/>
+            </a:pPr>
+            <a:r>
+              <a:rPr lang="ko-KR" altLang="en-US" sz="1200" dirty="0">
+                <a:latin typeface="G마켓 산스 TTF Light" panose="02000000000000000000" pitchFamily="2" charset="-127"/>
+                <a:ea typeface="G마켓 산스 TTF Light" panose="02000000000000000000" pitchFamily="2" charset="-127"/>
+                <a:cs typeface="맑은 고딕" panose="020B0503020000020004" charset="-127"/>
+                <a:sym typeface="맑은 고딕" panose="020B0503020000020004" charset="-127"/>
+              </a:rPr>
+              <a:t>주위 오브젝트들이 </a:t>
+            </a:r>
+            <a:r>
+              <a:rPr lang="ko-KR" altLang="en-US" sz="1200" dirty="0" err="1">
+                <a:latin typeface="G마켓 산스 TTF Light" panose="02000000000000000000" pitchFamily="2" charset="-127"/>
+                <a:ea typeface="G마켓 산스 TTF Light" panose="02000000000000000000" pitchFamily="2" charset="-127"/>
+                <a:cs typeface="맑은 고딕" panose="020B0503020000020004" charset="-127"/>
+                <a:sym typeface="맑은 고딕" panose="020B0503020000020004" charset="-127"/>
+              </a:rPr>
+              <a:t>놓여져있다</a:t>
+            </a:r>
+            <a:r>
+              <a:rPr lang="en-US" altLang="ko-KR" sz="1200" dirty="0">
+                <a:latin typeface="G마켓 산스 TTF Light" panose="02000000000000000000" pitchFamily="2" charset="-127"/>
+                <a:ea typeface="G마켓 산스 TTF Light" panose="02000000000000000000" pitchFamily="2" charset="-127"/>
+                <a:cs typeface="맑은 고딕" panose="020B0503020000020004" charset="-127"/>
+                <a:sym typeface="맑은 고딕" panose="020B0503020000020004" charset="-127"/>
+              </a:rPr>
+              <a:t>.</a:t>
+            </a:r>
+          </a:p>
+        </p:txBody>
+      </p:sp>
+      <p:sp>
+        <p:nvSpPr>
+          <p:cNvPr id="133" name="Google Shape;138;p21"/>
+          <p:cNvSpPr txBox="1"/>
+          <p:nvPr/>
+        </p:nvSpPr>
+        <p:spPr>
+          <a:xfrm>
+            <a:off x="5873110" y="5819527"/>
+            <a:ext cx="2455545" cy="445770"/>
+          </a:xfrm>
+          <a:prstGeom prst="rect">
+            <a:avLst/>
+          </a:prstGeom>
+          <a:noFill/>
+          <a:ln>
+            <a:noFill/>
+          </a:ln>
+        </p:spPr>
+        <p:txBody>
+          <a:bodyPr spcFirstLastPara="1" wrap="square" lIns="91425" tIns="91425" rIns="91425" bIns="91425" anchor="t" anchorCtr="0">
+            <a:noAutofit/>
+          </a:bodyPr>
+          <a:lstStyle/>
+          <a:p>
+            <a:pPr indent="0">
+              <a:spcBef>
+                <a:spcPts val="0"/>
+              </a:spcBef>
+              <a:spcAft>
+                <a:spcPts val="0"/>
+              </a:spcAft>
+              <a:buNone/>
+            </a:pPr>
+            <a:r>
+              <a:rPr lang="en-US" altLang="ko-KR" sz="1600" dirty="0">
+                <a:latin typeface="G마켓 산스 TTF Light" panose="02000000000000000000" pitchFamily="2" charset="-127"/>
+                <a:ea typeface="G마켓 산스 TTF Light" panose="02000000000000000000" pitchFamily="2" charset="-127"/>
+                <a:cs typeface="맑은 고딕" panose="020B0503020000020004" charset="-127"/>
+                <a:sym typeface="맑은 고딕" panose="020B0503020000020004" charset="-127"/>
+              </a:rPr>
+              <a:t>: </a:t>
+            </a:r>
+            <a:r>
+              <a:rPr lang="ko-KR" altLang="en-US" sz="1600" dirty="0">
+                <a:latin typeface="G마켓 산스 TTF Light" panose="02000000000000000000" pitchFamily="2" charset="-127"/>
+                <a:ea typeface="G마켓 산스 TTF Light" panose="02000000000000000000" pitchFamily="2" charset="-127"/>
+                <a:cs typeface="맑은 고딕" panose="020B0503020000020004" charset="-127"/>
+                <a:sym typeface="맑은 고딕" panose="020B0503020000020004" charset="-127"/>
+              </a:rPr>
+              <a:t>문</a:t>
+            </a:r>
+            <a:r>
+              <a:rPr lang="en-US" altLang="ko-KR" sz="1600" dirty="0">
+                <a:latin typeface="G마켓 산스 TTF Light" panose="02000000000000000000" pitchFamily="2" charset="-127"/>
+                <a:ea typeface="G마켓 산스 TTF Light" panose="02000000000000000000" pitchFamily="2" charset="-127"/>
+                <a:cs typeface="맑은 고딕" panose="020B0503020000020004" charset="-127"/>
+                <a:sym typeface="맑은 고딕" panose="020B0503020000020004" charset="-127"/>
+              </a:rPr>
+              <a:t> </a:t>
+            </a:r>
+            <a:endParaRPr sz="1600" dirty="0">
+              <a:latin typeface="G마켓 산스 TTF Light" panose="02000000000000000000" pitchFamily="2" charset="-127"/>
+              <a:ea typeface="G마켓 산스 TTF Light" panose="02000000000000000000" pitchFamily="2" charset="-127"/>
+              <a:cs typeface="맑은 고딕" panose="020B0503020000020004" charset="-127"/>
+              <a:sym typeface="맑은 고딕" panose="020B0503020000020004" charset="-127"/>
+            </a:endParaRPr>
+          </a:p>
+          <a:p>
+            <a:pPr indent="0">
+              <a:spcBef>
+                <a:spcPts val="0"/>
+              </a:spcBef>
+              <a:spcAft>
+                <a:spcPts val="0"/>
+              </a:spcAft>
+              <a:buNone/>
+            </a:pPr>
+            <a:r>
+              <a:rPr lang="en-US" sz="1200" dirty="0">
+                <a:latin typeface="G마켓 산스 TTF Light" panose="02000000000000000000" pitchFamily="2" charset="-127"/>
+                <a:ea typeface="G마켓 산스 TTF Light" panose="02000000000000000000" pitchFamily="2" charset="-127"/>
+                <a:cs typeface="맑은 고딕" panose="020B0503020000020004" charset="-127"/>
+                <a:sym typeface="맑은 고딕" panose="020B0503020000020004" charset="-127"/>
+              </a:rPr>
+              <a:t> </a:t>
+            </a:r>
+            <a:endParaRPr sz="1200" dirty="0">
+              <a:latin typeface="G마켓 산스 TTF Light" panose="02000000000000000000" pitchFamily="2" charset="-127"/>
+              <a:ea typeface="G마켓 산스 TTF Light" panose="02000000000000000000" pitchFamily="2" charset="-127"/>
+              <a:cs typeface="맑은 고딕" panose="020B0503020000020004" charset="-127"/>
+              <a:sym typeface="맑은 고딕" panose="020B0503020000020004" charset="-127"/>
+            </a:endParaRPr>
+          </a:p>
+        </p:txBody>
+      </p:sp>
+      <p:sp>
+        <p:nvSpPr>
+          <p:cNvPr id="172" name="Google Shape;138;p21"/>
+          <p:cNvSpPr txBox="1"/>
+          <p:nvPr/>
+        </p:nvSpPr>
+        <p:spPr>
+          <a:xfrm>
+            <a:off x="4928918" y="3749877"/>
+            <a:ext cx="2435810" cy="984885"/>
+          </a:xfrm>
+          <a:prstGeom prst="rect">
+            <a:avLst/>
+          </a:prstGeom>
+          <a:noFill/>
+          <a:ln>
+            <a:noFill/>
+          </a:ln>
+        </p:spPr>
+        <p:txBody>
+          <a:bodyPr spcFirstLastPara="1" wrap="square" lIns="91425" tIns="91425" rIns="91425" bIns="91425" anchor="t" anchorCtr="0">
+            <a:noAutofit/>
+          </a:bodyPr>
+          <a:lstStyle/>
+          <a:p>
+            <a:pPr indent="0">
+              <a:lnSpc>
+                <a:spcPct val="150000"/>
+              </a:lnSpc>
+              <a:spcBef>
+                <a:spcPts val="0"/>
+              </a:spcBef>
+              <a:spcAft>
+                <a:spcPts val="0"/>
+              </a:spcAft>
+              <a:buNone/>
+            </a:pPr>
+            <a:r>
+              <a:rPr lang="ko-KR" altLang="en-US" sz="1200" dirty="0">
+                <a:latin typeface="G마켓 산스 TTF Light" panose="02000000000000000000" pitchFamily="2" charset="-127"/>
+                <a:ea typeface="G마켓 산스 TTF Light" panose="02000000000000000000" pitchFamily="2" charset="-127"/>
+                <a:cs typeface="맑은 고딕" panose="020B0503020000020004" charset="-127"/>
+                <a:sym typeface="맑은 고딕" panose="020B0503020000020004" charset="-127"/>
+              </a:rPr>
+              <a:t>주위 오브젝트 </a:t>
+            </a:r>
+            <a:r>
+              <a:rPr lang="en-US" altLang="ko-KR" sz="1200" dirty="0">
+                <a:latin typeface="G마켓 산스 TTF Light" panose="02000000000000000000" pitchFamily="2" charset="-127"/>
+                <a:ea typeface="G마켓 산스 TTF Light" panose="02000000000000000000" pitchFamily="2" charset="-127"/>
+                <a:cs typeface="맑은 고딕" panose="020B0503020000020004" charset="-127"/>
+                <a:sym typeface="맑은 고딕" panose="020B0503020000020004" charset="-127"/>
+              </a:rPr>
+              <a:t>(</a:t>
+            </a:r>
+            <a:r>
+              <a:rPr lang="ko-KR" altLang="en-US" sz="1200" dirty="0">
+                <a:latin typeface="G마켓 산스 TTF Light" panose="02000000000000000000" pitchFamily="2" charset="-127"/>
+                <a:ea typeface="G마켓 산스 TTF Light" panose="02000000000000000000" pitchFamily="2" charset="-127"/>
+                <a:cs typeface="맑은 고딕" panose="020B0503020000020004" charset="-127"/>
+                <a:sym typeface="맑은 고딕" panose="020B0503020000020004" charset="-127"/>
+              </a:rPr>
+              <a:t>상자</a:t>
+            </a:r>
+            <a:r>
+              <a:rPr lang="en-US" altLang="ko-KR" sz="1200" dirty="0">
+                <a:latin typeface="G마켓 산스 TTF Light" panose="02000000000000000000" pitchFamily="2" charset="-127"/>
+                <a:ea typeface="G마켓 산스 TTF Light" panose="02000000000000000000" pitchFamily="2" charset="-127"/>
+                <a:cs typeface="맑은 고딕" panose="020B0503020000020004" charset="-127"/>
+                <a:sym typeface="맑은 고딕" panose="020B0503020000020004" charset="-127"/>
+              </a:rPr>
+              <a:t>, </a:t>
+            </a:r>
+            <a:r>
+              <a:rPr lang="ko-KR" altLang="en-US" sz="1200" dirty="0">
+                <a:latin typeface="G마켓 산스 TTF Light" panose="02000000000000000000" pitchFamily="2" charset="-127"/>
+                <a:ea typeface="G마켓 산스 TTF Light" panose="02000000000000000000" pitchFamily="2" charset="-127"/>
+                <a:cs typeface="맑은 고딕" panose="020B0503020000020004" charset="-127"/>
+                <a:sym typeface="맑은 고딕" panose="020B0503020000020004" charset="-127"/>
+              </a:rPr>
+              <a:t>돌</a:t>
+            </a:r>
+            <a:r>
+              <a:rPr lang="en-US" altLang="ko-KR" sz="1200" dirty="0">
+                <a:latin typeface="G마켓 산스 TTF Light" panose="02000000000000000000" pitchFamily="2" charset="-127"/>
+                <a:ea typeface="G마켓 산스 TTF Light" panose="02000000000000000000" pitchFamily="2" charset="-127"/>
+                <a:cs typeface="맑은 고딕" panose="020B0503020000020004" charset="-127"/>
+                <a:sym typeface="맑은 고딕" panose="020B0503020000020004" charset="-127"/>
+              </a:rPr>
+              <a:t>)</a:t>
+            </a:r>
+            <a:r>
+              <a:rPr lang="ko-KR" altLang="en-US" sz="1200" dirty="0">
+                <a:latin typeface="G마켓 산스 TTF Light" panose="02000000000000000000" pitchFamily="2" charset="-127"/>
+                <a:ea typeface="G마켓 산스 TTF Light" panose="02000000000000000000" pitchFamily="2" charset="-127"/>
+                <a:cs typeface="맑은 고딕" panose="020B0503020000020004" charset="-127"/>
+                <a:sym typeface="맑은 고딕" panose="020B0503020000020004" charset="-127"/>
+              </a:rPr>
+              <a:t>들을</a:t>
+            </a:r>
+            <a:endParaRPr lang="en-US" altLang="ko-KR" sz="1200" dirty="0">
+              <a:latin typeface="G마켓 산스 TTF Light" panose="02000000000000000000" pitchFamily="2" charset="-127"/>
+              <a:ea typeface="G마켓 산스 TTF Light" panose="02000000000000000000" pitchFamily="2" charset="-127"/>
+              <a:cs typeface="맑은 고딕" panose="020B0503020000020004" charset="-127"/>
+              <a:sym typeface="맑은 고딕" panose="020B0503020000020004" charset="-127"/>
+            </a:endParaRPr>
+          </a:p>
+          <a:p>
+            <a:pPr indent="0">
+              <a:lnSpc>
+                <a:spcPct val="150000"/>
+              </a:lnSpc>
+              <a:spcBef>
+                <a:spcPts val="0"/>
+              </a:spcBef>
+              <a:spcAft>
+                <a:spcPts val="0"/>
+              </a:spcAft>
+              <a:buNone/>
+            </a:pPr>
+            <a:r>
+              <a:rPr lang="ko-KR" altLang="en-US" sz="1200" dirty="0">
+                <a:latin typeface="G마켓 산스 TTF Light" panose="02000000000000000000" pitchFamily="2" charset="-127"/>
+                <a:ea typeface="G마켓 산스 TTF Light" panose="02000000000000000000" pitchFamily="2" charset="-127"/>
+                <a:cs typeface="맑은 고딕" panose="020B0503020000020004" charset="-127"/>
+                <a:sym typeface="맑은 고딕" panose="020B0503020000020004" charset="-127"/>
+              </a:rPr>
+              <a:t>플레이어가 들고 옮길 수 있다</a:t>
+            </a:r>
+            <a:r>
+              <a:rPr lang="en-US" altLang="ko-KR" sz="1200" dirty="0">
+                <a:latin typeface="G마켓 산스 TTF Light" panose="02000000000000000000" pitchFamily="2" charset="-127"/>
+                <a:ea typeface="G마켓 산스 TTF Light" panose="02000000000000000000" pitchFamily="2" charset="-127"/>
+                <a:cs typeface="맑은 고딕" panose="020B0503020000020004" charset="-127"/>
+                <a:sym typeface="맑은 고딕" panose="020B0503020000020004" charset="-127"/>
+              </a:rPr>
+              <a:t>.</a:t>
+            </a:r>
+          </a:p>
+        </p:txBody>
+      </p:sp>
+      <p:sp>
+        <p:nvSpPr>
+          <p:cNvPr id="188" name="Google Shape;138;p21"/>
+          <p:cNvSpPr txBox="1"/>
+          <p:nvPr/>
+        </p:nvSpPr>
+        <p:spPr>
+          <a:xfrm>
+            <a:off x="8458152" y="3749877"/>
+            <a:ext cx="2897505" cy="751205"/>
+          </a:xfrm>
+          <a:prstGeom prst="rect">
+            <a:avLst/>
+          </a:prstGeom>
+          <a:noFill/>
+          <a:ln>
+            <a:noFill/>
+          </a:ln>
+        </p:spPr>
+        <p:txBody>
+          <a:bodyPr spcFirstLastPara="1" wrap="square" lIns="91425" tIns="91425" rIns="91425" bIns="91425" anchor="t" anchorCtr="0">
+            <a:noAutofit/>
+          </a:bodyPr>
+          <a:lstStyle/>
+          <a:p>
+            <a:pPr indent="0">
+              <a:lnSpc>
+                <a:spcPct val="150000"/>
+              </a:lnSpc>
+              <a:spcBef>
+                <a:spcPts val="0"/>
+              </a:spcBef>
+              <a:spcAft>
+                <a:spcPts val="0"/>
+              </a:spcAft>
+              <a:buNone/>
+            </a:pPr>
+            <a:r>
+              <a:rPr lang="ko-KR" altLang="en-US" sz="1200" dirty="0">
+                <a:latin typeface="G마켓 산스 TTF Light" panose="02000000000000000000" pitchFamily="2" charset="-127"/>
+                <a:ea typeface="G마켓 산스 TTF Light" panose="02000000000000000000" pitchFamily="2" charset="-127"/>
+                <a:cs typeface="맑은 고딕" panose="020B0503020000020004" charset="-127"/>
+                <a:sym typeface="맑은 고딕" panose="020B0503020000020004" charset="-127"/>
+              </a:rPr>
+              <a:t>물 위에 오브젝트를 올려 두고</a:t>
+            </a:r>
+            <a:endParaRPr lang="en-US" altLang="ko-KR" sz="1200" dirty="0">
+              <a:latin typeface="G마켓 산스 TTF Light" panose="02000000000000000000" pitchFamily="2" charset="-127"/>
+              <a:ea typeface="G마켓 산스 TTF Light" panose="02000000000000000000" pitchFamily="2" charset="-127"/>
+              <a:cs typeface="맑은 고딕" panose="020B0503020000020004" charset="-127"/>
+              <a:sym typeface="맑은 고딕" panose="020B0503020000020004" charset="-127"/>
+            </a:endParaRPr>
+          </a:p>
+          <a:p>
+            <a:pPr indent="0">
+              <a:lnSpc>
+                <a:spcPct val="150000"/>
+              </a:lnSpc>
+              <a:spcBef>
+                <a:spcPts val="0"/>
+              </a:spcBef>
+              <a:spcAft>
+                <a:spcPts val="0"/>
+              </a:spcAft>
+              <a:buNone/>
+            </a:pPr>
+            <a:r>
+              <a:rPr lang="ko-KR" altLang="en-US" sz="1200" dirty="0">
+                <a:latin typeface="G마켓 산스 TTF Light" panose="02000000000000000000" pitchFamily="2" charset="-127"/>
+                <a:ea typeface="G마켓 산스 TTF Light" panose="02000000000000000000" pitchFamily="2" charset="-127"/>
+                <a:cs typeface="맑은 고딕" panose="020B0503020000020004" charset="-127"/>
+                <a:sym typeface="맑은 고딕" panose="020B0503020000020004" charset="-127"/>
+              </a:rPr>
+              <a:t>그 오브젝트를 밟고 지나갈 수 있다</a:t>
+            </a:r>
+            <a:r>
+              <a:rPr lang="en-US" altLang="ko-KR" sz="1200" dirty="0">
+                <a:latin typeface="G마켓 산스 TTF Light" panose="02000000000000000000" pitchFamily="2" charset="-127"/>
+                <a:ea typeface="G마켓 산스 TTF Light" panose="02000000000000000000" pitchFamily="2" charset="-127"/>
+                <a:cs typeface="맑은 고딕" panose="020B0503020000020004" charset="-127"/>
+                <a:sym typeface="맑은 고딕" panose="020B0503020000020004" charset="-127"/>
+              </a:rPr>
+              <a:t>.</a:t>
+            </a:r>
+          </a:p>
+        </p:txBody>
+      </p:sp>
+      <p:sp>
+        <p:nvSpPr>
+          <p:cNvPr id="11" name="직사각형 10">
+            <a:extLst>
+              <a:ext uri="{FF2B5EF4-FFF2-40B4-BE49-F238E27FC236}">
+                <a16:creationId xmlns:a16="http://schemas.microsoft.com/office/drawing/2014/main" id="{EB3B2615-D612-C27C-28A1-9F55651439E8}"/>
+              </a:ext>
+            </a:extLst>
+          </p:cNvPr>
+          <p:cNvSpPr/>
+          <p:nvPr/>
+        </p:nvSpPr>
+        <p:spPr>
+          <a:xfrm>
+            <a:off x="848992" y="1361830"/>
+            <a:ext cx="1985645" cy="952220"/>
+          </a:xfrm>
+          <a:prstGeom prst="rect">
+            <a:avLst/>
+          </a:prstGeom>
+          <a:solidFill>
+            <a:schemeClr val="accent1">
+              <a:lumMod val="20000"/>
+              <a:lumOff val="80000"/>
+            </a:schemeClr>
+          </a:solidFill>
+          <a:ln>
+            <a:noFill/>
+          </a:ln>
+        </p:spPr>
+        <p:style>
+          <a:lnRef idx="2">
+            <a:schemeClr val="accent1">
+              <a:shade val="50000"/>
+            </a:schemeClr>
+          </a:lnRef>
+          <a:fillRef idx="1">
+            <a:schemeClr val="accent1"/>
+          </a:fillRef>
+          <a:effectRef idx="0">
+            <a:schemeClr val="accent1"/>
+          </a:effectRef>
+          <a:fontRef idx="minor">
+            <a:schemeClr val="lt1"/>
+          </a:fontRef>
+        </p:style>
+        <p:txBody>
+          <a:bodyPr rtlCol="0" anchor="ctr"/>
+          <a:lstStyle/>
+          <a:p>
+            <a:pPr algn="ctr"/>
+            <a:endParaRPr lang="ko-KR" altLang="en-US"/>
+          </a:p>
+        </p:txBody>
+      </p:sp>
+      <p:sp>
+        <p:nvSpPr>
+          <p:cNvPr id="23" name="타원 22">
+            <a:extLst>
+              <a:ext uri="{FF2B5EF4-FFF2-40B4-BE49-F238E27FC236}">
+                <a16:creationId xmlns:a16="http://schemas.microsoft.com/office/drawing/2014/main" id="{5086A771-DA12-0FF7-E9A0-A2FF9537926F}"/>
+              </a:ext>
+            </a:extLst>
+          </p:cNvPr>
+          <p:cNvSpPr>
+            <a:spLocks noChangeAspect="1"/>
+          </p:cNvSpPr>
+          <p:nvPr/>
+        </p:nvSpPr>
+        <p:spPr>
+          <a:xfrm>
+            <a:off x="1696718" y="3073119"/>
+            <a:ext cx="286385" cy="286385"/>
+          </a:xfrm>
+          <a:prstGeom prst="ellipse">
+            <a:avLst/>
+          </a:prstGeom>
+          <a:solidFill>
+            <a:schemeClr val="tx1"/>
+          </a:solidFill>
+          <a:ln>
+            <a:noFill/>
+          </a:ln>
+        </p:spPr>
+        <p:style>
+          <a:lnRef idx="2">
+            <a:schemeClr val="accent1">
+              <a:shade val="50000"/>
+            </a:schemeClr>
+          </a:lnRef>
+          <a:fillRef idx="1">
+            <a:schemeClr val="accent1"/>
+          </a:fillRef>
+          <a:effectRef idx="0">
+            <a:schemeClr val="accent1"/>
+          </a:effectRef>
+          <a:fontRef idx="minor">
+            <a:schemeClr val="lt1"/>
+          </a:fontRef>
+        </p:style>
+        <p:txBody>
+          <a:bodyPr rtlCol="0" anchor="ctr"/>
+          <a:lstStyle/>
+          <a:p>
+            <a:pPr algn="ctr"/>
+            <a:endParaRPr lang="ko-KR" altLang="en-US"/>
+          </a:p>
+        </p:txBody>
+      </p:sp>
+      <p:sp>
+        <p:nvSpPr>
+          <p:cNvPr id="24" name="화살표: 오른쪽 23">
+            <a:extLst>
+              <a:ext uri="{FF2B5EF4-FFF2-40B4-BE49-F238E27FC236}">
+                <a16:creationId xmlns:a16="http://schemas.microsoft.com/office/drawing/2014/main" id="{A0557479-CE3B-62E0-B382-5C6B4274FCD2}"/>
+              </a:ext>
+            </a:extLst>
+          </p:cNvPr>
+          <p:cNvSpPr/>
+          <p:nvPr/>
+        </p:nvSpPr>
+        <p:spPr>
+          <a:xfrm>
+            <a:off x="3566157" y="2598103"/>
+            <a:ext cx="593723" cy="554037"/>
+          </a:xfrm>
+          <a:prstGeom prst="rightArrow">
+            <a:avLst/>
+          </a:prstGeom>
+          <a:solidFill>
+            <a:srgbClr val="8BA9AB"/>
+          </a:solidFill>
+          <a:ln>
+            <a:noFill/>
+          </a:ln>
+        </p:spPr>
+        <p:style>
+          <a:lnRef idx="2">
+            <a:schemeClr val="accent1">
+              <a:shade val="50000"/>
+            </a:schemeClr>
+          </a:lnRef>
+          <a:fillRef idx="1">
+            <a:schemeClr val="accent1"/>
+          </a:fillRef>
+          <a:effectRef idx="0">
+            <a:schemeClr val="accent1"/>
+          </a:effectRef>
+          <a:fontRef idx="minor">
+            <a:schemeClr val="lt1"/>
+          </a:fontRef>
+        </p:style>
+        <p:txBody>
+          <a:bodyPr rtlCol="0" anchor="ctr"/>
+          <a:lstStyle/>
+          <a:p>
+            <a:pPr algn="ctr"/>
+            <a:endParaRPr lang="ko-KR" altLang="en-US"/>
+          </a:p>
+        </p:txBody>
+      </p:sp>
+      <p:sp>
+        <p:nvSpPr>
+          <p:cNvPr id="225" name="화살표: 오른쪽 224">
+            <a:extLst>
+              <a:ext uri="{FF2B5EF4-FFF2-40B4-BE49-F238E27FC236}">
+                <a16:creationId xmlns:a16="http://schemas.microsoft.com/office/drawing/2014/main" id="{985E166C-5CFF-1213-1DF3-7B4B9EFFC68A}"/>
+              </a:ext>
+            </a:extLst>
+          </p:cNvPr>
+          <p:cNvSpPr/>
+          <p:nvPr/>
+        </p:nvSpPr>
+        <p:spPr>
+          <a:xfrm>
+            <a:off x="7734932" y="2598103"/>
+            <a:ext cx="593723" cy="554037"/>
+          </a:xfrm>
+          <a:prstGeom prst="rightArrow">
+            <a:avLst/>
+          </a:prstGeom>
+          <a:solidFill>
+            <a:srgbClr val="8BA9AB"/>
+          </a:solidFill>
+          <a:ln>
+            <a:noFill/>
+          </a:ln>
+        </p:spPr>
+        <p:style>
+          <a:lnRef idx="2">
+            <a:schemeClr val="accent1">
+              <a:shade val="50000"/>
+            </a:schemeClr>
+          </a:lnRef>
+          <a:fillRef idx="1">
+            <a:schemeClr val="accent1"/>
+          </a:fillRef>
+          <a:effectRef idx="0">
+            <a:schemeClr val="accent1"/>
+          </a:effectRef>
+          <a:fontRef idx="minor">
+            <a:schemeClr val="lt1"/>
+          </a:fontRef>
+        </p:style>
+        <p:txBody>
+          <a:bodyPr rtlCol="0" anchor="ctr"/>
+          <a:lstStyle/>
+          <a:p>
+            <a:pPr algn="ctr"/>
+            <a:endParaRPr lang="ko-KR" altLang="en-US"/>
+          </a:p>
+        </p:txBody>
+      </p:sp>
+      <p:sp>
+        <p:nvSpPr>
+          <p:cNvPr id="235" name="타원 234">
+            <a:extLst>
+              <a:ext uri="{FF2B5EF4-FFF2-40B4-BE49-F238E27FC236}">
+                <a16:creationId xmlns:a16="http://schemas.microsoft.com/office/drawing/2014/main" id="{92F38882-442F-A225-EE78-2795ADC6E43B}"/>
+              </a:ext>
+            </a:extLst>
+          </p:cNvPr>
+          <p:cNvSpPr>
+            <a:spLocks noChangeAspect="1"/>
+          </p:cNvSpPr>
+          <p:nvPr/>
+        </p:nvSpPr>
+        <p:spPr>
+          <a:xfrm>
+            <a:off x="843278" y="5851562"/>
+            <a:ext cx="286385" cy="286385"/>
+          </a:xfrm>
+          <a:prstGeom prst="ellipse">
+            <a:avLst/>
+          </a:prstGeom>
+          <a:solidFill>
+            <a:schemeClr val="tx1"/>
+          </a:solidFill>
+          <a:ln>
+            <a:noFill/>
+          </a:ln>
+        </p:spPr>
+        <p:style>
+          <a:lnRef idx="2">
+            <a:schemeClr val="accent1">
+              <a:shade val="50000"/>
+            </a:schemeClr>
+          </a:lnRef>
+          <a:fillRef idx="1">
+            <a:schemeClr val="accent1"/>
+          </a:fillRef>
+          <a:effectRef idx="0">
+            <a:schemeClr val="accent1"/>
+          </a:effectRef>
+          <a:fontRef idx="minor">
+            <a:schemeClr val="lt1"/>
+          </a:fontRef>
+        </p:style>
+        <p:txBody>
+          <a:bodyPr rtlCol="0" anchor="ctr"/>
+          <a:lstStyle/>
+          <a:p>
+            <a:pPr algn="ctr"/>
+            <a:endParaRPr lang="ko-KR" altLang="en-US"/>
+          </a:p>
+        </p:txBody>
+      </p:sp>
+      <p:sp>
+        <p:nvSpPr>
+          <p:cNvPr id="238" name="직사각형 237">
+            <a:extLst>
+              <a:ext uri="{FF2B5EF4-FFF2-40B4-BE49-F238E27FC236}">
+                <a16:creationId xmlns:a16="http://schemas.microsoft.com/office/drawing/2014/main" id="{2E6775A0-EF8D-8454-7976-222FC5918826}"/>
+              </a:ext>
+            </a:extLst>
+          </p:cNvPr>
+          <p:cNvSpPr/>
+          <p:nvPr/>
+        </p:nvSpPr>
+        <p:spPr>
+          <a:xfrm>
+            <a:off x="4536711" y="5851560"/>
+            <a:ext cx="1220470" cy="337820"/>
+          </a:xfrm>
+          <a:prstGeom prst="rect">
+            <a:avLst/>
+          </a:prstGeom>
+          <a:solidFill>
+            <a:srgbClr val="DAE3F3"/>
+          </a:solidFill>
+          <a:ln>
+            <a:noFill/>
+          </a:ln>
+        </p:spPr>
+        <p:style>
+          <a:lnRef idx="2">
+            <a:schemeClr val="accent1">
+              <a:shade val="50000"/>
+            </a:schemeClr>
+          </a:lnRef>
+          <a:fillRef idx="1">
+            <a:schemeClr val="accent1"/>
+          </a:fillRef>
+          <a:effectRef idx="0">
+            <a:schemeClr val="accent1"/>
+          </a:effectRef>
+          <a:fontRef idx="minor">
+            <a:schemeClr val="lt1"/>
+          </a:fontRef>
+        </p:style>
+        <p:txBody>
+          <a:bodyPr rtlCol="0" anchor="ctr"/>
+          <a:lstStyle/>
+          <a:p>
+            <a:pPr algn="ctr"/>
+            <a:endParaRPr lang="ko-KR" altLang="en-US"/>
+          </a:p>
+        </p:txBody>
+      </p:sp>
+      <p:sp>
+        <p:nvSpPr>
+          <p:cNvPr id="2" name="직사각형 1">
+            <a:extLst>
+              <a:ext uri="{FF2B5EF4-FFF2-40B4-BE49-F238E27FC236}">
+                <a16:creationId xmlns:a16="http://schemas.microsoft.com/office/drawing/2014/main" id="{F492723D-EB3C-2172-0673-A61C9C024A02}"/>
+              </a:ext>
+            </a:extLst>
+          </p:cNvPr>
+          <p:cNvSpPr>
+            <a:spLocks noChangeAspect="1"/>
+          </p:cNvSpPr>
+          <p:nvPr/>
+        </p:nvSpPr>
+        <p:spPr>
+          <a:xfrm>
+            <a:off x="754534" y="2538748"/>
+            <a:ext cx="387035" cy="387035"/>
+          </a:xfrm>
+          <a:prstGeom prst="rect">
+            <a:avLst/>
+          </a:prstGeom>
+          <a:solidFill>
+            <a:schemeClr val="accent2">
+              <a:lumMod val="75000"/>
+            </a:schemeClr>
+          </a:solidFill>
+          <a:ln>
+            <a:noFill/>
+          </a:ln>
+        </p:spPr>
+        <p:style>
+          <a:lnRef idx="2">
+            <a:schemeClr val="accent1">
+              <a:shade val="50000"/>
+            </a:schemeClr>
+          </a:lnRef>
+          <a:fillRef idx="1">
+            <a:schemeClr val="accent1"/>
+          </a:fillRef>
+          <a:effectRef idx="0">
+            <a:schemeClr val="accent1"/>
+          </a:effectRef>
+          <a:fontRef idx="minor">
+            <a:schemeClr val="lt1"/>
+          </a:fontRef>
+        </p:style>
+        <p:txBody>
+          <a:bodyPr rtlCol="0" anchor="ctr"/>
+          <a:lstStyle/>
+          <a:p>
+            <a:pPr algn="ctr"/>
+            <a:endParaRPr lang="ko-KR" altLang="en-US"/>
+          </a:p>
+        </p:txBody>
+      </p:sp>
+      <p:sp>
+        <p:nvSpPr>
+          <p:cNvPr id="3" name="직사각형 2">
+            <a:extLst>
+              <a:ext uri="{FF2B5EF4-FFF2-40B4-BE49-F238E27FC236}">
+                <a16:creationId xmlns:a16="http://schemas.microsoft.com/office/drawing/2014/main" id="{9F720835-E882-9FFB-7862-4FC1848F79D7}"/>
+              </a:ext>
+            </a:extLst>
+          </p:cNvPr>
+          <p:cNvSpPr>
+            <a:spLocks noChangeAspect="1"/>
+          </p:cNvSpPr>
+          <p:nvPr/>
+        </p:nvSpPr>
+        <p:spPr>
+          <a:xfrm>
+            <a:off x="754534" y="2994240"/>
+            <a:ext cx="387035" cy="387035"/>
+          </a:xfrm>
+          <a:prstGeom prst="rect">
+            <a:avLst/>
+          </a:prstGeom>
+          <a:solidFill>
+            <a:schemeClr val="accent2">
+              <a:lumMod val="75000"/>
+            </a:schemeClr>
+          </a:solidFill>
+          <a:ln>
+            <a:noFill/>
+          </a:ln>
+        </p:spPr>
+        <p:style>
+          <a:lnRef idx="2">
+            <a:schemeClr val="accent1">
+              <a:shade val="50000"/>
+            </a:schemeClr>
+          </a:lnRef>
+          <a:fillRef idx="1">
+            <a:schemeClr val="accent1"/>
+          </a:fillRef>
+          <a:effectRef idx="0">
+            <a:schemeClr val="accent1"/>
+          </a:effectRef>
+          <a:fontRef idx="minor">
+            <a:schemeClr val="lt1"/>
+          </a:fontRef>
+        </p:style>
+        <p:txBody>
+          <a:bodyPr rtlCol="0" anchor="ctr"/>
+          <a:lstStyle/>
+          <a:p>
+            <a:pPr algn="ctr"/>
+            <a:endParaRPr lang="ko-KR" altLang="en-US"/>
+          </a:p>
+        </p:txBody>
+      </p:sp>
+      <p:sp>
+        <p:nvSpPr>
+          <p:cNvPr id="4" name="직사각형 3">
+            <a:extLst>
+              <a:ext uri="{FF2B5EF4-FFF2-40B4-BE49-F238E27FC236}">
+                <a16:creationId xmlns:a16="http://schemas.microsoft.com/office/drawing/2014/main" id="{E62FC3DB-A3C6-1425-EF7C-3E87822C8D77}"/>
+              </a:ext>
+            </a:extLst>
+          </p:cNvPr>
+          <p:cNvSpPr>
+            <a:spLocks noChangeAspect="1"/>
+          </p:cNvSpPr>
+          <p:nvPr/>
+        </p:nvSpPr>
+        <p:spPr>
+          <a:xfrm>
+            <a:off x="754534" y="3431876"/>
+            <a:ext cx="387035" cy="387035"/>
+          </a:xfrm>
+          <a:prstGeom prst="rect">
+            <a:avLst/>
+          </a:prstGeom>
+          <a:solidFill>
+            <a:schemeClr val="accent2">
+              <a:lumMod val="75000"/>
+            </a:schemeClr>
+          </a:solidFill>
+          <a:ln>
+            <a:noFill/>
+          </a:ln>
+        </p:spPr>
+        <p:style>
+          <a:lnRef idx="2">
+            <a:schemeClr val="accent1">
+              <a:shade val="50000"/>
+            </a:schemeClr>
+          </a:lnRef>
+          <a:fillRef idx="1">
+            <a:schemeClr val="accent1"/>
+          </a:fillRef>
+          <a:effectRef idx="0">
+            <a:schemeClr val="accent1"/>
+          </a:effectRef>
+          <a:fontRef idx="minor">
+            <a:schemeClr val="lt1"/>
+          </a:fontRef>
+        </p:style>
+        <p:txBody>
+          <a:bodyPr rtlCol="0" anchor="ctr"/>
+          <a:lstStyle/>
+          <a:p>
+            <a:pPr algn="ctr"/>
+            <a:endParaRPr lang="ko-KR" altLang="en-US"/>
+          </a:p>
+        </p:txBody>
+      </p:sp>
+      <p:sp>
+        <p:nvSpPr>
+          <p:cNvPr id="5" name="직사각형 4">
+            <a:extLst>
+              <a:ext uri="{FF2B5EF4-FFF2-40B4-BE49-F238E27FC236}">
+                <a16:creationId xmlns:a16="http://schemas.microsoft.com/office/drawing/2014/main" id="{53E99F77-6484-9FBC-D8D6-D9707AC6A2F1}"/>
+              </a:ext>
+            </a:extLst>
+          </p:cNvPr>
+          <p:cNvSpPr/>
+          <p:nvPr/>
+        </p:nvSpPr>
+        <p:spPr>
+          <a:xfrm>
+            <a:off x="4735193" y="1333481"/>
+            <a:ext cx="1985645" cy="952220"/>
+          </a:xfrm>
+          <a:prstGeom prst="rect">
+            <a:avLst/>
+          </a:prstGeom>
+          <a:solidFill>
+            <a:schemeClr val="accent1">
+              <a:lumMod val="20000"/>
+              <a:lumOff val="80000"/>
+            </a:schemeClr>
+          </a:solidFill>
+          <a:ln>
+            <a:noFill/>
+          </a:ln>
+        </p:spPr>
+        <p:style>
+          <a:lnRef idx="2">
+            <a:schemeClr val="accent1">
+              <a:shade val="50000"/>
+            </a:schemeClr>
+          </a:lnRef>
+          <a:fillRef idx="1">
+            <a:schemeClr val="accent1"/>
+          </a:fillRef>
+          <a:effectRef idx="0">
+            <a:schemeClr val="accent1"/>
+          </a:effectRef>
+          <a:fontRef idx="minor">
+            <a:schemeClr val="lt1"/>
+          </a:fontRef>
+        </p:style>
+        <p:txBody>
+          <a:bodyPr rtlCol="0" anchor="ctr"/>
+          <a:lstStyle/>
+          <a:p>
+            <a:pPr algn="ctr"/>
+            <a:endParaRPr lang="ko-KR" altLang="en-US"/>
+          </a:p>
+        </p:txBody>
+      </p:sp>
+      <p:sp>
+        <p:nvSpPr>
+          <p:cNvPr id="7" name="직사각형 6">
+            <a:extLst>
+              <a:ext uri="{FF2B5EF4-FFF2-40B4-BE49-F238E27FC236}">
+                <a16:creationId xmlns:a16="http://schemas.microsoft.com/office/drawing/2014/main" id="{85426AE9-1838-4D23-2CFE-0FF6BA55CE7B}"/>
+              </a:ext>
+            </a:extLst>
+          </p:cNvPr>
+          <p:cNvSpPr>
+            <a:spLocks noChangeAspect="1"/>
+          </p:cNvSpPr>
+          <p:nvPr/>
+        </p:nvSpPr>
+        <p:spPr>
+          <a:xfrm>
+            <a:off x="4735193" y="2535323"/>
+            <a:ext cx="387035" cy="387035"/>
+          </a:xfrm>
+          <a:prstGeom prst="rect">
+            <a:avLst/>
+          </a:prstGeom>
+          <a:solidFill>
+            <a:schemeClr val="accent2">
+              <a:lumMod val="75000"/>
+            </a:schemeClr>
+          </a:solidFill>
+          <a:ln>
+            <a:noFill/>
+          </a:ln>
+        </p:spPr>
+        <p:style>
+          <a:lnRef idx="2">
+            <a:schemeClr val="accent1">
+              <a:shade val="50000"/>
+            </a:schemeClr>
+          </a:lnRef>
+          <a:fillRef idx="1">
+            <a:schemeClr val="accent1"/>
+          </a:fillRef>
+          <a:effectRef idx="0">
+            <a:schemeClr val="accent1"/>
+          </a:effectRef>
+          <a:fontRef idx="minor">
+            <a:schemeClr val="lt1"/>
+          </a:fontRef>
+        </p:style>
+        <p:txBody>
+          <a:bodyPr rtlCol="0" anchor="ctr"/>
+          <a:lstStyle/>
+          <a:p>
+            <a:pPr algn="ctr"/>
+            <a:endParaRPr lang="ko-KR" altLang="en-US" dirty="0"/>
+          </a:p>
+        </p:txBody>
+      </p:sp>
+      <p:sp>
+        <p:nvSpPr>
+          <p:cNvPr id="9" name="직사각형 8">
+            <a:extLst>
+              <a:ext uri="{FF2B5EF4-FFF2-40B4-BE49-F238E27FC236}">
+                <a16:creationId xmlns:a16="http://schemas.microsoft.com/office/drawing/2014/main" id="{0D2207F9-8216-B838-3804-DB15AABC1C8D}"/>
+              </a:ext>
+            </a:extLst>
+          </p:cNvPr>
+          <p:cNvSpPr>
+            <a:spLocks noChangeAspect="1"/>
+          </p:cNvSpPr>
+          <p:nvPr/>
+        </p:nvSpPr>
+        <p:spPr>
+          <a:xfrm>
+            <a:off x="5577988" y="2690851"/>
+            <a:ext cx="387035" cy="387035"/>
+          </a:xfrm>
+          <a:prstGeom prst="rect">
+            <a:avLst/>
+          </a:prstGeom>
+          <a:solidFill>
+            <a:schemeClr val="accent2">
+              <a:lumMod val="75000"/>
+            </a:schemeClr>
+          </a:solidFill>
+          <a:ln>
+            <a:noFill/>
+          </a:ln>
+        </p:spPr>
+        <p:style>
+          <a:lnRef idx="2">
+            <a:schemeClr val="accent1">
+              <a:shade val="50000"/>
+            </a:schemeClr>
+          </a:lnRef>
+          <a:fillRef idx="1">
+            <a:schemeClr val="accent1"/>
+          </a:fillRef>
+          <a:effectRef idx="0">
+            <a:schemeClr val="accent1"/>
+          </a:effectRef>
+          <a:fontRef idx="minor">
+            <a:schemeClr val="lt1"/>
+          </a:fontRef>
+        </p:style>
+        <p:txBody>
+          <a:bodyPr rtlCol="0" anchor="ctr"/>
+          <a:lstStyle/>
+          <a:p>
+            <a:pPr algn="ctr"/>
+            <a:endParaRPr lang="ko-KR" altLang="en-US" dirty="0"/>
+          </a:p>
+        </p:txBody>
+      </p:sp>
+      <p:sp>
+        <p:nvSpPr>
+          <p:cNvPr id="8" name="직사각형 7">
+            <a:extLst>
+              <a:ext uri="{FF2B5EF4-FFF2-40B4-BE49-F238E27FC236}">
+                <a16:creationId xmlns:a16="http://schemas.microsoft.com/office/drawing/2014/main" id="{488439F3-CB5A-D4AD-E5C0-8CD2C5A0D891}"/>
+              </a:ext>
+            </a:extLst>
+          </p:cNvPr>
+          <p:cNvSpPr>
+            <a:spLocks noChangeAspect="1"/>
+          </p:cNvSpPr>
+          <p:nvPr/>
+        </p:nvSpPr>
+        <p:spPr>
+          <a:xfrm>
+            <a:off x="4735193" y="2990815"/>
+            <a:ext cx="387035" cy="387035"/>
+          </a:xfrm>
+          <a:prstGeom prst="rect">
+            <a:avLst/>
+          </a:prstGeom>
+          <a:solidFill>
+            <a:schemeClr val="accent2">
+              <a:lumMod val="75000"/>
+            </a:schemeClr>
+          </a:solidFill>
+          <a:ln>
+            <a:noFill/>
+          </a:ln>
+        </p:spPr>
+        <p:style>
+          <a:lnRef idx="2">
+            <a:schemeClr val="accent1">
+              <a:shade val="50000"/>
+            </a:schemeClr>
+          </a:lnRef>
+          <a:fillRef idx="1">
+            <a:schemeClr val="accent1"/>
+          </a:fillRef>
+          <a:effectRef idx="0">
+            <a:schemeClr val="accent1"/>
+          </a:effectRef>
+          <a:fontRef idx="minor">
+            <a:schemeClr val="lt1"/>
+          </a:fontRef>
+        </p:style>
+        <p:txBody>
+          <a:bodyPr rtlCol="0" anchor="ctr"/>
+          <a:lstStyle/>
+          <a:p>
+            <a:pPr algn="ctr"/>
+            <a:endParaRPr lang="ko-KR" altLang="en-US" dirty="0"/>
+          </a:p>
+        </p:txBody>
+      </p:sp>
+      <p:sp>
+        <p:nvSpPr>
+          <p:cNvPr id="6" name="타원 5">
+            <a:extLst>
+              <a:ext uri="{FF2B5EF4-FFF2-40B4-BE49-F238E27FC236}">
+                <a16:creationId xmlns:a16="http://schemas.microsoft.com/office/drawing/2014/main" id="{AB73FC65-6852-35AD-9ADC-06FC7A61BA88}"/>
+              </a:ext>
+            </a:extLst>
+          </p:cNvPr>
+          <p:cNvSpPr>
+            <a:spLocks noChangeAspect="1"/>
+          </p:cNvSpPr>
+          <p:nvPr/>
+        </p:nvSpPr>
+        <p:spPr>
+          <a:xfrm>
+            <a:off x="5648636" y="2962955"/>
+            <a:ext cx="286385" cy="286385"/>
+          </a:xfrm>
+          <a:prstGeom prst="ellipse">
+            <a:avLst/>
+          </a:prstGeom>
+          <a:solidFill>
+            <a:schemeClr val="tx1"/>
+          </a:solidFill>
+          <a:ln>
+            <a:noFill/>
+          </a:ln>
+        </p:spPr>
+        <p:style>
+          <a:lnRef idx="2">
+            <a:schemeClr val="accent1">
+              <a:shade val="50000"/>
+            </a:schemeClr>
+          </a:lnRef>
+          <a:fillRef idx="1">
+            <a:schemeClr val="accent1"/>
+          </a:fillRef>
+          <a:effectRef idx="0">
+            <a:schemeClr val="accent1"/>
+          </a:effectRef>
+          <a:fontRef idx="minor">
+            <a:schemeClr val="lt1"/>
+          </a:fontRef>
+        </p:style>
+        <p:txBody>
+          <a:bodyPr rtlCol="0" anchor="ctr"/>
+          <a:lstStyle/>
+          <a:p>
+            <a:pPr algn="ctr"/>
+            <a:endParaRPr lang="ko-KR" altLang="en-US"/>
+          </a:p>
+        </p:txBody>
+      </p:sp>
+      <p:sp>
+        <p:nvSpPr>
+          <p:cNvPr id="10" name="TextBox 9">
+            <a:extLst>
+              <a:ext uri="{FF2B5EF4-FFF2-40B4-BE49-F238E27FC236}">
+                <a16:creationId xmlns:a16="http://schemas.microsoft.com/office/drawing/2014/main" id="{03270464-EA97-3217-25ED-46C4DD17DD27}"/>
+              </a:ext>
+            </a:extLst>
+          </p:cNvPr>
+          <p:cNvSpPr txBox="1"/>
+          <p:nvPr/>
+        </p:nvSpPr>
+        <p:spPr>
+          <a:xfrm rot="810935">
+            <a:off x="6113397" y="2981832"/>
+            <a:ext cx="537327" cy="261610"/>
+          </a:xfrm>
+          <a:prstGeom prst="rect">
+            <a:avLst/>
+          </a:prstGeom>
+          <a:noFill/>
+        </p:spPr>
+        <p:txBody>
+          <a:bodyPr wrap="none" rtlCol="0">
+            <a:spAutoFit/>
+          </a:bodyPr>
+          <a:lstStyle/>
+          <a:p>
+            <a:r>
+              <a:rPr lang="en-US" altLang="ko-KR" sz="1100" dirty="0">
+                <a:latin typeface="HBIOS-SYS" panose="02040509040204000000" pitchFamily="17" charset="-127"/>
+                <a:ea typeface="HBIOS-SYS" panose="02040509040204000000" pitchFamily="17" charset="-127"/>
+                <a:cs typeface="HBIOS-SYS" panose="02040509040204000000" pitchFamily="17" charset="-127"/>
+              </a:rPr>
+              <a:t>Move!</a:t>
+            </a:r>
+            <a:endParaRPr lang="ko-KR" altLang="en-US" sz="1100" dirty="0">
+              <a:latin typeface="HBIOS-SYS" panose="02040509040204000000" pitchFamily="17" charset="-127"/>
+              <a:ea typeface="HBIOS-SYS" panose="02040509040204000000" pitchFamily="17" charset="-127"/>
+              <a:cs typeface="HBIOS-SYS" panose="02040509040204000000" pitchFamily="17" charset="-127"/>
+            </a:endParaRPr>
+          </a:p>
+        </p:txBody>
+      </p:sp>
+      <p:sp>
+        <p:nvSpPr>
+          <p:cNvPr id="14" name="직사각형 13">
+            <a:extLst>
+              <a:ext uri="{FF2B5EF4-FFF2-40B4-BE49-F238E27FC236}">
+                <a16:creationId xmlns:a16="http://schemas.microsoft.com/office/drawing/2014/main" id="{416490F3-8C6F-3BB3-A275-6CB35C1F0F59}"/>
+              </a:ext>
+            </a:extLst>
+          </p:cNvPr>
+          <p:cNvSpPr/>
+          <p:nvPr/>
+        </p:nvSpPr>
+        <p:spPr>
+          <a:xfrm>
+            <a:off x="8809030" y="1333481"/>
+            <a:ext cx="1985645" cy="952220"/>
+          </a:xfrm>
+          <a:prstGeom prst="rect">
+            <a:avLst/>
+          </a:prstGeom>
+          <a:solidFill>
+            <a:schemeClr val="accent1">
+              <a:lumMod val="20000"/>
+              <a:lumOff val="80000"/>
+            </a:schemeClr>
+          </a:solidFill>
+          <a:ln>
+            <a:noFill/>
+          </a:ln>
+        </p:spPr>
+        <p:style>
+          <a:lnRef idx="2">
+            <a:schemeClr val="accent1">
+              <a:shade val="50000"/>
+            </a:schemeClr>
+          </a:lnRef>
+          <a:fillRef idx="1">
+            <a:schemeClr val="accent1"/>
+          </a:fillRef>
+          <a:effectRef idx="0">
+            <a:schemeClr val="accent1"/>
+          </a:effectRef>
+          <a:fontRef idx="minor">
+            <a:schemeClr val="lt1"/>
+          </a:fontRef>
+        </p:style>
+        <p:txBody>
+          <a:bodyPr rtlCol="0" anchor="ctr"/>
+          <a:lstStyle/>
+          <a:p>
+            <a:pPr algn="ctr"/>
+            <a:endParaRPr lang="ko-KR" altLang="en-US"/>
+          </a:p>
+        </p:txBody>
+      </p:sp>
+      <p:sp>
+        <p:nvSpPr>
+          <p:cNvPr id="28" name="직사각형 27">
+            <a:extLst>
+              <a:ext uri="{FF2B5EF4-FFF2-40B4-BE49-F238E27FC236}">
+                <a16:creationId xmlns:a16="http://schemas.microsoft.com/office/drawing/2014/main" id="{91536E93-5CC4-8A15-BB0E-4ECB1185F7A8}"/>
+              </a:ext>
+            </a:extLst>
+          </p:cNvPr>
+          <p:cNvSpPr>
+            <a:spLocks noChangeAspect="1"/>
+          </p:cNvSpPr>
+          <p:nvPr/>
+        </p:nvSpPr>
+        <p:spPr>
+          <a:xfrm>
+            <a:off x="9399241" y="1436379"/>
+            <a:ext cx="387035" cy="387035"/>
+          </a:xfrm>
+          <a:prstGeom prst="rect">
+            <a:avLst/>
+          </a:prstGeom>
+          <a:solidFill>
+            <a:schemeClr val="accent2">
+              <a:lumMod val="75000"/>
+            </a:schemeClr>
+          </a:solidFill>
+          <a:ln>
+            <a:noFill/>
+          </a:ln>
+        </p:spPr>
+        <p:style>
+          <a:lnRef idx="2">
+            <a:schemeClr val="accent1">
+              <a:shade val="50000"/>
+            </a:schemeClr>
+          </a:lnRef>
+          <a:fillRef idx="1">
+            <a:schemeClr val="accent1"/>
+          </a:fillRef>
+          <a:effectRef idx="0">
+            <a:schemeClr val="accent1"/>
+          </a:effectRef>
+          <a:fontRef idx="minor">
+            <a:schemeClr val="lt1"/>
+          </a:fontRef>
+        </p:style>
+        <p:txBody>
+          <a:bodyPr rtlCol="0" anchor="ctr"/>
+          <a:lstStyle/>
+          <a:p>
+            <a:pPr algn="ctr"/>
+            <a:endParaRPr lang="ko-KR" altLang="en-US" dirty="0"/>
+          </a:p>
+        </p:txBody>
+      </p:sp>
+      <p:sp>
+        <p:nvSpPr>
+          <p:cNvPr id="227" name="직사각형 226">
+            <a:extLst>
+              <a:ext uri="{FF2B5EF4-FFF2-40B4-BE49-F238E27FC236}">
+                <a16:creationId xmlns:a16="http://schemas.microsoft.com/office/drawing/2014/main" id="{4D38FC6B-B6F7-4961-43DB-1BA77FFFD5EF}"/>
+              </a:ext>
+            </a:extLst>
+          </p:cNvPr>
+          <p:cNvSpPr>
+            <a:spLocks noChangeAspect="1"/>
+          </p:cNvSpPr>
+          <p:nvPr/>
+        </p:nvSpPr>
+        <p:spPr>
+          <a:xfrm>
+            <a:off x="9847921" y="1846873"/>
+            <a:ext cx="387035" cy="387035"/>
+          </a:xfrm>
+          <a:prstGeom prst="rect">
+            <a:avLst/>
+          </a:prstGeom>
+          <a:solidFill>
+            <a:schemeClr val="accent2">
+              <a:lumMod val="75000"/>
+            </a:schemeClr>
+          </a:solidFill>
+          <a:ln>
+            <a:noFill/>
+          </a:ln>
+        </p:spPr>
+        <p:style>
+          <a:lnRef idx="2">
+            <a:schemeClr val="accent1">
+              <a:shade val="50000"/>
+            </a:schemeClr>
+          </a:lnRef>
+          <a:fillRef idx="1">
+            <a:schemeClr val="accent1"/>
+          </a:fillRef>
+          <a:effectRef idx="0">
+            <a:schemeClr val="accent1"/>
+          </a:effectRef>
+          <a:fontRef idx="minor">
+            <a:schemeClr val="lt1"/>
+          </a:fontRef>
+        </p:style>
+        <p:txBody>
+          <a:bodyPr rtlCol="0" anchor="ctr"/>
+          <a:lstStyle/>
+          <a:p>
+            <a:pPr algn="ctr"/>
+            <a:endParaRPr lang="ko-KR" altLang="en-US"/>
+          </a:p>
+        </p:txBody>
+      </p:sp>
+      <p:sp>
+        <p:nvSpPr>
+          <p:cNvPr id="229" name="타원 228">
+            <a:extLst>
+              <a:ext uri="{FF2B5EF4-FFF2-40B4-BE49-F238E27FC236}">
+                <a16:creationId xmlns:a16="http://schemas.microsoft.com/office/drawing/2014/main" id="{7BE4A919-6E04-54A0-D50B-D377481CC018}"/>
+              </a:ext>
+            </a:extLst>
+          </p:cNvPr>
+          <p:cNvSpPr>
+            <a:spLocks noChangeAspect="1"/>
+          </p:cNvSpPr>
+          <p:nvPr/>
+        </p:nvSpPr>
+        <p:spPr>
+          <a:xfrm>
+            <a:off x="9898245" y="1897197"/>
+            <a:ext cx="286385" cy="286385"/>
+          </a:xfrm>
+          <a:prstGeom prst="ellipse">
+            <a:avLst/>
+          </a:prstGeom>
+          <a:solidFill>
+            <a:schemeClr val="tx1"/>
+          </a:solidFill>
+          <a:ln>
+            <a:noFill/>
+          </a:ln>
+        </p:spPr>
+        <p:style>
+          <a:lnRef idx="2">
+            <a:schemeClr val="accent1">
+              <a:shade val="50000"/>
+            </a:schemeClr>
+          </a:lnRef>
+          <a:fillRef idx="1">
+            <a:schemeClr val="accent1"/>
+          </a:fillRef>
+          <a:effectRef idx="0">
+            <a:schemeClr val="accent1"/>
+          </a:effectRef>
+          <a:fontRef idx="minor">
+            <a:schemeClr val="lt1"/>
+          </a:fontRef>
+        </p:style>
+        <p:txBody>
+          <a:bodyPr rtlCol="0" anchor="ctr"/>
+          <a:lstStyle/>
+          <a:p>
+            <a:pPr algn="ctr"/>
+            <a:endParaRPr lang="ko-KR" altLang="en-US"/>
+          </a:p>
+        </p:txBody>
+      </p:sp>
+      <p:sp>
+        <p:nvSpPr>
+          <p:cNvPr id="240" name="직사각형 239">
+            <a:extLst>
+              <a:ext uri="{FF2B5EF4-FFF2-40B4-BE49-F238E27FC236}">
+                <a16:creationId xmlns:a16="http://schemas.microsoft.com/office/drawing/2014/main" id="{56FD215C-70A8-F03A-BE62-20C2B825316C}"/>
+              </a:ext>
+            </a:extLst>
+          </p:cNvPr>
+          <p:cNvSpPr>
+            <a:spLocks noChangeAspect="1"/>
+          </p:cNvSpPr>
+          <p:nvPr/>
+        </p:nvSpPr>
+        <p:spPr>
+          <a:xfrm>
+            <a:off x="2536985" y="5851560"/>
+            <a:ext cx="297652" cy="297652"/>
+          </a:xfrm>
+          <a:prstGeom prst="rect">
+            <a:avLst/>
+          </a:prstGeom>
+          <a:solidFill>
+            <a:schemeClr val="accent2">
+              <a:lumMod val="75000"/>
+            </a:schemeClr>
+          </a:solidFill>
+          <a:ln>
+            <a:noFill/>
+          </a:ln>
+        </p:spPr>
+        <p:style>
+          <a:lnRef idx="2">
+            <a:schemeClr val="accent1">
+              <a:shade val="50000"/>
+            </a:schemeClr>
+          </a:lnRef>
+          <a:fillRef idx="1">
+            <a:schemeClr val="accent1"/>
+          </a:fillRef>
+          <a:effectRef idx="0">
+            <a:schemeClr val="accent1"/>
+          </a:effectRef>
+          <a:fontRef idx="minor">
+            <a:schemeClr val="lt1"/>
+          </a:fontRef>
+        </p:style>
+        <p:txBody>
+          <a:bodyPr rtlCol="0" anchor="ctr"/>
+          <a:lstStyle/>
+          <a:p>
+            <a:pPr algn="ctr"/>
+            <a:endParaRPr lang="ko-KR" altLang="en-US" dirty="0"/>
+          </a:p>
+        </p:txBody>
+      </p:sp>
+    </p:spTree>
+    <p:extLst>
+      <p:ext uri="{BB962C8B-B14F-4D97-AF65-F5344CB8AC3E}">
+        <p14:creationId xmlns:p14="http://schemas.microsoft.com/office/powerpoint/2010/main" val="1134034851"/>
+      </p:ext>
+    </p:extLst>
   </p:cSld>
   <p:clrMapOvr>
     <a:masterClrMapping/>
@@ -7850,7 +9288,7 @@
           <a:lstStyle/>
           <a:p>
             <a:pPr algn="ctr"/>
-            <a:endParaRPr lang="ko-KR" altLang="en-US" dirty="0"/>
+            <a:endParaRPr lang="ko-KR" altLang="en-US"/>
           </a:p>
         </p:txBody>
       </p:sp>
@@ -7863,7 +9301,7 @@
         <p:spPr>
           <a:xfrm>
             <a:off x="469900" y="260991"/>
-            <a:ext cx="6692900" cy="583565"/>
+            <a:ext cx="6692900" cy="584775"/>
           </a:xfrm>
           <a:prstGeom prst="rect">
             <a:avLst/>
@@ -7914,630 +9352,79 @@
                 <a:latin typeface="여기어때 잘난체" panose="020B0600000101010101" pitchFamily="50" charset="-127"/>
                 <a:ea typeface="여기어때 잘난체" panose="020B0600000101010101" pitchFamily="50" charset="-127"/>
               </a:rPr>
-              <a:t>퍼즐</a:t>
-            </a:r>
-          </a:p>
-        </p:txBody>
-      </p:sp>
-      <p:sp>
-        <p:nvSpPr>
-          <p:cNvPr id="20" name="Google Shape;138;p21"/>
-          <p:cNvSpPr txBox="1"/>
+              <a:t>조작법</a:t>
+            </a:r>
+          </a:p>
+        </p:txBody>
+      </p:sp>
+      <p:pic>
+        <p:nvPicPr>
+          <p:cNvPr id="1026" name="Picture 2"/>
+          <p:cNvPicPr>
+            <a:picLocks noChangeAspect="1" noChangeArrowheads="1"/>
+          </p:cNvPicPr>
           <p:nvPr/>
-        </p:nvSpPr>
-        <p:spPr>
-          <a:xfrm>
-            <a:off x="1251585" y="5803900"/>
-            <a:ext cx="1220470" cy="445770"/>
+        </p:nvPicPr>
+        <p:blipFill rotWithShape="1">
+          <a:blip r:embed="rId2">
+            <a:extLst>
+              <a:ext uri="{BEBA8EAE-BF5A-486C-A8C5-ECC9F3942E4B}">
+                <a14:imgProps xmlns:a14="http://schemas.microsoft.com/office/drawing/2010/main">
+                  <a14:imgLayer r:embed="rId3">
+                    <a14:imgEffect>
+                      <a14:backgroundRemoval t="7343" b="74126" l="0" r="97727"/>
+                    </a14:imgEffect>
+                  </a14:imgLayer>
+                </a14:imgProps>
+              </a:ext>
+              <a:ext uri="{28A0092B-C50C-407E-A947-70E740481C1C}">
+                <a14:useLocalDpi xmlns:a14="http://schemas.microsoft.com/office/drawing/2010/main" val="0"/>
+              </a:ext>
+            </a:extLst>
+          </a:blip>
+          <a:srcRect t="27150" b="25146"/>
+          <a:stretch>
+            <a:fillRect/>
+          </a:stretch>
+        </p:blipFill>
+        <p:spPr bwMode="auto">
+          <a:xfrm>
+            <a:off x="1919037" y="855638"/>
+            <a:ext cx="8353926" cy="3985142"/>
           </a:xfrm>
           <a:prstGeom prst="rect">
             <a:avLst/>
           </a:prstGeom>
           <a:noFill/>
-          <a:ln>
-            <a:noFill/>
-          </a:ln>
-        </p:spPr>
-        <p:txBody>
-          <a:bodyPr spcFirstLastPara="1" wrap="square" lIns="91425" tIns="91425" rIns="91425" bIns="91425" anchor="t" anchorCtr="0">
-            <a:noAutofit/>
-          </a:bodyPr>
-          <a:lstStyle/>
-          <a:p>
-            <a:pPr indent="0">
-              <a:spcBef>
-                <a:spcPts val="0"/>
-              </a:spcBef>
-              <a:spcAft>
-                <a:spcPts val="0"/>
-              </a:spcAft>
-              <a:buNone/>
-            </a:pPr>
-            <a:r>
-              <a:rPr lang="en-US" altLang="ko-KR" sz="1600">
-                <a:latin typeface="G마켓 산스 TTF Light" panose="02000000000000000000" pitchFamily="2" charset="-127"/>
-                <a:ea typeface="G마켓 산스 TTF Light" panose="02000000000000000000" pitchFamily="2" charset="-127"/>
-                <a:cs typeface="맑은 고딕" panose="020B0503020000020004" charset="-127"/>
-                <a:sym typeface="맑은 고딕" panose="020B0503020000020004" charset="-127"/>
-              </a:rPr>
-              <a:t>: </a:t>
-            </a:r>
-            <a:r>
-              <a:rPr lang="ko-KR" altLang="en-US" sz="1600">
-                <a:latin typeface="G마켓 산스 TTF Light" panose="02000000000000000000" pitchFamily="2" charset="-127"/>
-                <a:ea typeface="G마켓 산스 TTF Light" panose="02000000000000000000" pitchFamily="2" charset="-127"/>
-                <a:cs typeface="맑은 고딕" panose="020B0503020000020004" charset="-127"/>
-                <a:sym typeface="맑은 고딕" panose="020B0503020000020004" charset="-127"/>
-              </a:rPr>
-              <a:t>플레이어</a:t>
-            </a:r>
-            <a:endParaRPr sz="1600">
-              <a:latin typeface="G마켓 산스 TTF Light" panose="02000000000000000000" pitchFamily="2" charset="-127"/>
-              <a:ea typeface="G마켓 산스 TTF Light" panose="02000000000000000000" pitchFamily="2" charset="-127"/>
-              <a:cs typeface="맑은 고딕" panose="020B0503020000020004" charset="-127"/>
-              <a:sym typeface="맑은 고딕" panose="020B0503020000020004" charset="-127"/>
-            </a:endParaRPr>
-          </a:p>
-          <a:p>
-            <a:pPr indent="0">
-              <a:spcBef>
-                <a:spcPts val="0"/>
-              </a:spcBef>
-              <a:spcAft>
-                <a:spcPts val="0"/>
-              </a:spcAft>
-              <a:buNone/>
-            </a:pPr>
-            <a:r>
-              <a:rPr lang="en-US" sz="1200">
-                <a:latin typeface="G마켓 산스 TTF Light" panose="02000000000000000000" pitchFamily="2" charset="-127"/>
-                <a:ea typeface="G마켓 산스 TTF Light" panose="02000000000000000000" pitchFamily="2" charset="-127"/>
-                <a:cs typeface="맑은 고딕" panose="020B0503020000020004" charset="-127"/>
-                <a:sym typeface="맑은 고딕" panose="020B0503020000020004" charset="-127"/>
-              </a:rPr>
-              <a:t> </a:t>
-            </a:r>
-            <a:endParaRPr sz="1200">
-              <a:latin typeface="G마켓 산스 TTF Light" panose="02000000000000000000" pitchFamily="2" charset="-127"/>
-              <a:ea typeface="G마켓 산스 TTF Light" panose="02000000000000000000" pitchFamily="2" charset="-127"/>
-              <a:cs typeface="맑은 고딕" panose="020B0503020000020004" charset="-127"/>
-              <a:sym typeface="맑은 고딕" panose="020B0503020000020004" charset="-127"/>
-            </a:endParaRPr>
-          </a:p>
-        </p:txBody>
-      </p:sp>
-      <p:sp>
-        <p:nvSpPr>
-          <p:cNvPr id="21" name="Google Shape;138;p21"/>
-          <p:cNvSpPr txBox="1"/>
-          <p:nvPr/>
-        </p:nvSpPr>
-        <p:spPr>
-          <a:xfrm>
-            <a:off x="2904490" y="5803900"/>
-            <a:ext cx="1656715" cy="445770"/>
-          </a:xfrm>
-          <a:prstGeom prst="rect">
-            <a:avLst/>
-          </a:prstGeom>
-          <a:noFill/>
-          <a:ln>
-            <a:noFill/>
-          </a:ln>
-        </p:spPr>
-        <p:txBody>
-          <a:bodyPr spcFirstLastPara="1" wrap="square" lIns="91425" tIns="91425" rIns="91425" bIns="91425" anchor="t" anchorCtr="0">
-            <a:noAutofit/>
-          </a:bodyPr>
-          <a:lstStyle/>
-          <a:p>
-            <a:pPr indent="0">
-              <a:spcBef>
-                <a:spcPts val="0"/>
-              </a:spcBef>
-              <a:spcAft>
-                <a:spcPts val="0"/>
-              </a:spcAft>
-              <a:buNone/>
-            </a:pPr>
-            <a:r>
-              <a:rPr lang="en-US" altLang="ko-KR" sz="1600" dirty="0">
-                <a:latin typeface="G마켓 산스 TTF Light" panose="02000000000000000000" pitchFamily="2" charset="-127"/>
-                <a:ea typeface="G마켓 산스 TTF Light" panose="02000000000000000000" pitchFamily="2" charset="-127"/>
-                <a:cs typeface="맑은 고딕" panose="020B0503020000020004" charset="-127"/>
-                <a:sym typeface="맑은 고딕" panose="020B0503020000020004" charset="-127"/>
-              </a:rPr>
-              <a:t>: </a:t>
-            </a:r>
-            <a:r>
-              <a:rPr lang="ko-KR" altLang="en-US" sz="1600" dirty="0">
-                <a:latin typeface="G마켓 산스 TTF Light" panose="02000000000000000000" pitchFamily="2" charset="-127"/>
-                <a:ea typeface="G마켓 산스 TTF Light" panose="02000000000000000000" pitchFamily="2" charset="-127"/>
-                <a:cs typeface="맑은 고딕" panose="020B0503020000020004" charset="-127"/>
-                <a:sym typeface="맑은 고딕" panose="020B0503020000020004" charset="-127"/>
-              </a:rPr>
-              <a:t>상자 오브젝트</a:t>
-            </a:r>
-            <a:endParaRPr sz="1600" dirty="0">
-              <a:latin typeface="G마켓 산스 TTF Light" panose="02000000000000000000" pitchFamily="2" charset="-127"/>
-              <a:ea typeface="G마켓 산스 TTF Light" panose="02000000000000000000" pitchFamily="2" charset="-127"/>
-              <a:cs typeface="맑은 고딕" panose="020B0503020000020004" charset="-127"/>
-              <a:sym typeface="맑은 고딕" panose="020B0503020000020004" charset="-127"/>
-            </a:endParaRPr>
-          </a:p>
-          <a:p>
-            <a:pPr indent="0">
-              <a:spcBef>
-                <a:spcPts val="0"/>
-              </a:spcBef>
-              <a:spcAft>
-                <a:spcPts val="0"/>
-              </a:spcAft>
-              <a:buNone/>
-            </a:pPr>
-            <a:r>
-              <a:rPr lang="en-US" sz="1200" dirty="0">
-                <a:latin typeface="G마켓 산스 TTF Light" panose="02000000000000000000" pitchFamily="2" charset="-127"/>
-                <a:ea typeface="G마켓 산스 TTF Light" panose="02000000000000000000" pitchFamily="2" charset="-127"/>
-                <a:cs typeface="맑은 고딕" panose="020B0503020000020004" charset="-127"/>
-                <a:sym typeface="맑은 고딕" panose="020B0503020000020004" charset="-127"/>
-              </a:rPr>
-              <a:t> </a:t>
-            </a:r>
-            <a:endParaRPr sz="1200" dirty="0">
-              <a:latin typeface="G마켓 산스 TTF Light" panose="02000000000000000000" pitchFamily="2" charset="-127"/>
-              <a:ea typeface="G마켓 산스 TTF Light" panose="02000000000000000000" pitchFamily="2" charset="-127"/>
-              <a:cs typeface="맑은 고딕" panose="020B0503020000020004" charset="-127"/>
-              <a:sym typeface="맑은 고딕" panose="020B0503020000020004" charset="-127"/>
-            </a:endParaRPr>
-          </a:p>
-        </p:txBody>
-      </p:sp>
-      <p:sp>
-        <p:nvSpPr>
-          <p:cNvPr id="36" name="Google Shape;138;p21"/>
-          <p:cNvSpPr txBox="1"/>
-          <p:nvPr/>
-        </p:nvSpPr>
-        <p:spPr>
-          <a:xfrm>
-            <a:off x="920120" y="3877945"/>
-            <a:ext cx="2525080" cy="603250"/>
-          </a:xfrm>
-          <a:prstGeom prst="rect">
-            <a:avLst/>
-          </a:prstGeom>
-          <a:noFill/>
-          <a:ln>
-            <a:noFill/>
-          </a:ln>
-        </p:spPr>
-        <p:txBody>
-          <a:bodyPr spcFirstLastPara="1" wrap="square" lIns="91425" tIns="91425" rIns="91425" bIns="91425" anchor="t" anchorCtr="0">
-            <a:noAutofit/>
-          </a:bodyPr>
-          <a:lstStyle/>
-          <a:p>
-            <a:pPr indent="0">
-              <a:lnSpc>
-                <a:spcPct val="150000"/>
-              </a:lnSpc>
-              <a:spcBef>
-                <a:spcPts val="0"/>
-              </a:spcBef>
-              <a:spcAft>
-                <a:spcPts val="0"/>
-              </a:spcAft>
-              <a:buNone/>
-            </a:pPr>
-            <a:r>
-              <a:rPr lang="ko-KR" altLang="en-US" sz="1200" dirty="0">
-                <a:latin typeface="G마켓 산스 TTF Light" panose="02000000000000000000" pitchFamily="2" charset="-127"/>
-                <a:ea typeface="G마켓 산스 TTF Light" panose="02000000000000000000" pitchFamily="2" charset="-127"/>
-                <a:cs typeface="맑은 고딕" panose="020B0503020000020004" charset="-127"/>
-                <a:sym typeface="맑은 고딕" panose="020B0503020000020004" charset="-127"/>
-              </a:rPr>
-              <a:t>건널 길이 없는 물과</a:t>
-            </a:r>
-            <a:endParaRPr lang="en-US" altLang="ko-KR" sz="1200" dirty="0">
-              <a:latin typeface="G마켓 산스 TTF Light" panose="02000000000000000000" pitchFamily="2" charset="-127"/>
-              <a:ea typeface="G마켓 산스 TTF Light" panose="02000000000000000000" pitchFamily="2" charset="-127"/>
-              <a:cs typeface="맑은 고딕" panose="020B0503020000020004" charset="-127"/>
-              <a:sym typeface="맑은 고딕" panose="020B0503020000020004" charset="-127"/>
-            </a:endParaRPr>
-          </a:p>
-          <a:p>
-            <a:pPr indent="0">
-              <a:lnSpc>
-                <a:spcPct val="150000"/>
-              </a:lnSpc>
-              <a:spcBef>
-                <a:spcPts val="0"/>
-              </a:spcBef>
-              <a:spcAft>
-                <a:spcPts val="0"/>
-              </a:spcAft>
-              <a:buNone/>
-            </a:pPr>
-            <a:r>
-              <a:rPr lang="ko-KR" altLang="en-US" sz="1200" dirty="0">
-                <a:latin typeface="G마켓 산스 TTF Light" panose="02000000000000000000" pitchFamily="2" charset="-127"/>
-                <a:ea typeface="G마켓 산스 TTF Light" panose="02000000000000000000" pitchFamily="2" charset="-127"/>
-                <a:cs typeface="맑은 고딕" panose="020B0503020000020004" charset="-127"/>
-                <a:sym typeface="맑은 고딕" panose="020B0503020000020004" charset="-127"/>
-              </a:rPr>
-              <a:t>주위 오브젝트들이 </a:t>
-            </a:r>
-            <a:r>
-              <a:rPr lang="ko-KR" altLang="en-US" sz="1200" dirty="0" err="1">
-                <a:latin typeface="G마켓 산스 TTF Light" panose="02000000000000000000" pitchFamily="2" charset="-127"/>
-                <a:ea typeface="G마켓 산스 TTF Light" panose="02000000000000000000" pitchFamily="2" charset="-127"/>
-                <a:cs typeface="맑은 고딕" panose="020B0503020000020004" charset="-127"/>
-                <a:sym typeface="맑은 고딕" panose="020B0503020000020004" charset="-127"/>
-              </a:rPr>
-              <a:t>놓여져있다</a:t>
-            </a:r>
-            <a:r>
-              <a:rPr lang="en-US" altLang="ko-KR" sz="1200" dirty="0">
-                <a:latin typeface="G마켓 산스 TTF Light" panose="02000000000000000000" pitchFamily="2" charset="-127"/>
-                <a:ea typeface="G마켓 산스 TTF Light" panose="02000000000000000000" pitchFamily="2" charset="-127"/>
-                <a:cs typeface="맑은 고딕" panose="020B0503020000020004" charset="-127"/>
-                <a:sym typeface="맑은 고딕" panose="020B0503020000020004" charset="-127"/>
-              </a:rPr>
-              <a:t>.</a:t>
-            </a:r>
-          </a:p>
-        </p:txBody>
-      </p:sp>
-      <p:sp>
-        <p:nvSpPr>
-          <p:cNvPr id="133" name="Google Shape;138;p21"/>
-          <p:cNvSpPr txBox="1"/>
-          <p:nvPr/>
-        </p:nvSpPr>
-        <p:spPr>
-          <a:xfrm>
-            <a:off x="5873110" y="5819527"/>
-            <a:ext cx="2455545" cy="445770"/>
-          </a:xfrm>
-          <a:prstGeom prst="rect">
-            <a:avLst/>
-          </a:prstGeom>
-          <a:noFill/>
-          <a:ln>
-            <a:noFill/>
-          </a:ln>
-        </p:spPr>
-        <p:txBody>
-          <a:bodyPr spcFirstLastPara="1" wrap="square" lIns="91425" tIns="91425" rIns="91425" bIns="91425" anchor="t" anchorCtr="0">
-            <a:noAutofit/>
-          </a:bodyPr>
-          <a:lstStyle/>
-          <a:p>
-            <a:pPr indent="0">
-              <a:spcBef>
-                <a:spcPts val="0"/>
-              </a:spcBef>
-              <a:spcAft>
-                <a:spcPts val="0"/>
-              </a:spcAft>
-              <a:buNone/>
-            </a:pPr>
-            <a:r>
-              <a:rPr lang="en-US" altLang="ko-KR" sz="1600" dirty="0">
-                <a:latin typeface="G마켓 산스 TTF Light" panose="02000000000000000000" pitchFamily="2" charset="-127"/>
-                <a:ea typeface="G마켓 산스 TTF Light" panose="02000000000000000000" pitchFamily="2" charset="-127"/>
-                <a:cs typeface="맑은 고딕" panose="020B0503020000020004" charset="-127"/>
-                <a:sym typeface="맑은 고딕" panose="020B0503020000020004" charset="-127"/>
-              </a:rPr>
-              <a:t>: </a:t>
-            </a:r>
-            <a:r>
-              <a:rPr lang="ko-KR" altLang="en-US" sz="1600" dirty="0">
-                <a:latin typeface="G마켓 산스 TTF Light" panose="02000000000000000000" pitchFamily="2" charset="-127"/>
-                <a:ea typeface="G마켓 산스 TTF Light" panose="02000000000000000000" pitchFamily="2" charset="-127"/>
-                <a:cs typeface="맑은 고딕" panose="020B0503020000020004" charset="-127"/>
-                <a:sym typeface="맑은 고딕" panose="020B0503020000020004" charset="-127"/>
-              </a:rPr>
-              <a:t>문</a:t>
-            </a:r>
-            <a:r>
-              <a:rPr lang="en-US" altLang="ko-KR" sz="1600" dirty="0">
-                <a:latin typeface="G마켓 산스 TTF Light" panose="02000000000000000000" pitchFamily="2" charset="-127"/>
-                <a:ea typeface="G마켓 산스 TTF Light" panose="02000000000000000000" pitchFamily="2" charset="-127"/>
-                <a:cs typeface="맑은 고딕" panose="020B0503020000020004" charset="-127"/>
-                <a:sym typeface="맑은 고딕" panose="020B0503020000020004" charset="-127"/>
-              </a:rPr>
-              <a:t> </a:t>
-            </a:r>
-            <a:endParaRPr sz="1600" dirty="0">
-              <a:latin typeface="G마켓 산스 TTF Light" panose="02000000000000000000" pitchFamily="2" charset="-127"/>
-              <a:ea typeface="G마켓 산스 TTF Light" panose="02000000000000000000" pitchFamily="2" charset="-127"/>
-              <a:cs typeface="맑은 고딕" panose="020B0503020000020004" charset="-127"/>
-              <a:sym typeface="맑은 고딕" panose="020B0503020000020004" charset="-127"/>
-            </a:endParaRPr>
-          </a:p>
-          <a:p>
-            <a:pPr indent="0">
-              <a:spcBef>
-                <a:spcPts val="0"/>
-              </a:spcBef>
-              <a:spcAft>
-                <a:spcPts val="0"/>
-              </a:spcAft>
-              <a:buNone/>
-            </a:pPr>
-            <a:r>
-              <a:rPr lang="en-US" sz="1200" dirty="0">
-                <a:latin typeface="G마켓 산스 TTF Light" panose="02000000000000000000" pitchFamily="2" charset="-127"/>
-                <a:ea typeface="G마켓 산스 TTF Light" panose="02000000000000000000" pitchFamily="2" charset="-127"/>
-                <a:cs typeface="맑은 고딕" panose="020B0503020000020004" charset="-127"/>
-                <a:sym typeface="맑은 고딕" panose="020B0503020000020004" charset="-127"/>
-              </a:rPr>
-              <a:t> </a:t>
-            </a:r>
-            <a:endParaRPr sz="1200" dirty="0">
-              <a:latin typeface="G마켓 산스 TTF Light" panose="02000000000000000000" pitchFamily="2" charset="-127"/>
-              <a:ea typeface="G마켓 산스 TTF Light" panose="02000000000000000000" pitchFamily="2" charset="-127"/>
-              <a:cs typeface="맑은 고딕" panose="020B0503020000020004" charset="-127"/>
-              <a:sym typeface="맑은 고딕" panose="020B0503020000020004" charset="-127"/>
-            </a:endParaRPr>
-          </a:p>
-        </p:txBody>
-      </p:sp>
-      <p:sp>
-        <p:nvSpPr>
-          <p:cNvPr id="172" name="Google Shape;138;p21"/>
-          <p:cNvSpPr txBox="1"/>
-          <p:nvPr/>
-        </p:nvSpPr>
-        <p:spPr>
-          <a:xfrm>
-            <a:off x="4928918" y="3749877"/>
-            <a:ext cx="2435810" cy="984885"/>
-          </a:xfrm>
-          <a:prstGeom prst="rect">
-            <a:avLst/>
-          </a:prstGeom>
-          <a:noFill/>
-          <a:ln>
-            <a:noFill/>
-          </a:ln>
-        </p:spPr>
-        <p:txBody>
-          <a:bodyPr spcFirstLastPara="1" wrap="square" lIns="91425" tIns="91425" rIns="91425" bIns="91425" anchor="t" anchorCtr="0">
-            <a:noAutofit/>
-          </a:bodyPr>
-          <a:lstStyle/>
-          <a:p>
-            <a:pPr indent="0">
-              <a:lnSpc>
-                <a:spcPct val="150000"/>
-              </a:lnSpc>
-              <a:spcBef>
-                <a:spcPts val="0"/>
-              </a:spcBef>
-              <a:spcAft>
-                <a:spcPts val="0"/>
-              </a:spcAft>
-              <a:buNone/>
-            </a:pPr>
-            <a:r>
-              <a:rPr lang="ko-KR" altLang="en-US" sz="1200" dirty="0">
-                <a:latin typeface="G마켓 산스 TTF Light" panose="02000000000000000000" pitchFamily="2" charset="-127"/>
-                <a:ea typeface="G마켓 산스 TTF Light" panose="02000000000000000000" pitchFamily="2" charset="-127"/>
-                <a:cs typeface="맑은 고딕" panose="020B0503020000020004" charset="-127"/>
-                <a:sym typeface="맑은 고딕" panose="020B0503020000020004" charset="-127"/>
-              </a:rPr>
-              <a:t>주위 오브젝트 </a:t>
-            </a:r>
-            <a:r>
-              <a:rPr lang="en-US" altLang="ko-KR" sz="1200" dirty="0">
-                <a:latin typeface="G마켓 산스 TTF Light" panose="02000000000000000000" pitchFamily="2" charset="-127"/>
-                <a:ea typeface="G마켓 산스 TTF Light" panose="02000000000000000000" pitchFamily="2" charset="-127"/>
-                <a:cs typeface="맑은 고딕" panose="020B0503020000020004" charset="-127"/>
-                <a:sym typeface="맑은 고딕" panose="020B0503020000020004" charset="-127"/>
-              </a:rPr>
-              <a:t>(</a:t>
-            </a:r>
-            <a:r>
-              <a:rPr lang="ko-KR" altLang="en-US" sz="1200" dirty="0">
-                <a:latin typeface="G마켓 산스 TTF Light" panose="02000000000000000000" pitchFamily="2" charset="-127"/>
-                <a:ea typeface="G마켓 산스 TTF Light" panose="02000000000000000000" pitchFamily="2" charset="-127"/>
-                <a:cs typeface="맑은 고딕" panose="020B0503020000020004" charset="-127"/>
-                <a:sym typeface="맑은 고딕" panose="020B0503020000020004" charset="-127"/>
-              </a:rPr>
-              <a:t>상자</a:t>
-            </a:r>
-            <a:r>
-              <a:rPr lang="en-US" altLang="ko-KR" sz="1200" dirty="0">
-                <a:latin typeface="G마켓 산스 TTF Light" panose="02000000000000000000" pitchFamily="2" charset="-127"/>
-                <a:ea typeface="G마켓 산스 TTF Light" panose="02000000000000000000" pitchFamily="2" charset="-127"/>
-                <a:cs typeface="맑은 고딕" panose="020B0503020000020004" charset="-127"/>
-                <a:sym typeface="맑은 고딕" panose="020B0503020000020004" charset="-127"/>
-              </a:rPr>
-              <a:t>, </a:t>
-            </a:r>
-            <a:r>
-              <a:rPr lang="ko-KR" altLang="en-US" sz="1200" dirty="0">
-                <a:latin typeface="G마켓 산스 TTF Light" panose="02000000000000000000" pitchFamily="2" charset="-127"/>
-                <a:ea typeface="G마켓 산스 TTF Light" panose="02000000000000000000" pitchFamily="2" charset="-127"/>
-                <a:cs typeface="맑은 고딕" panose="020B0503020000020004" charset="-127"/>
-                <a:sym typeface="맑은 고딕" panose="020B0503020000020004" charset="-127"/>
-              </a:rPr>
-              <a:t>돌</a:t>
-            </a:r>
-            <a:r>
-              <a:rPr lang="en-US" altLang="ko-KR" sz="1200" dirty="0">
-                <a:latin typeface="G마켓 산스 TTF Light" panose="02000000000000000000" pitchFamily="2" charset="-127"/>
-                <a:ea typeface="G마켓 산스 TTF Light" panose="02000000000000000000" pitchFamily="2" charset="-127"/>
-                <a:cs typeface="맑은 고딕" panose="020B0503020000020004" charset="-127"/>
-                <a:sym typeface="맑은 고딕" panose="020B0503020000020004" charset="-127"/>
-              </a:rPr>
-              <a:t>)</a:t>
-            </a:r>
-            <a:r>
-              <a:rPr lang="ko-KR" altLang="en-US" sz="1200" dirty="0">
-                <a:latin typeface="G마켓 산스 TTF Light" panose="02000000000000000000" pitchFamily="2" charset="-127"/>
-                <a:ea typeface="G마켓 산스 TTF Light" panose="02000000000000000000" pitchFamily="2" charset="-127"/>
-                <a:cs typeface="맑은 고딕" panose="020B0503020000020004" charset="-127"/>
-                <a:sym typeface="맑은 고딕" panose="020B0503020000020004" charset="-127"/>
-              </a:rPr>
-              <a:t>들을</a:t>
-            </a:r>
-            <a:endParaRPr lang="en-US" altLang="ko-KR" sz="1200" dirty="0">
-              <a:latin typeface="G마켓 산스 TTF Light" panose="02000000000000000000" pitchFamily="2" charset="-127"/>
-              <a:ea typeface="G마켓 산스 TTF Light" panose="02000000000000000000" pitchFamily="2" charset="-127"/>
-              <a:cs typeface="맑은 고딕" panose="020B0503020000020004" charset="-127"/>
-              <a:sym typeface="맑은 고딕" panose="020B0503020000020004" charset="-127"/>
-            </a:endParaRPr>
-          </a:p>
-          <a:p>
-            <a:pPr indent="0">
-              <a:lnSpc>
-                <a:spcPct val="150000"/>
-              </a:lnSpc>
-              <a:spcBef>
-                <a:spcPts val="0"/>
-              </a:spcBef>
-              <a:spcAft>
-                <a:spcPts val="0"/>
-              </a:spcAft>
-              <a:buNone/>
-            </a:pPr>
-            <a:r>
-              <a:rPr lang="ko-KR" altLang="en-US" sz="1200" dirty="0">
-                <a:latin typeface="G마켓 산스 TTF Light" panose="02000000000000000000" pitchFamily="2" charset="-127"/>
-                <a:ea typeface="G마켓 산스 TTF Light" panose="02000000000000000000" pitchFamily="2" charset="-127"/>
-                <a:cs typeface="맑은 고딕" panose="020B0503020000020004" charset="-127"/>
-                <a:sym typeface="맑은 고딕" panose="020B0503020000020004" charset="-127"/>
-              </a:rPr>
-              <a:t>플레이어가 들고 옮길 수 있다</a:t>
-            </a:r>
-            <a:r>
-              <a:rPr lang="en-US" altLang="ko-KR" sz="1200" dirty="0">
-                <a:latin typeface="G마켓 산스 TTF Light" panose="02000000000000000000" pitchFamily="2" charset="-127"/>
-                <a:ea typeface="G마켓 산스 TTF Light" panose="02000000000000000000" pitchFamily="2" charset="-127"/>
-                <a:cs typeface="맑은 고딕" panose="020B0503020000020004" charset="-127"/>
-                <a:sym typeface="맑은 고딕" panose="020B0503020000020004" charset="-127"/>
-              </a:rPr>
-              <a:t>.</a:t>
-            </a:r>
-          </a:p>
-        </p:txBody>
-      </p:sp>
-      <p:sp>
-        <p:nvSpPr>
-          <p:cNvPr id="188" name="Google Shape;138;p21"/>
-          <p:cNvSpPr txBox="1"/>
-          <p:nvPr/>
-        </p:nvSpPr>
-        <p:spPr>
-          <a:xfrm>
-            <a:off x="8458152" y="3749877"/>
-            <a:ext cx="2897505" cy="751205"/>
-          </a:xfrm>
-          <a:prstGeom prst="rect">
-            <a:avLst/>
-          </a:prstGeom>
-          <a:noFill/>
-          <a:ln>
-            <a:noFill/>
-          </a:ln>
-        </p:spPr>
-        <p:txBody>
-          <a:bodyPr spcFirstLastPara="1" wrap="square" lIns="91425" tIns="91425" rIns="91425" bIns="91425" anchor="t" anchorCtr="0">
-            <a:noAutofit/>
-          </a:bodyPr>
-          <a:lstStyle/>
-          <a:p>
-            <a:pPr indent="0">
-              <a:lnSpc>
-                <a:spcPct val="150000"/>
-              </a:lnSpc>
-              <a:spcBef>
-                <a:spcPts val="0"/>
-              </a:spcBef>
-              <a:spcAft>
-                <a:spcPts val="0"/>
-              </a:spcAft>
-              <a:buNone/>
-            </a:pPr>
-            <a:r>
-              <a:rPr lang="ko-KR" altLang="en-US" sz="1200" dirty="0">
-                <a:latin typeface="G마켓 산스 TTF Light" panose="02000000000000000000" pitchFamily="2" charset="-127"/>
-                <a:ea typeface="G마켓 산스 TTF Light" panose="02000000000000000000" pitchFamily="2" charset="-127"/>
-                <a:cs typeface="맑은 고딕" panose="020B0503020000020004" charset="-127"/>
-                <a:sym typeface="맑은 고딕" panose="020B0503020000020004" charset="-127"/>
-              </a:rPr>
-              <a:t>물 위에 오브젝트를 올려 두고</a:t>
-            </a:r>
-            <a:endParaRPr lang="en-US" altLang="ko-KR" sz="1200" dirty="0">
-              <a:latin typeface="G마켓 산스 TTF Light" panose="02000000000000000000" pitchFamily="2" charset="-127"/>
-              <a:ea typeface="G마켓 산스 TTF Light" panose="02000000000000000000" pitchFamily="2" charset="-127"/>
-              <a:cs typeface="맑은 고딕" panose="020B0503020000020004" charset="-127"/>
-              <a:sym typeface="맑은 고딕" panose="020B0503020000020004" charset="-127"/>
-            </a:endParaRPr>
-          </a:p>
-          <a:p>
-            <a:pPr indent="0">
-              <a:lnSpc>
-                <a:spcPct val="150000"/>
-              </a:lnSpc>
-              <a:spcBef>
-                <a:spcPts val="0"/>
-              </a:spcBef>
-              <a:spcAft>
-                <a:spcPts val="0"/>
-              </a:spcAft>
-              <a:buNone/>
-            </a:pPr>
-            <a:r>
-              <a:rPr lang="ko-KR" altLang="en-US" sz="1200" dirty="0">
-                <a:latin typeface="G마켓 산스 TTF Light" panose="02000000000000000000" pitchFamily="2" charset="-127"/>
-                <a:ea typeface="G마켓 산스 TTF Light" panose="02000000000000000000" pitchFamily="2" charset="-127"/>
-                <a:cs typeface="맑은 고딕" panose="020B0503020000020004" charset="-127"/>
-                <a:sym typeface="맑은 고딕" panose="020B0503020000020004" charset="-127"/>
-              </a:rPr>
-              <a:t>그 오브젝트를 밟고 지나갈 수 있다</a:t>
-            </a:r>
-            <a:r>
-              <a:rPr lang="en-US" altLang="ko-KR" sz="1200" dirty="0">
-                <a:latin typeface="G마켓 산스 TTF Light" panose="02000000000000000000" pitchFamily="2" charset="-127"/>
-                <a:ea typeface="G마켓 산스 TTF Light" panose="02000000000000000000" pitchFamily="2" charset="-127"/>
-                <a:cs typeface="맑은 고딕" panose="020B0503020000020004" charset="-127"/>
-                <a:sym typeface="맑은 고딕" panose="020B0503020000020004" charset="-127"/>
-              </a:rPr>
-              <a:t>.</a:t>
-            </a:r>
-          </a:p>
-        </p:txBody>
-      </p:sp>
-      <p:sp>
-        <p:nvSpPr>
-          <p:cNvPr id="11" name="직사각형 10">
-            <a:extLst>
-              <a:ext uri="{FF2B5EF4-FFF2-40B4-BE49-F238E27FC236}">
-                <a16:creationId xmlns:a16="http://schemas.microsoft.com/office/drawing/2014/main" id="{EB3B2615-D612-C27C-28A1-9F55651439E8}"/>
-              </a:ext>
-            </a:extLst>
-          </p:cNvPr>
+          <a:extLst>
+            <a:ext uri="{909E8E84-426E-40DD-AFC4-6F175D3DCCD1}">
+              <a14:hiddenFill xmlns:a14="http://schemas.microsoft.com/office/drawing/2010/main">
+                <a:solidFill>
+                  <a:srgbClr val="FFFFFF"/>
+                </a:solidFill>
+              </a14:hiddenFill>
+            </a:ext>
+          </a:extLst>
+        </p:spPr>
+      </p:pic>
+      <p:sp>
+        <p:nvSpPr>
+          <p:cNvPr id="3" name="사각형: 둥근 모서리 2"/>
           <p:cNvSpPr/>
           <p:nvPr/>
         </p:nvSpPr>
         <p:spPr>
           <a:xfrm>
-            <a:off x="848992" y="1361830"/>
-            <a:ext cx="1985645" cy="952220"/>
-          </a:xfrm>
-          <a:prstGeom prst="rect">
+            <a:off x="3571970" y="2247489"/>
+            <a:ext cx="504000" cy="504000"/>
+          </a:xfrm>
+          <a:prstGeom prst="roundRect">
             <a:avLst/>
           </a:prstGeom>
           <a:solidFill>
-            <a:schemeClr val="accent1">
-              <a:lumMod val="20000"/>
-              <a:lumOff val="80000"/>
-            </a:schemeClr>
+            <a:srgbClr val="FFC000">
+              <a:alpha val="40000"/>
+            </a:srgbClr>
           </a:solidFill>
           <a:ln>
             <a:noFill/>
@@ -8570,28 +9457,22 @@
       </p:sp>
       <p:sp>
         <p:nvSpPr>
-          <p:cNvPr id="23" name="타원 22">
-            <a:extLst>
-              <a:ext uri="{FF2B5EF4-FFF2-40B4-BE49-F238E27FC236}">
-                <a16:creationId xmlns:a16="http://schemas.microsoft.com/office/drawing/2014/main" id="{5086A771-DA12-0FF7-E9A0-A2FF9537926F}"/>
-              </a:ext>
-            </a:extLst>
-          </p:cNvPr>
-          <p:cNvSpPr>
-            <a:spLocks noChangeAspect="1"/>
-          </p:cNvSpPr>
+          <p:cNvPr id="4" name="사각형: 둥근 모서리 3"/>
+          <p:cNvSpPr/>
           <p:nvPr/>
         </p:nvSpPr>
         <p:spPr>
           <a:xfrm>
-            <a:off x="1696718" y="3073119"/>
-            <a:ext cx="286385" cy="286385"/>
-          </a:xfrm>
-          <a:prstGeom prst="ellipse">
+            <a:off x="3175730" y="2761649"/>
+            <a:ext cx="504000" cy="504000"/>
+          </a:xfrm>
+          <a:prstGeom prst="roundRect">
             <a:avLst/>
           </a:prstGeom>
           <a:solidFill>
-            <a:schemeClr val="tx1"/>
+            <a:srgbClr val="FFC000">
+              <a:alpha val="40000"/>
+            </a:srgbClr>
           </a:solidFill>
           <a:ln>
             <a:noFill/>
@@ -8624,26 +9505,22 @@
       </p:sp>
       <p:sp>
         <p:nvSpPr>
-          <p:cNvPr id="24" name="화살표: 오른쪽 23">
-            <a:extLst>
-              <a:ext uri="{FF2B5EF4-FFF2-40B4-BE49-F238E27FC236}">
-                <a16:creationId xmlns:a16="http://schemas.microsoft.com/office/drawing/2014/main" id="{A0557479-CE3B-62E0-B382-5C6B4274FCD2}"/>
-              </a:ext>
-            </a:extLst>
-          </p:cNvPr>
+          <p:cNvPr id="5" name="사각형: 둥근 모서리 4"/>
           <p:cNvSpPr/>
           <p:nvPr/>
         </p:nvSpPr>
         <p:spPr>
           <a:xfrm>
-            <a:off x="3566157" y="2598103"/>
-            <a:ext cx="593723" cy="554037"/>
-          </a:xfrm>
-          <a:prstGeom prst="rightArrow">
+            <a:off x="3716750" y="2761649"/>
+            <a:ext cx="504000" cy="504000"/>
+          </a:xfrm>
+          <a:prstGeom prst="roundRect">
             <a:avLst/>
           </a:prstGeom>
           <a:solidFill>
-            <a:srgbClr val="8BA9AB"/>
+            <a:srgbClr val="FFC000">
+              <a:alpha val="40000"/>
+            </a:srgbClr>
           </a:solidFill>
           <a:ln>
             <a:noFill/>
@@ -8676,26 +9553,22 @@
       </p:sp>
       <p:sp>
         <p:nvSpPr>
-          <p:cNvPr id="225" name="화살표: 오른쪽 224">
-            <a:extLst>
-              <a:ext uri="{FF2B5EF4-FFF2-40B4-BE49-F238E27FC236}">
-                <a16:creationId xmlns:a16="http://schemas.microsoft.com/office/drawing/2014/main" id="{985E166C-5CFF-1213-1DF3-7B4B9EFFC68A}"/>
-              </a:ext>
-            </a:extLst>
-          </p:cNvPr>
+          <p:cNvPr id="6" name="사각형: 둥근 모서리 5"/>
           <p:cNvSpPr/>
           <p:nvPr/>
         </p:nvSpPr>
         <p:spPr>
           <a:xfrm>
-            <a:off x="7734932" y="2598103"/>
-            <a:ext cx="593723" cy="554037"/>
-          </a:xfrm>
-          <a:prstGeom prst="rightArrow">
+            <a:off x="4257770" y="2761649"/>
+            <a:ext cx="504000" cy="504000"/>
+          </a:xfrm>
+          <a:prstGeom prst="roundRect">
             <a:avLst/>
           </a:prstGeom>
           <a:solidFill>
-            <a:srgbClr val="8BA9AB"/>
+            <a:srgbClr val="FFC000">
+              <a:alpha val="40000"/>
+            </a:srgbClr>
           </a:solidFill>
           <a:ln>
             <a:noFill/>
@@ -8728,28 +9601,22 @@
       </p:sp>
       <p:sp>
         <p:nvSpPr>
-          <p:cNvPr id="235" name="타원 234">
-            <a:extLst>
-              <a:ext uri="{FF2B5EF4-FFF2-40B4-BE49-F238E27FC236}">
-                <a16:creationId xmlns:a16="http://schemas.microsoft.com/office/drawing/2014/main" id="{92F38882-442F-A225-EE78-2795ADC6E43B}"/>
-              </a:ext>
-            </a:extLst>
-          </p:cNvPr>
-          <p:cNvSpPr>
-            <a:spLocks noChangeAspect="1"/>
-          </p:cNvSpPr>
+          <p:cNvPr id="7" name="사각형: 둥근 모서리 6"/>
+          <p:cNvSpPr/>
           <p:nvPr/>
         </p:nvSpPr>
         <p:spPr>
           <a:xfrm>
-            <a:off x="843278" y="5851562"/>
-            <a:ext cx="286385" cy="286385"/>
-          </a:xfrm>
-          <a:prstGeom prst="ellipse">
+            <a:off x="2779490" y="1730154"/>
+            <a:ext cx="504000" cy="504000"/>
+          </a:xfrm>
+          <a:prstGeom prst="roundRect">
             <a:avLst/>
           </a:prstGeom>
           <a:solidFill>
-            <a:schemeClr val="tx1"/>
+            <a:srgbClr val="FF0000">
+              <a:alpha val="40000"/>
+            </a:srgbClr>
           </a:solidFill>
           <a:ln>
             <a:noFill/>
@@ -8782,26 +9649,22 @@
       </p:sp>
       <p:sp>
         <p:nvSpPr>
-          <p:cNvPr id="238" name="직사각형 237">
-            <a:extLst>
-              <a:ext uri="{FF2B5EF4-FFF2-40B4-BE49-F238E27FC236}">
-                <a16:creationId xmlns:a16="http://schemas.microsoft.com/office/drawing/2014/main" id="{2E6775A0-EF8D-8454-7976-222FC5918826}"/>
-              </a:ext>
-            </a:extLst>
-          </p:cNvPr>
+          <p:cNvPr id="8" name="사각형: 둥근 모서리 7"/>
           <p:cNvSpPr/>
           <p:nvPr/>
         </p:nvSpPr>
         <p:spPr>
           <a:xfrm>
-            <a:off x="4536711" y="5851560"/>
-            <a:ext cx="1220470" cy="337820"/>
-          </a:xfrm>
-          <a:prstGeom prst="rect">
+            <a:off x="3316160" y="1729508"/>
+            <a:ext cx="504000" cy="504000"/>
+          </a:xfrm>
+          <a:prstGeom prst="roundRect">
             <a:avLst/>
           </a:prstGeom>
           <a:solidFill>
-            <a:srgbClr val="DAE3F3"/>
+            <a:srgbClr val="FF0000">
+              <a:alpha val="40000"/>
+            </a:srgbClr>
           </a:solidFill>
           <a:ln>
             <a:noFill/>
@@ -8834,30 +9697,22 @@
       </p:sp>
       <p:sp>
         <p:nvSpPr>
-          <p:cNvPr id="2" name="직사각형 1">
-            <a:extLst>
-              <a:ext uri="{FF2B5EF4-FFF2-40B4-BE49-F238E27FC236}">
-                <a16:creationId xmlns:a16="http://schemas.microsoft.com/office/drawing/2014/main" id="{F492723D-EB3C-2172-0673-A61C9C024A02}"/>
-              </a:ext>
-            </a:extLst>
-          </p:cNvPr>
-          <p:cNvSpPr>
-            <a:spLocks noChangeAspect="1"/>
-          </p:cNvSpPr>
+          <p:cNvPr id="9" name="사각형: 둥근 모서리 8"/>
+          <p:cNvSpPr/>
           <p:nvPr/>
         </p:nvSpPr>
         <p:spPr>
           <a:xfrm>
-            <a:off x="754534" y="2538748"/>
-            <a:ext cx="387035" cy="387035"/>
-          </a:xfrm>
-          <a:prstGeom prst="rect">
+            <a:off x="3850925" y="1729508"/>
+            <a:ext cx="504000" cy="504000"/>
+          </a:xfrm>
+          <a:prstGeom prst="roundRect">
             <a:avLst/>
           </a:prstGeom>
           <a:solidFill>
-            <a:schemeClr val="accent2">
-              <a:lumMod val="75000"/>
-            </a:schemeClr>
+            <a:srgbClr val="FF0000">
+              <a:alpha val="40000"/>
+            </a:srgbClr>
           </a:solidFill>
           <a:ln>
             <a:noFill/>
@@ -8890,30 +9745,256 @@
       </p:sp>
       <p:sp>
         <p:nvSpPr>
-          <p:cNvPr id="3" name="직사각형 2">
-            <a:extLst>
-              <a:ext uri="{FF2B5EF4-FFF2-40B4-BE49-F238E27FC236}">
-                <a16:creationId xmlns:a16="http://schemas.microsoft.com/office/drawing/2014/main" id="{9F720835-E882-9FFB-7862-4FC1848F79D7}"/>
-              </a:ext>
-            </a:extLst>
-          </p:cNvPr>
-          <p:cNvSpPr>
-            <a:spLocks noChangeAspect="1"/>
-          </p:cNvSpPr>
+          <p:cNvPr id="10" name="TextBox 9"/>
+          <p:cNvSpPr txBox="1"/>
           <p:nvPr/>
         </p:nvSpPr>
         <p:spPr>
           <a:xfrm>
-            <a:off x="754534" y="2994240"/>
-            <a:ext cx="387035" cy="387035"/>
+            <a:off x="2243128" y="4498934"/>
+            <a:ext cx="8518359" cy="2177519"/>
           </a:xfrm>
           <a:prstGeom prst="rect">
             <a:avLst/>
           </a:prstGeom>
+          <a:noFill/>
+        </p:spPr>
+        <p:txBody>
+          <a:bodyPr wrap="square" rtlCol="0">
+            <a:spAutoFit/>
+          </a:bodyPr>
+          <a:lstStyle/>
+          <a:p>
+            <a:pPr>
+              <a:lnSpc>
+                <a:spcPct val="150000"/>
+              </a:lnSpc>
+            </a:pPr>
+            <a:r>
+              <a:rPr lang="ko-KR" altLang="en-US" dirty="0">
+                <a:latin typeface="G마켓 산스 TTF Light" panose="02000000000000000000" pitchFamily="2" charset="-127"/>
+                <a:ea typeface="G마켓 산스 TTF Light" panose="02000000000000000000" pitchFamily="2" charset="-127"/>
+              </a:rPr>
+              <a:t>플레이어 이동</a:t>
+            </a:r>
+            <a:r>
+              <a:rPr lang="en-US" altLang="ko-KR" dirty="0">
+                <a:latin typeface="G마켓 산스 TTF Light" panose="02000000000000000000" pitchFamily="2" charset="-127"/>
+                <a:ea typeface="G마켓 산스 TTF Light" panose="02000000000000000000" pitchFamily="2" charset="-127"/>
+              </a:rPr>
+              <a:t>	| W, A, S, D (</a:t>
+            </a:r>
+            <a:r>
+              <a:rPr lang="ko-KR" altLang="en-US" dirty="0">
+                <a:latin typeface="G마켓 산스 TTF Light" panose="02000000000000000000" pitchFamily="2" charset="-127"/>
+                <a:ea typeface="G마켓 산스 TTF Light" panose="02000000000000000000" pitchFamily="2" charset="-127"/>
+              </a:rPr>
+              <a:t>상</a:t>
+            </a:r>
+            <a:r>
+              <a:rPr lang="en-US" altLang="ko-KR" dirty="0">
+                <a:latin typeface="G마켓 산스 TTF Light" panose="02000000000000000000" pitchFamily="2" charset="-127"/>
+                <a:ea typeface="G마켓 산스 TTF Light" panose="02000000000000000000" pitchFamily="2" charset="-127"/>
+              </a:rPr>
+              <a:t>, </a:t>
+            </a:r>
+            <a:r>
+              <a:rPr lang="ko-KR" altLang="en-US" dirty="0">
+                <a:latin typeface="G마켓 산스 TTF Light" panose="02000000000000000000" pitchFamily="2" charset="-127"/>
+                <a:ea typeface="G마켓 산스 TTF Light" panose="02000000000000000000" pitchFamily="2" charset="-127"/>
+              </a:rPr>
+              <a:t>좌</a:t>
+            </a:r>
+            <a:r>
+              <a:rPr lang="en-US" altLang="ko-KR" dirty="0">
+                <a:latin typeface="G마켓 산스 TTF Light" panose="02000000000000000000" pitchFamily="2" charset="-127"/>
+                <a:ea typeface="G마켓 산스 TTF Light" panose="02000000000000000000" pitchFamily="2" charset="-127"/>
+              </a:rPr>
+              <a:t>, </a:t>
+            </a:r>
+            <a:r>
+              <a:rPr lang="ko-KR" altLang="en-US" dirty="0">
+                <a:latin typeface="G마켓 산스 TTF Light" panose="02000000000000000000" pitchFamily="2" charset="-127"/>
+                <a:ea typeface="G마켓 산스 TTF Light" panose="02000000000000000000" pitchFamily="2" charset="-127"/>
+              </a:rPr>
+              <a:t>하</a:t>
+            </a:r>
+            <a:r>
+              <a:rPr lang="en-US" altLang="ko-KR" dirty="0">
+                <a:latin typeface="G마켓 산스 TTF Light" panose="02000000000000000000" pitchFamily="2" charset="-127"/>
+                <a:ea typeface="G마켓 산스 TTF Light" panose="02000000000000000000" pitchFamily="2" charset="-127"/>
+              </a:rPr>
+              <a:t>, </a:t>
+            </a:r>
+            <a:r>
+              <a:rPr lang="ko-KR" altLang="en-US" dirty="0">
+                <a:latin typeface="G마켓 산스 TTF Light" panose="02000000000000000000" pitchFamily="2" charset="-127"/>
+                <a:ea typeface="G마켓 산스 TTF Light" panose="02000000000000000000" pitchFamily="2" charset="-127"/>
+              </a:rPr>
+              <a:t>우 </a:t>
+            </a:r>
+            <a:r>
+              <a:rPr lang="en-US" altLang="ko-KR" dirty="0">
+                <a:latin typeface="G마켓 산스 TTF Light" panose="02000000000000000000" pitchFamily="2" charset="-127"/>
+                <a:ea typeface="G마켓 산스 TTF Light" panose="02000000000000000000" pitchFamily="2" charset="-127"/>
+              </a:rPr>
+              <a:t>)</a:t>
+            </a:r>
+          </a:p>
+          <a:p>
+            <a:pPr>
+              <a:lnSpc>
+                <a:spcPct val="150000"/>
+              </a:lnSpc>
+            </a:pPr>
+            <a:r>
+              <a:rPr lang="ko-KR" altLang="en-US" dirty="0">
+                <a:latin typeface="G마켓 산스 TTF Light" panose="02000000000000000000" pitchFamily="2" charset="-127"/>
+                <a:ea typeface="G마켓 산스 TTF Light" panose="02000000000000000000" pitchFamily="2" charset="-127"/>
+              </a:rPr>
+              <a:t>무기 변경</a:t>
+            </a:r>
+            <a:r>
+              <a:rPr lang="en-US" altLang="ko-KR" dirty="0">
+                <a:latin typeface="G마켓 산스 TTF Light" panose="02000000000000000000" pitchFamily="2" charset="-127"/>
+                <a:ea typeface="G마켓 산스 TTF Light" panose="02000000000000000000" pitchFamily="2" charset="-127"/>
+              </a:rPr>
+              <a:t>		| 1, 2, 3 (1</a:t>
+            </a:r>
+            <a:r>
+              <a:rPr lang="ko-KR" altLang="en-US" dirty="0">
+                <a:latin typeface="G마켓 산스 TTF Light" panose="02000000000000000000" pitchFamily="2" charset="-127"/>
+                <a:ea typeface="G마켓 산스 TTF Light" panose="02000000000000000000" pitchFamily="2" charset="-127"/>
+              </a:rPr>
+              <a:t>을 누르면 </a:t>
+            </a:r>
+            <a:r>
+              <a:rPr lang="en-US" altLang="ko-KR" dirty="0">
+                <a:latin typeface="G마켓 산스 TTF Light" panose="02000000000000000000" pitchFamily="2" charset="-127"/>
+                <a:ea typeface="G마켓 산스 TTF Light" panose="02000000000000000000" pitchFamily="2" charset="-127"/>
+              </a:rPr>
+              <a:t>1</a:t>
+            </a:r>
+            <a:r>
+              <a:rPr lang="ko-KR" altLang="en-US" dirty="0">
+                <a:latin typeface="G마켓 산스 TTF Light" panose="02000000000000000000" pitchFamily="2" charset="-127"/>
+                <a:ea typeface="G마켓 산스 TTF Light" panose="02000000000000000000" pitchFamily="2" charset="-127"/>
+              </a:rPr>
+              <a:t>번 무기</a:t>
+            </a:r>
+            <a:r>
+              <a:rPr lang="en-US" altLang="ko-KR" dirty="0">
+                <a:latin typeface="G마켓 산스 TTF Light" panose="02000000000000000000" pitchFamily="2" charset="-127"/>
+                <a:ea typeface="G마켓 산스 TTF Light" panose="02000000000000000000" pitchFamily="2" charset="-127"/>
+              </a:rPr>
+              <a:t>, 2</a:t>
+            </a:r>
+            <a:r>
+              <a:rPr lang="ko-KR" altLang="en-US" dirty="0">
+                <a:latin typeface="G마켓 산스 TTF Light" panose="02000000000000000000" pitchFamily="2" charset="-127"/>
+                <a:ea typeface="G마켓 산스 TTF Light" panose="02000000000000000000" pitchFamily="2" charset="-127"/>
+              </a:rPr>
+              <a:t>를 누르면 </a:t>
+            </a:r>
+            <a:r>
+              <a:rPr lang="en-US" altLang="ko-KR" dirty="0">
+                <a:latin typeface="G마켓 산스 TTF Light" panose="02000000000000000000" pitchFamily="2" charset="-127"/>
+                <a:ea typeface="G마켓 산스 TTF Light" panose="02000000000000000000" pitchFamily="2" charset="-127"/>
+              </a:rPr>
+              <a:t>2</a:t>
+            </a:r>
+            <a:r>
+              <a:rPr lang="ko-KR" altLang="en-US" dirty="0">
+                <a:latin typeface="G마켓 산스 TTF Light" panose="02000000000000000000" pitchFamily="2" charset="-127"/>
+                <a:ea typeface="G마켓 산스 TTF Light" panose="02000000000000000000" pitchFamily="2" charset="-127"/>
+              </a:rPr>
+              <a:t>번 무기</a:t>
+            </a:r>
+            <a:r>
+              <a:rPr lang="en-US" altLang="ko-KR" dirty="0">
+                <a:latin typeface="G마켓 산스 TTF Light" panose="02000000000000000000" pitchFamily="2" charset="-127"/>
+                <a:ea typeface="G마켓 산스 TTF Light" panose="02000000000000000000" pitchFamily="2" charset="-127"/>
+              </a:rPr>
+              <a:t>)</a:t>
+            </a:r>
+          </a:p>
+          <a:p>
+            <a:pPr>
+              <a:lnSpc>
+                <a:spcPct val="150000"/>
+              </a:lnSpc>
+            </a:pPr>
+            <a:r>
+              <a:rPr lang="ko-KR" altLang="en-US" dirty="0">
+                <a:latin typeface="G마켓 산스 TTF Light" panose="02000000000000000000" pitchFamily="2" charset="-127"/>
+                <a:ea typeface="G마켓 산스 TTF Light" panose="02000000000000000000" pitchFamily="2" charset="-127"/>
+              </a:rPr>
+              <a:t>아이템 줍기</a:t>
+            </a:r>
+            <a:r>
+              <a:rPr lang="en-US" altLang="ko-KR" dirty="0">
+                <a:latin typeface="G마켓 산스 TTF Light" panose="02000000000000000000" pitchFamily="2" charset="-127"/>
+                <a:ea typeface="G마켓 산스 TTF Light" panose="02000000000000000000" pitchFamily="2" charset="-127"/>
+              </a:rPr>
+              <a:t>		| Q</a:t>
+            </a:r>
+          </a:p>
+          <a:p>
+            <a:pPr>
+              <a:lnSpc>
+                <a:spcPct val="150000"/>
+              </a:lnSpc>
+            </a:pPr>
+            <a:r>
+              <a:rPr lang="ko-KR" altLang="en-US" dirty="0">
+                <a:latin typeface="G마켓 산스 TTF Light" panose="02000000000000000000" pitchFamily="2" charset="-127"/>
+                <a:ea typeface="G마켓 산스 TTF Light" panose="02000000000000000000" pitchFamily="2" charset="-127"/>
+              </a:rPr>
+              <a:t>점프</a:t>
+            </a:r>
+            <a:r>
+              <a:rPr lang="en-US" altLang="ko-KR" dirty="0">
+                <a:latin typeface="G마켓 산스 TTF Light" panose="02000000000000000000" pitchFamily="2" charset="-127"/>
+                <a:ea typeface="G마켓 산스 TTF Light" panose="02000000000000000000" pitchFamily="2" charset="-127"/>
+              </a:rPr>
+              <a:t>				| Space</a:t>
+            </a:r>
+            <a:endParaRPr lang="ko-KR" altLang="en-US" dirty="0">
+              <a:latin typeface="G마켓 산스 TTF Light" panose="02000000000000000000" pitchFamily="2" charset="-127"/>
+              <a:ea typeface="G마켓 산스 TTF Light" panose="02000000000000000000" pitchFamily="2" charset="-127"/>
+            </a:endParaRPr>
+          </a:p>
+          <a:p>
+            <a:pPr>
+              <a:lnSpc>
+                <a:spcPct val="150000"/>
+              </a:lnSpc>
+            </a:pPr>
+            <a:endParaRPr lang="ko-KR" altLang="en-US" sz="2000" dirty="0">
+              <a:latin typeface="G마켓 산스 TTF Light" panose="02000000000000000000" pitchFamily="2" charset="-127"/>
+              <a:ea typeface="G마켓 산스 TTF Light" panose="02000000000000000000" pitchFamily="2" charset="-127"/>
+            </a:endParaRPr>
+          </a:p>
+        </p:txBody>
+      </p:sp>
+      <p:sp>
+        <p:nvSpPr>
+          <p:cNvPr id="11" name="사각형: 둥근 모서리 10"/>
+          <p:cNvSpPr/>
+          <p:nvPr/>
+        </p:nvSpPr>
+        <p:spPr>
+          <a:xfrm>
+            <a:off x="3044920" y="2247478"/>
+            <a:ext cx="504000" cy="504000"/>
+          </a:xfrm>
+          <a:prstGeom prst="roundRect">
+            <a:avLst/>
+          </a:prstGeom>
           <a:solidFill>
-            <a:schemeClr val="accent2">
-              <a:lumMod val="75000"/>
-            </a:schemeClr>
+            <a:srgbClr val="0070C0">
+              <a:alpha val="40000"/>
+            </a:srgbClr>
           </a:solidFill>
           <a:ln>
             <a:noFill/>
@@ -8946,29 +10027,28 @@
       </p:sp>
       <p:sp>
         <p:nvSpPr>
-          <p:cNvPr id="4" name="직사각형 3">
+          <p:cNvPr id="2" name="사각형: 둥근 모서리 1">
             <a:extLst>
               <a:ext uri="{FF2B5EF4-FFF2-40B4-BE49-F238E27FC236}">
-                <a16:creationId xmlns:a16="http://schemas.microsoft.com/office/drawing/2014/main" id="{E62FC3DB-A3C6-1425-EF7C-3E87822C8D77}"/>
+                <a16:creationId xmlns:a16="http://schemas.microsoft.com/office/drawing/2014/main" id="{9FF6CFA2-D6F6-CE31-ED1B-FE7A5AB67A9E}"/>
               </a:ext>
             </a:extLst>
           </p:cNvPr>
-          <p:cNvSpPr>
-            <a:spLocks noChangeAspect="1"/>
-          </p:cNvSpPr>
+          <p:cNvSpPr/>
           <p:nvPr/>
         </p:nvSpPr>
         <p:spPr>
           <a:xfrm>
-            <a:off x="754534" y="3431876"/>
-            <a:ext cx="387035" cy="387035"/>
-          </a:xfrm>
-          <a:prstGeom prst="rect">
+            <a:off x="4509770" y="3803873"/>
+            <a:ext cx="2653030" cy="504000"/>
+          </a:xfrm>
+          <a:prstGeom prst="roundRect">
             <a:avLst/>
           </a:prstGeom>
           <a:solidFill>
             <a:schemeClr val="accent2">
               <a:lumMod val="75000"/>
+              <a:alpha val="40000"/>
             </a:schemeClr>
           </a:solidFill>
           <a:ln>
@@ -9000,610 +10080,7 @@
           </a:p>
         </p:txBody>
       </p:sp>
-      <p:sp>
-        <p:nvSpPr>
-          <p:cNvPr id="5" name="직사각형 4">
-            <a:extLst>
-              <a:ext uri="{FF2B5EF4-FFF2-40B4-BE49-F238E27FC236}">
-                <a16:creationId xmlns:a16="http://schemas.microsoft.com/office/drawing/2014/main" id="{53E99F77-6484-9FBC-D8D6-D9707AC6A2F1}"/>
-              </a:ext>
-            </a:extLst>
-          </p:cNvPr>
-          <p:cNvSpPr/>
-          <p:nvPr/>
-        </p:nvSpPr>
-        <p:spPr>
-          <a:xfrm>
-            <a:off x="4735193" y="1333481"/>
-            <a:ext cx="1985645" cy="952220"/>
-          </a:xfrm>
-          <a:prstGeom prst="rect">
-            <a:avLst/>
-          </a:prstGeom>
-          <a:solidFill>
-            <a:schemeClr val="accent1">
-              <a:lumMod val="20000"/>
-              <a:lumOff val="80000"/>
-            </a:schemeClr>
-          </a:solidFill>
-          <a:ln>
-            <a:noFill/>
-          </a:ln>
-        </p:spPr>
-        <p:style>
-          <a:lnRef idx="2">
-            <a:schemeClr val="accent1">
-              <a:shade val="50000"/>
-            </a:schemeClr>
-          </a:lnRef>
-          <a:fillRef idx="1">
-            <a:schemeClr val="accent1"/>
-          </a:fillRef>
-          <a:effectRef idx="0">
-            <a:schemeClr val="accent1"/>
-          </a:effectRef>
-          <a:fontRef idx="minor">
-            <a:schemeClr val="lt1"/>
-          </a:fontRef>
-        </p:style>
-        <p:txBody>
-          <a:bodyPr rtlCol="0" anchor="ctr"/>
-          <a:lstStyle/>
-          <a:p>
-            <a:pPr algn="ctr"/>
-            <a:endParaRPr lang="ko-KR" altLang="en-US"/>
-          </a:p>
-        </p:txBody>
-      </p:sp>
-      <p:sp>
-        <p:nvSpPr>
-          <p:cNvPr id="7" name="직사각형 6">
-            <a:extLst>
-              <a:ext uri="{FF2B5EF4-FFF2-40B4-BE49-F238E27FC236}">
-                <a16:creationId xmlns:a16="http://schemas.microsoft.com/office/drawing/2014/main" id="{85426AE9-1838-4D23-2CFE-0FF6BA55CE7B}"/>
-              </a:ext>
-            </a:extLst>
-          </p:cNvPr>
-          <p:cNvSpPr>
-            <a:spLocks noChangeAspect="1"/>
-          </p:cNvSpPr>
-          <p:nvPr/>
-        </p:nvSpPr>
-        <p:spPr>
-          <a:xfrm>
-            <a:off x="4735193" y="2535323"/>
-            <a:ext cx="387035" cy="387035"/>
-          </a:xfrm>
-          <a:prstGeom prst="rect">
-            <a:avLst/>
-          </a:prstGeom>
-          <a:solidFill>
-            <a:schemeClr val="accent2">
-              <a:lumMod val="75000"/>
-            </a:schemeClr>
-          </a:solidFill>
-          <a:ln>
-            <a:noFill/>
-          </a:ln>
-        </p:spPr>
-        <p:style>
-          <a:lnRef idx="2">
-            <a:schemeClr val="accent1">
-              <a:shade val="50000"/>
-            </a:schemeClr>
-          </a:lnRef>
-          <a:fillRef idx="1">
-            <a:schemeClr val="accent1"/>
-          </a:fillRef>
-          <a:effectRef idx="0">
-            <a:schemeClr val="accent1"/>
-          </a:effectRef>
-          <a:fontRef idx="minor">
-            <a:schemeClr val="lt1"/>
-          </a:fontRef>
-        </p:style>
-        <p:txBody>
-          <a:bodyPr rtlCol="0" anchor="ctr"/>
-          <a:lstStyle/>
-          <a:p>
-            <a:pPr algn="ctr"/>
-            <a:endParaRPr lang="ko-KR" altLang="en-US" dirty="0"/>
-          </a:p>
-        </p:txBody>
-      </p:sp>
-      <p:sp>
-        <p:nvSpPr>
-          <p:cNvPr id="9" name="직사각형 8">
-            <a:extLst>
-              <a:ext uri="{FF2B5EF4-FFF2-40B4-BE49-F238E27FC236}">
-                <a16:creationId xmlns:a16="http://schemas.microsoft.com/office/drawing/2014/main" id="{0D2207F9-8216-B838-3804-DB15AABC1C8D}"/>
-              </a:ext>
-            </a:extLst>
-          </p:cNvPr>
-          <p:cNvSpPr>
-            <a:spLocks noChangeAspect="1"/>
-          </p:cNvSpPr>
-          <p:nvPr/>
-        </p:nvSpPr>
-        <p:spPr>
-          <a:xfrm>
-            <a:off x="5577988" y="2690851"/>
-            <a:ext cx="387035" cy="387035"/>
-          </a:xfrm>
-          <a:prstGeom prst="rect">
-            <a:avLst/>
-          </a:prstGeom>
-          <a:solidFill>
-            <a:schemeClr val="accent2">
-              <a:lumMod val="75000"/>
-            </a:schemeClr>
-          </a:solidFill>
-          <a:ln>
-            <a:noFill/>
-          </a:ln>
-        </p:spPr>
-        <p:style>
-          <a:lnRef idx="2">
-            <a:schemeClr val="accent1">
-              <a:shade val="50000"/>
-            </a:schemeClr>
-          </a:lnRef>
-          <a:fillRef idx="1">
-            <a:schemeClr val="accent1"/>
-          </a:fillRef>
-          <a:effectRef idx="0">
-            <a:schemeClr val="accent1"/>
-          </a:effectRef>
-          <a:fontRef idx="minor">
-            <a:schemeClr val="lt1"/>
-          </a:fontRef>
-        </p:style>
-        <p:txBody>
-          <a:bodyPr rtlCol="0" anchor="ctr"/>
-          <a:lstStyle/>
-          <a:p>
-            <a:pPr algn="ctr"/>
-            <a:endParaRPr lang="ko-KR" altLang="en-US" dirty="0"/>
-          </a:p>
-        </p:txBody>
-      </p:sp>
-      <p:sp>
-        <p:nvSpPr>
-          <p:cNvPr id="8" name="직사각형 7">
-            <a:extLst>
-              <a:ext uri="{FF2B5EF4-FFF2-40B4-BE49-F238E27FC236}">
-                <a16:creationId xmlns:a16="http://schemas.microsoft.com/office/drawing/2014/main" id="{488439F3-CB5A-D4AD-E5C0-8CD2C5A0D891}"/>
-              </a:ext>
-            </a:extLst>
-          </p:cNvPr>
-          <p:cNvSpPr>
-            <a:spLocks noChangeAspect="1"/>
-          </p:cNvSpPr>
-          <p:nvPr/>
-        </p:nvSpPr>
-        <p:spPr>
-          <a:xfrm>
-            <a:off x="4735193" y="2990815"/>
-            <a:ext cx="387035" cy="387035"/>
-          </a:xfrm>
-          <a:prstGeom prst="rect">
-            <a:avLst/>
-          </a:prstGeom>
-          <a:solidFill>
-            <a:schemeClr val="accent2">
-              <a:lumMod val="75000"/>
-            </a:schemeClr>
-          </a:solidFill>
-          <a:ln>
-            <a:noFill/>
-          </a:ln>
-        </p:spPr>
-        <p:style>
-          <a:lnRef idx="2">
-            <a:schemeClr val="accent1">
-              <a:shade val="50000"/>
-            </a:schemeClr>
-          </a:lnRef>
-          <a:fillRef idx="1">
-            <a:schemeClr val="accent1"/>
-          </a:fillRef>
-          <a:effectRef idx="0">
-            <a:schemeClr val="accent1"/>
-          </a:effectRef>
-          <a:fontRef idx="minor">
-            <a:schemeClr val="lt1"/>
-          </a:fontRef>
-        </p:style>
-        <p:txBody>
-          <a:bodyPr rtlCol="0" anchor="ctr"/>
-          <a:lstStyle/>
-          <a:p>
-            <a:pPr algn="ctr"/>
-            <a:endParaRPr lang="ko-KR" altLang="en-US" dirty="0"/>
-          </a:p>
-        </p:txBody>
-      </p:sp>
-      <p:sp>
-        <p:nvSpPr>
-          <p:cNvPr id="6" name="타원 5">
-            <a:extLst>
-              <a:ext uri="{FF2B5EF4-FFF2-40B4-BE49-F238E27FC236}">
-                <a16:creationId xmlns:a16="http://schemas.microsoft.com/office/drawing/2014/main" id="{AB73FC65-6852-35AD-9ADC-06FC7A61BA88}"/>
-              </a:ext>
-            </a:extLst>
-          </p:cNvPr>
-          <p:cNvSpPr>
-            <a:spLocks noChangeAspect="1"/>
-          </p:cNvSpPr>
-          <p:nvPr/>
-        </p:nvSpPr>
-        <p:spPr>
-          <a:xfrm>
-            <a:off x="5648636" y="2962955"/>
-            <a:ext cx="286385" cy="286385"/>
-          </a:xfrm>
-          <a:prstGeom prst="ellipse">
-            <a:avLst/>
-          </a:prstGeom>
-          <a:solidFill>
-            <a:schemeClr val="tx1"/>
-          </a:solidFill>
-          <a:ln>
-            <a:noFill/>
-          </a:ln>
-        </p:spPr>
-        <p:style>
-          <a:lnRef idx="2">
-            <a:schemeClr val="accent1">
-              <a:shade val="50000"/>
-            </a:schemeClr>
-          </a:lnRef>
-          <a:fillRef idx="1">
-            <a:schemeClr val="accent1"/>
-          </a:fillRef>
-          <a:effectRef idx="0">
-            <a:schemeClr val="accent1"/>
-          </a:effectRef>
-          <a:fontRef idx="minor">
-            <a:schemeClr val="lt1"/>
-          </a:fontRef>
-        </p:style>
-        <p:txBody>
-          <a:bodyPr rtlCol="0" anchor="ctr"/>
-          <a:lstStyle/>
-          <a:p>
-            <a:pPr algn="ctr"/>
-            <a:endParaRPr lang="ko-KR" altLang="en-US"/>
-          </a:p>
-        </p:txBody>
-      </p:sp>
-      <p:sp>
-        <p:nvSpPr>
-          <p:cNvPr id="10" name="TextBox 9">
-            <a:extLst>
-              <a:ext uri="{FF2B5EF4-FFF2-40B4-BE49-F238E27FC236}">
-                <a16:creationId xmlns:a16="http://schemas.microsoft.com/office/drawing/2014/main" id="{03270464-EA97-3217-25ED-46C4DD17DD27}"/>
-              </a:ext>
-            </a:extLst>
-          </p:cNvPr>
-          <p:cNvSpPr txBox="1"/>
-          <p:nvPr/>
-        </p:nvSpPr>
-        <p:spPr>
-          <a:xfrm rot="810935">
-            <a:off x="6113397" y="2981832"/>
-            <a:ext cx="537327" cy="261610"/>
-          </a:xfrm>
-          <a:prstGeom prst="rect">
-            <a:avLst/>
-          </a:prstGeom>
-          <a:noFill/>
-        </p:spPr>
-        <p:txBody>
-          <a:bodyPr wrap="none" rtlCol="0">
-            <a:spAutoFit/>
-          </a:bodyPr>
-          <a:lstStyle/>
-          <a:p>
-            <a:r>
-              <a:rPr lang="en-US" altLang="ko-KR" sz="1100" dirty="0">
-                <a:latin typeface="HBIOS-SYS" panose="02040509040204000000" pitchFamily="17" charset="-127"/>
-                <a:ea typeface="HBIOS-SYS" panose="02040509040204000000" pitchFamily="17" charset="-127"/>
-                <a:cs typeface="HBIOS-SYS" panose="02040509040204000000" pitchFamily="17" charset="-127"/>
-              </a:rPr>
-              <a:t>Move!</a:t>
-            </a:r>
-            <a:endParaRPr lang="ko-KR" altLang="en-US" sz="1100" dirty="0">
-              <a:latin typeface="HBIOS-SYS" panose="02040509040204000000" pitchFamily="17" charset="-127"/>
-              <a:ea typeface="HBIOS-SYS" panose="02040509040204000000" pitchFamily="17" charset="-127"/>
-              <a:cs typeface="HBIOS-SYS" panose="02040509040204000000" pitchFamily="17" charset="-127"/>
-            </a:endParaRPr>
-          </a:p>
-        </p:txBody>
-      </p:sp>
-      <p:sp>
-        <p:nvSpPr>
-          <p:cNvPr id="14" name="직사각형 13">
-            <a:extLst>
-              <a:ext uri="{FF2B5EF4-FFF2-40B4-BE49-F238E27FC236}">
-                <a16:creationId xmlns:a16="http://schemas.microsoft.com/office/drawing/2014/main" id="{416490F3-8C6F-3BB3-A275-6CB35C1F0F59}"/>
-              </a:ext>
-            </a:extLst>
-          </p:cNvPr>
-          <p:cNvSpPr/>
-          <p:nvPr/>
-        </p:nvSpPr>
-        <p:spPr>
-          <a:xfrm>
-            <a:off x="8809030" y="1333481"/>
-            <a:ext cx="1985645" cy="952220"/>
-          </a:xfrm>
-          <a:prstGeom prst="rect">
-            <a:avLst/>
-          </a:prstGeom>
-          <a:solidFill>
-            <a:schemeClr val="accent1">
-              <a:lumMod val="20000"/>
-              <a:lumOff val="80000"/>
-            </a:schemeClr>
-          </a:solidFill>
-          <a:ln>
-            <a:noFill/>
-          </a:ln>
-        </p:spPr>
-        <p:style>
-          <a:lnRef idx="2">
-            <a:schemeClr val="accent1">
-              <a:shade val="50000"/>
-            </a:schemeClr>
-          </a:lnRef>
-          <a:fillRef idx="1">
-            <a:schemeClr val="accent1"/>
-          </a:fillRef>
-          <a:effectRef idx="0">
-            <a:schemeClr val="accent1"/>
-          </a:effectRef>
-          <a:fontRef idx="minor">
-            <a:schemeClr val="lt1"/>
-          </a:fontRef>
-        </p:style>
-        <p:txBody>
-          <a:bodyPr rtlCol="0" anchor="ctr"/>
-          <a:lstStyle/>
-          <a:p>
-            <a:pPr algn="ctr"/>
-            <a:endParaRPr lang="ko-KR" altLang="en-US"/>
-          </a:p>
-        </p:txBody>
-      </p:sp>
-      <p:sp>
-        <p:nvSpPr>
-          <p:cNvPr id="28" name="직사각형 27">
-            <a:extLst>
-              <a:ext uri="{FF2B5EF4-FFF2-40B4-BE49-F238E27FC236}">
-                <a16:creationId xmlns:a16="http://schemas.microsoft.com/office/drawing/2014/main" id="{91536E93-5CC4-8A15-BB0E-4ECB1185F7A8}"/>
-              </a:ext>
-            </a:extLst>
-          </p:cNvPr>
-          <p:cNvSpPr>
-            <a:spLocks noChangeAspect="1"/>
-          </p:cNvSpPr>
-          <p:nvPr/>
-        </p:nvSpPr>
-        <p:spPr>
-          <a:xfrm>
-            <a:off x="9399241" y="1436379"/>
-            <a:ext cx="387035" cy="387035"/>
-          </a:xfrm>
-          <a:prstGeom prst="rect">
-            <a:avLst/>
-          </a:prstGeom>
-          <a:solidFill>
-            <a:schemeClr val="accent2">
-              <a:lumMod val="75000"/>
-            </a:schemeClr>
-          </a:solidFill>
-          <a:ln>
-            <a:noFill/>
-          </a:ln>
-        </p:spPr>
-        <p:style>
-          <a:lnRef idx="2">
-            <a:schemeClr val="accent1">
-              <a:shade val="50000"/>
-            </a:schemeClr>
-          </a:lnRef>
-          <a:fillRef idx="1">
-            <a:schemeClr val="accent1"/>
-          </a:fillRef>
-          <a:effectRef idx="0">
-            <a:schemeClr val="accent1"/>
-          </a:effectRef>
-          <a:fontRef idx="minor">
-            <a:schemeClr val="lt1"/>
-          </a:fontRef>
-        </p:style>
-        <p:txBody>
-          <a:bodyPr rtlCol="0" anchor="ctr"/>
-          <a:lstStyle/>
-          <a:p>
-            <a:pPr algn="ctr"/>
-            <a:endParaRPr lang="ko-KR" altLang="en-US" dirty="0"/>
-          </a:p>
-        </p:txBody>
-      </p:sp>
-      <p:sp>
-        <p:nvSpPr>
-          <p:cNvPr id="227" name="직사각형 226">
-            <a:extLst>
-              <a:ext uri="{FF2B5EF4-FFF2-40B4-BE49-F238E27FC236}">
-                <a16:creationId xmlns:a16="http://schemas.microsoft.com/office/drawing/2014/main" id="{4D38FC6B-B6F7-4961-43DB-1BA77FFFD5EF}"/>
-              </a:ext>
-            </a:extLst>
-          </p:cNvPr>
-          <p:cNvSpPr>
-            <a:spLocks noChangeAspect="1"/>
-          </p:cNvSpPr>
-          <p:nvPr/>
-        </p:nvSpPr>
-        <p:spPr>
-          <a:xfrm>
-            <a:off x="9847921" y="1846873"/>
-            <a:ext cx="387035" cy="387035"/>
-          </a:xfrm>
-          <a:prstGeom prst="rect">
-            <a:avLst/>
-          </a:prstGeom>
-          <a:solidFill>
-            <a:schemeClr val="accent2">
-              <a:lumMod val="75000"/>
-            </a:schemeClr>
-          </a:solidFill>
-          <a:ln>
-            <a:noFill/>
-          </a:ln>
-        </p:spPr>
-        <p:style>
-          <a:lnRef idx="2">
-            <a:schemeClr val="accent1">
-              <a:shade val="50000"/>
-            </a:schemeClr>
-          </a:lnRef>
-          <a:fillRef idx="1">
-            <a:schemeClr val="accent1"/>
-          </a:fillRef>
-          <a:effectRef idx="0">
-            <a:schemeClr val="accent1"/>
-          </a:effectRef>
-          <a:fontRef idx="minor">
-            <a:schemeClr val="lt1"/>
-          </a:fontRef>
-        </p:style>
-        <p:txBody>
-          <a:bodyPr rtlCol="0" anchor="ctr"/>
-          <a:lstStyle/>
-          <a:p>
-            <a:pPr algn="ctr"/>
-            <a:endParaRPr lang="ko-KR" altLang="en-US"/>
-          </a:p>
-        </p:txBody>
-      </p:sp>
-      <p:sp>
-        <p:nvSpPr>
-          <p:cNvPr id="229" name="타원 228">
-            <a:extLst>
-              <a:ext uri="{FF2B5EF4-FFF2-40B4-BE49-F238E27FC236}">
-                <a16:creationId xmlns:a16="http://schemas.microsoft.com/office/drawing/2014/main" id="{7BE4A919-6E04-54A0-D50B-D377481CC018}"/>
-              </a:ext>
-            </a:extLst>
-          </p:cNvPr>
-          <p:cNvSpPr>
-            <a:spLocks noChangeAspect="1"/>
-          </p:cNvSpPr>
-          <p:nvPr/>
-        </p:nvSpPr>
-        <p:spPr>
-          <a:xfrm>
-            <a:off x="9898245" y="1897197"/>
-            <a:ext cx="286385" cy="286385"/>
-          </a:xfrm>
-          <a:prstGeom prst="ellipse">
-            <a:avLst/>
-          </a:prstGeom>
-          <a:solidFill>
-            <a:schemeClr val="tx1"/>
-          </a:solidFill>
-          <a:ln>
-            <a:noFill/>
-          </a:ln>
-        </p:spPr>
-        <p:style>
-          <a:lnRef idx="2">
-            <a:schemeClr val="accent1">
-              <a:shade val="50000"/>
-            </a:schemeClr>
-          </a:lnRef>
-          <a:fillRef idx="1">
-            <a:schemeClr val="accent1"/>
-          </a:fillRef>
-          <a:effectRef idx="0">
-            <a:schemeClr val="accent1"/>
-          </a:effectRef>
-          <a:fontRef idx="minor">
-            <a:schemeClr val="lt1"/>
-          </a:fontRef>
-        </p:style>
-        <p:txBody>
-          <a:bodyPr rtlCol="0" anchor="ctr"/>
-          <a:lstStyle/>
-          <a:p>
-            <a:pPr algn="ctr"/>
-            <a:endParaRPr lang="ko-KR" altLang="en-US"/>
-          </a:p>
-        </p:txBody>
-      </p:sp>
-      <p:sp>
-        <p:nvSpPr>
-          <p:cNvPr id="240" name="직사각형 239">
-            <a:extLst>
-              <a:ext uri="{FF2B5EF4-FFF2-40B4-BE49-F238E27FC236}">
-                <a16:creationId xmlns:a16="http://schemas.microsoft.com/office/drawing/2014/main" id="{56FD215C-70A8-F03A-BE62-20C2B825316C}"/>
-              </a:ext>
-            </a:extLst>
-          </p:cNvPr>
-          <p:cNvSpPr>
-            <a:spLocks noChangeAspect="1"/>
-          </p:cNvSpPr>
-          <p:nvPr/>
-        </p:nvSpPr>
-        <p:spPr>
-          <a:xfrm>
-            <a:off x="2536985" y="5851560"/>
-            <a:ext cx="297652" cy="297652"/>
-          </a:xfrm>
-          <a:prstGeom prst="rect">
-            <a:avLst/>
-          </a:prstGeom>
-          <a:solidFill>
-            <a:schemeClr val="accent2">
-              <a:lumMod val="75000"/>
-            </a:schemeClr>
-          </a:solidFill>
-          <a:ln>
-            <a:noFill/>
-          </a:ln>
-        </p:spPr>
-        <p:style>
-          <a:lnRef idx="2">
-            <a:schemeClr val="accent1">
-              <a:shade val="50000"/>
-            </a:schemeClr>
-          </a:lnRef>
-          <a:fillRef idx="1">
-            <a:schemeClr val="accent1"/>
-          </a:fillRef>
-          <a:effectRef idx="0">
-            <a:schemeClr val="accent1"/>
-          </a:effectRef>
-          <a:fontRef idx="minor">
-            <a:schemeClr val="lt1"/>
-          </a:fontRef>
-        </p:style>
-        <p:txBody>
-          <a:bodyPr rtlCol="0" anchor="ctr"/>
-          <a:lstStyle/>
-          <a:p>
-            <a:pPr algn="ctr"/>
-            <a:endParaRPr lang="ko-KR" altLang="en-US" dirty="0"/>
-          </a:p>
-        </p:txBody>
-      </p:sp>
     </p:spTree>
-    <p:extLst>
-      <p:ext uri="{BB962C8B-B14F-4D97-AF65-F5344CB8AC3E}">
-        <p14:creationId xmlns:p14="http://schemas.microsoft.com/office/powerpoint/2010/main" val="1134034851"/>
-      </p:ext>
-    </p:extLst>
   </p:cSld>
   <p:clrMapOvr>
     <a:masterClrMapping/>
@@ -9644,18 +10121,16 @@
         </p:nvSpPr>
         <p:spPr>
           <a:xfrm>
-            <a:off x="469900" y="925976"/>
-            <a:ext cx="11226800" cy="5617119"/>
+            <a:off x="482600" y="349957"/>
+            <a:ext cx="11226800" cy="6158085"/>
           </a:xfrm>
           <a:prstGeom prst="rect">
             <a:avLst/>
           </a:prstGeom>
-          <a:solidFill>
-            <a:schemeClr val="bg1"/>
-          </a:solidFill>
+          <a:noFill/>
           <a:ln w="28575">
             <a:solidFill>
-              <a:srgbClr val="A3BCBD"/>
+              <a:schemeClr val="bg1"/>
             </a:solidFill>
           </a:ln>
         </p:spPr>
@@ -9686,14 +10161,14 @@
       </p:sp>
       <p:sp>
         <p:nvSpPr>
-          <p:cNvPr id="18" name="TextBox 17"/>
+          <p:cNvPr id="2" name="TextBox 1"/>
           <p:cNvSpPr txBox="1"/>
           <p:nvPr/>
         </p:nvSpPr>
         <p:spPr>
           <a:xfrm>
-            <a:off x="469900" y="260991"/>
-            <a:ext cx="6692900" cy="584775"/>
+            <a:off x="3388894" y="2750576"/>
+            <a:ext cx="5414211" cy="1356846"/>
           </a:xfrm>
           <a:prstGeom prst="rect">
             <a:avLst/>
@@ -9706,769 +10181,38 @@
           </a:bodyPr>
           <a:lstStyle/>
           <a:p>
-            <a:r>
-              <a:rPr lang="en-US" altLang="ko-KR" sz="3200" dirty="0">
+            <a:pPr>
+              <a:lnSpc>
+                <a:spcPct val="150000"/>
+              </a:lnSpc>
+            </a:pPr>
+            <a:r>
+              <a:rPr lang="en-US" altLang="ko-KR" sz="6600" dirty="0">
                 <a:solidFill>
                   <a:schemeClr val="bg1"/>
                 </a:solidFill>
                 <a:latin typeface="여기어때 잘난체" panose="020B0600000101010101" pitchFamily="50" charset="-127"/>
                 <a:ea typeface="여기어때 잘난체" panose="020B0600000101010101" pitchFamily="50" charset="-127"/>
               </a:rPr>
-              <a:t>02. </a:t>
-            </a:r>
-            <a:r>
-              <a:rPr lang="ko-KR" altLang="en-US" sz="3200" dirty="0">
+              <a:t>03. </a:t>
+            </a:r>
+            <a:r>
+              <a:rPr lang="ko-KR" altLang="en-US" sz="6600" dirty="0">
                 <a:solidFill>
                   <a:schemeClr val="bg1"/>
                 </a:solidFill>
                 <a:latin typeface="여기어때 잘난체" panose="020B0600000101010101" pitchFamily="50" charset="-127"/>
                 <a:ea typeface="여기어때 잘난체" panose="020B0600000101010101" pitchFamily="50" charset="-127"/>
               </a:rPr>
-              <a:t>게임 소개 </a:t>
-            </a:r>
-            <a:r>
-              <a:rPr lang="en-US" altLang="ko-KR" sz="3200" dirty="0">
-                <a:solidFill>
-                  <a:schemeClr val="bg1"/>
-                </a:solidFill>
-                <a:latin typeface="여기어때 잘난체" panose="020B0600000101010101" pitchFamily="50" charset="-127"/>
-                <a:ea typeface="여기어때 잘난체" panose="020B0600000101010101" pitchFamily="50" charset="-127"/>
-              </a:rPr>
-              <a:t>– </a:t>
-            </a:r>
-            <a:r>
-              <a:rPr lang="ko-KR" altLang="en-US" sz="3200" dirty="0">
-                <a:solidFill>
-                  <a:schemeClr val="bg1"/>
-                </a:solidFill>
-                <a:latin typeface="여기어때 잘난체" panose="020B0600000101010101" pitchFamily="50" charset="-127"/>
-                <a:ea typeface="여기어때 잘난체" panose="020B0600000101010101" pitchFamily="50" charset="-127"/>
-              </a:rPr>
-              <a:t>조작법</a:t>
-            </a:r>
-          </a:p>
-        </p:txBody>
-      </p:sp>
-      <p:pic>
-        <p:nvPicPr>
-          <p:cNvPr id="1026" name="Picture 2"/>
-          <p:cNvPicPr>
-            <a:picLocks noChangeAspect="1" noChangeArrowheads="1"/>
-          </p:cNvPicPr>
-          <p:nvPr/>
-        </p:nvPicPr>
-        <p:blipFill rotWithShape="1">
-          <a:blip r:embed="rId2">
-            <a:extLst>
-              <a:ext uri="{BEBA8EAE-BF5A-486C-A8C5-ECC9F3942E4B}">
-                <a14:imgProps xmlns:a14="http://schemas.microsoft.com/office/drawing/2010/main">
-                  <a14:imgLayer r:embed="rId3">
-                    <a14:imgEffect>
-                      <a14:backgroundRemoval t="7343" b="74126" l="0" r="97727"/>
-                    </a14:imgEffect>
-                  </a14:imgLayer>
-                </a14:imgProps>
-              </a:ext>
-              <a:ext uri="{28A0092B-C50C-407E-A947-70E740481C1C}">
-                <a14:useLocalDpi xmlns:a14="http://schemas.microsoft.com/office/drawing/2010/main" val="0"/>
-              </a:ext>
-            </a:extLst>
-          </a:blip>
-          <a:srcRect t="27150" b="25146"/>
-          <a:stretch>
-            <a:fillRect/>
-          </a:stretch>
-        </p:blipFill>
-        <p:spPr bwMode="auto">
-          <a:xfrm>
-            <a:off x="1919037" y="855638"/>
-            <a:ext cx="8353926" cy="3985142"/>
-          </a:xfrm>
-          <a:prstGeom prst="rect">
-            <a:avLst/>
-          </a:prstGeom>
-          <a:noFill/>
-          <a:extLst>
-            <a:ext uri="{909E8E84-426E-40DD-AFC4-6F175D3DCCD1}">
-              <a14:hiddenFill xmlns:a14="http://schemas.microsoft.com/office/drawing/2010/main">
-                <a:solidFill>
-                  <a:srgbClr val="FFFFFF"/>
-                </a:solidFill>
-              </a14:hiddenFill>
-            </a:ext>
-          </a:extLst>
-        </p:spPr>
-      </p:pic>
-      <p:sp>
-        <p:nvSpPr>
-          <p:cNvPr id="3" name="사각형: 둥근 모서리 2"/>
-          <p:cNvSpPr/>
-          <p:nvPr/>
-        </p:nvSpPr>
-        <p:spPr>
-          <a:xfrm>
-            <a:off x="3571970" y="2247489"/>
-            <a:ext cx="504000" cy="504000"/>
-          </a:xfrm>
-          <a:prstGeom prst="roundRect">
-            <a:avLst/>
-          </a:prstGeom>
-          <a:solidFill>
-            <a:srgbClr val="FFC000">
-              <a:alpha val="40000"/>
-            </a:srgbClr>
-          </a:solidFill>
-          <a:ln>
-            <a:noFill/>
-          </a:ln>
-        </p:spPr>
-        <p:style>
-          <a:lnRef idx="2">
-            <a:schemeClr val="accent1">
-              <a:shade val="50000"/>
-            </a:schemeClr>
-          </a:lnRef>
-          <a:fillRef idx="1">
-            <a:schemeClr val="accent1"/>
-          </a:fillRef>
-          <a:effectRef idx="0">
-            <a:schemeClr val="accent1"/>
-          </a:effectRef>
-          <a:fontRef idx="minor">
-            <a:schemeClr val="lt1"/>
-          </a:fontRef>
-        </p:style>
-        <p:txBody>
-          <a:bodyPr rtlCol="0" anchor="ctr"/>
-          <a:lstStyle/>
-          <a:p>
-            <a:pPr algn="ctr"/>
-            <a:endParaRPr lang="ko-KR" altLang="en-US"/>
-          </a:p>
-        </p:txBody>
-      </p:sp>
-      <p:sp>
-        <p:nvSpPr>
-          <p:cNvPr id="4" name="사각형: 둥근 모서리 3"/>
-          <p:cNvSpPr/>
-          <p:nvPr/>
-        </p:nvSpPr>
-        <p:spPr>
-          <a:xfrm>
-            <a:off x="3175730" y="2761649"/>
-            <a:ext cx="504000" cy="504000"/>
-          </a:xfrm>
-          <a:prstGeom prst="roundRect">
-            <a:avLst/>
-          </a:prstGeom>
-          <a:solidFill>
-            <a:srgbClr val="FFC000">
-              <a:alpha val="40000"/>
-            </a:srgbClr>
-          </a:solidFill>
-          <a:ln>
-            <a:noFill/>
-          </a:ln>
-        </p:spPr>
-        <p:style>
-          <a:lnRef idx="2">
-            <a:schemeClr val="accent1">
-              <a:shade val="50000"/>
-            </a:schemeClr>
-          </a:lnRef>
-          <a:fillRef idx="1">
-            <a:schemeClr val="accent1"/>
-          </a:fillRef>
-          <a:effectRef idx="0">
-            <a:schemeClr val="accent1"/>
-          </a:effectRef>
-          <a:fontRef idx="minor">
-            <a:schemeClr val="lt1"/>
-          </a:fontRef>
-        </p:style>
-        <p:txBody>
-          <a:bodyPr rtlCol="0" anchor="ctr"/>
-          <a:lstStyle/>
-          <a:p>
-            <a:pPr algn="ctr"/>
-            <a:endParaRPr lang="ko-KR" altLang="en-US"/>
-          </a:p>
-        </p:txBody>
-      </p:sp>
-      <p:sp>
-        <p:nvSpPr>
-          <p:cNvPr id="5" name="사각형: 둥근 모서리 4"/>
-          <p:cNvSpPr/>
-          <p:nvPr/>
-        </p:nvSpPr>
-        <p:spPr>
-          <a:xfrm>
-            <a:off x="3716750" y="2761649"/>
-            <a:ext cx="504000" cy="504000"/>
-          </a:xfrm>
-          <a:prstGeom prst="roundRect">
-            <a:avLst/>
-          </a:prstGeom>
-          <a:solidFill>
-            <a:srgbClr val="FFC000">
-              <a:alpha val="40000"/>
-            </a:srgbClr>
-          </a:solidFill>
-          <a:ln>
-            <a:noFill/>
-          </a:ln>
-        </p:spPr>
-        <p:style>
-          <a:lnRef idx="2">
-            <a:schemeClr val="accent1">
-              <a:shade val="50000"/>
-            </a:schemeClr>
-          </a:lnRef>
-          <a:fillRef idx="1">
-            <a:schemeClr val="accent1"/>
-          </a:fillRef>
-          <a:effectRef idx="0">
-            <a:schemeClr val="accent1"/>
-          </a:effectRef>
-          <a:fontRef idx="minor">
-            <a:schemeClr val="lt1"/>
-          </a:fontRef>
-        </p:style>
-        <p:txBody>
-          <a:bodyPr rtlCol="0" anchor="ctr"/>
-          <a:lstStyle/>
-          <a:p>
-            <a:pPr algn="ctr"/>
-            <a:endParaRPr lang="ko-KR" altLang="en-US"/>
-          </a:p>
-        </p:txBody>
-      </p:sp>
-      <p:sp>
-        <p:nvSpPr>
-          <p:cNvPr id="6" name="사각형: 둥근 모서리 5"/>
-          <p:cNvSpPr/>
-          <p:nvPr/>
-        </p:nvSpPr>
-        <p:spPr>
-          <a:xfrm>
-            <a:off x="4257770" y="2761649"/>
-            <a:ext cx="504000" cy="504000"/>
-          </a:xfrm>
-          <a:prstGeom prst="roundRect">
-            <a:avLst/>
-          </a:prstGeom>
-          <a:solidFill>
-            <a:srgbClr val="FFC000">
-              <a:alpha val="40000"/>
-            </a:srgbClr>
-          </a:solidFill>
-          <a:ln>
-            <a:noFill/>
-          </a:ln>
-        </p:spPr>
-        <p:style>
-          <a:lnRef idx="2">
-            <a:schemeClr val="accent1">
-              <a:shade val="50000"/>
-            </a:schemeClr>
-          </a:lnRef>
-          <a:fillRef idx="1">
-            <a:schemeClr val="accent1"/>
-          </a:fillRef>
-          <a:effectRef idx="0">
-            <a:schemeClr val="accent1"/>
-          </a:effectRef>
-          <a:fontRef idx="minor">
-            <a:schemeClr val="lt1"/>
-          </a:fontRef>
-        </p:style>
-        <p:txBody>
-          <a:bodyPr rtlCol="0" anchor="ctr"/>
-          <a:lstStyle/>
-          <a:p>
-            <a:pPr algn="ctr"/>
-            <a:endParaRPr lang="ko-KR" altLang="en-US"/>
-          </a:p>
-        </p:txBody>
-      </p:sp>
-      <p:sp>
-        <p:nvSpPr>
-          <p:cNvPr id="7" name="사각형: 둥근 모서리 6"/>
-          <p:cNvSpPr/>
-          <p:nvPr/>
-        </p:nvSpPr>
-        <p:spPr>
-          <a:xfrm>
-            <a:off x="2779490" y="1730154"/>
-            <a:ext cx="504000" cy="504000"/>
-          </a:xfrm>
-          <a:prstGeom prst="roundRect">
-            <a:avLst/>
-          </a:prstGeom>
-          <a:solidFill>
-            <a:srgbClr val="FF0000">
-              <a:alpha val="40000"/>
-            </a:srgbClr>
-          </a:solidFill>
-          <a:ln>
-            <a:noFill/>
-          </a:ln>
-        </p:spPr>
-        <p:style>
-          <a:lnRef idx="2">
-            <a:schemeClr val="accent1">
-              <a:shade val="50000"/>
-            </a:schemeClr>
-          </a:lnRef>
-          <a:fillRef idx="1">
-            <a:schemeClr val="accent1"/>
-          </a:fillRef>
-          <a:effectRef idx="0">
-            <a:schemeClr val="accent1"/>
-          </a:effectRef>
-          <a:fontRef idx="minor">
-            <a:schemeClr val="lt1"/>
-          </a:fontRef>
-        </p:style>
-        <p:txBody>
-          <a:bodyPr rtlCol="0" anchor="ctr"/>
-          <a:lstStyle/>
-          <a:p>
-            <a:pPr algn="ctr"/>
-            <a:endParaRPr lang="ko-KR" altLang="en-US"/>
-          </a:p>
-        </p:txBody>
-      </p:sp>
-      <p:sp>
-        <p:nvSpPr>
-          <p:cNvPr id="8" name="사각형: 둥근 모서리 7"/>
-          <p:cNvSpPr/>
-          <p:nvPr/>
-        </p:nvSpPr>
-        <p:spPr>
-          <a:xfrm>
-            <a:off x="3316160" y="1729508"/>
-            <a:ext cx="504000" cy="504000"/>
-          </a:xfrm>
-          <a:prstGeom prst="roundRect">
-            <a:avLst/>
-          </a:prstGeom>
-          <a:solidFill>
-            <a:srgbClr val="FF0000">
-              <a:alpha val="40000"/>
-            </a:srgbClr>
-          </a:solidFill>
-          <a:ln>
-            <a:noFill/>
-          </a:ln>
-        </p:spPr>
-        <p:style>
-          <a:lnRef idx="2">
-            <a:schemeClr val="accent1">
-              <a:shade val="50000"/>
-            </a:schemeClr>
-          </a:lnRef>
-          <a:fillRef idx="1">
-            <a:schemeClr val="accent1"/>
-          </a:fillRef>
-          <a:effectRef idx="0">
-            <a:schemeClr val="accent1"/>
-          </a:effectRef>
-          <a:fontRef idx="minor">
-            <a:schemeClr val="lt1"/>
-          </a:fontRef>
-        </p:style>
-        <p:txBody>
-          <a:bodyPr rtlCol="0" anchor="ctr"/>
-          <a:lstStyle/>
-          <a:p>
-            <a:pPr algn="ctr"/>
-            <a:endParaRPr lang="ko-KR" altLang="en-US"/>
-          </a:p>
-        </p:txBody>
-      </p:sp>
-      <p:sp>
-        <p:nvSpPr>
-          <p:cNvPr id="9" name="사각형: 둥근 모서리 8"/>
-          <p:cNvSpPr/>
-          <p:nvPr/>
-        </p:nvSpPr>
-        <p:spPr>
-          <a:xfrm>
-            <a:off x="3850925" y="1729508"/>
-            <a:ext cx="504000" cy="504000"/>
-          </a:xfrm>
-          <a:prstGeom prst="roundRect">
-            <a:avLst/>
-          </a:prstGeom>
-          <a:solidFill>
-            <a:srgbClr val="FF0000">
-              <a:alpha val="40000"/>
-            </a:srgbClr>
-          </a:solidFill>
-          <a:ln>
-            <a:noFill/>
-          </a:ln>
-        </p:spPr>
-        <p:style>
-          <a:lnRef idx="2">
-            <a:schemeClr val="accent1">
-              <a:shade val="50000"/>
-            </a:schemeClr>
-          </a:lnRef>
-          <a:fillRef idx="1">
-            <a:schemeClr val="accent1"/>
-          </a:fillRef>
-          <a:effectRef idx="0">
-            <a:schemeClr val="accent1"/>
-          </a:effectRef>
-          <a:fontRef idx="minor">
-            <a:schemeClr val="lt1"/>
-          </a:fontRef>
-        </p:style>
-        <p:txBody>
-          <a:bodyPr rtlCol="0" anchor="ctr"/>
-          <a:lstStyle/>
-          <a:p>
-            <a:pPr algn="ctr"/>
-            <a:endParaRPr lang="ko-KR" altLang="en-US"/>
-          </a:p>
-        </p:txBody>
-      </p:sp>
-      <p:sp>
-        <p:nvSpPr>
-          <p:cNvPr id="10" name="TextBox 9"/>
-          <p:cNvSpPr txBox="1"/>
-          <p:nvPr/>
-        </p:nvSpPr>
-        <p:spPr>
-          <a:xfrm>
-            <a:off x="2243128" y="4498934"/>
-            <a:ext cx="8518359" cy="2177519"/>
-          </a:xfrm>
-          <a:prstGeom prst="rect">
-            <a:avLst/>
-          </a:prstGeom>
-          <a:noFill/>
-        </p:spPr>
-        <p:txBody>
-          <a:bodyPr wrap="square" rtlCol="0">
-            <a:spAutoFit/>
-          </a:bodyPr>
-          <a:lstStyle/>
-          <a:p>
-            <a:pPr>
-              <a:lnSpc>
-                <a:spcPct val="150000"/>
-              </a:lnSpc>
-            </a:pPr>
-            <a:r>
-              <a:rPr lang="ko-KR" altLang="en-US" dirty="0">
-                <a:latin typeface="G마켓 산스 TTF Light" panose="02000000000000000000" pitchFamily="2" charset="-127"/>
-                <a:ea typeface="G마켓 산스 TTF Light" panose="02000000000000000000" pitchFamily="2" charset="-127"/>
-              </a:rPr>
-              <a:t>플레이어 이동</a:t>
-            </a:r>
-            <a:r>
-              <a:rPr lang="en-US" altLang="ko-KR" dirty="0">
-                <a:latin typeface="G마켓 산스 TTF Light" panose="02000000000000000000" pitchFamily="2" charset="-127"/>
-                <a:ea typeface="G마켓 산스 TTF Light" panose="02000000000000000000" pitchFamily="2" charset="-127"/>
-              </a:rPr>
-              <a:t>	| W, A, S, D (</a:t>
-            </a:r>
-            <a:r>
-              <a:rPr lang="ko-KR" altLang="en-US" dirty="0">
-                <a:latin typeface="G마켓 산스 TTF Light" panose="02000000000000000000" pitchFamily="2" charset="-127"/>
-                <a:ea typeface="G마켓 산스 TTF Light" panose="02000000000000000000" pitchFamily="2" charset="-127"/>
-              </a:rPr>
-              <a:t>상</a:t>
-            </a:r>
-            <a:r>
-              <a:rPr lang="en-US" altLang="ko-KR" dirty="0">
-                <a:latin typeface="G마켓 산스 TTF Light" panose="02000000000000000000" pitchFamily="2" charset="-127"/>
-                <a:ea typeface="G마켓 산스 TTF Light" panose="02000000000000000000" pitchFamily="2" charset="-127"/>
-              </a:rPr>
-              <a:t>, </a:t>
-            </a:r>
-            <a:r>
-              <a:rPr lang="ko-KR" altLang="en-US" dirty="0">
-                <a:latin typeface="G마켓 산스 TTF Light" panose="02000000000000000000" pitchFamily="2" charset="-127"/>
-                <a:ea typeface="G마켓 산스 TTF Light" panose="02000000000000000000" pitchFamily="2" charset="-127"/>
-              </a:rPr>
-              <a:t>좌</a:t>
-            </a:r>
-            <a:r>
-              <a:rPr lang="en-US" altLang="ko-KR" dirty="0">
-                <a:latin typeface="G마켓 산스 TTF Light" panose="02000000000000000000" pitchFamily="2" charset="-127"/>
-                <a:ea typeface="G마켓 산스 TTF Light" panose="02000000000000000000" pitchFamily="2" charset="-127"/>
-              </a:rPr>
-              <a:t>, </a:t>
-            </a:r>
-            <a:r>
-              <a:rPr lang="ko-KR" altLang="en-US" dirty="0">
-                <a:latin typeface="G마켓 산스 TTF Light" panose="02000000000000000000" pitchFamily="2" charset="-127"/>
-                <a:ea typeface="G마켓 산스 TTF Light" panose="02000000000000000000" pitchFamily="2" charset="-127"/>
-              </a:rPr>
-              <a:t>하</a:t>
-            </a:r>
-            <a:r>
-              <a:rPr lang="en-US" altLang="ko-KR" dirty="0">
-                <a:latin typeface="G마켓 산스 TTF Light" panose="02000000000000000000" pitchFamily="2" charset="-127"/>
-                <a:ea typeface="G마켓 산스 TTF Light" panose="02000000000000000000" pitchFamily="2" charset="-127"/>
-              </a:rPr>
-              <a:t>, </a:t>
-            </a:r>
-            <a:r>
-              <a:rPr lang="ko-KR" altLang="en-US" dirty="0">
-                <a:latin typeface="G마켓 산스 TTF Light" panose="02000000000000000000" pitchFamily="2" charset="-127"/>
-                <a:ea typeface="G마켓 산스 TTF Light" panose="02000000000000000000" pitchFamily="2" charset="-127"/>
-              </a:rPr>
-              <a:t>우 </a:t>
-            </a:r>
-            <a:r>
-              <a:rPr lang="en-US" altLang="ko-KR" dirty="0">
-                <a:latin typeface="G마켓 산스 TTF Light" panose="02000000000000000000" pitchFamily="2" charset="-127"/>
-                <a:ea typeface="G마켓 산스 TTF Light" panose="02000000000000000000" pitchFamily="2" charset="-127"/>
-              </a:rPr>
-              <a:t>)</a:t>
-            </a:r>
-          </a:p>
-          <a:p>
-            <a:pPr>
-              <a:lnSpc>
-                <a:spcPct val="150000"/>
-              </a:lnSpc>
-            </a:pPr>
-            <a:r>
-              <a:rPr lang="ko-KR" altLang="en-US" dirty="0">
-                <a:latin typeface="G마켓 산스 TTF Light" panose="02000000000000000000" pitchFamily="2" charset="-127"/>
-                <a:ea typeface="G마켓 산스 TTF Light" panose="02000000000000000000" pitchFamily="2" charset="-127"/>
-              </a:rPr>
-              <a:t>무기 변경</a:t>
-            </a:r>
-            <a:r>
-              <a:rPr lang="en-US" altLang="ko-KR" dirty="0">
-                <a:latin typeface="G마켓 산스 TTF Light" panose="02000000000000000000" pitchFamily="2" charset="-127"/>
-                <a:ea typeface="G마켓 산스 TTF Light" panose="02000000000000000000" pitchFamily="2" charset="-127"/>
-              </a:rPr>
-              <a:t>		| 1, 2, 3 (1</a:t>
-            </a:r>
-            <a:r>
-              <a:rPr lang="ko-KR" altLang="en-US" dirty="0">
-                <a:latin typeface="G마켓 산스 TTF Light" panose="02000000000000000000" pitchFamily="2" charset="-127"/>
-                <a:ea typeface="G마켓 산스 TTF Light" panose="02000000000000000000" pitchFamily="2" charset="-127"/>
-              </a:rPr>
-              <a:t>을 누르면 </a:t>
-            </a:r>
-            <a:r>
-              <a:rPr lang="en-US" altLang="ko-KR" dirty="0">
-                <a:latin typeface="G마켓 산스 TTF Light" panose="02000000000000000000" pitchFamily="2" charset="-127"/>
-                <a:ea typeface="G마켓 산스 TTF Light" panose="02000000000000000000" pitchFamily="2" charset="-127"/>
-              </a:rPr>
-              <a:t>1</a:t>
-            </a:r>
-            <a:r>
-              <a:rPr lang="ko-KR" altLang="en-US" dirty="0">
-                <a:latin typeface="G마켓 산스 TTF Light" panose="02000000000000000000" pitchFamily="2" charset="-127"/>
-                <a:ea typeface="G마켓 산스 TTF Light" panose="02000000000000000000" pitchFamily="2" charset="-127"/>
-              </a:rPr>
-              <a:t>번 무기</a:t>
-            </a:r>
-            <a:r>
-              <a:rPr lang="en-US" altLang="ko-KR" dirty="0">
-                <a:latin typeface="G마켓 산스 TTF Light" panose="02000000000000000000" pitchFamily="2" charset="-127"/>
-                <a:ea typeface="G마켓 산스 TTF Light" panose="02000000000000000000" pitchFamily="2" charset="-127"/>
-              </a:rPr>
-              <a:t>, 2</a:t>
-            </a:r>
-            <a:r>
-              <a:rPr lang="ko-KR" altLang="en-US" dirty="0">
-                <a:latin typeface="G마켓 산스 TTF Light" panose="02000000000000000000" pitchFamily="2" charset="-127"/>
-                <a:ea typeface="G마켓 산스 TTF Light" panose="02000000000000000000" pitchFamily="2" charset="-127"/>
-              </a:rPr>
-              <a:t>를 누르면 </a:t>
-            </a:r>
-            <a:r>
-              <a:rPr lang="en-US" altLang="ko-KR" dirty="0">
-                <a:latin typeface="G마켓 산스 TTF Light" panose="02000000000000000000" pitchFamily="2" charset="-127"/>
-                <a:ea typeface="G마켓 산스 TTF Light" panose="02000000000000000000" pitchFamily="2" charset="-127"/>
-              </a:rPr>
-              <a:t>2</a:t>
-            </a:r>
-            <a:r>
-              <a:rPr lang="ko-KR" altLang="en-US" dirty="0">
-                <a:latin typeface="G마켓 산스 TTF Light" panose="02000000000000000000" pitchFamily="2" charset="-127"/>
-                <a:ea typeface="G마켓 산스 TTF Light" panose="02000000000000000000" pitchFamily="2" charset="-127"/>
-              </a:rPr>
-              <a:t>번 무기</a:t>
-            </a:r>
-            <a:r>
-              <a:rPr lang="en-US" altLang="ko-KR" dirty="0">
-                <a:latin typeface="G마켓 산스 TTF Light" panose="02000000000000000000" pitchFamily="2" charset="-127"/>
-                <a:ea typeface="G마켓 산스 TTF Light" panose="02000000000000000000" pitchFamily="2" charset="-127"/>
-              </a:rPr>
-              <a:t>)</a:t>
-            </a:r>
-          </a:p>
-          <a:p>
-            <a:pPr>
-              <a:lnSpc>
-                <a:spcPct val="150000"/>
-              </a:lnSpc>
-            </a:pPr>
-            <a:r>
-              <a:rPr lang="ko-KR" altLang="en-US" dirty="0">
-                <a:latin typeface="G마켓 산스 TTF Light" panose="02000000000000000000" pitchFamily="2" charset="-127"/>
-                <a:ea typeface="G마켓 산스 TTF Light" panose="02000000000000000000" pitchFamily="2" charset="-127"/>
-              </a:rPr>
-              <a:t>아이템 줍기</a:t>
-            </a:r>
-            <a:r>
-              <a:rPr lang="en-US" altLang="ko-KR" dirty="0">
-                <a:latin typeface="G마켓 산스 TTF Light" panose="02000000000000000000" pitchFamily="2" charset="-127"/>
-                <a:ea typeface="G마켓 산스 TTF Light" panose="02000000000000000000" pitchFamily="2" charset="-127"/>
-              </a:rPr>
-              <a:t>		| Q</a:t>
-            </a:r>
-          </a:p>
-          <a:p>
-            <a:pPr>
-              <a:lnSpc>
-                <a:spcPct val="150000"/>
-              </a:lnSpc>
-            </a:pPr>
-            <a:r>
-              <a:rPr lang="ko-KR" altLang="en-US" dirty="0">
-                <a:latin typeface="G마켓 산스 TTF Light" panose="02000000000000000000" pitchFamily="2" charset="-127"/>
-                <a:ea typeface="G마켓 산스 TTF Light" panose="02000000000000000000" pitchFamily="2" charset="-127"/>
-              </a:rPr>
-              <a:t>점프</a:t>
-            </a:r>
-            <a:r>
-              <a:rPr lang="en-US" altLang="ko-KR" dirty="0">
-                <a:latin typeface="G마켓 산스 TTF Light" panose="02000000000000000000" pitchFamily="2" charset="-127"/>
-                <a:ea typeface="G마켓 산스 TTF Light" panose="02000000000000000000" pitchFamily="2" charset="-127"/>
-              </a:rPr>
-              <a:t>				| Space</a:t>
-            </a:r>
-            <a:endParaRPr lang="ko-KR" altLang="en-US" dirty="0">
-              <a:latin typeface="G마켓 산스 TTF Light" panose="02000000000000000000" pitchFamily="2" charset="-127"/>
-              <a:ea typeface="G마켓 산스 TTF Light" panose="02000000000000000000" pitchFamily="2" charset="-127"/>
+              <a:t>개발 환경</a:t>
+            </a:r>
+            <a:endParaRPr lang="en-US" altLang="ko-KR" sz="6600" dirty="0">
+              <a:solidFill>
+                <a:schemeClr val="bg1"/>
+              </a:solidFill>
+              <a:latin typeface="여기어때 잘난체" panose="020B0600000101010101" pitchFamily="50" charset="-127"/>
+              <a:ea typeface="여기어때 잘난체" panose="020B0600000101010101" pitchFamily="50" charset="-127"/>
             </a:endParaRPr>
-          </a:p>
-          <a:p>
-            <a:pPr>
-              <a:lnSpc>
-                <a:spcPct val="150000"/>
-              </a:lnSpc>
-            </a:pPr>
-            <a:endParaRPr lang="ko-KR" altLang="en-US" sz="2000" dirty="0">
-              <a:latin typeface="G마켓 산스 TTF Light" panose="02000000000000000000" pitchFamily="2" charset="-127"/>
-              <a:ea typeface="G마켓 산스 TTF Light" panose="02000000000000000000" pitchFamily="2" charset="-127"/>
-            </a:endParaRPr>
-          </a:p>
-        </p:txBody>
-      </p:sp>
-      <p:sp>
-        <p:nvSpPr>
-          <p:cNvPr id="11" name="사각형: 둥근 모서리 10"/>
-          <p:cNvSpPr/>
-          <p:nvPr/>
-        </p:nvSpPr>
-        <p:spPr>
-          <a:xfrm>
-            <a:off x="3044920" y="2247478"/>
-            <a:ext cx="504000" cy="504000"/>
-          </a:xfrm>
-          <a:prstGeom prst="roundRect">
-            <a:avLst/>
-          </a:prstGeom>
-          <a:solidFill>
-            <a:srgbClr val="0070C0">
-              <a:alpha val="40000"/>
-            </a:srgbClr>
-          </a:solidFill>
-          <a:ln>
-            <a:noFill/>
-          </a:ln>
-        </p:spPr>
-        <p:style>
-          <a:lnRef idx="2">
-            <a:schemeClr val="accent1">
-              <a:shade val="50000"/>
-            </a:schemeClr>
-          </a:lnRef>
-          <a:fillRef idx="1">
-            <a:schemeClr val="accent1"/>
-          </a:fillRef>
-          <a:effectRef idx="0">
-            <a:schemeClr val="accent1"/>
-          </a:effectRef>
-          <a:fontRef idx="minor">
-            <a:schemeClr val="lt1"/>
-          </a:fontRef>
-        </p:style>
-        <p:txBody>
-          <a:bodyPr rtlCol="0" anchor="ctr"/>
-          <a:lstStyle/>
-          <a:p>
-            <a:pPr algn="ctr"/>
-            <a:endParaRPr lang="ko-KR" altLang="en-US"/>
-          </a:p>
-        </p:txBody>
-      </p:sp>
-      <p:sp>
-        <p:nvSpPr>
-          <p:cNvPr id="2" name="사각형: 둥근 모서리 1">
-            <a:extLst>
-              <a:ext uri="{FF2B5EF4-FFF2-40B4-BE49-F238E27FC236}">
-                <a16:creationId xmlns:a16="http://schemas.microsoft.com/office/drawing/2014/main" id="{9FF6CFA2-D6F6-CE31-ED1B-FE7A5AB67A9E}"/>
-              </a:ext>
-            </a:extLst>
-          </p:cNvPr>
-          <p:cNvSpPr/>
-          <p:nvPr/>
-        </p:nvSpPr>
-        <p:spPr>
-          <a:xfrm>
-            <a:off x="4509770" y="3803873"/>
-            <a:ext cx="2653030" cy="504000"/>
-          </a:xfrm>
-          <a:prstGeom prst="roundRect">
-            <a:avLst/>
-          </a:prstGeom>
-          <a:solidFill>
-            <a:schemeClr val="accent2">
-              <a:lumMod val="75000"/>
-              <a:alpha val="40000"/>
-            </a:schemeClr>
-          </a:solidFill>
-          <a:ln>
-            <a:noFill/>
-          </a:ln>
-        </p:spPr>
-        <p:style>
-          <a:lnRef idx="2">
-            <a:schemeClr val="accent1">
-              <a:shade val="50000"/>
-            </a:schemeClr>
-          </a:lnRef>
-          <a:fillRef idx="1">
-            <a:schemeClr val="accent1"/>
-          </a:fillRef>
-          <a:effectRef idx="0">
-            <a:schemeClr val="accent1"/>
-          </a:effectRef>
-          <a:fontRef idx="minor">
-            <a:schemeClr val="lt1"/>
-          </a:fontRef>
-        </p:style>
-        <p:txBody>
-          <a:bodyPr rtlCol="0" anchor="ctr"/>
-          <a:lstStyle/>
-          <a:p>
-            <a:pPr algn="ctr"/>
-            <a:endParaRPr lang="ko-KR" altLang="en-US"/>
           </a:p>
         </p:txBody>
       </p:sp>
@@ -10481,142 +10225,6 @@
 </file>
 
 <file path=ppt/slides/slide15.xml><?xml version="1.0" encoding="utf-8"?>
-<p:sld xmlns:a="http://schemas.openxmlformats.org/drawingml/2006/main" xmlns:r="http://schemas.openxmlformats.org/officeDocument/2006/relationships" xmlns:p="http://schemas.openxmlformats.org/presentationml/2006/main">
-  <p:cSld>
-    <p:bg>
-      <p:bgPr>
-        <a:solidFill>
-          <a:srgbClr val="8BA9AB"/>
-        </a:solidFill>
-        <a:effectLst/>
-      </p:bgPr>
-    </p:bg>
-    <p:spTree>
-      <p:nvGrpSpPr>
-        <p:cNvPr id="1" name=""/>
-        <p:cNvGrpSpPr/>
-        <p:nvPr/>
-      </p:nvGrpSpPr>
-      <p:grpSpPr>
-        <a:xfrm>
-          <a:off x="0" y="0"/>
-          <a:ext cx="0" cy="0"/>
-          <a:chOff x="0" y="0"/>
-          <a:chExt cx="0" cy="0"/>
-        </a:xfrm>
-      </p:grpSpPr>
-      <p:sp>
-        <p:nvSpPr>
-          <p:cNvPr id="15" name="직사각형 14"/>
-          <p:cNvSpPr/>
-          <p:nvPr/>
-        </p:nvSpPr>
-        <p:spPr>
-          <a:xfrm>
-            <a:off x="482600" y="349957"/>
-            <a:ext cx="11226800" cy="6158085"/>
-          </a:xfrm>
-          <a:prstGeom prst="rect">
-            <a:avLst/>
-          </a:prstGeom>
-          <a:noFill/>
-          <a:ln w="28575">
-            <a:solidFill>
-              <a:schemeClr val="bg1"/>
-            </a:solidFill>
-          </a:ln>
-        </p:spPr>
-        <p:style>
-          <a:lnRef idx="2">
-            <a:schemeClr val="accent1">
-              <a:shade val="50000"/>
-            </a:schemeClr>
-          </a:lnRef>
-          <a:fillRef idx="1">
-            <a:schemeClr val="accent1"/>
-          </a:fillRef>
-          <a:effectRef idx="0">
-            <a:schemeClr val="accent1"/>
-          </a:effectRef>
-          <a:fontRef idx="minor">
-            <a:schemeClr val="lt1"/>
-          </a:fontRef>
-        </p:style>
-        <p:txBody>
-          <a:bodyPr rtlCol="0" anchor="ctr"/>
-          <a:lstStyle/>
-          <a:p>
-            <a:pPr algn="ctr"/>
-            <a:endParaRPr lang="ko-KR" altLang="en-US"/>
-          </a:p>
-        </p:txBody>
-      </p:sp>
-      <p:sp>
-        <p:nvSpPr>
-          <p:cNvPr id="2" name="TextBox 1"/>
-          <p:cNvSpPr txBox="1"/>
-          <p:nvPr/>
-        </p:nvSpPr>
-        <p:spPr>
-          <a:xfrm>
-            <a:off x="3388894" y="2750576"/>
-            <a:ext cx="5414211" cy="1356846"/>
-          </a:xfrm>
-          <a:prstGeom prst="rect">
-            <a:avLst/>
-          </a:prstGeom>
-          <a:noFill/>
-        </p:spPr>
-        <p:txBody>
-          <a:bodyPr wrap="square" rtlCol="0">
-            <a:spAutoFit/>
-          </a:bodyPr>
-          <a:lstStyle/>
-          <a:p>
-            <a:pPr>
-              <a:lnSpc>
-                <a:spcPct val="150000"/>
-              </a:lnSpc>
-            </a:pPr>
-            <a:r>
-              <a:rPr lang="en-US" altLang="ko-KR" sz="6600" dirty="0">
-                <a:solidFill>
-                  <a:schemeClr val="bg1"/>
-                </a:solidFill>
-                <a:latin typeface="여기어때 잘난체" panose="020B0600000101010101" pitchFamily="50" charset="-127"/>
-                <a:ea typeface="여기어때 잘난체" panose="020B0600000101010101" pitchFamily="50" charset="-127"/>
-              </a:rPr>
-              <a:t>03. </a:t>
-            </a:r>
-            <a:r>
-              <a:rPr lang="ko-KR" altLang="en-US" sz="6600" dirty="0">
-                <a:solidFill>
-                  <a:schemeClr val="bg1"/>
-                </a:solidFill>
-                <a:latin typeface="여기어때 잘난체" panose="020B0600000101010101" pitchFamily="50" charset="-127"/>
-                <a:ea typeface="여기어때 잘난체" panose="020B0600000101010101" pitchFamily="50" charset="-127"/>
-              </a:rPr>
-              <a:t>개발 환경</a:t>
-            </a:r>
-            <a:endParaRPr lang="en-US" altLang="ko-KR" sz="6600" dirty="0">
-              <a:solidFill>
-                <a:schemeClr val="bg1"/>
-              </a:solidFill>
-              <a:latin typeface="여기어때 잘난체" panose="020B0600000101010101" pitchFamily="50" charset="-127"/>
-              <a:ea typeface="여기어때 잘난체" panose="020B0600000101010101" pitchFamily="50" charset="-127"/>
-            </a:endParaRPr>
-          </a:p>
-        </p:txBody>
-      </p:sp>
-    </p:spTree>
-  </p:cSld>
-  <p:clrMapOvr>
-    <a:masterClrMapping/>
-  </p:clrMapOvr>
-</p:sld>
-</file>
-
-<file path=ppt/slides/slide16.xml><?xml version="1.0" encoding="utf-8"?>
 <p:sld xmlns:a="http://schemas.openxmlformats.org/drawingml/2006/main" xmlns:r="http://schemas.openxmlformats.org/officeDocument/2006/relationships" xmlns:p="http://schemas.openxmlformats.org/presentationml/2006/main">
   <p:cSld>
     <p:bg>
@@ -11120,6 +10728,162 @@
 </p:sld>
 </file>
 
+<file path=ppt/slides/slide16.xml><?xml version="1.0" encoding="utf-8"?>
+<p:sld xmlns:a="http://schemas.openxmlformats.org/drawingml/2006/main" xmlns:r="http://schemas.openxmlformats.org/officeDocument/2006/relationships" xmlns:p="http://schemas.openxmlformats.org/presentationml/2006/main">
+  <p:cSld>
+    <p:bg>
+      <p:bgPr>
+        <a:solidFill>
+          <a:srgbClr val="8BA9AB"/>
+        </a:solidFill>
+        <a:effectLst/>
+      </p:bgPr>
+    </p:bg>
+    <p:spTree>
+      <p:nvGrpSpPr>
+        <p:cNvPr id="1" name=""/>
+        <p:cNvGrpSpPr/>
+        <p:nvPr/>
+      </p:nvGrpSpPr>
+      <p:grpSpPr>
+        <a:xfrm>
+          <a:off x="0" y="0"/>
+          <a:ext cx="0" cy="0"/>
+          <a:chOff x="0" y="0"/>
+          <a:chExt cx="0" cy="0"/>
+        </a:xfrm>
+      </p:grpSpPr>
+      <p:sp>
+        <p:nvSpPr>
+          <p:cNvPr id="15" name="직사각형 14"/>
+          <p:cNvSpPr/>
+          <p:nvPr/>
+        </p:nvSpPr>
+        <p:spPr>
+          <a:xfrm>
+            <a:off x="482600" y="349957"/>
+            <a:ext cx="11226800" cy="6158085"/>
+          </a:xfrm>
+          <a:prstGeom prst="rect">
+            <a:avLst/>
+          </a:prstGeom>
+          <a:noFill/>
+          <a:ln w="28575">
+            <a:solidFill>
+              <a:schemeClr val="bg1"/>
+            </a:solidFill>
+          </a:ln>
+        </p:spPr>
+        <p:style>
+          <a:lnRef idx="2">
+            <a:schemeClr val="accent1">
+              <a:shade val="50000"/>
+            </a:schemeClr>
+          </a:lnRef>
+          <a:fillRef idx="1">
+            <a:schemeClr val="accent1"/>
+          </a:fillRef>
+          <a:effectRef idx="0">
+            <a:schemeClr val="accent1"/>
+          </a:effectRef>
+          <a:fontRef idx="minor">
+            <a:schemeClr val="lt1"/>
+          </a:fontRef>
+        </p:style>
+        <p:txBody>
+          <a:bodyPr rtlCol="0" anchor="ctr"/>
+          <a:lstStyle/>
+          <a:p>
+            <a:pPr algn="ctr"/>
+            <a:endParaRPr lang="ko-KR" altLang="en-US"/>
+          </a:p>
+        </p:txBody>
+      </p:sp>
+      <p:sp>
+        <p:nvSpPr>
+          <p:cNvPr id="2" name="TextBox 1"/>
+          <p:cNvSpPr txBox="1"/>
+          <p:nvPr/>
+        </p:nvSpPr>
+        <p:spPr>
+          <a:xfrm>
+            <a:off x="1917566" y="1978669"/>
+            <a:ext cx="8770754" cy="2880340"/>
+          </a:xfrm>
+          <a:prstGeom prst="rect">
+            <a:avLst/>
+          </a:prstGeom>
+          <a:noFill/>
+        </p:spPr>
+        <p:txBody>
+          <a:bodyPr wrap="square" rtlCol="0">
+            <a:spAutoFit/>
+          </a:bodyPr>
+          <a:lstStyle/>
+          <a:p>
+            <a:pPr>
+              <a:lnSpc>
+                <a:spcPct val="150000"/>
+              </a:lnSpc>
+            </a:pPr>
+            <a:r>
+              <a:rPr lang="en-US" altLang="ko-KR" sz="6600" dirty="0">
+                <a:solidFill>
+                  <a:schemeClr val="bg1"/>
+                </a:solidFill>
+                <a:latin typeface="여기어때 잘난체" panose="020B0600000101010101" pitchFamily="50" charset="-127"/>
+                <a:ea typeface="여기어때 잘난체" panose="020B0600000101010101" pitchFamily="50" charset="-127"/>
+              </a:rPr>
+              <a:t>04. </a:t>
+            </a:r>
+            <a:r>
+              <a:rPr lang="ko-KR" altLang="en-US" sz="6600" dirty="0">
+                <a:solidFill>
+                  <a:schemeClr val="bg1"/>
+                </a:solidFill>
+                <a:latin typeface="여기어때 잘난체" panose="020B0600000101010101" pitchFamily="50" charset="-127"/>
+                <a:ea typeface="여기어때 잘난체" panose="020B0600000101010101" pitchFamily="50" charset="-127"/>
+              </a:rPr>
+              <a:t>기술적 요소와 </a:t>
+            </a:r>
+            <a:r>
+              <a:rPr lang="en-US" altLang="ko-KR" sz="6600" dirty="0">
+                <a:solidFill>
+                  <a:schemeClr val="bg1"/>
+                </a:solidFill>
+                <a:latin typeface="여기어때 잘난체" panose="020B0600000101010101" pitchFamily="50" charset="-127"/>
+                <a:ea typeface="여기어때 잘난체" panose="020B0600000101010101" pitchFamily="50" charset="-127"/>
+              </a:rPr>
+              <a:t>				         </a:t>
+            </a:r>
+            <a:r>
+              <a:rPr lang="ko-KR" altLang="en-US" sz="6600" dirty="0">
+                <a:solidFill>
+                  <a:schemeClr val="bg1"/>
+                </a:solidFill>
+                <a:latin typeface="여기어때 잘난체" panose="020B0600000101010101" pitchFamily="50" charset="-127"/>
+                <a:ea typeface="여기어때 잘난체" panose="020B0600000101010101" pitchFamily="50" charset="-127"/>
+              </a:rPr>
+              <a:t>중점 연구 분야</a:t>
+            </a:r>
+            <a:endParaRPr lang="en-US" altLang="ko-KR" sz="6600" dirty="0">
+              <a:solidFill>
+                <a:schemeClr val="bg1"/>
+              </a:solidFill>
+              <a:latin typeface="여기어때 잘난체" panose="020B0600000101010101" pitchFamily="50" charset="-127"/>
+              <a:ea typeface="여기어때 잘난체" panose="020B0600000101010101" pitchFamily="50" charset="-127"/>
+            </a:endParaRPr>
+          </a:p>
+        </p:txBody>
+      </p:sp>
+    </p:spTree>
+  </p:cSld>
+  <p:clrMapOvr>
+    <a:masterClrMapping/>
+  </p:clrMapOvr>
+</p:sld>
+</file>
+
 <file path=ppt/slides/slide17.xml><?xml version="1.0" encoding="utf-8"?>
 <p:sld xmlns:a="http://schemas.openxmlformats.org/drawingml/2006/main" xmlns:r="http://schemas.openxmlformats.org/officeDocument/2006/relationships" xmlns:p="http://schemas.openxmlformats.org/presentationml/2006/main">
   <p:cSld>
@@ -11153,16 +10917,18 @@
         </p:nvSpPr>
         <p:spPr>
           <a:xfrm>
-            <a:off x="482600" y="349957"/>
-            <a:ext cx="11226800" cy="6158085"/>
+            <a:off x="469900" y="925976"/>
+            <a:ext cx="11226800" cy="5617119"/>
           </a:xfrm>
           <a:prstGeom prst="rect">
             <a:avLst/>
           </a:prstGeom>
-          <a:noFill/>
+          <a:solidFill>
+            <a:schemeClr val="bg1"/>
+          </a:solidFill>
           <a:ln w="28575">
             <a:solidFill>
-              <a:schemeClr val="bg1"/>
+              <a:srgbClr val="A3BCBD"/>
             </a:solidFill>
           </a:ln>
         </p:spPr>
@@ -11193,14 +10959,14 @@
       </p:sp>
       <p:sp>
         <p:nvSpPr>
-          <p:cNvPr id="2" name="TextBox 1"/>
+          <p:cNvPr id="18" name="TextBox 17"/>
           <p:cNvSpPr txBox="1"/>
           <p:nvPr/>
         </p:nvSpPr>
         <p:spPr>
           <a:xfrm>
-            <a:off x="1917566" y="1978669"/>
-            <a:ext cx="8770754" cy="2880340"/>
+            <a:off x="469900" y="260991"/>
+            <a:ext cx="6692900" cy="584775"/>
           </a:xfrm>
           <a:prstGeom prst="rect">
             <a:avLst/>
@@ -11213,13 +10979,8 @@
           </a:bodyPr>
           <a:lstStyle/>
           <a:p>
-            <a:pPr>
-              <a:lnSpc>
-                <a:spcPct val="150000"/>
-              </a:lnSpc>
-            </a:pPr>
-            <a:r>
-              <a:rPr lang="en-US" altLang="ko-KR" sz="6600" dirty="0">
+            <a:r>
+              <a:rPr lang="en-US" altLang="ko-KR" sz="3200" dirty="0">
                 <a:solidFill>
                   <a:schemeClr val="bg1"/>
                 </a:solidFill>
@@ -11229,41 +10990,205 @@
               <a:t>04. </a:t>
             </a:r>
             <a:r>
-              <a:rPr lang="ko-KR" altLang="en-US" sz="6600" dirty="0">
+              <a:rPr lang="ko-KR" altLang="en-US" sz="3200" dirty="0">
                 <a:solidFill>
                   <a:schemeClr val="bg1"/>
                 </a:solidFill>
                 <a:latin typeface="여기어때 잘난체" panose="020B0600000101010101" pitchFamily="50" charset="-127"/>
                 <a:ea typeface="여기어때 잘난체" panose="020B0600000101010101" pitchFamily="50" charset="-127"/>
               </a:rPr>
-              <a:t>기술적 요소와 </a:t>
-            </a:r>
-            <a:r>
-              <a:rPr lang="en-US" altLang="ko-KR" sz="6600" dirty="0">
-                <a:solidFill>
-                  <a:schemeClr val="bg1"/>
-                </a:solidFill>
-                <a:latin typeface="여기어때 잘난체" panose="020B0600000101010101" pitchFamily="50" charset="-127"/>
-                <a:ea typeface="여기어때 잘난체" panose="020B0600000101010101" pitchFamily="50" charset="-127"/>
-              </a:rPr>
-              <a:t>				         </a:t>
-            </a:r>
-            <a:r>
-              <a:rPr lang="ko-KR" altLang="en-US" sz="6600" dirty="0">
-                <a:solidFill>
-                  <a:schemeClr val="bg1"/>
-                </a:solidFill>
-                <a:latin typeface="여기어때 잘난체" panose="020B0600000101010101" pitchFamily="50" charset="-127"/>
-                <a:ea typeface="여기어때 잘난체" panose="020B0600000101010101" pitchFamily="50" charset="-127"/>
-              </a:rPr>
-              <a:t>중점 연구 분야</a:t>
-            </a:r>
-            <a:endParaRPr lang="en-US" altLang="ko-KR" sz="6600" dirty="0">
-              <a:solidFill>
-                <a:schemeClr val="bg1"/>
-              </a:solidFill>
-              <a:latin typeface="여기어때 잘난체" panose="020B0600000101010101" pitchFamily="50" charset="-127"/>
-              <a:ea typeface="여기어때 잘난체" panose="020B0600000101010101" pitchFamily="50" charset="-127"/>
+              <a:t>기술적 요소와 중점 연구 분야</a:t>
+            </a:r>
+          </a:p>
+        </p:txBody>
+      </p:sp>
+      <p:sp>
+        <p:nvSpPr>
+          <p:cNvPr id="2" name="TextBox 1">
+            <a:extLst>
+              <a:ext uri="{FF2B5EF4-FFF2-40B4-BE49-F238E27FC236}">
+                <a16:creationId xmlns:a16="http://schemas.microsoft.com/office/drawing/2014/main" id="{2B0D9D19-506B-5AF8-23DA-A1D0B8C359DC}"/>
+              </a:ext>
+            </a:extLst>
+          </p:cNvPr>
+          <p:cNvSpPr txBox="1"/>
+          <p:nvPr/>
+        </p:nvSpPr>
+        <p:spPr>
+          <a:xfrm>
+            <a:off x="978569" y="1718518"/>
+            <a:ext cx="9392315" cy="3708708"/>
+          </a:xfrm>
+          <a:prstGeom prst="rect">
+            <a:avLst/>
+          </a:prstGeom>
+          <a:noFill/>
+        </p:spPr>
+        <p:txBody>
+          <a:bodyPr wrap="none" rtlCol="0">
+            <a:spAutoFit/>
+          </a:bodyPr>
+          <a:lstStyle/>
+          <a:p>
+            <a:pPr marL="342900" indent="-342900">
+              <a:lnSpc>
+                <a:spcPct val="200000"/>
+              </a:lnSpc>
+              <a:buFont typeface="Arial" panose="020B0604020202020204" pitchFamily="34" charset="0"/>
+              <a:buChar char="•"/>
+            </a:pPr>
+            <a:r>
+              <a:rPr lang="ko-KR" altLang="en-US" sz="2000" dirty="0">
+                <a:latin typeface="G마켓 산스 TTF Medium" panose="02000000000000000000" pitchFamily="2" charset="-127"/>
+                <a:ea typeface="G마켓 산스 TTF Medium" panose="02000000000000000000" pitchFamily="2" charset="-127"/>
+              </a:rPr>
+              <a:t>애니메이션 </a:t>
+            </a:r>
+            <a:r>
+              <a:rPr lang="ko-KR" altLang="en-US" sz="2000" dirty="0" err="1">
+                <a:latin typeface="G마켓 산스 TTF Medium" panose="02000000000000000000" pitchFamily="2" charset="-127"/>
+                <a:ea typeface="G마켓 산스 TTF Medium" panose="02000000000000000000" pitchFamily="2" charset="-127"/>
+              </a:rPr>
+              <a:t>블렌딩을</a:t>
+            </a:r>
+            <a:r>
+              <a:rPr lang="ko-KR" altLang="en-US" sz="2000" dirty="0">
+                <a:latin typeface="G마켓 산스 TTF Medium" panose="02000000000000000000" pitchFamily="2" charset="-127"/>
+                <a:ea typeface="G마켓 산스 TTF Medium" panose="02000000000000000000" pitchFamily="2" charset="-127"/>
+              </a:rPr>
+              <a:t> 하여 애니메이션 사이를 부드럽게 연결</a:t>
+            </a:r>
+            <a:endParaRPr lang="en-US" altLang="ko-KR" sz="2000" dirty="0">
+              <a:latin typeface="G마켓 산스 TTF Medium" panose="02000000000000000000" pitchFamily="2" charset="-127"/>
+              <a:ea typeface="G마켓 산스 TTF Medium" panose="02000000000000000000" pitchFamily="2" charset="-127"/>
+            </a:endParaRPr>
+          </a:p>
+          <a:p>
+            <a:pPr marL="342900" indent="-342900">
+              <a:lnSpc>
+                <a:spcPct val="200000"/>
+              </a:lnSpc>
+              <a:buFont typeface="Arial" panose="020B0604020202020204" pitchFamily="34" charset="0"/>
+              <a:buChar char="•"/>
+            </a:pPr>
+            <a:r>
+              <a:rPr lang="ko-KR" altLang="en-US" sz="2000" dirty="0">
+                <a:latin typeface="G마켓 산스 TTF Medium" panose="02000000000000000000" pitchFamily="2" charset="-127"/>
+                <a:ea typeface="G마켓 산스 TTF Medium" panose="02000000000000000000" pitchFamily="2" charset="-127"/>
+              </a:rPr>
+              <a:t>흐르는 물 표현</a:t>
+            </a:r>
+            <a:endParaRPr lang="en-US" altLang="ko-KR" sz="2000" dirty="0">
+              <a:latin typeface="G마켓 산스 TTF Medium" panose="02000000000000000000" pitchFamily="2" charset="-127"/>
+              <a:ea typeface="G마켓 산스 TTF Medium" panose="02000000000000000000" pitchFamily="2" charset="-127"/>
+            </a:endParaRPr>
+          </a:p>
+          <a:p>
+            <a:pPr marL="342900" indent="-342900">
+              <a:lnSpc>
+                <a:spcPct val="200000"/>
+              </a:lnSpc>
+              <a:buFont typeface="Arial" panose="020B0604020202020204" pitchFamily="34" charset="0"/>
+              <a:buChar char="•"/>
+            </a:pPr>
+            <a:r>
+              <a:rPr lang="ko-KR" altLang="en-US" sz="2000" dirty="0">
+                <a:latin typeface="G마켓 산스 TTF Medium" panose="02000000000000000000" pitchFamily="2" charset="-127"/>
+                <a:ea typeface="G마켓 산스 TTF Medium" panose="02000000000000000000" pitchFamily="2" charset="-127"/>
+              </a:rPr>
+              <a:t>물리법칙을 활용해 다양한 무기들을 생동감 넘치게 구현</a:t>
+            </a:r>
+            <a:endParaRPr lang="en-US" altLang="ko-KR" sz="2000" dirty="0">
+              <a:latin typeface="G마켓 산스 TTF Medium" panose="02000000000000000000" pitchFamily="2" charset="-127"/>
+              <a:ea typeface="G마켓 산스 TTF Medium" panose="02000000000000000000" pitchFamily="2" charset="-127"/>
+            </a:endParaRPr>
+          </a:p>
+          <a:p>
+            <a:pPr marL="342900" indent="-342900">
+              <a:lnSpc>
+                <a:spcPct val="200000"/>
+              </a:lnSpc>
+              <a:buFont typeface="Arial" panose="020B0604020202020204" pitchFamily="34" charset="0"/>
+              <a:buChar char="•"/>
+            </a:pPr>
+            <a:r>
+              <a:rPr lang="ko-KR" altLang="en-US" sz="2000" dirty="0">
+                <a:latin typeface="G마켓 산스 TTF Medium" panose="02000000000000000000" pitchFamily="2" charset="-127"/>
+                <a:ea typeface="G마켓 산스 TTF Medium" panose="02000000000000000000" pitchFamily="2" charset="-127"/>
+              </a:rPr>
+              <a:t>서버를 통해 </a:t>
+            </a:r>
+            <a:r>
+              <a:rPr lang="en-US" altLang="ko-KR" sz="2000" dirty="0">
+                <a:latin typeface="G마켓 산스 TTF Medium" panose="02000000000000000000" pitchFamily="2" charset="-127"/>
+                <a:ea typeface="G마켓 산스 TTF Medium" panose="02000000000000000000" pitchFamily="2" charset="-127"/>
+              </a:rPr>
+              <a:t>3</a:t>
+            </a:r>
+            <a:r>
+              <a:rPr lang="ko-KR" altLang="en-US" sz="2000" dirty="0">
+                <a:latin typeface="G마켓 산스 TTF Medium" panose="02000000000000000000" pitchFamily="2" charset="-127"/>
+                <a:ea typeface="G마켓 산스 TTF Medium" panose="02000000000000000000" pitchFamily="2" charset="-127"/>
+              </a:rPr>
+              <a:t>명의 플레이어가 모여 게임을 진행할 때</a:t>
+            </a:r>
+            <a:r>
+              <a:rPr lang="en-US" altLang="ko-KR" sz="2000" dirty="0">
+                <a:latin typeface="G마켓 산스 TTF Medium" panose="02000000000000000000" pitchFamily="2" charset="-127"/>
+                <a:ea typeface="G마켓 산스 TTF Medium" panose="02000000000000000000" pitchFamily="2" charset="-127"/>
+              </a:rPr>
+              <a:t> </a:t>
+            </a:r>
+            <a:r>
+              <a:rPr lang="ko-KR" altLang="en-US" sz="2000" dirty="0">
+                <a:latin typeface="G마켓 산스 TTF Medium" panose="02000000000000000000" pitchFamily="2" charset="-127"/>
+                <a:ea typeface="G마켓 산스 TTF Medium" panose="02000000000000000000" pitchFamily="2" charset="-127"/>
+              </a:rPr>
+              <a:t>프레임이 끊기지 않게 구현</a:t>
+            </a:r>
+            <a:endParaRPr lang="en-US" altLang="ko-KR" sz="2000" dirty="0">
+              <a:latin typeface="G마켓 산스 TTF Medium" panose="02000000000000000000" pitchFamily="2" charset="-127"/>
+              <a:ea typeface="G마켓 산스 TTF Medium" panose="02000000000000000000" pitchFamily="2" charset="-127"/>
+            </a:endParaRPr>
+          </a:p>
+          <a:p>
+            <a:pPr marL="342900" indent="-342900">
+              <a:lnSpc>
+                <a:spcPct val="200000"/>
+              </a:lnSpc>
+              <a:buFont typeface="Arial" panose="020B0604020202020204" pitchFamily="34" charset="0"/>
+              <a:buChar char="•"/>
+            </a:pPr>
+            <a:r>
+              <a:rPr lang="ko-KR" altLang="en-US" sz="2000" dirty="0">
+                <a:latin typeface="G마켓 산스 TTF Medium" panose="02000000000000000000" pitchFamily="2" charset="-127"/>
+                <a:ea typeface="G마켓 산스 TTF Medium" panose="02000000000000000000" pitchFamily="2" charset="-127"/>
+              </a:rPr>
+              <a:t>일괄 처리를 하여 불필요한 연산 최소화</a:t>
+            </a:r>
+            <a:endParaRPr lang="en-US" altLang="ko-KR" sz="2000" dirty="0">
+              <a:latin typeface="G마켓 산스 TTF Medium" panose="02000000000000000000" pitchFamily="2" charset="-127"/>
+              <a:ea typeface="G마켓 산스 TTF Medium" panose="02000000000000000000" pitchFamily="2" charset="-127"/>
+            </a:endParaRPr>
+          </a:p>
+          <a:p>
+            <a:pPr marL="342900" indent="-342900">
+              <a:lnSpc>
+                <a:spcPct val="200000"/>
+              </a:lnSpc>
+              <a:buFont typeface="Arial" panose="020B0604020202020204" pitchFamily="34" charset="0"/>
+              <a:buChar char="•"/>
+            </a:pPr>
+            <a:r>
+              <a:rPr lang="ko-KR" altLang="en-US" sz="2000" dirty="0">
+                <a:latin typeface="G마켓 산스 TTF Medium" panose="02000000000000000000" pitchFamily="2" charset="-127"/>
+                <a:ea typeface="G마켓 산스 TTF Medium" panose="02000000000000000000" pitchFamily="2" charset="-127"/>
+              </a:rPr>
+              <a:t>풀을 사용한 효율적인 메모리 관리</a:t>
+            </a:r>
+            <a:endParaRPr lang="en-US" altLang="ko-KR" sz="2000" dirty="0">
+              <a:latin typeface="G마켓 산스 TTF Medium" panose="02000000000000000000" pitchFamily="2" charset="-127"/>
+              <a:ea typeface="G마켓 산스 TTF Medium" panose="02000000000000000000" pitchFamily="2" charset="-127"/>
             </a:endParaRPr>
           </a:p>
         </p:txBody>
@@ -11309,18 +11234,16 @@
         </p:nvSpPr>
         <p:spPr>
           <a:xfrm>
-            <a:off x="469900" y="925976"/>
-            <a:ext cx="11226800" cy="5617119"/>
+            <a:off x="482600" y="349957"/>
+            <a:ext cx="11226800" cy="6158085"/>
           </a:xfrm>
           <a:prstGeom prst="rect">
             <a:avLst/>
           </a:prstGeom>
-          <a:solidFill>
-            <a:schemeClr val="bg1"/>
-          </a:solidFill>
+          <a:noFill/>
           <a:ln w="28575">
             <a:solidFill>
-              <a:srgbClr val="A3BCBD"/>
+              <a:schemeClr val="bg1"/>
             </a:solidFill>
           </a:ln>
         </p:spPr>
@@ -11351,14 +11274,14 @@
       </p:sp>
       <p:sp>
         <p:nvSpPr>
-          <p:cNvPr id="18" name="TextBox 17"/>
+          <p:cNvPr id="2" name="TextBox 1"/>
           <p:cNvSpPr txBox="1"/>
           <p:nvPr/>
         </p:nvSpPr>
         <p:spPr>
           <a:xfrm>
-            <a:off x="469900" y="260991"/>
-            <a:ext cx="6692900" cy="584775"/>
+            <a:off x="2334126" y="2750576"/>
+            <a:ext cx="7523748" cy="1356846"/>
           </a:xfrm>
           <a:prstGeom prst="rect">
             <a:avLst/>
@@ -11371,216 +11294,37 @@
           </a:bodyPr>
           <a:lstStyle/>
           <a:p>
-            <a:r>
-              <a:rPr lang="en-US" altLang="ko-KR" sz="3200" dirty="0">
+            <a:pPr>
+              <a:lnSpc>
+                <a:spcPct val="150000"/>
+              </a:lnSpc>
+            </a:pPr>
+            <a:r>
+              <a:rPr lang="en-US" altLang="ko-KR" sz="6600" dirty="0">
                 <a:solidFill>
                   <a:schemeClr val="bg1"/>
                 </a:solidFill>
                 <a:latin typeface="여기어때 잘난체" panose="020B0600000101010101" pitchFamily="50" charset="-127"/>
                 <a:ea typeface="여기어때 잘난체" panose="020B0600000101010101" pitchFamily="50" charset="-127"/>
               </a:rPr>
-              <a:t>04. </a:t>
-            </a:r>
-            <a:r>
-              <a:rPr lang="ko-KR" altLang="en-US" sz="3200" dirty="0">
+              <a:t>05. </a:t>
+            </a:r>
+            <a:r>
+              <a:rPr lang="ko-KR" altLang="en-US" sz="6600" dirty="0">
                 <a:solidFill>
                   <a:schemeClr val="bg1"/>
                 </a:solidFill>
                 <a:latin typeface="여기어때 잘난체" panose="020B0600000101010101" pitchFamily="50" charset="-127"/>
                 <a:ea typeface="여기어때 잘난체" panose="020B0600000101010101" pitchFamily="50" charset="-127"/>
               </a:rPr>
-              <a:t>기술적 요소와 중점 연구 분야</a:t>
-            </a:r>
-          </a:p>
-        </p:txBody>
-      </p:sp>
-      <p:sp>
-        <p:nvSpPr>
-          <p:cNvPr id="2" name="TextBox 1">
-            <a:extLst>
-              <a:ext uri="{FF2B5EF4-FFF2-40B4-BE49-F238E27FC236}">
-                <a16:creationId xmlns:a16="http://schemas.microsoft.com/office/drawing/2014/main" id="{2B0D9D19-506B-5AF8-23DA-A1D0B8C359DC}"/>
-              </a:ext>
-            </a:extLst>
-          </p:cNvPr>
-          <p:cNvSpPr txBox="1"/>
-          <p:nvPr/>
-        </p:nvSpPr>
-        <p:spPr>
-          <a:xfrm>
-            <a:off x="978569" y="1718518"/>
-            <a:ext cx="9392315" cy="3708708"/>
-          </a:xfrm>
-          <a:prstGeom prst="rect">
-            <a:avLst/>
-          </a:prstGeom>
-          <a:noFill/>
-        </p:spPr>
-        <p:txBody>
-          <a:bodyPr wrap="none" rtlCol="0">
-            <a:spAutoFit/>
-          </a:bodyPr>
-          <a:lstStyle/>
-          <a:p>
-            <a:pPr marL="342900" indent="-342900">
-              <a:lnSpc>
-                <a:spcPct val="200000"/>
-              </a:lnSpc>
-              <a:buFont typeface="Arial" panose="020B0604020202020204" pitchFamily="34" charset="0"/>
-              <a:buChar char="•"/>
-            </a:pPr>
-            <a:r>
-              <a:rPr lang="ko-KR" altLang="en-US" sz="2000" dirty="0">
-                <a:latin typeface="G마켓 산스 TTF Medium" panose="02000000000000000000" pitchFamily="2" charset="-127"/>
-                <a:ea typeface="G마켓 산스 TTF Medium" panose="02000000000000000000" pitchFamily="2" charset="-127"/>
-              </a:rPr>
-              <a:t>애니메이션 </a:t>
-            </a:r>
-            <a:r>
-              <a:rPr lang="ko-KR" altLang="en-US" sz="2000" dirty="0" err="1">
-                <a:latin typeface="G마켓 산스 TTF Medium" panose="02000000000000000000" pitchFamily="2" charset="-127"/>
-                <a:ea typeface="G마켓 산스 TTF Medium" panose="02000000000000000000" pitchFamily="2" charset="-127"/>
-              </a:rPr>
-              <a:t>블렌딩을</a:t>
-            </a:r>
-            <a:r>
-              <a:rPr lang="ko-KR" altLang="en-US" sz="2000" dirty="0">
-                <a:latin typeface="G마켓 산스 TTF Medium" panose="02000000000000000000" pitchFamily="2" charset="-127"/>
-                <a:ea typeface="G마켓 산스 TTF Medium" panose="02000000000000000000" pitchFamily="2" charset="-127"/>
-              </a:rPr>
-              <a:t> 하여 애니메이션 사이를 부드럽게 연결</a:t>
-            </a:r>
-            <a:endParaRPr lang="en-US" altLang="ko-KR" sz="2000" dirty="0">
-              <a:latin typeface="G마켓 산스 TTF Medium" panose="02000000000000000000" pitchFamily="2" charset="-127"/>
-              <a:ea typeface="G마켓 산스 TTF Medium" panose="02000000000000000000" pitchFamily="2" charset="-127"/>
-            </a:endParaRPr>
-          </a:p>
-          <a:p>
-            <a:pPr marL="342900" indent="-342900">
-              <a:lnSpc>
-                <a:spcPct val="200000"/>
-              </a:lnSpc>
-              <a:buFont typeface="Arial" panose="020B0604020202020204" pitchFamily="34" charset="0"/>
-              <a:buChar char="•"/>
-            </a:pPr>
-            <a:r>
-              <a:rPr lang="ko-KR" altLang="en-US" sz="2000" dirty="0">
-                <a:latin typeface="G마켓 산스 TTF Medium" panose="02000000000000000000" pitchFamily="2" charset="-127"/>
-                <a:ea typeface="G마켓 산스 TTF Medium" panose="02000000000000000000" pitchFamily="2" charset="-127"/>
-              </a:rPr>
-              <a:t>흐르는 물 표현</a:t>
-            </a:r>
-            <a:endParaRPr lang="en-US" altLang="ko-KR" sz="2000" dirty="0">
-              <a:latin typeface="G마켓 산스 TTF Medium" panose="02000000000000000000" pitchFamily="2" charset="-127"/>
-              <a:ea typeface="G마켓 산스 TTF Medium" panose="02000000000000000000" pitchFamily="2" charset="-127"/>
-            </a:endParaRPr>
-          </a:p>
-          <a:p>
-            <a:pPr marL="342900" indent="-342900">
-              <a:lnSpc>
-                <a:spcPct val="200000"/>
-              </a:lnSpc>
-              <a:buFont typeface="Arial" panose="020B0604020202020204" pitchFamily="34" charset="0"/>
-              <a:buChar char="•"/>
-            </a:pPr>
-            <a:r>
-              <a:rPr lang="ko-KR" altLang="en-US" sz="2000" dirty="0">
-                <a:latin typeface="G마켓 산스 TTF Medium" panose="02000000000000000000" pitchFamily="2" charset="-127"/>
-                <a:ea typeface="G마켓 산스 TTF Medium" panose="02000000000000000000" pitchFamily="2" charset="-127"/>
-              </a:rPr>
-              <a:t>물리법칙을 활용해 다양한 무기들을 생동감 넘치게 구현</a:t>
-            </a:r>
-            <a:endParaRPr lang="en-US" altLang="ko-KR" sz="2000" dirty="0">
-              <a:latin typeface="G마켓 산스 TTF Medium" panose="02000000000000000000" pitchFamily="2" charset="-127"/>
-              <a:ea typeface="G마켓 산스 TTF Medium" panose="02000000000000000000" pitchFamily="2" charset="-127"/>
-            </a:endParaRPr>
-          </a:p>
-          <a:p>
-            <a:pPr marL="342900" indent="-342900">
-              <a:lnSpc>
-                <a:spcPct val="200000"/>
-              </a:lnSpc>
-              <a:buFont typeface="Arial" panose="020B0604020202020204" pitchFamily="34" charset="0"/>
-              <a:buChar char="•"/>
-            </a:pPr>
-            <a:r>
-              <a:rPr lang="ko-KR" altLang="en-US" sz="2000" dirty="0">
-                <a:latin typeface="G마켓 산스 TTF Medium" panose="02000000000000000000" pitchFamily="2" charset="-127"/>
-                <a:ea typeface="G마켓 산스 TTF Medium" panose="02000000000000000000" pitchFamily="2" charset="-127"/>
-              </a:rPr>
-              <a:t>서버를 통해 </a:t>
-            </a:r>
-            <a:r>
-              <a:rPr lang="en-US" altLang="ko-KR" sz="2000" dirty="0">
-                <a:latin typeface="G마켓 산스 TTF Medium" panose="02000000000000000000" pitchFamily="2" charset="-127"/>
-                <a:ea typeface="G마켓 산스 TTF Medium" panose="02000000000000000000" pitchFamily="2" charset="-127"/>
-              </a:rPr>
-              <a:t>3</a:t>
-            </a:r>
-            <a:r>
-              <a:rPr lang="ko-KR" altLang="en-US" sz="2000" dirty="0">
-                <a:latin typeface="G마켓 산스 TTF Medium" panose="02000000000000000000" pitchFamily="2" charset="-127"/>
-                <a:ea typeface="G마켓 산스 TTF Medium" panose="02000000000000000000" pitchFamily="2" charset="-127"/>
-              </a:rPr>
-              <a:t>명의 플레이어가 모여 게임을 진행할 때</a:t>
-            </a:r>
-            <a:r>
-              <a:rPr lang="en-US" altLang="ko-KR" sz="2000" dirty="0">
-                <a:latin typeface="G마켓 산스 TTF Medium" panose="02000000000000000000" pitchFamily="2" charset="-127"/>
-                <a:ea typeface="G마켓 산스 TTF Medium" panose="02000000000000000000" pitchFamily="2" charset="-127"/>
-              </a:rPr>
-              <a:t> </a:t>
-            </a:r>
-            <a:r>
-              <a:rPr lang="ko-KR" altLang="en-US" sz="2000" dirty="0">
-                <a:latin typeface="G마켓 산스 TTF Medium" panose="02000000000000000000" pitchFamily="2" charset="-127"/>
-                <a:ea typeface="G마켓 산스 TTF Medium" panose="02000000000000000000" pitchFamily="2" charset="-127"/>
-              </a:rPr>
-              <a:t>프레임이 끊기지 않게 구현</a:t>
-            </a:r>
-            <a:endParaRPr lang="en-US" altLang="ko-KR" sz="2000" dirty="0">
-              <a:latin typeface="G마켓 산스 TTF Medium" panose="02000000000000000000" pitchFamily="2" charset="-127"/>
-              <a:ea typeface="G마켓 산스 TTF Medium" panose="02000000000000000000" pitchFamily="2" charset="-127"/>
-            </a:endParaRPr>
-          </a:p>
-          <a:p>
-            <a:pPr marL="342900" indent="-342900">
-              <a:lnSpc>
-                <a:spcPct val="200000"/>
-              </a:lnSpc>
-              <a:buFont typeface="Arial" panose="020B0604020202020204" pitchFamily="34" charset="0"/>
-              <a:buChar char="•"/>
-            </a:pPr>
-            <a:r>
-              <a:rPr lang="ko-KR" altLang="en-US" sz="2000" dirty="0">
-                <a:latin typeface="G마켓 산스 TTF Medium" panose="02000000000000000000" pitchFamily="2" charset="-127"/>
-                <a:ea typeface="G마켓 산스 TTF Medium" panose="02000000000000000000" pitchFamily="2" charset="-127"/>
-              </a:rPr>
-              <a:t>일괄 처리를 하여 불필요한 연산 최소화</a:t>
-            </a:r>
-            <a:endParaRPr lang="en-US" altLang="ko-KR" sz="2000" dirty="0">
-              <a:latin typeface="G마켓 산스 TTF Medium" panose="02000000000000000000" pitchFamily="2" charset="-127"/>
-              <a:ea typeface="G마켓 산스 TTF Medium" panose="02000000000000000000" pitchFamily="2" charset="-127"/>
-            </a:endParaRPr>
-          </a:p>
-          <a:p>
-            <a:pPr marL="342900" indent="-342900">
-              <a:lnSpc>
-                <a:spcPct val="200000"/>
-              </a:lnSpc>
-              <a:buFont typeface="Arial" panose="020B0604020202020204" pitchFamily="34" charset="0"/>
-              <a:buChar char="•"/>
-            </a:pPr>
-            <a:r>
-              <a:rPr lang="ko-KR" altLang="en-US" sz="2000" dirty="0">
-                <a:latin typeface="G마켓 산스 TTF Medium" panose="02000000000000000000" pitchFamily="2" charset="-127"/>
-                <a:ea typeface="G마켓 산스 TTF Medium" panose="02000000000000000000" pitchFamily="2" charset="-127"/>
-              </a:rPr>
-              <a:t>풀을 사용한 효율적인 메모리 관리</a:t>
-            </a:r>
-            <a:endParaRPr lang="en-US" altLang="ko-KR" sz="2000" dirty="0">
-              <a:latin typeface="G마켓 산스 TTF Medium" panose="02000000000000000000" pitchFamily="2" charset="-127"/>
-              <a:ea typeface="G마켓 산스 TTF Medium" panose="02000000000000000000" pitchFamily="2" charset="-127"/>
+              <a:t>타 게임과 비교</a:t>
+            </a:r>
+            <a:endParaRPr lang="en-US" altLang="ko-KR" sz="6600" dirty="0">
+              <a:solidFill>
+                <a:schemeClr val="bg1"/>
+              </a:solidFill>
+              <a:latin typeface="여기어때 잘난체" panose="020B0600000101010101" pitchFamily="50" charset="-127"/>
+              <a:ea typeface="여기어때 잘난체" panose="020B0600000101010101" pitchFamily="50" charset="-127"/>
             </a:endParaRPr>
           </a:p>
         </p:txBody>
@@ -11599,7 +11343,7 @@
     <p:bg>
       <p:bgPr>
         <a:solidFill>
-          <a:srgbClr val="8BA9AB"/>
+          <a:schemeClr val="bg1"/>
         </a:solidFill>
         <a:effectLst/>
       </p:bgPr>
@@ -11620,23 +11364,29 @@
       </p:grpSpPr>
       <p:sp>
         <p:nvSpPr>
-          <p:cNvPr id="15" name="직사각형 14"/>
+          <p:cNvPr id="2" name="사각형: 둥근 모서리 1">
+            <a:extLst>
+              <a:ext uri="{FF2B5EF4-FFF2-40B4-BE49-F238E27FC236}">
+                <a16:creationId xmlns:a16="http://schemas.microsoft.com/office/drawing/2014/main" id="{48874B81-0718-7C9D-8743-47128BA16685}"/>
+              </a:ext>
+            </a:extLst>
+          </p:cNvPr>
           <p:cNvSpPr/>
           <p:nvPr/>
         </p:nvSpPr>
         <p:spPr>
           <a:xfrm>
-            <a:off x="482600" y="349957"/>
-            <a:ext cx="11226800" cy="6158085"/>
-          </a:xfrm>
-          <a:prstGeom prst="rect">
+            <a:off x="715036" y="2874640"/>
+            <a:ext cx="5007664" cy="1800000"/>
+          </a:xfrm>
+          <a:prstGeom prst="roundRect">
             <a:avLst/>
           </a:prstGeom>
-          <a:noFill/>
-          <a:ln w="28575">
-            <a:solidFill>
-              <a:schemeClr val="bg1"/>
-            </a:solidFill>
+          <a:solidFill>
+            <a:srgbClr val="B1C6C7"/>
+          </a:solidFill>
+          <a:ln>
+            <a:noFill/>
           </a:ln>
         </p:spPr>
         <p:style>
@@ -11666,19 +11416,129 @@
       </p:sp>
       <p:sp>
         <p:nvSpPr>
-          <p:cNvPr id="2" name="TextBox 1"/>
-          <p:cNvSpPr txBox="1"/>
+          <p:cNvPr id="3" name="사각형: 둥근 모서리 2">
+            <a:extLst>
+              <a:ext uri="{FF2B5EF4-FFF2-40B4-BE49-F238E27FC236}">
+                <a16:creationId xmlns:a16="http://schemas.microsoft.com/office/drawing/2014/main" id="{884B4D9E-E8E5-82AB-C0A4-A95813D22005}"/>
+              </a:ext>
+            </a:extLst>
+          </p:cNvPr>
+          <p:cNvSpPr/>
           <p:nvPr/>
         </p:nvSpPr>
         <p:spPr>
           <a:xfrm>
-            <a:off x="2334126" y="2750576"/>
-            <a:ext cx="7523748" cy="1356846"/>
+            <a:off x="6408340" y="2834535"/>
+            <a:ext cx="5007664" cy="1800000"/>
+          </a:xfrm>
+          <a:prstGeom prst="roundRect">
+            <a:avLst/>
+          </a:prstGeom>
+          <a:solidFill>
+            <a:srgbClr val="B1C6C7"/>
+          </a:solidFill>
+          <a:ln>
+            <a:noFill/>
+          </a:ln>
+        </p:spPr>
+        <p:style>
+          <a:lnRef idx="2">
+            <a:schemeClr val="accent1">
+              <a:shade val="50000"/>
+            </a:schemeClr>
+          </a:lnRef>
+          <a:fillRef idx="1">
+            <a:schemeClr val="accent1"/>
+          </a:fillRef>
+          <a:effectRef idx="0">
+            <a:schemeClr val="accent1"/>
+          </a:effectRef>
+          <a:fontRef idx="minor">
+            <a:schemeClr val="lt1"/>
+          </a:fontRef>
+        </p:style>
+        <p:txBody>
+          <a:bodyPr rtlCol="0" anchor="ctr"/>
+          <a:lstStyle/>
+          <a:p>
+            <a:pPr algn="ctr"/>
+            <a:endParaRPr lang="ko-KR" altLang="en-US"/>
+          </a:p>
+        </p:txBody>
+      </p:sp>
+      <p:sp>
+        <p:nvSpPr>
+          <p:cNvPr id="10" name="직사각형 9">
+            <a:extLst>
+              <a:ext uri="{FF2B5EF4-FFF2-40B4-BE49-F238E27FC236}">
+                <a16:creationId xmlns:a16="http://schemas.microsoft.com/office/drawing/2014/main" id="{50F23E1D-8121-CB46-1160-FD2CD7FB610F}"/>
+              </a:ext>
+            </a:extLst>
+          </p:cNvPr>
+          <p:cNvSpPr/>
+          <p:nvPr/>
+        </p:nvSpPr>
+        <p:spPr>
+          <a:xfrm>
+            <a:off x="469900" y="925976"/>
+            <a:ext cx="11226800" cy="5617119"/>
           </a:xfrm>
           <a:prstGeom prst="rect">
             <a:avLst/>
           </a:prstGeom>
           <a:noFill/>
+          <a:ln w="28575">
+            <a:solidFill>
+              <a:srgbClr val="A3BCBD"/>
+            </a:solidFill>
+          </a:ln>
+        </p:spPr>
+        <p:style>
+          <a:lnRef idx="2">
+            <a:schemeClr val="accent1">
+              <a:shade val="50000"/>
+            </a:schemeClr>
+          </a:lnRef>
+          <a:fillRef idx="1">
+            <a:schemeClr val="accent1"/>
+          </a:fillRef>
+          <a:effectRef idx="0">
+            <a:schemeClr val="accent1"/>
+          </a:effectRef>
+          <a:fontRef idx="minor">
+            <a:schemeClr val="lt1"/>
+          </a:fontRef>
+        </p:style>
+        <p:txBody>
+          <a:bodyPr rtlCol="0" anchor="ctr"/>
+          <a:lstStyle/>
+          <a:p>
+            <a:pPr algn="ctr"/>
+            <a:endParaRPr lang="ko-KR" altLang="en-US"/>
+          </a:p>
+        </p:txBody>
+      </p:sp>
+      <p:sp>
+        <p:nvSpPr>
+          <p:cNvPr id="11" name="TextBox 10">
+            <a:extLst>
+              <a:ext uri="{FF2B5EF4-FFF2-40B4-BE49-F238E27FC236}">
+                <a16:creationId xmlns:a16="http://schemas.microsoft.com/office/drawing/2014/main" id="{61565F28-1967-4D3F-5EA0-C23EA451E957}"/>
+              </a:ext>
+            </a:extLst>
+          </p:cNvPr>
+          <p:cNvSpPr txBox="1"/>
+          <p:nvPr/>
+        </p:nvSpPr>
+        <p:spPr>
+          <a:xfrm>
+            <a:off x="469900" y="260991"/>
+            <a:ext cx="4273753" cy="584775"/>
+          </a:xfrm>
+          <a:prstGeom prst="rect">
+            <a:avLst/>
+          </a:prstGeom>
+          <a:noFill/>
         </p:spPr>
         <p:txBody>
           <a:bodyPr wrap="square" rtlCol="0">
@@ -11686,42 +11546,306 @@
           </a:bodyPr>
           <a:lstStyle/>
           <a:p>
-            <a:pPr>
-              <a:lnSpc>
-                <a:spcPct val="150000"/>
-              </a:lnSpc>
-            </a:pPr>
-            <a:r>
-              <a:rPr lang="en-US" altLang="ko-KR" sz="6600" dirty="0">
+            <a:r>
+              <a:rPr lang="en-US" altLang="ko-KR" sz="3200" dirty="0">
+                <a:solidFill>
+                  <a:srgbClr val="8BA9AB"/>
+                </a:solidFill>
+                <a:latin typeface="여기어때 잘난체" panose="020B0600000101010101" pitchFamily="50" charset="-127"/>
+                <a:ea typeface="여기어때 잘난체" panose="020B0600000101010101" pitchFamily="50" charset="-127"/>
+              </a:rPr>
+              <a:t>04. </a:t>
+            </a:r>
+            <a:r>
+              <a:rPr lang="ko-KR" altLang="en-US" sz="3200" dirty="0">
+                <a:solidFill>
+                  <a:srgbClr val="8BA9AB"/>
+                </a:solidFill>
+                <a:latin typeface="여기어때 잘난체" panose="020B0600000101010101" pitchFamily="50" charset="-127"/>
+                <a:ea typeface="여기어때 잘난체" panose="020B0600000101010101" pitchFamily="50" charset="-127"/>
+              </a:rPr>
+              <a:t>타 게임과 비교</a:t>
+            </a:r>
+          </a:p>
+        </p:txBody>
+      </p:sp>
+      <p:sp>
+        <p:nvSpPr>
+          <p:cNvPr id="12" name="TextBox 11">
+            <a:extLst>
+              <a:ext uri="{FF2B5EF4-FFF2-40B4-BE49-F238E27FC236}">
+                <a16:creationId xmlns:a16="http://schemas.microsoft.com/office/drawing/2014/main" id="{A5E6E248-FAD2-03B7-617D-78AE1A378E54}"/>
+              </a:ext>
+            </a:extLst>
+          </p:cNvPr>
+          <p:cNvSpPr txBox="1"/>
+          <p:nvPr/>
+        </p:nvSpPr>
+        <p:spPr>
+          <a:xfrm>
+            <a:off x="2942772" y="3359140"/>
+            <a:ext cx="2137124" cy="830997"/>
+          </a:xfrm>
+          <a:prstGeom prst="rect">
+            <a:avLst/>
+          </a:prstGeom>
+          <a:noFill/>
+        </p:spPr>
+        <p:txBody>
+          <a:bodyPr wrap="none" rtlCol="0">
+            <a:spAutoFit/>
+          </a:bodyPr>
+          <a:lstStyle/>
+          <a:p>
+            <a:r>
+              <a:rPr lang="ko-KR" altLang="en-US" sz="2400" dirty="0">
                 <a:solidFill>
                   <a:schemeClr val="bg1"/>
                 </a:solidFill>
-                <a:latin typeface="여기어때 잘난체" panose="020B0600000101010101" pitchFamily="50" charset="-127"/>
-                <a:ea typeface="여기어때 잘난체" panose="020B0600000101010101" pitchFamily="50" charset="-127"/>
-              </a:rPr>
-              <a:t>05. </a:t>
-            </a:r>
-            <a:r>
-              <a:rPr lang="ko-KR" altLang="en-US" sz="6600" dirty="0">
+                <a:latin typeface="G마켓 산스 TTF Bold" panose="02000000000000000000" pitchFamily="2" charset="-127"/>
+                <a:ea typeface="G마켓 산스 TTF Bold" panose="02000000000000000000" pitchFamily="2" charset="-127"/>
+              </a:rPr>
+              <a:t>다양한 무기를 </a:t>
+            </a:r>
+            <a:endParaRPr lang="en-US" altLang="ko-KR" sz="2400" dirty="0">
+              <a:solidFill>
+                <a:schemeClr val="bg1"/>
+              </a:solidFill>
+              <a:latin typeface="G마켓 산스 TTF Bold" panose="02000000000000000000" pitchFamily="2" charset="-127"/>
+              <a:ea typeface="G마켓 산스 TTF Bold" panose="02000000000000000000" pitchFamily="2" charset="-127"/>
+            </a:endParaRPr>
+          </a:p>
+          <a:p>
+            <a:r>
+              <a:rPr lang="ko-KR" altLang="en-US" sz="2400" dirty="0">
                 <a:solidFill>
                   <a:schemeClr val="bg1"/>
                 </a:solidFill>
-                <a:latin typeface="여기어때 잘난체" panose="020B0600000101010101" pitchFamily="50" charset="-127"/>
-                <a:ea typeface="여기어때 잘난체" panose="020B0600000101010101" pitchFamily="50" charset="-127"/>
-              </a:rPr>
-              <a:t>타 게임과 비교</a:t>
-            </a:r>
-            <a:endParaRPr lang="en-US" altLang="ko-KR" sz="6600" dirty="0">
+                <a:latin typeface="G마켓 산스 TTF Bold" panose="02000000000000000000" pitchFamily="2" charset="-127"/>
+                <a:ea typeface="G마켓 산스 TTF Bold" panose="02000000000000000000" pitchFamily="2" charset="-127"/>
+              </a:rPr>
+              <a:t>활용한 전투</a:t>
+            </a:r>
+          </a:p>
+        </p:txBody>
+      </p:sp>
+      <p:pic>
+        <p:nvPicPr>
+          <p:cNvPr id="13" name="그림 12">
+            <a:extLst>
+              <a:ext uri="{FF2B5EF4-FFF2-40B4-BE49-F238E27FC236}">
+                <a16:creationId xmlns:a16="http://schemas.microsoft.com/office/drawing/2014/main" id="{2B9FD514-22B6-B019-63B1-E41A0D67784A}"/>
+              </a:ext>
+            </a:extLst>
+          </p:cNvPr>
+          <p:cNvPicPr>
+            <a:picLocks noChangeAspect="1"/>
+          </p:cNvPicPr>
+          <p:nvPr/>
+        </p:nvPicPr>
+        <p:blipFill>
+          <a:blip r:embed="rId2" cstate="print">
+            <a:extLst>
+              <a:ext uri="{28A0092B-C50C-407E-A947-70E740481C1C}">
+                <a14:useLocalDpi xmlns:a14="http://schemas.microsoft.com/office/drawing/2010/main" val="0"/>
+              </a:ext>
+            </a:extLst>
+          </a:blip>
+          <a:stretch>
+            <a:fillRect/>
+          </a:stretch>
+        </p:blipFill>
+        <p:spPr>
+          <a:xfrm>
+            <a:off x="1254234" y="3816067"/>
+            <a:ext cx="572519" cy="572519"/>
+          </a:xfrm>
+          <a:prstGeom prst="rect">
+            <a:avLst/>
+          </a:prstGeom>
+        </p:spPr>
+      </p:pic>
+      <p:pic>
+        <p:nvPicPr>
+          <p:cNvPr id="16" name="그림 15">
+            <a:extLst>
+              <a:ext uri="{FF2B5EF4-FFF2-40B4-BE49-F238E27FC236}">
+                <a16:creationId xmlns:a16="http://schemas.microsoft.com/office/drawing/2014/main" id="{24CD8405-2C60-247F-AD95-DBB4D7D97BD9}"/>
+              </a:ext>
+            </a:extLst>
+          </p:cNvPr>
+          <p:cNvPicPr>
+            <a:picLocks noChangeAspect="1"/>
+          </p:cNvPicPr>
+          <p:nvPr/>
+        </p:nvPicPr>
+        <p:blipFill>
+          <a:blip r:embed="rId3" cstate="print">
+            <a:extLst>
+              <a:ext uri="{28A0092B-C50C-407E-A947-70E740481C1C}">
+                <a14:useLocalDpi xmlns:a14="http://schemas.microsoft.com/office/drawing/2010/main" val="0"/>
+              </a:ext>
+            </a:extLst>
+          </a:blip>
+          <a:stretch>
+            <a:fillRect/>
+          </a:stretch>
+        </p:blipFill>
+        <p:spPr>
+          <a:xfrm>
+            <a:off x="1759386" y="3109398"/>
+            <a:ext cx="627087" cy="627087"/>
+          </a:xfrm>
+          <a:prstGeom prst="rect">
+            <a:avLst/>
+          </a:prstGeom>
+        </p:spPr>
+      </p:pic>
+      <p:pic>
+        <p:nvPicPr>
+          <p:cNvPr id="17" name="그림 16">
+            <a:extLst>
+              <a:ext uri="{FF2B5EF4-FFF2-40B4-BE49-F238E27FC236}">
+                <a16:creationId xmlns:a16="http://schemas.microsoft.com/office/drawing/2014/main" id="{9B8FB1B3-8A35-7D1A-E809-0BCEFDB47982}"/>
+              </a:ext>
+            </a:extLst>
+          </p:cNvPr>
+          <p:cNvPicPr>
+            <a:picLocks noChangeAspect="1"/>
+          </p:cNvPicPr>
+          <p:nvPr/>
+        </p:nvPicPr>
+        <p:blipFill>
+          <a:blip r:embed="rId4" cstate="print">
+            <a:extLst>
+              <a:ext uri="{28A0092B-C50C-407E-A947-70E740481C1C}">
+                <a14:useLocalDpi xmlns:a14="http://schemas.microsoft.com/office/drawing/2010/main" val="0"/>
+              </a:ext>
+            </a:extLst>
+          </a:blip>
+          <a:stretch>
+            <a:fillRect/>
+          </a:stretch>
+        </p:blipFill>
+        <p:spPr>
+          <a:xfrm>
+            <a:off x="879501" y="3162016"/>
+            <a:ext cx="572519" cy="572519"/>
+          </a:xfrm>
+          <a:prstGeom prst="rect">
+            <a:avLst/>
+          </a:prstGeom>
+        </p:spPr>
+      </p:pic>
+      <p:pic>
+        <p:nvPicPr>
+          <p:cNvPr id="19" name="그림 18">
+            <a:extLst>
+              <a:ext uri="{FF2B5EF4-FFF2-40B4-BE49-F238E27FC236}">
+                <a16:creationId xmlns:a16="http://schemas.microsoft.com/office/drawing/2014/main" id="{31B552ED-8D92-D8AD-C3A7-C00261FB106D}"/>
+              </a:ext>
+            </a:extLst>
+          </p:cNvPr>
+          <p:cNvPicPr>
+            <a:picLocks noChangeAspect="1"/>
+          </p:cNvPicPr>
+          <p:nvPr/>
+        </p:nvPicPr>
+        <p:blipFill>
+          <a:blip r:embed="rId5" cstate="print">
+            <a:extLst>
+              <a:ext uri="{28A0092B-C50C-407E-A947-70E740481C1C}">
+                <a14:useLocalDpi xmlns:a14="http://schemas.microsoft.com/office/drawing/2010/main" val="0"/>
+              </a:ext>
+            </a:extLst>
+          </a:blip>
+          <a:stretch>
+            <a:fillRect/>
+          </a:stretch>
+        </p:blipFill>
+        <p:spPr>
+          <a:xfrm>
+            <a:off x="6620682" y="3290738"/>
+            <a:ext cx="967800" cy="967800"/>
+          </a:xfrm>
+          <a:prstGeom prst="rect">
+            <a:avLst/>
+          </a:prstGeom>
+        </p:spPr>
+      </p:pic>
+      <p:sp>
+        <p:nvSpPr>
+          <p:cNvPr id="20" name="TextBox 19">
+            <a:extLst>
+              <a:ext uri="{FF2B5EF4-FFF2-40B4-BE49-F238E27FC236}">
+                <a16:creationId xmlns:a16="http://schemas.microsoft.com/office/drawing/2014/main" id="{C191FD9D-6365-5F68-7F24-614E13672AE1}"/>
+              </a:ext>
+            </a:extLst>
+          </p:cNvPr>
+          <p:cNvSpPr txBox="1"/>
+          <p:nvPr/>
+        </p:nvSpPr>
+        <p:spPr>
+          <a:xfrm>
+            <a:off x="7838698" y="3370706"/>
+            <a:ext cx="3533340" cy="830997"/>
+          </a:xfrm>
+          <a:prstGeom prst="rect">
+            <a:avLst/>
+          </a:prstGeom>
+          <a:noFill/>
+        </p:spPr>
+        <p:txBody>
+          <a:bodyPr wrap="none" rtlCol="0">
+            <a:spAutoFit/>
+          </a:bodyPr>
+          <a:lstStyle/>
+          <a:p>
+            <a:r>
+              <a:rPr lang="ko-KR" altLang="en-US" sz="2400" dirty="0">
+                <a:solidFill>
+                  <a:schemeClr val="bg1"/>
+                </a:solidFill>
+                <a:latin typeface="G마켓 산스 TTF Bold" panose="02000000000000000000" pitchFamily="2" charset="-127"/>
+                <a:ea typeface="G마켓 산스 TTF Bold" panose="02000000000000000000" pitchFamily="2" charset="-127"/>
+              </a:rPr>
+              <a:t>오브젝트와 상호작용하여</a:t>
+            </a:r>
+            <a:endParaRPr lang="en-US" altLang="ko-KR" sz="2400" dirty="0">
               <a:solidFill>
                 <a:schemeClr val="bg1"/>
               </a:solidFill>
-              <a:latin typeface="여기어때 잘난체" panose="020B0600000101010101" pitchFamily="50" charset="-127"/>
-              <a:ea typeface="여기어때 잘난체" panose="020B0600000101010101" pitchFamily="50" charset="-127"/>
+              <a:latin typeface="G마켓 산스 TTF Bold" panose="02000000000000000000" pitchFamily="2" charset="-127"/>
+              <a:ea typeface="G마켓 산스 TTF Bold" panose="02000000000000000000" pitchFamily="2" charset="-127"/>
             </a:endParaRPr>
           </a:p>
+          <a:p>
+            <a:r>
+              <a:rPr lang="ko-KR" altLang="en-US" sz="2400" dirty="0">
+                <a:solidFill>
+                  <a:schemeClr val="bg1"/>
+                </a:solidFill>
+                <a:latin typeface="G마켓 산스 TTF Bold" panose="02000000000000000000" pitchFamily="2" charset="-127"/>
+                <a:ea typeface="G마켓 산스 TTF Bold" panose="02000000000000000000" pitchFamily="2" charset="-127"/>
+              </a:rPr>
+              <a:t>풀어나가는 퍼즐 </a:t>
+            </a:r>
+            <a:endParaRPr lang="en-US" altLang="ko-KR" sz="2400" dirty="0">
+              <a:solidFill>
+                <a:schemeClr val="bg1"/>
+              </a:solidFill>
+              <a:latin typeface="G마켓 산스 TTF Bold" panose="02000000000000000000" pitchFamily="2" charset="-127"/>
+              <a:ea typeface="G마켓 산스 TTF Bold" panose="02000000000000000000" pitchFamily="2" charset="-127"/>
+            </a:endParaRPr>
+          </a:p>
         </p:txBody>
       </p:sp>
     </p:spTree>
+    <p:extLst>
+      <p:ext uri="{BB962C8B-B14F-4D97-AF65-F5344CB8AC3E}">
+        <p14:creationId xmlns:p14="http://schemas.microsoft.com/office/powerpoint/2010/main" val="947484716"/>
+      </p:ext>
+    </p:extLst>
   </p:cSld>
   <p:clrMapOvr>
     <a:masterClrMapping/>
@@ -12077,522 +12201,6 @@
 </file>
 
 <file path=ppt/slides/slide20.xml><?xml version="1.0" encoding="utf-8"?>
-<p:sld xmlns:a="http://schemas.openxmlformats.org/drawingml/2006/main" xmlns:r="http://schemas.openxmlformats.org/officeDocument/2006/relationships" xmlns:p="http://schemas.openxmlformats.org/presentationml/2006/main">
-  <p:cSld>
-    <p:bg>
-      <p:bgPr>
-        <a:solidFill>
-          <a:schemeClr val="bg1"/>
-        </a:solidFill>
-        <a:effectLst/>
-      </p:bgPr>
-    </p:bg>
-    <p:spTree>
-      <p:nvGrpSpPr>
-        <p:cNvPr id="1" name=""/>
-        <p:cNvGrpSpPr/>
-        <p:nvPr/>
-      </p:nvGrpSpPr>
-      <p:grpSpPr>
-        <a:xfrm>
-          <a:off x="0" y="0"/>
-          <a:ext cx="0" cy="0"/>
-          <a:chOff x="0" y="0"/>
-          <a:chExt cx="0" cy="0"/>
-        </a:xfrm>
-      </p:grpSpPr>
-      <p:sp>
-        <p:nvSpPr>
-          <p:cNvPr id="2" name="사각형: 둥근 모서리 1">
-            <a:extLst>
-              <a:ext uri="{FF2B5EF4-FFF2-40B4-BE49-F238E27FC236}">
-                <a16:creationId xmlns:a16="http://schemas.microsoft.com/office/drawing/2014/main" id="{48874B81-0718-7C9D-8743-47128BA16685}"/>
-              </a:ext>
-            </a:extLst>
-          </p:cNvPr>
-          <p:cNvSpPr/>
-          <p:nvPr/>
-        </p:nvSpPr>
-        <p:spPr>
-          <a:xfrm>
-            <a:off x="715036" y="2874640"/>
-            <a:ext cx="5007664" cy="1800000"/>
-          </a:xfrm>
-          <a:prstGeom prst="roundRect">
-            <a:avLst/>
-          </a:prstGeom>
-          <a:solidFill>
-            <a:srgbClr val="B1C6C7"/>
-          </a:solidFill>
-          <a:ln>
-            <a:noFill/>
-          </a:ln>
-        </p:spPr>
-        <p:style>
-          <a:lnRef idx="2">
-            <a:schemeClr val="accent1">
-              <a:shade val="50000"/>
-            </a:schemeClr>
-          </a:lnRef>
-          <a:fillRef idx="1">
-            <a:schemeClr val="accent1"/>
-          </a:fillRef>
-          <a:effectRef idx="0">
-            <a:schemeClr val="accent1"/>
-          </a:effectRef>
-          <a:fontRef idx="minor">
-            <a:schemeClr val="lt1"/>
-          </a:fontRef>
-        </p:style>
-        <p:txBody>
-          <a:bodyPr rtlCol="0" anchor="ctr"/>
-          <a:lstStyle/>
-          <a:p>
-            <a:pPr algn="ctr"/>
-            <a:endParaRPr lang="ko-KR" altLang="en-US"/>
-          </a:p>
-        </p:txBody>
-      </p:sp>
-      <p:sp>
-        <p:nvSpPr>
-          <p:cNvPr id="3" name="사각형: 둥근 모서리 2">
-            <a:extLst>
-              <a:ext uri="{FF2B5EF4-FFF2-40B4-BE49-F238E27FC236}">
-                <a16:creationId xmlns:a16="http://schemas.microsoft.com/office/drawing/2014/main" id="{884B4D9E-E8E5-82AB-C0A4-A95813D22005}"/>
-              </a:ext>
-            </a:extLst>
-          </p:cNvPr>
-          <p:cNvSpPr/>
-          <p:nvPr/>
-        </p:nvSpPr>
-        <p:spPr>
-          <a:xfrm>
-            <a:off x="6408340" y="2834535"/>
-            <a:ext cx="5007664" cy="1800000"/>
-          </a:xfrm>
-          <a:prstGeom prst="roundRect">
-            <a:avLst/>
-          </a:prstGeom>
-          <a:solidFill>
-            <a:srgbClr val="B1C6C7"/>
-          </a:solidFill>
-          <a:ln>
-            <a:noFill/>
-          </a:ln>
-        </p:spPr>
-        <p:style>
-          <a:lnRef idx="2">
-            <a:schemeClr val="accent1">
-              <a:shade val="50000"/>
-            </a:schemeClr>
-          </a:lnRef>
-          <a:fillRef idx="1">
-            <a:schemeClr val="accent1"/>
-          </a:fillRef>
-          <a:effectRef idx="0">
-            <a:schemeClr val="accent1"/>
-          </a:effectRef>
-          <a:fontRef idx="minor">
-            <a:schemeClr val="lt1"/>
-          </a:fontRef>
-        </p:style>
-        <p:txBody>
-          <a:bodyPr rtlCol="0" anchor="ctr"/>
-          <a:lstStyle/>
-          <a:p>
-            <a:pPr algn="ctr"/>
-            <a:endParaRPr lang="ko-KR" altLang="en-US"/>
-          </a:p>
-        </p:txBody>
-      </p:sp>
-      <p:sp>
-        <p:nvSpPr>
-          <p:cNvPr id="10" name="직사각형 9">
-            <a:extLst>
-              <a:ext uri="{FF2B5EF4-FFF2-40B4-BE49-F238E27FC236}">
-                <a16:creationId xmlns:a16="http://schemas.microsoft.com/office/drawing/2014/main" id="{50F23E1D-8121-CB46-1160-FD2CD7FB610F}"/>
-              </a:ext>
-            </a:extLst>
-          </p:cNvPr>
-          <p:cNvSpPr/>
-          <p:nvPr/>
-        </p:nvSpPr>
-        <p:spPr>
-          <a:xfrm>
-            <a:off x="469900" y="925976"/>
-            <a:ext cx="11226800" cy="5617119"/>
-          </a:xfrm>
-          <a:prstGeom prst="rect">
-            <a:avLst/>
-          </a:prstGeom>
-          <a:noFill/>
-          <a:ln w="28575">
-            <a:solidFill>
-              <a:srgbClr val="A3BCBD"/>
-            </a:solidFill>
-          </a:ln>
-        </p:spPr>
-        <p:style>
-          <a:lnRef idx="2">
-            <a:schemeClr val="accent1">
-              <a:shade val="50000"/>
-            </a:schemeClr>
-          </a:lnRef>
-          <a:fillRef idx="1">
-            <a:schemeClr val="accent1"/>
-          </a:fillRef>
-          <a:effectRef idx="0">
-            <a:schemeClr val="accent1"/>
-          </a:effectRef>
-          <a:fontRef idx="minor">
-            <a:schemeClr val="lt1"/>
-          </a:fontRef>
-        </p:style>
-        <p:txBody>
-          <a:bodyPr rtlCol="0" anchor="ctr"/>
-          <a:lstStyle/>
-          <a:p>
-            <a:pPr algn="ctr"/>
-            <a:endParaRPr lang="ko-KR" altLang="en-US"/>
-          </a:p>
-        </p:txBody>
-      </p:sp>
-      <p:sp>
-        <p:nvSpPr>
-          <p:cNvPr id="11" name="TextBox 10">
-            <a:extLst>
-              <a:ext uri="{FF2B5EF4-FFF2-40B4-BE49-F238E27FC236}">
-                <a16:creationId xmlns:a16="http://schemas.microsoft.com/office/drawing/2014/main" id="{61565F28-1967-4D3F-5EA0-C23EA451E957}"/>
-              </a:ext>
-            </a:extLst>
-          </p:cNvPr>
-          <p:cNvSpPr txBox="1"/>
-          <p:nvPr/>
-        </p:nvSpPr>
-        <p:spPr>
-          <a:xfrm>
-            <a:off x="469900" y="260991"/>
-            <a:ext cx="4273753" cy="584775"/>
-          </a:xfrm>
-          <a:prstGeom prst="rect">
-            <a:avLst/>
-          </a:prstGeom>
-          <a:noFill/>
-        </p:spPr>
-        <p:txBody>
-          <a:bodyPr wrap="square" rtlCol="0">
-            <a:spAutoFit/>
-          </a:bodyPr>
-          <a:lstStyle/>
-          <a:p>
-            <a:r>
-              <a:rPr lang="en-US" altLang="ko-KR" sz="3200" dirty="0">
-                <a:solidFill>
-                  <a:srgbClr val="8BA9AB"/>
-                </a:solidFill>
-                <a:latin typeface="여기어때 잘난체" panose="020B0600000101010101" pitchFamily="50" charset="-127"/>
-                <a:ea typeface="여기어때 잘난체" panose="020B0600000101010101" pitchFamily="50" charset="-127"/>
-              </a:rPr>
-              <a:t>04. </a:t>
-            </a:r>
-            <a:r>
-              <a:rPr lang="ko-KR" altLang="en-US" sz="3200" dirty="0">
-                <a:solidFill>
-                  <a:srgbClr val="8BA9AB"/>
-                </a:solidFill>
-                <a:latin typeface="여기어때 잘난체" panose="020B0600000101010101" pitchFamily="50" charset="-127"/>
-                <a:ea typeface="여기어때 잘난체" panose="020B0600000101010101" pitchFamily="50" charset="-127"/>
-              </a:rPr>
-              <a:t>타 게임과 비교</a:t>
-            </a:r>
-          </a:p>
-        </p:txBody>
-      </p:sp>
-      <p:sp>
-        <p:nvSpPr>
-          <p:cNvPr id="12" name="TextBox 11">
-            <a:extLst>
-              <a:ext uri="{FF2B5EF4-FFF2-40B4-BE49-F238E27FC236}">
-                <a16:creationId xmlns:a16="http://schemas.microsoft.com/office/drawing/2014/main" id="{A5E6E248-FAD2-03B7-617D-78AE1A378E54}"/>
-              </a:ext>
-            </a:extLst>
-          </p:cNvPr>
-          <p:cNvSpPr txBox="1"/>
-          <p:nvPr/>
-        </p:nvSpPr>
-        <p:spPr>
-          <a:xfrm>
-            <a:off x="2942772" y="3359140"/>
-            <a:ext cx="2137124" cy="830997"/>
-          </a:xfrm>
-          <a:prstGeom prst="rect">
-            <a:avLst/>
-          </a:prstGeom>
-          <a:noFill/>
-        </p:spPr>
-        <p:txBody>
-          <a:bodyPr wrap="none" rtlCol="0">
-            <a:spAutoFit/>
-          </a:bodyPr>
-          <a:lstStyle/>
-          <a:p>
-            <a:r>
-              <a:rPr lang="ko-KR" altLang="en-US" sz="2400" dirty="0">
-                <a:solidFill>
-                  <a:schemeClr val="bg1"/>
-                </a:solidFill>
-                <a:latin typeface="G마켓 산스 TTF Bold" panose="02000000000000000000" pitchFamily="2" charset="-127"/>
-                <a:ea typeface="G마켓 산스 TTF Bold" panose="02000000000000000000" pitchFamily="2" charset="-127"/>
-              </a:rPr>
-              <a:t>다양한 무기를 </a:t>
-            </a:r>
-            <a:endParaRPr lang="en-US" altLang="ko-KR" sz="2400" dirty="0">
-              <a:solidFill>
-                <a:schemeClr val="bg1"/>
-              </a:solidFill>
-              <a:latin typeface="G마켓 산스 TTF Bold" panose="02000000000000000000" pitchFamily="2" charset="-127"/>
-              <a:ea typeface="G마켓 산스 TTF Bold" panose="02000000000000000000" pitchFamily="2" charset="-127"/>
-            </a:endParaRPr>
-          </a:p>
-          <a:p>
-            <a:r>
-              <a:rPr lang="ko-KR" altLang="en-US" sz="2400" dirty="0">
-                <a:solidFill>
-                  <a:schemeClr val="bg1"/>
-                </a:solidFill>
-                <a:latin typeface="G마켓 산스 TTF Bold" panose="02000000000000000000" pitchFamily="2" charset="-127"/>
-                <a:ea typeface="G마켓 산스 TTF Bold" panose="02000000000000000000" pitchFamily="2" charset="-127"/>
-              </a:rPr>
-              <a:t>활용한 전투</a:t>
-            </a:r>
-          </a:p>
-        </p:txBody>
-      </p:sp>
-      <p:pic>
-        <p:nvPicPr>
-          <p:cNvPr id="13" name="그림 12">
-            <a:extLst>
-              <a:ext uri="{FF2B5EF4-FFF2-40B4-BE49-F238E27FC236}">
-                <a16:creationId xmlns:a16="http://schemas.microsoft.com/office/drawing/2014/main" id="{2B9FD514-22B6-B019-63B1-E41A0D67784A}"/>
-              </a:ext>
-            </a:extLst>
-          </p:cNvPr>
-          <p:cNvPicPr>
-            <a:picLocks noChangeAspect="1"/>
-          </p:cNvPicPr>
-          <p:nvPr/>
-        </p:nvPicPr>
-        <p:blipFill>
-          <a:blip r:embed="rId2" cstate="print">
-            <a:extLst>
-              <a:ext uri="{28A0092B-C50C-407E-A947-70E740481C1C}">
-                <a14:useLocalDpi xmlns:a14="http://schemas.microsoft.com/office/drawing/2010/main" val="0"/>
-              </a:ext>
-            </a:extLst>
-          </a:blip>
-          <a:stretch>
-            <a:fillRect/>
-          </a:stretch>
-        </p:blipFill>
-        <p:spPr>
-          <a:xfrm>
-            <a:off x="1254234" y="3816067"/>
-            <a:ext cx="572519" cy="572519"/>
-          </a:xfrm>
-          <a:prstGeom prst="rect">
-            <a:avLst/>
-          </a:prstGeom>
-        </p:spPr>
-      </p:pic>
-      <p:pic>
-        <p:nvPicPr>
-          <p:cNvPr id="16" name="그림 15">
-            <a:extLst>
-              <a:ext uri="{FF2B5EF4-FFF2-40B4-BE49-F238E27FC236}">
-                <a16:creationId xmlns:a16="http://schemas.microsoft.com/office/drawing/2014/main" id="{24CD8405-2C60-247F-AD95-DBB4D7D97BD9}"/>
-              </a:ext>
-            </a:extLst>
-          </p:cNvPr>
-          <p:cNvPicPr>
-            <a:picLocks noChangeAspect="1"/>
-          </p:cNvPicPr>
-          <p:nvPr/>
-        </p:nvPicPr>
-        <p:blipFill>
-          <a:blip r:embed="rId3" cstate="print">
-            <a:extLst>
-              <a:ext uri="{28A0092B-C50C-407E-A947-70E740481C1C}">
-                <a14:useLocalDpi xmlns:a14="http://schemas.microsoft.com/office/drawing/2010/main" val="0"/>
-              </a:ext>
-            </a:extLst>
-          </a:blip>
-          <a:stretch>
-            <a:fillRect/>
-          </a:stretch>
-        </p:blipFill>
-        <p:spPr>
-          <a:xfrm>
-            <a:off x="1759386" y="3109398"/>
-            <a:ext cx="627087" cy="627087"/>
-          </a:xfrm>
-          <a:prstGeom prst="rect">
-            <a:avLst/>
-          </a:prstGeom>
-        </p:spPr>
-      </p:pic>
-      <p:pic>
-        <p:nvPicPr>
-          <p:cNvPr id="17" name="그림 16">
-            <a:extLst>
-              <a:ext uri="{FF2B5EF4-FFF2-40B4-BE49-F238E27FC236}">
-                <a16:creationId xmlns:a16="http://schemas.microsoft.com/office/drawing/2014/main" id="{9B8FB1B3-8A35-7D1A-E809-0BCEFDB47982}"/>
-              </a:ext>
-            </a:extLst>
-          </p:cNvPr>
-          <p:cNvPicPr>
-            <a:picLocks noChangeAspect="1"/>
-          </p:cNvPicPr>
-          <p:nvPr/>
-        </p:nvPicPr>
-        <p:blipFill>
-          <a:blip r:embed="rId4" cstate="print">
-            <a:extLst>
-              <a:ext uri="{28A0092B-C50C-407E-A947-70E740481C1C}">
-                <a14:useLocalDpi xmlns:a14="http://schemas.microsoft.com/office/drawing/2010/main" val="0"/>
-              </a:ext>
-            </a:extLst>
-          </a:blip>
-          <a:stretch>
-            <a:fillRect/>
-          </a:stretch>
-        </p:blipFill>
-        <p:spPr>
-          <a:xfrm>
-            <a:off x="879501" y="3162016"/>
-            <a:ext cx="572519" cy="572519"/>
-          </a:xfrm>
-          <a:prstGeom prst="rect">
-            <a:avLst/>
-          </a:prstGeom>
-        </p:spPr>
-      </p:pic>
-      <p:pic>
-        <p:nvPicPr>
-          <p:cNvPr id="19" name="그림 18">
-            <a:extLst>
-              <a:ext uri="{FF2B5EF4-FFF2-40B4-BE49-F238E27FC236}">
-                <a16:creationId xmlns:a16="http://schemas.microsoft.com/office/drawing/2014/main" id="{31B552ED-8D92-D8AD-C3A7-C00261FB106D}"/>
-              </a:ext>
-            </a:extLst>
-          </p:cNvPr>
-          <p:cNvPicPr>
-            <a:picLocks noChangeAspect="1"/>
-          </p:cNvPicPr>
-          <p:nvPr/>
-        </p:nvPicPr>
-        <p:blipFill>
-          <a:blip r:embed="rId5" cstate="print">
-            <a:extLst>
-              <a:ext uri="{28A0092B-C50C-407E-A947-70E740481C1C}">
-                <a14:useLocalDpi xmlns:a14="http://schemas.microsoft.com/office/drawing/2010/main" val="0"/>
-              </a:ext>
-            </a:extLst>
-          </a:blip>
-          <a:stretch>
-            <a:fillRect/>
-          </a:stretch>
-        </p:blipFill>
-        <p:spPr>
-          <a:xfrm>
-            <a:off x="6620682" y="3290738"/>
-            <a:ext cx="967800" cy="967800"/>
-          </a:xfrm>
-          <a:prstGeom prst="rect">
-            <a:avLst/>
-          </a:prstGeom>
-        </p:spPr>
-      </p:pic>
-      <p:sp>
-        <p:nvSpPr>
-          <p:cNvPr id="20" name="TextBox 19">
-            <a:extLst>
-              <a:ext uri="{FF2B5EF4-FFF2-40B4-BE49-F238E27FC236}">
-                <a16:creationId xmlns:a16="http://schemas.microsoft.com/office/drawing/2014/main" id="{C191FD9D-6365-5F68-7F24-614E13672AE1}"/>
-              </a:ext>
-            </a:extLst>
-          </p:cNvPr>
-          <p:cNvSpPr txBox="1"/>
-          <p:nvPr/>
-        </p:nvSpPr>
-        <p:spPr>
-          <a:xfrm>
-            <a:off x="7838698" y="3370706"/>
-            <a:ext cx="3533340" cy="830997"/>
-          </a:xfrm>
-          <a:prstGeom prst="rect">
-            <a:avLst/>
-          </a:prstGeom>
-          <a:noFill/>
-        </p:spPr>
-        <p:txBody>
-          <a:bodyPr wrap="none" rtlCol="0">
-            <a:spAutoFit/>
-          </a:bodyPr>
-          <a:lstStyle/>
-          <a:p>
-            <a:r>
-              <a:rPr lang="ko-KR" altLang="en-US" sz="2400" dirty="0">
-                <a:solidFill>
-                  <a:schemeClr val="bg1"/>
-                </a:solidFill>
-                <a:latin typeface="G마켓 산스 TTF Bold" panose="02000000000000000000" pitchFamily="2" charset="-127"/>
-                <a:ea typeface="G마켓 산스 TTF Bold" panose="02000000000000000000" pitchFamily="2" charset="-127"/>
-              </a:rPr>
-              <a:t>오브젝트와 상호작용하여</a:t>
-            </a:r>
-            <a:endParaRPr lang="en-US" altLang="ko-KR" sz="2400" dirty="0">
-              <a:solidFill>
-                <a:schemeClr val="bg1"/>
-              </a:solidFill>
-              <a:latin typeface="G마켓 산스 TTF Bold" panose="02000000000000000000" pitchFamily="2" charset="-127"/>
-              <a:ea typeface="G마켓 산스 TTF Bold" panose="02000000000000000000" pitchFamily="2" charset="-127"/>
-            </a:endParaRPr>
-          </a:p>
-          <a:p>
-            <a:r>
-              <a:rPr lang="ko-KR" altLang="en-US" sz="2400" dirty="0">
-                <a:solidFill>
-                  <a:schemeClr val="bg1"/>
-                </a:solidFill>
-                <a:latin typeface="G마켓 산스 TTF Bold" panose="02000000000000000000" pitchFamily="2" charset="-127"/>
-                <a:ea typeface="G마켓 산스 TTF Bold" panose="02000000000000000000" pitchFamily="2" charset="-127"/>
-              </a:rPr>
-              <a:t>풀어나가는 퍼즐 </a:t>
-            </a:r>
-            <a:endParaRPr lang="en-US" altLang="ko-KR" sz="2400" dirty="0">
-              <a:solidFill>
-                <a:schemeClr val="bg1"/>
-              </a:solidFill>
-              <a:latin typeface="G마켓 산스 TTF Bold" panose="02000000000000000000" pitchFamily="2" charset="-127"/>
-              <a:ea typeface="G마켓 산스 TTF Bold" panose="02000000000000000000" pitchFamily="2" charset="-127"/>
-            </a:endParaRPr>
-          </a:p>
-        </p:txBody>
-      </p:sp>
-    </p:spTree>
-    <p:extLst>
-      <p:ext uri="{BB962C8B-B14F-4D97-AF65-F5344CB8AC3E}">
-        <p14:creationId xmlns:p14="http://schemas.microsoft.com/office/powerpoint/2010/main" val="947484716"/>
-      </p:ext>
-    </p:extLst>
-  </p:cSld>
-  <p:clrMapOvr>
-    <a:masterClrMapping/>
-  </p:clrMapOvr>
-</p:sld>
-</file>
-
-<file path=ppt/slides/slide21.xml><?xml version="1.0" encoding="utf-8"?>
 <p:sld xmlns:a="http://schemas.openxmlformats.org/drawingml/2006/main" xmlns:r="http://schemas.openxmlformats.org/officeDocument/2006/relationships" xmlns:p="http://schemas.openxmlformats.org/presentationml/2006/main">
   <p:cSld>
     <p:bg>
@@ -16348,42 +15956,6 @@
           </a:p>
         </p:txBody>
       </p:sp>
-      <p:pic>
-        <p:nvPicPr>
-          <p:cNvPr id="7" name="그림 6" descr="텍스트, 점수판이(가) 표시된 사진&#10;&#10;자동 생성된 설명">
-            <a:extLst>
-              <a:ext uri="{FF2B5EF4-FFF2-40B4-BE49-F238E27FC236}">
-                <a16:creationId xmlns:a16="http://schemas.microsoft.com/office/drawing/2014/main" id="{BA59F07F-05EB-E07A-514C-C052843D3250}"/>
-              </a:ext>
-            </a:extLst>
-          </p:cNvPr>
-          <p:cNvPicPr>
-            <a:picLocks noChangeAspect="1"/>
-          </p:cNvPicPr>
-          <p:nvPr/>
-        </p:nvPicPr>
-        <p:blipFill>
-          <a:blip r:embed="rId2">
-            <a:extLst>
-              <a:ext uri="{28A0092B-C50C-407E-A947-70E740481C1C}">
-                <a14:useLocalDpi xmlns:a14="http://schemas.microsoft.com/office/drawing/2010/main" val="0"/>
-              </a:ext>
-            </a:extLst>
-          </a:blip>
-          <a:stretch>
-            <a:fillRect/>
-          </a:stretch>
-        </p:blipFill>
-        <p:spPr>
-          <a:xfrm>
-            <a:off x="825276" y="1497923"/>
-            <a:ext cx="4701988" cy="4701988"/>
-          </a:xfrm>
-          <a:prstGeom prst="rect">
-            <a:avLst/>
-          </a:prstGeom>
-        </p:spPr>
-      </p:pic>
       <p:graphicFrame>
         <p:nvGraphicFramePr>
           <p:cNvPr id="9" name="표 9">
@@ -17098,6 +16670,42 @@
           </a:graphicData>
         </a:graphic>
       </p:graphicFrame>
+      <p:pic>
+        <p:nvPicPr>
+          <p:cNvPr id="3" name="그림 2" descr="텍스트, 점수판이(가) 표시된 사진&#10;&#10;자동 생성된 설명">
+            <a:extLst>
+              <a:ext uri="{FF2B5EF4-FFF2-40B4-BE49-F238E27FC236}">
+                <a16:creationId xmlns:a16="http://schemas.microsoft.com/office/drawing/2014/main" id="{CB35ECB7-5355-2988-601A-B33D49CF3EA8}"/>
+              </a:ext>
+            </a:extLst>
+          </p:cNvPr>
+          <p:cNvPicPr>
+            <a:picLocks noChangeAspect="1"/>
+          </p:cNvPicPr>
+          <p:nvPr/>
+        </p:nvPicPr>
+        <p:blipFill>
+          <a:blip r:embed="rId2">
+            <a:extLst>
+              <a:ext uri="{28A0092B-C50C-407E-A947-70E740481C1C}">
+                <a14:useLocalDpi xmlns:a14="http://schemas.microsoft.com/office/drawing/2010/main" val="0"/>
+              </a:ext>
+            </a:extLst>
+          </a:blip>
+          <a:stretch>
+            <a:fillRect/>
+          </a:stretch>
+        </p:blipFill>
+        <p:spPr>
+          <a:xfrm>
+            <a:off x="626798" y="1075765"/>
+            <a:ext cx="5144760" cy="5144760"/>
+          </a:xfrm>
+          <a:prstGeom prst="rect">
+            <a:avLst/>
+          </a:prstGeom>
+        </p:spPr>
+      </p:pic>
     </p:spTree>
   </p:cSld>
   <p:clrMapOvr>

--- a/Game_Design/2019184003 김 선아 장르 제안서.pptx
+++ b/Game_Design/2019184003 김 선아 장르 제안서.pptx
@@ -14,17 +14,18 @@
     <p:sldId id="274" r:id="rId8"/>
     <p:sldId id="290" r:id="rId9"/>
     <p:sldId id="269" r:id="rId10"/>
-    <p:sldId id="276" r:id="rId11"/>
-    <p:sldId id="289" r:id="rId12"/>
-    <p:sldId id="294" r:id="rId13"/>
-    <p:sldId id="277" r:id="rId14"/>
-    <p:sldId id="272" r:id="rId15"/>
-    <p:sldId id="273" r:id="rId16"/>
-    <p:sldId id="271" r:id="rId17"/>
-    <p:sldId id="279" r:id="rId18"/>
-    <p:sldId id="278" r:id="rId19"/>
-    <p:sldId id="293" r:id="rId20"/>
-    <p:sldId id="262" r:id="rId21"/>
+    <p:sldId id="292" r:id="rId11"/>
+    <p:sldId id="276" r:id="rId12"/>
+    <p:sldId id="289" r:id="rId13"/>
+    <p:sldId id="294" r:id="rId14"/>
+    <p:sldId id="277" r:id="rId15"/>
+    <p:sldId id="272" r:id="rId16"/>
+    <p:sldId id="273" r:id="rId17"/>
+    <p:sldId id="271" r:id="rId18"/>
+    <p:sldId id="279" r:id="rId19"/>
+    <p:sldId id="278" r:id="rId20"/>
+    <p:sldId id="293" r:id="rId21"/>
+    <p:sldId id="262" r:id="rId22"/>
   </p:sldIdLst>
   <p:sldSz cx="12192000" cy="6858000"/>
   <p:notesSz cx="6858000" cy="9144000"/>
@@ -3226,6 +3227,397 @@
         </p:nvSpPr>
         <p:spPr>
           <a:xfrm>
+            <a:off x="469899" y="260991"/>
+            <a:ext cx="7888037" cy="584775"/>
+          </a:xfrm>
+          <a:prstGeom prst="rect">
+            <a:avLst/>
+          </a:prstGeom>
+          <a:noFill/>
+        </p:spPr>
+        <p:txBody>
+          <a:bodyPr wrap="square" rtlCol="0">
+            <a:spAutoFit/>
+          </a:bodyPr>
+          <a:lstStyle/>
+          <a:p>
+            <a:r>
+              <a:rPr lang="en-US" altLang="ko-KR" sz="3200" dirty="0">
+                <a:solidFill>
+                  <a:schemeClr val="bg1"/>
+                </a:solidFill>
+                <a:latin typeface="여기어때 잘난체" panose="020B0600000101010101" pitchFamily="50" charset="-127"/>
+                <a:ea typeface="여기어때 잘난체" panose="020B0600000101010101" pitchFamily="50" charset="-127"/>
+              </a:rPr>
+              <a:t>02. </a:t>
+            </a:r>
+            <a:r>
+              <a:rPr lang="ko-KR" altLang="en-US" sz="3200" dirty="0">
+                <a:solidFill>
+                  <a:schemeClr val="bg1"/>
+                </a:solidFill>
+                <a:latin typeface="여기어때 잘난체" panose="020B0600000101010101" pitchFamily="50" charset="-127"/>
+                <a:ea typeface="여기어때 잘난체" panose="020B0600000101010101" pitchFamily="50" charset="-127"/>
+              </a:rPr>
+              <a:t>게임 소개 </a:t>
+            </a:r>
+            <a:r>
+              <a:rPr lang="en-US" altLang="ko-KR" sz="3200" dirty="0">
+                <a:solidFill>
+                  <a:schemeClr val="bg1"/>
+                </a:solidFill>
+                <a:latin typeface="여기어때 잘난체" panose="020B0600000101010101" pitchFamily="50" charset="-127"/>
+                <a:ea typeface="여기어때 잘난체" panose="020B0600000101010101" pitchFamily="50" charset="-127"/>
+              </a:rPr>
+              <a:t>– </a:t>
+            </a:r>
+            <a:r>
+              <a:rPr lang="ko-KR" altLang="en-US" sz="3200" dirty="0">
+                <a:solidFill>
+                  <a:schemeClr val="bg1"/>
+                </a:solidFill>
+                <a:latin typeface="여기어때 잘난체" panose="020B0600000101010101" pitchFamily="50" charset="-127"/>
+                <a:ea typeface="여기어때 잘난체" panose="020B0600000101010101" pitchFamily="50" charset="-127"/>
+              </a:rPr>
+              <a:t>게임 월드</a:t>
+            </a:r>
+            <a:r>
+              <a:rPr lang="ko-KR" altLang="en-US" sz="2400" dirty="0">
+                <a:solidFill>
+                  <a:schemeClr val="bg1"/>
+                </a:solidFill>
+                <a:latin typeface="여기어때 잘난체" panose="020B0600000101010101" pitchFamily="50" charset="-127"/>
+                <a:ea typeface="여기어때 잘난체" panose="020B0600000101010101" pitchFamily="50" charset="-127"/>
+              </a:rPr>
+              <a:t>  </a:t>
+            </a:r>
+          </a:p>
+        </p:txBody>
+      </p:sp>
+      <p:sp>
+        <p:nvSpPr>
+          <p:cNvPr id="7" name="직사각형 6">
+            <a:extLst>
+              <a:ext uri="{FF2B5EF4-FFF2-40B4-BE49-F238E27FC236}">
+                <a16:creationId xmlns:a16="http://schemas.microsoft.com/office/drawing/2014/main" id="{8D6402C3-8B48-E8FE-94A1-7748C9B253A4}"/>
+              </a:ext>
+            </a:extLst>
+          </p:cNvPr>
+          <p:cNvSpPr/>
+          <p:nvPr/>
+        </p:nvSpPr>
+        <p:spPr>
+          <a:xfrm>
+            <a:off x="469900" y="925976"/>
+            <a:ext cx="11226800" cy="5617119"/>
+          </a:xfrm>
+          <a:prstGeom prst="rect">
+            <a:avLst/>
+          </a:prstGeom>
+          <a:solidFill>
+            <a:schemeClr val="bg1"/>
+          </a:solidFill>
+          <a:ln w="28575">
+            <a:solidFill>
+              <a:srgbClr val="A3BCBD"/>
+            </a:solidFill>
+          </a:ln>
+        </p:spPr>
+        <p:style>
+          <a:lnRef idx="2">
+            <a:schemeClr val="accent1">
+              <a:shade val="50000"/>
+            </a:schemeClr>
+          </a:lnRef>
+          <a:fillRef idx="1">
+            <a:schemeClr val="accent1"/>
+          </a:fillRef>
+          <a:effectRef idx="0">
+            <a:schemeClr val="accent1"/>
+          </a:effectRef>
+          <a:fontRef idx="minor">
+            <a:schemeClr val="lt1"/>
+          </a:fontRef>
+        </p:style>
+        <p:txBody>
+          <a:bodyPr rtlCol="0" anchor="ctr"/>
+          <a:lstStyle/>
+          <a:p>
+            <a:pPr algn="ctr"/>
+            <a:r>
+              <a:rPr lang="en-US" altLang="ko-KR"/>
+              <a:t>s</a:t>
+            </a:r>
+            <a:endParaRPr lang="ko-KR" altLang="en-US"/>
+          </a:p>
+        </p:txBody>
+      </p:sp>
+      <p:sp>
+        <p:nvSpPr>
+          <p:cNvPr id="3" name="TextBox 2">
+            <a:extLst>
+              <a:ext uri="{FF2B5EF4-FFF2-40B4-BE49-F238E27FC236}">
+                <a16:creationId xmlns:a16="http://schemas.microsoft.com/office/drawing/2014/main" id="{A299D9E0-4B28-433E-53EC-C5422418BF4A}"/>
+              </a:ext>
+            </a:extLst>
+          </p:cNvPr>
+          <p:cNvSpPr txBox="1"/>
+          <p:nvPr/>
+        </p:nvSpPr>
+        <p:spPr>
+          <a:xfrm flipH="1">
+            <a:off x="741680" y="929592"/>
+            <a:ext cx="1280160" cy="600164"/>
+          </a:xfrm>
+          <a:prstGeom prst="rect">
+            <a:avLst/>
+          </a:prstGeom>
+          <a:noFill/>
+          <a:ln>
+            <a:noFill/>
+          </a:ln>
+        </p:spPr>
+        <p:txBody>
+          <a:bodyPr wrap="square" rtlCol="0">
+            <a:spAutoFit/>
+          </a:bodyPr>
+          <a:lstStyle/>
+          <a:p>
+            <a:pPr algn="ctr">
+              <a:lnSpc>
+                <a:spcPct val="150000"/>
+              </a:lnSpc>
+            </a:pPr>
+            <a:r>
+              <a:rPr lang="ko-KR" altLang="en-US" sz="2400" dirty="0" err="1">
+                <a:latin typeface="G마켓 산스 TTF Medium" panose="02000000000000000000" pitchFamily="2" charset="-127"/>
+                <a:ea typeface="G마켓 산스 TTF Medium" panose="02000000000000000000" pitchFamily="2" charset="-127"/>
+              </a:rPr>
+              <a:t>잡몬전</a:t>
+            </a:r>
+            <a:endParaRPr lang="en-US" altLang="ko-KR" sz="2400" dirty="0">
+              <a:latin typeface="G마켓 산스 TTF Medium" panose="02000000000000000000" pitchFamily="2" charset="-127"/>
+              <a:ea typeface="G마켓 산스 TTF Medium" panose="02000000000000000000" pitchFamily="2" charset="-127"/>
+            </a:endParaRPr>
+          </a:p>
+        </p:txBody>
+      </p:sp>
+      <p:sp>
+        <p:nvSpPr>
+          <p:cNvPr id="4" name="TextBox 3">
+            <a:extLst>
+              <a:ext uri="{FF2B5EF4-FFF2-40B4-BE49-F238E27FC236}">
+                <a16:creationId xmlns:a16="http://schemas.microsoft.com/office/drawing/2014/main" id="{06CCE082-24EE-5BE6-5D3C-58121341487B}"/>
+              </a:ext>
+            </a:extLst>
+          </p:cNvPr>
+          <p:cNvSpPr txBox="1"/>
+          <p:nvPr/>
+        </p:nvSpPr>
+        <p:spPr>
+          <a:xfrm flipH="1">
+            <a:off x="6295390" y="929592"/>
+            <a:ext cx="1280160" cy="600164"/>
+          </a:xfrm>
+          <a:prstGeom prst="rect">
+            <a:avLst/>
+          </a:prstGeom>
+          <a:noFill/>
+          <a:ln>
+            <a:noFill/>
+          </a:ln>
+        </p:spPr>
+        <p:txBody>
+          <a:bodyPr wrap="square" rtlCol="0">
+            <a:spAutoFit/>
+          </a:bodyPr>
+          <a:lstStyle/>
+          <a:p>
+            <a:pPr algn="ctr">
+              <a:lnSpc>
+                <a:spcPct val="150000"/>
+              </a:lnSpc>
+            </a:pPr>
+            <a:r>
+              <a:rPr lang="ko-KR" altLang="en-US" sz="2400" dirty="0" err="1">
+                <a:latin typeface="G마켓 산스 TTF Medium" panose="02000000000000000000" pitchFamily="2" charset="-127"/>
+                <a:ea typeface="G마켓 산스 TTF Medium" panose="02000000000000000000" pitchFamily="2" charset="-127"/>
+              </a:rPr>
+              <a:t>보스전</a:t>
+            </a:r>
+            <a:endParaRPr lang="en-US" altLang="ko-KR" sz="2400" dirty="0">
+              <a:latin typeface="G마켓 산스 TTF Medium" panose="02000000000000000000" pitchFamily="2" charset="-127"/>
+              <a:ea typeface="G마켓 산스 TTF Medium" panose="02000000000000000000" pitchFamily="2" charset="-127"/>
+            </a:endParaRPr>
+          </a:p>
+        </p:txBody>
+      </p:sp>
+      <p:pic>
+        <p:nvPicPr>
+          <p:cNvPr id="6" name="그림 5">
+            <a:extLst>
+              <a:ext uri="{FF2B5EF4-FFF2-40B4-BE49-F238E27FC236}">
+                <a16:creationId xmlns:a16="http://schemas.microsoft.com/office/drawing/2014/main" id="{C6DA37E8-BCCD-C36F-54EB-D828A34D4451}"/>
+              </a:ext>
+            </a:extLst>
+          </p:cNvPr>
+          <p:cNvPicPr>
+            <a:picLocks noChangeAspect="1"/>
+          </p:cNvPicPr>
+          <p:nvPr/>
+        </p:nvPicPr>
+        <p:blipFill>
+          <a:blip r:embed="rId2">
+            <a:extLst>
+              <a:ext uri="{28A0092B-C50C-407E-A947-70E740481C1C}">
+                <a14:useLocalDpi xmlns:a14="http://schemas.microsoft.com/office/drawing/2010/main" val="0"/>
+              </a:ext>
+            </a:extLst>
+          </a:blip>
+          <a:stretch>
+            <a:fillRect/>
+          </a:stretch>
+        </p:blipFill>
+        <p:spPr>
+          <a:xfrm>
+            <a:off x="936812" y="1596519"/>
+            <a:ext cx="4585447" cy="4585447"/>
+          </a:xfrm>
+          <a:prstGeom prst="rect">
+            <a:avLst/>
+          </a:prstGeom>
+        </p:spPr>
+      </p:pic>
+      <p:pic>
+        <p:nvPicPr>
+          <p:cNvPr id="10" name="그림 9" descr="텍스트, 점수판, 구급 상자이(가) 표시된 사진&#10;&#10;자동 생성된 설명">
+            <a:extLst>
+              <a:ext uri="{FF2B5EF4-FFF2-40B4-BE49-F238E27FC236}">
+                <a16:creationId xmlns:a16="http://schemas.microsoft.com/office/drawing/2014/main" id="{2574396A-1B4D-475B-30B3-86DFC2DB41E2}"/>
+              </a:ext>
+            </a:extLst>
+          </p:cNvPr>
+          <p:cNvPicPr>
+            <a:picLocks noChangeAspect="1"/>
+          </p:cNvPicPr>
+          <p:nvPr/>
+        </p:nvPicPr>
+        <p:blipFill>
+          <a:blip r:embed="rId3">
+            <a:extLst>
+              <a:ext uri="{28A0092B-C50C-407E-A947-70E740481C1C}">
+                <a14:useLocalDpi xmlns:a14="http://schemas.microsoft.com/office/drawing/2010/main" val="0"/>
+              </a:ext>
+            </a:extLst>
+          </a:blip>
+          <a:stretch>
+            <a:fillRect/>
+          </a:stretch>
+        </p:blipFill>
+        <p:spPr>
+          <a:xfrm>
+            <a:off x="6521823" y="1703360"/>
+            <a:ext cx="4666130" cy="4666130"/>
+          </a:xfrm>
+          <a:prstGeom prst="rect">
+            <a:avLst/>
+          </a:prstGeom>
+        </p:spPr>
+      </p:pic>
+    </p:spTree>
+    <p:extLst>
+      <p:ext uri="{BB962C8B-B14F-4D97-AF65-F5344CB8AC3E}">
+        <p14:creationId xmlns:p14="http://schemas.microsoft.com/office/powerpoint/2010/main" val="2419748640"/>
+      </p:ext>
+    </p:extLst>
+  </p:cSld>
+  <p:clrMapOvr>
+    <a:masterClrMapping/>
+  </p:clrMapOvr>
+</p:sld>
+</file>
+
+<file path=ppt/slides/slide11.xml><?xml version="1.0" encoding="utf-8"?>
+<p:sld xmlns:a="http://schemas.openxmlformats.org/drawingml/2006/main" xmlns:r="http://schemas.openxmlformats.org/officeDocument/2006/relationships" xmlns:p="http://schemas.openxmlformats.org/presentationml/2006/main">
+  <p:cSld>
+    <p:bg>
+      <p:bgPr>
+        <a:solidFill>
+          <a:srgbClr val="8BA9AB"/>
+        </a:solidFill>
+        <a:effectLst/>
+      </p:bgPr>
+    </p:bg>
+    <p:spTree>
+      <p:nvGrpSpPr>
+        <p:cNvPr id="1" name=""/>
+        <p:cNvGrpSpPr/>
+        <p:nvPr/>
+      </p:nvGrpSpPr>
+      <p:grpSpPr>
+        <a:xfrm>
+          <a:off x="0" y="0"/>
+          <a:ext cx="0" cy="0"/>
+          <a:chOff x="0" y="0"/>
+          <a:chExt cx="0" cy="0"/>
+        </a:xfrm>
+      </p:grpSpPr>
+      <p:sp>
+        <p:nvSpPr>
+          <p:cNvPr id="15" name="직사각형 14"/>
+          <p:cNvSpPr/>
+          <p:nvPr/>
+        </p:nvSpPr>
+        <p:spPr>
+          <a:xfrm>
+            <a:off x="469900" y="925976"/>
+            <a:ext cx="11226800" cy="5617119"/>
+          </a:xfrm>
+          <a:prstGeom prst="rect">
+            <a:avLst/>
+          </a:prstGeom>
+          <a:solidFill>
+            <a:schemeClr val="bg1"/>
+          </a:solidFill>
+          <a:ln w="28575">
+            <a:solidFill>
+              <a:srgbClr val="A3BCBD"/>
+            </a:solidFill>
+          </a:ln>
+        </p:spPr>
+        <p:style>
+          <a:lnRef idx="2">
+            <a:schemeClr val="accent1">
+              <a:shade val="50000"/>
+            </a:schemeClr>
+          </a:lnRef>
+          <a:fillRef idx="1">
+            <a:schemeClr val="accent1"/>
+          </a:fillRef>
+          <a:effectRef idx="0">
+            <a:schemeClr val="accent1"/>
+          </a:effectRef>
+          <a:fontRef idx="minor">
+            <a:schemeClr val="lt1"/>
+          </a:fontRef>
+        </p:style>
+        <p:txBody>
+          <a:bodyPr rtlCol="0" anchor="ctr"/>
+          <a:lstStyle/>
+          <a:p>
+            <a:pPr algn="ctr"/>
+            <a:endParaRPr lang="ko-KR" altLang="en-US"/>
+          </a:p>
+        </p:txBody>
+      </p:sp>
+      <p:sp>
+        <p:nvSpPr>
+          <p:cNvPr id="18" name="TextBox 17"/>
+          <p:cNvSpPr txBox="1"/>
+          <p:nvPr/>
+        </p:nvSpPr>
+        <p:spPr>
+          <a:xfrm>
             <a:off x="469900" y="260991"/>
             <a:ext cx="6692900" cy="584775"/>
           </a:xfrm>
@@ -3298,14 +3690,14 @@
           <p:nvPr>
             <p:extLst>
               <p:ext uri="{D42A27DB-BD31-4B8C-83A1-F6EECF244321}">
-                <p14:modId xmlns:p14="http://schemas.microsoft.com/office/powerpoint/2010/main" val="2561999175"/>
+                <p14:modId xmlns:p14="http://schemas.microsoft.com/office/powerpoint/2010/main" val="724957805"/>
               </p:ext>
             </p:extLst>
           </p:nvPr>
         </p:nvGraphicFramePr>
         <p:xfrm>
-          <a:off x="5501640" y="1116690"/>
-          <a:ext cx="5989320" cy="5628438"/>
+          <a:off x="5524790" y="1245381"/>
+          <a:ext cx="5989320" cy="5102340"/>
         </p:xfrm>
         <a:graphic>
           <a:graphicData uri="http://schemas.openxmlformats.org/drawingml/2006/table">
@@ -3341,7 +3733,7 @@
                         </a:lnSpc>
                       </a:pPr>
                       <a:r>
-                        <a:rPr lang="ko-KR" altLang="en-US" b="0" dirty="0">
+                        <a:rPr lang="ko-KR" altLang="en-US" sz="1600" b="0" dirty="0">
                           <a:solidFill>
                             <a:schemeClr val="tx1"/>
                           </a:solidFill>
@@ -3405,7 +3797,7 @@
                         </a:lnSpc>
                       </a:pPr>
                       <a:r>
-                        <a:rPr lang="en-US" altLang="ko-KR" b="0" dirty="0">
+                        <a:rPr lang="en-US" altLang="ko-KR" sz="1600" b="0" dirty="0">
                           <a:solidFill>
                             <a:schemeClr val="tx1"/>
                           </a:solidFill>
@@ -3414,7 +3806,7 @@
                         </a:rPr>
                         <a:t>100</a:t>
                       </a:r>
-                      <a:endParaRPr lang="ko-KR" altLang="en-US" b="0" dirty="0">
+                      <a:endParaRPr lang="ko-KR" altLang="en-US" sz="1600" b="0" dirty="0">
                         <a:solidFill>
                           <a:schemeClr val="tx1"/>
                         </a:solidFill>
@@ -3483,7 +3875,7 @@
                         </a:lnSpc>
                       </a:pPr>
                       <a:r>
-                        <a:rPr lang="ko-KR" altLang="en-US" b="0" dirty="0">
+                        <a:rPr lang="ko-KR" altLang="en-US" sz="1600" b="0" dirty="0">
                           <a:solidFill>
                             <a:schemeClr val="tx1"/>
                           </a:solidFill>
@@ -3547,7 +3939,7 @@
                         </a:lnSpc>
                       </a:pPr>
                       <a:r>
-                        <a:rPr lang="ko-KR" altLang="en-US" b="0" dirty="0">
+                        <a:rPr lang="ko-KR" altLang="en-US" sz="1600" b="0" dirty="0">
                           <a:solidFill>
                             <a:schemeClr val="tx1"/>
                           </a:solidFill>
@@ -3557,7 +3949,7 @@
                         <a:t>나뭇가지 </a:t>
                       </a:r>
                       <a:r>
-                        <a:rPr lang="en-US" altLang="ko-KR" b="0" dirty="0">
+                        <a:rPr lang="en-US" altLang="ko-KR" sz="1600" b="0" dirty="0">
                           <a:solidFill>
                             <a:schemeClr val="tx1"/>
                           </a:solidFill>
@@ -3567,7 +3959,7 @@
                         <a:t>: 10 </a:t>
                       </a:r>
                       <a:r>
-                        <a:rPr lang="ko-KR" altLang="en-US" b="0" dirty="0">
+                        <a:rPr lang="ko-KR" altLang="en-US" sz="1600" b="0" dirty="0">
                           <a:solidFill>
                             <a:schemeClr val="tx1"/>
                           </a:solidFill>
@@ -3577,7 +3969,7 @@
                         <a:t>칼 </a:t>
                       </a:r>
                       <a:r>
-                        <a:rPr lang="en-US" altLang="ko-KR" b="0" dirty="0">
+                        <a:rPr lang="en-US" altLang="ko-KR" sz="1600" b="0" dirty="0">
                           <a:solidFill>
                             <a:schemeClr val="tx1"/>
                           </a:solidFill>
@@ -3587,7 +3979,7 @@
                         <a:t>: 20 </a:t>
                       </a:r>
                       <a:r>
-                        <a:rPr lang="ko-KR" altLang="en-US" b="0" dirty="0">
+                        <a:rPr lang="ko-KR" altLang="en-US" sz="1600" b="0" dirty="0">
                           <a:solidFill>
                             <a:schemeClr val="tx1"/>
                           </a:solidFill>
@@ -3597,7 +3989,7 @@
                         <a:t>활 </a:t>
                       </a:r>
                       <a:r>
-                        <a:rPr lang="en-US" altLang="ko-KR" b="0" dirty="0">
+                        <a:rPr lang="en-US" altLang="ko-KR" sz="1600" b="0" dirty="0">
                           <a:solidFill>
                             <a:schemeClr val="tx1"/>
                           </a:solidFill>
@@ -3606,7 +3998,7 @@
                         </a:rPr>
                         <a:t>: 40</a:t>
                       </a:r>
-                      <a:endParaRPr lang="ko-KR" altLang="en-US" b="0" dirty="0">
+                      <a:endParaRPr lang="ko-KR" altLang="en-US" sz="1600" b="0" dirty="0">
                         <a:solidFill>
                           <a:schemeClr val="tx1"/>
                         </a:solidFill>
@@ -3675,7 +4067,7 @@
                         </a:lnSpc>
                       </a:pPr>
                       <a:r>
-                        <a:rPr lang="ko-KR" altLang="en-US" b="0" dirty="0">
+                        <a:rPr lang="ko-KR" altLang="en-US" sz="1600" b="0" dirty="0">
                           <a:solidFill>
                             <a:schemeClr val="tx1"/>
                           </a:solidFill>
@@ -3739,7 +4131,7 @@
                         </a:lnSpc>
                       </a:pPr>
                       <a:r>
-                        <a:rPr lang="en-US" altLang="ko-KR" b="0" dirty="0">
+                        <a:rPr lang="en-US" altLang="ko-KR" sz="1600" b="0" dirty="0">
                           <a:solidFill>
                             <a:schemeClr val="tx1"/>
                           </a:solidFill>
@@ -3748,7 +4140,7 @@
                         </a:rPr>
                         <a:t>150cm</a:t>
                       </a:r>
-                      <a:endParaRPr lang="ko-KR" altLang="en-US" b="0" dirty="0">
+                      <a:endParaRPr lang="ko-KR" altLang="en-US" sz="1600" b="0" dirty="0">
                         <a:solidFill>
                           <a:schemeClr val="tx1"/>
                         </a:solidFill>
@@ -3817,7 +4209,7 @@
                         </a:lnSpc>
                       </a:pPr>
                       <a:r>
-                        <a:rPr lang="ko-KR" altLang="en-US" b="0" dirty="0">
+                        <a:rPr lang="ko-KR" altLang="en-US" sz="1600" b="0" dirty="0">
                           <a:solidFill>
                             <a:schemeClr val="tx1"/>
                           </a:solidFill>
@@ -3893,7 +4285,7 @@
                         <a:defRPr/>
                       </a:pPr>
                       <a:r>
-                        <a:rPr lang="en-US" altLang="ko-KR" b="0" dirty="0">
+                        <a:rPr lang="en-US" altLang="ko-KR" sz="1600" b="0" dirty="0">
                           <a:solidFill>
                             <a:schemeClr val="tx1"/>
                           </a:solidFill>
@@ -3902,7 +4294,7 @@
                         </a:rPr>
                         <a:t>3 km/h = 83 cm/s</a:t>
                       </a:r>
-                      <a:endParaRPr lang="ko-KR" altLang="en-US" b="0" dirty="0">
+                      <a:endParaRPr lang="ko-KR" altLang="en-US" sz="1600" b="0" dirty="0">
                         <a:solidFill>
                           <a:schemeClr val="tx1"/>
                         </a:solidFill>
@@ -3971,7 +4363,7 @@
                         </a:lnSpc>
                       </a:pPr>
                       <a:r>
-                        <a:rPr lang="ko-KR" altLang="en-US" b="0" dirty="0">
+                        <a:rPr lang="ko-KR" altLang="en-US" sz="1600" b="0" dirty="0">
                           <a:solidFill>
                             <a:schemeClr val="tx1"/>
                           </a:solidFill>
@@ -4035,7 +4427,7 @@
                         </a:lnSpc>
                       </a:pPr>
                       <a:r>
-                        <a:rPr lang="en-US" altLang="ko-KR" b="0" dirty="0">
+                        <a:rPr lang="en-US" altLang="ko-KR" sz="1600" b="0" dirty="0">
                           <a:solidFill>
                             <a:schemeClr val="tx1"/>
                           </a:solidFill>
@@ -4044,7 +4436,7 @@
                         </a:rPr>
                         <a:t>9 km/h = 250 cm/s</a:t>
                       </a:r>
-                      <a:endParaRPr lang="ko-KR" altLang="en-US" b="0" dirty="0">
+                      <a:endParaRPr lang="ko-KR" altLang="en-US" sz="1600" b="0" dirty="0">
                         <a:solidFill>
                           <a:schemeClr val="tx1"/>
                         </a:solidFill>
@@ -4113,7 +4505,7 @@
                         </a:lnSpc>
                       </a:pPr>
                       <a:r>
-                        <a:rPr lang="ko-KR" altLang="en-US" b="0" dirty="0">
+                        <a:rPr lang="ko-KR" altLang="en-US" sz="1600" b="0" dirty="0">
                           <a:solidFill>
                             <a:schemeClr val="tx1"/>
                           </a:solidFill>
@@ -4177,7 +4569,7 @@
                         </a:lnSpc>
                       </a:pPr>
                       <a:r>
-                        <a:rPr lang="en-US" altLang="ko-KR" b="0" dirty="0">
+                        <a:rPr lang="en-US" altLang="ko-KR" sz="1600" b="0" dirty="0">
                           <a:solidFill>
                             <a:schemeClr val="tx1"/>
                           </a:solidFill>
@@ -4187,7 +4579,7 @@
                         <a:t>Idle, </a:t>
                       </a:r>
                       <a:r>
-                        <a:rPr lang="ko-KR" altLang="en-US" b="0" dirty="0">
+                        <a:rPr lang="ko-KR" altLang="en-US" sz="1600" b="0" dirty="0">
                           <a:solidFill>
                             <a:schemeClr val="tx1"/>
                           </a:solidFill>
@@ -4197,7 +4589,7 @@
                         <a:t>걷기</a:t>
                       </a:r>
                       <a:r>
-                        <a:rPr lang="en-US" altLang="ko-KR" b="0" dirty="0">
+                        <a:rPr lang="en-US" altLang="ko-KR" sz="1600" b="0" dirty="0">
                           <a:solidFill>
                             <a:schemeClr val="tx1"/>
                           </a:solidFill>
@@ -4207,7 +4599,7 @@
                         <a:t>, </a:t>
                       </a:r>
                       <a:r>
-                        <a:rPr lang="ko-KR" altLang="en-US" b="0" dirty="0">
+                        <a:rPr lang="ko-KR" altLang="en-US" sz="1600" b="0" dirty="0">
                           <a:solidFill>
                             <a:schemeClr val="tx1"/>
                           </a:solidFill>
@@ -4217,7 +4609,7 @@
                         <a:t>뛰기</a:t>
                       </a:r>
                       <a:r>
-                        <a:rPr lang="en-US" altLang="ko-KR" b="0" dirty="0">
+                        <a:rPr lang="en-US" altLang="ko-KR" sz="1600" b="0" dirty="0">
                           <a:solidFill>
                             <a:schemeClr val="tx1"/>
                           </a:solidFill>
@@ -4227,7 +4619,7 @@
                         <a:t>, </a:t>
                       </a:r>
                       <a:r>
-                        <a:rPr lang="ko-KR" altLang="en-US" b="0" dirty="0">
+                        <a:rPr lang="ko-KR" altLang="en-US" sz="1600" b="0" dirty="0">
                           <a:solidFill>
                             <a:schemeClr val="tx1"/>
                           </a:solidFill>
@@ -4237,7 +4629,7 @@
                         <a:t>점프</a:t>
                       </a:r>
                       <a:r>
-                        <a:rPr lang="en-US" altLang="ko-KR" b="0" dirty="0">
+                        <a:rPr lang="en-US" altLang="ko-KR" sz="1600" b="0" dirty="0">
                           <a:solidFill>
                             <a:schemeClr val="tx1"/>
                           </a:solidFill>
@@ -4247,7 +4639,7 @@
                         <a:t>, </a:t>
                       </a:r>
                       <a:r>
-                        <a:rPr lang="ko-KR" altLang="en-US" b="0" dirty="0">
+                        <a:rPr lang="ko-KR" altLang="en-US" sz="1600" b="0" dirty="0">
                           <a:solidFill>
                             <a:schemeClr val="tx1"/>
                           </a:solidFill>
@@ -4257,7 +4649,7 @@
                         <a:t>사망</a:t>
                       </a:r>
                       <a:r>
-                        <a:rPr lang="en-US" altLang="ko-KR" b="0" dirty="0">
+                        <a:rPr lang="en-US" altLang="ko-KR" sz="1600" b="0" dirty="0">
                           <a:solidFill>
                             <a:schemeClr val="tx1"/>
                           </a:solidFill>
@@ -4267,7 +4659,7 @@
                         <a:t>, </a:t>
                       </a:r>
                       <a:r>
-                        <a:rPr lang="ko-KR" altLang="en-US" b="0" dirty="0">
+                        <a:rPr lang="ko-KR" altLang="en-US" sz="1600" b="0" dirty="0">
                           <a:solidFill>
                             <a:schemeClr val="tx1"/>
                           </a:solidFill>
@@ -4277,7 +4669,7 @@
                         <a:t>활 쏘기</a:t>
                       </a:r>
                       <a:r>
-                        <a:rPr lang="en-US" altLang="ko-KR" b="0" dirty="0">
+                        <a:rPr lang="en-US" altLang="ko-KR" sz="1600" b="0" dirty="0">
                           <a:solidFill>
                             <a:schemeClr val="tx1"/>
                           </a:solidFill>
@@ -4294,7 +4686,7 @@
                         </a:lnSpc>
                       </a:pPr>
                       <a:r>
-                        <a:rPr lang="ko-KR" altLang="en-US" b="0" dirty="0">
+                        <a:rPr lang="ko-KR" altLang="en-US" sz="1600" b="0" dirty="0">
                           <a:solidFill>
                             <a:schemeClr val="tx1"/>
                           </a:solidFill>
@@ -4304,7 +4696,7 @@
                         <a:t>검 휘두르기</a:t>
                       </a:r>
                       <a:r>
-                        <a:rPr lang="en-US" altLang="ko-KR" b="0" dirty="0">
+                        <a:rPr lang="en-US" altLang="ko-KR" sz="1600" b="0" dirty="0">
                           <a:solidFill>
                             <a:schemeClr val="tx1"/>
                           </a:solidFill>
@@ -4314,7 +4706,7 @@
                         <a:t>, </a:t>
                       </a:r>
                       <a:r>
-                        <a:rPr lang="ko-KR" altLang="en-US" b="0" dirty="0">
+                        <a:rPr lang="ko-KR" altLang="en-US" sz="1600" b="0" dirty="0">
                           <a:solidFill>
                             <a:schemeClr val="tx1"/>
                           </a:solidFill>
@@ -4324,7 +4716,7 @@
                         <a:t>몽둥이 내려치기</a:t>
                       </a:r>
                       <a:r>
-                        <a:rPr lang="en-US" altLang="ko-KR" b="0" dirty="0">
+                        <a:rPr lang="en-US" altLang="ko-KR" sz="1600" b="0" dirty="0">
                           <a:solidFill>
                             <a:schemeClr val="tx1"/>
                           </a:solidFill>
@@ -4341,7 +4733,7 @@
                         </a:lnSpc>
                       </a:pPr>
                       <a:r>
-                        <a:rPr lang="ko-KR" altLang="en-US" b="0" dirty="0">
+                        <a:rPr lang="ko-KR" altLang="en-US" sz="1600" b="0" dirty="0">
                           <a:solidFill>
                             <a:schemeClr val="tx1"/>
                           </a:solidFill>
@@ -4351,7 +4743,7 @@
                         <a:t>아이템 획득</a:t>
                       </a:r>
                       <a:r>
-                        <a:rPr lang="en-US" altLang="ko-KR" b="0" dirty="0">
+                        <a:rPr lang="en-US" altLang="ko-KR" sz="1600" b="0" dirty="0">
                           <a:solidFill>
                             <a:schemeClr val="tx1"/>
                           </a:solidFill>
@@ -4361,7 +4753,7 @@
                         <a:t>, </a:t>
                       </a:r>
                       <a:r>
-                        <a:rPr lang="ko-KR" altLang="en-US" b="0" dirty="0">
+                        <a:rPr lang="ko-KR" altLang="en-US" sz="1600" b="0" dirty="0">
                           <a:solidFill>
                             <a:schemeClr val="tx1"/>
                           </a:solidFill>
@@ -4371,7 +4763,7 @@
                         <a:t>오브젝트 옮기기</a:t>
                       </a:r>
                       <a:r>
-                        <a:rPr lang="en-US" altLang="ko-KR" b="0" dirty="0">
+                        <a:rPr lang="en-US" altLang="ko-KR" sz="1600" b="0" dirty="0">
                           <a:solidFill>
                             <a:schemeClr val="tx1"/>
                           </a:solidFill>
@@ -4381,7 +4773,7 @@
                         <a:t>, </a:t>
                       </a:r>
                       <a:r>
-                        <a:rPr lang="ko-KR" altLang="en-US" b="0" dirty="0">
+                        <a:rPr lang="ko-KR" altLang="en-US" sz="1600" b="0" dirty="0">
                           <a:solidFill>
                             <a:schemeClr val="tx1"/>
                           </a:solidFill>
@@ -4488,7 +4880,7 @@
 </p:sld>
 </file>
 
-<file path=ppt/slides/slide11.xml><?xml version="1.0" encoding="utf-8"?>
+<file path=ppt/slides/slide12.xml><?xml version="1.0" encoding="utf-8"?>
 <p:sld xmlns:a="http://schemas.openxmlformats.org/drawingml/2006/main" xmlns:r="http://schemas.openxmlformats.org/officeDocument/2006/relationships" xmlns:p="http://sc